--- a/slides/19_ML_intro.pptx
+++ b/slides/19_ML_intro.pptx
@@ -5119,7 +5119,30 @@
                   </a:outerShdw>
                 </a:effectLst>
               </a:rPr>
-              <a:t>CS 5/7320 Artificial Intelligence</a:t>
+              <a:t>CS 5/7320 </a:t>
+            </a:r>
+            <a:br>
+              <a:rPr lang="en-US" sz="3600" b="1" dirty="0">
+                <a:effectLst>
+                  <a:outerShdw blurRad="38100" dist="38100" dir="2700000" algn="tl">
+                    <a:srgbClr val="000000">
+                      <a:alpha val="43137"/>
+                    </a:srgbClr>
+                  </a:outerShdw>
+                </a:effectLst>
+              </a:rPr>
+            </a:br>
+            <a:r>
+              <a:rPr lang="en-US" sz="3600" b="1" dirty="0">
+                <a:effectLst>
+                  <a:outerShdw blurRad="38100" dist="38100" dir="2700000" algn="tl">
+                    <a:srgbClr val="000000">
+                      <a:alpha val="43137"/>
+                    </a:srgbClr>
+                  </a:outerShdw>
+                </a:effectLst>
+              </a:rPr>
+              <a:t>Artificial Intelligence</a:t>
             </a:r>
             <a:br>
               <a:rPr lang="en-US" sz="3600" b="1" dirty="0">
@@ -5178,6 +5201,30 @@
               </a:rPr>
               <a:t>from Examples</a:t>
             </a:r>
+            <a:br>
+              <a:rPr lang="en-US" sz="3600" b="1" dirty="0">
+                <a:effectLst>
+                  <a:outerShdw blurRad="38100" dist="38100" dir="2700000" algn="tl">
+                    <a:srgbClr val="000000">
+                      <a:alpha val="43137"/>
+                    </a:srgbClr>
+                  </a:outerShdw>
+                </a:effectLst>
+              </a:rPr>
+            </a:br>
+            <a:r>
+              <a:rPr lang="en-US" sz="2800" dirty="0"/>
+              <a:t>AIMA Chapter 19</a:t>
+            </a:r>
+            <a:endParaRPr lang="en-US" sz="3600" dirty="0">
+              <a:effectLst>
+                <a:outerShdw blurRad="38100" dist="38100" dir="2700000" algn="tl">
+                  <a:srgbClr val="000000">
+                    <a:alpha val="43137"/>
+                  </a:srgbClr>
+                </a:outerShdw>
+              </a:effectLst>
+            </a:endParaRPr>
           </a:p>
         </p:txBody>
       </p:sp>
@@ -5199,15 +5246,110 @@
         </p:spPr>
         <p:txBody>
           <a:bodyPr>
-            <a:normAutofit/>
+            <a:normAutofit fontScale="85000" lnSpcReduction="10000"/>
           </a:bodyPr>
           <a:lstStyle/>
           <a:p>
             <a:pPr algn="l"/>
             <a:r>
-              <a:rPr lang="en-US" sz="2000" b="1" dirty="0"/>
-              <a:t>AIMA Chapter 19</a:t>
-            </a:r>
+              <a:rPr lang="en-US" dirty="0">
+                <a:solidFill>
+                  <a:schemeClr val="tx1">
+                    <a:lumMod val="75000"/>
+                  </a:schemeClr>
+                </a:solidFill>
+                <a:cs typeface="Calibri"/>
+              </a:rPr>
+              <a:t>Slides by Michael Hahsler  </a:t>
+            </a:r>
+            <a:br>
+              <a:rPr lang="en-US" sz="2000" dirty="0">
+                <a:solidFill>
+                  <a:schemeClr val="tx1">
+                    <a:lumMod val="75000"/>
+                  </a:schemeClr>
+                </a:solidFill>
+                <a:cs typeface="Calibri"/>
+              </a:rPr>
+            </a:br>
+            <a:r>
+              <a:rPr lang="en-US" sz="2000" dirty="0">
+                <a:solidFill>
+                  <a:schemeClr val="tx1">
+                    <a:lumMod val="75000"/>
+                  </a:schemeClr>
+                </a:solidFill>
+                <a:cs typeface="Calibri"/>
+              </a:rPr>
+              <a:t>Based on slides by Dan Klein, Pieter </a:t>
+            </a:r>
+            <a:r>
+              <a:rPr lang="en-US" sz="2000" dirty="0" err="1">
+                <a:solidFill>
+                  <a:schemeClr val="tx1">
+                    <a:lumMod val="75000"/>
+                  </a:schemeClr>
+                </a:solidFill>
+                <a:cs typeface="Calibri"/>
+              </a:rPr>
+              <a:t>Abbeel</a:t>
+            </a:r>
+            <a:r>
+              <a:rPr lang="en-US" sz="2000" dirty="0">
+                <a:solidFill>
+                  <a:schemeClr val="tx1">
+                    <a:lumMod val="75000"/>
+                  </a:schemeClr>
+                </a:solidFill>
+                <a:cs typeface="Calibri"/>
+              </a:rPr>
+              <a:t>, Sergey Levine and  A. Farhadi.   All CS188 materials are at </a:t>
+            </a:r>
+            <a:r>
+              <a:rPr lang="en-US" sz="2000" dirty="0">
+                <a:solidFill>
+                  <a:schemeClr val="tx1">
+                    <a:lumMod val="75000"/>
+                  </a:schemeClr>
+                </a:solidFill>
+                <a:cs typeface="Calibri"/>
+                <a:hlinkClick r:id="rId4"/>
+              </a:rPr>
+              <a:t>http://ai.berkeley.edu</a:t>
+            </a:r>
+            <a:br>
+              <a:rPr lang="en-US" sz="2000" dirty="0">
+                <a:solidFill>
+                  <a:schemeClr val="tx1">
+                    <a:lumMod val="75000"/>
+                  </a:schemeClr>
+                </a:solidFill>
+                <a:cs typeface="Calibri"/>
+              </a:rPr>
+            </a:br>
+            <a:r>
+              <a:rPr lang="en-US" sz="2000" dirty="0">
+                <a:solidFill>
+                  <a:schemeClr val="tx1">
+                    <a:lumMod val="75000"/>
+                  </a:schemeClr>
+                </a:solidFill>
+                <a:cs typeface="Calibri"/>
+              </a:rPr>
+              <a:t>with figures from the AIMA textbook.</a:t>
+            </a:r>
+            <a:endParaRPr lang="en-US" dirty="0">
+              <a:solidFill>
+                <a:schemeClr val="tx1">
+                  <a:lumMod val="75000"/>
+                </a:schemeClr>
+              </a:solidFill>
+              <a:cs typeface="Calibri"/>
+            </a:endParaRPr>
+          </a:p>
+          <a:p>
+            <a:pPr algn="l"/>
+            <a:endParaRPr lang="en-US" sz="2000" b="1" dirty="0"/>
           </a:p>
         </p:txBody>
       </p:sp>
@@ -5411,136 +5553,6 @@
           </a:p>
         </p:txBody>
       </p:sp>
-      <p:sp>
-        <p:nvSpPr>
-          <p:cNvPr id="9" name="Text Box 8"/>
-          <p:cNvSpPr txBox="1">
-            <a:spLocks noChangeArrowheads="1"/>
-          </p:cNvSpPr>
-          <p:nvPr/>
-        </p:nvSpPr>
-        <p:spPr bwMode="auto">
-          <a:xfrm>
-            <a:off x="522070" y="5322326"/>
-            <a:ext cx="4023359" cy="715578"/>
-          </a:xfrm>
-          <a:prstGeom prst="rect">
-            <a:avLst/>
-          </a:prstGeom>
-          <a:noFill/>
-          <a:ln w="9525">
-            <a:noFill/>
-            <a:miter lim="800000"/>
-            <a:headEnd/>
-            <a:tailEnd/>
-          </a:ln>
-        </p:spPr>
-        <p:txBody>
-          <a:bodyPr wrap="square" lIns="68579" tIns="34289" rIns="68579" bIns="34289">
-            <a:spAutoFit/>
-          </a:bodyPr>
-          <a:lstStyle/>
-          <a:p>
-            <a:pPr>
-              <a:spcBef>
-                <a:spcPct val="50000"/>
-              </a:spcBef>
-            </a:pPr>
-            <a:r>
-              <a:rPr lang="en-US" dirty="0">
-                <a:solidFill>
-                  <a:schemeClr val="tx1">
-                    <a:lumMod val="75000"/>
-                  </a:schemeClr>
-                </a:solidFill>
-                <a:latin typeface="Calibri"/>
-                <a:cs typeface="Calibri"/>
-              </a:rPr>
-              <a:t>By Michael </a:t>
-            </a:r>
-            <a:r>
-              <a:rPr lang="en-US" dirty="0" err="1">
-                <a:solidFill>
-                  <a:schemeClr val="tx1">
-                    <a:lumMod val="75000"/>
-                  </a:schemeClr>
-                </a:solidFill>
-                <a:latin typeface="Calibri"/>
-                <a:cs typeface="Calibri"/>
-              </a:rPr>
-              <a:t>Hahsler</a:t>
-            </a:r>
-            <a:r>
-              <a:rPr lang="en-US" dirty="0">
-                <a:solidFill>
-                  <a:schemeClr val="tx1">
-                    <a:lumMod val="75000"/>
-                  </a:schemeClr>
-                </a:solidFill>
-                <a:latin typeface="Calibri"/>
-                <a:cs typeface="Calibri"/>
-              </a:rPr>
-              <a:t>  </a:t>
-            </a:r>
-            <a:br>
-              <a:rPr lang="en-US" dirty="0">
-                <a:solidFill>
-                  <a:schemeClr val="tx1">
-                    <a:lumMod val="75000"/>
-                  </a:schemeClr>
-                </a:solidFill>
-                <a:latin typeface="Calibri"/>
-                <a:cs typeface="Calibri"/>
-              </a:rPr>
-            </a:br>
-            <a:r>
-              <a:rPr lang="en-US" sz="1200" dirty="0">
-                <a:solidFill>
-                  <a:schemeClr val="tx1">
-                    <a:lumMod val="75000"/>
-                  </a:schemeClr>
-                </a:solidFill>
-                <a:latin typeface="Calibri"/>
-                <a:cs typeface="Calibri"/>
-              </a:rPr>
-              <a:t>Based on slides by Dan Klein, Pieter </a:t>
-            </a:r>
-            <a:r>
-              <a:rPr lang="en-US" sz="1200" dirty="0" err="1">
-                <a:solidFill>
-                  <a:schemeClr val="tx1">
-                    <a:lumMod val="75000"/>
-                  </a:schemeClr>
-                </a:solidFill>
-                <a:latin typeface="Calibri"/>
-                <a:cs typeface="Calibri"/>
-              </a:rPr>
-              <a:t>Abbeel</a:t>
-            </a:r>
-            <a:r>
-              <a:rPr lang="en-US" sz="1200" dirty="0">
-                <a:solidFill>
-                  <a:schemeClr val="tx1">
-                    <a:lumMod val="75000"/>
-                  </a:schemeClr>
-                </a:solidFill>
-                <a:latin typeface="Calibri"/>
-                <a:cs typeface="Calibri"/>
-              </a:rPr>
-              <a:t>, Sergey Levine and  A. Farhadi.   All CS188 materials are at http://ai.berkeley.edu.</a:t>
-            </a:r>
-            <a:endParaRPr lang="en-US" sz="1400" dirty="0">
-              <a:solidFill>
-                <a:schemeClr val="tx1">
-                  <a:lumMod val="75000"/>
-                </a:schemeClr>
-              </a:solidFill>
-              <a:latin typeface="Calibri"/>
-              <a:cs typeface="Calibri"/>
-            </a:endParaRPr>
-          </a:p>
-        </p:txBody>
-      </p:sp>
       <p:pic>
         <p:nvPicPr>
           <p:cNvPr id="18" name="Picture 4" descr="Creative Commons License">
@@ -5556,7 +5568,7 @@
           <p:nvPr/>
         </p:nvPicPr>
         <p:blipFill>
-          <a:blip r:embed="rId4">
+          <a:blip r:embed="rId5">
             <a:extLst>
               <a:ext uri="{28A0092B-C50C-407E-A947-70E740481C1C}">
                 <a14:useLocalDpi xmlns:a14="http://schemas.microsoft.com/office/drawing/2010/main" val="0"/>
@@ -5637,7 +5649,7 @@
                 </a:solidFill>
                 <a:effectLst/>
                 <a:latin typeface="source sans pro" panose="020B0503030403020204" pitchFamily="34" charset="0"/>
-                <a:hlinkClick r:id="rId5">
+                <a:hlinkClick r:id="rId6">
                   <a:extLst>
                     <a:ext uri="{A12FA001-AC4F-418D-AE19-62706E023703}">
                       <ahyp:hlinkClr xmlns:ahyp="http://schemas.microsoft.com/office/drawing/2018/hyperlinkcolor" val="tx"/>
@@ -5656,7 +5668,7 @@
                 </a:solidFill>
                 <a:effectLst/>
                 <a:latin typeface="source sans pro" panose="020B0503030403020204" pitchFamily="34" charset="0"/>
-                <a:hlinkClick r:id="rId5">
+                <a:hlinkClick r:id="rId6">
                   <a:extLst>
                     <a:ext uri="{A12FA001-AC4F-418D-AE19-62706E023703}">
                       <ahyp:hlinkClr xmlns:ahyp="http://schemas.microsoft.com/office/drawing/2018/hyperlinkcolor" val="tx"/>
@@ -5675,7 +5687,7 @@
                 </a:solidFill>
                 <a:effectLst/>
                 <a:latin typeface="source sans pro" panose="020B0503030403020204" pitchFamily="34" charset="0"/>
-                <a:hlinkClick r:id="rId5">
+                <a:hlinkClick r:id="rId6">
                   <a:extLst>
                     <a:ext uri="{A12FA001-AC4F-418D-AE19-62706E023703}">
                       <ahyp:hlinkClr xmlns:ahyp="http://schemas.microsoft.com/office/drawing/2018/hyperlinkcolor" val="tx"/>
@@ -5937,8 +5949,8 @@
           </a:p>
         </p:txBody>
       </p:sp>
-      <mc:AlternateContent xmlns:mc="http://schemas.openxmlformats.org/markup-compatibility/2006">
-        <mc:Choice xmlns:a14="http://schemas.microsoft.com/office/drawing/2010/main" Requires="a14">
+      <mc:AlternateContent xmlns:mc="http://schemas.openxmlformats.org/markup-compatibility/2006" xmlns:a14="http://schemas.microsoft.com/office/drawing/2010/main">
+        <mc:Choice Requires="a14">
           <p:sp>
             <p:nvSpPr>
               <p:cNvPr id="3" name="Content Placeholder 2">
@@ -6270,7 +6282,7 @@
             </p:txBody>
           </p:sp>
         </mc:Choice>
-        <mc:Fallback>
+        <mc:Fallback xmlns="">
           <p:sp>
             <p:nvSpPr>
               <p:cNvPr id="3" name="Content Placeholder 2">
@@ -8126,8 +8138,8 @@
           </a:p>
         </p:txBody>
       </p:sp>
-      <mc:AlternateContent xmlns:mc="http://schemas.openxmlformats.org/markup-compatibility/2006">
-        <mc:Choice xmlns:a14="http://schemas.microsoft.com/office/drawing/2010/main" Requires="a14">
+      <mc:AlternateContent xmlns:mc="http://schemas.openxmlformats.org/markup-compatibility/2006" xmlns:a14="http://schemas.microsoft.com/office/drawing/2010/main">
+        <mc:Choice Requires="a14">
           <p:sp>
             <p:nvSpPr>
               <p:cNvPr id="33795" name="Rectangle 3"/>
@@ -8333,7 +8345,7 @@
             </p:txBody>
           </p:sp>
         </mc:Choice>
-        <mc:Fallback>
+        <mc:Fallback xmlns="">
           <p:sp>
             <p:nvSpPr>
               <p:cNvPr id="33795" name="Rectangle 3"/>
@@ -9980,8 +9992,8 @@
           </a:p>
         </p:txBody>
       </p:sp>
-      <mc:AlternateContent xmlns:mc="http://schemas.openxmlformats.org/markup-compatibility/2006">
-        <mc:Choice xmlns:a14="http://schemas.microsoft.com/office/drawing/2010/main" Requires="a14">
+      <mc:AlternateContent xmlns:mc="http://schemas.openxmlformats.org/markup-compatibility/2006" xmlns:a14="http://schemas.microsoft.com/office/drawing/2010/main">
+        <mc:Choice Requires="a14">
           <p:sp>
             <p:nvSpPr>
               <p:cNvPr id="1283075" name="Rectangle 3"/>
@@ -10130,7 +10142,7 @@
             </p:txBody>
           </p:sp>
         </mc:Choice>
-        <mc:Fallback>
+        <mc:Fallback xmlns="">
           <p:sp>
             <p:nvSpPr>
               <p:cNvPr id="1283075" name="Rectangle 3"/>
@@ -14909,8 +14921,8 @@
           </a:p>
         </p:txBody>
       </p:sp>
-      <mc:AlternateContent xmlns:mc="http://schemas.openxmlformats.org/markup-compatibility/2006">
-        <mc:Choice xmlns:a14="http://schemas.microsoft.com/office/drawing/2010/main" Requires="a14">
+      <mc:AlternateContent xmlns:mc="http://schemas.openxmlformats.org/markup-compatibility/2006" xmlns:a14="http://schemas.microsoft.com/office/drawing/2010/main">
+        <mc:Choice Requires="a14">
           <p:sp>
             <p:nvSpPr>
               <p:cNvPr id="3" name="Content Placeholder 2">
@@ -15143,7 +15155,7 @@
             </p:txBody>
           </p:sp>
         </mc:Choice>
-        <mc:Fallback>
+        <mc:Fallback xmlns="">
           <p:sp>
             <p:nvSpPr>
               <p:cNvPr id="3" name="Content Placeholder 2">
@@ -19887,7 +19899,7 @@
           <a:effectLst/>
           <a:extLst>
             <a:ext uri="{AF507438-7753-43e0-B8FC-AC1667EBCBE1}">
-              <a14:hiddenEffects xmlns:a14="http://schemas.microsoft.com/office/drawing/2010/main" xmlns="">
+              <a14:hiddenEffects xmlns="" xmlns:a14="http://schemas.microsoft.com/office/drawing/2010/main">
                 <a:effectLst>
                   <a:outerShdw dist="35921" dir="2700000" algn="ctr" rotWithShape="0">
                     <a:schemeClr val="bg2"/>
@@ -19955,14 +19967,14 @@
           <a:effectLst/>
           <a:extLst>
             <a:ext uri="{909E8E84-426E-40dd-AFC4-6F175D3DCCD1}">
-              <a14:hiddenFill xmlns:a14="http://schemas.microsoft.com/office/drawing/2010/main" xmlns="">
+              <a14:hiddenFill xmlns="" xmlns:a14="http://schemas.microsoft.com/office/drawing/2010/main">
                 <a:solidFill>
                   <a:schemeClr val="accent1"/>
                 </a:solidFill>
               </a14:hiddenFill>
             </a:ext>
             <a:ext uri="{91240B29-F687-4f45-9708-019B960494DF}">
-              <a14:hiddenLine xmlns:a14="http://schemas.microsoft.com/office/drawing/2010/main" xmlns="" w="9525">
+              <a14:hiddenLine xmlns="" xmlns:a14="http://schemas.microsoft.com/office/drawing/2010/main" w="9525">
                 <a:solidFill>
                   <a:schemeClr val="tx1"/>
                 </a:solidFill>
@@ -19972,7 +19984,7 @@
               </a14:hiddenLine>
             </a:ext>
             <a:ext uri="{AF507438-7753-43e0-B8FC-AC1667EBCBE1}">
-              <a14:hiddenEffects xmlns:a14="http://schemas.microsoft.com/office/drawing/2010/main" xmlns="">
+              <a14:hiddenEffects xmlns="" xmlns:a14="http://schemas.microsoft.com/office/drawing/2010/main">
                 <a:effectLst>
                   <a:outerShdw dist="35921" dir="2700000" algn="ctr" rotWithShape="0">
                     <a:schemeClr val="bg2"/>
@@ -20013,7 +20025,7 @@
           <a:effectLst/>
           <a:extLst>
             <a:ext uri="{AF507438-7753-43e0-B8FC-AC1667EBCBE1}">
-              <a14:hiddenEffects xmlns:a14="http://schemas.microsoft.com/office/drawing/2010/main" xmlns="">
+              <a14:hiddenEffects xmlns="" xmlns:a14="http://schemas.microsoft.com/office/drawing/2010/main">
                 <a:effectLst>
                   <a:outerShdw dist="35921" dir="2700000" algn="ctr" rotWithShape="0">
                     <a:schemeClr val="bg2"/>
@@ -20061,7 +20073,7 @@
           <a:effectLst/>
           <a:extLst>
             <a:ext uri="{AF507438-7753-43e0-B8FC-AC1667EBCBE1}">
-              <a14:hiddenEffects xmlns:a14="http://schemas.microsoft.com/office/drawing/2010/main" xmlns="">
+              <a14:hiddenEffects xmlns="" xmlns:a14="http://schemas.microsoft.com/office/drawing/2010/main">
                 <a:effectLst>
                   <a:outerShdw dist="35921" dir="2700000" algn="ctr" rotWithShape="0">
                     <a:schemeClr val="bg2"/>
@@ -20108,12 +20120,12 @@
           <a:effectLst/>
           <a:extLst>
             <a:ext uri="{909E8E84-426E-40dd-AFC4-6F175D3DCCD1}">
-              <a14:hiddenFill xmlns:a14="http://schemas.microsoft.com/office/drawing/2010/main" xmlns="">
+              <a14:hiddenFill xmlns="" xmlns:a14="http://schemas.microsoft.com/office/drawing/2010/main">
                 <a:noFill/>
               </a14:hiddenFill>
             </a:ext>
             <a:ext uri="{AF507438-7753-43e0-B8FC-AC1667EBCBE1}">
-              <a14:hiddenEffects xmlns:a14="http://schemas.microsoft.com/office/drawing/2010/main" xmlns="">
+              <a14:hiddenEffects xmlns="" xmlns:a14="http://schemas.microsoft.com/office/drawing/2010/main">
                 <a:effectLst>
                   <a:outerShdw dist="35921" dir="2700000" algn="ctr" rotWithShape="0">
                     <a:schemeClr val="bg2"/>
@@ -20181,14 +20193,14 @@
           <a:effectLst/>
           <a:extLst>
             <a:ext uri="{909E8E84-426E-40dd-AFC4-6F175D3DCCD1}">
-              <a14:hiddenFill xmlns:a14="http://schemas.microsoft.com/office/drawing/2010/main" xmlns="">
+              <a14:hiddenFill xmlns="" xmlns:a14="http://schemas.microsoft.com/office/drawing/2010/main">
                 <a:solidFill>
                   <a:schemeClr val="accent1"/>
                 </a:solidFill>
               </a14:hiddenFill>
             </a:ext>
             <a:ext uri="{91240B29-F687-4f45-9708-019B960494DF}">
-              <a14:hiddenLine xmlns:a14="http://schemas.microsoft.com/office/drawing/2010/main" xmlns="" w="9525">
+              <a14:hiddenLine xmlns="" xmlns:a14="http://schemas.microsoft.com/office/drawing/2010/main" w="9525">
                 <a:solidFill>
                   <a:schemeClr val="tx1"/>
                 </a:solidFill>
@@ -20198,7 +20210,7 @@
               </a14:hiddenLine>
             </a:ext>
             <a:ext uri="{AF507438-7753-43e0-B8FC-AC1667EBCBE1}">
-              <a14:hiddenEffects xmlns:a14="http://schemas.microsoft.com/office/drawing/2010/main" xmlns="">
+              <a14:hiddenEffects xmlns="" xmlns:a14="http://schemas.microsoft.com/office/drawing/2010/main">
                 <a:effectLst>
                   <a:outerShdw dist="35921" dir="2700000" algn="ctr" rotWithShape="0">
                     <a:schemeClr val="bg2"/>
@@ -20377,14 +20389,14 @@
           <a:effectLst/>
           <a:extLst>
             <a:ext uri="{909E8E84-426E-40dd-AFC4-6F175D3DCCD1}">
-              <a14:hiddenFill xmlns:a14="http://schemas.microsoft.com/office/drawing/2010/main" xmlns="">
+              <a14:hiddenFill xmlns="" xmlns:a14="http://schemas.microsoft.com/office/drawing/2010/main">
                 <a:solidFill>
                   <a:schemeClr val="accent1"/>
                 </a:solidFill>
               </a14:hiddenFill>
             </a:ext>
             <a:ext uri="{91240B29-F687-4f45-9708-019B960494DF}">
-              <a14:hiddenLine xmlns:a14="http://schemas.microsoft.com/office/drawing/2010/main" xmlns="" w="9525">
+              <a14:hiddenLine xmlns="" xmlns:a14="http://schemas.microsoft.com/office/drawing/2010/main" w="9525">
                 <a:solidFill>
                   <a:schemeClr val="tx1"/>
                 </a:solidFill>
@@ -20394,7 +20406,7 @@
               </a14:hiddenLine>
             </a:ext>
             <a:ext uri="{AF507438-7753-43e0-B8FC-AC1667EBCBE1}">
-              <a14:hiddenEffects xmlns:a14="http://schemas.microsoft.com/office/drawing/2010/main" xmlns="">
+              <a14:hiddenEffects xmlns="" xmlns:a14="http://schemas.microsoft.com/office/drawing/2010/main">
                 <a:effectLst>
                   <a:outerShdw dist="35921" dir="2700000" algn="ctr" rotWithShape="0">
                     <a:schemeClr val="bg2"/>
@@ -20760,14 +20772,14 @@
           <a:effectLst/>
           <a:extLst>
             <a:ext uri="{909E8E84-426E-40dd-AFC4-6F175D3DCCD1}">
-              <a14:hiddenFill xmlns:a14="http://schemas.microsoft.com/office/drawing/2010/main" xmlns="">
+              <a14:hiddenFill xmlns="" xmlns:a14="http://schemas.microsoft.com/office/drawing/2010/main">
                 <a:solidFill>
                   <a:schemeClr val="accent1"/>
                 </a:solidFill>
               </a14:hiddenFill>
             </a:ext>
             <a:ext uri="{91240B29-F687-4f45-9708-019B960494DF}">
-              <a14:hiddenLine xmlns:a14="http://schemas.microsoft.com/office/drawing/2010/main" xmlns="" w="9525">
+              <a14:hiddenLine xmlns="" xmlns:a14="http://schemas.microsoft.com/office/drawing/2010/main" w="9525">
                 <a:solidFill>
                   <a:schemeClr val="tx1"/>
                 </a:solidFill>
@@ -20777,7 +20789,7 @@
               </a14:hiddenLine>
             </a:ext>
             <a:ext uri="{AF507438-7753-43e0-B8FC-AC1667EBCBE1}">
-              <a14:hiddenEffects xmlns:a14="http://schemas.microsoft.com/office/drawing/2010/main" xmlns="">
+              <a14:hiddenEffects xmlns="" xmlns:a14="http://schemas.microsoft.com/office/drawing/2010/main">
                 <a:effectLst>
                   <a:outerShdw dist="35921" dir="2700000" algn="ctr" rotWithShape="0">
                     <a:schemeClr val="bg2"/>
@@ -21664,14 +21676,14 @@
           <a:effectLst/>
           <a:extLst>
             <a:ext uri="{909E8E84-426E-40dd-AFC4-6F175D3DCCD1}">
-              <a14:hiddenFill xmlns:a14="http://schemas.microsoft.com/office/drawing/2010/main" xmlns="">
+              <a14:hiddenFill xmlns="" xmlns:a14="http://schemas.microsoft.com/office/drawing/2010/main">
                 <a:solidFill>
                   <a:schemeClr val="accent1"/>
                 </a:solidFill>
               </a14:hiddenFill>
             </a:ext>
             <a:ext uri="{91240B29-F687-4f45-9708-019B960494DF}">
-              <a14:hiddenLine xmlns:a14="http://schemas.microsoft.com/office/drawing/2010/main" xmlns="" w="9525">
+              <a14:hiddenLine xmlns="" xmlns:a14="http://schemas.microsoft.com/office/drawing/2010/main" w="9525">
                 <a:solidFill>
                   <a:schemeClr val="tx1"/>
                 </a:solidFill>
@@ -21681,7 +21693,7 @@
               </a14:hiddenLine>
             </a:ext>
             <a:ext uri="{AF507438-7753-43e0-B8FC-AC1667EBCBE1}">
-              <a14:hiddenEffects xmlns:a14="http://schemas.microsoft.com/office/drawing/2010/main" xmlns="">
+              <a14:hiddenEffects xmlns="" xmlns:a14="http://schemas.microsoft.com/office/drawing/2010/main">
                 <a:effectLst>
                   <a:outerShdw dist="35921" dir="2700000" algn="ctr" rotWithShape="0">
                     <a:schemeClr val="bg2"/>
@@ -21728,14 +21740,14 @@
           <a:effectLst/>
           <a:extLst>
             <a:ext uri="{909E8E84-426E-40dd-AFC4-6F175D3DCCD1}">
-              <a14:hiddenFill xmlns:a14="http://schemas.microsoft.com/office/drawing/2010/main" xmlns="">
+              <a14:hiddenFill xmlns="" xmlns:a14="http://schemas.microsoft.com/office/drawing/2010/main">
                 <a:solidFill>
                   <a:schemeClr val="accent1"/>
                 </a:solidFill>
               </a14:hiddenFill>
             </a:ext>
             <a:ext uri="{91240B29-F687-4f45-9708-019B960494DF}">
-              <a14:hiddenLine xmlns:a14="http://schemas.microsoft.com/office/drawing/2010/main" xmlns="" w="9525">
+              <a14:hiddenLine xmlns="" xmlns:a14="http://schemas.microsoft.com/office/drawing/2010/main" w="9525">
                 <a:solidFill>
                   <a:schemeClr val="tx1"/>
                 </a:solidFill>
@@ -21745,7 +21757,7 @@
               </a14:hiddenLine>
             </a:ext>
             <a:ext uri="{AF507438-7753-43e0-B8FC-AC1667EBCBE1}">
-              <a14:hiddenEffects xmlns:a14="http://schemas.microsoft.com/office/drawing/2010/main" xmlns="">
+              <a14:hiddenEffects xmlns="" xmlns:a14="http://schemas.microsoft.com/office/drawing/2010/main">
                 <a:effectLst>
                   <a:outerShdw dist="35921" dir="2700000" algn="ctr" rotWithShape="0">
                     <a:schemeClr val="bg2"/>
@@ -22220,8 +22232,8 @@
           </a:p>
         </p:txBody>
       </p:sp>
-      <mc:AlternateContent xmlns:mc="http://schemas.openxmlformats.org/markup-compatibility/2006">
-        <mc:Choice xmlns:a14="http://schemas.microsoft.com/office/drawing/2010/main" Requires="a14">
+      <mc:AlternateContent xmlns:mc="http://schemas.openxmlformats.org/markup-compatibility/2006" xmlns:a14="http://schemas.microsoft.com/office/drawing/2010/main">
+        <mc:Choice Requires="a14">
           <p:sp>
             <p:nvSpPr>
               <p:cNvPr id="3" name="Content Placeholder 2">
@@ -23313,7 +23325,7 @@
             </p:txBody>
           </p:sp>
         </mc:Choice>
-        <mc:Fallback>
+        <mc:Fallback xmlns="">
           <p:sp>
             <p:nvSpPr>
               <p:cNvPr id="3" name="Content Placeholder 2">
@@ -23564,8 +23576,8 @@
           </a:p>
         </p:txBody>
       </p:sp>
-      <mc:AlternateContent xmlns:mc="http://schemas.openxmlformats.org/markup-compatibility/2006">
-        <mc:Choice xmlns:a14="http://schemas.microsoft.com/office/drawing/2010/main" Requires="a14">
+      <mc:AlternateContent xmlns:mc="http://schemas.openxmlformats.org/markup-compatibility/2006" xmlns:a14="http://schemas.microsoft.com/office/drawing/2010/main">
+        <mc:Choice Requires="a14">
           <p:sp>
             <p:nvSpPr>
               <p:cNvPr id="3" name="Content Placeholder 2">
@@ -24136,7 +24148,7 @@
             </p:txBody>
           </p:sp>
         </mc:Choice>
-        <mc:Fallback>
+        <mc:Fallback xmlns="">
           <p:sp>
             <p:nvSpPr>
               <p:cNvPr id="3" name="Content Placeholder 2">
@@ -24323,7 +24335,7 @@
           <a:effectLst/>
           <a:extLst>
             <a:ext uri="{AF507438-7753-43e0-B8FC-AC1667EBCBE1}">
-              <a14:hiddenEffects xmlns:a14="http://schemas.microsoft.com/office/drawing/2010/main" xmlns="">
+              <a14:hiddenEffects xmlns="" xmlns:a14="http://schemas.microsoft.com/office/drawing/2010/main">
                 <a:effectLst>
                   <a:outerShdw dist="35921" dir="2700000" algn="ctr" rotWithShape="0">
                     <a:schemeClr val="bg2"/>
@@ -24397,14 +24409,14 @@
           <a:effectLst/>
           <a:extLst>
             <a:ext uri="{909E8E84-426E-40dd-AFC4-6F175D3DCCD1}">
-              <a14:hiddenFill xmlns:a14="http://schemas.microsoft.com/office/drawing/2010/main" xmlns="">
+              <a14:hiddenFill xmlns="" xmlns:a14="http://schemas.microsoft.com/office/drawing/2010/main">
                 <a:solidFill>
                   <a:schemeClr val="accent1"/>
                 </a:solidFill>
               </a14:hiddenFill>
             </a:ext>
             <a:ext uri="{91240B29-F687-4f45-9708-019B960494DF}">
-              <a14:hiddenLine xmlns:a14="http://schemas.microsoft.com/office/drawing/2010/main" xmlns="" w="9525">
+              <a14:hiddenLine xmlns="" xmlns:a14="http://schemas.microsoft.com/office/drawing/2010/main" w="9525">
                 <a:solidFill>
                   <a:schemeClr val="tx1"/>
                 </a:solidFill>
@@ -24414,7 +24426,7 @@
               </a14:hiddenLine>
             </a:ext>
             <a:ext uri="{AF507438-7753-43e0-B8FC-AC1667EBCBE1}">
-              <a14:hiddenEffects xmlns:a14="http://schemas.microsoft.com/office/drawing/2010/main" xmlns="">
+              <a14:hiddenEffects xmlns="" xmlns:a14="http://schemas.microsoft.com/office/drawing/2010/main">
                 <a:effectLst>
                   <a:outerShdw dist="35921" dir="2700000" algn="ctr" rotWithShape="0">
                     <a:schemeClr val="bg2"/>
@@ -24461,7 +24473,7 @@
           <a:effectLst/>
           <a:extLst>
             <a:ext uri="{AF507438-7753-43e0-B8FC-AC1667EBCBE1}">
-              <a14:hiddenEffects xmlns:a14="http://schemas.microsoft.com/office/drawing/2010/main" xmlns="">
+              <a14:hiddenEffects xmlns="" xmlns:a14="http://schemas.microsoft.com/office/drawing/2010/main">
                 <a:effectLst>
                   <a:outerShdw dist="35921" dir="2700000" algn="ctr" rotWithShape="0">
                     <a:schemeClr val="bg2"/>
@@ -24515,7 +24527,7 @@
           <a:effectLst/>
           <a:extLst>
             <a:ext uri="{AF507438-7753-43e0-B8FC-AC1667EBCBE1}">
-              <a14:hiddenEffects xmlns:a14="http://schemas.microsoft.com/office/drawing/2010/main" xmlns="">
+              <a14:hiddenEffects xmlns="" xmlns:a14="http://schemas.microsoft.com/office/drawing/2010/main">
                 <a:effectLst>
                   <a:outerShdw dist="35921" dir="2700000" algn="ctr" rotWithShape="0">
                     <a:schemeClr val="bg2"/>
@@ -24568,12 +24580,12 @@
           <a:effectLst/>
           <a:extLst>
             <a:ext uri="{909E8E84-426E-40dd-AFC4-6F175D3DCCD1}">
-              <a14:hiddenFill xmlns:a14="http://schemas.microsoft.com/office/drawing/2010/main" xmlns="">
+              <a14:hiddenFill xmlns="" xmlns:a14="http://schemas.microsoft.com/office/drawing/2010/main">
                 <a:noFill/>
               </a14:hiddenFill>
             </a:ext>
             <a:ext uri="{AF507438-7753-43e0-B8FC-AC1667EBCBE1}">
-              <a14:hiddenEffects xmlns:a14="http://schemas.microsoft.com/office/drawing/2010/main" xmlns="">
+              <a14:hiddenEffects xmlns="" xmlns:a14="http://schemas.microsoft.com/office/drawing/2010/main">
                 <a:effectLst>
                   <a:outerShdw dist="35921" dir="2700000" algn="ctr" rotWithShape="0">
                     <a:schemeClr val="bg2"/>
@@ -24647,14 +24659,14 @@
           <a:effectLst/>
           <a:extLst>
             <a:ext uri="{909E8E84-426E-40dd-AFC4-6F175D3DCCD1}">
-              <a14:hiddenFill xmlns:a14="http://schemas.microsoft.com/office/drawing/2010/main" xmlns="">
+              <a14:hiddenFill xmlns="" xmlns:a14="http://schemas.microsoft.com/office/drawing/2010/main">
                 <a:solidFill>
                   <a:schemeClr val="accent1"/>
                 </a:solidFill>
               </a14:hiddenFill>
             </a:ext>
             <a:ext uri="{91240B29-F687-4f45-9708-019B960494DF}">
-              <a14:hiddenLine xmlns:a14="http://schemas.microsoft.com/office/drawing/2010/main" xmlns="" w="9525">
+              <a14:hiddenLine xmlns="" xmlns:a14="http://schemas.microsoft.com/office/drawing/2010/main" w="9525">
                 <a:solidFill>
                   <a:schemeClr val="tx1"/>
                 </a:solidFill>
@@ -24664,7 +24676,7 @@
               </a14:hiddenLine>
             </a:ext>
             <a:ext uri="{AF507438-7753-43e0-B8FC-AC1667EBCBE1}">
-              <a14:hiddenEffects xmlns:a14="http://schemas.microsoft.com/office/drawing/2010/main" xmlns="">
+              <a14:hiddenEffects xmlns="" xmlns:a14="http://schemas.microsoft.com/office/drawing/2010/main">
                 <a:effectLst>
                   <a:outerShdw dist="35921" dir="2700000" algn="ctr" rotWithShape="0">
                     <a:schemeClr val="bg2"/>
@@ -24829,8 +24841,8 @@
           </a:p>
         </p:txBody>
       </p:sp>
-      <mc:AlternateContent xmlns:mc="http://schemas.openxmlformats.org/markup-compatibility/2006">
-        <mc:Choice xmlns:a14="http://schemas.microsoft.com/office/drawing/2010/main" Requires="a14">
+      <mc:AlternateContent xmlns:mc="http://schemas.openxmlformats.org/markup-compatibility/2006" xmlns:a14="http://schemas.microsoft.com/office/drawing/2010/main">
+        <mc:Choice Requires="a14">
           <p:sp>
             <p:nvSpPr>
               <p:cNvPr id="3" name="Content Placeholder 2">
@@ -25495,7 +25507,7 @@
             </p:txBody>
           </p:sp>
         </mc:Choice>
-        <mc:Fallback>
+        <mc:Fallback xmlns="">
           <p:sp>
             <p:nvSpPr>
               <p:cNvPr id="3" name="Content Placeholder 2">

--- a/slides/19_ML_intro.pptx
+++ b/slides/19_ML_intro.pptx
@@ -19899,7 +19899,7 @@
           <a:effectLst/>
           <a:extLst>
             <a:ext uri="{AF507438-7753-43e0-B8FC-AC1667EBCBE1}">
-              <a14:hiddenEffects xmlns="" xmlns:a14="http://schemas.microsoft.com/office/drawing/2010/main">
+              <a14:hiddenEffects xmlns:a14="http://schemas.microsoft.com/office/drawing/2010/main" xmlns="">
                 <a:effectLst>
                   <a:outerShdw dist="35921" dir="2700000" algn="ctr" rotWithShape="0">
                     <a:schemeClr val="bg2"/>
@@ -19967,14 +19967,14 @@
           <a:effectLst/>
           <a:extLst>
             <a:ext uri="{909E8E84-426E-40dd-AFC4-6F175D3DCCD1}">
-              <a14:hiddenFill xmlns="" xmlns:a14="http://schemas.microsoft.com/office/drawing/2010/main">
+              <a14:hiddenFill xmlns:a14="http://schemas.microsoft.com/office/drawing/2010/main" xmlns="">
                 <a:solidFill>
                   <a:schemeClr val="accent1"/>
                 </a:solidFill>
               </a14:hiddenFill>
             </a:ext>
             <a:ext uri="{91240B29-F687-4f45-9708-019B960494DF}">
-              <a14:hiddenLine xmlns="" xmlns:a14="http://schemas.microsoft.com/office/drawing/2010/main" w="9525">
+              <a14:hiddenLine xmlns:a14="http://schemas.microsoft.com/office/drawing/2010/main" xmlns="" w="9525">
                 <a:solidFill>
                   <a:schemeClr val="tx1"/>
                 </a:solidFill>
@@ -19984,7 +19984,7 @@
               </a14:hiddenLine>
             </a:ext>
             <a:ext uri="{AF507438-7753-43e0-B8FC-AC1667EBCBE1}">
-              <a14:hiddenEffects xmlns="" xmlns:a14="http://schemas.microsoft.com/office/drawing/2010/main">
+              <a14:hiddenEffects xmlns:a14="http://schemas.microsoft.com/office/drawing/2010/main" xmlns="">
                 <a:effectLst>
                   <a:outerShdw dist="35921" dir="2700000" algn="ctr" rotWithShape="0">
                     <a:schemeClr val="bg2"/>
@@ -20025,7 +20025,7 @@
           <a:effectLst/>
           <a:extLst>
             <a:ext uri="{AF507438-7753-43e0-B8FC-AC1667EBCBE1}">
-              <a14:hiddenEffects xmlns="" xmlns:a14="http://schemas.microsoft.com/office/drawing/2010/main">
+              <a14:hiddenEffects xmlns:a14="http://schemas.microsoft.com/office/drawing/2010/main" xmlns="">
                 <a:effectLst>
                   <a:outerShdw dist="35921" dir="2700000" algn="ctr" rotWithShape="0">
                     <a:schemeClr val="bg2"/>
@@ -20073,7 +20073,7 @@
           <a:effectLst/>
           <a:extLst>
             <a:ext uri="{AF507438-7753-43e0-B8FC-AC1667EBCBE1}">
-              <a14:hiddenEffects xmlns="" xmlns:a14="http://schemas.microsoft.com/office/drawing/2010/main">
+              <a14:hiddenEffects xmlns:a14="http://schemas.microsoft.com/office/drawing/2010/main" xmlns="">
                 <a:effectLst>
                   <a:outerShdw dist="35921" dir="2700000" algn="ctr" rotWithShape="0">
                     <a:schemeClr val="bg2"/>
@@ -20120,12 +20120,12 @@
           <a:effectLst/>
           <a:extLst>
             <a:ext uri="{909E8E84-426E-40dd-AFC4-6F175D3DCCD1}">
-              <a14:hiddenFill xmlns="" xmlns:a14="http://schemas.microsoft.com/office/drawing/2010/main">
+              <a14:hiddenFill xmlns:a14="http://schemas.microsoft.com/office/drawing/2010/main" xmlns="">
                 <a:noFill/>
               </a14:hiddenFill>
             </a:ext>
             <a:ext uri="{AF507438-7753-43e0-B8FC-AC1667EBCBE1}">
-              <a14:hiddenEffects xmlns="" xmlns:a14="http://schemas.microsoft.com/office/drawing/2010/main">
+              <a14:hiddenEffects xmlns:a14="http://schemas.microsoft.com/office/drawing/2010/main" xmlns="">
                 <a:effectLst>
                   <a:outerShdw dist="35921" dir="2700000" algn="ctr" rotWithShape="0">
                     <a:schemeClr val="bg2"/>
@@ -20193,14 +20193,14 @@
           <a:effectLst/>
           <a:extLst>
             <a:ext uri="{909E8E84-426E-40dd-AFC4-6F175D3DCCD1}">
-              <a14:hiddenFill xmlns="" xmlns:a14="http://schemas.microsoft.com/office/drawing/2010/main">
+              <a14:hiddenFill xmlns:a14="http://schemas.microsoft.com/office/drawing/2010/main" xmlns="">
                 <a:solidFill>
                   <a:schemeClr val="accent1"/>
                 </a:solidFill>
               </a14:hiddenFill>
             </a:ext>
             <a:ext uri="{91240B29-F687-4f45-9708-019B960494DF}">
-              <a14:hiddenLine xmlns="" xmlns:a14="http://schemas.microsoft.com/office/drawing/2010/main" w="9525">
+              <a14:hiddenLine xmlns:a14="http://schemas.microsoft.com/office/drawing/2010/main" xmlns="" w="9525">
                 <a:solidFill>
                   <a:schemeClr val="tx1"/>
                 </a:solidFill>
@@ -20210,7 +20210,7 @@
               </a14:hiddenLine>
             </a:ext>
             <a:ext uri="{AF507438-7753-43e0-B8FC-AC1667EBCBE1}">
-              <a14:hiddenEffects xmlns="" xmlns:a14="http://schemas.microsoft.com/office/drawing/2010/main">
+              <a14:hiddenEffects xmlns:a14="http://schemas.microsoft.com/office/drawing/2010/main" xmlns="">
                 <a:effectLst>
                   <a:outerShdw dist="35921" dir="2700000" algn="ctr" rotWithShape="0">
                     <a:schemeClr val="bg2"/>
@@ -20389,14 +20389,14 @@
           <a:effectLst/>
           <a:extLst>
             <a:ext uri="{909E8E84-426E-40dd-AFC4-6F175D3DCCD1}">
-              <a14:hiddenFill xmlns="" xmlns:a14="http://schemas.microsoft.com/office/drawing/2010/main">
+              <a14:hiddenFill xmlns:a14="http://schemas.microsoft.com/office/drawing/2010/main" xmlns="">
                 <a:solidFill>
                   <a:schemeClr val="accent1"/>
                 </a:solidFill>
               </a14:hiddenFill>
             </a:ext>
             <a:ext uri="{91240B29-F687-4f45-9708-019B960494DF}">
-              <a14:hiddenLine xmlns="" xmlns:a14="http://schemas.microsoft.com/office/drawing/2010/main" w="9525">
+              <a14:hiddenLine xmlns:a14="http://schemas.microsoft.com/office/drawing/2010/main" xmlns="" w="9525">
                 <a:solidFill>
                   <a:schemeClr val="tx1"/>
                 </a:solidFill>
@@ -20406,7 +20406,7 @@
               </a14:hiddenLine>
             </a:ext>
             <a:ext uri="{AF507438-7753-43e0-B8FC-AC1667EBCBE1}">
-              <a14:hiddenEffects xmlns="" xmlns:a14="http://schemas.microsoft.com/office/drawing/2010/main">
+              <a14:hiddenEffects xmlns:a14="http://schemas.microsoft.com/office/drawing/2010/main" xmlns="">
                 <a:effectLst>
                   <a:outerShdw dist="35921" dir="2700000" algn="ctr" rotWithShape="0">
                     <a:schemeClr val="bg2"/>
@@ -20444,8 +20444,8 @@
           </a:p>
         </p:txBody>
       </p:sp>
-      <mc:AlternateContent xmlns:mc="http://schemas.openxmlformats.org/markup-compatibility/2006" xmlns:a14="http://schemas.microsoft.com/office/drawing/2010/main">
-        <mc:Choice Requires="a14">
+      <mc:AlternateContent xmlns:mc="http://schemas.openxmlformats.org/markup-compatibility/2006">
+        <mc:Choice xmlns:a14="http://schemas.microsoft.com/office/drawing/2010/main" Requires="a14">
           <p:sp>
             <p:nvSpPr>
               <p:cNvPr id="1105923" name="Rectangle 3"/>
@@ -20576,11 +20576,11 @@
                       <a:srgbClr val="CC0000"/>
                     </a:solidFill>
                   </a:rPr>
-                  <a:t>Consistency</a:t>
+                  <a:t>Consistency:</a:t>
                 </a:r>
                 <a:r>
                   <a:rPr lang="en-US" sz="2400" dirty="0"/>
-                  <a:t> (</a:t>
+                  <a:t> </a:t>
                 </a:r>
                 <a14:m>
                   <m:oMath xmlns:m="http://schemas.openxmlformats.org/officeDocument/2006/math">
@@ -20668,7 +20668,7 @@
                 </a14:m>
                 <a:r>
                   <a:rPr lang="en-US" sz="2400" dirty="0"/>
-                  <a:t>) </a:t>
+                  <a:t> </a:t>
                 </a:r>
               </a:p>
               <a:p>
@@ -20698,7 +20698,7 @@
             </p:txBody>
           </p:sp>
         </mc:Choice>
-        <mc:Fallback xmlns="">
+        <mc:Fallback>
           <p:sp>
             <p:nvSpPr>
               <p:cNvPr id="1105923" name="Rectangle 3"/>
@@ -20772,14 +20772,14 @@
           <a:effectLst/>
           <a:extLst>
             <a:ext uri="{909E8E84-426E-40dd-AFC4-6F175D3DCCD1}">
-              <a14:hiddenFill xmlns="" xmlns:a14="http://schemas.microsoft.com/office/drawing/2010/main">
+              <a14:hiddenFill xmlns:a14="http://schemas.microsoft.com/office/drawing/2010/main" xmlns="">
                 <a:solidFill>
                   <a:schemeClr val="accent1"/>
                 </a:solidFill>
               </a14:hiddenFill>
             </a:ext>
             <a:ext uri="{91240B29-F687-4f45-9708-019B960494DF}">
-              <a14:hiddenLine xmlns="" xmlns:a14="http://schemas.microsoft.com/office/drawing/2010/main" w="9525">
+              <a14:hiddenLine xmlns:a14="http://schemas.microsoft.com/office/drawing/2010/main" xmlns="" w="9525">
                 <a:solidFill>
                   <a:schemeClr val="tx1"/>
                 </a:solidFill>
@@ -20789,7 +20789,7 @@
               </a14:hiddenLine>
             </a:ext>
             <a:ext uri="{AF507438-7753-43e0-B8FC-AC1667EBCBE1}">
-              <a14:hiddenEffects xmlns="" xmlns:a14="http://schemas.microsoft.com/office/drawing/2010/main">
+              <a14:hiddenEffects xmlns:a14="http://schemas.microsoft.com/office/drawing/2010/main" xmlns="">
                 <a:effectLst>
                   <a:outerShdw dist="35921" dir="2700000" algn="ctr" rotWithShape="0">
                     <a:schemeClr val="bg2"/>
@@ -21348,8 +21348,8 @@
           </a:p>
         </p:txBody>
       </p:sp>
-      <mc:AlternateContent xmlns:mc="http://schemas.openxmlformats.org/markup-compatibility/2006" xmlns:a14="http://schemas.microsoft.com/office/drawing/2010/main">
-        <mc:Choice Requires="a14">
+      <mc:AlternateContent xmlns:mc="http://schemas.openxmlformats.org/markup-compatibility/2006">
+        <mc:Choice xmlns:a14="http://schemas.microsoft.com/office/drawing/2010/main" Requires="a14">
           <p:sp>
             <p:nvSpPr>
               <p:cNvPr id="1105923" name="Rectangle 3"/>
@@ -21480,11 +21480,11 @@
                       <a:srgbClr val="CC0000"/>
                     </a:solidFill>
                   </a:rPr>
-                  <a:t>Consistency</a:t>
+                  <a:t>Consistency:</a:t>
                 </a:r>
                 <a:r>
                   <a:rPr lang="en-US" sz="2400" dirty="0"/>
-                  <a:t> (</a:t>
+                  <a:t> </a:t>
                 </a:r>
                 <a14:m>
                   <m:oMath xmlns:m="http://schemas.openxmlformats.org/officeDocument/2006/math">
@@ -21572,7 +21572,7 @@
                 </a14:m>
                 <a:r>
                   <a:rPr lang="en-US" sz="2400" dirty="0"/>
-                  <a:t>) </a:t>
+                  <a:t> </a:t>
                 </a:r>
               </a:p>
               <a:p>
@@ -21602,7 +21602,7 @@
             </p:txBody>
           </p:sp>
         </mc:Choice>
-        <mc:Fallback xmlns="">
+        <mc:Fallback>
           <p:sp>
             <p:nvSpPr>
               <p:cNvPr id="1105923" name="Rectangle 3"/>
@@ -21676,14 +21676,14 @@
           <a:effectLst/>
           <a:extLst>
             <a:ext uri="{909E8E84-426E-40dd-AFC4-6F175D3DCCD1}">
-              <a14:hiddenFill xmlns="" xmlns:a14="http://schemas.microsoft.com/office/drawing/2010/main">
+              <a14:hiddenFill xmlns:a14="http://schemas.microsoft.com/office/drawing/2010/main" xmlns="">
                 <a:solidFill>
                   <a:schemeClr val="accent1"/>
                 </a:solidFill>
               </a14:hiddenFill>
             </a:ext>
             <a:ext uri="{91240B29-F687-4f45-9708-019B960494DF}">
-              <a14:hiddenLine xmlns="" xmlns:a14="http://schemas.microsoft.com/office/drawing/2010/main" w="9525">
+              <a14:hiddenLine xmlns:a14="http://schemas.microsoft.com/office/drawing/2010/main" xmlns="" w="9525">
                 <a:solidFill>
                   <a:schemeClr val="tx1"/>
                 </a:solidFill>
@@ -21693,7 +21693,7 @@
               </a14:hiddenLine>
             </a:ext>
             <a:ext uri="{AF507438-7753-43e0-B8FC-AC1667EBCBE1}">
-              <a14:hiddenEffects xmlns="" xmlns:a14="http://schemas.microsoft.com/office/drawing/2010/main">
+              <a14:hiddenEffects xmlns:a14="http://schemas.microsoft.com/office/drawing/2010/main" xmlns="">
                 <a:effectLst>
                   <a:outerShdw dist="35921" dir="2700000" algn="ctr" rotWithShape="0">
                     <a:schemeClr val="bg2"/>
@@ -21740,14 +21740,14 @@
           <a:effectLst/>
           <a:extLst>
             <a:ext uri="{909E8E84-426E-40dd-AFC4-6F175D3DCCD1}">
-              <a14:hiddenFill xmlns="" xmlns:a14="http://schemas.microsoft.com/office/drawing/2010/main">
+              <a14:hiddenFill xmlns:a14="http://schemas.microsoft.com/office/drawing/2010/main" xmlns="">
                 <a:solidFill>
                   <a:schemeClr val="accent1"/>
                 </a:solidFill>
               </a14:hiddenFill>
             </a:ext>
             <a:ext uri="{91240B29-F687-4f45-9708-019B960494DF}">
-              <a14:hiddenLine xmlns="" xmlns:a14="http://schemas.microsoft.com/office/drawing/2010/main" w="9525">
+              <a14:hiddenLine xmlns:a14="http://schemas.microsoft.com/office/drawing/2010/main" xmlns="" w="9525">
                 <a:solidFill>
                   <a:schemeClr val="tx1"/>
                 </a:solidFill>
@@ -21757,7 +21757,7 @@
               </a14:hiddenLine>
             </a:ext>
             <a:ext uri="{AF507438-7753-43e0-B8FC-AC1667EBCBE1}">
-              <a14:hiddenEffects xmlns="" xmlns:a14="http://schemas.microsoft.com/office/drawing/2010/main">
+              <a14:hiddenEffects xmlns:a14="http://schemas.microsoft.com/office/drawing/2010/main" xmlns="">
                 <a:effectLst>
                   <a:outerShdw dist="35921" dir="2700000" algn="ctr" rotWithShape="0">
                     <a:schemeClr val="bg2"/>
@@ -22232,8 +22232,8 @@
           </a:p>
         </p:txBody>
       </p:sp>
-      <mc:AlternateContent xmlns:mc="http://schemas.openxmlformats.org/markup-compatibility/2006" xmlns:a14="http://schemas.microsoft.com/office/drawing/2010/main">
-        <mc:Choice Requires="a14">
+      <mc:AlternateContent xmlns:mc="http://schemas.openxmlformats.org/markup-compatibility/2006">
+        <mc:Choice xmlns:a14="http://schemas.microsoft.com/office/drawing/2010/main" Requires="a14">
           <p:sp>
             <p:nvSpPr>
               <p:cNvPr id="3" name="Content Placeholder 2">
@@ -22250,10 +22250,15 @@
                 <p:ph idx="1"/>
               </p:nvPr>
             </p:nvSpPr>
-            <p:spPr/>
+            <p:spPr>
+              <a:xfrm>
+                <a:off x="838200" y="1447800"/>
+                <a:ext cx="10515600" cy="4729163"/>
+              </a:xfrm>
+            </p:spPr>
             <p:txBody>
               <a:bodyPr>
-                <a:normAutofit fontScale="77500" lnSpcReduction="20000"/>
+                <a:normAutofit fontScale="85000" lnSpcReduction="20000"/>
               </a:bodyPr>
               <a:lstStyle/>
               <a:p>
@@ -23070,6 +23075,13 @@
                 <a:endParaRPr lang="en-US" dirty="0"/>
               </a:p>
               <a:p>
+                <a:pPr lvl="1"/>
+                <a:r>
+                  <a:rPr lang="en-US" dirty="0"/>
+                  <a:t>Log loss and others… </a:t>
+                </a:r>
+              </a:p>
+              <a:p>
                 <a:endParaRPr lang="en-US" dirty="0"/>
               </a:p>
               <a:p>
@@ -23325,7 +23337,7 @@
             </p:txBody>
           </p:sp>
         </mc:Choice>
-        <mc:Fallback xmlns="">
+        <mc:Fallback>
           <p:sp>
             <p:nvSpPr>
               <p:cNvPr id="3" name="Content Placeholder 2">
@@ -23343,10 +23355,14 @@
               </p:nvPr>
             </p:nvSpPr>
             <p:spPr>
+              <a:xfrm>
+                <a:off x="838200" y="1447800"/>
+                <a:ext cx="10515600" cy="4729163"/>
+              </a:xfrm>
               <a:blipFill>
                 <a:blip r:embed="rId2"/>
                 <a:stretch>
-                  <a:fillRect l="-754" t="-2801" b="-33894"/>
+                  <a:fillRect l="-928" t="-2968" r="-1449" b="-37548"/>
                 </a:stretch>
               </a:blipFill>
             </p:spPr>
@@ -23379,7 +23395,7 @@
         </p:nvSpPr>
         <p:spPr>
           <a:xfrm>
-            <a:off x="7772400" y="3429000"/>
+            <a:off x="7772400" y="3124200"/>
             <a:ext cx="228600" cy="539234"/>
           </a:xfrm>
           <a:prstGeom prst="rightBrace">
@@ -23423,7 +23439,7 @@
         </p:nvSpPr>
         <p:spPr>
           <a:xfrm>
-            <a:off x="8077200" y="3509486"/>
+            <a:off x="8077200" y="3204686"/>
             <a:ext cx="1676400" cy="369332"/>
           </a:xfrm>
           <a:prstGeom prst="rect">
@@ -23458,7 +23474,7 @@
         </p:nvSpPr>
         <p:spPr>
           <a:xfrm>
-            <a:off x="8229600" y="3974068"/>
+            <a:off x="8229600" y="3669268"/>
             <a:ext cx="2057400" cy="369332"/>
           </a:xfrm>
           <a:prstGeom prst="rect">
@@ -23493,7 +23509,7 @@
         </p:nvCxnSpPr>
         <p:spPr>
           <a:xfrm flipH="1">
-            <a:off x="7772400" y="4158734"/>
+            <a:off x="7772400" y="3853934"/>
             <a:ext cx="457200" cy="0"/>
           </a:xfrm>
           <a:prstGeom prst="straightConnector1">
@@ -23576,8 +23592,8 @@
           </a:p>
         </p:txBody>
       </p:sp>
-      <mc:AlternateContent xmlns:mc="http://schemas.openxmlformats.org/markup-compatibility/2006" xmlns:a14="http://schemas.microsoft.com/office/drawing/2010/main">
-        <mc:Choice Requires="a14">
+      <mc:AlternateContent xmlns:mc="http://schemas.openxmlformats.org/markup-compatibility/2006">
+        <mc:Choice xmlns:a14="http://schemas.microsoft.com/office/drawing/2010/main" Requires="a14">
           <p:sp>
             <p:nvSpPr>
               <p:cNvPr id="3" name="Content Placeholder 2">
@@ -23831,7 +23847,7 @@
               <a:p>
                 <a:r>
                   <a:rPr lang="en-US" dirty="0"/>
-                  <a:t>Learning the best hypothesis</a:t>
+                  <a:t>Learning the best hypothesis (approximation)</a:t>
                 </a:r>
               </a:p>
               <a:p>
@@ -24148,7 +24164,7 @@
             </p:txBody>
           </p:sp>
         </mc:Choice>
-        <mc:Fallback xmlns="">
+        <mc:Fallback>
           <p:sp>
             <p:nvSpPr>
               <p:cNvPr id="3" name="Content Placeholder 2">
@@ -24167,7 +24183,7 @@
             </p:nvSpPr>
             <p:spPr>
               <a:blipFill>
-                <a:blip r:embed="rId4"/>
+                <a:blip r:embed="rId3"/>
                 <a:stretch>
                   <a:fillRect l="-928" t="-30812"/>
                 </a:stretch>
@@ -24335,7 +24351,7 @@
           <a:effectLst/>
           <a:extLst>
             <a:ext uri="{AF507438-7753-43e0-B8FC-AC1667EBCBE1}">
-              <a14:hiddenEffects xmlns="" xmlns:a14="http://schemas.microsoft.com/office/drawing/2010/main">
+              <a14:hiddenEffects xmlns:a14="http://schemas.microsoft.com/office/drawing/2010/main" xmlns="">
                 <a:effectLst>
                   <a:outerShdw dist="35921" dir="2700000" algn="ctr" rotWithShape="0">
                     <a:schemeClr val="bg2"/>
@@ -24353,90 +24369,6 @@
           </a:p>
         </p:txBody>
       </p:sp>
-      <p:pic>
-        <p:nvPicPr>
-          <p:cNvPr id="5" name="Picture 8" descr="txp_fig">
-            <a:extLst>
-              <a:ext uri="{FF2B5EF4-FFF2-40B4-BE49-F238E27FC236}">
-                <a16:creationId xmlns:a16="http://schemas.microsoft.com/office/drawing/2014/main" id="{E378F449-73F0-43E1-96F9-96F7BC8A7D51}"/>
-              </a:ext>
-            </a:extLst>
-          </p:cNvPr>
-          <p:cNvPicPr>
-            <a:picLocks noChangeAspect="1" noChangeArrowheads="1"/>
-          </p:cNvPicPr>
-          <p:nvPr>
-            <p:custDataLst>
-              <p:tags r:id="rId1"/>
-            </p:custDataLst>
-          </p:nvPr>
-        </p:nvPicPr>
-        <p:blipFill>
-          <a:blip r:embed="rId5" cstate="print">
-            <a:clrChange>
-              <a:clrFrom>
-                <a:srgbClr val="FFFFFF"/>
-              </a:clrFrom>
-              <a:clrTo>
-                <a:srgbClr val="FFFFFF">
-                  <a:alpha val="0"/>
-                </a:srgbClr>
-              </a:clrTo>
-            </a:clrChange>
-            <a:extLst>
-              <a:ext uri="{28A0092B-C50C-407E-A947-70E740481C1C}">
-                <a14:useLocalDpi xmlns:a14="http://schemas.microsoft.com/office/drawing/2010/main" val="0"/>
-              </a:ext>
-            </a:extLst>
-          </a:blip>
-          <a:srcRect/>
-          <a:stretch>
-            <a:fillRect/>
-          </a:stretch>
-        </p:blipFill>
-        <p:spPr bwMode="auto">
-          <a:xfrm>
-            <a:off x="9983787" y="5030788"/>
-            <a:ext cx="185738" cy="254000"/>
-          </a:xfrm>
-          <a:prstGeom prst="rect">
-            <a:avLst/>
-          </a:prstGeom>
-          <a:noFill/>
-          <a:ln>
-            <a:noFill/>
-          </a:ln>
-          <a:effectLst/>
-          <a:extLst>
-            <a:ext uri="{909E8E84-426E-40dd-AFC4-6F175D3DCCD1}">
-              <a14:hiddenFill xmlns="" xmlns:a14="http://schemas.microsoft.com/office/drawing/2010/main">
-                <a:solidFill>
-                  <a:schemeClr val="accent1"/>
-                </a:solidFill>
-              </a14:hiddenFill>
-            </a:ext>
-            <a:ext uri="{91240B29-F687-4f45-9708-019B960494DF}">
-              <a14:hiddenLine xmlns="" xmlns:a14="http://schemas.microsoft.com/office/drawing/2010/main" w="9525">
-                <a:solidFill>
-                  <a:schemeClr val="tx1"/>
-                </a:solidFill>
-                <a:miter lim="800000"/>
-                <a:headEnd/>
-                <a:tailEnd/>
-              </a14:hiddenLine>
-            </a:ext>
-            <a:ext uri="{AF507438-7753-43e0-B8FC-AC1667EBCBE1}">
-              <a14:hiddenEffects xmlns="" xmlns:a14="http://schemas.microsoft.com/office/drawing/2010/main">
-                <a:effectLst>
-                  <a:outerShdw dist="35921" dir="2700000" algn="ctr" rotWithShape="0">
-                    <a:schemeClr val="bg2"/>
-                  </a:outerShdw>
-                </a:effectLst>
-              </a14:hiddenEffects>
-            </a:ext>
-          </a:extLst>
-        </p:spPr>
-      </p:pic>
       <p:sp>
         <p:nvSpPr>
           <p:cNvPr id="6" name="Oval 9">
@@ -24473,7 +24405,7 @@
           <a:effectLst/>
           <a:extLst>
             <a:ext uri="{AF507438-7753-43e0-B8FC-AC1667EBCBE1}">
-              <a14:hiddenEffects xmlns="" xmlns:a14="http://schemas.microsoft.com/office/drawing/2010/main">
+              <a14:hiddenEffects xmlns:a14="http://schemas.microsoft.com/office/drawing/2010/main" xmlns="">
                 <a:effectLst>
                   <a:outerShdw dist="35921" dir="2700000" algn="ctr" rotWithShape="0">
                     <a:schemeClr val="bg2"/>
@@ -24527,7 +24459,7 @@
           <a:effectLst/>
           <a:extLst>
             <a:ext uri="{AF507438-7753-43e0-B8FC-AC1667EBCBE1}">
-              <a14:hiddenEffects xmlns="" xmlns:a14="http://schemas.microsoft.com/office/drawing/2010/main">
+              <a14:hiddenEffects xmlns:a14="http://schemas.microsoft.com/office/drawing/2010/main" xmlns="">
                 <a:effectLst>
                   <a:outerShdw dist="35921" dir="2700000" algn="ctr" rotWithShape="0">
                     <a:schemeClr val="bg2"/>
@@ -24580,12 +24512,12 @@
           <a:effectLst/>
           <a:extLst>
             <a:ext uri="{909E8E84-426E-40dd-AFC4-6F175D3DCCD1}">
-              <a14:hiddenFill xmlns="" xmlns:a14="http://schemas.microsoft.com/office/drawing/2010/main">
+              <a14:hiddenFill xmlns:a14="http://schemas.microsoft.com/office/drawing/2010/main" xmlns="">
                 <a:noFill/>
               </a14:hiddenFill>
             </a:ext>
             <a:ext uri="{AF507438-7753-43e0-B8FC-AC1667EBCBE1}">
-              <a14:hiddenEffects xmlns="" xmlns:a14="http://schemas.microsoft.com/office/drawing/2010/main">
+              <a14:hiddenEffects xmlns:a14="http://schemas.microsoft.com/office/drawing/2010/main" xmlns="">
                 <a:effectLst>
                   <a:outerShdw dist="35921" dir="2700000" algn="ctr" rotWithShape="0">
                     <a:schemeClr val="bg2"/>
@@ -24617,12 +24549,12 @@
           </p:cNvPicPr>
           <p:nvPr>
             <p:custDataLst>
-              <p:tags r:id="rId2"/>
+              <p:tags r:id="rId1"/>
             </p:custDataLst>
           </p:nvPr>
         </p:nvPicPr>
         <p:blipFill>
-          <a:blip r:embed="rId6" cstate="print">
+          <a:blip r:embed="rId4" cstate="print">
             <a:clrChange>
               <a:clrFrom>
                 <a:srgbClr val="FFFFFF"/>
@@ -24659,14 +24591,14 @@
           <a:effectLst/>
           <a:extLst>
             <a:ext uri="{909E8E84-426E-40dd-AFC4-6F175D3DCCD1}">
-              <a14:hiddenFill xmlns="" xmlns:a14="http://schemas.microsoft.com/office/drawing/2010/main">
+              <a14:hiddenFill xmlns:a14="http://schemas.microsoft.com/office/drawing/2010/main" xmlns="">
                 <a:solidFill>
                   <a:schemeClr val="accent1"/>
                 </a:solidFill>
               </a14:hiddenFill>
             </a:ext>
             <a:ext uri="{91240B29-F687-4f45-9708-019B960494DF}">
-              <a14:hiddenLine xmlns="" xmlns:a14="http://schemas.microsoft.com/office/drawing/2010/main" w="9525">
+              <a14:hiddenLine xmlns:a14="http://schemas.microsoft.com/office/drawing/2010/main" xmlns="" w="9525">
                 <a:solidFill>
                   <a:schemeClr val="tx1"/>
                 </a:solidFill>
@@ -24676,7 +24608,7 @@
               </a14:hiddenLine>
             </a:ext>
             <a:ext uri="{AF507438-7753-43e0-B8FC-AC1667EBCBE1}">
-              <a14:hiddenEffects xmlns="" xmlns:a14="http://schemas.microsoft.com/office/drawing/2010/main">
+              <a14:hiddenEffects xmlns:a14="http://schemas.microsoft.com/office/drawing/2010/main" xmlns="">
                 <a:effectLst>
                   <a:outerShdw dist="35921" dir="2700000" algn="ctr" rotWithShape="0">
                     <a:schemeClr val="bg2"/>
@@ -24783,6 +24715,173 @@
           </p:sp>
         </mc:Fallback>
       </mc:AlternateContent>
+      <mc:AlternateContent xmlns:mc="http://schemas.openxmlformats.org/markup-compatibility/2006">
+        <mc:Choice xmlns:a14="http://schemas.microsoft.com/office/drawing/2010/main" Requires="a14">
+          <p:sp>
+            <p:nvSpPr>
+              <p:cNvPr id="11" name="TextBox 10">
+                <a:extLst>
+                  <a:ext uri="{FF2B5EF4-FFF2-40B4-BE49-F238E27FC236}">
+                    <a16:creationId xmlns:a16="http://schemas.microsoft.com/office/drawing/2014/main" id="{A9954620-48A2-4758-9028-BB3B1CE736EC}"/>
+                  </a:ext>
+                </a:extLst>
+              </p:cNvPr>
+              <p:cNvSpPr txBox="1"/>
+              <p:nvPr/>
+            </p:nvSpPr>
+            <p:spPr>
+              <a:xfrm>
+                <a:off x="9757568" y="4900612"/>
+                <a:ext cx="709613" cy="584775"/>
+              </a:xfrm>
+              <a:prstGeom prst="rect">
+                <a:avLst/>
+              </a:prstGeom>
+              <a:noFill/>
+            </p:spPr>
+            <p:txBody>
+              <a:bodyPr wrap="square" rtlCol="0">
+                <a:spAutoFit/>
+              </a:bodyPr>
+              <a:lstStyle/>
+              <a:p>
+                <a:pPr/>
+                <a14:m>
+                  <m:oMathPara xmlns:m="http://schemas.openxmlformats.org/officeDocument/2006/math">
+                    <m:oMathParaPr>
+                      <m:jc m:val="centerGroup"/>
+                    </m:oMathParaPr>
+                    <m:oMath xmlns:m="http://schemas.openxmlformats.org/officeDocument/2006/math">
+                      <m:sSup>
+                        <m:sSupPr>
+                          <m:ctrlPr>
+                            <a:rPr lang="en-US" sz="3200" b="0" i="1" smtClean="0">
+                              <a:latin typeface="Cambria Math" panose="02040503050406030204" pitchFamily="18" charset="0"/>
+                            </a:rPr>
+                          </m:ctrlPr>
+                        </m:sSupPr>
+                        <m:e>
+                          <m:r>
+                            <a:rPr lang="en-US" sz="3200" b="0" i="1" smtClean="0">
+                              <a:latin typeface="Cambria Math" panose="02040503050406030204" pitchFamily="18" charset="0"/>
+                            </a:rPr>
+                            <m:t>h</m:t>
+                          </m:r>
+                        </m:e>
+                        <m:sup>
+                          <m:r>
+                            <a:rPr lang="en-US" sz="3200" b="0" i="1" smtClean="0">
+                              <a:latin typeface="Cambria Math" panose="02040503050406030204" pitchFamily="18" charset="0"/>
+                            </a:rPr>
+                            <m:t>∗</m:t>
+                          </m:r>
+                        </m:sup>
+                      </m:sSup>
+                    </m:oMath>
+                  </m:oMathPara>
+                </a14:m>
+                <a:endParaRPr lang="en-US" sz="3200" i="1" dirty="0"/>
+              </a:p>
+            </p:txBody>
+          </p:sp>
+        </mc:Choice>
+        <mc:Fallback>
+          <p:sp>
+            <p:nvSpPr>
+              <p:cNvPr id="11" name="TextBox 10">
+                <a:extLst>
+                  <a:ext uri="{FF2B5EF4-FFF2-40B4-BE49-F238E27FC236}">
+                    <a16:creationId xmlns:a16="http://schemas.microsoft.com/office/drawing/2014/main" id="{A9954620-48A2-4758-9028-BB3B1CE736EC}"/>
+                  </a:ext>
+                </a:extLst>
+              </p:cNvPr>
+              <p:cNvSpPr txBox="1">
+                <a:spLocks noRot="1" noChangeAspect="1" noMove="1" noResize="1" noEditPoints="1" noAdjustHandles="1" noChangeArrowheads="1" noChangeShapeType="1" noTextEdit="1"/>
+              </p:cNvSpPr>
+              <p:nvPr/>
+            </p:nvSpPr>
+            <p:spPr>
+              <a:xfrm>
+                <a:off x="9757568" y="4900612"/>
+                <a:ext cx="709613" cy="584775"/>
+              </a:xfrm>
+              <a:prstGeom prst="rect">
+                <a:avLst/>
+              </a:prstGeom>
+              <a:blipFill>
+                <a:blip r:embed="rId8"/>
+                <a:stretch>
+                  <a:fillRect/>
+                </a:stretch>
+              </a:blipFill>
+            </p:spPr>
+            <p:txBody>
+              <a:bodyPr/>
+              <a:lstStyle/>
+              <a:p>
+                <a:r>
+                  <a:rPr lang="en-US">
+                    <a:noFill/>
+                  </a:rPr>
+                  <a:t> </a:t>
+                </a:r>
+              </a:p>
+            </p:txBody>
+          </p:sp>
+        </mc:Fallback>
+      </mc:AlternateContent>
+      <p:sp>
+        <p:nvSpPr>
+          <p:cNvPr id="12" name="Speech Bubble: Rectangle 11">
+            <a:extLst>
+              <a:ext uri="{FF2B5EF4-FFF2-40B4-BE49-F238E27FC236}">
+                <a16:creationId xmlns:a16="http://schemas.microsoft.com/office/drawing/2014/main" id="{2AC72B49-98CE-4C68-AD4E-7135D3F43865}"/>
+              </a:ext>
+            </a:extLst>
+          </p:cNvPr>
+          <p:cNvSpPr/>
+          <p:nvPr/>
+        </p:nvSpPr>
+        <p:spPr>
+          <a:xfrm>
+            <a:off x="10925572" y="4032249"/>
+            <a:ext cx="1091406" cy="287635"/>
+          </a:xfrm>
+          <a:prstGeom prst="wedgeRectCallout">
+            <a:avLst>
+              <a:gd name="adj1" fmla="val -119742"/>
+              <a:gd name="adj2" fmla="val 169131"/>
+            </a:avLst>
+          </a:prstGeom>
+        </p:spPr>
+        <p:style>
+          <a:lnRef idx="2">
+            <a:schemeClr val="accent6">
+              <a:shade val="50000"/>
+            </a:schemeClr>
+          </a:lnRef>
+          <a:fillRef idx="1">
+            <a:schemeClr val="accent6"/>
+          </a:fillRef>
+          <a:effectRef idx="0">
+            <a:schemeClr val="accent6"/>
+          </a:effectRef>
+          <a:fontRef idx="minor">
+            <a:schemeClr val="lt1"/>
+          </a:fontRef>
+        </p:style>
+        <p:txBody>
+          <a:bodyPr rtlCol="0" anchor="ctr"/>
+          <a:lstStyle/>
+          <a:p>
+            <a:pPr algn="ctr"/>
+            <a:r>
+              <a:rPr lang="en-US" dirty="0"/>
+              <a:t>Loss</a:t>
+            </a:r>
+          </a:p>
+        </p:txBody>
+      </p:sp>
     </p:spTree>
     <p:extLst>
       <p:ext uri="{BB962C8B-B14F-4D97-AF65-F5344CB8AC3E}">
@@ -24841,8 +24940,8 @@
           </a:p>
         </p:txBody>
       </p:sp>
-      <mc:AlternateContent xmlns:mc="http://schemas.openxmlformats.org/markup-compatibility/2006" xmlns:a14="http://schemas.microsoft.com/office/drawing/2010/main">
-        <mc:Choice Requires="a14">
+      <mc:AlternateContent xmlns:mc="http://schemas.openxmlformats.org/markup-compatibility/2006">
+        <mc:Choice xmlns:a14="http://schemas.microsoft.com/office/drawing/2010/main" Requires="a14">
           <p:sp>
             <p:nvSpPr>
               <p:cNvPr id="3" name="Content Placeholder 2">
@@ -24861,13 +24960,13 @@
             </p:nvSpPr>
             <p:spPr>
               <a:xfrm>
-                <a:off x="838200" y="1825625"/>
-                <a:ext cx="10744200" cy="4667250"/>
+                <a:off x="838200" y="1524000"/>
+                <a:ext cx="10744200" cy="4968875"/>
               </a:xfrm>
             </p:spPr>
             <p:txBody>
               <a:bodyPr>
-                <a:normAutofit fontScale="77500" lnSpcReduction="20000"/>
+                <a:normAutofit fontScale="70000" lnSpcReduction="20000"/>
               </a:bodyPr>
               <a:lstStyle/>
               <a:p>
@@ -24909,6 +25008,14 @@
                   <a:rPr lang="en-US" dirty="0"/>
                   <a:t>.</a:t>
                 </a:r>
+              </a:p>
+              <a:p>
+                <a:pPr marL="0" indent="0">
+                  <a:lnSpc>
+                    <a:spcPct val="120000"/>
+                  </a:lnSpc>
+                  <a:buNone/>
+                </a:pPr>
                 <a:br>
                   <a:rPr lang="en-US" dirty="0"/>
                 </a:br>
@@ -24967,10 +25074,272 @@
                         </a:rPr>
                         <m:t>=</m:t>
                       </m:r>
+                      <m:limLow>
+                        <m:limLowPr>
+                          <m:ctrlPr>
+                            <a:rPr lang="en-US" i="1">
+                              <a:latin typeface="Cambria Math" panose="02040503050406030204" pitchFamily="18" charset="0"/>
+                            </a:rPr>
+                          </m:ctrlPr>
+                        </m:limLowPr>
+                        <m:e>
+                          <m:r>
+                            <m:rPr>
+                              <m:sty m:val="p"/>
+                            </m:rPr>
+                            <a:rPr lang="en-US">
+                              <a:latin typeface="Cambria Math" panose="02040503050406030204" pitchFamily="18" charset="0"/>
+                            </a:rPr>
+                            <m:t>argmax</m:t>
+                          </m:r>
+                        </m:e>
+                        <m:lim>
+                          <m:r>
+                            <a:rPr lang="en-US" i="1">
+                              <a:latin typeface="Cambria Math" panose="02040503050406030204" pitchFamily="18" charset="0"/>
+                            </a:rPr>
+                            <m:t>𝑦</m:t>
+                          </m:r>
+                        </m:lim>
+                      </m:limLow>
+                      <m:r>
+                        <a:rPr lang="en-US" b="0" i="1" smtClean="0">
+                          <a:latin typeface="Cambria Math" panose="02040503050406030204" pitchFamily="18" charset="0"/>
+                        </a:rPr>
+                        <m:t> </m:t>
+                      </m:r>
+                      <m:r>
+                        <a:rPr lang="en-US" b="0" i="1" smtClean="0">
+                          <a:latin typeface="Cambria Math" panose="02040503050406030204" pitchFamily="18" charset="0"/>
+                        </a:rPr>
+                        <m:t>𝑃</m:t>
+                      </m:r>
+                      <m:d>
+                        <m:dPr>
+                          <m:endChr m:val="|"/>
+                          <m:ctrlPr>
+                            <a:rPr lang="en-US" b="0" i="1" smtClean="0">
+                              <a:latin typeface="Cambria Math" panose="02040503050406030204" pitchFamily="18" charset="0"/>
+                            </a:rPr>
+                          </m:ctrlPr>
+                        </m:dPr>
+                        <m:e>
+                          <m:r>
+                            <a:rPr lang="en-US" b="0" i="1" smtClean="0">
+                              <a:latin typeface="Cambria Math" panose="02040503050406030204" pitchFamily="18" charset="0"/>
+                            </a:rPr>
+                            <m:t>𝑌</m:t>
+                          </m:r>
+                          <m:r>
+                            <a:rPr lang="en-US" b="0" i="1" smtClean="0">
+                              <a:latin typeface="Cambria Math" panose="02040503050406030204" pitchFamily="18" charset="0"/>
+                            </a:rPr>
+                            <m:t>=</m:t>
+                          </m:r>
+                          <m:r>
+                            <a:rPr lang="en-US" b="0" i="1" smtClean="0">
+                              <a:latin typeface="Cambria Math" panose="02040503050406030204" pitchFamily="18" charset="0"/>
+                            </a:rPr>
+                            <m:t>𝑦</m:t>
+                          </m:r>
+                          <m:r>
+                            <a:rPr lang="en-US" b="0" i="1" smtClean="0">
+                              <a:latin typeface="Cambria Math" panose="02040503050406030204" pitchFamily="18" charset="0"/>
+                            </a:rPr>
+                            <m:t> </m:t>
+                          </m:r>
+                        </m:e>
+                      </m:d>
+                      <m:r>
+                        <a:rPr lang="en-US" b="0" i="1" smtClean="0">
+                          <a:latin typeface="Cambria Math" panose="02040503050406030204" pitchFamily="18" charset="0"/>
+                        </a:rPr>
+                        <m:t> </m:t>
+                      </m:r>
+                      <m:r>
+                        <a:rPr lang="en-US" b="0" i="1" smtClean="0">
+                          <a:latin typeface="Cambria Math" panose="02040503050406030204" pitchFamily="18" charset="0"/>
+                        </a:rPr>
+                        <m:t>𝑋</m:t>
+                      </m:r>
+                      <m:r>
+                        <a:rPr lang="en-US" b="0" i="1" smtClean="0">
+                          <a:latin typeface="Cambria Math" panose="02040503050406030204" pitchFamily="18" charset="0"/>
+                        </a:rPr>
+                        <m:t>=</m:t>
+                      </m:r>
+                      <m:r>
+                        <a:rPr lang="en-US" b="0" i="1" smtClean="0">
+                          <a:latin typeface="Cambria Math" panose="02040503050406030204" pitchFamily="18" charset="0"/>
+                        </a:rPr>
+                        <m:t>𝑥</m:t>
+                      </m:r>
+                      <m:r>
+                        <a:rPr lang="en-US" b="0" i="1" smtClean="0">
+                          <a:latin typeface="Cambria Math" panose="02040503050406030204" pitchFamily="18" charset="0"/>
+                        </a:rPr>
+                        <m:t>)= </m:t>
+                      </m:r>
+                      <m:limLow>
+                        <m:limLowPr>
+                          <m:ctrlPr>
+                            <a:rPr lang="en-US" i="1">
+                              <a:latin typeface="Cambria Math" panose="02040503050406030204" pitchFamily="18" charset="0"/>
+                            </a:rPr>
+                          </m:ctrlPr>
+                        </m:limLowPr>
+                        <m:e>
+                          <m:r>
+                            <m:rPr>
+                              <m:sty m:val="p"/>
+                            </m:rPr>
+                            <a:rPr lang="en-US">
+                              <a:latin typeface="Cambria Math" panose="02040503050406030204" pitchFamily="18" charset="0"/>
+                            </a:rPr>
+                            <m:t>argmax</m:t>
+                          </m:r>
+                        </m:e>
+                        <m:lim>
+                          <m:r>
+                            <a:rPr lang="en-US" i="1">
+                              <a:latin typeface="Cambria Math" panose="02040503050406030204" pitchFamily="18" charset="0"/>
+                            </a:rPr>
+                            <m:t>𝑦</m:t>
+                          </m:r>
+                        </m:lim>
+                      </m:limLow>
+                      <m:r>
+                        <a:rPr lang="en-US" b="0" i="1" smtClean="0">
+                          <a:latin typeface="Cambria Math" panose="02040503050406030204" pitchFamily="18" charset="0"/>
+                        </a:rPr>
+                        <m:t> </m:t>
+                      </m:r>
+                      <m:f>
+                        <m:fPr>
+                          <m:ctrlPr>
+                            <a:rPr lang="en-US" b="0" i="1" smtClean="0">
+                              <a:latin typeface="Cambria Math" panose="02040503050406030204" pitchFamily="18" charset="0"/>
+                            </a:rPr>
+                          </m:ctrlPr>
+                        </m:fPr>
+                        <m:num>
+                          <m:r>
+                            <a:rPr lang="en-US" i="1">
+                              <a:latin typeface="Cambria Math" panose="02040503050406030204" pitchFamily="18" charset="0"/>
+                            </a:rPr>
+                            <m:t>𝑃</m:t>
+                          </m:r>
+                          <m:d>
+                            <m:dPr>
+                              <m:endChr m:val="|"/>
+                              <m:ctrlPr>
+                                <a:rPr lang="en-US" i="1">
+                                  <a:latin typeface="Cambria Math" panose="02040503050406030204" pitchFamily="18" charset="0"/>
+                                </a:rPr>
+                              </m:ctrlPr>
+                            </m:dPr>
+                            <m:e>
+                              <m:r>
+                                <a:rPr lang="en-US" b="0" i="1" smtClean="0">
+                                  <a:latin typeface="Cambria Math" panose="02040503050406030204" pitchFamily="18" charset="0"/>
+                                </a:rPr>
+                                <m:t>𝑥</m:t>
+                              </m:r>
+                              <m:r>
+                                <a:rPr lang="en-US" i="1">
+                                  <a:latin typeface="Cambria Math" panose="02040503050406030204" pitchFamily="18" charset="0"/>
+                                </a:rPr>
+                                <m:t> </m:t>
+                              </m:r>
+                            </m:e>
+                          </m:d>
+                          <m:r>
+                            <a:rPr lang="en-US" b="0" i="1" smtClean="0">
+                              <a:latin typeface="Cambria Math" panose="02040503050406030204" pitchFamily="18" charset="0"/>
+                            </a:rPr>
+                            <m:t> </m:t>
+                          </m:r>
+                          <m:r>
+                            <a:rPr lang="en-US" b="0" i="1" smtClean="0">
+                              <a:latin typeface="Cambria Math" panose="02040503050406030204" pitchFamily="18" charset="0"/>
+                            </a:rPr>
+                            <m:t>𝑦</m:t>
+                          </m:r>
+                          <m:r>
+                            <a:rPr lang="en-US" i="1">
+                              <a:latin typeface="Cambria Math" panose="02040503050406030204" pitchFamily="18" charset="0"/>
+                            </a:rPr>
+                            <m:t>)</m:t>
+                          </m:r>
+                          <m:r>
+                            <m:rPr>
+                              <m:nor/>
+                            </m:rPr>
+                            <a:rPr lang="en-US" dirty="0"/>
+                            <m:t> </m:t>
+                          </m:r>
+                          <m:r>
+                            <a:rPr lang="en-US" i="1" dirty="0">
+                              <a:latin typeface="Cambria Math" panose="02040503050406030204" pitchFamily="18" charset="0"/>
+                            </a:rPr>
+                            <m:t>𝑃</m:t>
+                          </m:r>
+                          <m:r>
+                            <a:rPr lang="en-US" i="1" dirty="0">
+                              <a:latin typeface="Cambria Math" panose="02040503050406030204" pitchFamily="18" charset="0"/>
+                            </a:rPr>
+                            <m:t>(</m:t>
+                          </m:r>
+                          <m:r>
+                            <a:rPr lang="en-US" b="0" i="1" dirty="0" smtClean="0">
+                              <a:latin typeface="Cambria Math" panose="02040503050406030204" pitchFamily="18" charset="0"/>
+                            </a:rPr>
+                            <m:t>𝑦</m:t>
+                          </m:r>
+                          <m:r>
+                            <a:rPr lang="en-US" b="0" i="1" dirty="0" smtClean="0">
+                              <a:latin typeface="Cambria Math" panose="02040503050406030204" pitchFamily="18" charset="0"/>
+                            </a:rPr>
+                            <m:t>)</m:t>
+                          </m:r>
+                        </m:num>
+                        <m:den>
+                          <m:r>
+                            <a:rPr lang="en-US" b="0" i="1" smtClean="0">
+                              <a:latin typeface="Cambria Math" panose="02040503050406030204" pitchFamily="18" charset="0"/>
+                            </a:rPr>
+                            <m:t>𝑃</m:t>
+                          </m:r>
+                          <m:r>
+                            <a:rPr lang="en-US" b="0" i="1" smtClean="0">
+                              <a:latin typeface="Cambria Math" panose="02040503050406030204" pitchFamily="18" charset="0"/>
+                            </a:rPr>
+                            <m:t>(</m:t>
+                          </m:r>
+                          <m:r>
+                            <a:rPr lang="en-US" b="0" i="1" smtClean="0">
+                              <a:latin typeface="Cambria Math" panose="02040503050406030204" pitchFamily="18" charset="0"/>
+                            </a:rPr>
+                            <m:t>𝑥</m:t>
+                          </m:r>
+                          <m:r>
+                            <a:rPr lang="en-US" b="0" i="1" smtClean="0">
+                              <a:latin typeface="Cambria Math" panose="02040503050406030204" pitchFamily="18" charset="0"/>
+                            </a:rPr>
+                            <m:t>)</m:t>
+                          </m:r>
+                        </m:den>
+                      </m:f>
+                      <m:r>
+                        <a:rPr lang="en-US" b="0" i="1" dirty="0" smtClean="0">
+                          <a:latin typeface="Cambria Math" panose="02040503050406030204" pitchFamily="18" charset="0"/>
+                        </a:rPr>
+                        <m:t>=</m:t>
+                      </m:r>
                       <m:func>
                         <m:funcPr>
                           <m:ctrlPr>
-                            <a:rPr lang="en-US" b="0" i="1" smtClean="0">
+                            <a:rPr lang="en-US" i="1">
                               <a:latin typeface="Cambria Math" panose="02040503050406030204" pitchFamily="18" charset="0"/>
                             </a:rPr>
                           </m:ctrlPr>
@@ -24979,7 +25348,7 @@
                           <m:limLow>
                             <m:limLowPr>
                               <m:ctrlPr>
-                                <a:rPr lang="en-US" b="0" i="1" smtClean="0">
+                                <a:rPr lang="en-US" i="1">
                                   <a:latin typeface="Cambria Math" panose="02040503050406030204" pitchFamily="18" charset="0"/>
                                 </a:rPr>
                               </m:ctrlPr>
@@ -24989,7 +25358,7 @@
                                 <m:rPr>
                                   <m:sty m:val="p"/>
                                 </m:rPr>
-                                <a:rPr lang="en-US" b="0" i="0" smtClean="0">
+                                <a:rPr lang="en-US">
                                   <a:latin typeface="Cambria Math" panose="02040503050406030204" pitchFamily="18" charset="0"/>
                                 </a:rPr>
                                 <m:t>argmax</m:t>
@@ -24997,7 +25366,7 @@
                             </m:e>
                             <m:lim>
                               <m:r>
-                                <a:rPr lang="en-US" b="0" i="1" smtClean="0">
+                                <a:rPr lang="en-US" i="1">
                                   <a:latin typeface="Cambria Math" panose="02040503050406030204" pitchFamily="18" charset="0"/>
                                 </a:rPr>
                                 <m:t>𝑦</m:t>
@@ -25026,19 +25395,7 @@
                                 <a:rPr lang="en-US" b="0" i="1" smtClean="0">
                                   <a:latin typeface="Cambria Math" panose="02040503050406030204" pitchFamily="18" charset="0"/>
                                 </a:rPr>
-                                <m:t>𝑌</m:t>
-                              </m:r>
-                              <m:r>
-                                <a:rPr lang="en-US" b="0" i="1" smtClean="0">
-                                  <a:latin typeface="Cambria Math" panose="02040503050406030204" pitchFamily="18" charset="0"/>
-                                </a:rPr>
-                                <m:t>=</m:t>
-                              </m:r>
-                              <m:r>
-                                <a:rPr lang="en-US" b="0" i="1" smtClean="0">
-                                  <a:latin typeface="Cambria Math" panose="02040503050406030204" pitchFamily="18" charset="0"/>
-                                </a:rPr>
-                                <m:t>𝑦</m:t>
+                                <m:t>𝑥</m:t>
                               </m:r>
                               <m:r>
                                 <a:rPr lang="en-US" i="1">
@@ -25049,7 +25406,7 @@
                             </m:e>
                           </m:d>
                           <m:r>
-                            <a:rPr lang="en-US" i="1">
+                            <a:rPr lang="en-US" b="0" i="1" smtClean="0">
                               <a:latin typeface="Cambria Math" panose="02040503050406030204" pitchFamily="18" charset="0"/>
                             </a:rPr>
                             <m:t> </m:t>
@@ -25058,19 +25415,7 @@
                             <a:rPr lang="en-US" b="0" i="1" smtClean="0">
                               <a:latin typeface="Cambria Math" panose="02040503050406030204" pitchFamily="18" charset="0"/>
                             </a:rPr>
-                            <m:t>𝑋</m:t>
-                          </m:r>
-                          <m:r>
-                            <a:rPr lang="en-US" b="0" i="1" smtClean="0">
-                              <a:latin typeface="Cambria Math" panose="02040503050406030204" pitchFamily="18" charset="0"/>
-                            </a:rPr>
-                            <m:t>=</m:t>
-                          </m:r>
-                          <m:r>
-                            <a:rPr lang="en-US" b="0" i="1" smtClean="0">
-                              <a:latin typeface="Cambria Math" panose="02040503050406030204" pitchFamily="18" charset="0"/>
-                            </a:rPr>
-                            <m:t>𝑥</m:t>
+                            <m:t>𝑦</m:t>
                           </m:r>
                           <m:r>
                             <a:rPr lang="en-US" i="1">
@@ -25084,6 +25429,30 @@
                             </m:rPr>
                             <a:rPr lang="en-US" dirty="0"/>
                             <m:t> </m:t>
+                          </m:r>
+                          <m:r>
+                            <a:rPr lang="en-US" i="1" dirty="0">
+                              <a:latin typeface="Cambria Math" panose="02040503050406030204" pitchFamily="18" charset="0"/>
+                            </a:rPr>
+                            <m:t>𝑃</m:t>
+                          </m:r>
+                          <m:r>
+                            <a:rPr lang="en-US" i="1" dirty="0">
+                              <a:latin typeface="Cambria Math" panose="02040503050406030204" pitchFamily="18" charset="0"/>
+                            </a:rPr>
+                            <m:t>(</m:t>
+                          </m:r>
+                          <m:r>
+                            <a:rPr lang="en-US" b="0" i="1" dirty="0" smtClean="0">
+                              <a:latin typeface="Cambria Math" panose="02040503050406030204" pitchFamily="18" charset="0"/>
+                            </a:rPr>
+                            <m:t>𝑦</m:t>
+                          </m:r>
+                          <m:r>
+                            <a:rPr lang="en-US" i="1" dirty="0">
+                              <a:latin typeface="Cambria Math" panose="02040503050406030204" pitchFamily="18" charset="0"/>
+                            </a:rPr>
+                            <m:t>)</m:t>
                           </m:r>
                         </m:e>
                       </m:func>
@@ -25099,333 +25468,7 @@
                   </a:lnSpc>
                   <a:buNone/>
                 </a:pPr>
-                <a:r>
-                  <a:rPr lang="en-US" dirty="0"/>
-                  <a:t>This is equivalent (by Bayes’ rule and dropping of </a:t>
-                </a:r>
-                <a14:m>
-                  <m:oMath xmlns:m="http://schemas.openxmlformats.org/officeDocument/2006/math">
-                    <m:r>
-                      <a:rPr lang="en-US" i="1" dirty="0" smtClean="0">
-                        <a:latin typeface="Cambria Math" panose="02040503050406030204" pitchFamily="18" charset="0"/>
-                      </a:rPr>
-                      <m:t>𝑃</m:t>
-                    </m:r>
-                    <m:r>
-                      <a:rPr lang="en-US" i="1" dirty="0" smtClean="0">
-                        <a:latin typeface="Cambria Math" panose="02040503050406030204" pitchFamily="18" charset="0"/>
-                      </a:rPr>
-                      <m:t>(</m:t>
-                    </m:r>
-                    <m:r>
-                      <a:rPr lang="en-US" i="1" dirty="0" smtClean="0">
-                        <a:latin typeface="Cambria Math" panose="02040503050406030204" pitchFamily="18" charset="0"/>
-                      </a:rPr>
-                      <m:t>𝑥</m:t>
-                    </m:r>
-                    <m:r>
-                      <a:rPr lang="en-US" i="1" dirty="0" smtClean="0">
-                        <a:latin typeface="Cambria Math" panose="02040503050406030204" pitchFamily="18" charset="0"/>
-                      </a:rPr>
-                      <m:t>)</m:t>
-                    </m:r>
-                  </m:oMath>
-                </a14:m>
-                <a:r>
-                  <a:rPr lang="en-US" dirty="0"/>
-                  <a:t>) to: </a:t>
-                </a:r>
-              </a:p>
-              <a:p>
-                <a:pPr marL="0" indent="0" algn="ctr">
-                  <a:lnSpc>
-                    <a:spcPct val="120000"/>
-                  </a:lnSpc>
-                  <a:buNone/>
-                </a:pPr>
-                <a14:m>
-                  <m:oMath xmlns:m="http://schemas.openxmlformats.org/officeDocument/2006/math">
-                    <m:sSup>
-                      <m:sSupPr>
-                        <m:ctrlPr>
-                          <a:rPr lang="en-US" i="1">
-                            <a:latin typeface="Cambria Math" panose="02040503050406030204" pitchFamily="18" charset="0"/>
-                          </a:rPr>
-                        </m:ctrlPr>
-                      </m:sSupPr>
-                      <m:e>
-                        <m:r>
-                          <a:rPr lang="en-US" i="1">
-                            <a:latin typeface="Cambria Math" panose="02040503050406030204" pitchFamily="18" charset="0"/>
-                          </a:rPr>
-                          <m:t>h</m:t>
-                        </m:r>
-                        <m:r>
-                          <a:rPr lang="en-US" b="0" i="1" smtClean="0">
-                            <a:latin typeface="Cambria Math" panose="02040503050406030204" pitchFamily="18" charset="0"/>
-                          </a:rPr>
-                          <m:t>(</m:t>
-                        </m:r>
-                        <m:r>
-                          <a:rPr lang="en-US" b="0" i="1" smtClean="0">
-                            <a:latin typeface="Cambria Math" panose="02040503050406030204" pitchFamily="18" charset="0"/>
-                          </a:rPr>
-                          <m:t>𝑥</m:t>
-                        </m:r>
-                        <m:r>
-                          <a:rPr lang="en-US" b="0" i="1" smtClean="0">
-                            <a:latin typeface="Cambria Math" panose="02040503050406030204" pitchFamily="18" charset="0"/>
-                          </a:rPr>
-                          <m:t>)</m:t>
-                        </m:r>
-                      </m:e>
-                      <m:sup>
-                        <m:r>
-                          <a:rPr lang="en-US" i="1">
-                            <a:latin typeface="Cambria Math" panose="02040503050406030204" pitchFamily="18" charset="0"/>
-                          </a:rPr>
-                          <m:t>∗</m:t>
-                        </m:r>
-                      </m:sup>
-                    </m:sSup>
-                    <m:r>
-                      <a:rPr lang="en-US" i="1">
-                        <a:latin typeface="Cambria Math" panose="02040503050406030204" pitchFamily="18" charset="0"/>
-                      </a:rPr>
-                      <m:t>=</m:t>
-                    </m:r>
-                    <m:func>
-                      <m:funcPr>
-                        <m:ctrlPr>
-                          <a:rPr lang="en-US" i="1" smtClean="0">
-                            <a:latin typeface="Cambria Math" panose="02040503050406030204" pitchFamily="18" charset="0"/>
-                          </a:rPr>
-                        </m:ctrlPr>
-                      </m:funcPr>
-                      <m:fName>
-                        <m:limLow>
-                          <m:limLowPr>
-                            <m:ctrlPr>
-                              <a:rPr lang="en-US" i="1">
-                                <a:latin typeface="Cambria Math" panose="02040503050406030204" pitchFamily="18" charset="0"/>
-                              </a:rPr>
-                            </m:ctrlPr>
-                          </m:limLowPr>
-                          <m:e>
-                            <m:r>
-                              <m:rPr>
-                                <m:sty m:val="p"/>
-                              </m:rPr>
-                              <a:rPr lang="en-US">
-                                <a:latin typeface="Cambria Math" panose="02040503050406030204" pitchFamily="18" charset="0"/>
-                              </a:rPr>
-                              <m:t>argmax</m:t>
-                            </m:r>
-                          </m:e>
-                          <m:lim>
-                            <m:r>
-                              <a:rPr lang="en-US" b="0" i="1" smtClean="0">
-                                <a:latin typeface="Cambria Math" panose="02040503050406030204" pitchFamily="18" charset="0"/>
-                              </a:rPr>
-                              <m:t>𝑦</m:t>
-                            </m:r>
-                          </m:lim>
-                        </m:limLow>
-                      </m:fName>
-                      <m:e>
-                        <m:r>
-                          <a:rPr lang="en-US" i="1">
-                            <a:latin typeface="Cambria Math" panose="02040503050406030204" pitchFamily="18" charset="0"/>
-                          </a:rPr>
-                          <m:t>𝑃</m:t>
-                        </m:r>
-                        <m:d>
-                          <m:dPr>
-                            <m:endChr m:val="|"/>
-                            <m:ctrlPr>
-                              <a:rPr lang="en-US" i="1">
-                                <a:latin typeface="Cambria Math" panose="02040503050406030204" pitchFamily="18" charset="0"/>
-                              </a:rPr>
-                            </m:ctrlPr>
-                          </m:dPr>
-                          <m:e>
-                            <m:r>
-                              <a:rPr lang="en-US" b="0" i="1" smtClean="0">
-                                <a:latin typeface="Cambria Math" panose="02040503050406030204" pitchFamily="18" charset="0"/>
-                              </a:rPr>
-                              <m:t>𝑋</m:t>
-                            </m:r>
-                            <m:r>
-                              <a:rPr lang="en-US" b="0" i="1" smtClean="0">
-                                <a:latin typeface="Cambria Math" panose="02040503050406030204" pitchFamily="18" charset="0"/>
-                              </a:rPr>
-                              <m:t>=</m:t>
-                            </m:r>
-                            <m:r>
-                              <a:rPr lang="en-US" b="0" i="1" smtClean="0">
-                                <a:latin typeface="Cambria Math" panose="02040503050406030204" pitchFamily="18" charset="0"/>
-                              </a:rPr>
-                              <m:t>𝑥</m:t>
-                            </m:r>
-                            <m:r>
-                              <a:rPr lang="en-US" i="1">
-                                <a:latin typeface="Cambria Math" panose="02040503050406030204" pitchFamily="18" charset="0"/>
-                              </a:rPr>
-                              <m:t> </m:t>
-                            </m:r>
-                          </m:e>
-                        </m:d>
-                        <m:r>
-                          <a:rPr lang="en-US" i="1">
-                            <a:latin typeface="Cambria Math" panose="02040503050406030204" pitchFamily="18" charset="0"/>
-                          </a:rPr>
-                          <m:t> </m:t>
-                        </m:r>
-                        <m:r>
-                          <a:rPr lang="en-US" b="0" i="1" smtClean="0">
-                            <a:latin typeface="Cambria Math" panose="02040503050406030204" pitchFamily="18" charset="0"/>
-                          </a:rPr>
-                          <m:t>𝑌</m:t>
-                        </m:r>
-                        <m:r>
-                          <a:rPr lang="en-US" b="0" i="1" smtClean="0">
-                            <a:latin typeface="Cambria Math" panose="02040503050406030204" pitchFamily="18" charset="0"/>
-                          </a:rPr>
-                          <m:t>=</m:t>
-                        </m:r>
-                        <m:r>
-                          <a:rPr lang="en-US" b="0" i="1" smtClean="0">
-                            <a:latin typeface="Cambria Math" panose="02040503050406030204" pitchFamily="18" charset="0"/>
-                          </a:rPr>
-                          <m:t>𝑦</m:t>
-                        </m:r>
-                        <m:r>
-                          <a:rPr lang="en-US" i="1">
-                            <a:latin typeface="Cambria Math" panose="02040503050406030204" pitchFamily="18" charset="0"/>
-                          </a:rPr>
-                          <m:t>)</m:t>
-                        </m:r>
-                        <m:r>
-                          <a:rPr lang="en-US" b="0" i="1" smtClean="0">
-                            <a:latin typeface="Cambria Math" panose="02040503050406030204" pitchFamily="18" charset="0"/>
-                          </a:rPr>
-                          <m:t>𝑃</m:t>
-                        </m:r>
-                        <m:d>
-                          <m:dPr>
-                            <m:ctrlPr>
-                              <a:rPr lang="en-US" b="0" i="1" smtClean="0">
-                                <a:latin typeface="Cambria Math" panose="02040503050406030204" pitchFamily="18" charset="0"/>
-                              </a:rPr>
-                            </m:ctrlPr>
-                          </m:dPr>
-                          <m:e>
-                            <m:r>
-                              <a:rPr lang="en-US" b="0" i="1" smtClean="0">
-                                <a:latin typeface="Cambria Math" panose="02040503050406030204" pitchFamily="18" charset="0"/>
-                              </a:rPr>
-                              <m:t>𝑦</m:t>
-                            </m:r>
-                          </m:e>
-                        </m:d>
-                        <m:r>
-                          <a:rPr lang="en-US" b="0" i="1" smtClean="0">
-                            <a:latin typeface="Cambria Math" panose="02040503050406030204" pitchFamily="18" charset="0"/>
-                          </a:rPr>
-                          <m:t>=</m:t>
-                        </m:r>
-                      </m:e>
-                    </m:func>
-                    <m:func>
-                      <m:funcPr>
-                        <m:ctrlPr>
-                          <a:rPr lang="en-US" i="1">
-                            <a:latin typeface="Cambria Math" panose="02040503050406030204" pitchFamily="18" charset="0"/>
-                          </a:rPr>
-                        </m:ctrlPr>
-                      </m:funcPr>
-                      <m:fName>
-                        <m:limLow>
-                          <m:limLowPr>
-                            <m:ctrlPr>
-                              <a:rPr lang="en-US" i="1">
-                                <a:latin typeface="Cambria Math" panose="02040503050406030204" pitchFamily="18" charset="0"/>
-                              </a:rPr>
-                            </m:ctrlPr>
-                          </m:limLowPr>
-                          <m:e>
-                            <m:r>
-                              <m:rPr>
-                                <m:sty m:val="p"/>
-                              </m:rPr>
-                              <a:rPr lang="en-US">
-                                <a:latin typeface="Cambria Math" panose="02040503050406030204" pitchFamily="18" charset="0"/>
-                              </a:rPr>
-                              <m:t>argmax</m:t>
-                            </m:r>
-                          </m:e>
-                          <m:lim>
-                            <m:r>
-                              <a:rPr lang="en-US" i="1">
-                                <a:latin typeface="Cambria Math" panose="02040503050406030204" pitchFamily="18" charset="0"/>
-                              </a:rPr>
-                              <m:t>𝑦</m:t>
-                            </m:r>
-                          </m:lim>
-                        </m:limLow>
-                      </m:fName>
-                      <m:e>
-                        <m:r>
-                          <a:rPr lang="en-US" i="1">
-                            <a:latin typeface="Cambria Math" panose="02040503050406030204" pitchFamily="18" charset="0"/>
-                          </a:rPr>
-                          <m:t>𝑃</m:t>
-                        </m:r>
-                        <m:r>
-                          <a:rPr lang="en-US" i="1">
-                            <a:latin typeface="Cambria Math" panose="02040503050406030204" pitchFamily="18" charset="0"/>
-                          </a:rPr>
-                          <m:t>(</m:t>
-                        </m:r>
-                        <m:r>
-                          <a:rPr lang="en-US" b="0" i="1" smtClean="0">
-                            <a:latin typeface="Cambria Math" panose="02040503050406030204" pitchFamily="18" charset="0"/>
-                          </a:rPr>
-                          <m:t>𝑋</m:t>
-                        </m:r>
-                        <m:r>
-                          <a:rPr lang="en-US" b="0" i="1" smtClean="0">
-                            <a:latin typeface="Cambria Math" panose="02040503050406030204" pitchFamily="18" charset="0"/>
-                          </a:rPr>
-                          <m:t>,</m:t>
-                        </m:r>
-                        <m:r>
-                          <a:rPr lang="en-US" i="1">
-                            <a:latin typeface="Cambria Math" panose="02040503050406030204" pitchFamily="18" charset="0"/>
-                          </a:rPr>
-                          <m:t>𝑦</m:t>
-                        </m:r>
-                        <m:r>
-                          <a:rPr lang="en-US" i="1">
-                            <a:latin typeface="Cambria Math" panose="02040503050406030204" pitchFamily="18" charset="0"/>
-                          </a:rPr>
-                          <m:t>)</m:t>
-                        </m:r>
-                        <m:r>
-                          <m:rPr>
-                            <m:nor/>
-                          </m:rPr>
-                          <a:rPr lang="en-US" dirty="0"/>
-                          <m:t> </m:t>
-                        </m:r>
-                      </m:e>
-                    </m:func>
-                  </m:oMath>
-                </a14:m>
-                <a:r>
-                  <a:rPr lang="en-US" dirty="0"/>
-                  <a:t> </a:t>
-                </a:r>
+                <a:endParaRPr lang="en-US" dirty="0"/>
               </a:p>
               <a:p>
                 <a:pPr marL="0" indent="0">
@@ -25435,8 +25478,12 @@
                   <a:buNone/>
                 </a:pPr>
                 <a:r>
+                  <a:rPr lang="en-US" b="1" dirty="0"/>
+                  <a:t>Optimality</a:t>
+                </a:r>
+                <a:r>
                   <a:rPr lang="en-US" dirty="0"/>
-                  <a:t>The </a:t>
+                  <a:t>: The </a:t>
                 </a:r>
                 <a:r>
                   <a:rPr lang="en-US" b="1" dirty="0">
@@ -25470,13 +25517,159 @@
                   </a:lnSpc>
                   <a:buNone/>
                 </a:pPr>
+                <a:endParaRPr lang="en-US" b="1" dirty="0"/>
+              </a:p>
+              <a:p>
+                <a:pPr marL="0" indent="0">
+                  <a:lnSpc>
+                    <a:spcPct val="120000"/>
+                  </a:lnSpc>
+                  <a:buNone/>
+                </a:pPr>
                 <a:r>
                   <a:rPr lang="en-US" b="1" dirty="0"/>
                   <a:t>Issue</a:t>
                 </a:r>
                 <a:r>
                   <a:rPr lang="en-US" dirty="0"/>
-                  <a:t>: Needs the complete joint probability which requires in the general case a probability table with one entry for each possible value for </a:t>
+                  <a:t>: </a:t>
+                </a:r>
+                <a14:m>
+                  <m:oMath xmlns:m="http://schemas.openxmlformats.org/officeDocument/2006/math">
+                    <m:r>
+                      <a:rPr lang="en-US" i="1" smtClean="0">
+                        <a:latin typeface="Cambria Math" panose="02040503050406030204" pitchFamily="18" charset="0"/>
+                      </a:rPr>
+                      <m:t>𝑃</m:t>
+                    </m:r>
+                    <m:d>
+                      <m:dPr>
+                        <m:endChr m:val="|"/>
+                        <m:ctrlPr>
+                          <a:rPr lang="en-US" i="1">
+                            <a:latin typeface="Cambria Math" panose="02040503050406030204" pitchFamily="18" charset="0"/>
+                          </a:rPr>
+                        </m:ctrlPr>
+                      </m:dPr>
+                      <m:e>
+                        <m:r>
+                          <a:rPr lang="en-US" b="0" i="1" smtClean="0">
+                            <a:latin typeface="Cambria Math" panose="02040503050406030204" pitchFamily="18" charset="0"/>
+                          </a:rPr>
+                          <m:t>𝑥</m:t>
+                        </m:r>
+                        <m:r>
+                          <a:rPr lang="en-US" i="1">
+                            <a:latin typeface="Cambria Math" panose="02040503050406030204" pitchFamily="18" charset="0"/>
+                          </a:rPr>
+                          <m:t> </m:t>
+                        </m:r>
+                      </m:e>
+                    </m:d>
+                    <m:r>
+                      <a:rPr lang="en-US" i="1">
+                        <a:latin typeface="Cambria Math" panose="02040503050406030204" pitchFamily="18" charset="0"/>
+                      </a:rPr>
+                      <m:t> </m:t>
+                    </m:r>
+                    <m:r>
+                      <a:rPr lang="en-US" b="0" i="1" smtClean="0">
+                        <a:latin typeface="Cambria Math" panose="02040503050406030204" pitchFamily="18" charset="0"/>
+                      </a:rPr>
+                      <m:t>𝑦</m:t>
+                    </m:r>
+                    <m:r>
+                      <a:rPr lang="en-US" i="1">
+                        <a:latin typeface="Cambria Math" panose="02040503050406030204" pitchFamily="18" charset="0"/>
+                      </a:rPr>
+                      <m:t>)</m:t>
+                    </m:r>
+                    <m:r>
+                      <m:rPr>
+                        <m:nor/>
+                      </m:rPr>
+                      <a:rPr lang="en-US" dirty="0"/>
+                      <m:t> </m:t>
+                    </m:r>
+                    <m:r>
+                      <a:rPr lang="en-US" i="1" dirty="0">
+                        <a:latin typeface="Cambria Math" panose="02040503050406030204" pitchFamily="18" charset="0"/>
+                      </a:rPr>
+                      <m:t>𝑃</m:t>
+                    </m:r>
+                    <m:d>
+                      <m:dPr>
+                        <m:ctrlPr>
+                          <a:rPr lang="en-US" i="1" dirty="0">
+                            <a:latin typeface="Cambria Math" panose="02040503050406030204" pitchFamily="18" charset="0"/>
+                          </a:rPr>
+                        </m:ctrlPr>
+                      </m:dPr>
+                      <m:e>
+                        <m:r>
+                          <a:rPr lang="en-US" b="0" i="1" dirty="0" smtClean="0">
+                            <a:latin typeface="Cambria Math" panose="02040503050406030204" pitchFamily="18" charset="0"/>
+                          </a:rPr>
+                          <m:t>𝑦</m:t>
+                        </m:r>
+                      </m:e>
+                    </m:d>
+                    <m:r>
+                      <a:rPr lang="en-US" b="0" i="1" dirty="0" smtClean="0">
+                        <a:latin typeface="Cambria Math" panose="02040503050406030204" pitchFamily="18" charset="0"/>
+                      </a:rPr>
+                      <m:t>=</m:t>
+                    </m:r>
+                    <m:r>
+                      <a:rPr lang="en-US" b="0" i="1" dirty="0" smtClean="0">
+                        <a:latin typeface="Cambria Math" panose="02040503050406030204" pitchFamily="18" charset="0"/>
+                      </a:rPr>
+                      <m:t>𝑃</m:t>
+                    </m:r>
+                    <m:r>
+                      <a:rPr lang="en-US" b="0" i="1" dirty="0" smtClean="0">
+                        <a:latin typeface="Cambria Math" panose="02040503050406030204" pitchFamily="18" charset="0"/>
+                      </a:rPr>
+                      <m:t>(</m:t>
+                    </m:r>
+                    <m:r>
+                      <a:rPr lang="en-US" b="0" i="1" dirty="0" smtClean="0">
+                        <a:latin typeface="Cambria Math" panose="02040503050406030204" pitchFamily="18" charset="0"/>
+                      </a:rPr>
+                      <m:t>𝑥</m:t>
+                    </m:r>
+                    <m:r>
+                      <a:rPr lang="en-US" b="0" i="1" dirty="0" smtClean="0">
+                        <a:latin typeface="Cambria Math" panose="02040503050406030204" pitchFamily="18" charset="0"/>
+                      </a:rPr>
+                      <m:t>,</m:t>
+                    </m:r>
+                    <m:r>
+                      <a:rPr lang="en-US" b="0" i="1" dirty="0" smtClean="0">
+                        <a:latin typeface="Cambria Math" panose="02040503050406030204" pitchFamily="18" charset="0"/>
+                      </a:rPr>
+                      <m:t>𝑦</m:t>
+                    </m:r>
+                    <m:r>
+                      <a:rPr lang="en-US" b="0" i="1" dirty="0" smtClean="0">
+                        <a:latin typeface="Cambria Math" panose="02040503050406030204" pitchFamily="18" charset="0"/>
+                      </a:rPr>
+                      <m:t>)</m:t>
+                    </m:r>
+                  </m:oMath>
+                </a14:m>
+                <a:endParaRPr lang="en-US" dirty="0"/>
+              </a:p>
+              <a:p>
+                <a:pPr marL="0" indent="0">
+                  <a:lnSpc>
+                    <a:spcPct val="120000"/>
+                  </a:lnSpc>
+                  <a:buNone/>
+                </a:pPr>
+                <a:r>
+                  <a:rPr lang="en-US" dirty="0"/>
+                  <a:t>Needs the complete joint probability which requires in the general case a probability table with one entry for each possible value for </a:t>
                 </a:r>
                 <a14:m>
                   <m:oMath xmlns:m="http://schemas.openxmlformats.org/officeDocument/2006/math">
@@ -25500,14 +25693,18 @@
                 </a:r>
                 <a:r>
                   <a:rPr lang="en-US" dirty="0"/>
-                  <a:t>That is why we often use the naïve Bayes classifier, which is not optimal.</a:t>
+                  <a:t>That is why we often use the naïve Bayes classifier, which is not optimal since it assumes conditional independence </a:t>
+                </a:r>
+                <a:r>
+                  <a:rPr lang="en-US"/>
+                  <a:t>between features.</a:t>
                 </a:r>
                 <a:endParaRPr lang="en-US" i="1" dirty="0"/>
               </a:p>
             </p:txBody>
           </p:sp>
         </mc:Choice>
-        <mc:Fallback xmlns="">
+        <mc:Fallback>
           <p:sp>
             <p:nvSpPr>
               <p:cNvPr id="3" name="Content Placeholder 2">
@@ -25526,13 +25723,13 @@
             </p:nvSpPr>
             <p:spPr>
               <a:xfrm>
-                <a:off x="838200" y="1825625"/>
-                <a:ext cx="10744200" cy="4667250"/>
+                <a:off x="838200" y="1524000"/>
+                <a:ext cx="10744200" cy="4968875"/>
               </a:xfrm>
               <a:blipFill>
                 <a:blip r:embed="rId2"/>
                 <a:stretch>
-                  <a:fillRect l="-738" t="-783"/>
+                  <a:fillRect l="-624" t="-613" r="-227" b="-245"/>
                 </a:stretch>
               </a:blipFill>
             </p:spPr>
@@ -25574,28 +25771,6 @@
 
 <file path=ppt/tags/tag10.xml><?xml version="1.0" encoding="utf-8"?>
 <p:tagLst xmlns:a="http://schemas.openxmlformats.org/drawingml/2006/main" xmlns:r="http://schemas.openxmlformats.org/officeDocument/2006/relationships" xmlns:p="http://schemas.openxmlformats.org/presentationml/2006/main">
-  <p:tag name="SOURCE" val="\documentclass{slides}\pagestyle{empty}&#10;\usepackage{graphicx}&#10;\begin{document}&#10;\def\argmax{\mathop{\rm arg\,max}}&#10;\rotatebox{90}{accuracy}&#10;\end{document}&#10;"/>
-  <p:tag name="EXTERNALNAME" val="txp_fig"/>
-  <p:tag name="BLEND" val="False"/>
-  <p:tag name="TRANSPARENT" val="False"/>
-  <p:tag name="KEEPFILES" val="False"/>
-  <p:tag name="DEBUGPAUSE" val="False"/>
-  <p:tag name="RESOLUTION" val="1200"/>
-  <p:tag name="TIMEOUT" val="(none)"/>
-  <p:tag name="BOXWIDTH" val="592"/>
-  <p:tag name="BOXHEIGHT" val="422"/>
-  <p:tag name="BOXFONT" val="10"/>
-  <p:tag name="BOXWRAP" val="False"/>
-  <p:tag name="WORKAROUNDTRANSPARENCYBUG" val="False"/>
-  <p:tag name="ALLOWFONTSUBSTITUTION" val="False"/>
-  <p:tag name="BITMAPFORMAT" val="pngmono"/>
-  <p:tag name="ORIGWIDTH" val="14"/>
-  <p:tag name="PICTUREFILESIZE" val="2883"/>
-</p:tagLst>
-</file>
-
-<file path=ppt/tags/tag11.xml><?xml version="1.0" encoding="utf-8"?>
-<p:tagLst xmlns:a="http://schemas.openxmlformats.org/drawingml/2006/main" xmlns:r="http://schemas.openxmlformats.org/officeDocument/2006/relationships" xmlns:p="http://schemas.openxmlformats.org/presentationml/2006/main">
   <p:tag name="SOURCE" val="\documentclass{slides}\pagestyle{empty}&#10;\begin{document}&#10;\def\argmax{\mathop{\rm arg\,max}}&#10;\[&#10;P(y|x)&#10;\]&#10;\end{document}&#10;"/>
   <p:tag name="EXTERNALNAME" val="txp_fig"/>
   <p:tag name="BLEND" val="False"/>
@@ -25616,7 +25791,7 @@
 </p:tagLst>
 </file>
 
-<file path=ppt/tags/tag12.xml><?xml version="1.0" encoding="utf-8"?>
+<file path=ppt/tags/tag11.xml><?xml version="1.0" encoding="utf-8"?>
 <p:tagLst xmlns:a="http://schemas.openxmlformats.org/drawingml/2006/main" xmlns:r="http://schemas.openxmlformats.org/officeDocument/2006/relationships" xmlns:p="http://schemas.openxmlformats.org/presentationml/2006/main">
   <p:tag name="SOURCE" val="\documentclass{slides}\pagestyle{empty}&#10;\usepackage{graphicx}&#10;\begin{document}&#10;\def\argmax{\mathop{\rm arg\,max}}&#10;\rotatebox{90}{accuracy}&#10;\end{document}&#10;"/>
   <p:tag name="EXTERNALNAME" val="txp_fig"/>
@@ -25684,28 +25859,6 @@
 
 <file path=ppt/tags/tag4.xml><?xml version="1.0" encoding="utf-8"?>
 <p:tagLst xmlns:a="http://schemas.openxmlformats.org/drawingml/2006/main" xmlns:r="http://schemas.openxmlformats.org/officeDocument/2006/relationships" xmlns:p="http://schemas.openxmlformats.org/presentationml/2006/main">
-  <p:tag name="SOURCE" val="\documentclass{slides}\pagestyle{empty}&#10;\begin{document}&#10;$h$&#10;\end{document}&#10;"/>
-  <p:tag name="EXTERNALNAME" val="txp_fig"/>
-  <p:tag name="BLEND" val="False"/>
-  <p:tag name="TRANSPARENT" val="True"/>
-  <p:tag name="KEEPFILES" val="False"/>
-  <p:tag name="DEBUGPAUSE" val="False"/>
-  <p:tag name="RESOLUTION" val="1200"/>
-  <p:tag name="TIMEOUT" val="(none)"/>
-  <p:tag name="BOXWIDTH" val="592"/>
-  <p:tag name="BOXHEIGHT" val="422"/>
-  <p:tag name="BOXFONT" val="10"/>
-  <p:tag name="BOXWRAP" val="False"/>
-  <p:tag name="WORKAROUNDTRANSPARENCYBUG" val="False"/>
-  <p:tag name="ALLOWFONTSUBSTITUTION" val="False"/>
-  <p:tag name="BITMAPFORMAT" val="pngmono"/>
-  <p:tag name="ORIGWIDTH" val="11"/>
-  <p:tag name="PICTUREFILESIZE" val="855"/>
-</p:tagLst>
-</file>
-
-<file path=ppt/tags/tag5.xml><?xml version="1.0" encoding="utf-8"?>
-<p:tagLst xmlns:a="http://schemas.openxmlformats.org/drawingml/2006/main" xmlns:r="http://schemas.openxmlformats.org/officeDocument/2006/relationships" xmlns:p="http://schemas.openxmlformats.org/presentationml/2006/main">
   <p:tag name="SOURCE" val="\documentclass{slides}\pagestyle{empty}&#10;\begin{document}&#10;$H$&#10;\end{document}&#10;"/>
   <p:tag name="EXTERNALNAME" val="txp_fig"/>
   <p:tag name="BLEND" val="False"/>
@@ -25726,7 +25879,7 @@
 </p:tagLst>
 </file>
 
-<file path=ppt/tags/tag6.xml><?xml version="1.0" encoding="utf-8"?>
+<file path=ppt/tags/tag5.xml><?xml version="1.0" encoding="utf-8"?>
 <p:tagLst xmlns:a="http://schemas.openxmlformats.org/drawingml/2006/main" xmlns:r="http://schemas.openxmlformats.org/officeDocument/2006/relationships" xmlns:p="http://schemas.openxmlformats.org/presentationml/2006/main">
   <p:tag name="TEXPOINT" val="latex"/>
   <p:tag name="SOURCE" val="\documentclass{slides}\pagestyle{empty}&#10;\begin{document}&#10;\def\argmax{\mathop{\rm arg\,max}}&#10;\[&#10;\mbox{confidence}(x) = \max_y P(y|x)&#10;\]&#10;\end{document}&#10;"/>
@@ -25742,7 +25895,7 @@
 </p:tagLst>
 </file>
 
-<file path=ppt/tags/tag7.xml><?xml version="1.0" encoding="utf-8"?>
+<file path=ppt/tags/tag6.xml><?xml version="1.0" encoding="utf-8"?>
 <p:tagLst xmlns:a="http://schemas.openxmlformats.org/drawingml/2006/main" xmlns:r="http://schemas.openxmlformats.org/officeDocument/2006/relationships" xmlns:p="http://schemas.openxmlformats.org/presentationml/2006/main">
   <p:tag name="SOURCE" val="\documentclass{slides}\pagestyle{empty}&#10;\begin{document}&#10;\def\argmax{\mathop{\rm arg\,max}}&#10;\[&#10;P(y|x)&#10;\]&#10;\end{document}&#10;"/>
   <p:tag name="EXTERNALNAME" val="txp_fig"/>
@@ -25764,7 +25917,7 @@
 </p:tagLst>
 </file>
 
-<file path=ppt/tags/tag8.xml><?xml version="1.0" encoding="utf-8"?>
+<file path=ppt/tags/tag7.xml><?xml version="1.0" encoding="utf-8"?>
 <p:tagLst xmlns:a="http://schemas.openxmlformats.org/drawingml/2006/main" xmlns:r="http://schemas.openxmlformats.org/officeDocument/2006/relationships" xmlns:p="http://schemas.openxmlformats.org/presentationml/2006/main">
   <p:tag name="SOURCE" val="\documentclass{slides}\pagestyle{empty}&#10;\usepackage{graphicx}&#10;\begin{document}&#10;\def\argmax{\mathop{\rm arg\,max}}&#10;\rotatebox{90}{accuracy}&#10;\end{document}&#10;"/>
   <p:tag name="EXTERNALNAME" val="txp_fig"/>
@@ -25786,7 +25939,7 @@
 </p:tagLst>
 </file>
 
-<file path=ppt/tags/tag9.xml><?xml version="1.0" encoding="utf-8"?>
+<file path=ppt/tags/tag8.xml><?xml version="1.0" encoding="utf-8"?>
 <p:tagLst xmlns:a="http://schemas.openxmlformats.org/drawingml/2006/main" xmlns:r="http://schemas.openxmlformats.org/officeDocument/2006/relationships" xmlns:p="http://schemas.openxmlformats.org/presentationml/2006/main">
   <p:tag name="SOURCE" val="\documentclass{slides}\pagestyle{empty}&#10;\begin{document}&#10;\def\argmax{\mathop{\rm arg\,max}}&#10;\[&#10;P(y|x)&#10;\]&#10;\end{document}&#10;"/>
   <p:tag name="EXTERNALNAME" val="txp_fig"/>
@@ -25805,6 +25958,28 @@
   <p:tag name="BITMAPFORMAT" val="pngmono"/>
   <p:tag name="ORIGWIDTH" val="63"/>
   <p:tag name="PICTUREFILESIZE" val="4154"/>
+</p:tagLst>
+</file>
+
+<file path=ppt/tags/tag9.xml><?xml version="1.0" encoding="utf-8"?>
+<p:tagLst xmlns:a="http://schemas.openxmlformats.org/drawingml/2006/main" xmlns:r="http://schemas.openxmlformats.org/officeDocument/2006/relationships" xmlns:p="http://schemas.openxmlformats.org/presentationml/2006/main">
+  <p:tag name="SOURCE" val="\documentclass{slides}\pagestyle{empty}&#10;\usepackage{graphicx}&#10;\begin{document}&#10;\def\argmax{\mathop{\rm arg\,max}}&#10;\rotatebox{90}{accuracy}&#10;\end{document}&#10;"/>
+  <p:tag name="EXTERNALNAME" val="txp_fig"/>
+  <p:tag name="BLEND" val="False"/>
+  <p:tag name="TRANSPARENT" val="False"/>
+  <p:tag name="KEEPFILES" val="False"/>
+  <p:tag name="DEBUGPAUSE" val="False"/>
+  <p:tag name="RESOLUTION" val="1200"/>
+  <p:tag name="TIMEOUT" val="(none)"/>
+  <p:tag name="BOXWIDTH" val="592"/>
+  <p:tag name="BOXHEIGHT" val="422"/>
+  <p:tag name="BOXFONT" val="10"/>
+  <p:tag name="BOXWRAP" val="False"/>
+  <p:tag name="WORKAROUNDTRANSPARENCYBUG" val="False"/>
+  <p:tag name="ALLOWFONTSUBSTITUTION" val="False"/>
+  <p:tag name="BITMAPFORMAT" val="pngmono"/>
+  <p:tag name="ORIGWIDTH" val="14"/>
+  <p:tag name="PICTUREFILESIZE" val="2883"/>
 </p:tagLst>
 </file>
 

--- a/slides/19_ML_intro.pptx
+++ b/slides/19_ML_intro.pptx
@@ -35,8 +35,8 @@
     <p:sldId id="413" r:id="rId23"/>
     <p:sldId id="505" r:id="rId24"/>
     <p:sldId id="493" r:id="rId25"/>
-    <p:sldId id="489" r:id="rId26"/>
-    <p:sldId id="495" r:id="rId27"/>
+    <p:sldId id="495" r:id="rId26"/>
+    <p:sldId id="489" r:id="rId27"/>
     <p:sldId id="490" r:id="rId28"/>
     <p:sldId id="491" r:id="rId29"/>
     <p:sldId id="506" r:id="rId30"/>
@@ -172,8 +172,8 @@
             <p14:sldId id="413"/>
             <p14:sldId id="505"/>
             <p14:sldId id="493"/>
+            <p14:sldId id="495"/>
             <p14:sldId id="489"/>
-            <p14:sldId id="495"/>
             <p14:sldId id="490"/>
             <p14:sldId id="491"/>
             <p14:sldId id="506"/>
@@ -6039,8 +6039,13 @@
                 </a:pPr>
                 <a:r>
                   <a:rPr lang="en-US" dirty="0"/>
-                  <a:t>Restrict H to simple models (e.g., independence assumption, linear models)</a:t>
+                  <a:t>Restrict H to simple models (e.g., independence assumption, </a:t>
                 </a:r>
+                <a:r>
+                  <a:rPr lang="en-US"/>
+                  <a:t>linear models)</a:t>
+                </a:r>
+                <a:endParaRPr lang="en-US" dirty="0"/>
               </a:p>
               <a:p>
                 <a:pPr marL="914400" lvl="1" indent="-457200">
@@ -9992,8 +9997,8 @@
           </a:p>
         </p:txBody>
       </p:sp>
-      <mc:AlternateContent xmlns:mc="http://schemas.openxmlformats.org/markup-compatibility/2006" xmlns:a14="http://schemas.microsoft.com/office/drawing/2010/main">
-        <mc:Choice Requires="a14">
+      <mc:AlternateContent xmlns:mc="http://schemas.openxmlformats.org/markup-compatibility/2006">
+        <mc:Choice xmlns:a14="http://schemas.microsoft.com/office/drawing/2010/main" Requires="a14">
           <p:sp>
             <p:nvSpPr>
               <p:cNvPr id="1283075" name="Rectangle 3"/>
@@ -10006,8 +10011,8 @@
             </p:nvSpPr>
             <p:spPr>
               <a:xfrm>
-                <a:off x="457200" y="1524000"/>
-                <a:ext cx="8915400" cy="4953000"/>
+                <a:off x="457200" y="1828800"/>
+                <a:ext cx="8915400" cy="4648200"/>
               </a:xfrm>
             </p:spPr>
             <p:txBody>
@@ -10142,7 +10147,7 @@
             </p:txBody>
           </p:sp>
         </mc:Choice>
-        <mc:Fallback xmlns="">
+        <mc:Fallback>
           <p:sp>
             <p:nvSpPr>
               <p:cNvPr id="1283075" name="Rectangle 3"/>
@@ -10155,13 +10160,13 @@
             </p:nvSpPr>
             <p:spPr>
               <a:xfrm>
-                <a:off x="457200" y="1524000"/>
-                <a:ext cx="8915400" cy="4953000"/>
+                <a:off x="457200" y="1828800"/>
+                <a:ext cx="8915400" cy="4648200"/>
               </a:xfrm>
               <a:blipFill>
                 <a:blip r:embed="rId3"/>
                 <a:stretch>
-                  <a:fillRect l="-1025" t="-3075" r="-410"/>
+                  <a:fillRect l="-1025" t="-3277" r="-410" b="-2359"/>
                 </a:stretch>
               </a:blipFill>
             </p:spPr>
@@ -10404,6 +10409,53 @@
           </a:effectRef>
           <a:fontRef idx="minor">
             <a:schemeClr val="lt1"/>
+          </a:fontRef>
+        </p:style>
+        <p:txBody>
+          <a:bodyPr rtlCol="0" anchor="ctr"/>
+          <a:lstStyle/>
+          <a:p>
+            <a:pPr algn="ctr"/>
+            <a:endParaRPr lang="en-US"/>
+          </a:p>
+        </p:txBody>
+      </p:sp>
+      <p:sp>
+        <p:nvSpPr>
+          <p:cNvPr id="2" name="Left Brace 1">
+            <a:extLst>
+              <a:ext uri="{FF2B5EF4-FFF2-40B4-BE49-F238E27FC236}">
+                <a16:creationId xmlns:a16="http://schemas.microsoft.com/office/drawing/2014/main" id="{6D230E18-6AA0-4E78-83A4-ED8E9758A1CC}"/>
+              </a:ext>
+            </a:extLst>
+          </p:cNvPr>
+          <p:cNvSpPr/>
+          <p:nvPr/>
+        </p:nvSpPr>
+        <p:spPr>
+          <a:xfrm>
+            <a:off x="9220200" y="1676400"/>
+            <a:ext cx="381000" cy="2590800"/>
+          </a:xfrm>
+          <a:prstGeom prst="leftBrace">
+            <a:avLst>
+              <a:gd name="adj1" fmla="val 8333"/>
+              <a:gd name="adj2" fmla="val 10784"/>
+            </a:avLst>
+          </a:prstGeom>
+        </p:spPr>
+        <p:style>
+          <a:lnRef idx="3">
+            <a:schemeClr val="accent1"/>
+          </a:lnRef>
+          <a:fillRef idx="0">
+            <a:schemeClr val="accent1"/>
+          </a:fillRef>
+          <a:effectRef idx="2">
+            <a:schemeClr val="accent1"/>
+          </a:effectRef>
+          <a:fontRef idx="minor">
+            <a:schemeClr val="tx1"/>
           </a:fontRef>
         </p:style>
         <p:txBody>
@@ -11165,6 +11217,91 @@
           </a:p>
         </p:txBody>
       </p:sp>
+      <p:sp>
+        <p:nvSpPr>
+          <p:cNvPr id="2" name="Left Brace 1">
+            <a:extLst>
+              <a:ext uri="{FF2B5EF4-FFF2-40B4-BE49-F238E27FC236}">
+                <a16:creationId xmlns:a16="http://schemas.microsoft.com/office/drawing/2014/main" id="{98CBF153-BF1F-4D8A-B050-FDFB306AD585}"/>
+              </a:ext>
+            </a:extLst>
+          </p:cNvPr>
+          <p:cNvSpPr/>
+          <p:nvPr/>
+        </p:nvSpPr>
+        <p:spPr>
+          <a:xfrm>
+            <a:off x="9448800" y="4343400"/>
+            <a:ext cx="228600" cy="990600"/>
+          </a:xfrm>
+          <a:prstGeom prst="leftBrace">
+            <a:avLst/>
+          </a:prstGeom>
+        </p:spPr>
+        <p:style>
+          <a:lnRef idx="3">
+            <a:schemeClr val="accent6"/>
+          </a:lnRef>
+          <a:fillRef idx="0">
+            <a:schemeClr val="accent6"/>
+          </a:fillRef>
+          <a:effectRef idx="2">
+            <a:schemeClr val="accent6"/>
+          </a:effectRef>
+          <a:fontRef idx="minor">
+            <a:schemeClr val="tx1"/>
+          </a:fontRef>
+        </p:style>
+        <p:txBody>
+          <a:bodyPr rtlCol="0" anchor="ctr"/>
+          <a:lstStyle/>
+          <a:p>
+            <a:pPr algn="ctr"/>
+            <a:endParaRPr lang="en-US"/>
+          </a:p>
+        </p:txBody>
+      </p:sp>
+      <p:cxnSp>
+        <p:nvCxnSpPr>
+          <p:cNvPr id="5" name="Straight Arrow Connector 4">
+            <a:extLst>
+              <a:ext uri="{FF2B5EF4-FFF2-40B4-BE49-F238E27FC236}">
+                <a16:creationId xmlns:a16="http://schemas.microsoft.com/office/drawing/2014/main" id="{3872D09B-33B6-45E7-8770-58F7B005DDBE}"/>
+              </a:ext>
+            </a:extLst>
+          </p:cNvPr>
+          <p:cNvCxnSpPr>
+            <a:stCxn id="2" idx="1"/>
+          </p:cNvCxnSpPr>
+          <p:nvPr/>
+        </p:nvCxnSpPr>
+        <p:spPr>
+          <a:xfrm flipH="1" flipV="1">
+            <a:off x="8305800" y="3733800"/>
+            <a:ext cx="1143000" cy="1104900"/>
+          </a:xfrm>
+          <a:prstGeom prst="straightConnector1">
+            <a:avLst/>
+          </a:prstGeom>
+          <a:ln>
+            <a:tailEnd type="triangle"/>
+          </a:ln>
+        </p:spPr>
+        <p:style>
+          <a:lnRef idx="3">
+            <a:schemeClr val="accent6"/>
+          </a:lnRef>
+          <a:fillRef idx="0">
+            <a:schemeClr val="accent6"/>
+          </a:fillRef>
+          <a:effectRef idx="2">
+            <a:schemeClr val="accent6"/>
+          </a:effectRef>
+          <a:fontRef idx="minor">
+            <a:schemeClr val="tx1"/>
+          </a:fontRef>
+        </p:style>
+      </p:cxnSp>
     </p:spTree>
     <p:extLst>
       <p:ext uri="{BB962C8B-B14F-4D97-AF65-F5344CB8AC3E}">
@@ -11238,8 +11375,8 @@
         </p:nvSpPr>
         <p:spPr>
           <a:xfrm>
-            <a:off x="457200" y="1524000"/>
-            <a:ext cx="8915400" cy="4953000"/>
+            <a:off x="457200" y="4648200"/>
+            <a:ext cx="8915400" cy="1828800"/>
           </a:xfrm>
         </p:spPr>
         <p:txBody>
@@ -11258,7 +11395,21 @@
                 <a:latin typeface="Calibri"/>
                 <a:cs typeface="Calibri"/>
               </a:rPr>
-              <a:t>After the hyper parameters are chosen, the final model is evaluated against the test set to estimate the model accuracy.</a:t>
+              <a:t>After the model is selected, the final model is evaluated against the test set to </a:t>
+            </a:r>
+            <a:r>
+              <a:rPr lang="en-US" sz="2400" b="1" dirty="0">
+                <a:latin typeface="Calibri"/>
+                <a:cs typeface="Calibri"/>
+              </a:rPr>
+              <a:t>estimate the final model accuracy</a:t>
+            </a:r>
+            <a:r>
+              <a:rPr lang="en-US" sz="2400" dirty="0">
+                <a:latin typeface="Calibri"/>
+                <a:cs typeface="Calibri"/>
+              </a:rPr>
+              <a:t>.</a:t>
             </a:r>
           </a:p>
           <a:p>
@@ -11379,6 +11530,741 @@
           </a:fillRef>
           <a:effectRef idx="1">
             <a:schemeClr val="accent3"/>
+          </a:effectRef>
+          <a:fontRef idx="minor">
+            <a:schemeClr val="lt1"/>
+          </a:fontRef>
+        </p:style>
+        <p:txBody>
+          <a:bodyPr wrap="none" anchor="ctr"/>
+          <a:lstStyle/>
+          <a:p>
+            <a:pPr algn="ctr"/>
+            <a:r>
+              <a:rPr lang="en-US" dirty="0">
+                <a:latin typeface="Calibri"/>
+                <a:cs typeface="Calibri"/>
+              </a:rPr>
+              <a:t>Validation</a:t>
+            </a:r>
+          </a:p>
+          <a:p>
+            <a:pPr algn="ctr"/>
+            <a:r>
+              <a:rPr lang="en-US" dirty="0">
+                <a:latin typeface="Calibri"/>
+                <a:cs typeface="Calibri"/>
+              </a:rPr>
+              <a:t>Data</a:t>
+            </a:r>
+          </a:p>
+        </p:txBody>
+      </p:sp>
+      <p:sp>
+        <p:nvSpPr>
+          <p:cNvPr id="17414" name="Rectangle 6"/>
+          <p:cNvSpPr>
+            <a:spLocks noChangeArrowheads="1"/>
+          </p:cNvSpPr>
+          <p:nvPr/>
+        </p:nvSpPr>
+        <p:spPr bwMode="auto">
+          <a:xfrm>
+            <a:off x="9753600" y="5410200"/>
+            <a:ext cx="1676400" cy="914400"/>
+          </a:xfrm>
+          <a:prstGeom prst="rect">
+            <a:avLst/>
+          </a:prstGeom>
+          <a:ln>
+            <a:headEnd/>
+            <a:tailEnd/>
+          </a:ln>
+        </p:spPr>
+        <p:style>
+          <a:lnRef idx="3">
+            <a:schemeClr val="lt1"/>
+          </a:lnRef>
+          <a:fillRef idx="1">
+            <a:schemeClr val="accent2"/>
+          </a:fillRef>
+          <a:effectRef idx="1">
+            <a:schemeClr val="accent2"/>
+          </a:effectRef>
+          <a:fontRef idx="minor">
+            <a:schemeClr val="lt1"/>
+          </a:fontRef>
+        </p:style>
+        <p:txBody>
+          <a:bodyPr wrap="none" anchor="ctr"/>
+          <a:lstStyle/>
+          <a:p>
+            <a:pPr algn="ctr"/>
+            <a:r>
+              <a:rPr lang="en-US">
+                <a:latin typeface="Calibri"/>
+                <a:cs typeface="Calibri"/>
+              </a:rPr>
+              <a:t>Test</a:t>
+            </a:r>
+          </a:p>
+          <a:p>
+            <a:pPr algn="ctr"/>
+            <a:r>
+              <a:rPr lang="en-US">
+                <a:latin typeface="Calibri"/>
+                <a:cs typeface="Calibri"/>
+              </a:rPr>
+              <a:t>Data</a:t>
+            </a:r>
+          </a:p>
+        </p:txBody>
+      </p:sp>
+      <p:sp>
+        <p:nvSpPr>
+          <p:cNvPr id="4" name="Rectangle 3">
+            <a:extLst>
+              <a:ext uri="{FF2B5EF4-FFF2-40B4-BE49-F238E27FC236}">
+                <a16:creationId xmlns:a16="http://schemas.microsoft.com/office/drawing/2014/main" id="{AC7EC834-138C-41AE-87CB-FE5BD6F87D5E}"/>
+              </a:ext>
+            </a:extLst>
+          </p:cNvPr>
+          <p:cNvSpPr/>
+          <p:nvPr/>
+        </p:nvSpPr>
+        <p:spPr>
+          <a:xfrm>
+            <a:off x="9677400" y="5340350"/>
+            <a:ext cx="1828800" cy="1054100"/>
+          </a:xfrm>
+          <a:prstGeom prst="rect">
+            <a:avLst/>
+          </a:prstGeom>
+          <a:noFill/>
+          <a:ln w="38100">
+            <a:solidFill>
+              <a:schemeClr val="accent3">
+                <a:lumMod val="60000"/>
+                <a:lumOff val="40000"/>
+              </a:schemeClr>
+            </a:solidFill>
+            <a:prstDash val="dash"/>
+          </a:ln>
+        </p:spPr>
+        <p:style>
+          <a:lnRef idx="2">
+            <a:schemeClr val="accent1">
+              <a:shade val="50000"/>
+            </a:schemeClr>
+          </a:lnRef>
+          <a:fillRef idx="1">
+            <a:schemeClr val="accent1"/>
+          </a:fillRef>
+          <a:effectRef idx="0">
+            <a:schemeClr val="accent1"/>
+          </a:effectRef>
+          <a:fontRef idx="minor">
+            <a:schemeClr val="lt1"/>
+          </a:fontRef>
+        </p:style>
+        <p:txBody>
+          <a:bodyPr rtlCol="0" anchor="ctr"/>
+          <a:lstStyle/>
+          <a:p>
+            <a:pPr algn="ctr"/>
+            <a:endParaRPr lang="en-US"/>
+          </a:p>
+        </p:txBody>
+      </p:sp>
+      <p:sp>
+        <p:nvSpPr>
+          <p:cNvPr id="2" name="Left Brace 1">
+            <a:extLst>
+              <a:ext uri="{FF2B5EF4-FFF2-40B4-BE49-F238E27FC236}">
+                <a16:creationId xmlns:a16="http://schemas.microsoft.com/office/drawing/2014/main" id="{301B99BB-B020-43F8-9CFD-9293399FB657}"/>
+              </a:ext>
+            </a:extLst>
+          </p:cNvPr>
+          <p:cNvSpPr/>
+          <p:nvPr/>
+        </p:nvSpPr>
+        <p:spPr>
+          <a:xfrm>
+            <a:off x="9372600" y="5410200"/>
+            <a:ext cx="228600" cy="984250"/>
+          </a:xfrm>
+          <a:prstGeom prst="leftBrace">
+            <a:avLst/>
+          </a:prstGeom>
+        </p:spPr>
+        <p:style>
+          <a:lnRef idx="3">
+            <a:schemeClr val="accent2"/>
+          </a:lnRef>
+          <a:fillRef idx="0">
+            <a:schemeClr val="accent2"/>
+          </a:fillRef>
+          <a:effectRef idx="2">
+            <a:schemeClr val="accent2"/>
+          </a:effectRef>
+          <a:fontRef idx="minor">
+            <a:schemeClr val="tx1"/>
+          </a:fontRef>
+        </p:style>
+        <p:txBody>
+          <a:bodyPr rtlCol="0" anchor="ctr"/>
+          <a:lstStyle/>
+          <a:p>
+            <a:pPr algn="ctr"/>
+            <a:endParaRPr lang="en-US"/>
+          </a:p>
+        </p:txBody>
+      </p:sp>
+      <p:cxnSp>
+        <p:nvCxnSpPr>
+          <p:cNvPr id="5" name="Straight Arrow Connector 4">
+            <a:extLst>
+              <a:ext uri="{FF2B5EF4-FFF2-40B4-BE49-F238E27FC236}">
+                <a16:creationId xmlns:a16="http://schemas.microsoft.com/office/drawing/2014/main" id="{8CD00634-942B-41CB-B538-20DFE58A6CB5}"/>
+              </a:ext>
+            </a:extLst>
+          </p:cNvPr>
+          <p:cNvCxnSpPr>
+            <a:stCxn id="2" idx="1"/>
+          </p:cNvCxnSpPr>
+          <p:nvPr/>
+        </p:nvCxnSpPr>
+        <p:spPr>
+          <a:xfrm flipH="1" flipV="1">
+            <a:off x="8001000" y="5105400"/>
+            <a:ext cx="1371600" cy="796925"/>
+          </a:xfrm>
+          <a:prstGeom prst="straightConnector1">
+            <a:avLst/>
+          </a:prstGeom>
+          <a:ln>
+            <a:tailEnd type="triangle"/>
+          </a:ln>
+        </p:spPr>
+        <p:style>
+          <a:lnRef idx="3">
+            <a:schemeClr val="accent2"/>
+          </a:lnRef>
+          <a:fillRef idx="0">
+            <a:schemeClr val="accent2"/>
+          </a:fillRef>
+          <a:effectRef idx="2">
+            <a:schemeClr val="accent2"/>
+          </a:effectRef>
+          <a:fontRef idx="minor">
+            <a:schemeClr val="tx1"/>
+          </a:fontRef>
+        </p:style>
+      </p:cxnSp>
+    </p:spTree>
+    <p:extLst>
+      <p:ext uri="{BB962C8B-B14F-4D97-AF65-F5344CB8AC3E}">
+        <p14:creationId xmlns:p14="http://schemas.microsoft.com/office/powerpoint/2010/main" val="1867134195"/>
+      </p:ext>
+    </p:extLst>
+  </p:cSld>
+  <p:clrMapOvr>
+    <a:masterClrMapping/>
+  </p:clrMapOvr>
+  <p:transition/>
+</p:sld>
+</file>
+
+<file path=ppt/slides/slide2.xml><?xml version="1.0" encoding="utf-8"?>
+<p:sld xmlns:a="http://schemas.openxmlformats.org/drawingml/2006/main" xmlns:r="http://schemas.openxmlformats.org/officeDocument/2006/relationships" xmlns:p="http://schemas.openxmlformats.org/presentationml/2006/main">
+  <p:cSld>
+    <p:spTree>
+      <p:nvGrpSpPr>
+        <p:cNvPr id="1" name=""/>
+        <p:cNvGrpSpPr/>
+        <p:nvPr/>
+      </p:nvGrpSpPr>
+      <p:grpSpPr>
+        <a:xfrm>
+          <a:off x="0" y="0"/>
+          <a:ext cx="0" cy="0"/>
+          <a:chOff x="0" y="0"/>
+          <a:chExt cx="0" cy="0"/>
+        </a:xfrm>
+      </p:grpSpPr>
+      <p:sp>
+        <p:nvSpPr>
+          <p:cNvPr id="26626" name="Rectangle 2"/>
+          <p:cNvSpPr>
+            <a:spLocks noGrp="1" noChangeArrowheads="1"/>
+          </p:cNvSpPr>
+          <p:nvPr>
+            <p:ph type="title"/>
+          </p:nvPr>
+        </p:nvSpPr>
+        <p:spPr/>
+        <p:txBody>
+          <a:bodyPr/>
+          <a:lstStyle/>
+          <a:p>
+            <a:pPr eaLnBrk="1" hangingPunct="1"/>
+            <a:r>
+              <a:rPr lang="en-US" dirty="0"/>
+              <a:t>Learning from Examples: Machine Learning</a:t>
+            </a:r>
+          </a:p>
+        </p:txBody>
+      </p:sp>
+      <p:sp>
+        <p:nvSpPr>
+          <p:cNvPr id="26627" name="Rectangle 3"/>
+          <p:cNvSpPr>
+            <a:spLocks noGrp="1" noChangeArrowheads="1"/>
+          </p:cNvSpPr>
+          <p:nvPr>
+            <p:ph idx="1"/>
+          </p:nvPr>
+        </p:nvSpPr>
+        <p:spPr>
+          <a:xfrm>
+            <a:off x="914400" y="1595436"/>
+            <a:ext cx="10363200" cy="4729164"/>
+          </a:xfrm>
+        </p:spPr>
+        <p:txBody>
+          <a:bodyPr>
+            <a:normAutofit fontScale="85000" lnSpcReduction="20000"/>
+          </a:bodyPr>
+          <a:lstStyle/>
+          <a:p>
+            <a:pPr eaLnBrk="1" hangingPunct="1"/>
+            <a:r>
+              <a:rPr lang="en-US" sz="2800" b="1" dirty="0"/>
+              <a:t>Up until now: </a:t>
+            </a:r>
+            <a:r>
+              <a:rPr lang="en-US" sz="2800" dirty="0"/>
+              <a:t>hand-craft algorithms to make rational/optimal or at least good decisions. Examples: Search strategies, heuristics.</a:t>
+            </a:r>
+          </a:p>
+          <a:p>
+            <a:pPr eaLnBrk="1" hangingPunct="1"/>
+            <a:endParaRPr lang="en-US" sz="2400" dirty="0"/>
+          </a:p>
+          <a:p>
+            <a:pPr eaLnBrk="1" hangingPunct="1"/>
+            <a:r>
+              <a:rPr lang="en-US" sz="2800" b="1" dirty="0"/>
+              <a:t>Learning</a:t>
+            </a:r>
+            <a:r>
+              <a:rPr lang="en-US" sz="2800" dirty="0"/>
+              <a:t>: Improve performance after making observations about the world. That is, learn what works and what doesn’t.</a:t>
+            </a:r>
+          </a:p>
+          <a:p>
+            <a:pPr eaLnBrk="1" hangingPunct="1"/>
+            <a:endParaRPr lang="en-US" sz="2400" dirty="0"/>
+          </a:p>
+          <a:p>
+            <a:pPr eaLnBrk="1" hangingPunct="1"/>
+            <a:r>
+              <a:rPr lang="en-US" sz="2800" b="1" dirty="0"/>
+              <a:t>Machine learning:</a:t>
+            </a:r>
+            <a:r>
+              <a:rPr lang="en-US" sz="2800" dirty="0"/>
+              <a:t> how to build a model from data/experience</a:t>
+            </a:r>
+          </a:p>
+          <a:p>
+            <a:pPr lvl="1" eaLnBrk="1" hangingPunct="1"/>
+            <a:r>
+              <a:rPr lang="en-US" sz="2400" dirty="0"/>
+              <a:t>Supervised Learning: Learn a function to map input to output. Examples:</a:t>
+            </a:r>
+          </a:p>
+          <a:p>
+            <a:pPr lvl="2"/>
+            <a:r>
+              <a:rPr lang="en-US" dirty="0"/>
+              <a:t>Use a naïve Bayesian classifier to distinguish between spam/no spam</a:t>
+            </a:r>
+          </a:p>
+          <a:p>
+            <a:pPr lvl="2"/>
+            <a:r>
+              <a:rPr lang="en-US" dirty="0"/>
+              <a:t>Learn a playout policy to simulate games (current board -&gt; good move)</a:t>
+            </a:r>
+          </a:p>
+          <a:p>
+            <a:pPr lvl="1" eaLnBrk="1" hangingPunct="1"/>
+            <a:r>
+              <a:rPr lang="en-US" sz="2400" dirty="0"/>
+              <a:t>Reinforcement Learning: Learn from rewards/punishment (e.g., winning a game).</a:t>
+            </a:r>
+          </a:p>
+          <a:p>
+            <a:endParaRPr lang="en-US" sz="2800" dirty="0"/>
+          </a:p>
+          <a:p>
+            <a:r>
+              <a:rPr lang="en-US" sz="2800" b="1" dirty="0"/>
+              <a:t>Learning vs. hard coding the agent function</a:t>
+            </a:r>
+          </a:p>
+          <a:p>
+            <a:pPr lvl="1"/>
+            <a:r>
+              <a:rPr lang="en-US" sz="2400" dirty="0"/>
+              <a:t>Designer cannot anticipate all possible future situations.</a:t>
+            </a:r>
+          </a:p>
+          <a:p>
+            <a:pPr lvl="1"/>
+            <a:r>
+              <a:rPr lang="en-US" sz="2400" dirty="0"/>
+              <a:t>Designer may have examples but does not know how to program a solution.</a:t>
+            </a:r>
+          </a:p>
+        </p:txBody>
+      </p:sp>
+    </p:spTree>
+  </p:cSld>
+  <p:clrMapOvr>
+    <a:masterClrMapping/>
+  </p:clrMapOvr>
+</p:sld>
+</file>
+
+<file path=ppt/slides/slide20.xml><?xml version="1.0" encoding="utf-8"?>
+<p:sld xmlns:a="http://schemas.openxmlformats.org/drawingml/2006/main" xmlns:r="http://schemas.openxmlformats.org/officeDocument/2006/relationships" xmlns:p="http://schemas.openxmlformats.org/presentationml/2006/main">
+  <p:cSld>
+    <p:spTree>
+      <p:nvGrpSpPr>
+        <p:cNvPr id="1" name=""/>
+        <p:cNvGrpSpPr/>
+        <p:nvPr/>
+      </p:nvGrpSpPr>
+      <p:grpSpPr>
+        <a:xfrm>
+          <a:off x="0" y="0"/>
+          <a:ext cx="0" cy="0"/>
+          <a:chOff x="0" y="0"/>
+          <a:chExt cx="0" cy="0"/>
+        </a:xfrm>
+      </p:grpSpPr>
+      <p:sp>
+        <p:nvSpPr>
+          <p:cNvPr id="17410" name="Rectangle 2"/>
+          <p:cNvSpPr>
+            <a:spLocks noGrp="1" noChangeArrowheads="1"/>
+          </p:cNvSpPr>
+          <p:nvPr>
+            <p:ph type="title"/>
+          </p:nvPr>
+        </p:nvSpPr>
+        <p:spPr>
+          <a:xfrm>
+            <a:off x="457200" y="240684"/>
+            <a:ext cx="10515600" cy="1325563"/>
+          </a:xfrm>
+        </p:spPr>
+        <p:txBody>
+          <a:bodyPr>
+            <a:normAutofit/>
+          </a:bodyPr>
+          <a:lstStyle/>
+          <a:p>
+            <a:r>
+              <a:rPr lang="en-US" dirty="0"/>
+              <a:t>How to Split the Dataset</a:t>
+            </a:r>
+          </a:p>
+        </p:txBody>
+      </p:sp>
+      <mc:AlternateContent xmlns:mc="http://schemas.openxmlformats.org/markup-compatibility/2006">
+        <mc:Choice xmlns:a14="http://schemas.microsoft.com/office/drawing/2010/main" Requires="a14">
+          <p:sp>
+            <p:nvSpPr>
+              <p:cNvPr id="1283075" name="Rectangle 3"/>
+              <p:cNvSpPr>
+                <a:spLocks noGrp="1" noChangeArrowheads="1"/>
+              </p:cNvSpPr>
+              <p:nvPr>
+                <p:ph idx="1"/>
+              </p:nvPr>
+            </p:nvSpPr>
+            <p:spPr>
+              <a:xfrm>
+                <a:off x="457200" y="1524000"/>
+                <a:ext cx="8915400" cy="4800600"/>
+              </a:xfrm>
+            </p:spPr>
+            <p:txBody>
+              <a:bodyPr>
+                <a:normAutofit fontScale="92500"/>
+              </a:bodyPr>
+              <a:lstStyle/>
+              <a:p>
+                <a:r>
+                  <a:rPr lang="en-US" b="1" dirty="0"/>
+                  <a:t>Random splits: </a:t>
+                </a:r>
+                <a:r>
+                  <a:rPr lang="en-US" dirty="0"/>
+                  <a:t>Split the data randomly in, e.g., </a:t>
+                </a:r>
+                <a:br>
+                  <a:rPr lang="en-US" dirty="0"/>
+                </a:br>
+                <a:r>
+                  <a:rPr lang="en-US" dirty="0"/>
+                  <a:t> 60% training, 20% validation, and 20% testing.</a:t>
+                </a:r>
+              </a:p>
+              <a:p>
+                <a:endParaRPr lang="en-US" dirty="0"/>
+              </a:p>
+              <a:p>
+                <a:r>
+                  <a:rPr lang="en-US" b="1" dirty="0"/>
+                  <a:t>k-fold cross validation:</a:t>
+                </a:r>
+                <a:r>
+                  <a:rPr lang="en-US" dirty="0"/>
+                  <a:t> Use training &amp; validation data better</a:t>
+                </a:r>
+                <a:endParaRPr lang="en-US" b="1" dirty="0"/>
+              </a:p>
+              <a:p>
+                <a:pPr lvl="1"/>
+                <a:r>
+                  <a:rPr lang="en-US" dirty="0"/>
+                  <a:t>split the training &amp; validation data randomly into k folds.</a:t>
+                </a:r>
+              </a:p>
+              <a:p>
+                <a:pPr lvl="1"/>
+                <a:r>
+                  <a:rPr lang="en-US" dirty="0"/>
+                  <a:t>For k rounds hold 1 fold back for testing and use the remaining </a:t>
+                </a:r>
+                <a14:m>
+                  <m:oMath xmlns:m="http://schemas.openxmlformats.org/officeDocument/2006/math">
+                    <m:r>
+                      <a:rPr lang="en-US" i="1" dirty="0" smtClean="0">
+                        <a:latin typeface="Cambria Math" panose="02040503050406030204" pitchFamily="18" charset="0"/>
+                      </a:rPr>
+                      <m:t>𝑘</m:t>
+                    </m:r>
+                    <m:r>
+                      <a:rPr lang="en-US" i="1" dirty="0" smtClean="0">
+                        <a:latin typeface="Cambria Math" panose="02040503050406030204" pitchFamily="18" charset="0"/>
+                      </a:rPr>
+                      <m:t>−1</m:t>
+                    </m:r>
+                  </m:oMath>
+                </a14:m>
+                <a:r>
+                  <a:rPr lang="en-US" dirty="0"/>
+                  <a:t> folds for training.</a:t>
+                </a:r>
+              </a:p>
+              <a:p>
+                <a:pPr lvl="1"/>
+                <a:r>
+                  <a:rPr lang="en-US" dirty="0"/>
+                  <a:t>Use the average error/accuracy as a better estimate.</a:t>
+                </a:r>
+              </a:p>
+              <a:p>
+                <a:pPr lvl="1"/>
+                <a:r>
+                  <a:rPr lang="en-US" dirty="0"/>
+                  <a:t>Some algorithms/tools do that internally.</a:t>
+                </a:r>
+              </a:p>
+              <a:p>
+                <a:pPr lvl="1"/>
+                <a:endParaRPr lang="en-US" dirty="0"/>
+              </a:p>
+              <a:p>
+                <a:r>
+                  <a:rPr lang="en-US" b="1" dirty="0"/>
+                  <a:t>LOOCV</a:t>
+                </a:r>
+                <a:r>
+                  <a:rPr lang="en-US" dirty="0"/>
+                  <a:t> (leave-one-out cross validation): </a:t>
+                </a:r>
+                <a14:m>
+                  <m:oMath xmlns:m="http://schemas.openxmlformats.org/officeDocument/2006/math">
+                    <m:r>
+                      <a:rPr lang="en-US" i="1" dirty="0" smtClean="0">
+                        <a:latin typeface="Cambria Math" panose="02040503050406030204" pitchFamily="18" charset="0"/>
+                      </a:rPr>
+                      <m:t>𝑘</m:t>
+                    </m:r>
+                    <m:r>
+                      <a:rPr lang="en-US" i="1" dirty="0" smtClean="0">
+                        <a:latin typeface="Cambria Math" panose="02040503050406030204" pitchFamily="18" charset="0"/>
+                      </a:rPr>
+                      <m:t> = </m:t>
+                    </m:r>
+                    <m:r>
+                      <a:rPr lang="en-US" i="1" dirty="0" smtClean="0">
+                        <a:latin typeface="Cambria Math" panose="02040503050406030204" pitchFamily="18" charset="0"/>
+                      </a:rPr>
+                      <m:t>𝑛</m:t>
+                    </m:r>
+                    <m:r>
+                      <a:rPr lang="en-US" i="1" dirty="0" smtClean="0">
+                        <a:latin typeface="Cambria Math" panose="02040503050406030204" pitchFamily="18" charset="0"/>
+                      </a:rPr>
+                      <m:t> </m:t>
+                    </m:r>
+                  </m:oMath>
+                </a14:m>
+                <a:r>
+                  <a:rPr lang="en-US" dirty="0"/>
+                  <a:t>used if very little data is available. </a:t>
+                </a:r>
+              </a:p>
+            </p:txBody>
+          </p:sp>
+        </mc:Choice>
+        <mc:Fallback>
+          <p:sp>
+            <p:nvSpPr>
+              <p:cNvPr id="1283075" name="Rectangle 3"/>
+              <p:cNvSpPr>
+                <a:spLocks noGrp="1" noRot="1" noChangeAspect="1" noMove="1" noResize="1" noEditPoints="1" noAdjustHandles="1" noChangeArrowheads="1" noChangeShapeType="1" noTextEdit="1"/>
+              </p:cNvSpPr>
+              <p:nvPr>
+                <p:ph idx="1"/>
+              </p:nvPr>
+            </p:nvSpPr>
+            <p:spPr>
+              <a:xfrm>
+                <a:off x="457200" y="1524000"/>
+                <a:ext cx="8915400" cy="4800600"/>
+              </a:xfrm>
+              <a:blipFill>
+                <a:blip r:embed="rId3"/>
+                <a:stretch>
+                  <a:fillRect l="-1025" t="-1904" b="-1904"/>
+                </a:stretch>
+              </a:blipFill>
+            </p:spPr>
+            <p:txBody>
+              <a:bodyPr/>
+              <a:lstStyle/>
+              <a:p>
+                <a:r>
+                  <a:rPr lang="en-US">
+                    <a:noFill/>
+                  </a:rPr>
+                  <a:t> </a:t>
+                </a:r>
+              </a:p>
+            </p:txBody>
+          </p:sp>
+        </mc:Fallback>
+      </mc:AlternateContent>
+      <p:sp>
+        <p:nvSpPr>
+          <p:cNvPr id="17412" name="Rectangle 4"/>
+          <p:cNvSpPr>
+            <a:spLocks noChangeArrowheads="1"/>
+          </p:cNvSpPr>
+          <p:nvPr/>
+        </p:nvSpPr>
+        <p:spPr bwMode="auto">
+          <a:xfrm>
+            <a:off x="9753600" y="1676400"/>
+            <a:ext cx="1676400" cy="2590800"/>
+          </a:xfrm>
+          <a:prstGeom prst="rect">
+            <a:avLst/>
+          </a:prstGeom>
+          <a:ln>
+            <a:headEnd/>
+            <a:tailEnd/>
+          </a:ln>
+        </p:spPr>
+        <p:style>
+          <a:lnRef idx="2">
+            <a:schemeClr val="accent1">
+              <a:shade val="50000"/>
+            </a:schemeClr>
+          </a:lnRef>
+          <a:fillRef idx="1">
+            <a:schemeClr val="accent1"/>
+          </a:fillRef>
+          <a:effectRef idx="0">
+            <a:schemeClr val="accent1"/>
+          </a:effectRef>
+          <a:fontRef idx="minor">
+            <a:schemeClr val="lt1"/>
+          </a:fontRef>
+        </p:style>
+        <p:txBody>
+          <a:bodyPr wrap="none" anchor="ctr"/>
+          <a:lstStyle/>
+          <a:p>
+            <a:pPr algn="ctr"/>
+            <a:r>
+              <a:rPr lang="en-US">
+                <a:latin typeface="Calibri"/>
+                <a:cs typeface="Calibri"/>
+              </a:rPr>
+              <a:t>Training</a:t>
+            </a:r>
+          </a:p>
+          <a:p>
+            <a:pPr algn="ctr"/>
+            <a:r>
+              <a:rPr lang="en-US">
+                <a:latin typeface="Calibri"/>
+                <a:cs typeface="Calibri"/>
+              </a:rPr>
+              <a:t>Data</a:t>
+            </a:r>
+          </a:p>
+        </p:txBody>
+      </p:sp>
+      <p:sp>
+        <p:nvSpPr>
+          <p:cNvPr id="17413" name="Rectangle 5"/>
+          <p:cNvSpPr>
+            <a:spLocks noChangeArrowheads="1"/>
+          </p:cNvSpPr>
+          <p:nvPr/>
+        </p:nvSpPr>
+        <p:spPr bwMode="auto">
+          <a:xfrm>
+            <a:off x="9753600" y="4343400"/>
+            <a:ext cx="1676400" cy="990600"/>
+          </a:xfrm>
+          <a:prstGeom prst="rect">
+            <a:avLst/>
+          </a:prstGeom>
+          <a:ln>
+            <a:headEnd/>
+            <a:tailEnd/>
+          </a:ln>
+        </p:spPr>
+        <p:style>
+          <a:lnRef idx="3">
+            <a:schemeClr val="lt1"/>
+          </a:lnRef>
+          <a:fillRef idx="1">
+            <a:schemeClr val="accent6"/>
+          </a:fillRef>
+          <a:effectRef idx="1">
+            <a:schemeClr val="accent6"/>
           </a:effectRef>
           <a:fontRef idx="minor">
             <a:schemeClr val="lt1"/>
@@ -11522,560 +12408,6 @@
           </a:p>
         </p:txBody>
       </p:sp>
-    </p:spTree>
-    <p:extLst>
-      <p:ext uri="{BB962C8B-B14F-4D97-AF65-F5344CB8AC3E}">
-        <p14:creationId xmlns:p14="http://schemas.microsoft.com/office/powerpoint/2010/main" val="1867134195"/>
-      </p:ext>
-    </p:extLst>
-  </p:cSld>
-  <p:clrMapOvr>
-    <a:masterClrMapping/>
-  </p:clrMapOvr>
-  <p:transition/>
-</p:sld>
-</file>
-
-<file path=ppt/slides/slide2.xml><?xml version="1.0" encoding="utf-8"?>
-<p:sld xmlns:a="http://schemas.openxmlformats.org/drawingml/2006/main" xmlns:r="http://schemas.openxmlformats.org/officeDocument/2006/relationships" xmlns:p="http://schemas.openxmlformats.org/presentationml/2006/main">
-  <p:cSld>
-    <p:spTree>
-      <p:nvGrpSpPr>
-        <p:cNvPr id="1" name=""/>
-        <p:cNvGrpSpPr/>
-        <p:nvPr/>
-      </p:nvGrpSpPr>
-      <p:grpSpPr>
-        <a:xfrm>
-          <a:off x="0" y="0"/>
-          <a:ext cx="0" cy="0"/>
-          <a:chOff x="0" y="0"/>
-          <a:chExt cx="0" cy="0"/>
-        </a:xfrm>
-      </p:grpSpPr>
-      <p:sp>
-        <p:nvSpPr>
-          <p:cNvPr id="26626" name="Rectangle 2"/>
-          <p:cNvSpPr>
-            <a:spLocks noGrp="1" noChangeArrowheads="1"/>
-          </p:cNvSpPr>
-          <p:nvPr>
-            <p:ph type="title"/>
-          </p:nvPr>
-        </p:nvSpPr>
-        <p:spPr/>
-        <p:txBody>
-          <a:bodyPr/>
-          <a:lstStyle/>
-          <a:p>
-            <a:pPr eaLnBrk="1" hangingPunct="1"/>
-            <a:r>
-              <a:rPr lang="en-US" dirty="0"/>
-              <a:t>Learning from Examples: Machine Learning</a:t>
-            </a:r>
-          </a:p>
-        </p:txBody>
-      </p:sp>
-      <p:sp>
-        <p:nvSpPr>
-          <p:cNvPr id="26627" name="Rectangle 3"/>
-          <p:cNvSpPr>
-            <a:spLocks noGrp="1" noChangeArrowheads="1"/>
-          </p:cNvSpPr>
-          <p:nvPr>
-            <p:ph idx="1"/>
-          </p:nvPr>
-        </p:nvSpPr>
-        <p:spPr>
-          <a:xfrm>
-            <a:off x="914400" y="1595436"/>
-            <a:ext cx="10363200" cy="4729164"/>
-          </a:xfrm>
-        </p:spPr>
-        <p:txBody>
-          <a:bodyPr>
-            <a:normAutofit fontScale="85000" lnSpcReduction="20000"/>
-          </a:bodyPr>
-          <a:lstStyle/>
-          <a:p>
-            <a:pPr eaLnBrk="1" hangingPunct="1"/>
-            <a:r>
-              <a:rPr lang="en-US" sz="2800" b="1" dirty="0"/>
-              <a:t>Up until now: </a:t>
-            </a:r>
-            <a:r>
-              <a:rPr lang="en-US" sz="2800" dirty="0"/>
-              <a:t>hand-craft algorithms to make rational/optimal or at least good decisions. Examples: Search strategies, heuristics.</a:t>
-            </a:r>
-          </a:p>
-          <a:p>
-            <a:pPr eaLnBrk="1" hangingPunct="1"/>
-            <a:endParaRPr lang="en-US" sz="2400" dirty="0"/>
-          </a:p>
-          <a:p>
-            <a:pPr eaLnBrk="1" hangingPunct="1"/>
-            <a:r>
-              <a:rPr lang="en-US" sz="2800" b="1" dirty="0"/>
-              <a:t>Learning</a:t>
-            </a:r>
-            <a:r>
-              <a:rPr lang="en-US" sz="2800" dirty="0"/>
-              <a:t>: Improve performance after making observations about the world. That is, learn what works and what doesn’t.</a:t>
-            </a:r>
-          </a:p>
-          <a:p>
-            <a:pPr eaLnBrk="1" hangingPunct="1"/>
-            <a:endParaRPr lang="en-US" sz="2400" dirty="0"/>
-          </a:p>
-          <a:p>
-            <a:pPr eaLnBrk="1" hangingPunct="1"/>
-            <a:r>
-              <a:rPr lang="en-US" sz="2800" b="1" dirty="0"/>
-              <a:t>Machine learning:</a:t>
-            </a:r>
-            <a:r>
-              <a:rPr lang="en-US" sz="2800" dirty="0"/>
-              <a:t> how to build a model from data/experience</a:t>
-            </a:r>
-          </a:p>
-          <a:p>
-            <a:pPr lvl="1" eaLnBrk="1" hangingPunct="1"/>
-            <a:r>
-              <a:rPr lang="en-US" sz="2400" dirty="0"/>
-              <a:t>Supervised Learning: Learn a function to map input to output. Examples:</a:t>
-            </a:r>
-          </a:p>
-          <a:p>
-            <a:pPr lvl="2"/>
-            <a:r>
-              <a:rPr lang="en-US" dirty="0"/>
-              <a:t>Use a naïve Bayesian classifier to distinguish between spam/no spam</a:t>
-            </a:r>
-          </a:p>
-          <a:p>
-            <a:pPr lvl="2"/>
-            <a:r>
-              <a:rPr lang="en-US" dirty="0"/>
-              <a:t>Learn a playout policy to simulate games (current board -&gt; good move)</a:t>
-            </a:r>
-          </a:p>
-          <a:p>
-            <a:pPr lvl="1" eaLnBrk="1" hangingPunct="1"/>
-            <a:r>
-              <a:rPr lang="en-US" sz="2400" dirty="0"/>
-              <a:t>Reinforcement Learning: Learn from rewards/punishment (e.g., winning a game).</a:t>
-            </a:r>
-          </a:p>
-          <a:p>
-            <a:endParaRPr lang="en-US" sz="2800" dirty="0"/>
-          </a:p>
-          <a:p>
-            <a:r>
-              <a:rPr lang="en-US" sz="2800" b="1" dirty="0"/>
-              <a:t>Learning vs. hard coding the agent function</a:t>
-            </a:r>
-          </a:p>
-          <a:p>
-            <a:pPr lvl="1"/>
-            <a:r>
-              <a:rPr lang="en-US" sz="2400" dirty="0"/>
-              <a:t>Designer cannot anticipate all possible future situations.</a:t>
-            </a:r>
-          </a:p>
-          <a:p>
-            <a:pPr lvl="1"/>
-            <a:r>
-              <a:rPr lang="en-US" sz="2400" dirty="0"/>
-              <a:t>Designer may have examples but does not know how to program a solution.</a:t>
-            </a:r>
-          </a:p>
-        </p:txBody>
-      </p:sp>
-    </p:spTree>
-  </p:cSld>
-  <p:clrMapOvr>
-    <a:masterClrMapping/>
-  </p:clrMapOvr>
-</p:sld>
-</file>
-
-<file path=ppt/slides/slide20.xml><?xml version="1.0" encoding="utf-8"?>
-<p:sld xmlns:a="http://schemas.openxmlformats.org/drawingml/2006/main" xmlns:r="http://schemas.openxmlformats.org/officeDocument/2006/relationships" xmlns:p="http://schemas.openxmlformats.org/presentationml/2006/main">
-  <p:cSld>
-    <p:spTree>
-      <p:nvGrpSpPr>
-        <p:cNvPr id="1" name=""/>
-        <p:cNvGrpSpPr/>
-        <p:nvPr/>
-      </p:nvGrpSpPr>
-      <p:grpSpPr>
-        <a:xfrm>
-          <a:off x="0" y="0"/>
-          <a:ext cx="0" cy="0"/>
-          <a:chOff x="0" y="0"/>
-          <a:chExt cx="0" cy="0"/>
-        </a:xfrm>
-      </p:grpSpPr>
-      <p:sp>
-        <p:nvSpPr>
-          <p:cNvPr id="17410" name="Rectangle 2"/>
-          <p:cNvSpPr>
-            <a:spLocks noGrp="1" noChangeArrowheads="1"/>
-          </p:cNvSpPr>
-          <p:nvPr>
-            <p:ph type="title"/>
-          </p:nvPr>
-        </p:nvSpPr>
-        <p:spPr>
-          <a:xfrm>
-            <a:off x="457200" y="240684"/>
-            <a:ext cx="10515600" cy="1325563"/>
-          </a:xfrm>
-        </p:spPr>
-        <p:txBody>
-          <a:bodyPr>
-            <a:normAutofit/>
-          </a:bodyPr>
-          <a:lstStyle/>
-          <a:p>
-            <a:r>
-              <a:rPr lang="en-US" dirty="0"/>
-              <a:t>How to Split the Dataset</a:t>
-            </a:r>
-          </a:p>
-        </p:txBody>
-      </p:sp>
-      <p:sp>
-        <p:nvSpPr>
-          <p:cNvPr id="1283075" name="Rectangle 3"/>
-          <p:cNvSpPr>
-            <a:spLocks noGrp="1" noChangeArrowheads="1"/>
-          </p:cNvSpPr>
-          <p:nvPr>
-            <p:ph idx="1"/>
-          </p:nvPr>
-        </p:nvSpPr>
-        <p:spPr>
-          <a:xfrm>
-            <a:off x="457200" y="1524000"/>
-            <a:ext cx="8915400" cy="4953000"/>
-          </a:xfrm>
-        </p:spPr>
-        <p:txBody>
-          <a:bodyPr>
-            <a:normAutofit lnSpcReduction="10000"/>
-          </a:bodyPr>
-          <a:lstStyle/>
-          <a:p>
-            <a:r>
-              <a:rPr lang="en-US" b="1" dirty="0"/>
-              <a:t>Random splits: </a:t>
-            </a:r>
-            <a:r>
-              <a:rPr lang="en-US" dirty="0"/>
-              <a:t>Split the data randomly in, e.g., </a:t>
-            </a:r>
-            <a:br>
-              <a:rPr lang="en-US" dirty="0"/>
-            </a:br>
-            <a:r>
-              <a:rPr lang="en-US" dirty="0"/>
-              <a:t> 60% training, 20% validation, and 20% testing.</a:t>
-            </a:r>
-          </a:p>
-          <a:p>
-            <a:endParaRPr lang="en-US" dirty="0"/>
-          </a:p>
-          <a:p>
-            <a:r>
-              <a:rPr lang="en-US" b="1" dirty="0"/>
-              <a:t>k-fold cross validation:</a:t>
-            </a:r>
-            <a:r>
-              <a:rPr lang="en-US" dirty="0"/>
-              <a:t> Use training &amp; validation data better</a:t>
-            </a:r>
-            <a:endParaRPr lang="en-US" b="1" dirty="0"/>
-          </a:p>
-          <a:p>
-            <a:pPr lvl="1"/>
-            <a:r>
-              <a:rPr lang="en-US" dirty="0"/>
-              <a:t>split the training &amp; validation data randomly into k folds.</a:t>
-            </a:r>
-          </a:p>
-          <a:p>
-            <a:pPr lvl="1"/>
-            <a:r>
-              <a:rPr lang="en-US" dirty="0"/>
-              <a:t>For k rounds hold 1 fold back for testing and use the remaining k-1 folds for training.</a:t>
-            </a:r>
-          </a:p>
-          <a:p>
-            <a:pPr lvl="1"/>
-            <a:r>
-              <a:rPr lang="en-US" dirty="0"/>
-              <a:t>Use the average error/accuracy as a better estimate.</a:t>
-            </a:r>
-          </a:p>
-          <a:p>
-            <a:pPr lvl="1"/>
-            <a:r>
-              <a:rPr lang="en-US" dirty="0"/>
-              <a:t>Some algorithms/tools do that internally.</a:t>
-            </a:r>
-          </a:p>
-          <a:p>
-            <a:pPr lvl="1"/>
-            <a:endParaRPr lang="en-US" dirty="0"/>
-          </a:p>
-          <a:p>
-            <a:r>
-              <a:rPr lang="en-US" b="1" dirty="0"/>
-              <a:t>LOOCV</a:t>
-            </a:r>
-            <a:r>
-              <a:rPr lang="en-US" dirty="0"/>
-              <a:t> (leave-one-out cross validation): k = n used if very little data is available. </a:t>
-            </a:r>
-          </a:p>
-        </p:txBody>
-      </p:sp>
-      <p:sp>
-        <p:nvSpPr>
-          <p:cNvPr id="17412" name="Rectangle 4"/>
-          <p:cNvSpPr>
-            <a:spLocks noChangeArrowheads="1"/>
-          </p:cNvSpPr>
-          <p:nvPr/>
-        </p:nvSpPr>
-        <p:spPr bwMode="auto">
-          <a:xfrm>
-            <a:off x="9753600" y="1676400"/>
-            <a:ext cx="1676400" cy="2590800"/>
-          </a:xfrm>
-          <a:prstGeom prst="rect">
-            <a:avLst/>
-          </a:prstGeom>
-          <a:ln>
-            <a:headEnd/>
-            <a:tailEnd/>
-          </a:ln>
-        </p:spPr>
-        <p:style>
-          <a:lnRef idx="2">
-            <a:schemeClr val="accent1">
-              <a:shade val="50000"/>
-            </a:schemeClr>
-          </a:lnRef>
-          <a:fillRef idx="1">
-            <a:schemeClr val="accent1"/>
-          </a:fillRef>
-          <a:effectRef idx="0">
-            <a:schemeClr val="accent1"/>
-          </a:effectRef>
-          <a:fontRef idx="minor">
-            <a:schemeClr val="lt1"/>
-          </a:fontRef>
-        </p:style>
-        <p:txBody>
-          <a:bodyPr wrap="none" anchor="ctr"/>
-          <a:lstStyle/>
-          <a:p>
-            <a:pPr algn="ctr"/>
-            <a:r>
-              <a:rPr lang="en-US">
-                <a:latin typeface="Calibri"/>
-                <a:cs typeface="Calibri"/>
-              </a:rPr>
-              <a:t>Training</a:t>
-            </a:r>
-          </a:p>
-          <a:p>
-            <a:pPr algn="ctr"/>
-            <a:r>
-              <a:rPr lang="en-US">
-                <a:latin typeface="Calibri"/>
-                <a:cs typeface="Calibri"/>
-              </a:rPr>
-              <a:t>Data</a:t>
-            </a:r>
-          </a:p>
-        </p:txBody>
-      </p:sp>
-      <p:sp>
-        <p:nvSpPr>
-          <p:cNvPr id="17413" name="Rectangle 5"/>
-          <p:cNvSpPr>
-            <a:spLocks noChangeArrowheads="1"/>
-          </p:cNvSpPr>
-          <p:nvPr/>
-        </p:nvSpPr>
-        <p:spPr bwMode="auto">
-          <a:xfrm>
-            <a:off x="9753600" y="4343400"/>
-            <a:ext cx="1676400" cy="990600"/>
-          </a:xfrm>
-          <a:prstGeom prst="rect">
-            <a:avLst/>
-          </a:prstGeom>
-          <a:ln>
-            <a:headEnd/>
-            <a:tailEnd/>
-          </a:ln>
-        </p:spPr>
-        <p:style>
-          <a:lnRef idx="3">
-            <a:schemeClr val="lt1"/>
-          </a:lnRef>
-          <a:fillRef idx="1">
-            <a:schemeClr val="accent6"/>
-          </a:fillRef>
-          <a:effectRef idx="1">
-            <a:schemeClr val="accent6"/>
-          </a:effectRef>
-          <a:fontRef idx="minor">
-            <a:schemeClr val="lt1"/>
-          </a:fontRef>
-        </p:style>
-        <p:txBody>
-          <a:bodyPr wrap="none" anchor="ctr"/>
-          <a:lstStyle/>
-          <a:p>
-            <a:pPr algn="ctr"/>
-            <a:r>
-              <a:rPr lang="en-US" dirty="0">
-                <a:latin typeface="Calibri"/>
-                <a:cs typeface="Calibri"/>
-              </a:rPr>
-              <a:t>Validation</a:t>
-            </a:r>
-          </a:p>
-          <a:p>
-            <a:pPr algn="ctr"/>
-            <a:r>
-              <a:rPr lang="en-US" dirty="0">
-                <a:latin typeface="Calibri"/>
-                <a:cs typeface="Calibri"/>
-              </a:rPr>
-              <a:t>Data</a:t>
-            </a:r>
-          </a:p>
-        </p:txBody>
-      </p:sp>
-      <p:sp>
-        <p:nvSpPr>
-          <p:cNvPr id="17414" name="Rectangle 6"/>
-          <p:cNvSpPr>
-            <a:spLocks noChangeArrowheads="1"/>
-          </p:cNvSpPr>
-          <p:nvPr/>
-        </p:nvSpPr>
-        <p:spPr bwMode="auto">
-          <a:xfrm>
-            <a:off x="9753600" y="5410200"/>
-            <a:ext cx="1676400" cy="914400"/>
-          </a:xfrm>
-          <a:prstGeom prst="rect">
-            <a:avLst/>
-          </a:prstGeom>
-          <a:ln>
-            <a:headEnd/>
-            <a:tailEnd/>
-          </a:ln>
-        </p:spPr>
-        <p:style>
-          <a:lnRef idx="3">
-            <a:schemeClr val="lt1"/>
-          </a:lnRef>
-          <a:fillRef idx="1">
-            <a:schemeClr val="accent2"/>
-          </a:fillRef>
-          <a:effectRef idx="1">
-            <a:schemeClr val="accent2"/>
-          </a:effectRef>
-          <a:fontRef idx="minor">
-            <a:schemeClr val="lt1"/>
-          </a:fontRef>
-        </p:style>
-        <p:txBody>
-          <a:bodyPr wrap="none" anchor="ctr"/>
-          <a:lstStyle/>
-          <a:p>
-            <a:pPr algn="ctr"/>
-            <a:r>
-              <a:rPr lang="en-US">
-                <a:latin typeface="Calibri"/>
-                <a:cs typeface="Calibri"/>
-              </a:rPr>
-              <a:t>Test</a:t>
-            </a:r>
-          </a:p>
-          <a:p>
-            <a:pPr algn="ctr"/>
-            <a:r>
-              <a:rPr lang="en-US">
-                <a:latin typeface="Calibri"/>
-                <a:cs typeface="Calibri"/>
-              </a:rPr>
-              <a:t>Data</a:t>
-            </a:r>
-          </a:p>
-        </p:txBody>
-      </p:sp>
-      <p:sp>
-        <p:nvSpPr>
-          <p:cNvPr id="4" name="Rectangle 3">
-            <a:extLst>
-              <a:ext uri="{FF2B5EF4-FFF2-40B4-BE49-F238E27FC236}">
-                <a16:creationId xmlns:a16="http://schemas.microsoft.com/office/drawing/2014/main" id="{AC7EC834-138C-41AE-87CB-FE5BD6F87D5E}"/>
-              </a:ext>
-            </a:extLst>
-          </p:cNvPr>
-          <p:cNvSpPr/>
-          <p:nvPr/>
-        </p:nvSpPr>
-        <p:spPr>
-          <a:xfrm>
-            <a:off x="9677400" y="5340350"/>
-            <a:ext cx="1828800" cy="1054100"/>
-          </a:xfrm>
-          <a:prstGeom prst="rect">
-            <a:avLst/>
-          </a:prstGeom>
-          <a:noFill/>
-          <a:ln w="38100">
-            <a:solidFill>
-              <a:schemeClr val="tx1"/>
-            </a:solidFill>
-            <a:prstDash val="dash"/>
-          </a:ln>
-        </p:spPr>
-        <p:style>
-          <a:lnRef idx="2">
-            <a:schemeClr val="accent1">
-              <a:shade val="50000"/>
-            </a:schemeClr>
-          </a:lnRef>
-          <a:fillRef idx="1">
-            <a:schemeClr val="accent1"/>
-          </a:fillRef>
-          <a:effectRef idx="0">
-            <a:schemeClr val="accent1"/>
-          </a:effectRef>
-          <a:fontRef idx="minor">
-            <a:schemeClr val="lt1"/>
-          </a:fontRef>
-        </p:style>
-        <p:txBody>
-          <a:bodyPr rtlCol="0" anchor="ctr"/>
-          <a:lstStyle/>
-          <a:p>
-            <a:pPr algn="ctr"/>
-            <a:endParaRPr lang="en-US"/>
-          </a:p>
-        </p:txBody>
-      </p:sp>
       <p:sp>
         <p:nvSpPr>
           <p:cNvPr id="2" name="Left Brace 1">
@@ -12098,14 +12430,14 @@
           </a:prstGeom>
         </p:spPr>
         <p:style>
-          <a:lnRef idx="1">
-            <a:schemeClr val="accent1"/>
+          <a:lnRef idx="3">
+            <a:schemeClr val="accent3"/>
           </a:lnRef>
           <a:fillRef idx="0">
-            <a:schemeClr val="accent1"/>
+            <a:schemeClr val="accent3"/>
           </a:fillRef>
-          <a:effectRef idx="0">
-            <a:schemeClr val="accent1"/>
+          <a:effectRef idx="2">
+            <a:schemeClr val="accent3"/>
           </a:effectRef>
           <a:fontRef idx="minor">
             <a:schemeClr val="tx1"/>
@@ -12528,6 +12860,45 @@
           </a:p>
         </p:txBody>
       </p:sp>
+      <p:pic>
+        <p:nvPicPr>
+          <p:cNvPr id="3" name="Graphic 2" descr="Scales of justice with solid fill">
+            <a:extLst>
+              <a:ext uri="{FF2B5EF4-FFF2-40B4-BE49-F238E27FC236}">
+                <a16:creationId xmlns:a16="http://schemas.microsoft.com/office/drawing/2014/main" id="{D1268937-A758-4CE9-B5AD-0B9E9E8D5D5B}"/>
+              </a:ext>
+            </a:extLst>
+          </p:cNvPr>
+          <p:cNvPicPr>
+            <a:picLocks noChangeAspect="1"/>
+          </p:cNvPicPr>
+          <p:nvPr/>
+        </p:nvPicPr>
+        <p:blipFill>
+          <a:blip r:embed="rId2">
+            <a:extLst>
+              <a:ext uri="{28A0092B-C50C-407E-A947-70E740481C1C}">
+                <a14:useLocalDpi xmlns:a14="http://schemas.microsoft.com/office/drawing/2010/main" val="0"/>
+              </a:ext>
+              <a:ext uri="{96DAC541-7B7A-43D3-8B79-37D633B846F1}">
+                <asvg:svgBlip xmlns:asvg="http://schemas.microsoft.com/office/drawing/2016/SVG/main" r:embed="rId3"/>
+              </a:ext>
+            </a:extLst>
+          </a:blip>
+          <a:stretch>
+            <a:fillRect/>
+          </a:stretch>
+        </p:blipFill>
+        <p:spPr>
+          <a:xfrm>
+            <a:off x="8229600" y="495300"/>
+            <a:ext cx="2908300" cy="2908300"/>
+          </a:xfrm>
+          <a:prstGeom prst="rect">
+            <a:avLst/>
+          </a:prstGeom>
+        </p:spPr>
+      </p:pic>
     </p:spTree>
   </p:cSld>
   <p:clrMapOvr>
@@ -14898,6 +15269,545 @@
           <p:cNvPr id="2" name="Title 1">
             <a:extLst>
               <a:ext uri="{FF2B5EF4-FFF2-40B4-BE49-F238E27FC236}">
+                <a16:creationId xmlns:a16="http://schemas.microsoft.com/office/drawing/2014/main" id="{3E85DB16-C25A-4737-BB16-65EDC4533D07}"/>
+              </a:ext>
+            </a:extLst>
+          </p:cNvPr>
+          <p:cNvSpPr>
+            <a:spLocks noGrp="1"/>
+          </p:cNvSpPr>
+          <p:nvPr>
+            <p:ph type="title"/>
+          </p:nvPr>
+        </p:nvSpPr>
+        <p:spPr/>
+        <p:txBody>
+          <a:bodyPr/>
+          <a:lstStyle/>
+          <a:p>
+            <a:r>
+              <a:rPr lang="en-US" dirty="0"/>
+              <a:t>Naïve Bayes Classifier</a:t>
+            </a:r>
+          </a:p>
+        </p:txBody>
+      </p:sp>
+      <mc:AlternateContent xmlns:mc="http://schemas.openxmlformats.org/markup-compatibility/2006">
+        <mc:Choice xmlns:a14="http://schemas.microsoft.com/office/drawing/2010/main" Requires="a14">
+          <p:sp>
+            <p:nvSpPr>
+              <p:cNvPr id="3" name="Content Placeholder 2">
+                <a:extLst>
+                  <a:ext uri="{FF2B5EF4-FFF2-40B4-BE49-F238E27FC236}">
+                    <a16:creationId xmlns:a16="http://schemas.microsoft.com/office/drawing/2014/main" id="{AD903694-DDC9-4A03-939A-9D0FBDA0A355}"/>
+                  </a:ext>
+                </a:extLst>
+              </p:cNvPr>
+              <p:cNvSpPr>
+                <a:spLocks noGrp="1"/>
+              </p:cNvSpPr>
+              <p:nvPr>
+                <p:ph idx="1"/>
+              </p:nvPr>
+            </p:nvSpPr>
+            <p:spPr/>
+            <p:txBody>
+              <a:bodyPr>
+                <a:normAutofit fontScale="85000" lnSpcReduction="20000"/>
+              </a:bodyPr>
+              <a:lstStyle/>
+              <a:p>
+                <a:r>
+                  <a:rPr lang="en-US" dirty="0"/>
+                  <a:t>Approximates a Bayes classifier with the naïve assumption that all </a:t>
+                </a:r>
+                <a14:m>
+                  <m:oMath xmlns:m="http://schemas.openxmlformats.org/officeDocument/2006/math">
+                    <m:r>
+                      <a:rPr lang="en-US" b="0" i="1" smtClean="0">
+                        <a:latin typeface="Cambria Math" panose="02040503050406030204" pitchFamily="18" charset="0"/>
+                      </a:rPr>
+                      <m:t>𝑛</m:t>
+                    </m:r>
+                  </m:oMath>
+                </a14:m>
+                <a:r>
+                  <a:rPr lang="en-US" dirty="0"/>
+                  <a:t> features are conditional independent given the class.</a:t>
+                </a:r>
+                <a:br>
+                  <a:rPr lang="en-US" dirty="0"/>
+                </a:br>
+                <a:br>
+                  <a:rPr lang="en-US" dirty="0"/>
+                </a:br>
+                <a14:m>
+                  <m:oMath xmlns:m="http://schemas.openxmlformats.org/officeDocument/2006/math">
+                    <m:r>
+                      <a:rPr lang="en-US" b="0" i="1" smtClean="0">
+                        <a:latin typeface="Cambria Math" panose="02040503050406030204" pitchFamily="18" charset="0"/>
+                      </a:rPr>
+                      <m:t>h</m:t>
+                    </m:r>
+                    <m:r>
+                      <a:rPr lang="en-US" b="0" i="1" smtClean="0">
+                        <a:latin typeface="Cambria Math" panose="02040503050406030204" pitchFamily="18" charset="0"/>
+                      </a:rPr>
+                      <m:t>(</m:t>
+                    </m:r>
+                    <m:r>
+                      <a:rPr lang="en-US" b="0" i="1" smtClean="0">
+                        <a:latin typeface="Cambria Math" panose="02040503050406030204" pitchFamily="18" charset="0"/>
+                      </a:rPr>
+                      <m:t>𝑥</m:t>
+                    </m:r>
+                    <m:r>
+                      <a:rPr lang="en-US" b="0" i="1" smtClean="0">
+                        <a:latin typeface="Cambria Math" panose="02040503050406030204" pitchFamily="18" charset="0"/>
+                      </a:rPr>
+                      <m:t>)=</m:t>
+                    </m:r>
+                    <m:func>
+                      <m:funcPr>
+                        <m:ctrlPr>
+                          <a:rPr lang="en-US" i="1" smtClean="0">
+                            <a:latin typeface="Cambria Math" panose="02040503050406030204" pitchFamily="18" charset="0"/>
+                          </a:rPr>
+                        </m:ctrlPr>
+                      </m:funcPr>
+                      <m:fName>
+                        <m:limLow>
+                          <m:limLowPr>
+                            <m:ctrlPr>
+                              <a:rPr lang="en-US" i="1">
+                                <a:latin typeface="Cambria Math" panose="02040503050406030204" pitchFamily="18" charset="0"/>
+                              </a:rPr>
+                            </m:ctrlPr>
+                          </m:limLowPr>
+                          <m:e>
+                            <m:r>
+                              <m:rPr>
+                                <m:sty m:val="p"/>
+                              </m:rPr>
+                              <a:rPr lang="en-US">
+                                <a:latin typeface="Cambria Math" panose="02040503050406030204" pitchFamily="18" charset="0"/>
+                              </a:rPr>
+                              <m:t>argmax</m:t>
+                            </m:r>
+                          </m:e>
+                          <m:lim>
+                            <m:r>
+                              <a:rPr lang="en-US" i="1">
+                                <a:latin typeface="Cambria Math" panose="02040503050406030204" pitchFamily="18" charset="0"/>
+                              </a:rPr>
+                              <m:t>𝑦</m:t>
+                            </m:r>
+                          </m:lim>
+                        </m:limLow>
+                      </m:fName>
+                      <m:e>
+                        <m:r>
+                          <a:rPr lang="en-US" i="1">
+                            <a:latin typeface="Cambria Math" panose="02040503050406030204" pitchFamily="18" charset="0"/>
+                          </a:rPr>
+                          <m:t>𝑃</m:t>
+                        </m:r>
+                        <m:d>
+                          <m:dPr>
+                            <m:ctrlPr>
+                              <a:rPr lang="en-US" i="1">
+                                <a:latin typeface="Cambria Math" panose="02040503050406030204" pitchFamily="18" charset="0"/>
+                              </a:rPr>
+                            </m:ctrlPr>
+                          </m:dPr>
+                          <m:e>
+                            <m:r>
+                              <a:rPr lang="en-US" i="1">
+                                <a:latin typeface="Cambria Math" panose="02040503050406030204" pitchFamily="18" charset="0"/>
+                              </a:rPr>
+                              <m:t>𝑦</m:t>
+                            </m:r>
+                          </m:e>
+                        </m:d>
+                        <m:r>
+                          <a:rPr lang="en-US" b="0" i="1" smtClean="0">
+                            <a:latin typeface="Cambria Math" panose="02040503050406030204" pitchFamily="18" charset="0"/>
+                          </a:rPr>
+                          <m:t> </m:t>
+                        </m:r>
+                        <m:nary>
+                          <m:naryPr>
+                            <m:chr m:val="∏"/>
+                            <m:ctrlPr>
+                              <a:rPr lang="en-US" b="0" i="1" smtClean="0">
+                                <a:latin typeface="Cambria Math" panose="02040503050406030204" pitchFamily="18" charset="0"/>
+                              </a:rPr>
+                            </m:ctrlPr>
+                          </m:naryPr>
+                          <m:sub>
+                            <m:r>
+                              <m:rPr>
+                                <m:brk m:alnAt="23"/>
+                              </m:rPr>
+                              <a:rPr lang="en-US" b="0" i="1" smtClean="0">
+                                <a:latin typeface="Cambria Math" panose="02040503050406030204" pitchFamily="18" charset="0"/>
+                              </a:rPr>
+                              <m:t>𝑖</m:t>
+                            </m:r>
+                            <m:r>
+                              <a:rPr lang="en-US" b="0" i="1" smtClean="0">
+                                <a:latin typeface="Cambria Math" panose="02040503050406030204" pitchFamily="18" charset="0"/>
+                              </a:rPr>
+                              <m:t>=1</m:t>
+                            </m:r>
+                          </m:sub>
+                          <m:sup>
+                            <m:r>
+                              <a:rPr lang="en-US" b="0" i="1" smtClean="0">
+                                <a:latin typeface="Cambria Math" panose="02040503050406030204" pitchFamily="18" charset="0"/>
+                              </a:rPr>
+                              <m:t>𝑛</m:t>
+                            </m:r>
+                          </m:sup>
+                          <m:e>
+                            <m:r>
+                              <a:rPr lang="en-US" b="0" i="1" smtClean="0">
+                                <a:latin typeface="Cambria Math" panose="02040503050406030204" pitchFamily="18" charset="0"/>
+                              </a:rPr>
+                              <m:t>𝑃</m:t>
+                            </m:r>
+                            <m:d>
+                              <m:dPr>
+                                <m:endChr m:val="|"/>
+                                <m:ctrlPr>
+                                  <a:rPr lang="en-US" b="0" i="1" smtClean="0">
+                                    <a:latin typeface="Cambria Math" panose="02040503050406030204" pitchFamily="18" charset="0"/>
+                                  </a:rPr>
+                                </m:ctrlPr>
+                              </m:dPr>
+                              <m:e>
+                                <m:sSub>
+                                  <m:sSubPr>
+                                    <m:ctrlPr>
+                                      <a:rPr lang="en-US" b="0" i="1" smtClean="0">
+                                        <a:latin typeface="Cambria Math" panose="02040503050406030204" pitchFamily="18" charset="0"/>
+                                      </a:rPr>
+                                    </m:ctrlPr>
+                                  </m:sSubPr>
+                                  <m:e>
+                                    <m:r>
+                                      <a:rPr lang="en-US" b="0" i="1" smtClean="0">
+                                        <a:latin typeface="Cambria Math" panose="02040503050406030204" pitchFamily="18" charset="0"/>
+                                      </a:rPr>
+                                      <m:t>𝑥</m:t>
+                                    </m:r>
+                                  </m:e>
+                                  <m:sub>
+                                    <m:r>
+                                      <a:rPr lang="en-US" b="0" i="1" smtClean="0">
+                                        <a:latin typeface="Cambria Math" panose="02040503050406030204" pitchFamily="18" charset="0"/>
+                                      </a:rPr>
+                                      <m:t>𝑖</m:t>
+                                    </m:r>
+                                  </m:sub>
+                                </m:sSub>
+                                <m:r>
+                                  <a:rPr lang="en-US" b="0" i="1" smtClean="0">
+                                    <a:latin typeface="Cambria Math" panose="02040503050406030204" pitchFamily="18" charset="0"/>
+                                  </a:rPr>
+                                  <m:t> </m:t>
+                                </m:r>
+                              </m:e>
+                            </m:d>
+                            <m:r>
+                              <a:rPr lang="en-US" b="0" i="1" smtClean="0">
+                                <a:latin typeface="Cambria Math" panose="02040503050406030204" pitchFamily="18" charset="0"/>
+                              </a:rPr>
+                              <m:t> </m:t>
+                            </m:r>
+                            <m:r>
+                              <a:rPr lang="en-US" b="0" i="1" smtClean="0">
+                                <a:latin typeface="Cambria Math" panose="02040503050406030204" pitchFamily="18" charset="0"/>
+                              </a:rPr>
+                              <m:t>𝑦</m:t>
+                            </m:r>
+                            <m:r>
+                              <a:rPr lang="en-US" b="0" i="1" smtClean="0">
+                                <a:latin typeface="Cambria Math" panose="02040503050406030204" pitchFamily="18" charset="0"/>
+                              </a:rPr>
+                              <m:t>)</m:t>
+                            </m:r>
+                          </m:e>
+                        </m:nary>
+                      </m:e>
+                    </m:func>
+                  </m:oMath>
+                </a14:m>
+                <a:endParaRPr lang="en-US" dirty="0"/>
+              </a:p>
+              <a:p>
+                <a:pPr marL="0" indent="0">
+                  <a:buNone/>
+                </a:pPr>
+                <a:endParaRPr lang="en-US" dirty="0"/>
+              </a:p>
+              <a:p>
+                <a:endParaRPr lang="en-US" dirty="0"/>
+              </a:p>
+              <a:p>
+                <a:r>
+                  <a:rPr lang="en-US" dirty="0"/>
+                  <a:t>We have only used discrete features so far, but it can be extended to continuous features. Gaussian Naïve Bayes Classifier assumes that continuous features have:</a:t>
+                </a:r>
+              </a:p>
+              <a:p>
+                <a:endParaRPr lang="en-US" dirty="0"/>
+              </a:p>
+              <a:p>
+                <a:pPr marL="0" indent="0">
+                  <a:buNone/>
+                </a:pPr>
+                <a14:m>
+                  <m:oMathPara xmlns:m="http://schemas.openxmlformats.org/officeDocument/2006/math">
+                    <m:oMathParaPr>
+                      <m:jc m:val="centerGroup"/>
+                    </m:oMathParaPr>
+                    <m:oMath xmlns:m="http://schemas.openxmlformats.org/officeDocument/2006/math">
+                      <m:r>
+                        <a:rPr lang="en-US" b="0" i="1" smtClean="0">
+                          <a:latin typeface="Cambria Math" panose="02040503050406030204" pitchFamily="18" charset="0"/>
+                        </a:rPr>
+                        <m:t>𝑃</m:t>
+                      </m:r>
+                      <m:d>
+                        <m:dPr>
+                          <m:endChr m:val="|"/>
+                          <m:ctrlPr>
+                            <a:rPr lang="en-US" b="0" i="1" smtClean="0">
+                              <a:latin typeface="Cambria Math" panose="02040503050406030204" pitchFamily="18" charset="0"/>
+                            </a:rPr>
+                          </m:ctrlPr>
+                        </m:dPr>
+                        <m:e>
+                          <m:sSub>
+                            <m:sSubPr>
+                              <m:ctrlPr>
+                                <a:rPr lang="en-US" b="0" i="1" smtClean="0">
+                                  <a:latin typeface="Cambria Math" panose="02040503050406030204" pitchFamily="18" charset="0"/>
+                                </a:rPr>
+                              </m:ctrlPr>
+                            </m:sSubPr>
+                            <m:e>
+                              <m:r>
+                                <a:rPr lang="en-US" b="0" i="1" smtClean="0">
+                                  <a:latin typeface="Cambria Math" panose="02040503050406030204" pitchFamily="18" charset="0"/>
+                                </a:rPr>
+                                <m:t>𝑥</m:t>
+                              </m:r>
+                            </m:e>
+                            <m:sub>
+                              <m:r>
+                                <a:rPr lang="en-US" b="0" i="1" smtClean="0">
+                                  <a:latin typeface="Cambria Math" panose="02040503050406030204" pitchFamily="18" charset="0"/>
+                                </a:rPr>
+                                <m:t>𝑖</m:t>
+                              </m:r>
+                            </m:sub>
+                          </m:sSub>
+                          <m:r>
+                            <a:rPr lang="en-US" b="0" i="1" smtClean="0">
+                              <a:latin typeface="Cambria Math" panose="02040503050406030204" pitchFamily="18" charset="0"/>
+                            </a:rPr>
+                            <m:t> </m:t>
+                          </m:r>
+                        </m:e>
+                      </m:d>
+                      <m:r>
+                        <a:rPr lang="en-US" b="0" i="1" smtClean="0">
+                          <a:latin typeface="Cambria Math" panose="02040503050406030204" pitchFamily="18" charset="0"/>
+                        </a:rPr>
+                        <m:t> </m:t>
+                      </m:r>
+                      <m:r>
+                        <a:rPr lang="en-US" b="0" i="1" smtClean="0">
+                          <a:latin typeface="Cambria Math" panose="02040503050406030204" pitchFamily="18" charset="0"/>
+                        </a:rPr>
+                        <m:t>𝑦</m:t>
+                      </m:r>
+                      <m:r>
+                        <a:rPr lang="en-US" b="0" i="1" smtClean="0">
+                          <a:latin typeface="Cambria Math" panose="02040503050406030204" pitchFamily="18" charset="0"/>
+                        </a:rPr>
+                        <m:t>) ~ </m:t>
+                      </m:r>
+                      <m:r>
+                        <a:rPr lang="en-US" b="0" i="1" smtClean="0">
+                          <a:latin typeface="Cambria Math" panose="02040503050406030204" pitchFamily="18" charset="0"/>
+                        </a:rPr>
+                        <m:t>𝑁</m:t>
+                      </m:r>
+                      <m:d>
+                        <m:dPr>
+                          <m:ctrlPr>
+                            <a:rPr lang="en-US" b="0" i="1" smtClean="0">
+                              <a:latin typeface="Cambria Math" panose="02040503050406030204" pitchFamily="18" charset="0"/>
+                            </a:rPr>
+                          </m:ctrlPr>
+                        </m:dPr>
+                        <m:e>
+                          <m:sSub>
+                            <m:sSubPr>
+                              <m:ctrlPr>
+                                <a:rPr lang="en-US" b="0" i="1" smtClean="0">
+                                  <a:latin typeface="Cambria Math" panose="02040503050406030204" pitchFamily="18" charset="0"/>
+                                </a:rPr>
+                              </m:ctrlPr>
+                            </m:sSubPr>
+                            <m:e>
+                              <m:r>
+                                <a:rPr lang="en-US" b="0" i="1" smtClean="0">
+                                  <a:latin typeface="Cambria Math" panose="02040503050406030204" pitchFamily="18" charset="0"/>
+                                </a:rPr>
+                                <m:t>𝜇</m:t>
+                              </m:r>
+                            </m:e>
+                            <m:sub>
+                              <m:r>
+                                <a:rPr lang="en-US" b="0" i="1" smtClean="0">
+                                  <a:latin typeface="Cambria Math" panose="02040503050406030204" pitchFamily="18" charset="0"/>
+                                </a:rPr>
+                                <m:t>𝑦</m:t>
+                              </m:r>
+                            </m:sub>
+                          </m:sSub>
+                          <m:r>
+                            <a:rPr lang="en-US" b="0" i="1" smtClean="0">
+                              <a:latin typeface="Cambria Math" panose="02040503050406030204" pitchFamily="18" charset="0"/>
+                            </a:rPr>
+                            <m:t>,</m:t>
+                          </m:r>
+                          <m:sSub>
+                            <m:sSubPr>
+                              <m:ctrlPr>
+                                <a:rPr lang="en-US" b="0" i="1" smtClean="0">
+                                  <a:latin typeface="Cambria Math" panose="02040503050406030204" pitchFamily="18" charset="0"/>
+                                </a:rPr>
+                              </m:ctrlPr>
+                            </m:sSubPr>
+                            <m:e>
+                              <m:r>
+                                <a:rPr lang="en-US" b="0" i="1" smtClean="0">
+                                  <a:latin typeface="Cambria Math" panose="02040503050406030204" pitchFamily="18" charset="0"/>
+                                </a:rPr>
+                                <m:t>𝜎</m:t>
+                              </m:r>
+                            </m:e>
+                            <m:sub>
+                              <m:r>
+                                <a:rPr lang="en-US" b="0" i="1" smtClean="0">
+                                  <a:latin typeface="Cambria Math" panose="02040503050406030204" pitchFamily="18" charset="0"/>
+                                </a:rPr>
+                                <m:t>𝑦</m:t>
+                              </m:r>
+                            </m:sub>
+                          </m:sSub>
+                        </m:e>
+                      </m:d>
+                    </m:oMath>
+                  </m:oMathPara>
+                </a14:m>
+                <a:endParaRPr lang="en-US" dirty="0"/>
+              </a:p>
+              <a:p>
+                <a:pPr marL="457200" lvl="1" indent="0">
+                  <a:buNone/>
+                </a:pPr>
+                <a:br>
+                  <a:rPr lang="en-US" dirty="0"/>
+                </a:br>
+                <a:r>
+                  <a:rPr lang="en-US" dirty="0"/>
+                  <a:t>The parameters are estimated from data.</a:t>
+                </a:r>
+              </a:p>
+            </p:txBody>
+          </p:sp>
+        </mc:Choice>
+        <mc:Fallback>
+          <p:sp>
+            <p:nvSpPr>
+              <p:cNvPr id="3" name="Content Placeholder 2">
+                <a:extLst>
+                  <a:ext uri="{FF2B5EF4-FFF2-40B4-BE49-F238E27FC236}">
+                    <a16:creationId xmlns:a16="http://schemas.microsoft.com/office/drawing/2014/main" id="{AD903694-DDC9-4A03-939A-9D0FBDA0A355}"/>
+                  </a:ext>
+                </a:extLst>
+              </p:cNvPr>
+              <p:cNvSpPr>
+                <a:spLocks noGrp="1" noRot="1" noChangeAspect="1" noMove="1" noResize="1" noEditPoints="1" noAdjustHandles="1" noChangeArrowheads="1" noChangeShapeType="1" noTextEdit="1"/>
+              </p:cNvSpPr>
+              <p:nvPr>
+                <p:ph idx="1"/>
+              </p:nvPr>
+            </p:nvSpPr>
+            <p:spPr>
+              <a:blipFill>
+                <a:blip r:embed="rId2"/>
+                <a:stretch>
+                  <a:fillRect l="-812" t="-3221"/>
+                </a:stretch>
+              </a:blipFill>
+            </p:spPr>
+            <p:txBody>
+              <a:bodyPr/>
+              <a:lstStyle/>
+              <a:p>
+                <a:r>
+                  <a:rPr lang="en-US">
+                    <a:noFill/>
+                  </a:rPr>
+                  <a:t> </a:t>
+                </a:r>
+              </a:p>
+            </p:txBody>
+          </p:sp>
+        </mc:Fallback>
+      </mc:AlternateContent>
+    </p:spTree>
+    <p:extLst>
+      <p:ext uri="{BB962C8B-B14F-4D97-AF65-F5344CB8AC3E}">
+        <p14:creationId xmlns:p14="http://schemas.microsoft.com/office/powerpoint/2010/main" val="4015960928"/>
+      </p:ext>
+    </p:extLst>
+  </p:cSld>
+  <p:clrMapOvr>
+    <a:masterClrMapping/>
+  </p:clrMapOvr>
+</p:sld>
+</file>
+
+<file path=ppt/slides/slide26.xml><?xml version="1.0" encoding="utf-8"?>
+<p:sld xmlns:a="http://schemas.openxmlformats.org/drawingml/2006/main" xmlns:r="http://schemas.openxmlformats.org/officeDocument/2006/relationships" xmlns:p="http://schemas.openxmlformats.org/presentationml/2006/main">
+  <p:cSld>
+    <p:spTree>
+      <p:nvGrpSpPr>
+        <p:cNvPr id="1" name=""/>
+        <p:cNvGrpSpPr/>
+        <p:nvPr/>
+      </p:nvGrpSpPr>
+      <p:grpSpPr>
+        <a:xfrm>
+          <a:off x="0" y="0"/>
+          <a:ext cx="0" cy="0"/>
+          <a:chOff x="0" y="0"/>
+          <a:chExt cx="0" cy="0"/>
+        </a:xfrm>
+      </p:grpSpPr>
+      <p:sp>
+        <p:nvSpPr>
+          <p:cNvPr id="2" name="Title 1">
+            <a:extLst>
+              <a:ext uri="{FF2B5EF4-FFF2-40B4-BE49-F238E27FC236}">
                 <a16:creationId xmlns:a16="http://schemas.microsoft.com/office/drawing/2014/main" id="{23AF8C28-1AB1-4618-A463-1928662EE252}"/>
               </a:ext>
             </a:extLst>
@@ -14921,8 +15831,8 @@
           </a:p>
         </p:txBody>
       </p:sp>
-      <mc:AlternateContent xmlns:mc="http://schemas.openxmlformats.org/markup-compatibility/2006" xmlns:a14="http://schemas.microsoft.com/office/drawing/2010/main">
-        <mc:Choice Requires="a14">
+      <mc:AlternateContent xmlns:mc="http://schemas.openxmlformats.org/markup-compatibility/2006">
+        <mc:Choice xmlns:a14="http://schemas.microsoft.com/office/drawing/2010/main" Requires="a14">
           <p:sp>
             <p:nvSpPr>
               <p:cNvPr id="3" name="Content Placeholder 2">
@@ -15110,10 +16020,13 @@
                           <m:t> </m:t>
                         </m:r>
                         <m:r>
-                          <a:rPr lang="en-US" b="0" i="1" smtClean="0">
+                          <m:rPr>
+                            <m:nor/>
+                          </m:rPr>
+                          <a:rPr lang="en-US" b="0" i="0" smtClean="0">
                             <a:latin typeface="Cambria Math" panose="02040503050406030204" pitchFamily="18" charset="0"/>
                           </a:rPr>
-                          <m:t>𝑙𝑒𝑎𝑓𝑁𝑜𝑑𝑒𝑀𝑎𝑡𝑐h𝑖𝑛𝑔</m:t>
+                          <m:t>leafNodeMatching</m:t>
                         </m:r>
                         <m:r>
                           <a:rPr lang="en-US" b="0" i="1" smtClean="0">
@@ -15155,7 +16068,7 @@
             </p:txBody>
           </p:sp>
         </mc:Choice>
-        <mc:Fallback xmlns="">
+        <mc:Fallback>
           <p:sp>
             <p:nvSpPr>
               <p:cNvPr id="3" name="Content Placeholder 2">
@@ -15272,363 +16185,6 @@
 </p:sld>
 </file>
 
-<file path=ppt/slides/slide26.xml><?xml version="1.0" encoding="utf-8"?>
-<p:sld xmlns:a="http://schemas.openxmlformats.org/drawingml/2006/main" xmlns:r="http://schemas.openxmlformats.org/officeDocument/2006/relationships" xmlns:p="http://schemas.openxmlformats.org/presentationml/2006/main">
-  <p:cSld>
-    <p:spTree>
-      <p:nvGrpSpPr>
-        <p:cNvPr id="1" name=""/>
-        <p:cNvGrpSpPr/>
-        <p:nvPr/>
-      </p:nvGrpSpPr>
-      <p:grpSpPr>
-        <a:xfrm>
-          <a:off x="0" y="0"/>
-          <a:ext cx="0" cy="0"/>
-          <a:chOff x="0" y="0"/>
-          <a:chExt cx="0" cy="0"/>
-        </a:xfrm>
-      </p:grpSpPr>
-      <p:sp>
-        <p:nvSpPr>
-          <p:cNvPr id="2" name="Title 1">
-            <a:extLst>
-              <a:ext uri="{FF2B5EF4-FFF2-40B4-BE49-F238E27FC236}">
-                <a16:creationId xmlns:a16="http://schemas.microsoft.com/office/drawing/2014/main" id="{3E85DB16-C25A-4737-BB16-65EDC4533D07}"/>
-              </a:ext>
-            </a:extLst>
-          </p:cNvPr>
-          <p:cNvSpPr>
-            <a:spLocks noGrp="1"/>
-          </p:cNvSpPr>
-          <p:nvPr>
-            <p:ph type="title"/>
-          </p:nvPr>
-        </p:nvSpPr>
-        <p:spPr/>
-        <p:txBody>
-          <a:bodyPr/>
-          <a:lstStyle/>
-          <a:p>
-            <a:r>
-              <a:rPr lang="en-US" dirty="0"/>
-              <a:t>Naïve Bayes Classifier</a:t>
-            </a:r>
-          </a:p>
-        </p:txBody>
-      </p:sp>
-      <mc:AlternateContent xmlns:mc="http://schemas.openxmlformats.org/markup-compatibility/2006" xmlns:a14="http://schemas.microsoft.com/office/drawing/2010/main">
-        <mc:Choice Requires="a14">
-          <p:sp>
-            <p:nvSpPr>
-              <p:cNvPr id="3" name="Content Placeholder 2">
-                <a:extLst>
-                  <a:ext uri="{FF2B5EF4-FFF2-40B4-BE49-F238E27FC236}">
-                    <a16:creationId xmlns:a16="http://schemas.microsoft.com/office/drawing/2014/main" id="{AD903694-DDC9-4A03-939A-9D0FBDA0A355}"/>
-                  </a:ext>
-                </a:extLst>
-              </p:cNvPr>
-              <p:cNvSpPr>
-                <a:spLocks noGrp="1"/>
-              </p:cNvSpPr>
-              <p:nvPr>
-                <p:ph idx="1"/>
-              </p:nvPr>
-            </p:nvSpPr>
-            <p:spPr/>
-            <p:txBody>
-              <a:bodyPr>
-                <a:normAutofit/>
-              </a:bodyPr>
-              <a:lstStyle/>
-              <a:p>
-                <a:r>
-                  <a:rPr lang="en-US" dirty="0"/>
-                  <a:t>Approximates a Bayes classifier with the naïve assumption that all </a:t>
-                </a:r>
-                <a14:m>
-                  <m:oMath xmlns:m="http://schemas.openxmlformats.org/officeDocument/2006/math">
-                    <m:r>
-                      <a:rPr lang="en-US" b="0" i="1" smtClean="0">
-                        <a:latin typeface="Cambria Math" panose="02040503050406030204" pitchFamily="18" charset="0"/>
-                      </a:rPr>
-                      <m:t>𝑛</m:t>
-                    </m:r>
-                  </m:oMath>
-                </a14:m>
-                <a:r>
-                  <a:rPr lang="en-US" dirty="0"/>
-                  <a:t> features are conditional independent given the class.</a:t>
-                </a:r>
-                <a:br>
-                  <a:rPr lang="en-US" dirty="0"/>
-                </a:br>
-                <a:br>
-                  <a:rPr lang="en-US" dirty="0"/>
-                </a:br>
-                <a14:m>
-                  <m:oMath xmlns:m="http://schemas.openxmlformats.org/officeDocument/2006/math">
-                    <m:r>
-                      <a:rPr lang="en-US" b="0" i="1" smtClean="0">
-                        <a:latin typeface="Cambria Math" panose="02040503050406030204" pitchFamily="18" charset="0"/>
-                      </a:rPr>
-                      <m:t>h</m:t>
-                    </m:r>
-                    <m:r>
-                      <a:rPr lang="en-US" b="0" i="1" smtClean="0">
-                        <a:latin typeface="Cambria Math" panose="02040503050406030204" pitchFamily="18" charset="0"/>
-                      </a:rPr>
-                      <m:t>(</m:t>
-                    </m:r>
-                    <m:r>
-                      <a:rPr lang="en-US" b="0" i="1" smtClean="0">
-                        <a:latin typeface="Cambria Math" panose="02040503050406030204" pitchFamily="18" charset="0"/>
-                      </a:rPr>
-                      <m:t>𝑥</m:t>
-                    </m:r>
-                    <m:r>
-                      <a:rPr lang="en-US" b="0" i="1" smtClean="0">
-                        <a:latin typeface="Cambria Math" panose="02040503050406030204" pitchFamily="18" charset="0"/>
-                      </a:rPr>
-                      <m:t>)=</m:t>
-                    </m:r>
-                    <m:func>
-                      <m:funcPr>
-                        <m:ctrlPr>
-                          <a:rPr lang="en-US" i="1" smtClean="0">
-                            <a:latin typeface="Cambria Math" panose="02040503050406030204" pitchFamily="18" charset="0"/>
-                          </a:rPr>
-                        </m:ctrlPr>
-                      </m:funcPr>
-                      <m:fName>
-                        <m:limLow>
-                          <m:limLowPr>
-                            <m:ctrlPr>
-                              <a:rPr lang="en-US" i="1">
-                                <a:latin typeface="Cambria Math" panose="02040503050406030204" pitchFamily="18" charset="0"/>
-                              </a:rPr>
-                            </m:ctrlPr>
-                          </m:limLowPr>
-                          <m:e>
-                            <m:r>
-                              <m:rPr>
-                                <m:sty m:val="p"/>
-                              </m:rPr>
-                              <a:rPr lang="en-US">
-                                <a:latin typeface="Cambria Math" panose="02040503050406030204" pitchFamily="18" charset="0"/>
-                              </a:rPr>
-                              <m:t>argmax</m:t>
-                            </m:r>
-                          </m:e>
-                          <m:lim>
-                            <m:r>
-                              <a:rPr lang="en-US" i="1">
-                                <a:latin typeface="Cambria Math" panose="02040503050406030204" pitchFamily="18" charset="0"/>
-                              </a:rPr>
-                              <m:t>𝑦</m:t>
-                            </m:r>
-                          </m:lim>
-                        </m:limLow>
-                      </m:fName>
-                      <m:e>
-                        <m:r>
-                          <a:rPr lang="en-US" i="1">
-                            <a:latin typeface="Cambria Math" panose="02040503050406030204" pitchFamily="18" charset="0"/>
-                          </a:rPr>
-                          <m:t>𝑃</m:t>
-                        </m:r>
-                        <m:d>
-                          <m:dPr>
-                            <m:ctrlPr>
-                              <a:rPr lang="en-US" i="1">
-                                <a:latin typeface="Cambria Math" panose="02040503050406030204" pitchFamily="18" charset="0"/>
-                              </a:rPr>
-                            </m:ctrlPr>
-                          </m:dPr>
-                          <m:e>
-                            <m:r>
-                              <a:rPr lang="en-US" i="1">
-                                <a:latin typeface="Cambria Math" panose="02040503050406030204" pitchFamily="18" charset="0"/>
-                              </a:rPr>
-                              <m:t>𝑦</m:t>
-                            </m:r>
-                          </m:e>
-                        </m:d>
-                        <m:r>
-                          <a:rPr lang="en-US" b="0" i="1" smtClean="0">
-                            <a:latin typeface="Cambria Math" panose="02040503050406030204" pitchFamily="18" charset="0"/>
-                          </a:rPr>
-                          <m:t> </m:t>
-                        </m:r>
-                        <m:nary>
-                          <m:naryPr>
-                            <m:chr m:val="∏"/>
-                            <m:ctrlPr>
-                              <a:rPr lang="en-US" b="0" i="1" smtClean="0">
-                                <a:latin typeface="Cambria Math" panose="02040503050406030204" pitchFamily="18" charset="0"/>
-                              </a:rPr>
-                            </m:ctrlPr>
-                          </m:naryPr>
-                          <m:sub>
-                            <m:r>
-                              <m:rPr>
-                                <m:brk m:alnAt="23"/>
-                              </m:rPr>
-                              <a:rPr lang="en-US" b="0" i="1" smtClean="0">
-                                <a:latin typeface="Cambria Math" panose="02040503050406030204" pitchFamily="18" charset="0"/>
-                              </a:rPr>
-                              <m:t>𝑖</m:t>
-                            </m:r>
-                            <m:r>
-                              <a:rPr lang="en-US" b="0" i="1" smtClean="0">
-                                <a:latin typeface="Cambria Math" panose="02040503050406030204" pitchFamily="18" charset="0"/>
-                              </a:rPr>
-                              <m:t>=1</m:t>
-                            </m:r>
-                          </m:sub>
-                          <m:sup>
-                            <m:r>
-                              <a:rPr lang="en-US" b="0" i="1" smtClean="0">
-                                <a:latin typeface="Cambria Math" panose="02040503050406030204" pitchFamily="18" charset="0"/>
-                              </a:rPr>
-                              <m:t>𝑛</m:t>
-                            </m:r>
-                          </m:sup>
-                          <m:e>
-                            <m:r>
-                              <a:rPr lang="en-US" b="0" i="1" smtClean="0">
-                                <a:latin typeface="Cambria Math" panose="02040503050406030204" pitchFamily="18" charset="0"/>
-                              </a:rPr>
-                              <m:t>𝑃</m:t>
-                            </m:r>
-                            <m:r>
-                              <a:rPr lang="en-US" b="0" i="1" smtClean="0">
-                                <a:latin typeface="Cambria Math" panose="02040503050406030204" pitchFamily="18" charset="0"/>
-                              </a:rPr>
-                              <m:t>(</m:t>
-                            </m:r>
-                            <m:sSub>
-                              <m:sSubPr>
-                                <m:ctrlPr>
-                                  <a:rPr lang="en-US" b="0" i="1" smtClean="0">
-                                    <a:latin typeface="Cambria Math" panose="02040503050406030204" pitchFamily="18" charset="0"/>
-                                  </a:rPr>
-                                </m:ctrlPr>
-                              </m:sSubPr>
-                              <m:e>
-                                <m:r>
-                                  <a:rPr lang="en-US" b="0" i="1" smtClean="0">
-                                    <a:latin typeface="Cambria Math" panose="02040503050406030204" pitchFamily="18" charset="0"/>
-                                  </a:rPr>
-                                  <m:t>𝑥</m:t>
-                                </m:r>
-                              </m:e>
-                              <m:sub>
-                                <m:r>
-                                  <a:rPr lang="en-US" b="0" i="1" smtClean="0">
-                                    <a:latin typeface="Cambria Math" panose="02040503050406030204" pitchFamily="18" charset="0"/>
-                                  </a:rPr>
-                                  <m:t>𝑖</m:t>
-                                </m:r>
-                              </m:sub>
-                            </m:sSub>
-                            <m:r>
-                              <a:rPr lang="en-US" b="0" i="1" smtClean="0">
-                                <a:latin typeface="Cambria Math" panose="02040503050406030204" pitchFamily="18" charset="0"/>
-                              </a:rPr>
-                              <m:t>|</m:t>
-                            </m:r>
-                            <m:r>
-                              <a:rPr lang="en-US" b="0" i="1" smtClean="0">
-                                <a:latin typeface="Cambria Math" panose="02040503050406030204" pitchFamily="18" charset="0"/>
-                              </a:rPr>
-                              <m:t>𝑦</m:t>
-                            </m:r>
-                            <m:r>
-                              <a:rPr lang="en-US" b="0" i="1" smtClean="0">
-                                <a:latin typeface="Cambria Math" panose="02040503050406030204" pitchFamily="18" charset="0"/>
-                              </a:rPr>
-                              <m:t>)</m:t>
-                            </m:r>
-                          </m:e>
-                        </m:nary>
-                      </m:e>
-                    </m:func>
-                  </m:oMath>
-                </a14:m>
-                <a:endParaRPr lang="en-US" dirty="0"/>
-              </a:p>
-              <a:p>
-                <a:pPr marL="0" indent="0">
-                  <a:buNone/>
-                </a:pPr>
-                <a:endParaRPr lang="en-US" dirty="0"/>
-              </a:p>
-              <a:p>
-                <a:endParaRPr lang="en-US" dirty="0"/>
-              </a:p>
-              <a:p>
-                <a:r>
-                  <a:rPr lang="en-US" dirty="0"/>
-                  <a:t>We have only used discrete features so far, but it can be extended to continuous features.</a:t>
-                </a:r>
-              </a:p>
-            </p:txBody>
-          </p:sp>
-        </mc:Choice>
-        <mc:Fallback xmlns="">
-          <p:sp>
-            <p:nvSpPr>
-              <p:cNvPr id="3" name="Content Placeholder 2">
-                <a:extLst>
-                  <a:ext uri="{FF2B5EF4-FFF2-40B4-BE49-F238E27FC236}">
-                    <a16:creationId xmlns:a16="http://schemas.microsoft.com/office/drawing/2014/main" id="{AD903694-DDC9-4A03-939A-9D0FBDA0A355}"/>
-                  </a:ext>
-                </a:extLst>
-              </p:cNvPr>
-              <p:cNvSpPr>
-                <a:spLocks noGrp="1" noRot="1" noChangeAspect="1" noMove="1" noResize="1" noEditPoints="1" noAdjustHandles="1" noChangeArrowheads="1" noChangeShapeType="1" noTextEdit="1"/>
-              </p:cNvSpPr>
-              <p:nvPr>
-                <p:ph idx="1"/>
-              </p:nvPr>
-            </p:nvSpPr>
-            <p:spPr>
-              <a:blipFill>
-                <a:blip r:embed="rId2"/>
-                <a:stretch>
-                  <a:fillRect l="-1043" t="-2241" b="-700"/>
-                </a:stretch>
-              </a:blipFill>
-            </p:spPr>
-            <p:txBody>
-              <a:bodyPr/>
-              <a:lstStyle/>
-              <a:p>
-                <a:r>
-                  <a:rPr lang="en-US">
-                    <a:noFill/>
-                  </a:rPr>
-                  <a:t> </a:t>
-                </a:r>
-              </a:p>
-            </p:txBody>
-          </p:sp>
-        </mc:Fallback>
-      </mc:AlternateContent>
-    </p:spTree>
-    <p:extLst>
-      <p:ext uri="{BB962C8B-B14F-4D97-AF65-F5344CB8AC3E}">
-        <p14:creationId xmlns:p14="http://schemas.microsoft.com/office/powerpoint/2010/main" val="4015960928"/>
-      </p:ext>
-    </p:extLst>
-  </p:cSld>
-  <p:clrMapOvr>
-    <a:masterClrMapping/>
-  </p:clrMapOvr>
-</p:sld>
-</file>
-
 <file path=ppt/slides/slide27.xml><?xml version="1.0" encoding="utf-8"?>
 <p:sld xmlns:a="http://schemas.openxmlformats.org/drawingml/2006/main" xmlns:r="http://schemas.openxmlformats.org/officeDocument/2006/relationships" xmlns:p="http://schemas.openxmlformats.org/presentationml/2006/main">
   <p:cSld>
@@ -15674,8 +16230,8 @@
           </a:p>
         </p:txBody>
       </p:sp>
-      <mc:AlternateContent xmlns:mc="http://schemas.openxmlformats.org/markup-compatibility/2006" xmlns:a14="http://schemas.microsoft.com/office/drawing/2010/main">
-        <mc:Choice Requires="a14">
+      <mc:AlternateContent xmlns:mc="http://schemas.openxmlformats.org/markup-compatibility/2006">
+        <mc:Choice xmlns:a14="http://schemas.microsoft.com/office/drawing/2010/main" Requires="a14">
           <p:sp>
             <p:nvSpPr>
               <p:cNvPr id="3" name="Content Placeholder 2">
@@ -15700,13 +16256,13 @@
             </p:spPr>
             <p:txBody>
               <a:bodyPr>
-                <a:normAutofit fontScale="70000" lnSpcReduction="20000"/>
+                <a:normAutofit fontScale="77500" lnSpcReduction="20000"/>
               </a:bodyPr>
               <a:lstStyle/>
               <a:p>
                 <a:r>
                   <a:rPr lang="en-US" dirty="0"/>
-                  <a:t>Class is predicted by looking at the majority in the set of the k nearest neighbors.</a:t>
+                  <a:t>Class is predicted by looking at the majority in the set of the k nearest neighbors. k is a hyperparameter. Larger k smooth the decision boundary.</a:t>
                 </a:r>
               </a:p>
               <a:p>
@@ -15834,10 +16390,13 @@
                           <m:t> </m:t>
                         </m:r>
                         <m:r>
-                          <a:rPr lang="en-US" b="0" i="1" smtClean="0">
+                          <m:rPr>
+                            <m:nor/>
+                          </m:rPr>
+                          <a:rPr lang="en-US" b="0" i="0" smtClean="0">
                             <a:latin typeface="Cambria Math" panose="02040503050406030204" pitchFamily="18" charset="0"/>
                           </a:rPr>
-                          <m:t>𝑛𝑒𝑖𝑔h𝑏𝑜𝑟h𝑜𝑜𝑑</m:t>
+                          <m:t>neighborhood</m:t>
                         </m:r>
                         <m:r>
                           <a:rPr lang="en-US" i="1">
@@ -15870,16 +16429,10 @@
                 </a14:m>
                 <a:endParaRPr lang="en-US" dirty="0"/>
               </a:p>
-              <a:p>
-                <a:r>
-                  <a:rPr lang="en-US" dirty="0"/>
-                  <a:t>k is a hyperparameter. Larger k smooth the decision boundary.</a:t>
-                </a:r>
-              </a:p>
             </p:txBody>
           </p:sp>
         </mc:Choice>
-        <mc:Fallback xmlns="">
+        <mc:Fallback>
           <p:sp>
             <p:nvSpPr>
               <p:cNvPr id="3" name="Content Placeholder 2">
@@ -15904,7 +16457,7 @@
               <a:blipFill>
                 <a:blip r:embed="rId2"/>
                 <a:stretch>
-                  <a:fillRect l="-522" t="-7229" b="-4016"/>
+                  <a:fillRect l="-696" t="-8434"/>
                 </a:stretch>
               </a:blipFill>
             </p:spPr>
@@ -16328,8 +16881,8 @@
           </a:p>
         </p:txBody>
       </p:sp>
-      <mc:AlternateContent xmlns:mc="http://schemas.openxmlformats.org/markup-compatibility/2006" xmlns:a14="http://schemas.microsoft.com/office/drawing/2010/main">
-        <mc:Choice Requires="a14">
+      <mc:AlternateContent xmlns:mc="http://schemas.openxmlformats.org/markup-compatibility/2006">
+        <mc:Choice xmlns:a14="http://schemas.microsoft.com/office/drawing/2010/main" Requires="a14">
           <p:sp>
             <p:nvSpPr>
               <p:cNvPr id="3" name="Content Placeholder 2">
@@ -16529,13 +17082,13 @@
                 </a:r>
                 <a:r>
                   <a:rPr lang="en-US" dirty="0"/>
-                  <a:t>adds more layers (e.g., convolution layers) </a:t>
+                  <a:t>adds more layer types (e.g., convolution layers) </a:t>
                 </a:r>
               </a:p>
             </p:txBody>
           </p:sp>
         </mc:Choice>
-        <mc:Fallback xmlns="">
+        <mc:Fallback>
           <p:sp>
             <p:nvSpPr>
               <p:cNvPr id="3" name="Content Placeholder 2">
@@ -17379,7 +17932,7 @@
         <p:spPr/>
         <p:txBody>
           <a:bodyPr>
-            <a:normAutofit lnSpcReduction="10000"/>
+            <a:normAutofit/>
           </a:bodyPr>
           <a:lstStyle/>
           <a:p>
@@ -17452,21 +18005,6 @@
             <a:r>
               <a:rPr lang="en-US" dirty="0"/>
               <a:t>enforce simplicity by using a penalty for complexity.</a:t>
-            </a:r>
-          </a:p>
-          <a:p>
-            <a:pPr lvl="1"/>
-            <a:r>
-              <a:rPr lang="en-US" b="1" dirty="0">
-                <a:solidFill>
-                  <a:srgbClr val="FF0000"/>
-                </a:solidFill>
-              </a:rPr>
-              <a:t>Stochastic Gradient Descent (SGD): </a:t>
-            </a:r>
-            <a:r>
-              <a:rPr lang="en-US" dirty="0"/>
-              <a:t>to find model parameters that minimizes the loss.</a:t>
             </a:r>
           </a:p>
           <a:p>
@@ -19899,7 +20437,7 @@
           <a:effectLst/>
           <a:extLst>
             <a:ext uri="{AF507438-7753-43e0-B8FC-AC1667EBCBE1}">
-              <a14:hiddenEffects xmlns:a14="http://schemas.microsoft.com/office/drawing/2010/main" xmlns="">
+              <a14:hiddenEffects xmlns="" xmlns:a14="http://schemas.microsoft.com/office/drawing/2010/main">
                 <a:effectLst>
                   <a:outerShdw dist="35921" dir="2700000" algn="ctr" rotWithShape="0">
                     <a:schemeClr val="bg2"/>
@@ -19967,14 +20505,14 @@
           <a:effectLst/>
           <a:extLst>
             <a:ext uri="{909E8E84-426E-40dd-AFC4-6F175D3DCCD1}">
-              <a14:hiddenFill xmlns:a14="http://schemas.microsoft.com/office/drawing/2010/main" xmlns="">
+              <a14:hiddenFill xmlns="" xmlns:a14="http://schemas.microsoft.com/office/drawing/2010/main">
                 <a:solidFill>
                   <a:schemeClr val="accent1"/>
                 </a:solidFill>
               </a14:hiddenFill>
             </a:ext>
             <a:ext uri="{91240B29-F687-4f45-9708-019B960494DF}">
-              <a14:hiddenLine xmlns:a14="http://schemas.microsoft.com/office/drawing/2010/main" xmlns="" w="9525">
+              <a14:hiddenLine xmlns="" xmlns:a14="http://schemas.microsoft.com/office/drawing/2010/main" w="9525">
                 <a:solidFill>
                   <a:schemeClr val="tx1"/>
                 </a:solidFill>
@@ -19984,7 +20522,7 @@
               </a14:hiddenLine>
             </a:ext>
             <a:ext uri="{AF507438-7753-43e0-B8FC-AC1667EBCBE1}">
-              <a14:hiddenEffects xmlns:a14="http://schemas.microsoft.com/office/drawing/2010/main" xmlns="">
+              <a14:hiddenEffects xmlns="" xmlns:a14="http://schemas.microsoft.com/office/drawing/2010/main">
                 <a:effectLst>
                   <a:outerShdw dist="35921" dir="2700000" algn="ctr" rotWithShape="0">
                     <a:schemeClr val="bg2"/>
@@ -20025,7 +20563,7 @@
           <a:effectLst/>
           <a:extLst>
             <a:ext uri="{AF507438-7753-43e0-B8FC-AC1667EBCBE1}">
-              <a14:hiddenEffects xmlns:a14="http://schemas.microsoft.com/office/drawing/2010/main" xmlns="">
+              <a14:hiddenEffects xmlns="" xmlns:a14="http://schemas.microsoft.com/office/drawing/2010/main">
                 <a:effectLst>
                   <a:outerShdw dist="35921" dir="2700000" algn="ctr" rotWithShape="0">
                     <a:schemeClr val="bg2"/>
@@ -20073,7 +20611,7 @@
           <a:effectLst/>
           <a:extLst>
             <a:ext uri="{AF507438-7753-43e0-B8FC-AC1667EBCBE1}">
-              <a14:hiddenEffects xmlns:a14="http://schemas.microsoft.com/office/drawing/2010/main" xmlns="">
+              <a14:hiddenEffects xmlns="" xmlns:a14="http://schemas.microsoft.com/office/drawing/2010/main">
                 <a:effectLst>
                   <a:outerShdw dist="35921" dir="2700000" algn="ctr" rotWithShape="0">
                     <a:schemeClr val="bg2"/>
@@ -20120,12 +20658,12 @@
           <a:effectLst/>
           <a:extLst>
             <a:ext uri="{909E8E84-426E-40dd-AFC4-6F175D3DCCD1}">
-              <a14:hiddenFill xmlns:a14="http://schemas.microsoft.com/office/drawing/2010/main" xmlns="">
+              <a14:hiddenFill xmlns="" xmlns:a14="http://schemas.microsoft.com/office/drawing/2010/main">
                 <a:noFill/>
               </a14:hiddenFill>
             </a:ext>
             <a:ext uri="{AF507438-7753-43e0-B8FC-AC1667EBCBE1}">
-              <a14:hiddenEffects xmlns:a14="http://schemas.microsoft.com/office/drawing/2010/main" xmlns="">
+              <a14:hiddenEffects xmlns="" xmlns:a14="http://schemas.microsoft.com/office/drawing/2010/main">
                 <a:effectLst>
                   <a:outerShdw dist="35921" dir="2700000" algn="ctr" rotWithShape="0">
                     <a:schemeClr val="bg2"/>
@@ -20193,14 +20731,14 @@
           <a:effectLst/>
           <a:extLst>
             <a:ext uri="{909E8E84-426E-40dd-AFC4-6F175D3DCCD1}">
-              <a14:hiddenFill xmlns:a14="http://schemas.microsoft.com/office/drawing/2010/main" xmlns="">
+              <a14:hiddenFill xmlns="" xmlns:a14="http://schemas.microsoft.com/office/drawing/2010/main">
                 <a:solidFill>
                   <a:schemeClr val="accent1"/>
                 </a:solidFill>
               </a14:hiddenFill>
             </a:ext>
             <a:ext uri="{91240B29-F687-4f45-9708-019B960494DF}">
-              <a14:hiddenLine xmlns:a14="http://schemas.microsoft.com/office/drawing/2010/main" xmlns="" w="9525">
+              <a14:hiddenLine xmlns="" xmlns:a14="http://schemas.microsoft.com/office/drawing/2010/main" w="9525">
                 <a:solidFill>
                   <a:schemeClr val="tx1"/>
                 </a:solidFill>
@@ -20210,7 +20748,7 @@
               </a14:hiddenLine>
             </a:ext>
             <a:ext uri="{AF507438-7753-43e0-B8FC-AC1667EBCBE1}">
-              <a14:hiddenEffects xmlns:a14="http://schemas.microsoft.com/office/drawing/2010/main" xmlns="">
+              <a14:hiddenEffects xmlns="" xmlns:a14="http://schemas.microsoft.com/office/drawing/2010/main">
                 <a:effectLst>
                   <a:outerShdw dist="35921" dir="2700000" algn="ctr" rotWithShape="0">
                     <a:schemeClr val="bg2"/>
@@ -20389,14 +20927,14 @@
           <a:effectLst/>
           <a:extLst>
             <a:ext uri="{909E8E84-426E-40dd-AFC4-6F175D3DCCD1}">
-              <a14:hiddenFill xmlns:a14="http://schemas.microsoft.com/office/drawing/2010/main" xmlns="">
+              <a14:hiddenFill xmlns="" xmlns:a14="http://schemas.microsoft.com/office/drawing/2010/main">
                 <a:solidFill>
                   <a:schemeClr val="accent1"/>
                 </a:solidFill>
               </a14:hiddenFill>
             </a:ext>
             <a:ext uri="{91240B29-F687-4f45-9708-019B960494DF}">
-              <a14:hiddenLine xmlns:a14="http://schemas.microsoft.com/office/drawing/2010/main" xmlns="" w="9525">
+              <a14:hiddenLine xmlns="" xmlns:a14="http://schemas.microsoft.com/office/drawing/2010/main" w="9525">
                 <a:solidFill>
                   <a:schemeClr val="tx1"/>
                 </a:solidFill>
@@ -20406,7 +20944,7 @@
               </a14:hiddenLine>
             </a:ext>
             <a:ext uri="{AF507438-7753-43e0-B8FC-AC1667EBCBE1}">
-              <a14:hiddenEffects xmlns:a14="http://schemas.microsoft.com/office/drawing/2010/main" xmlns="">
+              <a14:hiddenEffects xmlns="" xmlns:a14="http://schemas.microsoft.com/office/drawing/2010/main">
                 <a:effectLst>
                   <a:outerShdw dist="35921" dir="2700000" algn="ctr" rotWithShape="0">
                     <a:schemeClr val="bg2"/>
@@ -20444,8 +20982,8 @@
           </a:p>
         </p:txBody>
       </p:sp>
-      <mc:AlternateContent xmlns:mc="http://schemas.openxmlformats.org/markup-compatibility/2006">
-        <mc:Choice xmlns:a14="http://schemas.microsoft.com/office/drawing/2010/main" Requires="a14">
+      <mc:AlternateContent xmlns:mc="http://schemas.openxmlformats.org/markup-compatibility/2006" xmlns:a14="http://schemas.microsoft.com/office/drawing/2010/main">
+        <mc:Choice Requires="a14">
           <p:sp>
             <p:nvSpPr>
               <p:cNvPr id="1105923" name="Rectangle 3"/>
@@ -20698,7 +21236,7 @@
             </p:txBody>
           </p:sp>
         </mc:Choice>
-        <mc:Fallback>
+        <mc:Fallback xmlns="">
           <p:sp>
             <p:nvSpPr>
               <p:cNvPr id="1105923" name="Rectangle 3"/>
@@ -20772,14 +21310,14 @@
           <a:effectLst/>
           <a:extLst>
             <a:ext uri="{909E8E84-426E-40dd-AFC4-6F175D3DCCD1}">
-              <a14:hiddenFill xmlns:a14="http://schemas.microsoft.com/office/drawing/2010/main" xmlns="">
+              <a14:hiddenFill xmlns="" xmlns:a14="http://schemas.microsoft.com/office/drawing/2010/main">
                 <a:solidFill>
                   <a:schemeClr val="accent1"/>
                 </a:solidFill>
               </a14:hiddenFill>
             </a:ext>
             <a:ext uri="{91240B29-F687-4f45-9708-019B960494DF}">
-              <a14:hiddenLine xmlns:a14="http://schemas.microsoft.com/office/drawing/2010/main" xmlns="" w="9525">
+              <a14:hiddenLine xmlns="" xmlns:a14="http://schemas.microsoft.com/office/drawing/2010/main" w="9525">
                 <a:solidFill>
                   <a:schemeClr val="tx1"/>
                 </a:solidFill>
@@ -20789,7 +21327,7 @@
               </a14:hiddenLine>
             </a:ext>
             <a:ext uri="{AF507438-7753-43e0-B8FC-AC1667EBCBE1}">
-              <a14:hiddenEffects xmlns:a14="http://schemas.microsoft.com/office/drawing/2010/main" xmlns="">
+              <a14:hiddenEffects xmlns="" xmlns:a14="http://schemas.microsoft.com/office/drawing/2010/main">
                 <a:effectLst>
                   <a:outerShdw dist="35921" dir="2700000" algn="ctr" rotWithShape="0">
                     <a:schemeClr val="bg2"/>
@@ -21348,8 +21886,8 @@
           </a:p>
         </p:txBody>
       </p:sp>
-      <mc:AlternateContent xmlns:mc="http://schemas.openxmlformats.org/markup-compatibility/2006">
-        <mc:Choice xmlns:a14="http://schemas.microsoft.com/office/drawing/2010/main" Requires="a14">
+      <mc:AlternateContent xmlns:mc="http://schemas.openxmlformats.org/markup-compatibility/2006" xmlns:a14="http://schemas.microsoft.com/office/drawing/2010/main">
+        <mc:Choice Requires="a14">
           <p:sp>
             <p:nvSpPr>
               <p:cNvPr id="1105923" name="Rectangle 3"/>
@@ -21602,7 +22140,7 @@
             </p:txBody>
           </p:sp>
         </mc:Choice>
-        <mc:Fallback>
+        <mc:Fallback xmlns="">
           <p:sp>
             <p:nvSpPr>
               <p:cNvPr id="1105923" name="Rectangle 3"/>
@@ -21676,14 +22214,14 @@
           <a:effectLst/>
           <a:extLst>
             <a:ext uri="{909E8E84-426E-40dd-AFC4-6F175D3DCCD1}">
-              <a14:hiddenFill xmlns:a14="http://schemas.microsoft.com/office/drawing/2010/main" xmlns="">
+              <a14:hiddenFill xmlns="" xmlns:a14="http://schemas.microsoft.com/office/drawing/2010/main">
                 <a:solidFill>
                   <a:schemeClr val="accent1"/>
                 </a:solidFill>
               </a14:hiddenFill>
             </a:ext>
             <a:ext uri="{91240B29-F687-4f45-9708-019B960494DF}">
-              <a14:hiddenLine xmlns:a14="http://schemas.microsoft.com/office/drawing/2010/main" xmlns="" w="9525">
+              <a14:hiddenLine xmlns="" xmlns:a14="http://schemas.microsoft.com/office/drawing/2010/main" w="9525">
                 <a:solidFill>
                   <a:schemeClr val="tx1"/>
                 </a:solidFill>
@@ -21693,7 +22231,7 @@
               </a14:hiddenLine>
             </a:ext>
             <a:ext uri="{AF507438-7753-43e0-B8FC-AC1667EBCBE1}">
-              <a14:hiddenEffects xmlns:a14="http://schemas.microsoft.com/office/drawing/2010/main" xmlns="">
+              <a14:hiddenEffects xmlns="" xmlns:a14="http://schemas.microsoft.com/office/drawing/2010/main">
                 <a:effectLst>
                   <a:outerShdw dist="35921" dir="2700000" algn="ctr" rotWithShape="0">
                     <a:schemeClr val="bg2"/>
@@ -21740,14 +22278,14 @@
           <a:effectLst/>
           <a:extLst>
             <a:ext uri="{909E8E84-426E-40dd-AFC4-6F175D3DCCD1}">
-              <a14:hiddenFill xmlns:a14="http://schemas.microsoft.com/office/drawing/2010/main" xmlns="">
+              <a14:hiddenFill xmlns="" xmlns:a14="http://schemas.microsoft.com/office/drawing/2010/main">
                 <a:solidFill>
                   <a:schemeClr val="accent1"/>
                 </a:solidFill>
               </a14:hiddenFill>
             </a:ext>
             <a:ext uri="{91240B29-F687-4f45-9708-019B960494DF}">
-              <a14:hiddenLine xmlns:a14="http://schemas.microsoft.com/office/drawing/2010/main" xmlns="" w="9525">
+              <a14:hiddenLine xmlns="" xmlns:a14="http://schemas.microsoft.com/office/drawing/2010/main" w="9525">
                 <a:solidFill>
                   <a:schemeClr val="tx1"/>
                 </a:solidFill>
@@ -21757,7 +22295,7 @@
               </a14:hiddenLine>
             </a:ext>
             <a:ext uri="{AF507438-7753-43e0-B8FC-AC1667EBCBE1}">
-              <a14:hiddenEffects xmlns:a14="http://schemas.microsoft.com/office/drawing/2010/main" xmlns="">
+              <a14:hiddenEffects xmlns="" xmlns:a14="http://schemas.microsoft.com/office/drawing/2010/main">
                 <a:effectLst>
                   <a:outerShdw dist="35921" dir="2700000" algn="ctr" rotWithShape="0">
                     <a:schemeClr val="bg2"/>
@@ -22232,8 +22770,8 @@
           </a:p>
         </p:txBody>
       </p:sp>
-      <mc:AlternateContent xmlns:mc="http://schemas.openxmlformats.org/markup-compatibility/2006">
-        <mc:Choice xmlns:a14="http://schemas.microsoft.com/office/drawing/2010/main" Requires="a14">
+      <mc:AlternateContent xmlns:mc="http://schemas.openxmlformats.org/markup-compatibility/2006" xmlns:a14="http://schemas.microsoft.com/office/drawing/2010/main">
+        <mc:Choice Requires="a14">
           <p:sp>
             <p:nvSpPr>
               <p:cNvPr id="3" name="Content Placeholder 2">
@@ -23337,7 +23875,7 @@
             </p:txBody>
           </p:sp>
         </mc:Choice>
-        <mc:Fallback>
+        <mc:Fallback xmlns="">
           <p:sp>
             <p:nvSpPr>
               <p:cNvPr id="3" name="Content Placeholder 2">
@@ -23592,8 +24130,8 @@
           </a:p>
         </p:txBody>
       </p:sp>
-      <mc:AlternateContent xmlns:mc="http://schemas.openxmlformats.org/markup-compatibility/2006">
-        <mc:Choice xmlns:a14="http://schemas.microsoft.com/office/drawing/2010/main" Requires="a14">
+      <mc:AlternateContent xmlns:mc="http://schemas.openxmlformats.org/markup-compatibility/2006" xmlns:a14="http://schemas.microsoft.com/office/drawing/2010/main">
+        <mc:Choice Requires="a14">
           <p:sp>
             <p:nvSpPr>
               <p:cNvPr id="3" name="Content Placeholder 2">
@@ -24164,7 +24702,7 @@
             </p:txBody>
           </p:sp>
         </mc:Choice>
-        <mc:Fallback>
+        <mc:Fallback xmlns="">
           <p:sp>
             <p:nvSpPr>
               <p:cNvPr id="3" name="Content Placeholder 2">
@@ -24351,7 +24889,7 @@
           <a:effectLst/>
           <a:extLst>
             <a:ext uri="{AF507438-7753-43e0-B8FC-AC1667EBCBE1}">
-              <a14:hiddenEffects xmlns:a14="http://schemas.microsoft.com/office/drawing/2010/main" xmlns="">
+              <a14:hiddenEffects xmlns="" xmlns:a14="http://schemas.microsoft.com/office/drawing/2010/main">
                 <a:effectLst>
                   <a:outerShdw dist="35921" dir="2700000" algn="ctr" rotWithShape="0">
                     <a:schemeClr val="bg2"/>
@@ -24405,7 +24943,7 @@
           <a:effectLst/>
           <a:extLst>
             <a:ext uri="{AF507438-7753-43e0-B8FC-AC1667EBCBE1}">
-              <a14:hiddenEffects xmlns:a14="http://schemas.microsoft.com/office/drawing/2010/main" xmlns="">
+              <a14:hiddenEffects xmlns="" xmlns:a14="http://schemas.microsoft.com/office/drawing/2010/main">
                 <a:effectLst>
                   <a:outerShdw dist="35921" dir="2700000" algn="ctr" rotWithShape="0">
                     <a:schemeClr val="bg2"/>
@@ -24459,7 +24997,7 @@
           <a:effectLst/>
           <a:extLst>
             <a:ext uri="{AF507438-7753-43e0-B8FC-AC1667EBCBE1}">
-              <a14:hiddenEffects xmlns:a14="http://schemas.microsoft.com/office/drawing/2010/main" xmlns="">
+              <a14:hiddenEffects xmlns="" xmlns:a14="http://schemas.microsoft.com/office/drawing/2010/main">
                 <a:effectLst>
                   <a:outerShdw dist="35921" dir="2700000" algn="ctr" rotWithShape="0">
                     <a:schemeClr val="bg2"/>
@@ -24512,12 +25050,12 @@
           <a:effectLst/>
           <a:extLst>
             <a:ext uri="{909E8E84-426E-40dd-AFC4-6F175D3DCCD1}">
-              <a14:hiddenFill xmlns:a14="http://schemas.microsoft.com/office/drawing/2010/main" xmlns="">
+              <a14:hiddenFill xmlns="" xmlns:a14="http://schemas.microsoft.com/office/drawing/2010/main">
                 <a:noFill/>
               </a14:hiddenFill>
             </a:ext>
             <a:ext uri="{AF507438-7753-43e0-B8FC-AC1667EBCBE1}">
-              <a14:hiddenEffects xmlns:a14="http://schemas.microsoft.com/office/drawing/2010/main" xmlns="">
+              <a14:hiddenEffects xmlns="" xmlns:a14="http://schemas.microsoft.com/office/drawing/2010/main">
                 <a:effectLst>
                   <a:outerShdw dist="35921" dir="2700000" algn="ctr" rotWithShape="0">
                     <a:schemeClr val="bg2"/>
@@ -24591,14 +25129,14 @@
           <a:effectLst/>
           <a:extLst>
             <a:ext uri="{909E8E84-426E-40dd-AFC4-6F175D3DCCD1}">
-              <a14:hiddenFill xmlns:a14="http://schemas.microsoft.com/office/drawing/2010/main" xmlns="">
+              <a14:hiddenFill xmlns="" xmlns:a14="http://schemas.microsoft.com/office/drawing/2010/main">
                 <a:solidFill>
                   <a:schemeClr val="accent1"/>
                 </a:solidFill>
               </a14:hiddenFill>
             </a:ext>
             <a:ext uri="{91240B29-F687-4f45-9708-019B960494DF}">
-              <a14:hiddenLine xmlns:a14="http://schemas.microsoft.com/office/drawing/2010/main" xmlns="" w="9525">
+              <a14:hiddenLine xmlns="" xmlns:a14="http://schemas.microsoft.com/office/drawing/2010/main" w="9525">
                 <a:solidFill>
                   <a:schemeClr val="tx1"/>
                 </a:solidFill>
@@ -24608,7 +25146,7 @@
               </a14:hiddenLine>
             </a:ext>
             <a:ext uri="{AF507438-7753-43e0-B8FC-AC1667EBCBE1}">
-              <a14:hiddenEffects xmlns:a14="http://schemas.microsoft.com/office/drawing/2010/main" xmlns="">
+              <a14:hiddenEffects xmlns="" xmlns:a14="http://schemas.microsoft.com/office/drawing/2010/main">
                 <a:effectLst>
                   <a:outerShdw dist="35921" dir="2700000" algn="ctr" rotWithShape="0">
                     <a:schemeClr val="bg2"/>
@@ -24715,8 +25253,8 @@
           </p:sp>
         </mc:Fallback>
       </mc:AlternateContent>
-      <mc:AlternateContent xmlns:mc="http://schemas.openxmlformats.org/markup-compatibility/2006">
-        <mc:Choice xmlns:a14="http://schemas.microsoft.com/office/drawing/2010/main" Requires="a14">
+      <mc:AlternateContent xmlns:mc="http://schemas.openxmlformats.org/markup-compatibility/2006" xmlns:a14="http://schemas.microsoft.com/office/drawing/2010/main">
+        <mc:Choice Requires="a14">
           <p:sp>
             <p:nvSpPr>
               <p:cNvPr id="11" name="TextBox 10">
@@ -24785,7 +25323,7 @@
             </p:txBody>
           </p:sp>
         </mc:Choice>
-        <mc:Fallback>
+        <mc:Fallback xmlns="">
           <p:sp>
             <p:nvSpPr>
               <p:cNvPr id="11" name="TextBox 10">
@@ -24940,8 +25478,8 @@
           </a:p>
         </p:txBody>
       </p:sp>
-      <mc:AlternateContent xmlns:mc="http://schemas.openxmlformats.org/markup-compatibility/2006">
-        <mc:Choice xmlns:a14="http://schemas.microsoft.com/office/drawing/2010/main" Requires="a14">
+      <mc:AlternateContent xmlns:mc="http://schemas.openxmlformats.org/markup-compatibility/2006" xmlns:a14="http://schemas.microsoft.com/office/drawing/2010/main">
+        <mc:Choice Requires="a14">
           <p:sp>
             <p:nvSpPr>
               <p:cNvPr id="3" name="Content Placeholder 2">
@@ -25693,18 +26231,14 @@
                 </a:r>
                 <a:r>
                   <a:rPr lang="en-US" dirty="0"/>
-                  <a:t>That is why we often use the naïve Bayes classifier, which is not optimal since it assumes conditional independence </a:t>
-                </a:r>
-                <a:r>
-                  <a:rPr lang="en-US"/>
-                  <a:t>between features.</a:t>
+                  <a:t>That is why we often use the naïve Bayes classifier, which is not optimal since it assumes conditional independence between features.</a:t>
                 </a:r>
                 <a:endParaRPr lang="en-US" i="1" dirty="0"/>
               </a:p>
             </p:txBody>
           </p:sp>
         </mc:Choice>
-        <mc:Fallback>
+        <mc:Fallback xmlns="">
           <p:sp>
             <p:nvSpPr>
               <p:cNvPr id="3" name="Content Placeholder 2">

--- a/slides/19_ML_intro.pptx
+++ b/slides/19_ML_intro.pptx
@@ -9997,8 +9997,8 @@
           </a:p>
         </p:txBody>
       </p:sp>
-      <mc:AlternateContent xmlns:mc="http://schemas.openxmlformats.org/markup-compatibility/2006">
-        <mc:Choice xmlns:a14="http://schemas.microsoft.com/office/drawing/2010/main" Requires="a14">
+      <mc:AlternateContent xmlns:mc="http://schemas.openxmlformats.org/markup-compatibility/2006" xmlns:a14="http://schemas.microsoft.com/office/drawing/2010/main">
+        <mc:Choice Requires="a14">
           <p:sp>
             <p:nvSpPr>
               <p:cNvPr id="1283075" name="Rectangle 3"/>
@@ -10147,7 +10147,7 @@
             </p:txBody>
           </p:sp>
         </mc:Choice>
-        <mc:Fallback>
+        <mc:Fallback xmlns="">
           <p:sp>
             <p:nvSpPr>
               <p:cNvPr id="1283075" name="Rectangle 3"/>
@@ -11984,8 +11984,8 @@
           </a:p>
         </p:txBody>
       </p:sp>
-      <mc:AlternateContent xmlns:mc="http://schemas.openxmlformats.org/markup-compatibility/2006">
-        <mc:Choice xmlns:a14="http://schemas.microsoft.com/office/drawing/2010/main" Requires="a14">
+      <mc:AlternateContent xmlns:mc="http://schemas.openxmlformats.org/markup-compatibility/2006" xmlns:a14="http://schemas.microsoft.com/office/drawing/2010/main">
+        <mc:Choice Requires="a14">
           <p:sp>
             <p:nvSpPr>
               <p:cNvPr id="1283075" name="Rectangle 3"/>
@@ -12135,7 +12135,7 @@
             </p:txBody>
           </p:sp>
         </mc:Choice>
-        <mc:Fallback>
+        <mc:Fallback xmlns="">
           <p:sp>
             <p:nvSpPr>
               <p:cNvPr id="1283075" name="Rectangle 3"/>
@@ -12812,7 +12812,7 @@
             </a:pPr>
             <a:r>
               <a:rPr lang="en-US" sz="1600" dirty="0"/>
-              <a:t>Example: Calling everything “ham” gets already 66% right, so a classifier that gets 70% isn’t very good…</a:t>
+              <a:t>Example: If calling everything “ham” gets already 66% right, so a classifier that gets 70% isn’t very good…</a:t>
             </a:r>
           </a:p>
           <a:p>
@@ -13866,7 +13866,7 @@
         </p:blipFill>
         <p:spPr>
           <a:xfrm>
-            <a:off x="5029201" y="3855064"/>
+            <a:off x="5029201" y="4007464"/>
             <a:ext cx="7101460" cy="2850536"/>
           </a:xfrm>
           <a:prstGeom prst="rect">
@@ -13902,8 +13902,8 @@
           </a:p>
         </p:txBody>
       </p:sp>
-      <mc:AlternateContent xmlns:mc="http://schemas.openxmlformats.org/markup-compatibility/2006" xmlns:a14="http://schemas.microsoft.com/office/drawing/2010/main">
-        <mc:Choice Requires="a14">
+      <mc:AlternateContent xmlns:mc="http://schemas.openxmlformats.org/markup-compatibility/2006">
+        <mc:Choice xmlns:a14="http://schemas.microsoft.com/office/drawing/2010/main" Requires="a14">
           <p:sp>
             <p:nvSpPr>
               <p:cNvPr id="4" name="TextBox 3">
@@ -13919,7 +13919,7 @@
             <p:spPr>
               <a:xfrm>
                 <a:off x="990601" y="1745240"/>
-                <a:ext cx="6964214" cy="354584"/>
+                <a:ext cx="7887544" cy="354584"/>
               </a:xfrm>
               <a:prstGeom prst="rect">
                 <a:avLst/>
@@ -13934,7 +13934,7 @@
               <a:p>
                 <a:r>
                   <a:rPr lang="en-US" sz="2000" b="0" dirty="0"/>
-                  <a:t>Model: 	</a:t>
+                  <a:t>Model: 		</a:t>
                 </a:r>
                 <a14:m>
                   <m:oMath xmlns:m="http://schemas.openxmlformats.org/officeDocument/2006/math">
@@ -14322,7 +14322,7 @@
             </p:txBody>
           </p:sp>
         </mc:Choice>
-        <mc:Fallback xmlns="">
+        <mc:Fallback>
           <p:sp>
             <p:nvSpPr>
               <p:cNvPr id="4" name="TextBox 3">
@@ -14340,7 +14340,7 @@
             <p:spPr>
               <a:xfrm>
                 <a:off x="990601" y="1745240"/>
-                <a:ext cx="6964214" cy="354584"/>
+                <a:ext cx="7887544" cy="354584"/>
               </a:xfrm>
               <a:prstGeom prst="rect">
                 <a:avLst/>
@@ -14348,7 +14348,7 @@
               <a:blipFill>
                 <a:blip r:embed="rId3"/>
                 <a:stretch>
-                  <a:fillRect l="-2277" t="-144828" b="-215517"/>
+                  <a:fillRect l="-2011" t="-144828" b="-215517"/>
                 </a:stretch>
               </a:blipFill>
             </p:spPr>
@@ -14367,8 +14367,8 @@
           </p:sp>
         </mc:Fallback>
       </mc:AlternateContent>
-      <mc:AlternateContent xmlns:mc="http://schemas.openxmlformats.org/markup-compatibility/2006" xmlns:a14="http://schemas.microsoft.com/office/drawing/2010/main">
-        <mc:Choice Requires="a14">
+      <mc:AlternateContent xmlns:mc="http://schemas.openxmlformats.org/markup-compatibility/2006">
+        <mc:Choice xmlns:a14="http://schemas.microsoft.com/office/drawing/2010/main" Requires="a14">
           <p:sp>
             <p:nvSpPr>
               <p:cNvPr id="5" name="TextBox 4">
@@ -14399,7 +14399,7 @@
               <a:p>
                 <a:r>
                   <a:rPr lang="en-US" sz="2000" b="0" dirty="0"/>
-                  <a:t>Loss function: 	</a:t>
+                  <a:t>Empirical Loss: 	</a:t>
                 </a:r>
                 <a14:m>
                   <m:oMath xmlns:m="http://schemas.openxmlformats.org/officeDocument/2006/math">
@@ -14489,7 +14489,7 @@
             </p:txBody>
           </p:sp>
         </mc:Choice>
-        <mc:Fallback xmlns="">
+        <mc:Fallback>
           <p:sp>
             <p:nvSpPr>
               <p:cNvPr id="5" name="TextBox 4">
@@ -14534,8 +14534,8 @@
           </p:sp>
         </mc:Fallback>
       </mc:AlternateContent>
-      <mc:AlternateContent xmlns:mc="http://schemas.openxmlformats.org/markup-compatibility/2006" xmlns:a14="http://schemas.microsoft.com/office/drawing/2010/main">
-        <mc:Choice Requires="a14">
+      <mc:AlternateContent xmlns:mc="http://schemas.openxmlformats.org/markup-compatibility/2006">
+        <mc:Choice xmlns:a14="http://schemas.microsoft.com/office/drawing/2010/main" Requires="a14">
           <p:sp>
             <p:nvSpPr>
               <p:cNvPr id="6" name="TextBox 5">
@@ -14551,7 +14551,7 @@
             <p:spPr>
               <a:xfrm>
                 <a:off x="990601" y="3828820"/>
-                <a:ext cx="3903761" cy="307777"/>
+                <a:ext cx="2980431" cy="2154436"/>
               </a:xfrm>
               <a:prstGeom prst="rect">
                 <a:avLst/>
@@ -14565,8 +14565,169 @@
               <a:lstStyle/>
               <a:p>
                 <a:r>
+                  <a:rPr lang="en-US" sz="2000" dirty="0"/>
+                  <a:t>Find</a:t>
+                </a:r>
+                <a:r>
                   <a:rPr lang="en-US" sz="2000" b="0" dirty="0"/>
-                  <a:t>Solution: 	</a:t>
+                  <a:t>: 	</a:t>
+                </a:r>
+                <a14:m>
+                  <m:oMath xmlns:m="http://schemas.openxmlformats.org/officeDocument/2006/math">
+                    <m:r>
+                      <m:rPr>
+                        <m:sty m:val="p"/>
+                      </m:rPr>
+                      <a:rPr lang="en-US" sz="2000" i="1">
+                        <a:latin typeface="Cambria Math" panose="02040503050406030204" pitchFamily="18" charset="0"/>
+                        <a:ea typeface="Cambria Math" panose="02040503050406030204" pitchFamily="18" charset="0"/>
+                      </a:rPr>
+                      <m:t>∇</m:t>
+                    </m:r>
+                    <m:r>
+                      <a:rPr lang="en-US" sz="2000" i="1">
+                        <a:latin typeface="Cambria Math" panose="02040503050406030204" pitchFamily="18" charset="0"/>
+                      </a:rPr>
+                      <m:t>𝐿</m:t>
+                    </m:r>
+                    <m:d>
+                      <m:dPr>
+                        <m:ctrlPr>
+                          <a:rPr lang="en-US" sz="2000" b="1" i="1">
+                            <a:latin typeface="Cambria Math" panose="02040503050406030204" pitchFamily="18" charset="0"/>
+                          </a:rPr>
+                        </m:ctrlPr>
+                      </m:dPr>
+                      <m:e>
+                        <m:r>
+                          <a:rPr lang="en-US" sz="2000" b="1" i="1">
+                            <a:latin typeface="Cambria Math" panose="02040503050406030204" pitchFamily="18" charset="0"/>
+                          </a:rPr>
+                          <m:t>𝒘</m:t>
+                        </m:r>
+                      </m:e>
+                    </m:d>
+                    <m:r>
+                      <a:rPr lang="en-US" sz="2000" i="1">
+                        <a:latin typeface="Cambria Math" panose="02040503050406030204" pitchFamily="18" charset="0"/>
+                      </a:rPr>
+                      <m:t>=</m:t>
+                    </m:r>
+                  </m:oMath>
+                </a14:m>
+                <a:r>
+                  <a:rPr lang="en-US" sz="2000" b="0" dirty="0"/>
+                  <a:t> 0</a:t>
+                </a:r>
+                <a:br>
+                  <a:rPr lang="en-US" sz="2000" b="0" dirty="0"/>
+                </a:br>
+                <a:r>
+                  <a:rPr lang="en-US" sz="2000" b="0" dirty="0"/>
+                  <a:t>	</a:t>
+                </a:r>
+              </a:p>
+              <a:p>
+                <a:r>
+                  <a:rPr lang="en-US" sz="2000" dirty="0"/>
+                  <a:t>Gradient descend:</a:t>
+                </a:r>
+              </a:p>
+              <a:p>
+                <a:r>
+                  <a:rPr lang="en-US" sz="2000" i="1" dirty="0">
+                    <a:latin typeface="Cambria Math" panose="02040503050406030204" pitchFamily="18" charset="0"/>
+                  </a:rPr>
+                  <a:t>	</a:t>
+                </a:r>
+                <a:r>
+                  <a:rPr lang="en-US" sz="2000" dirty="0"/>
+                  <a:t> </a:t>
+                </a:r>
+                <a14:m>
+                  <m:oMath xmlns:m="http://schemas.openxmlformats.org/officeDocument/2006/math">
+                    <m:r>
+                      <a:rPr lang="en-US" sz="2000" b="1" i="1" smtClean="0">
+                        <a:latin typeface="Cambria Math" panose="02040503050406030204" pitchFamily="18" charset="0"/>
+                      </a:rPr>
+                      <m:t>𝒘</m:t>
+                    </m:r>
+                    <m:r>
+                      <a:rPr lang="en-US" sz="2000" b="0" i="1" smtClean="0">
+                        <a:latin typeface="Cambria Math" panose="02040503050406030204" pitchFamily="18" charset="0"/>
+                      </a:rPr>
+                      <m:t>=</m:t>
+                    </m:r>
+                    <m:r>
+                      <a:rPr lang="en-US" sz="2000" b="1" i="1">
+                        <a:latin typeface="Cambria Math" panose="02040503050406030204" pitchFamily="18" charset="0"/>
+                      </a:rPr>
+                      <m:t>𝒘</m:t>
+                    </m:r>
+                    <m:r>
+                      <a:rPr lang="en-US" sz="2000" b="0" i="1" smtClean="0">
+                        <a:latin typeface="Cambria Math" panose="02040503050406030204" pitchFamily="18" charset="0"/>
+                      </a:rPr>
+                      <m:t>−</m:t>
+                    </m:r>
+                    <m:r>
+                      <a:rPr lang="en-US" sz="2000" b="0" i="1" smtClean="0">
+                        <a:latin typeface="Cambria Math" panose="02040503050406030204" pitchFamily="18" charset="0"/>
+                      </a:rPr>
+                      <m:t>𝛼</m:t>
+                    </m:r>
+                    <m:r>
+                      <m:rPr>
+                        <m:sty m:val="p"/>
+                      </m:rPr>
+                      <a:rPr lang="en-US" sz="2000" b="0" i="1" smtClean="0">
+                        <a:latin typeface="Cambria Math" panose="02040503050406030204" pitchFamily="18" charset="0"/>
+                        <a:ea typeface="Cambria Math" panose="02040503050406030204" pitchFamily="18" charset="0"/>
+                      </a:rPr>
+                      <m:t>∇</m:t>
+                    </m:r>
+                    <m:r>
+                      <a:rPr lang="en-US" sz="2000" i="1">
+                        <a:latin typeface="Cambria Math" panose="02040503050406030204" pitchFamily="18" charset="0"/>
+                      </a:rPr>
+                      <m:t>𝐿</m:t>
+                    </m:r>
+                    <m:d>
+                      <m:dPr>
+                        <m:ctrlPr>
+                          <a:rPr lang="en-US" sz="2000" b="1" i="1">
+                            <a:latin typeface="Cambria Math" panose="02040503050406030204" pitchFamily="18" charset="0"/>
+                          </a:rPr>
+                        </m:ctrlPr>
+                      </m:dPr>
+                      <m:e>
+                        <m:r>
+                          <a:rPr lang="en-US" sz="2000" b="1" i="1">
+                            <a:latin typeface="Cambria Math" panose="02040503050406030204" pitchFamily="18" charset="0"/>
+                          </a:rPr>
+                          <m:t>𝒘</m:t>
+                        </m:r>
+                      </m:e>
+                    </m:d>
+                  </m:oMath>
+                </a14:m>
+                <a:endParaRPr lang="en-US" sz="2000" i="1" dirty="0">
+                  <a:latin typeface="Cambria Math" panose="02040503050406030204" pitchFamily="18" charset="0"/>
+                </a:endParaRPr>
+              </a:p>
+              <a:p>
+                <a:endParaRPr lang="en-US" sz="2000" dirty="0"/>
+              </a:p>
+              <a:p>
+                <a:r>
+                  <a:rPr lang="en-US" sz="2000" dirty="0"/>
+                  <a:t>Analytical solution:</a:t>
+                </a:r>
+              </a:p>
+              <a:p>
+                <a:r>
+                  <a:rPr lang="en-US" sz="2000" b="0" dirty="0"/>
+                  <a:t>	</a:t>
                 </a:r>
                 <a14:m>
                   <m:oMath xmlns:m="http://schemas.openxmlformats.org/officeDocument/2006/math">
@@ -14700,7 +14861,7 @@
             </p:txBody>
           </p:sp>
         </mc:Choice>
-        <mc:Fallback xmlns="">
+        <mc:Fallback>
           <p:sp>
             <p:nvSpPr>
               <p:cNvPr id="6" name="TextBox 5">
@@ -14718,7 +14879,7 @@
             <p:spPr>
               <a:xfrm>
                 <a:off x="990601" y="3828820"/>
-                <a:ext cx="3903761" cy="307777"/>
+                <a:ext cx="2980431" cy="2154436"/>
               </a:xfrm>
               <a:prstGeom prst="rect">
                 <a:avLst/>
@@ -14726,7 +14887,7 @@
               <a:blipFill>
                 <a:blip r:embed="rId5"/>
                 <a:stretch>
-                  <a:fillRect l="-4063" t="-25490" r="-1563" b="-49020"/>
+                  <a:fillRect l="-5328" t="-3672" r="-2459" b="-2825"/>
                 </a:stretch>
               </a:blipFill>
             </p:spPr>
@@ -14759,7 +14920,7 @@
         </p:nvSpPr>
         <p:spPr>
           <a:xfrm rot="5400000">
-            <a:off x="3934353" y="3633017"/>
+            <a:off x="2984396" y="5440020"/>
             <a:ext cx="210267" cy="1217428"/>
           </a:xfrm>
           <a:prstGeom prst="rightBrace">
@@ -14803,7 +14964,7 @@
         </p:nvSpPr>
         <p:spPr>
           <a:xfrm>
-            <a:off x="3276601" y="4355068"/>
+            <a:off x="2378160" y="6133265"/>
             <a:ext cx="1592872" cy="369332"/>
           </a:xfrm>
           <a:prstGeom prst="rect">
@@ -14824,43 +14985,102 @@
           </a:p>
         </p:txBody>
       </p:sp>
-      <p:sp>
-        <p:nvSpPr>
-          <p:cNvPr id="9" name="TextBox 8">
-            <a:extLst>
-              <a:ext uri="{FF2B5EF4-FFF2-40B4-BE49-F238E27FC236}">
-                <a16:creationId xmlns:a16="http://schemas.microsoft.com/office/drawing/2014/main" id="{3CFEDD17-64BC-43CD-8771-AFFF9A5BA09D}"/>
-              </a:ext>
-            </a:extLst>
-          </p:cNvPr>
-          <p:cNvSpPr txBox="1"/>
-          <p:nvPr/>
-        </p:nvSpPr>
-        <p:spPr>
-          <a:xfrm>
-            <a:off x="6324600" y="2514600"/>
-            <a:ext cx="4876800" cy="369332"/>
-          </a:xfrm>
-          <a:prstGeom prst="rect">
-            <a:avLst/>
-          </a:prstGeom>
-          <a:noFill/>
-        </p:spPr>
-        <p:txBody>
-          <a:bodyPr wrap="square" rtlCol="0">
-            <a:spAutoFit/>
-          </a:bodyPr>
-          <a:lstStyle/>
-          <a:p>
-            <a:r>
-              <a:rPr lang="en-US" dirty="0"/>
-              <a:t>Squared error loss over the whole data matrix X</a:t>
-            </a:r>
-          </a:p>
-        </p:txBody>
-      </p:sp>
-      <mc:AlternateContent xmlns:mc="http://schemas.openxmlformats.org/markup-compatibility/2006" xmlns:a14="http://schemas.microsoft.com/office/drawing/2010/main">
-        <mc:Choice Requires="a14">
+      <mc:AlternateContent xmlns:mc="http://schemas.openxmlformats.org/markup-compatibility/2006">
+        <mc:Choice xmlns:a14="http://schemas.microsoft.com/office/drawing/2010/main" Requires="a14">
+          <p:sp>
+            <p:nvSpPr>
+              <p:cNvPr id="9" name="TextBox 8">
+                <a:extLst>
+                  <a:ext uri="{FF2B5EF4-FFF2-40B4-BE49-F238E27FC236}">
+                    <a16:creationId xmlns:a16="http://schemas.microsoft.com/office/drawing/2014/main" id="{3CFEDD17-64BC-43CD-8771-AFFF9A5BA09D}"/>
+                  </a:ext>
+                </a:extLst>
+              </p:cNvPr>
+              <p:cNvSpPr txBox="1"/>
+              <p:nvPr/>
+            </p:nvSpPr>
+            <p:spPr>
+              <a:xfrm>
+                <a:off x="6561829" y="2488582"/>
+                <a:ext cx="4876800" cy="369332"/>
+              </a:xfrm>
+              <a:prstGeom prst="rect">
+                <a:avLst/>
+              </a:prstGeom>
+              <a:noFill/>
+            </p:spPr>
+            <p:txBody>
+              <a:bodyPr wrap="square" rtlCol="0">
+                <a:spAutoFit/>
+              </a:bodyPr>
+              <a:lstStyle/>
+              <a:p>
+                <a:r>
+                  <a:rPr lang="en-US" dirty="0"/>
+                  <a:t>Squared error loss over the whole data matrix </a:t>
+                </a:r>
+                <a14:m>
+                  <m:oMath xmlns:m="http://schemas.openxmlformats.org/officeDocument/2006/math">
+                    <m:r>
+                      <a:rPr lang="en-US" b="1" i="1" dirty="0" smtClean="0">
+                        <a:latin typeface="Cambria Math" panose="02040503050406030204" pitchFamily="18" charset="0"/>
+                      </a:rPr>
+                      <m:t>𝑿</m:t>
+                    </m:r>
+                  </m:oMath>
+                </a14:m>
+                <a:endParaRPr lang="en-US" b="1" dirty="0"/>
+              </a:p>
+            </p:txBody>
+          </p:sp>
+        </mc:Choice>
+        <mc:Fallback>
+          <p:sp>
+            <p:nvSpPr>
+              <p:cNvPr id="9" name="TextBox 8">
+                <a:extLst>
+                  <a:ext uri="{FF2B5EF4-FFF2-40B4-BE49-F238E27FC236}">
+                    <a16:creationId xmlns:a16="http://schemas.microsoft.com/office/drawing/2014/main" id="{3CFEDD17-64BC-43CD-8771-AFFF9A5BA09D}"/>
+                  </a:ext>
+                </a:extLst>
+              </p:cNvPr>
+              <p:cNvSpPr txBox="1">
+                <a:spLocks noRot="1" noChangeAspect="1" noMove="1" noResize="1" noEditPoints="1" noAdjustHandles="1" noChangeArrowheads="1" noChangeShapeType="1" noTextEdit="1"/>
+              </p:cNvSpPr>
+              <p:nvPr/>
+            </p:nvSpPr>
+            <p:spPr>
+              <a:xfrm>
+                <a:off x="6561829" y="2488582"/>
+                <a:ext cx="4876800" cy="369332"/>
+              </a:xfrm>
+              <a:prstGeom prst="rect">
+                <a:avLst/>
+              </a:prstGeom>
+              <a:blipFill>
+                <a:blip r:embed="rId6"/>
+                <a:stretch>
+                  <a:fillRect l="-1000" t="-8197" b="-24590"/>
+                </a:stretch>
+              </a:blipFill>
+            </p:spPr>
+            <p:txBody>
+              <a:bodyPr/>
+              <a:lstStyle/>
+              <a:p>
+                <a:r>
+                  <a:rPr lang="en-US">
+                    <a:noFill/>
+                  </a:rPr>
+                  <a:t> </a:t>
+                </a:r>
+              </a:p>
+            </p:txBody>
+          </p:sp>
+        </mc:Fallback>
+      </mc:AlternateContent>
+      <mc:AlternateContent xmlns:mc="http://schemas.openxmlformats.org/markup-compatibility/2006">
+        <mc:Choice xmlns:a14="http://schemas.microsoft.com/office/drawing/2010/main" Requires="a14">
           <p:sp>
             <p:nvSpPr>
               <p:cNvPr id="11" name="TextBox 10">
@@ -14876,7 +15096,7 @@
             <p:spPr>
               <a:xfrm>
                 <a:off x="990600" y="3161823"/>
-                <a:ext cx="5031121" cy="307777"/>
+                <a:ext cx="4395499" cy="307777"/>
               </a:xfrm>
               <a:prstGeom prst="rect">
                 <a:avLst/>
@@ -14899,37 +15119,16 @@
                 </a:r>
                 <a14:m>
                   <m:oMath xmlns:m="http://schemas.openxmlformats.org/officeDocument/2006/math">
-                    <m:sSub>
-                      <m:sSubPr>
-                        <m:ctrlPr>
-                          <a:rPr lang="en-US" sz="2000" b="0" i="1" smtClean="0">
-                            <a:latin typeface="Cambria Math" panose="02040503050406030204" pitchFamily="18" charset="0"/>
-                            <a:ea typeface="Cambria Math" panose="02040503050406030204" pitchFamily="18" charset="0"/>
-                          </a:rPr>
-                        </m:ctrlPr>
-                      </m:sSubPr>
-                      <m:e>
-                        <m:r>
-                          <m:rPr>
-                            <m:sty m:val="p"/>
-                          </m:rPr>
-                          <a:rPr lang="en-US" sz="2000" i="1" smtClean="0">
-                            <a:latin typeface="Cambria Math" panose="02040503050406030204" pitchFamily="18" charset="0"/>
-                            <a:ea typeface="Cambria Math" panose="02040503050406030204" pitchFamily="18" charset="0"/>
-                          </a:rPr>
-                          <m:t>∇</m:t>
-                        </m:r>
-                      </m:e>
-                      <m:sub>
-                        <m:r>
-                          <a:rPr lang="en-US" sz="2000" b="1" i="1" smtClean="0">
-                            <a:latin typeface="Cambria Math" panose="02040503050406030204" pitchFamily="18" charset="0"/>
-                            <a:ea typeface="Cambria Math" panose="02040503050406030204" pitchFamily="18" charset="0"/>
-                          </a:rPr>
-                          <m:t>𝒘</m:t>
-                        </m:r>
-                      </m:sub>
-                    </m:sSub>
+                    <m:r>
+                      <m:rPr>
+                        <m:sty m:val="p"/>
+                      </m:rPr>
+                      <a:rPr lang="en-US" sz="2000" i="1" smtClean="0">
+                        <a:latin typeface="Cambria Math" panose="02040503050406030204" pitchFamily="18" charset="0"/>
+                        <a:ea typeface="Cambria Math" panose="02040503050406030204" pitchFamily="18" charset="0"/>
+                      </a:rPr>
+                      <m:t>∇</m:t>
+                    </m:r>
                     <m:r>
                       <a:rPr lang="en-US" sz="2000" i="1">
                         <a:latin typeface="Cambria Math" panose="02040503050406030204" pitchFamily="18" charset="0"/>
@@ -15019,18 +15218,6 @@
                         </m:r>
                       </m:e>
                     </m:d>
-                    <m:r>
-                      <a:rPr lang="en-US" sz="2000" b="1" i="1" smtClean="0">
-                        <a:latin typeface="Cambria Math" panose="02040503050406030204" pitchFamily="18" charset="0"/>
-                      </a:rPr>
-                      <m:t>=</m:t>
-                    </m:r>
-                    <m:r>
-                      <a:rPr lang="en-US" sz="2000" b="0" i="1" smtClean="0">
-                        <a:latin typeface="Cambria Math" panose="02040503050406030204" pitchFamily="18" charset="0"/>
-                      </a:rPr>
-                      <m:t>0</m:t>
-                    </m:r>
                   </m:oMath>
                 </a14:m>
                 <a:endParaRPr lang="en-US" sz="2000" b="1" dirty="0"/>
@@ -15038,7 +15225,7 @@
             </p:txBody>
           </p:sp>
         </mc:Choice>
-        <mc:Fallback xmlns="">
+        <mc:Fallback>
           <p:sp>
             <p:nvSpPr>
               <p:cNvPr id="11" name="TextBox 10">
@@ -15056,15 +15243,15 @@
             <p:spPr>
               <a:xfrm>
                 <a:off x="990600" y="3161823"/>
-                <a:ext cx="5031121" cy="307777"/>
+                <a:ext cx="4395499" cy="307777"/>
               </a:xfrm>
               <a:prstGeom prst="rect">
                 <a:avLst/>
               </a:prstGeom>
               <a:blipFill>
-                <a:blip r:embed="rId6"/>
+                <a:blip r:embed="rId7"/>
                 <a:stretch>
-                  <a:fillRect l="-3152" t="-26000" r="-727" b="-50000"/>
+                  <a:fillRect l="-3606" t="-26000" b="-50000"/>
                 </a:stretch>
               </a:blipFill>
             </p:spPr>
@@ -15083,8 +15270,8 @@
           </p:sp>
         </mc:Fallback>
       </mc:AlternateContent>
-      <mc:AlternateContent xmlns:mc="http://schemas.openxmlformats.org/markup-compatibility/2006" xmlns:a14="http://schemas.microsoft.com/office/drawing/2010/main">
-        <mc:Choice Requires="a14">
+      <mc:AlternateContent xmlns:mc="http://schemas.openxmlformats.org/markup-compatibility/2006">
+        <mc:Choice xmlns:a14="http://schemas.microsoft.com/office/drawing/2010/main" Requires="a14">
           <p:sp>
             <p:nvSpPr>
               <p:cNvPr id="13" name="TextBox 12">
@@ -15099,8 +15286,8 @@
             </p:nvSpPr>
             <p:spPr>
               <a:xfrm>
-                <a:off x="6299200" y="3124200"/>
-                <a:ext cx="5207000" cy="369332"/>
+                <a:off x="6538028" y="2887344"/>
+                <a:ext cx="5501572" cy="1040541"/>
               </a:xfrm>
               <a:prstGeom prst="rect">
                 <a:avLst/>
@@ -15115,81 +15302,369 @@
               <a:p>
                 <a:r>
                   <a:rPr lang="en-US" dirty="0"/>
-                  <a:t>The gradient </a:t>
+                  <a:t>The gradient is a vector of partial derivatives </a:t>
                 </a:r>
+                <a:br>
+                  <a:rPr lang="en-US" i="1" dirty="0">
+                    <a:latin typeface="Cambria Math" panose="02040503050406030204" pitchFamily="18" charset="0"/>
+                    <a:ea typeface="Cambria Math" panose="02040503050406030204" pitchFamily="18" charset="0"/>
+                  </a:rPr>
+                </a:br>
                 <a14:m>
-                  <m:oMath xmlns:m="http://schemas.openxmlformats.org/officeDocument/2006/math">
-                    <m:sSub>
-                      <m:sSubPr>
-                        <m:ctrlPr>
-                          <a:rPr lang="en-US" i="1">
-                            <a:latin typeface="Cambria Math" panose="02040503050406030204" pitchFamily="18" charset="0"/>
-                            <a:ea typeface="Cambria Math" panose="02040503050406030204" pitchFamily="18" charset="0"/>
-                          </a:rPr>
-                        </m:ctrlPr>
-                      </m:sSubPr>
-                      <m:e>
-                        <m:r>
-                          <m:rPr>
-                            <m:sty m:val="p"/>
-                          </m:rPr>
-                          <a:rPr lang="en-US" i="1">
-                            <a:latin typeface="Cambria Math" panose="02040503050406030204" pitchFamily="18" charset="0"/>
-                            <a:ea typeface="Cambria Math" panose="02040503050406030204" pitchFamily="18" charset="0"/>
-                          </a:rPr>
-                          <m:t>∇</m:t>
-                        </m:r>
-                      </m:e>
-                      <m:sub>
-                        <m:r>
-                          <a:rPr lang="en-US" b="1" i="1">
-                            <a:latin typeface="Cambria Math" panose="02040503050406030204" pitchFamily="18" charset="0"/>
-                            <a:ea typeface="Cambria Math" panose="02040503050406030204" pitchFamily="18" charset="0"/>
-                          </a:rPr>
-                          <m:t>𝒘</m:t>
-                        </m:r>
-                      </m:sub>
-                    </m:sSub>
-                    <m:r>
-                      <a:rPr lang="en-US" i="1">
-                        <a:latin typeface="Cambria Math" panose="02040503050406030204" pitchFamily="18" charset="0"/>
-                      </a:rPr>
-                      <m:t>𝐿</m:t>
-                    </m:r>
-                    <m:d>
-                      <m:dPr>
-                        <m:ctrlPr>
-                          <a:rPr lang="en-US" b="1" i="1">
-                            <a:latin typeface="Cambria Math" panose="02040503050406030204" pitchFamily="18" charset="0"/>
-                          </a:rPr>
-                        </m:ctrlPr>
-                      </m:dPr>
-                      <m:e>
-                        <m:r>
-                          <a:rPr lang="en-US" b="1" i="1">
-                            <a:latin typeface="Cambria Math" panose="02040503050406030204" pitchFamily="18" charset="0"/>
-                          </a:rPr>
-                          <m:t>𝒘</m:t>
-                        </m:r>
-                      </m:e>
-                    </m:d>
-                    <m:r>
-                      <a:rPr lang="en-US" b="1" i="1">
-                        <a:latin typeface="Cambria Math" panose="02040503050406030204" pitchFamily="18" charset="0"/>
-                      </a:rPr>
-                      <m:t> </m:t>
-                    </m:r>
-                  </m:oMath>
+                  <m:oMathPara xmlns:m="http://schemas.openxmlformats.org/officeDocument/2006/math">
+                    <m:oMathParaPr>
+                      <m:jc m:val="centerGroup"/>
+                    </m:oMathParaPr>
+                    <m:oMath xmlns:m="http://schemas.openxmlformats.org/officeDocument/2006/math">
+                      <m:r>
+                        <m:rPr>
+                          <m:sty m:val="p"/>
+                        </m:rPr>
+                        <a:rPr lang="en-US" i="1">
+                          <a:latin typeface="Cambria Math" panose="02040503050406030204" pitchFamily="18" charset="0"/>
+                          <a:ea typeface="Cambria Math" panose="02040503050406030204" pitchFamily="18" charset="0"/>
+                        </a:rPr>
+                        <m:t>∇</m:t>
+                      </m:r>
+                      <m:r>
+                        <a:rPr lang="en-US" i="1">
+                          <a:latin typeface="Cambria Math" panose="02040503050406030204" pitchFamily="18" charset="0"/>
+                        </a:rPr>
+                        <m:t>𝐿</m:t>
+                      </m:r>
+                      <m:d>
+                        <m:dPr>
+                          <m:ctrlPr>
+                            <a:rPr lang="en-US" b="1" i="1">
+                              <a:latin typeface="Cambria Math" panose="02040503050406030204" pitchFamily="18" charset="0"/>
+                            </a:rPr>
+                          </m:ctrlPr>
+                        </m:dPr>
+                        <m:e>
+                          <m:r>
+                            <a:rPr lang="en-US" b="1" i="1">
+                              <a:latin typeface="Cambria Math" panose="02040503050406030204" pitchFamily="18" charset="0"/>
+                            </a:rPr>
+                            <m:t>𝒘</m:t>
+                          </m:r>
+                        </m:e>
+                      </m:d>
+                      <m:r>
+                        <a:rPr lang="en-US" b="0" i="1" smtClean="0">
+                          <a:latin typeface="Cambria Math" panose="02040503050406030204" pitchFamily="18" charset="0"/>
+                          <a:ea typeface="Cambria Math" panose="02040503050406030204" pitchFamily="18" charset="0"/>
+                        </a:rPr>
+                        <m:t>=</m:t>
+                      </m:r>
+                      <m:sSup>
+                        <m:sSupPr>
+                          <m:ctrlPr>
+                            <a:rPr lang="en-US" i="1" smtClean="0">
+                              <a:latin typeface="Cambria Math" panose="02040503050406030204" pitchFamily="18" charset="0"/>
+                            </a:rPr>
+                          </m:ctrlPr>
+                        </m:sSupPr>
+                        <m:e>
+                          <m:d>
+                            <m:dPr>
+                              <m:begChr m:val="["/>
+                              <m:endChr m:val="]"/>
+                              <m:ctrlPr>
+                                <a:rPr lang="en-US" i="1">
+                                  <a:latin typeface="Cambria Math" panose="02040503050406030204" pitchFamily="18" charset="0"/>
+                                </a:rPr>
+                              </m:ctrlPr>
+                            </m:dPr>
+                            <m:e>
+                              <m:f>
+                                <m:fPr>
+                                  <m:ctrlPr>
+                                    <a:rPr lang="en-US" i="1">
+                                      <a:latin typeface="Cambria Math" panose="02040503050406030204" pitchFamily="18" charset="0"/>
+                                    </a:rPr>
+                                  </m:ctrlPr>
+                                </m:fPr>
+                                <m:num>
+                                  <m:r>
+                                    <a:rPr lang="en-US" i="1">
+                                      <a:latin typeface="Cambria Math" panose="02040503050406030204" pitchFamily="18" charset="0"/>
+                                      <a:ea typeface="Cambria Math" panose="02040503050406030204" pitchFamily="18" charset="0"/>
+                                    </a:rPr>
+                                    <m:t>𝜕</m:t>
+                                  </m:r>
+                                  <m:r>
+                                    <a:rPr lang="en-US" b="0" i="1" smtClean="0">
+                                      <a:latin typeface="Cambria Math" panose="02040503050406030204" pitchFamily="18" charset="0"/>
+                                      <a:ea typeface="Cambria Math" panose="02040503050406030204" pitchFamily="18" charset="0"/>
+                                    </a:rPr>
+                                    <m:t>𝐿</m:t>
+                                  </m:r>
+                                </m:num>
+                                <m:den>
+                                  <m:r>
+                                    <a:rPr lang="en-US" i="1">
+                                      <a:latin typeface="Cambria Math" panose="02040503050406030204" pitchFamily="18" charset="0"/>
+                                      <a:ea typeface="Cambria Math" panose="02040503050406030204" pitchFamily="18" charset="0"/>
+                                    </a:rPr>
+                                    <m:t>𝜕</m:t>
+                                  </m:r>
+                                  <m:sSub>
+                                    <m:sSubPr>
+                                      <m:ctrlPr>
+                                        <a:rPr lang="en-US" i="1">
+                                          <a:latin typeface="Cambria Math" panose="02040503050406030204" pitchFamily="18" charset="0"/>
+                                          <a:ea typeface="Cambria Math" panose="02040503050406030204" pitchFamily="18" charset="0"/>
+                                        </a:rPr>
+                                      </m:ctrlPr>
+                                    </m:sSubPr>
+                                    <m:e>
+                                      <m:r>
+                                        <a:rPr lang="en-US" i="1">
+                                          <a:latin typeface="Cambria Math" panose="02040503050406030204" pitchFamily="18" charset="0"/>
+                                          <a:ea typeface="Cambria Math" panose="02040503050406030204" pitchFamily="18" charset="0"/>
+                                        </a:rPr>
+                                        <m:t>𝑤</m:t>
+                                      </m:r>
+                                    </m:e>
+                                    <m:sub>
+                                      <m:r>
+                                        <a:rPr lang="en-US" i="1">
+                                          <a:latin typeface="Cambria Math" panose="02040503050406030204" pitchFamily="18" charset="0"/>
+                                          <a:ea typeface="Cambria Math" panose="02040503050406030204" pitchFamily="18" charset="0"/>
+                                        </a:rPr>
+                                        <m:t>1</m:t>
+                                      </m:r>
+                                    </m:sub>
+                                  </m:sSub>
+                                </m:den>
+                              </m:f>
+                              <m:r>
+                                <a:rPr lang="en-US" b="0" i="1" smtClean="0">
+                                  <a:latin typeface="Cambria Math" panose="02040503050406030204" pitchFamily="18" charset="0"/>
+                                  <a:ea typeface="Cambria Math" panose="02040503050406030204" pitchFamily="18" charset="0"/>
+                                </a:rPr>
+                                <m:t>(</m:t>
+                              </m:r>
+                              <m:r>
+                                <a:rPr lang="en-US" b="1" i="1" smtClean="0">
+                                  <a:latin typeface="Cambria Math" panose="02040503050406030204" pitchFamily="18" charset="0"/>
+                                  <a:ea typeface="Cambria Math" panose="02040503050406030204" pitchFamily="18" charset="0"/>
+                                </a:rPr>
+                                <m:t>𝒘</m:t>
+                              </m:r>
+                              <m:r>
+                                <a:rPr lang="en-US" b="0" i="1" smtClean="0">
+                                  <a:latin typeface="Cambria Math" panose="02040503050406030204" pitchFamily="18" charset="0"/>
+                                  <a:ea typeface="Cambria Math" panose="02040503050406030204" pitchFamily="18" charset="0"/>
+                                </a:rPr>
+                                <m:t>)</m:t>
+                              </m:r>
+                              <m:r>
+                                <a:rPr lang="en-US" i="1">
+                                  <a:latin typeface="Cambria Math" panose="02040503050406030204" pitchFamily="18" charset="0"/>
+                                </a:rPr>
+                                <m:t>,</m:t>
+                              </m:r>
+                              <m:f>
+                                <m:fPr>
+                                  <m:ctrlPr>
+                                    <a:rPr lang="en-US" i="1">
+                                      <a:latin typeface="Cambria Math" panose="02040503050406030204" pitchFamily="18" charset="0"/>
+                                    </a:rPr>
+                                  </m:ctrlPr>
+                                </m:fPr>
+                                <m:num>
+                                  <m:r>
+                                    <a:rPr lang="en-US" i="1">
+                                      <a:latin typeface="Cambria Math" panose="02040503050406030204" pitchFamily="18" charset="0"/>
+                                      <a:ea typeface="Cambria Math" panose="02040503050406030204" pitchFamily="18" charset="0"/>
+                                    </a:rPr>
+                                    <m:t>𝜕</m:t>
+                                  </m:r>
+                                  <m:r>
+                                    <a:rPr lang="en-US" b="0" i="1" smtClean="0">
+                                      <a:latin typeface="Cambria Math" panose="02040503050406030204" pitchFamily="18" charset="0"/>
+                                      <a:ea typeface="Cambria Math" panose="02040503050406030204" pitchFamily="18" charset="0"/>
+                                    </a:rPr>
+                                    <m:t>𝐿</m:t>
+                                  </m:r>
+                                </m:num>
+                                <m:den>
+                                  <m:r>
+                                    <a:rPr lang="en-US" i="1">
+                                      <a:latin typeface="Cambria Math" panose="02040503050406030204" pitchFamily="18" charset="0"/>
+                                      <a:ea typeface="Cambria Math" panose="02040503050406030204" pitchFamily="18" charset="0"/>
+                                    </a:rPr>
+                                    <m:t>𝜕</m:t>
+                                  </m:r>
+                                  <m:sSub>
+                                    <m:sSubPr>
+                                      <m:ctrlPr>
+                                        <a:rPr lang="en-US" i="1">
+                                          <a:latin typeface="Cambria Math" panose="02040503050406030204" pitchFamily="18" charset="0"/>
+                                          <a:ea typeface="Cambria Math" panose="02040503050406030204" pitchFamily="18" charset="0"/>
+                                        </a:rPr>
+                                      </m:ctrlPr>
+                                    </m:sSubPr>
+                                    <m:e>
+                                      <m:r>
+                                        <a:rPr lang="en-US" i="1">
+                                          <a:latin typeface="Cambria Math" panose="02040503050406030204" pitchFamily="18" charset="0"/>
+                                          <a:ea typeface="Cambria Math" panose="02040503050406030204" pitchFamily="18" charset="0"/>
+                                        </a:rPr>
+                                        <m:t>𝑤</m:t>
+                                      </m:r>
+                                    </m:e>
+                                    <m:sub>
+                                      <m:r>
+                                        <a:rPr lang="en-US" b="0" i="1" smtClean="0">
+                                          <a:latin typeface="Cambria Math" panose="02040503050406030204" pitchFamily="18" charset="0"/>
+                                          <a:ea typeface="Cambria Math" panose="02040503050406030204" pitchFamily="18" charset="0"/>
+                                        </a:rPr>
+                                        <m:t>2</m:t>
+                                      </m:r>
+                                    </m:sub>
+                                  </m:sSub>
+                                </m:den>
+                              </m:f>
+                              <m:r>
+                                <a:rPr lang="en-US" i="1">
+                                  <a:latin typeface="Cambria Math" panose="02040503050406030204" pitchFamily="18" charset="0"/>
+                                  <a:ea typeface="Cambria Math" panose="02040503050406030204" pitchFamily="18" charset="0"/>
+                                </a:rPr>
+                                <m:t>(</m:t>
+                              </m:r>
+                              <m:r>
+                                <a:rPr lang="en-US" b="1" i="1">
+                                  <a:latin typeface="Cambria Math" panose="02040503050406030204" pitchFamily="18" charset="0"/>
+                                  <a:ea typeface="Cambria Math" panose="02040503050406030204" pitchFamily="18" charset="0"/>
+                                </a:rPr>
+                                <m:t>𝒘</m:t>
+                              </m:r>
+                              <m:r>
+                                <a:rPr lang="en-US" i="1">
+                                  <a:latin typeface="Cambria Math" panose="02040503050406030204" pitchFamily="18" charset="0"/>
+                                  <a:ea typeface="Cambria Math" panose="02040503050406030204" pitchFamily="18" charset="0"/>
+                                </a:rPr>
+                                <m:t>)</m:t>
+                              </m:r>
+                              <m:r>
+                                <a:rPr lang="en-US" i="1">
+                                  <a:latin typeface="Cambria Math" panose="02040503050406030204" pitchFamily="18" charset="0"/>
+                                </a:rPr>
+                                <m:t>,</m:t>
+                              </m:r>
+                              <m:r>
+                                <a:rPr lang="en-US">
+                                  <a:latin typeface="Cambria Math" panose="02040503050406030204" pitchFamily="18" charset="0"/>
+                                  <a:ea typeface="Cambria Math" panose="02040503050406030204" pitchFamily="18" charset="0"/>
+                                </a:rPr>
+                                <m:t>…,</m:t>
+                              </m:r>
+                              <m:f>
+                                <m:fPr>
+                                  <m:ctrlPr>
+                                    <a:rPr lang="en-US" i="1">
+                                      <a:latin typeface="Cambria Math" panose="02040503050406030204" pitchFamily="18" charset="0"/>
+                                    </a:rPr>
+                                  </m:ctrlPr>
+                                </m:fPr>
+                                <m:num>
+                                  <m:r>
+                                    <a:rPr lang="en-US" i="1">
+                                      <a:latin typeface="Cambria Math" panose="02040503050406030204" pitchFamily="18" charset="0"/>
+                                      <a:ea typeface="Cambria Math" panose="02040503050406030204" pitchFamily="18" charset="0"/>
+                                    </a:rPr>
+                                    <m:t>𝜕</m:t>
+                                  </m:r>
+                                  <m:r>
+                                    <a:rPr lang="en-US" b="0" i="1" smtClean="0">
+                                      <a:latin typeface="Cambria Math" panose="02040503050406030204" pitchFamily="18" charset="0"/>
+                                      <a:ea typeface="Cambria Math" panose="02040503050406030204" pitchFamily="18" charset="0"/>
+                                    </a:rPr>
+                                    <m:t>𝐿</m:t>
+                                  </m:r>
+                                </m:num>
+                                <m:den>
+                                  <m:r>
+                                    <a:rPr lang="en-US" i="1">
+                                      <a:latin typeface="Cambria Math" panose="02040503050406030204" pitchFamily="18" charset="0"/>
+                                      <a:ea typeface="Cambria Math" panose="02040503050406030204" pitchFamily="18" charset="0"/>
+                                    </a:rPr>
+                                    <m:t>𝜕</m:t>
+                                  </m:r>
+                                  <m:sSub>
+                                    <m:sSubPr>
+                                      <m:ctrlPr>
+                                        <a:rPr lang="en-US" i="1">
+                                          <a:latin typeface="Cambria Math" panose="02040503050406030204" pitchFamily="18" charset="0"/>
+                                          <a:ea typeface="Cambria Math" panose="02040503050406030204" pitchFamily="18" charset="0"/>
+                                        </a:rPr>
+                                      </m:ctrlPr>
+                                    </m:sSubPr>
+                                    <m:e>
+                                      <m:r>
+                                        <a:rPr lang="en-US" i="1">
+                                          <a:latin typeface="Cambria Math" panose="02040503050406030204" pitchFamily="18" charset="0"/>
+                                          <a:ea typeface="Cambria Math" panose="02040503050406030204" pitchFamily="18" charset="0"/>
+                                        </a:rPr>
+                                        <m:t>𝑤</m:t>
+                                      </m:r>
+                                    </m:e>
+                                    <m:sub>
+                                      <m:r>
+                                        <a:rPr lang="en-US" i="1">
+                                          <a:latin typeface="Cambria Math" panose="02040503050406030204" pitchFamily="18" charset="0"/>
+                                          <a:ea typeface="Cambria Math" panose="02040503050406030204" pitchFamily="18" charset="0"/>
+                                        </a:rPr>
+                                        <m:t>𝑛</m:t>
+                                      </m:r>
+                                    </m:sub>
+                                  </m:sSub>
+                                </m:den>
+                              </m:f>
+                              <m:r>
+                                <a:rPr lang="en-US" i="1">
+                                  <a:latin typeface="Cambria Math" panose="02040503050406030204" pitchFamily="18" charset="0"/>
+                                  <a:ea typeface="Cambria Math" panose="02040503050406030204" pitchFamily="18" charset="0"/>
+                                </a:rPr>
+                                <m:t>(</m:t>
+                              </m:r>
+                              <m:r>
+                                <a:rPr lang="en-US" b="1" i="1">
+                                  <a:latin typeface="Cambria Math" panose="02040503050406030204" pitchFamily="18" charset="0"/>
+                                  <a:ea typeface="Cambria Math" panose="02040503050406030204" pitchFamily="18" charset="0"/>
+                                </a:rPr>
+                                <m:t>𝒘</m:t>
+                              </m:r>
+                              <m:r>
+                                <a:rPr lang="en-US" i="1">
+                                  <a:latin typeface="Cambria Math" panose="02040503050406030204" pitchFamily="18" charset="0"/>
+                                  <a:ea typeface="Cambria Math" panose="02040503050406030204" pitchFamily="18" charset="0"/>
+                                </a:rPr>
+                                <m:t>)</m:t>
+                              </m:r>
+                            </m:e>
+                          </m:d>
+                        </m:e>
+                        <m:sup>
+                          <m:r>
+                            <a:rPr lang="en-US" b="0" i="1" smtClean="0">
+                              <a:latin typeface="Cambria Math" panose="02040503050406030204" pitchFamily="18" charset="0"/>
+                            </a:rPr>
+                            <m:t>𝑇</m:t>
+                          </m:r>
+                        </m:sup>
+                      </m:sSup>
+                    </m:oMath>
+                  </m:oMathPara>
                 </a14:m>
-                <a:r>
-                  <a:rPr lang="en-US" dirty="0"/>
-                  <a:t> is a vector of partial derivatives</a:t>
-                </a:r>
+                <a:endParaRPr lang="en-US" dirty="0"/>
               </a:p>
             </p:txBody>
           </p:sp>
         </mc:Choice>
-        <mc:Fallback xmlns="">
+        <mc:Fallback>
           <p:sp>
             <p:nvSpPr>
               <p:cNvPr id="13" name="TextBox 12">
@@ -15206,16 +15681,16 @@
             </p:nvSpPr>
             <p:spPr>
               <a:xfrm>
-                <a:off x="6299200" y="3124200"/>
-                <a:ext cx="5207000" cy="369332"/>
+                <a:off x="6538028" y="2887344"/>
+                <a:ext cx="5501572" cy="1040541"/>
               </a:xfrm>
               <a:prstGeom prst="rect">
                 <a:avLst/>
               </a:prstGeom>
               <a:blipFill>
-                <a:blip r:embed="rId7"/>
+                <a:blip r:embed="rId8"/>
                 <a:stretch>
-                  <a:fillRect l="-936" t="-10000" r="-819" b="-25000"/>
+                  <a:fillRect l="-998" t="-3529"/>
                 </a:stretch>
               </a:blipFill>
             </p:spPr>
@@ -15234,6 +15709,350 @@
           </p:sp>
         </mc:Fallback>
       </mc:AlternateContent>
+      <mc:AlternateContent xmlns:mc="http://schemas.openxmlformats.org/markup-compatibility/2006">
+        <mc:Choice xmlns:a14="http://schemas.microsoft.com/office/drawing/2010/main" Requires="a14">
+          <p:sp>
+            <p:nvSpPr>
+              <p:cNvPr id="14" name="TextBox 13">
+                <a:extLst>
+                  <a:ext uri="{FF2B5EF4-FFF2-40B4-BE49-F238E27FC236}">
+                    <a16:creationId xmlns:a16="http://schemas.microsoft.com/office/drawing/2014/main" id="{674510E1-A93D-4A3A-94C9-F1A0DD6A0845}"/>
+                  </a:ext>
+                </a:extLst>
+              </p:cNvPr>
+              <p:cNvSpPr txBox="1"/>
+              <p:nvPr/>
+            </p:nvSpPr>
+            <p:spPr>
+              <a:xfrm>
+                <a:off x="9969500" y="4380954"/>
+                <a:ext cx="1231900" cy="369332"/>
+              </a:xfrm>
+              <a:prstGeom prst="rect">
+                <a:avLst/>
+              </a:prstGeom>
+              <a:noFill/>
+            </p:spPr>
+            <p:txBody>
+              <a:bodyPr wrap="square">
+                <a:spAutoFit/>
+              </a:bodyPr>
+              <a:lstStyle/>
+              <a:p>
+                <a:pPr/>
+                <a14:m>
+                  <m:oMathPara xmlns:m="http://schemas.openxmlformats.org/officeDocument/2006/math">
+                    <m:oMathParaPr>
+                      <m:jc m:val="centerGroup"/>
+                    </m:oMathParaPr>
+                    <m:oMath xmlns:m="http://schemas.openxmlformats.org/officeDocument/2006/math">
+                      <m:r>
+                        <m:rPr>
+                          <m:sty m:val="p"/>
+                        </m:rPr>
+                        <a:rPr lang="en-US" i="1" smtClean="0">
+                          <a:latin typeface="Cambria Math" panose="02040503050406030204" pitchFamily="18" charset="0"/>
+                          <a:ea typeface="Cambria Math" panose="02040503050406030204" pitchFamily="18" charset="0"/>
+                        </a:rPr>
+                        <m:t>∇</m:t>
+                      </m:r>
+                      <m:r>
+                        <a:rPr lang="en-US" i="1">
+                          <a:latin typeface="Cambria Math" panose="02040503050406030204" pitchFamily="18" charset="0"/>
+                        </a:rPr>
+                        <m:t>𝐿</m:t>
+                      </m:r>
+                      <m:d>
+                        <m:dPr>
+                          <m:ctrlPr>
+                            <a:rPr lang="en-US" b="1" i="1">
+                              <a:latin typeface="Cambria Math" panose="02040503050406030204" pitchFamily="18" charset="0"/>
+                            </a:rPr>
+                          </m:ctrlPr>
+                        </m:dPr>
+                        <m:e>
+                          <m:r>
+                            <a:rPr lang="en-US" b="1" i="1">
+                              <a:latin typeface="Cambria Math" panose="02040503050406030204" pitchFamily="18" charset="0"/>
+                            </a:rPr>
+                            <m:t>𝒘</m:t>
+                          </m:r>
+                        </m:e>
+                      </m:d>
+                    </m:oMath>
+                  </m:oMathPara>
+                </a14:m>
+                <a:endParaRPr lang="en-US" dirty="0"/>
+              </a:p>
+            </p:txBody>
+          </p:sp>
+        </mc:Choice>
+        <mc:Fallback>
+          <p:sp>
+            <p:nvSpPr>
+              <p:cNvPr id="14" name="TextBox 13">
+                <a:extLst>
+                  <a:ext uri="{FF2B5EF4-FFF2-40B4-BE49-F238E27FC236}">
+                    <a16:creationId xmlns:a16="http://schemas.microsoft.com/office/drawing/2014/main" id="{674510E1-A93D-4A3A-94C9-F1A0DD6A0845}"/>
+                  </a:ext>
+                </a:extLst>
+              </p:cNvPr>
+              <p:cNvSpPr txBox="1">
+                <a:spLocks noRot="1" noChangeAspect="1" noMove="1" noResize="1" noEditPoints="1" noAdjustHandles="1" noChangeArrowheads="1" noChangeShapeType="1" noTextEdit="1"/>
+              </p:cNvSpPr>
+              <p:nvPr/>
+            </p:nvSpPr>
+            <p:spPr>
+              <a:xfrm>
+                <a:off x="9969500" y="4380954"/>
+                <a:ext cx="1231900" cy="369332"/>
+              </a:xfrm>
+              <a:prstGeom prst="rect">
+                <a:avLst/>
+              </a:prstGeom>
+              <a:blipFill>
+                <a:blip r:embed="rId9"/>
+                <a:stretch>
+                  <a:fillRect/>
+                </a:stretch>
+              </a:blipFill>
+            </p:spPr>
+            <p:txBody>
+              <a:bodyPr/>
+              <a:lstStyle/>
+              <a:p>
+                <a:r>
+                  <a:rPr lang="en-US">
+                    <a:noFill/>
+                  </a:rPr>
+                  <a:t> </a:t>
+                </a:r>
+              </a:p>
+            </p:txBody>
+          </p:sp>
+        </mc:Fallback>
+      </mc:AlternateContent>
+      <p:cxnSp>
+        <p:nvCxnSpPr>
+          <p:cNvPr id="15" name="Straight Arrow Connector 14">
+            <a:extLst>
+              <a:ext uri="{FF2B5EF4-FFF2-40B4-BE49-F238E27FC236}">
+                <a16:creationId xmlns:a16="http://schemas.microsoft.com/office/drawing/2014/main" id="{43E9140F-8A35-41C8-BAA3-86891CBF5B38}"/>
+              </a:ext>
+            </a:extLst>
+          </p:cNvPr>
+          <p:cNvCxnSpPr>
+            <a:cxnSpLocks/>
+          </p:cNvCxnSpPr>
+          <p:nvPr/>
+        </p:nvCxnSpPr>
+        <p:spPr>
+          <a:xfrm>
+            <a:off x="9753600" y="4876800"/>
+            <a:ext cx="121284" cy="382730"/>
+          </a:xfrm>
+          <a:prstGeom prst="straightConnector1">
+            <a:avLst/>
+          </a:prstGeom>
+          <a:ln>
+            <a:tailEnd type="triangle" w="lg" len="lg"/>
+          </a:ln>
+        </p:spPr>
+        <p:style>
+          <a:lnRef idx="3">
+            <a:schemeClr val="accent2"/>
+          </a:lnRef>
+          <a:fillRef idx="0">
+            <a:schemeClr val="accent2"/>
+          </a:fillRef>
+          <a:effectRef idx="2">
+            <a:schemeClr val="accent2"/>
+          </a:effectRef>
+          <a:fontRef idx="minor">
+            <a:schemeClr val="tx1"/>
+          </a:fontRef>
+        </p:style>
+      </p:cxnSp>
+      <mc:AlternateContent xmlns:mc="http://schemas.openxmlformats.org/markup-compatibility/2006">
+        <mc:Choice xmlns:a14="http://schemas.microsoft.com/office/drawing/2010/main" Requires="a14">
+          <p:sp>
+            <p:nvSpPr>
+              <p:cNvPr id="18" name="TextBox 17">
+                <a:extLst>
+                  <a:ext uri="{FF2B5EF4-FFF2-40B4-BE49-F238E27FC236}">
+                    <a16:creationId xmlns:a16="http://schemas.microsoft.com/office/drawing/2014/main" id="{A4845CDE-4E80-4AFF-96A8-82E8D266E357}"/>
+                  </a:ext>
+                </a:extLst>
+              </p:cNvPr>
+              <p:cNvSpPr txBox="1"/>
+              <p:nvPr/>
+            </p:nvSpPr>
+            <p:spPr>
+              <a:xfrm>
+                <a:off x="9296400" y="4586221"/>
+                <a:ext cx="609600" cy="369332"/>
+              </a:xfrm>
+              <a:prstGeom prst="rect">
+                <a:avLst/>
+              </a:prstGeom>
+              <a:noFill/>
+            </p:spPr>
+            <p:txBody>
+              <a:bodyPr wrap="square">
+                <a:spAutoFit/>
+              </a:bodyPr>
+              <a:lstStyle/>
+              <a:p>
+                <a:pPr/>
+                <a14:m>
+                  <m:oMathPara xmlns:m="http://schemas.openxmlformats.org/officeDocument/2006/math">
+                    <m:oMathParaPr>
+                      <m:jc m:val="centerGroup"/>
+                    </m:oMathParaPr>
+                    <m:oMath xmlns:m="http://schemas.openxmlformats.org/officeDocument/2006/math">
+                      <m:r>
+                        <a:rPr lang="en-US" b="1" i="1" smtClean="0">
+                          <a:latin typeface="Cambria Math" panose="02040503050406030204" pitchFamily="18" charset="0"/>
+                        </a:rPr>
+                        <m:t>𝒘</m:t>
+                      </m:r>
+                    </m:oMath>
+                  </m:oMathPara>
+                </a14:m>
+                <a:endParaRPr lang="en-US" dirty="0"/>
+              </a:p>
+            </p:txBody>
+          </p:sp>
+        </mc:Choice>
+        <mc:Fallback>
+          <p:sp>
+            <p:nvSpPr>
+              <p:cNvPr id="18" name="TextBox 17">
+                <a:extLst>
+                  <a:ext uri="{FF2B5EF4-FFF2-40B4-BE49-F238E27FC236}">
+                    <a16:creationId xmlns:a16="http://schemas.microsoft.com/office/drawing/2014/main" id="{A4845CDE-4E80-4AFF-96A8-82E8D266E357}"/>
+                  </a:ext>
+                </a:extLst>
+              </p:cNvPr>
+              <p:cNvSpPr txBox="1">
+                <a:spLocks noRot="1" noChangeAspect="1" noMove="1" noResize="1" noEditPoints="1" noAdjustHandles="1" noChangeArrowheads="1" noChangeShapeType="1" noTextEdit="1"/>
+              </p:cNvSpPr>
+              <p:nvPr/>
+            </p:nvSpPr>
+            <p:spPr>
+              <a:xfrm>
+                <a:off x="9296400" y="4586221"/>
+                <a:ext cx="609600" cy="369332"/>
+              </a:xfrm>
+              <a:prstGeom prst="rect">
+                <a:avLst/>
+              </a:prstGeom>
+              <a:blipFill>
+                <a:blip r:embed="rId10"/>
+                <a:stretch>
+                  <a:fillRect/>
+                </a:stretch>
+              </a:blipFill>
+            </p:spPr>
+            <p:txBody>
+              <a:bodyPr/>
+              <a:lstStyle/>
+              <a:p>
+                <a:r>
+                  <a:rPr lang="en-US">
+                    <a:noFill/>
+                  </a:rPr>
+                  <a:t> </a:t>
+                </a:r>
+              </a:p>
+            </p:txBody>
+          </p:sp>
+        </mc:Fallback>
+      </mc:AlternateContent>
+      <p:sp>
+        <p:nvSpPr>
+          <p:cNvPr id="19" name="Oval 18">
+            <a:extLst>
+              <a:ext uri="{FF2B5EF4-FFF2-40B4-BE49-F238E27FC236}">
+                <a16:creationId xmlns:a16="http://schemas.microsoft.com/office/drawing/2014/main" id="{C2A8E63D-95B9-4405-A60E-26D6C5A48857}"/>
+              </a:ext>
+            </a:extLst>
+          </p:cNvPr>
+          <p:cNvSpPr/>
+          <p:nvPr/>
+        </p:nvSpPr>
+        <p:spPr>
+          <a:xfrm>
+            <a:off x="9730740" y="4820279"/>
+            <a:ext cx="45719" cy="53787"/>
+          </a:xfrm>
+          <a:prstGeom prst="ellipse">
+            <a:avLst/>
+          </a:prstGeom>
+        </p:spPr>
+        <p:style>
+          <a:lnRef idx="2">
+            <a:schemeClr val="dk1">
+              <a:shade val="50000"/>
+            </a:schemeClr>
+          </a:lnRef>
+          <a:fillRef idx="1">
+            <a:schemeClr val="dk1"/>
+          </a:fillRef>
+          <a:effectRef idx="0">
+            <a:schemeClr val="dk1"/>
+          </a:effectRef>
+          <a:fontRef idx="minor">
+            <a:schemeClr val="lt1"/>
+          </a:fontRef>
+        </p:style>
+        <p:txBody>
+          <a:bodyPr rtlCol="0" anchor="ctr"/>
+          <a:lstStyle/>
+          <a:p>
+            <a:pPr algn="ctr"/>
+            <a:endParaRPr lang="en-US"/>
+          </a:p>
+        </p:txBody>
+      </p:sp>
+      <p:cxnSp>
+        <p:nvCxnSpPr>
+          <p:cNvPr id="21" name="Straight Connector 20">
+            <a:extLst>
+              <a:ext uri="{FF2B5EF4-FFF2-40B4-BE49-F238E27FC236}">
+                <a16:creationId xmlns:a16="http://schemas.microsoft.com/office/drawing/2014/main" id="{EB15E0E4-DDA3-48B5-A02F-888000E1036E}"/>
+              </a:ext>
+            </a:extLst>
+          </p:cNvPr>
+          <p:cNvCxnSpPr>
+            <a:cxnSpLocks/>
+          </p:cNvCxnSpPr>
+          <p:nvPr/>
+        </p:nvCxnSpPr>
+        <p:spPr>
+          <a:xfrm flipH="1">
+            <a:off x="9906000" y="4692134"/>
+            <a:ext cx="304800" cy="263419"/>
+          </a:xfrm>
+          <a:prstGeom prst="line">
+            <a:avLst/>
+          </a:prstGeom>
+        </p:spPr>
+        <p:style>
+          <a:lnRef idx="3">
+            <a:schemeClr val="accent6"/>
+          </a:lnRef>
+          <a:fillRef idx="0">
+            <a:schemeClr val="accent6"/>
+          </a:fillRef>
+          <a:effectRef idx="2">
+            <a:schemeClr val="accent6"/>
+          </a:effectRef>
+          <a:fontRef idx="minor">
+            <a:schemeClr val="tx1"/>
+          </a:fontRef>
+        </p:style>
+      </p:cxnSp>
     </p:spTree>
     <p:extLst>
       <p:ext uri="{BB962C8B-B14F-4D97-AF65-F5344CB8AC3E}">
@@ -15313,13 +16132,21 @@
             <p:spPr/>
             <p:txBody>
               <a:bodyPr>
-                <a:normAutofit fontScale="85000" lnSpcReduction="20000"/>
+                <a:normAutofit fontScale="77500" lnSpcReduction="20000"/>
               </a:bodyPr>
               <a:lstStyle/>
               <a:p>
                 <a:r>
                   <a:rPr lang="en-US" dirty="0"/>
-                  <a:t>Approximates a Bayes classifier with the naïve assumption that all </a:t>
+                  <a:t>Approximates a Bayes classifier with the </a:t>
+                </a:r>
+                <a:r>
+                  <a:rPr lang="en-US" b="1" dirty="0"/>
+                  <a:t>naïve independence assumption </a:t>
+                </a:r>
+                <a:r>
+                  <a:rPr lang="en-US" dirty="0"/>
+                  <a:t>that all </a:t>
                 </a:r>
                 <a14:m>
                   <m:oMath xmlns:m="http://schemas.openxmlformats.org/officeDocument/2006/math">
@@ -15726,8 +16553,89 @@
                   <a:rPr lang="en-US" dirty="0"/>
                 </a:br>
                 <a:r>
-                  <a:rPr lang="en-US" dirty="0"/>
-                  <a:t>The parameters are estimated from data.</a:t>
+                  <a:rPr lang="en-US" sz="2800" dirty="0"/>
+                  <a:t>The parameters for </a:t>
+                </a:r>
+                <a14:m>
+                  <m:oMath xmlns:m="http://schemas.openxmlformats.org/officeDocument/2006/math">
+                    <m:r>
+                      <a:rPr lang="en-US" sz="3200" b="0" i="1" smtClean="0">
+                        <a:latin typeface="Cambria Math" panose="02040503050406030204" pitchFamily="18" charset="0"/>
+                      </a:rPr>
+                      <m:t>𝑁</m:t>
+                    </m:r>
+                    <m:d>
+                      <m:dPr>
+                        <m:ctrlPr>
+                          <a:rPr lang="en-US" sz="3200" b="0" i="1" smtClean="0">
+                            <a:latin typeface="Cambria Math" panose="02040503050406030204" pitchFamily="18" charset="0"/>
+                          </a:rPr>
+                        </m:ctrlPr>
+                      </m:dPr>
+                      <m:e>
+                        <m:sSub>
+                          <m:sSubPr>
+                            <m:ctrlPr>
+                              <a:rPr lang="en-US" sz="3200" b="0" i="1" smtClean="0">
+                                <a:latin typeface="Cambria Math" panose="02040503050406030204" pitchFamily="18" charset="0"/>
+                              </a:rPr>
+                            </m:ctrlPr>
+                          </m:sSubPr>
+                          <m:e>
+                            <m:r>
+                              <a:rPr lang="en-US" sz="3200" b="0" i="1" smtClean="0">
+                                <a:latin typeface="Cambria Math" panose="02040503050406030204" pitchFamily="18" charset="0"/>
+                              </a:rPr>
+                              <m:t>𝜇</m:t>
+                            </m:r>
+                          </m:e>
+                          <m:sub>
+                            <m:r>
+                              <a:rPr lang="en-US" sz="3200" b="0" i="1" smtClean="0">
+                                <a:latin typeface="Cambria Math" panose="02040503050406030204" pitchFamily="18" charset="0"/>
+                              </a:rPr>
+                              <m:t>𝑦</m:t>
+                            </m:r>
+                          </m:sub>
+                        </m:sSub>
+                        <m:r>
+                          <a:rPr lang="en-US" sz="3200" b="0" i="1" smtClean="0">
+                            <a:latin typeface="Cambria Math" panose="02040503050406030204" pitchFamily="18" charset="0"/>
+                          </a:rPr>
+                          <m:t>,</m:t>
+                        </m:r>
+                        <m:sSub>
+                          <m:sSubPr>
+                            <m:ctrlPr>
+                              <a:rPr lang="en-US" sz="3200" b="0" i="1" smtClean="0">
+                                <a:latin typeface="Cambria Math" panose="02040503050406030204" pitchFamily="18" charset="0"/>
+                              </a:rPr>
+                            </m:ctrlPr>
+                          </m:sSubPr>
+                          <m:e>
+                            <m:r>
+                              <a:rPr lang="en-US" sz="3200" b="0" i="1" smtClean="0">
+                                <a:latin typeface="Cambria Math" panose="02040503050406030204" pitchFamily="18" charset="0"/>
+                              </a:rPr>
+                              <m:t>𝜎</m:t>
+                            </m:r>
+                          </m:e>
+                          <m:sub>
+                            <m:r>
+                              <a:rPr lang="en-US" sz="3200" b="0" i="1" smtClean="0">
+                                <a:latin typeface="Cambria Math" panose="02040503050406030204" pitchFamily="18" charset="0"/>
+                              </a:rPr>
+                              <m:t>𝑦</m:t>
+                            </m:r>
+                          </m:sub>
+                        </m:sSub>
+                      </m:e>
+                    </m:d>
+                  </m:oMath>
+                </a14:m>
+                <a:r>
+                  <a:rPr lang="en-US" sz="2800" dirty="0"/>
+                  <a:t> are estimated from data.</a:t>
                 </a:r>
               </a:p>
             </p:txBody>
@@ -15754,7 +16662,7 @@
               <a:blipFill>
                 <a:blip r:embed="rId2"/>
                 <a:stretch>
-                  <a:fillRect l="-812" t="-3221"/>
+                  <a:fillRect l="-696" t="-13725"/>
                 </a:stretch>
               </a:blipFill>
             </p:spPr>
@@ -15851,19 +16759,27 @@
             </p:nvSpPr>
             <p:spPr>
               <a:xfrm>
-                <a:off x="838200" y="4317375"/>
-                <a:ext cx="10515600" cy="2175499"/>
+                <a:off x="838200" y="4317376"/>
+                <a:ext cx="10515600" cy="2175500"/>
               </a:xfrm>
             </p:spPr>
             <p:txBody>
               <a:bodyPr>
-                <a:normAutofit fontScale="62500" lnSpcReduction="20000"/>
+                <a:normAutofit fontScale="70000" lnSpcReduction="20000"/>
               </a:bodyPr>
               <a:lstStyle/>
               <a:p>
                 <a:r>
                   <a:rPr lang="en-US" dirty="0"/>
-                  <a:t>A sequence of decisions represented as a tree.</a:t>
+                  <a:t>A </a:t>
+                </a:r>
+                <a:r>
+                  <a:rPr lang="en-US" b="1" dirty="0"/>
+                  <a:t>sequence of decisions </a:t>
+                </a:r>
+                <a:r>
+                  <a:rPr lang="en-US" dirty="0"/>
+                  <a:t>represented as a tree.</a:t>
                 </a:r>
               </a:p>
               <a:p>
@@ -15903,9 +16819,6 @@
                   <a:rPr lang="en-US" dirty="0"/>
                   <a:t>Approximates a Bayesian classifier by  </a:t>
                 </a:r>
-                <a:br>
-                  <a:rPr lang="en-US" dirty="0"/>
-                </a:br>
                 <a14:m>
                   <m:oMath xmlns:m="http://schemas.openxmlformats.org/officeDocument/2006/math">
                     <m:r>
@@ -16087,13 +17000,13 @@
             </p:nvSpPr>
             <p:spPr>
               <a:xfrm>
-                <a:off x="838200" y="4317375"/>
-                <a:ext cx="10515600" cy="2175499"/>
+                <a:off x="838200" y="4317376"/>
+                <a:ext cx="10515600" cy="2175500"/>
               </a:xfrm>
               <a:blipFill>
                 <a:blip r:embed="rId2"/>
                 <a:stretch>
-                  <a:fillRect l="-406" t="-4482"/>
+                  <a:fillRect l="-522" t="-5042"/>
                 </a:stretch>
               </a:blipFill>
             </p:spPr>
@@ -16262,7 +17175,15 @@
               <a:p>
                 <a:r>
                   <a:rPr lang="en-US" dirty="0"/>
-                  <a:t>Class is predicted by looking at the majority in the set of the k nearest neighbors. k is a hyperparameter. Larger k smooth the decision boundary.</a:t>
+                  <a:t>Class is predicted by looking at the majority in the set of the k nearest </a:t>
+                </a:r>
+                <a:r>
+                  <a:rPr lang="en-US" b="1" dirty="0"/>
+                  <a:t>neighbors</a:t>
+                </a:r>
+                <a:r>
+                  <a:rPr lang="en-US" dirty="0"/>
+                  <a:t>. k is a hyperparameter. Larger k smooth the decision boundary.</a:t>
                 </a:r>
               </a:p>
               <a:p>
@@ -16594,7 +17515,15 @@
           <a:p>
             <a:r>
               <a:rPr lang="en-US" dirty="0"/>
-              <a:t>Linear classifier that finds the maximum margin separator using only the “support vectors” and quadratic optimization.</a:t>
+              <a:t>Linear classifier that finds </a:t>
+            </a:r>
+            <a:r>
+              <a:rPr lang="en-US" b="1" dirty="0"/>
+              <a:t>the maximum margin separator </a:t>
+            </a:r>
+            <a:r>
+              <a:rPr lang="en-US" dirty="0"/>
+              <a:t>using only the “support vectors” and quadratic optimization.</a:t>
             </a:r>
           </a:p>
           <a:p>
@@ -16818,7 +17747,7 @@
             <a:pPr algn="ctr"/>
             <a:r>
               <a:rPr lang="en-US" dirty="0"/>
-              <a:t>Decision boundary</a:t>
+              <a:t>Decision boundary </a:t>
             </a:r>
           </a:p>
         </p:txBody>
@@ -16942,10 +17871,10 @@
                       <m:t>=</m:t>
                     </m:r>
                     <m:r>
-                      <a:rPr lang="en-US" i="1" dirty="0" smtClean="0">
+                      <a:rPr lang="en-US" b="0" i="1" dirty="0" smtClean="0">
                         <a:latin typeface="Cambria Math" panose="02040503050406030204" pitchFamily="18" charset="0"/>
                       </a:rPr>
-                      <m:t>𝑓</m:t>
+                      <m:t>h</m:t>
                     </m:r>
                     <m:r>
                       <a:rPr lang="en-US" i="1" dirty="0" smtClean="0">
@@ -16988,13 +17917,10 @@
                 <a14:m>
                   <m:oMath xmlns:m="http://schemas.openxmlformats.org/officeDocument/2006/math">
                     <m:r>
-                      <m:rPr>
-                        <m:sty m:val="p"/>
-                      </m:rPr>
-                      <a:rPr lang="en-US" b="0" i="0" dirty="0" smtClean="0">
+                      <a:rPr lang="en-US" b="1" i="0" dirty="0" smtClean="0">
                         <a:latin typeface="Cambria Math" panose="02040503050406030204" pitchFamily="18" charset="0"/>
                       </a:rPr>
-                      <m:t>w</m:t>
+                      <m:t>𝐰</m:t>
                     </m:r>
                   </m:oMath>
                 </a14:m>
@@ -17064,7 +17990,7 @@
               <a:p>
                 <a:r>
                   <a:rPr lang="en-US" dirty="0"/>
-                  <a:t>ANNs can approximate any function (low bias). </a:t>
+                  <a:t>ANNs can approximate any function (no bias). </a:t>
                 </a:r>
                 <a:r>
                   <a:rPr lang="en-US" b="1" dirty="0"/>
@@ -17961,7 +18887,7 @@
                   <a:srgbClr val="FF0000"/>
                 </a:solidFill>
               </a:rPr>
-              <a:t>logistic regression.</a:t>
+              <a:t>logistic regression. </a:t>
             </a:r>
             <a:endParaRPr lang="en-US" dirty="0"/>
           </a:p>
@@ -17975,21 +18901,6 @@
             <a:r>
               <a:rPr lang="en-US" dirty="0"/>
               <a:t>Often used methods</a:t>
-            </a:r>
-          </a:p>
-          <a:p>
-            <a:pPr lvl="1"/>
-            <a:r>
-              <a:rPr lang="en-US" b="1" dirty="0">
-                <a:solidFill>
-                  <a:srgbClr val="FF0000"/>
-                </a:solidFill>
-              </a:rPr>
-              <a:t>Ensemble Learning: </a:t>
-            </a:r>
-            <a:r>
-              <a:rPr lang="en-US" dirty="0"/>
-              <a:t>Use many models and combine the results (e.g., random forest, boosting).</a:t>
             </a:r>
           </a:p>
           <a:p>
@@ -18020,6 +18931,21 @@
             <a:r>
               <a:rPr lang="en-US" dirty="0"/>
               <a:t>Let a linear classifier learn non-linear decision boundaries ( = a linear boundary in a high dimensional space).</a:t>
+            </a:r>
+          </a:p>
+          <a:p>
+            <a:pPr lvl="1"/>
+            <a:r>
+              <a:rPr lang="en-US" b="1" dirty="0">
+                <a:solidFill>
+                  <a:srgbClr val="FF0000"/>
+                </a:solidFill>
+              </a:rPr>
+              <a:t>Ensemble Learning: </a:t>
+            </a:r>
+            <a:r>
+              <a:rPr lang="en-US" dirty="0"/>
+              <a:t>Use many models and combine the results (e.g., random forest, boosting).</a:t>
             </a:r>
           </a:p>
         </p:txBody>
@@ -20437,7 +21363,7 @@
           <a:effectLst/>
           <a:extLst>
             <a:ext uri="{AF507438-7753-43e0-B8FC-AC1667EBCBE1}">
-              <a14:hiddenEffects xmlns="" xmlns:a14="http://schemas.microsoft.com/office/drawing/2010/main">
+              <a14:hiddenEffects xmlns:a14="http://schemas.microsoft.com/office/drawing/2010/main" xmlns="">
                 <a:effectLst>
                   <a:outerShdw dist="35921" dir="2700000" algn="ctr" rotWithShape="0">
                     <a:schemeClr val="bg2"/>
@@ -20505,14 +21431,14 @@
           <a:effectLst/>
           <a:extLst>
             <a:ext uri="{909E8E84-426E-40dd-AFC4-6F175D3DCCD1}">
-              <a14:hiddenFill xmlns="" xmlns:a14="http://schemas.microsoft.com/office/drawing/2010/main">
+              <a14:hiddenFill xmlns:a14="http://schemas.microsoft.com/office/drawing/2010/main" xmlns="">
                 <a:solidFill>
                   <a:schemeClr val="accent1"/>
                 </a:solidFill>
               </a14:hiddenFill>
             </a:ext>
             <a:ext uri="{91240B29-F687-4f45-9708-019B960494DF}">
-              <a14:hiddenLine xmlns="" xmlns:a14="http://schemas.microsoft.com/office/drawing/2010/main" w="9525">
+              <a14:hiddenLine xmlns:a14="http://schemas.microsoft.com/office/drawing/2010/main" xmlns="" w="9525">
                 <a:solidFill>
                   <a:schemeClr val="tx1"/>
                 </a:solidFill>
@@ -20522,7 +21448,7 @@
               </a14:hiddenLine>
             </a:ext>
             <a:ext uri="{AF507438-7753-43e0-B8FC-AC1667EBCBE1}">
-              <a14:hiddenEffects xmlns="" xmlns:a14="http://schemas.microsoft.com/office/drawing/2010/main">
+              <a14:hiddenEffects xmlns:a14="http://schemas.microsoft.com/office/drawing/2010/main" xmlns="">
                 <a:effectLst>
                   <a:outerShdw dist="35921" dir="2700000" algn="ctr" rotWithShape="0">
                     <a:schemeClr val="bg2"/>
@@ -20563,7 +21489,7 @@
           <a:effectLst/>
           <a:extLst>
             <a:ext uri="{AF507438-7753-43e0-B8FC-AC1667EBCBE1}">
-              <a14:hiddenEffects xmlns="" xmlns:a14="http://schemas.microsoft.com/office/drawing/2010/main">
+              <a14:hiddenEffects xmlns:a14="http://schemas.microsoft.com/office/drawing/2010/main" xmlns="">
                 <a:effectLst>
                   <a:outerShdw dist="35921" dir="2700000" algn="ctr" rotWithShape="0">
                     <a:schemeClr val="bg2"/>
@@ -20611,7 +21537,7 @@
           <a:effectLst/>
           <a:extLst>
             <a:ext uri="{AF507438-7753-43e0-B8FC-AC1667EBCBE1}">
-              <a14:hiddenEffects xmlns="" xmlns:a14="http://schemas.microsoft.com/office/drawing/2010/main">
+              <a14:hiddenEffects xmlns:a14="http://schemas.microsoft.com/office/drawing/2010/main" xmlns="">
                 <a:effectLst>
                   <a:outerShdw dist="35921" dir="2700000" algn="ctr" rotWithShape="0">
                     <a:schemeClr val="bg2"/>
@@ -20658,12 +21584,12 @@
           <a:effectLst/>
           <a:extLst>
             <a:ext uri="{909E8E84-426E-40dd-AFC4-6F175D3DCCD1}">
-              <a14:hiddenFill xmlns="" xmlns:a14="http://schemas.microsoft.com/office/drawing/2010/main">
+              <a14:hiddenFill xmlns:a14="http://schemas.microsoft.com/office/drawing/2010/main" xmlns="">
                 <a:noFill/>
               </a14:hiddenFill>
             </a:ext>
             <a:ext uri="{AF507438-7753-43e0-B8FC-AC1667EBCBE1}">
-              <a14:hiddenEffects xmlns="" xmlns:a14="http://schemas.microsoft.com/office/drawing/2010/main">
+              <a14:hiddenEffects xmlns:a14="http://schemas.microsoft.com/office/drawing/2010/main" xmlns="">
                 <a:effectLst>
                   <a:outerShdw dist="35921" dir="2700000" algn="ctr" rotWithShape="0">
                     <a:schemeClr val="bg2"/>
@@ -20731,14 +21657,14 @@
           <a:effectLst/>
           <a:extLst>
             <a:ext uri="{909E8E84-426E-40dd-AFC4-6F175D3DCCD1}">
-              <a14:hiddenFill xmlns="" xmlns:a14="http://schemas.microsoft.com/office/drawing/2010/main">
+              <a14:hiddenFill xmlns:a14="http://schemas.microsoft.com/office/drawing/2010/main" xmlns="">
                 <a:solidFill>
                   <a:schemeClr val="accent1"/>
                 </a:solidFill>
               </a14:hiddenFill>
             </a:ext>
             <a:ext uri="{91240B29-F687-4f45-9708-019B960494DF}">
-              <a14:hiddenLine xmlns="" xmlns:a14="http://schemas.microsoft.com/office/drawing/2010/main" w="9525">
+              <a14:hiddenLine xmlns:a14="http://schemas.microsoft.com/office/drawing/2010/main" xmlns="" w="9525">
                 <a:solidFill>
                   <a:schemeClr val="tx1"/>
                 </a:solidFill>
@@ -20748,7 +21674,7 @@
               </a14:hiddenLine>
             </a:ext>
             <a:ext uri="{AF507438-7753-43e0-B8FC-AC1667EBCBE1}">
-              <a14:hiddenEffects xmlns="" xmlns:a14="http://schemas.microsoft.com/office/drawing/2010/main">
+              <a14:hiddenEffects xmlns:a14="http://schemas.microsoft.com/office/drawing/2010/main" xmlns="">
                 <a:effectLst>
                   <a:outerShdw dist="35921" dir="2700000" algn="ctr" rotWithShape="0">
                     <a:schemeClr val="bg2"/>
@@ -20927,14 +21853,14 @@
           <a:effectLst/>
           <a:extLst>
             <a:ext uri="{909E8E84-426E-40dd-AFC4-6F175D3DCCD1}">
-              <a14:hiddenFill xmlns="" xmlns:a14="http://schemas.microsoft.com/office/drawing/2010/main">
+              <a14:hiddenFill xmlns:a14="http://schemas.microsoft.com/office/drawing/2010/main" xmlns="">
                 <a:solidFill>
                   <a:schemeClr val="accent1"/>
                 </a:solidFill>
               </a14:hiddenFill>
             </a:ext>
             <a:ext uri="{91240B29-F687-4f45-9708-019B960494DF}">
-              <a14:hiddenLine xmlns="" xmlns:a14="http://schemas.microsoft.com/office/drawing/2010/main" w="9525">
+              <a14:hiddenLine xmlns:a14="http://schemas.microsoft.com/office/drawing/2010/main" xmlns="" w="9525">
                 <a:solidFill>
                   <a:schemeClr val="tx1"/>
                 </a:solidFill>
@@ -20944,7 +21870,7 @@
               </a14:hiddenLine>
             </a:ext>
             <a:ext uri="{AF507438-7753-43e0-B8FC-AC1667EBCBE1}">
-              <a14:hiddenEffects xmlns="" xmlns:a14="http://schemas.microsoft.com/office/drawing/2010/main">
+              <a14:hiddenEffects xmlns:a14="http://schemas.microsoft.com/office/drawing/2010/main" xmlns="">
                 <a:effectLst>
                   <a:outerShdw dist="35921" dir="2700000" algn="ctr" rotWithShape="0">
                     <a:schemeClr val="bg2"/>
@@ -21310,14 +22236,14 @@
           <a:effectLst/>
           <a:extLst>
             <a:ext uri="{909E8E84-426E-40dd-AFC4-6F175D3DCCD1}">
-              <a14:hiddenFill xmlns="" xmlns:a14="http://schemas.microsoft.com/office/drawing/2010/main">
+              <a14:hiddenFill xmlns:a14="http://schemas.microsoft.com/office/drawing/2010/main" xmlns="">
                 <a:solidFill>
                   <a:schemeClr val="accent1"/>
                 </a:solidFill>
               </a14:hiddenFill>
             </a:ext>
             <a:ext uri="{91240B29-F687-4f45-9708-019B960494DF}">
-              <a14:hiddenLine xmlns="" xmlns:a14="http://schemas.microsoft.com/office/drawing/2010/main" w="9525">
+              <a14:hiddenLine xmlns:a14="http://schemas.microsoft.com/office/drawing/2010/main" xmlns="" w="9525">
                 <a:solidFill>
                   <a:schemeClr val="tx1"/>
                 </a:solidFill>
@@ -21327,7 +22253,7 @@
               </a14:hiddenLine>
             </a:ext>
             <a:ext uri="{AF507438-7753-43e0-B8FC-AC1667EBCBE1}">
-              <a14:hiddenEffects xmlns="" xmlns:a14="http://schemas.microsoft.com/office/drawing/2010/main">
+              <a14:hiddenEffects xmlns:a14="http://schemas.microsoft.com/office/drawing/2010/main" xmlns="">
                 <a:effectLst>
                   <a:outerShdw dist="35921" dir="2700000" algn="ctr" rotWithShape="0">
                     <a:schemeClr val="bg2"/>
@@ -22214,14 +23140,14 @@
           <a:effectLst/>
           <a:extLst>
             <a:ext uri="{909E8E84-426E-40dd-AFC4-6F175D3DCCD1}">
-              <a14:hiddenFill xmlns="" xmlns:a14="http://schemas.microsoft.com/office/drawing/2010/main">
+              <a14:hiddenFill xmlns:a14="http://schemas.microsoft.com/office/drawing/2010/main" xmlns="">
                 <a:solidFill>
                   <a:schemeClr val="accent1"/>
                 </a:solidFill>
               </a14:hiddenFill>
             </a:ext>
             <a:ext uri="{91240B29-F687-4f45-9708-019B960494DF}">
-              <a14:hiddenLine xmlns="" xmlns:a14="http://schemas.microsoft.com/office/drawing/2010/main" w="9525">
+              <a14:hiddenLine xmlns:a14="http://schemas.microsoft.com/office/drawing/2010/main" xmlns="" w="9525">
                 <a:solidFill>
                   <a:schemeClr val="tx1"/>
                 </a:solidFill>
@@ -22231,7 +23157,7 @@
               </a14:hiddenLine>
             </a:ext>
             <a:ext uri="{AF507438-7753-43e0-B8FC-AC1667EBCBE1}">
-              <a14:hiddenEffects xmlns="" xmlns:a14="http://schemas.microsoft.com/office/drawing/2010/main">
+              <a14:hiddenEffects xmlns:a14="http://schemas.microsoft.com/office/drawing/2010/main" xmlns="">
                 <a:effectLst>
                   <a:outerShdw dist="35921" dir="2700000" algn="ctr" rotWithShape="0">
                     <a:schemeClr val="bg2"/>
@@ -22278,14 +23204,14 @@
           <a:effectLst/>
           <a:extLst>
             <a:ext uri="{909E8E84-426E-40dd-AFC4-6F175D3DCCD1}">
-              <a14:hiddenFill xmlns="" xmlns:a14="http://schemas.microsoft.com/office/drawing/2010/main">
+              <a14:hiddenFill xmlns:a14="http://schemas.microsoft.com/office/drawing/2010/main" xmlns="">
                 <a:solidFill>
                   <a:schemeClr val="accent1"/>
                 </a:solidFill>
               </a14:hiddenFill>
             </a:ext>
             <a:ext uri="{91240B29-F687-4f45-9708-019B960494DF}">
-              <a14:hiddenLine xmlns="" xmlns:a14="http://schemas.microsoft.com/office/drawing/2010/main" w="9525">
+              <a14:hiddenLine xmlns:a14="http://schemas.microsoft.com/office/drawing/2010/main" xmlns="" w="9525">
                 <a:solidFill>
                   <a:schemeClr val="tx1"/>
                 </a:solidFill>
@@ -22295,7 +23221,7 @@
               </a14:hiddenLine>
             </a:ext>
             <a:ext uri="{AF507438-7753-43e0-B8FC-AC1667EBCBE1}">
-              <a14:hiddenEffects xmlns="" xmlns:a14="http://schemas.microsoft.com/office/drawing/2010/main">
+              <a14:hiddenEffects xmlns:a14="http://schemas.microsoft.com/office/drawing/2010/main" xmlns="">
                 <a:effectLst>
                   <a:outerShdw dist="35921" dir="2700000" algn="ctr" rotWithShape="0">
                     <a:schemeClr val="bg2"/>
@@ -24889,7 +25815,7 @@
           <a:effectLst/>
           <a:extLst>
             <a:ext uri="{AF507438-7753-43e0-B8FC-AC1667EBCBE1}">
-              <a14:hiddenEffects xmlns="" xmlns:a14="http://schemas.microsoft.com/office/drawing/2010/main">
+              <a14:hiddenEffects xmlns:a14="http://schemas.microsoft.com/office/drawing/2010/main" xmlns="">
                 <a:effectLst>
                   <a:outerShdw dist="35921" dir="2700000" algn="ctr" rotWithShape="0">
                     <a:schemeClr val="bg2"/>
@@ -24943,7 +25869,7 @@
           <a:effectLst/>
           <a:extLst>
             <a:ext uri="{AF507438-7753-43e0-B8FC-AC1667EBCBE1}">
-              <a14:hiddenEffects xmlns="" xmlns:a14="http://schemas.microsoft.com/office/drawing/2010/main">
+              <a14:hiddenEffects xmlns:a14="http://schemas.microsoft.com/office/drawing/2010/main" xmlns="">
                 <a:effectLst>
                   <a:outerShdw dist="35921" dir="2700000" algn="ctr" rotWithShape="0">
                     <a:schemeClr val="bg2"/>
@@ -24997,7 +25923,7 @@
           <a:effectLst/>
           <a:extLst>
             <a:ext uri="{AF507438-7753-43e0-B8FC-AC1667EBCBE1}">
-              <a14:hiddenEffects xmlns="" xmlns:a14="http://schemas.microsoft.com/office/drawing/2010/main">
+              <a14:hiddenEffects xmlns:a14="http://schemas.microsoft.com/office/drawing/2010/main" xmlns="">
                 <a:effectLst>
                   <a:outerShdw dist="35921" dir="2700000" algn="ctr" rotWithShape="0">
                     <a:schemeClr val="bg2"/>
@@ -25050,12 +25976,12 @@
           <a:effectLst/>
           <a:extLst>
             <a:ext uri="{909E8E84-426E-40dd-AFC4-6F175D3DCCD1}">
-              <a14:hiddenFill xmlns="" xmlns:a14="http://schemas.microsoft.com/office/drawing/2010/main">
+              <a14:hiddenFill xmlns:a14="http://schemas.microsoft.com/office/drawing/2010/main" xmlns="">
                 <a:noFill/>
               </a14:hiddenFill>
             </a:ext>
             <a:ext uri="{AF507438-7753-43e0-B8FC-AC1667EBCBE1}">
-              <a14:hiddenEffects xmlns="" xmlns:a14="http://schemas.microsoft.com/office/drawing/2010/main">
+              <a14:hiddenEffects xmlns:a14="http://schemas.microsoft.com/office/drawing/2010/main" xmlns="">
                 <a:effectLst>
                   <a:outerShdw dist="35921" dir="2700000" algn="ctr" rotWithShape="0">
                     <a:schemeClr val="bg2"/>
@@ -25129,14 +26055,14 @@
           <a:effectLst/>
           <a:extLst>
             <a:ext uri="{909E8E84-426E-40dd-AFC4-6F175D3DCCD1}">
-              <a14:hiddenFill xmlns="" xmlns:a14="http://schemas.microsoft.com/office/drawing/2010/main">
+              <a14:hiddenFill xmlns:a14="http://schemas.microsoft.com/office/drawing/2010/main" xmlns="">
                 <a:solidFill>
                   <a:schemeClr val="accent1"/>
                 </a:solidFill>
               </a14:hiddenFill>
             </a:ext>
             <a:ext uri="{91240B29-F687-4f45-9708-019B960494DF}">
-              <a14:hiddenLine xmlns="" xmlns:a14="http://schemas.microsoft.com/office/drawing/2010/main" w="9525">
+              <a14:hiddenLine xmlns:a14="http://schemas.microsoft.com/office/drawing/2010/main" xmlns="" w="9525">
                 <a:solidFill>
                   <a:schemeClr val="tx1"/>
                 </a:solidFill>
@@ -25146,7 +26072,7 @@
               </a14:hiddenLine>
             </a:ext>
             <a:ext uri="{AF507438-7753-43e0-B8FC-AC1667EBCBE1}">
-              <a14:hiddenEffects xmlns="" xmlns:a14="http://schemas.microsoft.com/office/drawing/2010/main">
+              <a14:hiddenEffects xmlns:a14="http://schemas.microsoft.com/office/drawing/2010/main" xmlns="">
                 <a:effectLst>
                   <a:outerShdw dist="35921" dir="2700000" algn="ctr" rotWithShape="0">
                     <a:schemeClr val="bg2"/>

--- a/slides/19_ML_intro.pptx
+++ b/slides/19_ML_intro.pptx
@@ -1769,7 +1769,7 @@
 <dgm:dataModel xmlns:dgm="http://schemas.openxmlformats.org/drawingml/2006/diagram" xmlns:a="http://schemas.openxmlformats.org/drawingml/2006/main">
   <dgm:ptLst>
     <dgm:pt modelId="{E0635A93-AE11-4328-8065-FAF9C37D9905}" type="doc">
-      <dgm:prSet loTypeId="urn:microsoft.com/office/officeart/2005/8/layout/list1" loCatId="list" qsTypeId="urn:microsoft.com/office/officeart/2005/8/quickstyle/simple1" qsCatId="simple" csTypeId="urn:microsoft.com/office/officeart/2005/8/colors/colorful5" csCatId="colorful"/>
+      <dgm:prSet loTypeId="urn:microsoft.com/office/officeart/2005/8/layout/list1" loCatId="list" qsTypeId="urn:microsoft.com/office/officeart/2005/8/quickstyle/simple1" qsCatId="simple" csTypeId="urn:microsoft.com/office/officeart/2005/8/colors/colorful5" csCatId="colorful" phldr="1"/>
       <dgm:spPr/>
       <dgm:t>
         <a:bodyPr/>
@@ -1823,18 +1823,26 @@
         <a:lstStyle/>
         <a:p>
           <a:r>
-            <a:rPr lang="en-US" b="1"/>
+            <a:rPr lang="en-US" b="1" dirty="0"/>
             <a:t>Generalized linear model (GLM): </a:t>
           </a:r>
           <a:r>
-            <a:rPr lang="en-US"/>
-            <a:t>A model family that includes linear regression and the classification method </a:t>
+            <a:rPr lang="en-US" dirty="0"/>
+            <a:t>This important model family includes </a:t>
           </a:r>
           <a:r>
-            <a:rPr lang="en-US" b="1"/>
+            <a:rPr lang="en-US" b="1" dirty="0"/>
+            <a:t>linear regression </a:t>
+          </a:r>
+          <a:r>
+            <a:rPr lang="en-US" dirty="0"/>
+            <a:t>and the classification method </a:t>
+          </a:r>
+          <a:r>
+            <a:rPr lang="en-US" b="1" dirty="0"/>
             <a:t>logistic regression. </a:t>
           </a:r>
-          <a:endParaRPr lang="en-US"/>
+          <a:endParaRPr lang="en-US" dirty="0"/>
         </a:p>
       </dgm:t>
     </dgm:pt>
@@ -1904,11 +1912,11 @@
         <a:lstStyle/>
         <a:p>
           <a:r>
-            <a:rPr lang="en-US" b="1"/>
+            <a:rPr lang="en-US" b="1" dirty="0"/>
             <a:t>Regularization: </a:t>
           </a:r>
           <a:r>
-            <a:rPr lang="en-US"/>
+            <a:rPr lang="en-US" dirty="0"/>
             <a:t>enforce simplicity by using a penalty for complexity.</a:t>
           </a:r>
         </a:p>
@@ -1944,11 +1952,11 @@
         <a:lstStyle/>
         <a:p>
           <a:r>
-            <a:rPr lang="en-US" b="1"/>
+            <a:rPr lang="en-US" b="1" dirty="0"/>
             <a:t>Kernel trick: </a:t>
           </a:r>
           <a:r>
-            <a:rPr lang="en-US"/>
+            <a:rPr lang="en-US" dirty="0"/>
             <a:t>Let a linear classifier learn non-linear decision boundaries ( = a linear boundary in a high dimensional space).</a:t>
           </a:r>
         </a:p>
@@ -1984,11 +1992,11 @@
         <a:lstStyle/>
         <a:p>
           <a:r>
-            <a:rPr lang="en-US" b="1"/>
+            <a:rPr lang="en-US" b="1" dirty="0"/>
             <a:t>Ensemble Learning: </a:t>
           </a:r>
           <a:r>
-            <a:rPr lang="en-US"/>
+            <a:rPr lang="en-US" dirty="0"/>
             <a:t>Use many models and combine the results (e.g., random forest, boosting).</a:t>
           </a:r>
         </a:p>
@@ -2006,6 +2014,46 @@
       </dgm:t>
     </dgm:pt>
     <dgm:pt modelId="{FF7B8661-0B4E-4941-ADB2-7BAE0844A58C}" type="sibTrans" cxnId="{F4F628F2-5EDD-4BFF-83E7-EF6DDB4CD7BC}">
+      <dgm:prSet/>
+      <dgm:spPr/>
+      <dgm:t>
+        <a:bodyPr/>
+        <a:lstStyle/>
+        <a:p>
+          <a:endParaRPr lang="en-US"/>
+        </a:p>
+      </dgm:t>
+    </dgm:pt>
+    <dgm:pt modelId="{C3CA89AC-F4C6-46FD-B0E9-61BD509DA3AB}">
+      <dgm:prSet/>
+      <dgm:spPr/>
+      <dgm:t>
+        <a:bodyPr/>
+        <a:lstStyle/>
+        <a:p>
+          <a:r>
+            <a:rPr lang="en-US" b="1" dirty="0"/>
+            <a:t>Embedding and Dimensionality Reduction: </a:t>
+          </a:r>
+          <a:r>
+            <a:rPr lang="en-US" dirty="0"/>
+            <a:t>Learn how to represent data in a simpler way.</a:t>
+          </a:r>
+        </a:p>
+      </dgm:t>
+    </dgm:pt>
+    <dgm:pt modelId="{8DB2500D-776E-4F4F-B91F-62CCC0E3AD0A}" type="parTrans" cxnId="{7145D416-5044-449E-AF9F-93AA3846825E}">
+      <dgm:prSet/>
+      <dgm:spPr/>
+      <dgm:t>
+        <a:bodyPr/>
+        <a:lstStyle/>
+        <a:p>
+          <a:endParaRPr lang="en-US"/>
+        </a:p>
+      </dgm:t>
+    </dgm:pt>
+    <dgm:pt modelId="{2485EA27-5696-4623-8B9A-705E18564C54}" type="sibTrans" cxnId="{7145D416-5044-449E-AF9F-93AA3846825E}">
       <dgm:prSet/>
       <dgm:spPr/>
       <dgm:t>
@@ -2091,6 +2139,7 @@
   </dgm:ptLst>
   <dgm:cxnLst>
     <dgm:cxn modelId="{64BCFF14-A8A7-49A5-9F46-1A4FE24AB927}" srcId="{40585307-9758-4CB4-BF58-076BC1745A6A}" destId="{5D695B2C-1523-4190-BB96-EA1E42AD2FAC}" srcOrd="1" destOrd="0" parTransId="{C9A82CFF-E498-4AF4-BB06-985F23FE45AA}" sibTransId="{1E90E51C-E657-4416-A5AC-07309E49D108}"/>
+    <dgm:cxn modelId="{7145D416-5044-449E-AF9F-93AA3846825E}" srcId="{40585307-9758-4CB4-BF58-076BC1745A6A}" destId="{C3CA89AC-F4C6-46FD-B0E9-61BD509DA3AB}" srcOrd="3" destOrd="0" parTransId="{8DB2500D-776E-4F4F-B91F-62CCC0E3AD0A}" sibTransId="{2485EA27-5696-4623-8B9A-705E18564C54}"/>
     <dgm:cxn modelId="{44786C39-1398-43AC-A942-0B7F1EA30DDA}" type="presOf" srcId="{5D695B2C-1523-4190-BB96-EA1E42AD2FAC}" destId="{8BD60244-BD09-48B5-A6BD-A5920B49269F}" srcOrd="0" destOrd="1" presId="urn:microsoft.com/office/officeart/2005/8/layout/list1"/>
     <dgm:cxn modelId="{2908AE40-3EB6-4934-BED4-47236A0AB6A3}" type="presOf" srcId="{1ED475E8-E0EC-4711-B4FB-E75F7477CAAA}" destId="{E878BA4F-48C0-44F7-B49B-2544E59430F6}" srcOrd="0" destOrd="0" presId="urn:microsoft.com/office/officeart/2005/8/layout/list1"/>
     <dgm:cxn modelId="{F6C20B5C-46E0-4327-8CF9-B1E440D159B4}" type="presOf" srcId="{40585307-9758-4CB4-BF58-076BC1745A6A}" destId="{67A26B9C-FEA4-49A0-A2A6-D596F117EE18}" srcOrd="0" destOrd="0" presId="urn:microsoft.com/office/officeart/2005/8/layout/list1"/>
@@ -2098,6 +2147,7 @@
     <dgm:cxn modelId="{928A9563-3671-4CA3-8265-76E71A85FC85}" type="presOf" srcId="{5F00ADBC-B568-4242-97BA-94CD45AB333E}" destId="{8BD60244-BD09-48B5-A6BD-A5920B49269F}" srcOrd="0" destOrd="0" presId="urn:microsoft.com/office/officeart/2005/8/layout/list1"/>
     <dgm:cxn modelId="{D02BBE48-0970-479F-9003-FCD68A563521}" type="presOf" srcId="{540E4FCF-D100-461B-AEA3-55B9A2AC7A9D}" destId="{8BD60244-BD09-48B5-A6BD-A5920B49269F}" srcOrd="0" destOrd="2" presId="urn:microsoft.com/office/officeart/2005/8/layout/list1"/>
     <dgm:cxn modelId="{7DC56D74-B858-411A-AB34-7AD6094F8BCE}" srcId="{E0635A93-AE11-4328-8065-FAF9C37D9905}" destId="{40585307-9758-4CB4-BF58-076BC1745A6A}" srcOrd="1" destOrd="0" parTransId="{D8FDF1E4-9B66-441C-9785-F4830EABC37D}" sibTransId="{11746D72-579A-498E-852B-8BEE617DD097}"/>
+    <dgm:cxn modelId="{D104E1A4-26F3-430A-AB12-B1DC1A3251B7}" type="presOf" srcId="{C3CA89AC-F4C6-46FD-B0E9-61BD509DA3AB}" destId="{8BD60244-BD09-48B5-A6BD-A5920B49269F}" srcOrd="0" destOrd="3" presId="urn:microsoft.com/office/officeart/2005/8/layout/list1"/>
     <dgm:cxn modelId="{8B1363AA-5E44-43B2-AF6C-D6626AEDEFAA}" type="presOf" srcId="{DB5E95F5-B2F1-4821-9D54-DC9AD43F9E7A}" destId="{68739E00-13B3-45DC-907F-4AA92DEEEA6D}" srcOrd="0" destOrd="0" presId="urn:microsoft.com/office/officeart/2005/8/layout/list1"/>
     <dgm:cxn modelId="{2AA82FB5-1E60-4FA3-8241-EB851911C1DA}" srcId="{40585307-9758-4CB4-BF58-076BC1745A6A}" destId="{5F00ADBC-B568-4242-97BA-94CD45AB333E}" srcOrd="0" destOrd="0" parTransId="{7AF04798-FD68-4F6B-87A2-A52C6F973446}" sibTransId="{EB1CF6BA-5482-4A2B-9542-22BBD65B0A0D}"/>
     <dgm:cxn modelId="{E8F319D2-5FAD-4834-A83C-7D096D439476}" srcId="{DB5E95F5-B2F1-4821-9D54-DC9AD43F9E7A}" destId="{1ED475E8-E0EC-4711-B4FB-E75F7477CAAA}" srcOrd="0" destOrd="0" parTransId="{236BEB09-5B70-49D3-867A-4105FE3894F9}" sibTransId="{E41B67BC-CBCA-466C-8232-7B155C3E702C}"/>
@@ -2261,8 +2311,12 @@
         <a:lstStyle/>
         <a:p>
           <a:r>
-            <a:rPr lang="en-US"/>
-            <a:t>Natural language processing/language models: Use deep learning to understand and create test.</a:t>
+            <a:rPr lang="en-US" b="1" dirty="0"/>
+            <a:t>Natural language processing: </a:t>
+          </a:r>
+          <a:r>
+            <a:rPr lang="en-US" dirty="0"/>
+            <a:t>Use deep learning / word embeddings / language models to understand concepts, translate between languages, or generate text.</a:t>
           </a:r>
         </a:p>
       </dgm:t>
@@ -2297,8 +2351,8 @@
         <a:lstStyle/>
         <a:p>
           <a:r>
-            <a:rPr lang="en-US"/>
-            <a:t>Speech recognition</a:t>
+            <a:rPr lang="en-US" dirty="0"/>
+            <a:t>Speech recognition: Identify the most likely sequence of words. </a:t>
           </a:r>
         </a:p>
       </dgm:t>
@@ -2333,8 +2387,8 @@
         <a:lstStyle/>
         <a:p>
           <a:r>
-            <a:rPr lang="en-US"/>
-            <a:t>Vision: Images/video processing, object recognition </a:t>
+            <a:rPr lang="en-US" dirty="0"/>
+            <a:t>Vision: Object recognition in images/videos. Generate images/video.</a:t>
           </a:r>
         </a:p>
       </dgm:t>
@@ -2370,15 +2424,7 @@
         <a:p>
           <a:r>
             <a:rPr lang="en-US" dirty="0"/>
-            <a:t>Learn evaluation functions for </a:t>
-          </a:r>
-          <a:r>
-            <a:rPr lang="en-US" b="1" dirty="0"/>
-            <a:t>heuristic</a:t>
-          </a:r>
-          <a:r>
-            <a:rPr lang="en-US" dirty="0"/>
-            <a:t> minimax search from examples. </a:t>
+            <a:t>Learn evaluation functions for states. </a:t>
           </a:r>
         </a:p>
       </dgm:t>
@@ -2420,18 +2466,7 @@
           <a:br>
             <a:rPr lang="en-US" dirty="0"/>
           </a:br>
-          <a:r>
-            <a:rPr lang="en-US" dirty="0"/>
-            <a:t>This model can also be used as a </a:t>
-          </a:r>
-          <a:r>
-            <a:rPr lang="en-US" b="1" dirty="0"/>
-            <a:t>playout policy </a:t>
-          </a:r>
-          <a:r>
-            <a:rPr lang="en-US" dirty="0"/>
-            <a:t>for Monte Carlo tree search and self-play. </a:t>
-          </a:r>
+          <a:endParaRPr lang="en-US" dirty="0"/>
         </a:p>
       </dgm:t>
     </dgm:pt>
@@ -2457,8 +2492,8 @@
         </a:p>
       </dgm:t>
     </dgm:pt>
-    <mc:AlternateContent xmlns:mc="http://schemas.openxmlformats.org/markup-compatibility/2006">
-      <mc:Choice xmlns:a14="http://schemas.microsoft.com/office/drawing/2010/main" Requires="a14">
+    <mc:AlternateContent xmlns:mc="http://schemas.openxmlformats.org/markup-compatibility/2006" xmlns:a14="http://schemas.microsoft.com/office/drawing/2010/main">
+      <mc:Choice Requires="a14">
         <dgm:pt modelId="{EDE1371B-F13F-4A60-9C71-C9674634C493}">
           <dgm:prSet/>
           <dgm:spPr/>
@@ -2519,7 +2554,7 @@
           </dgm:t>
         </dgm:pt>
       </mc:Choice>
-      <mc:Fallback>
+      <mc:Fallback xmlns="">
         <dgm:pt modelId="{EDE1371B-F13F-4A60-9C71-C9674634C493}">
           <dgm:prSet/>
           <dgm:spPr/>
@@ -2564,42 +2599,8 @@
         </a:p>
       </dgm:t>
     </dgm:pt>
-    <dgm:pt modelId="{9FF9450B-CD64-4B9D-858C-3420504032D9}">
-      <dgm:prSet/>
-      <dgm:spPr/>
-      <dgm:t>
-        <a:bodyPr/>
-        <a:lstStyle/>
-        <a:p>
-          <a:pPr algn="l"/>
-          <a:endParaRPr lang="en-US" dirty="0"/>
-        </a:p>
-      </dgm:t>
-    </dgm:pt>
-    <dgm:pt modelId="{3313EA43-935A-4B51-92EE-AA7385817721}" type="parTrans" cxnId="{67C45599-DB43-45D6-BF7B-3FBFDCB0EEA1}">
-      <dgm:prSet/>
-      <dgm:spPr/>
-      <dgm:t>
-        <a:bodyPr/>
-        <a:lstStyle/>
-        <a:p>
-          <a:endParaRPr lang="en-US"/>
-        </a:p>
-      </dgm:t>
-    </dgm:pt>
-    <dgm:pt modelId="{468A981D-8130-4194-A546-6C7BBB1A9739}" type="sibTrans" cxnId="{67C45599-DB43-45D6-BF7B-3FBFDCB0EEA1}">
-      <dgm:prSet/>
-      <dgm:spPr/>
-      <dgm:t>
-        <a:bodyPr/>
-        <a:lstStyle/>
-        <a:p>
-          <a:endParaRPr lang="en-US"/>
-        </a:p>
-      </dgm:t>
-    </dgm:pt>
-    <mc:AlternateContent xmlns:mc="http://schemas.openxmlformats.org/markup-compatibility/2006">
-      <mc:Choice xmlns:a14="http://schemas.microsoft.com/office/drawing/2010/main" Requires="a14">
+    <mc:AlternateContent xmlns:mc="http://schemas.openxmlformats.org/markup-compatibility/2006" xmlns:a14="http://schemas.microsoft.com/office/drawing/2010/main">
+      <mc:Choice Requires="a14">
         <dgm:pt modelId="{6F1981E5-7B90-4815-8E6C-BF76A61A82B2}">
           <dgm:prSet/>
           <dgm:spPr/>
@@ -2660,7 +2661,7 @@
           </dgm:t>
         </dgm:pt>
       </mc:Choice>
-      <mc:Fallback>
+      <mc:Fallback xmlns="">
         <dgm:pt modelId="{6F1981E5-7B90-4815-8E6C-BF76A61A82B2}">
           <dgm:prSet/>
           <dgm:spPr/>
@@ -2705,7 +2706,91 @@
         </a:p>
       </dgm:t>
     </dgm:pt>
-    <dgm:pt modelId="{B363E2CE-7DCB-4BEC-9A06-7E58F8EEF8DE}">
+    <dgm:pt modelId="{245DE14A-D8DF-4249-9DE9-C2673C2D8436}">
+      <dgm:prSet/>
+      <dgm:spPr/>
+      <dgm:t>
+        <a:bodyPr/>
+        <a:lstStyle/>
+        <a:p>
+          <a:pPr algn="l">
+            <a:buFont typeface="Arial" panose="020B0604020202020204" pitchFamily="34" charset="0"/>
+            <a:buChar char="•"/>
+          </a:pPr>
+          <a:r>
+            <a:rPr lang="en-US" dirty="0"/>
+            <a:t>This model can also be used as a </a:t>
+          </a:r>
+          <a:r>
+            <a:rPr lang="en-US" b="1" dirty="0"/>
+            <a:t>playout policy </a:t>
+          </a:r>
+          <a:r>
+            <a:rPr lang="en-US" dirty="0"/>
+            <a:t>for Monte Carlo tree search with data from self-play. </a:t>
+          </a:r>
+        </a:p>
+      </dgm:t>
+    </dgm:pt>
+    <dgm:pt modelId="{78C1E7EC-51D9-4B07-B8C5-9982383BC9BC}" type="parTrans" cxnId="{33FF2463-0D15-48BD-97C1-5AAE8DD4B704}">
+      <dgm:prSet/>
+      <dgm:spPr/>
+      <dgm:t>
+        <a:bodyPr/>
+        <a:lstStyle/>
+        <a:p>
+          <a:endParaRPr lang="en-US"/>
+        </a:p>
+      </dgm:t>
+    </dgm:pt>
+    <dgm:pt modelId="{C27118E3-D343-4642-93AC-0832E5B5F8F8}" type="sibTrans" cxnId="{33FF2463-0D15-48BD-97C1-5AAE8DD4B704}">
+      <dgm:prSet/>
+      <dgm:spPr/>
+      <dgm:t>
+        <a:bodyPr/>
+        <a:lstStyle/>
+        <a:p>
+          <a:endParaRPr lang="en-US"/>
+        </a:p>
+      </dgm:t>
+    </dgm:pt>
+    <dgm:pt modelId="{61E6867C-D57D-4FA9-AD02-151D6C921832}">
+      <dgm:prSet/>
+      <dgm:spPr/>
+      <dgm:t>
+        <a:bodyPr/>
+        <a:lstStyle/>
+        <a:p>
+          <a:pPr algn="ctr">
+            <a:buNone/>
+          </a:pPr>
+          <a:endParaRPr lang="en-US" dirty="0"/>
+        </a:p>
+      </dgm:t>
+    </dgm:pt>
+    <dgm:pt modelId="{1B3145D2-428D-4FA1-B06C-2E804BA79C17}" type="parTrans" cxnId="{0A128856-3C02-4604-B053-611008DE508A}">
+      <dgm:prSet/>
+      <dgm:spPr/>
+      <dgm:t>
+        <a:bodyPr/>
+        <a:lstStyle/>
+        <a:p>
+          <a:endParaRPr lang="en-US"/>
+        </a:p>
+      </dgm:t>
+    </dgm:pt>
+    <dgm:pt modelId="{2CEDF928-8683-4477-BCFD-E50333B49F27}" type="sibTrans" cxnId="{0A128856-3C02-4604-B053-611008DE508A}">
+      <dgm:prSet/>
+      <dgm:spPr/>
+      <dgm:t>
+        <a:bodyPr/>
+        <a:lstStyle/>
+        <a:p>
+          <a:endParaRPr lang="en-US"/>
+        </a:p>
+      </dgm:t>
+    </dgm:pt>
+    <dgm:pt modelId="{043CC71B-7C00-494D-A263-6E5A70EBDA9B}">
       <dgm:prSet/>
       <dgm:spPr/>
       <dgm:t>
@@ -2716,7 +2801,7 @@
         </a:p>
       </dgm:t>
     </dgm:pt>
-    <dgm:pt modelId="{DAB6310E-981C-4FDF-97C5-CC93D468BCB3}" type="parTrans" cxnId="{0A9CE2F1-7686-41B0-A957-F137D6ED65C5}">
+    <dgm:pt modelId="{15C4891C-23A1-4994-AA2A-3C6D150ABE4F}" type="parTrans" cxnId="{89D008FF-C54E-413D-B2D4-DC47714A05E7}">
       <dgm:prSet/>
       <dgm:spPr/>
       <dgm:t>
@@ -2727,7 +2812,84 @@
         </a:p>
       </dgm:t>
     </dgm:pt>
-    <dgm:pt modelId="{FC87635A-50C6-4A99-A872-E787BFCF5B00}" type="sibTrans" cxnId="{0A9CE2F1-7686-41B0-A957-F137D6ED65C5}">
+    <dgm:pt modelId="{7AFE70C5-9A12-459E-8F23-C950182721A2}" type="sibTrans" cxnId="{89D008FF-C54E-413D-B2D4-DC47714A05E7}">
+      <dgm:prSet/>
+      <dgm:spPr/>
+      <dgm:t>
+        <a:bodyPr/>
+        <a:lstStyle/>
+        <a:p>
+          <a:endParaRPr lang="en-US"/>
+        </a:p>
+      </dgm:t>
+    </dgm:pt>
+    <dgm:pt modelId="{9B106930-F9A0-4ACD-94B0-354CD1332042}">
+      <dgm:prSet/>
+      <dgm:spPr/>
+      <dgm:t>
+        <a:bodyPr/>
+        <a:lstStyle/>
+        <a:p>
+          <a:r>
+            <a:rPr lang="en-US" dirty="0"/>
+            <a:t>Can learn a </a:t>
+          </a:r>
+          <a:r>
+            <a:rPr lang="en-US" b="1" dirty="0"/>
+            <a:t>heuristic</a:t>
+          </a:r>
+          <a:r>
+            <a:rPr lang="en-US" dirty="0"/>
+            <a:t> for minimax search from examples. </a:t>
+          </a:r>
+        </a:p>
+      </dgm:t>
+    </dgm:pt>
+    <dgm:pt modelId="{BA70B5A5-EAF6-48E2-86F6-2C4A920D5101}" type="parTrans" cxnId="{2478958D-4ED5-41C7-A7EC-CF4141C98EF9}">
+      <dgm:prSet/>
+      <dgm:spPr/>
+      <dgm:t>
+        <a:bodyPr/>
+        <a:lstStyle/>
+        <a:p>
+          <a:endParaRPr lang="en-US"/>
+        </a:p>
+      </dgm:t>
+    </dgm:pt>
+    <dgm:pt modelId="{2667EBCA-636F-47C1-AD35-7BF51507062A}" type="sibTrans" cxnId="{2478958D-4ED5-41C7-A7EC-CF4141C98EF9}">
+      <dgm:prSet/>
+      <dgm:spPr/>
+      <dgm:t>
+        <a:bodyPr/>
+        <a:lstStyle/>
+        <a:p>
+          <a:endParaRPr lang="en-US"/>
+        </a:p>
+      </dgm:t>
+    </dgm:pt>
+    <dgm:pt modelId="{3F80C23F-E2DE-4C99-9A06-83F8F9D715DA}">
+      <dgm:prSet/>
+      <dgm:spPr/>
+      <dgm:t>
+        <a:bodyPr/>
+        <a:lstStyle/>
+        <a:p>
+          <a:endParaRPr lang="en-US" dirty="0"/>
+        </a:p>
+      </dgm:t>
+    </dgm:pt>
+    <dgm:pt modelId="{60A3FCDC-F83F-4963-9AE4-E6BAFCDC11FE}" type="parTrans" cxnId="{299F5BFA-29AA-4C44-B916-9E84482E6704}">
+      <dgm:prSet/>
+      <dgm:spPr/>
+      <dgm:t>
+        <a:bodyPr/>
+        <a:lstStyle/>
+        <a:p>
+          <a:endParaRPr lang="en-US"/>
+        </a:p>
+      </dgm:t>
+    </dgm:pt>
+    <dgm:pt modelId="{FBD137B2-BE6C-4943-BF43-7A17BCAED9B4}" type="sibTrans" cxnId="{299F5BFA-29AA-4C44-B916-9E84482E6704}">
       <dgm:prSet/>
       <dgm:spPr/>
       <dgm:t>
@@ -2825,30 +2987,36 @@
   </dgm:ptLst>
   <dgm:cxnLst>
     <dgm:cxn modelId="{F8CDE900-66E2-43D8-9B26-F46263F82DC3}" srcId="{A583D8F7-0B58-43A8-AE34-32594DE1738D}" destId="{D34A97D6-7F64-43FE-9E71-292031C611FD}" srcOrd="0" destOrd="0" parTransId="{473821D3-ED3B-4654-AD09-B5F3478C5F12}" sibTransId="{5F5526E9-ADF1-4E64-835D-D75224265BC3}"/>
-    <dgm:cxn modelId="{2A68C010-6173-489B-B89C-844B024840F5}" type="presOf" srcId="{B363E2CE-7DCB-4BEC-9A06-7E58F8EEF8DE}" destId="{5C57C7EB-478D-4F11-B65D-9016B386C608}" srcOrd="0" destOrd="1" presId="urn:microsoft.com/office/officeart/2005/8/layout/hList1"/>
+    <dgm:cxn modelId="{53A53D03-80E1-48CA-A30D-146DC7F8FDED}" type="presOf" srcId="{043CC71B-7C00-494D-A263-6E5A70EBDA9B}" destId="{5C57C7EB-478D-4F11-B65D-9016B386C608}" srcOrd="0" destOrd="1" presId="urn:microsoft.com/office/officeart/2005/8/layout/hList1"/>
+    <dgm:cxn modelId="{5ECB7F28-792A-42B7-9375-F2151D7E58A0}" type="presOf" srcId="{3F80C23F-E2DE-4C99-9A06-83F8F9D715DA}" destId="{5C57C7EB-478D-4F11-B65D-9016B386C608}" srcOrd="0" destOrd="3" presId="urn:microsoft.com/office/officeart/2005/8/layout/hList1"/>
     <dgm:cxn modelId="{B5622D29-BD86-4B5D-AB9F-7058EC9A526D}" type="presOf" srcId="{74EA25D4-C666-430E-B926-BC3E0A898030}" destId="{228970AD-4D95-42F2-B737-33364C2CB3CE}" srcOrd="0" destOrd="0" presId="urn:microsoft.com/office/officeart/2005/8/layout/hList1"/>
-    <dgm:cxn modelId="{DA4D6D38-E880-4C43-9126-2A194B61F09B}" srcId="{D34A97D6-7F64-43FE-9E71-292031C611FD}" destId="{EDE1371B-F13F-4A60-9C71-C9674634C493}" srcOrd="2" destOrd="0" parTransId="{25A610CF-D9CB-4D37-AD14-9FD3C5DEBB12}" sibTransId="{094E6D5F-5E37-4822-A6C2-7E7C4E8BFEE2}"/>
+    <dgm:cxn modelId="{DA4D6D38-E880-4C43-9126-2A194B61F09B}" srcId="{D34A97D6-7F64-43FE-9E71-292031C611FD}" destId="{EDE1371B-F13F-4A60-9C71-C9674634C493}" srcOrd="1" destOrd="0" parTransId="{25A610CF-D9CB-4D37-AD14-9FD3C5DEBB12}" sibTransId="{094E6D5F-5E37-4822-A6C2-7E7C4E8BFEE2}"/>
     <dgm:cxn modelId="{0C797F5E-1C7F-470F-A479-95129B6C1AF1}" type="presOf" srcId="{01B79AF0-D00A-4481-ABCC-79C23BE0D981}" destId="{01534658-91BB-4C44-9424-637822D3A9D0}" srcOrd="0" destOrd="0" presId="urn:microsoft.com/office/officeart/2005/8/layout/hList1"/>
     <dgm:cxn modelId="{13269C61-9F1B-42C4-A1CC-14B4ACA7AC77}" srcId="{D34A97D6-7F64-43FE-9E71-292031C611FD}" destId="{E751CBEA-6A28-4628-AEF9-A836469D1860}" srcOrd="0" destOrd="0" parTransId="{0FA1799D-D4E3-44F7-9EF0-50A0558ED64B}" sibTransId="{2877FB4F-9657-4ADC-8421-F8BED486559E}"/>
+    <dgm:cxn modelId="{33FF2463-0D15-48BD-97C1-5AAE8DD4B704}" srcId="{D34A97D6-7F64-43FE-9E71-292031C611FD}" destId="{245DE14A-D8DF-4249-9DE9-C2673C2D8436}" srcOrd="3" destOrd="0" parTransId="{78C1E7EC-51D9-4B07-B8C5-9982383BC9BC}" sibTransId="{C27118E3-D343-4642-93AC-0832E5B5F8F8}"/>
     <dgm:cxn modelId="{F1674269-886A-48EB-88FC-D08005B5EF83}" type="presOf" srcId="{31DF8B81-89DE-4067-8DCB-2E730ECA86DF}" destId="{4712BD07-C9A8-4BD1-BC67-16B85061F7C6}" srcOrd="0" destOrd="1" presId="urn:microsoft.com/office/officeart/2005/8/layout/hList1"/>
+    <dgm:cxn modelId="{0A128856-3C02-4604-B053-611008DE508A}" srcId="{D34A97D6-7F64-43FE-9E71-292031C611FD}" destId="{61E6867C-D57D-4FA9-AD02-151D6C921832}" srcOrd="2" destOrd="0" parTransId="{1B3145D2-428D-4FA1-B06C-2E804BA79C17}" sibTransId="{2CEDF928-8683-4477-BCFD-E50333B49F27}"/>
+    <dgm:cxn modelId="{7081F07C-0351-4DE5-AA4F-5F4C5E4EB825}" type="presOf" srcId="{245DE14A-D8DF-4249-9DE9-C2673C2D8436}" destId="{BACEBB25-2A32-4633-A8AA-43030F652DE8}" srcOrd="0" destOrd="3" presId="urn:microsoft.com/office/officeart/2005/8/layout/hList1"/>
     <dgm:cxn modelId="{1521237E-0C0D-4101-AB54-2D5AC59E7969}" type="presOf" srcId="{A583D8F7-0B58-43A8-AE34-32594DE1738D}" destId="{1DC10AE1-4929-4B55-A688-C70A646FA12F}" srcOrd="0" destOrd="0" presId="urn:microsoft.com/office/officeart/2005/8/layout/hList1"/>
-    <dgm:cxn modelId="{1602307F-F5CE-4EE3-8C0D-CCE3B0BF6B85}" type="presOf" srcId="{EDE1371B-F13F-4A60-9C71-C9674634C493}" destId="{BACEBB25-2A32-4633-A8AA-43030F652DE8}" srcOrd="0" destOrd="2" presId="urn:microsoft.com/office/officeart/2005/8/layout/hList1"/>
+    <dgm:cxn modelId="{1602307F-F5CE-4EE3-8C0D-CCE3B0BF6B85}" type="presOf" srcId="{EDE1371B-F13F-4A60-9C71-C9674634C493}" destId="{BACEBB25-2A32-4633-A8AA-43030F652DE8}" srcOrd="0" destOrd="1" presId="urn:microsoft.com/office/officeart/2005/8/layout/hList1"/>
+    <dgm:cxn modelId="{2478958D-4ED5-41C7-A7EC-CF4141C98EF9}" srcId="{01B79AF0-D00A-4481-ABCC-79C23BE0D981}" destId="{9B106930-F9A0-4ACD-94B0-354CD1332042}" srcOrd="4" destOrd="0" parTransId="{BA70B5A5-EAF6-48E2-86F6-2C4A920D5101}" sibTransId="{2667EBCA-636F-47C1-AD35-7BF51507062A}"/>
     <dgm:cxn modelId="{0C8EC091-5D95-41A4-8DC2-33232EC0373B}" srcId="{74EA25D4-C666-430E-B926-BC3E0A898030}" destId="{31DF8B81-89DE-4067-8DCB-2E730ECA86DF}" srcOrd="1" destOrd="0" parTransId="{662DCB60-3B82-4FFE-A5B4-BC89BE80ECA3}" sibTransId="{D954A0D9-450C-469C-AF55-29F51DDD5128}"/>
-    <dgm:cxn modelId="{67C45599-DB43-45D6-BF7B-3FBFDCB0EEA1}" srcId="{D34A97D6-7F64-43FE-9E71-292031C611FD}" destId="{9FF9450B-CD64-4B9D-858C-3420504032D9}" srcOrd="1" destOrd="0" parTransId="{3313EA43-935A-4B51-92EE-AA7385817721}" sibTransId="{468A981D-8130-4194-A546-6C7BBB1A9739}"/>
     <dgm:cxn modelId="{580742A4-3137-4180-B3F3-FA045BF44957}" type="presOf" srcId="{6F1981E5-7B90-4815-8E6C-BF76A61A82B2}" destId="{5C57C7EB-478D-4F11-B65D-9016B386C608}" srcOrd="0" destOrd="2" presId="urn:microsoft.com/office/officeart/2005/8/layout/hList1"/>
     <dgm:cxn modelId="{19A3B6A4-702D-4113-814B-C7071F372D14}" srcId="{01B79AF0-D00A-4481-ABCC-79C23BE0D981}" destId="{6F1981E5-7B90-4815-8E6C-BF76A61A82B2}" srcOrd="2" destOrd="0" parTransId="{87B2FC2E-2E60-40C3-9AAF-406CCAE2343C}" sibTransId="{89AF6B90-77B0-4D3A-9A44-7397E4D3247F}"/>
     <dgm:cxn modelId="{088707AA-6FB9-4E82-9DAA-6C6EFEA52DF5}" srcId="{74EA25D4-C666-430E-B926-BC3E0A898030}" destId="{CCA12CF6-7908-4C4A-965E-EC2EF51D4C2F}" srcOrd="2" destOrd="0" parTransId="{9B7EE822-1EF4-4903-873D-D3C4DEFB1AFE}" sibTransId="{811ADBE4-0AF4-4688-8DB2-9E9770203515}"/>
+    <dgm:cxn modelId="{1E6162AA-C1ED-461B-A597-010485464D3D}" type="presOf" srcId="{61E6867C-D57D-4FA9-AD02-151D6C921832}" destId="{BACEBB25-2A32-4633-A8AA-43030F652DE8}" srcOrd="0" destOrd="2" presId="urn:microsoft.com/office/officeart/2005/8/layout/hList1"/>
     <dgm:cxn modelId="{BC0227BA-064E-4EDC-AD21-E6C366D45ABC}" srcId="{01B79AF0-D00A-4481-ABCC-79C23BE0D981}" destId="{2CD701B0-71C1-4D71-95C4-995D1C9DF881}" srcOrd="0" destOrd="0" parTransId="{3F0229C3-B135-41E0-9224-B7C186F1C3E3}" sibTransId="{EC10A725-9EE8-4060-B39F-2179338B7D1D}"/>
-    <dgm:cxn modelId="{2C5629C7-11AD-4AD1-9BA2-CDD9090BF9E8}" type="presOf" srcId="{9FF9450B-CD64-4B9D-858C-3420504032D9}" destId="{BACEBB25-2A32-4633-A8AA-43030F652DE8}" srcOrd="0" destOrd="1" presId="urn:microsoft.com/office/officeart/2005/8/layout/hList1"/>
     <dgm:cxn modelId="{0E249FD3-059E-4478-9409-141F9D7F9E7E}" srcId="{A583D8F7-0B58-43A8-AE34-32594DE1738D}" destId="{74EA25D4-C666-430E-B926-BC3E0A898030}" srcOrd="2" destOrd="0" parTransId="{11335F3B-32C2-4D5B-8FAA-0554439FBEBD}" sibTransId="{9998D001-06E5-4323-9A95-FF39D5528DEE}"/>
     <dgm:cxn modelId="{450551D4-3D17-4750-A91B-523CE93837B9}" srcId="{74EA25D4-C666-430E-B926-BC3E0A898030}" destId="{2707F35C-DC5B-4282-A2F4-CBE82FD923AA}" srcOrd="0" destOrd="0" parTransId="{A3E77A82-9321-40D7-B79F-2EA2E6B6A06B}" sibTransId="{57276838-1112-4D51-9573-EE3033637F26}"/>
     <dgm:cxn modelId="{6B3BF5DA-A6A6-4B18-B7D5-419100712960}" type="presOf" srcId="{CCA12CF6-7908-4C4A-965E-EC2EF51D4C2F}" destId="{4712BD07-C9A8-4BD1-BC67-16B85061F7C6}" srcOrd="0" destOrd="2" presId="urn:microsoft.com/office/officeart/2005/8/layout/hList1"/>
     <dgm:cxn modelId="{0F695CDB-12E7-48CA-965B-64AE8B41369D}" srcId="{A583D8F7-0B58-43A8-AE34-32594DE1738D}" destId="{01B79AF0-D00A-4481-ABCC-79C23BE0D981}" srcOrd="1" destOrd="0" parTransId="{07E99DBE-D7FD-43AE-9C8C-77E6706F4E8E}" sibTransId="{D16F71D4-2CFD-4775-9558-5062AC2957B6}"/>
     <dgm:cxn modelId="{F412ABE1-9B18-4BE0-8F66-11F109A8A458}" type="presOf" srcId="{E751CBEA-6A28-4628-AEF9-A836469D1860}" destId="{BACEBB25-2A32-4633-A8AA-43030F652DE8}" srcOrd="0" destOrd="0" presId="urn:microsoft.com/office/officeart/2005/8/layout/hList1"/>
+    <dgm:cxn modelId="{96775FE5-9F1C-4C21-BA02-7346D43AA1DF}" type="presOf" srcId="{9B106930-F9A0-4ACD-94B0-354CD1332042}" destId="{5C57C7EB-478D-4F11-B65D-9016B386C608}" srcOrd="0" destOrd="4" presId="urn:microsoft.com/office/officeart/2005/8/layout/hList1"/>
     <dgm:cxn modelId="{C21650EA-5369-4E61-9791-85EAF903BCDE}" type="presOf" srcId="{D34A97D6-7F64-43FE-9E71-292031C611FD}" destId="{BF71F41E-FDAD-4835-B53A-D7D076DE9B55}" srcOrd="0" destOrd="0" presId="urn:microsoft.com/office/officeart/2005/8/layout/hList1"/>
-    <dgm:cxn modelId="{0A9CE2F1-7686-41B0-A957-F137D6ED65C5}" srcId="{01B79AF0-D00A-4481-ABCC-79C23BE0D981}" destId="{B363E2CE-7DCB-4BEC-9A06-7E58F8EEF8DE}" srcOrd="1" destOrd="0" parTransId="{DAB6310E-981C-4FDF-97C5-CC93D468BCB3}" sibTransId="{FC87635A-50C6-4A99-A872-E787BFCF5B00}"/>
     <dgm:cxn modelId="{53EC39F6-2AC4-4807-9BB3-E929B79F3C91}" type="presOf" srcId="{2707F35C-DC5B-4282-A2F4-CBE82FD923AA}" destId="{4712BD07-C9A8-4BD1-BC67-16B85061F7C6}" srcOrd="0" destOrd="0" presId="urn:microsoft.com/office/officeart/2005/8/layout/hList1"/>
     <dgm:cxn modelId="{DB88D6F8-30BA-43CA-933D-B6BCA7383DE5}" type="presOf" srcId="{2CD701B0-71C1-4D71-95C4-995D1C9DF881}" destId="{5C57C7EB-478D-4F11-B65D-9016B386C608}" srcOrd="0" destOrd="0" presId="urn:microsoft.com/office/officeart/2005/8/layout/hList1"/>
+    <dgm:cxn modelId="{299F5BFA-29AA-4C44-B916-9E84482E6704}" srcId="{01B79AF0-D00A-4481-ABCC-79C23BE0D981}" destId="{3F80C23F-E2DE-4C99-9A06-83F8F9D715DA}" srcOrd="3" destOrd="0" parTransId="{60A3FCDC-F83F-4963-9AE4-E6BAFCDC11FE}" sibTransId="{FBD137B2-BE6C-4943-BF43-7A17BCAED9B4}"/>
+    <dgm:cxn modelId="{89D008FF-C54E-413D-B2D4-DC47714A05E7}" srcId="{01B79AF0-D00A-4481-ABCC-79C23BE0D981}" destId="{043CC71B-7C00-494D-A263-6E5A70EBDA9B}" srcOrd="1" destOrd="0" parTransId="{15C4891C-23A1-4994-AA2A-3C6D150ABE4F}" sibTransId="{7AFE70C5-9A12-459E-8F23-C950182721A2}"/>
     <dgm:cxn modelId="{E495D7E7-32C5-4BFA-8F37-903A02AB2420}" type="presParOf" srcId="{1DC10AE1-4929-4B55-A688-C70A646FA12F}" destId="{CFC90301-E9B8-4845-8F08-1928664237F1}" srcOrd="0" destOrd="0" presId="urn:microsoft.com/office/officeart/2005/8/layout/hList1"/>
     <dgm:cxn modelId="{9F40BC19-451C-4F59-8208-108847F6817F}" type="presParOf" srcId="{CFC90301-E9B8-4845-8F08-1928664237F1}" destId="{BF71F41E-FDAD-4835-B53A-D7D076DE9B55}" srcOrd="0" destOrd="0" presId="urn:microsoft.com/office/officeart/2005/8/layout/hList1"/>
     <dgm:cxn modelId="{1AB0A84F-C152-480B-AFB3-C03B7A31467F}" type="presParOf" srcId="{CFC90301-E9B8-4845-8F08-1928664237F1}" destId="{BACEBB25-2A32-4633-A8AA-43030F652DE8}" srcOrd="1" destOrd="0" presId="urn:microsoft.com/office/officeart/2005/8/layout/hList1"/>
@@ -3005,8 +3173,12 @@
         <a:lstStyle/>
         <a:p>
           <a:r>
-            <a:rPr lang="en-US"/>
-            <a:t>Natural language processing/language models: Use deep learning to understand and create test.</a:t>
+            <a:rPr lang="en-US" b="1" dirty="0"/>
+            <a:t>Natural language processing: </a:t>
+          </a:r>
+          <a:r>
+            <a:rPr lang="en-US" dirty="0"/>
+            <a:t>Use deep learning / word embeddings / language models to understand concepts, translate between languages, or generate text.</a:t>
           </a:r>
         </a:p>
       </dgm:t>
@@ -3041,8 +3213,8 @@
         <a:lstStyle/>
         <a:p>
           <a:r>
-            <a:rPr lang="en-US"/>
-            <a:t>Speech recognition</a:t>
+            <a:rPr lang="en-US" dirty="0"/>
+            <a:t>Speech recognition: Identify the most likely sequence of words. </a:t>
           </a:r>
         </a:p>
       </dgm:t>
@@ -3077,8 +3249,8 @@
         <a:lstStyle/>
         <a:p>
           <a:r>
-            <a:rPr lang="en-US"/>
-            <a:t>Vision: Images/video processing, object recognition </a:t>
+            <a:rPr lang="en-US" dirty="0"/>
+            <a:t>Vision: Object recognition in images/videos. Generate images/video.</a:t>
           </a:r>
         </a:p>
       </dgm:t>
@@ -3111,7 +3283,7 @@
         <a:blipFill>
           <a:blip xmlns:r="http://schemas.openxmlformats.org/officeDocument/2006/relationships" r:embed="rId1"/>
           <a:stretch>
-            <a:fillRect l="-1708" t="-187"/>
+            <a:fillRect l="-1518" t="-357" r="-759"/>
           </a:stretch>
         </a:blipFill>
       </dgm:spPr>
@@ -3156,7 +3328,7 @@
         <a:blipFill>
           <a:blip xmlns:r="http://schemas.openxmlformats.org/officeDocument/2006/relationships" r:embed="rId2"/>
           <a:stretch>
-            <a:fillRect l="-1708" t="-187"/>
+            <a:fillRect l="-1518" t="-357"/>
           </a:stretch>
         </a:blipFill>
       </dgm:spPr>
@@ -3233,44 +3405,6 @@
         </a:p>
       </dgm:t>
     </dgm:pt>
-    <dgm:pt modelId="{9FF9450B-CD64-4B9D-858C-3420504032D9}">
-      <dgm:prSet/>
-      <dgm:spPr/>
-      <dgm:t>
-        <a:bodyPr/>
-        <a:lstStyle/>
-        <a:p>
-          <a:r>
-            <a:rPr lang="en-US">
-              <a:noFill/>
-            </a:rPr>
-            <a:t> </a:t>
-          </a:r>
-        </a:p>
-      </dgm:t>
-    </dgm:pt>
-    <dgm:pt modelId="{3313EA43-935A-4B51-92EE-AA7385817721}" type="parTrans" cxnId="{67C45599-DB43-45D6-BF7B-3FBFDCB0EEA1}">
-      <dgm:prSet/>
-      <dgm:spPr/>
-      <dgm:t>
-        <a:bodyPr/>
-        <a:lstStyle/>
-        <a:p>
-          <a:endParaRPr lang="en-US"/>
-        </a:p>
-      </dgm:t>
-    </dgm:pt>
-    <dgm:pt modelId="{468A981D-8130-4194-A546-6C7BBB1A9739}" type="sibTrans" cxnId="{67C45599-DB43-45D6-BF7B-3FBFDCB0EEA1}">
-      <dgm:prSet/>
-      <dgm:spPr/>
-      <dgm:t>
-        <a:bodyPr/>
-        <a:lstStyle/>
-        <a:p>
-          <a:endParaRPr lang="en-US"/>
-        </a:p>
-      </dgm:t>
-    </dgm:pt>
     <dgm:pt modelId="{6F1981E5-7B90-4815-8E6C-BF76A61A82B2}">
       <dgm:prSet/>
       <dgm:spPr/>
@@ -3309,7 +3443,7 @@
         </a:p>
       </dgm:t>
     </dgm:pt>
-    <dgm:pt modelId="{B363E2CE-7DCB-4BEC-9A06-7E58F8EEF8DE}">
+    <dgm:pt modelId="{245DE14A-D8DF-4249-9DE9-C2673C2D8436}">
       <dgm:prSet/>
       <dgm:spPr/>
       <dgm:t>
@@ -3325,7 +3459,7 @@
         </a:p>
       </dgm:t>
     </dgm:pt>
-    <dgm:pt modelId="{DAB6310E-981C-4FDF-97C5-CC93D468BCB3}" type="parTrans" cxnId="{0A9CE2F1-7686-41B0-A957-F137D6ED65C5}">
+    <dgm:pt modelId="{78C1E7EC-51D9-4B07-B8C5-9982383BC9BC}" type="parTrans" cxnId="{33FF2463-0D15-48BD-97C1-5AAE8DD4B704}">
       <dgm:prSet/>
       <dgm:spPr/>
       <dgm:t>
@@ -3336,7 +3470,159 @@
         </a:p>
       </dgm:t>
     </dgm:pt>
-    <dgm:pt modelId="{FC87635A-50C6-4A99-A872-E787BFCF5B00}" type="sibTrans" cxnId="{0A9CE2F1-7686-41B0-A957-F137D6ED65C5}">
+    <dgm:pt modelId="{C27118E3-D343-4642-93AC-0832E5B5F8F8}" type="sibTrans" cxnId="{33FF2463-0D15-48BD-97C1-5AAE8DD4B704}">
+      <dgm:prSet/>
+      <dgm:spPr/>
+      <dgm:t>
+        <a:bodyPr/>
+        <a:lstStyle/>
+        <a:p>
+          <a:endParaRPr lang="en-US"/>
+        </a:p>
+      </dgm:t>
+    </dgm:pt>
+    <dgm:pt modelId="{61E6867C-D57D-4FA9-AD02-151D6C921832}">
+      <dgm:prSet/>
+      <dgm:spPr/>
+      <dgm:t>
+        <a:bodyPr/>
+        <a:lstStyle/>
+        <a:p>
+          <a:r>
+            <a:rPr lang="en-US">
+              <a:noFill/>
+            </a:rPr>
+            <a:t> </a:t>
+          </a:r>
+        </a:p>
+      </dgm:t>
+    </dgm:pt>
+    <dgm:pt modelId="{1B3145D2-428D-4FA1-B06C-2E804BA79C17}" type="parTrans" cxnId="{0A128856-3C02-4604-B053-611008DE508A}">
+      <dgm:prSet/>
+      <dgm:spPr/>
+      <dgm:t>
+        <a:bodyPr/>
+        <a:lstStyle/>
+        <a:p>
+          <a:endParaRPr lang="en-US"/>
+        </a:p>
+      </dgm:t>
+    </dgm:pt>
+    <dgm:pt modelId="{2CEDF928-8683-4477-BCFD-E50333B49F27}" type="sibTrans" cxnId="{0A128856-3C02-4604-B053-611008DE508A}">
+      <dgm:prSet/>
+      <dgm:spPr/>
+      <dgm:t>
+        <a:bodyPr/>
+        <a:lstStyle/>
+        <a:p>
+          <a:endParaRPr lang="en-US"/>
+        </a:p>
+      </dgm:t>
+    </dgm:pt>
+    <dgm:pt modelId="{043CC71B-7C00-494D-A263-6E5A70EBDA9B}">
+      <dgm:prSet/>
+      <dgm:spPr/>
+      <dgm:t>
+        <a:bodyPr/>
+        <a:lstStyle/>
+        <a:p>
+          <a:r>
+            <a:rPr lang="en-US">
+              <a:noFill/>
+            </a:rPr>
+            <a:t> </a:t>
+          </a:r>
+        </a:p>
+      </dgm:t>
+    </dgm:pt>
+    <dgm:pt modelId="{15C4891C-23A1-4994-AA2A-3C6D150ABE4F}" type="parTrans" cxnId="{89D008FF-C54E-413D-B2D4-DC47714A05E7}">
+      <dgm:prSet/>
+      <dgm:spPr/>
+      <dgm:t>
+        <a:bodyPr/>
+        <a:lstStyle/>
+        <a:p>
+          <a:endParaRPr lang="en-US"/>
+        </a:p>
+      </dgm:t>
+    </dgm:pt>
+    <dgm:pt modelId="{7AFE70C5-9A12-459E-8F23-C950182721A2}" type="sibTrans" cxnId="{89D008FF-C54E-413D-B2D4-DC47714A05E7}">
+      <dgm:prSet/>
+      <dgm:spPr/>
+      <dgm:t>
+        <a:bodyPr/>
+        <a:lstStyle/>
+        <a:p>
+          <a:endParaRPr lang="en-US"/>
+        </a:p>
+      </dgm:t>
+    </dgm:pt>
+    <dgm:pt modelId="{9B106930-F9A0-4ACD-94B0-354CD1332042}">
+      <dgm:prSet/>
+      <dgm:spPr/>
+      <dgm:t>
+        <a:bodyPr/>
+        <a:lstStyle/>
+        <a:p>
+          <a:r>
+            <a:rPr lang="en-US">
+              <a:noFill/>
+            </a:rPr>
+            <a:t> </a:t>
+          </a:r>
+        </a:p>
+      </dgm:t>
+    </dgm:pt>
+    <dgm:pt modelId="{BA70B5A5-EAF6-48E2-86F6-2C4A920D5101}" type="parTrans" cxnId="{2478958D-4ED5-41C7-A7EC-CF4141C98EF9}">
+      <dgm:prSet/>
+      <dgm:spPr/>
+      <dgm:t>
+        <a:bodyPr/>
+        <a:lstStyle/>
+        <a:p>
+          <a:endParaRPr lang="en-US"/>
+        </a:p>
+      </dgm:t>
+    </dgm:pt>
+    <dgm:pt modelId="{2667EBCA-636F-47C1-AD35-7BF51507062A}" type="sibTrans" cxnId="{2478958D-4ED5-41C7-A7EC-CF4141C98EF9}">
+      <dgm:prSet/>
+      <dgm:spPr/>
+      <dgm:t>
+        <a:bodyPr/>
+        <a:lstStyle/>
+        <a:p>
+          <a:endParaRPr lang="en-US"/>
+        </a:p>
+      </dgm:t>
+    </dgm:pt>
+    <dgm:pt modelId="{3F80C23F-E2DE-4C99-9A06-83F8F9D715DA}">
+      <dgm:prSet/>
+      <dgm:spPr/>
+      <dgm:t>
+        <a:bodyPr/>
+        <a:lstStyle/>
+        <a:p>
+          <a:r>
+            <a:rPr lang="en-US">
+              <a:noFill/>
+            </a:rPr>
+            <a:t> </a:t>
+          </a:r>
+        </a:p>
+      </dgm:t>
+    </dgm:pt>
+    <dgm:pt modelId="{60A3FCDC-F83F-4963-9AE4-E6BAFCDC11FE}" type="parTrans" cxnId="{299F5BFA-29AA-4C44-B916-9E84482E6704}">
+      <dgm:prSet/>
+      <dgm:spPr/>
+      <dgm:t>
+        <a:bodyPr/>
+        <a:lstStyle/>
+        <a:p>
+          <a:endParaRPr lang="en-US"/>
+        </a:p>
+      </dgm:t>
+    </dgm:pt>
+    <dgm:pt modelId="{FBD137B2-BE6C-4943-BF43-7A17BCAED9B4}" type="sibTrans" cxnId="{299F5BFA-29AA-4C44-B916-9E84482E6704}">
       <dgm:prSet/>
       <dgm:spPr/>
       <dgm:t>
@@ -3434,30 +3720,36 @@
   </dgm:ptLst>
   <dgm:cxnLst>
     <dgm:cxn modelId="{F8CDE900-66E2-43D8-9B26-F46263F82DC3}" srcId="{A583D8F7-0B58-43A8-AE34-32594DE1738D}" destId="{D34A97D6-7F64-43FE-9E71-292031C611FD}" srcOrd="0" destOrd="0" parTransId="{473821D3-ED3B-4654-AD09-B5F3478C5F12}" sibTransId="{5F5526E9-ADF1-4E64-835D-D75224265BC3}"/>
-    <dgm:cxn modelId="{2A68C010-6173-489B-B89C-844B024840F5}" type="presOf" srcId="{B363E2CE-7DCB-4BEC-9A06-7E58F8EEF8DE}" destId="{5C57C7EB-478D-4F11-B65D-9016B386C608}" srcOrd="0" destOrd="1" presId="urn:microsoft.com/office/officeart/2005/8/layout/hList1"/>
+    <dgm:cxn modelId="{53A53D03-80E1-48CA-A30D-146DC7F8FDED}" type="presOf" srcId="{043CC71B-7C00-494D-A263-6E5A70EBDA9B}" destId="{5C57C7EB-478D-4F11-B65D-9016B386C608}" srcOrd="0" destOrd="1" presId="urn:microsoft.com/office/officeart/2005/8/layout/hList1"/>
+    <dgm:cxn modelId="{5ECB7F28-792A-42B7-9375-F2151D7E58A0}" type="presOf" srcId="{3F80C23F-E2DE-4C99-9A06-83F8F9D715DA}" destId="{5C57C7EB-478D-4F11-B65D-9016B386C608}" srcOrd="0" destOrd="3" presId="urn:microsoft.com/office/officeart/2005/8/layout/hList1"/>
     <dgm:cxn modelId="{B5622D29-BD86-4B5D-AB9F-7058EC9A526D}" type="presOf" srcId="{74EA25D4-C666-430E-B926-BC3E0A898030}" destId="{228970AD-4D95-42F2-B737-33364C2CB3CE}" srcOrd="0" destOrd="0" presId="urn:microsoft.com/office/officeart/2005/8/layout/hList1"/>
-    <dgm:cxn modelId="{DA4D6D38-E880-4C43-9126-2A194B61F09B}" srcId="{D34A97D6-7F64-43FE-9E71-292031C611FD}" destId="{EDE1371B-F13F-4A60-9C71-C9674634C493}" srcOrd="2" destOrd="0" parTransId="{25A610CF-D9CB-4D37-AD14-9FD3C5DEBB12}" sibTransId="{094E6D5F-5E37-4822-A6C2-7E7C4E8BFEE2}"/>
+    <dgm:cxn modelId="{DA4D6D38-E880-4C43-9126-2A194B61F09B}" srcId="{D34A97D6-7F64-43FE-9E71-292031C611FD}" destId="{EDE1371B-F13F-4A60-9C71-C9674634C493}" srcOrd="1" destOrd="0" parTransId="{25A610CF-D9CB-4D37-AD14-9FD3C5DEBB12}" sibTransId="{094E6D5F-5E37-4822-A6C2-7E7C4E8BFEE2}"/>
     <dgm:cxn modelId="{0C797F5E-1C7F-470F-A479-95129B6C1AF1}" type="presOf" srcId="{01B79AF0-D00A-4481-ABCC-79C23BE0D981}" destId="{01534658-91BB-4C44-9424-637822D3A9D0}" srcOrd="0" destOrd="0" presId="urn:microsoft.com/office/officeart/2005/8/layout/hList1"/>
     <dgm:cxn modelId="{13269C61-9F1B-42C4-A1CC-14B4ACA7AC77}" srcId="{D34A97D6-7F64-43FE-9E71-292031C611FD}" destId="{E751CBEA-6A28-4628-AEF9-A836469D1860}" srcOrd="0" destOrd="0" parTransId="{0FA1799D-D4E3-44F7-9EF0-50A0558ED64B}" sibTransId="{2877FB4F-9657-4ADC-8421-F8BED486559E}"/>
+    <dgm:cxn modelId="{33FF2463-0D15-48BD-97C1-5AAE8DD4B704}" srcId="{D34A97D6-7F64-43FE-9E71-292031C611FD}" destId="{245DE14A-D8DF-4249-9DE9-C2673C2D8436}" srcOrd="3" destOrd="0" parTransId="{78C1E7EC-51D9-4B07-B8C5-9982383BC9BC}" sibTransId="{C27118E3-D343-4642-93AC-0832E5B5F8F8}"/>
     <dgm:cxn modelId="{F1674269-886A-48EB-88FC-D08005B5EF83}" type="presOf" srcId="{31DF8B81-89DE-4067-8DCB-2E730ECA86DF}" destId="{4712BD07-C9A8-4BD1-BC67-16B85061F7C6}" srcOrd="0" destOrd="1" presId="urn:microsoft.com/office/officeart/2005/8/layout/hList1"/>
+    <dgm:cxn modelId="{0A128856-3C02-4604-B053-611008DE508A}" srcId="{D34A97D6-7F64-43FE-9E71-292031C611FD}" destId="{61E6867C-D57D-4FA9-AD02-151D6C921832}" srcOrd="2" destOrd="0" parTransId="{1B3145D2-428D-4FA1-B06C-2E804BA79C17}" sibTransId="{2CEDF928-8683-4477-BCFD-E50333B49F27}"/>
+    <dgm:cxn modelId="{7081F07C-0351-4DE5-AA4F-5F4C5E4EB825}" type="presOf" srcId="{245DE14A-D8DF-4249-9DE9-C2673C2D8436}" destId="{BACEBB25-2A32-4633-A8AA-43030F652DE8}" srcOrd="0" destOrd="3" presId="urn:microsoft.com/office/officeart/2005/8/layout/hList1"/>
     <dgm:cxn modelId="{1521237E-0C0D-4101-AB54-2D5AC59E7969}" type="presOf" srcId="{A583D8F7-0B58-43A8-AE34-32594DE1738D}" destId="{1DC10AE1-4929-4B55-A688-C70A646FA12F}" srcOrd="0" destOrd="0" presId="urn:microsoft.com/office/officeart/2005/8/layout/hList1"/>
-    <dgm:cxn modelId="{1602307F-F5CE-4EE3-8C0D-CCE3B0BF6B85}" type="presOf" srcId="{EDE1371B-F13F-4A60-9C71-C9674634C493}" destId="{BACEBB25-2A32-4633-A8AA-43030F652DE8}" srcOrd="0" destOrd="2" presId="urn:microsoft.com/office/officeart/2005/8/layout/hList1"/>
+    <dgm:cxn modelId="{1602307F-F5CE-4EE3-8C0D-CCE3B0BF6B85}" type="presOf" srcId="{EDE1371B-F13F-4A60-9C71-C9674634C493}" destId="{BACEBB25-2A32-4633-A8AA-43030F652DE8}" srcOrd="0" destOrd="1" presId="urn:microsoft.com/office/officeart/2005/8/layout/hList1"/>
+    <dgm:cxn modelId="{2478958D-4ED5-41C7-A7EC-CF4141C98EF9}" srcId="{01B79AF0-D00A-4481-ABCC-79C23BE0D981}" destId="{9B106930-F9A0-4ACD-94B0-354CD1332042}" srcOrd="4" destOrd="0" parTransId="{BA70B5A5-EAF6-48E2-86F6-2C4A920D5101}" sibTransId="{2667EBCA-636F-47C1-AD35-7BF51507062A}"/>
     <dgm:cxn modelId="{0C8EC091-5D95-41A4-8DC2-33232EC0373B}" srcId="{74EA25D4-C666-430E-B926-BC3E0A898030}" destId="{31DF8B81-89DE-4067-8DCB-2E730ECA86DF}" srcOrd="1" destOrd="0" parTransId="{662DCB60-3B82-4FFE-A5B4-BC89BE80ECA3}" sibTransId="{D954A0D9-450C-469C-AF55-29F51DDD5128}"/>
-    <dgm:cxn modelId="{67C45599-DB43-45D6-BF7B-3FBFDCB0EEA1}" srcId="{D34A97D6-7F64-43FE-9E71-292031C611FD}" destId="{9FF9450B-CD64-4B9D-858C-3420504032D9}" srcOrd="1" destOrd="0" parTransId="{3313EA43-935A-4B51-92EE-AA7385817721}" sibTransId="{468A981D-8130-4194-A546-6C7BBB1A9739}"/>
     <dgm:cxn modelId="{580742A4-3137-4180-B3F3-FA045BF44957}" type="presOf" srcId="{6F1981E5-7B90-4815-8E6C-BF76A61A82B2}" destId="{5C57C7EB-478D-4F11-B65D-9016B386C608}" srcOrd="0" destOrd="2" presId="urn:microsoft.com/office/officeart/2005/8/layout/hList1"/>
     <dgm:cxn modelId="{19A3B6A4-702D-4113-814B-C7071F372D14}" srcId="{01B79AF0-D00A-4481-ABCC-79C23BE0D981}" destId="{6F1981E5-7B90-4815-8E6C-BF76A61A82B2}" srcOrd="2" destOrd="0" parTransId="{87B2FC2E-2E60-40C3-9AAF-406CCAE2343C}" sibTransId="{89AF6B90-77B0-4D3A-9A44-7397E4D3247F}"/>
     <dgm:cxn modelId="{088707AA-6FB9-4E82-9DAA-6C6EFEA52DF5}" srcId="{74EA25D4-C666-430E-B926-BC3E0A898030}" destId="{CCA12CF6-7908-4C4A-965E-EC2EF51D4C2F}" srcOrd="2" destOrd="0" parTransId="{9B7EE822-1EF4-4903-873D-D3C4DEFB1AFE}" sibTransId="{811ADBE4-0AF4-4688-8DB2-9E9770203515}"/>
+    <dgm:cxn modelId="{1E6162AA-C1ED-461B-A597-010485464D3D}" type="presOf" srcId="{61E6867C-D57D-4FA9-AD02-151D6C921832}" destId="{BACEBB25-2A32-4633-A8AA-43030F652DE8}" srcOrd="0" destOrd="2" presId="urn:microsoft.com/office/officeart/2005/8/layout/hList1"/>
     <dgm:cxn modelId="{BC0227BA-064E-4EDC-AD21-E6C366D45ABC}" srcId="{01B79AF0-D00A-4481-ABCC-79C23BE0D981}" destId="{2CD701B0-71C1-4D71-95C4-995D1C9DF881}" srcOrd="0" destOrd="0" parTransId="{3F0229C3-B135-41E0-9224-B7C186F1C3E3}" sibTransId="{EC10A725-9EE8-4060-B39F-2179338B7D1D}"/>
-    <dgm:cxn modelId="{2C5629C7-11AD-4AD1-9BA2-CDD9090BF9E8}" type="presOf" srcId="{9FF9450B-CD64-4B9D-858C-3420504032D9}" destId="{BACEBB25-2A32-4633-A8AA-43030F652DE8}" srcOrd="0" destOrd="1" presId="urn:microsoft.com/office/officeart/2005/8/layout/hList1"/>
     <dgm:cxn modelId="{0E249FD3-059E-4478-9409-141F9D7F9E7E}" srcId="{A583D8F7-0B58-43A8-AE34-32594DE1738D}" destId="{74EA25D4-C666-430E-B926-BC3E0A898030}" srcOrd="2" destOrd="0" parTransId="{11335F3B-32C2-4D5B-8FAA-0554439FBEBD}" sibTransId="{9998D001-06E5-4323-9A95-FF39D5528DEE}"/>
     <dgm:cxn modelId="{450551D4-3D17-4750-A91B-523CE93837B9}" srcId="{74EA25D4-C666-430E-B926-BC3E0A898030}" destId="{2707F35C-DC5B-4282-A2F4-CBE82FD923AA}" srcOrd="0" destOrd="0" parTransId="{A3E77A82-9321-40D7-B79F-2EA2E6B6A06B}" sibTransId="{57276838-1112-4D51-9573-EE3033637F26}"/>
     <dgm:cxn modelId="{6B3BF5DA-A6A6-4B18-B7D5-419100712960}" type="presOf" srcId="{CCA12CF6-7908-4C4A-965E-EC2EF51D4C2F}" destId="{4712BD07-C9A8-4BD1-BC67-16B85061F7C6}" srcOrd="0" destOrd="2" presId="urn:microsoft.com/office/officeart/2005/8/layout/hList1"/>
     <dgm:cxn modelId="{0F695CDB-12E7-48CA-965B-64AE8B41369D}" srcId="{A583D8F7-0B58-43A8-AE34-32594DE1738D}" destId="{01B79AF0-D00A-4481-ABCC-79C23BE0D981}" srcOrd="1" destOrd="0" parTransId="{07E99DBE-D7FD-43AE-9C8C-77E6706F4E8E}" sibTransId="{D16F71D4-2CFD-4775-9558-5062AC2957B6}"/>
     <dgm:cxn modelId="{F412ABE1-9B18-4BE0-8F66-11F109A8A458}" type="presOf" srcId="{E751CBEA-6A28-4628-AEF9-A836469D1860}" destId="{BACEBB25-2A32-4633-A8AA-43030F652DE8}" srcOrd="0" destOrd="0" presId="urn:microsoft.com/office/officeart/2005/8/layout/hList1"/>
+    <dgm:cxn modelId="{96775FE5-9F1C-4C21-BA02-7346D43AA1DF}" type="presOf" srcId="{9B106930-F9A0-4ACD-94B0-354CD1332042}" destId="{5C57C7EB-478D-4F11-B65D-9016B386C608}" srcOrd="0" destOrd="4" presId="urn:microsoft.com/office/officeart/2005/8/layout/hList1"/>
     <dgm:cxn modelId="{C21650EA-5369-4E61-9791-85EAF903BCDE}" type="presOf" srcId="{D34A97D6-7F64-43FE-9E71-292031C611FD}" destId="{BF71F41E-FDAD-4835-B53A-D7D076DE9B55}" srcOrd="0" destOrd="0" presId="urn:microsoft.com/office/officeart/2005/8/layout/hList1"/>
-    <dgm:cxn modelId="{0A9CE2F1-7686-41B0-A957-F137D6ED65C5}" srcId="{01B79AF0-D00A-4481-ABCC-79C23BE0D981}" destId="{B363E2CE-7DCB-4BEC-9A06-7E58F8EEF8DE}" srcOrd="1" destOrd="0" parTransId="{DAB6310E-981C-4FDF-97C5-CC93D468BCB3}" sibTransId="{FC87635A-50C6-4A99-A872-E787BFCF5B00}"/>
     <dgm:cxn modelId="{53EC39F6-2AC4-4807-9BB3-E929B79F3C91}" type="presOf" srcId="{2707F35C-DC5B-4282-A2F4-CBE82FD923AA}" destId="{4712BD07-C9A8-4BD1-BC67-16B85061F7C6}" srcOrd="0" destOrd="0" presId="urn:microsoft.com/office/officeart/2005/8/layout/hList1"/>
     <dgm:cxn modelId="{DB88D6F8-30BA-43CA-933D-B6BCA7383DE5}" type="presOf" srcId="{2CD701B0-71C1-4D71-95C4-995D1C9DF881}" destId="{5C57C7EB-478D-4F11-B65D-9016B386C608}" srcOrd="0" destOrd="0" presId="urn:microsoft.com/office/officeart/2005/8/layout/hList1"/>
+    <dgm:cxn modelId="{299F5BFA-29AA-4C44-B916-9E84482E6704}" srcId="{01B79AF0-D00A-4481-ABCC-79C23BE0D981}" destId="{3F80C23F-E2DE-4C99-9A06-83F8F9D715DA}" srcOrd="3" destOrd="0" parTransId="{60A3FCDC-F83F-4963-9AE4-E6BAFCDC11FE}" sibTransId="{FBD137B2-BE6C-4943-BF43-7A17BCAED9B4}"/>
+    <dgm:cxn modelId="{89D008FF-C54E-413D-B2D4-DC47714A05E7}" srcId="{01B79AF0-D00A-4481-ABCC-79C23BE0D981}" destId="{043CC71B-7C00-494D-A263-6E5A70EBDA9B}" srcOrd="1" destOrd="0" parTransId="{15C4891C-23A1-4994-AA2A-3C6D150ABE4F}" sibTransId="{7AFE70C5-9A12-459E-8F23-C950182721A2}"/>
     <dgm:cxn modelId="{E495D7E7-32C5-4BFA-8F37-903A02AB2420}" type="presParOf" srcId="{1DC10AE1-4929-4B55-A688-C70A646FA12F}" destId="{CFC90301-E9B8-4845-8F08-1928664237F1}" srcOrd="0" destOrd="0" presId="urn:microsoft.com/office/officeart/2005/8/layout/hList1"/>
     <dgm:cxn modelId="{9F40BC19-451C-4F59-8208-108847F6817F}" type="presParOf" srcId="{CFC90301-E9B8-4845-8F08-1928664237F1}" destId="{BF71F41E-FDAD-4835-B53A-D7D076DE9B55}" srcOrd="0" destOrd="0" presId="urn:microsoft.com/office/officeart/2005/8/layout/hList1"/>
     <dgm:cxn modelId="{1AB0A84F-C152-480B-AFB3-C03B7A31467F}" type="presParOf" srcId="{CFC90301-E9B8-4845-8F08-1928664237F1}" destId="{BACEBB25-2A32-4633-A8AA-43030F652DE8}" srcOrd="1" destOrd="0" presId="urn:microsoft.com/office/officeart/2005/8/layout/hList1"/>
@@ -3495,8 +3787,8 @@
       </dsp:nvSpPr>
       <dsp:spPr>
         <a:xfrm>
-          <a:off x="0" y="430006"/>
-          <a:ext cx="6263640" cy="1488374"/>
+          <a:off x="0" y="501556"/>
+          <a:ext cx="6263640" cy="1346625"/>
         </a:xfrm>
         <a:prstGeom prst="rect">
           <a:avLst/>
@@ -3537,12 +3829,12 @@
         <a:fontRef idx="minor"/>
       </dsp:style>
       <dsp:txBody>
-        <a:bodyPr spcFirstLastPara="0" vert="horz" wrap="square" lIns="486128" tIns="437388" rIns="486128" bIns="149352" numCol="1" spcCol="1270" anchor="t" anchorCtr="0">
+        <a:bodyPr spcFirstLastPara="0" vert="horz" wrap="square" lIns="486128" tIns="395732" rIns="486128" bIns="135128" numCol="1" spcCol="1270" anchor="t" anchorCtr="0">
           <a:noAutofit/>
         </a:bodyPr>
         <a:lstStyle/>
         <a:p>
-          <a:pPr marL="228600" lvl="1" indent="-228600" algn="l" defTabSz="933450">
+          <a:pPr marL="171450" lvl="1" indent="-171450" algn="l" defTabSz="844550">
             <a:lnSpc>
               <a:spcPct val="90000"/>
             </a:lnSpc>
@@ -3555,23 +3847,31 @@
             <a:buChar char="•"/>
           </a:pPr>
           <a:r>
-            <a:rPr lang="en-US" sz="2100" b="1" kern="1200"/>
+            <a:rPr lang="en-US" sz="1900" b="1" kern="1200" dirty="0"/>
             <a:t>Generalized linear model (GLM): </a:t>
           </a:r>
           <a:r>
-            <a:rPr lang="en-US" sz="2100" kern="1200"/>
-            <a:t>A model family that includes linear regression and the classification method </a:t>
+            <a:rPr lang="en-US" sz="1900" kern="1200" dirty="0"/>
+            <a:t>This important model family includes </a:t>
           </a:r>
           <a:r>
-            <a:rPr lang="en-US" sz="2100" b="1" kern="1200"/>
+            <a:rPr lang="en-US" sz="1900" b="1" kern="1200" dirty="0"/>
+            <a:t>linear regression </a:t>
+          </a:r>
+          <a:r>
+            <a:rPr lang="en-US" sz="1900" kern="1200" dirty="0"/>
+            <a:t>and the classification method </a:t>
+          </a:r>
+          <a:r>
+            <a:rPr lang="en-US" sz="1900" b="1" kern="1200" dirty="0"/>
             <a:t>logistic regression. </a:t>
           </a:r>
-          <a:endParaRPr lang="en-US" sz="2100" kern="1200"/>
+          <a:endParaRPr lang="en-US" sz="1900" kern="1200" dirty="0"/>
         </a:p>
       </dsp:txBody>
       <dsp:txXfrm>
-        <a:off x="0" y="430006"/>
-        <a:ext cx="6263640" cy="1488374"/>
+        <a:off x="0" y="501556"/>
+        <a:ext cx="6263640" cy="1346625"/>
       </dsp:txXfrm>
     </dsp:sp>
     <dsp:sp modelId="{728725E1-C028-4CFF-B3D7-ECB8D28021DB}">
@@ -3581,8 +3881,8 @@
       </dsp:nvSpPr>
       <dsp:spPr>
         <a:xfrm>
-          <a:off x="313182" y="120046"/>
-          <a:ext cx="4384548" cy="619920"/>
+          <a:off x="313182" y="221116"/>
+          <a:ext cx="4384548" cy="560880"/>
         </a:xfrm>
         <a:prstGeom prst="roundRect">
           <a:avLst/>
@@ -3629,7 +3929,7 @@
         </a:bodyPr>
         <a:lstStyle/>
         <a:p>
-          <a:pPr marL="0" lvl="0" indent="0" algn="l" defTabSz="933450">
+          <a:pPr marL="0" lvl="0" indent="0" algn="l" defTabSz="844550">
             <a:lnSpc>
               <a:spcPct val="90000"/>
             </a:lnSpc>
@@ -3642,14 +3942,14 @@
             <a:buNone/>
           </a:pPr>
           <a:r>
-            <a:rPr lang="en-US" sz="2100" kern="1200"/>
+            <a:rPr lang="en-US" sz="1900" kern="1200"/>
             <a:t>Many other models exist</a:t>
           </a:r>
         </a:p>
       </dsp:txBody>
       <dsp:txXfrm>
-        <a:off x="343444" y="150308"/>
-        <a:ext cx="4324024" cy="559396"/>
+        <a:off x="340562" y="248496"/>
+        <a:ext cx="4329788" cy="506120"/>
       </dsp:txXfrm>
     </dsp:sp>
     <dsp:sp modelId="{8BD60244-BD09-48B5-A6BD-A5920B49269F}">
@@ -3659,8 +3959,8 @@
       </dsp:nvSpPr>
       <dsp:spPr>
         <a:xfrm>
-          <a:off x="0" y="2341741"/>
-          <a:ext cx="6263640" cy="3042899"/>
+          <a:off x="0" y="2231221"/>
+          <a:ext cx="6263640" cy="3052349"/>
         </a:xfrm>
         <a:prstGeom prst="rect">
           <a:avLst/>
@@ -3701,12 +4001,12 @@
         <a:fontRef idx="minor"/>
       </dsp:style>
       <dsp:txBody>
-        <a:bodyPr spcFirstLastPara="0" vert="horz" wrap="square" lIns="486128" tIns="437388" rIns="486128" bIns="149352" numCol="1" spcCol="1270" anchor="t" anchorCtr="0">
+        <a:bodyPr spcFirstLastPara="0" vert="horz" wrap="square" lIns="486128" tIns="395732" rIns="486128" bIns="135128" numCol="1" spcCol="1270" anchor="t" anchorCtr="0">
           <a:noAutofit/>
         </a:bodyPr>
         <a:lstStyle/>
         <a:p>
-          <a:pPr marL="228600" lvl="1" indent="-228600" algn="l" defTabSz="933450">
+          <a:pPr marL="171450" lvl="1" indent="-171450" algn="l" defTabSz="844550">
             <a:lnSpc>
               <a:spcPct val="90000"/>
             </a:lnSpc>
@@ -3719,16 +4019,16 @@
             <a:buChar char="•"/>
           </a:pPr>
           <a:r>
-            <a:rPr lang="en-US" sz="2100" b="1" kern="1200"/>
+            <a:rPr lang="en-US" sz="1900" b="1" kern="1200" dirty="0"/>
             <a:t>Regularization: </a:t>
           </a:r>
           <a:r>
-            <a:rPr lang="en-US" sz="2100" kern="1200"/>
+            <a:rPr lang="en-US" sz="1900" kern="1200" dirty="0"/>
             <a:t>enforce simplicity by using a penalty for complexity.</a:t>
           </a:r>
         </a:p>
         <a:p>
-          <a:pPr marL="228600" lvl="1" indent="-228600" algn="l" defTabSz="933450">
+          <a:pPr marL="171450" lvl="1" indent="-171450" algn="l" defTabSz="844550">
             <a:lnSpc>
               <a:spcPct val="90000"/>
             </a:lnSpc>
@@ -3741,16 +4041,16 @@
             <a:buChar char="•"/>
           </a:pPr>
           <a:r>
-            <a:rPr lang="en-US" sz="2100" b="1" kern="1200"/>
+            <a:rPr lang="en-US" sz="1900" b="1" kern="1200" dirty="0"/>
             <a:t>Kernel trick: </a:t>
           </a:r>
           <a:r>
-            <a:rPr lang="en-US" sz="2100" kern="1200"/>
+            <a:rPr lang="en-US" sz="1900" kern="1200" dirty="0"/>
             <a:t>Let a linear classifier learn non-linear decision boundaries ( = a linear boundary in a high dimensional space).</a:t>
           </a:r>
         </a:p>
         <a:p>
-          <a:pPr marL="228600" lvl="1" indent="-228600" algn="l" defTabSz="933450">
+          <a:pPr marL="171450" lvl="1" indent="-171450" algn="l" defTabSz="844550">
             <a:lnSpc>
               <a:spcPct val="90000"/>
             </a:lnSpc>
@@ -3763,18 +4063,40 @@
             <a:buChar char="•"/>
           </a:pPr>
           <a:r>
-            <a:rPr lang="en-US" sz="2100" b="1" kern="1200"/>
+            <a:rPr lang="en-US" sz="1900" b="1" kern="1200" dirty="0"/>
             <a:t>Ensemble Learning: </a:t>
           </a:r>
           <a:r>
-            <a:rPr lang="en-US" sz="2100" kern="1200"/>
+            <a:rPr lang="en-US" sz="1900" kern="1200" dirty="0"/>
             <a:t>Use many models and combine the results (e.g., random forest, boosting).</a:t>
+          </a:r>
+        </a:p>
+        <a:p>
+          <a:pPr marL="171450" lvl="1" indent="-171450" algn="l" defTabSz="844550">
+            <a:lnSpc>
+              <a:spcPct val="90000"/>
+            </a:lnSpc>
+            <a:spcBef>
+              <a:spcPct val="0"/>
+            </a:spcBef>
+            <a:spcAft>
+              <a:spcPct val="15000"/>
+            </a:spcAft>
+            <a:buChar char="•"/>
+          </a:pPr>
+          <a:r>
+            <a:rPr lang="en-US" sz="1900" b="1" kern="1200" dirty="0"/>
+            <a:t>Embedding and Dimensionality Reduction: </a:t>
+          </a:r>
+          <a:r>
+            <a:rPr lang="en-US" sz="1900" kern="1200" dirty="0"/>
+            <a:t>Learn how to represent data in a simpler way.</a:t>
           </a:r>
         </a:p>
       </dsp:txBody>
       <dsp:txXfrm>
-        <a:off x="0" y="2341741"/>
-        <a:ext cx="6263640" cy="3042899"/>
+        <a:off x="0" y="2231221"/>
+        <a:ext cx="6263640" cy="3052349"/>
       </dsp:txXfrm>
     </dsp:sp>
     <dsp:sp modelId="{D2714134-93F0-48C2-9EAF-C80D0AD218DE}">
@@ -3784,8 +4106,8 @@
       </dsp:nvSpPr>
       <dsp:spPr>
         <a:xfrm>
-          <a:off x="313182" y="2031781"/>
-          <a:ext cx="4384548" cy="619920"/>
+          <a:off x="313182" y="1950781"/>
+          <a:ext cx="4384548" cy="560880"/>
         </a:xfrm>
         <a:prstGeom prst="roundRect">
           <a:avLst/>
@@ -3832,7 +4154,7 @@
         </a:bodyPr>
         <a:lstStyle/>
         <a:p>
-          <a:pPr marL="0" lvl="0" indent="0" algn="l" defTabSz="933450">
+          <a:pPr marL="0" lvl="0" indent="0" algn="l" defTabSz="844550">
             <a:lnSpc>
               <a:spcPct val="90000"/>
             </a:lnSpc>
@@ -3845,14 +4167,14 @@
             <a:buNone/>
           </a:pPr>
           <a:r>
-            <a:rPr lang="en-US" sz="2100" kern="1200"/>
+            <a:rPr lang="en-US" sz="1900" kern="1200"/>
             <a:t>Often used methods</a:t>
           </a:r>
         </a:p>
       </dsp:txBody>
       <dsp:txXfrm>
-        <a:off x="343444" y="2062043"/>
-        <a:ext cx="4324024" cy="559396"/>
+        <a:off x="340562" y="1978161"/>
+        <a:ext cx="4329788" cy="506120"/>
       </dsp:txXfrm>
     </dsp:sp>
   </dsp:spTree>
@@ -3874,8 +4196,8 @@
       </dsp:nvSpPr>
       <dsp:spPr>
         <a:xfrm>
-          <a:off x="3286" y="228339"/>
-          <a:ext cx="3203971" cy="633600"/>
+          <a:off x="3286" y="207191"/>
+          <a:ext cx="3203971" cy="518400"/>
         </a:xfrm>
         <a:prstGeom prst="rect">
           <a:avLst/>
@@ -3947,12 +4269,12 @@
         </a:fontRef>
       </dsp:style>
       <dsp:txBody>
-        <a:bodyPr spcFirstLastPara="0" vert="horz" wrap="square" lIns="156464" tIns="89408" rIns="156464" bIns="89408" numCol="1" spcCol="1270" anchor="ctr" anchorCtr="0">
+        <a:bodyPr spcFirstLastPara="0" vert="horz" wrap="square" lIns="128016" tIns="73152" rIns="128016" bIns="73152" numCol="1" spcCol="1270" anchor="ctr" anchorCtr="0">
           <a:noAutofit/>
         </a:bodyPr>
         <a:lstStyle/>
         <a:p>
-          <a:pPr marL="0" lvl="0" indent="0" algn="ctr" defTabSz="977900">
+          <a:pPr marL="0" lvl="0" indent="0" algn="ctr" defTabSz="800100">
             <a:lnSpc>
               <a:spcPct val="90000"/>
             </a:lnSpc>
@@ -3965,14 +4287,14 @@
             <a:buNone/>
           </a:pPr>
           <a:r>
-            <a:rPr lang="en-US" sz="2200" b="1" kern="1200" dirty="0"/>
+            <a:rPr lang="en-US" sz="1800" b="1" kern="1200" dirty="0"/>
             <a:t>Learn Actions</a:t>
           </a:r>
         </a:p>
       </dsp:txBody>
       <dsp:txXfrm>
-        <a:off x="3286" y="228339"/>
-        <a:ext cx="3203971" cy="633600"/>
+        <a:off x="3286" y="207191"/>
+        <a:ext cx="3203971" cy="518400"/>
       </dsp:txXfrm>
     </dsp:sp>
     <dsp:sp modelId="{BACEBB25-2A32-4633-A8AA-43030F652DE8}">
@@ -3982,8 +4304,8 @@
       </dsp:nvSpPr>
       <dsp:spPr>
         <a:xfrm>
-          <a:off x="3286" y="861939"/>
-          <a:ext cx="3203971" cy="3261060"/>
+          <a:off x="3286" y="725591"/>
+          <a:ext cx="3203971" cy="3418554"/>
         </a:xfrm>
         <a:prstGeom prst="rect">
           <a:avLst/>
@@ -4027,12 +4349,12 @@
         <a:fontRef idx="minor"/>
       </dsp:style>
       <dsp:txBody>
-        <a:bodyPr spcFirstLastPara="0" vert="horz" wrap="square" lIns="117348" tIns="117348" rIns="156464" bIns="176022" numCol="1" spcCol="1270" anchor="t" anchorCtr="0">
+        <a:bodyPr spcFirstLastPara="0" vert="horz" wrap="square" lIns="96012" tIns="96012" rIns="128016" bIns="144018" numCol="1" spcCol="1270" anchor="t" anchorCtr="0">
           <a:noAutofit/>
         </a:bodyPr>
         <a:lstStyle/>
         <a:p>
-          <a:pPr marL="228600" lvl="1" indent="-228600" algn="l" defTabSz="977900">
+          <a:pPr marL="171450" lvl="1" indent="-171450" algn="l" defTabSz="800100">
             <a:lnSpc>
               <a:spcPct val="90000"/>
             </a:lnSpc>
@@ -4045,42 +4367,16 @@
             <a:buChar char="•"/>
           </a:pPr>
           <a:r>
-            <a:rPr lang="en-US" sz="2200" kern="1200" dirty="0"/>
+            <a:rPr lang="en-US" sz="1800" kern="1200" dirty="0"/>
             <a:t>Directly learn the best action from examples. </a:t>
           </a:r>
           <a:br>
-            <a:rPr lang="en-US" sz="2200" kern="1200" dirty="0"/>
+            <a:rPr lang="en-US" sz="1800" kern="1200" dirty="0"/>
           </a:br>
-          <a:r>
-            <a:rPr lang="en-US" sz="2200" kern="1200" dirty="0"/>
-            <a:t>This model can also be used as a </a:t>
-          </a:r>
-          <a:r>
-            <a:rPr lang="en-US" sz="2200" b="1" kern="1200" dirty="0"/>
-            <a:t>playout policy </a:t>
-          </a:r>
-          <a:r>
-            <a:rPr lang="en-US" sz="2200" kern="1200" dirty="0"/>
-            <a:t>for Monte Carlo tree search and self-play. </a:t>
-          </a:r>
+          <a:endParaRPr lang="en-US" sz="1800" kern="1200" dirty="0"/>
         </a:p>
         <a:p>
-          <a:pPr marL="228600" lvl="1" indent="-228600" algn="l" defTabSz="977900">
-            <a:lnSpc>
-              <a:spcPct val="90000"/>
-            </a:lnSpc>
-            <a:spcBef>
-              <a:spcPct val="0"/>
-            </a:spcBef>
-            <a:spcAft>
-              <a:spcPct val="15000"/>
-            </a:spcAft>
-            <a:buChar char="•"/>
-          </a:pPr>
-          <a:endParaRPr lang="en-US" sz="2200" kern="1200" dirty="0"/>
-        </a:p>
-        <a:p>
-          <a:pPr marL="228600" lvl="1" indent="-228600" algn="ctr" defTabSz="977900">
+          <a:pPr marL="171450" lvl="1" indent="-171450" algn="ctr" defTabSz="800100">
             <a:lnSpc>
               <a:spcPct val="90000"/>
             </a:lnSpc>
@@ -4099,37 +4395,37 @@
               </m:oMathParaPr>
               <m:oMath xmlns:m="http://schemas.openxmlformats.org/officeDocument/2006/math">
                 <m:r>
-                  <a:rPr lang="en-US" sz="2200" b="0" i="1" kern="1200" smtClean="0">
+                  <a:rPr lang="en-US" sz="1800" b="0" i="1" kern="1200" smtClean="0">
                     <a:latin typeface="Cambria Math" panose="02040503050406030204" pitchFamily="18" charset="0"/>
                   </a:rPr>
                   <m:t>𝑎𝑐𝑡𝑖𝑜𝑛</m:t>
                 </m:r>
                 <m:r>
-                  <a:rPr lang="en-US" sz="2200" b="0" i="1" kern="1200" smtClean="0">
+                  <a:rPr lang="en-US" sz="1800" b="0" i="1" kern="1200" smtClean="0">
                     <a:latin typeface="Cambria Math" panose="02040503050406030204" pitchFamily="18" charset="0"/>
                   </a:rPr>
                   <m:t>=</m:t>
                 </m:r>
                 <m:r>
-                  <a:rPr lang="en-US" sz="2200" b="0" i="1" kern="1200" smtClean="0">
+                  <a:rPr lang="en-US" sz="1800" b="0" i="1" kern="1200" smtClean="0">
                     <a:latin typeface="Cambria Math" panose="02040503050406030204" pitchFamily="18" charset="0"/>
                   </a:rPr>
                   <m:t>h</m:t>
                 </m:r>
                 <m:r>
-                  <a:rPr lang="en-US" sz="2200" b="0" i="1" kern="1200" smtClean="0">
+                  <a:rPr lang="en-US" sz="1800" b="0" i="1" kern="1200" smtClean="0">
                     <a:latin typeface="Cambria Math" panose="02040503050406030204" pitchFamily="18" charset="0"/>
                   </a:rPr>
                   <m:t>(</m:t>
                 </m:r>
                 <m:r>
-                  <a:rPr lang="en-US" sz="2200" b="0" i="1" kern="1200" smtClean="0">
+                  <a:rPr lang="en-US" sz="1800" b="0" i="1" kern="1200" smtClean="0">
                     <a:latin typeface="Cambria Math" panose="02040503050406030204" pitchFamily="18" charset="0"/>
                   </a:rPr>
                   <m:t>𝑠𝑡𝑎𝑡𝑒</m:t>
                 </m:r>
                 <m:r>
-                  <a:rPr lang="en-US" sz="2200" b="0" i="1" kern="1200" smtClean="0">
+                  <a:rPr lang="en-US" sz="1800" b="0" i="1" kern="1200" smtClean="0">
                     <a:latin typeface="Cambria Math" panose="02040503050406030204" pitchFamily="18" charset="0"/>
                   </a:rPr>
                   <m:t>)</m:t>
@@ -4137,12 +4433,54 @@
               </m:oMath>
             </m:oMathPara>
           </a14:m>
-          <a:endParaRPr lang="en-US" sz="2200" kern="1200" dirty="0"/>
+          <a:endParaRPr lang="en-US" sz="1800" kern="1200" dirty="0"/>
+        </a:p>
+        <a:p>
+          <a:pPr marL="171450" lvl="1" indent="-171450" algn="ctr" defTabSz="800100">
+            <a:lnSpc>
+              <a:spcPct val="90000"/>
+            </a:lnSpc>
+            <a:spcBef>
+              <a:spcPct val="0"/>
+            </a:spcBef>
+            <a:spcAft>
+              <a:spcPct val="15000"/>
+            </a:spcAft>
+            <a:buNone/>
+          </a:pPr>
+          <a:endParaRPr lang="en-US" sz="1800" kern="1200" dirty="0"/>
+        </a:p>
+        <a:p>
+          <a:pPr marL="171450" lvl="1" indent="-171450" algn="l" defTabSz="800100">
+            <a:lnSpc>
+              <a:spcPct val="90000"/>
+            </a:lnSpc>
+            <a:spcBef>
+              <a:spcPct val="0"/>
+            </a:spcBef>
+            <a:spcAft>
+              <a:spcPct val="15000"/>
+            </a:spcAft>
+            <a:buFont typeface="Arial" panose="020B0604020202020204" pitchFamily="34" charset="0"/>
+            <a:buChar char="•"/>
+          </a:pPr>
+          <a:r>
+            <a:rPr lang="en-US" sz="1800" kern="1200" dirty="0"/>
+            <a:t>This model can also be used as a </a:t>
+          </a:r>
+          <a:r>
+            <a:rPr lang="en-US" sz="1800" b="1" kern="1200" dirty="0"/>
+            <a:t>playout policy </a:t>
+          </a:r>
+          <a:r>
+            <a:rPr lang="en-US" sz="1800" kern="1200" dirty="0"/>
+            <a:t>for Monte Carlo tree search with data from self-play. </a:t>
+          </a:r>
         </a:p>
       </dsp:txBody>
       <dsp:txXfrm>
-        <a:off x="3286" y="861939"/>
-        <a:ext cx="3203971" cy="3261060"/>
+        <a:off x="3286" y="725591"/>
+        <a:ext cx="3203971" cy="3418554"/>
       </dsp:txXfrm>
     </dsp:sp>
     <dsp:sp modelId="{01534658-91BB-4C44-9424-637822D3A9D0}">
@@ -4152,8 +4490,8 @@
       </dsp:nvSpPr>
       <dsp:spPr>
         <a:xfrm>
-          <a:off x="3655814" y="228339"/>
-          <a:ext cx="3203971" cy="633600"/>
+          <a:off x="3655814" y="207191"/>
+          <a:ext cx="3203971" cy="518400"/>
         </a:xfrm>
         <a:prstGeom prst="rect">
           <a:avLst/>
@@ -4225,12 +4563,12 @@
         </a:fontRef>
       </dsp:style>
       <dsp:txBody>
-        <a:bodyPr spcFirstLastPara="0" vert="horz" wrap="square" lIns="156464" tIns="89408" rIns="156464" bIns="89408" numCol="1" spcCol="1270" anchor="ctr" anchorCtr="0">
+        <a:bodyPr spcFirstLastPara="0" vert="horz" wrap="square" lIns="128016" tIns="73152" rIns="128016" bIns="73152" numCol="1" spcCol="1270" anchor="ctr" anchorCtr="0">
           <a:noAutofit/>
         </a:bodyPr>
         <a:lstStyle/>
         <a:p>
-          <a:pPr marL="0" lvl="0" indent="0" algn="ctr" defTabSz="977900">
+          <a:pPr marL="0" lvl="0" indent="0" algn="ctr" defTabSz="800100">
             <a:lnSpc>
               <a:spcPct val="90000"/>
             </a:lnSpc>
@@ -4243,14 +4581,14 @@
             <a:buNone/>
           </a:pPr>
           <a:r>
-            <a:rPr lang="en-US" sz="2200" b="1" kern="1200" dirty="0"/>
+            <a:rPr lang="en-US" sz="1800" b="1" kern="1200" dirty="0"/>
             <a:t>Learn Heuristics</a:t>
           </a:r>
         </a:p>
       </dsp:txBody>
       <dsp:txXfrm>
-        <a:off x="3655814" y="228339"/>
-        <a:ext cx="3203971" cy="633600"/>
+        <a:off x="3655814" y="207191"/>
+        <a:ext cx="3203971" cy="518400"/>
       </dsp:txXfrm>
     </dsp:sp>
     <dsp:sp modelId="{5C57C7EB-478D-4F11-B65D-9016B386C608}">
@@ -4260,8 +4598,8 @@
       </dsp:nvSpPr>
       <dsp:spPr>
         <a:xfrm>
-          <a:off x="3655814" y="861939"/>
-          <a:ext cx="3203971" cy="3261060"/>
+          <a:off x="3655814" y="725591"/>
+          <a:ext cx="3203971" cy="3418554"/>
         </a:xfrm>
         <a:prstGeom prst="rect">
           <a:avLst/>
@@ -4305,12 +4643,12 @@
         <a:fontRef idx="minor"/>
       </dsp:style>
       <dsp:txBody>
-        <a:bodyPr spcFirstLastPara="0" vert="horz" wrap="square" lIns="117348" tIns="117348" rIns="156464" bIns="176022" numCol="1" spcCol="1270" anchor="t" anchorCtr="0">
+        <a:bodyPr spcFirstLastPara="0" vert="horz" wrap="square" lIns="96012" tIns="96012" rIns="128016" bIns="144018" numCol="1" spcCol="1270" anchor="t" anchorCtr="0">
           <a:noAutofit/>
         </a:bodyPr>
         <a:lstStyle/>
         <a:p>
-          <a:pPr marL="228600" lvl="1" indent="-228600" algn="l" defTabSz="977900">
+          <a:pPr marL="171450" lvl="1" indent="-171450" algn="l" defTabSz="800100">
             <a:lnSpc>
               <a:spcPct val="90000"/>
             </a:lnSpc>
@@ -4323,20 +4661,12 @@
             <a:buChar char="•"/>
           </a:pPr>
           <a:r>
-            <a:rPr lang="en-US" sz="2200" kern="1200" dirty="0"/>
-            <a:t>Learn evaluation functions for </a:t>
-          </a:r>
-          <a:r>
-            <a:rPr lang="en-US" sz="2200" b="1" kern="1200" dirty="0"/>
-            <a:t>heuristic</a:t>
-          </a:r>
-          <a:r>
-            <a:rPr lang="en-US" sz="2200" kern="1200" dirty="0"/>
-            <a:t> minimax search from examples. </a:t>
+            <a:rPr lang="en-US" sz="1800" kern="1200" dirty="0"/>
+            <a:t>Learn evaluation functions for states. </a:t>
           </a:r>
         </a:p>
         <a:p>
-          <a:pPr marL="228600" lvl="1" indent="-228600" algn="l" defTabSz="977900">
+          <a:pPr marL="171450" lvl="1" indent="-171450" algn="l" defTabSz="800100">
             <a:lnSpc>
               <a:spcPct val="90000"/>
             </a:lnSpc>
@@ -4348,10 +4678,10 @@
             </a:spcAft>
             <a:buChar char="•"/>
           </a:pPr>
-          <a:endParaRPr lang="en-US" sz="2200" kern="1200" dirty="0"/>
+          <a:endParaRPr lang="en-US" sz="1800" kern="1200" dirty="0"/>
         </a:p>
         <a:p>
-          <a:pPr marL="228600" lvl="1" indent="-228600" algn="l" defTabSz="977900">
+          <a:pPr marL="171450" lvl="1" indent="-171450" algn="l" defTabSz="800100">
             <a:lnSpc>
               <a:spcPct val="90000"/>
             </a:lnSpc>
@@ -4370,37 +4700,37 @@
               </m:oMathParaPr>
               <m:oMath xmlns:m="http://schemas.openxmlformats.org/officeDocument/2006/math">
                 <m:r>
-                  <a:rPr lang="en-US" sz="2200" b="0" i="1" kern="1200" smtClean="0">
+                  <a:rPr lang="en-US" sz="1800" b="0" i="1" kern="1200" smtClean="0">
                     <a:latin typeface="Cambria Math" panose="02040503050406030204" pitchFamily="18" charset="0"/>
                   </a:rPr>
                   <m:t>𝑒𝑣𝑎𝑙</m:t>
                 </m:r>
                 <m:r>
-                  <a:rPr lang="en-US" sz="2200" b="0" i="1" kern="1200" smtClean="0">
+                  <a:rPr lang="en-US" sz="1800" b="0" i="1" kern="1200" smtClean="0">
                     <a:latin typeface="Cambria Math" panose="02040503050406030204" pitchFamily="18" charset="0"/>
                   </a:rPr>
                   <m:t>=</m:t>
                 </m:r>
                 <m:r>
-                  <a:rPr lang="en-US" sz="2200" b="0" i="1" kern="1200" smtClean="0">
+                  <a:rPr lang="en-US" sz="1800" b="0" i="1" kern="1200" smtClean="0">
                     <a:latin typeface="Cambria Math" panose="02040503050406030204" pitchFamily="18" charset="0"/>
                   </a:rPr>
                   <m:t>h</m:t>
                 </m:r>
                 <m:r>
-                  <a:rPr lang="en-US" sz="2200" b="0" i="1" kern="1200" smtClean="0">
+                  <a:rPr lang="en-US" sz="1800" b="0" i="1" kern="1200" smtClean="0">
                     <a:latin typeface="Cambria Math" panose="02040503050406030204" pitchFamily="18" charset="0"/>
                   </a:rPr>
                   <m:t>(</m:t>
                 </m:r>
                 <m:r>
-                  <a:rPr lang="en-US" sz="2200" b="0" i="1" kern="1200" smtClean="0">
+                  <a:rPr lang="en-US" sz="1800" b="0" i="1" kern="1200" smtClean="0">
                     <a:latin typeface="Cambria Math" panose="02040503050406030204" pitchFamily="18" charset="0"/>
                   </a:rPr>
                   <m:t>𝑠𝑡𝑎𝑡𝑒</m:t>
                 </m:r>
                 <m:r>
-                  <a:rPr lang="en-US" sz="2200" b="0" i="1" kern="1200" smtClean="0">
+                  <a:rPr lang="en-US" sz="1800" b="0" i="1" kern="1200" smtClean="0">
                     <a:latin typeface="Cambria Math" panose="02040503050406030204" pitchFamily="18" charset="0"/>
                   </a:rPr>
                   <m:t>)</m:t>
@@ -4408,12 +4738,53 @@
               </m:oMath>
             </m:oMathPara>
           </a14:m>
-          <a:endParaRPr lang="en-US" sz="2200" kern="1200" dirty="0"/>
+          <a:endParaRPr lang="en-US" sz="1800" kern="1200" dirty="0"/>
+        </a:p>
+        <a:p>
+          <a:pPr marL="171450" lvl="1" indent="-171450" algn="l" defTabSz="800100">
+            <a:lnSpc>
+              <a:spcPct val="90000"/>
+            </a:lnSpc>
+            <a:spcBef>
+              <a:spcPct val="0"/>
+            </a:spcBef>
+            <a:spcAft>
+              <a:spcPct val="15000"/>
+            </a:spcAft>
+            <a:buChar char="•"/>
+          </a:pPr>
+          <a:endParaRPr lang="en-US" sz="1800" kern="1200" dirty="0"/>
+        </a:p>
+        <a:p>
+          <a:pPr marL="171450" lvl="1" indent="-171450" algn="l" defTabSz="800100">
+            <a:lnSpc>
+              <a:spcPct val="90000"/>
+            </a:lnSpc>
+            <a:spcBef>
+              <a:spcPct val="0"/>
+            </a:spcBef>
+            <a:spcAft>
+              <a:spcPct val="15000"/>
+            </a:spcAft>
+            <a:buChar char="•"/>
+          </a:pPr>
+          <a:r>
+            <a:rPr lang="en-US" sz="1800" kern="1200" dirty="0"/>
+            <a:t>Can learn a </a:t>
+          </a:r>
+          <a:r>
+            <a:rPr lang="en-US" sz="1800" b="1" kern="1200" dirty="0"/>
+            <a:t>heuristic</a:t>
+          </a:r>
+          <a:r>
+            <a:rPr lang="en-US" sz="1800" kern="1200" dirty="0"/>
+            <a:t> for minimax search from examples. </a:t>
+          </a:r>
         </a:p>
       </dsp:txBody>
       <dsp:txXfrm>
-        <a:off x="3655814" y="861939"/>
-        <a:ext cx="3203971" cy="3261060"/>
+        <a:off x="3655814" y="725591"/>
+        <a:ext cx="3203971" cy="3418554"/>
       </dsp:txXfrm>
     </dsp:sp>
     <dsp:sp modelId="{228970AD-4D95-42F2-B737-33364C2CB3CE}">
@@ -4423,8 +4794,8 @@
       </dsp:nvSpPr>
       <dsp:spPr>
         <a:xfrm>
-          <a:off x="7308342" y="228339"/>
-          <a:ext cx="3203971" cy="633600"/>
+          <a:off x="7308342" y="207191"/>
+          <a:ext cx="3203971" cy="518400"/>
         </a:xfrm>
         <a:prstGeom prst="rect">
           <a:avLst/>
@@ -4496,12 +4867,12 @@
         </a:fontRef>
       </dsp:style>
       <dsp:txBody>
-        <a:bodyPr spcFirstLastPara="0" vert="horz" wrap="square" lIns="156464" tIns="89408" rIns="156464" bIns="89408" numCol="1" spcCol="1270" anchor="ctr" anchorCtr="0">
+        <a:bodyPr spcFirstLastPara="0" vert="horz" wrap="square" lIns="128016" tIns="73152" rIns="128016" bIns="73152" numCol="1" spcCol="1270" anchor="ctr" anchorCtr="0">
           <a:noAutofit/>
         </a:bodyPr>
         <a:lstStyle/>
         <a:p>
-          <a:pPr marL="0" lvl="0" indent="0" algn="ctr" defTabSz="977900">
+          <a:pPr marL="0" lvl="0" indent="0" algn="ctr" defTabSz="800100">
             <a:lnSpc>
               <a:spcPct val="90000"/>
             </a:lnSpc>
@@ -4514,18 +4885,18 @@
             <a:buNone/>
           </a:pPr>
           <a:r>
-            <a:rPr lang="en-US" sz="2200" b="1" kern="1200" dirty="0"/>
+            <a:rPr lang="en-US" sz="1800" b="1" kern="1200" dirty="0"/>
             <a:t>Perception</a:t>
           </a:r>
           <a:r>
-            <a:rPr lang="en-US" sz="2200" kern="1200" dirty="0"/>
+            <a:rPr lang="en-US" sz="1800" kern="1200" dirty="0"/>
             <a:t> </a:t>
           </a:r>
         </a:p>
       </dsp:txBody>
       <dsp:txXfrm>
-        <a:off x="7308342" y="228339"/>
-        <a:ext cx="3203971" cy="633600"/>
+        <a:off x="7308342" y="207191"/>
+        <a:ext cx="3203971" cy="518400"/>
       </dsp:txXfrm>
     </dsp:sp>
     <dsp:sp modelId="{4712BD07-C9A8-4BD1-BC67-16B85061F7C6}">
@@ -4535,8 +4906,8 @@
       </dsp:nvSpPr>
       <dsp:spPr>
         <a:xfrm>
-          <a:off x="7308342" y="861939"/>
-          <a:ext cx="3203971" cy="3261060"/>
+          <a:off x="7308342" y="725591"/>
+          <a:ext cx="3203971" cy="3418554"/>
         </a:xfrm>
         <a:prstGeom prst="rect">
           <a:avLst/>
@@ -4580,12 +4951,12 @@
         <a:fontRef idx="minor"/>
       </dsp:style>
       <dsp:txBody>
-        <a:bodyPr spcFirstLastPara="0" vert="horz" wrap="square" lIns="117348" tIns="117348" rIns="156464" bIns="176022" numCol="1" spcCol="1270" anchor="t" anchorCtr="0">
+        <a:bodyPr spcFirstLastPara="0" vert="horz" wrap="square" lIns="96012" tIns="96012" rIns="128016" bIns="144018" numCol="1" spcCol="1270" anchor="t" anchorCtr="0">
           <a:noAutofit/>
         </a:bodyPr>
         <a:lstStyle/>
         <a:p>
-          <a:pPr marL="228600" lvl="1" indent="-228600" algn="l" defTabSz="977900">
+          <a:pPr marL="171450" lvl="1" indent="-171450" algn="l" defTabSz="800100">
             <a:lnSpc>
               <a:spcPct val="90000"/>
             </a:lnSpc>
@@ -4598,12 +4969,16 @@
             <a:buChar char="•"/>
           </a:pPr>
           <a:r>
-            <a:rPr lang="en-US" sz="2200" kern="1200"/>
-            <a:t>Natural language processing/language models: Use deep learning to understand and create test.</a:t>
+            <a:rPr lang="en-US" sz="1800" b="1" kern="1200" dirty="0"/>
+            <a:t>Natural language processing: </a:t>
+          </a:r>
+          <a:r>
+            <a:rPr lang="en-US" sz="1800" kern="1200" dirty="0"/>
+            <a:t>Use deep learning / word embeddings / language models to understand concepts, translate between languages, or generate text.</a:t>
           </a:r>
         </a:p>
         <a:p>
-          <a:pPr marL="228600" lvl="1" indent="-228600" algn="l" defTabSz="977900">
+          <a:pPr marL="171450" lvl="1" indent="-171450" algn="l" defTabSz="800100">
             <a:lnSpc>
               <a:spcPct val="90000"/>
             </a:lnSpc>
@@ -4616,12 +4991,12 @@
             <a:buChar char="•"/>
           </a:pPr>
           <a:r>
-            <a:rPr lang="en-US" sz="2200" kern="1200"/>
-            <a:t>Speech recognition</a:t>
+            <a:rPr lang="en-US" sz="1800" kern="1200" dirty="0"/>
+            <a:t>Speech recognition: Identify the most likely sequence of words. </a:t>
           </a:r>
         </a:p>
         <a:p>
-          <a:pPr marL="228600" lvl="1" indent="-228600" algn="l" defTabSz="977900">
+          <a:pPr marL="171450" lvl="1" indent="-171450" algn="l" defTabSz="800100">
             <a:lnSpc>
               <a:spcPct val="90000"/>
             </a:lnSpc>
@@ -4634,14 +5009,14 @@
             <a:buChar char="•"/>
           </a:pPr>
           <a:r>
-            <a:rPr lang="en-US" sz="2200" kern="1200"/>
-            <a:t>Vision: Images/video processing, object recognition </a:t>
+            <a:rPr lang="en-US" sz="1800" kern="1200" dirty="0"/>
+            <a:t>Vision: Object recognition in images/videos. Generate images/video.</a:t>
           </a:r>
         </a:p>
       </dsp:txBody>
       <dsp:txXfrm>
-        <a:off x="7308342" y="861939"/>
-        <a:ext cx="3203971" cy="3261060"/>
+        <a:off x="7308342" y="725591"/>
+        <a:ext cx="3203971" cy="3418554"/>
       </dsp:txXfrm>
     </dsp:sp>
   </dsp:spTree>
@@ -13051,8 +13426,8 @@
           </a:p>
         </p:txBody>
       </p:sp>
-      <mc:AlternateContent xmlns:mc="http://schemas.openxmlformats.org/markup-compatibility/2006">
-        <mc:Choice xmlns:a14="http://schemas.microsoft.com/office/drawing/2010/main" Requires="a14">
+      <mc:AlternateContent xmlns:mc="http://schemas.openxmlformats.org/markup-compatibility/2006" xmlns:a14="http://schemas.microsoft.com/office/drawing/2010/main">
+        <mc:Choice Requires="a14">
           <p:sp>
             <p:nvSpPr>
               <p:cNvPr id="15" name="TextBox 14">
@@ -13142,7 +13517,7 @@
             </p:txBody>
           </p:sp>
         </mc:Choice>
-        <mc:Fallback>
+        <mc:Fallback xmlns="">
           <p:sp>
             <p:nvSpPr>
               <p:cNvPr id="15" name="TextBox 14">
@@ -14235,8 +14610,8 @@
           </a:p>
         </p:txBody>
       </p:sp>
-      <mc:AlternateContent xmlns:mc="http://schemas.openxmlformats.org/markup-compatibility/2006">
-        <mc:Choice xmlns:a14="http://schemas.microsoft.com/office/drawing/2010/main" Requires="a14">
+      <mc:AlternateContent xmlns:mc="http://schemas.openxmlformats.org/markup-compatibility/2006" xmlns:a14="http://schemas.microsoft.com/office/drawing/2010/main">
+        <mc:Choice Requires="a14">
           <p:sp>
             <p:nvSpPr>
               <p:cNvPr id="8" name="TextBox 7">
@@ -14314,7 +14689,7 @@
             </p:txBody>
           </p:sp>
         </mc:Choice>
-        <mc:Fallback>
+        <mc:Fallback xmlns="">
           <p:sp>
             <p:nvSpPr>
               <p:cNvPr id="8" name="TextBox 7">
@@ -14398,8 +14773,8 @@
           </a:fontRef>
         </p:style>
       </p:cxnSp>
-      <mc:AlternateContent xmlns:mc="http://schemas.openxmlformats.org/markup-compatibility/2006">
-        <mc:Choice xmlns:a14="http://schemas.microsoft.com/office/drawing/2010/main" Requires="a14">
+      <mc:AlternateContent xmlns:mc="http://schemas.openxmlformats.org/markup-compatibility/2006" xmlns:a14="http://schemas.microsoft.com/office/drawing/2010/main">
+        <mc:Choice Requires="a14">
           <p:sp>
             <p:nvSpPr>
               <p:cNvPr id="11" name="TextBox 10">
@@ -14470,7 +14845,7 @@
             </p:txBody>
           </p:sp>
         </mc:Choice>
-        <mc:Fallback>
+        <mc:Fallback xmlns="">
           <p:sp>
             <p:nvSpPr>
               <p:cNvPr id="11" name="TextBox 10">
@@ -15786,8 +16161,8 @@
           </a:p>
         </p:txBody>
       </p:sp>
-      <mc:AlternateContent xmlns:mc="http://schemas.openxmlformats.org/markup-compatibility/2006">
-        <mc:Choice xmlns:a14="http://schemas.microsoft.com/office/drawing/2010/main" Requires="a14">
+      <mc:AlternateContent xmlns:mc="http://schemas.openxmlformats.org/markup-compatibility/2006" xmlns:a14="http://schemas.microsoft.com/office/drawing/2010/main">
+        <mc:Choice Requires="a14">
           <p:sp>
             <p:nvSpPr>
               <p:cNvPr id="3" name="Content Placeholder 2">
@@ -16438,7 +16813,7 @@
             </p:txBody>
           </p:sp>
         </mc:Choice>
-        <mc:Fallback>
+        <mc:Fallback xmlns="">
           <p:sp>
             <p:nvSpPr>
               <p:cNvPr id="3" name="Content Placeholder 2">
@@ -16676,8 +17051,8 @@
           </a:p>
         </p:txBody>
       </p:sp>
-      <mc:AlternateContent xmlns:mc="http://schemas.openxmlformats.org/markup-compatibility/2006">
-        <mc:Choice xmlns:a14="http://schemas.microsoft.com/office/drawing/2010/main" Requires="a14">
+      <mc:AlternateContent xmlns:mc="http://schemas.openxmlformats.org/markup-compatibility/2006" xmlns:a14="http://schemas.microsoft.com/office/drawing/2010/main">
+        <mc:Choice Requires="a14">
           <p:sp>
             <p:nvSpPr>
               <p:cNvPr id="1283075" name="Rectangle 3"/>
@@ -16790,7 +17165,7 @@
             </p:txBody>
           </p:sp>
         </mc:Choice>
-        <mc:Fallback>
+        <mc:Fallback xmlns="">
           <p:sp>
             <p:nvSpPr>
               <p:cNvPr id="1283075" name="Rectangle 3"/>
@@ -18363,8 +18738,8 @@
           </a:p>
         </p:txBody>
       </p:sp>
-      <mc:AlternateContent xmlns:mc="http://schemas.openxmlformats.org/markup-compatibility/2006">
-        <mc:Choice xmlns:a14="http://schemas.microsoft.com/office/drawing/2010/main" Requires="a14">
+      <mc:AlternateContent xmlns:mc="http://schemas.openxmlformats.org/markup-compatibility/2006" xmlns:a14="http://schemas.microsoft.com/office/drawing/2010/main">
+        <mc:Choice Requires="a14">
           <p:sp>
             <p:nvSpPr>
               <p:cNvPr id="1283075" name="Rectangle 3"/>
@@ -18527,7 +18902,7 @@
             </p:txBody>
           </p:sp>
         </mc:Choice>
-        <mc:Fallback>
+        <mc:Fallback xmlns="">
           <p:sp>
             <p:nvSpPr>
               <p:cNvPr id="1283075" name="Rectangle 3"/>
@@ -19256,7 +19631,7 @@
             <a:r>
               <a:rPr lang="en-US" sz="2400" b="1" dirty="0">
                 <a:solidFill>
-                  <a:srgbClr val="CC0000"/>
+                  <a:srgbClr val="FF0000"/>
                 </a:solidFill>
               </a:rPr>
               <a:t>baseline</a:t>
@@ -24056,7 +24431,7 @@
         <p:spPr>
           <a:xfrm>
             <a:off x="838200" y="5167311"/>
-            <a:ext cx="10515600" cy="1009652"/>
+            <a:ext cx="10515600" cy="1035210"/>
           </a:xfrm>
         </p:spPr>
         <p:txBody>
@@ -24081,7 +24456,7 @@
           <a:p>
             <a:r>
               <a:rPr lang="en-US" dirty="0"/>
-              <a:t>The kernel trick can be used to learn non-linear decision boundaries. </a:t>
+              <a:t>The kernel trick can be used to learn non-linear decision boundaries.</a:t>
             </a:r>
           </a:p>
         </p:txBody>
@@ -24382,13 +24757,13 @@
             </p:nvSpPr>
             <p:spPr>
               <a:xfrm>
-                <a:off x="7848602" y="1559440"/>
-                <a:ext cx="3657600" cy="5069960"/>
+                <a:off x="7999189" y="1803915"/>
+                <a:ext cx="3657600" cy="4550848"/>
               </a:xfrm>
             </p:spPr>
             <p:txBody>
               <a:bodyPr>
-                <a:normAutofit fontScale="85000" lnSpcReduction="20000"/>
+                <a:normAutofit fontScale="70000" lnSpcReduction="20000"/>
               </a:bodyPr>
               <a:lstStyle/>
               <a:p>
@@ -24428,24 +24803,23 @@
                       </a:rPr>
                       <m:t>h</m:t>
                     </m:r>
-                    <m:r>
-                      <a:rPr lang="en-US" i="1" dirty="0" smtClean="0">
-                        <a:latin typeface="Cambria Math" panose="02040503050406030204" pitchFamily="18" charset="0"/>
-                      </a:rPr>
-                      <m:t>(</m:t>
-                    </m:r>
-                    <m:r>
-                      <a:rPr lang="en-US" i="1" dirty="0" smtClean="0">
-                        <a:latin typeface="Cambria Math" panose="02040503050406030204" pitchFamily="18" charset="0"/>
-                      </a:rPr>
-                      <m:t>𝑥</m:t>
-                    </m:r>
-                    <m:r>
-                      <a:rPr lang="en-US" i="1" dirty="0" smtClean="0">
-                        <a:latin typeface="Cambria Math" panose="02040503050406030204" pitchFamily="18" charset="0"/>
-                      </a:rPr>
-                      <m:t>)</m:t>
-                    </m:r>
+                    <m:d>
+                      <m:dPr>
+                        <m:ctrlPr>
+                          <a:rPr lang="en-US" b="0" i="1" dirty="0" smtClean="0">
+                            <a:latin typeface="Cambria Math" panose="02040503050406030204" pitchFamily="18" charset="0"/>
+                          </a:rPr>
+                        </m:ctrlPr>
+                      </m:dPr>
+                      <m:e>
+                        <m:r>
+                          <a:rPr lang="en-US" i="1" dirty="0" smtClean="0">
+                            <a:latin typeface="Cambria Math" panose="02040503050406030204" pitchFamily="18" charset="0"/>
+                          </a:rPr>
+                          <m:t>𝑥</m:t>
+                        </m:r>
+                      </m:e>
+                    </m:d>
                   </m:oMath>
                 </a14:m>
                 <a:r>
@@ -24458,7 +24832,7 @@
                 </a:r>
                 <a:r>
                   <a:rPr lang="en-US" dirty="0"/>
-                  <a:t>, tanh).</a:t>
+                  <a:t>).</a:t>
                 </a:r>
               </a:p>
               <a:p>
@@ -24551,7 +24925,15 @@
               <a:p>
                 <a:r>
                   <a:rPr lang="en-US" dirty="0"/>
-                  <a:t>ANNs can approximate any function (no bias). </a:t>
+                  <a:t>ANNs are </a:t>
+                </a:r>
+                <a:r>
+                  <a:rPr lang="en-US" b="1" dirty="0"/>
+                  <a:t>universal approximators</a:t>
+                </a:r>
+                <a:r>
+                  <a:rPr lang="en-US" dirty="0"/>
+                  <a:t>. Large networks can approximate any function (no bias). </a:t>
                 </a:r>
                 <a:r>
                   <a:rPr lang="en-US" b="1" dirty="0"/>
@@ -24569,7 +24951,7 @@
                 </a:r>
                 <a:r>
                   <a:rPr lang="en-US" dirty="0"/>
-                  <a:t>adds more layer types (e.g., convolution layers) </a:t>
+                  <a:t>adds more hidden layers and layer types (e.g., convolution layers) for better learning.</a:t>
                 </a:r>
               </a:p>
             </p:txBody>
@@ -24594,13 +24976,13 @@
             </p:nvSpPr>
             <p:spPr>
               <a:xfrm>
-                <a:off x="7848602" y="1559440"/>
-                <a:ext cx="3657600" cy="5069960"/>
+                <a:off x="7999189" y="1803915"/>
+                <a:ext cx="3657600" cy="4550848"/>
               </a:xfrm>
               <a:blipFill>
                 <a:blip r:embed="rId2"/>
                 <a:stretch>
-                  <a:fillRect l="-2333" t="-2764" r="-2000"/>
+                  <a:fillRect l="-1500" t="-2547" r="-3000" b="-2279"/>
                 </a:stretch>
               </a:blipFill>
             </p:spPr>
@@ -24895,6 +25277,158 @@
           </a:p>
         </p:txBody>
       </p:sp>
+      <mc:AlternateContent xmlns:mc="http://schemas.openxmlformats.org/markup-compatibility/2006">
+        <mc:Choice xmlns:a14="http://schemas.microsoft.com/office/drawing/2010/main" Requires="a14">
+          <p:sp>
+            <p:nvSpPr>
+              <p:cNvPr id="4" name="Speech Bubble: Rectangle 3">
+                <a:extLst>
+                  <a:ext uri="{FF2B5EF4-FFF2-40B4-BE49-F238E27FC236}">
+                    <a16:creationId xmlns:a16="http://schemas.microsoft.com/office/drawing/2014/main" id="{A750B6A0-2002-5342-C717-6C7D75640BF4}"/>
+                  </a:ext>
+                </a:extLst>
+              </p:cNvPr>
+              <p:cNvSpPr/>
+              <p:nvPr/>
+            </p:nvSpPr>
+            <p:spPr>
+              <a:xfrm>
+                <a:off x="6144988" y="1789350"/>
+                <a:ext cx="1703613" cy="824758"/>
+              </a:xfrm>
+              <a:prstGeom prst="wedgeRectCallout">
+                <a:avLst>
+                  <a:gd name="adj1" fmla="val 13268"/>
+                  <a:gd name="adj2" fmla="val 184457"/>
+                </a:avLst>
+              </a:prstGeom>
+            </p:spPr>
+            <p:style>
+              <a:lnRef idx="2">
+                <a:schemeClr val="accent6">
+                  <a:shade val="50000"/>
+                </a:schemeClr>
+              </a:lnRef>
+              <a:fillRef idx="1">
+                <a:schemeClr val="accent6"/>
+              </a:fillRef>
+              <a:effectRef idx="0">
+                <a:schemeClr val="accent6"/>
+              </a:effectRef>
+              <a:fontRef idx="minor">
+                <a:schemeClr val="lt1"/>
+              </a:fontRef>
+            </p:style>
+            <p:txBody>
+              <a:bodyPr rtlCol="0" anchor="ctr"/>
+              <a:lstStyle/>
+              <a:p>
+                <a:pPr algn="ctr"/>
+                <a:r>
+                  <a:rPr lang="en-US" sz="1400" dirty="0"/>
+                  <a:t>For classification typically a </a:t>
+                </a:r>
+                <a:r>
+                  <a:rPr lang="en-US" sz="1400" dirty="0" err="1"/>
+                  <a:t>softmax</a:t>
+                </a:r>
+                <a:r>
+                  <a:rPr lang="en-US" sz="1400" dirty="0"/>
+                  <a:t> returning </a:t>
+                </a:r>
+                <a14:m>
+                  <m:oMath xmlns:m="http://schemas.openxmlformats.org/officeDocument/2006/math">
+                    <m:r>
+                      <a:rPr lang="en-US" sz="1400" b="1" i="1" smtClean="0">
+                        <a:latin typeface="Cambria Math" panose="02040503050406030204" pitchFamily="18" charset="0"/>
+                      </a:rPr>
+                      <m:t>𝑷</m:t>
+                    </m:r>
+                    <m:r>
+                      <a:rPr lang="en-US" sz="1400" b="0" i="1" smtClean="0">
+                        <a:latin typeface="Cambria Math" panose="02040503050406030204" pitchFamily="18" charset="0"/>
+                      </a:rPr>
+                      <m:t>(</m:t>
+                    </m:r>
+                    <m:r>
+                      <a:rPr lang="en-US" sz="1400" b="0" i="1" smtClean="0">
+                        <a:latin typeface="Cambria Math" panose="02040503050406030204" pitchFamily="18" charset="0"/>
+                      </a:rPr>
+                      <m:t>𝑦</m:t>
+                    </m:r>
+                    <m:r>
+                      <a:rPr lang="en-US" sz="1400" b="0" i="1" smtClean="0">
+                        <a:latin typeface="Cambria Math" panose="02040503050406030204" pitchFamily="18" charset="0"/>
+                      </a:rPr>
+                      <m:t>|</m:t>
+                    </m:r>
+                    <m:r>
+                      <a:rPr lang="en-US" sz="1400" b="0" i="1" smtClean="0">
+                        <a:latin typeface="Cambria Math" panose="02040503050406030204" pitchFamily="18" charset="0"/>
+                      </a:rPr>
+                      <m:t>𝑥</m:t>
+                    </m:r>
+                    <m:r>
+                      <a:rPr lang="en-US" sz="1400" b="0" i="1" smtClean="0">
+                        <a:latin typeface="Cambria Math" panose="02040503050406030204" pitchFamily="18" charset="0"/>
+                      </a:rPr>
+                      <m:t>)</m:t>
+                    </m:r>
+                  </m:oMath>
+                </a14:m>
+                <a:endParaRPr lang="en-US" sz="1400" dirty="0"/>
+              </a:p>
+            </p:txBody>
+          </p:sp>
+        </mc:Choice>
+        <mc:Fallback>
+          <p:sp>
+            <p:nvSpPr>
+              <p:cNvPr id="4" name="Speech Bubble: Rectangle 3">
+                <a:extLst>
+                  <a:ext uri="{FF2B5EF4-FFF2-40B4-BE49-F238E27FC236}">
+                    <a16:creationId xmlns:a16="http://schemas.microsoft.com/office/drawing/2014/main" id="{A750B6A0-2002-5342-C717-6C7D75640BF4}"/>
+                  </a:ext>
+                </a:extLst>
+              </p:cNvPr>
+              <p:cNvSpPr>
+                <a:spLocks noRot="1" noChangeAspect="1" noMove="1" noResize="1" noEditPoints="1" noAdjustHandles="1" noChangeArrowheads="1" noChangeShapeType="1" noTextEdit="1"/>
+              </p:cNvSpPr>
+              <p:nvPr/>
+            </p:nvSpPr>
+            <p:spPr>
+              <a:xfrm>
+                <a:off x="6144988" y="1789350"/>
+                <a:ext cx="1703613" cy="824758"/>
+              </a:xfrm>
+              <a:prstGeom prst="wedgeRectCallout">
+                <a:avLst>
+                  <a:gd name="adj1" fmla="val 13268"/>
+                  <a:gd name="adj2" fmla="val 184457"/>
+                </a:avLst>
+              </a:prstGeom>
+              <a:blipFill>
+                <a:blip r:embed="rId4"/>
+                <a:stretch>
+                  <a:fillRect/>
+                </a:stretch>
+              </a:blipFill>
+            </p:spPr>
+            <p:txBody>
+              <a:bodyPr/>
+              <a:lstStyle/>
+              <a:p>
+                <a:r>
+                  <a:rPr lang="en-US">
+                    <a:noFill/>
+                  </a:rPr>
+                  <a:t> </a:t>
+                </a:r>
+              </a:p>
+            </p:txBody>
+          </p:sp>
+        </mc:Fallback>
+      </mc:AlternateContent>
     </p:spTree>
     <p:extLst>
       <p:ext uri="{BB962C8B-B14F-4D97-AF65-F5344CB8AC3E}">
@@ -25025,12 +25559,12 @@
           <a:lstStyle/>
           <a:p>
             <a:r>
-              <a:rPr lang="en-US" sz="6000">
+              <a:rPr lang="en-US" sz="6000" dirty="0">
                 <a:solidFill>
                   <a:schemeClr val="bg1"/>
                 </a:solidFill>
               </a:rPr>
-              <a:t>Other Models and Methods</a:t>
+              <a:t>Other Popular Models and Methods</a:t>
             </a:r>
           </a:p>
         </p:txBody>
@@ -25051,7 +25585,7 @@
             <p:ph idx="1"/>
             <p:extLst>
               <p:ext uri="{D42A27DB-BD31-4B8C-83A1-F6EECF244321}">
-                <p14:modId xmlns:p14="http://schemas.microsoft.com/office/powerpoint/2010/main" val="2887673125"/>
+                <p14:modId xmlns:p14="http://schemas.microsoft.com/office/powerpoint/2010/main" val="556773120"/>
               </p:ext>
             </p:extLst>
           </p:nvPr>
@@ -27133,7 +27667,7 @@
                 <p:ph idx="1"/>
                 <p:extLst>
                   <p:ext uri="{D42A27DB-BD31-4B8C-83A1-F6EECF244321}">
-                    <p14:modId xmlns:p14="http://schemas.microsoft.com/office/powerpoint/2010/main" val="176928879"/>
+                    <p14:modId xmlns:p14="http://schemas.microsoft.com/office/powerpoint/2010/main" val="3601619216"/>
                   </p:ext>
                 </p:extLst>
               </p:nvPr>
@@ -27166,7 +27700,7 @@
                 <p:ph idx="1"/>
                 <p:extLst>
                   <p:ext uri="{D42A27DB-BD31-4B8C-83A1-F6EECF244321}">
-                    <p14:modId xmlns:p14="http://schemas.microsoft.com/office/powerpoint/2010/main" val="176928879"/>
+                    <p14:modId xmlns:p14="http://schemas.microsoft.com/office/powerpoint/2010/main" val="3601619216"/>
                   </p:ext>
                 </p:extLst>
               </p:nvPr>
@@ -27235,8 +27769,8 @@
           </a:p>
         </p:txBody>
       </p:sp>
-      <mc:AlternateContent xmlns:mc="http://schemas.openxmlformats.org/markup-compatibility/2006">
-        <mc:Choice xmlns:a14="http://schemas.microsoft.com/office/drawing/2010/main" Requires="a14">
+      <mc:AlternateContent xmlns:mc="http://schemas.openxmlformats.org/markup-compatibility/2006" xmlns:a14="http://schemas.microsoft.com/office/drawing/2010/main">
+        <mc:Choice Requires="a14">
           <p:sp>
             <p:nvSpPr>
               <p:cNvPr id="1104899" name="Rectangle 3"/>
@@ -28001,7 +28535,7 @@
             </p:txBody>
           </p:sp>
         </mc:Choice>
-        <mc:Fallback>
+        <mc:Fallback xmlns="">
           <p:sp>
             <p:nvSpPr>
               <p:cNvPr id="1104899" name="Rectangle 3"/>
@@ -28234,7 +28768,7 @@
             </a:ln>
             <a:extLst>
               <a:ext uri="{AF507438-7753-43e0-B8FC-AC1667EBCBE1}">
-                <a14:hiddenEffects xmlns="" xmlns:a14="http://schemas.microsoft.com/office/drawing/2010/main">
+                <a14:hiddenEffects xmlns:a14="http://schemas.microsoft.com/office/drawing/2010/main" xmlns="">
                   <a:effectLst>
                     <a:outerShdw dist="35921" dir="2700000" algn="ctr" rotWithShape="0">
                       <a:schemeClr val="bg2"/>
@@ -28318,14 +28852,14 @@
             <a:effectLst/>
             <a:extLst>
               <a:ext uri="{909E8E84-426E-40dd-AFC4-6F175D3DCCD1}">
-                <a14:hiddenFill xmlns="" xmlns:a14="http://schemas.microsoft.com/office/drawing/2010/main">
+                <a14:hiddenFill xmlns:a14="http://schemas.microsoft.com/office/drawing/2010/main" xmlns="">
                   <a:solidFill>
                     <a:schemeClr val="accent1"/>
                   </a:solidFill>
                 </a14:hiddenFill>
               </a:ext>
               <a:ext uri="{91240B29-F687-4f45-9708-019B960494DF}">
-                <a14:hiddenLine xmlns="" xmlns:a14="http://schemas.microsoft.com/office/drawing/2010/main" w="9525">
+                <a14:hiddenLine xmlns:a14="http://schemas.microsoft.com/office/drawing/2010/main" xmlns="" w="9525">
                   <a:solidFill>
                     <a:schemeClr val="tx1"/>
                   </a:solidFill>
@@ -28335,7 +28869,7 @@
                 </a14:hiddenLine>
               </a:ext>
               <a:ext uri="{AF507438-7753-43e0-B8FC-AC1667EBCBE1}">
-                <a14:hiddenEffects xmlns="" xmlns:a14="http://schemas.microsoft.com/office/drawing/2010/main">
+                <a14:hiddenEffects xmlns:a14="http://schemas.microsoft.com/office/drawing/2010/main" xmlns="">
                   <a:effectLst>
                     <a:outerShdw dist="35921" dir="2700000" algn="ctr" rotWithShape="0">
                       <a:schemeClr val="bg2"/>
@@ -28376,7 +28910,7 @@
             <a:effectLst/>
             <a:extLst>
               <a:ext uri="{AF507438-7753-43e0-B8FC-AC1667EBCBE1}">
-                <a14:hiddenEffects xmlns="" xmlns:a14="http://schemas.microsoft.com/office/drawing/2010/main">
+                <a14:hiddenEffects xmlns:a14="http://schemas.microsoft.com/office/drawing/2010/main" xmlns="">
                   <a:effectLst>
                     <a:outerShdw dist="35921" dir="2700000" algn="ctr" rotWithShape="0">
                       <a:schemeClr val="bg2"/>
@@ -28424,7 +28958,7 @@
             <a:effectLst/>
             <a:extLst>
               <a:ext uri="{AF507438-7753-43e0-B8FC-AC1667EBCBE1}">
-                <a14:hiddenEffects xmlns="" xmlns:a14="http://schemas.microsoft.com/office/drawing/2010/main">
+                <a14:hiddenEffects xmlns:a14="http://schemas.microsoft.com/office/drawing/2010/main" xmlns="">
                   <a:effectLst>
                     <a:outerShdw dist="35921" dir="2700000" algn="ctr" rotWithShape="0">
                       <a:schemeClr val="bg2"/>
@@ -28492,14 +29026,14 @@
             <a:effectLst/>
             <a:extLst>
               <a:ext uri="{909E8E84-426E-40dd-AFC4-6F175D3DCCD1}">
-                <a14:hiddenFill xmlns="" xmlns:a14="http://schemas.microsoft.com/office/drawing/2010/main">
+                <a14:hiddenFill xmlns:a14="http://schemas.microsoft.com/office/drawing/2010/main" xmlns="">
                   <a:solidFill>
                     <a:schemeClr val="accent1"/>
                   </a:solidFill>
                 </a14:hiddenFill>
               </a:ext>
               <a:ext uri="{91240B29-F687-4f45-9708-019B960494DF}">
-                <a14:hiddenLine xmlns="" xmlns:a14="http://schemas.microsoft.com/office/drawing/2010/main" w="9525">
+                <a14:hiddenLine xmlns:a14="http://schemas.microsoft.com/office/drawing/2010/main" xmlns="" w="9525">
                   <a:solidFill>
                     <a:schemeClr val="tx1"/>
                   </a:solidFill>
@@ -28509,7 +29043,7 @@
                 </a14:hiddenLine>
               </a:ext>
               <a:ext uri="{AF507438-7753-43e0-B8FC-AC1667EBCBE1}">
-                <a14:hiddenEffects xmlns="" xmlns:a14="http://schemas.microsoft.com/office/drawing/2010/main">
+                <a14:hiddenEffects xmlns:a14="http://schemas.microsoft.com/office/drawing/2010/main" xmlns="">
                   <a:effectLst>
                     <a:outerShdw dist="35921" dir="2700000" algn="ctr" rotWithShape="0">
                       <a:schemeClr val="bg2"/>
@@ -28520,8 +29054,8 @@
             </a:extLst>
           </p:spPr>
         </p:pic>
-        <mc:AlternateContent xmlns:mc="http://schemas.openxmlformats.org/markup-compatibility/2006">
-          <mc:Choice xmlns:a14="http://schemas.microsoft.com/office/drawing/2010/main" Requires="a14">
+        <mc:AlternateContent xmlns:mc="http://schemas.openxmlformats.org/markup-compatibility/2006" xmlns:a14="http://schemas.microsoft.com/office/drawing/2010/main">
+          <mc:Choice Requires="a14">
             <p:sp>
               <p:nvSpPr>
                 <p:cNvPr id="3" name="TextBox 2">
@@ -28571,7 +29105,7 @@
               </p:txBody>
             </p:sp>
           </mc:Choice>
-          <mc:Fallback>
+          <mc:Fallback xmlns="">
             <p:sp>
               <p:nvSpPr>
                 <p:cNvPr id="3" name="TextBox 2">
@@ -28674,8 +29208,8 @@
           </a:p>
         </p:txBody>
       </p:sp>
-      <mc:AlternateContent xmlns:mc="http://schemas.openxmlformats.org/markup-compatibility/2006">
-        <mc:Choice xmlns:a14="http://schemas.microsoft.com/office/drawing/2010/main" Requires="a14">
+      <mc:AlternateContent xmlns:mc="http://schemas.openxmlformats.org/markup-compatibility/2006" xmlns:a14="http://schemas.microsoft.com/office/drawing/2010/main">
+        <mc:Choice Requires="a14">
           <p:sp>
             <p:nvSpPr>
               <p:cNvPr id="1105923" name="Rectangle 3"/>
@@ -28928,7 +29462,7 @@
             </p:txBody>
           </p:sp>
         </mc:Choice>
-        <mc:Fallback>
+        <mc:Fallback xmlns="">
           <p:sp>
             <p:nvSpPr>
               <p:cNvPr id="1105923" name="Rectangle 3"/>
@@ -29002,14 +29536,14 @@
           <a:effectLst/>
           <a:extLst>
             <a:ext uri="{909E8E84-426E-40dd-AFC4-6F175D3DCCD1}">
-              <a14:hiddenFill xmlns="" xmlns:a14="http://schemas.microsoft.com/office/drawing/2010/main">
+              <a14:hiddenFill xmlns:a14="http://schemas.microsoft.com/office/drawing/2010/main" xmlns="">
                 <a:solidFill>
                   <a:schemeClr val="accent1"/>
                 </a:solidFill>
               </a14:hiddenFill>
             </a:ext>
             <a:ext uri="{91240B29-F687-4f45-9708-019B960494DF}">
-              <a14:hiddenLine xmlns="" xmlns:a14="http://schemas.microsoft.com/office/drawing/2010/main" w="9525">
+              <a14:hiddenLine xmlns:a14="http://schemas.microsoft.com/office/drawing/2010/main" xmlns="" w="9525">
                 <a:solidFill>
                   <a:schemeClr val="tx1"/>
                 </a:solidFill>
@@ -29019,7 +29553,7 @@
               </a14:hiddenLine>
             </a:ext>
             <a:ext uri="{AF507438-7753-43e0-B8FC-AC1667EBCBE1}">
-              <a14:hiddenEffects xmlns="" xmlns:a14="http://schemas.microsoft.com/office/drawing/2010/main">
+              <a14:hiddenEffects xmlns:a14="http://schemas.microsoft.com/office/drawing/2010/main" xmlns="">
                 <a:effectLst>
                   <a:outerShdw dist="35921" dir="2700000" algn="ctr" rotWithShape="0">
                     <a:schemeClr val="bg2"/>
@@ -29066,14 +29600,14 @@
           <a:effectLst/>
           <a:extLst>
             <a:ext uri="{909E8E84-426E-40dd-AFC4-6F175D3DCCD1}">
-              <a14:hiddenFill xmlns="" xmlns:a14="http://schemas.microsoft.com/office/drawing/2010/main">
+              <a14:hiddenFill xmlns:a14="http://schemas.microsoft.com/office/drawing/2010/main" xmlns="">
                 <a:solidFill>
                   <a:schemeClr val="accent1"/>
                 </a:solidFill>
               </a14:hiddenFill>
             </a:ext>
             <a:ext uri="{91240B29-F687-4f45-9708-019B960494DF}">
-              <a14:hiddenLine xmlns="" xmlns:a14="http://schemas.microsoft.com/office/drawing/2010/main" w="9525">
+              <a14:hiddenLine xmlns:a14="http://schemas.microsoft.com/office/drawing/2010/main" xmlns="" w="9525">
                 <a:solidFill>
                   <a:schemeClr val="tx1"/>
                 </a:solidFill>
@@ -29083,7 +29617,7 @@
               </a14:hiddenLine>
             </a:ext>
             <a:ext uri="{AF507438-7753-43e0-B8FC-AC1667EBCBE1}">
-              <a14:hiddenEffects xmlns="" xmlns:a14="http://schemas.microsoft.com/office/drawing/2010/main">
+              <a14:hiddenEffects xmlns:a14="http://schemas.microsoft.com/office/drawing/2010/main" xmlns="">
                 <a:effectLst>
                   <a:outerShdw dist="35921" dir="2700000" algn="ctr" rotWithShape="0">
                     <a:schemeClr val="bg2"/>
@@ -31113,7 +31647,7 @@
             </a:ln>
             <a:extLst>
               <a:ext uri="{AF507438-7753-43e0-B8FC-AC1667EBCBE1}">
-                <a14:hiddenEffects xmlns="" xmlns:a14="http://schemas.microsoft.com/office/drawing/2010/main">
+                <a14:hiddenEffects xmlns:a14="http://schemas.microsoft.com/office/drawing/2010/main" xmlns="">
                   <a:effectLst>
                     <a:outerShdw dist="35921" dir="2700000" algn="ctr" rotWithShape="0">
                       <a:schemeClr val="bg2"/>
@@ -31183,7 +31717,7 @@
             <a:effectLst/>
             <a:extLst>
               <a:ext uri="{AF507438-7753-43e0-B8FC-AC1667EBCBE1}">
-                <a14:hiddenEffects xmlns="" xmlns:a14="http://schemas.microsoft.com/office/drawing/2010/main">
+                <a14:hiddenEffects xmlns:a14="http://schemas.microsoft.com/office/drawing/2010/main" xmlns="">
                   <a:effectLst>
                     <a:outerShdw dist="35921" dir="2700000" algn="ctr" rotWithShape="0">
                       <a:schemeClr val="bg2"/>
@@ -31237,7 +31771,7 @@
             <a:effectLst/>
             <a:extLst>
               <a:ext uri="{AF507438-7753-43e0-B8FC-AC1667EBCBE1}">
-                <a14:hiddenEffects xmlns="" xmlns:a14="http://schemas.microsoft.com/office/drawing/2010/main">
+                <a14:hiddenEffects xmlns:a14="http://schemas.microsoft.com/office/drawing/2010/main" xmlns="">
                   <a:effectLst>
                     <a:outerShdw dist="35921" dir="2700000" algn="ctr" rotWithShape="0">
                       <a:schemeClr val="bg2"/>
@@ -31290,12 +31824,12 @@
             <a:effectLst/>
             <a:extLst>
               <a:ext uri="{909E8E84-426E-40dd-AFC4-6F175D3DCCD1}">
-                <a14:hiddenFill xmlns="" xmlns:a14="http://schemas.microsoft.com/office/drawing/2010/main">
+                <a14:hiddenFill xmlns:a14="http://schemas.microsoft.com/office/drawing/2010/main" xmlns="">
                   <a:noFill/>
                 </a14:hiddenFill>
               </a:ext>
               <a:ext uri="{AF507438-7753-43e0-B8FC-AC1667EBCBE1}">
-                <a14:hiddenEffects xmlns="" xmlns:a14="http://schemas.microsoft.com/office/drawing/2010/main">
+                <a14:hiddenEffects xmlns:a14="http://schemas.microsoft.com/office/drawing/2010/main" xmlns="">
                   <a:effectLst>
                     <a:outerShdw dist="35921" dir="2700000" algn="ctr" rotWithShape="0">
                       <a:schemeClr val="bg2"/>
@@ -31369,14 +31903,14 @@
             <a:effectLst/>
             <a:extLst>
               <a:ext uri="{909E8E84-426E-40dd-AFC4-6F175D3DCCD1}">
-                <a14:hiddenFill xmlns="" xmlns:a14="http://schemas.microsoft.com/office/drawing/2010/main">
+                <a14:hiddenFill xmlns:a14="http://schemas.microsoft.com/office/drawing/2010/main" xmlns="">
                   <a:solidFill>
                     <a:schemeClr val="accent1"/>
                   </a:solidFill>
                 </a14:hiddenFill>
               </a:ext>
               <a:ext uri="{91240B29-F687-4f45-9708-019B960494DF}">
-                <a14:hiddenLine xmlns="" xmlns:a14="http://schemas.microsoft.com/office/drawing/2010/main" w="9525">
+                <a14:hiddenLine xmlns:a14="http://schemas.microsoft.com/office/drawing/2010/main" xmlns="" w="9525">
                   <a:solidFill>
                     <a:schemeClr val="tx1"/>
                   </a:solidFill>
@@ -31386,7 +31920,7 @@
                 </a14:hiddenLine>
               </a:ext>
               <a:ext uri="{AF507438-7753-43e0-B8FC-AC1667EBCBE1}">
-                <a14:hiddenEffects xmlns="" xmlns:a14="http://schemas.microsoft.com/office/drawing/2010/main">
+                <a14:hiddenEffects xmlns:a14="http://schemas.microsoft.com/office/drawing/2010/main" xmlns="">
                   <a:effectLst>
                     <a:outerShdw dist="35921" dir="2700000" algn="ctr" rotWithShape="0">
                       <a:schemeClr val="bg2"/>
@@ -31397,8 +31931,8 @@
             </a:extLst>
           </p:spPr>
         </p:pic>
-        <mc:AlternateContent xmlns:mc="http://schemas.openxmlformats.org/markup-compatibility/2006">
-          <mc:Choice xmlns:a14="http://schemas.microsoft.com/office/drawing/2010/main" Requires="a14">
+        <mc:AlternateContent xmlns:mc="http://schemas.openxmlformats.org/markup-compatibility/2006" xmlns:a14="http://schemas.microsoft.com/office/drawing/2010/main">
+          <mc:Choice Requires="a14">
             <p:sp>
               <p:nvSpPr>
                 <p:cNvPr id="14" name="TextBox 13">
@@ -31448,7 +31982,7 @@
               </p:txBody>
             </p:sp>
           </mc:Choice>
-          <mc:Fallback>
+          <mc:Fallback xmlns="">
             <p:sp>
               <p:nvSpPr>
                 <p:cNvPr id="14" name="TextBox 13">
@@ -31493,8 +32027,8 @@
             </p:sp>
           </mc:Fallback>
         </mc:AlternateContent>
-        <mc:AlternateContent xmlns:mc="http://schemas.openxmlformats.org/markup-compatibility/2006">
-          <mc:Choice xmlns:a14="http://schemas.microsoft.com/office/drawing/2010/main" Requires="a14">
+        <mc:AlternateContent xmlns:mc="http://schemas.openxmlformats.org/markup-compatibility/2006" xmlns:a14="http://schemas.microsoft.com/office/drawing/2010/main">
+          <mc:Choice Requires="a14">
             <p:sp>
               <p:nvSpPr>
                 <p:cNvPr id="15" name="TextBox 14">
@@ -31563,7 +32097,7 @@
               </p:txBody>
             </p:sp>
           </mc:Choice>
-          <mc:Fallback>
+          <mc:Fallback xmlns="">
             <p:sp>
               <p:nvSpPr>
                 <p:cNvPr id="15" name="TextBox 14">
@@ -31691,8 +32225,8 @@
           <a:chExt cx="0" cy="0"/>
         </a:xfrm>
       </p:grpSpPr>
-      <mc:AlternateContent xmlns:mc="http://schemas.openxmlformats.org/markup-compatibility/2006">
-        <mc:Choice xmlns:a14="http://schemas.microsoft.com/office/drawing/2010/main" Requires="a14">
+      <mc:AlternateContent xmlns:mc="http://schemas.openxmlformats.org/markup-compatibility/2006" xmlns:a14="http://schemas.microsoft.com/office/drawing/2010/main">
+        <mc:Choice Requires="a14">
           <p:sp>
             <p:nvSpPr>
               <p:cNvPr id="2" name="Title 1">
@@ -31736,7 +32270,7 @@
             </p:txBody>
           </p:sp>
         </mc:Choice>
-        <mc:Fallback>
+        <mc:Fallback xmlns="">
           <p:sp>
             <p:nvSpPr>
               <p:cNvPr id="2" name="Title 1">
@@ -32589,7 +33123,7 @@
             </a:ln>
             <a:extLst>
               <a:ext uri="{AF507438-7753-43e0-B8FC-AC1667EBCBE1}">
-                <a14:hiddenEffects xmlns="" xmlns:a14="http://schemas.microsoft.com/office/drawing/2010/main">
+                <a14:hiddenEffects xmlns:a14="http://schemas.microsoft.com/office/drawing/2010/main" xmlns="">
                   <a:effectLst>
                     <a:outerShdw dist="35921" dir="2700000" algn="ctr" rotWithShape="0">
                       <a:schemeClr val="bg2"/>
@@ -32659,7 +33193,7 @@
             <a:effectLst/>
             <a:extLst>
               <a:ext uri="{AF507438-7753-43e0-B8FC-AC1667EBCBE1}">
-                <a14:hiddenEffects xmlns="" xmlns:a14="http://schemas.microsoft.com/office/drawing/2010/main">
+                <a14:hiddenEffects xmlns:a14="http://schemas.microsoft.com/office/drawing/2010/main" xmlns="">
                   <a:effectLst>
                     <a:outerShdw dist="35921" dir="2700000" algn="ctr" rotWithShape="0">
                       <a:schemeClr val="bg2"/>
@@ -32713,7 +33247,7 @@
             <a:effectLst/>
             <a:extLst>
               <a:ext uri="{AF507438-7753-43e0-B8FC-AC1667EBCBE1}">
-                <a14:hiddenEffects xmlns="" xmlns:a14="http://schemas.microsoft.com/office/drawing/2010/main">
+                <a14:hiddenEffects xmlns:a14="http://schemas.microsoft.com/office/drawing/2010/main" xmlns="">
                   <a:effectLst>
                     <a:outerShdw dist="35921" dir="2700000" algn="ctr" rotWithShape="0">
                       <a:schemeClr val="bg2"/>
@@ -32766,12 +33300,12 @@
             <a:effectLst/>
             <a:extLst>
               <a:ext uri="{909E8E84-426E-40dd-AFC4-6F175D3DCCD1}">
-                <a14:hiddenFill xmlns="" xmlns:a14="http://schemas.microsoft.com/office/drawing/2010/main">
+                <a14:hiddenFill xmlns:a14="http://schemas.microsoft.com/office/drawing/2010/main" xmlns="">
                   <a:noFill/>
                 </a14:hiddenFill>
               </a:ext>
               <a:ext uri="{AF507438-7753-43e0-B8FC-AC1667EBCBE1}">
-                <a14:hiddenEffects xmlns="" xmlns:a14="http://schemas.microsoft.com/office/drawing/2010/main">
+                <a14:hiddenEffects xmlns:a14="http://schemas.microsoft.com/office/drawing/2010/main" xmlns="">
                   <a:effectLst>
                     <a:outerShdw dist="35921" dir="2700000" algn="ctr" rotWithShape="0">
                       <a:schemeClr val="bg2"/>
@@ -32845,14 +33379,14 @@
             <a:effectLst/>
             <a:extLst>
               <a:ext uri="{909E8E84-426E-40dd-AFC4-6F175D3DCCD1}">
-                <a14:hiddenFill xmlns="" xmlns:a14="http://schemas.microsoft.com/office/drawing/2010/main">
+                <a14:hiddenFill xmlns:a14="http://schemas.microsoft.com/office/drawing/2010/main" xmlns="">
                   <a:solidFill>
                     <a:schemeClr val="accent1"/>
                   </a:solidFill>
                 </a14:hiddenFill>
               </a:ext>
               <a:ext uri="{91240B29-F687-4f45-9708-019B960494DF}">
-                <a14:hiddenLine xmlns="" xmlns:a14="http://schemas.microsoft.com/office/drawing/2010/main" w="9525">
+                <a14:hiddenLine xmlns:a14="http://schemas.microsoft.com/office/drawing/2010/main" xmlns="" w="9525">
                   <a:solidFill>
                     <a:schemeClr val="tx1"/>
                   </a:solidFill>
@@ -32862,7 +33396,7 @@
                 </a14:hiddenLine>
               </a:ext>
               <a:ext uri="{AF507438-7753-43e0-B8FC-AC1667EBCBE1}">
-                <a14:hiddenEffects xmlns="" xmlns:a14="http://schemas.microsoft.com/office/drawing/2010/main">
+                <a14:hiddenEffects xmlns:a14="http://schemas.microsoft.com/office/drawing/2010/main" xmlns="">
                   <a:effectLst>
                     <a:outerShdw dist="35921" dir="2700000" algn="ctr" rotWithShape="0">
                       <a:schemeClr val="bg2"/>
@@ -32873,8 +33407,8 @@
             </a:extLst>
           </p:spPr>
         </p:pic>
-        <mc:AlternateContent xmlns:mc="http://schemas.openxmlformats.org/markup-compatibility/2006">
-          <mc:Choice xmlns:a14="http://schemas.microsoft.com/office/drawing/2010/main" Requires="a14">
+        <mc:AlternateContent xmlns:mc="http://schemas.openxmlformats.org/markup-compatibility/2006" xmlns:a14="http://schemas.microsoft.com/office/drawing/2010/main">
+          <mc:Choice Requires="a14">
             <p:sp>
               <p:nvSpPr>
                 <p:cNvPr id="29" name="TextBox 28">
@@ -32924,7 +33458,7 @@
               </p:txBody>
             </p:sp>
           </mc:Choice>
-          <mc:Fallback>
+          <mc:Fallback xmlns="">
             <p:sp>
               <p:nvSpPr>
                 <p:cNvPr id="29" name="TextBox 28">
@@ -32969,8 +33503,8 @@
             </p:sp>
           </mc:Fallback>
         </mc:AlternateContent>
-        <mc:AlternateContent xmlns:mc="http://schemas.openxmlformats.org/markup-compatibility/2006">
-          <mc:Choice xmlns:a14="http://schemas.microsoft.com/office/drawing/2010/main" Requires="a14">
+        <mc:AlternateContent xmlns:mc="http://schemas.openxmlformats.org/markup-compatibility/2006" xmlns:a14="http://schemas.microsoft.com/office/drawing/2010/main">
+          <mc:Choice Requires="a14">
             <p:sp>
               <p:nvSpPr>
                 <p:cNvPr id="30" name="TextBox 29">
@@ -33039,7 +33573,7 @@
               </p:txBody>
             </p:sp>
           </mc:Choice>
-          <mc:Fallback>
+          <mc:Fallback xmlns="">
             <p:sp>
               <p:nvSpPr>
                 <p:cNvPr id="30" name="TextBox 29">
@@ -33755,11 +34289,11 @@
                       <a:srgbClr val="FF0000"/>
                     </a:solidFill>
                   </a:rPr>
-                  <a:t>Bayes classifier is optimal</a:t>
+                  <a:t>Bayes classifier is optimal.</a:t>
                 </a:r>
                 <a:r>
                   <a:rPr lang="en-US" dirty="0"/>
-                  <a:t> is the most consistent classifier and guarantees the lowest possible error called the </a:t>
+                  <a:t> It is the most consistent classifier possible with the lowest possible error called the </a:t>
                 </a:r>
                 <a:r>
                   <a:rPr lang="en-US" b="1" dirty="0">
@@ -33771,7 +34305,7 @@
                 </a:r>
                 <a:r>
                   <a:rPr lang="en-US" dirty="0"/>
-                  <a:t>.</a:t>
+                  <a:t>. No better classifier is possible!</a:t>
                 </a:r>
               </a:p>
               <a:p>
@@ -33969,7 +34503,7 @@
                 </a:pPr>
                 <a:r>
                   <a:rPr lang="en-US" dirty="0"/>
-                  <a:t>This is impractical and most classifiers try to approximate the bayes Classifier using fewer parameters.</a:t>
+                  <a:t>This is impractical and most classifiers try to approximate the Bayes classifier using fewer parameters.</a:t>
                 </a:r>
                 <a:endParaRPr lang="en-US" i="1" dirty="0"/>
               </a:p>
@@ -34078,8 +34612,8 @@
           </a:p>
         </p:txBody>
       </p:sp>
-      <mc:AlternateContent xmlns:mc="http://schemas.openxmlformats.org/markup-compatibility/2006">
-        <mc:Choice xmlns:a14="http://schemas.microsoft.com/office/drawing/2010/main" Requires="a14">
+      <mc:AlternateContent xmlns:mc="http://schemas.openxmlformats.org/markup-compatibility/2006" xmlns:a14="http://schemas.microsoft.com/office/drawing/2010/main">
+        <mc:Choice Requires="a14">
           <p:sp>
             <p:nvSpPr>
               <p:cNvPr id="3" name="Content Placeholder 2">
@@ -34469,7 +35003,7 @@
             </p:txBody>
           </p:sp>
         </mc:Choice>
-        <mc:Fallback>
+        <mc:Fallback xmlns="">
           <p:sp>
             <p:nvSpPr>
               <p:cNvPr id="3" name="Content Placeholder 2">

--- a/slides/19_ML_intro.pptx
+++ b/slides/19_ML_intro.pptx
@@ -5,10 +5,10 @@
     <p:sldMasterId id="2147483769" r:id="rId1"/>
   </p:sldMasterIdLst>
   <p:notesMasterIdLst>
-    <p:notesMasterId r:id="rId33"/>
+    <p:notesMasterId r:id="rId34"/>
   </p:notesMasterIdLst>
   <p:handoutMasterIdLst>
-    <p:handoutMasterId r:id="rId34"/>
+    <p:handoutMasterId r:id="rId35"/>
   </p:handoutMasterIdLst>
   <p:sldIdLst>
     <p:sldId id="455" r:id="rId2"/>
@@ -42,11 +42,12 @@
     <p:sldId id="494" r:id="rId30"/>
     <p:sldId id="428" r:id="rId31"/>
     <p:sldId id="507" r:id="rId32"/>
+    <p:sldId id="508" r:id="rId33"/>
   </p:sldIdLst>
   <p:sldSz cx="12192000" cy="6858000"/>
   <p:notesSz cx="7099300" cy="10234613"/>
   <p:custDataLst>
-    <p:tags r:id="rId35"/>
+    <p:tags r:id="rId36"/>
   </p:custDataLst>
   <p:defaultTextStyle>
     <a:defPPr>
@@ -179,6 +180,7 @@
             <p14:sldId id="494"/>
             <p14:sldId id="428"/>
             <p14:sldId id="507"/>
+            <p14:sldId id="508"/>
           </p14:sldIdLst>
         </p14:section>
       </p14:sectionLst>
@@ -1765,6 +1767,788 @@
 </dgm:colorsDef>
 </file>
 
+<file path=ppt/diagrams/colors3.xml><?xml version="1.0" encoding="utf-8"?>
+<dgm:colorsDef xmlns:dgm="http://schemas.openxmlformats.org/drawingml/2006/diagram" xmlns:a="http://schemas.openxmlformats.org/drawingml/2006/main" uniqueId="urn:microsoft.com/office/officeart/2005/8/colors/colorful2">
+  <dgm:title val=""/>
+  <dgm:desc val=""/>
+  <dgm:catLst>
+    <dgm:cat type="colorful" pri="10200"/>
+  </dgm:catLst>
+  <dgm:styleLbl name="node0">
+    <dgm:fillClrLst meth="repeat">
+      <a:schemeClr val="accent1"/>
+    </dgm:fillClrLst>
+    <dgm:linClrLst meth="repeat">
+      <a:schemeClr val="lt1"/>
+    </dgm:linClrLst>
+    <dgm:effectClrLst/>
+    <dgm:txLinClrLst/>
+    <dgm:txFillClrLst/>
+    <dgm:txEffectClrLst/>
+  </dgm:styleLbl>
+  <dgm:styleLbl name="node1">
+    <dgm:fillClrLst>
+      <a:schemeClr val="accent2"/>
+      <a:schemeClr val="accent3"/>
+    </dgm:fillClrLst>
+    <dgm:linClrLst meth="repeat">
+      <a:schemeClr val="lt1"/>
+    </dgm:linClrLst>
+    <dgm:effectClrLst/>
+    <dgm:txLinClrLst/>
+    <dgm:txFillClrLst/>
+    <dgm:txEffectClrLst/>
+  </dgm:styleLbl>
+  <dgm:styleLbl name="alignNode1">
+    <dgm:fillClrLst>
+      <a:schemeClr val="accent2"/>
+      <a:schemeClr val="accent3"/>
+    </dgm:fillClrLst>
+    <dgm:linClrLst>
+      <a:schemeClr val="accent2"/>
+      <a:schemeClr val="accent3"/>
+    </dgm:linClrLst>
+    <dgm:effectClrLst/>
+    <dgm:txLinClrLst/>
+    <dgm:txFillClrLst/>
+    <dgm:txEffectClrLst/>
+  </dgm:styleLbl>
+  <dgm:styleLbl name="lnNode1">
+    <dgm:fillClrLst>
+      <a:schemeClr val="accent2"/>
+      <a:schemeClr val="accent3"/>
+    </dgm:fillClrLst>
+    <dgm:linClrLst meth="repeat">
+      <a:schemeClr val="lt1"/>
+    </dgm:linClrLst>
+    <dgm:effectClrLst/>
+    <dgm:txLinClrLst/>
+    <dgm:txFillClrLst/>
+    <dgm:txEffectClrLst/>
+  </dgm:styleLbl>
+  <dgm:styleLbl name="vennNode1">
+    <dgm:fillClrLst>
+      <a:schemeClr val="accent2">
+        <a:alpha val="50000"/>
+      </a:schemeClr>
+      <a:schemeClr val="accent3">
+        <a:alpha val="50000"/>
+      </a:schemeClr>
+    </dgm:fillClrLst>
+    <dgm:linClrLst meth="repeat">
+      <a:schemeClr val="lt1"/>
+    </dgm:linClrLst>
+    <dgm:effectClrLst/>
+    <dgm:txLinClrLst/>
+    <dgm:txFillClrLst/>
+    <dgm:txEffectClrLst/>
+  </dgm:styleLbl>
+  <dgm:styleLbl name="node2">
+    <dgm:fillClrLst>
+      <a:schemeClr val="accent3"/>
+    </dgm:fillClrLst>
+    <dgm:linClrLst meth="repeat">
+      <a:schemeClr val="lt1"/>
+    </dgm:linClrLst>
+    <dgm:effectClrLst/>
+    <dgm:txLinClrLst/>
+    <dgm:txFillClrLst/>
+    <dgm:txEffectClrLst/>
+  </dgm:styleLbl>
+  <dgm:styleLbl name="node3">
+    <dgm:fillClrLst>
+      <a:schemeClr val="accent4"/>
+    </dgm:fillClrLst>
+    <dgm:linClrLst meth="repeat">
+      <a:schemeClr val="lt1"/>
+    </dgm:linClrLst>
+    <dgm:effectClrLst/>
+    <dgm:txLinClrLst/>
+    <dgm:txFillClrLst/>
+    <dgm:txEffectClrLst/>
+  </dgm:styleLbl>
+  <dgm:styleLbl name="node4">
+    <dgm:fillClrLst>
+      <a:schemeClr val="accent5"/>
+    </dgm:fillClrLst>
+    <dgm:linClrLst meth="repeat">
+      <a:schemeClr val="lt1"/>
+    </dgm:linClrLst>
+    <dgm:effectClrLst/>
+    <dgm:txLinClrLst/>
+    <dgm:txFillClrLst/>
+    <dgm:txEffectClrLst/>
+  </dgm:styleLbl>
+  <dgm:styleLbl name="fgImgPlace1">
+    <dgm:fillClrLst>
+      <a:schemeClr val="accent2">
+        <a:tint val="50000"/>
+      </a:schemeClr>
+      <a:schemeClr val="accent3">
+        <a:tint val="50000"/>
+      </a:schemeClr>
+    </dgm:fillClrLst>
+    <dgm:linClrLst meth="repeat">
+      <a:schemeClr val="lt1"/>
+    </dgm:linClrLst>
+    <dgm:effectClrLst/>
+    <dgm:txLinClrLst/>
+    <dgm:txFillClrLst meth="repeat">
+      <a:schemeClr val="lt1"/>
+    </dgm:txFillClrLst>
+    <dgm:txEffectClrLst/>
+  </dgm:styleLbl>
+  <dgm:styleLbl name="alignImgPlace1">
+    <dgm:fillClrLst>
+      <a:schemeClr val="accent2">
+        <a:tint val="50000"/>
+      </a:schemeClr>
+      <a:schemeClr val="accent3">
+        <a:tint val="20000"/>
+      </a:schemeClr>
+    </dgm:fillClrLst>
+    <dgm:linClrLst meth="repeat">
+      <a:schemeClr val="lt1"/>
+    </dgm:linClrLst>
+    <dgm:effectClrLst/>
+    <dgm:txLinClrLst/>
+    <dgm:txFillClrLst meth="repeat">
+      <a:schemeClr val="lt1"/>
+    </dgm:txFillClrLst>
+    <dgm:txEffectClrLst/>
+  </dgm:styleLbl>
+  <dgm:styleLbl name="bgImgPlace1">
+    <dgm:fillClrLst>
+      <a:schemeClr val="accent2">
+        <a:tint val="50000"/>
+      </a:schemeClr>
+      <a:schemeClr val="accent3">
+        <a:tint val="20000"/>
+      </a:schemeClr>
+    </dgm:fillClrLst>
+    <dgm:linClrLst meth="repeat">
+      <a:schemeClr val="lt1"/>
+    </dgm:linClrLst>
+    <dgm:effectClrLst/>
+    <dgm:txLinClrLst/>
+    <dgm:txFillClrLst meth="repeat">
+      <a:schemeClr val="lt1"/>
+    </dgm:txFillClrLst>
+    <dgm:txEffectClrLst/>
+  </dgm:styleLbl>
+  <dgm:styleLbl name="sibTrans2D1">
+    <dgm:fillClrLst>
+      <a:schemeClr val="accent2"/>
+      <a:schemeClr val="accent3"/>
+    </dgm:fillClrLst>
+    <dgm:linClrLst meth="repeat">
+      <a:schemeClr val="lt1"/>
+    </dgm:linClrLst>
+    <dgm:effectClrLst/>
+    <dgm:txLinClrLst/>
+    <dgm:txFillClrLst/>
+    <dgm:txEffectClrLst/>
+  </dgm:styleLbl>
+  <dgm:styleLbl name="fgSibTrans2D1">
+    <dgm:fillClrLst>
+      <a:schemeClr val="accent2"/>
+      <a:schemeClr val="accent3"/>
+    </dgm:fillClrLst>
+    <dgm:linClrLst meth="repeat">
+      <a:schemeClr val="lt1"/>
+    </dgm:linClrLst>
+    <dgm:effectClrLst/>
+    <dgm:txLinClrLst/>
+    <dgm:txFillClrLst meth="repeat">
+      <a:schemeClr val="lt1"/>
+    </dgm:txFillClrLst>
+    <dgm:txEffectClrLst/>
+  </dgm:styleLbl>
+  <dgm:styleLbl name="bgSibTrans2D1">
+    <dgm:fillClrLst>
+      <a:schemeClr val="accent2"/>
+      <a:schemeClr val="accent3"/>
+    </dgm:fillClrLst>
+    <dgm:linClrLst meth="repeat">
+      <a:schemeClr val="lt1"/>
+    </dgm:linClrLst>
+    <dgm:effectClrLst/>
+    <dgm:txLinClrLst/>
+    <dgm:txFillClrLst meth="repeat">
+      <a:schemeClr val="lt1"/>
+    </dgm:txFillClrLst>
+    <dgm:txEffectClrLst/>
+  </dgm:styleLbl>
+  <dgm:styleLbl name="sibTrans1D1">
+    <dgm:fillClrLst/>
+    <dgm:linClrLst>
+      <a:schemeClr val="accent2"/>
+      <a:schemeClr val="accent3"/>
+    </dgm:linClrLst>
+    <dgm:effectClrLst/>
+    <dgm:txLinClrLst/>
+    <dgm:txFillClrLst meth="repeat">
+      <a:schemeClr val="tx1"/>
+    </dgm:txFillClrLst>
+    <dgm:txEffectClrLst/>
+  </dgm:styleLbl>
+  <dgm:styleLbl name="callout">
+    <dgm:fillClrLst meth="repeat">
+      <a:schemeClr val="accent2"/>
+    </dgm:fillClrLst>
+    <dgm:linClrLst meth="repeat">
+      <a:schemeClr val="accent2">
+        <a:tint val="50000"/>
+      </a:schemeClr>
+    </dgm:linClrLst>
+    <dgm:effectClrLst/>
+    <dgm:txLinClrLst/>
+    <dgm:txFillClrLst meth="repeat">
+      <a:schemeClr val="tx1"/>
+    </dgm:txFillClrLst>
+    <dgm:txEffectClrLst/>
+  </dgm:styleLbl>
+  <dgm:styleLbl name="asst0">
+    <dgm:fillClrLst meth="repeat">
+      <a:schemeClr val="accent2"/>
+    </dgm:fillClrLst>
+    <dgm:linClrLst meth="repeat">
+      <a:schemeClr val="lt1">
+        <a:shade val="80000"/>
+      </a:schemeClr>
+    </dgm:linClrLst>
+    <dgm:effectClrLst/>
+    <dgm:txLinClrLst/>
+    <dgm:txFillClrLst/>
+    <dgm:txEffectClrLst/>
+  </dgm:styleLbl>
+  <dgm:styleLbl name="asst1">
+    <dgm:fillClrLst meth="repeat">
+      <a:schemeClr val="accent3"/>
+    </dgm:fillClrLst>
+    <dgm:linClrLst meth="repeat">
+      <a:schemeClr val="lt1">
+        <a:shade val="80000"/>
+      </a:schemeClr>
+    </dgm:linClrLst>
+    <dgm:effectClrLst/>
+    <dgm:txLinClrLst/>
+    <dgm:txFillClrLst/>
+    <dgm:txEffectClrLst/>
+  </dgm:styleLbl>
+  <dgm:styleLbl name="asst2">
+    <dgm:fillClrLst>
+      <a:schemeClr val="accent4"/>
+    </dgm:fillClrLst>
+    <dgm:linClrLst meth="repeat">
+      <a:schemeClr val="lt1"/>
+    </dgm:linClrLst>
+    <dgm:effectClrLst/>
+    <dgm:txLinClrLst/>
+    <dgm:txFillClrLst/>
+    <dgm:txEffectClrLst/>
+  </dgm:styleLbl>
+  <dgm:styleLbl name="asst3">
+    <dgm:fillClrLst>
+      <a:schemeClr val="accent5"/>
+    </dgm:fillClrLst>
+    <dgm:linClrLst meth="repeat">
+      <a:schemeClr val="lt1"/>
+    </dgm:linClrLst>
+    <dgm:effectClrLst/>
+    <dgm:txLinClrLst/>
+    <dgm:txFillClrLst/>
+    <dgm:txEffectClrLst/>
+  </dgm:styleLbl>
+  <dgm:styleLbl name="asst4">
+    <dgm:fillClrLst>
+      <a:schemeClr val="accent6"/>
+    </dgm:fillClrLst>
+    <dgm:linClrLst meth="repeat">
+      <a:schemeClr val="lt1"/>
+    </dgm:linClrLst>
+    <dgm:effectClrLst/>
+    <dgm:txLinClrLst/>
+    <dgm:txFillClrLst/>
+    <dgm:txEffectClrLst/>
+  </dgm:styleLbl>
+  <dgm:styleLbl name="parChTrans2D1">
+    <dgm:fillClrLst meth="repeat">
+      <a:schemeClr val="accent2"/>
+    </dgm:fillClrLst>
+    <dgm:linClrLst meth="repeat">
+      <a:schemeClr val="lt1"/>
+    </dgm:linClrLst>
+    <dgm:effectClrLst/>
+    <dgm:txLinClrLst/>
+    <dgm:txFillClrLst meth="repeat">
+      <a:schemeClr val="lt1"/>
+    </dgm:txFillClrLst>
+    <dgm:txEffectClrLst/>
+  </dgm:styleLbl>
+  <dgm:styleLbl name="parChTrans2D2">
+    <dgm:fillClrLst meth="repeat">
+      <a:schemeClr val="accent3"/>
+    </dgm:fillClrLst>
+    <dgm:linClrLst meth="repeat">
+      <a:schemeClr val="lt1"/>
+    </dgm:linClrLst>
+    <dgm:effectClrLst/>
+    <dgm:txLinClrLst/>
+    <dgm:txFillClrLst/>
+    <dgm:txEffectClrLst/>
+  </dgm:styleLbl>
+  <dgm:styleLbl name="parChTrans2D3">
+    <dgm:fillClrLst meth="repeat">
+      <a:schemeClr val="accent4"/>
+    </dgm:fillClrLst>
+    <dgm:linClrLst meth="repeat">
+      <a:schemeClr val="lt1"/>
+    </dgm:linClrLst>
+    <dgm:effectClrLst/>
+    <dgm:txLinClrLst/>
+    <dgm:txFillClrLst/>
+    <dgm:txEffectClrLst/>
+  </dgm:styleLbl>
+  <dgm:styleLbl name="parChTrans2D4">
+    <dgm:fillClrLst meth="repeat">
+      <a:schemeClr val="accent5"/>
+    </dgm:fillClrLst>
+    <dgm:linClrLst meth="repeat">
+      <a:schemeClr val="lt1"/>
+    </dgm:linClrLst>
+    <dgm:effectClrLst/>
+    <dgm:txLinClrLst/>
+    <dgm:txFillClrLst meth="repeat">
+      <a:schemeClr val="lt1"/>
+    </dgm:txFillClrLst>
+    <dgm:txEffectClrLst/>
+  </dgm:styleLbl>
+  <dgm:styleLbl name="parChTrans1D1">
+    <dgm:fillClrLst meth="repeat">
+      <a:schemeClr val="accent2"/>
+    </dgm:fillClrLst>
+    <dgm:linClrLst meth="repeat">
+      <a:schemeClr val="accent2"/>
+    </dgm:linClrLst>
+    <dgm:effectClrLst/>
+    <dgm:txLinClrLst/>
+    <dgm:txFillClrLst meth="repeat">
+      <a:schemeClr val="tx1"/>
+    </dgm:txFillClrLst>
+    <dgm:txEffectClrLst/>
+  </dgm:styleLbl>
+  <dgm:styleLbl name="parChTrans1D2">
+    <dgm:fillClrLst meth="repeat">
+      <a:schemeClr val="accent2">
+        <a:tint val="90000"/>
+      </a:schemeClr>
+    </dgm:fillClrLst>
+    <dgm:linClrLst meth="repeat">
+      <a:schemeClr val="accent3"/>
+    </dgm:linClrLst>
+    <dgm:effectClrLst/>
+    <dgm:txLinClrLst/>
+    <dgm:txFillClrLst meth="repeat">
+      <a:schemeClr val="tx1"/>
+    </dgm:txFillClrLst>
+    <dgm:txEffectClrLst/>
+  </dgm:styleLbl>
+  <dgm:styleLbl name="parChTrans1D3">
+    <dgm:fillClrLst meth="repeat">
+      <a:schemeClr val="accent2">
+        <a:tint val="70000"/>
+      </a:schemeClr>
+    </dgm:fillClrLst>
+    <dgm:linClrLst meth="repeat">
+      <a:schemeClr val="accent4"/>
+    </dgm:linClrLst>
+    <dgm:effectClrLst/>
+    <dgm:txLinClrLst/>
+    <dgm:txFillClrLst meth="repeat">
+      <a:schemeClr val="tx1"/>
+    </dgm:txFillClrLst>
+    <dgm:txEffectClrLst/>
+  </dgm:styleLbl>
+  <dgm:styleLbl name="parChTrans1D4">
+    <dgm:fillClrLst meth="repeat">
+      <a:schemeClr val="accent2">
+        <a:tint val="50000"/>
+      </a:schemeClr>
+    </dgm:fillClrLst>
+    <dgm:linClrLst meth="repeat">
+      <a:schemeClr val="accent5"/>
+    </dgm:linClrLst>
+    <dgm:effectClrLst/>
+    <dgm:txLinClrLst/>
+    <dgm:txFillClrLst meth="repeat">
+      <a:schemeClr val="tx1"/>
+    </dgm:txFillClrLst>
+    <dgm:txEffectClrLst/>
+  </dgm:styleLbl>
+  <dgm:styleLbl name="fgAcc1">
+    <dgm:fillClrLst meth="repeat">
+      <a:schemeClr val="lt1">
+        <a:alpha val="90000"/>
+      </a:schemeClr>
+    </dgm:fillClrLst>
+    <dgm:linClrLst>
+      <a:schemeClr val="accent2"/>
+      <a:schemeClr val="accent3"/>
+    </dgm:linClrLst>
+    <dgm:effectClrLst/>
+    <dgm:txLinClrLst/>
+    <dgm:txFillClrLst meth="repeat">
+      <a:schemeClr val="dk1"/>
+    </dgm:txFillClrLst>
+    <dgm:txEffectClrLst/>
+  </dgm:styleLbl>
+  <dgm:styleLbl name="conFgAcc1">
+    <dgm:fillClrLst meth="repeat">
+      <a:schemeClr val="lt1">
+        <a:alpha val="90000"/>
+      </a:schemeClr>
+    </dgm:fillClrLst>
+    <dgm:linClrLst>
+      <a:schemeClr val="accent2"/>
+      <a:schemeClr val="accent3"/>
+    </dgm:linClrLst>
+    <dgm:effectClrLst/>
+    <dgm:txLinClrLst/>
+    <dgm:txFillClrLst meth="repeat">
+      <a:schemeClr val="dk1"/>
+    </dgm:txFillClrLst>
+    <dgm:txEffectClrLst/>
+  </dgm:styleLbl>
+  <dgm:styleLbl name="alignAcc1">
+    <dgm:fillClrLst meth="repeat">
+      <a:schemeClr val="lt1">
+        <a:alpha val="90000"/>
+      </a:schemeClr>
+    </dgm:fillClrLst>
+    <dgm:linClrLst>
+      <a:schemeClr val="accent2"/>
+      <a:schemeClr val="accent3"/>
+    </dgm:linClrLst>
+    <dgm:effectClrLst/>
+    <dgm:txLinClrLst/>
+    <dgm:txFillClrLst meth="repeat">
+      <a:schemeClr val="dk1"/>
+    </dgm:txFillClrLst>
+    <dgm:txEffectClrLst/>
+  </dgm:styleLbl>
+  <dgm:styleLbl name="trAlignAcc1">
+    <dgm:fillClrLst meth="repeat">
+      <a:schemeClr val="lt1">
+        <a:alpha val="40000"/>
+      </a:schemeClr>
+    </dgm:fillClrLst>
+    <dgm:linClrLst meth="repeat">
+      <a:schemeClr val="accent2"/>
+    </dgm:linClrLst>
+    <dgm:effectClrLst/>
+    <dgm:txLinClrLst/>
+    <dgm:txFillClrLst meth="repeat">
+      <a:schemeClr val="dk1"/>
+    </dgm:txFillClrLst>
+    <dgm:txEffectClrLst/>
+  </dgm:styleLbl>
+  <dgm:styleLbl name="bgAcc1">
+    <dgm:fillClrLst meth="repeat">
+      <a:schemeClr val="lt1">
+        <a:alpha val="90000"/>
+      </a:schemeClr>
+    </dgm:fillClrLst>
+    <dgm:linClrLst>
+      <a:schemeClr val="accent2"/>
+      <a:schemeClr val="accent3"/>
+    </dgm:linClrLst>
+    <dgm:effectClrLst/>
+    <dgm:txLinClrLst/>
+    <dgm:txFillClrLst meth="repeat">
+      <a:schemeClr val="dk1"/>
+    </dgm:txFillClrLst>
+    <dgm:txEffectClrLst/>
+  </dgm:styleLbl>
+  <dgm:styleLbl name="solidFgAcc1">
+    <dgm:fillClrLst meth="repeat">
+      <a:schemeClr val="lt1"/>
+    </dgm:fillClrLst>
+    <dgm:linClrLst>
+      <a:schemeClr val="accent2"/>
+      <a:schemeClr val="accent3"/>
+    </dgm:linClrLst>
+    <dgm:effectClrLst/>
+    <dgm:txLinClrLst/>
+    <dgm:txFillClrLst meth="repeat">
+      <a:schemeClr val="dk1"/>
+    </dgm:txFillClrLst>
+    <dgm:txEffectClrLst/>
+  </dgm:styleLbl>
+  <dgm:styleLbl name="solidAlignAcc1">
+    <dgm:fillClrLst meth="repeat">
+      <a:schemeClr val="lt1"/>
+    </dgm:fillClrLst>
+    <dgm:linClrLst>
+      <a:schemeClr val="accent2"/>
+      <a:schemeClr val="accent3"/>
+    </dgm:linClrLst>
+    <dgm:effectClrLst/>
+    <dgm:txLinClrLst/>
+    <dgm:txFillClrLst meth="repeat">
+      <a:schemeClr val="dk1"/>
+    </dgm:txFillClrLst>
+    <dgm:txEffectClrLst/>
+  </dgm:styleLbl>
+  <dgm:styleLbl name="solidBgAcc1">
+    <dgm:fillClrLst meth="repeat">
+      <a:schemeClr val="lt1"/>
+    </dgm:fillClrLst>
+    <dgm:linClrLst>
+      <a:schemeClr val="accent2"/>
+      <a:schemeClr val="accent3"/>
+    </dgm:linClrLst>
+    <dgm:effectClrLst/>
+    <dgm:txLinClrLst/>
+    <dgm:txFillClrLst meth="repeat">
+      <a:schemeClr val="dk1"/>
+    </dgm:txFillClrLst>
+    <dgm:txEffectClrLst/>
+  </dgm:styleLbl>
+  <dgm:styleLbl name="fgAccFollowNode1">
+    <dgm:fillClrLst>
+      <a:schemeClr val="accent2">
+        <a:tint val="40000"/>
+        <a:alpha val="90000"/>
+      </a:schemeClr>
+      <a:schemeClr val="accent3">
+        <a:tint val="40000"/>
+        <a:alpha val="90000"/>
+      </a:schemeClr>
+    </dgm:fillClrLst>
+    <dgm:linClrLst>
+      <a:schemeClr val="accent2">
+        <a:tint val="40000"/>
+        <a:alpha val="90000"/>
+      </a:schemeClr>
+      <a:schemeClr val="accent3">
+        <a:tint val="40000"/>
+        <a:alpha val="90000"/>
+      </a:schemeClr>
+    </dgm:linClrLst>
+    <dgm:effectClrLst/>
+    <dgm:txLinClrLst/>
+    <dgm:txFillClrLst meth="repeat">
+      <a:schemeClr val="dk1"/>
+    </dgm:txFillClrLst>
+    <dgm:txEffectClrLst/>
+  </dgm:styleLbl>
+  <dgm:styleLbl name="alignAccFollowNode1">
+    <dgm:fillClrLst>
+      <a:schemeClr val="accent2">
+        <a:tint val="40000"/>
+        <a:alpha val="90000"/>
+      </a:schemeClr>
+      <a:schemeClr val="accent3">
+        <a:tint val="40000"/>
+        <a:alpha val="90000"/>
+      </a:schemeClr>
+    </dgm:fillClrLst>
+    <dgm:linClrLst>
+      <a:schemeClr val="accent2">
+        <a:tint val="40000"/>
+        <a:alpha val="90000"/>
+      </a:schemeClr>
+      <a:schemeClr val="accent3">
+        <a:tint val="40000"/>
+        <a:alpha val="90000"/>
+      </a:schemeClr>
+    </dgm:linClrLst>
+    <dgm:effectClrLst/>
+    <dgm:txLinClrLst/>
+    <dgm:txFillClrLst meth="repeat">
+      <a:schemeClr val="dk1"/>
+    </dgm:txFillClrLst>
+    <dgm:txEffectClrLst/>
+  </dgm:styleLbl>
+  <dgm:styleLbl name="bgAccFollowNode1">
+    <dgm:fillClrLst>
+      <a:schemeClr val="accent2">
+        <a:tint val="40000"/>
+        <a:alpha val="90000"/>
+      </a:schemeClr>
+      <a:schemeClr val="accent3">
+        <a:tint val="40000"/>
+        <a:alpha val="90000"/>
+      </a:schemeClr>
+    </dgm:fillClrLst>
+    <dgm:linClrLst>
+      <a:schemeClr val="accent2">
+        <a:tint val="40000"/>
+        <a:alpha val="90000"/>
+      </a:schemeClr>
+      <a:schemeClr val="accent3">
+        <a:tint val="40000"/>
+        <a:alpha val="90000"/>
+      </a:schemeClr>
+    </dgm:linClrLst>
+    <dgm:effectClrLst/>
+    <dgm:txLinClrLst/>
+    <dgm:txFillClrLst meth="repeat">
+      <a:schemeClr val="dk1"/>
+    </dgm:txFillClrLst>
+    <dgm:txEffectClrLst/>
+  </dgm:styleLbl>
+  <dgm:styleLbl name="fgAcc0">
+    <dgm:fillClrLst meth="repeat">
+      <a:schemeClr val="lt1">
+        <a:alpha val="90000"/>
+      </a:schemeClr>
+    </dgm:fillClrLst>
+    <dgm:linClrLst>
+      <a:schemeClr val="accent1"/>
+    </dgm:linClrLst>
+    <dgm:effectClrLst/>
+    <dgm:txLinClrLst/>
+    <dgm:txFillClrLst meth="repeat">
+      <a:schemeClr val="dk1"/>
+    </dgm:txFillClrLst>
+    <dgm:txEffectClrLst/>
+  </dgm:styleLbl>
+  <dgm:styleLbl name="fgAcc2">
+    <dgm:fillClrLst meth="repeat">
+      <a:schemeClr val="lt1">
+        <a:alpha val="90000"/>
+      </a:schemeClr>
+    </dgm:fillClrLst>
+    <dgm:linClrLst>
+      <a:schemeClr val="accent3"/>
+    </dgm:linClrLst>
+    <dgm:effectClrLst/>
+    <dgm:txLinClrLst/>
+    <dgm:txFillClrLst meth="repeat">
+      <a:schemeClr val="dk1"/>
+    </dgm:txFillClrLst>
+    <dgm:txEffectClrLst/>
+  </dgm:styleLbl>
+  <dgm:styleLbl name="fgAcc3">
+    <dgm:fillClrLst meth="repeat">
+      <a:schemeClr val="lt1">
+        <a:alpha val="90000"/>
+      </a:schemeClr>
+    </dgm:fillClrLst>
+    <dgm:linClrLst>
+      <a:schemeClr val="accent4"/>
+    </dgm:linClrLst>
+    <dgm:effectClrLst/>
+    <dgm:txLinClrLst/>
+    <dgm:txFillClrLst meth="repeat">
+      <a:schemeClr val="dk1"/>
+    </dgm:txFillClrLst>
+    <dgm:txEffectClrLst/>
+  </dgm:styleLbl>
+  <dgm:styleLbl name="fgAcc4">
+    <dgm:fillClrLst meth="repeat">
+      <a:schemeClr val="lt1">
+        <a:alpha val="90000"/>
+      </a:schemeClr>
+    </dgm:fillClrLst>
+    <dgm:linClrLst>
+      <a:schemeClr val="accent5"/>
+    </dgm:linClrLst>
+    <dgm:effectClrLst/>
+    <dgm:txLinClrLst/>
+    <dgm:txFillClrLst meth="repeat">
+      <a:schemeClr val="dk1"/>
+    </dgm:txFillClrLst>
+    <dgm:txEffectClrLst/>
+  </dgm:styleLbl>
+  <dgm:styleLbl name="bgShp">
+    <dgm:fillClrLst meth="repeat">
+      <a:schemeClr val="accent2">
+        <a:tint val="40000"/>
+      </a:schemeClr>
+    </dgm:fillClrLst>
+    <dgm:linClrLst meth="repeat">
+      <a:schemeClr val="dk1"/>
+    </dgm:linClrLst>
+    <dgm:effectClrLst/>
+    <dgm:txLinClrLst/>
+    <dgm:txFillClrLst meth="repeat">
+      <a:schemeClr val="dk1"/>
+    </dgm:txFillClrLst>
+    <dgm:txEffectClrLst/>
+  </dgm:styleLbl>
+  <dgm:styleLbl name="dkBgShp">
+    <dgm:fillClrLst meth="repeat">
+      <a:schemeClr val="accent2">
+        <a:shade val="90000"/>
+      </a:schemeClr>
+    </dgm:fillClrLst>
+    <dgm:linClrLst meth="repeat">
+      <a:schemeClr val="dk1"/>
+    </dgm:linClrLst>
+    <dgm:effectClrLst/>
+    <dgm:txLinClrLst/>
+    <dgm:txFillClrLst meth="repeat">
+      <a:schemeClr val="lt1"/>
+    </dgm:txFillClrLst>
+    <dgm:txEffectClrLst/>
+  </dgm:styleLbl>
+  <dgm:styleLbl name="trBgShp">
+    <dgm:fillClrLst meth="repeat">
+      <a:schemeClr val="accent2">
+        <a:tint val="50000"/>
+        <a:alpha val="40000"/>
+      </a:schemeClr>
+    </dgm:fillClrLst>
+    <dgm:linClrLst meth="repeat">
+      <a:schemeClr val="accent2"/>
+    </dgm:linClrLst>
+    <dgm:effectClrLst/>
+    <dgm:txLinClrLst/>
+    <dgm:txFillClrLst meth="repeat">
+      <a:schemeClr val="lt1"/>
+    </dgm:txFillClrLst>
+    <dgm:txEffectClrLst/>
+  </dgm:styleLbl>
+  <dgm:styleLbl name="fgShp">
+    <dgm:fillClrLst meth="repeat">
+      <a:schemeClr val="accent2">
+        <a:tint val="40000"/>
+      </a:schemeClr>
+    </dgm:fillClrLst>
+    <dgm:linClrLst meth="repeat">
+      <a:schemeClr val="lt1"/>
+    </dgm:linClrLst>
+    <dgm:effectClrLst/>
+    <dgm:txLinClrLst/>
+    <dgm:txFillClrLst meth="repeat">
+      <a:schemeClr val="dk1"/>
+    </dgm:txFillClrLst>
+    <dgm:txEffectClrLst/>
+  </dgm:styleLbl>
+  <dgm:styleLbl name="revTx">
+    <dgm:fillClrLst meth="repeat">
+      <a:schemeClr val="lt1">
+        <a:alpha val="0"/>
+      </a:schemeClr>
+    </dgm:fillClrLst>
+    <dgm:linClrLst meth="repeat">
+      <a:schemeClr val="dk1">
+        <a:alpha val="0"/>
+      </a:schemeClr>
+    </dgm:linClrLst>
+    <dgm:effectClrLst/>
+    <dgm:txLinClrLst/>
+    <dgm:txFillClrLst meth="repeat">
+      <a:schemeClr val="tx1"/>
+    </dgm:txFillClrLst>
+    <dgm:txEffectClrLst/>
+  </dgm:styleLbl>
+</dgm:colorsDef>
+</file>
+
 <file path=ppt/diagrams/data1.xml><?xml version="1.0" encoding="utf-8"?>
 <dgm:dataModel xmlns:dgm="http://schemas.openxmlformats.org/drawingml/2006/diagram" xmlns:a="http://schemas.openxmlformats.org/drawingml/2006/main">
   <dgm:ptLst>
@@ -2492,8 +3276,1624 @@
         </a:p>
       </dgm:t>
     </dgm:pt>
+    <mc:AlternateContent xmlns:mc="http://schemas.openxmlformats.org/markup-compatibility/2006">
+      <mc:Choice xmlns:a14="http://schemas.microsoft.com/office/drawing/2010/main" Requires="a14">
+        <dgm:pt modelId="{EDE1371B-F13F-4A60-9C71-C9674634C493}">
+          <dgm:prSet/>
+          <dgm:spPr/>
+          <dgm:t>
+            <a:bodyPr/>
+            <a:lstStyle/>
+            <a:p>
+              <a:pPr algn="ctr">
+                <a:buNone/>
+              </a:pPr>
+              <a14:m>
+                <m:oMath xmlns:m="http://schemas.openxmlformats.org/officeDocument/2006/math">
+                  <m:r>
+                    <a:rPr lang="en-US" b="0" i="1" smtClean="0">
+                      <a:latin typeface="Cambria Math" panose="02040503050406030204" pitchFamily="18" charset="0"/>
+                    </a:rPr>
+                    <m:t>𝑎𝑐𝑡𝑖𝑜𝑛</m:t>
+                  </m:r>
+                </m:oMath>
+              </a14:m>
+              <a:r>
+                <a:rPr lang="en-US" dirty="0">
+                  <a:solidFill>
+                    <a:schemeClr val="bg1"/>
+                  </a:solidFill>
+                </a:rPr>
+                <a:t>Example Use of ML for Intelligent Agents</a:t>
+              </a:r>
+              <a14:m>
+                <m:oMath xmlns:m="http://schemas.openxmlformats.org/officeDocument/2006/math">
+                  <m:r>
+                    <a:rPr lang="en-US" b="0" i="1" smtClean="0">
+                      <a:latin typeface="Cambria Math" panose="02040503050406030204" pitchFamily="18" charset="0"/>
+                    </a:rPr>
+                    <m:t>=</m:t>
+                  </m:r>
+                  <m:r>
+                    <a:rPr lang="en-US" b="0" i="1" smtClean="0">
+                      <a:latin typeface="Cambria Math" panose="02040503050406030204" pitchFamily="18" charset="0"/>
+                    </a:rPr>
+                    <m:t>h</m:t>
+                  </m:r>
+                  <m:r>
+                    <a:rPr lang="en-US" b="0" i="1" smtClean="0">
+                      <a:latin typeface="Cambria Math" panose="02040503050406030204" pitchFamily="18" charset="0"/>
+                    </a:rPr>
+                    <m:t>(</m:t>
+                  </m:r>
+                  <m:r>
+                    <a:rPr lang="en-US" b="0" i="1" smtClean="0">
+                      <a:latin typeface="Cambria Math" panose="02040503050406030204" pitchFamily="18" charset="0"/>
+                    </a:rPr>
+                    <m:t>𝑠𝑡𝑎𝑡𝑒</m:t>
+                  </m:r>
+                  <m:r>
+                    <a:rPr lang="en-US" b="0" i="1" smtClean="0">
+                      <a:latin typeface="Cambria Math" panose="02040503050406030204" pitchFamily="18" charset="0"/>
+                    </a:rPr>
+                    <m:t>)</m:t>
+                  </m:r>
+                </m:oMath>
+              </a14:m>
+              <a:endParaRPr lang="en-US" dirty="0"/>
+            </a:p>
+          </dgm:t>
+        </dgm:pt>
+      </mc:Choice>
+      <mc:Fallback>
+        <dgm:pt modelId="{EDE1371B-F13F-4A60-9C71-C9674634C493}">
+          <dgm:prSet/>
+          <dgm:spPr/>
+          <dgm:t>
+            <a:bodyPr/>
+            <a:lstStyle/>
+            <a:p>
+              <a:pPr algn="ctr">
+                <a:buNone/>
+              </a:pPr>
+              <a:r>
+                <a:rPr lang="en-US" b="0" i="0">
+                  <a:latin typeface="Cambria Math" panose="02040503050406030204" pitchFamily="18" charset="0"/>
+                </a:rPr>
+                <a:t>𝑎𝑐𝑡𝑖𝑜𝑛</a:t>
+              </a:r>
+              <a:r>
+                <a:rPr lang="en-US" dirty="0">
+                  <a:solidFill>
+                    <a:schemeClr val="bg1"/>
+                  </a:solidFill>
+                </a:rPr>
+                <a:t>Example Use of ML for Intelligent Agents</a:t>
+              </a:r>
+              <a:r>
+                <a:rPr lang="en-US" b="0" i="0">
+                  <a:latin typeface="Cambria Math" panose="02040503050406030204" pitchFamily="18" charset="0"/>
+                </a:rPr>
+                <a:t>=ℎ(𝑠𝑡𝑎𝑡𝑒)</a:t>
+              </a:r>
+              <a:endParaRPr lang="en-US" dirty="0"/>
+            </a:p>
+          </dgm:t>
+        </dgm:pt>
+      </mc:Fallback>
+    </mc:AlternateContent>
+    <dgm:pt modelId="{25A610CF-D9CB-4D37-AD14-9FD3C5DEBB12}" type="parTrans" cxnId="{DA4D6D38-E880-4C43-9126-2A194B61F09B}">
+      <dgm:prSet/>
+      <dgm:spPr/>
+      <dgm:t>
+        <a:bodyPr/>
+        <a:lstStyle/>
+        <a:p>
+          <a:endParaRPr lang="en-US"/>
+        </a:p>
+      </dgm:t>
+    </dgm:pt>
+    <dgm:pt modelId="{094E6D5F-5E37-4822-A6C2-7E7C4E8BFEE2}" type="sibTrans" cxnId="{DA4D6D38-E880-4C43-9126-2A194B61F09B}">
+      <dgm:prSet/>
+      <dgm:spPr/>
+      <dgm:t>
+        <a:bodyPr/>
+        <a:lstStyle/>
+        <a:p>
+          <a:endParaRPr lang="en-US"/>
+        </a:p>
+      </dgm:t>
+    </dgm:pt>
     <mc:AlternateContent xmlns:mc="http://schemas.openxmlformats.org/markup-compatibility/2006" xmlns:a14="http://schemas.microsoft.com/office/drawing/2010/main">
       <mc:Choice Requires="a14">
+        <dgm:pt modelId="{6F1981E5-7B90-4815-8E6C-BF76A61A82B2}">
+          <dgm:prSet/>
+          <dgm:spPr/>
+          <dgm:t>
+            <a:bodyPr/>
+            <a:lstStyle/>
+            <a:p>
+              <a:pPr>
+                <a:buNone/>
+              </a:pPr>
+              <a14:m>
+                <m:oMathPara xmlns:m="http://schemas.openxmlformats.org/officeDocument/2006/math">
+                  <m:oMathParaPr>
+                    <m:jc m:val="centerGroup"/>
+                  </m:oMathParaPr>
+                  <m:oMath xmlns:m="http://schemas.openxmlformats.org/officeDocument/2006/math">
+                    <m:r>
+                      <a:rPr lang="en-US" b="0" i="1" smtClean="0">
+                        <a:latin typeface="Cambria Math" panose="02040503050406030204" pitchFamily="18" charset="0"/>
+                      </a:rPr>
+                      <m:t>𝑒𝑣𝑎𝑙</m:t>
+                    </m:r>
+                    <m:r>
+                      <a:rPr lang="en-US" b="0" i="1" smtClean="0">
+                        <a:latin typeface="Cambria Math" panose="02040503050406030204" pitchFamily="18" charset="0"/>
+                      </a:rPr>
+                      <m:t>=</m:t>
+                    </m:r>
+                    <m:r>
+                      <a:rPr lang="en-US" b="0" i="1" smtClean="0">
+                        <a:latin typeface="Cambria Math" panose="02040503050406030204" pitchFamily="18" charset="0"/>
+                      </a:rPr>
+                      <m:t>h</m:t>
+                    </m:r>
+                    <m:r>
+                      <a:rPr lang="en-US" b="0" i="1" smtClean="0">
+                        <a:latin typeface="Cambria Math" panose="02040503050406030204" pitchFamily="18" charset="0"/>
+                      </a:rPr>
+                      <m:t>(</m:t>
+                    </m:r>
+                    <m:r>
+                      <a:rPr lang="en-US" b="0" i="1" smtClean="0">
+                        <a:latin typeface="Cambria Math" panose="02040503050406030204" pitchFamily="18" charset="0"/>
+                      </a:rPr>
+                      <m:t>𝑠𝑡𝑎𝑡𝑒</m:t>
+                    </m:r>
+                    <m:r>
+                      <a:rPr lang="en-US" b="0" i="1" smtClean="0">
+                        <a:latin typeface="Cambria Math" panose="02040503050406030204" pitchFamily="18" charset="0"/>
+                      </a:rPr>
+                      <m:t>)</m:t>
+                    </m:r>
+                  </m:oMath>
+                </m:oMathPara>
+              </a14:m>
+              <a:endParaRPr lang="en-US" dirty="0"/>
+            </a:p>
+          </dgm:t>
+        </dgm:pt>
+      </mc:Choice>
+      <mc:Fallback xmlns="">
+        <dgm:pt modelId="{6F1981E5-7B90-4815-8E6C-BF76A61A82B2}">
+          <dgm:prSet/>
+          <dgm:spPr/>
+          <dgm:t>
+            <a:bodyPr/>
+            <a:lstStyle/>
+            <a:p>
+              <a:pPr>
+                <a:buNone/>
+              </a:pPr>
+              <a:r>
+                <a:rPr lang="en-US" b="0" i="0">
+                  <a:latin typeface="Cambria Math" panose="02040503050406030204" pitchFamily="18" charset="0"/>
+                </a:rPr>
+                <a:t>𝑒𝑣𝑎𝑙=ℎ(𝑠𝑡𝑎𝑡𝑒)</a:t>
+              </a:r>
+              <a:endParaRPr lang="en-US" dirty="0"/>
+            </a:p>
+          </dgm:t>
+        </dgm:pt>
+      </mc:Fallback>
+    </mc:AlternateContent>
+    <dgm:pt modelId="{87B2FC2E-2E60-40C3-9AAF-406CCAE2343C}" type="parTrans" cxnId="{19A3B6A4-702D-4113-814B-C7071F372D14}">
+      <dgm:prSet/>
+      <dgm:spPr/>
+      <dgm:t>
+        <a:bodyPr/>
+        <a:lstStyle/>
+        <a:p>
+          <a:endParaRPr lang="en-US"/>
+        </a:p>
+      </dgm:t>
+    </dgm:pt>
+    <dgm:pt modelId="{89AF6B90-77B0-4D3A-9A44-7397E4D3247F}" type="sibTrans" cxnId="{19A3B6A4-702D-4113-814B-C7071F372D14}">
+      <dgm:prSet/>
+      <dgm:spPr/>
+      <dgm:t>
+        <a:bodyPr/>
+        <a:lstStyle/>
+        <a:p>
+          <a:endParaRPr lang="en-US"/>
+        </a:p>
+      </dgm:t>
+    </dgm:pt>
+    <dgm:pt modelId="{245DE14A-D8DF-4249-9DE9-C2673C2D8436}">
+      <dgm:prSet/>
+      <dgm:spPr/>
+      <dgm:t>
+        <a:bodyPr/>
+        <a:lstStyle/>
+        <a:p>
+          <a:pPr algn="l">
+            <a:buFont typeface="Arial" panose="020B0604020202020204" pitchFamily="34" charset="0"/>
+            <a:buChar char="•"/>
+          </a:pPr>
+          <a:r>
+            <a:rPr lang="en-US" dirty="0"/>
+            <a:t>This model can also be used as a </a:t>
+          </a:r>
+          <a:r>
+            <a:rPr lang="en-US" b="1" dirty="0"/>
+            <a:t>playout policy </a:t>
+          </a:r>
+          <a:r>
+            <a:rPr lang="en-US" dirty="0"/>
+            <a:t>for Monte Carlo tree search with data from self-play. </a:t>
+          </a:r>
+        </a:p>
+      </dgm:t>
+    </dgm:pt>
+    <dgm:pt modelId="{78C1E7EC-51D9-4B07-B8C5-9982383BC9BC}" type="parTrans" cxnId="{33FF2463-0D15-48BD-97C1-5AAE8DD4B704}">
+      <dgm:prSet/>
+      <dgm:spPr/>
+      <dgm:t>
+        <a:bodyPr/>
+        <a:lstStyle/>
+        <a:p>
+          <a:endParaRPr lang="en-US"/>
+        </a:p>
+      </dgm:t>
+    </dgm:pt>
+    <dgm:pt modelId="{C27118E3-D343-4642-93AC-0832E5B5F8F8}" type="sibTrans" cxnId="{33FF2463-0D15-48BD-97C1-5AAE8DD4B704}">
+      <dgm:prSet/>
+      <dgm:spPr/>
+      <dgm:t>
+        <a:bodyPr/>
+        <a:lstStyle/>
+        <a:p>
+          <a:endParaRPr lang="en-US"/>
+        </a:p>
+      </dgm:t>
+    </dgm:pt>
+    <dgm:pt modelId="{61E6867C-D57D-4FA9-AD02-151D6C921832}">
+      <dgm:prSet/>
+      <dgm:spPr/>
+      <dgm:t>
+        <a:bodyPr/>
+        <a:lstStyle/>
+        <a:p>
+          <a:pPr algn="ctr">
+            <a:buNone/>
+          </a:pPr>
+          <a:endParaRPr lang="en-US" dirty="0"/>
+        </a:p>
+      </dgm:t>
+    </dgm:pt>
+    <dgm:pt modelId="{1B3145D2-428D-4FA1-B06C-2E804BA79C17}" type="parTrans" cxnId="{0A128856-3C02-4604-B053-611008DE508A}">
+      <dgm:prSet/>
+      <dgm:spPr/>
+      <dgm:t>
+        <a:bodyPr/>
+        <a:lstStyle/>
+        <a:p>
+          <a:endParaRPr lang="en-US"/>
+        </a:p>
+      </dgm:t>
+    </dgm:pt>
+    <dgm:pt modelId="{2CEDF928-8683-4477-BCFD-E50333B49F27}" type="sibTrans" cxnId="{0A128856-3C02-4604-B053-611008DE508A}">
+      <dgm:prSet/>
+      <dgm:spPr/>
+      <dgm:t>
+        <a:bodyPr/>
+        <a:lstStyle/>
+        <a:p>
+          <a:endParaRPr lang="en-US"/>
+        </a:p>
+      </dgm:t>
+    </dgm:pt>
+    <dgm:pt modelId="{043CC71B-7C00-494D-A263-6E5A70EBDA9B}">
+      <dgm:prSet/>
+      <dgm:spPr/>
+      <dgm:t>
+        <a:bodyPr/>
+        <a:lstStyle/>
+        <a:p>
+          <a:endParaRPr lang="en-US" dirty="0"/>
+        </a:p>
+      </dgm:t>
+    </dgm:pt>
+    <dgm:pt modelId="{15C4891C-23A1-4994-AA2A-3C6D150ABE4F}" type="parTrans" cxnId="{89D008FF-C54E-413D-B2D4-DC47714A05E7}">
+      <dgm:prSet/>
+      <dgm:spPr/>
+      <dgm:t>
+        <a:bodyPr/>
+        <a:lstStyle/>
+        <a:p>
+          <a:endParaRPr lang="en-US"/>
+        </a:p>
+      </dgm:t>
+    </dgm:pt>
+    <dgm:pt modelId="{7AFE70C5-9A12-459E-8F23-C950182721A2}" type="sibTrans" cxnId="{89D008FF-C54E-413D-B2D4-DC47714A05E7}">
+      <dgm:prSet/>
+      <dgm:spPr/>
+      <dgm:t>
+        <a:bodyPr/>
+        <a:lstStyle/>
+        <a:p>
+          <a:endParaRPr lang="en-US"/>
+        </a:p>
+      </dgm:t>
+    </dgm:pt>
+    <dgm:pt modelId="{9B106930-F9A0-4ACD-94B0-354CD1332042}">
+      <dgm:prSet/>
+      <dgm:spPr/>
+      <dgm:t>
+        <a:bodyPr/>
+        <a:lstStyle/>
+        <a:p>
+          <a:r>
+            <a:rPr lang="en-US" dirty="0"/>
+            <a:t>Can learn a </a:t>
+          </a:r>
+          <a:r>
+            <a:rPr lang="en-US" b="1" dirty="0"/>
+            <a:t>heuristic</a:t>
+          </a:r>
+          <a:r>
+            <a:rPr lang="en-US" dirty="0"/>
+            <a:t> for minimax search from examples. </a:t>
+          </a:r>
+        </a:p>
+      </dgm:t>
+    </dgm:pt>
+    <dgm:pt modelId="{BA70B5A5-EAF6-48E2-86F6-2C4A920D5101}" type="parTrans" cxnId="{2478958D-4ED5-41C7-A7EC-CF4141C98EF9}">
+      <dgm:prSet/>
+      <dgm:spPr/>
+      <dgm:t>
+        <a:bodyPr/>
+        <a:lstStyle/>
+        <a:p>
+          <a:endParaRPr lang="en-US"/>
+        </a:p>
+      </dgm:t>
+    </dgm:pt>
+    <dgm:pt modelId="{2667EBCA-636F-47C1-AD35-7BF51507062A}" type="sibTrans" cxnId="{2478958D-4ED5-41C7-A7EC-CF4141C98EF9}">
+      <dgm:prSet/>
+      <dgm:spPr/>
+      <dgm:t>
+        <a:bodyPr/>
+        <a:lstStyle/>
+        <a:p>
+          <a:endParaRPr lang="en-US"/>
+        </a:p>
+      </dgm:t>
+    </dgm:pt>
+    <dgm:pt modelId="{3F80C23F-E2DE-4C99-9A06-83F8F9D715DA}">
+      <dgm:prSet/>
+      <dgm:spPr/>
+      <dgm:t>
+        <a:bodyPr/>
+        <a:lstStyle/>
+        <a:p>
+          <a:endParaRPr lang="en-US" dirty="0"/>
+        </a:p>
+      </dgm:t>
+    </dgm:pt>
+    <dgm:pt modelId="{60A3FCDC-F83F-4963-9AE4-E6BAFCDC11FE}" type="parTrans" cxnId="{299F5BFA-29AA-4C44-B916-9E84482E6704}">
+      <dgm:prSet/>
+      <dgm:spPr/>
+      <dgm:t>
+        <a:bodyPr/>
+        <a:lstStyle/>
+        <a:p>
+          <a:endParaRPr lang="en-US"/>
+        </a:p>
+      </dgm:t>
+    </dgm:pt>
+    <dgm:pt modelId="{FBD137B2-BE6C-4943-BF43-7A17BCAED9B4}" type="sibTrans" cxnId="{299F5BFA-29AA-4C44-B916-9E84482E6704}">
+      <dgm:prSet/>
+      <dgm:spPr/>
+      <dgm:t>
+        <a:bodyPr/>
+        <a:lstStyle/>
+        <a:p>
+          <a:endParaRPr lang="en-US"/>
+        </a:p>
+      </dgm:t>
+    </dgm:pt>
+    <dgm:pt modelId="{1DC10AE1-4929-4B55-A688-C70A646FA12F}" type="pres">
+      <dgm:prSet presAssocID="{A583D8F7-0B58-43A8-AE34-32594DE1738D}" presName="Name0" presStyleCnt="0">
+        <dgm:presLayoutVars>
+          <dgm:dir/>
+          <dgm:animLvl val="lvl"/>
+          <dgm:resizeHandles val="exact"/>
+        </dgm:presLayoutVars>
+      </dgm:prSet>
+      <dgm:spPr/>
+    </dgm:pt>
+    <dgm:pt modelId="{CFC90301-E9B8-4845-8F08-1928664237F1}" type="pres">
+      <dgm:prSet presAssocID="{D34A97D6-7F64-43FE-9E71-292031C611FD}" presName="composite" presStyleCnt="0"/>
+      <dgm:spPr/>
+    </dgm:pt>
+    <dgm:pt modelId="{BF71F41E-FDAD-4835-B53A-D7D076DE9B55}" type="pres">
+      <dgm:prSet presAssocID="{D34A97D6-7F64-43FE-9E71-292031C611FD}" presName="parTx" presStyleLbl="alignNode1" presStyleIdx="0" presStyleCnt="3">
+        <dgm:presLayoutVars>
+          <dgm:chMax val="0"/>
+          <dgm:chPref val="0"/>
+          <dgm:bulletEnabled val="1"/>
+        </dgm:presLayoutVars>
+      </dgm:prSet>
+      <dgm:spPr/>
+    </dgm:pt>
+    <dgm:pt modelId="{BACEBB25-2A32-4633-A8AA-43030F652DE8}" type="pres">
+      <dgm:prSet presAssocID="{D34A97D6-7F64-43FE-9E71-292031C611FD}" presName="desTx" presStyleLbl="alignAccFollowNode1" presStyleIdx="0" presStyleCnt="3">
+        <dgm:presLayoutVars>
+          <dgm:bulletEnabled val="1"/>
+        </dgm:presLayoutVars>
+      </dgm:prSet>
+      <dgm:spPr/>
+    </dgm:pt>
+    <dgm:pt modelId="{42226DCF-5CA9-4E6C-9976-498583A02B04}" type="pres">
+      <dgm:prSet presAssocID="{5F5526E9-ADF1-4E64-835D-D75224265BC3}" presName="space" presStyleCnt="0"/>
+      <dgm:spPr/>
+    </dgm:pt>
+    <dgm:pt modelId="{5B8EA8DA-6AF3-4B35-9CB6-493EE3A4342D}" type="pres">
+      <dgm:prSet presAssocID="{01B79AF0-D00A-4481-ABCC-79C23BE0D981}" presName="composite" presStyleCnt="0"/>
+      <dgm:spPr/>
+    </dgm:pt>
+    <dgm:pt modelId="{01534658-91BB-4C44-9424-637822D3A9D0}" type="pres">
+      <dgm:prSet presAssocID="{01B79AF0-D00A-4481-ABCC-79C23BE0D981}" presName="parTx" presStyleLbl="alignNode1" presStyleIdx="1" presStyleCnt="3">
+        <dgm:presLayoutVars>
+          <dgm:chMax val="0"/>
+          <dgm:chPref val="0"/>
+          <dgm:bulletEnabled val="1"/>
+        </dgm:presLayoutVars>
+      </dgm:prSet>
+      <dgm:spPr/>
+    </dgm:pt>
+    <dgm:pt modelId="{5C57C7EB-478D-4F11-B65D-9016B386C608}" type="pres">
+      <dgm:prSet presAssocID="{01B79AF0-D00A-4481-ABCC-79C23BE0D981}" presName="desTx" presStyleLbl="alignAccFollowNode1" presStyleIdx="1" presStyleCnt="3">
+        <dgm:presLayoutVars>
+          <dgm:bulletEnabled val="1"/>
+        </dgm:presLayoutVars>
+      </dgm:prSet>
+      <dgm:spPr/>
+    </dgm:pt>
+    <dgm:pt modelId="{5DDA0361-204B-4BE7-A2D8-346D0289ED84}" type="pres">
+      <dgm:prSet presAssocID="{D16F71D4-2CFD-4775-9558-5062AC2957B6}" presName="space" presStyleCnt="0"/>
+      <dgm:spPr/>
+    </dgm:pt>
+    <dgm:pt modelId="{EF4FFBCE-CD71-4DD0-9BE9-E789E139D903}" type="pres">
+      <dgm:prSet presAssocID="{74EA25D4-C666-430E-B926-BC3E0A898030}" presName="composite" presStyleCnt="0"/>
+      <dgm:spPr/>
+    </dgm:pt>
+    <dgm:pt modelId="{228970AD-4D95-42F2-B737-33364C2CB3CE}" type="pres">
+      <dgm:prSet presAssocID="{74EA25D4-C666-430E-B926-BC3E0A898030}" presName="parTx" presStyleLbl="alignNode1" presStyleIdx="2" presStyleCnt="3">
+        <dgm:presLayoutVars>
+          <dgm:chMax val="0"/>
+          <dgm:chPref val="0"/>
+          <dgm:bulletEnabled val="1"/>
+        </dgm:presLayoutVars>
+      </dgm:prSet>
+      <dgm:spPr/>
+    </dgm:pt>
+    <dgm:pt modelId="{4712BD07-C9A8-4BD1-BC67-16B85061F7C6}" type="pres">
+      <dgm:prSet presAssocID="{74EA25D4-C666-430E-B926-BC3E0A898030}" presName="desTx" presStyleLbl="alignAccFollowNode1" presStyleIdx="2" presStyleCnt="3">
+        <dgm:presLayoutVars>
+          <dgm:bulletEnabled val="1"/>
+        </dgm:presLayoutVars>
+      </dgm:prSet>
+      <dgm:spPr/>
+    </dgm:pt>
+  </dgm:ptLst>
+  <dgm:cxnLst>
+    <dgm:cxn modelId="{F8CDE900-66E2-43D8-9B26-F46263F82DC3}" srcId="{A583D8F7-0B58-43A8-AE34-32594DE1738D}" destId="{D34A97D6-7F64-43FE-9E71-292031C611FD}" srcOrd="0" destOrd="0" parTransId="{473821D3-ED3B-4654-AD09-B5F3478C5F12}" sibTransId="{5F5526E9-ADF1-4E64-835D-D75224265BC3}"/>
+    <dgm:cxn modelId="{53A53D03-80E1-48CA-A30D-146DC7F8FDED}" type="presOf" srcId="{043CC71B-7C00-494D-A263-6E5A70EBDA9B}" destId="{5C57C7EB-478D-4F11-B65D-9016B386C608}" srcOrd="0" destOrd="1" presId="urn:microsoft.com/office/officeart/2005/8/layout/hList1"/>
+    <dgm:cxn modelId="{5ECB7F28-792A-42B7-9375-F2151D7E58A0}" type="presOf" srcId="{3F80C23F-E2DE-4C99-9A06-83F8F9D715DA}" destId="{5C57C7EB-478D-4F11-B65D-9016B386C608}" srcOrd="0" destOrd="3" presId="urn:microsoft.com/office/officeart/2005/8/layout/hList1"/>
+    <dgm:cxn modelId="{B5622D29-BD86-4B5D-AB9F-7058EC9A526D}" type="presOf" srcId="{74EA25D4-C666-430E-B926-BC3E0A898030}" destId="{228970AD-4D95-42F2-B737-33364C2CB3CE}" srcOrd="0" destOrd="0" presId="urn:microsoft.com/office/officeart/2005/8/layout/hList1"/>
+    <dgm:cxn modelId="{DA4D6D38-E880-4C43-9126-2A194B61F09B}" srcId="{D34A97D6-7F64-43FE-9E71-292031C611FD}" destId="{EDE1371B-F13F-4A60-9C71-C9674634C493}" srcOrd="1" destOrd="0" parTransId="{25A610CF-D9CB-4D37-AD14-9FD3C5DEBB12}" sibTransId="{094E6D5F-5E37-4822-A6C2-7E7C4E8BFEE2}"/>
+    <dgm:cxn modelId="{0C797F5E-1C7F-470F-A479-95129B6C1AF1}" type="presOf" srcId="{01B79AF0-D00A-4481-ABCC-79C23BE0D981}" destId="{01534658-91BB-4C44-9424-637822D3A9D0}" srcOrd="0" destOrd="0" presId="urn:microsoft.com/office/officeart/2005/8/layout/hList1"/>
+    <dgm:cxn modelId="{13269C61-9F1B-42C4-A1CC-14B4ACA7AC77}" srcId="{D34A97D6-7F64-43FE-9E71-292031C611FD}" destId="{E751CBEA-6A28-4628-AEF9-A836469D1860}" srcOrd="0" destOrd="0" parTransId="{0FA1799D-D4E3-44F7-9EF0-50A0558ED64B}" sibTransId="{2877FB4F-9657-4ADC-8421-F8BED486559E}"/>
+    <dgm:cxn modelId="{33FF2463-0D15-48BD-97C1-5AAE8DD4B704}" srcId="{D34A97D6-7F64-43FE-9E71-292031C611FD}" destId="{245DE14A-D8DF-4249-9DE9-C2673C2D8436}" srcOrd="3" destOrd="0" parTransId="{78C1E7EC-51D9-4B07-B8C5-9982383BC9BC}" sibTransId="{C27118E3-D343-4642-93AC-0832E5B5F8F8}"/>
+    <dgm:cxn modelId="{F1674269-886A-48EB-88FC-D08005B5EF83}" type="presOf" srcId="{31DF8B81-89DE-4067-8DCB-2E730ECA86DF}" destId="{4712BD07-C9A8-4BD1-BC67-16B85061F7C6}" srcOrd="0" destOrd="1" presId="urn:microsoft.com/office/officeart/2005/8/layout/hList1"/>
+    <dgm:cxn modelId="{0A128856-3C02-4604-B053-611008DE508A}" srcId="{D34A97D6-7F64-43FE-9E71-292031C611FD}" destId="{61E6867C-D57D-4FA9-AD02-151D6C921832}" srcOrd="2" destOrd="0" parTransId="{1B3145D2-428D-4FA1-B06C-2E804BA79C17}" sibTransId="{2CEDF928-8683-4477-BCFD-E50333B49F27}"/>
+    <dgm:cxn modelId="{7081F07C-0351-4DE5-AA4F-5F4C5E4EB825}" type="presOf" srcId="{245DE14A-D8DF-4249-9DE9-C2673C2D8436}" destId="{BACEBB25-2A32-4633-A8AA-43030F652DE8}" srcOrd="0" destOrd="3" presId="urn:microsoft.com/office/officeart/2005/8/layout/hList1"/>
+    <dgm:cxn modelId="{1521237E-0C0D-4101-AB54-2D5AC59E7969}" type="presOf" srcId="{A583D8F7-0B58-43A8-AE34-32594DE1738D}" destId="{1DC10AE1-4929-4B55-A688-C70A646FA12F}" srcOrd="0" destOrd="0" presId="urn:microsoft.com/office/officeart/2005/8/layout/hList1"/>
+    <dgm:cxn modelId="{1602307F-F5CE-4EE3-8C0D-CCE3B0BF6B85}" type="presOf" srcId="{EDE1371B-F13F-4A60-9C71-C9674634C493}" destId="{BACEBB25-2A32-4633-A8AA-43030F652DE8}" srcOrd="0" destOrd="1" presId="urn:microsoft.com/office/officeart/2005/8/layout/hList1"/>
+    <dgm:cxn modelId="{2478958D-4ED5-41C7-A7EC-CF4141C98EF9}" srcId="{01B79AF0-D00A-4481-ABCC-79C23BE0D981}" destId="{9B106930-F9A0-4ACD-94B0-354CD1332042}" srcOrd="4" destOrd="0" parTransId="{BA70B5A5-EAF6-48E2-86F6-2C4A920D5101}" sibTransId="{2667EBCA-636F-47C1-AD35-7BF51507062A}"/>
+    <dgm:cxn modelId="{0C8EC091-5D95-41A4-8DC2-33232EC0373B}" srcId="{74EA25D4-C666-430E-B926-BC3E0A898030}" destId="{31DF8B81-89DE-4067-8DCB-2E730ECA86DF}" srcOrd="1" destOrd="0" parTransId="{662DCB60-3B82-4FFE-A5B4-BC89BE80ECA3}" sibTransId="{D954A0D9-450C-469C-AF55-29F51DDD5128}"/>
+    <dgm:cxn modelId="{580742A4-3137-4180-B3F3-FA045BF44957}" type="presOf" srcId="{6F1981E5-7B90-4815-8E6C-BF76A61A82B2}" destId="{5C57C7EB-478D-4F11-B65D-9016B386C608}" srcOrd="0" destOrd="2" presId="urn:microsoft.com/office/officeart/2005/8/layout/hList1"/>
+    <dgm:cxn modelId="{19A3B6A4-702D-4113-814B-C7071F372D14}" srcId="{01B79AF0-D00A-4481-ABCC-79C23BE0D981}" destId="{6F1981E5-7B90-4815-8E6C-BF76A61A82B2}" srcOrd="2" destOrd="0" parTransId="{87B2FC2E-2E60-40C3-9AAF-406CCAE2343C}" sibTransId="{89AF6B90-77B0-4D3A-9A44-7397E4D3247F}"/>
+    <dgm:cxn modelId="{088707AA-6FB9-4E82-9DAA-6C6EFEA52DF5}" srcId="{74EA25D4-C666-430E-B926-BC3E0A898030}" destId="{CCA12CF6-7908-4C4A-965E-EC2EF51D4C2F}" srcOrd="2" destOrd="0" parTransId="{9B7EE822-1EF4-4903-873D-D3C4DEFB1AFE}" sibTransId="{811ADBE4-0AF4-4688-8DB2-9E9770203515}"/>
+    <dgm:cxn modelId="{1E6162AA-C1ED-461B-A597-010485464D3D}" type="presOf" srcId="{61E6867C-D57D-4FA9-AD02-151D6C921832}" destId="{BACEBB25-2A32-4633-A8AA-43030F652DE8}" srcOrd="0" destOrd="2" presId="urn:microsoft.com/office/officeart/2005/8/layout/hList1"/>
+    <dgm:cxn modelId="{BC0227BA-064E-4EDC-AD21-E6C366D45ABC}" srcId="{01B79AF0-D00A-4481-ABCC-79C23BE0D981}" destId="{2CD701B0-71C1-4D71-95C4-995D1C9DF881}" srcOrd="0" destOrd="0" parTransId="{3F0229C3-B135-41E0-9224-B7C186F1C3E3}" sibTransId="{EC10A725-9EE8-4060-B39F-2179338B7D1D}"/>
+    <dgm:cxn modelId="{0E249FD3-059E-4478-9409-141F9D7F9E7E}" srcId="{A583D8F7-0B58-43A8-AE34-32594DE1738D}" destId="{74EA25D4-C666-430E-B926-BC3E0A898030}" srcOrd="2" destOrd="0" parTransId="{11335F3B-32C2-4D5B-8FAA-0554439FBEBD}" sibTransId="{9998D001-06E5-4323-9A95-FF39D5528DEE}"/>
+    <dgm:cxn modelId="{450551D4-3D17-4750-A91B-523CE93837B9}" srcId="{74EA25D4-C666-430E-B926-BC3E0A898030}" destId="{2707F35C-DC5B-4282-A2F4-CBE82FD923AA}" srcOrd="0" destOrd="0" parTransId="{A3E77A82-9321-40D7-B79F-2EA2E6B6A06B}" sibTransId="{57276838-1112-4D51-9573-EE3033637F26}"/>
+    <dgm:cxn modelId="{6B3BF5DA-A6A6-4B18-B7D5-419100712960}" type="presOf" srcId="{CCA12CF6-7908-4C4A-965E-EC2EF51D4C2F}" destId="{4712BD07-C9A8-4BD1-BC67-16B85061F7C6}" srcOrd="0" destOrd="2" presId="urn:microsoft.com/office/officeart/2005/8/layout/hList1"/>
+    <dgm:cxn modelId="{0F695CDB-12E7-48CA-965B-64AE8B41369D}" srcId="{A583D8F7-0B58-43A8-AE34-32594DE1738D}" destId="{01B79AF0-D00A-4481-ABCC-79C23BE0D981}" srcOrd="1" destOrd="0" parTransId="{07E99DBE-D7FD-43AE-9C8C-77E6706F4E8E}" sibTransId="{D16F71D4-2CFD-4775-9558-5062AC2957B6}"/>
+    <dgm:cxn modelId="{F412ABE1-9B18-4BE0-8F66-11F109A8A458}" type="presOf" srcId="{E751CBEA-6A28-4628-AEF9-A836469D1860}" destId="{BACEBB25-2A32-4633-A8AA-43030F652DE8}" srcOrd="0" destOrd="0" presId="urn:microsoft.com/office/officeart/2005/8/layout/hList1"/>
+    <dgm:cxn modelId="{96775FE5-9F1C-4C21-BA02-7346D43AA1DF}" type="presOf" srcId="{9B106930-F9A0-4ACD-94B0-354CD1332042}" destId="{5C57C7EB-478D-4F11-B65D-9016B386C608}" srcOrd="0" destOrd="4" presId="urn:microsoft.com/office/officeart/2005/8/layout/hList1"/>
+    <dgm:cxn modelId="{C21650EA-5369-4E61-9791-85EAF903BCDE}" type="presOf" srcId="{D34A97D6-7F64-43FE-9E71-292031C611FD}" destId="{BF71F41E-FDAD-4835-B53A-D7D076DE9B55}" srcOrd="0" destOrd="0" presId="urn:microsoft.com/office/officeart/2005/8/layout/hList1"/>
+    <dgm:cxn modelId="{53EC39F6-2AC4-4807-9BB3-E929B79F3C91}" type="presOf" srcId="{2707F35C-DC5B-4282-A2F4-CBE82FD923AA}" destId="{4712BD07-C9A8-4BD1-BC67-16B85061F7C6}" srcOrd="0" destOrd="0" presId="urn:microsoft.com/office/officeart/2005/8/layout/hList1"/>
+    <dgm:cxn modelId="{DB88D6F8-30BA-43CA-933D-B6BCA7383DE5}" type="presOf" srcId="{2CD701B0-71C1-4D71-95C4-995D1C9DF881}" destId="{5C57C7EB-478D-4F11-B65D-9016B386C608}" srcOrd="0" destOrd="0" presId="urn:microsoft.com/office/officeart/2005/8/layout/hList1"/>
+    <dgm:cxn modelId="{299F5BFA-29AA-4C44-B916-9E84482E6704}" srcId="{01B79AF0-D00A-4481-ABCC-79C23BE0D981}" destId="{3F80C23F-E2DE-4C99-9A06-83F8F9D715DA}" srcOrd="3" destOrd="0" parTransId="{60A3FCDC-F83F-4963-9AE4-E6BAFCDC11FE}" sibTransId="{FBD137B2-BE6C-4943-BF43-7A17BCAED9B4}"/>
+    <dgm:cxn modelId="{89D008FF-C54E-413D-B2D4-DC47714A05E7}" srcId="{01B79AF0-D00A-4481-ABCC-79C23BE0D981}" destId="{043CC71B-7C00-494D-A263-6E5A70EBDA9B}" srcOrd="1" destOrd="0" parTransId="{15C4891C-23A1-4994-AA2A-3C6D150ABE4F}" sibTransId="{7AFE70C5-9A12-459E-8F23-C950182721A2}"/>
+    <dgm:cxn modelId="{E495D7E7-32C5-4BFA-8F37-903A02AB2420}" type="presParOf" srcId="{1DC10AE1-4929-4B55-A688-C70A646FA12F}" destId="{CFC90301-E9B8-4845-8F08-1928664237F1}" srcOrd="0" destOrd="0" presId="urn:microsoft.com/office/officeart/2005/8/layout/hList1"/>
+    <dgm:cxn modelId="{9F40BC19-451C-4F59-8208-108847F6817F}" type="presParOf" srcId="{CFC90301-E9B8-4845-8F08-1928664237F1}" destId="{BF71F41E-FDAD-4835-B53A-D7D076DE9B55}" srcOrd="0" destOrd="0" presId="urn:microsoft.com/office/officeart/2005/8/layout/hList1"/>
+    <dgm:cxn modelId="{1AB0A84F-C152-480B-AFB3-C03B7A31467F}" type="presParOf" srcId="{CFC90301-E9B8-4845-8F08-1928664237F1}" destId="{BACEBB25-2A32-4633-A8AA-43030F652DE8}" srcOrd="1" destOrd="0" presId="urn:microsoft.com/office/officeart/2005/8/layout/hList1"/>
+    <dgm:cxn modelId="{60434B85-44E5-49AC-BFC8-21B7213C64CE}" type="presParOf" srcId="{1DC10AE1-4929-4B55-A688-C70A646FA12F}" destId="{42226DCF-5CA9-4E6C-9976-498583A02B04}" srcOrd="1" destOrd="0" presId="urn:microsoft.com/office/officeart/2005/8/layout/hList1"/>
+    <dgm:cxn modelId="{965A154A-4A09-4D0A-BCF8-A1038C013CB9}" type="presParOf" srcId="{1DC10AE1-4929-4B55-A688-C70A646FA12F}" destId="{5B8EA8DA-6AF3-4B35-9CB6-493EE3A4342D}" srcOrd="2" destOrd="0" presId="urn:microsoft.com/office/officeart/2005/8/layout/hList1"/>
+    <dgm:cxn modelId="{EA236DE1-2EEB-45FC-B93C-0FDECE74E37E}" type="presParOf" srcId="{5B8EA8DA-6AF3-4B35-9CB6-493EE3A4342D}" destId="{01534658-91BB-4C44-9424-637822D3A9D0}" srcOrd="0" destOrd="0" presId="urn:microsoft.com/office/officeart/2005/8/layout/hList1"/>
+    <dgm:cxn modelId="{A727F883-7F94-4E51-AF9C-816161103DF7}" type="presParOf" srcId="{5B8EA8DA-6AF3-4B35-9CB6-493EE3A4342D}" destId="{5C57C7EB-478D-4F11-B65D-9016B386C608}" srcOrd="1" destOrd="0" presId="urn:microsoft.com/office/officeart/2005/8/layout/hList1"/>
+    <dgm:cxn modelId="{8FAA5DAE-6332-4E44-AC55-0C473AA7DCFD}" type="presParOf" srcId="{1DC10AE1-4929-4B55-A688-C70A646FA12F}" destId="{5DDA0361-204B-4BE7-A2D8-346D0289ED84}" srcOrd="3" destOrd="0" presId="urn:microsoft.com/office/officeart/2005/8/layout/hList1"/>
+    <dgm:cxn modelId="{67B8133B-457A-44A2-93B5-D1131F3FEC30}" type="presParOf" srcId="{1DC10AE1-4929-4B55-A688-C70A646FA12F}" destId="{EF4FFBCE-CD71-4DD0-9BE9-E789E139D903}" srcOrd="4" destOrd="0" presId="urn:microsoft.com/office/officeart/2005/8/layout/hList1"/>
+    <dgm:cxn modelId="{8D7ADB92-B737-401F-86B5-1A19681E384D}" type="presParOf" srcId="{EF4FFBCE-CD71-4DD0-9BE9-E789E139D903}" destId="{228970AD-4D95-42F2-B737-33364C2CB3CE}" srcOrd="0" destOrd="0" presId="urn:microsoft.com/office/officeart/2005/8/layout/hList1"/>
+    <dgm:cxn modelId="{80F522C1-17EC-4B1B-9725-01D17D9286D3}" type="presParOf" srcId="{EF4FFBCE-CD71-4DD0-9BE9-E789E139D903}" destId="{4712BD07-C9A8-4BD1-BC67-16B85061F7C6}" srcOrd="1" destOrd="0" presId="urn:microsoft.com/office/officeart/2005/8/layout/hList1"/>
+  </dgm:cxnLst>
+  <dgm:bg/>
+  <dgm:whole/>
+  <dgm:extLst>
+    <a:ext uri="http://schemas.microsoft.com/office/drawing/2008/diagram">
+      <dsp:dataModelExt xmlns:dsp="http://schemas.microsoft.com/office/drawing/2008/diagram" relId="rId6" minVer="http://schemas.openxmlformats.org/drawingml/2006/diagram"/>
+    </a:ext>
+  </dgm:extLst>
+</dgm:dataModel>
+</file>
+
+<file path=ppt/diagrams/data3.xml><?xml version="1.0" encoding="utf-8"?>
+<dgm:dataModel xmlns:dgm="http://schemas.openxmlformats.org/drawingml/2006/diagram" xmlns:a="http://schemas.openxmlformats.org/drawingml/2006/main">
+  <dgm:ptLst>
+    <dgm:pt modelId="{A583D8F7-0B58-43A8-AE34-32594DE1738D}" type="doc">
+      <dgm:prSet loTypeId="urn:microsoft.com/office/officeart/2005/8/layout/hList1" loCatId="list" qsTypeId="urn:microsoft.com/office/officeart/2005/8/quickstyle/simple4" qsCatId="simple" csTypeId="urn:microsoft.com/office/officeart/2005/8/colors/colorful2" csCatId="colorful" phldr="1"/>
+      <dgm:spPr/>
+      <dgm:t>
+        <a:bodyPr/>
+        <a:lstStyle/>
+        <a:p>
+          <a:endParaRPr lang="en-US"/>
+        </a:p>
+      </dgm:t>
+    </dgm:pt>
+    <dgm:pt modelId="{D34A97D6-7F64-43FE-9E71-292031C611FD}">
+      <dgm:prSet/>
+      <dgm:spPr/>
+      <dgm:t>
+        <a:bodyPr/>
+        <a:lstStyle/>
+        <a:p>
+          <a:r>
+            <a:rPr lang="en-US" b="1" dirty="0"/>
+            <a:t>Learn Actions</a:t>
+          </a:r>
+        </a:p>
+      </dgm:t>
+    </dgm:pt>
+    <dgm:pt modelId="{473821D3-ED3B-4654-AD09-B5F3478C5F12}" type="parTrans" cxnId="{F8CDE900-66E2-43D8-9B26-F46263F82DC3}">
+      <dgm:prSet/>
+      <dgm:spPr/>
+      <dgm:t>
+        <a:bodyPr/>
+        <a:lstStyle/>
+        <a:p>
+          <a:endParaRPr lang="en-US"/>
+        </a:p>
+      </dgm:t>
+    </dgm:pt>
+    <dgm:pt modelId="{5F5526E9-ADF1-4E64-835D-D75224265BC3}" type="sibTrans" cxnId="{F8CDE900-66E2-43D8-9B26-F46263F82DC3}">
+      <dgm:prSet/>
+      <dgm:spPr/>
+      <dgm:t>
+        <a:bodyPr/>
+        <a:lstStyle/>
+        <a:p>
+          <a:endParaRPr lang="en-US"/>
+        </a:p>
+      </dgm:t>
+    </dgm:pt>
+    <dgm:pt modelId="{01B79AF0-D00A-4481-ABCC-79C23BE0D981}">
+      <dgm:prSet/>
+      <dgm:spPr/>
+      <dgm:t>
+        <a:bodyPr/>
+        <a:lstStyle/>
+        <a:p>
+          <a:r>
+            <a:rPr lang="en-US" b="1" dirty="0"/>
+            <a:t>Learn Heuristics</a:t>
+          </a:r>
+        </a:p>
+      </dgm:t>
+    </dgm:pt>
+    <dgm:pt modelId="{07E99DBE-D7FD-43AE-9C8C-77E6706F4E8E}" type="parTrans" cxnId="{0F695CDB-12E7-48CA-965B-64AE8B41369D}">
+      <dgm:prSet/>
+      <dgm:spPr/>
+      <dgm:t>
+        <a:bodyPr/>
+        <a:lstStyle/>
+        <a:p>
+          <a:endParaRPr lang="en-US"/>
+        </a:p>
+      </dgm:t>
+    </dgm:pt>
+    <dgm:pt modelId="{D16F71D4-2CFD-4775-9558-5062AC2957B6}" type="sibTrans" cxnId="{0F695CDB-12E7-48CA-965B-64AE8B41369D}">
+      <dgm:prSet/>
+      <dgm:spPr/>
+      <dgm:t>
+        <a:bodyPr/>
+        <a:lstStyle/>
+        <a:p>
+          <a:endParaRPr lang="en-US"/>
+        </a:p>
+      </dgm:t>
+    </dgm:pt>
+    <dgm:pt modelId="{74EA25D4-C666-430E-B926-BC3E0A898030}">
+      <dgm:prSet/>
+      <dgm:spPr/>
+      <dgm:t>
+        <a:bodyPr/>
+        <a:lstStyle/>
+        <a:p>
+          <a:r>
+            <a:rPr lang="en-US" b="1" dirty="0"/>
+            <a:t>Perception</a:t>
+          </a:r>
+          <a:r>
+            <a:rPr lang="en-US" dirty="0"/>
+            <a:t> </a:t>
+          </a:r>
+        </a:p>
+      </dgm:t>
+    </dgm:pt>
+    <dgm:pt modelId="{11335F3B-32C2-4D5B-8FAA-0554439FBEBD}" type="parTrans" cxnId="{0E249FD3-059E-4478-9409-141F9D7F9E7E}">
+      <dgm:prSet/>
+      <dgm:spPr/>
+      <dgm:t>
+        <a:bodyPr/>
+        <a:lstStyle/>
+        <a:p>
+          <a:endParaRPr lang="en-US"/>
+        </a:p>
+      </dgm:t>
+    </dgm:pt>
+    <dgm:pt modelId="{9998D001-06E5-4323-9A95-FF39D5528DEE}" type="sibTrans" cxnId="{0E249FD3-059E-4478-9409-141F9D7F9E7E}">
+      <dgm:prSet/>
+      <dgm:spPr/>
+      <dgm:t>
+        <a:bodyPr/>
+        <a:lstStyle/>
+        <a:p>
+          <a:endParaRPr lang="en-US"/>
+        </a:p>
+      </dgm:t>
+    </dgm:pt>
+    <dgm:pt modelId="{2707F35C-DC5B-4282-A2F4-CBE82FD923AA}">
+      <dgm:prSet/>
+      <dgm:spPr/>
+      <dgm:t>
+        <a:bodyPr/>
+        <a:lstStyle/>
+        <a:p>
+          <a:r>
+            <a:rPr lang="en-US" b="1" dirty="0"/>
+            <a:t>Natural language processing: </a:t>
+          </a:r>
+          <a:r>
+            <a:rPr lang="en-US" dirty="0"/>
+            <a:t>Use deep learning / word embeddings / language models to understand concepts, translate between languages, or generate text.</a:t>
+          </a:r>
+        </a:p>
+      </dgm:t>
+    </dgm:pt>
+    <dgm:pt modelId="{A3E77A82-9321-40D7-B79F-2EA2E6B6A06B}" type="parTrans" cxnId="{450551D4-3D17-4750-A91B-523CE93837B9}">
+      <dgm:prSet/>
+      <dgm:spPr/>
+      <dgm:t>
+        <a:bodyPr/>
+        <a:lstStyle/>
+        <a:p>
+          <a:endParaRPr lang="en-US"/>
+        </a:p>
+      </dgm:t>
+    </dgm:pt>
+    <dgm:pt modelId="{57276838-1112-4D51-9573-EE3033637F26}" type="sibTrans" cxnId="{450551D4-3D17-4750-A91B-523CE93837B9}">
+      <dgm:prSet/>
+      <dgm:spPr/>
+      <dgm:t>
+        <a:bodyPr/>
+        <a:lstStyle/>
+        <a:p>
+          <a:endParaRPr lang="en-US"/>
+        </a:p>
+      </dgm:t>
+    </dgm:pt>
+    <dgm:pt modelId="{31DF8B81-89DE-4067-8DCB-2E730ECA86DF}">
+      <dgm:prSet/>
+      <dgm:spPr/>
+      <dgm:t>
+        <a:bodyPr/>
+        <a:lstStyle/>
+        <a:p>
+          <a:r>
+            <a:rPr lang="en-US" dirty="0"/>
+            <a:t>Speech recognition: Identify the most likely sequence of words. </a:t>
+          </a:r>
+        </a:p>
+      </dgm:t>
+    </dgm:pt>
+    <dgm:pt modelId="{662DCB60-3B82-4FFE-A5B4-BC89BE80ECA3}" type="parTrans" cxnId="{0C8EC091-5D95-41A4-8DC2-33232EC0373B}">
+      <dgm:prSet/>
+      <dgm:spPr/>
+      <dgm:t>
+        <a:bodyPr/>
+        <a:lstStyle/>
+        <a:p>
+          <a:endParaRPr lang="en-US"/>
+        </a:p>
+      </dgm:t>
+    </dgm:pt>
+    <dgm:pt modelId="{D954A0D9-450C-469C-AF55-29F51DDD5128}" type="sibTrans" cxnId="{0C8EC091-5D95-41A4-8DC2-33232EC0373B}">
+      <dgm:prSet/>
+      <dgm:spPr/>
+      <dgm:t>
+        <a:bodyPr/>
+        <a:lstStyle/>
+        <a:p>
+          <a:endParaRPr lang="en-US"/>
+        </a:p>
+      </dgm:t>
+    </dgm:pt>
+    <dgm:pt modelId="{CCA12CF6-7908-4C4A-965E-EC2EF51D4C2F}">
+      <dgm:prSet/>
+      <dgm:spPr/>
+      <dgm:t>
+        <a:bodyPr/>
+        <a:lstStyle/>
+        <a:p>
+          <a:r>
+            <a:rPr lang="en-US" dirty="0"/>
+            <a:t>Vision: Object recognition in images/videos. Generate images/video.</a:t>
+          </a:r>
+        </a:p>
+      </dgm:t>
+    </dgm:pt>
+    <dgm:pt modelId="{9B7EE822-1EF4-4903-873D-D3C4DEFB1AFE}" type="parTrans" cxnId="{088707AA-6FB9-4E82-9DAA-6C6EFEA52DF5}">
+      <dgm:prSet/>
+      <dgm:spPr/>
+      <dgm:t>
+        <a:bodyPr/>
+        <a:lstStyle/>
+        <a:p>
+          <a:endParaRPr lang="en-US"/>
+        </a:p>
+      </dgm:t>
+    </dgm:pt>
+    <dgm:pt modelId="{811ADBE4-0AF4-4688-8DB2-9E9770203515}" type="sibTrans" cxnId="{088707AA-6FB9-4E82-9DAA-6C6EFEA52DF5}">
+      <dgm:prSet/>
+      <dgm:spPr/>
+      <dgm:t>
+        <a:bodyPr/>
+        <a:lstStyle/>
+        <a:p>
+          <a:endParaRPr lang="en-US"/>
+        </a:p>
+      </dgm:t>
+    </dgm:pt>
+    <dgm:pt modelId="{2CD701B0-71C1-4D71-95C4-995D1C9DF881}">
+      <dgm:prSet/>
+      <dgm:spPr>
+        <a:blipFill>
+          <a:blip xmlns:r="http://schemas.openxmlformats.org/officeDocument/2006/relationships" r:embed="rId1"/>
+          <a:stretch>
+            <a:fillRect l="-1518" t="-181" r="-759"/>
+          </a:stretch>
+        </a:blipFill>
+      </dgm:spPr>
+      <dgm:t>
+        <a:bodyPr/>
+        <a:lstStyle/>
+        <a:p>
+          <a:r>
+            <a:rPr lang="en-US">
+              <a:noFill/>
+            </a:rPr>
+            <a:t> </a:t>
+          </a:r>
+        </a:p>
+      </dgm:t>
+    </dgm:pt>
+    <dgm:pt modelId="{3F0229C3-B135-41E0-9224-B7C186F1C3E3}" type="parTrans" cxnId="{BC0227BA-064E-4EDC-AD21-E6C366D45ABC}">
+      <dgm:prSet/>
+      <dgm:spPr/>
+      <dgm:t>
+        <a:bodyPr/>
+        <a:lstStyle/>
+        <a:p>
+          <a:endParaRPr lang="en-US"/>
+        </a:p>
+      </dgm:t>
+    </dgm:pt>
+    <dgm:pt modelId="{EC10A725-9EE8-4060-B39F-2179338B7D1D}" type="sibTrans" cxnId="{BC0227BA-064E-4EDC-AD21-E6C366D45ABC}">
+      <dgm:prSet/>
+      <dgm:spPr/>
+      <dgm:t>
+        <a:bodyPr/>
+        <a:lstStyle/>
+        <a:p>
+          <a:endParaRPr lang="en-US"/>
+        </a:p>
+      </dgm:t>
+    </dgm:pt>
+    <dgm:pt modelId="{E751CBEA-6A28-4628-AEF9-A836469D1860}">
+      <dgm:prSet/>
+      <dgm:spPr>
+        <a:blipFill>
+          <a:blip xmlns:r="http://schemas.openxmlformats.org/officeDocument/2006/relationships" r:embed="rId2"/>
+          <a:stretch>
+            <a:fillRect l="-1518" t="-181"/>
+          </a:stretch>
+        </a:blipFill>
+      </dgm:spPr>
+      <dgm:t>
+        <a:bodyPr/>
+        <a:lstStyle/>
+        <a:p>
+          <a:r>
+            <a:rPr lang="en-US">
+              <a:noFill/>
+            </a:rPr>
+            <a:t> </a:t>
+          </a:r>
+        </a:p>
+      </dgm:t>
+    </dgm:pt>
+    <dgm:pt modelId="{0FA1799D-D4E3-44F7-9EF0-50A0558ED64B}" type="parTrans" cxnId="{13269C61-9F1B-42C4-A1CC-14B4ACA7AC77}">
+      <dgm:prSet/>
+      <dgm:spPr/>
+      <dgm:t>
+        <a:bodyPr/>
+        <a:lstStyle/>
+        <a:p>
+          <a:endParaRPr lang="en-US"/>
+        </a:p>
+      </dgm:t>
+    </dgm:pt>
+    <dgm:pt modelId="{2877FB4F-9657-4ADC-8421-F8BED486559E}" type="sibTrans" cxnId="{13269C61-9F1B-42C4-A1CC-14B4ACA7AC77}">
+      <dgm:prSet/>
+      <dgm:spPr/>
+      <dgm:t>
+        <a:bodyPr/>
+        <a:lstStyle/>
+        <a:p>
+          <a:endParaRPr lang="en-US"/>
+        </a:p>
+      </dgm:t>
+    </dgm:pt>
+    <dgm:pt modelId="{EDE1371B-F13F-4A60-9C71-C9674634C493}">
+      <dgm:prSet/>
+      <dgm:spPr/>
+      <dgm:t>
+        <a:bodyPr/>
+        <a:lstStyle/>
+        <a:p>
+          <a:r>
+            <a:rPr lang="en-US">
+              <a:noFill/>
+            </a:rPr>
+            <a:t> </a:t>
+          </a:r>
+        </a:p>
+      </dgm:t>
+    </dgm:pt>
+    <dgm:pt modelId="{25A610CF-D9CB-4D37-AD14-9FD3C5DEBB12}" type="parTrans" cxnId="{DA4D6D38-E880-4C43-9126-2A194B61F09B}">
+      <dgm:prSet/>
+      <dgm:spPr/>
+      <dgm:t>
+        <a:bodyPr/>
+        <a:lstStyle/>
+        <a:p>
+          <a:endParaRPr lang="en-US"/>
+        </a:p>
+      </dgm:t>
+    </dgm:pt>
+    <dgm:pt modelId="{094E6D5F-5E37-4822-A6C2-7E7C4E8BFEE2}" type="sibTrans" cxnId="{DA4D6D38-E880-4C43-9126-2A194B61F09B}">
+      <dgm:prSet/>
+      <dgm:spPr/>
+      <dgm:t>
+        <a:bodyPr/>
+        <a:lstStyle/>
+        <a:p>
+          <a:endParaRPr lang="en-US"/>
+        </a:p>
+      </dgm:t>
+    </dgm:pt>
+    <dgm:pt modelId="{6F1981E5-7B90-4815-8E6C-BF76A61A82B2}">
+      <dgm:prSet/>
+      <dgm:spPr/>
+      <dgm:t>
+        <a:bodyPr/>
+        <a:lstStyle/>
+        <a:p>
+          <a:r>
+            <a:rPr lang="en-US">
+              <a:noFill/>
+            </a:rPr>
+            <a:t> </a:t>
+          </a:r>
+        </a:p>
+      </dgm:t>
+    </dgm:pt>
+    <dgm:pt modelId="{87B2FC2E-2E60-40C3-9AAF-406CCAE2343C}" type="parTrans" cxnId="{19A3B6A4-702D-4113-814B-C7071F372D14}">
+      <dgm:prSet/>
+      <dgm:spPr/>
+      <dgm:t>
+        <a:bodyPr/>
+        <a:lstStyle/>
+        <a:p>
+          <a:endParaRPr lang="en-US"/>
+        </a:p>
+      </dgm:t>
+    </dgm:pt>
+    <dgm:pt modelId="{89AF6B90-77B0-4D3A-9A44-7397E4D3247F}" type="sibTrans" cxnId="{19A3B6A4-702D-4113-814B-C7071F372D14}">
+      <dgm:prSet/>
+      <dgm:spPr/>
+      <dgm:t>
+        <a:bodyPr/>
+        <a:lstStyle/>
+        <a:p>
+          <a:endParaRPr lang="en-US"/>
+        </a:p>
+      </dgm:t>
+    </dgm:pt>
+    <dgm:pt modelId="{245DE14A-D8DF-4249-9DE9-C2673C2D8436}">
+      <dgm:prSet/>
+      <dgm:spPr/>
+      <dgm:t>
+        <a:bodyPr/>
+        <a:lstStyle/>
+        <a:p>
+          <a:r>
+            <a:rPr lang="en-US">
+              <a:noFill/>
+            </a:rPr>
+            <a:t> </a:t>
+          </a:r>
+        </a:p>
+      </dgm:t>
+    </dgm:pt>
+    <dgm:pt modelId="{78C1E7EC-51D9-4B07-B8C5-9982383BC9BC}" type="parTrans" cxnId="{33FF2463-0D15-48BD-97C1-5AAE8DD4B704}">
+      <dgm:prSet/>
+      <dgm:spPr/>
+      <dgm:t>
+        <a:bodyPr/>
+        <a:lstStyle/>
+        <a:p>
+          <a:endParaRPr lang="en-US"/>
+        </a:p>
+      </dgm:t>
+    </dgm:pt>
+    <dgm:pt modelId="{C27118E3-D343-4642-93AC-0832E5B5F8F8}" type="sibTrans" cxnId="{33FF2463-0D15-48BD-97C1-5AAE8DD4B704}">
+      <dgm:prSet/>
+      <dgm:spPr/>
+      <dgm:t>
+        <a:bodyPr/>
+        <a:lstStyle/>
+        <a:p>
+          <a:endParaRPr lang="en-US"/>
+        </a:p>
+      </dgm:t>
+    </dgm:pt>
+    <dgm:pt modelId="{61E6867C-D57D-4FA9-AD02-151D6C921832}">
+      <dgm:prSet/>
+      <dgm:spPr/>
+      <dgm:t>
+        <a:bodyPr/>
+        <a:lstStyle/>
+        <a:p>
+          <a:r>
+            <a:rPr lang="en-US">
+              <a:noFill/>
+            </a:rPr>
+            <a:t> </a:t>
+          </a:r>
+        </a:p>
+      </dgm:t>
+    </dgm:pt>
+    <dgm:pt modelId="{1B3145D2-428D-4FA1-B06C-2E804BA79C17}" type="parTrans" cxnId="{0A128856-3C02-4604-B053-611008DE508A}">
+      <dgm:prSet/>
+      <dgm:spPr/>
+      <dgm:t>
+        <a:bodyPr/>
+        <a:lstStyle/>
+        <a:p>
+          <a:endParaRPr lang="en-US"/>
+        </a:p>
+      </dgm:t>
+    </dgm:pt>
+    <dgm:pt modelId="{2CEDF928-8683-4477-BCFD-E50333B49F27}" type="sibTrans" cxnId="{0A128856-3C02-4604-B053-611008DE508A}">
+      <dgm:prSet/>
+      <dgm:spPr/>
+      <dgm:t>
+        <a:bodyPr/>
+        <a:lstStyle/>
+        <a:p>
+          <a:endParaRPr lang="en-US"/>
+        </a:p>
+      </dgm:t>
+    </dgm:pt>
+    <dgm:pt modelId="{043CC71B-7C00-494D-A263-6E5A70EBDA9B}">
+      <dgm:prSet/>
+      <dgm:spPr/>
+      <dgm:t>
+        <a:bodyPr/>
+        <a:lstStyle/>
+        <a:p>
+          <a:r>
+            <a:rPr lang="en-US">
+              <a:noFill/>
+            </a:rPr>
+            <a:t> </a:t>
+          </a:r>
+        </a:p>
+      </dgm:t>
+    </dgm:pt>
+    <dgm:pt modelId="{15C4891C-23A1-4994-AA2A-3C6D150ABE4F}" type="parTrans" cxnId="{89D008FF-C54E-413D-B2D4-DC47714A05E7}">
+      <dgm:prSet/>
+      <dgm:spPr/>
+      <dgm:t>
+        <a:bodyPr/>
+        <a:lstStyle/>
+        <a:p>
+          <a:endParaRPr lang="en-US"/>
+        </a:p>
+      </dgm:t>
+    </dgm:pt>
+    <dgm:pt modelId="{7AFE70C5-9A12-459E-8F23-C950182721A2}" type="sibTrans" cxnId="{89D008FF-C54E-413D-B2D4-DC47714A05E7}">
+      <dgm:prSet/>
+      <dgm:spPr/>
+      <dgm:t>
+        <a:bodyPr/>
+        <a:lstStyle/>
+        <a:p>
+          <a:endParaRPr lang="en-US"/>
+        </a:p>
+      </dgm:t>
+    </dgm:pt>
+    <dgm:pt modelId="{9B106930-F9A0-4ACD-94B0-354CD1332042}">
+      <dgm:prSet/>
+      <dgm:spPr/>
+      <dgm:t>
+        <a:bodyPr/>
+        <a:lstStyle/>
+        <a:p>
+          <a:r>
+            <a:rPr lang="en-US">
+              <a:noFill/>
+            </a:rPr>
+            <a:t> </a:t>
+          </a:r>
+        </a:p>
+      </dgm:t>
+    </dgm:pt>
+    <dgm:pt modelId="{BA70B5A5-EAF6-48E2-86F6-2C4A920D5101}" type="parTrans" cxnId="{2478958D-4ED5-41C7-A7EC-CF4141C98EF9}">
+      <dgm:prSet/>
+      <dgm:spPr/>
+      <dgm:t>
+        <a:bodyPr/>
+        <a:lstStyle/>
+        <a:p>
+          <a:endParaRPr lang="en-US"/>
+        </a:p>
+      </dgm:t>
+    </dgm:pt>
+    <dgm:pt modelId="{2667EBCA-636F-47C1-AD35-7BF51507062A}" type="sibTrans" cxnId="{2478958D-4ED5-41C7-A7EC-CF4141C98EF9}">
+      <dgm:prSet/>
+      <dgm:spPr/>
+      <dgm:t>
+        <a:bodyPr/>
+        <a:lstStyle/>
+        <a:p>
+          <a:endParaRPr lang="en-US"/>
+        </a:p>
+      </dgm:t>
+    </dgm:pt>
+    <dgm:pt modelId="{3F80C23F-E2DE-4C99-9A06-83F8F9D715DA}">
+      <dgm:prSet/>
+      <dgm:spPr/>
+      <dgm:t>
+        <a:bodyPr/>
+        <a:lstStyle/>
+        <a:p>
+          <a:r>
+            <a:rPr lang="en-US">
+              <a:noFill/>
+            </a:rPr>
+            <a:t> </a:t>
+          </a:r>
+        </a:p>
+      </dgm:t>
+    </dgm:pt>
+    <dgm:pt modelId="{60A3FCDC-F83F-4963-9AE4-E6BAFCDC11FE}" type="parTrans" cxnId="{299F5BFA-29AA-4C44-B916-9E84482E6704}">
+      <dgm:prSet/>
+      <dgm:spPr/>
+      <dgm:t>
+        <a:bodyPr/>
+        <a:lstStyle/>
+        <a:p>
+          <a:endParaRPr lang="en-US"/>
+        </a:p>
+      </dgm:t>
+    </dgm:pt>
+    <dgm:pt modelId="{FBD137B2-BE6C-4943-BF43-7A17BCAED9B4}" type="sibTrans" cxnId="{299F5BFA-29AA-4C44-B916-9E84482E6704}">
+      <dgm:prSet/>
+      <dgm:spPr/>
+      <dgm:t>
+        <a:bodyPr/>
+        <a:lstStyle/>
+        <a:p>
+          <a:endParaRPr lang="en-US"/>
+        </a:p>
+      </dgm:t>
+    </dgm:pt>
+    <dgm:pt modelId="{1DC10AE1-4929-4B55-A688-C70A646FA12F}" type="pres">
+      <dgm:prSet presAssocID="{A583D8F7-0B58-43A8-AE34-32594DE1738D}" presName="Name0" presStyleCnt="0">
+        <dgm:presLayoutVars>
+          <dgm:dir/>
+          <dgm:animLvl val="lvl"/>
+          <dgm:resizeHandles val="exact"/>
+        </dgm:presLayoutVars>
+      </dgm:prSet>
+      <dgm:spPr/>
+    </dgm:pt>
+    <dgm:pt modelId="{CFC90301-E9B8-4845-8F08-1928664237F1}" type="pres">
+      <dgm:prSet presAssocID="{D34A97D6-7F64-43FE-9E71-292031C611FD}" presName="composite" presStyleCnt="0"/>
+      <dgm:spPr/>
+    </dgm:pt>
+    <dgm:pt modelId="{BF71F41E-FDAD-4835-B53A-D7D076DE9B55}" type="pres">
+      <dgm:prSet presAssocID="{D34A97D6-7F64-43FE-9E71-292031C611FD}" presName="parTx" presStyleLbl="alignNode1" presStyleIdx="0" presStyleCnt="3">
+        <dgm:presLayoutVars>
+          <dgm:chMax val="0"/>
+          <dgm:chPref val="0"/>
+          <dgm:bulletEnabled val="1"/>
+        </dgm:presLayoutVars>
+      </dgm:prSet>
+      <dgm:spPr/>
+    </dgm:pt>
+    <dgm:pt modelId="{BACEBB25-2A32-4633-A8AA-43030F652DE8}" type="pres">
+      <dgm:prSet presAssocID="{D34A97D6-7F64-43FE-9E71-292031C611FD}" presName="desTx" presStyleLbl="alignAccFollowNode1" presStyleIdx="0" presStyleCnt="3">
+        <dgm:presLayoutVars>
+          <dgm:bulletEnabled val="1"/>
+        </dgm:presLayoutVars>
+      </dgm:prSet>
+      <dgm:spPr/>
+    </dgm:pt>
+    <dgm:pt modelId="{42226DCF-5CA9-4E6C-9976-498583A02B04}" type="pres">
+      <dgm:prSet presAssocID="{5F5526E9-ADF1-4E64-835D-D75224265BC3}" presName="space" presStyleCnt="0"/>
+      <dgm:spPr/>
+    </dgm:pt>
+    <dgm:pt modelId="{5B8EA8DA-6AF3-4B35-9CB6-493EE3A4342D}" type="pres">
+      <dgm:prSet presAssocID="{01B79AF0-D00A-4481-ABCC-79C23BE0D981}" presName="composite" presStyleCnt="0"/>
+      <dgm:spPr/>
+    </dgm:pt>
+    <dgm:pt modelId="{01534658-91BB-4C44-9424-637822D3A9D0}" type="pres">
+      <dgm:prSet presAssocID="{01B79AF0-D00A-4481-ABCC-79C23BE0D981}" presName="parTx" presStyleLbl="alignNode1" presStyleIdx="1" presStyleCnt="3">
+        <dgm:presLayoutVars>
+          <dgm:chMax val="0"/>
+          <dgm:chPref val="0"/>
+          <dgm:bulletEnabled val="1"/>
+        </dgm:presLayoutVars>
+      </dgm:prSet>
+      <dgm:spPr/>
+    </dgm:pt>
+    <dgm:pt modelId="{5C57C7EB-478D-4F11-B65D-9016B386C608}" type="pres">
+      <dgm:prSet presAssocID="{01B79AF0-D00A-4481-ABCC-79C23BE0D981}" presName="desTx" presStyleLbl="alignAccFollowNode1" presStyleIdx="1" presStyleCnt="3">
+        <dgm:presLayoutVars>
+          <dgm:bulletEnabled val="1"/>
+        </dgm:presLayoutVars>
+      </dgm:prSet>
+      <dgm:spPr/>
+    </dgm:pt>
+    <dgm:pt modelId="{5DDA0361-204B-4BE7-A2D8-346D0289ED84}" type="pres">
+      <dgm:prSet presAssocID="{D16F71D4-2CFD-4775-9558-5062AC2957B6}" presName="space" presStyleCnt="0"/>
+      <dgm:spPr/>
+    </dgm:pt>
+    <dgm:pt modelId="{EF4FFBCE-CD71-4DD0-9BE9-E789E139D903}" type="pres">
+      <dgm:prSet presAssocID="{74EA25D4-C666-430E-B926-BC3E0A898030}" presName="composite" presStyleCnt="0"/>
+      <dgm:spPr/>
+    </dgm:pt>
+    <dgm:pt modelId="{228970AD-4D95-42F2-B737-33364C2CB3CE}" type="pres">
+      <dgm:prSet presAssocID="{74EA25D4-C666-430E-B926-BC3E0A898030}" presName="parTx" presStyleLbl="alignNode1" presStyleIdx="2" presStyleCnt="3">
+        <dgm:presLayoutVars>
+          <dgm:chMax val="0"/>
+          <dgm:chPref val="0"/>
+          <dgm:bulletEnabled val="1"/>
+        </dgm:presLayoutVars>
+      </dgm:prSet>
+      <dgm:spPr/>
+    </dgm:pt>
+    <dgm:pt modelId="{4712BD07-C9A8-4BD1-BC67-16B85061F7C6}" type="pres">
+      <dgm:prSet presAssocID="{74EA25D4-C666-430E-B926-BC3E0A898030}" presName="desTx" presStyleLbl="alignAccFollowNode1" presStyleIdx="2" presStyleCnt="3">
+        <dgm:presLayoutVars>
+          <dgm:bulletEnabled val="1"/>
+        </dgm:presLayoutVars>
+      </dgm:prSet>
+      <dgm:spPr/>
+    </dgm:pt>
+  </dgm:ptLst>
+  <dgm:cxnLst>
+    <dgm:cxn modelId="{F8CDE900-66E2-43D8-9B26-F46263F82DC3}" srcId="{A583D8F7-0B58-43A8-AE34-32594DE1738D}" destId="{D34A97D6-7F64-43FE-9E71-292031C611FD}" srcOrd="0" destOrd="0" parTransId="{473821D3-ED3B-4654-AD09-B5F3478C5F12}" sibTransId="{5F5526E9-ADF1-4E64-835D-D75224265BC3}"/>
+    <dgm:cxn modelId="{53A53D03-80E1-48CA-A30D-146DC7F8FDED}" type="presOf" srcId="{043CC71B-7C00-494D-A263-6E5A70EBDA9B}" destId="{5C57C7EB-478D-4F11-B65D-9016B386C608}" srcOrd="0" destOrd="1" presId="urn:microsoft.com/office/officeart/2005/8/layout/hList1"/>
+    <dgm:cxn modelId="{5ECB7F28-792A-42B7-9375-F2151D7E58A0}" type="presOf" srcId="{3F80C23F-E2DE-4C99-9A06-83F8F9D715DA}" destId="{5C57C7EB-478D-4F11-B65D-9016B386C608}" srcOrd="0" destOrd="3" presId="urn:microsoft.com/office/officeart/2005/8/layout/hList1"/>
+    <dgm:cxn modelId="{B5622D29-BD86-4B5D-AB9F-7058EC9A526D}" type="presOf" srcId="{74EA25D4-C666-430E-B926-BC3E0A898030}" destId="{228970AD-4D95-42F2-B737-33364C2CB3CE}" srcOrd="0" destOrd="0" presId="urn:microsoft.com/office/officeart/2005/8/layout/hList1"/>
+    <dgm:cxn modelId="{DA4D6D38-E880-4C43-9126-2A194B61F09B}" srcId="{D34A97D6-7F64-43FE-9E71-292031C611FD}" destId="{EDE1371B-F13F-4A60-9C71-C9674634C493}" srcOrd="1" destOrd="0" parTransId="{25A610CF-D9CB-4D37-AD14-9FD3C5DEBB12}" sibTransId="{094E6D5F-5E37-4822-A6C2-7E7C4E8BFEE2}"/>
+    <dgm:cxn modelId="{0C797F5E-1C7F-470F-A479-95129B6C1AF1}" type="presOf" srcId="{01B79AF0-D00A-4481-ABCC-79C23BE0D981}" destId="{01534658-91BB-4C44-9424-637822D3A9D0}" srcOrd="0" destOrd="0" presId="urn:microsoft.com/office/officeart/2005/8/layout/hList1"/>
+    <dgm:cxn modelId="{13269C61-9F1B-42C4-A1CC-14B4ACA7AC77}" srcId="{D34A97D6-7F64-43FE-9E71-292031C611FD}" destId="{E751CBEA-6A28-4628-AEF9-A836469D1860}" srcOrd="0" destOrd="0" parTransId="{0FA1799D-D4E3-44F7-9EF0-50A0558ED64B}" sibTransId="{2877FB4F-9657-4ADC-8421-F8BED486559E}"/>
+    <dgm:cxn modelId="{33FF2463-0D15-48BD-97C1-5AAE8DD4B704}" srcId="{D34A97D6-7F64-43FE-9E71-292031C611FD}" destId="{245DE14A-D8DF-4249-9DE9-C2673C2D8436}" srcOrd="3" destOrd="0" parTransId="{78C1E7EC-51D9-4B07-B8C5-9982383BC9BC}" sibTransId="{C27118E3-D343-4642-93AC-0832E5B5F8F8}"/>
+    <dgm:cxn modelId="{F1674269-886A-48EB-88FC-D08005B5EF83}" type="presOf" srcId="{31DF8B81-89DE-4067-8DCB-2E730ECA86DF}" destId="{4712BD07-C9A8-4BD1-BC67-16B85061F7C6}" srcOrd="0" destOrd="1" presId="urn:microsoft.com/office/officeart/2005/8/layout/hList1"/>
+    <dgm:cxn modelId="{0A128856-3C02-4604-B053-611008DE508A}" srcId="{D34A97D6-7F64-43FE-9E71-292031C611FD}" destId="{61E6867C-D57D-4FA9-AD02-151D6C921832}" srcOrd="2" destOrd="0" parTransId="{1B3145D2-428D-4FA1-B06C-2E804BA79C17}" sibTransId="{2CEDF928-8683-4477-BCFD-E50333B49F27}"/>
+    <dgm:cxn modelId="{7081F07C-0351-4DE5-AA4F-5F4C5E4EB825}" type="presOf" srcId="{245DE14A-D8DF-4249-9DE9-C2673C2D8436}" destId="{BACEBB25-2A32-4633-A8AA-43030F652DE8}" srcOrd="0" destOrd="3" presId="urn:microsoft.com/office/officeart/2005/8/layout/hList1"/>
+    <dgm:cxn modelId="{1521237E-0C0D-4101-AB54-2D5AC59E7969}" type="presOf" srcId="{A583D8F7-0B58-43A8-AE34-32594DE1738D}" destId="{1DC10AE1-4929-4B55-A688-C70A646FA12F}" srcOrd="0" destOrd="0" presId="urn:microsoft.com/office/officeart/2005/8/layout/hList1"/>
+    <dgm:cxn modelId="{1602307F-F5CE-4EE3-8C0D-CCE3B0BF6B85}" type="presOf" srcId="{EDE1371B-F13F-4A60-9C71-C9674634C493}" destId="{BACEBB25-2A32-4633-A8AA-43030F652DE8}" srcOrd="0" destOrd="1" presId="urn:microsoft.com/office/officeart/2005/8/layout/hList1"/>
+    <dgm:cxn modelId="{2478958D-4ED5-41C7-A7EC-CF4141C98EF9}" srcId="{01B79AF0-D00A-4481-ABCC-79C23BE0D981}" destId="{9B106930-F9A0-4ACD-94B0-354CD1332042}" srcOrd="4" destOrd="0" parTransId="{BA70B5A5-EAF6-48E2-86F6-2C4A920D5101}" sibTransId="{2667EBCA-636F-47C1-AD35-7BF51507062A}"/>
+    <dgm:cxn modelId="{0C8EC091-5D95-41A4-8DC2-33232EC0373B}" srcId="{74EA25D4-C666-430E-B926-BC3E0A898030}" destId="{31DF8B81-89DE-4067-8DCB-2E730ECA86DF}" srcOrd="1" destOrd="0" parTransId="{662DCB60-3B82-4FFE-A5B4-BC89BE80ECA3}" sibTransId="{D954A0D9-450C-469C-AF55-29F51DDD5128}"/>
+    <dgm:cxn modelId="{580742A4-3137-4180-B3F3-FA045BF44957}" type="presOf" srcId="{6F1981E5-7B90-4815-8E6C-BF76A61A82B2}" destId="{5C57C7EB-478D-4F11-B65D-9016B386C608}" srcOrd="0" destOrd="2" presId="urn:microsoft.com/office/officeart/2005/8/layout/hList1"/>
+    <dgm:cxn modelId="{19A3B6A4-702D-4113-814B-C7071F372D14}" srcId="{01B79AF0-D00A-4481-ABCC-79C23BE0D981}" destId="{6F1981E5-7B90-4815-8E6C-BF76A61A82B2}" srcOrd="2" destOrd="0" parTransId="{87B2FC2E-2E60-40C3-9AAF-406CCAE2343C}" sibTransId="{89AF6B90-77B0-4D3A-9A44-7397E4D3247F}"/>
+    <dgm:cxn modelId="{088707AA-6FB9-4E82-9DAA-6C6EFEA52DF5}" srcId="{74EA25D4-C666-430E-B926-BC3E0A898030}" destId="{CCA12CF6-7908-4C4A-965E-EC2EF51D4C2F}" srcOrd="2" destOrd="0" parTransId="{9B7EE822-1EF4-4903-873D-D3C4DEFB1AFE}" sibTransId="{811ADBE4-0AF4-4688-8DB2-9E9770203515}"/>
+    <dgm:cxn modelId="{1E6162AA-C1ED-461B-A597-010485464D3D}" type="presOf" srcId="{61E6867C-D57D-4FA9-AD02-151D6C921832}" destId="{BACEBB25-2A32-4633-A8AA-43030F652DE8}" srcOrd="0" destOrd="2" presId="urn:microsoft.com/office/officeart/2005/8/layout/hList1"/>
+    <dgm:cxn modelId="{BC0227BA-064E-4EDC-AD21-E6C366D45ABC}" srcId="{01B79AF0-D00A-4481-ABCC-79C23BE0D981}" destId="{2CD701B0-71C1-4D71-95C4-995D1C9DF881}" srcOrd="0" destOrd="0" parTransId="{3F0229C3-B135-41E0-9224-B7C186F1C3E3}" sibTransId="{EC10A725-9EE8-4060-B39F-2179338B7D1D}"/>
+    <dgm:cxn modelId="{0E249FD3-059E-4478-9409-141F9D7F9E7E}" srcId="{A583D8F7-0B58-43A8-AE34-32594DE1738D}" destId="{74EA25D4-C666-430E-B926-BC3E0A898030}" srcOrd="2" destOrd="0" parTransId="{11335F3B-32C2-4D5B-8FAA-0554439FBEBD}" sibTransId="{9998D001-06E5-4323-9A95-FF39D5528DEE}"/>
+    <dgm:cxn modelId="{450551D4-3D17-4750-A91B-523CE93837B9}" srcId="{74EA25D4-C666-430E-B926-BC3E0A898030}" destId="{2707F35C-DC5B-4282-A2F4-CBE82FD923AA}" srcOrd="0" destOrd="0" parTransId="{A3E77A82-9321-40D7-B79F-2EA2E6B6A06B}" sibTransId="{57276838-1112-4D51-9573-EE3033637F26}"/>
+    <dgm:cxn modelId="{6B3BF5DA-A6A6-4B18-B7D5-419100712960}" type="presOf" srcId="{CCA12CF6-7908-4C4A-965E-EC2EF51D4C2F}" destId="{4712BD07-C9A8-4BD1-BC67-16B85061F7C6}" srcOrd="0" destOrd="2" presId="urn:microsoft.com/office/officeart/2005/8/layout/hList1"/>
+    <dgm:cxn modelId="{0F695CDB-12E7-48CA-965B-64AE8B41369D}" srcId="{A583D8F7-0B58-43A8-AE34-32594DE1738D}" destId="{01B79AF0-D00A-4481-ABCC-79C23BE0D981}" srcOrd="1" destOrd="0" parTransId="{07E99DBE-D7FD-43AE-9C8C-77E6706F4E8E}" sibTransId="{D16F71D4-2CFD-4775-9558-5062AC2957B6}"/>
+    <dgm:cxn modelId="{F412ABE1-9B18-4BE0-8F66-11F109A8A458}" type="presOf" srcId="{E751CBEA-6A28-4628-AEF9-A836469D1860}" destId="{BACEBB25-2A32-4633-A8AA-43030F652DE8}" srcOrd="0" destOrd="0" presId="urn:microsoft.com/office/officeart/2005/8/layout/hList1"/>
+    <dgm:cxn modelId="{96775FE5-9F1C-4C21-BA02-7346D43AA1DF}" type="presOf" srcId="{9B106930-F9A0-4ACD-94B0-354CD1332042}" destId="{5C57C7EB-478D-4F11-B65D-9016B386C608}" srcOrd="0" destOrd="4" presId="urn:microsoft.com/office/officeart/2005/8/layout/hList1"/>
+    <dgm:cxn modelId="{C21650EA-5369-4E61-9791-85EAF903BCDE}" type="presOf" srcId="{D34A97D6-7F64-43FE-9E71-292031C611FD}" destId="{BF71F41E-FDAD-4835-B53A-D7D076DE9B55}" srcOrd="0" destOrd="0" presId="urn:microsoft.com/office/officeart/2005/8/layout/hList1"/>
+    <dgm:cxn modelId="{53EC39F6-2AC4-4807-9BB3-E929B79F3C91}" type="presOf" srcId="{2707F35C-DC5B-4282-A2F4-CBE82FD923AA}" destId="{4712BD07-C9A8-4BD1-BC67-16B85061F7C6}" srcOrd="0" destOrd="0" presId="urn:microsoft.com/office/officeart/2005/8/layout/hList1"/>
+    <dgm:cxn modelId="{DB88D6F8-30BA-43CA-933D-B6BCA7383DE5}" type="presOf" srcId="{2CD701B0-71C1-4D71-95C4-995D1C9DF881}" destId="{5C57C7EB-478D-4F11-B65D-9016B386C608}" srcOrd="0" destOrd="0" presId="urn:microsoft.com/office/officeart/2005/8/layout/hList1"/>
+    <dgm:cxn modelId="{299F5BFA-29AA-4C44-B916-9E84482E6704}" srcId="{01B79AF0-D00A-4481-ABCC-79C23BE0D981}" destId="{3F80C23F-E2DE-4C99-9A06-83F8F9D715DA}" srcOrd="3" destOrd="0" parTransId="{60A3FCDC-F83F-4963-9AE4-E6BAFCDC11FE}" sibTransId="{FBD137B2-BE6C-4943-BF43-7A17BCAED9B4}"/>
+    <dgm:cxn modelId="{89D008FF-C54E-413D-B2D4-DC47714A05E7}" srcId="{01B79AF0-D00A-4481-ABCC-79C23BE0D981}" destId="{043CC71B-7C00-494D-A263-6E5A70EBDA9B}" srcOrd="1" destOrd="0" parTransId="{15C4891C-23A1-4994-AA2A-3C6D150ABE4F}" sibTransId="{7AFE70C5-9A12-459E-8F23-C950182721A2}"/>
+    <dgm:cxn modelId="{E495D7E7-32C5-4BFA-8F37-903A02AB2420}" type="presParOf" srcId="{1DC10AE1-4929-4B55-A688-C70A646FA12F}" destId="{CFC90301-E9B8-4845-8F08-1928664237F1}" srcOrd="0" destOrd="0" presId="urn:microsoft.com/office/officeart/2005/8/layout/hList1"/>
+    <dgm:cxn modelId="{9F40BC19-451C-4F59-8208-108847F6817F}" type="presParOf" srcId="{CFC90301-E9B8-4845-8F08-1928664237F1}" destId="{BF71F41E-FDAD-4835-B53A-D7D076DE9B55}" srcOrd="0" destOrd="0" presId="urn:microsoft.com/office/officeart/2005/8/layout/hList1"/>
+    <dgm:cxn modelId="{1AB0A84F-C152-480B-AFB3-C03B7A31467F}" type="presParOf" srcId="{CFC90301-E9B8-4845-8F08-1928664237F1}" destId="{BACEBB25-2A32-4633-A8AA-43030F652DE8}" srcOrd="1" destOrd="0" presId="urn:microsoft.com/office/officeart/2005/8/layout/hList1"/>
+    <dgm:cxn modelId="{60434B85-44E5-49AC-BFC8-21B7213C64CE}" type="presParOf" srcId="{1DC10AE1-4929-4B55-A688-C70A646FA12F}" destId="{42226DCF-5CA9-4E6C-9976-498583A02B04}" srcOrd="1" destOrd="0" presId="urn:microsoft.com/office/officeart/2005/8/layout/hList1"/>
+    <dgm:cxn modelId="{965A154A-4A09-4D0A-BCF8-A1038C013CB9}" type="presParOf" srcId="{1DC10AE1-4929-4B55-A688-C70A646FA12F}" destId="{5B8EA8DA-6AF3-4B35-9CB6-493EE3A4342D}" srcOrd="2" destOrd="0" presId="urn:microsoft.com/office/officeart/2005/8/layout/hList1"/>
+    <dgm:cxn modelId="{EA236DE1-2EEB-45FC-B93C-0FDECE74E37E}" type="presParOf" srcId="{5B8EA8DA-6AF3-4B35-9CB6-493EE3A4342D}" destId="{01534658-91BB-4C44-9424-637822D3A9D0}" srcOrd="0" destOrd="0" presId="urn:microsoft.com/office/officeart/2005/8/layout/hList1"/>
+    <dgm:cxn modelId="{A727F883-7F94-4E51-AF9C-816161103DF7}" type="presParOf" srcId="{5B8EA8DA-6AF3-4B35-9CB6-493EE3A4342D}" destId="{5C57C7EB-478D-4F11-B65D-9016B386C608}" srcOrd="1" destOrd="0" presId="urn:microsoft.com/office/officeart/2005/8/layout/hList1"/>
+    <dgm:cxn modelId="{8FAA5DAE-6332-4E44-AC55-0C473AA7DCFD}" type="presParOf" srcId="{1DC10AE1-4929-4B55-A688-C70A646FA12F}" destId="{5DDA0361-204B-4BE7-A2D8-346D0289ED84}" srcOrd="3" destOrd="0" presId="urn:microsoft.com/office/officeart/2005/8/layout/hList1"/>
+    <dgm:cxn modelId="{67B8133B-457A-44A2-93B5-D1131F3FEC30}" type="presParOf" srcId="{1DC10AE1-4929-4B55-A688-C70A646FA12F}" destId="{EF4FFBCE-CD71-4DD0-9BE9-E789E139D903}" srcOrd="4" destOrd="0" presId="urn:microsoft.com/office/officeart/2005/8/layout/hList1"/>
+    <dgm:cxn modelId="{8D7ADB92-B737-401F-86B5-1A19681E384D}" type="presParOf" srcId="{EF4FFBCE-CD71-4DD0-9BE9-E789E139D903}" destId="{228970AD-4D95-42F2-B737-33364C2CB3CE}" srcOrd="0" destOrd="0" presId="urn:microsoft.com/office/officeart/2005/8/layout/hList1"/>
+    <dgm:cxn modelId="{80F522C1-17EC-4B1B-9725-01D17D9286D3}" type="presParOf" srcId="{EF4FFBCE-CD71-4DD0-9BE9-E789E139D903}" destId="{4712BD07-C9A8-4BD1-BC67-16B85061F7C6}" srcOrd="1" destOrd="0" presId="urn:microsoft.com/office/officeart/2005/8/layout/hList1"/>
+  </dgm:cxnLst>
+  <dgm:bg/>
+  <dgm:whole/>
+  <dgm:extLst>
+    <a:ext uri="http://schemas.microsoft.com/office/drawing/2008/diagram">
+      <dsp:dataModelExt xmlns:dsp="http://schemas.microsoft.com/office/drawing/2008/diagram" relId="rId6" minVer="http://schemas.openxmlformats.org/drawingml/2006/diagram"/>
+    </a:ext>
+  </dgm:extLst>
+</dgm:dataModel>
+</file>
+
+<file path=ppt/diagrams/data4.xml><?xml version="1.0" encoding="utf-8"?>
+<dgm:dataModel xmlns:dgm="http://schemas.openxmlformats.org/drawingml/2006/diagram" xmlns:a="http://schemas.openxmlformats.org/drawingml/2006/main">
+  <dgm:ptLst>
+    <dgm:pt modelId="{A583D8F7-0B58-43A8-AE34-32594DE1738D}" type="doc">
+      <dgm:prSet loTypeId="urn:microsoft.com/office/officeart/2005/8/layout/hList1" loCatId="list" qsTypeId="urn:microsoft.com/office/officeart/2005/8/quickstyle/simple4" qsCatId="simple" csTypeId="urn:microsoft.com/office/officeart/2005/8/colors/colorful2" csCatId="colorful" phldr="1"/>
+      <dgm:spPr/>
+      <dgm:t>
+        <a:bodyPr/>
+        <a:lstStyle/>
+        <a:p>
+          <a:endParaRPr lang="en-US"/>
+        </a:p>
+      </dgm:t>
+    </dgm:pt>
+    <dgm:pt modelId="{D34A97D6-7F64-43FE-9E71-292031C611FD}">
+      <dgm:prSet/>
+      <dgm:spPr/>
+      <dgm:t>
+        <a:bodyPr/>
+        <a:lstStyle/>
+        <a:p>
+          <a:r>
+            <a:rPr lang="en-US" b="1" dirty="0"/>
+            <a:t>Learn Actions</a:t>
+          </a:r>
+        </a:p>
+      </dgm:t>
+    </dgm:pt>
+    <dgm:pt modelId="{473821D3-ED3B-4654-AD09-B5F3478C5F12}" type="parTrans" cxnId="{F8CDE900-66E2-43D8-9B26-F46263F82DC3}">
+      <dgm:prSet/>
+      <dgm:spPr/>
+      <dgm:t>
+        <a:bodyPr/>
+        <a:lstStyle/>
+        <a:p>
+          <a:endParaRPr lang="en-US"/>
+        </a:p>
+      </dgm:t>
+    </dgm:pt>
+    <dgm:pt modelId="{5F5526E9-ADF1-4E64-835D-D75224265BC3}" type="sibTrans" cxnId="{F8CDE900-66E2-43D8-9B26-F46263F82DC3}">
+      <dgm:prSet/>
+      <dgm:spPr/>
+      <dgm:t>
+        <a:bodyPr/>
+        <a:lstStyle/>
+        <a:p>
+          <a:endParaRPr lang="en-US"/>
+        </a:p>
+      </dgm:t>
+    </dgm:pt>
+    <dgm:pt modelId="{01B79AF0-D00A-4481-ABCC-79C23BE0D981}">
+      <dgm:prSet/>
+      <dgm:spPr/>
+      <dgm:t>
+        <a:bodyPr/>
+        <a:lstStyle/>
+        <a:p>
+          <a:r>
+            <a:rPr lang="en-US" b="1" dirty="0"/>
+            <a:t>Learn Heuristics</a:t>
+          </a:r>
+        </a:p>
+      </dgm:t>
+    </dgm:pt>
+    <dgm:pt modelId="{07E99DBE-D7FD-43AE-9C8C-77E6706F4E8E}" type="parTrans" cxnId="{0F695CDB-12E7-48CA-965B-64AE8B41369D}">
+      <dgm:prSet/>
+      <dgm:spPr/>
+      <dgm:t>
+        <a:bodyPr/>
+        <a:lstStyle/>
+        <a:p>
+          <a:endParaRPr lang="en-US"/>
+        </a:p>
+      </dgm:t>
+    </dgm:pt>
+    <dgm:pt modelId="{D16F71D4-2CFD-4775-9558-5062AC2957B6}" type="sibTrans" cxnId="{0F695CDB-12E7-48CA-965B-64AE8B41369D}">
+      <dgm:prSet/>
+      <dgm:spPr/>
+      <dgm:t>
+        <a:bodyPr/>
+        <a:lstStyle/>
+        <a:p>
+          <a:endParaRPr lang="en-US"/>
+        </a:p>
+      </dgm:t>
+    </dgm:pt>
+    <dgm:pt modelId="{74EA25D4-C666-430E-B926-BC3E0A898030}">
+      <dgm:prSet/>
+      <dgm:spPr/>
+      <dgm:t>
+        <a:bodyPr/>
+        <a:lstStyle/>
+        <a:p>
+          <a:r>
+            <a:rPr lang="en-US" b="1" dirty="0"/>
+            <a:t>Perception</a:t>
+          </a:r>
+          <a:r>
+            <a:rPr lang="en-US" dirty="0"/>
+            <a:t> </a:t>
+          </a:r>
+        </a:p>
+      </dgm:t>
+    </dgm:pt>
+    <dgm:pt modelId="{11335F3B-32C2-4D5B-8FAA-0554439FBEBD}" type="parTrans" cxnId="{0E249FD3-059E-4478-9409-141F9D7F9E7E}">
+      <dgm:prSet/>
+      <dgm:spPr/>
+      <dgm:t>
+        <a:bodyPr/>
+        <a:lstStyle/>
+        <a:p>
+          <a:endParaRPr lang="en-US"/>
+        </a:p>
+      </dgm:t>
+    </dgm:pt>
+    <dgm:pt modelId="{9998D001-06E5-4323-9A95-FF39D5528DEE}" type="sibTrans" cxnId="{0E249FD3-059E-4478-9409-141F9D7F9E7E}">
+      <dgm:prSet/>
+      <dgm:spPr/>
+      <dgm:t>
+        <a:bodyPr/>
+        <a:lstStyle/>
+        <a:p>
+          <a:endParaRPr lang="en-US"/>
+        </a:p>
+      </dgm:t>
+    </dgm:pt>
+    <dgm:pt modelId="{2707F35C-DC5B-4282-A2F4-CBE82FD923AA}">
+      <dgm:prSet/>
+      <dgm:spPr/>
+      <dgm:t>
+        <a:bodyPr/>
+        <a:lstStyle/>
+        <a:p>
+          <a:r>
+            <a:rPr lang="en-US" b="1" dirty="0"/>
+            <a:t>Natural language processing: </a:t>
+          </a:r>
+          <a:r>
+            <a:rPr lang="en-US" dirty="0"/>
+            <a:t>Use deep learning / word embeddings / language models to understand concepts, translate between languages, or generate text.</a:t>
+          </a:r>
+        </a:p>
+      </dgm:t>
+    </dgm:pt>
+    <dgm:pt modelId="{A3E77A82-9321-40D7-B79F-2EA2E6B6A06B}" type="parTrans" cxnId="{450551D4-3D17-4750-A91B-523CE93837B9}">
+      <dgm:prSet/>
+      <dgm:spPr/>
+      <dgm:t>
+        <a:bodyPr/>
+        <a:lstStyle/>
+        <a:p>
+          <a:endParaRPr lang="en-US"/>
+        </a:p>
+      </dgm:t>
+    </dgm:pt>
+    <dgm:pt modelId="{57276838-1112-4D51-9573-EE3033637F26}" type="sibTrans" cxnId="{450551D4-3D17-4750-A91B-523CE93837B9}">
+      <dgm:prSet/>
+      <dgm:spPr/>
+      <dgm:t>
+        <a:bodyPr/>
+        <a:lstStyle/>
+        <a:p>
+          <a:endParaRPr lang="en-US"/>
+        </a:p>
+      </dgm:t>
+    </dgm:pt>
+    <dgm:pt modelId="{31DF8B81-89DE-4067-8DCB-2E730ECA86DF}">
+      <dgm:prSet/>
+      <dgm:spPr/>
+      <dgm:t>
+        <a:bodyPr/>
+        <a:lstStyle/>
+        <a:p>
+          <a:r>
+            <a:rPr lang="en-US" dirty="0"/>
+            <a:t>Speech recognition: Identify the most likely sequence of words. </a:t>
+          </a:r>
+        </a:p>
+      </dgm:t>
+    </dgm:pt>
+    <dgm:pt modelId="{662DCB60-3B82-4FFE-A5B4-BC89BE80ECA3}" type="parTrans" cxnId="{0C8EC091-5D95-41A4-8DC2-33232EC0373B}">
+      <dgm:prSet/>
+      <dgm:spPr/>
+      <dgm:t>
+        <a:bodyPr/>
+        <a:lstStyle/>
+        <a:p>
+          <a:endParaRPr lang="en-US"/>
+        </a:p>
+      </dgm:t>
+    </dgm:pt>
+    <dgm:pt modelId="{D954A0D9-450C-469C-AF55-29F51DDD5128}" type="sibTrans" cxnId="{0C8EC091-5D95-41A4-8DC2-33232EC0373B}">
+      <dgm:prSet/>
+      <dgm:spPr/>
+      <dgm:t>
+        <a:bodyPr/>
+        <a:lstStyle/>
+        <a:p>
+          <a:endParaRPr lang="en-US"/>
+        </a:p>
+      </dgm:t>
+    </dgm:pt>
+    <dgm:pt modelId="{CCA12CF6-7908-4C4A-965E-EC2EF51D4C2F}">
+      <dgm:prSet/>
+      <dgm:spPr/>
+      <dgm:t>
+        <a:bodyPr/>
+        <a:lstStyle/>
+        <a:p>
+          <a:r>
+            <a:rPr lang="en-US" dirty="0"/>
+            <a:t>Vision: Object recognition in images/videos. Generate images/video.</a:t>
+          </a:r>
+        </a:p>
+      </dgm:t>
+    </dgm:pt>
+    <dgm:pt modelId="{9B7EE822-1EF4-4903-873D-D3C4DEFB1AFE}" type="parTrans" cxnId="{088707AA-6FB9-4E82-9DAA-6C6EFEA52DF5}">
+      <dgm:prSet/>
+      <dgm:spPr/>
+      <dgm:t>
+        <a:bodyPr/>
+        <a:lstStyle/>
+        <a:p>
+          <a:endParaRPr lang="en-US"/>
+        </a:p>
+      </dgm:t>
+    </dgm:pt>
+    <dgm:pt modelId="{811ADBE4-0AF4-4688-8DB2-9E9770203515}" type="sibTrans" cxnId="{088707AA-6FB9-4E82-9DAA-6C6EFEA52DF5}">
+      <dgm:prSet/>
+      <dgm:spPr/>
+      <dgm:t>
+        <a:bodyPr/>
+        <a:lstStyle/>
+        <a:p>
+          <a:endParaRPr lang="en-US"/>
+        </a:p>
+      </dgm:t>
+    </dgm:pt>
+    <dgm:pt modelId="{2CD701B0-71C1-4D71-95C4-995D1C9DF881}">
+      <dgm:prSet/>
+      <dgm:spPr/>
+      <dgm:t>
+        <a:bodyPr/>
+        <a:lstStyle/>
+        <a:p>
+          <a:r>
+            <a:rPr lang="en-US" dirty="0"/>
+            <a:t>Learn evaluation functions for states. </a:t>
+          </a:r>
+        </a:p>
+      </dgm:t>
+    </dgm:pt>
+    <dgm:pt modelId="{3F0229C3-B135-41E0-9224-B7C186F1C3E3}" type="parTrans" cxnId="{BC0227BA-064E-4EDC-AD21-E6C366D45ABC}">
+      <dgm:prSet/>
+      <dgm:spPr/>
+      <dgm:t>
+        <a:bodyPr/>
+        <a:lstStyle/>
+        <a:p>
+          <a:endParaRPr lang="en-US"/>
+        </a:p>
+      </dgm:t>
+    </dgm:pt>
+    <dgm:pt modelId="{EC10A725-9EE8-4060-B39F-2179338B7D1D}" type="sibTrans" cxnId="{BC0227BA-064E-4EDC-AD21-E6C366D45ABC}">
+      <dgm:prSet/>
+      <dgm:spPr/>
+      <dgm:t>
+        <a:bodyPr/>
+        <a:lstStyle/>
+        <a:p>
+          <a:endParaRPr lang="en-US"/>
+        </a:p>
+      </dgm:t>
+    </dgm:pt>
+    <dgm:pt modelId="{E751CBEA-6A28-4628-AEF9-A836469D1860}">
+      <dgm:prSet/>
+      <dgm:spPr/>
+      <dgm:t>
+        <a:bodyPr/>
+        <a:lstStyle/>
+        <a:p>
+          <a:pPr algn="l"/>
+          <a:r>
+            <a:rPr lang="en-US" dirty="0"/>
+            <a:t>Directly learn the best action from examples. </a:t>
+          </a:r>
+          <a:br>
+            <a:rPr lang="en-US" dirty="0"/>
+          </a:br>
+          <a:endParaRPr lang="en-US" dirty="0"/>
+        </a:p>
+      </dgm:t>
+    </dgm:pt>
+    <dgm:pt modelId="{0FA1799D-D4E3-44F7-9EF0-50A0558ED64B}" type="parTrans" cxnId="{13269C61-9F1B-42C4-A1CC-14B4ACA7AC77}">
+      <dgm:prSet/>
+      <dgm:spPr/>
+      <dgm:t>
+        <a:bodyPr/>
+        <a:lstStyle/>
+        <a:p>
+          <a:endParaRPr lang="en-US"/>
+        </a:p>
+      </dgm:t>
+    </dgm:pt>
+    <dgm:pt modelId="{2877FB4F-9657-4ADC-8421-F8BED486559E}" type="sibTrans" cxnId="{13269C61-9F1B-42C4-A1CC-14B4ACA7AC77}">
+      <dgm:prSet/>
+      <dgm:spPr/>
+      <dgm:t>
+        <a:bodyPr/>
+        <a:lstStyle/>
+        <a:p>
+          <a:endParaRPr lang="en-US"/>
+        </a:p>
+      </dgm:t>
+    </dgm:pt>
+    <mc:AlternateContent xmlns:mc="http://schemas.openxmlformats.org/markup-compatibility/2006">
+      <mc:Choice xmlns:a14="http://schemas.microsoft.com/office/drawing/2010/main" Requires="a14">
         <dgm:pt modelId="{EDE1371B-F13F-4A60-9C71-C9674634C493}">
           <dgm:prSet/>
           <dgm:spPr/>
@@ -2554,7 +4954,7 @@
           </dgm:t>
         </dgm:pt>
       </mc:Choice>
-      <mc:Fallback xmlns="">
+      <mc:Fallback>
         <dgm:pt modelId="{EDE1371B-F13F-4A60-9C71-C9674634C493}">
           <dgm:prSet/>
           <dgm:spPr/>
@@ -3033,13 +5433,13 @@
   <dgm:whole/>
   <dgm:extLst>
     <a:ext uri="http://schemas.microsoft.com/office/drawing/2008/diagram">
-      <dsp:dataModelExt xmlns:dsp="http://schemas.microsoft.com/office/drawing/2008/diagram" relId="rId7" minVer="http://schemas.openxmlformats.org/drawingml/2006/diagram"/>
+      <dsp:dataModelExt xmlns:dsp="http://schemas.microsoft.com/office/drawing/2008/diagram" relId="rId6" minVer="http://schemas.openxmlformats.org/drawingml/2006/diagram"/>
     </a:ext>
   </dgm:extLst>
 </dgm:dataModel>
 </file>
 
-<file path=ppt/diagrams/data3.xml><?xml version="1.0" encoding="utf-8"?>
+<file path=ppt/diagrams/data5.xml><?xml version="1.0" encoding="utf-8"?>
 <dgm:dataModel xmlns:dgm="http://schemas.openxmlformats.org/drawingml/2006/diagram" xmlns:a="http://schemas.openxmlformats.org/drawingml/2006/main">
   <dgm:ptLst>
     <dgm:pt modelId="{A583D8F7-0B58-43A8-AE34-32594DE1738D}" type="doc">
@@ -3766,7 +6166,7 @@
   <dgm:whole/>
   <dgm:extLst>
     <a:ext uri="http://schemas.microsoft.com/office/drawing/2008/diagram">
-      <dsp:dataModelExt xmlns:dsp="http://schemas.microsoft.com/office/drawing/2008/diagram" relId="rId7" minVer="http://schemas.openxmlformats.org/drawingml/2006/diagram"/>
+      <dsp:dataModelExt xmlns:dsp="http://schemas.microsoft.com/office/drawing/2008/diagram" relId="rId6" minVer="http://schemas.openxmlformats.org/drawingml/2006/diagram"/>
     </a:ext>
   </dgm:extLst>
 </dgm:dataModel>
@@ -4182,6 +6582,855 @@
 </file>
 
 <file path=ppt/diagrams/drawing2.xml><?xml version="1.0" encoding="utf-8"?>
+<dsp:drawing xmlns:dgm="http://schemas.openxmlformats.org/drawingml/2006/diagram" xmlns:dsp="http://schemas.microsoft.com/office/drawing/2008/diagram" xmlns:a="http://schemas.openxmlformats.org/drawingml/2006/main">
+  <dsp:spTree>
+    <dsp:nvGrpSpPr>
+      <dsp:cNvPr id="0" name=""/>
+      <dsp:cNvGrpSpPr/>
+    </dsp:nvGrpSpPr>
+    <dsp:grpSpPr/>
+    <dsp:sp modelId="{BF71F41E-FDAD-4835-B53A-D7D076DE9B55}">
+      <dsp:nvSpPr>
+        <dsp:cNvPr id="0" name=""/>
+        <dsp:cNvSpPr/>
+      </dsp:nvSpPr>
+      <dsp:spPr>
+        <a:xfrm>
+          <a:off x="3286" y="231124"/>
+          <a:ext cx="3203971" cy="518400"/>
+        </a:xfrm>
+        <a:prstGeom prst="rect">
+          <a:avLst/>
+        </a:prstGeom>
+        <a:gradFill rotWithShape="0">
+          <a:gsLst>
+            <a:gs pos="0">
+              <a:schemeClr val="accent2">
+                <a:hueOff val="0"/>
+                <a:satOff val="0"/>
+                <a:lumOff val="0"/>
+                <a:alphaOff val="0"/>
+                <a:satMod val="103000"/>
+                <a:lumMod val="102000"/>
+                <a:tint val="94000"/>
+              </a:schemeClr>
+            </a:gs>
+            <a:gs pos="50000">
+              <a:schemeClr val="accent2">
+                <a:hueOff val="0"/>
+                <a:satOff val="0"/>
+                <a:lumOff val="0"/>
+                <a:alphaOff val="0"/>
+                <a:satMod val="110000"/>
+                <a:lumMod val="100000"/>
+                <a:shade val="100000"/>
+              </a:schemeClr>
+            </a:gs>
+            <a:gs pos="100000">
+              <a:schemeClr val="accent2">
+                <a:hueOff val="0"/>
+                <a:satOff val="0"/>
+                <a:lumOff val="0"/>
+                <a:alphaOff val="0"/>
+                <a:lumMod val="99000"/>
+                <a:satMod val="120000"/>
+                <a:shade val="78000"/>
+              </a:schemeClr>
+            </a:gs>
+          </a:gsLst>
+          <a:lin ang="5400000" scaled="0"/>
+        </a:gradFill>
+        <a:ln w="6350" cap="flat" cmpd="sng" algn="ctr">
+          <a:solidFill>
+            <a:schemeClr val="accent2">
+              <a:hueOff val="0"/>
+              <a:satOff val="0"/>
+              <a:lumOff val="0"/>
+              <a:alphaOff val="0"/>
+            </a:schemeClr>
+          </a:solidFill>
+          <a:prstDash val="solid"/>
+          <a:miter lim="800000"/>
+        </a:ln>
+        <a:effectLst/>
+      </dsp:spPr>
+      <dsp:style>
+        <a:lnRef idx="1">
+          <a:scrgbClr r="0" g="0" b="0"/>
+        </a:lnRef>
+        <a:fillRef idx="3">
+          <a:scrgbClr r="0" g="0" b="0"/>
+        </a:fillRef>
+        <a:effectRef idx="2">
+          <a:scrgbClr r="0" g="0" b="0"/>
+        </a:effectRef>
+        <a:fontRef idx="minor">
+          <a:schemeClr val="lt1"/>
+        </a:fontRef>
+      </dsp:style>
+      <dsp:txBody>
+        <a:bodyPr spcFirstLastPara="0" vert="horz" wrap="square" lIns="128016" tIns="73152" rIns="128016" bIns="73152" numCol="1" spcCol="1270" anchor="ctr" anchorCtr="0">
+          <a:noAutofit/>
+        </a:bodyPr>
+        <a:lstStyle/>
+        <a:p>
+          <a:pPr marL="0" lvl="0" indent="0" algn="ctr" defTabSz="800100">
+            <a:lnSpc>
+              <a:spcPct val="90000"/>
+            </a:lnSpc>
+            <a:spcBef>
+              <a:spcPct val="0"/>
+            </a:spcBef>
+            <a:spcAft>
+              <a:spcPct val="35000"/>
+            </a:spcAft>
+            <a:buNone/>
+          </a:pPr>
+          <a:r>
+            <a:rPr lang="en-US" sz="1800" b="1" kern="1200" dirty="0"/>
+            <a:t>Learn Actions</a:t>
+          </a:r>
+        </a:p>
+      </dsp:txBody>
+      <dsp:txXfrm>
+        <a:off x="3286" y="231124"/>
+        <a:ext cx="3203971" cy="518400"/>
+      </dsp:txXfrm>
+    </dsp:sp>
+    <dsp:sp modelId="{BACEBB25-2A32-4633-A8AA-43030F652DE8}">
+      <dsp:nvSpPr>
+        <dsp:cNvPr id="0" name=""/>
+        <dsp:cNvSpPr/>
+      </dsp:nvSpPr>
+      <dsp:spPr>
+        <a:xfrm>
+          <a:off x="3286" y="749524"/>
+          <a:ext cx="3203971" cy="3370688"/>
+        </a:xfrm>
+        <a:prstGeom prst="rect">
+          <a:avLst/>
+        </a:prstGeom>
+        <a:solidFill>
+          <a:schemeClr val="accent2">
+            <a:tint val="40000"/>
+            <a:alpha val="90000"/>
+            <a:hueOff val="0"/>
+            <a:satOff val="0"/>
+            <a:lumOff val="0"/>
+            <a:alphaOff val="0"/>
+          </a:schemeClr>
+        </a:solidFill>
+        <a:ln w="6350" cap="flat" cmpd="sng" algn="ctr">
+          <a:solidFill>
+            <a:schemeClr val="accent2">
+              <a:tint val="40000"/>
+              <a:alpha val="90000"/>
+              <a:hueOff val="0"/>
+              <a:satOff val="0"/>
+              <a:lumOff val="0"/>
+              <a:alphaOff val="0"/>
+            </a:schemeClr>
+          </a:solidFill>
+          <a:prstDash val="solid"/>
+          <a:miter lim="800000"/>
+        </a:ln>
+        <a:effectLst/>
+      </dsp:spPr>
+      <dsp:style>
+        <a:lnRef idx="1">
+          <a:scrgbClr r="0" g="0" b="0"/>
+        </a:lnRef>
+        <a:fillRef idx="1">
+          <a:scrgbClr r="0" g="0" b="0"/>
+        </a:fillRef>
+        <a:effectRef idx="0">
+          <a:scrgbClr r="0" g="0" b="0"/>
+        </a:effectRef>
+        <a:fontRef idx="minor"/>
+      </dsp:style>
+      <dsp:txBody>
+        <a:bodyPr spcFirstLastPara="0" vert="horz" wrap="square" lIns="96012" tIns="96012" rIns="128016" bIns="144018" numCol="1" spcCol="1270" anchor="t" anchorCtr="0">
+          <a:noAutofit/>
+        </a:bodyPr>
+        <a:lstStyle/>
+        <a:p>
+          <a:pPr marL="171450" lvl="1" indent="-171450" algn="l" defTabSz="800100">
+            <a:lnSpc>
+              <a:spcPct val="90000"/>
+            </a:lnSpc>
+            <a:spcBef>
+              <a:spcPct val="0"/>
+            </a:spcBef>
+            <a:spcAft>
+              <a:spcPct val="15000"/>
+            </a:spcAft>
+            <a:buChar char="•"/>
+          </a:pPr>
+          <a:r>
+            <a:rPr lang="en-US" sz="1800" kern="1200" dirty="0"/>
+            <a:t>Directly learn the best action from examples. </a:t>
+          </a:r>
+          <a:br>
+            <a:rPr lang="en-US" sz="1800" kern="1200" dirty="0"/>
+          </a:br>
+          <a:endParaRPr lang="en-US" sz="1800" kern="1200" dirty="0"/>
+        </a:p>
+        <a:p>
+          <a:pPr marL="171450" lvl="1" indent="-171450" algn="ctr" defTabSz="800100">
+            <a:lnSpc>
+              <a:spcPct val="90000"/>
+            </a:lnSpc>
+            <a:spcBef>
+              <a:spcPct val="0"/>
+            </a:spcBef>
+            <a:spcAft>
+              <a:spcPct val="15000"/>
+            </a:spcAft>
+            <a:buNone/>
+          </a:pPr>
+          <a14:m xmlns:a14="http://schemas.microsoft.com/office/drawing/2010/main">
+            <m:oMath xmlns:m="http://schemas.openxmlformats.org/officeDocument/2006/math">
+              <m:r>
+                <a:rPr lang="en-US" sz="1800" b="0" i="1" kern="1200" smtClean="0">
+                  <a:latin typeface="Cambria Math" panose="02040503050406030204" pitchFamily="18" charset="0"/>
+                </a:rPr>
+                <m:t>𝑎𝑐𝑡𝑖𝑜𝑛</m:t>
+              </m:r>
+            </m:oMath>
+          </a14:m>
+          <a:r>
+            <a:rPr lang="en-US" sz="1800" kern="1200" dirty="0">
+              <a:solidFill>
+                <a:schemeClr val="bg1"/>
+              </a:solidFill>
+            </a:rPr>
+            <a:t>Example Use of ML for Intelligent Agents</a:t>
+          </a:r>
+          <a14:m xmlns:a14="http://schemas.microsoft.com/office/drawing/2010/main">
+            <m:oMath xmlns:m="http://schemas.openxmlformats.org/officeDocument/2006/math">
+              <m:r>
+                <a:rPr lang="en-US" sz="1800" b="0" i="1" kern="1200" smtClean="0">
+                  <a:latin typeface="Cambria Math" panose="02040503050406030204" pitchFamily="18" charset="0"/>
+                </a:rPr>
+                <m:t>=</m:t>
+              </m:r>
+              <m:r>
+                <a:rPr lang="en-US" sz="1800" b="0" i="1" kern="1200" smtClean="0">
+                  <a:latin typeface="Cambria Math" panose="02040503050406030204" pitchFamily="18" charset="0"/>
+                </a:rPr>
+                <m:t>h</m:t>
+              </m:r>
+              <m:r>
+                <a:rPr lang="en-US" sz="1800" b="0" i="1" kern="1200" smtClean="0">
+                  <a:latin typeface="Cambria Math" panose="02040503050406030204" pitchFamily="18" charset="0"/>
+                </a:rPr>
+                <m:t>(</m:t>
+              </m:r>
+              <m:r>
+                <a:rPr lang="en-US" sz="1800" b="0" i="1" kern="1200" smtClean="0">
+                  <a:latin typeface="Cambria Math" panose="02040503050406030204" pitchFamily="18" charset="0"/>
+                </a:rPr>
+                <m:t>𝑠𝑡𝑎𝑡𝑒</m:t>
+              </m:r>
+              <m:r>
+                <a:rPr lang="en-US" sz="1800" b="0" i="1" kern="1200" smtClean="0">
+                  <a:latin typeface="Cambria Math" panose="02040503050406030204" pitchFamily="18" charset="0"/>
+                </a:rPr>
+                <m:t>)</m:t>
+              </m:r>
+            </m:oMath>
+          </a14:m>
+          <a:endParaRPr lang="en-US" sz="1800" kern="1200" dirty="0"/>
+        </a:p>
+        <a:p>
+          <a:pPr marL="171450" lvl="1" indent="-171450" algn="ctr" defTabSz="800100">
+            <a:lnSpc>
+              <a:spcPct val="90000"/>
+            </a:lnSpc>
+            <a:spcBef>
+              <a:spcPct val="0"/>
+            </a:spcBef>
+            <a:spcAft>
+              <a:spcPct val="15000"/>
+            </a:spcAft>
+            <a:buNone/>
+          </a:pPr>
+          <a:endParaRPr lang="en-US" sz="1800" kern="1200" dirty="0"/>
+        </a:p>
+        <a:p>
+          <a:pPr marL="171450" lvl="1" indent="-171450" algn="l" defTabSz="800100">
+            <a:lnSpc>
+              <a:spcPct val="90000"/>
+            </a:lnSpc>
+            <a:spcBef>
+              <a:spcPct val="0"/>
+            </a:spcBef>
+            <a:spcAft>
+              <a:spcPct val="15000"/>
+            </a:spcAft>
+            <a:buFont typeface="Arial" panose="020B0604020202020204" pitchFamily="34" charset="0"/>
+            <a:buChar char="•"/>
+          </a:pPr>
+          <a:r>
+            <a:rPr lang="en-US" sz="1800" kern="1200" dirty="0"/>
+            <a:t>This model can also be used as a </a:t>
+          </a:r>
+          <a:r>
+            <a:rPr lang="en-US" sz="1800" b="1" kern="1200" dirty="0"/>
+            <a:t>playout policy </a:t>
+          </a:r>
+          <a:r>
+            <a:rPr lang="en-US" sz="1800" kern="1200" dirty="0"/>
+            <a:t>for Monte Carlo tree search with data from self-play. </a:t>
+          </a:r>
+        </a:p>
+      </dsp:txBody>
+      <dsp:txXfrm>
+        <a:off x="3286" y="749524"/>
+        <a:ext cx="3203971" cy="3370688"/>
+      </dsp:txXfrm>
+    </dsp:sp>
+    <dsp:sp modelId="{01534658-91BB-4C44-9424-637822D3A9D0}">
+      <dsp:nvSpPr>
+        <dsp:cNvPr id="0" name=""/>
+        <dsp:cNvSpPr/>
+      </dsp:nvSpPr>
+      <dsp:spPr>
+        <a:xfrm>
+          <a:off x="3655814" y="231124"/>
+          <a:ext cx="3203971" cy="518400"/>
+        </a:xfrm>
+        <a:prstGeom prst="rect">
+          <a:avLst/>
+        </a:prstGeom>
+        <a:gradFill rotWithShape="0">
+          <a:gsLst>
+            <a:gs pos="0">
+              <a:schemeClr val="accent2">
+                <a:hueOff val="-727682"/>
+                <a:satOff val="-41964"/>
+                <a:lumOff val="4314"/>
+                <a:alphaOff val="0"/>
+                <a:satMod val="103000"/>
+                <a:lumMod val="102000"/>
+                <a:tint val="94000"/>
+              </a:schemeClr>
+            </a:gs>
+            <a:gs pos="50000">
+              <a:schemeClr val="accent2">
+                <a:hueOff val="-727682"/>
+                <a:satOff val="-41964"/>
+                <a:lumOff val="4314"/>
+                <a:alphaOff val="0"/>
+                <a:satMod val="110000"/>
+                <a:lumMod val="100000"/>
+                <a:shade val="100000"/>
+              </a:schemeClr>
+            </a:gs>
+            <a:gs pos="100000">
+              <a:schemeClr val="accent2">
+                <a:hueOff val="-727682"/>
+                <a:satOff val="-41964"/>
+                <a:lumOff val="4314"/>
+                <a:alphaOff val="0"/>
+                <a:lumMod val="99000"/>
+                <a:satMod val="120000"/>
+                <a:shade val="78000"/>
+              </a:schemeClr>
+            </a:gs>
+          </a:gsLst>
+          <a:lin ang="5400000" scaled="0"/>
+        </a:gradFill>
+        <a:ln w="6350" cap="flat" cmpd="sng" algn="ctr">
+          <a:solidFill>
+            <a:schemeClr val="accent2">
+              <a:hueOff val="-727682"/>
+              <a:satOff val="-41964"/>
+              <a:lumOff val="4314"/>
+              <a:alphaOff val="0"/>
+            </a:schemeClr>
+          </a:solidFill>
+          <a:prstDash val="solid"/>
+          <a:miter lim="800000"/>
+        </a:ln>
+        <a:effectLst/>
+      </dsp:spPr>
+      <dsp:style>
+        <a:lnRef idx="1">
+          <a:scrgbClr r="0" g="0" b="0"/>
+        </a:lnRef>
+        <a:fillRef idx="3">
+          <a:scrgbClr r="0" g="0" b="0"/>
+        </a:fillRef>
+        <a:effectRef idx="2">
+          <a:scrgbClr r="0" g="0" b="0"/>
+        </a:effectRef>
+        <a:fontRef idx="minor">
+          <a:schemeClr val="lt1"/>
+        </a:fontRef>
+      </dsp:style>
+      <dsp:txBody>
+        <a:bodyPr spcFirstLastPara="0" vert="horz" wrap="square" lIns="128016" tIns="73152" rIns="128016" bIns="73152" numCol="1" spcCol="1270" anchor="ctr" anchorCtr="0">
+          <a:noAutofit/>
+        </a:bodyPr>
+        <a:lstStyle/>
+        <a:p>
+          <a:pPr marL="0" lvl="0" indent="0" algn="ctr" defTabSz="800100">
+            <a:lnSpc>
+              <a:spcPct val="90000"/>
+            </a:lnSpc>
+            <a:spcBef>
+              <a:spcPct val="0"/>
+            </a:spcBef>
+            <a:spcAft>
+              <a:spcPct val="35000"/>
+            </a:spcAft>
+            <a:buNone/>
+          </a:pPr>
+          <a:r>
+            <a:rPr lang="en-US" sz="1800" b="1" kern="1200" dirty="0"/>
+            <a:t>Learn Heuristics</a:t>
+          </a:r>
+        </a:p>
+      </dsp:txBody>
+      <dsp:txXfrm>
+        <a:off x="3655814" y="231124"/>
+        <a:ext cx="3203971" cy="518400"/>
+      </dsp:txXfrm>
+    </dsp:sp>
+    <dsp:sp modelId="{5C57C7EB-478D-4F11-B65D-9016B386C608}">
+      <dsp:nvSpPr>
+        <dsp:cNvPr id="0" name=""/>
+        <dsp:cNvSpPr/>
+      </dsp:nvSpPr>
+      <dsp:spPr>
+        <a:xfrm>
+          <a:off x="3655814" y="749524"/>
+          <a:ext cx="3203971" cy="3370688"/>
+        </a:xfrm>
+        <a:prstGeom prst="rect">
+          <a:avLst/>
+        </a:prstGeom>
+        <a:solidFill>
+          <a:schemeClr val="accent2">
+            <a:tint val="40000"/>
+            <a:alpha val="90000"/>
+            <a:hueOff val="-424613"/>
+            <a:satOff val="-37673"/>
+            <a:lumOff val="-385"/>
+            <a:alphaOff val="0"/>
+          </a:schemeClr>
+        </a:solidFill>
+        <a:ln w="6350" cap="flat" cmpd="sng" algn="ctr">
+          <a:solidFill>
+            <a:schemeClr val="accent2">
+              <a:tint val="40000"/>
+              <a:alpha val="90000"/>
+              <a:hueOff val="-424613"/>
+              <a:satOff val="-37673"/>
+              <a:lumOff val="-385"/>
+              <a:alphaOff val="0"/>
+            </a:schemeClr>
+          </a:solidFill>
+          <a:prstDash val="solid"/>
+          <a:miter lim="800000"/>
+        </a:ln>
+        <a:effectLst/>
+      </dsp:spPr>
+      <dsp:style>
+        <a:lnRef idx="1">
+          <a:scrgbClr r="0" g="0" b="0"/>
+        </a:lnRef>
+        <a:fillRef idx="1">
+          <a:scrgbClr r="0" g="0" b="0"/>
+        </a:fillRef>
+        <a:effectRef idx="0">
+          <a:scrgbClr r="0" g="0" b="0"/>
+        </a:effectRef>
+        <a:fontRef idx="minor"/>
+      </dsp:style>
+      <dsp:txBody>
+        <a:bodyPr spcFirstLastPara="0" vert="horz" wrap="square" lIns="96012" tIns="96012" rIns="128016" bIns="144018" numCol="1" spcCol="1270" anchor="t" anchorCtr="0">
+          <a:noAutofit/>
+        </a:bodyPr>
+        <a:lstStyle/>
+        <a:p>
+          <a:pPr marL="171450" lvl="1" indent="-171450" algn="l" defTabSz="800100">
+            <a:lnSpc>
+              <a:spcPct val="90000"/>
+            </a:lnSpc>
+            <a:spcBef>
+              <a:spcPct val="0"/>
+            </a:spcBef>
+            <a:spcAft>
+              <a:spcPct val="15000"/>
+            </a:spcAft>
+            <a:buChar char="•"/>
+          </a:pPr>
+          <a:r>
+            <a:rPr lang="en-US" sz="1800" kern="1200" dirty="0"/>
+            <a:t>Learn evaluation functions for states. </a:t>
+          </a:r>
+        </a:p>
+        <a:p>
+          <a:pPr marL="171450" lvl="1" indent="-171450" algn="l" defTabSz="800100">
+            <a:lnSpc>
+              <a:spcPct val="90000"/>
+            </a:lnSpc>
+            <a:spcBef>
+              <a:spcPct val="0"/>
+            </a:spcBef>
+            <a:spcAft>
+              <a:spcPct val="15000"/>
+            </a:spcAft>
+            <a:buChar char="•"/>
+          </a:pPr>
+          <a:endParaRPr lang="en-US" sz="1800" kern="1200" dirty="0"/>
+        </a:p>
+        <a:p>
+          <a:pPr marL="171450" lvl="1" indent="-171450" algn="l" defTabSz="800100">
+            <a:lnSpc>
+              <a:spcPct val="90000"/>
+            </a:lnSpc>
+            <a:spcBef>
+              <a:spcPct val="0"/>
+            </a:spcBef>
+            <a:spcAft>
+              <a:spcPct val="15000"/>
+            </a:spcAft>
+            <a:buNone/>
+          </a:pPr>
+          <a14:m xmlns:a14="http://schemas.microsoft.com/office/drawing/2010/main">
+            <m:oMathPara xmlns:m="http://schemas.openxmlformats.org/officeDocument/2006/math">
+              <m:oMathParaPr>
+                <m:jc m:val="centerGroup"/>
+              </m:oMathParaPr>
+              <m:oMath xmlns:m="http://schemas.openxmlformats.org/officeDocument/2006/math">
+                <m:r>
+                  <a:rPr lang="en-US" sz="1800" b="0" i="1" kern="1200" smtClean="0">
+                    <a:latin typeface="Cambria Math" panose="02040503050406030204" pitchFamily="18" charset="0"/>
+                  </a:rPr>
+                  <m:t>𝑒𝑣𝑎𝑙</m:t>
+                </m:r>
+                <m:r>
+                  <a:rPr lang="en-US" sz="1800" b="0" i="1" kern="1200" smtClean="0">
+                    <a:latin typeface="Cambria Math" panose="02040503050406030204" pitchFamily="18" charset="0"/>
+                  </a:rPr>
+                  <m:t>=</m:t>
+                </m:r>
+                <m:r>
+                  <a:rPr lang="en-US" sz="1800" b="0" i="1" kern="1200" smtClean="0">
+                    <a:latin typeface="Cambria Math" panose="02040503050406030204" pitchFamily="18" charset="0"/>
+                  </a:rPr>
+                  <m:t>h</m:t>
+                </m:r>
+                <m:r>
+                  <a:rPr lang="en-US" sz="1800" b="0" i="1" kern="1200" smtClean="0">
+                    <a:latin typeface="Cambria Math" panose="02040503050406030204" pitchFamily="18" charset="0"/>
+                  </a:rPr>
+                  <m:t>(</m:t>
+                </m:r>
+                <m:r>
+                  <a:rPr lang="en-US" sz="1800" b="0" i="1" kern="1200" smtClean="0">
+                    <a:latin typeface="Cambria Math" panose="02040503050406030204" pitchFamily="18" charset="0"/>
+                  </a:rPr>
+                  <m:t>𝑠𝑡𝑎𝑡𝑒</m:t>
+                </m:r>
+                <m:r>
+                  <a:rPr lang="en-US" sz="1800" b="0" i="1" kern="1200" smtClean="0">
+                    <a:latin typeface="Cambria Math" panose="02040503050406030204" pitchFamily="18" charset="0"/>
+                  </a:rPr>
+                  <m:t>)</m:t>
+                </m:r>
+              </m:oMath>
+            </m:oMathPara>
+          </a14:m>
+          <a:endParaRPr lang="en-US" sz="1800" kern="1200" dirty="0"/>
+        </a:p>
+        <a:p>
+          <a:pPr marL="171450" lvl="1" indent="-171450" algn="l" defTabSz="800100">
+            <a:lnSpc>
+              <a:spcPct val="90000"/>
+            </a:lnSpc>
+            <a:spcBef>
+              <a:spcPct val="0"/>
+            </a:spcBef>
+            <a:spcAft>
+              <a:spcPct val="15000"/>
+            </a:spcAft>
+            <a:buChar char="•"/>
+          </a:pPr>
+          <a:endParaRPr lang="en-US" sz="1800" kern="1200" dirty="0"/>
+        </a:p>
+        <a:p>
+          <a:pPr marL="171450" lvl="1" indent="-171450" algn="l" defTabSz="800100">
+            <a:lnSpc>
+              <a:spcPct val="90000"/>
+            </a:lnSpc>
+            <a:spcBef>
+              <a:spcPct val="0"/>
+            </a:spcBef>
+            <a:spcAft>
+              <a:spcPct val="15000"/>
+            </a:spcAft>
+            <a:buChar char="•"/>
+          </a:pPr>
+          <a:r>
+            <a:rPr lang="en-US" sz="1800" kern="1200" dirty="0"/>
+            <a:t>Can learn a </a:t>
+          </a:r>
+          <a:r>
+            <a:rPr lang="en-US" sz="1800" b="1" kern="1200" dirty="0"/>
+            <a:t>heuristic</a:t>
+          </a:r>
+          <a:r>
+            <a:rPr lang="en-US" sz="1800" kern="1200" dirty="0"/>
+            <a:t> for minimax search from examples. </a:t>
+          </a:r>
+        </a:p>
+      </dsp:txBody>
+      <dsp:txXfrm>
+        <a:off x="3655814" y="749524"/>
+        <a:ext cx="3203971" cy="3370688"/>
+      </dsp:txXfrm>
+    </dsp:sp>
+    <dsp:sp modelId="{228970AD-4D95-42F2-B737-33364C2CB3CE}">
+      <dsp:nvSpPr>
+        <dsp:cNvPr id="0" name=""/>
+        <dsp:cNvSpPr/>
+      </dsp:nvSpPr>
+      <dsp:spPr>
+        <a:xfrm>
+          <a:off x="7308342" y="231124"/>
+          <a:ext cx="3203971" cy="518400"/>
+        </a:xfrm>
+        <a:prstGeom prst="rect">
+          <a:avLst/>
+        </a:prstGeom>
+        <a:gradFill rotWithShape="0">
+          <a:gsLst>
+            <a:gs pos="0">
+              <a:schemeClr val="accent2">
+                <a:hueOff val="-1455363"/>
+                <a:satOff val="-83928"/>
+                <a:lumOff val="8628"/>
+                <a:alphaOff val="0"/>
+                <a:satMod val="103000"/>
+                <a:lumMod val="102000"/>
+                <a:tint val="94000"/>
+              </a:schemeClr>
+            </a:gs>
+            <a:gs pos="50000">
+              <a:schemeClr val="accent2">
+                <a:hueOff val="-1455363"/>
+                <a:satOff val="-83928"/>
+                <a:lumOff val="8628"/>
+                <a:alphaOff val="0"/>
+                <a:satMod val="110000"/>
+                <a:lumMod val="100000"/>
+                <a:shade val="100000"/>
+              </a:schemeClr>
+            </a:gs>
+            <a:gs pos="100000">
+              <a:schemeClr val="accent2">
+                <a:hueOff val="-1455363"/>
+                <a:satOff val="-83928"/>
+                <a:lumOff val="8628"/>
+                <a:alphaOff val="0"/>
+                <a:lumMod val="99000"/>
+                <a:satMod val="120000"/>
+                <a:shade val="78000"/>
+              </a:schemeClr>
+            </a:gs>
+          </a:gsLst>
+          <a:lin ang="5400000" scaled="0"/>
+        </a:gradFill>
+        <a:ln w="6350" cap="flat" cmpd="sng" algn="ctr">
+          <a:solidFill>
+            <a:schemeClr val="accent2">
+              <a:hueOff val="-1455363"/>
+              <a:satOff val="-83928"/>
+              <a:lumOff val="8628"/>
+              <a:alphaOff val="0"/>
+            </a:schemeClr>
+          </a:solidFill>
+          <a:prstDash val="solid"/>
+          <a:miter lim="800000"/>
+        </a:ln>
+        <a:effectLst/>
+      </dsp:spPr>
+      <dsp:style>
+        <a:lnRef idx="1">
+          <a:scrgbClr r="0" g="0" b="0"/>
+        </a:lnRef>
+        <a:fillRef idx="3">
+          <a:scrgbClr r="0" g="0" b="0"/>
+        </a:fillRef>
+        <a:effectRef idx="2">
+          <a:scrgbClr r="0" g="0" b="0"/>
+        </a:effectRef>
+        <a:fontRef idx="minor">
+          <a:schemeClr val="lt1"/>
+        </a:fontRef>
+      </dsp:style>
+      <dsp:txBody>
+        <a:bodyPr spcFirstLastPara="0" vert="horz" wrap="square" lIns="128016" tIns="73152" rIns="128016" bIns="73152" numCol="1" spcCol="1270" anchor="ctr" anchorCtr="0">
+          <a:noAutofit/>
+        </a:bodyPr>
+        <a:lstStyle/>
+        <a:p>
+          <a:pPr marL="0" lvl="0" indent="0" algn="ctr" defTabSz="800100">
+            <a:lnSpc>
+              <a:spcPct val="90000"/>
+            </a:lnSpc>
+            <a:spcBef>
+              <a:spcPct val="0"/>
+            </a:spcBef>
+            <a:spcAft>
+              <a:spcPct val="35000"/>
+            </a:spcAft>
+            <a:buNone/>
+          </a:pPr>
+          <a:r>
+            <a:rPr lang="en-US" sz="1800" b="1" kern="1200" dirty="0"/>
+            <a:t>Perception</a:t>
+          </a:r>
+          <a:r>
+            <a:rPr lang="en-US" sz="1800" kern="1200" dirty="0"/>
+            <a:t> </a:t>
+          </a:r>
+        </a:p>
+      </dsp:txBody>
+      <dsp:txXfrm>
+        <a:off x="7308342" y="231124"/>
+        <a:ext cx="3203971" cy="518400"/>
+      </dsp:txXfrm>
+    </dsp:sp>
+    <dsp:sp modelId="{4712BD07-C9A8-4BD1-BC67-16B85061F7C6}">
+      <dsp:nvSpPr>
+        <dsp:cNvPr id="0" name=""/>
+        <dsp:cNvSpPr/>
+      </dsp:nvSpPr>
+      <dsp:spPr>
+        <a:xfrm>
+          <a:off x="7308342" y="749524"/>
+          <a:ext cx="3203971" cy="3370688"/>
+        </a:xfrm>
+        <a:prstGeom prst="rect">
+          <a:avLst/>
+        </a:prstGeom>
+        <a:solidFill>
+          <a:schemeClr val="accent2">
+            <a:tint val="40000"/>
+            <a:alpha val="90000"/>
+            <a:hueOff val="-849226"/>
+            <a:satOff val="-75346"/>
+            <a:lumOff val="-769"/>
+            <a:alphaOff val="0"/>
+          </a:schemeClr>
+        </a:solidFill>
+        <a:ln w="6350" cap="flat" cmpd="sng" algn="ctr">
+          <a:solidFill>
+            <a:schemeClr val="accent2">
+              <a:tint val="40000"/>
+              <a:alpha val="90000"/>
+              <a:hueOff val="-849226"/>
+              <a:satOff val="-75346"/>
+              <a:lumOff val="-769"/>
+              <a:alphaOff val="0"/>
+            </a:schemeClr>
+          </a:solidFill>
+          <a:prstDash val="solid"/>
+          <a:miter lim="800000"/>
+        </a:ln>
+        <a:effectLst/>
+      </dsp:spPr>
+      <dsp:style>
+        <a:lnRef idx="1">
+          <a:scrgbClr r="0" g="0" b="0"/>
+        </a:lnRef>
+        <a:fillRef idx="1">
+          <a:scrgbClr r="0" g="0" b="0"/>
+        </a:fillRef>
+        <a:effectRef idx="0">
+          <a:scrgbClr r="0" g="0" b="0"/>
+        </a:effectRef>
+        <a:fontRef idx="minor"/>
+      </dsp:style>
+      <dsp:txBody>
+        <a:bodyPr spcFirstLastPara="0" vert="horz" wrap="square" lIns="96012" tIns="96012" rIns="128016" bIns="144018" numCol="1" spcCol="1270" anchor="t" anchorCtr="0">
+          <a:noAutofit/>
+        </a:bodyPr>
+        <a:lstStyle/>
+        <a:p>
+          <a:pPr marL="171450" lvl="1" indent="-171450" algn="l" defTabSz="800100">
+            <a:lnSpc>
+              <a:spcPct val="90000"/>
+            </a:lnSpc>
+            <a:spcBef>
+              <a:spcPct val="0"/>
+            </a:spcBef>
+            <a:spcAft>
+              <a:spcPct val="15000"/>
+            </a:spcAft>
+            <a:buChar char="•"/>
+          </a:pPr>
+          <a:r>
+            <a:rPr lang="en-US" sz="1800" b="1" kern="1200" dirty="0"/>
+            <a:t>Natural language processing: </a:t>
+          </a:r>
+          <a:r>
+            <a:rPr lang="en-US" sz="1800" kern="1200" dirty="0"/>
+            <a:t>Use deep learning / word embeddings / language models to understand concepts, translate between languages, or generate text.</a:t>
+          </a:r>
+        </a:p>
+        <a:p>
+          <a:pPr marL="171450" lvl="1" indent="-171450" algn="l" defTabSz="800100">
+            <a:lnSpc>
+              <a:spcPct val="90000"/>
+            </a:lnSpc>
+            <a:spcBef>
+              <a:spcPct val="0"/>
+            </a:spcBef>
+            <a:spcAft>
+              <a:spcPct val="15000"/>
+            </a:spcAft>
+            <a:buChar char="•"/>
+          </a:pPr>
+          <a:r>
+            <a:rPr lang="en-US" sz="1800" kern="1200" dirty="0"/>
+            <a:t>Speech recognition: Identify the most likely sequence of words. </a:t>
+          </a:r>
+        </a:p>
+        <a:p>
+          <a:pPr marL="171450" lvl="1" indent="-171450" algn="l" defTabSz="800100">
+            <a:lnSpc>
+              <a:spcPct val="90000"/>
+            </a:lnSpc>
+            <a:spcBef>
+              <a:spcPct val="0"/>
+            </a:spcBef>
+            <a:spcAft>
+              <a:spcPct val="15000"/>
+            </a:spcAft>
+            <a:buChar char="•"/>
+          </a:pPr>
+          <a:r>
+            <a:rPr lang="en-US" sz="1800" kern="1200" dirty="0"/>
+            <a:t>Vision: Object recognition in images/videos. Generate images/video.</a:t>
+          </a:r>
+        </a:p>
+      </dsp:txBody>
+      <dsp:txXfrm>
+        <a:off x="7308342" y="749524"/>
+        <a:ext cx="3203971" cy="3370688"/>
+      </dsp:txXfrm>
+    </dsp:sp>
+  </dsp:spTree>
+</dsp:drawing>
+</file>
+
+<file path=ppt/diagrams/drawing3.xml><?xml version="1.0" encoding="utf-8"?>
 <dsp:drawing xmlns:dgm="http://schemas.openxmlformats.org/drawingml/2006/diagram" xmlns:dsp="http://schemas.microsoft.com/office/drawing/2008/diagram" xmlns:a="http://schemas.openxmlformats.org/drawingml/2006/main">
   <dsp:spTree>
     <dsp:nvGrpSpPr>
@@ -5465,6 +8714,223 @@
 </dgm:layoutDef>
 </file>
 
+<file path=ppt/diagrams/layout3.xml><?xml version="1.0" encoding="utf-8"?>
+<dgm:layoutDef xmlns:dgm="http://schemas.openxmlformats.org/drawingml/2006/diagram" xmlns:a="http://schemas.openxmlformats.org/drawingml/2006/main" uniqueId="urn:microsoft.com/office/officeart/2005/8/layout/hList1">
+  <dgm:title val=""/>
+  <dgm:desc val=""/>
+  <dgm:catLst>
+    <dgm:cat type="list" pri="5000"/>
+    <dgm:cat type="convert" pri="5000"/>
+  </dgm:catLst>
+  <dgm:sampData>
+    <dgm:dataModel>
+      <dgm:ptLst>
+        <dgm:pt modelId="0" type="doc"/>
+        <dgm:pt modelId="1">
+          <dgm:prSet phldr="1"/>
+        </dgm:pt>
+        <dgm:pt modelId="11">
+          <dgm:prSet phldr="1"/>
+        </dgm:pt>
+        <dgm:pt modelId="12">
+          <dgm:prSet phldr="1"/>
+        </dgm:pt>
+        <dgm:pt modelId="2">
+          <dgm:prSet phldr="1"/>
+        </dgm:pt>
+        <dgm:pt modelId="21">
+          <dgm:prSet phldr="1"/>
+        </dgm:pt>
+        <dgm:pt modelId="22">
+          <dgm:prSet phldr="1"/>
+        </dgm:pt>
+        <dgm:pt modelId="3">
+          <dgm:prSet phldr="1"/>
+        </dgm:pt>
+        <dgm:pt modelId="31">
+          <dgm:prSet phldr="1"/>
+        </dgm:pt>
+        <dgm:pt modelId="32">
+          <dgm:prSet phldr="1"/>
+        </dgm:pt>
+      </dgm:ptLst>
+      <dgm:cxnLst>
+        <dgm:cxn modelId="4" srcId="0" destId="1" srcOrd="0" destOrd="0"/>
+        <dgm:cxn modelId="5" srcId="0" destId="2" srcOrd="1" destOrd="0"/>
+        <dgm:cxn modelId="6" srcId="0" destId="3" srcOrd="2" destOrd="0"/>
+        <dgm:cxn modelId="13" srcId="1" destId="11" srcOrd="0" destOrd="0"/>
+        <dgm:cxn modelId="14" srcId="1" destId="12" srcOrd="1" destOrd="0"/>
+        <dgm:cxn modelId="23" srcId="2" destId="21" srcOrd="0" destOrd="0"/>
+        <dgm:cxn modelId="24" srcId="2" destId="22" srcOrd="1" destOrd="0"/>
+        <dgm:cxn modelId="33" srcId="3" destId="31" srcOrd="0" destOrd="0"/>
+        <dgm:cxn modelId="34" srcId="3" destId="32" srcOrd="1" destOrd="0"/>
+      </dgm:cxnLst>
+      <dgm:bg/>
+      <dgm:whole/>
+    </dgm:dataModel>
+  </dgm:sampData>
+  <dgm:styleData>
+    <dgm:dataModel>
+      <dgm:ptLst>
+        <dgm:pt modelId="0" type="doc"/>
+        <dgm:pt modelId="1">
+          <dgm:prSet phldr="1"/>
+        </dgm:pt>
+        <dgm:pt modelId="2">
+          <dgm:prSet phldr="1"/>
+        </dgm:pt>
+      </dgm:ptLst>
+      <dgm:cxnLst>
+        <dgm:cxn modelId="3" srcId="0" destId="1" srcOrd="0" destOrd="0"/>
+        <dgm:cxn modelId="4" srcId="0" destId="2" srcOrd="1" destOrd="0"/>
+      </dgm:cxnLst>
+      <dgm:bg/>
+      <dgm:whole/>
+    </dgm:dataModel>
+  </dgm:styleData>
+  <dgm:clrData>
+    <dgm:dataModel>
+      <dgm:ptLst>
+        <dgm:pt modelId="0" type="doc"/>
+        <dgm:pt modelId="1">
+          <dgm:prSet phldr="1"/>
+        </dgm:pt>
+        <dgm:pt modelId="2">
+          <dgm:prSet phldr="1"/>
+        </dgm:pt>
+        <dgm:pt modelId="3">
+          <dgm:prSet phldr="1"/>
+        </dgm:pt>
+        <dgm:pt modelId="4">
+          <dgm:prSet phldr="1"/>
+        </dgm:pt>
+      </dgm:ptLst>
+      <dgm:cxnLst>
+        <dgm:cxn modelId="5" srcId="0" destId="1" srcOrd="0" destOrd="0"/>
+        <dgm:cxn modelId="6" srcId="0" destId="2" srcOrd="1" destOrd="0"/>
+        <dgm:cxn modelId="7" srcId="0" destId="3" srcOrd="2" destOrd="0"/>
+        <dgm:cxn modelId="8" srcId="0" destId="4" srcOrd="3" destOrd="0"/>
+      </dgm:cxnLst>
+      <dgm:bg/>
+      <dgm:whole/>
+    </dgm:dataModel>
+  </dgm:clrData>
+  <dgm:layoutNode name="Name0">
+    <dgm:varLst>
+      <dgm:dir/>
+      <dgm:animLvl val="lvl"/>
+      <dgm:resizeHandles val="exact"/>
+    </dgm:varLst>
+    <dgm:choose name="Name1">
+      <dgm:if name="Name2" func="var" arg="dir" op="equ" val="norm">
+        <dgm:alg type="lin"/>
+      </dgm:if>
+      <dgm:else name="Name3">
+        <dgm:alg type="lin">
+          <dgm:param type="linDir" val="fromR"/>
+        </dgm:alg>
+      </dgm:else>
+    </dgm:choose>
+    <dgm:shape xmlns:r="http://schemas.openxmlformats.org/officeDocument/2006/relationships" r:blip="">
+      <dgm:adjLst/>
+    </dgm:shape>
+    <dgm:presOf/>
+    <dgm:constrLst>
+      <dgm:constr type="h" for="ch" forName="composite" refType="h"/>
+      <dgm:constr type="w" for="ch" forName="composite" refType="w"/>
+      <dgm:constr type="w" for="des" forName="parTx"/>
+      <dgm:constr type="h" for="des" forName="parTx" op="equ"/>
+      <dgm:constr type="w" for="des" forName="desTx"/>
+      <dgm:constr type="h" for="des" forName="desTx" op="equ"/>
+      <dgm:constr type="primFontSz" for="des" forName="parTx" val="65"/>
+      <dgm:constr type="secFontSz" for="des" forName="desTx" refType="primFontSz" refFor="des" refForName="parTx" op="equ"/>
+      <dgm:constr type="h" for="des" forName="parTx" refType="primFontSz" refFor="des" refForName="parTx" fact="0.8"/>
+      <dgm:constr type="h" for="des" forName="desTx" refType="primFontSz" refFor="des" refForName="parTx" fact="1.22"/>
+      <dgm:constr type="w" for="ch" forName="space" refType="w" refFor="ch" refForName="composite" op="equ" fact="0.14"/>
+    </dgm:constrLst>
+    <dgm:ruleLst>
+      <dgm:rule type="w" for="ch" forName="composite" val="0" fact="NaN" max="NaN"/>
+      <dgm:rule type="primFontSz" for="des" forName="parTx" val="5" fact="NaN" max="NaN"/>
+    </dgm:ruleLst>
+    <dgm:forEach name="Name4" axis="ch" ptType="node">
+      <dgm:layoutNode name="composite">
+        <dgm:alg type="composite"/>
+        <dgm:shape xmlns:r="http://schemas.openxmlformats.org/officeDocument/2006/relationships" r:blip="">
+          <dgm:adjLst/>
+        </dgm:shape>
+        <dgm:presOf/>
+        <dgm:constrLst>
+          <dgm:constr type="l" for="ch" forName="parTx"/>
+          <dgm:constr type="w" for="ch" forName="parTx" refType="w"/>
+          <dgm:constr type="t" for="ch" forName="parTx"/>
+          <dgm:constr type="l" for="ch" forName="desTx"/>
+          <dgm:constr type="w" for="ch" forName="desTx" refType="w" refFor="ch" refForName="parTx"/>
+          <dgm:constr type="t" for="ch" forName="desTx" refType="h" refFor="ch" refForName="parTx"/>
+        </dgm:constrLst>
+        <dgm:ruleLst>
+          <dgm:rule type="h" val="INF" fact="NaN" max="NaN"/>
+        </dgm:ruleLst>
+        <dgm:layoutNode name="parTx" styleLbl="alignNode1">
+          <dgm:varLst>
+            <dgm:chMax val="0"/>
+            <dgm:chPref val="0"/>
+            <dgm:bulletEnabled val="1"/>
+          </dgm:varLst>
+          <dgm:alg type="tx"/>
+          <dgm:shape xmlns:r="http://schemas.openxmlformats.org/officeDocument/2006/relationships" type="rect" r:blip="">
+            <dgm:adjLst/>
+          </dgm:shape>
+          <dgm:presOf axis="self" ptType="node"/>
+          <dgm:constrLst>
+            <dgm:constr type="h" refType="w" op="lte" fact="0.4"/>
+            <dgm:constr type="h"/>
+            <dgm:constr type="tMarg" refType="primFontSz" fact="0.32"/>
+            <dgm:constr type="bMarg" refType="primFontSz" fact="0.32"/>
+          </dgm:constrLst>
+          <dgm:ruleLst>
+            <dgm:rule type="h" val="INF" fact="NaN" max="NaN"/>
+          </dgm:ruleLst>
+        </dgm:layoutNode>
+        <dgm:layoutNode name="desTx" styleLbl="alignAccFollowNode1">
+          <dgm:varLst>
+            <dgm:bulletEnabled val="1"/>
+          </dgm:varLst>
+          <dgm:alg type="tx">
+            <dgm:param type="stBulletLvl" val="1"/>
+          </dgm:alg>
+          <dgm:shape xmlns:r="http://schemas.openxmlformats.org/officeDocument/2006/relationships" type="rect" r:blip="">
+            <dgm:adjLst/>
+          </dgm:shape>
+          <dgm:presOf axis="des" ptType="node"/>
+          <dgm:constrLst>
+            <dgm:constr type="secFontSz" val="65"/>
+            <dgm:constr type="primFontSz" refType="secFontSz"/>
+            <dgm:constr type="h"/>
+            <dgm:constr type="lMarg" refType="primFontSz" fact="0.42"/>
+            <dgm:constr type="tMarg" refType="primFontSz" fact="0.42"/>
+            <dgm:constr type="bMarg" refType="primFontSz" fact="0.63"/>
+          </dgm:constrLst>
+          <dgm:ruleLst>
+            <dgm:rule type="h" val="INF" fact="NaN" max="NaN"/>
+          </dgm:ruleLst>
+        </dgm:layoutNode>
+      </dgm:layoutNode>
+      <dgm:forEach name="Name5" axis="followSib" ptType="sibTrans" cnt="1">
+        <dgm:layoutNode name="space">
+          <dgm:alg type="sp"/>
+          <dgm:shape xmlns:r="http://schemas.openxmlformats.org/officeDocument/2006/relationships" r:blip="">
+            <dgm:adjLst/>
+          </dgm:shape>
+          <dgm:presOf/>
+          <dgm:constrLst/>
+          <dgm:ruleLst/>
+        </dgm:layoutNode>
+      </dgm:forEach>
+    </dgm:forEach>
+  </dgm:layoutNode>
+</dgm:layoutDef>
+</file>
+
 <file path=ppt/diagrams/quickStyle1.xml><?xml version="1.0" encoding="utf-8"?>
 <dgm:styleDef xmlns:dgm="http://schemas.openxmlformats.org/drawingml/2006/diagram" xmlns:a="http://schemas.openxmlformats.org/drawingml/2006/main" uniqueId="urn:microsoft.com/office/officeart/2005/8/quickstyle/simple1">
   <dgm:title val=""/>
@@ -6500,6 +9966,1040 @@
 </file>
 
 <file path=ppt/diagrams/quickStyle2.xml><?xml version="1.0" encoding="utf-8"?>
+<dgm:styleDef xmlns:dgm="http://schemas.openxmlformats.org/drawingml/2006/diagram" xmlns:a="http://schemas.openxmlformats.org/drawingml/2006/main" uniqueId="urn:microsoft.com/office/officeart/2005/8/quickstyle/simple4">
+  <dgm:title val=""/>
+  <dgm:desc val=""/>
+  <dgm:catLst>
+    <dgm:cat type="simple" pri="10400"/>
+  </dgm:catLst>
+  <dgm:scene3d>
+    <a:camera prst="orthographicFront"/>
+    <a:lightRig rig="threePt" dir="t"/>
+  </dgm:scene3d>
+  <dgm:styleLbl name="node0">
+    <dgm:scene3d>
+      <a:camera prst="orthographicFront"/>
+      <a:lightRig rig="threePt" dir="t"/>
+    </dgm:scene3d>
+    <dgm:sp3d/>
+    <dgm:txPr/>
+    <dgm:style>
+      <a:lnRef idx="0">
+        <a:scrgbClr r="0" g="0" b="0"/>
+      </a:lnRef>
+      <a:fillRef idx="3">
+        <a:scrgbClr r="0" g="0" b="0"/>
+      </a:fillRef>
+      <a:effectRef idx="2">
+        <a:scrgbClr r="0" g="0" b="0"/>
+      </a:effectRef>
+      <a:fontRef idx="minor">
+        <a:schemeClr val="lt1"/>
+      </a:fontRef>
+    </dgm:style>
+  </dgm:styleLbl>
+  <dgm:styleLbl name="lnNode1">
+    <dgm:scene3d>
+      <a:camera prst="orthographicFront"/>
+      <a:lightRig rig="threePt" dir="t"/>
+    </dgm:scene3d>
+    <dgm:sp3d/>
+    <dgm:txPr/>
+    <dgm:style>
+      <a:lnRef idx="1">
+        <a:scrgbClr r="0" g="0" b="0"/>
+      </a:lnRef>
+      <a:fillRef idx="3">
+        <a:scrgbClr r="0" g="0" b="0"/>
+      </a:fillRef>
+      <a:effectRef idx="2">
+        <a:scrgbClr r="0" g="0" b="0"/>
+      </a:effectRef>
+      <a:fontRef idx="minor">
+        <a:schemeClr val="lt1"/>
+      </a:fontRef>
+    </dgm:style>
+  </dgm:styleLbl>
+  <dgm:styleLbl name="vennNode1">
+    <dgm:scene3d>
+      <a:camera prst="orthographicFront"/>
+      <a:lightRig rig="threePt" dir="t"/>
+    </dgm:scene3d>
+    <dgm:sp3d/>
+    <dgm:txPr/>
+    <dgm:style>
+      <a:lnRef idx="0">
+        <a:scrgbClr r="0" g="0" b="0"/>
+      </a:lnRef>
+      <a:fillRef idx="3">
+        <a:scrgbClr r="0" g="0" b="0"/>
+      </a:fillRef>
+      <a:effectRef idx="0">
+        <a:scrgbClr r="0" g="0" b="0"/>
+      </a:effectRef>
+      <a:fontRef idx="minor">
+        <a:schemeClr val="tx1"/>
+      </a:fontRef>
+    </dgm:style>
+  </dgm:styleLbl>
+  <dgm:styleLbl name="alignNode1">
+    <dgm:scene3d>
+      <a:camera prst="orthographicFront"/>
+      <a:lightRig rig="threePt" dir="t"/>
+    </dgm:scene3d>
+    <dgm:sp3d/>
+    <dgm:txPr/>
+    <dgm:style>
+      <a:lnRef idx="1">
+        <a:scrgbClr r="0" g="0" b="0"/>
+      </a:lnRef>
+      <a:fillRef idx="3">
+        <a:scrgbClr r="0" g="0" b="0"/>
+      </a:fillRef>
+      <a:effectRef idx="2">
+        <a:scrgbClr r="0" g="0" b="0"/>
+      </a:effectRef>
+      <a:fontRef idx="minor">
+        <a:schemeClr val="lt1"/>
+      </a:fontRef>
+    </dgm:style>
+  </dgm:styleLbl>
+  <dgm:styleLbl name="node1">
+    <dgm:scene3d>
+      <a:camera prst="orthographicFront"/>
+      <a:lightRig rig="threePt" dir="t"/>
+    </dgm:scene3d>
+    <dgm:sp3d/>
+    <dgm:txPr/>
+    <dgm:style>
+      <a:lnRef idx="0">
+        <a:scrgbClr r="0" g="0" b="0"/>
+      </a:lnRef>
+      <a:fillRef idx="3">
+        <a:scrgbClr r="0" g="0" b="0"/>
+      </a:fillRef>
+      <a:effectRef idx="2">
+        <a:scrgbClr r="0" g="0" b="0"/>
+      </a:effectRef>
+      <a:fontRef idx="minor">
+        <a:schemeClr val="lt1"/>
+      </a:fontRef>
+    </dgm:style>
+  </dgm:styleLbl>
+  <dgm:styleLbl name="node2">
+    <dgm:scene3d>
+      <a:camera prst="orthographicFront"/>
+      <a:lightRig rig="threePt" dir="t"/>
+    </dgm:scene3d>
+    <dgm:sp3d/>
+    <dgm:txPr/>
+    <dgm:style>
+      <a:lnRef idx="0">
+        <a:scrgbClr r="0" g="0" b="0"/>
+      </a:lnRef>
+      <a:fillRef idx="3">
+        <a:scrgbClr r="0" g="0" b="0"/>
+      </a:fillRef>
+      <a:effectRef idx="2">
+        <a:scrgbClr r="0" g="0" b="0"/>
+      </a:effectRef>
+      <a:fontRef idx="minor">
+        <a:schemeClr val="lt1"/>
+      </a:fontRef>
+    </dgm:style>
+  </dgm:styleLbl>
+  <dgm:styleLbl name="node3">
+    <dgm:scene3d>
+      <a:camera prst="orthographicFront"/>
+      <a:lightRig rig="threePt" dir="t"/>
+    </dgm:scene3d>
+    <dgm:sp3d/>
+    <dgm:txPr/>
+    <dgm:style>
+      <a:lnRef idx="0">
+        <a:scrgbClr r="0" g="0" b="0"/>
+      </a:lnRef>
+      <a:fillRef idx="3">
+        <a:scrgbClr r="0" g="0" b="0"/>
+      </a:fillRef>
+      <a:effectRef idx="2">
+        <a:scrgbClr r="0" g="0" b="0"/>
+      </a:effectRef>
+      <a:fontRef idx="minor">
+        <a:schemeClr val="lt1"/>
+      </a:fontRef>
+    </dgm:style>
+  </dgm:styleLbl>
+  <dgm:styleLbl name="node4">
+    <dgm:scene3d>
+      <a:camera prst="orthographicFront"/>
+      <a:lightRig rig="threePt" dir="t"/>
+    </dgm:scene3d>
+    <dgm:sp3d/>
+    <dgm:txPr/>
+    <dgm:style>
+      <a:lnRef idx="0">
+        <a:scrgbClr r="0" g="0" b="0"/>
+      </a:lnRef>
+      <a:fillRef idx="3">
+        <a:scrgbClr r="0" g="0" b="0"/>
+      </a:fillRef>
+      <a:effectRef idx="2">
+        <a:scrgbClr r="0" g="0" b="0"/>
+      </a:effectRef>
+      <a:fontRef idx="minor">
+        <a:schemeClr val="lt1"/>
+      </a:fontRef>
+    </dgm:style>
+  </dgm:styleLbl>
+  <dgm:styleLbl name="fgImgPlace1">
+    <dgm:scene3d>
+      <a:camera prst="orthographicFront"/>
+      <a:lightRig rig="threePt" dir="t"/>
+    </dgm:scene3d>
+    <dgm:sp3d/>
+    <dgm:txPr/>
+    <dgm:style>
+      <a:lnRef idx="0">
+        <a:scrgbClr r="0" g="0" b="0"/>
+      </a:lnRef>
+      <a:fillRef idx="1">
+        <a:scrgbClr r="0" g="0" b="0"/>
+      </a:fillRef>
+      <a:effectRef idx="2">
+        <a:scrgbClr r="0" g="0" b="0"/>
+      </a:effectRef>
+      <a:fontRef idx="minor"/>
+    </dgm:style>
+  </dgm:styleLbl>
+  <dgm:styleLbl name="alignImgPlace1">
+    <dgm:scene3d>
+      <a:camera prst="orthographicFront"/>
+      <a:lightRig rig="threePt" dir="t"/>
+    </dgm:scene3d>
+    <dgm:sp3d/>
+    <dgm:txPr/>
+    <dgm:style>
+      <a:lnRef idx="0">
+        <a:scrgbClr r="0" g="0" b="0"/>
+      </a:lnRef>
+      <a:fillRef idx="1">
+        <a:scrgbClr r="0" g="0" b="0"/>
+      </a:fillRef>
+      <a:effectRef idx="2">
+        <a:scrgbClr r="0" g="0" b="0"/>
+      </a:effectRef>
+      <a:fontRef idx="minor"/>
+    </dgm:style>
+  </dgm:styleLbl>
+  <dgm:styleLbl name="bgImgPlace1">
+    <dgm:scene3d>
+      <a:camera prst="orthographicFront"/>
+      <a:lightRig rig="threePt" dir="t"/>
+    </dgm:scene3d>
+    <dgm:sp3d/>
+    <dgm:txPr/>
+    <dgm:style>
+      <a:lnRef idx="0">
+        <a:scrgbClr r="0" g="0" b="0"/>
+      </a:lnRef>
+      <a:fillRef idx="1">
+        <a:scrgbClr r="0" g="0" b="0"/>
+      </a:fillRef>
+      <a:effectRef idx="2">
+        <a:scrgbClr r="0" g="0" b="0"/>
+      </a:effectRef>
+      <a:fontRef idx="minor"/>
+    </dgm:style>
+  </dgm:styleLbl>
+  <dgm:styleLbl name="sibTrans2D1">
+    <dgm:scene3d>
+      <a:camera prst="orthographicFront"/>
+      <a:lightRig rig="threePt" dir="t"/>
+    </dgm:scene3d>
+    <dgm:sp3d/>
+    <dgm:txPr/>
+    <dgm:style>
+      <a:lnRef idx="0">
+        <a:scrgbClr r="0" g="0" b="0"/>
+      </a:lnRef>
+      <a:fillRef idx="3">
+        <a:scrgbClr r="0" g="0" b="0"/>
+      </a:fillRef>
+      <a:effectRef idx="2">
+        <a:scrgbClr r="0" g="0" b="0"/>
+      </a:effectRef>
+      <a:fontRef idx="minor">
+        <a:schemeClr val="lt1"/>
+      </a:fontRef>
+    </dgm:style>
+  </dgm:styleLbl>
+  <dgm:styleLbl name="fgSibTrans2D1">
+    <dgm:scene3d>
+      <a:camera prst="orthographicFront"/>
+      <a:lightRig rig="threePt" dir="t"/>
+    </dgm:scene3d>
+    <dgm:sp3d/>
+    <dgm:txPr/>
+    <dgm:style>
+      <a:lnRef idx="0">
+        <a:scrgbClr r="0" g="0" b="0"/>
+      </a:lnRef>
+      <a:fillRef idx="3">
+        <a:scrgbClr r="0" g="0" b="0"/>
+      </a:fillRef>
+      <a:effectRef idx="2">
+        <a:scrgbClr r="0" g="0" b="0"/>
+      </a:effectRef>
+      <a:fontRef idx="minor">
+        <a:schemeClr val="lt1"/>
+      </a:fontRef>
+    </dgm:style>
+  </dgm:styleLbl>
+  <dgm:styleLbl name="bgSibTrans2D1">
+    <dgm:scene3d>
+      <a:camera prst="orthographicFront"/>
+      <a:lightRig rig="threePt" dir="t"/>
+    </dgm:scene3d>
+    <dgm:sp3d/>
+    <dgm:txPr/>
+    <dgm:style>
+      <a:lnRef idx="0">
+        <a:scrgbClr r="0" g="0" b="0"/>
+      </a:lnRef>
+      <a:fillRef idx="3">
+        <a:scrgbClr r="0" g="0" b="0"/>
+      </a:fillRef>
+      <a:effectRef idx="2">
+        <a:scrgbClr r="0" g="0" b="0"/>
+      </a:effectRef>
+      <a:fontRef idx="minor">
+        <a:schemeClr val="lt1"/>
+      </a:fontRef>
+    </dgm:style>
+  </dgm:styleLbl>
+  <dgm:styleLbl name="sibTrans1D1">
+    <dgm:scene3d>
+      <a:camera prst="orthographicFront"/>
+      <a:lightRig rig="threePt" dir="t"/>
+    </dgm:scene3d>
+    <dgm:sp3d/>
+    <dgm:txPr/>
+    <dgm:style>
+      <a:lnRef idx="1">
+        <a:scrgbClr r="0" g="0" b="0"/>
+      </a:lnRef>
+      <a:fillRef idx="0">
+        <a:scrgbClr r="0" g="0" b="0"/>
+      </a:fillRef>
+      <a:effectRef idx="0">
+        <a:scrgbClr r="0" g="0" b="0"/>
+      </a:effectRef>
+      <a:fontRef idx="minor"/>
+    </dgm:style>
+  </dgm:styleLbl>
+  <dgm:styleLbl name="callout">
+    <dgm:scene3d>
+      <a:camera prst="orthographicFront"/>
+      <a:lightRig rig="threePt" dir="t"/>
+    </dgm:scene3d>
+    <dgm:sp3d/>
+    <dgm:txPr/>
+    <dgm:style>
+      <a:lnRef idx="2">
+        <a:scrgbClr r="0" g="0" b="0"/>
+      </a:lnRef>
+      <a:fillRef idx="1">
+        <a:scrgbClr r="0" g="0" b="0"/>
+      </a:fillRef>
+      <a:effectRef idx="1">
+        <a:scrgbClr r="0" g="0" b="0"/>
+      </a:effectRef>
+      <a:fontRef idx="minor"/>
+    </dgm:style>
+  </dgm:styleLbl>
+  <dgm:styleLbl name="asst0">
+    <dgm:scene3d>
+      <a:camera prst="orthographicFront"/>
+      <a:lightRig rig="threePt" dir="t"/>
+    </dgm:scene3d>
+    <dgm:sp3d/>
+    <dgm:txPr/>
+    <dgm:style>
+      <a:lnRef idx="0">
+        <a:scrgbClr r="0" g="0" b="0"/>
+      </a:lnRef>
+      <a:fillRef idx="3">
+        <a:scrgbClr r="0" g="0" b="0"/>
+      </a:fillRef>
+      <a:effectRef idx="2">
+        <a:scrgbClr r="0" g="0" b="0"/>
+      </a:effectRef>
+      <a:fontRef idx="minor">
+        <a:schemeClr val="lt1"/>
+      </a:fontRef>
+    </dgm:style>
+  </dgm:styleLbl>
+  <dgm:styleLbl name="asst1">
+    <dgm:scene3d>
+      <a:camera prst="orthographicFront"/>
+      <a:lightRig rig="threePt" dir="t"/>
+    </dgm:scene3d>
+    <dgm:sp3d/>
+    <dgm:txPr/>
+    <dgm:style>
+      <a:lnRef idx="0">
+        <a:scrgbClr r="0" g="0" b="0"/>
+      </a:lnRef>
+      <a:fillRef idx="3">
+        <a:scrgbClr r="0" g="0" b="0"/>
+      </a:fillRef>
+      <a:effectRef idx="2">
+        <a:scrgbClr r="0" g="0" b="0"/>
+      </a:effectRef>
+      <a:fontRef idx="minor">
+        <a:schemeClr val="lt1"/>
+      </a:fontRef>
+    </dgm:style>
+  </dgm:styleLbl>
+  <dgm:styleLbl name="asst2">
+    <dgm:scene3d>
+      <a:camera prst="orthographicFront"/>
+      <a:lightRig rig="threePt" dir="t"/>
+    </dgm:scene3d>
+    <dgm:sp3d/>
+    <dgm:txPr/>
+    <dgm:style>
+      <a:lnRef idx="0">
+        <a:scrgbClr r="0" g="0" b="0"/>
+      </a:lnRef>
+      <a:fillRef idx="3">
+        <a:scrgbClr r="0" g="0" b="0"/>
+      </a:fillRef>
+      <a:effectRef idx="2">
+        <a:scrgbClr r="0" g="0" b="0"/>
+      </a:effectRef>
+      <a:fontRef idx="minor">
+        <a:schemeClr val="lt1"/>
+      </a:fontRef>
+    </dgm:style>
+  </dgm:styleLbl>
+  <dgm:styleLbl name="asst3">
+    <dgm:scene3d>
+      <a:camera prst="orthographicFront"/>
+      <a:lightRig rig="threePt" dir="t"/>
+    </dgm:scene3d>
+    <dgm:sp3d/>
+    <dgm:txPr/>
+    <dgm:style>
+      <a:lnRef idx="0">
+        <a:scrgbClr r="0" g="0" b="0"/>
+      </a:lnRef>
+      <a:fillRef idx="3">
+        <a:scrgbClr r="0" g="0" b="0"/>
+      </a:fillRef>
+      <a:effectRef idx="2">
+        <a:scrgbClr r="0" g="0" b="0"/>
+      </a:effectRef>
+      <a:fontRef idx="minor">
+        <a:schemeClr val="lt1"/>
+      </a:fontRef>
+    </dgm:style>
+  </dgm:styleLbl>
+  <dgm:styleLbl name="asst4">
+    <dgm:scene3d>
+      <a:camera prst="orthographicFront"/>
+      <a:lightRig rig="threePt" dir="t"/>
+    </dgm:scene3d>
+    <dgm:sp3d/>
+    <dgm:txPr/>
+    <dgm:style>
+      <a:lnRef idx="0">
+        <a:scrgbClr r="0" g="0" b="0"/>
+      </a:lnRef>
+      <a:fillRef idx="3">
+        <a:scrgbClr r="0" g="0" b="0"/>
+      </a:fillRef>
+      <a:effectRef idx="2">
+        <a:scrgbClr r="0" g="0" b="0"/>
+      </a:effectRef>
+      <a:fontRef idx="minor">
+        <a:schemeClr val="lt1"/>
+      </a:fontRef>
+    </dgm:style>
+  </dgm:styleLbl>
+  <dgm:styleLbl name="parChTrans2D1">
+    <dgm:scene3d>
+      <a:camera prst="orthographicFront"/>
+      <a:lightRig rig="threePt" dir="t"/>
+    </dgm:scene3d>
+    <dgm:sp3d/>
+    <dgm:txPr/>
+    <dgm:style>
+      <a:lnRef idx="0">
+        <a:scrgbClr r="0" g="0" b="0"/>
+      </a:lnRef>
+      <a:fillRef idx="3">
+        <a:scrgbClr r="0" g="0" b="0"/>
+      </a:fillRef>
+      <a:effectRef idx="2">
+        <a:scrgbClr r="0" g="0" b="0"/>
+      </a:effectRef>
+      <a:fontRef idx="minor">
+        <a:schemeClr val="lt1"/>
+      </a:fontRef>
+    </dgm:style>
+  </dgm:styleLbl>
+  <dgm:styleLbl name="parChTrans2D2">
+    <dgm:scene3d>
+      <a:camera prst="orthographicFront"/>
+      <a:lightRig rig="threePt" dir="t"/>
+    </dgm:scene3d>
+    <dgm:sp3d/>
+    <dgm:txPr/>
+    <dgm:style>
+      <a:lnRef idx="0">
+        <a:scrgbClr r="0" g="0" b="0"/>
+      </a:lnRef>
+      <a:fillRef idx="3">
+        <a:scrgbClr r="0" g="0" b="0"/>
+      </a:fillRef>
+      <a:effectRef idx="2">
+        <a:scrgbClr r="0" g="0" b="0"/>
+      </a:effectRef>
+      <a:fontRef idx="minor">
+        <a:schemeClr val="lt1"/>
+      </a:fontRef>
+    </dgm:style>
+  </dgm:styleLbl>
+  <dgm:styleLbl name="parChTrans2D3">
+    <dgm:scene3d>
+      <a:camera prst="orthographicFront"/>
+      <a:lightRig rig="threePt" dir="t"/>
+    </dgm:scene3d>
+    <dgm:sp3d/>
+    <dgm:txPr/>
+    <dgm:style>
+      <a:lnRef idx="1">
+        <a:scrgbClr r="0" g="0" b="0"/>
+      </a:lnRef>
+      <a:fillRef idx="3">
+        <a:scrgbClr r="0" g="0" b="0"/>
+      </a:fillRef>
+      <a:effectRef idx="2">
+        <a:scrgbClr r="0" g="0" b="0"/>
+      </a:effectRef>
+      <a:fontRef idx="minor">
+        <a:schemeClr val="lt1"/>
+      </a:fontRef>
+    </dgm:style>
+  </dgm:styleLbl>
+  <dgm:styleLbl name="parChTrans2D4">
+    <dgm:scene3d>
+      <a:camera prst="orthographicFront"/>
+      <a:lightRig rig="threePt" dir="t"/>
+    </dgm:scene3d>
+    <dgm:sp3d/>
+    <dgm:txPr/>
+    <dgm:style>
+      <a:lnRef idx="1">
+        <a:scrgbClr r="0" g="0" b="0"/>
+      </a:lnRef>
+      <a:fillRef idx="3">
+        <a:scrgbClr r="0" g="0" b="0"/>
+      </a:fillRef>
+      <a:effectRef idx="2">
+        <a:scrgbClr r="0" g="0" b="0"/>
+      </a:effectRef>
+      <a:fontRef idx="minor">
+        <a:schemeClr val="lt1"/>
+      </a:fontRef>
+    </dgm:style>
+  </dgm:styleLbl>
+  <dgm:styleLbl name="parChTrans1D1">
+    <dgm:scene3d>
+      <a:camera prst="orthographicFront"/>
+      <a:lightRig rig="threePt" dir="t"/>
+    </dgm:scene3d>
+    <dgm:sp3d/>
+    <dgm:txPr/>
+    <dgm:style>
+      <a:lnRef idx="1">
+        <a:scrgbClr r="0" g="0" b="0"/>
+      </a:lnRef>
+      <a:fillRef idx="0">
+        <a:scrgbClr r="0" g="0" b="0"/>
+      </a:fillRef>
+      <a:effectRef idx="0">
+        <a:scrgbClr r="0" g="0" b="0"/>
+      </a:effectRef>
+      <a:fontRef idx="minor"/>
+    </dgm:style>
+  </dgm:styleLbl>
+  <dgm:styleLbl name="parChTrans1D2">
+    <dgm:scene3d>
+      <a:camera prst="orthographicFront"/>
+      <a:lightRig rig="threePt" dir="t"/>
+    </dgm:scene3d>
+    <dgm:sp3d/>
+    <dgm:txPr/>
+    <dgm:style>
+      <a:lnRef idx="1">
+        <a:scrgbClr r="0" g="0" b="0"/>
+      </a:lnRef>
+      <a:fillRef idx="0">
+        <a:scrgbClr r="0" g="0" b="0"/>
+      </a:fillRef>
+      <a:effectRef idx="0">
+        <a:scrgbClr r="0" g="0" b="0"/>
+      </a:effectRef>
+      <a:fontRef idx="minor"/>
+    </dgm:style>
+  </dgm:styleLbl>
+  <dgm:styleLbl name="parChTrans1D3">
+    <dgm:scene3d>
+      <a:camera prst="orthographicFront"/>
+      <a:lightRig rig="threePt" dir="t"/>
+    </dgm:scene3d>
+    <dgm:sp3d/>
+    <dgm:txPr/>
+    <dgm:style>
+      <a:lnRef idx="1">
+        <a:scrgbClr r="0" g="0" b="0"/>
+      </a:lnRef>
+      <a:fillRef idx="0">
+        <a:scrgbClr r="0" g="0" b="0"/>
+      </a:fillRef>
+      <a:effectRef idx="0">
+        <a:scrgbClr r="0" g="0" b="0"/>
+      </a:effectRef>
+      <a:fontRef idx="minor"/>
+    </dgm:style>
+  </dgm:styleLbl>
+  <dgm:styleLbl name="parChTrans1D4">
+    <dgm:scene3d>
+      <a:camera prst="orthographicFront"/>
+      <a:lightRig rig="threePt" dir="t"/>
+    </dgm:scene3d>
+    <dgm:sp3d/>
+    <dgm:txPr/>
+    <dgm:style>
+      <a:lnRef idx="1">
+        <a:scrgbClr r="0" g="0" b="0"/>
+      </a:lnRef>
+      <a:fillRef idx="0">
+        <a:scrgbClr r="0" g="0" b="0"/>
+      </a:fillRef>
+      <a:effectRef idx="0">
+        <a:scrgbClr r="0" g="0" b="0"/>
+      </a:effectRef>
+      <a:fontRef idx="minor"/>
+    </dgm:style>
+  </dgm:styleLbl>
+  <dgm:styleLbl name="fgAcc1">
+    <dgm:scene3d>
+      <a:camera prst="orthographicFront"/>
+      <a:lightRig rig="threePt" dir="t"/>
+    </dgm:scene3d>
+    <dgm:sp3d/>
+    <dgm:txPr/>
+    <dgm:style>
+      <a:lnRef idx="1">
+        <a:scrgbClr r="0" g="0" b="0"/>
+      </a:lnRef>
+      <a:fillRef idx="1">
+        <a:scrgbClr r="0" g="0" b="0"/>
+      </a:fillRef>
+      <a:effectRef idx="0">
+        <a:scrgbClr r="0" g="0" b="0"/>
+      </a:effectRef>
+      <a:fontRef idx="minor"/>
+    </dgm:style>
+  </dgm:styleLbl>
+  <dgm:styleLbl name="conFgAcc1">
+    <dgm:scene3d>
+      <a:camera prst="orthographicFront"/>
+      <a:lightRig rig="threePt" dir="t"/>
+    </dgm:scene3d>
+    <dgm:sp3d/>
+    <dgm:txPr/>
+    <dgm:style>
+      <a:lnRef idx="1">
+        <a:scrgbClr r="0" g="0" b="0"/>
+      </a:lnRef>
+      <a:fillRef idx="1">
+        <a:scrgbClr r="0" g="0" b="0"/>
+      </a:fillRef>
+      <a:effectRef idx="0">
+        <a:scrgbClr r="0" g="0" b="0"/>
+      </a:effectRef>
+      <a:fontRef idx="minor"/>
+    </dgm:style>
+  </dgm:styleLbl>
+  <dgm:styleLbl name="alignAcc1">
+    <dgm:scene3d>
+      <a:camera prst="orthographicFront"/>
+      <a:lightRig rig="threePt" dir="t"/>
+    </dgm:scene3d>
+    <dgm:sp3d/>
+    <dgm:txPr/>
+    <dgm:style>
+      <a:lnRef idx="1">
+        <a:scrgbClr r="0" g="0" b="0"/>
+      </a:lnRef>
+      <a:fillRef idx="1">
+        <a:scrgbClr r="0" g="0" b="0"/>
+      </a:fillRef>
+      <a:effectRef idx="0">
+        <a:scrgbClr r="0" g="0" b="0"/>
+      </a:effectRef>
+      <a:fontRef idx="minor"/>
+    </dgm:style>
+  </dgm:styleLbl>
+  <dgm:styleLbl name="trAlignAcc1">
+    <dgm:scene3d>
+      <a:camera prst="orthographicFront"/>
+      <a:lightRig rig="threePt" dir="t"/>
+    </dgm:scene3d>
+    <dgm:sp3d/>
+    <dgm:txPr/>
+    <dgm:style>
+      <a:lnRef idx="1">
+        <a:scrgbClr r="0" g="0" b="0"/>
+      </a:lnRef>
+      <a:fillRef idx="1">
+        <a:scrgbClr r="0" g="0" b="0"/>
+      </a:fillRef>
+      <a:effectRef idx="0">
+        <a:scrgbClr r="0" g="0" b="0"/>
+      </a:effectRef>
+      <a:fontRef idx="minor"/>
+    </dgm:style>
+  </dgm:styleLbl>
+  <dgm:styleLbl name="bgAcc1">
+    <dgm:scene3d>
+      <a:camera prst="orthographicFront"/>
+      <a:lightRig rig="threePt" dir="t"/>
+    </dgm:scene3d>
+    <dgm:sp3d/>
+    <dgm:txPr/>
+    <dgm:style>
+      <a:lnRef idx="1">
+        <a:scrgbClr r="0" g="0" b="0"/>
+      </a:lnRef>
+      <a:fillRef idx="1">
+        <a:scrgbClr r="0" g="0" b="0"/>
+      </a:fillRef>
+      <a:effectRef idx="0">
+        <a:scrgbClr r="0" g="0" b="0"/>
+      </a:effectRef>
+      <a:fontRef idx="minor"/>
+    </dgm:style>
+  </dgm:styleLbl>
+  <dgm:styleLbl name="solidFgAcc1">
+    <dgm:scene3d>
+      <a:camera prst="orthographicFront"/>
+      <a:lightRig rig="threePt" dir="t"/>
+    </dgm:scene3d>
+    <dgm:sp3d/>
+    <dgm:txPr/>
+    <dgm:style>
+      <a:lnRef idx="1">
+        <a:scrgbClr r="0" g="0" b="0"/>
+      </a:lnRef>
+      <a:fillRef idx="1">
+        <a:scrgbClr r="0" g="0" b="0"/>
+      </a:fillRef>
+      <a:effectRef idx="0">
+        <a:scrgbClr r="0" g="0" b="0"/>
+      </a:effectRef>
+      <a:fontRef idx="minor"/>
+    </dgm:style>
+  </dgm:styleLbl>
+  <dgm:styleLbl name="solidAlignAcc1">
+    <dgm:scene3d>
+      <a:camera prst="orthographicFront"/>
+      <a:lightRig rig="threePt" dir="t"/>
+    </dgm:scene3d>
+    <dgm:sp3d/>
+    <dgm:txPr/>
+    <dgm:style>
+      <a:lnRef idx="1">
+        <a:scrgbClr r="0" g="0" b="0"/>
+      </a:lnRef>
+      <a:fillRef idx="1">
+        <a:scrgbClr r="0" g="0" b="0"/>
+      </a:fillRef>
+      <a:effectRef idx="0">
+        <a:scrgbClr r="0" g="0" b="0"/>
+      </a:effectRef>
+      <a:fontRef idx="minor"/>
+    </dgm:style>
+  </dgm:styleLbl>
+  <dgm:styleLbl name="solidBgAcc1">
+    <dgm:scene3d>
+      <a:camera prst="orthographicFront"/>
+      <a:lightRig rig="threePt" dir="t"/>
+    </dgm:scene3d>
+    <dgm:sp3d/>
+    <dgm:txPr/>
+    <dgm:style>
+      <a:lnRef idx="1">
+        <a:scrgbClr r="0" g="0" b="0"/>
+      </a:lnRef>
+      <a:fillRef idx="1">
+        <a:scrgbClr r="0" g="0" b="0"/>
+      </a:fillRef>
+      <a:effectRef idx="0">
+        <a:scrgbClr r="0" g="0" b="0"/>
+      </a:effectRef>
+      <a:fontRef idx="minor"/>
+    </dgm:style>
+  </dgm:styleLbl>
+  <dgm:styleLbl name="fgAccFollowNode1">
+    <dgm:scene3d>
+      <a:camera prst="orthographicFront"/>
+      <a:lightRig rig="threePt" dir="t"/>
+    </dgm:scene3d>
+    <dgm:sp3d/>
+    <dgm:txPr/>
+    <dgm:style>
+      <a:lnRef idx="1">
+        <a:scrgbClr r="0" g="0" b="0"/>
+      </a:lnRef>
+      <a:fillRef idx="1">
+        <a:scrgbClr r="0" g="0" b="0"/>
+      </a:fillRef>
+      <a:effectRef idx="0">
+        <a:scrgbClr r="0" g="0" b="0"/>
+      </a:effectRef>
+      <a:fontRef idx="minor"/>
+    </dgm:style>
+  </dgm:styleLbl>
+  <dgm:styleLbl name="alignAccFollowNode1">
+    <dgm:scene3d>
+      <a:camera prst="orthographicFront"/>
+      <a:lightRig rig="threePt" dir="t"/>
+    </dgm:scene3d>
+    <dgm:sp3d/>
+    <dgm:txPr/>
+    <dgm:style>
+      <a:lnRef idx="1">
+        <a:scrgbClr r="0" g="0" b="0"/>
+      </a:lnRef>
+      <a:fillRef idx="1">
+        <a:scrgbClr r="0" g="0" b="0"/>
+      </a:fillRef>
+      <a:effectRef idx="0">
+        <a:scrgbClr r="0" g="0" b="0"/>
+      </a:effectRef>
+      <a:fontRef idx="minor"/>
+    </dgm:style>
+  </dgm:styleLbl>
+  <dgm:styleLbl name="bgAccFollowNode1">
+    <dgm:scene3d>
+      <a:camera prst="orthographicFront"/>
+      <a:lightRig rig="threePt" dir="t"/>
+    </dgm:scene3d>
+    <dgm:sp3d/>
+    <dgm:txPr/>
+    <dgm:style>
+      <a:lnRef idx="1">
+        <a:scrgbClr r="0" g="0" b="0"/>
+      </a:lnRef>
+      <a:fillRef idx="1">
+        <a:scrgbClr r="0" g="0" b="0"/>
+      </a:fillRef>
+      <a:effectRef idx="0">
+        <a:scrgbClr r="0" g="0" b="0"/>
+      </a:effectRef>
+      <a:fontRef idx="minor"/>
+    </dgm:style>
+  </dgm:styleLbl>
+  <dgm:styleLbl name="fgAcc0">
+    <dgm:scene3d>
+      <a:camera prst="orthographicFront"/>
+      <a:lightRig rig="threePt" dir="t"/>
+    </dgm:scene3d>
+    <dgm:sp3d/>
+    <dgm:txPr/>
+    <dgm:style>
+      <a:lnRef idx="1">
+        <a:scrgbClr r="0" g="0" b="0"/>
+      </a:lnRef>
+      <a:fillRef idx="1">
+        <a:scrgbClr r="0" g="0" b="0"/>
+      </a:fillRef>
+      <a:effectRef idx="0">
+        <a:scrgbClr r="0" g="0" b="0"/>
+      </a:effectRef>
+      <a:fontRef idx="minor"/>
+    </dgm:style>
+  </dgm:styleLbl>
+  <dgm:styleLbl name="fgAcc2">
+    <dgm:scene3d>
+      <a:camera prst="orthographicFront"/>
+      <a:lightRig rig="threePt" dir="t"/>
+    </dgm:scene3d>
+    <dgm:sp3d/>
+    <dgm:txPr/>
+    <dgm:style>
+      <a:lnRef idx="1">
+        <a:scrgbClr r="0" g="0" b="0"/>
+      </a:lnRef>
+      <a:fillRef idx="1">
+        <a:scrgbClr r="0" g="0" b="0"/>
+      </a:fillRef>
+      <a:effectRef idx="0">
+        <a:scrgbClr r="0" g="0" b="0"/>
+      </a:effectRef>
+      <a:fontRef idx="minor"/>
+    </dgm:style>
+  </dgm:styleLbl>
+  <dgm:styleLbl name="fgAcc3">
+    <dgm:scene3d>
+      <a:camera prst="orthographicFront"/>
+      <a:lightRig rig="threePt" dir="t"/>
+    </dgm:scene3d>
+    <dgm:sp3d/>
+    <dgm:txPr/>
+    <dgm:style>
+      <a:lnRef idx="1">
+        <a:scrgbClr r="0" g="0" b="0"/>
+      </a:lnRef>
+      <a:fillRef idx="1">
+        <a:scrgbClr r="0" g="0" b="0"/>
+      </a:fillRef>
+      <a:effectRef idx="0">
+        <a:scrgbClr r="0" g="0" b="0"/>
+      </a:effectRef>
+      <a:fontRef idx="minor"/>
+    </dgm:style>
+  </dgm:styleLbl>
+  <dgm:styleLbl name="fgAcc4">
+    <dgm:scene3d>
+      <a:camera prst="orthographicFront"/>
+      <a:lightRig rig="threePt" dir="t"/>
+    </dgm:scene3d>
+    <dgm:sp3d/>
+    <dgm:txPr/>
+    <dgm:style>
+      <a:lnRef idx="1">
+        <a:scrgbClr r="0" g="0" b="0"/>
+      </a:lnRef>
+      <a:fillRef idx="1">
+        <a:scrgbClr r="0" g="0" b="0"/>
+      </a:fillRef>
+      <a:effectRef idx="0">
+        <a:scrgbClr r="0" g="0" b="0"/>
+      </a:effectRef>
+      <a:fontRef idx="minor"/>
+    </dgm:style>
+  </dgm:styleLbl>
+  <dgm:styleLbl name="bgShp">
+    <dgm:scene3d>
+      <a:camera prst="orthographicFront"/>
+      <a:lightRig rig="threePt" dir="t"/>
+    </dgm:scene3d>
+    <dgm:sp3d/>
+    <dgm:txPr/>
+    <dgm:style>
+      <a:lnRef idx="0">
+        <a:scrgbClr r="0" g="0" b="0"/>
+      </a:lnRef>
+      <a:fillRef idx="1">
+        <a:scrgbClr r="0" g="0" b="0"/>
+      </a:fillRef>
+      <a:effectRef idx="2">
+        <a:scrgbClr r="0" g="0" b="0"/>
+      </a:effectRef>
+      <a:fontRef idx="minor"/>
+    </dgm:style>
+  </dgm:styleLbl>
+  <dgm:styleLbl name="dkBgShp">
+    <dgm:scene3d>
+      <a:camera prst="orthographicFront"/>
+      <a:lightRig rig="threePt" dir="t"/>
+    </dgm:scene3d>
+    <dgm:sp3d/>
+    <dgm:txPr/>
+    <dgm:style>
+      <a:lnRef idx="0">
+        <a:scrgbClr r="0" g="0" b="0"/>
+      </a:lnRef>
+      <a:fillRef idx="1">
+        <a:scrgbClr r="0" g="0" b="0"/>
+      </a:fillRef>
+      <a:effectRef idx="2">
+        <a:scrgbClr r="0" g="0" b="0"/>
+      </a:effectRef>
+      <a:fontRef idx="minor"/>
+    </dgm:style>
+  </dgm:styleLbl>
+  <dgm:styleLbl name="trBgShp">
+    <dgm:scene3d>
+      <a:camera prst="orthographicFront"/>
+      <a:lightRig rig="threePt" dir="t"/>
+    </dgm:scene3d>
+    <dgm:sp3d/>
+    <dgm:txPr/>
+    <dgm:style>
+      <a:lnRef idx="0">
+        <a:scrgbClr r="0" g="0" b="0"/>
+      </a:lnRef>
+      <a:fillRef idx="1">
+        <a:scrgbClr r="0" g="0" b="0"/>
+      </a:fillRef>
+      <a:effectRef idx="0">
+        <a:scrgbClr r="0" g="0" b="0"/>
+      </a:effectRef>
+      <a:fontRef idx="minor"/>
+    </dgm:style>
+  </dgm:styleLbl>
+  <dgm:styleLbl name="fgShp">
+    <dgm:scene3d>
+      <a:camera prst="orthographicFront"/>
+      <a:lightRig rig="threePt" dir="t"/>
+    </dgm:scene3d>
+    <dgm:sp3d/>
+    <dgm:txPr/>
+    <dgm:style>
+      <a:lnRef idx="0">
+        <a:scrgbClr r="0" g="0" b="0"/>
+      </a:lnRef>
+      <a:fillRef idx="3">
+        <a:scrgbClr r="0" g="0" b="0"/>
+      </a:fillRef>
+      <a:effectRef idx="2">
+        <a:scrgbClr r="0" g="0" b="0"/>
+      </a:effectRef>
+      <a:fontRef idx="minor"/>
+    </dgm:style>
+  </dgm:styleLbl>
+  <dgm:styleLbl name="revTx">
+    <dgm:scene3d>
+      <a:camera prst="orthographicFront"/>
+      <a:lightRig rig="threePt" dir="t"/>
+    </dgm:scene3d>
+    <dgm:sp3d/>
+    <dgm:txPr/>
+    <dgm:style>
+      <a:lnRef idx="0">
+        <a:scrgbClr r="0" g="0" b="0"/>
+      </a:lnRef>
+      <a:fillRef idx="0">
+        <a:scrgbClr r="0" g="0" b="0"/>
+      </a:fillRef>
+      <a:effectRef idx="0">
+        <a:scrgbClr r="0" g="0" b="0"/>
+      </a:effectRef>
+      <a:fontRef idx="minor"/>
+    </dgm:style>
+  </dgm:styleLbl>
+</dgm:styleDef>
+</file>
+
+<file path=ppt/diagrams/quickStyle3.xml><?xml version="1.0" encoding="utf-8"?>
 <dgm:styleDef xmlns:dgm="http://schemas.openxmlformats.org/drawingml/2006/diagram" xmlns:a="http://schemas.openxmlformats.org/drawingml/2006/main" uniqueId="urn:microsoft.com/office/officeart/2005/8/quickstyle/simple4">
   <dgm:title val=""/>
   <dgm:desc val=""/>
@@ -13426,8 +17926,8 @@
           </a:p>
         </p:txBody>
       </p:sp>
-      <mc:AlternateContent xmlns:mc="http://schemas.openxmlformats.org/markup-compatibility/2006" xmlns:a14="http://schemas.microsoft.com/office/drawing/2010/main">
-        <mc:Choice Requires="a14">
+      <mc:AlternateContent xmlns:mc="http://schemas.openxmlformats.org/markup-compatibility/2006">
+        <mc:Choice xmlns:a14="http://schemas.microsoft.com/office/drawing/2010/main" Requires="a14">
           <p:sp>
             <p:nvSpPr>
               <p:cNvPr id="15" name="TextBox 14">
@@ -13442,8 +17942,8 @@
             </p:nvSpPr>
             <p:spPr>
               <a:xfrm>
-                <a:off x="9661357" y="3085237"/>
-                <a:ext cx="1905000" cy="1754326"/>
+                <a:off x="9688285" y="2750096"/>
+                <a:ext cx="1905000" cy="2031325"/>
               </a:xfrm>
               <a:prstGeom prst="rect">
                 <a:avLst/>
@@ -13487,7 +17987,7 @@
                 </a14:m>
                 <a:r>
                   <a:rPr lang="en-US" dirty="0"/>
-                  <a:t> </a:t>
+                  <a:t> to show variance.</a:t>
                 </a:r>
                 <a:br>
                   <a:rPr lang="en-US" dirty="0"/>
@@ -13517,7 +18017,7 @@
             </p:txBody>
           </p:sp>
         </mc:Choice>
-        <mc:Fallback xmlns="">
+        <mc:Fallback>
           <p:sp>
             <p:nvSpPr>
               <p:cNvPr id="15" name="TextBox 14">
@@ -13534,8 +18034,8 @@
             </p:nvSpPr>
             <p:spPr>
               <a:xfrm>
-                <a:off x="9661357" y="3085237"/>
-                <a:ext cx="1905000" cy="1754326"/>
+                <a:off x="9688285" y="2750096"/>
+                <a:ext cx="1905000" cy="2031325"/>
               </a:xfrm>
               <a:prstGeom prst="rect">
                 <a:avLst/>
@@ -13543,7 +18043,7 @@
               <a:blipFill>
                 <a:blip r:embed="rId3"/>
                 <a:stretch>
-                  <a:fillRect l="-2548" t="-1379" r="-1911" b="-4138"/>
+                  <a:fillRect l="-2222" t="-1194" r="-1905" b="-3582"/>
                 </a:stretch>
               </a:blipFill>
             </p:spPr>
@@ -15157,8 +19657,8 @@
           </a:p>
         </p:txBody>
       </p:sp>
-      <mc:AlternateContent xmlns:mc="http://schemas.openxmlformats.org/markup-compatibility/2006" xmlns:a14="http://schemas.microsoft.com/office/drawing/2010/main">
-        <mc:Choice Requires="a14">
+      <mc:AlternateContent xmlns:mc="http://schemas.openxmlformats.org/markup-compatibility/2006">
+        <mc:Choice xmlns:a14="http://schemas.microsoft.com/office/drawing/2010/main" Requires="a14">
           <p:sp>
             <p:nvSpPr>
               <p:cNvPr id="33795" name="Rectangle 3"/>
@@ -15177,7 +19677,7 @@
             </p:spPr>
             <p:txBody>
               <a:bodyPr>
-                <a:normAutofit lnSpcReduction="10000"/>
+                <a:normAutofit fontScale="92500" lnSpcReduction="20000"/>
               </a:bodyPr>
               <a:lstStyle/>
               <a:p>
@@ -15233,6 +19733,17 @@
                 <a:r>
                   <a:rPr lang="en-US" sz="2400" dirty="0"/>
                   <a:t>).</a:t>
+                </a:r>
+              </a:p>
+              <a:p>
+                <a:pPr>
+                  <a:lnSpc>
+                    <a:spcPct val="80000"/>
+                  </a:lnSpc>
+                </a:pPr>
+                <a:r>
+                  <a:rPr lang="en-US" sz="2400" dirty="0"/>
+                  <a:t>Embedding: E.g., convert words to vectors where vector similarity between vectors reflects semantic similarity. </a:t>
                 </a:r>
               </a:p>
               <a:p>
@@ -15364,7 +19875,7 @@
             </p:txBody>
           </p:sp>
         </mc:Choice>
-        <mc:Fallback xmlns="">
+        <mc:Fallback>
           <p:sp>
             <p:nvSpPr>
               <p:cNvPr id="33795" name="Rectangle 3"/>
@@ -15383,7 +19894,7 @@
               <a:blipFill>
                 <a:blip r:embed="rId2"/>
                 <a:stretch>
-                  <a:fillRect l="-1093" t="-2964" b="-2448"/>
+                  <a:fillRect l="-925" t="-3222"/>
                 </a:stretch>
               </a:blipFill>
             </p:spPr>
@@ -17051,8 +21562,8 @@
           </a:p>
         </p:txBody>
       </p:sp>
-      <mc:AlternateContent xmlns:mc="http://schemas.openxmlformats.org/markup-compatibility/2006" xmlns:a14="http://schemas.microsoft.com/office/drawing/2010/main">
-        <mc:Choice Requires="a14">
+      <mc:AlternateContent xmlns:mc="http://schemas.openxmlformats.org/markup-compatibility/2006">
+        <mc:Choice xmlns:a14="http://schemas.microsoft.com/office/drawing/2010/main" Requires="a14">
           <p:sp>
             <p:nvSpPr>
               <p:cNvPr id="1283075" name="Rectangle 3"/>
@@ -17090,17 +21601,8 @@
                 </a:r>
                 <a:r>
                   <a:rPr lang="en-US" dirty="0"/>
-                  <a:t>This involved estimating the model parameters (the model): E.g., probabilities, weights, factors.  </a:t>
+                  <a:t>This involved estimating the model parameters (the model): E.g., probabilities, weights, factors.</a:t>
                 </a:r>
-              </a:p>
-              <a:p>
-                <a:pPr marL="0" indent="0" eaLnBrk="1" hangingPunct="1">
-                  <a:lnSpc>
-                    <a:spcPct val="80000"/>
-                  </a:lnSpc>
-                  <a:buNone/>
-                </a:pPr>
-                <a:endParaRPr lang="en-US" dirty="0"/>
               </a:p>
               <a:p>
                 <a:pPr>
@@ -17114,7 +21616,7 @@
                 </a:r>
                 <a:r>
                   <a:rPr lang="en-US" dirty="0"/>
-                  <a:t>: Many learning algorithms have choices for. E.g., learning rate, regularization </a:t>
+                  <a:t>: Many learning algorithms have choices for learning rate, regularization </a:t>
                 </a:r>
                 <a14:m>
                   <m:oMath xmlns:m="http://schemas.openxmlformats.org/officeDocument/2006/math">
@@ -17128,7 +21630,7 @@
                 </a14:m>
                 <a:r>
                   <a:rPr lang="en-US" dirty="0"/>
-                  <a:t>, maximal decision tree depth, selected features. The algorithm tries to optimizes the model parameters given user-specified hyperparameters.</a:t>
+                  <a:t>, maximal decision tree depth, selected features,... The algorithm tries to optimizes the model parameters given user-specified hyperparameters.</a:t>
                 </a:r>
               </a:p>
               <a:p>
@@ -17165,7 +21667,7 @@
             </p:txBody>
           </p:sp>
         </mc:Choice>
-        <mc:Fallback xmlns="">
+        <mc:Fallback>
           <p:sp>
             <p:nvSpPr>
               <p:cNvPr id="1283075" name="Rectangle 3"/>
@@ -17306,21 +21808,21 @@
           <a:p>
             <a:pPr algn="ctr"/>
             <a:r>
-              <a:rPr lang="en-US">
+              <a:rPr lang="en-US" dirty="0">
                 <a:latin typeface="Calibri"/>
                 <a:cs typeface="Calibri"/>
               </a:rPr>
-              <a:t>Test</a:t>
+              <a:t>Test     </a:t>
             </a:r>
           </a:p>
           <a:p>
             <a:pPr algn="ctr"/>
             <a:r>
-              <a:rPr lang="en-US">
+              <a:rPr lang="en-US" dirty="0">
                 <a:latin typeface="Calibri"/>
                 <a:cs typeface="Calibri"/>
               </a:rPr>
-              <a:t>Data</a:t>
+              <a:t>Data    </a:t>
             </a:r>
           </a:p>
         </p:txBody>
@@ -17425,6 +21927,45 @@
           </a:p>
         </p:txBody>
       </p:sp>
+      <p:pic>
+        <p:nvPicPr>
+          <p:cNvPr id="5" name="Graphic 4" descr="Lock with solid fill">
+            <a:extLst>
+              <a:ext uri="{FF2B5EF4-FFF2-40B4-BE49-F238E27FC236}">
+                <a16:creationId xmlns:a16="http://schemas.microsoft.com/office/drawing/2014/main" id="{A5F0F676-E5C7-C500-566A-7D4781CC87CB}"/>
+              </a:ext>
+            </a:extLst>
+          </p:cNvPr>
+          <p:cNvPicPr>
+            <a:picLocks noChangeAspect="1"/>
+          </p:cNvPicPr>
+          <p:nvPr/>
+        </p:nvPicPr>
+        <p:blipFill>
+          <a:blip r:embed="rId4">
+            <a:extLst>
+              <a:ext uri="{28A0092B-C50C-407E-A947-70E740481C1C}">
+                <a14:useLocalDpi xmlns:a14="http://schemas.microsoft.com/office/drawing/2010/main" val="0"/>
+              </a:ext>
+              <a:ext uri="{96DAC541-7B7A-43D3-8B79-37D633B846F1}">
+                <asvg:svgBlip xmlns:asvg="http://schemas.microsoft.com/office/drawing/2016/SVG/main" r:embed="rId5"/>
+              </a:ext>
+            </a:extLst>
+          </a:blip>
+          <a:stretch>
+            <a:fillRect/>
+          </a:stretch>
+        </p:blipFill>
+        <p:spPr>
+          <a:xfrm>
+            <a:off x="10591800" y="5410200"/>
+            <a:ext cx="914400" cy="914400"/>
+          </a:xfrm>
+          <a:prstGeom prst="rect">
+            <a:avLst/>
+          </a:prstGeom>
+        </p:spPr>
+      </p:pic>
     </p:spTree>
     <p:extLst>
       <p:ext uri="{BB962C8B-B14F-4D97-AF65-F5344CB8AC3E}">
@@ -17448,6 +21989,9 @@
                     <p:cTn id="3" fill="hold">
                       <p:stCondLst>
                         <p:cond delay="indefinite"/>
+                        <p:cond evt="onBegin" delay="0">
+                          <p:tn val="2"/>
+                        </p:cond>
                       </p:stCondLst>
                       <p:childTnLst>
                         <p:par>
@@ -17457,7 +22001,7 @@
                             </p:stCondLst>
                             <p:childTnLst>
                               <p:par>
-                                <p:cTn id="5" presetID="1" presetClass="entr" presetSubtype="0" fill="hold" nodeType="clickEffect">
+                                <p:cTn id="5" presetID="1" presetClass="entr" presetSubtype="0" fill="hold" nodeType="withEffect">
                                   <p:stCondLst>
                                     <p:cond delay="0"/>
                                   </p:stCondLst>
@@ -17521,7 +22065,7 @@
                                         <p:tgtEl>
                                           <p:spTgt spid="1283075">
                                             <p:txEl>
-                                              <p:pRg st="2" end="2"/>
+                                              <p:pRg st="1" end="1"/>
                                             </p:txEl>
                                           </p:spTgt>
                                         </p:tgtEl>
@@ -17536,33 +22080,15 @@
                                   </p:childTnLst>
                                 </p:cTn>
                               </p:par>
-                            </p:childTnLst>
-                          </p:cTn>
-                        </p:par>
-                      </p:childTnLst>
-                    </p:cTn>
-                  </p:par>
-                  <p:par>
-                    <p:cTn id="11" fill="hold">
-                      <p:stCondLst>
-                        <p:cond delay="indefinite"/>
-                      </p:stCondLst>
-                      <p:childTnLst>
-                        <p:par>
-                          <p:cTn id="12" fill="hold">
-                            <p:stCondLst>
-                              <p:cond delay="0"/>
-                            </p:stCondLst>
-                            <p:childTnLst>
                               <p:par>
-                                <p:cTn id="13" presetID="1" presetClass="entr" presetSubtype="0" fill="hold" nodeType="clickEffect">
+                                <p:cTn id="11" presetID="1" presetClass="entr" presetSubtype="0" fill="hold" nodeType="withEffect">
                                   <p:stCondLst>
                                     <p:cond delay="0"/>
                                   </p:stCondLst>
                                   <p:childTnLst>
                                     <p:set>
                                       <p:cBhvr>
-                                        <p:cTn id="14" dur="1" fill="hold">
+                                        <p:cTn id="12" dur="1" fill="hold">
                                           <p:stCondLst>
                                             <p:cond delay="0"/>
                                           </p:stCondLst>
@@ -17570,7 +22096,7 @@
                                         <p:tgtEl>
                                           <p:spTgt spid="1283075">
                                             <p:txEl>
-                                              <p:pRg st="4" end="4"/>
+                                              <p:pRg st="3" end="3"/>
                                             </p:txEl>
                                           </p:spTgt>
                                         </p:tgtEl>
@@ -17779,15 +22305,7 @@
             </a:pPr>
             <a:r>
               <a:rPr lang="en-US" dirty="0"/>
-              <a:t>The validation set was not used for training, so we get generalization accuracy for the different hyperparameter </a:t>
-            </a:r>
-            <a:r>
-              <a:rPr lang="en-US" dirty="0" err="1"/>
-              <a:t>setings</a:t>
-            </a:r>
-            <a:r>
-              <a:rPr lang="en-US" dirty="0"/>
-              <a:t>.</a:t>
+              <a:t>The validation set was not used for training, so we get generalization accuracy for the different hyperparameter settings.</a:t>
             </a:r>
           </a:p>
           <a:p>
@@ -17908,7 +22426,7 @@
                 <a:latin typeface="Calibri"/>
                 <a:cs typeface="Calibri"/>
               </a:rPr>
-              <a:t>Test</a:t>
+              <a:t>Test     </a:t>
             </a:r>
           </a:p>
           <a:p>
@@ -17918,7 +22436,7 @@
                 <a:latin typeface="Calibri"/>
                 <a:cs typeface="Calibri"/>
               </a:rPr>
-              <a:t>Data</a:t>
+              <a:t>Data    </a:t>
             </a:r>
           </a:p>
         </p:txBody>
@@ -18279,6 +22797,45 @@
           </a:fontRef>
         </p:style>
       </p:cxnSp>
+      <p:pic>
+        <p:nvPicPr>
+          <p:cNvPr id="3" name="Graphic 2" descr="Lock with solid fill">
+            <a:extLst>
+              <a:ext uri="{FF2B5EF4-FFF2-40B4-BE49-F238E27FC236}">
+                <a16:creationId xmlns:a16="http://schemas.microsoft.com/office/drawing/2014/main" id="{E42E714F-C096-F70B-B437-032F326007C4}"/>
+              </a:ext>
+            </a:extLst>
+          </p:cNvPr>
+          <p:cNvPicPr>
+            <a:picLocks noChangeAspect="1"/>
+          </p:cNvPicPr>
+          <p:nvPr/>
+        </p:nvPicPr>
+        <p:blipFill>
+          <a:blip r:embed="rId3">
+            <a:extLst>
+              <a:ext uri="{28A0092B-C50C-407E-A947-70E740481C1C}">
+                <a14:useLocalDpi xmlns:a14="http://schemas.microsoft.com/office/drawing/2010/main" val="0"/>
+              </a:ext>
+              <a:ext uri="{96DAC541-7B7A-43D3-8B79-37D633B846F1}">
+                <asvg:svgBlip xmlns:asvg="http://schemas.microsoft.com/office/drawing/2016/SVG/main" r:embed="rId4"/>
+              </a:ext>
+            </a:extLst>
+          </a:blip>
+          <a:stretch>
+            <a:fillRect/>
+          </a:stretch>
+        </p:blipFill>
+        <p:spPr>
+          <a:xfrm>
+            <a:off x="10591800" y="5410200"/>
+            <a:ext cx="914400" cy="914400"/>
+          </a:xfrm>
+          <a:prstGeom prst="rect">
+            <a:avLst/>
+          </a:prstGeom>
+        </p:spPr>
+      </p:pic>
     </p:spTree>
     <p:extLst>
       <p:ext uri="{BB962C8B-B14F-4D97-AF65-F5344CB8AC3E}">
@@ -18408,7 +22965,7 @@
             </a:pPr>
             <a:r>
               <a:rPr lang="en-US" sz="2400" dirty="0"/>
-              <a:t>Very important: never “peek” at the test set during learning!</a:t>
+              <a:t>Very important: never “peek” at the test set during training!</a:t>
             </a:r>
             <a:endParaRPr lang="en-US" sz="2400" dirty="0">
               <a:latin typeface="Calibri"/>
@@ -18518,21 +23075,21 @@
           <a:p>
             <a:pPr algn="ctr"/>
             <a:r>
-              <a:rPr lang="en-US">
+              <a:rPr lang="en-US" dirty="0">
                 <a:latin typeface="Calibri"/>
                 <a:cs typeface="Calibri"/>
               </a:rPr>
-              <a:t>Test</a:t>
+              <a:t>Test   </a:t>
             </a:r>
           </a:p>
           <a:p>
             <a:pPr algn="ctr"/>
             <a:r>
-              <a:rPr lang="en-US">
+              <a:rPr lang="en-US" dirty="0">
                 <a:latin typeface="Calibri"/>
                 <a:cs typeface="Calibri"/>
               </a:rPr>
-              <a:t>Data</a:t>
+              <a:t>Data   </a:t>
             </a:r>
           </a:p>
         </p:txBody>
@@ -18678,6 +23235,45 @@
           </a:fontRef>
         </p:style>
       </p:cxnSp>
+      <p:pic>
+        <p:nvPicPr>
+          <p:cNvPr id="6" name="Graphic 5" descr="Unlock with solid fill">
+            <a:extLst>
+              <a:ext uri="{FF2B5EF4-FFF2-40B4-BE49-F238E27FC236}">
+                <a16:creationId xmlns:a16="http://schemas.microsoft.com/office/drawing/2014/main" id="{B1EAD544-8074-E914-D0BC-88B8725BC996}"/>
+              </a:ext>
+            </a:extLst>
+          </p:cNvPr>
+          <p:cNvPicPr>
+            <a:picLocks noChangeAspect="1"/>
+          </p:cNvPicPr>
+          <p:nvPr/>
+        </p:nvPicPr>
+        <p:blipFill>
+          <a:blip r:embed="rId3">
+            <a:extLst>
+              <a:ext uri="{28A0092B-C50C-407E-A947-70E740481C1C}">
+                <a14:useLocalDpi xmlns:a14="http://schemas.microsoft.com/office/drawing/2010/main" val="0"/>
+              </a:ext>
+              <a:ext uri="{96DAC541-7B7A-43D3-8B79-37D633B846F1}">
+                <asvg:svgBlip xmlns:asvg="http://schemas.microsoft.com/office/drawing/2016/SVG/main" r:embed="rId4"/>
+              </a:ext>
+            </a:extLst>
+          </a:blip>
+          <a:stretch>
+            <a:fillRect/>
+          </a:stretch>
+        </p:blipFill>
+        <p:spPr>
+          <a:xfrm>
+            <a:off x="10629900" y="5410200"/>
+            <a:ext cx="914400" cy="914400"/>
+          </a:xfrm>
+          <a:prstGeom prst="rect">
+            <a:avLst/>
+          </a:prstGeom>
+        </p:spPr>
+      </p:pic>
     </p:spTree>
     <p:extLst>
       <p:ext uri="{BB962C8B-B14F-4D97-AF65-F5344CB8AC3E}">
@@ -18738,8 +23334,8 @@
           </a:p>
         </p:txBody>
       </p:sp>
-      <mc:AlternateContent xmlns:mc="http://schemas.openxmlformats.org/markup-compatibility/2006" xmlns:a14="http://schemas.microsoft.com/office/drawing/2010/main">
-        <mc:Choice Requires="a14">
+      <mc:AlternateContent xmlns:mc="http://schemas.openxmlformats.org/markup-compatibility/2006">
+        <mc:Choice xmlns:a14="http://schemas.microsoft.com/office/drawing/2010/main" Requires="a14">
           <p:sp>
             <p:nvSpPr>
               <p:cNvPr id="1283075" name="Rectangle 3"/>
@@ -18809,7 +23405,7 @@
                 <a:pPr lvl="1"/>
                 <a:r>
                   <a:rPr lang="en-US" dirty="0"/>
-                  <a:t>split the training &amp; validation data randomly into k folds.</a:t>
+                  <a:t>Split the training &amp; validation data randomly into k folds.</a:t>
                 </a:r>
               </a:p>
               <a:p>
@@ -18902,7 +23498,7 @@
             </p:txBody>
           </p:sp>
         </mc:Choice>
-        <mc:Fallback xmlns="">
+        <mc:Fallback>
           <p:sp>
             <p:nvSpPr>
               <p:cNvPr id="1283075" name="Rectangle 3"/>
@@ -19266,29 +23862,23 @@
         </p:nvSpPr>
         <p:spPr>
           <a:xfrm>
-            <a:off x="914400" y="1595436"/>
-            <a:ext cx="10363200" cy="4729164"/>
+            <a:off x="914400" y="2667000"/>
+            <a:ext cx="10363200" cy="3825875"/>
           </a:xfrm>
         </p:spPr>
         <p:txBody>
           <a:bodyPr>
-            <a:normAutofit fontScale="77500" lnSpcReduction="20000"/>
+            <a:normAutofit fontScale="70000" lnSpcReduction="20000"/>
           </a:bodyPr>
           <a:lstStyle/>
           <a:p>
-            <a:pPr eaLnBrk="1" hangingPunct="1"/>
+            <a:pPr marL="0" indent="0" eaLnBrk="1" hangingPunct="1">
+              <a:buNone/>
+            </a:pPr>
             <a:r>
               <a:rPr lang="en-US" sz="2800" b="1" dirty="0"/>
-              <a:t>Up until now: </a:t>
+              <a:t>Machine Learning</a:t>
             </a:r>
-            <a:r>
-              <a:rPr lang="en-US" sz="2800" dirty="0"/>
-              <a:t>hand-craft algorithms to make rational/optimal or at least good decisions. Examples: Search strategies, heuristics.</a:t>
-            </a:r>
-          </a:p>
-          <a:p>
-            <a:pPr eaLnBrk="1" hangingPunct="1"/>
-            <a:endParaRPr lang="en-US" sz="2400" dirty="0"/>
           </a:p>
           <a:p>
             <a:pPr eaLnBrk="1" hangingPunct="1"/>
@@ -19300,20 +23890,16 @@
               <a:rPr lang="en-US" sz="2800" dirty="0"/>
               <a:t>: Improve performance after making observations about the world. That is, learn what works and what doesn’t.</a:t>
             </a:r>
+            <a:endParaRPr lang="en-US" b="1" dirty="0"/>
           </a:p>
           <a:p>
-            <a:pPr eaLnBrk="1" hangingPunct="1"/>
-            <a:endParaRPr lang="en-US" sz="2400" dirty="0"/>
-          </a:p>
-          <a:p>
-            <a:pPr eaLnBrk="1" hangingPunct="1"/>
+            <a:r>
+              <a:rPr lang="en-US" b="1" dirty="0"/>
+              <a:t>H</a:t>
+            </a:r>
             <a:r>
               <a:rPr lang="en-US" sz="2800" b="1" dirty="0"/>
-              <a:t>Machine learning:</a:t>
-            </a:r>
-            <a:r>
-              <a:rPr lang="en-US" sz="2800" dirty="0"/>
-              <a:t> how to build a model from data/experience</a:t>
+              <a:t>ow to build a model from data/experience?</a:t>
             </a:r>
           </a:p>
           <a:p>
@@ -19328,7 +23914,7 @@
             </a:r>
             <a:r>
               <a:rPr lang="en-US" sz="2400" dirty="0"/>
-              <a:t>: Learn a function to map input to output. Examples:</a:t>
+              <a:t>: Learn a function (model) to map input to output from a training set. Examples:</a:t>
             </a:r>
           </a:p>
           <a:p>
@@ -19348,15 +23934,23 @@
           <a:p>
             <a:pPr lvl="1"/>
             <a:r>
+              <a:rPr lang="en-US" b="1" dirty="0"/>
+              <a:t>Unsupervised Learning</a:t>
+            </a:r>
+            <a:r>
               <a:rPr lang="en-US" dirty="0"/>
-              <a:t>Unsupervised Learning: Organize data (e.g., clustering, embedding)</a:t>
+              <a:t>: Organize data (e.g., clustering, embedding)</a:t>
             </a:r>
           </a:p>
           <a:p>
             <a:pPr lvl="1" eaLnBrk="1" hangingPunct="1"/>
             <a:r>
+              <a:rPr lang="en-US" sz="2400" b="1" dirty="0"/>
+              <a:t>Reinforcement Learning</a:t>
+            </a:r>
+            <a:r>
               <a:rPr lang="en-US" sz="2400" dirty="0"/>
-              <a:t>Reinforcement Learning: Learn from rewards/punishment (e.g., winning a game).</a:t>
+              <a:t>: Learn from rewards/punishment (e.g., winning a game) obtained via interaction with the environment over time.</a:t>
             </a:r>
           </a:p>
           <a:p>
@@ -19381,6 +23975,82 @@
               <a:rPr lang="en-US" sz="2400" dirty="0"/>
               <a:t>Designer may have examples but does not know how to program a solution.</a:t>
             </a:r>
+          </a:p>
+        </p:txBody>
+      </p:sp>
+      <p:sp>
+        <p:nvSpPr>
+          <p:cNvPr id="2" name="Rectangle 1">
+            <a:extLst>
+              <a:ext uri="{FF2B5EF4-FFF2-40B4-BE49-F238E27FC236}">
+                <a16:creationId xmlns:a16="http://schemas.microsoft.com/office/drawing/2014/main" id="{3FCA6592-0F81-C186-5953-75C015A330F3}"/>
+              </a:ext>
+            </a:extLst>
+          </p:cNvPr>
+          <p:cNvSpPr/>
+          <p:nvPr/>
+        </p:nvSpPr>
+        <p:spPr>
+          <a:xfrm>
+            <a:off x="762000" y="1341437"/>
+            <a:ext cx="10515600" cy="1173163"/>
+          </a:xfrm>
+          <a:prstGeom prst="rect">
+            <a:avLst/>
+          </a:prstGeom>
+        </p:spPr>
+        <p:style>
+          <a:lnRef idx="3">
+            <a:schemeClr val="lt1"/>
+          </a:lnRef>
+          <a:fillRef idx="1">
+            <a:schemeClr val="accent6"/>
+          </a:fillRef>
+          <a:effectRef idx="1">
+            <a:schemeClr val="accent6"/>
+          </a:effectRef>
+          <a:fontRef idx="minor">
+            <a:schemeClr val="lt1"/>
+          </a:fontRef>
+        </p:style>
+        <p:txBody>
+          <a:bodyPr rtlCol="0" anchor="ctr"/>
+          <a:lstStyle/>
+          <a:p>
+            <a:pPr marL="0" indent="0" eaLnBrk="1" hangingPunct="1">
+              <a:buNone/>
+            </a:pPr>
+            <a:r>
+              <a:rPr lang="en-US" sz="1800" b="1" dirty="0"/>
+              <a:t>Up until now in this course:</a:t>
+            </a:r>
+            <a:endParaRPr lang="en-US" b="1" dirty="0"/>
+          </a:p>
+          <a:p>
+            <a:pPr marL="285750" indent="-285750" eaLnBrk="1" hangingPunct="1">
+              <a:buFont typeface="Arial" panose="020B0604020202020204" pitchFamily="34" charset="0"/>
+              <a:buChar char="•"/>
+            </a:pPr>
+            <a:r>
+              <a:rPr lang="en-US" b="1" dirty="0"/>
+              <a:t>H</a:t>
+            </a:r>
+            <a:r>
+              <a:rPr lang="en-US" sz="1800" b="1" dirty="0"/>
+              <a:t>and-craft algorithms </a:t>
+            </a:r>
+            <a:r>
+              <a:rPr lang="en-US" sz="1800" dirty="0"/>
+              <a:t>to make rational/optimal or at least good decisions. </a:t>
+            </a:r>
+            <a:br>
+              <a:rPr lang="en-US" sz="1800" dirty="0"/>
+            </a:br>
+            <a:r>
+              <a:rPr lang="en-US" sz="1800" dirty="0"/>
+              <a:t>Examples: Search strategies, heuristics.</a:t>
+            </a:r>
+            <a:endParaRPr lang="en-US" sz="1600" dirty="0"/>
           </a:p>
         </p:txBody>
       </p:sp>
@@ -19773,7 +24443,7 @@
             </a:r>
             <a:r>
               <a:rPr lang="en-US" sz="2400" dirty="0"/>
-              <a:t>For research, we typically compare to previous work as a baseline.</a:t>
+              <a:t>For research, we typically compare to previous published state-of-the-art as a baseline.</a:t>
             </a:r>
           </a:p>
           <a:p>
@@ -19881,33 +24551,15 @@
                                   </p:childTnLst>
                                 </p:cTn>
                               </p:par>
-                            </p:childTnLst>
-                          </p:cTn>
-                        </p:par>
-                      </p:childTnLst>
-                    </p:cTn>
-                  </p:par>
-                  <p:par>
-                    <p:cTn id="7" fill="hold">
-                      <p:stCondLst>
-                        <p:cond delay="indefinite"/>
-                      </p:stCondLst>
-                      <p:childTnLst>
-                        <p:par>
-                          <p:cTn id="8" fill="hold">
-                            <p:stCondLst>
-                              <p:cond delay="0"/>
-                            </p:stCondLst>
-                            <p:childTnLst>
                               <p:par>
-                                <p:cTn id="9" presetID="1" presetClass="entr" presetSubtype="0" fill="hold" nodeType="clickEffect">
+                                <p:cTn id="7" presetID="1" presetClass="entr" presetSubtype="0" fill="hold" nodeType="withEffect">
                                   <p:stCondLst>
                                     <p:cond delay="0"/>
                                   </p:stCondLst>
                                   <p:childTnLst>
                                     <p:set>
                                       <p:cBhvr>
-                                        <p:cTn id="10" dur="1" fill="hold">
+                                        <p:cTn id="8" dur="1" fill="hold">
                                           <p:stCondLst>
                                             <p:cond delay="0"/>
                                           </p:stCondLst>
@@ -19930,33 +24582,15 @@
                                   </p:childTnLst>
                                 </p:cTn>
                               </p:par>
-                            </p:childTnLst>
-                          </p:cTn>
-                        </p:par>
-                      </p:childTnLst>
-                    </p:cTn>
-                  </p:par>
-                  <p:par>
-                    <p:cTn id="11" fill="hold">
-                      <p:stCondLst>
-                        <p:cond delay="indefinite"/>
-                      </p:stCondLst>
-                      <p:childTnLst>
-                        <p:par>
-                          <p:cTn id="12" fill="hold">
-                            <p:stCondLst>
-                              <p:cond delay="0"/>
-                            </p:stCondLst>
-                            <p:childTnLst>
                               <p:par>
-                                <p:cTn id="13" presetID="1" presetClass="entr" presetSubtype="0" fill="hold" nodeType="clickEffect">
+                                <p:cTn id="9" presetID="1" presetClass="entr" presetSubtype="0" fill="hold" nodeType="withEffect">
                                   <p:stCondLst>
                                     <p:cond delay="0"/>
                                   </p:stCondLst>
                                   <p:childTnLst>
                                     <p:set>
                                       <p:cBhvr>
-                                        <p:cTn id="14" dur="1" fill="hold">
+                                        <p:cTn id="10" dur="1" fill="hold">
                                           <p:stCondLst>
                                             <p:cond delay="0"/>
                                           </p:stCondLst>
@@ -19979,33 +24613,15 @@
                                   </p:childTnLst>
                                 </p:cTn>
                               </p:par>
-                            </p:childTnLst>
-                          </p:cTn>
-                        </p:par>
-                      </p:childTnLst>
-                    </p:cTn>
-                  </p:par>
-                  <p:par>
-                    <p:cTn id="15" fill="hold">
-                      <p:stCondLst>
-                        <p:cond delay="indefinite"/>
-                      </p:stCondLst>
-                      <p:childTnLst>
-                        <p:par>
-                          <p:cTn id="16" fill="hold">
-                            <p:stCondLst>
-                              <p:cond delay="0"/>
-                            </p:stCondLst>
-                            <p:childTnLst>
                               <p:par>
-                                <p:cTn id="17" presetID="1" presetClass="entr" presetSubtype="0" fill="hold" nodeType="clickEffect">
+                                <p:cTn id="11" presetID="1" presetClass="entr" presetSubtype="0" fill="hold" nodeType="withEffect">
                                   <p:stCondLst>
                                     <p:cond delay="0"/>
                                   </p:stCondLst>
                                   <p:childTnLst>
                                     <p:set>
                                       <p:cBhvr>
-                                        <p:cTn id="18" dur="1" fill="hold">
+                                        <p:cTn id="12" dur="1" fill="hold">
                                           <p:stCondLst>
                                             <p:cond delay="0"/>
                                           </p:stCondLst>
@@ -20028,33 +24644,15 @@
                                   </p:childTnLst>
                                 </p:cTn>
                               </p:par>
-                            </p:childTnLst>
-                          </p:cTn>
-                        </p:par>
-                      </p:childTnLst>
-                    </p:cTn>
-                  </p:par>
-                  <p:par>
-                    <p:cTn id="19" fill="hold">
-                      <p:stCondLst>
-                        <p:cond delay="indefinite"/>
-                      </p:stCondLst>
-                      <p:childTnLst>
-                        <p:par>
-                          <p:cTn id="20" fill="hold">
-                            <p:stCondLst>
-                              <p:cond delay="0"/>
-                            </p:stCondLst>
-                            <p:childTnLst>
                               <p:par>
-                                <p:cTn id="21" presetID="1" presetClass="entr" presetSubtype="0" fill="hold" nodeType="clickEffect">
+                                <p:cTn id="13" presetID="1" presetClass="entr" presetSubtype="0" fill="hold" nodeType="withEffect">
                                   <p:stCondLst>
                                     <p:cond delay="0"/>
                                   </p:stCondLst>
                                   <p:childTnLst>
                                     <p:set>
                                       <p:cBhvr>
-                                        <p:cTn id="22" dur="1" fill="hold">
+                                        <p:cTn id="14" dur="1" fill="hold">
                                           <p:stCondLst>
                                             <p:cond delay="0"/>
                                           </p:stCondLst>
@@ -20077,33 +24675,15 @@
                                   </p:childTnLst>
                                 </p:cTn>
                               </p:par>
-                            </p:childTnLst>
-                          </p:cTn>
-                        </p:par>
-                      </p:childTnLst>
-                    </p:cTn>
-                  </p:par>
-                  <p:par>
-                    <p:cTn id="23" fill="hold">
-                      <p:stCondLst>
-                        <p:cond delay="indefinite"/>
-                      </p:stCondLst>
-                      <p:childTnLst>
-                        <p:par>
-                          <p:cTn id="24" fill="hold">
-                            <p:stCondLst>
-                              <p:cond delay="0"/>
-                            </p:stCondLst>
-                            <p:childTnLst>
                               <p:par>
-                                <p:cTn id="25" presetID="1" presetClass="entr" presetSubtype="0" fill="hold" nodeType="clickEffect">
+                                <p:cTn id="15" presetID="1" presetClass="entr" presetSubtype="0" fill="hold" nodeType="withEffect">
                                   <p:stCondLst>
                                     <p:cond delay="0"/>
                                   </p:stCondLst>
                                   <p:childTnLst>
                                     <p:set>
                                       <p:cBhvr>
-                                        <p:cTn id="26" dur="1" fill="hold">
+                                        <p:cTn id="16" dur="1" fill="hold">
                                           <p:stCondLst>
                                             <p:cond delay="0"/>
                                           </p:stCondLst>
@@ -21846,8 +26426,8 @@
         </p:nvSpPr>
         <p:spPr>
           <a:xfrm rot="5400000">
-            <a:off x="2984396" y="5440020"/>
-            <a:ext cx="210267" cy="1217428"/>
+            <a:off x="2831503" y="5632571"/>
+            <a:ext cx="170610" cy="871984"/>
           </a:xfrm>
           <a:prstGeom prst="rightBrace">
             <a:avLst/>
@@ -21911,100 +26491,6 @@
           </a:p>
         </p:txBody>
       </p:sp>
-      <mc:AlternateContent xmlns:mc="http://schemas.openxmlformats.org/markup-compatibility/2006" xmlns:a14="http://schemas.microsoft.com/office/drawing/2010/main">
-        <mc:Choice Requires="a14">
-          <p:sp>
-            <p:nvSpPr>
-              <p:cNvPr id="9" name="TextBox 8">
-                <a:extLst>
-                  <a:ext uri="{FF2B5EF4-FFF2-40B4-BE49-F238E27FC236}">
-                    <a16:creationId xmlns:a16="http://schemas.microsoft.com/office/drawing/2014/main" id="{3CFEDD17-64BC-43CD-8771-AFFF9A5BA09D}"/>
-                  </a:ext>
-                </a:extLst>
-              </p:cNvPr>
-              <p:cNvSpPr txBox="1"/>
-              <p:nvPr/>
-            </p:nvSpPr>
-            <p:spPr>
-              <a:xfrm>
-                <a:off x="6561829" y="2488582"/>
-                <a:ext cx="4876800" cy="369332"/>
-              </a:xfrm>
-              <a:prstGeom prst="rect">
-                <a:avLst/>
-              </a:prstGeom>
-              <a:noFill/>
-            </p:spPr>
-            <p:txBody>
-              <a:bodyPr wrap="square" rtlCol="0">
-                <a:spAutoFit/>
-              </a:bodyPr>
-              <a:lstStyle/>
-              <a:p>
-                <a:r>
-                  <a:rPr lang="en-US" dirty="0"/>
-                  <a:t>Squared error loss over the whole data matrix </a:t>
-                </a:r>
-                <a14:m>
-                  <m:oMath xmlns:m="http://schemas.openxmlformats.org/officeDocument/2006/math">
-                    <m:r>
-                      <a:rPr lang="en-US" b="1" i="1" dirty="0" smtClean="0">
-                        <a:latin typeface="Cambria Math" panose="02040503050406030204" pitchFamily="18" charset="0"/>
-                      </a:rPr>
-                      <m:t>𝑿</m:t>
-                    </m:r>
-                  </m:oMath>
-                </a14:m>
-                <a:endParaRPr lang="en-US" b="1" dirty="0"/>
-              </a:p>
-            </p:txBody>
-          </p:sp>
-        </mc:Choice>
-        <mc:Fallback xmlns="">
-          <p:sp>
-            <p:nvSpPr>
-              <p:cNvPr id="9" name="TextBox 8">
-                <a:extLst>
-                  <a:ext uri="{FF2B5EF4-FFF2-40B4-BE49-F238E27FC236}">
-                    <a16:creationId xmlns:a16="http://schemas.microsoft.com/office/drawing/2014/main" id="{3CFEDD17-64BC-43CD-8771-AFFF9A5BA09D}"/>
-                  </a:ext>
-                </a:extLst>
-              </p:cNvPr>
-              <p:cNvSpPr txBox="1">
-                <a:spLocks noRot="1" noChangeAspect="1" noMove="1" noResize="1" noEditPoints="1" noAdjustHandles="1" noChangeArrowheads="1" noChangeShapeType="1" noTextEdit="1"/>
-              </p:cNvSpPr>
-              <p:nvPr/>
-            </p:nvSpPr>
-            <p:spPr>
-              <a:xfrm>
-                <a:off x="6561829" y="2488582"/>
-                <a:ext cx="4876800" cy="369332"/>
-              </a:xfrm>
-              <a:prstGeom prst="rect">
-                <a:avLst/>
-              </a:prstGeom>
-              <a:blipFill>
-                <a:blip r:embed="rId6"/>
-                <a:stretch>
-                  <a:fillRect l="-1000" t="-8197" b="-24590"/>
-                </a:stretch>
-              </a:blipFill>
-            </p:spPr>
-            <p:txBody>
-              <a:bodyPr/>
-              <a:lstStyle/>
-              <a:p>
-                <a:r>
-                  <a:rPr lang="en-US">
-                    <a:noFill/>
-                  </a:rPr>
-                  <a:t> </a:t>
-                </a:r>
-              </a:p>
-            </p:txBody>
-          </p:sp>
-        </mc:Fallback>
-      </mc:AlternateContent>
       <mc:AlternateContent xmlns:mc="http://schemas.openxmlformats.org/markup-compatibility/2006" xmlns:a14="http://schemas.microsoft.com/office/drawing/2010/main">
         <mc:Choice Requires="a14">
           <p:sp>
@@ -22200,10 +26686,10 @@
         <mc:Choice Requires="a14">
           <p:sp>
             <p:nvSpPr>
-              <p:cNvPr id="13" name="TextBox 12">
+              <p:cNvPr id="14" name="TextBox 13">
                 <a:extLst>
                   <a:ext uri="{FF2B5EF4-FFF2-40B4-BE49-F238E27FC236}">
-                    <a16:creationId xmlns:a16="http://schemas.microsoft.com/office/drawing/2014/main" id="{C5B1B45B-372D-45B5-B974-304543268503}"/>
+                    <a16:creationId xmlns:a16="http://schemas.microsoft.com/office/drawing/2014/main" id="{674510E1-A93D-4A3A-94C9-F1A0DD6A0845}"/>
                   </a:ext>
                 </a:extLst>
               </p:cNvPr>
@@ -22212,8 +26698,8 @@
             </p:nvSpPr>
             <p:spPr>
               <a:xfrm>
-                <a:off x="6538028" y="2887344"/>
-                <a:ext cx="5501572" cy="1040541"/>
+                <a:off x="9969500" y="4380954"/>
+                <a:ext cx="1231900" cy="369332"/>
               </a:xfrm>
               <a:prstGeom prst="rect">
                 <a:avLst/>
@@ -22221,9 +26707,482 @@
               <a:noFill/>
             </p:spPr>
             <p:txBody>
-              <a:bodyPr wrap="square" rtlCol="0">
+              <a:bodyPr wrap="square">
                 <a:spAutoFit/>
               </a:bodyPr>
+              <a:lstStyle/>
+              <a:p>
+                <a:pPr/>
+                <a14:m>
+                  <m:oMathPara xmlns:m="http://schemas.openxmlformats.org/officeDocument/2006/math">
+                    <m:oMathParaPr>
+                      <m:jc m:val="centerGroup"/>
+                    </m:oMathParaPr>
+                    <m:oMath xmlns:m="http://schemas.openxmlformats.org/officeDocument/2006/math">
+                      <m:r>
+                        <m:rPr>
+                          <m:sty m:val="p"/>
+                        </m:rPr>
+                        <a:rPr lang="en-US" i="1" smtClean="0">
+                          <a:latin typeface="Cambria Math" panose="02040503050406030204" pitchFamily="18" charset="0"/>
+                          <a:ea typeface="Cambria Math" panose="02040503050406030204" pitchFamily="18" charset="0"/>
+                        </a:rPr>
+                        <m:t>∇</m:t>
+                      </m:r>
+                      <m:r>
+                        <a:rPr lang="en-US" i="1">
+                          <a:latin typeface="Cambria Math" panose="02040503050406030204" pitchFamily="18" charset="0"/>
+                        </a:rPr>
+                        <m:t>𝐿</m:t>
+                      </m:r>
+                      <m:d>
+                        <m:dPr>
+                          <m:ctrlPr>
+                            <a:rPr lang="en-US" b="1" i="1">
+                              <a:latin typeface="Cambria Math" panose="02040503050406030204" pitchFamily="18" charset="0"/>
+                            </a:rPr>
+                          </m:ctrlPr>
+                        </m:dPr>
+                        <m:e>
+                          <m:r>
+                            <a:rPr lang="en-US" b="1" i="1">
+                              <a:latin typeface="Cambria Math" panose="02040503050406030204" pitchFamily="18" charset="0"/>
+                            </a:rPr>
+                            <m:t>𝒘</m:t>
+                          </m:r>
+                        </m:e>
+                      </m:d>
+                    </m:oMath>
+                  </m:oMathPara>
+                </a14:m>
+                <a:endParaRPr lang="en-US" dirty="0"/>
+              </a:p>
+            </p:txBody>
+          </p:sp>
+        </mc:Choice>
+        <mc:Fallback xmlns="">
+          <p:sp>
+            <p:nvSpPr>
+              <p:cNvPr id="14" name="TextBox 13">
+                <a:extLst>
+                  <a:ext uri="{FF2B5EF4-FFF2-40B4-BE49-F238E27FC236}">
+                    <a16:creationId xmlns:a16="http://schemas.microsoft.com/office/drawing/2014/main" id="{674510E1-A93D-4A3A-94C9-F1A0DD6A0845}"/>
+                  </a:ext>
+                </a:extLst>
+              </p:cNvPr>
+              <p:cNvSpPr txBox="1">
+                <a:spLocks noRot="1" noChangeAspect="1" noMove="1" noResize="1" noEditPoints="1" noAdjustHandles="1" noChangeArrowheads="1" noChangeShapeType="1" noTextEdit="1"/>
+              </p:cNvSpPr>
+              <p:nvPr/>
+            </p:nvSpPr>
+            <p:spPr>
+              <a:xfrm>
+                <a:off x="9969500" y="4380954"/>
+                <a:ext cx="1231900" cy="369332"/>
+              </a:xfrm>
+              <a:prstGeom prst="rect">
+                <a:avLst/>
+              </a:prstGeom>
+              <a:blipFill>
+                <a:blip r:embed="rId9"/>
+                <a:stretch>
+                  <a:fillRect/>
+                </a:stretch>
+              </a:blipFill>
+            </p:spPr>
+            <p:txBody>
+              <a:bodyPr/>
+              <a:lstStyle/>
+              <a:p>
+                <a:r>
+                  <a:rPr lang="en-US">
+                    <a:noFill/>
+                  </a:rPr>
+                  <a:t> </a:t>
+                </a:r>
+              </a:p>
+            </p:txBody>
+          </p:sp>
+        </mc:Fallback>
+      </mc:AlternateContent>
+      <p:cxnSp>
+        <p:nvCxnSpPr>
+          <p:cNvPr id="15" name="Straight Arrow Connector 14">
+            <a:extLst>
+              <a:ext uri="{FF2B5EF4-FFF2-40B4-BE49-F238E27FC236}">
+                <a16:creationId xmlns:a16="http://schemas.microsoft.com/office/drawing/2014/main" id="{43E9140F-8A35-41C8-BAA3-86891CBF5B38}"/>
+              </a:ext>
+            </a:extLst>
+          </p:cNvPr>
+          <p:cNvCxnSpPr>
+            <a:cxnSpLocks/>
+          </p:cNvCxnSpPr>
+          <p:nvPr/>
+        </p:nvCxnSpPr>
+        <p:spPr>
+          <a:xfrm>
+            <a:off x="9753600" y="4876800"/>
+            <a:ext cx="121284" cy="382730"/>
+          </a:xfrm>
+          <a:prstGeom prst="straightConnector1">
+            <a:avLst/>
+          </a:prstGeom>
+          <a:ln>
+            <a:tailEnd type="triangle" w="lg" len="lg"/>
+          </a:ln>
+        </p:spPr>
+        <p:style>
+          <a:lnRef idx="3">
+            <a:schemeClr val="accent2"/>
+          </a:lnRef>
+          <a:fillRef idx="0">
+            <a:schemeClr val="accent2"/>
+          </a:fillRef>
+          <a:effectRef idx="2">
+            <a:schemeClr val="accent2"/>
+          </a:effectRef>
+          <a:fontRef idx="minor">
+            <a:schemeClr val="tx1"/>
+          </a:fontRef>
+        </p:style>
+      </p:cxnSp>
+      <mc:AlternateContent xmlns:mc="http://schemas.openxmlformats.org/markup-compatibility/2006" xmlns:a14="http://schemas.microsoft.com/office/drawing/2010/main">
+        <mc:Choice Requires="a14">
+          <p:sp>
+            <p:nvSpPr>
+              <p:cNvPr id="18" name="TextBox 17">
+                <a:extLst>
+                  <a:ext uri="{FF2B5EF4-FFF2-40B4-BE49-F238E27FC236}">
+                    <a16:creationId xmlns:a16="http://schemas.microsoft.com/office/drawing/2014/main" id="{A4845CDE-4E80-4AFF-96A8-82E8D266E357}"/>
+                  </a:ext>
+                </a:extLst>
+              </p:cNvPr>
+              <p:cNvSpPr txBox="1"/>
+              <p:nvPr/>
+            </p:nvSpPr>
+            <p:spPr>
+              <a:xfrm>
+                <a:off x="9296400" y="4586221"/>
+                <a:ext cx="609600" cy="369332"/>
+              </a:xfrm>
+              <a:prstGeom prst="rect">
+                <a:avLst/>
+              </a:prstGeom>
+              <a:noFill/>
+            </p:spPr>
+            <p:txBody>
+              <a:bodyPr wrap="square">
+                <a:spAutoFit/>
+              </a:bodyPr>
+              <a:lstStyle/>
+              <a:p>
+                <a:pPr/>
+                <a14:m>
+                  <m:oMathPara xmlns:m="http://schemas.openxmlformats.org/officeDocument/2006/math">
+                    <m:oMathParaPr>
+                      <m:jc m:val="centerGroup"/>
+                    </m:oMathParaPr>
+                    <m:oMath xmlns:m="http://schemas.openxmlformats.org/officeDocument/2006/math">
+                      <m:r>
+                        <a:rPr lang="en-US" b="1" i="1" smtClean="0">
+                          <a:latin typeface="Cambria Math" panose="02040503050406030204" pitchFamily="18" charset="0"/>
+                        </a:rPr>
+                        <m:t>𝒘</m:t>
+                      </m:r>
+                    </m:oMath>
+                  </m:oMathPara>
+                </a14:m>
+                <a:endParaRPr lang="en-US" dirty="0"/>
+              </a:p>
+            </p:txBody>
+          </p:sp>
+        </mc:Choice>
+        <mc:Fallback xmlns="">
+          <p:sp>
+            <p:nvSpPr>
+              <p:cNvPr id="18" name="TextBox 17">
+                <a:extLst>
+                  <a:ext uri="{FF2B5EF4-FFF2-40B4-BE49-F238E27FC236}">
+                    <a16:creationId xmlns:a16="http://schemas.microsoft.com/office/drawing/2014/main" id="{A4845CDE-4E80-4AFF-96A8-82E8D266E357}"/>
+                  </a:ext>
+                </a:extLst>
+              </p:cNvPr>
+              <p:cNvSpPr txBox="1">
+                <a:spLocks noRot="1" noChangeAspect="1" noMove="1" noResize="1" noEditPoints="1" noAdjustHandles="1" noChangeArrowheads="1" noChangeShapeType="1" noTextEdit="1"/>
+              </p:cNvSpPr>
+              <p:nvPr/>
+            </p:nvSpPr>
+            <p:spPr>
+              <a:xfrm>
+                <a:off x="9296400" y="4586221"/>
+                <a:ext cx="609600" cy="369332"/>
+              </a:xfrm>
+              <a:prstGeom prst="rect">
+                <a:avLst/>
+              </a:prstGeom>
+              <a:blipFill>
+                <a:blip r:embed="rId10"/>
+                <a:stretch>
+                  <a:fillRect/>
+                </a:stretch>
+              </a:blipFill>
+            </p:spPr>
+            <p:txBody>
+              <a:bodyPr/>
+              <a:lstStyle/>
+              <a:p>
+                <a:r>
+                  <a:rPr lang="en-US">
+                    <a:noFill/>
+                  </a:rPr>
+                  <a:t> </a:t>
+                </a:r>
+              </a:p>
+            </p:txBody>
+          </p:sp>
+        </mc:Fallback>
+      </mc:AlternateContent>
+      <p:sp>
+        <p:nvSpPr>
+          <p:cNvPr id="19" name="Oval 18">
+            <a:extLst>
+              <a:ext uri="{FF2B5EF4-FFF2-40B4-BE49-F238E27FC236}">
+                <a16:creationId xmlns:a16="http://schemas.microsoft.com/office/drawing/2014/main" id="{C2A8E63D-95B9-4405-A60E-26D6C5A48857}"/>
+              </a:ext>
+            </a:extLst>
+          </p:cNvPr>
+          <p:cNvSpPr/>
+          <p:nvPr/>
+        </p:nvSpPr>
+        <p:spPr>
+          <a:xfrm>
+            <a:off x="9730740" y="4820279"/>
+            <a:ext cx="45719" cy="53787"/>
+          </a:xfrm>
+          <a:prstGeom prst="ellipse">
+            <a:avLst/>
+          </a:prstGeom>
+        </p:spPr>
+        <p:style>
+          <a:lnRef idx="2">
+            <a:schemeClr val="dk1">
+              <a:shade val="50000"/>
+            </a:schemeClr>
+          </a:lnRef>
+          <a:fillRef idx="1">
+            <a:schemeClr val="dk1"/>
+          </a:fillRef>
+          <a:effectRef idx="0">
+            <a:schemeClr val="dk1"/>
+          </a:effectRef>
+          <a:fontRef idx="minor">
+            <a:schemeClr val="lt1"/>
+          </a:fontRef>
+        </p:style>
+        <p:txBody>
+          <a:bodyPr rtlCol="0" anchor="ctr"/>
+          <a:lstStyle/>
+          <a:p>
+            <a:pPr algn="ctr"/>
+            <a:endParaRPr lang="en-US"/>
+          </a:p>
+        </p:txBody>
+      </p:sp>
+      <p:cxnSp>
+        <p:nvCxnSpPr>
+          <p:cNvPr id="21" name="Straight Connector 20">
+            <a:extLst>
+              <a:ext uri="{FF2B5EF4-FFF2-40B4-BE49-F238E27FC236}">
+                <a16:creationId xmlns:a16="http://schemas.microsoft.com/office/drawing/2014/main" id="{EB15E0E4-DDA3-48B5-A02F-888000E1036E}"/>
+              </a:ext>
+            </a:extLst>
+          </p:cNvPr>
+          <p:cNvCxnSpPr>
+            <a:cxnSpLocks/>
+          </p:cNvCxnSpPr>
+          <p:nvPr/>
+        </p:nvCxnSpPr>
+        <p:spPr>
+          <a:xfrm flipH="1">
+            <a:off x="9906000" y="4692134"/>
+            <a:ext cx="304800" cy="263419"/>
+          </a:xfrm>
+          <a:prstGeom prst="line">
+            <a:avLst/>
+          </a:prstGeom>
+        </p:spPr>
+        <p:style>
+          <a:lnRef idx="3">
+            <a:schemeClr val="accent6"/>
+          </a:lnRef>
+          <a:fillRef idx="0">
+            <a:schemeClr val="accent6"/>
+          </a:fillRef>
+          <a:effectRef idx="2">
+            <a:schemeClr val="accent6"/>
+          </a:effectRef>
+          <a:fontRef idx="minor">
+            <a:schemeClr val="tx1"/>
+          </a:fontRef>
+        </p:style>
+      </p:cxnSp>
+      <mc:AlternateContent xmlns:mc="http://schemas.openxmlformats.org/markup-compatibility/2006">
+        <mc:Choice xmlns:a14="http://schemas.microsoft.com/office/drawing/2010/main" Requires="a14">
+          <p:sp>
+            <p:nvSpPr>
+              <p:cNvPr id="16" name="Speech Bubble: Rectangle 15">
+                <a:extLst>
+                  <a:ext uri="{FF2B5EF4-FFF2-40B4-BE49-F238E27FC236}">
+                    <a16:creationId xmlns:a16="http://schemas.microsoft.com/office/drawing/2014/main" id="{DFB638AC-1DFC-E43D-0210-4F06FB7832AB}"/>
+                  </a:ext>
+                </a:extLst>
+              </p:cNvPr>
+              <p:cNvSpPr/>
+              <p:nvPr/>
+            </p:nvSpPr>
+            <p:spPr>
+              <a:xfrm>
+                <a:off x="6538028" y="2228552"/>
+                <a:ext cx="4800600" cy="369332"/>
+              </a:xfrm>
+              <a:prstGeom prst="wedgeRectCallout">
+                <a:avLst>
+                  <a:gd name="adj1" fmla="val -83039"/>
+                  <a:gd name="adj2" fmla="val 71903"/>
+                </a:avLst>
+              </a:prstGeom>
+            </p:spPr>
+            <p:style>
+              <a:lnRef idx="2">
+                <a:schemeClr val="accent6">
+                  <a:shade val="15000"/>
+                </a:schemeClr>
+              </a:lnRef>
+              <a:fillRef idx="1">
+                <a:schemeClr val="accent6"/>
+              </a:fillRef>
+              <a:effectRef idx="0">
+                <a:schemeClr val="accent6"/>
+              </a:effectRef>
+              <a:fontRef idx="minor">
+                <a:schemeClr val="lt1"/>
+              </a:fontRef>
+            </p:style>
+            <p:txBody>
+              <a:bodyPr rtlCol="0" anchor="ctr"/>
+              <a:lstStyle/>
+              <a:p>
+                <a:r>
+                  <a:rPr lang="en-US" dirty="0"/>
+                  <a:t>Squared error loss over the whole data matrix </a:t>
+                </a:r>
+                <a14:m>
+                  <m:oMath xmlns:m="http://schemas.openxmlformats.org/officeDocument/2006/math">
+                    <m:r>
+                      <a:rPr lang="en-US" b="1" i="1" dirty="0" smtClean="0">
+                        <a:latin typeface="Cambria Math" panose="02040503050406030204" pitchFamily="18" charset="0"/>
+                      </a:rPr>
+                      <m:t>𝑿</m:t>
+                    </m:r>
+                  </m:oMath>
+                </a14:m>
+                <a:endParaRPr lang="en-US" b="1" dirty="0"/>
+              </a:p>
+            </p:txBody>
+          </p:sp>
+        </mc:Choice>
+        <mc:Fallback>
+          <p:sp>
+            <p:nvSpPr>
+              <p:cNvPr id="16" name="Speech Bubble: Rectangle 15">
+                <a:extLst>
+                  <a:ext uri="{FF2B5EF4-FFF2-40B4-BE49-F238E27FC236}">
+                    <a16:creationId xmlns:a16="http://schemas.microsoft.com/office/drawing/2014/main" id="{DFB638AC-1DFC-E43D-0210-4F06FB7832AB}"/>
+                  </a:ext>
+                </a:extLst>
+              </p:cNvPr>
+              <p:cNvSpPr>
+                <a:spLocks noRot="1" noChangeAspect="1" noMove="1" noResize="1" noEditPoints="1" noAdjustHandles="1" noChangeArrowheads="1" noChangeShapeType="1" noTextEdit="1"/>
+              </p:cNvSpPr>
+              <p:nvPr/>
+            </p:nvSpPr>
+            <p:spPr>
+              <a:xfrm>
+                <a:off x="6538028" y="2228552"/>
+                <a:ext cx="4800600" cy="369332"/>
+              </a:xfrm>
+              <a:prstGeom prst="wedgeRectCallout">
+                <a:avLst>
+                  <a:gd name="adj1" fmla="val -83039"/>
+                  <a:gd name="adj2" fmla="val 71903"/>
+                </a:avLst>
+              </a:prstGeom>
+              <a:blipFill>
+                <a:blip r:embed="rId11"/>
+                <a:stretch>
+                  <a:fillRect t="-6579" b="-1316"/>
+                </a:stretch>
+              </a:blipFill>
+            </p:spPr>
+            <p:txBody>
+              <a:bodyPr/>
+              <a:lstStyle/>
+              <a:p>
+                <a:r>
+                  <a:rPr lang="en-US">
+                    <a:noFill/>
+                  </a:rPr>
+                  <a:t> </a:t>
+                </a:r>
+              </a:p>
+            </p:txBody>
+          </p:sp>
+        </mc:Fallback>
+      </mc:AlternateContent>
+      <mc:AlternateContent xmlns:mc="http://schemas.openxmlformats.org/markup-compatibility/2006">
+        <mc:Choice xmlns:a14="http://schemas.microsoft.com/office/drawing/2010/main" Requires="a14">
+          <p:sp>
+            <p:nvSpPr>
+              <p:cNvPr id="17" name="Speech Bubble: Rectangle 16">
+                <a:extLst>
+                  <a:ext uri="{FF2B5EF4-FFF2-40B4-BE49-F238E27FC236}">
+                    <a16:creationId xmlns:a16="http://schemas.microsoft.com/office/drawing/2014/main" id="{29DD3E20-C638-3E44-FDB7-E0E11F259913}"/>
+                  </a:ext>
+                </a:extLst>
+              </p:cNvPr>
+              <p:cNvSpPr/>
+              <p:nvPr/>
+            </p:nvSpPr>
+            <p:spPr>
+              <a:xfrm>
+                <a:off x="6538028" y="2692474"/>
+                <a:ext cx="4815772" cy="1184479"/>
+              </a:xfrm>
+              <a:prstGeom prst="wedgeRectCallout">
+                <a:avLst>
+                  <a:gd name="adj1" fmla="val -73470"/>
+                  <a:gd name="adj2" fmla="val 2891"/>
+                </a:avLst>
+              </a:prstGeom>
+            </p:spPr>
+            <p:style>
+              <a:lnRef idx="2">
+                <a:schemeClr val="accent6">
+                  <a:shade val="15000"/>
+                </a:schemeClr>
+              </a:lnRef>
+              <a:fillRef idx="1">
+                <a:schemeClr val="accent6"/>
+              </a:fillRef>
+              <a:effectRef idx="0">
+                <a:schemeClr val="accent6"/>
+              </a:effectRef>
+              <a:fontRef idx="minor">
+                <a:schemeClr val="lt1"/>
+              </a:fontRef>
+            </p:style>
+            <p:txBody>
+              <a:bodyPr rtlCol="0" anchor="ctr"/>
               <a:lstStyle/>
               <a:p>
                 <a:pPr/>
@@ -22591,154 +27550,34 @@
             </p:txBody>
           </p:sp>
         </mc:Choice>
-        <mc:Fallback xmlns="">
+        <mc:Fallback>
           <p:sp>
             <p:nvSpPr>
-              <p:cNvPr id="13" name="TextBox 12">
+              <p:cNvPr id="17" name="Speech Bubble: Rectangle 16">
                 <a:extLst>
                   <a:ext uri="{FF2B5EF4-FFF2-40B4-BE49-F238E27FC236}">
-                    <a16:creationId xmlns:a16="http://schemas.microsoft.com/office/drawing/2014/main" id="{C5B1B45B-372D-45B5-B974-304543268503}"/>
+                    <a16:creationId xmlns:a16="http://schemas.microsoft.com/office/drawing/2014/main" id="{29DD3E20-C638-3E44-FDB7-E0E11F259913}"/>
                   </a:ext>
                 </a:extLst>
               </p:cNvPr>
-              <p:cNvSpPr txBox="1">
+              <p:cNvSpPr>
                 <a:spLocks noRot="1" noChangeAspect="1" noMove="1" noResize="1" noEditPoints="1" noAdjustHandles="1" noChangeArrowheads="1" noChangeShapeType="1" noTextEdit="1"/>
               </p:cNvSpPr>
               <p:nvPr/>
             </p:nvSpPr>
             <p:spPr>
               <a:xfrm>
-                <a:off x="6538028" y="2887344"/>
-                <a:ext cx="5501572" cy="1040541"/>
+                <a:off x="6538028" y="2692474"/>
+                <a:ext cx="4815772" cy="1184479"/>
               </a:xfrm>
-              <a:prstGeom prst="rect">
-                <a:avLst/>
+              <a:prstGeom prst="wedgeRectCallout">
+                <a:avLst>
+                  <a:gd name="adj1" fmla="val -73470"/>
+                  <a:gd name="adj2" fmla="val 2891"/>
+                </a:avLst>
               </a:prstGeom>
               <a:blipFill>
-                <a:blip r:embed="rId8"/>
-                <a:stretch>
-                  <a:fillRect l="-998" t="-3529"/>
-                </a:stretch>
-              </a:blipFill>
-            </p:spPr>
-            <p:txBody>
-              <a:bodyPr/>
-              <a:lstStyle/>
-              <a:p>
-                <a:r>
-                  <a:rPr lang="en-US">
-                    <a:noFill/>
-                  </a:rPr>
-                  <a:t> </a:t>
-                </a:r>
-              </a:p>
-            </p:txBody>
-          </p:sp>
-        </mc:Fallback>
-      </mc:AlternateContent>
-      <mc:AlternateContent xmlns:mc="http://schemas.openxmlformats.org/markup-compatibility/2006" xmlns:a14="http://schemas.microsoft.com/office/drawing/2010/main">
-        <mc:Choice Requires="a14">
-          <p:sp>
-            <p:nvSpPr>
-              <p:cNvPr id="14" name="TextBox 13">
-                <a:extLst>
-                  <a:ext uri="{FF2B5EF4-FFF2-40B4-BE49-F238E27FC236}">
-                    <a16:creationId xmlns:a16="http://schemas.microsoft.com/office/drawing/2014/main" id="{674510E1-A93D-4A3A-94C9-F1A0DD6A0845}"/>
-                  </a:ext>
-                </a:extLst>
-              </p:cNvPr>
-              <p:cNvSpPr txBox="1"/>
-              <p:nvPr/>
-            </p:nvSpPr>
-            <p:spPr>
-              <a:xfrm>
-                <a:off x="9969500" y="4380954"/>
-                <a:ext cx="1231900" cy="369332"/>
-              </a:xfrm>
-              <a:prstGeom prst="rect">
-                <a:avLst/>
-              </a:prstGeom>
-              <a:noFill/>
-            </p:spPr>
-            <p:txBody>
-              <a:bodyPr wrap="square">
-                <a:spAutoFit/>
-              </a:bodyPr>
-              <a:lstStyle/>
-              <a:p>
-                <a:pPr/>
-                <a14:m>
-                  <m:oMathPara xmlns:m="http://schemas.openxmlformats.org/officeDocument/2006/math">
-                    <m:oMathParaPr>
-                      <m:jc m:val="centerGroup"/>
-                    </m:oMathParaPr>
-                    <m:oMath xmlns:m="http://schemas.openxmlformats.org/officeDocument/2006/math">
-                      <m:r>
-                        <m:rPr>
-                          <m:sty m:val="p"/>
-                        </m:rPr>
-                        <a:rPr lang="en-US" i="1" smtClean="0">
-                          <a:latin typeface="Cambria Math" panose="02040503050406030204" pitchFamily="18" charset="0"/>
-                          <a:ea typeface="Cambria Math" panose="02040503050406030204" pitchFamily="18" charset="0"/>
-                        </a:rPr>
-                        <m:t>∇</m:t>
-                      </m:r>
-                      <m:r>
-                        <a:rPr lang="en-US" i="1">
-                          <a:latin typeface="Cambria Math" panose="02040503050406030204" pitchFamily="18" charset="0"/>
-                        </a:rPr>
-                        <m:t>𝐿</m:t>
-                      </m:r>
-                      <m:d>
-                        <m:dPr>
-                          <m:ctrlPr>
-                            <a:rPr lang="en-US" b="1" i="1">
-                              <a:latin typeface="Cambria Math" panose="02040503050406030204" pitchFamily="18" charset="0"/>
-                            </a:rPr>
-                          </m:ctrlPr>
-                        </m:dPr>
-                        <m:e>
-                          <m:r>
-                            <a:rPr lang="en-US" b="1" i="1">
-                              <a:latin typeface="Cambria Math" panose="02040503050406030204" pitchFamily="18" charset="0"/>
-                            </a:rPr>
-                            <m:t>𝒘</m:t>
-                          </m:r>
-                        </m:e>
-                      </m:d>
-                    </m:oMath>
-                  </m:oMathPara>
-                </a14:m>
-                <a:endParaRPr lang="en-US" dirty="0"/>
-              </a:p>
-            </p:txBody>
-          </p:sp>
-        </mc:Choice>
-        <mc:Fallback xmlns="">
-          <p:sp>
-            <p:nvSpPr>
-              <p:cNvPr id="14" name="TextBox 13">
-                <a:extLst>
-                  <a:ext uri="{FF2B5EF4-FFF2-40B4-BE49-F238E27FC236}">
-                    <a16:creationId xmlns:a16="http://schemas.microsoft.com/office/drawing/2014/main" id="{674510E1-A93D-4A3A-94C9-F1A0DD6A0845}"/>
-                  </a:ext>
-                </a:extLst>
-              </p:cNvPr>
-              <p:cNvSpPr txBox="1">
-                <a:spLocks noRot="1" noChangeAspect="1" noMove="1" noResize="1" noEditPoints="1" noAdjustHandles="1" noChangeArrowheads="1" noChangeShapeType="1" noTextEdit="1"/>
-              </p:cNvSpPr>
-              <p:nvPr/>
-            </p:nvSpPr>
-            <p:spPr>
-              <a:xfrm>
-                <a:off x="9969500" y="4380954"/>
-                <a:ext cx="1231900" cy="369332"/>
-              </a:xfrm>
-              <a:prstGeom prst="rect">
-                <a:avLst/>
-              </a:prstGeom>
-              <a:blipFill>
-                <a:blip r:embed="rId9"/>
+                <a:blip r:embed="rId12"/>
                 <a:stretch>
                   <a:fillRect/>
                 </a:stretch>
@@ -22759,227 +27598,6 @@
           </p:sp>
         </mc:Fallback>
       </mc:AlternateContent>
-      <p:cxnSp>
-        <p:nvCxnSpPr>
-          <p:cNvPr id="15" name="Straight Arrow Connector 14">
-            <a:extLst>
-              <a:ext uri="{FF2B5EF4-FFF2-40B4-BE49-F238E27FC236}">
-                <a16:creationId xmlns:a16="http://schemas.microsoft.com/office/drawing/2014/main" id="{43E9140F-8A35-41C8-BAA3-86891CBF5B38}"/>
-              </a:ext>
-            </a:extLst>
-          </p:cNvPr>
-          <p:cNvCxnSpPr>
-            <a:cxnSpLocks/>
-          </p:cNvCxnSpPr>
-          <p:nvPr/>
-        </p:nvCxnSpPr>
-        <p:spPr>
-          <a:xfrm>
-            <a:off x="9753600" y="4876800"/>
-            <a:ext cx="121284" cy="382730"/>
-          </a:xfrm>
-          <a:prstGeom prst="straightConnector1">
-            <a:avLst/>
-          </a:prstGeom>
-          <a:ln>
-            <a:tailEnd type="triangle" w="lg" len="lg"/>
-          </a:ln>
-        </p:spPr>
-        <p:style>
-          <a:lnRef idx="3">
-            <a:schemeClr val="accent2"/>
-          </a:lnRef>
-          <a:fillRef idx="0">
-            <a:schemeClr val="accent2"/>
-          </a:fillRef>
-          <a:effectRef idx="2">
-            <a:schemeClr val="accent2"/>
-          </a:effectRef>
-          <a:fontRef idx="minor">
-            <a:schemeClr val="tx1"/>
-          </a:fontRef>
-        </p:style>
-      </p:cxnSp>
-      <mc:AlternateContent xmlns:mc="http://schemas.openxmlformats.org/markup-compatibility/2006" xmlns:a14="http://schemas.microsoft.com/office/drawing/2010/main">
-        <mc:Choice Requires="a14">
-          <p:sp>
-            <p:nvSpPr>
-              <p:cNvPr id="18" name="TextBox 17">
-                <a:extLst>
-                  <a:ext uri="{FF2B5EF4-FFF2-40B4-BE49-F238E27FC236}">
-                    <a16:creationId xmlns:a16="http://schemas.microsoft.com/office/drawing/2014/main" id="{A4845CDE-4E80-4AFF-96A8-82E8D266E357}"/>
-                  </a:ext>
-                </a:extLst>
-              </p:cNvPr>
-              <p:cNvSpPr txBox="1"/>
-              <p:nvPr/>
-            </p:nvSpPr>
-            <p:spPr>
-              <a:xfrm>
-                <a:off x="9296400" y="4586221"/>
-                <a:ext cx="609600" cy="369332"/>
-              </a:xfrm>
-              <a:prstGeom prst="rect">
-                <a:avLst/>
-              </a:prstGeom>
-              <a:noFill/>
-            </p:spPr>
-            <p:txBody>
-              <a:bodyPr wrap="square">
-                <a:spAutoFit/>
-              </a:bodyPr>
-              <a:lstStyle/>
-              <a:p>
-                <a:pPr/>
-                <a14:m>
-                  <m:oMathPara xmlns:m="http://schemas.openxmlformats.org/officeDocument/2006/math">
-                    <m:oMathParaPr>
-                      <m:jc m:val="centerGroup"/>
-                    </m:oMathParaPr>
-                    <m:oMath xmlns:m="http://schemas.openxmlformats.org/officeDocument/2006/math">
-                      <m:r>
-                        <a:rPr lang="en-US" b="1" i="1" smtClean="0">
-                          <a:latin typeface="Cambria Math" panose="02040503050406030204" pitchFamily="18" charset="0"/>
-                        </a:rPr>
-                        <m:t>𝒘</m:t>
-                      </m:r>
-                    </m:oMath>
-                  </m:oMathPara>
-                </a14:m>
-                <a:endParaRPr lang="en-US" dirty="0"/>
-              </a:p>
-            </p:txBody>
-          </p:sp>
-        </mc:Choice>
-        <mc:Fallback xmlns="">
-          <p:sp>
-            <p:nvSpPr>
-              <p:cNvPr id="18" name="TextBox 17">
-                <a:extLst>
-                  <a:ext uri="{FF2B5EF4-FFF2-40B4-BE49-F238E27FC236}">
-                    <a16:creationId xmlns:a16="http://schemas.microsoft.com/office/drawing/2014/main" id="{A4845CDE-4E80-4AFF-96A8-82E8D266E357}"/>
-                  </a:ext>
-                </a:extLst>
-              </p:cNvPr>
-              <p:cNvSpPr txBox="1">
-                <a:spLocks noRot="1" noChangeAspect="1" noMove="1" noResize="1" noEditPoints="1" noAdjustHandles="1" noChangeArrowheads="1" noChangeShapeType="1" noTextEdit="1"/>
-              </p:cNvSpPr>
-              <p:nvPr/>
-            </p:nvSpPr>
-            <p:spPr>
-              <a:xfrm>
-                <a:off x="9296400" y="4586221"/>
-                <a:ext cx="609600" cy="369332"/>
-              </a:xfrm>
-              <a:prstGeom prst="rect">
-                <a:avLst/>
-              </a:prstGeom>
-              <a:blipFill>
-                <a:blip r:embed="rId10"/>
-                <a:stretch>
-                  <a:fillRect/>
-                </a:stretch>
-              </a:blipFill>
-            </p:spPr>
-            <p:txBody>
-              <a:bodyPr/>
-              <a:lstStyle/>
-              <a:p>
-                <a:r>
-                  <a:rPr lang="en-US">
-                    <a:noFill/>
-                  </a:rPr>
-                  <a:t> </a:t>
-                </a:r>
-              </a:p>
-            </p:txBody>
-          </p:sp>
-        </mc:Fallback>
-      </mc:AlternateContent>
-      <p:sp>
-        <p:nvSpPr>
-          <p:cNvPr id="19" name="Oval 18">
-            <a:extLst>
-              <a:ext uri="{FF2B5EF4-FFF2-40B4-BE49-F238E27FC236}">
-                <a16:creationId xmlns:a16="http://schemas.microsoft.com/office/drawing/2014/main" id="{C2A8E63D-95B9-4405-A60E-26D6C5A48857}"/>
-              </a:ext>
-            </a:extLst>
-          </p:cNvPr>
-          <p:cNvSpPr/>
-          <p:nvPr/>
-        </p:nvSpPr>
-        <p:spPr>
-          <a:xfrm>
-            <a:off x="9730740" y="4820279"/>
-            <a:ext cx="45719" cy="53787"/>
-          </a:xfrm>
-          <a:prstGeom prst="ellipse">
-            <a:avLst/>
-          </a:prstGeom>
-        </p:spPr>
-        <p:style>
-          <a:lnRef idx="2">
-            <a:schemeClr val="dk1">
-              <a:shade val="50000"/>
-            </a:schemeClr>
-          </a:lnRef>
-          <a:fillRef idx="1">
-            <a:schemeClr val="dk1"/>
-          </a:fillRef>
-          <a:effectRef idx="0">
-            <a:schemeClr val="dk1"/>
-          </a:effectRef>
-          <a:fontRef idx="minor">
-            <a:schemeClr val="lt1"/>
-          </a:fontRef>
-        </p:style>
-        <p:txBody>
-          <a:bodyPr rtlCol="0" anchor="ctr"/>
-          <a:lstStyle/>
-          <a:p>
-            <a:pPr algn="ctr"/>
-            <a:endParaRPr lang="en-US"/>
-          </a:p>
-        </p:txBody>
-      </p:sp>
-      <p:cxnSp>
-        <p:nvCxnSpPr>
-          <p:cNvPr id="21" name="Straight Connector 20">
-            <a:extLst>
-              <a:ext uri="{FF2B5EF4-FFF2-40B4-BE49-F238E27FC236}">
-                <a16:creationId xmlns:a16="http://schemas.microsoft.com/office/drawing/2014/main" id="{EB15E0E4-DDA3-48B5-A02F-888000E1036E}"/>
-              </a:ext>
-            </a:extLst>
-          </p:cNvPr>
-          <p:cNvCxnSpPr>
-            <a:cxnSpLocks/>
-          </p:cNvCxnSpPr>
-          <p:nvPr/>
-        </p:nvCxnSpPr>
-        <p:spPr>
-          <a:xfrm flipH="1">
-            <a:off x="9906000" y="4692134"/>
-            <a:ext cx="304800" cy="263419"/>
-          </a:xfrm>
-          <a:prstGeom prst="line">
-            <a:avLst/>
-          </a:prstGeom>
-        </p:spPr>
-        <p:style>
-          <a:lnRef idx="3">
-            <a:schemeClr val="accent6"/>
-          </a:lnRef>
-          <a:fillRef idx="0">
-            <a:schemeClr val="accent6"/>
-          </a:fillRef>
-          <a:effectRef idx="2">
-            <a:schemeClr val="accent6"/>
-          </a:effectRef>
-          <a:fontRef idx="minor">
-            <a:schemeClr val="tx1"/>
-          </a:fontRef>
-        </p:style>
-      </p:cxnSp>
     </p:spTree>
     <p:extLst>
       <p:ext uri="{BB962C8B-B14F-4D97-AF65-F5344CB8AC3E}">
@@ -23038,8 +27656,8 @@
           </a:p>
         </p:txBody>
       </p:sp>
-      <mc:AlternateContent xmlns:mc="http://schemas.openxmlformats.org/markup-compatibility/2006" xmlns:a14="http://schemas.microsoft.com/office/drawing/2010/main">
-        <mc:Choice Requires="a14">
+      <mc:AlternateContent xmlns:mc="http://schemas.openxmlformats.org/markup-compatibility/2006">
+        <mc:Choice xmlns:a14="http://schemas.microsoft.com/office/drawing/2010/main" Requires="a14">
           <p:sp>
             <p:nvSpPr>
               <p:cNvPr id="3" name="Content Placeholder 2">
@@ -23103,23 +27721,28 @@
                       </a:rPr>
                       <m:t>h</m:t>
                     </m:r>
+                    <m:d>
+                      <m:dPr>
+                        <m:ctrlPr>
+                          <a:rPr lang="en-US" b="0" i="1" smtClean="0">
+                            <a:latin typeface="Cambria Math" panose="02040503050406030204" pitchFamily="18" charset="0"/>
+                          </a:rPr>
+                        </m:ctrlPr>
+                      </m:dPr>
+                      <m:e>
+                        <m:r>
+                          <a:rPr lang="en-US" b="0" i="1" smtClean="0">
+                            <a:latin typeface="Cambria Math" panose="02040503050406030204" pitchFamily="18" charset="0"/>
+                          </a:rPr>
+                          <m:t>𝑥</m:t>
+                        </m:r>
+                      </m:e>
+                    </m:d>
                     <m:r>
                       <a:rPr lang="en-US" b="0" i="1" smtClean="0">
                         <a:latin typeface="Cambria Math" panose="02040503050406030204" pitchFamily="18" charset="0"/>
                       </a:rPr>
-                      <m:t>(</m:t>
-                    </m:r>
-                    <m:r>
-                      <a:rPr lang="en-US" b="0" i="1" smtClean="0">
-                        <a:latin typeface="Cambria Math" panose="02040503050406030204" pitchFamily="18" charset="0"/>
-                      </a:rPr>
-                      <m:t>𝑥</m:t>
-                    </m:r>
-                    <m:r>
-                      <a:rPr lang="en-US" b="0" i="1" smtClean="0">
-                        <a:latin typeface="Cambria Math" panose="02040503050406030204" pitchFamily="18" charset="0"/>
-                      </a:rPr>
-                      <m:t>)=</m:t>
+                      <m:t>=</m:t>
                     </m:r>
                     <m:func>
                       <m:funcPr>
@@ -23160,6 +27783,12 @@
                         </m:limLow>
                       </m:fName>
                       <m:e>
+                        <m:r>
+                          <a:rPr lang="en-US" b="0" i="1" smtClean="0">
+                            <a:latin typeface="Cambria Math" panose="02040503050406030204" pitchFamily="18" charset="0"/>
+                          </a:rPr>
+                          <m:t>  </m:t>
+                        </m:r>
                         <m:r>
                           <a:rPr lang="en-US" i="1">
                             <a:latin typeface="Cambria Math" panose="02040503050406030204" pitchFamily="18" charset="0"/>
@@ -23297,13 +27926,125 @@
                     </m:func>
                   </m:oMath>
                 </a14:m>
+                <a:br>
+                  <a:rPr lang="en-US" dirty="0"/>
+                </a:br>
                 <a:endParaRPr lang="en-US" dirty="0"/>
               </a:p>
               <a:p>
                 <a:pPr marL="0" indent="0">
                   <a:buNone/>
                 </a:pPr>
-                <a:endParaRPr lang="en-US" dirty="0"/>
+                <a:r>
+                  <a:rPr lang="en-US" dirty="0"/>
+                  <a:t>   	The </a:t>
+                </a:r>
+                <a14:m>
+                  <m:oMath xmlns:m="http://schemas.openxmlformats.org/officeDocument/2006/math">
+                    <m:r>
+                      <a:rPr lang="en-US" i="1" smtClean="0">
+                        <a:latin typeface="Cambria Math" panose="02040503050406030204" pitchFamily="18" charset="0"/>
+                      </a:rPr>
+                      <m:t>𝑃</m:t>
+                    </m:r>
+                    <m:d>
+                      <m:dPr>
+                        <m:ctrlPr>
+                          <a:rPr lang="en-US" i="1">
+                            <a:latin typeface="Cambria Math" panose="02040503050406030204" pitchFamily="18" charset="0"/>
+                          </a:rPr>
+                        </m:ctrlPr>
+                      </m:dPr>
+                      <m:e>
+                        <m:r>
+                          <a:rPr lang="en-US" i="1">
+                            <a:latin typeface="Cambria Math" panose="02040503050406030204" pitchFamily="18" charset="0"/>
+                          </a:rPr>
+                          <m:t>𝑦</m:t>
+                        </m:r>
+                      </m:e>
+                    </m:d>
+                  </m:oMath>
+                </a14:m>
+                <a:r>
+                  <a:rPr lang="en-US" dirty="0"/>
+                  <a:t>s and the </a:t>
+                </a:r>
+                <a14:m>
+                  <m:oMath xmlns:m="http://schemas.openxmlformats.org/officeDocument/2006/math">
+                    <m:r>
+                      <a:rPr lang="en-US" i="1">
+                        <a:latin typeface="Cambria Math" panose="02040503050406030204" pitchFamily="18" charset="0"/>
+                      </a:rPr>
+                      <m:t>𝑃</m:t>
+                    </m:r>
+                    <m:d>
+                      <m:dPr>
+                        <m:endChr m:val="|"/>
+                        <m:ctrlPr>
+                          <a:rPr lang="en-US" i="1">
+                            <a:latin typeface="Cambria Math" panose="02040503050406030204" pitchFamily="18" charset="0"/>
+                          </a:rPr>
+                        </m:ctrlPr>
+                      </m:dPr>
+                      <m:e>
+                        <m:sSub>
+                          <m:sSubPr>
+                            <m:ctrlPr>
+                              <a:rPr lang="en-US" i="1">
+                                <a:latin typeface="Cambria Math" panose="02040503050406030204" pitchFamily="18" charset="0"/>
+                              </a:rPr>
+                            </m:ctrlPr>
+                          </m:sSubPr>
+                          <m:e>
+                            <m:r>
+                              <a:rPr lang="en-US" i="1">
+                                <a:latin typeface="Cambria Math" panose="02040503050406030204" pitchFamily="18" charset="0"/>
+                              </a:rPr>
+                              <m:t>𝑥</m:t>
+                            </m:r>
+                          </m:e>
+                          <m:sub>
+                            <m:r>
+                              <a:rPr lang="en-US" i="1">
+                                <a:latin typeface="Cambria Math" panose="02040503050406030204" pitchFamily="18" charset="0"/>
+                              </a:rPr>
+                              <m:t>𝑖</m:t>
+                            </m:r>
+                          </m:sub>
+                        </m:sSub>
+                        <m:r>
+                          <a:rPr lang="en-US" i="1">
+                            <a:latin typeface="Cambria Math" panose="02040503050406030204" pitchFamily="18" charset="0"/>
+                          </a:rPr>
+                          <m:t> </m:t>
+                        </m:r>
+                      </m:e>
+                    </m:d>
+                    <m:r>
+                      <a:rPr lang="en-US" i="1">
+                        <a:latin typeface="Cambria Math" panose="02040503050406030204" pitchFamily="18" charset="0"/>
+                      </a:rPr>
+                      <m:t> </m:t>
+                    </m:r>
+                    <m:r>
+                      <a:rPr lang="en-US" b="0" i="1" smtClean="0">
+                        <a:latin typeface="Cambria Math" panose="02040503050406030204" pitchFamily="18" charset="0"/>
+                      </a:rPr>
+                      <m:t>𝑦</m:t>
+                    </m:r>
+                    <m:r>
+                      <a:rPr lang="en-US" b="0" i="1" smtClean="0">
+                        <a:latin typeface="Cambria Math" panose="02040503050406030204" pitchFamily="18" charset="0"/>
+                      </a:rPr>
+                      <m:t>)</m:t>
+                    </m:r>
+                  </m:oMath>
+                </a14:m>
+                <a:r>
+                  <a:rPr lang="en-US" dirty="0"/>
+                  <a:t>s are estimated from the data by counting.</a:t>
+                </a:r>
               </a:p>
               <a:p>
                 <a:endParaRPr lang="en-US" dirty="0"/>
@@ -23311,7 +28052,7 @@
               <a:p>
                 <a:r>
                   <a:rPr lang="en-US" dirty="0"/>
-                  <a:t>We have only used discrete features so far, but it can be extended to continuous features. Gaussian Naïve Bayes Classifier assumes that continuous features have:</a:t>
+                  <a:t>Gaussian Naïve Bayes Classifiers extend the approach to continuous features by assuming:</a:t>
                 </a:r>
               </a:p>
               <a:p>
@@ -23481,7 +28222,7 @@
                 </a:br>
                 <a:r>
                   <a:rPr lang="en-US" sz="2800" dirty="0"/>
-                  <a:t>The parameters for </a:t>
+                  <a:t>The parameters for the normal distribution </a:t>
                 </a:r>
                 <a14:m>
                   <m:oMath xmlns:m="http://schemas.openxmlformats.org/officeDocument/2006/math">
@@ -23568,7 +28309,7 @@
             </p:txBody>
           </p:sp>
         </mc:Choice>
-        <mc:Fallback xmlns="">
+        <mc:Fallback>
           <p:sp>
             <p:nvSpPr>
               <p:cNvPr id="3" name="Content Placeholder 2">
@@ -23666,8 +28407,8 @@
           </a:p>
         </p:txBody>
       </p:sp>
-      <mc:AlternateContent xmlns:mc="http://schemas.openxmlformats.org/markup-compatibility/2006" xmlns:a14="http://schemas.microsoft.com/office/drawing/2010/main">
-        <mc:Choice Requires="a14">
+      <mc:AlternateContent xmlns:mc="http://schemas.openxmlformats.org/markup-compatibility/2006">
+        <mc:Choice xmlns:a14="http://schemas.microsoft.com/office/drawing/2010/main" Requires="a14">
           <p:sp>
             <p:nvSpPr>
               <p:cNvPr id="3" name="Content Placeholder 2">
@@ -23692,7 +28433,7 @@
             </p:spPr>
             <p:txBody>
               <a:bodyPr>
-                <a:normAutofit fontScale="70000" lnSpcReduction="20000"/>
+                <a:normAutofit fontScale="62500" lnSpcReduction="20000"/>
               </a:bodyPr>
               <a:lstStyle/>
               <a:p>
@@ -23746,6 +28487,11 @@
                   <a:rPr lang="en-US" dirty="0"/>
                   <a:t>Approximates a Bayesian classifier by  </a:t>
                 </a:r>
+                <a:br>
+                  <a:rPr lang="en-US" b="0" i="1" dirty="0">
+                    <a:latin typeface="Cambria Math" panose="02040503050406030204" pitchFamily="18" charset="0"/>
+                  </a:rPr>
+                </a:br>
                 <a14:m>
                   <m:oMath xmlns:m="http://schemas.openxmlformats.org/officeDocument/2006/math">
                     <m:r>
@@ -23811,6 +28557,12 @@
                         </m:limLow>
                       </m:fName>
                       <m:e>
+                        <m:r>
+                          <a:rPr lang="en-US" b="0" i="1" smtClean="0">
+                            <a:latin typeface="Cambria Math" panose="02040503050406030204" pitchFamily="18" charset="0"/>
+                          </a:rPr>
+                          <m:t> </m:t>
+                        </m:r>
                         <m:r>
                           <a:rPr lang="en-US" i="1">
                             <a:latin typeface="Cambria Math" panose="02040503050406030204" pitchFamily="18" charset="0"/>
@@ -23908,7 +28660,7 @@
             </p:txBody>
           </p:sp>
         </mc:Choice>
-        <mc:Fallback xmlns="">
+        <mc:Fallback>
           <p:sp>
             <p:nvSpPr>
               <p:cNvPr id="3" name="Content Placeholder 2">
@@ -23933,7 +28685,7 @@
               <a:blipFill>
                 <a:blip r:embed="rId2"/>
                 <a:stretch>
-                  <a:fillRect l="-522" t="-5042"/>
+                  <a:fillRect l="-406" t="-4482"/>
                 </a:stretch>
               </a:blipFill>
             </p:spPr>
@@ -24070,8 +28822,8 @@
           </a:p>
         </p:txBody>
       </p:sp>
-      <mc:AlternateContent xmlns:mc="http://schemas.openxmlformats.org/markup-compatibility/2006" xmlns:a14="http://schemas.microsoft.com/office/drawing/2010/main">
-        <mc:Choice Requires="a14">
+      <mc:AlternateContent xmlns:mc="http://schemas.openxmlformats.org/markup-compatibility/2006">
+        <mc:Choice xmlns:a14="http://schemas.microsoft.com/office/drawing/2010/main" Requires="a14">
           <p:sp>
             <p:nvSpPr>
               <p:cNvPr id="3" name="Content Placeholder 2">
@@ -24090,13 +28842,13 @@
             </p:nvSpPr>
             <p:spPr>
               <a:xfrm>
-                <a:off x="838200" y="4975254"/>
-                <a:ext cx="10515600" cy="1517621"/>
+                <a:off x="838200" y="4616511"/>
+                <a:ext cx="10515600" cy="1876365"/>
               </a:xfrm>
             </p:spPr>
             <p:txBody>
               <a:bodyPr>
-                <a:normAutofit fontScale="77500" lnSpcReduction="20000"/>
+                <a:normAutofit fontScale="70000" lnSpcReduction="20000"/>
               </a:bodyPr>
               <a:lstStyle/>
               <a:p>
@@ -24110,7 +28862,35 @@
                 </a:r>
                 <a:r>
                   <a:rPr lang="en-US" dirty="0"/>
-                  <a:t>. k is a hyperparameter. Larger k smooth the decision boundary.</a:t>
+                  <a:t>. </a:t>
+                </a:r>
+                <a14:m>
+                  <m:oMath xmlns:m="http://schemas.openxmlformats.org/officeDocument/2006/math">
+                    <m:r>
+                      <a:rPr lang="en-US" i="1" dirty="0" smtClean="0">
+                        <a:latin typeface="Cambria Math" panose="02040503050406030204" pitchFamily="18" charset="0"/>
+                      </a:rPr>
+                      <m:t>𝑘</m:t>
+                    </m:r>
+                  </m:oMath>
+                </a14:m>
+                <a:r>
+                  <a:rPr lang="en-US" dirty="0"/>
+                  <a:t> is a hyperparameter. Larger </a:t>
+                </a:r>
+                <a14:m>
+                  <m:oMath xmlns:m="http://schemas.openxmlformats.org/officeDocument/2006/math">
+                    <m:r>
+                      <a:rPr lang="en-US" i="1" dirty="0" smtClean="0">
+                        <a:latin typeface="Cambria Math" panose="02040503050406030204" pitchFamily="18" charset="0"/>
+                      </a:rPr>
+                      <m:t>𝑘</m:t>
+                    </m:r>
+                  </m:oMath>
+                </a14:m>
+                <a:r>
+                  <a:rPr lang="en-US" dirty="0"/>
+                  <a:t> smooth the decision boundary.</a:t>
                 </a:r>
               </a:p>
               <a:p>
@@ -24124,6 +28904,12 @@
                   <a:rPr lang="en-US" dirty="0"/>
                   <a:t>Approximates a Bayesian classifier by </a:t>
                 </a:r>
+                <a:br>
+                  <a:rPr lang="en-US" dirty="0"/>
+                </a:br>
+                <a:br>
+                  <a:rPr lang="en-US" dirty="0"/>
+                </a:br>
                 <a14:m>
                   <m:oMath xmlns:m="http://schemas.openxmlformats.org/officeDocument/2006/math">
                     <m:r>
@@ -24280,7 +29066,7 @@
             </p:txBody>
           </p:sp>
         </mc:Choice>
-        <mc:Fallback xmlns="">
+        <mc:Fallback>
           <p:sp>
             <p:nvSpPr>
               <p:cNvPr id="3" name="Content Placeholder 2">
@@ -24299,13 +29085,13 @@
             </p:nvSpPr>
             <p:spPr>
               <a:xfrm>
-                <a:off x="838200" y="4975254"/>
-                <a:ext cx="10515600" cy="1517621"/>
+                <a:off x="838200" y="4616511"/>
+                <a:ext cx="10515600" cy="1876365"/>
               </a:xfrm>
               <a:blipFill>
                 <a:blip r:embed="rId2"/>
                 <a:stretch>
-                  <a:fillRect l="-696" t="-8434"/>
+                  <a:fillRect l="-522" t="-5844"/>
                 </a:stretch>
               </a:blipFill>
             </p:spPr>
@@ -24346,7 +29132,7 @@
         </p:blipFill>
         <p:spPr>
           <a:xfrm>
-            <a:off x="2184883" y="1882744"/>
+            <a:off x="2184883" y="1524000"/>
             <a:ext cx="7822234" cy="3092511"/>
           </a:xfrm>
           <a:prstGeom prst="rect">
@@ -24758,17 +29544,17 @@
             <p:spPr>
               <a:xfrm>
                 <a:off x="7999189" y="1803915"/>
-                <a:ext cx="3657600" cy="4550848"/>
+                <a:ext cx="3657600" cy="4688960"/>
               </a:xfrm>
             </p:spPr>
             <p:txBody>
               <a:bodyPr>
-                <a:normAutofit fontScale="70000" lnSpcReduction="20000"/>
+                <a:noAutofit/>
               </a:bodyPr>
               <a:lstStyle/>
               <a:p>
                 <a:r>
-                  <a:rPr lang="en-US" dirty="0"/>
+                  <a:rPr lang="en-US" sz="1800" dirty="0"/>
                   <a:t>Represent </a:t>
                 </a:r>
                 <a14:m>
@@ -24777,14 +29563,14 @@
                       <m:accPr>
                         <m:chr m:val="̂"/>
                         <m:ctrlPr>
-                          <a:rPr lang="en-US" b="0" i="1" dirty="0" smtClean="0">
+                          <a:rPr lang="en-US" sz="1800" b="0" i="1" dirty="0" smtClean="0">
                             <a:latin typeface="Cambria Math" panose="02040503050406030204" pitchFamily="18" charset="0"/>
                           </a:rPr>
                         </m:ctrlPr>
                       </m:accPr>
                       <m:e>
                         <m:r>
-                          <a:rPr lang="en-US" b="0" i="1" dirty="0" smtClean="0">
+                          <a:rPr lang="en-US" sz="1800" b="0" i="1" dirty="0" smtClean="0">
                             <a:latin typeface="Cambria Math" panose="02040503050406030204" pitchFamily="18" charset="0"/>
                           </a:rPr>
                           <m:t>𝑦</m:t>
@@ -24792,13 +29578,13 @@
                       </m:e>
                     </m:acc>
                     <m:r>
-                      <a:rPr lang="en-US" b="0" i="1" dirty="0" smtClean="0">
+                      <a:rPr lang="en-US" sz="1800" b="0" i="1" dirty="0" smtClean="0">
                         <a:latin typeface="Cambria Math" panose="02040503050406030204" pitchFamily="18" charset="0"/>
                       </a:rPr>
                       <m:t>=</m:t>
                     </m:r>
                     <m:r>
-                      <a:rPr lang="en-US" b="0" i="1" dirty="0" smtClean="0">
+                      <a:rPr lang="en-US" sz="1800" b="0" i="1" dirty="0" smtClean="0">
                         <a:latin typeface="Cambria Math" panose="02040503050406030204" pitchFamily="18" charset="0"/>
                       </a:rPr>
                       <m:t>h</m:t>
@@ -24806,14 +29592,14 @@
                     <m:d>
                       <m:dPr>
                         <m:ctrlPr>
-                          <a:rPr lang="en-US" b="0" i="1" dirty="0" smtClean="0">
+                          <a:rPr lang="en-US" sz="1800" b="0" i="1" dirty="0" smtClean="0">
                             <a:latin typeface="Cambria Math" panose="02040503050406030204" pitchFamily="18" charset="0"/>
                           </a:rPr>
                         </m:ctrlPr>
                       </m:dPr>
                       <m:e>
                         <m:r>
-                          <a:rPr lang="en-US" i="1" dirty="0" smtClean="0">
+                          <a:rPr lang="en-US" sz="1800" i="1" dirty="0" smtClean="0">
                             <a:latin typeface="Cambria Math" panose="02040503050406030204" pitchFamily="18" charset="0"/>
                           </a:rPr>
                           <m:t>𝑥</m:t>
@@ -24823,27 +29609,35 @@
                   </m:oMath>
                 </a14:m>
                 <a:r>
-                  <a:rPr lang="en-US" dirty="0"/>
-                  <a:t> as a network of weighted sums with non-linear activation functions (e.g., logistic, </a:t>
+                  <a:rPr lang="en-US" sz="1800" dirty="0"/>
+                  <a:t> as a network of weighted sums with non-linear </a:t>
                 </a:r>
                 <a:r>
-                  <a:rPr lang="en-US" dirty="0" err="1"/>
+                  <a:rPr lang="en-US" sz="1800" b="1" dirty="0"/>
+                  <a:t>activation functions </a:t>
+                </a:r>
+                <a:r>
+                  <a:rPr lang="en-US" sz="1800" dirty="0"/>
+                  <a:t>g (e.g., logistic, </a:t>
+                </a:r>
+                <a:r>
+                  <a:rPr lang="en-US" sz="1800" dirty="0" err="1"/>
                   <a:t>ReLU</a:t>
                 </a:r>
                 <a:r>
-                  <a:rPr lang="en-US" dirty="0"/>
+                  <a:rPr lang="en-US" sz="1800" dirty="0"/>
                   <a:t>).</a:t>
                 </a:r>
               </a:p>
               <a:p>
                 <a:r>
-                  <a:rPr lang="en-US" dirty="0"/>
+                  <a:rPr lang="en-US" sz="1800" dirty="0"/>
                   <a:t>Learn weights </a:t>
                 </a:r>
                 <a14:m>
                   <m:oMath xmlns:m="http://schemas.openxmlformats.org/officeDocument/2006/math">
                     <m:r>
-                      <a:rPr lang="en-US" b="1" i="0" dirty="0" smtClean="0">
+                      <a:rPr lang="en-US" sz="1800" b="1" i="0" dirty="0" smtClean="0">
                         <a:latin typeface="Cambria Math" panose="02040503050406030204" pitchFamily="18" charset="0"/>
                       </a:rPr>
                       <m:t>𝐰</m:t>
@@ -24851,15 +29645,15 @@
                   </m:oMath>
                 </a14:m>
                 <a:r>
-                  <a:rPr lang="en-US" dirty="0"/>
+                  <a:rPr lang="en-US" sz="1800" dirty="0"/>
                   <a:t> from examples using </a:t>
                 </a:r>
                 <a:r>
-                  <a:rPr lang="en-US" b="1" dirty="0"/>
+                  <a:rPr lang="en-US" sz="1800" b="1" dirty="0"/>
                   <a:t>backpropagation</a:t>
                 </a:r>
                 <a:r>
-                  <a:rPr lang="en-US" dirty="0"/>
+                  <a:rPr lang="en-US" sz="1800" dirty="0"/>
                   <a:t> of prediction errors </a:t>
                 </a:r>
                 <a14:m>
@@ -24868,13 +29662,13 @@
                       <m:rPr>
                         <m:sty m:val="p"/>
                       </m:rPr>
-                      <a:rPr lang="en-US" dirty="0">
+                      <a:rPr lang="en-US" sz="1800" dirty="0">
                         <a:latin typeface="Cambria Math" panose="02040503050406030204" pitchFamily="18" charset="0"/>
                       </a:rPr>
                       <m:t>L</m:t>
                     </m:r>
                     <m:r>
-                      <a:rPr lang="en-US" b="0" i="0" dirty="0" smtClean="0">
+                      <a:rPr lang="en-US" sz="1800" b="0" i="0" dirty="0" smtClean="0">
                         <a:latin typeface="Cambria Math" panose="02040503050406030204" pitchFamily="18" charset="0"/>
                       </a:rPr>
                       <m:t>(</m:t>
@@ -24883,14 +29677,14 @@
                       <m:accPr>
                         <m:chr m:val="̂"/>
                         <m:ctrlPr>
-                          <a:rPr lang="en-US" b="0" i="1" dirty="0" smtClean="0">
+                          <a:rPr lang="en-US" sz="1800" b="0" i="1" dirty="0" smtClean="0">
                             <a:latin typeface="Cambria Math" panose="02040503050406030204" pitchFamily="18" charset="0"/>
                           </a:rPr>
                         </m:ctrlPr>
                       </m:accPr>
                       <m:e>
                         <m:r>
-                          <a:rPr lang="en-US" b="0" i="1" dirty="0" smtClean="0">
+                          <a:rPr lang="en-US" sz="1800" b="0" i="1" dirty="0" smtClean="0">
                             <a:latin typeface="Cambria Math" panose="02040503050406030204" pitchFamily="18" charset="0"/>
                           </a:rPr>
                           <m:t>𝑦</m:t>
@@ -24898,19 +29692,19 @@
                       </m:e>
                     </m:acc>
                     <m:r>
-                      <a:rPr lang="en-US" b="0" i="1" dirty="0" smtClean="0">
+                      <a:rPr lang="en-US" sz="1800" b="0" i="1" dirty="0" smtClean="0">
                         <a:latin typeface="Cambria Math" panose="02040503050406030204" pitchFamily="18" charset="0"/>
                       </a:rPr>
                       <m:t>, </m:t>
                     </m:r>
                     <m:r>
-                      <a:rPr lang="en-US" b="0" i="1" dirty="0" smtClean="0">
+                      <a:rPr lang="en-US" sz="1800" b="0" i="1" dirty="0" smtClean="0">
                         <a:latin typeface="Cambria Math" panose="02040503050406030204" pitchFamily="18" charset="0"/>
                       </a:rPr>
                       <m:t>𝑦</m:t>
                     </m:r>
                     <m:r>
-                      <a:rPr lang="en-US" b="0" i="1" dirty="0" smtClean="0">
+                      <a:rPr lang="en-US" sz="1800" b="0" i="1" dirty="0" smtClean="0">
                         <a:latin typeface="Cambria Math" panose="02040503050406030204" pitchFamily="18" charset="0"/>
                       </a:rPr>
                       <m:t>)</m:t>
@@ -24918,39 +29712,39 @@
                   </m:oMath>
                 </a14:m>
                 <a:r>
-                  <a:rPr lang="en-US" dirty="0"/>
+                  <a:rPr lang="en-US" sz="1800" dirty="0"/>
                   <a:t> (gradient descend).</a:t>
                 </a:r>
               </a:p>
               <a:p>
                 <a:r>
-                  <a:rPr lang="en-US" dirty="0"/>
+                  <a:rPr lang="en-US" sz="1800" dirty="0"/>
                   <a:t>ANNs are </a:t>
                 </a:r>
                 <a:r>
-                  <a:rPr lang="en-US" b="1" dirty="0"/>
+                  <a:rPr lang="en-US" sz="1800" b="1" dirty="0"/>
                   <a:t>universal approximators</a:t>
                 </a:r>
                 <a:r>
-                  <a:rPr lang="en-US" dirty="0"/>
+                  <a:rPr lang="en-US" sz="1800" dirty="0"/>
                   <a:t>. Large networks can approximate any function (no bias). </a:t>
                 </a:r>
                 <a:r>
-                  <a:rPr lang="en-US" b="1" dirty="0"/>
+                  <a:rPr lang="en-US" sz="1800" b="1" dirty="0"/>
                   <a:t>Regularization</a:t>
                 </a:r>
                 <a:r>
-                  <a:rPr lang="en-US" dirty="0"/>
+                  <a:rPr lang="en-US" sz="1800" dirty="0"/>
                   <a:t> is typically used to avoid overfitting.</a:t>
                 </a:r>
               </a:p>
               <a:p>
                 <a:r>
-                  <a:rPr lang="en-US" b="1" dirty="0"/>
+                  <a:rPr lang="en-US" sz="1800" b="1" dirty="0"/>
                   <a:t>Deep learning </a:t>
                 </a:r>
                 <a:r>
-                  <a:rPr lang="en-US" dirty="0"/>
+                  <a:rPr lang="en-US" sz="1800" dirty="0"/>
                   <a:t>adds more hidden layers and layer types (e.g., convolution layers) for better learning.</a:t>
                 </a:r>
               </a:p>
@@ -24977,12 +29771,12 @@
             <p:spPr>
               <a:xfrm>
                 <a:off x="7999189" y="1803915"/>
-                <a:ext cx="3657600" cy="4550848"/>
+                <a:ext cx="3657600" cy="4688960"/>
               </a:xfrm>
               <a:blipFill>
                 <a:blip r:embed="rId2"/>
                 <a:stretch>
-                  <a:fillRect l="-1500" t="-2547" r="-3000" b="-2279"/>
+                  <a:fillRect l="-1000" t="-1300" r="-1000" b="-1691"/>
                 </a:stretch>
               </a:blipFill>
             </p:spPr>
@@ -25044,8 +29838,8 @@
         </p:nvSpPr>
         <p:spPr>
           <a:xfrm>
-            <a:off x="3225801" y="6293644"/>
-            <a:ext cx="609600" cy="381000"/>
+            <a:off x="2986312" y="6293644"/>
+            <a:ext cx="976088" cy="381000"/>
           </a:xfrm>
           <a:prstGeom prst="wedgeRectCallout">
             <a:avLst>
@@ -25076,8 +29870,8 @@
           <a:p>
             <a:pPr algn="ctr"/>
             <a:r>
-              <a:rPr lang="en-US" dirty="0"/>
-              <a:t>Bias</a:t>
+              <a:rPr lang="en-US" sz="1400" dirty="0"/>
+              <a:t>Bias term</a:t>
             </a:r>
           </a:p>
         </p:txBody>
@@ -25256,7 +30050,7 @@
         </p:nvSpPr>
         <p:spPr>
           <a:xfrm>
-            <a:off x="4114800" y="1420018"/>
+            <a:off x="4240470" y="1217096"/>
             <a:ext cx="2590800" cy="369332"/>
           </a:xfrm>
           <a:prstGeom prst="rect">
@@ -25293,13 +30087,13 @@
             </p:nvSpPr>
             <p:spPr>
               <a:xfrm>
-                <a:off x="6144988" y="1789350"/>
-                <a:ext cx="1703613" cy="824758"/>
+                <a:off x="6144988" y="1524000"/>
+                <a:ext cx="1703613" cy="1090108"/>
               </a:xfrm>
               <a:prstGeom prst="wedgeRectCallout">
                 <a:avLst>
-                  <a:gd name="adj1" fmla="val 13268"/>
-                  <a:gd name="adj2" fmla="val 184457"/>
+                  <a:gd name="adj1" fmla="val 12589"/>
+                  <a:gd name="adj2" fmla="val 157912"/>
                 </a:avLst>
               </a:prstGeom>
             </p:spPr>
@@ -25334,7 +30128,7 @@
                 </a:r>
                 <a:r>
                   <a:rPr lang="en-US" sz="1400" dirty="0"/>
-                  <a:t> returning </a:t>
+                  <a:t> activation function returning </a:t>
                 </a:r>
                 <a14:m>
                   <m:oMath xmlns:m="http://schemas.openxmlformats.org/officeDocument/2006/math">
@@ -25398,13 +30192,13 @@
             </p:nvSpPr>
             <p:spPr>
               <a:xfrm>
-                <a:off x="6144988" y="1789350"/>
-                <a:ext cx="1703613" cy="824758"/>
+                <a:off x="6144988" y="1524000"/>
+                <a:ext cx="1703613" cy="1090108"/>
               </a:xfrm>
               <a:prstGeom prst="wedgeRectCallout">
                 <a:avLst>
-                  <a:gd name="adj1" fmla="val 13268"/>
-                  <a:gd name="adj2" fmla="val 184457"/>
+                  <a:gd name="adj1" fmla="val 12589"/>
+                  <a:gd name="adj2" fmla="val 157912"/>
                 </a:avLst>
               </a:prstGeom>
               <a:blipFill>
@@ -25429,6 +30223,212 @@
           </p:sp>
         </mc:Fallback>
       </mc:AlternateContent>
+      <p:sp>
+        <p:nvSpPr>
+          <p:cNvPr id="6" name="Speech Bubble: Rectangle 5">
+            <a:extLst>
+              <a:ext uri="{FF2B5EF4-FFF2-40B4-BE49-F238E27FC236}">
+                <a16:creationId xmlns:a16="http://schemas.microsoft.com/office/drawing/2014/main" id="{1D9991D3-82B3-3064-C52C-A229F1BFF3D7}"/>
+              </a:ext>
+            </a:extLst>
+          </p:cNvPr>
+          <p:cNvSpPr/>
+          <p:nvPr/>
+        </p:nvSpPr>
+        <p:spPr>
+          <a:xfrm>
+            <a:off x="838200" y="6059145"/>
+            <a:ext cx="1104900" cy="381000"/>
+          </a:xfrm>
+          <a:prstGeom prst="wedgeRectCallout">
+            <a:avLst>
+              <a:gd name="adj1" fmla="val 25551"/>
+              <a:gd name="adj2" fmla="val -280756"/>
+            </a:avLst>
+          </a:prstGeom>
+        </p:spPr>
+        <p:style>
+          <a:lnRef idx="2">
+            <a:schemeClr val="accent6">
+              <a:shade val="50000"/>
+            </a:schemeClr>
+          </a:lnRef>
+          <a:fillRef idx="1">
+            <a:schemeClr val="accent6"/>
+          </a:fillRef>
+          <a:effectRef idx="0">
+            <a:schemeClr val="accent6"/>
+          </a:effectRef>
+          <a:fontRef idx="minor">
+            <a:schemeClr val="lt1"/>
+          </a:fontRef>
+        </p:style>
+        <p:txBody>
+          <a:bodyPr rtlCol="0" anchor="ctr"/>
+          <a:lstStyle/>
+          <a:p>
+            <a:pPr algn="ctr"/>
+            <a:r>
+              <a:rPr lang="en-US" sz="1400" dirty="0"/>
+              <a:t>Perceptron</a:t>
+            </a:r>
+          </a:p>
+        </p:txBody>
+      </p:sp>
+      <p:sp>
+        <p:nvSpPr>
+          <p:cNvPr id="7" name="Oval 6">
+            <a:extLst>
+              <a:ext uri="{FF2B5EF4-FFF2-40B4-BE49-F238E27FC236}">
+                <a16:creationId xmlns:a16="http://schemas.microsoft.com/office/drawing/2014/main" id="{617CB4B8-E50C-D9E2-1583-8D9F96D417B5}"/>
+              </a:ext>
+            </a:extLst>
+          </p:cNvPr>
+          <p:cNvSpPr/>
+          <p:nvPr/>
+        </p:nvSpPr>
+        <p:spPr>
+          <a:xfrm>
+            <a:off x="3516088" y="1503391"/>
+            <a:ext cx="1943100" cy="2590800"/>
+          </a:xfrm>
+          <a:prstGeom prst="ellipse">
+            <a:avLst/>
+          </a:prstGeom>
+          <a:solidFill>
+            <a:srgbClr val="70AD47">
+              <a:alpha val="20000"/>
+            </a:srgbClr>
+          </a:solidFill>
+          <a:ln>
+            <a:solidFill>
+              <a:schemeClr val="accent6">
+                <a:lumMod val="75000"/>
+              </a:schemeClr>
+            </a:solidFill>
+          </a:ln>
+        </p:spPr>
+        <p:style>
+          <a:lnRef idx="0">
+            <a:scrgbClr r="0" g="0" b="0"/>
+          </a:lnRef>
+          <a:fillRef idx="0">
+            <a:scrgbClr r="0" g="0" b="0"/>
+          </a:fillRef>
+          <a:effectRef idx="0">
+            <a:scrgbClr r="0" g="0" b="0"/>
+          </a:effectRef>
+          <a:fontRef idx="minor">
+            <a:schemeClr val="lt1"/>
+          </a:fontRef>
+        </p:style>
+        <p:txBody>
+          <a:bodyPr rtlCol="0" anchor="ctr"/>
+          <a:lstStyle/>
+          <a:p>
+            <a:pPr algn="ctr"/>
+            <a:endParaRPr lang="en-US">
+              <a:solidFill>
+                <a:schemeClr val="lt1"/>
+              </a:solidFill>
+            </a:endParaRPr>
+          </a:p>
+        </p:txBody>
+      </p:sp>
+      <p:cxnSp>
+        <p:nvCxnSpPr>
+          <p:cNvPr id="15" name="Straight Connector 14">
+            <a:extLst>
+              <a:ext uri="{FF2B5EF4-FFF2-40B4-BE49-F238E27FC236}">
+                <a16:creationId xmlns:a16="http://schemas.microsoft.com/office/drawing/2014/main" id="{B6AA2D06-82E0-6A3D-BC59-0D301E7633E2}"/>
+              </a:ext>
+            </a:extLst>
+          </p:cNvPr>
+          <p:cNvCxnSpPr>
+            <a:cxnSpLocks/>
+          </p:cNvCxnSpPr>
+          <p:nvPr/>
+        </p:nvCxnSpPr>
+        <p:spPr>
+          <a:xfrm flipV="1">
+            <a:off x="1611488" y="1586428"/>
+            <a:ext cx="2409626" cy="1138266"/>
+          </a:xfrm>
+          <a:prstGeom prst="line">
+            <a:avLst/>
+          </a:prstGeom>
+          <a:ln w="9525" cap="flat" cmpd="sng" algn="ctr">
+            <a:solidFill>
+              <a:schemeClr val="accent6"/>
+            </a:solidFill>
+            <a:prstDash val="dash"/>
+            <a:round/>
+            <a:headEnd type="none" w="med" len="med"/>
+            <a:tailEnd type="none" w="med" len="med"/>
+          </a:ln>
+        </p:spPr>
+        <p:style>
+          <a:lnRef idx="0">
+            <a:scrgbClr r="0" g="0" b="0"/>
+          </a:lnRef>
+          <a:fillRef idx="0">
+            <a:scrgbClr r="0" g="0" b="0"/>
+          </a:fillRef>
+          <a:effectRef idx="0">
+            <a:scrgbClr r="0" g="0" b="0"/>
+          </a:effectRef>
+          <a:fontRef idx="minor">
+            <a:schemeClr val="tx1"/>
+          </a:fontRef>
+        </p:style>
+      </p:cxnSp>
+      <p:cxnSp>
+        <p:nvCxnSpPr>
+          <p:cNvPr id="18" name="Straight Connector 17">
+            <a:extLst>
+              <a:ext uri="{FF2B5EF4-FFF2-40B4-BE49-F238E27FC236}">
+                <a16:creationId xmlns:a16="http://schemas.microsoft.com/office/drawing/2014/main" id="{89DDE38B-5A06-6C92-402E-28D279A27AE6}"/>
+              </a:ext>
+            </a:extLst>
+          </p:cNvPr>
+          <p:cNvCxnSpPr>
+            <a:cxnSpLocks/>
+          </p:cNvCxnSpPr>
+          <p:nvPr/>
+        </p:nvCxnSpPr>
+        <p:spPr>
+          <a:xfrm>
+            <a:off x="1611487" y="3054894"/>
+            <a:ext cx="2323321" cy="891103"/>
+          </a:xfrm>
+          <a:prstGeom prst="line">
+            <a:avLst/>
+          </a:prstGeom>
+          <a:ln w="9525" cap="flat" cmpd="sng" algn="ctr">
+            <a:solidFill>
+              <a:schemeClr val="accent6"/>
+            </a:solidFill>
+            <a:prstDash val="dash"/>
+            <a:round/>
+            <a:headEnd type="none" w="med" len="med"/>
+            <a:tailEnd type="none" w="med" len="med"/>
+          </a:ln>
+        </p:spPr>
+        <p:style>
+          <a:lnRef idx="0">
+            <a:scrgbClr r="0" g="0" b="0"/>
+          </a:lnRef>
+          <a:fillRef idx="0">
+            <a:scrgbClr r="0" g="0" b="0"/>
+          </a:fillRef>
+          <a:effectRef idx="0">
+            <a:scrgbClr r="0" g="0" b="0"/>
+          </a:effectRef>
+          <a:fontRef idx="minor">
+            <a:schemeClr val="tx1"/>
+          </a:fontRef>
+        </p:style>
+      </p:cxnSp>
     </p:spTree>
     <p:extLst>
       <p:ext uri="{BB962C8B-B14F-4D97-AF65-F5344CB8AC3E}">
@@ -27497,7 +32497,7 @@
     <p:bg>
       <p:bgPr>
         <a:solidFill>
-          <a:schemeClr val="bg1"/>
+          <a:schemeClr val="tx1"/>
         </a:solidFill>
         <a:effectLst/>
       </p:bgPr>
@@ -27516,100 +32516,6 @@
           <a:chExt cx="0" cy="0"/>
         </a:xfrm>
       </p:grpSpPr>
-      <p:sp>
-        <p:nvSpPr>
-          <p:cNvPr id="10" name="Rectangle 9">
-            <a:extLst>
-              <a:ext uri="{FF2B5EF4-FFF2-40B4-BE49-F238E27FC236}">
-                <a16:creationId xmlns:a16="http://schemas.microsoft.com/office/drawing/2014/main" id="{9228552E-C8B1-4A80-8448-0787CE0FC704}"/>
-              </a:ext>
-              <a:ext uri="{C183D7F6-B498-43B3-948B-1728B52AA6E4}">
-                <adec:decorative xmlns:adec="http://schemas.microsoft.com/office/drawing/2017/decorative" val="1"/>
-              </a:ext>
-            </a:extLst>
-          </p:cNvPr>
-          <p:cNvSpPr>
-            <a:spLocks noGrp="1" noRot="1" noChangeAspect="1" noMove="1" noResize="1" noEditPoints="1" noAdjustHandles="1" noChangeArrowheads="1" noChangeShapeType="1" noTextEdit="1"/>
-          </p:cNvSpPr>
-          <p:nvPr>
-            <p:extLst>
-              <p:ext uri="{386F3935-93C4-4BCD-93E2-E3B085C9AB24}">
-                <p16:designElem xmlns:p16="http://schemas.microsoft.com/office/powerpoint/2015/main" val="1"/>
-              </p:ext>
-            </p:extLst>
-          </p:nvPr>
-        </p:nvSpPr>
-        <p:spPr>
-          <a:xfrm>
-            <a:off x="0" y="0"/>
-            <a:ext cx="12192000" cy="6858000"/>
-          </a:xfrm>
-          <a:prstGeom prst="rect">
-            <a:avLst/>
-          </a:prstGeom>
-          <a:solidFill>
-            <a:srgbClr val="000000"/>
-          </a:solidFill>
-          <a:ln>
-            <a:noFill/>
-          </a:ln>
-        </p:spPr>
-        <p:style>
-          <a:lnRef idx="2">
-            <a:schemeClr val="accent1">
-              <a:shade val="50000"/>
-            </a:schemeClr>
-          </a:lnRef>
-          <a:fillRef idx="1">
-            <a:schemeClr val="accent1"/>
-          </a:fillRef>
-          <a:effectRef idx="0">
-            <a:schemeClr val="accent1"/>
-          </a:effectRef>
-          <a:fontRef idx="minor">
-            <a:schemeClr val="lt1"/>
-          </a:fontRef>
-        </p:style>
-        <p:txBody>
-          <a:bodyPr rtlCol="0" anchor="ctr"/>
-          <a:lstStyle/>
-          <a:p>
-            <a:pPr algn="ctr"/>
-            <a:endParaRPr lang="en-US"/>
-          </a:p>
-        </p:txBody>
-      </p:sp>
-      <p:pic>
-        <p:nvPicPr>
-          <p:cNvPr id="6" name="Picture 5" descr="Shape&#10;&#10;Description automatically generated with medium confidence">
-            <a:extLst>
-              <a:ext uri="{FF2B5EF4-FFF2-40B4-BE49-F238E27FC236}">
-                <a16:creationId xmlns:a16="http://schemas.microsoft.com/office/drawing/2014/main" id="{AD3D4869-CF8E-B745-D202-2251E1352C59}"/>
-              </a:ext>
-            </a:extLst>
-          </p:cNvPr>
-          <p:cNvPicPr>
-            <a:picLocks noChangeAspect="1"/>
-          </p:cNvPicPr>
-          <p:nvPr/>
-        </p:nvPicPr>
-        <p:blipFill rotWithShape="1">
-          <a:blip r:embed="rId2">
-            <a:alphaModFix amt="35000"/>
-          </a:blip>
-          <a:srcRect t="8268" b="7146"/>
-          <a:stretch/>
-        </p:blipFill>
-        <p:spPr>
-          <a:xfrm>
-            <a:off x="20" y="10"/>
-            <a:ext cx="12191980" cy="6857990"/>
-          </a:xfrm>
-          <a:prstGeom prst="rect">
-            <a:avLst/>
-          </a:prstGeom>
-        </p:spPr>
-      </p:pic>
       <p:sp>
         <p:nvSpPr>
           <p:cNvPr id="2" name="Title 1">
@@ -27639,9 +32545,9 @@
           <a:lstStyle/>
           <a:p>
             <a:r>
-              <a:rPr lang="en-US">
+              <a:rPr lang="en-US" dirty="0">
                 <a:solidFill>
-                  <a:srgbClr val="FFFFFF"/>
+                  <a:schemeClr val="bg1"/>
                 </a:solidFill>
               </a:rPr>
               <a:t>Example Use of ML for Intelligent Agents</a:t>
@@ -27667,18 +32573,18 @@
                 <p:ph idx="1"/>
                 <p:extLst>
                   <p:ext uri="{D42A27DB-BD31-4B8C-83A1-F6EECF244321}">
-                    <p14:modId xmlns:p14="http://schemas.microsoft.com/office/powerpoint/2010/main" val="3601619216"/>
+                    <p14:modId xmlns:p14="http://schemas.microsoft.com/office/powerpoint/2010/main" val="523335770"/>
                   </p:ext>
                 </p:extLst>
               </p:nvPr>
             </p:nvGraphicFramePr>
             <p:xfrm>
-              <a:off x="838200" y="1825625"/>
+              <a:off x="838200" y="1447800"/>
               <a:ext cx="10515600" cy="4351338"/>
             </p:xfrm>
             <a:graphic>
               <a:graphicData uri="http://schemas.openxmlformats.org/drawingml/2006/diagram">
-                <dgm:relIds xmlns:dgm="http://schemas.openxmlformats.org/drawingml/2006/diagram" xmlns:r="http://schemas.openxmlformats.org/officeDocument/2006/relationships" r:dm="rId3" r:lo="rId4" r:qs="rId5" r:cs="rId6"/>
+                <dgm:relIds xmlns:dgm="http://schemas.openxmlformats.org/drawingml/2006/diagram" xmlns:r="http://schemas.openxmlformats.org/officeDocument/2006/relationships" r:dm="rId2" r:lo="rId3" r:qs="rId4" r:cs="rId5"/>
               </a:graphicData>
             </a:graphic>
           </p:graphicFrame>
@@ -27700,23 +32606,59 @@
                 <p:ph idx="1"/>
                 <p:extLst>
                   <p:ext uri="{D42A27DB-BD31-4B8C-83A1-F6EECF244321}">
-                    <p14:modId xmlns:p14="http://schemas.microsoft.com/office/powerpoint/2010/main" val="3601619216"/>
+                    <p14:modId xmlns:p14="http://schemas.microsoft.com/office/powerpoint/2010/main" val="523335770"/>
                   </p:ext>
                 </p:extLst>
               </p:nvPr>
             </p:nvGraphicFramePr>
             <p:xfrm>
-              <a:off x="838200" y="1825625"/>
+              <a:off x="838200" y="1447800"/>
               <a:ext cx="10515600" cy="4351338"/>
             </p:xfrm>
             <a:graphic>
               <a:graphicData uri="http://schemas.openxmlformats.org/drawingml/2006/diagram">
-                <dgm:relIds xmlns:dgm="http://schemas.openxmlformats.org/drawingml/2006/diagram" xmlns:r="http://schemas.openxmlformats.org/officeDocument/2006/relationships" r:dm="rId8" r:lo="rId4" r:qs="rId5" r:cs="rId6"/>
+                <dgm:relIds xmlns:dgm="http://schemas.openxmlformats.org/drawingml/2006/diagram" xmlns:r="http://schemas.openxmlformats.org/officeDocument/2006/relationships" r:dm="rId7" r:lo="rId3" r:qs="rId4" r:cs="rId5"/>
               </a:graphicData>
             </a:graphic>
           </p:graphicFrame>
         </mc:Fallback>
       </mc:AlternateContent>
+      <p:sp>
+        <p:nvSpPr>
+          <p:cNvPr id="8" name="TextBox 7">
+            <a:extLst>
+              <a:ext uri="{FF2B5EF4-FFF2-40B4-BE49-F238E27FC236}">
+                <a16:creationId xmlns:a16="http://schemas.microsoft.com/office/drawing/2014/main" id="{5518513A-575E-58FA-51D7-622C7D4E4B74}"/>
+              </a:ext>
+            </a:extLst>
+          </p:cNvPr>
+          <p:cNvSpPr txBox="1"/>
+          <p:nvPr/>
+        </p:nvSpPr>
+        <p:spPr>
+          <a:xfrm>
+            <a:off x="914400" y="5867400"/>
+            <a:ext cx="9906000" cy="369332"/>
+          </a:xfrm>
+          <a:prstGeom prst="rect">
+            <a:avLst/>
+          </a:prstGeom>
+          <a:noFill/>
+        </p:spPr>
+        <p:txBody>
+          <a:bodyPr wrap="square" rtlCol="0">
+            <a:spAutoFit/>
+          </a:bodyPr>
+          <a:lstStyle/>
+          <a:p>
+            <a:r>
+              <a:rPr lang="en-US" dirty="0" err="1"/>
+              <a:t>LEarnin</a:t>
+            </a:r>
+            <a:endParaRPr lang="en-US" dirty="0"/>
+          </a:p>
+        </p:txBody>
+      </p:sp>
     </p:spTree>
     <p:extLst>
       <p:ext uri="{BB962C8B-B14F-4D97-AF65-F5344CB8AC3E}">
@@ -27726,6 +32668,179 @@
   </p:cSld>
   <p:clrMapOvr>
     <a:overrideClrMapping bg1="dk1" tx1="lt1" bg2="dk2" tx2="lt2" accent1="accent1" accent2="accent2" accent3="accent3" accent4="accent4" accent5="accent5" accent6="accent6" hlink="hlink" folHlink="folHlink"/>
+  </p:clrMapOvr>
+</p:sld>
+</file>
+
+<file path=ppt/slides/slide32.xml><?xml version="1.0" encoding="utf-8"?>
+<p:sld xmlns:a="http://schemas.openxmlformats.org/drawingml/2006/main" xmlns:r="http://schemas.openxmlformats.org/officeDocument/2006/relationships" xmlns:p="http://schemas.openxmlformats.org/presentationml/2006/main">
+  <p:cSld>
+    <p:spTree>
+      <p:nvGrpSpPr>
+        <p:cNvPr id="1" name=""/>
+        <p:cNvGrpSpPr/>
+        <p:nvPr/>
+      </p:nvGrpSpPr>
+      <p:grpSpPr>
+        <a:xfrm>
+          <a:off x="0" y="0"/>
+          <a:ext cx="0" cy="0"/>
+          <a:chOff x="0" y="0"/>
+          <a:chExt cx="0" cy="0"/>
+        </a:xfrm>
+      </p:grpSpPr>
+      <p:sp>
+        <p:nvSpPr>
+          <p:cNvPr id="2" name="Title 1">
+            <a:extLst>
+              <a:ext uri="{FF2B5EF4-FFF2-40B4-BE49-F238E27FC236}">
+                <a16:creationId xmlns:a16="http://schemas.microsoft.com/office/drawing/2014/main" id="{098831CE-DF87-67E9-77D1-77180DEFF9A8}"/>
+              </a:ext>
+            </a:extLst>
+          </p:cNvPr>
+          <p:cNvSpPr>
+            <a:spLocks noGrp="1"/>
+          </p:cNvSpPr>
+          <p:nvPr>
+            <p:ph type="title"/>
+          </p:nvPr>
+        </p:nvSpPr>
+        <p:spPr/>
+        <p:txBody>
+          <a:bodyPr/>
+          <a:lstStyle/>
+          <a:p>
+            <a:r>
+              <a:rPr lang="en-US" dirty="0"/>
+              <a:t>Example Use of ML for Intelligent Agents</a:t>
+            </a:r>
+          </a:p>
+        </p:txBody>
+      </p:sp>
+      <p:sp>
+        <p:nvSpPr>
+          <p:cNvPr id="3" name="Content Placeholder 2">
+            <a:extLst>
+              <a:ext uri="{FF2B5EF4-FFF2-40B4-BE49-F238E27FC236}">
+                <a16:creationId xmlns:a16="http://schemas.microsoft.com/office/drawing/2014/main" id="{78A33CD8-6DB6-F8AA-0C14-2EE3075AFB5C}"/>
+              </a:ext>
+            </a:extLst>
+          </p:cNvPr>
+          <p:cNvSpPr>
+            <a:spLocks noGrp="1"/>
+          </p:cNvSpPr>
+          <p:nvPr>
+            <p:ph idx="1"/>
+          </p:nvPr>
+        </p:nvSpPr>
+        <p:spPr>
+          <a:xfrm>
+            <a:off x="838200" y="5799138"/>
+            <a:ext cx="10515600" cy="614363"/>
+          </a:xfrm>
+        </p:spPr>
+        <p:txBody>
+          <a:bodyPr>
+            <a:normAutofit fontScale="77500" lnSpcReduction="20000"/>
+          </a:bodyPr>
+          <a:lstStyle/>
+          <a:p>
+            <a:pPr marL="0" indent="0" algn="ctr">
+              <a:buNone/>
+            </a:pPr>
+            <a:r>
+              <a:rPr lang="en-US" b="1" dirty="0"/>
+              <a:t>Bottom line</a:t>
+            </a:r>
+            <a:r>
+              <a:rPr lang="en-US" dirty="0"/>
+              <a:t>: Learning a function is often more effective than hard-coding it, </a:t>
+            </a:r>
+            <a:br>
+              <a:rPr lang="en-US" dirty="0"/>
+            </a:br>
+            <a:r>
+              <a:rPr lang="en-US" dirty="0"/>
+              <a:t>but we do not always know how it performs in very rare cases!</a:t>
+            </a:r>
+          </a:p>
+        </p:txBody>
+      </p:sp>
+      <mc:AlternateContent xmlns:mc="http://schemas.openxmlformats.org/markup-compatibility/2006">
+        <mc:Choice xmlns:a14="http://schemas.microsoft.com/office/drawing/2010/main" Requires="a14">
+          <p:graphicFrame>
+            <p:nvGraphicFramePr>
+              <p:cNvPr id="6" name="Content Placeholder 2">
+                <a:extLst>
+                  <a:ext uri="{FF2B5EF4-FFF2-40B4-BE49-F238E27FC236}">
+                    <a16:creationId xmlns:a16="http://schemas.microsoft.com/office/drawing/2014/main" id="{EED8E7DC-935B-9A5E-BB4B-1EAC7123C689}"/>
+                  </a:ext>
+                </a:extLst>
+              </p:cNvPr>
+              <p:cNvGraphicFramePr>
+                <a:graphicFrameLocks/>
+              </p:cNvGraphicFramePr>
+              <p:nvPr>
+                <p:extLst>
+                  <p:ext uri="{D42A27DB-BD31-4B8C-83A1-F6EECF244321}">
+                    <p14:modId xmlns:p14="http://schemas.microsoft.com/office/powerpoint/2010/main" val="1975936062"/>
+                  </p:ext>
+                </p:extLst>
+              </p:nvPr>
+            </p:nvGraphicFramePr>
+            <p:xfrm>
+              <a:off x="838200" y="1447800"/>
+              <a:ext cx="10515600" cy="4351338"/>
+            </p:xfrm>
+            <a:graphic>
+              <a:graphicData uri="http://schemas.openxmlformats.org/drawingml/2006/diagram">
+                <dgm:relIds xmlns:dgm="http://schemas.openxmlformats.org/drawingml/2006/diagram" xmlns:r="http://schemas.openxmlformats.org/officeDocument/2006/relationships" r:dm="rId2" r:lo="rId3" r:qs="rId4" r:cs="rId5"/>
+              </a:graphicData>
+            </a:graphic>
+          </p:graphicFrame>
+        </mc:Choice>
+        <mc:Fallback>
+          <p:graphicFrame>
+            <p:nvGraphicFramePr>
+              <p:cNvPr id="6" name="Content Placeholder 2">
+                <a:extLst>
+                  <a:ext uri="{FF2B5EF4-FFF2-40B4-BE49-F238E27FC236}">
+                    <a16:creationId xmlns:a16="http://schemas.microsoft.com/office/drawing/2014/main" id="{EED8E7DC-935B-9A5E-BB4B-1EAC7123C689}"/>
+                  </a:ext>
+                </a:extLst>
+              </p:cNvPr>
+              <p:cNvGraphicFramePr>
+                <a:graphicFrameLocks/>
+              </p:cNvGraphicFramePr>
+              <p:nvPr>
+                <p:extLst>
+                  <p:ext uri="{D42A27DB-BD31-4B8C-83A1-F6EECF244321}">
+                    <p14:modId xmlns:p14="http://schemas.microsoft.com/office/powerpoint/2010/main" val="1975936062"/>
+                  </p:ext>
+                </p:extLst>
+              </p:nvPr>
+            </p:nvGraphicFramePr>
+            <p:xfrm>
+              <a:off x="838200" y="1447800"/>
+              <a:ext cx="10515600" cy="4351338"/>
+            </p:xfrm>
+            <a:graphic>
+              <a:graphicData uri="http://schemas.openxmlformats.org/drawingml/2006/diagram">
+                <dgm:relIds xmlns:dgm="http://schemas.openxmlformats.org/drawingml/2006/diagram" xmlns:r="http://schemas.openxmlformats.org/officeDocument/2006/relationships" r:dm="rId7" r:lo="rId3" r:qs="rId4" r:cs="rId5"/>
+              </a:graphicData>
+            </a:graphic>
+          </p:graphicFrame>
+        </mc:Fallback>
+      </mc:AlternateContent>
+    </p:spTree>
+    <p:extLst>
+      <p:ext uri="{BB962C8B-B14F-4D97-AF65-F5344CB8AC3E}">
+        <p14:creationId xmlns:p14="http://schemas.microsoft.com/office/powerpoint/2010/main" val="3240203067"/>
+      </p:ext>
+    </p:extLst>
+  </p:cSld>
+  <p:clrMapOvr>
+    <a:masterClrMapping/>
   </p:clrMapOvr>
 </p:sld>
 </file>
@@ -27769,8 +32884,8 @@
           </a:p>
         </p:txBody>
       </p:sp>
-      <mc:AlternateContent xmlns:mc="http://schemas.openxmlformats.org/markup-compatibility/2006" xmlns:a14="http://schemas.microsoft.com/office/drawing/2010/main">
-        <mc:Choice Requires="a14">
+      <mc:AlternateContent xmlns:mc="http://schemas.openxmlformats.org/markup-compatibility/2006">
+        <mc:Choice xmlns:a14="http://schemas.microsoft.com/office/drawing/2010/main" Requires="a14">
           <p:sp>
             <p:nvSpPr>
               <p:cNvPr id="1104899" name="Rectangle 3"/>
@@ -28260,42 +33375,47 @@
                       </a:rPr>
                       <m:t>h</m:t>
                     </m:r>
+                    <m:d>
+                      <m:dPr>
+                        <m:ctrlPr>
+                          <a:rPr lang="en-US" i="1" dirty="0" smtClean="0">
+                            <a:latin typeface="Cambria Math" panose="02040503050406030204" pitchFamily="18" charset="0"/>
+                          </a:rPr>
+                        </m:ctrlPr>
+                      </m:dPr>
+                      <m:e>
+                        <m:sSub>
+                          <m:sSubPr>
+                            <m:ctrlPr>
+                              <a:rPr lang="en-US" i="1" dirty="0" err="1" smtClean="0">
+                                <a:latin typeface="Cambria Math" panose="02040503050406030204" pitchFamily="18" charset="0"/>
+                              </a:rPr>
+                            </m:ctrlPr>
+                          </m:sSubPr>
+                          <m:e>
+                            <m:r>
+                              <a:rPr lang="en-US" i="1" dirty="0" err="1" smtClean="0">
+                                <a:latin typeface="Cambria Math" panose="02040503050406030204" pitchFamily="18" charset="0"/>
+                              </a:rPr>
+                              <m:t>𝑥</m:t>
+                            </m:r>
+                          </m:e>
+                          <m:sub>
+                            <m:r>
+                              <a:rPr lang="en-US" i="1" dirty="0" err="1" smtClean="0">
+                                <a:latin typeface="Cambria Math" panose="02040503050406030204" pitchFamily="18" charset="0"/>
+                              </a:rPr>
+                              <m:t>𝑖</m:t>
+                            </m:r>
+                          </m:sub>
+                        </m:sSub>
+                      </m:e>
+                    </m:d>
                     <m:r>
                       <a:rPr lang="en-US" i="1" dirty="0" smtClean="0">
                         <a:latin typeface="Cambria Math" panose="02040503050406030204" pitchFamily="18" charset="0"/>
                       </a:rPr>
-                      <m:t>(</m:t>
-                    </m:r>
-                    <m:sSub>
-                      <m:sSubPr>
-                        <m:ctrlPr>
-                          <a:rPr lang="en-US" i="1" dirty="0" err="1" smtClean="0">
-                            <a:latin typeface="Cambria Math" panose="02040503050406030204" pitchFamily="18" charset="0"/>
-                          </a:rPr>
-                        </m:ctrlPr>
-                      </m:sSubPr>
-                      <m:e>
-                        <m:r>
-                          <a:rPr lang="en-US" i="1" dirty="0" err="1" smtClean="0">
-                            <a:latin typeface="Cambria Math" panose="02040503050406030204" pitchFamily="18" charset="0"/>
-                          </a:rPr>
-                          <m:t>𝑥</m:t>
-                        </m:r>
-                      </m:e>
-                      <m:sub>
-                        <m:r>
-                          <a:rPr lang="en-US" i="1" dirty="0" err="1" smtClean="0">
-                            <a:latin typeface="Cambria Math" panose="02040503050406030204" pitchFamily="18" charset="0"/>
-                          </a:rPr>
-                          <m:t>𝑖</m:t>
-                        </m:r>
-                      </m:sub>
-                    </m:sSub>
-                    <m:r>
-                      <a:rPr lang="en-US" i="1" dirty="0" smtClean="0">
-                        <a:latin typeface="Cambria Math" panose="02040503050406030204" pitchFamily="18" charset="0"/>
-                      </a:rPr>
-                      <m:t>)  </m:t>
+                      <m:t> </m:t>
                     </m:r>
                     <m:r>
                       <a:rPr lang="en-US" i="1" dirty="0">
@@ -28335,6 +33455,18 @@
                         </m:r>
                       </m:sub>
                     </m:sSub>
+                    <m:r>
+                      <a:rPr lang="en-US" b="0" i="1" dirty="0" smtClean="0">
+                        <a:latin typeface="Cambria Math" panose="02040503050406030204" pitchFamily="18" charset="0"/>
+                      </a:rPr>
+                      <m:t> ∀</m:t>
+                    </m:r>
+                    <m:r>
+                      <a:rPr lang="en-US" b="0" i="1" dirty="0" smtClean="0">
+                        <a:latin typeface="Cambria Math" panose="02040503050406030204" pitchFamily="18" charset="0"/>
+                      </a:rPr>
+                      <m:t>𝑖</m:t>
+                    </m:r>
                   </m:oMath>
                 </a14:m>
                 <a:endParaRPr lang="en-US" i="1" dirty="0">
@@ -28470,7 +33602,7 @@
                 </a14:m>
                 <a:r>
                   <a:rPr lang="en-US" dirty="0"/>
-                  <a:t> is spam / ham</a:t>
+                  <a:t> is spam / ham.</a:t>
                 </a:r>
               </a:p>
               <a:p>
@@ -28529,13 +33661,13 @@
                 </a:r>
                 <a:r>
                   <a:rPr lang="en-US" dirty="0"/>
-                  <a:t>is its selling price</a:t>
+                  <a:t>is its selling price.</a:t>
                 </a:r>
               </a:p>
             </p:txBody>
           </p:sp>
         </mc:Choice>
-        <mc:Fallback xmlns="">
+        <mc:Fallback>
           <p:sp>
             <p:nvSpPr>
               <p:cNvPr id="1104899" name="Rectangle 3"/>
@@ -28554,7 +33686,7 @@
               <a:blipFill>
                 <a:blip r:embed="rId4"/>
                 <a:stretch>
-                  <a:fillRect l="-902" t="-3355"/>
+                  <a:fillRect l="-902" t="-3355" r="-301"/>
                 </a:stretch>
               </a:blipFill>
             </p:spPr>
@@ -28768,7 +33900,7 @@
             </a:ln>
             <a:extLst>
               <a:ext uri="{AF507438-7753-43e0-B8FC-AC1667EBCBE1}">
-                <a14:hiddenEffects xmlns:a14="http://schemas.microsoft.com/office/drawing/2010/main" xmlns="">
+                <a14:hiddenEffects xmlns="" xmlns:a14="http://schemas.microsoft.com/office/drawing/2010/main">
                   <a:effectLst>
                     <a:outerShdw dist="35921" dir="2700000" algn="ctr" rotWithShape="0">
                       <a:schemeClr val="bg2"/>
@@ -28852,14 +33984,14 @@
             <a:effectLst/>
             <a:extLst>
               <a:ext uri="{909E8E84-426E-40dd-AFC4-6F175D3DCCD1}">
-                <a14:hiddenFill xmlns:a14="http://schemas.microsoft.com/office/drawing/2010/main" xmlns="">
+                <a14:hiddenFill xmlns="" xmlns:a14="http://schemas.microsoft.com/office/drawing/2010/main">
                   <a:solidFill>
                     <a:schemeClr val="accent1"/>
                   </a:solidFill>
                 </a14:hiddenFill>
               </a:ext>
               <a:ext uri="{91240B29-F687-4f45-9708-019B960494DF}">
-                <a14:hiddenLine xmlns:a14="http://schemas.microsoft.com/office/drawing/2010/main" xmlns="" w="9525">
+                <a14:hiddenLine xmlns="" xmlns:a14="http://schemas.microsoft.com/office/drawing/2010/main" w="9525">
                   <a:solidFill>
                     <a:schemeClr val="tx1"/>
                   </a:solidFill>
@@ -28869,7 +34001,7 @@
                 </a14:hiddenLine>
               </a:ext>
               <a:ext uri="{AF507438-7753-43e0-B8FC-AC1667EBCBE1}">
-                <a14:hiddenEffects xmlns:a14="http://schemas.microsoft.com/office/drawing/2010/main" xmlns="">
+                <a14:hiddenEffects xmlns="" xmlns:a14="http://schemas.microsoft.com/office/drawing/2010/main">
                   <a:effectLst>
                     <a:outerShdw dist="35921" dir="2700000" algn="ctr" rotWithShape="0">
                       <a:schemeClr val="bg2"/>
@@ -28910,7 +34042,7 @@
             <a:effectLst/>
             <a:extLst>
               <a:ext uri="{AF507438-7753-43e0-B8FC-AC1667EBCBE1}">
-                <a14:hiddenEffects xmlns:a14="http://schemas.microsoft.com/office/drawing/2010/main" xmlns="">
+                <a14:hiddenEffects xmlns="" xmlns:a14="http://schemas.microsoft.com/office/drawing/2010/main">
                   <a:effectLst>
                     <a:outerShdw dist="35921" dir="2700000" algn="ctr" rotWithShape="0">
                       <a:schemeClr val="bg2"/>
@@ -28958,7 +34090,7 @@
             <a:effectLst/>
             <a:extLst>
               <a:ext uri="{AF507438-7753-43e0-B8FC-AC1667EBCBE1}">
-                <a14:hiddenEffects xmlns:a14="http://schemas.microsoft.com/office/drawing/2010/main" xmlns="">
+                <a14:hiddenEffects xmlns="" xmlns:a14="http://schemas.microsoft.com/office/drawing/2010/main">
                   <a:effectLst>
                     <a:outerShdw dist="35921" dir="2700000" algn="ctr" rotWithShape="0">
                       <a:schemeClr val="bg2"/>
@@ -29026,14 +34158,14 @@
             <a:effectLst/>
             <a:extLst>
               <a:ext uri="{909E8E84-426E-40dd-AFC4-6F175D3DCCD1}">
-                <a14:hiddenFill xmlns:a14="http://schemas.microsoft.com/office/drawing/2010/main" xmlns="">
+                <a14:hiddenFill xmlns="" xmlns:a14="http://schemas.microsoft.com/office/drawing/2010/main">
                   <a:solidFill>
                     <a:schemeClr val="accent1"/>
                   </a:solidFill>
                 </a14:hiddenFill>
               </a:ext>
               <a:ext uri="{91240B29-F687-4f45-9708-019B960494DF}">
-                <a14:hiddenLine xmlns:a14="http://schemas.microsoft.com/office/drawing/2010/main" xmlns="" w="9525">
+                <a14:hiddenLine xmlns="" xmlns:a14="http://schemas.microsoft.com/office/drawing/2010/main" w="9525">
                   <a:solidFill>
                     <a:schemeClr val="tx1"/>
                   </a:solidFill>
@@ -29043,7 +34175,7 @@
                 </a14:hiddenLine>
               </a:ext>
               <a:ext uri="{AF507438-7753-43e0-B8FC-AC1667EBCBE1}">
-                <a14:hiddenEffects xmlns:a14="http://schemas.microsoft.com/office/drawing/2010/main" xmlns="">
+                <a14:hiddenEffects xmlns="" xmlns:a14="http://schemas.microsoft.com/office/drawing/2010/main">
                   <a:effectLst>
                     <a:outerShdw dist="35921" dir="2700000" algn="ctr" rotWithShape="0">
                       <a:schemeClr val="bg2"/>
@@ -29208,8 +34340,8 @@
           </a:p>
         </p:txBody>
       </p:sp>
-      <mc:AlternateContent xmlns:mc="http://schemas.openxmlformats.org/markup-compatibility/2006" xmlns:a14="http://schemas.microsoft.com/office/drawing/2010/main">
-        <mc:Choice Requires="a14">
+      <mc:AlternateContent xmlns:mc="http://schemas.openxmlformats.org/markup-compatibility/2006">
+        <mc:Choice xmlns:a14="http://schemas.microsoft.com/office/drawing/2010/main" Requires="a14">
           <p:sp>
             <p:nvSpPr>
               <p:cNvPr id="1105923" name="Rectangle 3"/>
@@ -29447,9 +34579,23 @@
                       <a:srgbClr val="CC0000"/>
                     </a:solidFill>
                   </a:rPr>
-                  <a:t>Simplicity</a:t>
+                  <a:t>Simplicity: </a:t>
                 </a:r>
-                <a:endParaRPr lang="en-US" sz="2400" dirty="0"/>
+                <a:r>
+                  <a:rPr lang="en-US" sz="2400" dirty="0"/>
+                  <a:t>small number of parameters often specified as the model parameter vector </a:t>
+                </a:r>
+                <a14:m>
+                  <m:oMath xmlns:m="http://schemas.openxmlformats.org/officeDocument/2006/math">
+                    <m:r>
+                      <a:rPr lang="en-US" sz="2400" b="1" i="1" smtClean="0">
+                        <a:latin typeface="Cambria Math" panose="02040503050406030204" pitchFamily="18" charset="0"/>
+                      </a:rPr>
+                      <m:t>𝜽</m:t>
+                    </m:r>
+                  </m:oMath>
+                </a14:m>
+                <a:endParaRPr lang="en-US" sz="2400" b="1" dirty="0"/>
               </a:p>
               <a:p>
                 <a:pPr>
@@ -29462,7 +34608,7 @@
             </p:txBody>
           </p:sp>
         </mc:Choice>
-        <mc:Fallback xmlns="">
+        <mc:Fallback>
           <p:sp>
             <p:nvSpPr>
               <p:cNvPr id="1105923" name="Rectangle 3"/>
@@ -29536,14 +34682,14 @@
           <a:effectLst/>
           <a:extLst>
             <a:ext uri="{909E8E84-426E-40dd-AFC4-6F175D3DCCD1}">
-              <a14:hiddenFill xmlns:a14="http://schemas.microsoft.com/office/drawing/2010/main" xmlns="">
+              <a14:hiddenFill xmlns="" xmlns:a14="http://schemas.microsoft.com/office/drawing/2010/main">
                 <a:solidFill>
                   <a:schemeClr val="accent1"/>
                 </a:solidFill>
               </a14:hiddenFill>
             </a:ext>
             <a:ext uri="{91240B29-F687-4f45-9708-019B960494DF}">
-              <a14:hiddenLine xmlns:a14="http://schemas.microsoft.com/office/drawing/2010/main" xmlns="" w="9525">
+              <a14:hiddenLine xmlns="" xmlns:a14="http://schemas.microsoft.com/office/drawing/2010/main" w="9525">
                 <a:solidFill>
                   <a:schemeClr val="tx1"/>
                 </a:solidFill>
@@ -29553,7 +34699,7 @@
               </a14:hiddenLine>
             </a:ext>
             <a:ext uri="{AF507438-7753-43e0-B8FC-AC1667EBCBE1}">
-              <a14:hiddenEffects xmlns:a14="http://schemas.microsoft.com/office/drawing/2010/main" xmlns="">
+              <a14:hiddenEffects xmlns="" xmlns:a14="http://schemas.microsoft.com/office/drawing/2010/main">
                 <a:effectLst>
                   <a:outerShdw dist="35921" dir="2700000" algn="ctr" rotWithShape="0">
                     <a:schemeClr val="bg2"/>
@@ -29600,14 +34746,14 @@
           <a:effectLst/>
           <a:extLst>
             <a:ext uri="{909E8E84-426E-40dd-AFC4-6F175D3DCCD1}">
-              <a14:hiddenFill xmlns:a14="http://schemas.microsoft.com/office/drawing/2010/main" xmlns="">
+              <a14:hiddenFill xmlns="" xmlns:a14="http://schemas.microsoft.com/office/drawing/2010/main">
                 <a:solidFill>
                   <a:schemeClr val="accent1"/>
                 </a:solidFill>
               </a14:hiddenFill>
             </a:ext>
             <a:ext uri="{91240B29-F687-4f45-9708-019B960494DF}">
-              <a14:hiddenLine xmlns:a14="http://schemas.microsoft.com/office/drawing/2010/main" xmlns="" w="9525">
+              <a14:hiddenLine xmlns="" xmlns:a14="http://schemas.microsoft.com/office/drawing/2010/main" w="9525">
                 <a:solidFill>
                   <a:schemeClr val="tx1"/>
                 </a:solidFill>
@@ -29617,7 +34763,7 @@
               </a14:hiddenLine>
             </a:ext>
             <a:ext uri="{AF507438-7753-43e0-B8FC-AC1667EBCBE1}">
-              <a14:hiddenEffects xmlns:a14="http://schemas.microsoft.com/office/drawing/2010/main" xmlns="">
+              <a14:hiddenEffects xmlns="" xmlns:a14="http://schemas.microsoft.com/office/drawing/2010/main">
                 <a:effectLst>
                   <a:outerShdw dist="35921" dir="2700000" algn="ctr" rotWithShape="0">
                     <a:schemeClr val="bg2"/>
@@ -29894,7 +35040,7 @@
         </p:nvSpPr>
         <p:spPr>
           <a:xfrm>
-            <a:off x="1752600" y="2057400"/>
+            <a:off x="1783306" y="1868094"/>
             <a:ext cx="1828800" cy="461665"/>
           </a:xfrm>
           <a:prstGeom prst="rect">
@@ -29910,7 +35056,7 @@
           <a:p>
             <a:pPr algn="ctr"/>
             <a:r>
-              <a:rPr lang="en-US" sz="2400" dirty="0"/>
+              <a:rPr lang="en-US" sz="2400" b="1" dirty="0"/>
               <a:t>Examples</a:t>
             </a:r>
           </a:p>
@@ -29973,13 +35119,13 @@
         </p:nvSpPr>
         <p:spPr>
           <a:xfrm>
-            <a:off x="10168521" y="4132866"/>
+            <a:off x="10241793" y="3607094"/>
             <a:ext cx="1341572" cy="1505934"/>
           </a:xfrm>
           <a:prstGeom prst="wedgeRectCallout">
             <a:avLst>
-              <a:gd name="adj1" fmla="val -91183"/>
-              <a:gd name="adj2" fmla="val -27174"/>
+              <a:gd name="adj1" fmla="val -93771"/>
+              <a:gd name="adj2" fmla="val 5876"/>
             </a:avLst>
           </a:prstGeom>
         </p:spPr>
@@ -30007,6 +35153,50 @@
             <a:r>
               <a:rPr lang="en-US" dirty="0"/>
               <a:t>Very simple, but not very consistent with the data!</a:t>
+            </a:r>
+          </a:p>
+        </p:txBody>
+      </p:sp>
+      <p:sp>
+        <p:nvSpPr>
+          <p:cNvPr id="5" name="TextBox 4">
+            <a:extLst>
+              <a:ext uri="{FF2B5EF4-FFF2-40B4-BE49-F238E27FC236}">
+                <a16:creationId xmlns:a16="http://schemas.microsoft.com/office/drawing/2014/main" id="{FE19FE2A-1DB0-4405-63A3-E2082B4EBAC0}"/>
+              </a:ext>
+            </a:extLst>
+          </p:cNvPr>
+          <p:cNvSpPr txBox="1"/>
+          <p:nvPr/>
+        </p:nvSpPr>
+        <p:spPr>
+          <a:xfrm>
+            <a:off x="6459205" y="1826567"/>
+            <a:ext cx="2400200" cy="461665"/>
+          </a:xfrm>
+          <a:prstGeom prst="rect">
+            <a:avLst/>
+          </a:prstGeom>
+          <a:noFill/>
+        </p:spPr>
+        <p:txBody>
+          <a:bodyPr wrap="square" rtlCol="0">
+            <a:spAutoFit/>
+          </a:bodyPr>
+          <a:lstStyle/>
+          <a:p>
+            <a:pPr algn="ctr"/>
+            <a:r>
+              <a:rPr lang="en-US" sz="2400" b="1" dirty="0"/>
+              <a:t>Learned</a:t>
+            </a:r>
+            <a:r>
+              <a:rPr lang="en-US" sz="2400" dirty="0"/>
+              <a:t> </a:t>
+            </a:r>
+            <a:r>
+              <a:rPr lang="en-US" sz="2400" b="1" dirty="0"/>
+              <a:t>Models</a:t>
             </a:r>
           </a:p>
         </p:txBody>
@@ -30144,8 +35334,8 @@
           </a:p>
         </p:txBody>
       </p:sp>
-      <mc:AlternateContent xmlns:mc="http://schemas.openxmlformats.org/markup-compatibility/2006" xmlns:a14="http://schemas.microsoft.com/office/drawing/2010/main">
-        <mc:Choice Requires="a14">
+      <mc:AlternateContent xmlns:mc="http://schemas.openxmlformats.org/markup-compatibility/2006">
+        <mc:Choice xmlns:a14="http://schemas.microsoft.com/office/drawing/2010/main" Requires="a14">
           <p:sp>
             <p:nvSpPr>
               <p:cNvPr id="3" name="Content Placeholder 2">
@@ -30990,7 +36180,7 @@
                 <a:pPr lvl="1"/>
                 <a:r>
                   <a:rPr lang="en-US" dirty="0"/>
-                  <a:t>Log loss and others… </a:t>
+                  <a:t>Log loss, cross-entropy loss and many others… </a:t>
                 </a:r>
               </a:p>
               <a:p>
@@ -31249,7 +36439,7 @@
             </p:txBody>
           </p:sp>
         </mc:Choice>
-        <mc:Fallback xmlns="">
+        <mc:Fallback>
           <p:sp>
             <p:nvSpPr>
               <p:cNvPr id="3" name="Content Placeholder 2">
@@ -31647,7 +36837,7 @@
             </a:ln>
             <a:extLst>
               <a:ext uri="{AF507438-7753-43e0-B8FC-AC1667EBCBE1}">
-                <a14:hiddenEffects xmlns:a14="http://schemas.microsoft.com/office/drawing/2010/main" xmlns="">
+                <a14:hiddenEffects xmlns="" xmlns:a14="http://schemas.microsoft.com/office/drawing/2010/main">
                   <a:effectLst>
                     <a:outerShdw dist="35921" dir="2700000" algn="ctr" rotWithShape="0">
                       <a:schemeClr val="bg2"/>
@@ -31717,7 +36907,7 @@
             <a:effectLst/>
             <a:extLst>
               <a:ext uri="{AF507438-7753-43e0-B8FC-AC1667EBCBE1}">
-                <a14:hiddenEffects xmlns:a14="http://schemas.microsoft.com/office/drawing/2010/main" xmlns="">
+                <a14:hiddenEffects xmlns="" xmlns:a14="http://schemas.microsoft.com/office/drawing/2010/main">
                   <a:effectLst>
                     <a:outerShdw dist="35921" dir="2700000" algn="ctr" rotWithShape="0">
                       <a:schemeClr val="bg2"/>
@@ -31771,7 +36961,7 @@
             <a:effectLst/>
             <a:extLst>
               <a:ext uri="{AF507438-7753-43e0-B8FC-AC1667EBCBE1}">
-                <a14:hiddenEffects xmlns:a14="http://schemas.microsoft.com/office/drawing/2010/main" xmlns="">
+                <a14:hiddenEffects xmlns="" xmlns:a14="http://schemas.microsoft.com/office/drawing/2010/main">
                   <a:effectLst>
                     <a:outerShdw dist="35921" dir="2700000" algn="ctr" rotWithShape="0">
                       <a:schemeClr val="bg2"/>
@@ -31824,12 +37014,12 @@
             <a:effectLst/>
             <a:extLst>
               <a:ext uri="{909E8E84-426E-40dd-AFC4-6F175D3DCCD1}">
-                <a14:hiddenFill xmlns:a14="http://schemas.microsoft.com/office/drawing/2010/main" xmlns="">
+                <a14:hiddenFill xmlns="" xmlns:a14="http://schemas.microsoft.com/office/drawing/2010/main">
                   <a:noFill/>
                 </a14:hiddenFill>
               </a:ext>
               <a:ext uri="{AF507438-7753-43e0-B8FC-AC1667EBCBE1}">
-                <a14:hiddenEffects xmlns:a14="http://schemas.microsoft.com/office/drawing/2010/main" xmlns="">
+                <a14:hiddenEffects xmlns="" xmlns:a14="http://schemas.microsoft.com/office/drawing/2010/main">
                   <a:effectLst>
                     <a:outerShdw dist="35921" dir="2700000" algn="ctr" rotWithShape="0">
                       <a:schemeClr val="bg2"/>
@@ -31903,14 +37093,14 @@
             <a:effectLst/>
             <a:extLst>
               <a:ext uri="{909E8E84-426E-40dd-AFC4-6F175D3DCCD1}">
-                <a14:hiddenFill xmlns:a14="http://schemas.microsoft.com/office/drawing/2010/main" xmlns="">
+                <a14:hiddenFill xmlns="" xmlns:a14="http://schemas.microsoft.com/office/drawing/2010/main">
                   <a:solidFill>
                     <a:schemeClr val="accent1"/>
                   </a:solidFill>
                 </a14:hiddenFill>
               </a:ext>
               <a:ext uri="{91240B29-F687-4f45-9708-019B960494DF}">
-                <a14:hiddenLine xmlns:a14="http://schemas.microsoft.com/office/drawing/2010/main" xmlns="" w="9525">
+                <a14:hiddenLine xmlns="" xmlns:a14="http://schemas.microsoft.com/office/drawing/2010/main" w="9525">
                   <a:solidFill>
                     <a:schemeClr val="tx1"/>
                   </a:solidFill>
@@ -31920,7 +37110,7 @@
                 </a14:hiddenLine>
               </a:ext>
               <a:ext uri="{AF507438-7753-43e0-B8FC-AC1667EBCBE1}">
-                <a14:hiddenEffects xmlns:a14="http://schemas.microsoft.com/office/drawing/2010/main" xmlns="">
+                <a14:hiddenEffects xmlns="" xmlns:a14="http://schemas.microsoft.com/office/drawing/2010/main">
                   <a:effectLst>
                     <a:outerShdw dist="35921" dir="2700000" algn="ctr" rotWithShape="0">
                       <a:schemeClr val="bg2"/>
@@ -32310,8 +37500,8 @@
           </p:sp>
         </mc:Fallback>
       </mc:AlternateContent>
-      <mc:AlternateContent xmlns:mc="http://schemas.openxmlformats.org/markup-compatibility/2006" xmlns:a14="http://schemas.microsoft.com/office/drawing/2010/main">
-        <mc:Choice Requires="a14">
+      <mc:AlternateContent xmlns:mc="http://schemas.openxmlformats.org/markup-compatibility/2006">
+        <mc:Choice xmlns:a14="http://schemas.microsoft.com/office/drawing/2010/main" Requires="a14">
           <p:sp>
             <p:nvSpPr>
               <p:cNvPr id="3" name="Content Placeholder 2">
@@ -32847,7 +38037,7 @@
                 </a14:m>
                 <a:r>
                   <a:rPr lang="en-US" dirty="0"/>
-                  <a:t> is nondeterministic or examples are noisy</a:t>
+                  <a:t> is nondeterministic or examples are noisy.</a:t>
                 </a:r>
               </a:p>
               <a:p>
@@ -32868,6 +38058,13 @@
                       </a:rPr>
                       <m:t>𝐻</m:t>
                     </m:r>
+                    <m:r>
+                      <a:rPr lang="en-US" b="0" i="1" dirty="0" smtClean="0">
+                        <a:latin typeface="Cambria Math" panose="02040503050406030204" pitchFamily="18" charset="0"/>
+                        <a:ea typeface="Cambria Math" panose="02040503050406030204" pitchFamily="18" charset="0"/>
+                      </a:rPr>
+                      <m:t>.</m:t>
+                    </m:r>
                   </m:oMath>
                 </a14:m>
                 <a:endParaRPr lang="en-US" dirty="0"/>
@@ -32882,7 +38079,7 @@
             </p:txBody>
           </p:sp>
         </mc:Choice>
-        <mc:Fallback xmlns="">
+        <mc:Fallback>
           <p:sp>
             <p:nvSpPr>
               <p:cNvPr id="3" name="Content Placeholder 2">
@@ -33123,7 +38320,7 @@
             </a:ln>
             <a:extLst>
               <a:ext uri="{AF507438-7753-43e0-B8FC-AC1667EBCBE1}">
-                <a14:hiddenEffects xmlns:a14="http://schemas.microsoft.com/office/drawing/2010/main" xmlns="">
+                <a14:hiddenEffects xmlns="" xmlns:a14="http://schemas.microsoft.com/office/drawing/2010/main">
                   <a:effectLst>
                     <a:outerShdw dist="35921" dir="2700000" algn="ctr" rotWithShape="0">
                       <a:schemeClr val="bg2"/>
@@ -33193,7 +38390,7 @@
             <a:effectLst/>
             <a:extLst>
               <a:ext uri="{AF507438-7753-43e0-B8FC-AC1667EBCBE1}">
-                <a14:hiddenEffects xmlns:a14="http://schemas.microsoft.com/office/drawing/2010/main" xmlns="">
+                <a14:hiddenEffects xmlns="" xmlns:a14="http://schemas.microsoft.com/office/drawing/2010/main">
                   <a:effectLst>
                     <a:outerShdw dist="35921" dir="2700000" algn="ctr" rotWithShape="0">
                       <a:schemeClr val="bg2"/>
@@ -33247,7 +38444,7 @@
             <a:effectLst/>
             <a:extLst>
               <a:ext uri="{AF507438-7753-43e0-B8FC-AC1667EBCBE1}">
-                <a14:hiddenEffects xmlns:a14="http://schemas.microsoft.com/office/drawing/2010/main" xmlns="">
+                <a14:hiddenEffects xmlns="" xmlns:a14="http://schemas.microsoft.com/office/drawing/2010/main">
                   <a:effectLst>
                     <a:outerShdw dist="35921" dir="2700000" algn="ctr" rotWithShape="0">
                       <a:schemeClr val="bg2"/>
@@ -33300,12 +38497,12 @@
             <a:effectLst/>
             <a:extLst>
               <a:ext uri="{909E8E84-426E-40dd-AFC4-6F175D3DCCD1}">
-                <a14:hiddenFill xmlns:a14="http://schemas.microsoft.com/office/drawing/2010/main" xmlns="">
+                <a14:hiddenFill xmlns="" xmlns:a14="http://schemas.microsoft.com/office/drawing/2010/main">
                   <a:noFill/>
                 </a14:hiddenFill>
               </a:ext>
               <a:ext uri="{AF507438-7753-43e0-B8FC-AC1667EBCBE1}">
-                <a14:hiddenEffects xmlns:a14="http://schemas.microsoft.com/office/drawing/2010/main" xmlns="">
+                <a14:hiddenEffects xmlns="" xmlns:a14="http://schemas.microsoft.com/office/drawing/2010/main">
                   <a:effectLst>
                     <a:outerShdw dist="35921" dir="2700000" algn="ctr" rotWithShape="0">
                       <a:schemeClr val="bg2"/>
@@ -33379,14 +38576,14 @@
             <a:effectLst/>
             <a:extLst>
               <a:ext uri="{909E8E84-426E-40dd-AFC4-6F175D3DCCD1}">
-                <a14:hiddenFill xmlns:a14="http://schemas.microsoft.com/office/drawing/2010/main" xmlns="">
+                <a14:hiddenFill xmlns="" xmlns:a14="http://schemas.microsoft.com/office/drawing/2010/main">
                   <a:solidFill>
                     <a:schemeClr val="accent1"/>
                   </a:solidFill>
                 </a14:hiddenFill>
               </a:ext>
               <a:ext uri="{91240B29-F687-4f45-9708-019B960494DF}">
-                <a14:hiddenLine xmlns:a14="http://schemas.microsoft.com/office/drawing/2010/main" xmlns="" w="9525">
+                <a14:hiddenLine xmlns="" xmlns:a14="http://schemas.microsoft.com/office/drawing/2010/main" w="9525">
                   <a:solidFill>
                     <a:schemeClr val="tx1"/>
                   </a:solidFill>
@@ -33396,7 +38593,7 @@
                 </a14:hiddenLine>
               </a:ext>
               <a:ext uri="{AF507438-7753-43e0-B8FC-AC1667EBCBE1}">
-                <a14:hiddenEffects xmlns:a14="http://schemas.microsoft.com/office/drawing/2010/main" xmlns="">
+                <a14:hiddenEffects xmlns="" xmlns:a14="http://schemas.microsoft.com/office/drawing/2010/main">
                   <a:effectLst>
                     <a:outerShdw dist="35921" dir="2700000" algn="ctr" rotWithShape="0">
                       <a:schemeClr val="bg2"/>
@@ -33597,7 +38794,7 @@
                   <a:avLst/>
                 </a:prstGeom>
                 <a:blipFill>
-                  <a:blip r:embed="rId4"/>
+                  <a:blip r:embed="rId7"/>
                   <a:stretch>
                     <a:fillRect/>
                   </a:stretch>
@@ -33826,46 +39023,51 @@
                       <m:sSup>
                         <m:sSupPr>
                           <m:ctrlPr>
-                            <a:rPr lang="en-US" b="0" i="1" smtClean="0">
+                            <a:rPr lang="en-US" b="0" i="0" smtClean="0">
                               <a:latin typeface="Cambria Math" panose="02040503050406030204" pitchFamily="18" charset="0"/>
                             </a:rPr>
                           </m:ctrlPr>
                         </m:sSupPr>
                         <m:e>
                           <m:r>
-                            <a:rPr lang="en-US" b="0" i="1" smtClean="0">
+                            <m:rPr>
+                              <m:sty m:val="p"/>
+                            </m:rPr>
+                            <a:rPr lang="en-US" b="0" i="0" smtClean="0">
                               <a:latin typeface="Cambria Math" panose="02040503050406030204" pitchFamily="18" charset="0"/>
                             </a:rPr>
                             <m:t>h</m:t>
                           </m:r>
-                          <m:r>
-                            <a:rPr lang="en-US" b="0" i="1" smtClean="0">
-                              <a:latin typeface="Cambria Math" panose="02040503050406030204" pitchFamily="18" charset="0"/>
-                            </a:rPr>
-                            <m:t>(</m:t>
-                          </m:r>
-                          <m:r>
-                            <a:rPr lang="en-US" b="0" i="1" smtClean="0">
-                              <a:latin typeface="Cambria Math" panose="02040503050406030204" pitchFamily="18" charset="0"/>
-                            </a:rPr>
-                            <m:t>𝑥</m:t>
-                          </m:r>
-                          <m:r>
-                            <a:rPr lang="en-US" b="0" i="1" smtClean="0">
-                              <a:latin typeface="Cambria Math" panose="02040503050406030204" pitchFamily="18" charset="0"/>
-                            </a:rPr>
-                            <m:t>)</m:t>
-                          </m:r>
                         </m:e>
                         <m:sup>
                           <m:r>
-                            <a:rPr lang="en-US" b="0" i="1" smtClean="0">
+                            <a:rPr lang="en-US" b="0" i="0" smtClean="0">
                               <a:latin typeface="Cambria Math" panose="02040503050406030204" pitchFamily="18" charset="0"/>
                             </a:rPr>
                             <m:t>∗</m:t>
                           </m:r>
                         </m:sup>
                       </m:sSup>
+                      <m:d>
+                        <m:dPr>
+                          <m:ctrlPr>
+                            <a:rPr lang="en-US" b="0" i="0" smtClean="0">
+                              <a:latin typeface="Cambria Math" panose="02040503050406030204" pitchFamily="18" charset="0"/>
+                            </a:rPr>
+                          </m:ctrlPr>
+                        </m:dPr>
+                        <m:e>
+                          <m:r>
+                            <m:rPr>
+                              <m:sty m:val="p"/>
+                            </m:rPr>
+                            <a:rPr lang="en-US" b="0" i="0" smtClean="0">
+                              <a:latin typeface="Cambria Math" panose="02040503050406030204" pitchFamily="18" charset="0"/>
+                            </a:rPr>
+                            <m:t>x</m:t>
+                          </m:r>
+                        </m:e>
+                      </m:d>
                       <m:r>
                         <a:rPr lang="en-US" b="0" i="1" smtClean="0">
                           <a:latin typeface="Cambria Math" panose="02040503050406030204" pitchFamily="18" charset="0"/>
@@ -34289,7 +39491,7 @@
                       <a:srgbClr val="FF0000"/>
                     </a:solidFill>
                   </a:rPr>
-                  <a:t>Bayes classifier is optimal.</a:t>
+                  <a:t>Bayes classifier is optimal for 0/1 loss.</a:t>
                 </a:r>
                 <a:r>
                   <a:rPr lang="en-US" dirty="0"/>
@@ -34330,7 +39532,7 @@
                 </a:r>
                 <a:r>
                   <a:rPr lang="en-US" dirty="0"/>
-                  <a:t>: The classifier is not simple with </a:t>
+                  <a:t>: The classifier requires to learn </a:t>
                 </a:r>
                 <a14:m>
                   <m:oMath xmlns:m="http://schemas.openxmlformats.org/officeDocument/2006/math">
@@ -34456,7 +39658,10 @@
                     </m:r>
                   </m:oMath>
                 </a14:m>
-                <a:endParaRPr lang="en-US" dirty="0"/>
+                <a:r>
+                  <a:rPr lang="en-US" dirty="0"/>
+                  <a:t> from the examples.</a:t>
+                </a:r>
               </a:p>
               <a:p>
                 <a:pPr>
@@ -34503,7 +39708,7 @@
                 </a:pPr>
                 <a:r>
                   <a:rPr lang="en-US" dirty="0"/>
-                  <a:t>This is impractical and most classifiers try to approximate the Bayes classifier using fewer parameters.</a:t>
+                  <a:t>This is impractical (unless a simple Bayes network exists) and most classifiers try to approximate the Bayes classifier using a simple model with fewer parameters.</a:t>
                 </a:r>
                 <a:endParaRPr lang="en-US" i="1" dirty="0"/>
               </a:p>
@@ -34612,8 +39817,8 @@
           </a:p>
         </p:txBody>
       </p:sp>
-      <mc:AlternateContent xmlns:mc="http://schemas.openxmlformats.org/markup-compatibility/2006" xmlns:a14="http://schemas.microsoft.com/office/drawing/2010/main">
-        <mc:Choice Requires="a14">
+      <mc:AlternateContent xmlns:mc="http://schemas.openxmlformats.org/markup-compatibility/2006">
+        <mc:Choice xmlns:a14="http://schemas.microsoft.com/office/drawing/2010/main" Requires="a14">
           <p:sp>
             <p:nvSpPr>
               <p:cNvPr id="3" name="Content Placeholder 2">
@@ -34633,12 +39838,12 @@
             <p:spPr>
               <a:xfrm>
                 <a:off x="838200" y="1447800"/>
-                <a:ext cx="10515600" cy="4659868"/>
+                <a:ext cx="10515600" cy="4876800"/>
               </a:xfrm>
             </p:spPr>
             <p:txBody>
               <a:bodyPr>
-                <a:normAutofit fontScale="92500" lnSpcReduction="20000"/>
+                <a:normAutofit fontScale="85000" lnSpcReduction="20000"/>
               </a:bodyPr>
               <a:lstStyle/>
               <a:p>
@@ -34664,6 +39869,12 @@
                   <a:rPr lang="en-US" dirty="0"/>
                   <a:t>Simpler hypotheses are easier to estimate.</a:t>
                 </a:r>
+              </a:p>
+              <a:p>
+                <a:pPr marL="0" indent="0">
+                  <a:buNone/>
+                </a:pPr>
+                <a:endParaRPr lang="en-US" b="1" dirty="0"/>
               </a:p>
               <a:p>
                 <a:pPr marL="0" indent="0">
@@ -34726,7 +39937,21 @@
                 </a:pPr>
                 <a:r>
                   <a:rPr lang="en-US" dirty="0"/>
-                  <a:t>Restrict H to simpler models (e.g., assumptions like independence, linear models are called </a:t>
+                  <a:t>Restrict </a:t>
+                </a:r>
+                <a14:m>
+                  <m:oMath xmlns:m="http://schemas.openxmlformats.org/officeDocument/2006/math">
+                    <m:r>
+                      <a:rPr lang="en-US" i="1" dirty="0" smtClean="0">
+                        <a:latin typeface="Cambria Math" panose="02040503050406030204" pitchFamily="18" charset="0"/>
+                      </a:rPr>
+                      <m:t>𝐻</m:t>
+                    </m:r>
+                  </m:oMath>
+                </a14:m>
+                <a:r>
+                  <a:rPr lang="en-US" dirty="0"/>
+                  <a:t> to simpler models (e.g., assumptions like independence, linear models). This is called </a:t>
                 </a:r>
                 <a:r>
                   <a:rPr lang="en-US" b="1" dirty="0">
@@ -34734,36 +39959,9 @@
                       <a:srgbClr val="FF0000"/>
                     </a:solidFill>
                   </a:rPr>
-                  <a:t>model bias</a:t>
+                  <a:t>model bias.</a:t>
                 </a:r>
-                <a:r>
-                  <a:rPr lang="en-US" dirty="0"/>
-                  <a:t>)</a:t>
-                </a:r>
-              </a:p>
-              <a:p>
-                <a:pPr marL="914400" lvl="1" indent="-457200">
-                  <a:buFont typeface="+mj-lt"/>
-                  <a:buAutoNum type="alphaLcParenR"/>
-                </a:pPr>
-                <a:r>
-                  <a:rPr lang="en-US" dirty="0"/>
-                  <a:t>Feature selection (use fewer variables from the feature vector </a:t>
-                </a:r>
-                <a14:m>
-                  <m:oMath xmlns:m="http://schemas.openxmlformats.org/officeDocument/2006/math">
-                    <m:r>
-                      <a:rPr lang="en-US" i="1" dirty="0" smtClean="0">
-                        <a:latin typeface="Cambria Math" panose="02040503050406030204" pitchFamily="18" charset="0"/>
-                      </a:rPr>
-                      <m:t>𝑥</m:t>
-                    </m:r>
-                  </m:oMath>
-                </a14:m>
-                <a:r>
-                  <a:rPr lang="en-US" dirty="0"/>
-                  <a:t>)</a:t>
-                </a:r>
+                <a:endParaRPr lang="en-US" dirty="0"/>
               </a:p>
               <a:p>
                 <a:pPr marL="914400" lvl="1" indent="-457200">
@@ -34776,11 +39974,40 @@
                       <a:srgbClr val="FF0000"/>
                     </a:solidFill>
                   </a:rPr>
-                  <a:t>Regularization</a:t>
+                  <a:t>Feature selection: </a:t>
                 </a:r>
                 <a:r>
                   <a:rPr lang="en-US" dirty="0"/>
-                  <a:t> (penalize for complexity)</a:t>
+                  <a:t>use fewer variables from the feature vector </a:t>
+                </a:r>
+                <a14:m>
+                  <m:oMath xmlns:m="http://schemas.openxmlformats.org/officeDocument/2006/math">
+                    <m:r>
+                      <a:rPr lang="en-US" i="1" dirty="0" smtClean="0">
+                        <a:latin typeface="Cambria Math" panose="02040503050406030204" pitchFamily="18" charset="0"/>
+                      </a:rPr>
+                      <m:t>𝑥</m:t>
+                    </m:r>
+                  </m:oMath>
+                </a14:m>
+                <a:endParaRPr lang="en-US" dirty="0"/>
+              </a:p>
+              <a:p>
+                <a:pPr marL="914400" lvl="1" indent="-457200">
+                  <a:buFont typeface="+mj-lt"/>
+                  <a:buAutoNum type="alphaLcParenR"/>
+                </a:pPr>
+                <a:r>
+                  <a:rPr lang="en-US" b="1" dirty="0">
+                    <a:solidFill>
+                      <a:srgbClr val="FF0000"/>
+                    </a:solidFill>
+                  </a:rPr>
+                  <a:t>Regularization:</a:t>
+                </a:r>
+                <a:r>
+                  <a:rPr lang="en-US" dirty="0"/>
+                  <a:t> penalize model for its complexity (e.g., number of parameters)</a:t>
                 </a:r>
                 <a:br>
                   <a:rPr lang="en-US" dirty="0"/>
@@ -35003,7 +40230,7 @@
             </p:txBody>
           </p:sp>
         </mc:Choice>
-        <mc:Fallback xmlns="">
+        <mc:Fallback>
           <p:sp>
             <p:nvSpPr>
               <p:cNvPr id="3" name="Content Placeholder 2">
@@ -35023,12 +40250,12 @@
             <p:spPr>
               <a:xfrm>
                 <a:off x="838200" y="1447800"/>
-                <a:ext cx="10515600" cy="4659868"/>
+                <a:ext cx="10515600" cy="4876800"/>
               </a:xfrm>
               <a:blipFill>
                 <a:blip r:embed="rId2"/>
                 <a:stretch>
-                  <a:fillRect l="-1043" t="-3403" r="-1159" b="-785"/>
+                  <a:fillRect l="-928" t="-2875"/>
                 </a:stretch>
               </a:blipFill>
             </p:spPr>
@@ -35061,8 +40288,8 @@
         </p:nvSpPr>
         <p:spPr>
           <a:xfrm rot="5400000">
-            <a:off x="7315199" y="5029201"/>
-            <a:ext cx="228601" cy="2057399"/>
+            <a:off x="7176741" y="5179327"/>
+            <a:ext cx="216933" cy="1768816"/>
           </a:xfrm>
           <a:prstGeom prst="rightBrace">
             <a:avLst/>

--- a/slides/19_ML_intro.pptx
+++ b/slides/19_ML_intro.pptx
@@ -4991,7 +4991,7 @@
       </dsp:nvSpPr>
       <dsp:spPr>
         <a:xfrm>
-          <a:off x="1283" y="1675048"/>
+          <a:off x="1283" y="1251979"/>
           <a:ext cx="2503103" cy="1001241"/>
         </a:xfrm>
         <a:prstGeom prst="homePlate">
@@ -5058,7 +5058,7 @@
         </a:p>
       </dsp:txBody>
       <dsp:txXfrm>
-        <a:off x="1283" y="1675048"/>
+        <a:off x="1283" y="1251979"/>
         <a:ext cx="2252793" cy="1001241"/>
       </dsp:txXfrm>
     </dsp:sp>
@@ -5069,7 +5069,7 @@
       </dsp:nvSpPr>
       <dsp:spPr>
         <a:xfrm>
-          <a:off x="2003766" y="1675048"/>
+          <a:off x="2003766" y="1251979"/>
           <a:ext cx="2503103" cy="1001241"/>
         </a:xfrm>
         <a:prstGeom prst="chevron">
@@ -5136,7 +5136,7 @@
         </a:p>
       </dsp:txBody>
       <dsp:txXfrm>
-        <a:off x="2504387" y="1675048"/>
+        <a:off x="2504387" y="1251979"/>
         <a:ext cx="1501862" cy="1001241"/>
       </dsp:txXfrm>
     </dsp:sp>
@@ -5147,7 +5147,7 @@
       </dsp:nvSpPr>
       <dsp:spPr>
         <a:xfrm>
-          <a:off x="4006248" y="1675048"/>
+          <a:off x="4006248" y="1251979"/>
           <a:ext cx="2503103" cy="1001241"/>
         </a:xfrm>
         <a:prstGeom prst="chevron">
@@ -5214,7 +5214,7 @@
         </a:p>
       </dsp:txBody>
       <dsp:txXfrm>
-        <a:off x="4506869" y="1675048"/>
+        <a:off x="4506869" y="1251979"/>
         <a:ext cx="1501862" cy="1001241"/>
       </dsp:txXfrm>
     </dsp:sp>
@@ -5225,7 +5225,7 @@
       </dsp:nvSpPr>
       <dsp:spPr>
         <a:xfrm>
-          <a:off x="6008730" y="1675048"/>
+          <a:off x="6008730" y="1251979"/>
           <a:ext cx="2503103" cy="1001241"/>
         </a:xfrm>
         <a:prstGeom prst="chevron">
@@ -5292,7 +5292,7 @@
         </a:p>
       </dsp:txBody>
       <dsp:txXfrm>
-        <a:off x="6509351" y="1675048"/>
+        <a:off x="6509351" y="1251979"/>
         <a:ext cx="1501862" cy="1001241"/>
       </dsp:txXfrm>
     </dsp:sp>
@@ -5303,7 +5303,7 @@
       </dsp:nvSpPr>
       <dsp:spPr>
         <a:xfrm>
-          <a:off x="8011213" y="1675048"/>
+          <a:off x="8011213" y="1251979"/>
           <a:ext cx="2503103" cy="1001241"/>
         </a:xfrm>
         <a:prstGeom prst="chevron">
@@ -5370,7 +5370,7 @@
         </a:p>
       </dsp:txBody>
       <dsp:txXfrm>
-        <a:off x="8511834" y="1675048"/>
+        <a:off x="8511834" y="1251979"/>
         <a:ext cx="1501862" cy="1001241"/>
       </dsp:txXfrm>
     </dsp:sp>
@@ -16684,7 +16684,7 @@
                 <a:pPr lvl="1"/>
                 <a:r>
                   <a:rPr lang="en-US" dirty="0"/>
-                  <a:t>Simpler hypotheses have fewer model parameters to store and estimate.</a:t>
+                  <a:t>Simpler hypotheses have fewer model parameters to estimate and store.</a:t>
                 </a:r>
               </a:p>
               <a:p>
@@ -16751,6 +16751,14 @@
                   <a:buAutoNum type="alphaLcParenR"/>
                 </a:pPr>
                 <a:r>
+                  <a:rPr lang="en-US" b="1" dirty="0">
+                    <a:solidFill>
+                      <a:srgbClr val="FF0000"/>
+                    </a:solidFill>
+                  </a:rPr>
+                  <a:t>Model bias: </a:t>
+                </a:r>
+                <a:r>
                   <a:rPr lang="en-US" dirty="0"/>
                   <a:t>Restrict </a:t>
                 </a:r>
@@ -16766,17 +16774,8 @@
                 </a14:m>
                 <a:r>
                   <a:rPr lang="en-US" dirty="0"/>
-                  <a:t> to simpler models (e.g., assumptions like independence, linear models). This is called </a:t>
+                  <a:t> to simpler models (e.g., assumptions like independence, only consider linear models). </a:t>
                 </a:r>
-                <a:r>
-                  <a:rPr lang="en-US" b="1" dirty="0">
-                    <a:solidFill>
-                      <a:srgbClr val="FF0000"/>
-                    </a:solidFill>
-                  </a:rPr>
-                  <a:t>model bias.</a:t>
-                </a:r>
-                <a:endParaRPr lang="en-US" dirty="0"/>
               </a:p>
               <a:p>
                 <a:pPr marL="914400" lvl="1" indent="-457200">
@@ -17285,16 +17284,14 @@
           </a:prstGeom>
         </p:spPr>
         <p:style>
-          <a:lnRef idx="2">
-            <a:schemeClr val="accent1">
-              <a:shade val="50000"/>
-            </a:schemeClr>
+          <a:lnRef idx="3">
+            <a:schemeClr val="lt1"/>
           </a:lnRef>
           <a:fillRef idx="1">
-            <a:schemeClr val="accent1"/>
+            <a:schemeClr val="accent6"/>
           </a:fillRef>
-          <a:effectRef idx="0">
-            <a:schemeClr val="accent1"/>
+          <a:effectRef idx="1">
+            <a:schemeClr val="accent6"/>
           </a:effectRef>
           <a:fontRef idx="minor">
             <a:schemeClr val="lt1"/>
@@ -17342,16 +17339,14 @@
           </a:prstGeom>
         </p:spPr>
         <p:style>
-          <a:lnRef idx="2">
-            <a:schemeClr val="accent1">
-              <a:shade val="50000"/>
-            </a:schemeClr>
+          <a:lnRef idx="3">
+            <a:schemeClr val="lt1"/>
           </a:lnRef>
           <a:fillRef idx="1">
-            <a:schemeClr val="accent1"/>
+            <a:schemeClr val="accent2"/>
           </a:fillRef>
-          <a:effectRef idx="0">
-            <a:schemeClr val="accent1"/>
+          <a:effectRef idx="1">
+            <a:schemeClr val="accent2"/>
           </a:effectRef>
           <a:fontRef idx="minor">
             <a:schemeClr val="lt1"/>
@@ -17377,8 +17372,8 @@
           </a:p>
         </p:txBody>
       </p:sp>
-      <mc:AlternateContent xmlns:mc="http://schemas.openxmlformats.org/markup-compatibility/2006" xmlns:a14="http://schemas.microsoft.com/office/drawing/2010/main">
-        <mc:Choice Requires="a14">
+      <mc:AlternateContent xmlns:mc="http://schemas.openxmlformats.org/markup-compatibility/2006">
+        <mc:Choice xmlns:a14="http://schemas.microsoft.com/office/drawing/2010/main" Requires="a14">
           <p:sp>
             <p:nvSpPr>
               <p:cNvPr id="15" name="TextBox 14">
@@ -17401,16 +17396,14 @@
               </a:prstGeom>
             </p:spPr>
             <p:style>
-              <a:lnRef idx="2">
-                <a:schemeClr val="accent1">
-                  <a:shade val="50000"/>
-                </a:schemeClr>
+              <a:lnRef idx="3">
+                <a:schemeClr val="lt1"/>
               </a:lnRef>
               <a:fillRef idx="1">
-                <a:schemeClr val="accent1"/>
+                <a:schemeClr val="accent3"/>
               </a:fillRef>
-              <a:effectRef idx="0">
-                <a:schemeClr val="accent1"/>
+              <a:effectRef idx="1">
+                <a:schemeClr val="accent3"/>
               </a:effectRef>
               <a:fontRef idx="minor">
                 <a:schemeClr val="lt1"/>
@@ -17468,7 +17461,7 @@
             </p:txBody>
           </p:sp>
         </mc:Choice>
-        <mc:Fallback xmlns="">
+        <mc:Fallback>
           <p:sp>
             <p:nvSpPr>
               <p:cNvPr id="15" name="TextBox 14">
@@ -17494,7 +17487,7 @@
               <a:blipFill>
                 <a:blip r:embed="rId3"/>
                 <a:stretch>
-                  <a:fillRect l="-2222" t="-1194" r="-1905" b="-3582"/>
+                  <a:fillRect l="-2215" t="-1190" r="-1582" b="-3274"/>
                 </a:stretch>
               </a:blipFill>
             </p:spPr>
@@ -17538,19 +17531,17 @@
           </a:ln>
         </p:spPr>
         <p:style>
-          <a:lnRef idx="2">
-            <a:schemeClr val="accent1">
-              <a:shade val="50000"/>
-            </a:schemeClr>
+          <a:lnRef idx="3">
+            <a:schemeClr val="accent3"/>
           </a:lnRef>
-          <a:fillRef idx="1">
-            <a:schemeClr val="accent1"/>
+          <a:fillRef idx="0">
+            <a:schemeClr val="accent3"/>
           </a:fillRef>
-          <a:effectRef idx="0">
-            <a:schemeClr val="accent1"/>
+          <a:effectRef idx="2">
+            <a:schemeClr val="accent3"/>
           </a:effectRef>
           <a:fontRef idx="minor">
-            <a:schemeClr val="lt1"/>
+            <a:schemeClr val="tx1"/>
           </a:fontRef>
         </p:style>
       </p:cxnSp>
@@ -17581,19 +17572,17 @@
           </a:ln>
         </p:spPr>
         <p:style>
-          <a:lnRef idx="2">
-            <a:schemeClr val="accent1">
-              <a:shade val="50000"/>
-            </a:schemeClr>
+          <a:lnRef idx="3">
+            <a:schemeClr val="accent3"/>
           </a:lnRef>
-          <a:fillRef idx="1">
-            <a:schemeClr val="accent1"/>
+          <a:fillRef idx="0">
+            <a:schemeClr val="accent3"/>
           </a:fillRef>
-          <a:effectRef idx="0">
-            <a:schemeClr val="accent1"/>
+          <a:effectRef idx="2">
+            <a:schemeClr val="accent3"/>
           </a:effectRef>
           <a:fontRef idx="minor">
-            <a:schemeClr val="lt1"/>
+            <a:schemeClr val="tx1"/>
           </a:fontRef>
         </p:style>
       </p:cxnSp>
@@ -17611,24 +17600,22 @@
         </p:nvSpPr>
         <p:spPr>
           <a:xfrm>
-            <a:off x="4953000" y="1314967"/>
-            <a:ext cx="1872916" cy="513833"/>
+            <a:off x="5029200" y="1314967"/>
+            <a:ext cx="3124200" cy="513833"/>
           </a:xfrm>
           <a:prstGeom prst="rightArrow">
             <a:avLst/>
           </a:prstGeom>
         </p:spPr>
         <p:style>
-          <a:lnRef idx="2">
-            <a:schemeClr val="accent6">
-              <a:shade val="50000"/>
-            </a:schemeClr>
+          <a:lnRef idx="3">
+            <a:schemeClr val="lt1"/>
           </a:lnRef>
           <a:fillRef idx="1">
-            <a:schemeClr val="accent6"/>
+            <a:schemeClr val="accent3"/>
           </a:fillRef>
-          <a:effectRef idx="0">
-            <a:schemeClr val="accent6"/>
+          <a:effectRef idx="1">
+            <a:schemeClr val="accent3"/>
           </a:effectRef>
           <a:fontRef idx="minor">
             <a:schemeClr val="lt1"/>
@@ -17660,24 +17647,22 @@
         </p:nvSpPr>
         <p:spPr>
           <a:xfrm flipH="1">
-            <a:off x="3461086" y="1314967"/>
-            <a:ext cx="1371600" cy="490021"/>
+            <a:off x="1796714" y="1314967"/>
+            <a:ext cx="3080086" cy="513833"/>
           </a:xfrm>
           <a:prstGeom prst="rightArrow">
             <a:avLst/>
           </a:prstGeom>
         </p:spPr>
         <p:style>
-          <a:lnRef idx="2">
-            <a:schemeClr val="accent6">
-              <a:shade val="50000"/>
-            </a:schemeClr>
+          <a:lnRef idx="3">
+            <a:schemeClr val="lt1"/>
           </a:lnRef>
           <a:fillRef idx="1">
-            <a:schemeClr val="accent6"/>
+            <a:schemeClr val="accent3"/>
           </a:fillRef>
-          <a:effectRef idx="0">
-            <a:schemeClr val="accent6"/>
+          <a:effectRef idx="1">
+            <a:schemeClr val="accent3"/>
           </a:effectRef>
           <a:fontRef idx="minor">
             <a:schemeClr val="lt1"/>
@@ -18549,20 +18534,20 @@
             <a:pPr algn="ctr"/>
             <a:r>
               <a:rPr lang="en-US" dirty="0"/>
-              <a:t>Instances</a:t>
+              <a:t>(Instances,</a:t>
             </a:r>
           </a:p>
           <a:p>
             <a:pPr algn="ctr"/>
             <a:r>
               <a:rPr lang="en-US" dirty="0"/>
-              <a:t>Observations</a:t>
+              <a:t>Observation)</a:t>
             </a:r>
           </a:p>
         </p:txBody>
       </p:sp>
-      <mc:AlternateContent xmlns:mc="http://schemas.openxmlformats.org/markup-compatibility/2006" xmlns:a14="http://schemas.microsoft.com/office/drawing/2010/main">
-        <mc:Choice Requires="a14">
+      <mc:AlternateContent xmlns:mc="http://schemas.openxmlformats.org/markup-compatibility/2006">
+        <mc:Choice xmlns:a14="http://schemas.microsoft.com/office/drawing/2010/main" Requires="a14">
           <p:sp>
             <p:nvSpPr>
               <p:cNvPr id="8" name="TextBox 7">
@@ -18577,8 +18562,8 @@
             </p:nvSpPr>
             <p:spPr>
               <a:xfrm>
-                <a:off x="6858000" y="152400"/>
-                <a:ext cx="1447800" cy="923330"/>
+                <a:off x="5257800" y="400398"/>
+                <a:ext cx="3200399" cy="646331"/>
               </a:xfrm>
               <a:prstGeom prst="rect">
                 <a:avLst/>
@@ -18609,21 +18594,7 @@
                 <a:pPr algn="ctr"/>
                 <a:r>
                   <a:rPr lang="en-US" dirty="0"/>
-                  <a:t>Features</a:t>
-                </a:r>
-              </a:p>
-              <a:p>
-                <a:pPr algn="ctr"/>
-                <a:r>
-                  <a:rPr lang="en-US" dirty="0"/>
-                  <a:t>Variables</a:t>
-                </a:r>
-              </a:p>
-              <a:p>
-                <a:pPr algn="ctr"/>
-                <a:r>
-                  <a:rPr lang="en-US" dirty="0"/>
-                  <a:t>Attributes </a:t>
+                  <a:t>Feature vector </a:t>
                 </a:r>
                 <a14:m>
                   <m:oMath xmlns:m="http://schemas.openxmlformats.org/officeDocument/2006/math">
@@ -18635,12 +18606,22 @@
                     </m:r>
                   </m:oMath>
                 </a14:m>
-                <a:endParaRPr lang="en-US" dirty="0"/>
+                <a:r>
+                  <a:rPr lang="en-US" dirty="0"/>
+                  <a:t> </a:t>
+                </a:r>
+              </a:p>
+              <a:p>
+                <a:pPr algn="ctr"/>
+                <a:r>
+                  <a:rPr lang="en-US" dirty="0"/>
+                  <a:t>(Features, Variables, Attributes)</a:t>
+                </a:r>
               </a:p>
             </p:txBody>
           </p:sp>
         </mc:Choice>
-        <mc:Fallback xmlns="">
+        <mc:Fallback>
           <p:sp>
             <p:nvSpPr>
               <p:cNvPr id="8" name="TextBox 7">
@@ -18657,8 +18638,8 @@
             </p:nvSpPr>
             <p:spPr>
               <a:xfrm>
-                <a:off x="6858000" y="152400"/>
-                <a:ext cx="1447800" cy="923330"/>
+                <a:off x="5257800" y="400398"/>
+                <a:ext cx="3200399" cy="646331"/>
               </a:xfrm>
               <a:prstGeom prst="rect">
                 <a:avLst/>
@@ -18666,7 +18647,7 @@
               <a:blipFill>
                 <a:blip r:embed="rId3"/>
                 <a:stretch>
-                  <a:fillRect t="-2614" b="-9150"/>
+                  <a:fillRect l="-380" t="-4630" r="-380" b="-12963"/>
                 </a:stretch>
               </a:blipFill>
             </p:spPr>
@@ -18699,7 +18680,7 @@
         </p:nvCxnSpPr>
         <p:spPr>
           <a:xfrm>
-            <a:off x="7543800" y="1110159"/>
+            <a:off x="6858000" y="1110159"/>
             <a:ext cx="0" cy="366712"/>
           </a:xfrm>
           <a:prstGeom prst="straightConnector1">
@@ -19108,8 +19089,8 @@
           </a:p>
         </p:txBody>
       </p:sp>
-      <mc:AlternateContent xmlns:mc="http://schemas.openxmlformats.org/markup-compatibility/2006" xmlns:a14="http://schemas.microsoft.com/office/drawing/2010/main">
-        <mc:Choice Requires="a14">
+      <mc:AlternateContent xmlns:mc="http://schemas.openxmlformats.org/markup-compatibility/2006">
+        <mc:Choice xmlns:a14="http://schemas.microsoft.com/office/drawing/2010/main" Requires="a14">
           <p:sp>
             <p:nvSpPr>
               <p:cNvPr id="33795" name="Rectangle 3"/>
@@ -19154,14 +19135,14 @@
                 </a:r>
                 <a14:m>
                   <m:oMath xmlns:m="http://schemas.openxmlformats.org/officeDocument/2006/math">
-                    <m:sSup>
-                      <m:sSupPr>
+                    <m:sSub>
+                      <m:sSubPr>
                         <m:ctrlPr>
                           <a:rPr lang="en-US" sz="2400" b="0" i="1" smtClean="0">
                             <a:latin typeface="Cambria Math" panose="02040503050406030204" pitchFamily="18" charset="0"/>
                           </a:rPr>
                         </m:ctrlPr>
-                      </m:sSupPr>
+                      </m:sSubPr>
                       <m:e>
                         <m:r>
                           <a:rPr lang="en-US" sz="2400" b="0" i="1" smtClean="0">
@@ -19170,6 +19151,72 @@
                           <m:t>𝑥</m:t>
                         </m:r>
                       </m:e>
+                      <m:sub>
+                        <m:r>
+                          <a:rPr lang="en-US" sz="2400" b="0" i="1" smtClean="0">
+                            <a:latin typeface="Cambria Math" panose="02040503050406030204" pitchFamily="18" charset="0"/>
+                          </a:rPr>
+                          <m:t>1</m:t>
+                        </m:r>
+                      </m:sub>
+                    </m:sSub>
+                    <m:sSub>
+                      <m:sSubPr>
+                        <m:ctrlPr>
+                          <a:rPr lang="en-US" sz="2400" b="0" i="1" smtClean="0">
+                            <a:latin typeface="Cambria Math" panose="02040503050406030204" pitchFamily="18" charset="0"/>
+                          </a:rPr>
+                        </m:ctrlPr>
+                      </m:sSubPr>
+                      <m:e>
+                        <m:r>
+                          <a:rPr lang="en-US" sz="2400" b="0" i="1" smtClean="0">
+                            <a:latin typeface="Cambria Math" panose="02040503050406030204" pitchFamily="18" charset="0"/>
+                          </a:rPr>
+                          <m:t>𝑥</m:t>
+                        </m:r>
+                      </m:e>
+                      <m:sub>
+                        <m:r>
+                          <a:rPr lang="en-US" sz="2400" b="0" i="1" smtClean="0">
+                            <a:latin typeface="Cambria Math" panose="02040503050406030204" pitchFamily="18" charset="0"/>
+                          </a:rPr>
+                          <m:t>2</m:t>
+                        </m:r>
+                      </m:sub>
+                    </m:sSub>
+                  </m:oMath>
+                </a14:m>
+                <a:r>
+                  <a:rPr lang="en-US" sz="2400" dirty="0"/>
+                  <a:t>, </a:t>
+                </a:r>
+                <a14:m>
+                  <m:oMath xmlns:m="http://schemas.openxmlformats.org/officeDocument/2006/math">
+                    <m:sSubSup>
+                      <m:sSubSupPr>
+                        <m:ctrlPr>
+                          <a:rPr lang="en-US" sz="2400" b="0" i="1" smtClean="0">
+                            <a:latin typeface="Cambria Math" panose="02040503050406030204" pitchFamily="18" charset="0"/>
+                          </a:rPr>
+                        </m:ctrlPr>
+                      </m:sSubSupPr>
+                      <m:e>
+                        <m:r>
+                          <a:rPr lang="en-US" sz="2400" b="0" i="1" smtClean="0">
+                            <a:latin typeface="Cambria Math" panose="02040503050406030204" pitchFamily="18" charset="0"/>
+                          </a:rPr>
+                          <m:t>𝑥</m:t>
+                        </m:r>
+                      </m:e>
+                      <m:sub>
+                        <m:r>
+                          <a:rPr lang="en-US" sz="2400" b="0" i="1" smtClean="0">
+                            <a:latin typeface="Cambria Math" panose="02040503050406030204" pitchFamily="18" charset="0"/>
+                          </a:rPr>
+                          <m:t>1</m:t>
+                        </m:r>
+                      </m:sub>
                       <m:sup>
                         <m:r>
                           <a:rPr lang="en-US" sz="2400" b="0" i="1" smtClean="0">
@@ -19178,7 +19225,7 @@
                           <m:t>2</m:t>
                         </m:r>
                       </m:sup>
-                    </m:sSup>
+                    </m:sSubSup>
                   </m:oMath>
                 </a14:m>
                 <a:r>
@@ -19304,7 +19351,15 @@
                 </a:r>
                 <a:r>
                   <a:rPr lang="en-US" sz="2400" dirty="0"/>
-                  <a:t>: Which features should be used in the model is a model selection problem (choose between models with different features).</a:t>
+                  <a:t>: Which features should be used in the model is a </a:t>
+                </a:r>
+                <a:r>
+                  <a:rPr lang="en-US" sz="2400" b="1" dirty="0"/>
+                  <a:t>model selection problem </a:t>
+                </a:r>
+                <a:r>
+                  <a:rPr lang="en-US" sz="2400" dirty="0"/>
+                  <a:t>(choose between models with different features).</a:t>
                 </a:r>
               </a:p>
               <a:p>
@@ -19326,7 +19381,7 @@
             </p:txBody>
           </p:sp>
         </mc:Choice>
-        <mc:Fallback xmlns="">
+        <mc:Fallback>
           <p:sp>
             <p:nvSpPr>
               <p:cNvPr id="33795" name="Rectangle 3"/>
@@ -19345,7 +19400,7 @@
               <a:blipFill>
                 <a:blip r:embed="rId2"/>
                 <a:stretch>
-                  <a:fillRect l="-925" t="-3222"/>
+                  <a:fillRect l="-925" t="-3222" r="-168"/>
                 </a:stretch>
               </a:blipFill>
             </p:spPr>
@@ -21013,8 +21068,8 @@
           </a:p>
         </p:txBody>
       </p:sp>
-      <mc:AlternateContent xmlns:mc="http://schemas.openxmlformats.org/markup-compatibility/2006" xmlns:a14="http://schemas.microsoft.com/office/drawing/2010/main">
-        <mc:Choice Requires="a14">
+      <mc:AlternateContent xmlns:mc="http://schemas.openxmlformats.org/markup-compatibility/2006">
+        <mc:Choice xmlns:a14="http://schemas.microsoft.com/office/drawing/2010/main" Requires="a14">
           <p:sp>
             <p:nvSpPr>
               <p:cNvPr id="1283075" name="Rectangle 3"/>
@@ -21052,7 +21107,7 @@
                 </a:r>
                 <a:r>
                   <a:rPr lang="en-US" dirty="0"/>
-                  <a:t>This involved estimating the model parameters (the model): E.g., probabilities, weights, factors.</a:t>
+                  <a:t>This involved estimating:</a:t>
                 </a:r>
               </a:p>
               <a:p>
@@ -21060,6 +21115,33 @@
                   <a:lnSpc>
                     <a:spcPct val="80000"/>
                   </a:lnSpc>
+                </a:pPr>
+                <a:endParaRPr lang="en-US" dirty="0"/>
+              </a:p>
+              <a:p>
+                <a:pPr marL="971550" lvl="1" indent="-514350">
+                  <a:lnSpc>
+                    <a:spcPct val="80000"/>
+                  </a:lnSpc>
+                  <a:buFont typeface="+mj-lt"/>
+                  <a:buAutoNum type="arabicPeriod"/>
+                </a:pPr>
+                <a:r>
+                  <a:rPr lang="en-US" b="1" dirty="0"/>
+                  <a:t>Model parameters </a:t>
+                </a:r>
+                <a:r>
+                  <a:rPr lang="en-US" dirty="0"/>
+                  <a:t>(the model): E.g., probabilities, weights, factors.</a:t>
+                </a:r>
+              </a:p>
+              <a:p>
+                <a:pPr marL="971550" lvl="1" indent="-514350">
+                  <a:lnSpc>
+                    <a:spcPct val="80000"/>
+                  </a:lnSpc>
+                  <a:buFont typeface="+mj-lt"/>
+                  <a:buAutoNum type="arabicPeriod"/>
                 </a:pPr>
                 <a:r>
                   <a:rPr lang="en-US" b="1" dirty="0"/>
@@ -21103,22 +21185,10 @@
                   <a:t>We need to tune the hyperparameters!</a:t>
                 </a:r>
               </a:p>
-              <a:p>
-                <a:pPr marL="0" indent="0">
-                  <a:lnSpc>
-                    <a:spcPct val="80000"/>
-                  </a:lnSpc>
-                  <a:buNone/>
-                </a:pPr>
-                <a:endParaRPr lang="en-US" dirty="0">
-                  <a:latin typeface="Calibri"/>
-                  <a:cs typeface="Calibri"/>
-                </a:endParaRPr>
-              </a:p>
             </p:txBody>
           </p:sp>
         </mc:Choice>
-        <mc:Fallback xmlns="">
+        <mc:Fallback>
           <p:sp>
             <p:nvSpPr>
               <p:cNvPr id="1283075" name="Rectangle 3"/>
@@ -21137,7 +21207,7 @@
               <a:blipFill>
                 <a:blip r:embed="rId3"/>
                 <a:stretch>
-                  <a:fillRect l="-1230" t="-2883" r="-684"/>
+                  <a:fillRect l="-1230" t="-2883" r="-1709"/>
                 </a:stretch>
               </a:blipFill>
             </p:spPr>
@@ -21482,26 +21552,39 @@
                                   </p:childTnLst>
                                 </p:cTn>
                               </p:par>
-                            </p:childTnLst>
-                          </p:cTn>
-                        </p:par>
-                      </p:childTnLst>
-                    </p:cTn>
-                  </p:par>
-                  <p:par>
-                    <p:cTn id="7" fill="hold">
-                      <p:stCondLst>
-                        <p:cond delay="indefinite"/>
-                      </p:stCondLst>
-                      <p:childTnLst>
-                        <p:par>
-                          <p:cTn id="8" fill="hold">
-                            <p:stCondLst>
-                              <p:cond delay="0"/>
-                            </p:stCondLst>
-                            <p:childTnLst>
                               <p:par>
-                                <p:cTn id="9" presetID="1" presetClass="entr" presetSubtype="0" fill="hold" nodeType="clickEffect">
+                                <p:cTn id="7" presetID="1" presetClass="entr" presetSubtype="0" fill="hold" nodeType="withEffect">
+                                  <p:stCondLst>
+                                    <p:cond delay="0"/>
+                                  </p:stCondLst>
+                                  <p:childTnLst>
+                                    <p:set>
+                                      <p:cBhvr>
+                                        <p:cTn id="8" dur="1" fill="hold">
+                                          <p:stCondLst>
+                                            <p:cond delay="0"/>
+                                          </p:stCondLst>
+                                        </p:cTn>
+                                        <p:tgtEl>
+                                          <p:spTgt spid="1283075">
+                                            <p:txEl>
+                                              <p:pRg st="2" end="2"/>
+                                            </p:txEl>
+                                          </p:spTgt>
+                                        </p:tgtEl>
+                                        <p:attrNameLst>
+                                          <p:attrName>style.visibility</p:attrName>
+                                        </p:attrNameLst>
+                                      </p:cBhvr>
+                                      <p:to>
+                                        <p:strVal val="visible"/>
+                                      </p:to>
+                                    </p:set>
+                                  </p:childTnLst>
+                                </p:cTn>
+                              </p:par>
+                              <p:par>
+                                <p:cTn id="9" presetID="1" presetClass="entr" presetSubtype="0" fill="hold" nodeType="withEffect">
                                   <p:stCondLst>
                                     <p:cond delay="0"/>
                                   </p:stCondLst>
@@ -21516,7 +21599,7 @@
                                         <p:tgtEl>
                                           <p:spTgt spid="1283075">
                                             <p:txEl>
-                                              <p:pRg st="1" end="1"/>
+                                              <p:pRg st="3" end="3"/>
                                             </p:txEl>
                                           </p:spTgt>
                                         </p:tgtEl>
@@ -21547,7 +21630,7 @@
                                         <p:tgtEl>
                                           <p:spTgt spid="1283075">
                                             <p:txEl>
-                                              <p:pRg st="3" end="3"/>
+                                              <p:pRg st="5" end="5"/>
                                             </p:txEl>
                                           </p:spTgt>
                                         </p:tgtEl>
@@ -22800,14 +22883,14 @@
             <p:ph idx="1"/>
             <p:extLst>
               <p:ext uri="{D42A27DB-BD31-4B8C-83A1-F6EECF244321}">
-                <p14:modId xmlns:p14="http://schemas.microsoft.com/office/powerpoint/2010/main" val="3638450237"/>
+                <p14:modId xmlns:p14="http://schemas.microsoft.com/office/powerpoint/2010/main" val="4167780745"/>
               </p:ext>
             </p:extLst>
           </p:nvPr>
         </p:nvGraphicFramePr>
         <p:xfrm>
-          <a:off x="838200" y="1825625"/>
-          <a:ext cx="10515600" cy="4351338"/>
+          <a:off x="838200" y="1295400"/>
+          <a:ext cx="10515600" cy="3505200"/>
         </p:xfrm>
         <a:graphic>
           <a:graphicData uri="http://schemas.openxmlformats.org/drawingml/2006/diagram">
@@ -22874,8 +22957,8 @@
           </a:p>
         </p:txBody>
       </p:sp>
-      <mc:AlternateContent xmlns:mc="http://schemas.openxmlformats.org/markup-compatibility/2006" xmlns:a14="http://schemas.microsoft.com/office/drawing/2010/main">
-        <mc:Choice Requires="a14">
+      <mc:AlternateContent xmlns:mc="http://schemas.openxmlformats.org/markup-compatibility/2006">
+        <mc:Choice xmlns:a14="http://schemas.microsoft.com/office/drawing/2010/main" Requires="a14">
           <p:sp>
             <p:nvSpPr>
               <p:cNvPr id="1283075" name="Rectangle 3"/>
@@ -22952,7 +23035,7 @@
                 <a:pPr lvl="1"/>
                 <a:r>
                   <a:rPr lang="en-US" dirty="0"/>
-                  <a:t>For k rounds hold 1 fold back for testing and use the remaining </a:t>
+                  <a:t>For k rounds hold one fold back for testing and use the remaining </a:t>
                 </a:r>
                 <a14:m>
                   <m:oMath xmlns:m="http://schemas.openxmlformats.org/officeDocument/2006/math">
@@ -23038,7 +23121,7 @@
             </p:txBody>
           </p:sp>
         </mc:Choice>
-        <mc:Fallback xmlns="">
+        <mc:Fallback>
           <p:sp>
             <p:nvSpPr>
               <p:cNvPr id="1283075" name="Rectangle 3"/>
@@ -23057,7 +23140,7 @@
               <a:blipFill>
                 <a:blip r:embed="rId3"/>
                 <a:stretch>
-                  <a:fillRect l="-889" t="-2919" r="-957"/>
+                  <a:fillRect l="-889" t="-2919"/>
                 </a:stretch>
               </a:blipFill>
             </p:spPr>
@@ -23440,8 +23523,8 @@
         </p:nvSpPr>
         <p:spPr>
           <a:xfrm>
-            <a:off x="7924800" y="2743200"/>
-            <a:ext cx="3200400" cy="2369880"/>
+            <a:off x="7989333" y="1679881"/>
+            <a:ext cx="3200400" cy="4216539"/>
           </a:xfrm>
           <a:prstGeom prst="rect">
             <a:avLst/>
@@ -23470,6 +23553,19 @@
                 </a:solidFill>
               </a:rPr>
               <a:t>More data is better!</a:t>
+            </a:r>
+          </a:p>
+          <a:p>
+            <a:endParaRPr lang="en-US" sz="2400" b="1" dirty="0">
+              <a:solidFill>
+                <a:srgbClr val="FF0000"/>
+              </a:solidFill>
+            </a:endParaRPr>
+          </a:p>
+          <a:p>
+            <a:r>
+              <a:rPr lang="en-US" sz="2400" dirty="0"/>
+              <a:t>At some point the learning curve flattens out and more data does not contribute much!</a:t>
             </a:r>
           </a:p>
         </p:txBody>
@@ -29782,8 +29878,8 @@
         </p:nvSpPr>
         <p:spPr>
           <a:xfrm>
-            <a:off x="914400" y="2667000"/>
-            <a:ext cx="10363200" cy="3825875"/>
+            <a:off x="838200" y="3429000"/>
+            <a:ext cx="10363200" cy="2835275"/>
           </a:xfrm>
         </p:spPr>
         <p:txBody>
@@ -29801,51 +29897,55 @@
             </a:r>
           </a:p>
           <a:p>
-            <a:pPr eaLnBrk="1" hangingPunct="1"/>
             <a:r>
-              <a:rPr lang="en-US" sz="2800" b="1" dirty="0"/>
+              <a:rPr lang="en-US" b="1" dirty="0"/>
               <a:t>Learning</a:t>
             </a:r>
             <a:r>
-              <a:rPr lang="en-US" sz="2800" dirty="0"/>
-              <a:t>: Improve performance after making observations about the world. That is, learn what works and what doesn’t.</a:t>
+              <a:rPr lang="en-US" dirty="0"/>
+              <a:t>: Improve performance after making observations about the world. That is, learn what works and what doesn’t to get closer to optimal decisions.</a:t>
             </a:r>
             <a:endParaRPr lang="en-US" b="1" dirty="0"/>
           </a:p>
           <a:p>
             <a:r>
               <a:rPr lang="en-US" b="1" dirty="0"/>
-              <a:t>H</a:t>
-            </a:r>
-            <a:r>
-              <a:rPr lang="en-US" sz="2800" b="1" dirty="0"/>
-              <a:t>ow to build a model from data/experience?</a:t>
+              <a:t>How to learn a model to make better decisions from data/experience?</a:t>
             </a:r>
           </a:p>
           <a:p>
             <a:pPr lvl="1" eaLnBrk="1" hangingPunct="1"/>
             <a:r>
-              <a:rPr lang="en-US" sz="2400" b="1" dirty="0">
-                <a:solidFill>
-                  <a:srgbClr val="FF0000"/>
-                </a:solidFill>
-              </a:rPr>
+              <a:rPr lang="en-US" sz="2400" b="1" dirty="0"/>
               <a:t>Supervised Learning</a:t>
             </a:r>
             <a:r>
               <a:rPr lang="en-US" sz="2400" dirty="0"/>
-              <a:t>: Learn a function (model) to map input to output from a training set. Examples:</a:t>
+              <a:t>: Learn a function (model) to map input to output from a training set. </a:t>
+            </a:r>
+            <a:br>
+              <a:rPr lang="en-US" sz="2400" dirty="0"/>
+            </a:br>
+            <a:r>
+              <a:rPr lang="en-US" sz="2400" dirty="0"/>
+              <a:t>Examples:</a:t>
             </a:r>
           </a:p>
           <a:p>
-            <a:pPr lvl="2"/>
+            <a:pPr lvl="2">
+              <a:buFont typeface="Wingdings" panose="05000000000000000000" pitchFamily="2" charset="2"/>
+              <a:buChar char="§"/>
+            </a:pPr>
             <a:r>
               <a:rPr lang="en-US" dirty="0"/>
               <a:t>Use a naïve Bayesian classifier to distinguish between spam/no spam</a:t>
             </a:r>
           </a:p>
           <a:p>
-            <a:pPr lvl="2"/>
+            <a:pPr lvl="2">
+              <a:buFont typeface="Wingdings" panose="05000000000000000000" pitchFamily="2" charset="2"/>
+              <a:buChar char="§"/>
+            </a:pPr>
             <a:r>
               <a:rPr lang="en-US" dirty="0"/>
               <a:t>Learn a playout policy to simulate games (current board -&gt; good move)</a:t>
@@ -29873,29 +29973,6 @@
               <a:t>: Learn from rewards/punishment (e.g., winning a game) obtained via interaction with the environment over time.</a:t>
             </a:r>
           </a:p>
-          <a:p>
-            <a:endParaRPr lang="en-US" sz="2800" dirty="0"/>
-          </a:p>
-          <a:p>
-            <a:r>
-              <a:rPr lang="en-US" sz="2800" b="1" dirty="0"/>
-              <a:t>Learning vs. hard coding the agent function</a:t>
-            </a:r>
-          </a:p>
-          <a:p>
-            <a:pPr lvl="1"/>
-            <a:r>
-              <a:rPr lang="en-US" sz="2400" dirty="0"/>
-              <a:t>Designer cannot anticipate all possible future situations.</a:t>
-            </a:r>
-          </a:p>
-          <a:p>
-            <a:pPr lvl="1"/>
-            <a:r>
-              <a:rPr lang="en-US" sz="2400" dirty="0"/>
-              <a:t>Designer may have examples but does not know how to program a solution.</a:t>
-            </a:r>
-          </a:p>
         </p:txBody>
       </p:sp>
       <p:sp>
@@ -29912,8 +29989,8 @@
         </p:nvSpPr>
         <p:spPr>
           <a:xfrm>
-            <a:off x="762000" y="1341437"/>
-            <a:ext cx="10515600" cy="1173163"/>
+            <a:off x="838200" y="1371600"/>
+            <a:ext cx="9982200" cy="1858963"/>
           </a:xfrm>
           <a:prstGeom prst="rect">
             <a:avLst/>
@@ -29941,36 +30018,154 @@
               <a:buNone/>
             </a:pPr>
             <a:r>
-              <a:rPr lang="en-US" sz="1800" b="1" dirty="0"/>
+              <a:rPr lang="en-US" sz="1600" b="1" dirty="0"/>
               <a:t>Up until now in this course:</a:t>
             </a:r>
-            <a:endParaRPr lang="en-US" b="1" dirty="0"/>
           </a:p>
           <a:p>
-            <a:pPr marL="285750" indent="-285750" eaLnBrk="1" hangingPunct="1">
+            <a:pPr marL="742950" lvl="1" indent="-285750">
               <a:buFont typeface="Arial" panose="020B0604020202020204" pitchFamily="34" charset="0"/>
               <a:buChar char="•"/>
             </a:pPr>
             <a:r>
-              <a:rPr lang="en-US" b="1" dirty="0"/>
-              <a:t>H</a:t>
+              <a:rPr lang="en-US" sz="1600" b="1" dirty="0"/>
+              <a:t>Hand-craft algorithms </a:t>
             </a:r>
             <a:r>
-              <a:rPr lang="en-US" sz="1800" b="1" dirty="0"/>
-              <a:t>and-craft algorithms </a:t>
-            </a:r>
-            <a:r>
-              <a:rPr lang="en-US" sz="1800" dirty="0"/>
+              <a:rPr lang="en-US" sz="1600" dirty="0"/>
               <a:t>to make rational/optimal or at least good decisions. </a:t>
             </a:r>
             <a:br>
-              <a:rPr lang="en-US" sz="1800" dirty="0"/>
+              <a:rPr lang="en-US" sz="1600" dirty="0"/>
             </a:br>
             <a:r>
-              <a:rPr lang="en-US" sz="1800" dirty="0"/>
+              <a:rPr lang="en-US" sz="1600" dirty="0"/>
               <a:t>Examples: Search strategies, heuristics.</a:t>
             </a:r>
+          </a:p>
+          <a:p>
+            <a:pPr eaLnBrk="1" hangingPunct="1"/>
             <a:endParaRPr lang="en-US" sz="1600" dirty="0"/>
+          </a:p>
+          <a:p>
+            <a:pPr eaLnBrk="1" hangingPunct="1"/>
+            <a:r>
+              <a:rPr lang="en-US" sz="1600" b="1" dirty="0"/>
+              <a:t>Issues</a:t>
+            </a:r>
+          </a:p>
+          <a:p>
+            <a:pPr marL="742950" lvl="1" indent="-285750">
+              <a:buFont typeface="Arial" panose="020B0604020202020204" pitchFamily="34" charset="0"/>
+              <a:buChar char="•"/>
+            </a:pPr>
+            <a:r>
+              <a:rPr lang="en-US" sz="1600" dirty="0"/>
+              <a:t>Designer cannot anticipate all possible future situations.</a:t>
+            </a:r>
+          </a:p>
+          <a:p>
+            <a:pPr marL="742950" lvl="1" indent="-285750">
+              <a:buFont typeface="Arial" panose="020B0604020202020204" pitchFamily="34" charset="0"/>
+              <a:buChar char="•"/>
+            </a:pPr>
+            <a:r>
+              <a:rPr lang="en-US" sz="1600" dirty="0"/>
+              <a:t>Designer may have examples but does not know how to program a solution.</a:t>
+            </a:r>
+          </a:p>
+        </p:txBody>
+      </p:sp>
+      <p:sp>
+        <p:nvSpPr>
+          <p:cNvPr id="3" name="Right Brace 2">
+            <a:extLst>
+              <a:ext uri="{FF2B5EF4-FFF2-40B4-BE49-F238E27FC236}">
+                <a16:creationId xmlns:a16="http://schemas.microsoft.com/office/drawing/2014/main" id="{DDB91D51-C76A-B472-A3EE-6E088C0D9CF6}"/>
+              </a:ext>
+            </a:extLst>
+          </p:cNvPr>
+          <p:cNvSpPr/>
+          <p:nvPr/>
+        </p:nvSpPr>
+        <p:spPr>
+          <a:xfrm>
+            <a:off x="9525000" y="4571999"/>
+            <a:ext cx="152400" cy="762000"/>
+          </a:xfrm>
+          <a:prstGeom prst="rightBrace">
+            <a:avLst/>
+          </a:prstGeom>
+        </p:spPr>
+        <p:style>
+          <a:lnRef idx="3">
+            <a:schemeClr val="accent4"/>
+          </a:lnRef>
+          <a:fillRef idx="0">
+            <a:schemeClr val="accent4"/>
+          </a:fillRef>
+          <a:effectRef idx="2">
+            <a:schemeClr val="accent4"/>
+          </a:effectRef>
+          <a:fontRef idx="minor">
+            <a:schemeClr val="tx1"/>
+          </a:fontRef>
+        </p:style>
+        <p:txBody>
+          <a:bodyPr rtlCol="0" anchor="ctr"/>
+          <a:lstStyle/>
+          <a:p>
+            <a:pPr algn="ctr"/>
+            <a:endParaRPr lang="en-US"/>
+          </a:p>
+        </p:txBody>
+      </p:sp>
+      <p:sp>
+        <p:nvSpPr>
+          <p:cNvPr id="4" name="TextBox 3">
+            <a:extLst>
+              <a:ext uri="{FF2B5EF4-FFF2-40B4-BE49-F238E27FC236}">
+                <a16:creationId xmlns:a16="http://schemas.microsoft.com/office/drawing/2014/main" id="{BA522442-E2FA-A8D0-A650-497A30CFAD94}"/>
+              </a:ext>
+            </a:extLst>
+          </p:cNvPr>
+          <p:cNvSpPr txBox="1"/>
+          <p:nvPr/>
+        </p:nvSpPr>
+        <p:spPr>
+          <a:xfrm>
+            <a:off x="9791700" y="4629833"/>
+            <a:ext cx="2057400" cy="646331"/>
+          </a:xfrm>
+          <a:prstGeom prst="rect">
+            <a:avLst/>
+          </a:prstGeom>
+        </p:spPr>
+        <p:style>
+          <a:lnRef idx="3">
+            <a:schemeClr val="lt1"/>
+          </a:lnRef>
+          <a:fillRef idx="1">
+            <a:schemeClr val="accent4"/>
+          </a:fillRef>
+          <a:effectRef idx="1">
+            <a:schemeClr val="accent4"/>
+          </a:effectRef>
+          <a:fontRef idx="minor">
+            <a:schemeClr val="lt1"/>
+          </a:fontRef>
+        </p:style>
+        <p:txBody>
+          <a:bodyPr wrap="square" rtlCol="0">
+            <a:spAutoFit/>
+          </a:bodyPr>
+          <a:lstStyle/>
+          <a:p>
+            <a:pPr algn="ctr"/>
+            <a:r>
+              <a:rPr lang="en-US" dirty="0"/>
+              <a:t>We focus on supervised learning</a:t>
+            </a:r>
           </a:p>
         </p:txBody>
       </p:sp>
@@ -30898,7 +31093,7 @@
                 </a14:m>
                 <a:r>
                   <a:rPr lang="en-US" dirty="0"/>
-                  <a:t> that produces examples </a:t>
+                  <a:t> that produces </a:t>
                 </a:r>
                 <a:r>
                   <a:rPr lang="en-US" dirty="0" err="1"/>
@@ -30906,7 +31101,7 @@
                 </a:r>
                 <a:r>
                   <a:rPr lang="en-US" dirty="0"/>
-                  <a:t> possibly with noise and errors.</a:t>
+                  <a:t> (independent and identically distributed) examples possibly with noise and errors.</a:t>
                 </a:r>
               </a:p>
               <a:p>
@@ -30917,7 +31112,7 @@
                 </a:pPr>
                 <a:r>
                   <a:rPr lang="en-US" dirty="0"/>
-                  <a:t>Examples are input-output pairs </a:t>
+                  <a:t>Examples are observed input-output pairs </a:t>
                 </a:r>
                 <a14:m>
                   <m:oMath xmlns:m="http://schemas.openxmlformats.org/officeDocument/2006/math">
@@ -31207,7 +31402,7 @@
                 </a:r>
                 <a:r>
                   <a:rPr lang="en-US" dirty="0"/>
-                  <a:t>of possible models.</a:t>
+                  <a:t>of representable models.</a:t>
                 </a:r>
               </a:p>
               <a:p>
@@ -31693,7 +31888,7 @@
             <a:lstStyle/>
             <a:p>
               <a:pPr algn="ctr"/>
-              <a:endParaRPr lang="en-US"/>
+              <a:endParaRPr lang="en-US" dirty="0"/>
             </a:p>
           </p:txBody>
         </p:sp>
@@ -31828,7 +32023,7 @@
             </a:ln>
             <a:extLst>
               <a:ext uri="{AF507438-7753-43e0-B8FC-AC1667EBCBE1}">
-                <a14:hiddenEffects xmlns:a14="http://schemas.microsoft.com/office/drawing/2010/main" xmlns="">
+                <a14:hiddenEffects xmlns="" xmlns:a14="http://schemas.microsoft.com/office/drawing/2010/main">
                   <a:effectLst>
                     <a:outerShdw dist="35921" dir="2700000" algn="ctr" rotWithShape="0">
                       <a:schemeClr val="bg2"/>
@@ -31912,14 +32107,14 @@
             <a:effectLst/>
             <a:extLst>
               <a:ext uri="{909E8E84-426E-40dd-AFC4-6F175D3DCCD1}">
-                <a14:hiddenFill xmlns:a14="http://schemas.microsoft.com/office/drawing/2010/main" xmlns="">
+                <a14:hiddenFill xmlns="" xmlns:a14="http://schemas.microsoft.com/office/drawing/2010/main">
                   <a:solidFill>
                     <a:schemeClr val="accent1"/>
                   </a:solidFill>
                 </a14:hiddenFill>
               </a:ext>
               <a:ext uri="{91240B29-F687-4f45-9708-019B960494DF}">
-                <a14:hiddenLine xmlns:a14="http://schemas.microsoft.com/office/drawing/2010/main" xmlns="" w="9525">
+                <a14:hiddenLine xmlns="" xmlns:a14="http://schemas.microsoft.com/office/drawing/2010/main" w="9525">
                   <a:solidFill>
                     <a:schemeClr val="tx1"/>
                   </a:solidFill>
@@ -31929,7 +32124,7 @@
                 </a14:hiddenLine>
               </a:ext>
               <a:ext uri="{AF507438-7753-43e0-B8FC-AC1667EBCBE1}">
-                <a14:hiddenEffects xmlns:a14="http://schemas.microsoft.com/office/drawing/2010/main" xmlns="">
+                <a14:hiddenEffects xmlns="" xmlns:a14="http://schemas.microsoft.com/office/drawing/2010/main">
                   <a:effectLst>
                     <a:outerShdw dist="35921" dir="2700000" algn="ctr" rotWithShape="0">
                       <a:schemeClr val="bg2"/>
@@ -31970,7 +32165,7 @@
             <a:effectLst/>
             <a:extLst>
               <a:ext uri="{AF507438-7753-43e0-B8FC-AC1667EBCBE1}">
-                <a14:hiddenEffects xmlns:a14="http://schemas.microsoft.com/office/drawing/2010/main" xmlns="">
+                <a14:hiddenEffects xmlns="" xmlns:a14="http://schemas.microsoft.com/office/drawing/2010/main">
                   <a:effectLst>
                     <a:outerShdw dist="35921" dir="2700000" algn="ctr" rotWithShape="0">
                       <a:schemeClr val="bg2"/>
@@ -32018,7 +32213,7 @@
             <a:effectLst/>
             <a:extLst>
               <a:ext uri="{AF507438-7753-43e0-B8FC-AC1667EBCBE1}">
-                <a14:hiddenEffects xmlns:a14="http://schemas.microsoft.com/office/drawing/2010/main" xmlns="">
+                <a14:hiddenEffects xmlns="" xmlns:a14="http://schemas.microsoft.com/office/drawing/2010/main">
                   <a:effectLst>
                     <a:outerShdw dist="35921" dir="2700000" algn="ctr" rotWithShape="0">
                       <a:schemeClr val="bg2"/>
@@ -32086,14 +32281,14 @@
             <a:effectLst/>
             <a:extLst>
               <a:ext uri="{909E8E84-426E-40dd-AFC4-6F175D3DCCD1}">
-                <a14:hiddenFill xmlns:a14="http://schemas.microsoft.com/office/drawing/2010/main" xmlns="">
+                <a14:hiddenFill xmlns="" xmlns:a14="http://schemas.microsoft.com/office/drawing/2010/main">
                   <a:solidFill>
                     <a:schemeClr val="accent1"/>
                   </a:solidFill>
                 </a14:hiddenFill>
               </a:ext>
               <a:ext uri="{91240B29-F687-4f45-9708-019B960494DF}">
-                <a14:hiddenLine xmlns:a14="http://schemas.microsoft.com/office/drawing/2010/main" xmlns="" w="9525">
+                <a14:hiddenLine xmlns="" xmlns:a14="http://schemas.microsoft.com/office/drawing/2010/main" w="9525">
                   <a:solidFill>
                     <a:schemeClr val="tx1"/>
                   </a:solidFill>
@@ -32103,7 +32298,7 @@
                 </a14:hiddenLine>
               </a:ext>
               <a:ext uri="{AF507438-7753-43e0-B8FC-AC1667EBCBE1}">
-                <a14:hiddenEffects xmlns:a14="http://schemas.microsoft.com/office/drawing/2010/main" xmlns="">
+                <a14:hiddenEffects xmlns="" xmlns:a14="http://schemas.microsoft.com/office/drawing/2010/main">
                   <a:effectLst>
                     <a:outerShdw dist="35921" dir="2700000" algn="ctr" rotWithShape="0">
                       <a:schemeClr val="bg2"/>
@@ -32211,6 +32406,46 @@
           </mc:Fallback>
         </mc:AlternateContent>
       </p:grpSp>
+      <p:sp>
+        <p:nvSpPr>
+          <p:cNvPr id="2" name="TextBox 1">
+            <a:extLst>
+              <a:ext uri="{FF2B5EF4-FFF2-40B4-BE49-F238E27FC236}">
+                <a16:creationId xmlns:a16="http://schemas.microsoft.com/office/drawing/2014/main" id="{3061991E-4ADB-3258-6A99-6E16D1146186}"/>
+              </a:ext>
+            </a:extLst>
+          </p:cNvPr>
+          <p:cNvSpPr txBox="1"/>
+          <p:nvPr/>
+        </p:nvSpPr>
+        <p:spPr>
+          <a:xfrm>
+            <a:off x="10248900" y="4540588"/>
+            <a:ext cx="1257300" cy="523220"/>
+          </a:xfrm>
+          <a:prstGeom prst="rect">
+            <a:avLst/>
+          </a:prstGeom>
+          <a:noFill/>
+        </p:spPr>
+        <p:txBody>
+          <a:bodyPr wrap="square" rtlCol="0">
+            <a:spAutoFit/>
+          </a:bodyPr>
+          <a:lstStyle/>
+          <a:p>
+            <a:pPr algn="ctr"/>
+            <a:r>
+              <a:rPr lang="en-US" sz="1400" dirty="0">
+                <a:solidFill>
+                  <a:schemeClr val="bg1"/>
+                </a:solidFill>
+              </a:rPr>
+              <a:t>Set of all functions</a:t>
+            </a:r>
+          </a:p>
+        </p:txBody>
+      </p:sp>
     </p:spTree>
     <p:extLst>
       <p:ext uri="{BB962C8B-B14F-4D97-AF65-F5344CB8AC3E}">
@@ -32268,8 +32503,8 @@
           </a:p>
         </p:txBody>
       </p:sp>
-      <mc:AlternateContent xmlns:mc="http://schemas.openxmlformats.org/markup-compatibility/2006">
-        <mc:Choice xmlns:a14="http://schemas.microsoft.com/office/drawing/2010/main" Requires="a14">
+      <mc:AlternateContent xmlns:mc="http://schemas.openxmlformats.org/markup-compatibility/2006" xmlns:a14="http://schemas.microsoft.com/office/drawing/2010/main">
+        <mc:Choice Requires="a14">
           <p:sp>
             <p:nvSpPr>
               <p:cNvPr id="1105923" name="Rectangle 3"/>
@@ -32526,7 +32761,7 @@
             </p:txBody>
           </p:sp>
         </mc:Choice>
-        <mc:Fallback>
+        <mc:Fallback xmlns="">
           <p:sp>
             <p:nvSpPr>
               <p:cNvPr id="1105923" name="Rectangle 3"/>
@@ -32600,14 +32835,14 @@
           <a:effectLst/>
           <a:extLst>
             <a:ext uri="{909E8E84-426E-40dd-AFC4-6F175D3DCCD1}">
-              <a14:hiddenFill xmlns:a14="http://schemas.microsoft.com/office/drawing/2010/main" xmlns="">
+              <a14:hiddenFill xmlns="" xmlns:a14="http://schemas.microsoft.com/office/drawing/2010/main">
                 <a:solidFill>
                   <a:schemeClr val="accent1"/>
                 </a:solidFill>
               </a14:hiddenFill>
             </a:ext>
             <a:ext uri="{91240B29-F687-4f45-9708-019B960494DF}">
-              <a14:hiddenLine xmlns:a14="http://schemas.microsoft.com/office/drawing/2010/main" xmlns="" w="9525">
+              <a14:hiddenLine xmlns="" xmlns:a14="http://schemas.microsoft.com/office/drawing/2010/main" w="9525">
                 <a:solidFill>
                   <a:schemeClr val="tx1"/>
                 </a:solidFill>
@@ -32617,7 +32852,7 @@
               </a14:hiddenLine>
             </a:ext>
             <a:ext uri="{AF507438-7753-43e0-B8FC-AC1667EBCBE1}">
-              <a14:hiddenEffects xmlns:a14="http://schemas.microsoft.com/office/drawing/2010/main" xmlns="">
+              <a14:hiddenEffects xmlns="" xmlns:a14="http://schemas.microsoft.com/office/drawing/2010/main">
                 <a:effectLst>
                   <a:outerShdw dist="35921" dir="2700000" algn="ctr" rotWithShape="0">
                     <a:schemeClr val="bg2"/>
@@ -32664,14 +32899,14 @@
           <a:effectLst/>
           <a:extLst>
             <a:ext uri="{909E8E84-426E-40dd-AFC4-6F175D3DCCD1}">
-              <a14:hiddenFill xmlns:a14="http://schemas.microsoft.com/office/drawing/2010/main" xmlns="">
+              <a14:hiddenFill xmlns="" xmlns:a14="http://schemas.microsoft.com/office/drawing/2010/main">
                 <a:solidFill>
                   <a:schemeClr val="accent1"/>
                 </a:solidFill>
               </a14:hiddenFill>
             </a:ext>
             <a:ext uri="{91240B29-F687-4f45-9708-019B960494DF}">
-              <a14:hiddenLine xmlns:a14="http://schemas.microsoft.com/office/drawing/2010/main" xmlns="" w="9525">
+              <a14:hiddenLine xmlns="" xmlns:a14="http://schemas.microsoft.com/office/drawing/2010/main" w="9525">
                 <a:solidFill>
                   <a:schemeClr val="tx1"/>
                 </a:solidFill>
@@ -32681,7 +32916,7 @@
               </a14:hiddenLine>
             </a:ext>
             <a:ext uri="{AF507438-7753-43e0-B8FC-AC1667EBCBE1}">
-              <a14:hiddenEffects xmlns:a14="http://schemas.microsoft.com/office/drawing/2010/main" xmlns="">
+              <a14:hiddenEffects xmlns="" xmlns:a14="http://schemas.microsoft.com/office/drawing/2010/main">
                 <a:effectLst>
                   <a:outerShdw dist="35921" dir="2700000" algn="ctr" rotWithShape="0">
                     <a:schemeClr val="bg2"/>
@@ -33177,8 +33412,8 @@
           </a:p>
         </p:txBody>
       </p:sp>
-      <mc:AlternateContent xmlns:mc="http://schemas.openxmlformats.org/markup-compatibility/2006" xmlns:a14="http://schemas.microsoft.com/office/drawing/2010/main">
-        <mc:Choice Requires="a14">
+      <mc:AlternateContent xmlns:mc="http://schemas.openxmlformats.org/markup-compatibility/2006">
+        <mc:Choice xmlns:a14="http://schemas.microsoft.com/office/drawing/2010/main" Requires="a14">
           <p:sp>
             <p:nvSpPr>
               <p:cNvPr id="3" name="Content Placeholder 2">
@@ -33220,7 +33455,7 @@
                 </a:r>
                 <a:r>
                   <a:rPr lang="en-US" dirty="0"/>
-                  <a:t>: Find a  hypothesis that makes good predictions that are consistent with the examples </a:t>
+                  <a:t>: Find a  hypothesis that makes predictions that are consistent with the examples </a:t>
                 </a:r>
                 <a14:m>
                   <m:oMath xmlns:m="http://schemas.openxmlformats.org/officeDocument/2006/math">
@@ -34282,7 +34517,7 @@
             </p:txBody>
           </p:sp>
         </mc:Choice>
-        <mc:Fallback xmlns="">
+        <mc:Fallback>
           <p:sp>
             <p:nvSpPr>
               <p:cNvPr id="3" name="Content Placeholder 2">
@@ -34307,7 +34542,7 @@
               <a:blipFill>
                 <a:blip r:embed="rId3"/>
                 <a:stretch>
-                  <a:fillRect l="-928" t="-2968" r="-1449" b="-37548"/>
+                  <a:fillRect l="-928" t="-2968" r="-754" b="-37548"/>
                 </a:stretch>
               </a:blipFill>
             </p:spPr>
@@ -34680,7 +34915,7 @@
             </a:ln>
             <a:extLst>
               <a:ext uri="{AF507438-7753-43e0-B8FC-AC1667EBCBE1}">
-                <a14:hiddenEffects xmlns:a14="http://schemas.microsoft.com/office/drawing/2010/main" xmlns="">
+                <a14:hiddenEffects xmlns="" xmlns:a14="http://schemas.microsoft.com/office/drawing/2010/main">
                   <a:effectLst>
                     <a:outerShdw dist="35921" dir="2700000" algn="ctr" rotWithShape="0">
                       <a:schemeClr val="bg2"/>
@@ -34750,7 +34985,7 @@
             <a:effectLst/>
             <a:extLst>
               <a:ext uri="{AF507438-7753-43e0-B8FC-AC1667EBCBE1}">
-                <a14:hiddenEffects xmlns:a14="http://schemas.microsoft.com/office/drawing/2010/main" xmlns="">
+                <a14:hiddenEffects xmlns="" xmlns:a14="http://schemas.microsoft.com/office/drawing/2010/main">
                   <a:effectLst>
                     <a:outerShdw dist="35921" dir="2700000" algn="ctr" rotWithShape="0">
                       <a:schemeClr val="bg2"/>
@@ -34804,7 +35039,7 @@
             <a:effectLst/>
             <a:extLst>
               <a:ext uri="{AF507438-7753-43e0-B8FC-AC1667EBCBE1}">
-                <a14:hiddenEffects xmlns:a14="http://schemas.microsoft.com/office/drawing/2010/main" xmlns="">
+                <a14:hiddenEffects xmlns="" xmlns:a14="http://schemas.microsoft.com/office/drawing/2010/main">
                   <a:effectLst>
                     <a:outerShdw dist="35921" dir="2700000" algn="ctr" rotWithShape="0">
                       <a:schemeClr val="bg2"/>
@@ -34857,12 +35092,12 @@
             <a:effectLst/>
             <a:extLst>
               <a:ext uri="{909E8E84-426E-40dd-AFC4-6F175D3DCCD1}">
-                <a14:hiddenFill xmlns:a14="http://schemas.microsoft.com/office/drawing/2010/main" xmlns="">
+                <a14:hiddenFill xmlns="" xmlns:a14="http://schemas.microsoft.com/office/drawing/2010/main">
                   <a:noFill/>
                 </a14:hiddenFill>
               </a:ext>
               <a:ext uri="{AF507438-7753-43e0-B8FC-AC1667EBCBE1}">
-                <a14:hiddenEffects xmlns:a14="http://schemas.microsoft.com/office/drawing/2010/main" xmlns="">
+                <a14:hiddenEffects xmlns="" xmlns:a14="http://schemas.microsoft.com/office/drawing/2010/main">
                   <a:effectLst>
                     <a:outerShdw dist="35921" dir="2700000" algn="ctr" rotWithShape="0">
                       <a:schemeClr val="bg2"/>
@@ -34936,14 +35171,14 @@
             <a:effectLst/>
             <a:extLst>
               <a:ext uri="{909E8E84-426E-40dd-AFC4-6F175D3DCCD1}">
-                <a14:hiddenFill xmlns:a14="http://schemas.microsoft.com/office/drawing/2010/main" xmlns="">
+                <a14:hiddenFill xmlns="" xmlns:a14="http://schemas.microsoft.com/office/drawing/2010/main">
                   <a:solidFill>
                     <a:schemeClr val="accent1"/>
                   </a:solidFill>
                 </a14:hiddenFill>
               </a:ext>
               <a:ext uri="{91240B29-F687-4f45-9708-019B960494DF}">
-                <a14:hiddenLine xmlns:a14="http://schemas.microsoft.com/office/drawing/2010/main" xmlns="" w="9525">
+                <a14:hiddenLine xmlns="" xmlns:a14="http://schemas.microsoft.com/office/drawing/2010/main" w="9525">
                   <a:solidFill>
                     <a:schemeClr val="tx1"/>
                   </a:solidFill>
@@ -34953,7 +35188,7 @@
                 </a14:hiddenLine>
               </a:ext>
               <a:ext uri="{AF507438-7753-43e0-B8FC-AC1667EBCBE1}">
-                <a14:hiddenEffects xmlns:a14="http://schemas.microsoft.com/office/drawing/2010/main" xmlns="">
+                <a14:hiddenEffects xmlns="" xmlns:a14="http://schemas.microsoft.com/office/drawing/2010/main">
                   <a:effectLst>
                     <a:outerShdw dist="35921" dir="2700000" algn="ctr" rotWithShape="0">
                       <a:schemeClr val="bg2"/>
@@ -35598,7 +35833,7 @@
               <a:p>
                 <a:r>
                   <a:rPr lang="en-US" dirty="0"/>
-                  <a:t>Find the best hypothesis</a:t>
+                  <a:t>Find the best hypothesis that minimizes the loss</a:t>
                 </a:r>
               </a:p>
               <a:p>
@@ -35890,7 +36125,7 @@
                 </a:pPr>
                 <a:r>
                   <a:rPr lang="en-US" dirty="0"/>
-                  <a:t>Computationally intractable to search all </a:t>
+                  <a:t>It is computationally intractable to search all </a:t>
                 </a:r>
                 <a14:m>
                   <m:oMath xmlns:m="http://schemas.openxmlformats.org/officeDocument/2006/math">
@@ -35901,20 +36136,19 @@
                       </a:rPr>
                       <m:t>𝐻</m:t>
                     </m:r>
-                    <m:r>
-                      <a:rPr lang="en-US" b="0" i="1" dirty="0" smtClean="0">
-                        <a:latin typeface="Cambria Math" panose="02040503050406030204" pitchFamily="18" charset="0"/>
-                        <a:ea typeface="Cambria Math" panose="02040503050406030204" pitchFamily="18" charset="0"/>
-                      </a:rPr>
-                      <m:t>.</m:t>
-                    </m:r>
                   </m:oMath>
                 </a14:m>
-                <a:endParaRPr lang="en-US" dirty="0"/>
-              </a:p>
-              <a:p>
-                <a:pPr lvl="1"/>
-                <a:endParaRPr lang="en-US" dirty="0"/>
+                <a:r>
+                  <a:rPr lang="en-US" dirty="0"/>
+                  <a:t>, </a:t>
+                </a:r>
+                <a:br>
+                  <a:rPr lang="en-US" dirty="0"/>
+                </a:br>
+                <a:r>
+                  <a:rPr lang="en-US" dirty="0"/>
+                  <a:t>so we use a non-optimal heuristic. </a:t>
+                </a:r>
               </a:p>
               <a:p>
                 <a:endParaRPr lang="en-US" dirty="0"/>
@@ -35943,7 +36177,7 @@
               <a:blipFill>
                 <a:blip r:embed="rId4"/>
                 <a:stretch>
-                  <a:fillRect l="-928" t="-30812"/>
+                  <a:fillRect l="-928" t="-30812" b="-3221"/>
                 </a:stretch>
               </a:blipFill>
             </p:spPr>
@@ -36163,7 +36397,7 @@
             </a:ln>
             <a:extLst>
               <a:ext uri="{AF507438-7753-43e0-B8FC-AC1667EBCBE1}">
-                <a14:hiddenEffects xmlns:a14="http://schemas.microsoft.com/office/drawing/2010/main" xmlns="">
+                <a14:hiddenEffects xmlns="" xmlns:a14="http://schemas.microsoft.com/office/drawing/2010/main">
                   <a:effectLst>
                     <a:outerShdw dist="35921" dir="2700000" algn="ctr" rotWithShape="0">
                       <a:schemeClr val="bg2"/>
@@ -36233,7 +36467,7 @@
             <a:effectLst/>
             <a:extLst>
               <a:ext uri="{AF507438-7753-43e0-B8FC-AC1667EBCBE1}">
-                <a14:hiddenEffects xmlns:a14="http://schemas.microsoft.com/office/drawing/2010/main" xmlns="">
+                <a14:hiddenEffects xmlns="" xmlns:a14="http://schemas.microsoft.com/office/drawing/2010/main">
                   <a:effectLst>
                     <a:outerShdw dist="35921" dir="2700000" algn="ctr" rotWithShape="0">
                       <a:schemeClr val="bg2"/>
@@ -36287,7 +36521,7 @@
             <a:effectLst/>
             <a:extLst>
               <a:ext uri="{AF507438-7753-43e0-B8FC-AC1667EBCBE1}">
-                <a14:hiddenEffects xmlns:a14="http://schemas.microsoft.com/office/drawing/2010/main" xmlns="">
+                <a14:hiddenEffects xmlns="" xmlns:a14="http://schemas.microsoft.com/office/drawing/2010/main">
                   <a:effectLst>
                     <a:outerShdw dist="35921" dir="2700000" algn="ctr" rotWithShape="0">
                       <a:schemeClr val="bg2"/>
@@ -36340,12 +36574,12 @@
             <a:effectLst/>
             <a:extLst>
               <a:ext uri="{909E8E84-426E-40dd-AFC4-6F175D3DCCD1}">
-                <a14:hiddenFill xmlns:a14="http://schemas.microsoft.com/office/drawing/2010/main" xmlns="">
+                <a14:hiddenFill xmlns="" xmlns:a14="http://schemas.microsoft.com/office/drawing/2010/main">
                   <a:noFill/>
                 </a14:hiddenFill>
               </a:ext>
               <a:ext uri="{AF507438-7753-43e0-B8FC-AC1667EBCBE1}">
-                <a14:hiddenEffects xmlns:a14="http://schemas.microsoft.com/office/drawing/2010/main" xmlns="">
+                <a14:hiddenEffects xmlns="" xmlns:a14="http://schemas.microsoft.com/office/drawing/2010/main">
                   <a:effectLst>
                     <a:outerShdw dist="35921" dir="2700000" algn="ctr" rotWithShape="0">
                       <a:schemeClr val="bg2"/>
@@ -36419,14 +36653,14 @@
             <a:effectLst/>
             <a:extLst>
               <a:ext uri="{909E8E84-426E-40dd-AFC4-6F175D3DCCD1}">
-                <a14:hiddenFill xmlns:a14="http://schemas.microsoft.com/office/drawing/2010/main" xmlns="">
+                <a14:hiddenFill xmlns="" xmlns:a14="http://schemas.microsoft.com/office/drawing/2010/main">
                   <a:solidFill>
                     <a:schemeClr val="accent1"/>
                   </a:solidFill>
                 </a14:hiddenFill>
               </a:ext>
               <a:ext uri="{91240B29-F687-4f45-9708-019B960494DF}">
-                <a14:hiddenLine xmlns:a14="http://schemas.microsoft.com/office/drawing/2010/main" xmlns="" w="9525">
+                <a14:hiddenLine xmlns="" xmlns:a14="http://schemas.microsoft.com/office/drawing/2010/main" w="9525">
                   <a:solidFill>
                     <a:schemeClr val="tx1"/>
                   </a:solidFill>
@@ -36436,7 +36670,7 @@
                 </a14:hiddenLine>
               </a:ext>
               <a:ext uri="{AF507438-7753-43e0-B8FC-AC1667EBCBE1}">
-                <a14:hiddenEffects xmlns:a14="http://schemas.microsoft.com/office/drawing/2010/main" xmlns="">
+                <a14:hiddenEffects xmlns="" xmlns:a14="http://schemas.microsoft.com/office/drawing/2010/main">
                   <a:effectLst>
                     <a:outerShdw dist="35921" dir="2700000" algn="ctr" rotWithShape="0">
                       <a:schemeClr val="bg2"/>
@@ -36774,8 +37008,8 @@
           </a:p>
         </p:txBody>
       </p:sp>
-      <mc:AlternateContent xmlns:mc="http://schemas.openxmlformats.org/markup-compatibility/2006" xmlns:a14="http://schemas.microsoft.com/office/drawing/2010/main">
-        <mc:Choice Requires="a14">
+      <mc:AlternateContent xmlns:mc="http://schemas.openxmlformats.org/markup-compatibility/2006">
+        <mc:Choice xmlns:a14="http://schemas.microsoft.com/office/drawing/2010/main" Requires="a14">
           <p:sp>
             <p:nvSpPr>
               <p:cNvPr id="3" name="Content Placeholder 2">
@@ -37551,14 +37785,26 @@
                 </a:pPr>
                 <a:r>
                   <a:rPr lang="en-US" dirty="0"/>
-                  <a:t>This is impractical (unless a simple Bayes network exists) and most classifiers try to approximate the Bayes classifier using a simple model with fewer parameters.</a:t>
+                  <a:t>This is impractical (unless a simple Bayes network exists) and most classifiers try to approximate the Bayes classifier using a </a:t>
+                </a:r>
+                <a:r>
+                  <a:rPr lang="en-US" b="1" dirty="0">
+                    <a:solidFill>
+                      <a:srgbClr val="FF0000"/>
+                    </a:solidFill>
+                  </a:rPr>
+                  <a:t>simpler model </a:t>
+                </a:r>
+                <a:r>
+                  <a:rPr lang="en-US" dirty="0"/>
+                  <a:t>with fewer parameters.</a:t>
                 </a:r>
                 <a:endParaRPr lang="en-US" i="1" dirty="0"/>
               </a:p>
             </p:txBody>
           </p:sp>
         </mc:Choice>
-        <mc:Fallback xmlns="">
+        <mc:Fallback>
           <p:sp>
             <p:nvSpPr>
               <p:cNvPr id="3" name="Content Placeholder 2">

--- a/slides/19_ML_intro.pptx
+++ b/slides/19_ML_intro.pptx
@@ -1903,11 +1903,11 @@
 </file>
 
 <file path=ppt/diagrams/colors3.xml><?xml version="1.0" encoding="utf-8"?>
-<dgm:colorsDef xmlns:dgm="http://schemas.openxmlformats.org/drawingml/2006/diagram" xmlns:a="http://schemas.openxmlformats.org/drawingml/2006/main" uniqueId="urn:microsoft.com/office/officeart/2005/8/colors/colorful2">
+<dgm:colorsDef xmlns:dgm="http://schemas.openxmlformats.org/drawingml/2006/diagram" xmlns:a="http://schemas.openxmlformats.org/drawingml/2006/main" uniqueId="urn:microsoft.com/office/officeart/2005/8/colors/colorful1">
   <dgm:title val=""/>
   <dgm:desc val=""/>
   <dgm:catLst>
-    <dgm:cat type="colorful" pri="10200"/>
+    <dgm:cat type="colorful" pri="10100"/>
   </dgm:catLst>
   <dgm:styleLbl name="node0">
     <dgm:fillClrLst meth="repeat">
@@ -1922,9 +1922,12 @@
     <dgm:txEffectClrLst/>
   </dgm:styleLbl>
   <dgm:styleLbl name="node1">
-    <dgm:fillClrLst>
+    <dgm:fillClrLst meth="repeat">
       <a:schemeClr val="accent2"/>
       <a:schemeClr val="accent3"/>
+      <a:schemeClr val="accent4"/>
+      <a:schemeClr val="accent5"/>
+      <a:schemeClr val="accent6"/>
     </dgm:fillClrLst>
     <dgm:linClrLst meth="repeat">
       <a:schemeClr val="lt1"/>
@@ -1935,13 +1938,19 @@
     <dgm:txEffectClrLst/>
   </dgm:styleLbl>
   <dgm:styleLbl name="alignNode1">
-    <dgm:fillClrLst>
+    <dgm:fillClrLst meth="repeat">
       <a:schemeClr val="accent2"/>
       <a:schemeClr val="accent3"/>
+      <a:schemeClr val="accent4"/>
+      <a:schemeClr val="accent5"/>
+      <a:schemeClr val="accent6"/>
     </dgm:fillClrLst>
-    <dgm:linClrLst>
+    <dgm:linClrLst meth="repeat">
       <a:schemeClr val="accent2"/>
       <a:schemeClr val="accent3"/>
+      <a:schemeClr val="accent4"/>
+      <a:schemeClr val="accent5"/>
+      <a:schemeClr val="accent6"/>
     </dgm:linClrLst>
     <dgm:effectClrLst/>
     <dgm:txLinClrLst/>
@@ -1949,9 +1958,12 @@
     <dgm:txEffectClrLst/>
   </dgm:styleLbl>
   <dgm:styleLbl name="lnNode1">
-    <dgm:fillClrLst>
+    <dgm:fillClrLst meth="repeat">
       <a:schemeClr val="accent2"/>
       <a:schemeClr val="accent3"/>
+      <a:schemeClr val="accent4"/>
+      <a:schemeClr val="accent5"/>
+      <a:schemeClr val="accent6"/>
     </dgm:fillClrLst>
     <dgm:linClrLst meth="repeat">
       <a:schemeClr val="lt1"/>
@@ -1962,11 +1974,20 @@
     <dgm:txEffectClrLst/>
   </dgm:styleLbl>
   <dgm:styleLbl name="vennNode1">
-    <dgm:fillClrLst>
+    <dgm:fillClrLst meth="repeat">
       <a:schemeClr val="accent2">
         <a:alpha val="50000"/>
       </a:schemeClr>
       <a:schemeClr val="accent3">
+        <a:alpha val="50000"/>
+      </a:schemeClr>
+      <a:schemeClr val="accent4">
+        <a:alpha val="50000"/>
+      </a:schemeClr>
+      <a:schemeClr val="accent5">
+        <a:alpha val="50000"/>
+      </a:schemeClr>
+      <a:schemeClr val="accent6">
         <a:alpha val="50000"/>
       </a:schemeClr>
     </dgm:fillClrLst>
@@ -1980,7 +2001,7 @@
   </dgm:styleLbl>
   <dgm:styleLbl name="node2">
     <dgm:fillClrLst>
-      <a:schemeClr val="accent3"/>
+      <a:schemeClr val="accent2"/>
     </dgm:fillClrLst>
     <dgm:linClrLst meth="repeat">
       <a:schemeClr val="lt1"/>
@@ -1992,7 +2013,7 @@
   </dgm:styleLbl>
   <dgm:styleLbl name="node3">
     <dgm:fillClrLst>
-      <a:schemeClr val="accent4"/>
+      <a:schemeClr val="accent3"/>
     </dgm:fillClrLst>
     <dgm:linClrLst meth="repeat">
       <a:schemeClr val="lt1"/>
@@ -2004,7 +2025,7 @@
   </dgm:styleLbl>
   <dgm:styleLbl name="node4">
     <dgm:fillClrLst>
-      <a:schemeClr val="accent5"/>
+      <a:schemeClr val="accent4"/>
     </dgm:fillClrLst>
     <dgm:linClrLst meth="repeat">
       <a:schemeClr val="lt1"/>
@@ -2015,11 +2036,20 @@
     <dgm:txEffectClrLst/>
   </dgm:styleLbl>
   <dgm:styleLbl name="fgImgPlace1">
-    <dgm:fillClrLst>
+    <dgm:fillClrLst meth="repeat">
       <a:schemeClr val="accent2">
         <a:tint val="50000"/>
       </a:schemeClr>
       <a:schemeClr val="accent3">
+        <a:tint val="50000"/>
+      </a:schemeClr>
+      <a:schemeClr val="accent4">
+        <a:tint val="50000"/>
+      </a:schemeClr>
+      <a:schemeClr val="accent5">
+        <a:tint val="50000"/>
+      </a:schemeClr>
+      <a:schemeClr val="accent6">
         <a:tint val="50000"/>
       </a:schemeClr>
     </dgm:fillClrLst>
@@ -2035,10 +2065,10 @@
   </dgm:styleLbl>
   <dgm:styleLbl name="alignImgPlace1">
     <dgm:fillClrLst>
-      <a:schemeClr val="accent2">
+      <a:schemeClr val="accent1">
         <a:tint val="50000"/>
       </a:schemeClr>
-      <a:schemeClr val="accent3">
+      <a:schemeClr val="accent2">
         <a:tint val="20000"/>
       </a:schemeClr>
     </dgm:fillClrLst>
@@ -2054,10 +2084,10 @@
   </dgm:styleLbl>
   <dgm:styleLbl name="bgImgPlace1">
     <dgm:fillClrLst>
-      <a:schemeClr val="accent2">
+      <a:schemeClr val="accent1">
         <a:tint val="50000"/>
       </a:schemeClr>
-      <a:schemeClr val="accent3">
+      <a:schemeClr val="accent2">
         <a:tint val="20000"/>
       </a:schemeClr>
     </dgm:fillClrLst>
@@ -2072,11 +2102,14 @@
     <dgm:txEffectClrLst/>
   </dgm:styleLbl>
   <dgm:styleLbl name="sibTrans2D1">
-    <dgm:fillClrLst>
+    <dgm:fillClrLst meth="repeat">
       <a:schemeClr val="accent2"/>
       <a:schemeClr val="accent3"/>
+      <a:schemeClr val="accent4"/>
+      <a:schemeClr val="accent5"/>
+      <a:schemeClr val="accent6"/>
     </dgm:fillClrLst>
-    <dgm:linClrLst meth="repeat">
+    <dgm:linClrLst meth="cycle">
       <a:schemeClr val="lt1"/>
     </dgm:linClrLst>
     <dgm:effectClrLst/>
@@ -2085,11 +2118,14 @@
     <dgm:txEffectClrLst/>
   </dgm:styleLbl>
   <dgm:styleLbl name="fgSibTrans2D1">
-    <dgm:fillClrLst>
+    <dgm:fillClrLst meth="repeat">
       <a:schemeClr val="accent2"/>
       <a:schemeClr val="accent3"/>
+      <a:schemeClr val="accent4"/>
+      <a:schemeClr val="accent5"/>
+      <a:schemeClr val="accent6"/>
     </dgm:fillClrLst>
-    <dgm:linClrLst meth="repeat">
+    <dgm:linClrLst meth="cycle">
       <a:schemeClr val="lt1"/>
     </dgm:linClrLst>
     <dgm:effectClrLst/>
@@ -2100,11 +2136,14 @@
     <dgm:txEffectClrLst/>
   </dgm:styleLbl>
   <dgm:styleLbl name="bgSibTrans2D1">
-    <dgm:fillClrLst>
+    <dgm:fillClrLst meth="repeat">
       <a:schemeClr val="accent2"/>
       <a:schemeClr val="accent3"/>
+      <a:schemeClr val="accent4"/>
+      <a:schemeClr val="accent5"/>
+      <a:schemeClr val="accent6"/>
     </dgm:fillClrLst>
-    <dgm:linClrLst meth="repeat">
+    <dgm:linClrLst meth="cycle">
       <a:schemeClr val="lt1"/>
     </dgm:linClrLst>
     <dgm:effectClrLst/>
@@ -2115,10 +2154,19 @@
     <dgm:txEffectClrLst/>
   </dgm:styleLbl>
   <dgm:styleLbl name="sibTrans1D1">
-    <dgm:fillClrLst/>
-    <dgm:linClrLst>
+    <dgm:fillClrLst meth="repeat">
       <a:schemeClr val="accent2"/>
       <a:schemeClr val="accent3"/>
+      <a:schemeClr val="accent4"/>
+      <a:schemeClr val="accent5"/>
+      <a:schemeClr val="accent6"/>
+    </dgm:fillClrLst>
+    <dgm:linClrLst meth="repeat">
+      <a:schemeClr val="accent2"/>
+      <a:schemeClr val="accent3"/>
+      <a:schemeClr val="accent4"/>
+      <a:schemeClr val="accent5"/>
+      <a:schemeClr val="accent6"/>
     </dgm:linClrLst>
     <dgm:effectClrLst/>
     <dgm:txLinClrLst/>
@@ -2145,12 +2193,10 @@
   </dgm:styleLbl>
   <dgm:styleLbl name="asst0">
     <dgm:fillClrLst meth="repeat">
-      <a:schemeClr val="accent2"/>
+      <a:schemeClr val="accent1"/>
     </dgm:fillClrLst>
     <dgm:linClrLst meth="repeat">
-      <a:schemeClr val="lt1">
-        <a:shade val="80000"/>
-      </a:schemeClr>
+      <a:schemeClr val="lt1"/>
     </dgm:linClrLst>
     <dgm:effectClrLst/>
     <dgm:txLinClrLst/>
@@ -2159,12 +2205,10 @@
   </dgm:styleLbl>
   <dgm:styleLbl name="asst1">
     <dgm:fillClrLst meth="repeat">
-      <a:schemeClr val="accent3"/>
+      <a:schemeClr val="accent2"/>
     </dgm:fillClrLst>
     <dgm:linClrLst meth="repeat">
-      <a:schemeClr val="lt1">
-        <a:shade val="80000"/>
-      </a:schemeClr>
+      <a:schemeClr val="lt1"/>
     </dgm:linClrLst>
     <dgm:effectClrLst/>
     <dgm:txLinClrLst/>
@@ -2172,6 +2216,18 @@
     <dgm:txEffectClrLst/>
   </dgm:styleLbl>
   <dgm:styleLbl name="asst2">
+    <dgm:fillClrLst>
+      <a:schemeClr val="accent3"/>
+    </dgm:fillClrLst>
+    <dgm:linClrLst meth="repeat">
+      <a:schemeClr val="lt1"/>
+    </dgm:linClrLst>
+    <dgm:effectClrLst/>
+    <dgm:txLinClrLst/>
+    <dgm:txFillClrLst/>
+    <dgm:txEffectClrLst/>
+  </dgm:styleLbl>
+  <dgm:styleLbl name="asst3">
     <dgm:fillClrLst>
       <a:schemeClr val="accent4"/>
     </dgm:fillClrLst>
@@ -2183,21 +2239,9 @@
     <dgm:txFillClrLst/>
     <dgm:txEffectClrLst/>
   </dgm:styleLbl>
-  <dgm:styleLbl name="asst3">
+  <dgm:styleLbl name="asst4">
     <dgm:fillClrLst>
       <a:schemeClr val="accent5"/>
-    </dgm:fillClrLst>
-    <dgm:linClrLst meth="repeat">
-      <a:schemeClr val="lt1"/>
-    </dgm:linClrLst>
-    <dgm:effectClrLst/>
-    <dgm:txLinClrLst/>
-    <dgm:txFillClrLst/>
-    <dgm:txEffectClrLst/>
-  </dgm:styleLbl>
-  <dgm:styleLbl name="asst4">
-    <dgm:fillClrLst>
-      <a:schemeClr val="accent6"/>
     </dgm:fillClrLst>
     <dgm:linClrLst meth="repeat">
       <a:schemeClr val="lt1"/>
@@ -2264,7 +2308,7 @@
       <a:schemeClr val="accent2"/>
     </dgm:fillClrLst>
     <dgm:linClrLst meth="repeat">
-      <a:schemeClr val="accent2"/>
+      <a:schemeClr val="accent1"/>
     </dgm:linClrLst>
     <dgm:effectClrLst/>
     <dgm:txLinClrLst/>
@@ -2275,8 +2319,24 @@
   </dgm:styleLbl>
   <dgm:styleLbl name="parChTrans1D2">
     <dgm:fillClrLst meth="repeat">
-      <a:schemeClr val="accent2">
+      <a:schemeClr val="accent3">
         <a:tint val="90000"/>
+      </a:schemeClr>
+    </dgm:fillClrLst>
+    <dgm:linClrLst meth="repeat">
+      <a:schemeClr val="accent2"/>
+    </dgm:linClrLst>
+    <dgm:effectClrLst/>
+    <dgm:txLinClrLst/>
+    <dgm:txFillClrLst meth="repeat">
+      <a:schemeClr val="tx1"/>
+    </dgm:txFillClrLst>
+    <dgm:txEffectClrLst/>
+  </dgm:styleLbl>
+  <dgm:styleLbl name="parChTrans1D3">
+    <dgm:fillClrLst meth="repeat">
+      <a:schemeClr val="accent4">
+        <a:tint val="70000"/>
       </a:schemeClr>
     </dgm:fillClrLst>
     <dgm:linClrLst meth="repeat">
@@ -2289,30 +2349,14 @@
     </dgm:txFillClrLst>
     <dgm:txEffectClrLst/>
   </dgm:styleLbl>
-  <dgm:styleLbl name="parChTrans1D3">
+  <dgm:styleLbl name="parChTrans1D4">
     <dgm:fillClrLst meth="repeat">
-      <a:schemeClr val="accent2">
-        <a:tint val="70000"/>
+      <a:schemeClr val="accent5">
+        <a:tint val="50000"/>
       </a:schemeClr>
     </dgm:fillClrLst>
     <dgm:linClrLst meth="repeat">
       <a:schemeClr val="accent4"/>
-    </dgm:linClrLst>
-    <dgm:effectClrLst/>
-    <dgm:txLinClrLst/>
-    <dgm:txFillClrLst meth="repeat">
-      <a:schemeClr val="tx1"/>
-    </dgm:txFillClrLst>
-    <dgm:txEffectClrLst/>
-  </dgm:styleLbl>
-  <dgm:styleLbl name="parChTrans1D4">
-    <dgm:fillClrLst meth="repeat">
-      <a:schemeClr val="accent2">
-        <a:tint val="50000"/>
-      </a:schemeClr>
-    </dgm:fillClrLst>
-    <dgm:linClrLst meth="repeat">
-      <a:schemeClr val="accent5"/>
     </dgm:linClrLst>
     <dgm:effectClrLst/>
     <dgm:txLinClrLst/>
@@ -2327,9 +2371,12 @@
         <a:alpha val="90000"/>
       </a:schemeClr>
     </dgm:fillClrLst>
-    <dgm:linClrLst>
+    <dgm:linClrLst meth="repeat">
       <a:schemeClr val="accent2"/>
       <a:schemeClr val="accent3"/>
+      <a:schemeClr val="accent4"/>
+      <a:schemeClr val="accent5"/>
+      <a:schemeClr val="accent6"/>
     </dgm:linClrLst>
     <dgm:effectClrLst/>
     <dgm:txLinClrLst/>
@@ -2344,9 +2391,12 @@
         <a:alpha val="90000"/>
       </a:schemeClr>
     </dgm:fillClrLst>
-    <dgm:linClrLst>
+    <dgm:linClrLst meth="repeat">
       <a:schemeClr val="accent2"/>
       <a:schemeClr val="accent3"/>
+      <a:schemeClr val="accent4"/>
+      <a:schemeClr val="accent5"/>
+      <a:schemeClr val="accent6"/>
     </dgm:linClrLst>
     <dgm:effectClrLst/>
     <dgm:txLinClrLst/>
@@ -2361,9 +2411,12 @@
         <a:alpha val="90000"/>
       </a:schemeClr>
     </dgm:fillClrLst>
-    <dgm:linClrLst>
+    <dgm:linClrLst meth="repeat">
       <a:schemeClr val="accent2"/>
       <a:schemeClr val="accent3"/>
+      <a:schemeClr val="accent4"/>
+      <a:schemeClr val="accent5"/>
+      <a:schemeClr val="accent6"/>
     </dgm:linClrLst>
     <dgm:effectClrLst/>
     <dgm:txLinClrLst/>
@@ -2379,7 +2432,7 @@
       </a:schemeClr>
     </dgm:fillClrLst>
     <dgm:linClrLst meth="repeat">
-      <a:schemeClr val="accent2"/>
+      <a:schemeClr val="accent1"/>
     </dgm:linClrLst>
     <dgm:effectClrLst/>
     <dgm:txLinClrLst/>
@@ -2394,9 +2447,12 @@
         <a:alpha val="90000"/>
       </a:schemeClr>
     </dgm:fillClrLst>
-    <dgm:linClrLst>
+    <dgm:linClrLst meth="repeat">
       <a:schemeClr val="accent2"/>
       <a:schemeClr val="accent3"/>
+      <a:schemeClr val="accent4"/>
+      <a:schemeClr val="accent5"/>
+      <a:schemeClr val="accent6"/>
     </dgm:linClrLst>
     <dgm:effectClrLst/>
     <dgm:txLinClrLst/>
@@ -2409,9 +2465,12 @@
     <dgm:fillClrLst meth="repeat">
       <a:schemeClr val="lt1"/>
     </dgm:fillClrLst>
-    <dgm:linClrLst>
+    <dgm:linClrLst meth="repeat">
       <a:schemeClr val="accent2"/>
       <a:schemeClr val="accent3"/>
+      <a:schemeClr val="accent4"/>
+      <a:schemeClr val="accent5"/>
+      <a:schemeClr val="accent6"/>
     </dgm:linClrLst>
     <dgm:effectClrLst/>
     <dgm:txLinClrLst/>
@@ -2424,9 +2483,12 @@
     <dgm:fillClrLst meth="repeat">
       <a:schemeClr val="lt1"/>
     </dgm:fillClrLst>
-    <dgm:linClrLst>
+    <dgm:linClrLst meth="repeat">
       <a:schemeClr val="accent2"/>
       <a:schemeClr val="accent3"/>
+      <a:schemeClr val="accent4"/>
+      <a:schemeClr val="accent5"/>
+      <a:schemeClr val="accent6"/>
     </dgm:linClrLst>
     <dgm:effectClrLst/>
     <dgm:txLinClrLst/>
@@ -2439,9 +2501,12 @@
     <dgm:fillClrLst meth="repeat">
       <a:schemeClr val="lt1"/>
     </dgm:fillClrLst>
-    <dgm:linClrLst>
+    <dgm:linClrLst meth="repeat">
       <a:schemeClr val="accent2"/>
       <a:schemeClr val="accent3"/>
+      <a:schemeClr val="accent4"/>
+      <a:schemeClr val="accent5"/>
+      <a:schemeClr val="accent6"/>
     </dgm:linClrLst>
     <dgm:effectClrLst/>
     <dgm:txLinClrLst/>
@@ -2451,7 +2516,7 @@
     <dgm:txEffectClrLst/>
   </dgm:styleLbl>
   <dgm:styleLbl name="fgAccFollowNode1">
-    <dgm:fillClrLst>
+    <dgm:fillClrLst meth="repeat">
       <a:schemeClr val="accent2">
         <a:tint val="40000"/>
         <a:alpha val="90000"/>
@@ -2460,13 +2525,37 @@
         <a:tint val="40000"/>
         <a:alpha val="90000"/>
       </a:schemeClr>
+      <a:schemeClr val="accent4">
+        <a:tint val="40000"/>
+        <a:alpha val="90000"/>
+      </a:schemeClr>
+      <a:schemeClr val="accent5">
+        <a:tint val="40000"/>
+        <a:alpha val="90000"/>
+      </a:schemeClr>
+      <a:schemeClr val="accent6">
+        <a:tint val="40000"/>
+        <a:alpha val="90000"/>
+      </a:schemeClr>
     </dgm:fillClrLst>
-    <dgm:linClrLst>
+    <dgm:linClrLst meth="repeat">
       <a:schemeClr val="accent2">
         <a:tint val="40000"/>
         <a:alpha val="90000"/>
       </a:schemeClr>
       <a:schemeClr val="accent3">
+        <a:tint val="40000"/>
+        <a:alpha val="90000"/>
+      </a:schemeClr>
+      <a:schemeClr val="accent4">
+        <a:tint val="40000"/>
+        <a:alpha val="90000"/>
+      </a:schemeClr>
+      <a:schemeClr val="accent5">
+        <a:tint val="40000"/>
+        <a:alpha val="90000"/>
+      </a:schemeClr>
+      <a:schemeClr val="accent6">
         <a:tint val="40000"/>
         <a:alpha val="90000"/>
       </a:schemeClr>
@@ -2479,7 +2568,7 @@
     <dgm:txEffectClrLst/>
   </dgm:styleLbl>
   <dgm:styleLbl name="alignAccFollowNode1">
-    <dgm:fillClrLst>
+    <dgm:fillClrLst meth="repeat">
       <a:schemeClr val="accent2">
         <a:tint val="40000"/>
         <a:alpha val="90000"/>
@@ -2488,13 +2577,37 @@
         <a:tint val="40000"/>
         <a:alpha val="90000"/>
       </a:schemeClr>
+      <a:schemeClr val="accent4">
+        <a:tint val="40000"/>
+        <a:alpha val="90000"/>
+      </a:schemeClr>
+      <a:schemeClr val="accent5">
+        <a:tint val="40000"/>
+        <a:alpha val="90000"/>
+      </a:schemeClr>
+      <a:schemeClr val="accent6">
+        <a:tint val="40000"/>
+        <a:alpha val="90000"/>
+      </a:schemeClr>
     </dgm:fillClrLst>
-    <dgm:linClrLst>
+    <dgm:linClrLst meth="repeat">
       <a:schemeClr val="accent2">
         <a:tint val="40000"/>
         <a:alpha val="90000"/>
       </a:schemeClr>
       <a:schemeClr val="accent3">
+        <a:tint val="40000"/>
+        <a:alpha val="90000"/>
+      </a:schemeClr>
+      <a:schemeClr val="accent4">
+        <a:tint val="40000"/>
+        <a:alpha val="90000"/>
+      </a:schemeClr>
+      <a:schemeClr val="accent5">
+        <a:tint val="40000"/>
+        <a:alpha val="90000"/>
+      </a:schemeClr>
+      <a:schemeClr val="accent6">
         <a:tint val="40000"/>
         <a:alpha val="90000"/>
       </a:schemeClr>
@@ -2507,7 +2620,7 @@
     <dgm:txEffectClrLst/>
   </dgm:styleLbl>
   <dgm:styleLbl name="bgAccFollowNode1">
-    <dgm:fillClrLst>
+    <dgm:fillClrLst meth="repeat">
       <a:schemeClr val="accent2">
         <a:tint val="40000"/>
         <a:alpha val="90000"/>
@@ -2516,13 +2629,37 @@
         <a:tint val="40000"/>
         <a:alpha val="90000"/>
       </a:schemeClr>
+      <a:schemeClr val="accent4">
+        <a:tint val="40000"/>
+        <a:alpha val="90000"/>
+      </a:schemeClr>
+      <a:schemeClr val="accent5">
+        <a:tint val="40000"/>
+        <a:alpha val="90000"/>
+      </a:schemeClr>
+      <a:schemeClr val="accent6">
+        <a:tint val="40000"/>
+        <a:alpha val="90000"/>
+      </a:schemeClr>
     </dgm:fillClrLst>
-    <dgm:linClrLst>
+    <dgm:linClrLst meth="repeat">
       <a:schemeClr val="accent2">
         <a:tint val="40000"/>
         <a:alpha val="90000"/>
       </a:schemeClr>
       <a:schemeClr val="accent3">
+        <a:tint val="40000"/>
+        <a:alpha val="90000"/>
+      </a:schemeClr>
+      <a:schemeClr val="accent4">
+        <a:tint val="40000"/>
+        <a:alpha val="90000"/>
+      </a:schemeClr>
+      <a:schemeClr val="accent5">
+        <a:tint val="40000"/>
+        <a:alpha val="90000"/>
+      </a:schemeClr>
+      <a:schemeClr val="accent6">
         <a:tint val="40000"/>
         <a:alpha val="90000"/>
       </a:schemeClr>
@@ -2557,7 +2694,7 @@
       </a:schemeClr>
     </dgm:fillClrLst>
     <dgm:linClrLst>
-      <a:schemeClr val="accent3"/>
+      <a:schemeClr val="accent2"/>
     </dgm:linClrLst>
     <dgm:effectClrLst/>
     <dgm:txLinClrLst/>
@@ -2573,7 +2710,7 @@
       </a:schemeClr>
     </dgm:fillClrLst>
     <dgm:linClrLst>
-      <a:schemeClr val="accent4"/>
+      <a:schemeClr val="accent3"/>
     </dgm:linClrLst>
     <dgm:effectClrLst/>
     <dgm:txLinClrLst/>
@@ -2589,7 +2726,7 @@
       </a:schemeClr>
     </dgm:fillClrLst>
     <dgm:linClrLst>
-      <a:schemeClr val="accent5"/>
+      <a:schemeClr val="accent4"/>
     </dgm:linClrLst>
     <dgm:effectClrLst/>
     <dgm:txLinClrLst/>
@@ -2632,7 +2769,7 @@
   </dgm:styleLbl>
   <dgm:styleLbl name="trBgShp">
     <dgm:fillClrLst meth="repeat">
-      <a:schemeClr val="accent2">
+      <a:schemeClr val="accent1">
         <a:tint val="50000"/>
         <a:alpha val="40000"/>
       </a:schemeClr>
@@ -3385,7 +3522,7 @@
 <dgm:dataModel xmlns:dgm="http://schemas.openxmlformats.org/drawingml/2006/diagram" xmlns:a="http://schemas.openxmlformats.org/drawingml/2006/main">
   <dgm:ptLst>
     <dgm:pt modelId="{A583D8F7-0B58-43A8-AE34-32594DE1738D}" type="doc">
-      <dgm:prSet loTypeId="urn:microsoft.com/office/officeart/2005/8/layout/hList1" loCatId="list" qsTypeId="urn:microsoft.com/office/officeart/2005/8/quickstyle/simple4" qsCatId="simple" csTypeId="urn:microsoft.com/office/officeart/2005/8/colors/colorful2" csCatId="colorful" phldr="1"/>
+      <dgm:prSet loTypeId="urn:microsoft.com/office/officeart/2005/8/layout/hList1" loCatId="list" qsTypeId="urn:microsoft.com/office/officeart/2005/8/quickstyle/simple4" qsCatId="simple" csTypeId="urn:microsoft.com/office/officeart/2005/8/colors/colorful1" csCatId="colorful" phldr="1"/>
       <dgm:spPr/>
       <dgm:t>
         <a:bodyPr/>
@@ -3696,8 +3833,8 @@
         </a:p>
       </dgm:t>
     </dgm:pt>
-    <mc:AlternateContent xmlns:mc="http://schemas.openxmlformats.org/markup-compatibility/2006" xmlns:a14="http://schemas.microsoft.com/office/drawing/2010/main">
-      <mc:Choice Requires="a14">
+    <mc:AlternateContent xmlns:mc="http://schemas.openxmlformats.org/markup-compatibility/2006">
+      <mc:Choice xmlns:a14="http://schemas.microsoft.com/office/drawing/2010/main" Requires="a14">
         <dgm:pt modelId="{EDE1371B-F13F-4A60-9C71-C9674634C493}">
           <dgm:prSet/>
           <dgm:spPr/>
@@ -3758,7 +3895,7 @@
           </dgm:t>
         </dgm:pt>
       </mc:Choice>
-      <mc:Fallback xmlns="">
+      <mc:Fallback>
         <dgm:pt modelId="{EDE1371B-F13F-4A60-9C71-C9674634C493}">
           <dgm:prSet/>
           <dgm:spPr/>
@@ -3803,8 +3940,8 @@
         </a:p>
       </dgm:t>
     </dgm:pt>
-    <mc:AlternateContent xmlns:mc="http://schemas.openxmlformats.org/markup-compatibility/2006" xmlns:a14="http://schemas.microsoft.com/office/drawing/2010/main">
-      <mc:Choice Requires="a14">
+    <mc:AlternateContent xmlns:mc="http://schemas.openxmlformats.org/markup-compatibility/2006">
+      <mc:Choice xmlns:a14="http://schemas.microsoft.com/office/drawing/2010/main" Requires="a14">
         <dgm:pt modelId="{6F1981E5-7B90-4815-8E6C-BF76A61A82B2}">
           <dgm:prSet/>
           <dgm:spPr/>
@@ -3865,7 +4002,7 @@
           </dgm:t>
         </dgm:pt>
       </mc:Choice>
-      <mc:Fallback xmlns="">
+      <mc:Fallback>
         <dgm:pt modelId="{6F1981E5-7B90-4815-8E6C-BF76A61A82B2}">
           <dgm:prSet/>
           <dgm:spPr/>
@@ -4104,6 +4241,219 @@
         </a:p>
       </dgm:t>
     </dgm:pt>
+    <dgm:pt modelId="{980F8CCE-337E-4705-A19C-5ED4DD4EA2D8}">
+      <dgm:prSet/>
+      <dgm:spPr/>
+      <dgm:t>
+        <a:bodyPr/>
+        <a:lstStyle/>
+        <a:p>
+          <a:r>
+            <a:rPr lang="en-US" b="1" dirty="0"/>
+            <a:t>Compressing Tables</a:t>
+          </a:r>
+        </a:p>
+      </dgm:t>
+    </dgm:pt>
+    <dgm:pt modelId="{C0F1A191-7679-4D0E-A111-7CCBED6FD481}" type="parTrans" cxnId="{DC928E36-9234-469C-BF20-3D07CD1B731D}">
+      <dgm:prSet/>
+      <dgm:spPr/>
+      <dgm:t>
+        <a:bodyPr/>
+        <a:lstStyle/>
+        <a:p>
+          <a:endParaRPr lang="en-US"/>
+        </a:p>
+      </dgm:t>
+    </dgm:pt>
+    <dgm:pt modelId="{8A764E1A-C3F6-47F3-B72F-E822D7DF8B0F}" type="sibTrans" cxnId="{DC928E36-9234-469C-BF20-3D07CD1B731D}">
+      <dgm:prSet/>
+      <dgm:spPr/>
+      <dgm:t>
+        <a:bodyPr/>
+        <a:lstStyle/>
+        <a:p>
+          <a:endParaRPr lang="en-US"/>
+        </a:p>
+      </dgm:t>
+    </dgm:pt>
+    <dgm:pt modelId="{4DE436A9-83E0-4E97-94D3-A7A23D470661}">
+      <dgm:prSet/>
+      <dgm:spPr/>
+      <dgm:t>
+        <a:bodyPr/>
+        <a:lstStyle/>
+        <a:p>
+          <a:r>
+            <a:rPr lang="en-US" dirty="0"/>
+            <a:t>Neural networks can be used as a compact representation of tables that do not fit in memory. E.g.,</a:t>
+          </a:r>
+        </a:p>
+      </dgm:t>
+    </dgm:pt>
+    <dgm:pt modelId="{C3CE518E-68F8-4825-9AA4-0AFE0BB3E644}" type="parTrans" cxnId="{01205396-4586-4514-8DC8-38890847DA28}">
+      <dgm:prSet/>
+      <dgm:spPr/>
+      <dgm:t>
+        <a:bodyPr/>
+        <a:lstStyle/>
+        <a:p>
+          <a:endParaRPr lang="en-US"/>
+        </a:p>
+      </dgm:t>
+    </dgm:pt>
+    <dgm:pt modelId="{21FED047-F0D8-4E0B-8699-332F4868562E}" type="sibTrans" cxnId="{01205396-4586-4514-8DC8-38890847DA28}">
+      <dgm:prSet/>
+      <dgm:spPr/>
+      <dgm:t>
+        <a:bodyPr/>
+        <a:lstStyle/>
+        <a:p>
+          <a:endParaRPr lang="en-US"/>
+        </a:p>
+      </dgm:t>
+    </dgm:pt>
+    <dgm:pt modelId="{77EDED24-91FB-4304-9F78-BB9483F31D18}">
+      <dgm:prSet/>
+      <dgm:spPr/>
+      <dgm:t>
+        <a:bodyPr/>
+        <a:lstStyle/>
+        <a:p>
+          <a:r>
+            <a:rPr lang="en-US" dirty="0"/>
+            <a:t>Joint probability table</a:t>
+          </a:r>
+        </a:p>
+      </dgm:t>
+    </dgm:pt>
+    <dgm:pt modelId="{52456935-B8CA-463F-8CA9-8FA80E633B7F}" type="parTrans" cxnId="{466F98A8-C841-4450-A735-F026ACA76FC0}">
+      <dgm:prSet/>
+      <dgm:spPr/>
+      <dgm:t>
+        <a:bodyPr/>
+        <a:lstStyle/>
+        <a:p>
+          <a:endParaRPr lang="en-US"/>
+        </a:p>
+      </dgm:t>
+    </dgm:pt>
+    <dgm:pt modelId="{8BCD6EF8-A1A2-4BAB-A176-A4655DE3B030}" type="sibTrans" cxnId="{466F98A8-C841-4450-A735-F026ACA76FC0}">
+      <dgm:prSet/>
+      <dgm:spPr/>
+      <dgm:t>
+        <a:bodyPr/>
+        <a:lstStyle/>
+        <a:p>
+          <a:endParaRPr lang="en-US"/>
+        </a:p>
+      </dgm:t>
+    </dgm:pt>
+    <dgm:pt modelId="{7BB60CEB-A95D-49A0-AD38-420DC784DCA3}">
+      <dgm:prSet/>
+      <dgm:spPr/>
+      <dgm:t>
+        <a:bodyPr/>
+        <a:lstStyle/>
+        <a:p>
+          <a:r>
+            <a:rPr lang="en-US" dirty="0"/>
+            <a:t>State utility table</a:t>
+          </a:r>
+        </a:p>
+      </dgm:t>
+    </dgm:pt>
+    <dgm:pt modelId="{995CD675-79FD-47C2-B432-CF5030025CEA}" type="parTrans" cxnId="{F2450089-35B6-4C59-98E4-11205DAF2D35}">
+      <dgm:prSet/>
+      <dgm:spPr/>
+      <dgm:t>
+        <a:bodyPr/>
+        <a:lstStyle/>
+        <a:p>
+          <a:endParaRPr lang="en-US"/>
+        </a:p>
+      </dgm:t>
+    </dgm:pt>
+    <dgm:pt modelId="{D50CDC4E-9969-43E8-918A-FB36C15A8F77}" type="sibTrans" cxnId="{F2450089-35B6-4C59-98E4-11205DAF2D35}">
+      <dgm:prSet/>
+      <dgm:spPr/>
+      <dgm:t>
+        <a:bodyPr/>
+        <a:lstStyle/>
+        <a:p>
+          <a:endParaRPr lang="en-US"/>
+        </a:p>
+      </dgm:t>
+    </dgm:pt>
+    <dgm:pt modelId="{764035C1-797D-4E37-9DB3-D36F689A6465}">
+      <dgm:prSet/>
+      <dgm:spPr/>
+      <dgm:t>
+        <a:bodyPr/>
+        <a:lstStyle/>
+        <a:p>
+          <a:r>
+            <a:rPr lang="en-US" dirty="0"/>
+            <a:t>The tables can be learned form data.</a:t>
+          </a:r>
+        </a:p>
+      </dgm:t>
+    </dgm:pt>
+    <dgm:pt modelId="{BC33FE86-1D62-4EB4-913A-5CCBD6E3277F}" type="parTrans" cxnId="{AB5A5BC2-82F5-4727-812C-830BCCF5F22A}">
+      <dgm:prSet/>
+      <dgm:spPr/>
+      <dgm:t>
+        <a:bodyPr/>
+        <a:lstStyle/>
+        <a:p>
+          <a:endParaRPr lang="en-US"/>
+        </a:p>
+      </dgm:t>
+    </dgm:pt>
+    <dgm:pt modelId="{9E25982E-A6BF-4FC5-92B3-D31942FA9259}" type="sibTrans" cxnId="{AB5A5BC2-82F5-4727-812C-830BCCF5F22A}">
+      <dgm:prSet/>
+      <dgm:spPr/>
+      <dgm:t>
+        <a:bodyPr/>
+        <a:lstStyle/>
+        <a:p>
+          <a:endParaRPr lang="en-US"/>
+        </a:p>
+      </dgm:t>
+    </dgm:pt>
+    <dgm:pt modelId="{828FC82D-8B9E-448B-88E5-E524814587C2}">
+      <dgm:prSet/>
+      <dgm:spPr/>
+      <dgm:t>
+        <a:bodyPr/>
+        <a:lstStyle/>
+        <a:p>
+          <a:endParaRPr lang="en-US" dirty="0"/>
+        </a:p>
+      </dgm:t>
+    </dgm:pt>
+    <dgm:pt modelId="{605A9D2F-A78F-40A7-BF17-1871176A7BE2}" type="parTrans" cxnId="{F1AD6D7C-2648-41D7-9565-58BA7609FA1B}">
+      <dgm:prSet/>
+      <dgm:spPr/>
+      <dgm:t>
+        <a:bodyPr/>
+        <a:lstStyle/>
+        <a:p>
+          <a:endParaRPr lang="en-US"/>
+        </a:p>
+      </dgm:t>
+    </dgm:pt>
+    <dgm:pt modelId="{F8A67F21-E7FC-4D36-9D82-50BE578D3B50}" type="sibTrans" cxnId="{F1AD6D7C-2648-41D7-9565-58BA7609FA1B}">
+      <dgm:prSet/>
+      <dgm:spPr/>
+      <dgm:t>
+        <a:bodyPr/>
+        <a:lstStyle/>
+        <a:p>
+          <a:endParaRPr lang="en-US"/>
+        </a:p>
+      </dgm:t>
+    </dgm:pt>
     <dgm:pt modelId="{1DC10AE1-4929-4B55-A688-C70A646FA12F}" type="pres">
       <dgm:prSet presAssocID="{A583D8F7-0B58-43A8-AE34-32594DE1738D}" presName="Name0" presStyleCnt="0">
         <dgm:presLayoutVars>
@@ -4119,7 +4469,7 @@
       <dgm:spPr/>
     </dgm:pt>
     <dgm:pt modelId="{BF71F41E-FDAD-4835-B53A-D7D076DE9B55}" type="pres">
-      <dgm:prSet presAssocID="{D34A97D6-7F64-43FE-9E71-292031C611FD}" presName="parTx" presStyleLbl="alignNode1" presStyleIdx="0" presStyleCnt="3">
+      <dgm:prSet presAssocID="{D34A97D6-7F64-43FE-9E71-292031C611FD}" presName="parTx" presStyleLbl="alignNode1" presStyleIdx="0" presStyleCnt="4">
         <dgm:presLayoutVars>
           <dgm:chMax val="0"/>
           <dgm:chPref val="0"/>
@@ -4129,7 +4479,7 @@
       <dgm:spPr/>
     </dgm:pt>
     <dgm:pt modelId="{BACEBB25-2A32-4633-A8AA-43030F652DE8}" type="pres">
-      <dgm:prSet presAssocID="{D34A97D6-7F64-43FE-9E71-292031C611FD}" presName="desTx" presStyleLbl="alignAccFollowNode1" presStyleIdx="0" presStyleCnt="3">
+      <dgm:prSet presAssocID="{D34A97D6-7F64-43FE-9E71-292031C611FD}" presName="desTx" presStyleLbl="alignAccFollowNode1" presStyleIdx="0" presStyleCnt="4">
         <dgm:presLayoutVars>
           <dgm:bulletEnabled val="1"/>
         </dgm:presLayoutVars>
@@ -4145,7 +4495,7 @@
       <dgm:spPr/>
     </dgm:pt>
     <dgm:pt modelId="{01534658-91BB-4C44-9424-637822D3A9D0}" type="pres">
-      <dgm:prSet presAssocID="{01B79AF0-D00A-4481-ABCC-79C23BE0D981}" presName="parTx" presStyleLbl="alignNode1" presStyleIdx="1" presStyleCnt="3">
+      <dgm:prSet presAssocID="{01B79AF0-D00A-4481-ABCC-79C23BE0D981}" presName="parTx" presStyleLbl="alignNode1" presStyleIdx="1" presStyleCnt="4">
         <dgm:presLayoutVars>
           <dgm:chMax val="0"/>
           <dgm:chPref val="0"/>
@@ -4155,7 +4505,7 @@
       <dgm:spPr/>
     </dgm:pt>
     <dgm:pt modelId="{5C57C7EB-478D-4F11-B65D-9016B386C608}" type="pres">
-      <dgm:prSet presAssocID="{01B79AF0-D00A-4481-ABCC-79C23BE0D981}" presName="desTx" presStyleLbl="alignAccFollowNode1" presStyleIdx="1" presStyleCnt="3">
+      <dgm:prSet presAssocID="{01B79AF0-D00A-4481-ABCC-79C23BE0D981}" presName="desTx" presStyleLbl="alignAccFollowNode1" presStyleIdx="1" presStyleCnt="4">
         <dgm:presLayoutVars>
           <dgm:bulletEnabled val="1"/>
         </dgm:presLayoutVars>
@@ -4171,7 +4521,7 @@
       <dgm:spPr/>
     </dgm:pt>
     <dgm:pt modelId="{228970AD-4D95-42F2-B737-33364C2CB3CE}" type="pres">
-      <dgm:prSet presAssocID="{74EA25D4-C666-430E-B926-BC3E0A898030}" presName="parTx" presStyleLbl="alignNode1" presStyleIdx="2" presStyleCnt="3">
+      <dgm:prSet presAssocID="{74EA25D4-C666-430E-B926-BC3E0A898030}" presName="parTx" presStyleLbl="alignNode1" presStyleIdx="2" presStyleCnt="4">
         <dgm:presLayoutVars>
           <dgm:chMax val="0"/>
           <dgm:chPref val="0"/>
@@ -4181,7 +4531,33 @@
       <dgm:spPr/>
     </dgm:pt>
     <dgm:pt modelId="{4712BD07-C9A8-4BD1-BC67-16B85061F7C6}" type="pres">
-      <dgm:prSet presAssocID="{74EA25D4-C666-430E-B926-BC3E0A898030}" presName="desTx" presStyleLbl="alignAccFollowNode1" presStyleIdx="2" presStyleCnt="3">
+      <dgm:prSet presAssocID="{74EA25D4-C666-430E-B926-BC3E0A898030}" presName="desTx" presStyleLbl="alignAccFollowNode1" presStyleIdx="2" presStyleCnt="4">
+        <dgm:presLayoutVars>
+          <dgm:bulletEnabled val="1"/>
+        </dgm:presLayoutVars>
+      </dgm:prSet>
+      <dgm:spPr/>
+    </dgm:pt>
+    <dgm:pt modelId="{5C0185F6-8BC2-49DB-80FA-7E10298A7336}" type="pres">
+      <dgm:prSet presAssocID="{9998D001-06E5-4323-9A95-FF39D5528DEE}" presName="space" presStyleCnt="0"/>
+      <dgm:spPr/>
+    </dgm:pt>
+    <dgm:pt modelId="{A5AD8769-1CE8-41B5-B5CC-B14A3CAED050}" type="pres">
+      <dgm:prSet presAssocID="{980F8CCE-337E-4705-A19C-5ED4DD4EA2D8}" presName="composite" presStyleCnt="0"/>
+      <dgm:spPr/>
+    </dgm:pt>
+    <dgm:pt modelId="{B110EE6C-C081-460E-9EB5-A4A219535E14}" type="pres">
+      <dgm:prSet presAssocID="{980F8CCE-337E-4705-A19C-5ED4DD4EA2D8}" presName="parTx" presStyleLbl="alignNode1" presStyleIdx="3" presStyleCnt="4">
+        <dgm:presLayoutVars>
+          <dgm:chMax val="0"/>
+          <dgm:chPref val="0"/>
+          <dgm:bulletEnabled val="1"/>
+        </dgm:presLayoutVars>
+      </dgm:prSet>
+      <dgm:spPr/>
+    </dgm:pt>
+    <dgm:pt modelId="{C955C6EC-4763-4437-8A81-DCCD7447E9E0}" type="pres">
+      <dgm:prSet presAssocID="{980F8CCE-337E-4705-A19C-5ED4DD4EA2D8}" presName="desTx" presStyleLbl="alignAccFollowNode1" presStyleIdx="3" presStyleCnt="4">
         <dgm:presLayoutVars>
           <dgm:bulletEnabled val="1"/>
         </dgm:presLayoutVars>
@@ -4192,24 +4568,36 @@
   <dgm:cxnLst>
     <dgm:cxn modelId="{F8CDE900-66E2-43D8-9B26-F46263F82DC3}" srcId="{A583D8F7-0B58-43A8-AE34-32594DE1738D}" destId="{D34A97D6-7F64-43FE-9E71-292031C611FD}" srcOrd="0" destOrd="0" parTransId="{473821D3-ED3B-4654-AD09-B5F3478C5F12}" sibTransId="{5F5526E9-ADF1-4E64-835D-D75224265BC3}"/>
     <dgm:cxn modelId="{53A53D03-80E1-48CA-A30D-146DC7F8FDED}" type="presOf" srcId="{043CC71B-7C00-494D-A263-6E5A70EBDA9B}" destId="{5C57C7EB-478D-4F11-B65D-9016B386C608}" srcOrd="0" destOrd="1" presId="urn:microsoft.com/office/officeart/2005/8/layout/hList1"/>
+    <dgm:cxn modelId="{8B764E0F-3B97-4AE2-B9CE-0668427E680A}" type="presOf" srcId="{828FC82D-8B9E-448B-88E5-E524814587C2}" destId="{C955C6EC-4763-4437-8A81-DCCD7447E9E0}" srcOrd="0" destOrd="3" presId="urn:microsoft.com/office/officeart/2005/8/layout/hList1"/>
+    <dgm:cxn modelId="{8679871C-A3E4-4FE6-9B09-530207A9F274}" type="presOf" srcId="{77EDED24-91FB-4304-9F78-BB9483F31D18}" destId="{C955C6EC-4763-4437-8A81-DCCD7447E9E0}" srcOrd="0" destOrd="1" presId="urn:microsoft.com/office/officeart/2005/8/layout/hList1"/>
     <dgm:cxn modelId="{5ECB7F28-792A-42B7-9375-F2151D7E58A0}" type="presOf" srcId="{3F80C23F-E2DE-4C99-9A06-83F8F9D715DA}" destId="{5C57C7EB-478D-4F11-B65D-9016B386C608}" srcOrd="0" destOrd="3" presId="urn:microsoft.com/office/officeart/2005/8/layout/hList1"/>
     <dgm:cxn modelId="{B5622D29-BD86-4B5D-AB9F-7058EC9A526D}" type="presOf" srcId="{74EA25D4-C666-430E-B926-BC3E0A898030}" destId="{228970AD-4D95-42F2-B737-33364C2CB3CE}" srcOrd="0" destOrd="0" presId="urn:microsoft.com/office/officeart/2005/8/layout/hList1"/>
+    <dgm:cxn modelId="{DC928E36-9234-469C-BF20-3D07CD1B731D}" srcId="{A583D8F7-0B58-43A8-AE34-32594DE1738D}" destId="{980F8CCE-337E-4705-A19C-5ED4DD4EA2D8}" srcOrd="3" destOrd="0" parTransId="{C0F1A191-7679-4D0E-A111-7CCBED6FD481}" sibTransId="{8A764E1A-C3F6-47F3-B72F-E822D7DF8B0F}"/>
     <dgm:cxn modelId="{DA4D6D38-E880-4C43-9126-2A194B61F09B}" srcId="{D34A97D6-7F64-43FE-9E71-292031C611FD}" destId="{EDE1371B-F13F-4A60-9C71-C9674634C493}" srcOrd="1" destOrd="0" parTransId="{25A610CF-D9CB-4D37-AD14-9FD3C5DEBB12}" sibTransId="{094E6D5F-5E37-4822-A6C2-7E7C4E8BFEE2}"/>
+    <dgm:cxn modelId="{E308933C-22B1-4821-B011-2621F01A21D0}" type="presOf" srcId="{764035C1-797D-4E37-9DB3-D36F689A6465}" destId="{C955C6EC-4763-4437-8A81-DCCD7447E9E0}" srcOrd="0" destOrd="4" presId="urn:microsoft.com/office/officeart/2005/8/layout/hList1"/>
     <dgm:cxn modelId="{0C797F5E-1C7F-470F-A479-95129B6C1AF1}" type="presOf" srcId="{01B79AF0-D00A-4481-ABCC-79C23BE0D981}" destId="{01534658-91BB-4C44-9424-637822D3A9D0}" srcOrd="0" destOrd="0" presId="urn:microsoft.com/office/officeart/2005/8/layout/hList1"/>
     <dgm:cxn modelId="{13269C61-9F1B-42C4-A1CC-14B4ACA7AC77}" srcId="{D34A97D6-7F64-43FE-9E71-292031C611FD}" destId="{E751CBEA-6A28-4628-AEF9-A836469D1860}" srcOrd="0" destOrd="0" parTransId="{0FA1799D-D4E3-44F7-9EF0-50A0558ED64B}" sibTransId="{2877FB4F-9657-4ADC-8421-F8BED486559E}"/>
     <dgm:cxn modelId="{33FF2463-0D15-48BD-97C1-5AAE8DD4B704}" srcId="{D34A97D6-7F64-43FE-9E71-292031C611FD}" destId="{245DE14A-D8DF-4249-9DE9-C2673C2D8436}" srcOrd="3" destOrd="0" parTransId="{78C1E7EC-51D9-4B07-B8C5-9982383BC9BC}" sibTransId="{C27118E3-D343-4642-93AC-0832E5B5F8F8}"/>
     <dgm:cxn modelId="{F1674269-886A-48EB-88FC-D08005B5EF83}" type="presOf" srcId="{31DF8B81-89DE-4067-8DCB-2E730ECA86DF}" destId="{4712BD07-C9A8-4BD1-BC67-16B85061F7C6}" srcOrd="0" destOrd="1" presId="urn:microsoft.com/office/officeart/2005/8/layout/hList1"/>
+    <dgm:cxn modelId="{5A09D06D-CA0E-4982-B4A4-7A24889386FB}" type="presOf" srcId="{7BB60CEB-A95D-49A0-AD38-420DC784DCA3}" destId="{C955C6EC-4763-4437-8A81-DCCD7447E9E0}" srcOrd="0" destOrd="2" presId="urn:microsoft.com/office/officeart/2005/8/layout/hList1"/>
+    <dgm:cxn modelId="{B131466E-66BD-4E2F-9D7E-B69CC3A00733}" type="presOf" srcId="{4DE436A9-83E0-4E97-94D3-A7A23D470661}" destId="{C955C6EC-4763-4437-8A81-DCCD7447E9E0}" srcOrd="0" destOrd="0" presId="urn:microsoft.com/office/officeart/2005/8/layout/hList1"/>
     <dgm:cxn modelId="{0A128856-3C02-4604-B053-611008DE508A}" srcId="{D34A97D6-7F64-43FE-9E71-292031C611FD}" destId="{61E6867C-D57D-4FA9-AD02-151D6C921832}" srcOrd="2" destOrd="0" parTransId="{1B3145D2-428D-4FA1-B06C-2E804BA79C17}" sibTransId="{2CEDF928-8683-4477-BCFD-E50333B49F27}"/>
+    <dgm:cxn modelId="{F1AD6D7C-2648-41D7-9565-58BA7609FA1B}" srcId="{4DE436A9-83E0-4E97-94D3-A7A23D470661}" destId="{828FC82D-8B9E-448B-88E5-E524814587C2}" srcOrd="2" destOrd="0" parTransId="{605A9D2F-A78F-40A7-BF17-1871176A7BE2}" sibTransId="{F8A67F21-E7FC-4D36-9D82-50BE578D3B50}"/>
     <dgm:cxn modelId="{7081F07C-0351-4DE5-AA4F-5F4C5E4EB825}" type="presOf" srcId="{245DE14A-D8DF-4249-9DE9-C2673C2D8436}" destId="{BACEBB25-2A32-4633-A8AA-43030F652DE8}" srcOrd="0" destOrd="3" presId="urn:microsoft.com/office/officeart/2005/8/layout/hList1"/>
     <dgm:cxn modelId="{1521237E-0C0D-4101-AB54-2D5AC59E7969}" type="presOf" srcId="{A583D8F7-0B58-43A8-AE34-32594DE1738D}" destId="{1DC10AE1-4929-4B55-A688-C70A646FA12F}" srcOrd="0" destOrd="0" presId="urn:microsoft.com/office/officeart/2005/8/layout/hList1"/>
     <dgm:cxn modelId="{1602307F-F5CE-4EE3-8C0D-CCE3B0BF6B85}" type="presOf" srcId="{EDE1371B-F13F-4A60-9C71-C9674634C493}" destId="{BACEBB25-2A32-4633-A8AA-43030F652DE8}" srcOrd="0" destOrd="1" presId="urn:microsoft.com/office/officeart/2005/8/layout/hList1"/>
+    <dgm:cxn modelId="{F2450089-35B6-4C59-98E4-11205DAF2D35}" srcId="{4DE436A9-83E0-4E97-94D3-A7A23D470661}" destId="{7BB60CEB-A95D-49A0-AD38-420DC784DCA3}" srcOrd="1" destOrd="0" parTransId="{995CD675-79FD-47C2-B432-CF5030025CEA}" sibTransId="{D50CDC4E-9969-43E8-918A-FB36C15A8F77}"/>
     <dgm:cxn modelId="{2478958D-4ED5-41C7-A7EC-CF4141C98EF9}" srcId="{01B79AF0-D00A-4481-ABCC-79C23BE0D981}" destId="{9B106930-F9A0-4ACD-94B0-354CD1332042}" srcOrd="4" destOrd="0" parTransId="{BA70B5A5-EAF6-48E2-86F6-2C4A920D5101}" sibTransId="{2667EBCA-636F-47C1-AD35-7BF51507062A}"/>
     <dgm:cxn modelId="{0C8EC091-5D95-41A4-8DC2-33232EC0373B}" srcId="{74EA25D4-C666-430E-B926-BC3E0A898030}" destId="{31DF8B81-89DE-4067-8DCB-2E730ECA86DF}" srcOrd="1" destOrd="0" parTransId="{662DCB60-3B82-4FFE-A5B4-BC89BE80ECA3}" sibTransId="{D954A0D9-450C-469C-AF55-29F51DDD5128}"/>
+    <dgm:cxn modelId="{01205396-4586-4514-8DC8-38890847DA28}" srcId="{980F8CCE-337E-4705-A19C-5ED4DD4EA2D8}" destId="{4DE436A9-83E0-4E97-94D3-A7A23D470661}" srcOrd="0" destOrd="0" parTransId="{C3CE518E-68F8-4825-9AA4-0AFE0BB3E644}" sibTransId="{21FED047-F0D8-4E0B-8699-332F4868562E}"/>
     <dgm:cxn modelId="{580742A4-3137-4180-B3F3-FA045BF44957}" type="presOf" srcId="{6F1981E5-7B90-4815-8E6C-BF76A61A82B2}" destId="{5C57C7EB-478D-4F11-B65D-9016B386C608}" srcOrd="0" destOrd="2" presId="urn:microsoft.com/office/officeart/2005/8/layout/hList1"/>
     <dgm:cxn modelId="{19A3B6A4-702D-4113-814B-C7071F372D14}" srcId="{01B79AF0-D00A-4481-ABCC-79C23BE0D981}" destId="{6F1981E5-7B90-4815-8E6C-BF76A61A82B2}" srcOrd="2" destOrd="0" parTransId="{87B2FC2E-2E60-40C3-9AAF-406CCAE2343C}" sibTransId="{89AF6B90-77B0-4D3A-9A44-7397E4D3247F}"/>
+    <dgm:cxn modelId="{466F98A8-C841-4450-A735-F026ACA76FC0}" srcId="{4DE436A9-83E0-4E97-94D3-A7A23D470661}" destId="{77EDED24-91FB-4304-9F78-BB9483F31D18}" srcOrd="0" destOrd="0" parTransId="{52456935-B8CA-463F-8CA9-8FA80E633B7F}" sibTransId="{8BCD6EF8-A1A2-4BAB-A176-A4655DE3B030}"/>
     <dgm:cxn modelId="{088707AA-6FB9-4E82-9DAA-6C6EFEA52DF5}" srcId="{74EA25D4-C666-430E-B926-BC3E0A898030}" destId="{CCA12CF6-7908-4C4A-965E-EC2EF51D4C2F}" srcOrd="2" destOrd="0" parTransId="{9B7EE822-1EF4-4903-873D-D3C4DEFB1AFE}" sibTransId="{811ADBE4-0AF4-4688-8DB2-9E9770203515}"/>
     <dgm:cxn modelId="{1E6162AA-C1ED-461B-A597-010485464D3D}" type="presOf" srcId="{61E6867C-D57D-4FA9-AD02-151D6C921832}" destId="{BACEBB25-2A32-4633-A8AA-43030F652DE8}" srcOrd="0" destOrd="2" presId="urn:microsoft.com/office/officeart/2005/8/layout/hList1"/>
+    <dgm:cxn modelId="{168EB7B2-E346-40AC-81C6-42E67C97FFEA}" type="presOf" srcId="{980F8CCE-337E-4705-A19C-5ED4DD4EA2D8}" destId="{B110EE6C-C081-460E-9EB5-A4A219535E14}" srcOrd="0" destOrd="0" presId="urn:microsoft.com/office/officeart/2005/8/layout/hList1"/>
     <dgm:cxn modelId="{BC0227BA-064E-4EDC-AD21-E6C366D45ABC}" srcId="{01B79AF0-D00A-4481-ABCC-79C23BE0D981}" destId="{2CD701B0-71C1-4D71-95C4-995D1C9DF881}" srcOrd="0" destOrd="0" parTransId="{3F0229C3-B135-41E0-9224-B7C186F1C3E3}" sibTransId="{EC10A725-9EE8-4060-B39F-2179338B7D1D}"/>
+    <dgm:cxn modelId="{AB5A5BC2-82F5-4727-812C-830BCCF5F22A}" srcId="{980F8CCE-337E-4705-A19C-5ED4DD4EA2D8}" destId="{764035C1-797D-4E37-9DB3-D36F689A6465}" srcOrd="1" destOrd="0" parTransId="{BC33FE86-1D62-4EB4-913A-5CCBD6E3277F}" sibTransId="{9E25982E-A6BF-4FC5-92B3-D31942FA9259}"/>
     <dgm:cxn modelId="{0E249FD3-059E-4478-9409-141F9D7F9E7E}" srcId="{A583D8F7-0B58-43A8-AE34-32594DE1738D}" destId="{74EA25D4-C666-430E-B926-BC3E0A898030}" srcOrd="2" destOrd="0" parTransId="{11335F3B-32C2-4D5B-8FAA-0554439FBEBD}" sibTransId="{9998D001-06E5-4323-9A95-FF39D5528DEE}"/>
     <dgm:cxn modelId="{450551D4-3D17-4750-A91B-523CE93837B9}" srcId="{74EA25D4-C666-430E-B926-BC3E0A898030}" destId="{2707F35C-DC5B-4282-A2F4-CBE82FD923AA}" srcOrd="0" destOrd="0" parTransId="{A3E77A82-9321-40D7-B79F-2EA2E6B6A06B}" sibTransId="{57276838-1112-4D51-9573-EE3033637F26}"/>
     <dgm:cxn modelId="{6B3BF5DA-A6A6-4B18-B7D5-419100712960}" type="presOf" srcId="{CCA12CF6-7908-4C4A-965E-EC2EF51D4C2F}" destId="{4712BD07-C9A8-4BD1-BC67-16B85061F7C6}" srcOrd="0" destOrd="2" presId="urn:microsoft.com/office/officeart/2005/8/layout/hList1"/>
@@ -4232,6 +4620,10 @@
     <dgm:cxn modelId="{67B8133B-457A-44A2-93B5-D1131F3FEC30}" type="presParOf" srcId="{1DC10AE1-4929-4B55-A688-C70A646FA12F}" destId="{EF4FFBCE-CD71-4DD0-9BE9-E789E139D903}" srcOrd="4" destOrd="0" presId="urn:microsoft.com/office/officeart/2005/8/layout/hList1"/>
     <dgm:cxn modelId="{8D7ADB92-B737-401F-86B5-1A19681E384D}" type="presParOf" srcId="{EF4FFBCE-CD71-4DD0-9BE9-E789E139D903}" destId="{228970AD-4D95-42F2-B737-33364C2CB3CE}" srcOrd="0" destOrd="0" presId="urn:microsoft.com/office/officeart/2005/8/layout/hList1"/>
     <dgm:cxn modelId="{80F522C1-17EC-4B1B-9725-01D17D9286D3}" type="presParOf" srcId="{EF4FFBCE-CD71-4DD0-9BE9-E789E139D903}" destId="{4712BD07-C9A8-4BD1-BC67-16B85061F7C6}" srcOrd="1" destOrd="0" presId="urn:microsoft.com/office/officeart/2005/8/layout/hList1"/>
+    <dgm:cxn modelId="{2C4D4AC5-CCB7-4912-AF0B-1CA10D5A6D32}" type="presParOf" srcId="{1DC10AE1-4929-4B55-A688-C70A646FA12F}" destId="{5C0185F6-8BC2-49DB-80FA-7E10298A7336}" srcOrd="5" destOrd="0" presId="urn:microsoft.com/office/officeart/2005/8/layout/hList1"/>
+    <dgm:cxn modelId="{895133B6-BA48-4822-9790-363D77EC2DC7}" type="presParOf" srcId="{1DC10AE1-4929-4B55-A688-C70A646FA12F}" destId="{A5AD8769-1CE8-41B5-B5CC-B14A3CAED050}" srcOrd="6" destOrd="0" presId="urn:microsoft.com/office/officeart/2005/8/layout/hList1"/>
+    <dgm:cxn modelId="{56E31D3D-789E-421A-B9D3-E9597F977D8D}" type="presParOf" srcId="{A5AD8769-1CE8-41B5-B5CC-B14A3CAED050}" destId="{B110EE6C-C081-460E-9EB5-A4A219535E14}" srcOrd="0" destOrd="0" presId="urn:microsoft.com/office/officeart/2005/8/layout/hList1"/>
+    <dgm:cxn modelId="{35830651-CC97-4A6C-B108-6B3B39D4791F}" type="presParOf" srcId="{A5AD8769-1CE8-41B5-B5CC-B14A3CAED050}" destId="{C955C6EC-4763-4437-8A81-DCCD7447E9E0}" srcOrd="1" destOrd="0" presId="urn:microsoft.com/office/officeart/2005/8/layout/hList1"/>
   </dgm:cxnLst>
   <dgm:bg/>
   <dgm:whole/>
@@ -4243,11 +4635,11 @@
 </dgm:dataModel>
 </file>
 
-<file path=ppt/diagrams/data5.xml><?xml version="1.0" encoding="utf-8"?>
+<file path=ppt/diagrams/data4.xml><?xml version="1.0" encoding="utf-8"?>
 <dgm:dataModel xmlns:dgm="http://schemas.openxmlformats.org/drawingml/2006/diagram" xmlns:a="http://schemas.openxmlformats.org/drawingml/2006/main">
   <dgm:ptLst>
     <dgm:pt modelId="{A583D8F7-0B58-43A8-AE34-32594DE1738D}" type="doc">
-      <dgm:prSet loTypeId="urn:microsoft.com/office/officeart/2005/8/layout/hList1" loCatId="list" qsTypeId="urn:microsoft.com/office/officeart/2005/8/quickstyle/simple4" qsCatId="simple" csTypeId="urn:microsoft.com/office/officeart/2005/8/colors/colorful2" csCatId="colorful" phldr="1"/>
+      <dgm:prSet loTypeId="urn:microsoft.com/office/officeart/2005/8/layout/hList1" loCatId="list" qsTypeId="urn:microsoft.com/office/officeart/2005/8/quickstyle/simple4" qsCatId="simple" csTypeId="urn:microsoft.com/office/officeart/2005/8/colors/colorful1" csCatId="colorful" phldr="1"/>
       <dgm:spPr/>
       <dgm:t>
         <a:bodyPr/>
@@ -4487,7 +4879,7 @@
         <a:blipFill>
           <a:blip xmlns:r="http://schemas.openxmlformats.org/officeDocument/2006/relationships" r:embed="rId1"/>
           <a:stretch>
-            <a:fillRect l="-1518" t="-357" r="-759"/>
+            <a:fillRect l="-1790" r="-767"/>
           </a:stretch>
         </a:blipFill>
       </dgm:spPr>
@@ -4532,7 +4924,7 @@
         <a:blipFill>
           <a:blip xmlns:r="http://schemas.openxmlformats.org/officeDocument/2006/relationships" r:embed="rId2"/>
           <a:stretch>
-            <a:fillRect l="-1518" t="-357"/>
+            <a:fillRect l="-1535" r="-1535"/>
           </a:stretch>
         </a:blipFill>
       </dgm:spPr>
@@ -4837,6 +5229,219 @@
         </a:p>
       </dgm:t>
     </dgm:pt>
+    <dgm:pt modelId="{980F8CCE-337E-4705-A19C-5ED4DD4EA2D8}">
+      <dgm:prSet/>
+      <dgm:spPr/>
+      <dgm:t>
+        <a:bodyPr/>
+        <a:lstStyle/>
+        <a:p>
+          <a:r>
+            <a:rPr lang="en-US" b="1" dirty="0"/>
+            <a:t>Compressing Tables</a:t>
+          </a:r>
+        </a:p>
+      </dgm:t>
+    </dgm:pt>
+    <dgm:pt modelId="{C0F1A191-7679-4D0E-A111-7CCBED6FD481}" type="parTrans" cxnId="{DC928E36-9234-469C-BF20-3D07CD1B731D}">
+      <dgm:prSet/>
+      <dgm:spPr/>
+      <dgm:t>
+        <a:bodyPr/>
+        <a:lstStyle/>
+        <a:p>
+          <a:endParaRPr lang="en-US"/>
+        </a:p>
+      </dgm:t>
+    </dgm:pt>
+    <dgm:pt modelId="{8A764E1A-C3F6-47F3-B72F-E822D7DF8B0F}" type="sibTrans" cxnId="{DC928E36-9234-469C-BF20-3D07CD1B731D}">
+      <dgm:prSet/>
+      <dgm:spPr/>
+      <dgm:t>
+        <a:bodyPr/>
+        <a:lstStyle/>
+        <a:p>
+          <a:endParaRPr lang="en-US"/>
+        </a:p>
+      </dgm:t>
+    </dgm:pt>
+    <dgm:pt modelId="{4DE436A9-83E0-4E97-94D3-A7A23D470661}">
+      <dgm:prSet/>
+      <dgm:spPr/>
+      <dgm:t>
+        <a:bodyPr/>
+        <a:lstStyle/>
+        <a:p>
+          <a:r>
+            <a:rPr lang="en-US" dirty="0"/>
+            <a:t>Neural networks can be used as a compact representation of tables that do not fit in memory. E.g.,</a:t>
+          </a:r>
+        </a:p>
+      </dgm:t>
+    </dgm:pt>
+    <dgm:pt modelId="{C3CE518E-68F8-4825-9AA4-0AFE0BB3E644}" type="parTrans" cxnId="{01205396-4586-4514-8DC8-38890847DA28}">
+      <dgm:prSet/>
+      <dgm:spPr/>
+      <dgm:t>
+        <a:bodyPr/>
+        <a:lstStyle/>
+        <a:p>
+          <a:endParaRPr lang="en-US"/>
+        </a:p>
+      </dgm:t>
+    </dgm:pt>
+    <dgm:pt modelId="{21FED047-F0D8-4E0B-8699-332F4868562E}" type="sibTrans" cxnId="{01205396-4586-4514-8DC8-38890847DA28}">
+      <dgm:prSet/>
+      <dgm:spPr/>
+      <dgm:t>
+        <a:bodyPr/>
+        <a:lstStyle/>
+        <a:p>
+          <a:endParaRPr lang="en-US"/>
+        </a:p>
+      </dgm:t>
+    </dgm:pt>
+    <dgm:pt modelId="{77EDED24-91FB-4304-9F78-BB9483F31D18}">
+      <dgm:prSet/>
+      <dgm:spPr/>
+      <dgm:t>
+        <a:bodyPr/>
+        <a:lstStyle/>
+        <a:p>
+          <a:r>
+            <a:rPr lang="en-US" dirty="0"/>
+            <a:t>Joint probability table</a:t>
+          </a:r>
+        </a:p>
+      </dgm:t>
+    </dgm:pt>
+    <dgm:pt modelId="{52456935-B8CA-463F-8CA9-8FA80E633B7F}" type="parTrans" cxnId="{466F98A8-C841-4450-A735-F026ACA76FC0}">
+      <dgm:prSet/>
+      <dgm:spPr/>
+      <dgm:t>
+        <a:bodyPr/>
+        <a:lstStyle/>
+        <a:p>
+          <a:endParaRPr lang="en-US"/>
+        </a:p>
+      </dgm:t>
+    </dgm:pt>
+    <dgm:pt modelId="{8BCD6EF8-A1A2-4BAB-A176-A4655DE3B030}" type="sibTrans" cxnId="{466F98A8-C841-4450-A735-F026ACA76FC0}">
+      <dgm:prSet/>
+      <dgm:spPr/>
+      <dgm:t>
+        <a:bodyPr/>
+        <a:lstStyle/>
+        <a:p>
+          <a:endParaRPr lang="en-US"/>
+        </a:p>
+      </dgm:t>
+    </dgm:pt>
+    <dgm:pt modelId="{7BB60CEB-A95D-49A0-AD38-420DC784DCA3}">
+      <dgm:prSet/>
+      <dgm:spPr/>
+      <dgm:t>
+        <a:bodyPr/>
+        <a:lstStyle/>
+        <a:p>
+          <a:r>
+            <a:rPr lang="en-US" dirty="0"/>
+            <a:t>State utility table</a:t>
+          </a:r>
+        </a:p>
+      </dgm:t>
+    </dgm:pt>
+    <dgm:pt modelId="{995CD675-79FD-47C2-B432-CF5030025CEA}" type="parTrans" cxnId="{F2450089-35B6-4C59-98E4-11205DAF2D35}">
+      <dgm:prSet/>
+      <dgm:spPr/>
+      <dgm:t>
+        <a:bodyPr/>
+        <a:lstStyle/>
+        <a:p>
+          <a:endParaRPr lang="en-US"/>
+        </a:p>
+      </dgm:t>
+    </dgm:pt>
+    <dgm:pt modelId="{D50CDC4E-9969-43E8-918A-FB36C15A8F77}" type="sibTrans" cxnId="{F2450089-35B6-4C59-98E4-11205DAF2D35}">
+      <dgm:prSet/>
+      <dgm:spPr/>
+      <dgm:t>
+        <a:bodyPr/>
+        <a:lstStyle/>
+        <a:p>
+          <a:endParaRPr lang="en-US"/>
+        </a:p>
+      </dgm:t>
+    </dgm:pt>
+    <dgm:pt modelId="{764035C1-797D-4E37-9DB3-D36F689A6465}">
+      <dgm:prSet/>
+      <dgm:spPr/>
+      <dgm:t>
+        <a:bodyPr/>
+        <a:lstStyle/>
+        <a:p>
+          <a:r>
+            <a:rPr lang="en-US" dirty="0"/>
+            <a:t>The tables can be learned form data.</a:t>
+          </a:r>
+        </a:p>
+      </dgm:t>
+    </dgm:pt>
+    <dgm:pt modelId="{BC33FE86-1D62-4EB4-913A-5CCBD6E3277F}" type="parTrans" cxnId="{AB5A5BC2-82F5-4727-812C-830BCCF5F22A}">
+      <dgm:prSet/>
+      <dgm:spPr/>
+      <dgm:t>
+        <a:bodyPr/>
+        <a:lstStyle/>
+        <a:p>
+          <a:endParaRPr lang="en-US"/>
+        </a:p>
+      </dgm:t>
+    </dgm:pt>
+    <dgm:pt modelId="{9E25982E-A6BF-4FC5-92B3-D31942FA9259}" type="sibTrans" cxnId="{AB5A5BC2-82F5-4727-812C-830BCCF5F22A}">
+      <dgm:prSet/>
+      <dgm:spPr/>
+      <dgm:t>
+        <a:bodyPr/>
+        <a:lstStyle/>
+        <a:p>
+          <a:endParaRPr lang="en-US"/>
+        </a:p>
+      </dgm:t>
+    </dgm:pt>
+    <dgm:pt modelId="{828FC82D-8B9E-448B-88E5-E524814587C2}">
+      <dgm:prSet/>
+      <dgm:spPr/>
+      <dgm:t>
+        <a:bodyPr/>
+        <a:lstStyle/>
+        <a:p>
+          <a:endParaRPr lang="en-US" dirty="0"/>
+        </a:p>
+      </dgm:t>
+    </dgm:pt>
+    <dgm:pt modelId="{605A9D2F-A78F-40A7-BF17-1871176A7BE2}" type="parTrans" cxnId="{F1AD6D7C-2648-41D7-9565-58BA7609FA1B}">
+      <dgm:prSet/>
+      <dgm:spPr/>
+      <dgm:t>
+        <a:bodyPr/>
+        <a:lstStyle/>
+        <a:p>
+          <a:endParaRPr lang="en-US"/>
+        </a:p>
+      </dgm:t>
+    </dgm:pt>
+    <dgm:pt modelId="{F8A67F21-E7FC-4D36-9D82-50BE578D3B50}" type="sibTrans" cxnId="{F1AD6D7C-2648-41D7-9565-58BA7609FA1B}">
+      <dgm:prSet/>
+      <dgm:spPr/>
+      <dgm:t>
+        <a:bodyPr/>
+        <a:lstStyle/>
+        <a:p>
+          <a:endParaRPr lang="en-US"/>
+        </a:p>
+      </dgm:t>
+    </dgm:pt>
     <dgm:pt modelId="{1DC10AE1-4929-4B55-A688-C70A646FA12F}" type="pres">
       <dgm:prSet presAssocID="{A583D8F7-0B58-43A8-AE34-32594DE1738D}" presName="Name0" presStyleCnt="0">
         <dgm:presLayoutVars>
@@ -4852,7 +5457,7 @@
       <dgm:spPr/>
     </dgm:pt>
     <dgm:pt modelId="{BF71F41E-FDAD-4835-B53A-D7D076DE9B55}" type="pres">
-      <dgm:prSet presAssocID="{D34A97D6-7F64-43FE-9E71-292031C611FD}" presName="parTx" presStyleLbl="alignNode1" presStyleIdx="0" presStyleCnt="3">
+      <dgm:prSet presAssocID="{D34A97D6-7F64-43FE-9E71-292031C611FD}" presName="parTx" presStyleLbl="alignNode1" presStyleIdx="0" presStyleCnt="4">
         <dgm:presLayoutVars>
           <dgm:chMax val="0"/>
           <dgm:chPref val="0"/>
@@ -4862,7 +5467,7 @@
       <dgm:spPr/>
     </dgm:pt>
     <dgm:pt modelId="{BACEBB25-2A32-4633-A8AA-43030F652DE8}" type="pres">
-      <dgm:prSet presAssocID="{D34A97D6-7F64-43FE-9E71-292031C611FD}" presName="desTx" presStyleLbl="alignAccFollowNode1" presStyleIdx="0" presStyleCnt="3">
+      <dgm:prSet presAssocID="{D34A97D6-7F64-43FE-9E71-292031C611FD}" presName="desTx" presStyleLbl="alignAccFollowNode1" presStyleIdx="0" presStyleCnt="4">
         <dgm:presLayoutVars>
           <dgm:bulletEnabled val="1"/>
         </dgm:presLayoutVars>
@@ -4878,7 +5483,7 @@
       <dgm:spPr/>
     </dgm:pt>
     <dgm:pt modelId="{01534658-91BB-4C44-9424-637822D3A9D0}" type="pres">
-      <dgm:prSet presAssocID="{01B79AF0-D00A-4481-ABCC-79C23BE0D981}" presName="parTx" presStyleLbl="alignNode1" presStyleIdx="1" presStyleCnt="3">
+      <dgm:prSet presAssocID="{01B79AF0-D00A-4481-ABCC-79C23BE0D981}" presName="parTx" presStyleLbl="alignNode1" presStyleIdx="1" presStyleCnt="4">
         <dgm:presLayoutVars>
           <dgm:chMax val="0"/>
           <dgm:chPref val="0"/>
@@ -4888,7 +5493,7 @@
       <dgm:spPr/>
     </dgm:pt>
     <dgm:pt modelId="{5C57C7EB-478D-4F11-B65D-9016B386C608}" type="pres">
-      <dgm:prSet presAssocID="{01B79AF0-D00A-4481-ABCC-79C23BE0D981}" presName="desTx" presStyleLbl="alignAccFollowNode1" presStyleIdx="1" presStyleCnt="3">
+      <dgm:prSet presAssocID="{01B79AF0-D00A-4481-ABCC-79C23BE0D981}" presName="desTx" presStyleLbl="alignAccFollowNode1" presStyleIdx="1" presStyleCnt="4">
         <dgm:presLayoutVars>
           <dgm:bulletEnabled val="1"/>
         </dgm:presLayoutVars>
@@ -4904,7 +5509,7 @@
       <dgm:spPr/>
     </dgm:pt>
     <dgm:pt modelId="{228970AD-4D95-42F2-B737-33364C2CB3CE}" type="pres">
-      <dgm:prSet presAssocID="{74EA25D4-C666-430E-B926-BC3E0A898030}" presName="parTx" presStyleLbl="alignNode1" presStyleIdx="2" presStyleCnt="3">
+      <dgm:prSet presAssocID="{74EA25D4-C666-430E-B926-BC3E0A898030}" presName="parTx" presStyleLbl="alignNode1" presStyleIdx="2" presStyleCnt="4">
         <dgm:presLayoutVars>
           <dgm:chMax val="0"/>
           <dgm:chPref val="0"/>
@@ -4914,7 +5519,33 @@
       <dgm:spPr/>
     </dgm:pt>
     <dgm:pt modelId="{4712BD07-C9A8-4BD1-BC67-16B85061F7C6}" type="pres">
-      <dgm:prSet presAssocID="{74EA25D4-C666-430E-B926-BC3E0A898030}" presName="desTx" presStyleLbl="alignAccFollowNode1" presStyleIdx="2" presStyleCnt="3">
+      <dgm:prSet presAssocID="{74EA25D4-C666-430E-B926-BC3E0A898030}" presName="desTx" presStyleLbl="alignAccFollowNode1" presStyleIdx="2" presStyleCnt="4">
+        <dgm:presLayoutVars>
+          <dgm:bulletEnabled val="1"/>
+        </dgm:presLayoutVars>
+      </dgm:prSet>
+      <dgm:spPr/>
+    </dgm:pt>
+    <dgm:pt modelId="{5C0185F6-8BC2-49DB-80FA-7E10298A7336}" type="pres">
+      <dgm:prSet presAssocID="{9998D001-06E5-4323-9A95-FF39D5528DEE}" presName="space" presStyleCnt="0"/>
+      <dgm:spPr/>
+    </dgm:pt>
+    <dgm:pt modelId="{A5AD8769-1CE8-41B5-B5CC-B14A3CAED050}" type="pres">
+      <dgm:prSet presAssocID="{980F8CCE-337E-4705-A19C-5ED4DD4EA2D8}" presName="composite" presStyleCnt="0"/>
+      <dgm:spPr/>
+    </dgm:pt>
+    <dgm:pt modelId="{B110EE6C-C081-460E-9EB5-A4A219535E14}" type="pres">
+      <dgm:prSet presAssocID="{980F8CCE-337E-4705-A19C-5ED4DD4EA2D8}" presName="parTx" presStyleLbl="alignNode1" presStyleIdx="3" presStyleCnt="4">
+        <dgm:presLayoutVars>
+          <dgm:chMax val="0"/>
+          <dgm:chPref val="0"/>
+          <dgm:bulletEnabled val="1"/>
+        </dgm:presLayoutVars>
+      </dgm:prSet>
+      <dgm:spPr/>
+    </dgm:pt>
+    <dgm:pt modelId="{C955C6EC-4763-4437-8A81-DCCD7447E9E0}" type="pres">
+      <dgm:prSet presAssocID="{980F8CCE-337E-4705-A19C-5ED4DD4EA2D8}" presName="desTx" presStyleLbl="alignAccFollowNode1" presStyleIdx="3" presStyleCnt="4">
         <dgm:presLayoutVars>
           <dgm:bulletEnabled val="1"/>
         </dgm:presLayoutVars>
@@ -4925,24 +5556,36 @@
   <dgm:cxnLst>
     <dgm:cxn modelId="{F8CDE900-66E2-43D8-9B26-F46263F82DC3}" srcId="{A583D8F7-0B58-43A8-AE34-32594DE1738D}" destId="{D34A97D6-7F64-43FE-9E71-292031C611FD}" srcOrd="0" destOrd="0" parTransId="{473821D3-ED3B-4654-AD09-B5F3478C5F12}" sibTransId="{5F5526E9-ADF1-4E64-835D-D75224265BC3}"/>
     <dgm:cxn modelId="{53A53D03-80E1-48CA-A30D-146DC7F8FDED}" type="presOf" srcId="{043CC71B-7C00-494D-A263-6E5A70EBDA9B}" destId="{5C57C7EB-478D-4F11-B65D-9016B386C608}" srcOrd="0" destOrd="1" presId="urn:microsoft.com/office/officeart/2005/8/layout/hList1"/>
+    <dgm:cxn modelId="{8B764E0F-3B97-4AE2-B9CE-0668427E680A}" type="presOf" srcId="{828FC82D-8B9E-448B-88E5-E524814587C2}" destId="{C955C6EC-4763-4437-8A81-DCCD7447E9E0}" srcOrd="0" destOrd="3" presId="urn:microsoft.com/office/officeart/2005/8/layout/hList1"/>
+    <dgm:cxn modelId="{8679871C-A3E4-4FE6-9B09-530207A9F274}" type="presOf" srcId="{77EDED24-91FB-4304-9F78-BB9483F31D18}" destId="{C955C6EC-4763-4437-8A81-DCCD7447E9E0}" srcOrd="0" destOrd="1" presId="urn:microsoft.com/office/officeart/2005/8/layout/hList1"/>
     <dgm:cxn modelId="{5ECB7F28-792A-42B7-9375-F2151D7E58A0}" type="presOf" srcId="{3F80C23F-E2DE-4C99-9A06-83F8F9D715DA}" destId="{5C57C7EB-478D-4F11-B65D-9016B386C608}" srcOrd="0" destOrd="3" presId="urn:microsoft.com/office/officeart/2005/8/layout/hList1"/>
     <dgm:cxn modelId="{B5622D29-BD86-4B5D-AB9F-7058EC9A526D}" type="presOf" srcId="{74EA25D4-C666-430E-B926-BC3E0A898030}" destId="{228970AD-4D95-42F2-B737-33364C2CB3CE}" srcOrd="0" destOrd="0" presId="urn:microsoft.com/office/officeart/2005/8/layout/hList1"/>
+    <dgm:cxn modelId="{DC928E36-9234-469C-BF20-3D07CD1B731D}" srcId="{A583D8F7-0B58-43A8-AE34-32594DE1738D}" destId="{980F8CCE-337E-4705-A19C-5ED4DD4EA2D8}" srcOrd="3" destOrd="0" parTransId="{C0F1A191-7679-4D0E-A111-7CCBED6FD481}" sibTransId="{8A764E1A-C3F6-47F3-B72F-E822D7DF8B0F}"/>
     <dgm:cxn modelId="{DA4D6D38-E880-4C43-9126-2A194B61F09B}" srcId="{D34A97D6-7F64-43FE-9E71-292031C611FD}" destId="{EDE1371B-F13F-4A60-9C71-C9674634C493}" srcOrd="1" destOrd="0" parTransId="{25A610CF-D9CB-4D37-AD14-9FD3C5DEBB12}" sibTransId="{094E6D5F-5E37-4822-A6C2-7E7C4E8BFEE2}"/>
+    <dgm:cxn modelId="{E308933C-22B1-4821-B011-2621F01A21D0}" type="presOf" srcId="{764035C1-797D-4E37-9DB3-D36F689A6465}" destId="{C955C6EC-4763-4437-8A81-DCCD7447E9E0}" srcOrd="0" destOrd="4" presId="urn:microsoft.com/office/officeart/2005/8/layout/hList1"/>
     <dgm:cxn modelId="{0C797F5E-1C7F-470F-A479-95129B6C1AF1}" type="presOf" srcId="{01B79AF0-D00A-4481-ABCC-79C23BE0D981}" destId="{01534658-91BB-4C44-9424-637822D3A9D0}" srcOrd="0" destOrd="0" presId="urn:microsoft.com/office/officeart/2005/8/layout/hList1"/>
     <dgm:cxn modelId="{13269C61-9F1B-42C4-A1CC-14B4ACA7AC77}" srcId="{D34A97D6-7F64-43FE-9E71-292031C611FD}" destId="{E751CBEA-6A28-4628-AEF9-A836469D1860}" srcOrd="0" destOrd="0" parTransId="{0FA1799D-D4E3-44F7-9EF0-50A0558ED64B}" sibTransId="{2877FB4F-9657-4ADC-8421-F8BED486559E}"/>
     <dgm:cxn modelId="{33FF2463-0D15-48BD-97C1-5AAE8DD4B704}" srcId="{D34A97D6-7F64-43FE-9E71-292031C611FD}" destId="{245DE14A-D8DF-4249-9DE9-C2673C2D8436}" srcOrd="3" destOrd="0" parTransId="{78C1E7EC-51D9-4B07-B8C5-9982383BC9BC}" sibTransId="{C27118E3-D343-4642-93AC-0832E5B5F8F8}"/>
     <dgm:cxn modelId="{F1674269-886A-48EB-88FC-D08005B5EF83}" type="presOf" srcId="{31DF8B81-89DE-4067-8DCB-2E730ECA86DF}" destId="{4712BD07-C9A8-4BD1-BC67-16B85061F7C6}" srcOrd="0" destOrd="1" presId="urn:microsoft.com/office/officeart/2005/8/layout/hList1"/>
+    <dgm:cxn modelId="{5A09D06D-CA0E-4982-B4A4-7A24889386FB}" type="presOf" srcId="{7BB60CEB-A95D-49A0-AD38-420DC784DCA3}" destId="{C955C6EC-4763-4437-8A81-DCCD7447E9E0}" srcOrd="0" destOrd="2" presId="urn:microsoft.com/office/officeart/2005/8/layout/hList1"/>
+    <dgm:cxn modelId="{B131466E-66BD-4E2F-9D7E-B69CC3A00733}" type="presOf" srcId="{4DE436A9-83E0-4E97-94D3-A7A23D470661}" destId="{C955C6EC-4763-4437-8A81-DCCD7447E9E0}" srcOrd="0" destOrd="0" presId="urn:microsoft.com/office/officeart/2005/8/layout/hList1"/>
     <dgm:cxn modelId="{0A128856-3C02-4604-B053-611008DE508A}" srcId="{D34A97D6-7F64-43FE-9E71-292031C611FD}" destId="{61E6867C-D57D-4FA9-AD02-151D6C921832}" srcOrd="2" destOrd="0" parTransId="{1B3145D2-428D-4FA1-B06C-2E804BA79C17}" sibTransId="{2CEDF928-8683-4477-BCFD-E50333B49F27}"/>
+    <dgm:cxn modelId="{F1AD6D7C-2648-41D7-9565-58BA7609FA1B}" srcId="{4DE436A9-83E0-4E97-94D3-A7A23D470661}" destId="{828FC82D-8B9E-448B-88E5-E524814587C2}" srcOrd="2" destOrd="0" parTransId="{605A9D2F-A78F-40A7-BF17-1871176A7BE2}" sibTransId="{F8A67F21-E7FC-4D36-9D82-50BE578D3B50}"/>
     <dgm:cxn modelId="{7081F07C-0351-4DE5-AA4F-5F4C5E4EB825}" type="presOf" srcId="{245DE14A-D8DF-4249-9DE9-C2673C2D8436}" destId="{BACEBB25-2A32-4633-A8AA-43030F652DE8}" srcOrd="0" destOrd="3" presId="urn:microsoft.com/office/officeart/2005/8/layout/hList1"/>
     <dgm:cxn modelId="{1521237E-0C0D-4101-AB54-2D5AC59E7969}" type="presOf" srcId="{A583D8F7-0B58-43A8-AE34-32594DE1738D}" destId="{1DC10AE1-4929-4B55-A688-C70A646FA12F}" srcOrd="0" destOrd="0" presId="urn:microsoft.com/office/officeart/2005/8/layout/hList1"/>
     <dgm:cxn modelId="{1602307F-F5CE-4EE3-8C0D-CCE3B0BF6B85}" type="presOf" srcId="{EDE1371B-F13F-4A60-9C71-C9674634C493}" destId="{BACEBB25-2A32-4633-A8AA-43030F652DE8}" srcOrd="0" destOrd="1" presId="urn:microsoft.com/office/officeart/2005/8/layout/hList1"/>
+    <dgm:cxn modelId="{F2450089-35B6-4C59-98E4-11205DAF2D35}" srcId="{4DE436A9-83E0-4E97-94D3-A7A23D470661}" destId="{7BB60CEB-A95D-49A0-AD38-420DC784DCA3}" srcOrd="1" destOrd="0" parTransId="{995CD675-79FD-47C2-B432-CF5030025CEA}" sibTransId="{D50CDC4E-9969-43E8-918A-FB36C15A8F77}"/>
     <dgm:cxn modelId="{2478958D-4ED5-41C7-A7EC-CF4141C98EF9}" srcId="{01B79AF0-D00A-4481-ABCC-79C23BE0D981}" destId="{9B106930-F9A0-4ACD-94B0-354CD1332042}" srcOrd="4" destOrd="0" parTransId="{BA70B5A5-EAF6-48E2-86F6-2C4A920D5101}" sibTransId="{2667EBCA-636F-47C1-AD35-7BF51507062A}"/>
     <dgm:cxn modelId="{0C8EC091-5D95-41A4-8DC2-33232EC0373B}" srcId="{74EA25D4-C666-430E-B926-BC3E0A898030}" destId="{31DF8B81-89DE-4067-8DCB-2E730ECA86DF}" srcOrd="1" destOrd="0" parTransId="{662DCB60-3B82-4FFE-A5B4-BC89BE80ECA3}" sibTransId="{D954A0D9-450C-469C-AF55-29F51DDD5128}"/>
+    <dgm:cxn modelId="{01205396-4586-4514-8DC8-38890847DA28}" srcId="{980F8CCE-337E-4705-A19C-5ED4DD4EA2D8}" destId="{4DE436A9-83E0-4E97-94D3-A7A23D470661}" srcOrd="0" destOrd="0" parTransId="{C3CE518E-68F8-4825-9AA4-0AFE0BB3E644}" sibTransId="{21FED047-F0D8-4E0B-8699-332F4868562E}"/>
     <dgm:cxn modelId="{580742A4-3137-4180-B3F3-FA045BF44957}" type="presOf" srcId="{6F1981E5-7B90-4815-8E6C-BF76A61A82B2}" destId="{5C57C7EB-478D-4F11-B65D-9016B386C608}" srcOrd="0" destOrd="2" presId="urn:microsoft.com/office/officeart/2005/8/layout/hList1"/>
     <dgm:cxn modelId="{19A3B6A4-702D-4113-814B-C7071F372D14}" srcId="{01B79AF0-D00A-4481-ABCC-79C23BE0D981}" destId="{6F1981E5-7B90-4815-8E6C-BF76A61A82B2}" srcOrd="2" destOrd="0" parTransId="{87B2FC2E-2E60-40C3-9AAF-406CCAE2343C}" sibTransId="{89AF6B90-77B0-4D3A-9A44-7397E4D3247F}"/>
+    <dgm:cxn modelId="{466F98A8-C841-4450-A735-F026ACA76FC0}" srcId="{4DE436A9-83E0-4E97-94D3-A7A23D470661}" destId="{77EDED24-91FB-4304-9F78-BB9483F31D18}" srcOrd="0" destOrd="0" parTransId="{52456935-B8CA-463F-8CA9-8FA80E633B7F}" sibTransId="{8BCD6EF8-A1A2-4BAB-A176-A4655DE3B030}"/>
     <dgm:cxn modelId="{088707AA-6FB9-4E82-9DAA-6C6EFEA52DF5}" srcId="{74EA25D4-C666-430E-B926-BC3E0A898030}" destId="{CCA12CF6-7908-4C4A-965E-EC2EF51D4C2F}" srcOrd="2" destOrd="0" parTransId="{9B7EE822-1EF4-4903-873D-D3C4DEFB1AFE}" sibTransId="{811ADBE4-0AF4-4688-8DB2-9E9770203515}"/>
     <dgm:cxn modelId="{1E6162AA-C1ED-461B-A597-010485464D3D}" type="presOf" srcId="{61E6867C-D57D-4FA9-AD02-151D6C921832}" destId="{BACEBB25-2A32-4633-A8AA-43030F652DE8}" srcOrd="0" destOrd="2" presId="urn:microsoft.com/office/officeart/2005/8/layout/hList1"/>
+    <dgm:cxn modelId="{168EB7B2-E346-40AC-81C6-42E67C97FFEA}" type="presOf" srcId="{980F8CCE-337E-4705-A19C-5ED4DD4EA2D8}" destId="{B110EE6C-C081-460E-9EB5-A4A219535E14}" srcOrd="0" destOrd="0" presId="urn:microsoft.com/office/officeart/2005/8/layout/hList1"/>
     <dgm:cxn modelId="{BC0227BA-064E-4EDC-AD21-E6C366D45ABC}" srcId="{01B79AF0-D00A-4481-ABCC-79C23BE0D981}" destId="{2CD701B0-71C1-4D71-95C4-995D1C9DF881}" srcOrd="0" destOrd="0" parTransId="{3F0229C3-B135-41E0-9224-B7C186F1C3E3}" sibTransId="{EC10A725-9EE8-4060-B39F-2179338B7D1D}"/>
+    <dgm:cxn modelId="{AB5A5BC2-82F5-4727-812C-830BCCF5F22A}" srcId="{980F8CCE-337E-4705-A19C-5ED4DD4EA2D8}" destId="{764035C1-797D-4E37-9DB3-D36F689A6465}" srcOrd="1" destOrd="0" parTransId="{BC33FE86-1D62-4EB4-913A-5CCBD6E3277F}" sibTransId="{9E25982E-A6BF-4FC5-92B3-D31942FA9259}"/>
     <dgm:cxn modelId="{0E249FD3-059E-4478-9409-141F9D7F9E7E}" srcId="{A583D8F7-0B58-43A8-AE34-32594DE1738D}" destId="{74EA25D4-C666-430E-B926-BC3E0A898030}" srcOrd="2" destOrd="0" parTransId="{11335F3B-32C2-4D5B-8FAA-0554439FBEBD}" sibTransId="{9998D001-06E5-4323-9A95-FF39D5528DEE}"/>
     <dgm:cxn modelId="{450551D4-3D17-4750-A91B-523CE93837B9}" srcId="{74EA25D4-C666-430E-B926-BC3E0A898030}" destId="{2707F35C-DC5B-4282-A2F4-CBE82FD923AA}" srcOrd="0" destOrd="0" parTransId="{A3E77A82-9321-40D7-B79F-2EA2E6B6A06B}" sibTransId="{57276838-1112-4D51-9573-EE3033637F26}"/>
     <dgm:cxn modelId="{6B3BF5DA-A6A6-4B18-B7D5-419100712960}" type="presOf" srcId="{CCA12CF6-7908-4C4A-965E-EC2EF51D4C2F}" destId="{4712BD07-C9A8-4BD1-BC67-16B85061F7C6}" srcOrd="0" destOrd="2" presId="urn:microsoft.com/office/officeart/2005/8/layout/hList1"/>
@@ -4965,6 +5608,10 @@
     <dgm:cxn modelId="{67B8133B-457A-44A2-93B5-D1131F3FEC30}" type="presParOf" srcId="{1DC10AE1-4929-4B55-A688-C70A646FA12F}" destId="{EF4FFBCE-CD71-4DD0-9BE9-E789E139D903}" srcOrd="4" destOrd="0" presId="urn:microsoft.com/office/officeart/2005/8/layout/hList1"/>
     <dgm:cxn modelId="{8D7ADB92-B737-401F-86B5-1A19681E384D}" type="presParOf" srcId="{EF4FFBCE-CD71-4DD0-9BE9-E789E139D903}" destId="{228970AD-4D95-42F2-B737-33364C2CB3CE}" srcOrd="0" destOrd="0" presId="urn:microsoft.com/office/officeart/2005/8/layout/hList1"/>
     <dgm:cxn modelId="{80F522C1-17EC-4B1B-9725-01D17D9286D3}" type="presParOf" srcId="{EF4FFBCE-CD71-4DD0-9BE9-E789E139D903}" destId="{4712BD07-C9A8-4BD1-BC67-16B85061F7C6}" srcOrd="1" destOrd="0" presId="urn:microsoft.com/office/officeart/2005/8/layout/hList1"/>
+    <dgm:cxn modelId="{2C4D4AC5-CCB7-4912-AF0B-1CA10D5A6D32}" type="presParOf" srcId="{1DC10AE1-4929-4B55-A688-C70A646FA12F}" destId="{5C0185F6-8BC2-49DB-80FA-7E10298A7336}" srcOrd="5" destOrd="0" presId="urn:microsoft.com/office/officeart/2005/8/layout/hList1"/>
+    <dgm:cxn modelId="{895133B6-BA48-4822-9790-363D77EC2DC7}" type="presParOf" srcId="{1DC10AE1-4929-4B55-A688-C70A646FA12F}" destId="{A5AD8769-1CE8-41B5-B5CC-B14A3CAED050}" srcOrd="6" destOrd="0" presId="urn:microsoft.com/office/officeart/2005/8/layout/hList1"/>
+    <dgm:cxn modelId="{56E31D3D-789E-421A-B9D3-E9597F977D8D}" type="presParOf" srcId="{A5AD8769-1CE8-41B5-B5CC-B14A3CAED050}" destId="{B110EE6C-C081-460E-9EB5-A4A219535E14}" srcOrd="0" destOrd="0" presId="urn:microsoft.com/office/officeart/2005/8/layout/hList1"/>
+    <dgm:cxn modelId="{35830651-CC97-4A6C-B108-6B3B39D4791F}" type="presParOf" srcId="{A5AD8769-1CE8-41B5-B5CC-B14A3CAED050}" destId="{C955C6EC-4763-4437-8A81-DCCD7447E9E0}" srcOrd="1" destOrd="0" presId="urn:microsoft.com/office/officeart/2005/8/layout/hList1"/>
   </dgm:cxnLst>
   <dgm:bg/>
   <dgm:whole/>
@@ -5802,8 +6449,8 @@
       </dsp:nvSpPr>
       <dsp:spPr>
         <a:xfrm>
-          <a:off x="3286" y="207191"/>
-          <a:ext cx="3203971" cy="518400"/>
+          <a:off x="3953" y="123275"/>
+          <a:ext cx="2377306" cy="460800"/>
         </a:xfrm>
         <a:prstGeom prst="rect">
           <a:avLst/>
@@ -5875,12 +6522,12 @@
         </a:fontRef>
       </dsp:style>
       <dsp:txBody>
-        <a:bodyPr spcFirstLastPara="0" vert="horz" wrap="square" lIns="128016" tIns="73152" rIns="128016" bIns="73152" numCol="1" spcCol="1270" anchor="ctr" anchorCtr="0">
+        <a:bodyPr spcFirstLastPara="0" vert="horz" wrap="square" lIns="113792" tIns="65024" rIns="113792" bIns="65024" numCol="1" spcCol="1270" anchor="ctr" anchorCtr="0">
           <a:noAutofit/>
         </a:bodyPr>
         <a:lstStyle/>
         <a:p>
-          <a:pPr marL="0" lvl="0" indent="0" algn="ctr" defTabSz="800100">
+          <a:pPr marL="0" lvl="0" indent="0" algn="ctr" defTabSz="711200">
             <a:lnSpc>
               <a:spcPct val="90000"/>
             </a:lnSpc>
@@ -5893,14 +6540,14 @@
             <a:buNone/>
           </a:pPr>
           <a:r>
-            <a:rPr lang="en-US" sz="1800" b="1" kern="1200" dirty="0"/>
+            <a:rPr lang="en-US" sz="1600" b="1" kern="1200" dirty="0"/>
             <a:t>Learn Actions</a:t>
           </a:r>
         </a:p>
       </dsp:txBody>
       <dsp:txXfrm>
-        <a:off x="3286" y="207191"/>
-        <a:ext cx="3203971" cy="518400"/>
+        <a:off x="3953" y="123275"/>
+        <a:ext cx="2377306" cy="460800"/>
       </dsp:txXfrm>
     </dsp:sp>
     <dsp:sp modelId="{BACEBB25-2A32-4633-A8AA-43030F652DE8}">
@@ -5910,8 +6557,8 @@
       </dsp:nvSpPr>
       <dsp:spPr>
         <a:xfrm>
-          <a:off x="3286" y="725591"/>
-          <a:ext cx="3203971" cy="3418554"/>
+          <a:off x="3953" y="584075"/>
+          <a:ext cx="2377306" cy="3643987"/>
         </a:xfrm>
         <a:prstGeom prst="rect">
           <a:avLst/>
@@ -5955,12 +6602,12 @@
         <a:fontRef idx="minor"/>
       </dsp:style>
       <dsp:txBody>
-        <a:bodyPr spcFirstLastPara="0" vert="horz" wrap="square" lIns="96012" tIns="96012" rIns="128016" bIns="144018" numCol="1" spcCol="1270" anchor="t" anchorCtr="0">
+        <a:bodyPr spcFirstLastPara="0" vert="horz" wrap="square" lIns="85344" tIns="85344" rIns="113792" bIns="128016" numCol="1" spcCol="1270" anchor="t" anchorCtr="0">
           <a:noAutofit/>
         </a:bodyPr>
         <a:lstStyle/>
         <a:p>
-          <a:pPr marL="171450" lvl="1" indent="-171450" algn="l" defTabSz="800100">
+          <a:pPr marL="171450" lvl="1" indent="-171450" algn="l" defTabSz="711200">
             <a:lnSpc>
               <a:spcPct val="90000"/>
             </a:lnSpc>
@@ -5973,16 +6620,16 @@
             <a:buChar char="•"/>
           </a:pPr>
           <a:r>
-            <a:rPr lang="en-US" sz="1800" kern="1200" dirty="0"/>
+            <a:rPr lang="en-US" sz="1600" kern="1200" dirty="0"/>
             <a:t>Directly learn the best action from examples. </a:t>
           </a:r>
           <a:br>
-            <a:rPr lang="en-US" sz="1800" kern="1200" dirty="0"/>
+            <a:rPr lang="en-US" sz="1600" kern="1200" dirty="0"/>
           </a:br>
-          <a:endParaRPr lang="en-US" sz="1800" kern="1200" dirty="0"/>
+          <a:endParaRPr lang="en-US" sz="1600" kern="1200" dirty="0"/>
         </a:p>
         <a:p>
-          <a:pPr marL="171450" lvl="1" indent="-171450" algn="ctr" defTabSz="800100">
+          <a:pPr marL="171450" lvl="1" indent="-171450" algn="ctr" defTabSz="711200">
             <a:lnSpc>
               <a:spcPct val="90000"/>
             </a:lnSpc>
@@ -6001,37 +6648,37 @@
               </m:oMathParaPr>
               <m:oMath xmlns:m="http://schemas.openxmlformats.org/officeDocument/2006/math">
                 <m:r>
-                  <a:rPr lang="en-US" sz="1800" b="0" i="1" kern="1200" smtClean="0">
+                  <a:rPr lang="en-US" sz="1600" b="0" i="1" kern="1200" smtClean="0">
                     <a:latin typeface="Cambria Math" panose="02040503050406030204" pitchFamily="18" charset="0"/>
                   </a:rPr>
                   <m:t>𝑎𝑐𝑡𝑖𝑜𝑛</m:t>
                 </m:r>
                 <m:r>
-                  <a:rPr lang="en-US" sz="1800" b="0" i="1" kern="1200" smtClean="0">
+                  <a:rPr lang="en-US" sz="1600" b="0" i="1" kern="1200" smtClean="0">
                     <a:latin typeface="Cambria Math" panose="02040503050406030204" pitchFamily="18" charset="0"/>
                   </a:rPr>
                   <m:t>=</m:t>
                 </m:r>
                 <m:r>
-                  <a:rPr lang="en-US" sz="1800" b="0" i="1" kern="1200" smtClean="0">
+                  <a:rPr lang="en-US" sz="1600" b="0" i="1" kern="1200" smtClean="0">
                     <a:latin typeface="Cambria Math" panose="02040503050406030204" pitchFamily="18" charset="0"/>
                   </a:rPr>
                   <m:t>h</m:t>
                 </m:r>
                 <m:r>
-                  <a:rPr lang="en-US" sz="1800" b="0" i="1" kern="1200" smtClean="0">
+                  <a:rPr lang="en-US" sz="1600" b="0" i="1" kern="1200" smtClean="0">
                     <a:latin typeface="Cambria Math" panose="02040503050406030204" pitchFamily="18" charset="0"/>
                   </a:rPr>
                   <m:t>(</m:t>
                 </m:r>
                 <m:r>
-                  <a:rPr lang="en-US" sz="1800" b="0" i="1" kern="1200" smtClean="0">
+                  <a:rPr lang="en-US" sz="1600" b="0" i="1" kern="1200" smtClean="0">
                     <a:latin typeface="Cambria Math" panose="02040503050406030204" pitchFamily="18" charset="0"/>
                   </a:rPr>
                   <m:t>𝑠𝑡𝑎𝑡𝑒</m:t>
                 </m:r>
                 <m:r>
-                  <a:rPr lang="en-US" sz="1800" b="0" i="1" kern="1200" smtClean="0">
+                  <a:rPr lang="en-US" sz="1600" b="0" i="1" kern="1200" smtClean="0">
                     <a:latin typeface="Cambria Math" panose="02040503050406030204" pitchFamily="18" charset="0"/>
                   </a:rPr>
                   <m:t>)</m:t>
@@ -6039,10 +6686,10 @@
               </m:oMath>
             </m:oMathPara>
           </a14:m>
-          <a:endParaRPr lang="en-US" sz="1800" kern="1200" dirty="0"/>
+          <a:endParaRPr lang="en-US" sz="1600" kern="1200" dirty="0"/>
         </a:p>
         <a:p>
-          <a:pPr marL="171450" lvl="1" indent="-171450" algn="ctr" defTabSz="800100">
+          <a:pPr marL="171450" lvl="1" indent="-171450" algn="ctr" defTabSz="711200">
             <a:lnSpc>
               <a:spcPct val="90000"/>
             </a:lnSpc>
@@ -6054,10 +6701,10 @@
             </a:spcAft>
             <a:buNone/>
           </a:pPr>
-          <a:endParaRPr lang="en-US" sz="1800" kern="1200" dirty="0"/>
+          <a:endParaRPr lang="en-US" sz="1600" kern="1200" dirty="0"/>
         </a:p>
         <a:p>
-          <a:pPr marL="171450" lvl="1" indent="-171450" algn="l" defTabSz="800100">
+          <a:pPr marL="171450" lvl="1" indent="-171450" algn="l" defTabSz="711200">
             <a:lnSpc>
               <a:spcPct val="90000"/>
             </a:lnSpc>
@@ -6071,22 +6718,22 @@
             <a:buChar char="•"/>
           </a:pPr>
           <a:r>
-            <a:rPr lang="en-US" sz="1800" kern="1200" dirty="0"/>
+            <a:rPr lang="en-US" sz="1600" kern="1200" dirty="0"/>
             <a:t>This model can also be used as a </a:t>
           </a:r>
           <a:r>
-            <a:rPr lang="en-US" sz="1800" b="1" kern="1200" dirty="0"/>
+            <a:rPr lang="en-US" sz="1600" b="1" kern="1200" dirty="0"/>
             <a:t>playout policy </a:t>
           </a:r>
           <a:r>
-            <a:rPr lang="en-US" sz="1800" kern="1200" dirty="0"/>
+            <a:rPr lang="en-US" sz="1600" kern="1200" dirty="0"/>
             <a:t>for Monte Carlo tree search with data from self-play. </a:t>
           </a:r>
         </a:p>
       </dsp:txBody>
       <dsp:txXfrm>
-        <a:off x="3286" y="725591"/>
-        <a:ext cx="3203971" cy="3418554"/>
+        <a:off x="3953" y="584075"/>
+        <a:ext cx="2377306" cy="3643987"/>
       </dsp:txXfrm>
     </dsp:sp>
     <dsp:sp modelId="{01534658-91BB-4C44-9424-637822D3A9D0}">
@@ -6096,8 +6743,8 @@
       </dsp:nvSpPr>
       <dsp:spPr>
         <a:xfrm>
-          <a:off x="3655814" y="207191"/>
-          <a:ext cx="3203971" cy="518400"/>
+          <a:off x="2714082" y="123275"/>
+          <a:ext cx="2377306" cy="460800"/>
         </a:xfrm>
         <a:prstGeom prst="rect">
           <a:avLst/>
@@ -6105,10 +6752,10 @@
         <a:gradFill rotWithShape="0">
           <a:gsLst>
             <a:gs pos="0">
-              <a:schemeClr val="accent2">
-                <a:hueOff val="-727682"/>
-                <a:satOff val="-41964"/>
-                <a:lumOff val="4314"/>
+              <a:schemeClr val="accent3">
+                <a:hueOff val="0"/>
+                <a:satOff val="0"/>
+                <a:lumOff val="0"/>
                 <a:alphaOff val="0"/>
                 <a:satMod val="103000"/>
                 <a:lumMod val="102000"/>
@@ -6116,10 +6763,10 @@
               </a:schemeClr>
             </a:gs>
             <a:gs pos="50000">
-              <a:schemeClr val="accent2">
-                <a:hueOff val="-727682"/>
-                <a:satOff val="-41964"/>
-                <a:lumOff val="4314"/>
+              <a:schemeClr val="accent3">
+                <a:hueOff val="0"/>
+                <a:satOff val="0"/>
+                <a:lumOff val="0"/>
                 <a:alphaOff val="0"/>
                 <a:satMod val="110000"/>
                 <a:lumMod val="100000"/>
@@ -6127,10 +6774,10 @@
               </a:schemeClr>
             </a:gs>
             <a:gs pos="100000">
-              <a:schemeClr val="accent2">
-                <a:hueOff val="-727682"/>
-                <a:satOff val="-41964"/>
-                <a:lumOff val="4314"/>
+              <a:schemeClr val="accent3">
+                <a:hueOff val="0"/>
+                <a:satOff val="0"/>
+                <a:lumOff val="0"/>
                 <a:alphaOff val="0"/>
                 <a:lumMod val="99000"/>
                 <a:satMod val="120000"/>
@@ -6142,10 +6789,10 @@
         </a:gradFill>
         <a:ln w="6350" cap="flat" cmpd="sng" algn="ctr">
           <a:solidFill>
-            <a:schemeClr val="accent2">
-              <a:hueOff val="-727682"/>
-              <a:satOff val="-41964"/>
-              <a:lumOff val="4314"/>
+            <a:schemeClr val="accent3">
+              <a:hueOff val="0"/>
+              <a:satOff val="0"/>
+              <a:lumOff val="0"/>
               <a:alphaOff val="0"/>
             </a:schemeClr>
           </a:solidFill>
@@ -6169,12 +6816,12 @@
         </a:fontRef>
       </dsp:style>
       <dsp:txBody>
-        <a:bodyPr spcFirstLastPara="0" vert="horz" wrap="square" lIns="128016" tIns="73152" rIns="128016" bIns="73152" numCol="1" spcCol="1270" anchor="ctr" anchorCtr="0">
+        <a:bodyPr spcFirstLastPara="0" vert="horz" wrap="square" lIns="113792" tIns="65024" rIns="113792" bIns="65024" numCol="1" spcCol="1270" anchor="ctr" anchorCtr="0">
           <a:noAutofit/>
         </a:bodyPr>
         <a:lstStyle/>
         <a:p>
-          <a:pPr marL="0" lvl="0" indent="0" algn="ctr" defTabSz="800100">
+          <a:pPr marL="0" lvl="0" indent="0" algn="ctr" defTabSz="711200">
             <a:lnSpc>
               <a:spcPct val="90000"/>
             </a:lnSpc>
@@ -6187,14 +6834,14 @@
             <a:buNone/>
           </a:pPr>
           <a:r>
-            <a:rPr lang="en-US" sz="1800" b="1" kern="1200" dirty="0"/>
+            <a:rPr lang="en-US" sz="1600" b="1" kern="1200" dirty="0"/>
             <a:t>Learn Heuristics</a:t>
           </a:r>
         </a:p>
       </dsp:txBody>
       <dsp:txXfrm>
-        <a:off x="3655814" y="207191"/>
-        <a:ext cx="3203971" cy="518400"/>
+        <a:off x="2714082" y="123275"/>
+        <a:ext cx="2377306" cy="460800"/>
       </dsp:txXfrm>
     </dsp:sp>
     <dsp:sp modelId="{5C57C7EB-478D-4F11-B65D-9016B386C608}">
@@ -6204,30 +6851,30 @@
       </dsp:nvSpPr>
       <dsp:spPr>
         <a:xfrm>
-          <a:off x="3655814" y="725591"/>
-          <a:ext cx="3203971" cy="3418554"/>
+          <a:off x="2714082" y="584075"/>
+          <a:ext cx="2377306" cy="3643987"/>
         </a:xfrm>
         <a:prstGeom prst="rect">
           <a:avLst/>
         </a:prstGeom>
         <a:solidFill>
-          <a:schemeClr val="accent2">
+          <a:schemeClr val="accent3">
             <a:tint val="40000"/>
             <a:alpha val="90000"/>
-            <a:hueOff val="-424613"/>
-            <a:satOff val="-37673"/>
-            <a:lumOff val="-385"/>
+            <a:hueOff val="0"/>
+            <a:satOff val="0"/>
+            <a:lumOff val="0"/>
             <a:alphaOff val="0"/>
           </a:schemeClr>
         </a:solidFill>
         <a:ln w="6350" cap="flat" cmpd="sng" algn="ctr">
           <a:solidFill>
-            <a:schemeClr val="accent2">
+            <a:schemeClr val="accent3">
               <a:tint val="40000"/>
               <a:alpha val="90000"/>
-              <a:hueOff val="-424613"/>
-              <a:satOff val="-37673"/>
-              <a:lumOff val="-385"/>
+              <a:hueOff val="0"/>
+              <a:satOff val="0"/>
+              <a:lumOff val="0"/>
               <a:alphaOff val="0"/>
             </a:schemeClr>
           </a:solidFill>
@@ -6249,12 +6896,12 @@
         <a:fontRef idx="minor"/>
       </dsp:style>
       <dsp:txBody>
-        <a:bodyPr spcFirstLastPara="0" vert="horz" wrap="square" lIns="96012" tIns="96012" rIns="128016" bIns="144018" numCol="1" spcCol="1270" anchor="t" anchorCtr="0">
+        <a:bodyPr spcFirstLastPara="0" vert="horz" wrap="square" lIns="85344" tIns="85344" rIns="113792" bIns="128016" numCol="1" spcCol="1270" anchor="t" anchorCtr="0">
           <a:noAutofit/>
         </a:bodyPr>
         <a:lstStyle/>
         <a:p>
-          <a:pPr marL="171450" lvl="1" indent="-171450" algn="l" defTabSz="800100">
+          <a:pPr marL="171450" lvl="1" indent="-171450" algn="l" defTabSz="711200">
             <a:lnSpc>
               <a:spcPct val="90000"/>
             </a:lnSpc>
@@ -6267,12 +6914,12 @@
             <a:buChar char="•"/>
           </a:pPr>
           <a:r>
-            <a:rPr lang="en-US" sz="1800" kern="1200" dirty="0"/>
+            <a:rPr lang="en-US" sz="1600" kern="1200" dirty="0"/>
             <a:t>Learn evaluation functions for states. </a:t>
           </a:r>
         </a:p>
         <a:p>
-          <a:pPr marL="171450" lvl="1" indent="-171450" algn="l" defTabSz="800100">
+          <a:pPr marL="171450" lvl="1" indent="-171450" algn="l" defTabSz="711200">
             <a:lnSpc>
               <a:spcPct val="90000"/>
             </a:lnSpc>
@@ -6284,10 +6931,10 @@
             </a:spcAft>
             <a:buChar char="•"/>
           </a:pPr>
-          <a:endParaRPr lang="en-US" sz="1800" kern="1200" dirty="0"/>
+          <a:endParaRPr lang="en-US" sz="1600" kern="1200" dirty="0"/>
         </a:p>
         <a:p>
-          <a:pPr marL="171450" lvl="1" indent="-171450" algn="l" defTabSz="800100">
+          <a:pPr marL="171450" lvl="1" indent="-171450" algn="l" defTabSz="711200">
             <a:lnSpc>
               <a:spcPct val="90000"/>
             </a:lnSpc>
@@ -6306,37 +6953,37 @@
               </m:oMathParaPr>
               <m:oMath xmlns:m="http://schemas.openxmlformats.org/officeDocument/2006/math">
                 <m:r>
-                  <a:rPr lang="en-US" sz="1800" b="0" i="1" kern="1200" smtClean="0">
+                  <a:rPr lang="en-US" sz="1600" b="0" i="1" kern="1200" smtClean="0">
                     <a:latin typeface="Cambria Math" panose="02040503050406030204" pitchFamily="18" charset="0"/>
                   </a:rPr>
                   <m:t>𝑒𝑣𝑎𝑙</m:t>
                 </m:r>
                 <m:r>
-                  <a:rPr lang="en-US" sz="1800" b="0" i="1" kern="1200" smtClean="0">
+                  <a:rPr lang="en-US" sz="1600" b="0" i="1" kern="1200" smtClean="0">
                     <a:latin typeface="Cambria Math" panose="02040503050406030204" pitchFamily="18" charset="0"/>
                   </a:rPr>
                   <m:t>=</m:t>
                 </m:r>
                 <m:r>
-                  <a:rPr lang="en-US" sz="1800" b="0" i="1" kern="1200" smtClean="0">
+                  <a:rPr lang="en-US" sz="1600" b="0" i="1" kern="1200" smtClean="0">
                     <a:latin typeface="Cambria Math" panose="02040503050406030204" pitchFamily="18" charset="0"/>
                   </a:rPr>
                   <m:t>h</m:t>
                 </m:r>
                 <m:r>
-                  <a:rPr lang="en-US" sz="1800" b="0" i="1" kern="1200" smtClean="0">
+                  <a:rPr lang="en-US" sz="1600" b="0" i="1" kern="1200" smtClean="0">
                     <a:latin typeface="Cambria Math" panose="02040503050406030204" pitchFamily="18" charset="0"/>
                   </a:rPr>
                   <m:t>(</m:t>
                 </m:r>
                 <m:r>
-                  <a:rPr lang="en-US" sz="1800" b="0" i="1" kern="1200" smtClean="0">
+                  <a:rPr lang="en-US" sz="1600" b="0" i="1" kern="1200" smtClean="0">
                     <a:latin typeface="Cambria Math" panose="02040503050406030204" pitchFamily="18" charset="0"/>
                   </a:rPr>
                   <m:t>𝑠𝑡𝑎𝑡𝑒</m:t>
                 </m:r>
                 <m:r>
-                  <a:rPr lang="en-US" sz="1800" b="0" i="1" kern="1200" smtClean="0">
+                  <a:rPr lang="en-US" sz="1600" b="0" i="1" kern="1200" smtClean="0">
                     <a:latin typeface="Cambria Math" panose="02040503050406030204" pitchFamily="18" charset="0"/>
                   </a:rPr>
                   <m:t>)</m:t>
@@ -6344,10 +6991,10 @@
               </m:oMath>
             </m:oMathPara>
           </a14:m>
-          <a:endParaRPr lang="en-US" sz="1800" kern="1200" dirty="0"/>
+          <a:endParaRPr lang="en-US" sz="1600" kern="1200" dirty="0"/>
         </a:p>
         <a:p>
-          <a:pPr marL="171450" lvl="1" indent="-171450" algn="l" defTabSz="800100">
+          <a:pPr marL="171450" lvl="1" indent="-171450" algn="l" defTabSz="711200">
             <a:lnSpc>
               <a:spcPct val="90000"/>
             </a:lnSpc>
@@ -6359,10 +7006,10 @@
             </a:spcAft>
             <a:buChar char="•"/>
           </a:pPr>
-          <a:endParaRPr lang="en-US" sz="1800" kern="1200" dirty="0"/>
+          <a:endParaRPr lang="en-US" sz="1600" kern="1200" dirty="0"/>
         </a:p>
         <a:p>
-          <a:pPr marL="171450" lvl="1" indent="-171450" algn="l" defTabSz="800100">
+          <a:pPr marL="171450" lvl="1" indent="-171450" algn="l" defTabSz="711200">
             <a:lnSpc>
               <a:spcPct val="90000"/>
             </a:lnSpc>
@@ -6375,22 +7022,22 @@
             <a:buChar char="•"/>
           </a:pPr>
           <a:r>
-            <a:rPr lang="en-US" sz="1800" kern="1200" dirty="0"/>
+            <a:rPr lang="en-US" sz="1600" kern="1200" dirty="0"/>
             <a:t>Can learn a </a:t>
           </a:r>
           <a:r>
-            <a:rPr lang="en-US" sz="1800" b="1" kern="1200" dirty="0"/>
+            <a:rPr lang="en-US" sz="1600" b="1" kern="1200" dirty="0"/>
             <a:t>heuristic</a:t>
           </a:r>
           <a:r>
-            <a:rPr lang="en-US" sz="1800" kern="1200" dirty="0"/>
+            <a:rPr lang="en-US" sz="1600" kern="1200" dirty="0"/>
             <a:t> for minimax search from examples. </a:t>
           </a:r>
         </a:p>
       </dsp:txBody>
       <dsp:txXfrm>
-        <a:off x="3655814" y="725591"/>
-        <a:ext cx="3203971" cy="3418554"/>
+        <a:off x="2714082" y="584075"/>
+        <a:ext cx="2377306" cy="3643987"/>
       </dsp:txXfrm>
     </dsp:sp>
     <dsp:sp modelId="{228970AD-4D95-42F2-B737-33364C2CB3CE}">
@@ -6400,8 +7047,8 @@
       </dsp:nvSpPr>
       <dsp:spPr>
         <a:xfrm>
-          <a:off x="7308342" y="207191"/>
-          <a:ext cx="3203971" cy="518400"/>
+          <a:off x="5424211" y="123275"/>
+          <a:ext cx="2377306" cy="460800"/>
         </a:xfrm>
         <a:prstGeom prst="rect">
           <a:avLst/>
@@ -6409,10 +7056,10 @@
         <a:gradFill rotWithShape="0">
           <a:gsLst>
             <a:gs pos="0">
-              <a:schemeClr val="accent2">
-                <a:hueOff val="-1455363"/>
-                <a:satOff val="-83928"/>
-                <a:lumOff val="8628"/>
+              <a:schemeClr val="accent4">
+                <a:hueOff val="0"/>
+                <a:satOff val="0"/>
+                <a:lumOff val="0"/>
                 <a:alphaOff val="0"/>
                 <a:satMod val="103000"/>
                 <a:lumMod val="102000"/>
@@ -6420,10 +7067,10 @@
               </a:schemeClr>
             </a:gs>
             <a:gs pos="50000">
-              <a:schemeClr val="accent2">
-                <a:hueOff val="-1455363"/>
-                <a:satOff val="-83928"/>
-                <a:lumOff val="8628"/>
+              <a:schemeClr val="accent4">
+                <a:hueOff val="0"/>
+                <a:satOff val="0"/>
+                <a:lumOff val="0"/>
                 <a:alphaOff val="0"/>
                 <a:satMod val="110000"/>
                 <a:lumMod val="100000"/>
@@ -6431,10 +7078,10 @@
               </a:schemeClr>
             </a:gs>
             <a:gs pos="100000">
-              <a:schemeClr val="accent2">
-                <a:hueOff val="-1455363"/>
-                <a:satOff val="-83928"/>
-                <a:lumOff val="8628"/>
+              <a:schemeClr val="accent4">
+                <a:hueOff val="0"/>
+                <a:satOff val="0"/>
+                <a:lumOff val="0"/>
                 <a:alphaOff val="0"/>
                 <a:lumMod val="99000"/>
                 <a:satMod val="120000"/>
@@ -6446,10 +7093,10 @@
         </a:gradFill>
         <a:ln w="6350" cap="flat" cmpd="sng" algn="ctr">
           <a:solidFill>
-            <a:schemeClr val="accent2">
-              <a:hueOff val="-1455363"/>
-              <a:satOff val="-83928"/>
-              <a:lumOff val="8628"/>
+            <a:schemeClr val="accent4">
+              <a:hueOff val="0"/>
+              <a:satOff val="0"/>
+              <a:lumOff val="0"/>
               <a:alphaOff val="0"/>
             </a:schemeClr>
           </a:solidFill>
@@ -6473,12 +7120,12 @@
         </a:fontRef>
       </dsp:style>
       <dsp:txBody>
-        <a:bodyPr spcFirstLastPara="0" vert="horz" wrap="square" lIns="128016" tIns="73152" rIns="128016" bIns="73152" numCol="1" spcCol="1270" anchor="ctr" anchorCtr="0">
+        <a:bodyPr spcFirstLastPara="0" vert="horz" wrap="square" lIns="113792" tIns="65024" rIns="113792" bIns="65024" numCol="1" spcCol="1270" anchor="ctr" anchorCtr="0">
           <a:noAutofit/>
         </a:bodyPr>
         <a:lstStyle/>
         <a:p>
-          <a:pPr marL="0" lvl="0" indent="0" algn="ctr" defTabSz="800100">
+          <a:pPr marL="0" lvl="0" indent="0" algn="ctr" defTabSz="711200">
             <a:lnSpc>
               <a:spcPct val="90000"/>
             </a:lnSpc>
@@ -6491,18 +7138,18 @@
             <a:buNone/>
           </a:pPr>
           <a:r>
-            <a:rPr lang="en-US" sz="1800" b="1" kern="1200" dirty="0"/>
+            <a:rPr lang="en-US" sz="1600" b="1" kern="1200" dirty="0"/>
             <a:t>Perception</a:t>
           </a:r>
           <a:r>
-            <a:rPr lang="en-US" sz="1800" kern="1200" dirty="0"/>
+            <a:rPr lang="en-US" sz="1600" kern="1200" dirty="0"/>
             <a:t> </a:t>
           </a:r>
         </a:p>
       </dsp:txBody>
       <dsp:txXfrm>
-        <a:off x="7308342" y="207191"/>
-        <a:ext cx="3203971" cy="518400"/>
+        <a:off x="5424211" y="123275"/>
+        <a:ext cx="2377306" cy="460800"/>
       </dsp:txXfrm>
     </dsp:sp>
     <dsp:sp modelId="{4712BD07-C9A8-4BD1-BC67-16B85061F7C6}">
@@ -6512,30 +7159,30 @@
       </dsp:nvSpPr>
       <dsp:spPr>
         <a:xfrm>
-          <a:off x="7308342" y="725591"/>
-          <a:ext cx="3203971" cy="3418554"/>
+          <a:off x="5424211" y="584075"/>
+          <a:ext cx="2377306" cy="3643987"/>
         </a:xfrm>
         <a:prstGeom prst="rect">
           <a:avLst/>
         </a:prstGeom>
         <a:solidFill>
-          <a:schemeClr val="accent2">
+          <a:schemeClr val="accent4">
             <a:tint val="40000"/>
             <a:alpha val="90000"/>
-            <a:hueOff val="-849226"/>
-            <a:satOff val="-75346"/>
-            <a:lumOff val="-769"/>
+            <a:hueOff val="0"/>
+            <a:satOff val="0"/>
+            <a:lumOff val="0"/>
             <a:alphaOff val="0"/>
           </a:schemeClr>
         </a:solidFill>
         <a:ln w="6350" cap="flat" cmpd="sng" algn="ctr">
           <a:solidFill>
-            <a:schemeClr val="accent2">
+            <a:schemeClr val="accent4">
               <a:tint val="40000"/>
               <a:alpha val="90000"/>
-              <a:hueOff val="-849226"/>
-              <a:satOff val="-75346"/>
-              <a:lumOff val="-769"/>
+              <a:hueOff val="0"/>
+              <a:satOff val="0"/>
+              <a:lumOff val="0"/>
               <a:alphaOff val="0"/>
             </a:schemeClr>
           </a:solidFill>
@@ -6557,12 +7204,12 @@
         <a:fontRef idx="minor"/>
       </dsp:style>
       <dsp:txBody>
-        <a:bodyPr spcFirstLastPara="0" vert="horz" wrap="square" lIns="96012" tIns="96012" rIns="128016" bIns="144018" numCol="1" spcCol="1270" anchor="t" anchorCtr="0">
+        <a:bodyPr spcFirstLastPara="0" vert="horz" wrap="square" lIns="85344" tIns="85344" rIns="113792" bIns="128016" numCol="1" spcCol="1270" anchor="t" anchorCtr="0">
           <a:noAutofit/>
         </a:bodyPr>
         <a:lstStyle/>
         <a:p>
-          <a:pPr marL="171450" lvl="1" indent="-171450" algn="l" defTabSz="800100">
+          <a:pPr marL="171450" lvl="1" indent="-171450" algn="l" defTabSz="711200">
             <a:lnSpc>
               <a:spcPct val="90000"/>
             </a:lnSpc>
@@ -6575,16 +7222,16 @@
             <a:buChar char="•"/>
           </a:pPr>
           <a:r>
-            <a:rPr lang="en-US" sz="1800" b="1" kern="1200" dirty="0"/>
+            <a:rPr lang="en-US" sz="1600" b="1" kern="1200" dirty="0"/>
             <a:t>Natural language processing: </a:t>
           </a:r>
           <a:r>
-            <a:rPr lang="en-US" sz="1800" kern="1200" dirty="0"/>
+            <a:rPr lang="en-US" sz="1600" kern="1200" dirty="0"/>
             <a:t>Use deep learning / word embeddings / language models to understand concepts, translate between languages, or generate text.</a:t>
           </a:r>
         </a:p>
         <a:p>
-          <a:pPr marL="171450" lvl="1" indent="-171450" algn="l" defTabSz="800100">
+          <a:pPr marL="171450" lvl="1" indent="-171450" algn="l" defTabSz="711200">
             <a:lnSpc>
               <a:spcPct val="90000"/>
             </a:lnSpc>
@@ -6597,12 +7244,12 @@
             <a:buChar char="•"/>
           </a:pPr>
           <a:r>
-            <a:rPr lang="en-US" sz="1800" kern="1200" dirty="0"/>
+            <a:rPr lang="en-US" sz="1600" kern="1200" dirty="0"/>
             <a:t>Speech recognition: Identify the most likely sequence of words. </a:t>
           </a:r>
         </a:p>
         <a:p>
-          <a:pPr marL="171450" lvl="1" indent="-171450" algn="l" defTabSz="800100">
+          <a:pPr marL="171450" lvl="1" indent="-171450" algn="l" defTabSz="711200">
             <a:lnSpc>
               <a:spcPct val="90000"/>
             </a:lnSpc>
@@ -6615,14 +7262,271 @@
             <a:buChar char="•"/>
           </a:pPr>
           <a:r>
-            <a:rPr lang="en-US" sz="1800" kern="1200" dirty="0"/>
+            <a:rPr lang="en-US" sz="1600" kern="1200" dirty="0"/>
             <a:t>Vision: Object recognition in images/videos. Generate images/video.</a:t>
           </a:r>
         </a:p>
       </dsp:txBody>
       <dsp:txXfrm>
-        <a:off x="7308342" y="725591"/>
-        <a:ext cx="3203971" cy="3418554"/>
+        <a:off x="5424211" y="584075"/>
+        <a:ext cx="2377306" cy="3643987"/>
+      </dsp:txXfrm>
+    </dsp:sp>
+    <dsp:sp modelId="{B110EE6C-C081-460E-9EB5-A4A219535E14}">
+      <dsp:nvSpPr>
+        <dsp:cNvPr id="0" name=""/>
+        <dsp:cNvSpPr/>
+      </dsp:nvSpPr>
+      <dsp:spPr>
+        <a:xfrm>
+          <a:off x="8134340" y="123275"/>
+          <a:ext cx="2377306" cy="460800"/>
+        </a:xfrm>
+        <a:prstGeom prst="rect">
+          <a:avLst/>
+        </a:prstGeom>
+        <a:gradFill rotWithShape="0">
+          <a:gsLst>
+            <a:gs pos="0">
+              <a:schemeClr val="accent5">
+                <a:hueOff val="0"/>
+                <a:satOff val="0"/>
+                <a:lumOff val="0"/>
+                <a:alphaOff val="0"/>
+                <a:satMod val="103000"/>
+                <a:lumMod val="102000"/>
+                <a:tint val="94000"/>
+              </a:schemeClr>
+            </a:gs>
+            <a:gs pos="50000">
+              <a:schemeClr val="accent5">
+                <a:hueOff val="0"/>
+                <a:satOff val="0"/>
+                <a:lumOff val="0"/>
+                <a:alphaOff val="0"/>
+                <a:satMod val="110000"/>
+                <a:lumMod val="100000"/>
+                <a:shade val="100000"/>
+              </a:schemeClr>
+            </a:gs>
+            <a:gs pos="100000">
+              <a:schemeClr val="accent5">
+                <a:hueOff val="0"/>
+                <a:satOff val="0"/>
+                <a:lumOff val="0"/>
+                <a:alphaOff val="0"/>
+                <a:lumMod val="99000"/>
+                <a:satMod val="120000"/>
+                <a:shade val="78000"/>
+              </a:schemeClr>
+            </a:gs>
+          </a:gsLst>
+          <a:lin ang="5400000" scaled="0"/>
+        </a:gradFill>
+        <a:ln w="6350" cap="flat" cmpd="sng" algn="ctr">
+          <a:solidFill>
+            <a:schemeClr val="accent5">
+              <a:hueOff val="0"/>
+              <a:satOff val="0"/>
+              <a:lumOff val="0"/>
+              <a:alphaOff val="0"/>
+            </a:schemeClr>
+          </a:solidFill>
+          <a:prstDash val="solid"/>
+          <a:miter lim="800000"/>
+        </a:ln>
+        <a:effectLst/>
+      </dsp:spPr>
+      <dsp:style>
+        <a:lnRef idx="1">
+          <a:scrgbClr r="0" g="0" b="0"/>
+        </a:lnRef>
+        <a:fillRef idx="3">
+          <a:scrgbClr r="0" g="0" b="0"/>
+        </a:fillRef>
+        <a:effectRef idx="2">
+          <a:scrgbClr r="0" g="0" b="0"/>
+        </a:effectRef>
+        <a:fontRef idx="minor">
+          <a:schemeClr val="lt1"/>
+        </a:fontRef>
+      </dsp:style>
+      <dsp:txBody>
+        <a:bodyPr spcFirstLastPara="0" vert="horz" wrap="square" lIns="113792" tIns="65024" rIns="113792" bIns="65024" numCol="1" spcCol="1270" anchor="ctr" anchorCtr="0">
+          <a:noAutofit/>
+        </a:bodyPr>
+        <a:lstStyle/>
+        <a:p>
+          <a:pPr marL="0" lvl="0" indent="0" algn="ctr" defTabSz="711200">
+            <a:lnSpc>
+              <a:spcPct val="90000"/>
+            </a:lnSpc>
+            <a:spcBef>
+              <a:spcPct val="0"/>
+            </a:spcBef>
+            <a:spcAft>
+              <a:spcPct val="35000"/>
+            </a:spcAft>
+            <a:buNone/>
+          </a:pPr>
+          <a:r>
+            <a:rPr lang="en-US" sz="1600" b="1" kern="1200" dirty="0"/>
+            <a:t>Compressing Tables</a:t>
+          </a:r>
+        </a:p>
+      </dsp:txBody>
+      <dsp:txXfrm>
+        <a:off x="8134340" y="123275"/>
+        <a:ext cx="2377306" cy="460800"/>
+      </dsp:txXfrm>
+    </dsp:sp>
+    <dsp:sp modelId="{C955C6EC-4763-4437-8A81-DCCD7447E9E0}">
+      <dsp:nvSpPr>
+        <dsp:cNvPr id="0" name=""/>
+        <dsp:cNvSpPr/>
+      </dsp:nvSpPr>
+      <dsp:spPr>
+        <a:xfrm>
+          <a:off x="8134340" y="584075"/>
+          <a:ext cx="2377306" cy="3643987"/>
+        </a:xfrm>
+        <a:prstGeom prst="rect">
+          <a:avLst/>
+        </a:prstGeom>
+        <a:solidFill>
+          <a:schemeClr val="accent5">
+            <a:tint val="40000"/>
+            <a:alpha val="90000"/>
+            <a:hueOff val="0"/>
+            <a:satOff val="0"/>
+            <a:lumOff val="0"/>
+            <a:alphaOff val="0"/>
+          </a:schemeClr>
+        </a:solidFill>
+        <a:ln w="6350" cap="flat" cmpd="sng" algn="ctr">
+          <a:solidFill>
+            <a:schemeClr val="accent5">
+              <a:tint val="40000"/>
+              <a:alpha val="90000"/>
+              <a:hueOff val="0"/>
+              <a:satOff val="0"/>
+              <a:lumOff val="0"/>
+              <a:alphaOff val="0"/>
+            </a:schemeClr>
+          </a:solidFill>
+          <a:prstDash val="solid"/>
+          <a:miter lim="800000"/>
+        </a:ln>
+        <a:effectLst/>
+      </dsp:spPr>
+      <dsp:style>
+        <a:lnRef idx="1">
+          <a:scrgbClr r="0" g="0" b="0"/>
+        </a:lnRef>
+        <a:fillRef idx="1">
+          <a:scrgbClr r="0" g="0" b="0"/>
+        </a:fillRef>
+        <a:effectRef idx="0">
+          <a:scrgbClr r="0" g="0" b="0"/>
+        </a:effectRef>
+        <a:fontRef idx="minor"/>
+      </dsp:style>
+      <dsp:txBody>
+        <a:bodyPr spcFirstLastPara="0" vert="horz" wrap="square" lIns="85344" tIns="85344" rIns="113792" bIns="128016" numCol="1" spcCol="1270" anchor="t" anchorCtr="0">
+          <a:noAutofit/>
+        </a:bodyPr>
+        <a:lstStyle/>
+        <a:p>
+          <a:pPr marL="171450" lvl="1" indent="-171450" algn="l" defTabSz="711200">
+            <a:lnSpc>
+              <a:spcPct val="90000"/>
+            </a:lnSpc>
+            <a:spcBef>
+              <a:spcPct val="0"/>
+            </a:spcBef>
+            <a:spcAft>
+              <a:spcPct val="15000"/>
+            </a:spcAft>
+            <a:buChar char="•"/>
+          </a:pPr>
+          <a:r>
+            <a:rPr lang="en-US" sz="1600" kern="1200" dirty="0"/>
+            <a:t>Neural networks can be used as a compact representation of tables that do not fit in memory. E.g.,</a:t>
+          </a:r>
+        </a:p>
+        <a:p>
+          <a:pPr marL="342900" lvl="2" indent="-171450" algn="l" defTabSz="711200">
+            <a:lnSpc>
+              <a:spcPct val="90000"/>
+            </a:lnSpc>
+            <a:spcBef>
+              <a:spcPct val="0"/>
+            </a:spcBef>
+            <a:spcAft>
+              <a:spcPct val="15000"/>
+            </a:spcAft>
+            <a:buChar char="•"/>
+          </a:pPr>
+          <a:r>
+            <a:rPr lang="en-US" sz="1600" kern="1200" dirty="0"/>
+            <a:t>Joint probability table</a:t>
+          </a:r>
+        </a:p>
+        <a:p>
+          <a:pPr marL="342900" lvl="2" indent="-171450" algn="l" defTabSz="711200">
+            <a:lnSpc>
+              <a:spcPct val="90000"/>
+            </a:lnSpc>
+            <a:spcBef>
+              <a:spcPct val="0"/>
+            </a:spcBef>
+            <a:spcAft>
+              <a:spcPct val="15000"/>
+            </a:spcAft>
+            <a:buChar char="•"/>
+          </a:pPr>
+          <a:r>
+            <a:rPr lang="en-US" sz="1600" kern="1200" dirty="0"/>
+            <a:t>State utility table</a:t>
+          </a:r>
+        </a:p>
+        <a:p>
+          <a:pPr marL="342900" lvl="2" indent="-171450" algn="l" defTabSz="711200">
+            <a:lnSpc>
+              <a:spcPct val="90000"/>
+            </a:lnSpc>
+            <a:spcBef>
+              <a:spcPct val="0"/>
+            </a:spcBef>
+            <a:spcAft>
+              <a:spcPct val="15000"/>
+            </a:spcAft>
+            <a:buChar char="•"/>
+          </a:pPr>
+          <a:endParaRPr lang="en-US" sz="1600" kern="1200" dirty="0"/>
+        </a:p>
+        <a:p>
+          <a:pPr marL="171450" lvl="1" indent="-171450" algn="l" defTabSz="711200">
+            <a:lnSpc>
+              <a:spcPct val="90000"/>
+            </a:lnSpc>
+            <a:spcBef>
+              <a:spcPct val="0"/>
+            </a:spcBef>
+            <a:spcAft>
+              <a:spcPct val="15000"/>
+            </a:spcAft>
+            <a:buChar char="•"/>
+          </a:pPr>
+          <a:r>
+            <a:rPr lang="en-US" sz="1600" kern="1200" dirty="0"/>
+            <a:t>The tables can be learned form data.</a:t>
+          </a:r>
+        </a:p>
+      </dsp:txBody>
+      <dsp:txXfrm>
+        <a:off x="8134340" y="584075"/>
+        <a:ext cx="2377306" cy="3643987"/>
       </dsp:txXfrm>
     </dsp:sp>
   </dsp:spTree>
@@ -16641,8 +17545,8 @@
           </a:p>
         </p:txBody>
       </p:sp>
-      <mc:AlternateContent xmlns:mc="http://schemas.openxmlformats.org/markup-compatibility/2006">
-        <mc:Choice xmlns:a14="http://schemas.microsoft.com/office/drawing/2010/main" Requires="a14">
+      <mc:AlternateContent xmlns:mc="http://schemas.openxmlformats.org/markup-compatibility/2006" xmlns:a14="http://schemas.microsoft.com/office/drawing/2010/main">
+        <mc:Choice Requires="a14">
           <p:sp>
             <p:nvSpPr>
               <p:cNvPr id="3" name="Content Placeholder 2">
@@ -17044,7 +17948,7 @@
             </p:txBody>
           </p:sp>
         </mc:Choice>
-        <mc:Fallback>
+        <mc:Fallback xmlns="">
           <p:sp>
             <p:nvSpPr>
               <p:cNvPr id="3" name="Content Placeholder 2">
@@ -17372,8 +18276,8 @@
           </a:p>
         </p:txBody>
       </p:sp>
-      <mc:AlternateContent xmlns:mc="http://schemas.openxmlformats.org/markup-compatibility/2006">
-        <mc:Choice xmlns:a14="http://schemas.microsoft.com/office/drawing/2010/main" Requires="a14">
+      <mc:AlternateContent xmlns:mc="http://schemas.openxmlformats.org/markup-compatibility/2006" xmlns:a14="http://schemas.microsoft.com/office/drawing/2010/main">
+        <mc:Choice Requires="a14">
           <p:sp>
             <p:nvSpPr>
               <p:cNvPr id="15" name="TextBox 14">
@@ -17461,7 +18365,7 @@
             </p:txBody>
           </p:sp>
         </mc:Choice>
-        <mc:Fallback>
+        <mc:Fallback xmlns="">
           <p:sp>
             <p:nvSpPr>
               <p:cNvPr id="15" name="TextBox 14">
@@ -18546,8 +19450,8 @@
           </a:p>
         </p:txBody>
       </p:sp>
-      <mc:AlternateContent xmlns:mc="http://schemas.openxmlformats.org/markup-compatibility/2006">
-        <mc:Choice xmlns:a14="http://schemas.microsoft.com/office/drawing/2010/main" Requires="a14">
+      <mc:AlternateContent xmlns:mc="http://schemas.openxmlformats.org/markup-compatibility/2006" xmlns:a14="http://schemas.microsoft.com/office/drawing/2010/main">
+        <mc:Choice Requires="a14">
           <p:sp>
             <p:nvSpPr>
               <p:cNvPr id="8" name="TextBox 7">
@@ -18621,7 +19525,7 @@
             </p:txBody>
           </p:sp>
         </mc:Choice>
-        <mc:Fallback>
+        <mc:Fallback xmlns="">
           <p:sp>
             <p:nvSpPr>
               <p:cNvPr id="8" name="TextBox 7">
@@ -19089,8 +19993,8 @@
           </a:p>
         </p:txBody>
       </p:sp>
-      <mc:AlternateContent xmlns:mc="http://schemas.openxmlformats.org/markup-compatibility/2006">
-        <mc:Choice xmlns:a14="http://schemas.microsoft.com/office/drawing/2010/main" Requires="a14">
+      <mc:AlternateContent xmlns:mc="http://schemas.openxmlformats.org/markup-compatibility/2006" xmlns:a14="http://schemas.microsoft.com/office/drawing/2010/main">
+        <mc:Choice Requires="a14">
           <p:sp>
             <p:nvSpPr>
               <p:cNvPr id="33795" name="Rectangle 3"/>
@@ -19381,7 +20285,7 @@
             </p:txBody>
           </p:sp>
         </mc:Choice>
-        <mc:Fallback>
+        <mc:Fallback xmlns="">
           <p:sp>
             <p:nvSpPr>
               <p:cNvPr id="33795" name="Rectangle 3"/>
@@ -21068,8 +21972,8 @@
           </a:p>
         </p:txBody>
       </p:sp>
-      <mc:AlternateContent xmlns:mc="http://schemas.openxmlformats.org/markup-compatibility/2006">
-        <mc:Choice xmlns:a14="http://schemas.microsoft.com/office/drawing/2010/main" Requires="a14">
+      <mc:AlternateContent xmlns:mc="http://schemas.openxmlformats.org/markup-compatibility/2006" xmlns:a14="http://schemas.microsoft.com/office/drawing/2010/main">
+        <mc:Choice Requires="a14">
           <p:sp>
             <p:nvSpPr>
               <p:cNvPr id="1283075" name="Rectangle 3"/>
@@ -21188,7 +22092,7 @@
             </p:txBody>
           </p:sp>
         </mc:Choice>
-        <mc:Fallback>
+        <mc:Fallback xmlns="">
           <p:sp>
             <p:nvSpPr>
               <p:cNvPr id="1283075" name="Rectangle 3"/>
@@ -22957,8 +23861,8 @@
           </a:p>
         </p:txBody>
       </p:sp>
-      <mc:AlternateContent xmlns:mc="http://schemas.openxmlformats.org/markup-compatibility/2006">
-        <mc:Choice xmlns:a14="http://schemas.microsoft.com/office/drawing/2010/main" Requires="a14">
+      <mc:AlternateContent xmlns:mc="http://schemas.openxmlformats.org/markup-compatibility/2006" xmlns:a14="http://schemas.microsoft.com/office/drawing/2010/main">
+        <mc:Choice Requires="a14">
           <p:sp>
             <p:nvSpPr>
               <p:cNvPr id="1283075" name="Rectangle 3"/>
@@ -23121,7 +24025,7 @@
             </p:txBody>
           </p:sp>
         </mc:Choice>
-        <mc:Fallback>
+        <mc:Fallback xmlns="">
           <p:sp>
             <p:nvSpPr>
               <p:cNvPr id="1283075" name="Rectangle 3"/>
@@ -28907,8 +29811,8 @@
           </a:p>
         </p:txBody>
       </p:sp>
-      <mc:AlternateContent xmlns:mc="http://schemas.openxmlformats.org/markup-compatibility/2006" xmlns:a14="http://schemas.microsoft.com/office/drawing/2010/main">
-        <mc:Choice Requires="a14">
+      <mc:AlternateContent xmlns:mc="http://schemas.openxmlformats.org/markup-compatibility/2006">
+        <mc:Choice xmlns:a14="http://schemas.microsoft.com/office/drawing/2010/main" Requires="a14">
           <p:sp>
             <p:nvSpPr>
               <p:cNvPr id="3" name="Content Placeholder 2">
@@ -29135,7 +30039,7 @@
             </p:txBody>
           </p:sp>
         </mc:Choice>
-        <mc:Fallback xmlns="">
+        <mc:Fallback>
           <p:sp>
             <p:nvSpPr>
               <p:cNvPr id="3" name="Content Placeholder 2">
@@ -30430,20 +31334,20 @@
             </a:r>
             <a:r>
               <a:rPr lang="en-US" dirty="0"/>
-              <a:t>: Learning a function is often more effective than hard-coding it, </a:t>
+              <a:t>: Learning a function is often more effective than hard-coding it</a:t>
             </a:r>
             <a:br>
               <a:rPr lang="en-US" dirty="0"/>
             </a:br>
             <a:r>
               <a:rPr lang="en-US" dirty="0"/>
-              <a:t>but we do not always know how it performs in very rare cases!</a:t>
+              <a:t>However, we do not always know how it performs in very rare cases!</a:t>
             </a:r>
           </a:p>
         </p:txBody>
       </p:sp>
-      <mc:AlternateContent xmlns:mc="http://schemas.openxmlformats.org/markup-compatibility/2006" xmlns:a14="http://schemas.microsoft.com/office/drawing/2010/main">
-        <mc:Choice Requires="a14">
+      <mc:AlternateContent xmlns:mc="http://schemas.openxmlformats.org/markup-compatibility/2006">
+        <mc:Choice xmlns:a14="http://schemas.microsoft.com/office/drawing/2010/main" Requires="a14">
           <p:graphicFrame>
             <p:nvGraphicFramePr>
               <p:cNvPr id="6" name="Content Placeholder 2">
@@ -30459,7 +31363,7 @@
               <p:nvPr>
                 <p:extLst>
                   <p:ext uri="{D42A27DB-BD31-4B8C-83A1-F6EECF244321}">
-                    <p14:modId xmlns:p14="http://schemas.microsoft.com/office/powerpoint/2010/main" val="1975936062"/>
+                    <p14:modId xmlns:p14="http://schemas.microsoft.com/office/powerpoint/2010/main" val="2490384619"/>
                   </p:ext>
                 </p:extLst>
               </p:nvPr>
@@ -30475,7 +31379,7 @@
             </a:graphic>
           </p:graphicFrame>
         </mc:Choice>
-        <mc:Fallback xmlns="">
+        <mc:Fallback>
           <p:graphicFrame>
             <p:nvGraphicFramePr>
               <p:cNvPr id="6" name="Content Placeholder 2">
@@ -30491,7 +31395,7 @@
               <p:nvPr>
                 <p:extLst>
                   <p:ext uri="{D42A27DB-BD31-4B8C-83A1-F6EECF244321}">
-                    <p14:modId xmlns:p14="http://schemas.microsoft.com/office/powerpoint/2010/main" val="1975936062"/>
+                    <p14:modId xmlns:p14="http://schemas.microsoft.com/office/powerpoint/2010/main" val="2490384619"/>
                   </p:ext>
                 </p:extLst>
               </p:nvPr>
@@ -30502,7 +31406,7 @@
             </p:xfrm>
             <a:graphic>
               <a:graphicData uri="http://schemas.openxmlformats.org/drawingml/2006/diagram">
-                <dgm:relIds xmlns:dgm="http://schemas.openxmlformats.org/drawingml/2006/diagram" xmlns:r="http://schemas.openxmlformats.org/officeDocument/2006/relationships" r:dm="rId7" r:lo="rId8" r:qs="rId9" r:cs="rId10"/>
+                <dgm:relIds xmlns:dgm="http://schemas.openxmlformats.org/drawingml/2006/diagram" xmlns:r="http://schemas.openxmlformats.org/officeDocument/2006/relationships" r:dm="rId7" r:lo="rId3" r:qs="rId4" r:cs="rId5"/>
               </a:graphicData>
             </a:graphic>
           </p:graphicFrame>
@@ -30928,8 +31832,8 @@
           </p:nvSpPr>
           <p:spPr>
             <a:xfrm>
-              <a:off x="8497875" y="2370487"/>
-              <a:ext cx="1835759" cy="707886"/>
+              <a:off x="8497874" y="2370486"/>
+              <a:ext cx="1865325" cy="830997"/>
             </a:xfrm>
             <a:prstGeom prst="rect">
               <a:avLst/>
@@ -30937,17 +31841,17 @@
             <a:noFill/>
           </p:spPr>
           <p:txBody>
-            <a:bodyPr wrap="none" rtlCol="0">
+            <a:bodyPr wrap="square" rtlCol="0">
               <a:spAutoFit/>
             </a:bodyPr>
             <a:lstStyle/>
             <a:p>
               <a:r>
-                <a:rPr lang="en-US" sz="4000" b="1" dirty="0">
+                <a:rPr lang="en-US" sz="4800" b="1" dirty="0">
                   <a:solidFill>
                     <a:srgbClr val="FF0000"/>
                   </a:solidFill>
-                  <a:latin typeface="Bradley Hand ITC" panose="03070402050302030203" pitchFamily="66" charset="0"/>
+                  <a:latin typeface="Ink Free" panose="03080402000500000000" pitchFamily="66" charset="0"/>
                 </a:rPr>
                 <a:t>1+1=2</a:t>
               </a:r>
@@ -31007,8 +31911,8 @@
           </a:p>
         </p:txBody>
       </p:sp>
-      <mc:AlternateContent xmlns:mc="http://schemas.openxmlformats.org/markup-compatibility/2006">
-        <mc:Choice xmlns:a14="http://schemas.microsoft.com/office/drawing/2010/main" Requires="a14">
+      <mc:AlternateContent xmlns:mc="http://schemas.openxmlformats.org/markup-compatibility/2006" xmlns:a14="http://schemas.microsoft.com/office/drawing/2010/main">
+        <mc:Choice Requires="a14">
           <p:sp>
             <p:nvSpPr>
               <p:cNvPr id="1104899" name="Rectangle 3"/>
@@ -31790,7 +32694,7 @@
             </p:txBody>
           </p:sp>
         </mc:Choice>
-        <mc:Fallback>
+        <mc:Fallback xmlns="">
           <p:sp>
             <p:nvSpPr>
               <p:cNvPr id="1104899" name="Rectangle 3"/>
@@ -32023,7 +32927,7 @@
             </a:ln>
             <a:extLst>
               <a:ext uri="{AF507438-7753-43e0-B8FC-AC1667EBCBE1}">
-                <a14:hiddenEffects xmlns="" xmlns:a14="http://schemas.microsoft.com/office/drawing/2010/main">
+                <a14:hiddenEffects xmlns:a14="http://schemas.microsoft.com/office/drawing/2010/main" xmlns="">
                   <a:effectLst>
                     <a:outerShdw dist="35921" dir="2700000" algn="ctr" rotWithShape="0">
                       <a:schemeClr val="bg2"/>
@@ -32107,14 +33011,14 @@
             <a:effectLst/>
             <a:extLst>
               <a:ext uri="{909E8E84-426E-40dd-AFC4-6F175D3DCCD1}">
-                <a14:hiddenFill xmlns="" xmlns:a14="http://schemas.microsoft.com/office/drawing/2010/main">
+                <a14:hiddenFill xmlns:a14="http://schemas.microsoft.com/office/drawing/2010/main" xmlns="">
                   <a:solidFill>
                     <a:schemeClr val="accent1"/>
                   </a:solidFill>
                 </a14:hiddenFill>
               </a:ext>
               <a:ext uri="{91240B29-F687-4f45-9708-019B960494DF}">
-                <a14:hiddenLine xmlns="" xmlns:a14="http://schemas.microsoft.com/office/drawing/2010/main" w="9525">
+                <a14:hiddenLine xmlns:a14="http://schemas.microsoft.com/office/drawing/2010/main" xmlns="" w="9525">
                   <a:solidFill>
                     <a:schemeClr val="tx1"/>
                   </a:solidFill>
@@ -32124,7 +33028,7 @@
                 </a14:hiddenLine>
               </a:ext>
               <a:ext uri="{AF507438-7753-43e0-B8FC-AC1667EBCBE1}">
-                <a14:hiddenEffects xmlns="" xmlns:a14="http://schemas.microsoft.com/office/drawing/2010/main">
+                <a14:hiddenEffects xmlns:a14="http://schemas.microsoft.com/office/drawing/2010/main" xmlns="">
                   <a:effectLst>
                     <a:outerShdw dist="35921" dir="2700000" algn="ctr" rotWithShape="0">
                       <a:schemeClr val="bg2"/>
@@ -32165,7 +33069,7 @@
             <a:effectLst/>
             <a:extLst>
               <a:ext uri="{AF507438-7753-43e0-B8FC-AC1667EBCBE1}">
-                <a14:hiddenEffects xmlns="" xmlns:a14="http://schemas.microsoft.com/office/drawing/2010/main">
+                <a14:hiddenEffects xmlns:a14="http://schemas.microsoft.com/office/drawing/2010/main" xmlns="">
                   <a:effectLst>
                     <a:outerShdw dist="35921" dir="2700000" algn="ctr" rotWithShape="0">
                       <a:schemeClr val="bg2"/>
@@ -32213,7 +33117,7 @@
             <a:effectLst/>
             <a:extLst>
               <a:ext uri="{AF507438-7753-43e0-B8FC-AC1667EBCBE1}">
-                <a14:hiddenEffects xmlns="" xmlns:a14="http://schemas.microsoft.com/office/drawing/2010/main">
+                <a14:hiddenEffects xmlns:a14="http://schemas.microsoft.com/office/drawing/2010/main" xmlns="">
                   <a:effectLst>
                     <a:outerShdw dist="35921" dir="2700000" algn="ctr" rotWithShape="0">
                       <a:schemeClr val="bg2"/>
@@ -32281,14 +33185,14 @@
             <a:effectLst/>
             <a:extLst>
               <a:ext uri="{909E8E84-426E-40dd-AFC4-6F175D3DCCD1}">
-                <a14:hiddenFill xmlns="" xmlns:a14="http://schemas.microsoft.com/office/drawing/2010/main">
+                <a14:hiddenFill xmlns:a14="http://schemas.microsoft.com/office/drawing/2010/main" xmlns="">
                   <a:solidFill>
                     <a:schemeClr val="accent1"/>
                   </a:solidFill>
                 </a14:hiddenFill>
               </a:ext>
               <a:ext uri="{91240B29-F687-4f45-9708-019B960494DF}">
-                <a14:hiddenLine xmlns="" xmlns:a14="http://schemas.microsoft.com/office/drawing/2010/main" w="9525">
+                <a14:hiddenLine xmlns:a14="http://schemas.microsoft.com/office/drawing/2010/main" xmlns="" w="9525">
                   <a:solidFill>
                     <a:schemeClr val="tx1"/>
                   </a:solidFill>
@@ -32298,7 +33202,7 @@
                 </a14:hiddenLine>
               </a:ext>
               <a:ext uri="{AF507438-7753-43e0-B8FC-AC1667EBCBE1}">
-                <a14:hiddenEffects xmlns="" xmlns:a14="http://schemas.microsoft.com/office/drawing/2010/main">
+                <a14:hiddenEffects xmlns:a14="http://schemas.microsoft.com/office/drawing/2010/main" xmlns="">
                   <a:effectLst>
                     <a:outerShdw dist="35921" dir="2700000" algn="ctr" rotWithShape="0">
                       <a:schemeClr val="bg2"/>
@@ -32835,14 +33739,14 @@
           <a:effectLst/>
           <a:extLst>
             <a:ext uri="{909E8E84-426E-40dd-AFC4-6F175D3DCCD1}">
-              <a14:hiddenFill xmlns="" xmlns:a14="http://schemas.microsoft.com/office/drawing/2010/main">
+              <a14:hiddenFill xmlns:a14="http://schemas.microsoft.com/office/drawing/2010/main" xmlns="">
                 <a:solidFill>
                   <a:schemeClr val="accent1"/>
                 </a:solidFill>
               </a14:hiddenFill>
             </a:ext>
             <a:ext uri="{91240B29-F687-4f45-9708-019B960494DF}">
-              <a14:hiddenLine xmlns="" xmlns:a14="http://schemas.microsoft.com/office/drawing/2010/main" w="9525">
+              <a14:hiddenLine xmlns:a14="http://schemas.microsoft.com/office/drawing/2010/main" xmlns="" w="9525">
                 <a:solidFill>
                   <a:schemeClr val="tx1"/>
                 </a:solidFill>
@@ -32852,7 +33756,7 @@
               </a14:hiddenLine>
             </a:ext>
             <a:ext uri="{AF507438-7753-43e0-B8FC-AC1667EBCBE1}">
-              <a14:hiddenEffects xmlns="" xmlns:a14="http://schemas.microsoft.com/office/drawing/2010/main">
+              <a14:hiddenEffects xmlns:a14="http://schemas.microsoft.com/office/drawing/2010/main" xmlns="">
                 <a:effectLst>
                   <a:outerShdw dist="35921" dir="2700000" algn="ctr" rotWithShape="0">
                     <a:schemeClr val="bg2"/>
@@ -32899,14 +33803,14 @@
           <a:effectLst/>
           <a:extLst>
             <a:ext uri="{909E8E84-426E-40dd-AFC4-6F175D3DCCD1}">
-              <a14:hiddenFill xmlns="" xmlns:a14="http://schemas.microsoft.com/office/drawing/2010/main">
+              <a14:hiddenFill xmlns:a14="http://schemas.microsoft.com/office/drawing/2010/main" xmlns="">
                 <a:solidFill>
                   <a:schemeClr val="accent1"/>
                 </a:solidFill>
               </a14:hiddenFill>
             </a:ext>
             <a:ext uri="{91240B29-F687-4f45-9708-019B960494DF}">
-              <a14:hiddenLine xmlns="" xmlns:a14="http://schemas.microsoft.com/office/drawing/2010/main" w="9525">
+              <a14:hiddenLine xmlns:a14="http://schemas.microsoft.com/office/drawing/2010/main" xmlns="" w="9525">
                 <a:solidFill>
                   <a:schemeClr val="tx1"/>
                 </a:solidFill>
@@ -32916,7 +33820,7 @@
               </a14:hiddenLine>
             </a:ext>
             <a:ext uri="{AF507438-7753-43e0-B8FC-AC1667EBCBE1}">
-              <a14:hiddenEffects xmlns="" xmlns:a14="http://schemas.microsoft.com/office/drawing/2010/main">
+              <a14:hiddenEffects xmlns:a14="http://schemas.microsoft.com/office/drawing/2010/main" xmlns="">
                 <a:effectLst>
                   <a:outerShdw dist="35921" dir="2700000" algn="ctr" rotWithShape="0">
                     <a:schemeClr val="bg2"/>
@@ -33412,8 +34316,8 @@
           </a:p>
         </p:txBody>
       </p:sp>
-      <mc:AlternateContent xmlns:mc="http://schemas.openxmlformats.org/markup-compatibility/2006">
-        <mc:Choice xmlns:a14="http://schemas.microsoft.com/office/drawing/2010/main" Requires="a14">
+      <mc:AlternateContent xmlns:mc="http://schemas.openxmlformats.org/markup-compatibility/2006" xmlns:a14="http://schemas.microsoft.com/office/drawing/2010/main">
+        <mc:Choice Requires="a14">
           <p:sp>
             <p:nvSpPr>
               <p:cNvPr id="3" name="Content Placeholder 2">
@@ -34517,7 +35421,7 @@
             </p:txBody>
           </p:sp>
         </mc:Choice>
-        <mc:Fallback>
+        <mc:Fallback xmlns="">
           <p:sp>
             <p:nvSpPr>
               <p:cNvPr id="3" name="Content Placeholder 2">
@@ -34915,7 +35819,7 @@
             </a:ln>
             <a:extLst>
               <a:ext uri="{AF507438-7753-43e0-B8FC-AC1667EBCBE1}">
-                <a14:hiddenEffects xmlns="" xmlns:a14="http://schemas.microsoft.com/office/drawing/2010/main">
+                <a14:hiddenEffects xmlns:a14="http://schemas.microsoft.com/office/drawing/2010/main" xmlns="">
                   <a:effectLst>
                     <a:outerShdw dist="35921" dir="2700000" algn="ctr" rotWithShape="0">
                       <a:schemeClr val="bg2"/>
@@ -34985,7 +35889,7 @@
             <a:effectLst/>
             <a:extLst>
               <a:ext uri="{AF507438-7753-43e0-B8FC-AC1667EBCBE1}">
-                <a14:hiddenEffects xmlns="" xmlns:a14="http://schemas.microsoft.com/office/drawing/2010/main">
+                <a14:hiddenEffects xmlns:a14="http://schemas.microsoft.com/office/drawing/2010/main" xmlns="">
                   <a:effectLst>
                     <a:outerShdw dist="35921" dir="2700000" algn="ctr" rotWithShape="0">
                       <a:schemeClr val="bg2"/>
@@ -35039,7 +35943,7 @@
             <a:effectLst/>
             <a:extLst>
               <a:ext uri="{AF507438-7753-43e0-B8FC-AC1667EBCBE1}">
-                <a14:hiddenEffects xmlns="" xmlns:a14="http://schemas.microsoft.com/office/drawing/2010/main">
+                <a14:hiddenEffects xmlns:a14="http://schemas.microsoft.com/office/drawing/2010/main" xmlns="">
                   <a:effectLst>
                     <a:outerShdw dist="35921" dir="2700000" algn="ctr" rotWithShape="0">
                       <a:schemeClr val="bg2"/>
@@ -35092,12 +35996,12 @@
             <a:effectLst/>
             <a:extLst>
               <a:ext uri="{909E8E84-426E-40dd-AFC4-6F175D3DCCD1}">
-                <a14:hiddenFill xmlns="" xmlns:a14="http://schemas.microsoft.com/office/drawing/2010/main">
+                <a14:hiddenFill xmlns:a14="http://schemas.microsoft.com/office/drawing/2010/main" xmlns="">
                   <a:noFill/>
                 </a14:hiddenFill>
               </a:ext>
               <a:ext uri="{AF507438-7753-43e0-B8FC-AC1667EBCBE1}">
-                <a14:hiddenEffects xmlns="" xmlns:a14="http://schemas.microsoft.com/office/drawing/2010/main">
+                <a14:hiddenEffects xmlns:a14="http://schemas.microsoft.com/office/drawing/2010/main" xmlns="">
                   <a:effectLst>
                     <a:outerShdw dist="35921" dir="2700000" algn="ctr" rotWithShape="0">
                       <a:schemeClr val="bg2"/>
@@ -35171,14 +36075,14 @@
             <a:effectLst/>
             <a:extLst>
               <a:ext uri="{909E8E84-426E-40dd-AFC4-6F175D3DCCD1}">
-                <a14:hiddenFill xmlns="" xmlns:a14="http://schemas.microsoft.com/office/drawing/2010/main">
+                <a14:hiddenFill xmlns:a14="http://schemas.microsoft.com/office/drawing/2010/main" xmlns="">
                   <a:solidFill>
                     <a:schemeClr val="accent1"/>
                   </a:solidFill>
                 </a14:hiddenFill>
               </a:ext>
               <a:ext uri="{91240B29-F687-4f45-9708-019B960494DF}">
-                <a14:hiddenLine xmlns="" xmlns:a14="http://schemas.microsoft.com/office/drawing/2010/main" w="9525">
+                <a14:hiddenLine xmlns:a14="http://schemas.microsoft.com/office/drawing/2010/main" xmlns="" w="9525">
                   <a:solidFill>
                     <a:schemeClr val="tx1"/>
                   </a:solidFill>
@@ -35188,7 +36092,7 @@
                 </a14:hiddenLine>
               </a:ext>
               <a:ext uri="{AF507438-7753-43e0-B8FC-AC1667EBCBE1}">
-                <a14:hiddenEffects xmlns="" xmlns:a14="http://schemas.microsoft.com/office/drawing/2010/main">
+                <a14:hiddenEffects xmlns:a14="http://schemas.microsoft.com/office/drawing/2010/main" xmlns="">
                   <a:effectLst>
                     <a:outerShdw dist="35921" dir="2700000" algn="ctr" rotWithShape="0">
                       <a:schemeClr val="bg2"/>
@@ -35578,8 +36482,8 @@
           </p:sp>
         </mc:Fallback>
       </mc:AlternateContent>
-      <mc:AlternateContent xmlns:mc="http://schemas.openxmlformats.org/markup-compatibility/2006">
-        <mc:Choice xmlns:a14="http://schemas.microsoft.com/office/drawing/2010/main" Requires="a14">
+      <mc:AlternateContent xmlns:mc="http://schemas.openxmlformats.org/markup-compatibility/2006" xmlns:a14="http://schemas.microsoft.com/office/drawing/2010/main">
+        <mc:Choice Requires="a14">
           <p:sp>
             <p:nvSpPr>
               <p:cNvPr id="3" name="Content Placeholder 2">
@@ -36156,7 +37060,7 @@
             </p:txBody>
           </p:sp>
         </mc:Choice>
-        <mc:Fallback>
+        <mc:Fallback xmlns="">
           <p:sp>
             <p:nvSpPr>
               <p:cNvPr id="3" name="Content Placeholder 2">
@@ -36397,7 +37301,7 @@
             </a:ln>
             <a:extLst>
               <a:ext uri="{AF507438-7753-43e0-B8FC-AC1667EBCBE1}">
-                <a14:hiddenEffects xmlns="" xmlns:a14="http://schemas.microsoft.com/office/drawing/2010/main">
+                <a14:hiddenEffects xmlns:a14="http://schemas.microsoft.com/office/drawing/2010/main" xmlns="">
                   <a:effectLst>
                     <a:outerShdw dist="35921" dir="2700000" algn="ctr" rotWithShape="0">
                       <a:schemeClr val="bg2"/>
@@ -36467,7 +37371,7 @@
             <a:effectLst/>
             <a:extLst>
               <a:ext uri="{AF507438-7753-43e0-B8FC-AC1667EBCBE1}">
-                <a14:hiddenEffects xmlns="" xmlns:a14="http://schemas.microsoft.com/office/drawing/2010/main">
+                <a14:hiddenEffects xmlns:a14="http://schemas.microsoft.com/office/drawing/2010/main" xmlns="">
                   <a:effectLst>
                     <a:outerShdw dist="35921" dir="2700000" algn="ctr" rotWithShape="0">
                       <a:schemeClr val="bg2"/>
@@ -36521,7 +37425,7 @@
             <a:effectLst/>
             <a:extLst>
               <a:ext uri="{AF507438-7753-43e0-B8FC-AC1667EBCBE1}">
-                <a14:hiddenEffects xmlns="" xmlns:a14="http://schemas.microsoft.com/office/drawing/2010/main">
+                <a14:hiddenEffects xmlns:a14="http://schemas.microsoft.com/office/drawing/2010/main" xmlns="">
                   <a:effectLst>
                     <a:outerShdw dist="35921" dir="2700000" algn="ctr" rotWithShape="0">
                       <a:schemeClr val="bg2"/>
@@ -36574,12 +37478,12 @@
             <a:effectLst/>
             <a:extLst>
               <a:ext uri="{909E8E84-426E-40dd-AFC4-6F175D3DCCD1}">
-                <a14:hiddenFill xmlns="" xmlns:a14="http://schemas.microsoft.com/office/drawing/2010/main">
+                <a14:hiddenFill xmlns:a14="http://schemas.microsoft.com/office/drawing/2010/main" xmlns="">
                   <a:noFill/>
                 </a14:hiddenFill>
               </a:ext>
               <a:ext uri="{AF507438-7753-43e0-B8FC-AC1667EBCBE1}">
-                <a14:hiddenEffects xmlns="" xmlns:a14="http://schemas.microsoft.com/office/drawing/2010/main">
+                <a14:hiddenEffects xmlns:a14="http://schemas.microsoft.com/office/drawing/2010/main" xmlns="">
                   <a:effectLst>
                     <a:outerShdw dist="35921" dir="2700000" algn="ctr" rotWithShape="0">
                       <a:schemeClr val="bg2"/>
@@ -36653,14 +37557,14 @@
             <a:effectLst/>
             <a:extLst>
               <a:ext uri="{909E8E84-426E-40dd-AFC4-6F175D3DCCD1}">
-                <a14:hiddenFill xmlns="" xmlns:a14="http://schemas.microsoft.com/office/drawing/2010/main">
+                <a14:hiddenFill xmlns:a14="http://schemas.microsoft.com/office/drawing/2010/main" xmlns="">
                   <a:solidFill>
                     <a:schemeClr val="accent1"/>
                   </a:solidFill>
                 </a14:hiddenFill>
               </a:ext>
               <a:ext uri="{91240B29-F687-4f45-9708-019B960494DF}">
-                <a14:hiddenLine xmlns="" xmlns:a14="http://schemas.microsoft.com/office/drawing/2010/main" w="9525">
+                <a14:hiddenLine xmlns:a14="http://schemas.microsoft.com/office/drawing/2010/main" xmlns="" w="9525">
                   <a:solidFill>
                     <a:schemeClr val="tx1"/>
                   </a:solidFill>
@@ -36670,7 +37574,7 @@
                 </a14:hiddenLine>
               </a:ext>
               <a:ext uri="{AF507438-7753-43e0-B8FC-AC1667EBCBE1}">
-                <a14:hiddenEffects xmlns="" xmlns:a14="http://schemas.microsoft.com/office/drawing/2010/main">
+                <a14:hiddenEffects xmlns:a14="http://schemas.microsoft.com/office/drawing/2010/main" xmlns="">
                   <a:effectLst>
                     <a:outerShdw dist="35921" dir="2700000" algn="ctr" rotWithShape="0">
                       <a:schemeClr val="bg2"/>
@@ -37008,8 +37912,8 @@
           </a:p>
         </p:txBody>
       </p:sp>
-      <mc:AlternateContent xmlns:mc="http://schemas.openxmlformats.org/markup-compatibility/2006">
-        <mc:Choice xmlns:a14="http://schemas.microsoft.com/office/drawing/2010/main" Requires="a14">
+      <mc:AlternateContent xmlns:mc="http://schemas.openxmlformats.org/markup-compatibility/2006" xmlns:a14="http://schemas.microsoft.com/office/drawing/2010/main">
+        <mc:Choice Requires="a14">
           <p:sp>
             <p:nvSpPr>
               <p:cNvPr id="3" name="Content Placeholder 2">
@@ -37804,7 +38708,7 @@
             </p:txBody>
           </p:sp>
         </mc:Choice>
-        <mc:Fallback>
+        <mc:Fallback xmlns="">
           <p:sp>
             <p:nvSpPr>
               <p:cNvPr id="3" name="Content Placeholder 2">

--- a/slides/19_ML_intro.pptx
+++ b/slides/19_ML_intro.pptx
@@ -5,48 +5,50 @@
     <p:sldMasterId id="2147483769" r:id="rId1"/>
   </p:sldMasterIdLst>
   <p:notesMasterIdLst>
-    <p:notesMasterId r:id="rId33"/>
+    <p:notesMasterId r:id="rId35"/>
   </p:notesMasterIdLst>
   <p:handoutMasterIdLst>
-    <p:handoutMasterId r:id="rId34"/>
+    <p:handoutMasterId r:id="rId36"/>
   </p:handoutMasterIdLst>
   <p:sldIdLst>
     <p:sldId id="455" r:id="rId2"/>
     <p:sldId id="509" r:id="rId3"/>
     <p:sldId id="457" r:id="rId4"/>
-    <p:sldId id="497" r:id="rId5"/>
-    <p:sldId id="346" r:id="rId6"/>
-    <p:sldId id="347" r:id="rId7"/>
-    <p:sldId id="483" r:id="rId8"/>
-    <p:sldId id="484" r:id="rId9"/>
-    <p:sldId id="480" r:id="rId10"/>
-    <p:sldId id="485" r:id="rId11"/>
-    <p:sldId id="479" r:id="rId12"/>
-    <p:sldId id="498" r:id="rId13"/>
-    <p:sldId id="486" r:id="rId14"/>
-    <p:sldId id="432" r:id="rId15"/>
-    <p:sldId id="499" r:id="rId16"/>
-    <p:sldId id="487" r:id="rId17"/>
-    <p:sldId id="501" r:id="rId18"/>
-    <p:sldId id="500" r:id="rId19"/>
-    <p:sldId id="502" r:id="rId20"/>
-    <p:sldId id="504" r:id="rId21"/>
-    <p:sldId id="454" r:id="rId22"/>
-    <p:sldId id="413" r:id="rId23"/>
-    <p:sldId id="505" r:id="rId24"/>
-    <p:sldId id="493" r:id="rId25"/>
-    <p:sldId id="495" r:id="rId26"/>
-    <p:sldId id="489" r:id="rId27"/>
-    <p:sldId id="490" r:id="rId28"/>
-    <p:sldId id="491" r:id="rId29"/>
-    <p:sldId id="506" r:id="rId30"/>
-    <p:sldId id="494" r:id="rId31"/>
-    <p:sldId id="508" r:id="rId32"/>
+    <p:sldId id="306" r:id="rId5"/>
+    <p:sldId id="510" r:id="rId6"/>
+    <p:sldId id="497" r:id="rId7"/>
+    <p:sldId id="346" r:id="rId8"/>
+    <p:sldId id="347" r:id="rId9"/>
+    <p:sldId id="483" r:id="rId10"/>
+    <p:sldId id="484" r:id="rId11"/>
+    <p:sldId id="480" r:id="rId12"/>
+    <p:sldId id="485" r:id="rId13"/>
+    <p:sldId id="479" r:id="rId14"/>
+    <p:sldId id="498" r:id="rId15"/>
+    <p:sldId id="486" r:id="rId16"/>
+    <p:sldId id="432" r:id="rId17"/>
+    <p:sldId id="499" r:id="rId18"/>
+    <p:sldId id="487" r:id="rId19"/>
+    <p:sldId id="501" r:id="rId20"/>
+    <p:sldId id="500" r:id="rId21"/>
+    <p:sldId id="502" r:id="rId22"/>
+    <p:sldId id="504" r:id="rId23"/>
+    <p:sldId id="454" r:id="rId24"/>
+    <p:sldId id="413" r:id="rId25"/>
+    <p:sldId id="505" r:id="rId26"/>
+    <p:sldId id="493" r:id="rId27"/>
+    <p:sldId id="495" r:id="rId28"/>
+    <p:sldId id="489" r:id="rId29"/>
+    <p:sldId id="490" r:id="rId30"/>
+    <p:sldId id="491" r:id="rId31"/>
+    <p:sldId id="506" r:id="rId32"/>
+    <p:sldId id="494" r:id="rId33"/>
+    <p:sldId id="508" r:id="rId34"/>
   </p:sldIdLst>
   <p:sldSz cx="12192000" cy="6858000"/>
   <p:notesSz cx="7099300" cy="10234613"/>
   <p:custDataLst>
-    <p:tags r:id="rId35"/>
+    <p:tags r:id="rId37"/>
   </p:custDataLst>
   <p:defaultTextStyle>
     <a:defPPr>
@@ -151,6 +153,8 @@
             <p14:sldId id="455"/>
             <p14:sldId id="509"/>
             <p14:sldId id="457"/>
+            <p14:sldId id="306"/>
+            <p14:sldId id="510"/>
             <p14:sldId id="497"/>
             <p14:sldId id="346"/>
             <p14:sldId id="347"/>
@@ -2945,7 +2949,7 @@
         <a:p>
           <a:r>
             <a:rPr lang="en-US" dirty="0"/>
-            <a:t>Types of ML Models</a:t>
+            <a:t>Types of supervised ML Models</a:t>
           </a:r>
         </a:p>
       </dgm:t>
@@ -3008,6 +3012,42 @@
         </a:p>
       </dgm:t>
     </dgm:pt>
+    <dgm:pt modelId="{FB6BA4AC-366A-4DD7-9208-7CAECBC61ACD}">
+      <dgm:prSet phldrT="[Text]"/>
+      <dgm:spPr/>
+      <dgm:t>
+        <a:bodyPr/>
+        <a:lstStyle/>
+        <a:p>
+          <a:r>
+            <a:rPr lang="en-US" dirty="0"/>
+            <a:t>ML &amp; Agents</a:t>
+          </a:r>
+        </a:p>
+      </dgm:t>
+    </dgm:pt>
+    <dgm:pt modelId="{1BBE2391-B3F0-4D13-BE2F-3139F04AF03A}" type="parTrans" cxnId="{A9DD7A30-ED7B-4678-A229-1A08ECD58F0D}">
+      <dgm:prSet/>
+      <dgm:spPr/>
+      <dgm:t>
+        <a:bodyPr/>
+        <a:lstStyle/>
+        <a:p>
+          <a:endParaRPr lang="en-US"/>
+        </a:p>
+      </dgm:t>
+    </dgm:pt>
+    <dgm:pt modelId="{82E406E3-D8B4-42F7-B8D8-955AAE0E8DC7}" type="sibTrans" cxnId="{A9DD7A30-ED7B-4678-A229-1A08ECD58F0D}">
+      <dgm:prSet/>
+      <dgm:spPr/>
+      <dgm:t>
+        <a:bodyPr/>
+        <a:lstStyle/>
+        <a:p>
+          <a:endParaRPr lang="en-US"/>
+        </a:p>
+      </dgm:t>
+    </dgm:pt>
     <dgm:pt modelId="{CE6FC447-D3AC-4AE0-8E59-5CCBEF7D903F}" type="pres">
       <dgm:prSet presAssocID="{B1F56DAC-667B-4714-880C-603F24F05912}" presName="Name0" presStyleCnt="0">
         <dgm:presLayoutVars>
@@ -3017,8 +3057,20 @@
       </dgm:prSet>
       <dgm:spPr/>
     </dgm:pt>
+    <dgm:pt modelId="{9ABA40B9-B401-41BC-B09A-613638C1E7E6}" type="pres">
+      <dgm:prSet presAssocID="{FB6BA4AC-366A-4DD7-9208-7CAECBC61ACD}" presName="parTxOnly" presStyleLbl="node1" presStyleIdx="0" presStyleCnt="6">
+        <dgm:presLayoutVars>
+          <dgm:bulletEnabled val="1"/>
+        </dgm:presLayoutVars>
+      </dgm:prSet>
+      <dgm:spPr/>
+    </dgm:pt>
+    <dgm:pt modelId="{6506EC31-59FA-4506-95C2-DFD85AEE3657}" type="pres">
+      <dgm:prSet presAssocID="{82E406E3-D8B4-42F7-B8D8-955AAE0E8DC7}" presName="parSpace" presStyleCnt="0"/>
+      <dgm:spPr/>
+    </dgm:pt>
     <dgm:pt modelId="{A2D39810-36D7-4E58-AF8E-17468F9CE506}" type="pres">
-      <dgm:prSet presAssocID="{B79D49AE-C4BC-4451-8B61-36344AC8A8CC}" presName="parTxOnly" presStyleLbl="node1" presStyleIdx="0" presStyleCnt="5">
+      <dgm:prSet presAssocID="{B79D49AE-C4BC-4451-8B61-36344AC8A8CC}" presName="parTxOnly" presStyleLbl="node1" presStyleIdx="1" presStyleCnt="6">
         <dgm:presLayoutVars>
           <dgm:bulletEnabled val="1"/>
         </dgm:presLayoutVars>
@@ -3030,7 +3082,7 @@
       <dgm:spPr/>
     </dgm:pt>
     <dgm:pt modelId="{8C2ACFE5-0FB2-470C-9650-BAEC6B5F8D81}" type="pres">
-      <dgm:prSet presAssocID="{F56C4BC8-0ED4-400F-A75E-EF237D4F94B6}" presName="parTxOnly" presStyleLbl="node1" presStyleIdx="1" presStyleCnt="5">
+      <dgm:prSet presAssocID="{F56C4BC8-0ED4-400F-A75E-EF237D4F94B6}" presName="parTxOnly" presStyleLbl="node1" presStyleIdx="2" presStyleCnt="6">
         <dgm:presLayoutVars>
           <dgm:bulletEnabled val="1"/>
         </dgm:presLayoutVars>
@@ -3042,7 +3094,7 @@
       <dgm:spPr/>
     </dgm:pt>
     <dgm:pt modelId="{DEB25F94-F592-46DF-A3E4-A98C06467600}" type="pres">
-      <dgm:prSet presAssocID="{1F1F3557-D6AF-47CF-8C3D-D8351D586D3F}" presName="parTxOnly" presStyleLbl="node1" presStyleIdx="2" presStyleCnt="5">
+      <dgm:prSet presAssocID="{1F1F3557-D6AF-47CF-8C3D-D8351D586D3F}" presName="parTxOnly" presStyleLbl="node1" presStyleIdx="3" presStyleCnt="6">
         <dgm:presLayoutVars>
           <dgm:bulletEnabled val="1"/>
         </dgm:presLayoutVars>
@@ -3054,7 +3106,7 @@
       <dgm:spPr/>
     </dgm:pt>
     <dgm:pt modelId="{2FD1BA13-7C70-40AE-B614-3FEF4B8E4117}" type="pres">
-      <dgm:prSet presAssocID="{451AA810-5B15-4A81-BA5D-D4EA5D9B1831}" presName="parTxOnly" presStyleLbl="node1" presStyleIdx="3" presStyleCnt="5">
+      <dgm:prSet presAssocID="{451AA810-5B15-4A81-BA5D-D4EA5D9B1831}" presName="parTxOnly" presStyleLbl="node1" presStyleIdx="4" presStyleCnt="6">
         <dgm:presLayoutVars>
           <dgm:bulletEnabled val="1"/>
         </dgm:presLayoutVars>
@@ -3066,7 +3118,7 @@
       <dgm:spPr/>
     </dgm:pt>
     <dgm:pt modelId="{66C5258F-7B65-45E4-9182-512C4C17BB69}" type="pres">
-      <dgm:prSet presAssocID="{A162E7D4-7296-40E4-B5A0-41D2FAD1277E}" presName="parTxOnly" presStyleLbl="node1" presStyleIdx="4" presStyleCnt="5">
+      <dgm:prSet presAssocID="{A162E7D4-7296-40E4-B5A0-41D2FAD1277E}" presName="parTxOnly" presStyleLbl="node1" presStyleIdx="5" presStyleCnt="6">
         <dgm:presLayoutVars>
           <dgm:bulletEnabled val="1"/>
         </dgm:presLayoutVars>
@@ -3075,26 +3127,30 @@
     </dgm:pt>
   </dgm:ptLst>
   <dgm:cxnLst>
-    <dgm:cxn modelId="{6359E31F-C4E6-4C29-AD30-FAD8EC9DFAED}" srcId="{B1F56DAC-667B-4714-880C-603F24F05912}" destId="{A162E7D4-7296-40E4-B5A0-41D2FAD1277E}" srcOrd="4" destOrd="0" parTransId="{C4245560-DC20-46FA-AFAD-689EED375F1D}" sibTransId="{0FD7DD4D-9758-4BFF-A28C-3499268CD46E}"/>
-    <dgm:cxn modelId="{4B35E22E-3BF8-490E-B7B4-54CD143774CE}" srcId="{B1F56DAC-667B-4714-880C-603F24F05912}" destId="{F56C4BC8-0ED4-400F-A75E-EF237D4F94B6}" srcOrd="1" destOrd="0" parTransId="{4293304B-5236-46D6-9083-D1E8E81B63BB}" sibTransId="{B2D14E5B-C6D9-499E-9834-A7B65322007B}"/>
+    <dgm:cxn modelId="{6359E31F-C4E6-4C29-AD30-FAD8EC9DFAED}" srcId="{B1F56DAC-667B-4714-880C-603F24F05912}" destId="{A162E7D4-7296-40E4-B5A0-41D2FAD1277E}" srcOrd="5" destOrd="0" parTransId="{C4245560-DC20-46FA-AFAD-689EED375F1D}" sibTransId="{0FD7DD4D-9758-4BFF-A28C-3499268CD46E}"/>
+    <dgm:cxn modelId="{4B35E22E-3BF8-490E-B7B4-54CD143774CE}" srcId="{B1F56DAC-667B-4714-880C-603F24F05912}" destId="{F56C4BC8-0ED4-400F-A75E-EF237D4F94B6}" srcOrd="2" destOrd="0" parTransId="{4293304B-5236-46D6-9083-D1E8E81B63BB}" sibTransId="{B2D14E5B-C6D9-499E-9834-A7B65322007B}"/>
+    <dgm:cxn modelId="{A9DD7A30-ED7B-4678-A229-1A08ECD58F0D}" srcId="{B1F56DAC-667B-4714-880C-603F24F05912}" destId="{FB6BA4AC-366A-4DD7-9208-7CAECBC61ACD}" srcOrd="0" destOrd="0" parTransId="{1BBE2391-B3F0-4D13-BE2F-3139F04AF03A}" sibTransId="{82E406E3-D8B4-42F7-B8D8-955AAE0E8DC7}"/>
     <dgm:cxn modelId="{2C9F1864-D119-48A7-9350-0AE428A89F36}" type="presOf" srcId="{A162E7D4-7296-40E4-B5A0-41D2FAD1277E}" destId="{66C5258F-7B65-45E4-9182-512C4C17BB69}" srcOrd="0" destOrd="0" presId="urn:microsoft.com/office/officeart/2005/8/layout/hChevron3"/>
-    <dgm:cxn modelId="{E5A0DC4B-9039-4EFF-B096-55D281F90705}" srcId="{B1F56DAC-667B-4714-880C-603F24F05912}" destId="{451AA810-5B15-4A81-BA5D-D4EA5D9B1831}" srcOrd="3" destOrd="0" parTransId="{1AD1F506-36C8-4DEB-80FD-AC22DFB23149}" sibTransId="{A332E490-9AC3-4DF1-AE94-0EED0AE5B1C2}"/>
+    <dgm:cxn modelId="{E5A0DC4B-9039-4EFF-B096-55D281F90705}" srcId="{B1F56DAC-667B-4714-880C-603F24F05912}" destId="{451AA810-5B15-4A81-BA5D-D4EA5D9B1831}" srcOrd="4" destOrd="0" parTransId="{1AD1F506-36C8-4DEB-80FD-AC22DFB23149}" sibTransId="{A332E490-9AC3-4DF1-AE94-0EED0AE5B1C2}"/>
     <dgm:cxn modelId="{471BA654-E67F-4CBC-8123-003A7C8FEA69}" type="presOf" srcId="{F56C4BC8-0ED4-400F-A75E-EF237D4F94B6}" destId="{8C2ACFE5-0FB2-470C-9650-BAEC6B5F8D81}" srcOrd="0" destOrd="0" presId="urn:microsoft.com/office/officeart/2005/8/layout/hChevron3"/>
-    <dgm:cxn modelId="{33BB2657-E490-4F1A-B796-5E0C2BADBBD7}" srcId="{B1F56DAC-667B-4714-880C-603F24F05912}" destId="{1F1F3557-D6AF-47CF-8C3D-D8351D586D3F}" srcOrd="2" destOrd="0" parTransId="{E4334A6C-1385-4594-A085-BF177D0B5A2C}" sibTransId="{2D333EDA-78FE-4356-BF88-7C120261B098}"/>
+    <dgm:cxn modelId="{33BB2657-E490-4F1A-B796-5E0C2BADBBD7}" srcId="{B1F56DAC-667B-4714-880C-603F24F05912}" destId="{1F1F3557-D6AF-47CF-8C3D-D8351D586D3F}" srcOrd="3" destOrd="0" parTransId="{E4334A6C-1385-4594-A085-BF177D0B5A2C}" sibTransId="{2D333EDA-78FE-4356-BF88-7C120261B098}"/>
     <dgm:cxn modelId="{542AA88D-64E3-4C87-A3D8-A3D9C90072C5}" type="presOf" srcId="{1F1F3557-D6AF-47CF-8C3D-D8351D586D3F}" destId="{DEB25F94-F592-46DF-A3E4-A98C06467600}" srcOrd="0" destOrd="0" presId="urn:microsoft.com/office/officeart/2005/8/layout/hChevron3"/>
     <dgm:cxn modelId="{64679C8E-360A-44A7-B296-A8DCEBF139C3}" type="presOf" srcId="{451AA810-5B15-4A81-BA5D-D4EA5D9B1831}" destId="{2FD1BA13-7C70-40AE-B614-3FEF4B8E4117}" srcOrd="0" destOrd="0" presId="urn:microsoft.com/office/officeart/2005/8/layout/hChevron3"/>
-    <dgm:cxn modelId="{BB44AAC3-B52D-4C06-BFD7-A642F302041C}" srcId="{B1F56DAC-667B-4714-880C-603F24F05912}" destId="{B79D49AE-C4BC-4451-8B61-36344AC8A8CC}" srcOrd="0" destOrd="0" parTransId="{6F7F5DD6-6DE9-47B1-9956-BB5CC5C2F674}" sibTransId="{CAF0C5CC-FCA6-43DB-824D-925055DF913E}"/>
+    <dgm:cxn modelId="{98DFB9A8-3EFC-4822-9EDB-E24FAE87691C}" type="presOf" srcId="{FB6BA4AC-366A-4DD7-9208-7CAECBC61ACD}" destId="{9ABA40B9-B401-41BC-B09A-613638C1E7E6}" srcOrd="0" destOrd="0" presId="urn:microsoft.com/office/officeart/2005/8/layout/hChevron3"/>
+    <dgm:cxn modelId="{BB44AAC3-B52D-4C06-BFD7-A642F302041C}" srcId="{B1F56DAC-667B-4714-880C-603F24F05912}" destId="{B79D49AE-C4BC-4451-8B61-36344AC8A8CC}" srcOrd="1" destOrd="0" parTransId="{6F7F5DD6-6DE9-47B1-9956-BB5CC5C2F674}" sibTransId="{CAF0C5CC-FCA6-43DB-824D-925055DF913E}"/>
     <dgm:cxn modelId="{8CB546D9-D527-47E8-AD0A-D396B04786CB}" type="presOf" srcId="{B1F56DAC-667B-4714-880C-603F24F05912}" destId="{CE6FC447-D3AC-4AE0-8E59-5CCBEF7D903F}" srcOrd="0" destOrd="0" presId="urn:microsoft.com/office/officeart/2005/8/layout/hChevron3"/>
     <dgm:cxn modelId="{1D03E7F3-44ED-40B0-9017-6858C638D124}" type="presOf" srcId="{B79D49AE-C4BC-4451-8B61-36344AC8A8CC}" destId="{A2D39810-36D7-4E58-AF8E-17468F9CE506}" srcOrd="0" destOrd="0" presId="urn:microsoft.com/office/officeart/2005/8/layout/hChevron3"/>
-    <dgm:cxn modelId="{4EBDF6BB-CBB1-465E-AFD1-27CDFA648CBE}" type="presParOf" srcId="{CE6FC447-D3AC-4AE0-8E59-5CCBEF7D903F}" destId="{A2D39810-36D7-4E58-AF8E-17468F9CE506}" srcOrd="0" destOrd="0" presId="urn:microsoft.com/office/officeart/2005/8/layout/hChevron3"/>
-    <dgm:cxn modelId="{999601EF-5FF6-476D-BADA-53438AFDBFF2}" type="presParOf" srcId="{CE6FC447-D3AC-4AE0-8E59-5CCBEF7D903F}" destId="{D3CC00A7-25F3-454C-A629-FA1937BAA54A}" srcOrd="1" destOrd="0" presId="urn:microsoft.com/office/officeart/2005/8/layout/hChevron3"/>
-    <dgm:cxn modelId="{4A06E79E-A9B0-4759-8C50-92FF69E35B8C}" type="presParOf" srcId="{CE6FC447-D3AC-4AE0-8E59-5CCBEF7D903F}" destId="{8C2ACFE5-0FB2-470C-9650-BAEC6B5F8D81}" srcOrd="2" destOrd="0" presId="urn:microsoft.com/office/officeart/2005/8/layout/hChevron3"/>
-    <dgm:cxn modelId="{65A4AEA5-CEE4-4F8E-BEC5-DE04BDC892A1}" type="presParOf" srcId="{CE6FC447-D3AC-4AE0-8E59-5CCBEF7D903F}" destId="{41D63297-2774-4FD0-AD1E-03A6F522D20B}" srcOrd="3" destOrd="0" presId="urn:microsoft.com/office/officeart/2005/8/layout/hChevron3"/>
-    <dgm:cxn modelId="{E19080FF-6C9C-40DB-875F-C3B3F341AB5C}" type="presParOf" srcId="{CE6FC447-D3AC-4AE0-8E59-5CCBEF7D903F}" destId="{DEB25F94-F592-46DF-A3E4-A98C06467600}" srcOrd="4" destOrd="0" presId="urn:microsoft.com/office/officeart/2005/8/layout/hChevron3"/>
-    <dgm:cxn modelId="{333ADBF6-DED4-47C2-99DC-DB3E1585AC70}" type="presParOf" srcId="{CE6FC447-D3AC-4AE0-8E59-5CCBEF7D903F}" destId="{95C16300-9B0C-42F8-9DC3-788F7F279FFD}" srcOrd="5" destOrd="0" presId="urn:microsoft.com/office/officeart/2005/8/layout/hChevron3"/>
-    <dgm:cxn modelId="{446E57A9-2B9A-4763-B501-1027CFF86817}" type="presParOf" srcId="{CE6FC447-D3AC-4AE0-8E59-5CCBEF7D903F}" destId="{2FD1BA13-7C70-40AE-B614-3FEF4B8E4117}" srcOrd="6" destOrd="0" presId="urn:microsoft.com/office/officeart/2005/8/layout/hChevron3"/>
-    <dgm:cxn modelId="{43694605-815A-4702-8CA9-059498F63798}" type="presParOf" srcId="{CE6FC447-D3AC-4AE0-8E59-5CCBEF7D903F}" destId="{9D4F63AB-5F76-4CC0-96B8-254CC01FECBC}" srcOrd="7" destOrd="0" presId="urn:microsoft.com/office/officeart/2005/8/layout/hChevron3"/>
-    <dgm:cxn modelId="{6688416D-0917-437A-BB17-AEA691F6693B}" type="presParOf" srcId="{CE6FC447-D3AC-4AE0-8E59-5CCBEF7D903F}" destId="{66C5258F-7B65-45E4-9182-512C4C17BB69}" srcOrd="8" destOrd="0" presId="urn:microsoft.com/office/officeart/2005/8/layout/hChevron3"/>
+    <dgm:cxn modelId="{6CE1EDC1-38F4-4897-BEC0-16E8E554B260}" type="presParOf" srcId="{CE6FC447-D3AC-4AE0-8E59-5CCBEF7D903F}" destId="{9ABA40B9-B401-41BC-B09A-613638C1E7E6}" srcOrd="0" destOrd="0" presId="urn:microsoft.com/office/officeart/2005/8/layout/hChevron3"/>
+    <dgm:cxn modelId="{FCA1FB7A-27D6-4AC2-9154-A07CEF790CB0}" type="presParOf" srcId="{CE6FC447-D3AC-4AE0-8E59-5CCBEF7D903F}" destId="{6506EC31-59FA-4506-95C2-DFD85AEE3657}" srcOrd="1" destOrd="0" presId="urn:microsoft.com/office/officeart/2005/8/layout/hChevron3"/>
+    <dgm:cxn modelId="{4EBDF6BB-CBB1-465E-AFD1-27CDFA648CBE}" type="presParOf" srcId="{CE6FC447-D3AC-4AE0-8E59-5CCBEF7D903F}" destId="{A2D39810-36D7-4E58-AF8E-17468F9CE506}" srcOrd="2" destOrd="0" presId="urn:microsoft.com/office/officeart/2005/8/layout/hChevron3"/>
+    <dgm:cxn modelId="{999601EF-5FF6-476D-BADA-53438AFDBFF2}" type="presParOf" srcId="{CE6FC447-D3AC-4AE0-8E59-5CCBEF7D903F}" destId="{D3CC00A7-25F3-454C-A629-FA1937BAA54A}" srcOrd="3" destOrd="0" presId="urn:microsoft.com/office/officeart/2005/8/layout/hChevron3"/>
+    <dgm:cxn modelId="{4A06E79E-A9B0-4759-8C50-92FF69E35B8C}" type="presParOf" srcId="{CE6FC447-D3AC-4AE0-8E59-5CCBEF7D903F}" destId="{8C2ACFE5-0FB2-470C-9650-BAEC6B5F8D81}" srcOrd="4" destOrd="0" presId="urn:microsoft.com/office/officeart/2005/8/layout/hChevron3"/>
+    <dgm:cxn modelId="{65A4AEA5-CEE4-4F8E-BEC5-DE04BDC892A1}" type="presParOf" srcId="{CE6FC447-D3AC-4AE0-8E59-5CCBEF7D903F}" destId="{41D63297-2774-4FD0-AD1E-03A6F522D20B}" srcOrd="5" destOrd="0" presId="urn:microsoft.com/office/officeart/2005/8/layout/hChevron3"/>
+    <dgm:cxn modelId="{E19080FF-6C9C-40DB-875F-C3B3F341AB5C}" type="presParOf" srcId="{CE6FC447-D3AC-4AE0-8E59-5CCBEF7D903F}" destId="{DEB25F94-F592-46DF-A3E4-A98C06467600}" srcOrd="6" destOrd="0" presId="urn:microsoft.com/office/officeart/2005/8/layout/hChevron3"/>
+    <dgm:cxn modelId="{333ADBF6-DED4-47C2-99DC-DB3E1585AC70}" type="presParOf" srcId="{CE6FC447-D3AC-4AE0-8E59-5CCBEF7D903F}" destId="{95C16300-9B0C-42F8-9DC3-788F7F279FFD}" srcOrd="7" destOrd="0" presId="urn:microsoft.com/office/officeart/2005/8/layout/hChevron3"/>
+    <dgm:cxn modelId="{446E57A9-2B9A-4763-B501-1027CFF86817}" type="presParOf" srcId="{CE6FC447-D3AC-4AE0-8E59-5CCBEF7D903F}" destId="{2FD1BA13-7C70-40AE-B614-3FEF4B8E4117}" srcOrd="8" destOrd="0" presId="urn:microsoft.com/office/officeart/2005/8/layout/hChevron3"/>
+    <dgm:cxn modelId="{43694605-815A-4702-8CA9-059498F63798}" type="presParOf" srcId="{CE6FC447-D3AC-4AE0-8E59-5CCBEF7D903F}" destId="{9D4F63AB-5F76-4CC0-96B8-254CC01FECBC}" srcOrd="9" destOrd="0" presId="urn:microsoft.com/office/officeart/2005/8/layout/hChevron3"/>
+    <dgm:cxn modelId="{6688416D-0917-437A-BB17-AEA691F6693B}" type="presParOf" srcId="{CE6FC447-D3AC-4AE0-8E59-5CCBEF7D903F}" destId="{66C5258F-7B65-45E4-9182-512C4C17BB69}" srcOrd="10" destOrd="0" presId="urn:microsoft.com/office/officeart/2005/8/layout/hChevron3"/>
   </dgm:cxnLst>
   <dgm:bg/>
   <dgm:whole/>
@@ -3833,8 +3889,8 @@
         </a:p>
       </dgm:t>
     </dgm:pt>
-    <mc:AlternateContent xmlns:mc="http://schemas.openxmlformats.org/markup-compatibility/2006">
-      <mc:Choice xmlns:a14="http://schemas.microsoft.com/office/drawing/2010/main" Requires="a14">
+    <mc:AlternateContent xmlns:mc="http://schemas.openxmlformats.org/markup-compatibility/2006" xmlns:a14="http://schemas.microsoft.com/office/drawing/2010/main">
+      <mc:Choice Requires="a14">
         <dgm:pt modelId="{EDE1371B-F13F-4A60-9C71-C9674634C493}">
           <dgm:prSet/>
           <dgm:spPr/>
@@ -3895,7 +3951,7 @@
           </dgm:t>
         </dgm:pt>
       </mc:Choice>
-      <mc:Fallback>
+      <mc:Fallback xmlns="">
         <dgm:pt modelId="{EDE1371B-F13F-4A60-9C71-C9674634C493}">
           <dgm:prSet/>
           <dgm:spPr/>
@@ -3940,8 +3996,8 @@
         </a:p>
       </dgm:t>
     </dgm:pt>
-    <mc:AlternateContent xmlns:mc="http://schemas.openxmlformats.org/markup-compatibility/2006">
-      <mc:Choice xmlns:a14="http://schemas.microsoft.com/office/drawing/2010/main" Requires="a14">
+    <mc:AlternateContent xmlns:mc="http://schemas.openxmlformats.org/markup-compatibility/2006" xmlns:a14="http://schemas.microsoft.com/office/drawing/2010/main">
+      <mc:Choice Requires="a14">
         <dgm:pt modelId="{6F1981E5-7B90-4815-8E6C-BF76A61A82B2}">
           <dgm:prSet/>
           <dgm:spPr/>
@@ -4002,7 +4058,7 @@
           </dgm:t>
         </dgm:pt>
       </mc:Choice>
-      <mc:Fallback>
+      <mc:Fallback xmlns="">
         <dgm:pt modelId="{6F1981E5-7B90-4815-8E6C-BF76A61A82B2}">
           <dgm:prSet/>
           <dgm:spPr/>
@@ -5631,15 +5687,15 @@
       <dsp:cNvGrpSpPr/>
     </dsp:nvGrpSpPr>
     <dsp:grpSpPr/>
-    <dsp:sp modelId="{A2D39810-36D7-4E58-AF8E-17468F9CE506}">
+    <dsp:sp modelId="{9ABA40B9-B401-41BC-B09A-613638C1E7E6}">
       <dsp:nvSpPr>
         <dsp:cNvPr id="0" name=""/>
         <dsp:cNvSpPr/>
       </dsp:nvSpPr>
       <dsp:spPr>
         <a:xfrm>
-          <a:off x="1283" y="1251979"/>
-          <a:ext cx="2503103" cy="1001241"/>
+          <a:off x="1283" y="1332078"/>
+          <a:ext cx="2102606" cy="841042"/>
         </a:xfrm>
         <a:prstGeom prst="homePlate">
           <a:avLst/>
@@ -5681,12 +5737,12 @@
         </a:fontRef>
       </dsp:style>
       <dsp:txBody>
-        <a:bodyPr spcFirstLastPara="0" vert="horz" wrap="square" lIns="122682" tIns="61341" rIns="30671" bIns="61341" numCol="1" spcCol="1270" anchor="ctr" anchorCtr="0">
+        <a:bodyPr spcFirstLastPara="0" vert="horz" wrap="square" lIns="90678" tIns="45339" rIns="22670" bIns="45339" numCol="1" spcCol="1270" anchor="ctr" anchorCtr="0">
           <a:noAutofit/>
         </a:bodyPr>
         <a:lstStyle/>
         <a:p>
-          <a:pPr marL="0" lvl="0" indent="0" algn="ctr" defTabSz="1022350">
+          <a:pPr marL="0" lvl="0" indent="0" algn="ctr" defTabSz="755650">
             <a:lnSpc>
               <a:spcPct val="90000"/>
             </a:lnSpc>
@@ -5699,25 +5755,25 @@
             <a:buNone/>
           </a:pPr>
           <a:r>
-            <a:rPr lang="en-US" sz="2300" kern="1200" dirty="0"/>
-            <a:t>Supervised Learning</a:t>
+            <a:rPr lang="en-US" sz="1700" kern="1200" dirty="0"/>
+            <a:t>ML &amp; Agents</a:t>
           </a:r>
         </a:p>
       </dsp:txBody>
       <dsp:txXfrm>
-        <a:off x="1283" y="1251979"/>
-        <a:ext cx="2252793" cy="1001241"/>
+        <a:off x="1283" y="1332078"/>
+        <a:ext cx="1892346" cy="841042"/>
       </dsp:txXfrm>
     </dsp:sp>
-    <dsp:sp modelId="{8C2ACFE5-0FB2-470C-9650-BAEC6B5F8D81}">
+    <dsp:sp modelId="{A2D39810-36D7-4E58-AF8E-17468F9CE506}">
       <dsp:nvSpPr>
         <dsp:cNvPr id="0" name=""/>
         <dsp:cNvSpPr/>
       </dsp:nvSpPr>
       <dsp:spPr>
         <a:xfrm>
-          <a:off x="2003766" y="1251979"/>
-          <a:ext cx="2503103" cy="1001241"/>
+          <a:off x="1683368" y="1332078"/>
+          <a:ext cx="2102606" cy="841042"/>
         </a:xfrm>
         <a:prstGeom prst="chevron">
           <a:avLst/>
@@ -5759,12 +5815,12 @@
         </a:fontRef>
       </dsp:style>
       <dsp:txBody>
-        <a:bodyPr spcFirstLastPara="0" vert="horz" wrap="square" lIns="92012" tIns="61341" rIns="30671" bIns="61341" numCol="1" spcCol="1270" anchor="ctr" anchorCtr="0">
+        <a:bodyPr spcFirstLastPara="0" vert="horz" wrap="square" lIns="68009" tIns="45339" rIns="22670" bIns="45339" numCol="1" spcCol="1270" anchor="ctr" anchorCtr="0">
           <a:noAutofit/>
         </a:bodyPr>
         <a:lstStyle/>
         <a:p>
-          <a:pPr marL="0" lvl="0" indent="0" algn="ctr" defTabSz="1022350">
+          <a:pPr marL="0" lvl="0" indent="0" algn="ctr" defTabSz="755650">
             <a:lnSpc>
               <a:spcPct val="90000"/>
             </a:lnSpc>
@@ -5777,25 +5833,25 @@
             <a:buNone/>
           </a:pPr>
           <a:r>
-            <a:rPr lang="en-US" sz="2300" kern="1200" dirty="0"/>
-            <a:t>Data</a:t>
+            <a:rPr lang="en-US" sz="1700" kern="1200" dirty="0"/>
+            <a:t>Supervised Learning</a:t>
           </a:r>
         </a:p>
       </dsp:txBody>
       <dsp:txXfrm>
-        <a:off x="2504387" y="1251979"/>
-        <a:ext cx="1501862" cy="1001241"/>
+        <a:off x="2103889" y="1332078"/>
+        <a:ext cx="1261564" cy="841042"/>
       </dsp:txXfrm>
     </dsp:sp>
-    <dsp:sp modelId="{DEB25F94-F592-46DF-A3E4-A98C06467600}">
+    <dsp:sp modelId="{8C2ACFE5-0FB2-470C-9650-BAEC6B5F8D81}">
       <dsp:nvSpPr>
         <dsp:cNvPr id="0" name=""/>
         <dsp:cNvSpPr/>
       </dsp:nvSpPr>
       <dsp:spPr>
         <a:xfrm>
-          <a:off x="4006248" y="1251979"/>
-          <a:ext cx="2503103" cy="1001241"/>
+          <a:off x="3365454" y="1332078"/>
+          <a:ext cx="2102606" cy="841042"/>
         </a:xfrm>
         <a:prstGeom prst="chevron">
           <a:avLst/>
@@ -5837,12 +5893,12 @@
         </a:fontRef>
       </dsp:style>
       <dsp:txBody>
-        <a:bodyPr spcFirstLastPara="0" vert="horz" wrap="square" lIns="92012" tIns="61341" rIns="30671" bIns="61341" numCol="1" spcCol="1270" anchor="ctr" anchorCtr="0">
+        <a:bodyPr spcFirstLastPara="0" vert="horz" wrap="square" lIns="68009" tIns="45339" rIns="22670" bIns="45339" numCol="1" spcCol="1270" anchor="ctr" anchorCtr="0">
           <a:noAutofit/>
         </a:bodyPr>
         <a:lstStyle/>
         <a:p>
-          <a:pPr marL="0" lvl="0" indent="0" algn="ctr" defTabSz="1022350">
+          <a:pPr marL="0" lvl="0" indent="0" algn="ctr" defTabSz="755650">
             <a:lnSpc>
               <a:spcPct val="90000"/>
             </a:lnSpc>
@@ -5855,25 +5911,25 @@
             <a:buNone/>
           </a:pPr>
           <a:r>
-            <a:rPr lang="en-US" sz="2300" kern="1200" dirty="0"/>
-            <a:t>Training &amp; Testing</a:t>
+            <a:rPr lang="en-US" sz="1700" kern="1200" dirty="0"/>
+            <a:t>Data</a:t>
           </a:r>
         </a:p>
       </dsp:txBody>
       <dsp:txXfrm>
-        <a:off x="4506869" y="1251979"/>
-        <a:ext cx="1501862" cy="1001241"/>
+        <a:off x="3785975" y="1332078"/>
+        <a:ext cx="1261564" cy="841042"/>
       </dsp:txXfrm>
     </dsp:sp>
-    <dsp:sp modelId="{2FD1BA13-7C70-40AE-B614-3FEF4B8E4117}">
+    <dsp:sp modelId="{DEB25F94-F592-46DF-A3E4-A98C06467600}">
       <dsp:nvSpPr>
         <dsp:cNvPr id="0" name=""/>
         <dsp:cNvSpPr/>
       </dsp:nvSpPr>
       <dsp:spPr>
         <a:xfrm>
-          <a:off x="6008730" y="1251979"/>
-          <a:ext cx="2503103" cy="1001241"/>
+          <a:off x="5047539" y="1332078"/>
+          <a:ext cx="2102606" cy="841042"/>
         </a:xfrm>
         <a:prstGeom prst="chevron">
           <a:avLst/>
@@ -5915,12 +5971,12 @@
         </a:fontRef>
       </dsp:style>
       <dsp:txBody>
-        <a:bodyPr spcFirstLastPara="0" vert="horz" wrap="square" lIns="92012" tIns="61341" rIns="30671" bIns="61341" numCol="1" spcCol="1270" anchor="ctr" anchorCtr="0">
+        <a:bodyPr spcFirstLastPara="0" vert="horz" wrap="square" lIns="68009" tIns="45339" rIns="22670" bIns="45339" numCol="1" spcCol="1270" anchor="ctr" anchorCtr="0">
           <a:noAutofit/>
         </a:bodyPr>
         <a:lstStyle/>
         <a:p>
-          <a:pPr marL="0" lvl="0" indent="0" algn="ctr" defTabSz="1022350">
+          <a:pPr marL="0" lvl="0" indent="0" algn="ctr" defTabSz="755650">
             <a:lnSpc>
               <a:spcPct val="90000"/>
             </a:lnSpc>
@@ -5933,25 +5989,25 @@
             <a:buNone/>
           </a:pPr>
           <a:r>
-            <a:rPr lang="en-US" sz="2300" kern="1200" dirty="0"/>
-            <a:t>Types of ML Models</a:t>
+            <a:rPr lang="en-US" sz="1700" kern="1200" dirty="0"/>
+            <a:t>Training &amp; Testing</a:t>
           </a:r>
         </a:p>
       </dsp:txBody>
       <dsp:txXfrm>
-        <a:off x="6509351" y="1251979"/>
-        <a:ext cx="1501862" cy="1001241"/>
+        <a:off x="5468060" y="1332078"/>
+        <a:ext cx="1261564" cy="841042"/>
       </dsp:txXfrm>
     </dsp:sp>
-    <dsp:sp modelId="{66C5258F-7B65-45E4-9182-512C4C17BB69}">
+    <dsp:sp modelId="{2FD1BA13-7C70-40AE-B614-3FEF4B8E4117}">
       <dsp:nvSpPr>
         <dsp:cNvPr id="0" name=""/>
         <dsp:cNvSpPr/>
       </dsp:nvSpPr>
       <dsp:spPr>
         <a:xfrm>
-          <a:off x="8011213" y="1251979"/>
-          <a:ext cx="2503103" cy="1001241"/>
+          <a:off x="6729624" y="1332078"/>
+          <a:ext cx="2102606" cy="841042"/>
         </a:xfrm>
         <a:prstGeom prst="chevron">
           <a:avLst/>
@@ -5993,12 +6049,12 @@
         </a:fontRef>
       </dsp:style>
       <dsp:txBody>
-        <a:bodyPr spcFirstLastPara="0" vert="horz" wrap="square" lIns="92012" tIns="61341" rIns="30671" bIns="61341" numCol="1" spcCol="1270" anchor="ctr" anchorCtr="0">
+        <a:bodyPr spcFirstLastPara="0" vert="horz" wrap="square" lIns="68009" tIns="45339" rIns="22670" bIns="45339" numCol="1" spcCol="1270" anchor="ctr" anchorCtr="0">
           <a:noAutofit/>
         </a:bodyPr>
         <a:lstStyle/>
         <a:p>
-          <a:pPr marL="0" lvl="0" indent="0" algn="ctr" defTabSz="1022350">
+          <a:pPr marL="0" lvl="0" indent="0" algn="ctr" defTabSz="755650">
             <a:lnSpc>
               <a:spcPct val="90000"/>
             </a:lnSpc>
@@ -6011,14 +6067,92 @@
             <a:buNone/>
           </a:pPr>
           <a:r>
-            <a:rPr lang="en-US" sz="2300" kern="1200" dirty="0"/>
+            <a:rPr lang="en-US" sz="1700" kern="1200" dirty="0"/>
+            <a:t>Types of supervised ML Models</a:t>
+          </a:r>
+        </a:p>
+      </dsp:txBody>
+      <dsp:txXfrm>
+        <a:off x="7150145" y="1332078"/>
+        <a:ext cx="1261564" cy="841042"/>
+      </dsp:txXfrm>
+    </dsp:sp>
+    <dsp:sp modelId="{66C5258F-7B65-45E4-9182-512C4C17BB69}">
+      <dsp:nvSpPr>
+        <dsp:cNvPr id="0" name=""/>
+        <dsp:cNvSpPr/>
+      </dsp:nvSpPr>
+      <dsp:spPr>
+        <a:xfrm>
+          <a:off x="8411709" y="1332078"/>
+          <a:ext cx="2102606" cy="841042"/>
+        </a:xfrm>
+        <a:prstGeom prst="chevron">
+          <a:avLst/>
+        </a:prstGeom>
+        <a:solidFill>
+          <a:schemeClr val="accent2">
+            <a:hueOff val="0"/>
+            <a:satOff val="0"/>
+            <a:lumOff val="0"/>
+            <a:alphaOff val="0"/>
+          </a:schemeClr>
+        </a:solidFill>
+        <a:ln w="12700" cap="flat" cmpd="sng" algn="ctr">
+          <a:solidFill>
+            <a:schemeClr val="lt1">
+              <a:hueOff val="0"/>
+              <a:satOff val="0"/>
+              <a:lumOff val="0"/>
+              <a:alphaOff val="0"/>
+            </a:schemeClr>
+          </a:solidFill>
+          <a:prstDash val="solid"/>
+          <a:miter lim="800000"/>
+        </a:ln>
+        <a:effectLst/>
+      </dsp:spPr>
+      <dsp:style>
+        <a:lnRef idx="2">
+          <a:scrgbClr r="0" g="0" b="0"/>
+        </a:lnRef>
+        <a:fillRef idx="1">
+          <a:scrgbClr r="0" g="0" b="0"/>
+        </a:fillRef>
+        <a:effectRef idx="0">
+          <a:scrgbClr r="0" g="0" b="0"/>
+        </a:effectRef>
+        <a:fontRef idx="minor">
+          <a:schemeClr val="lt1"/>
+        </a:fontRef>
+      </dsp:style>
+      <dsp:txBody>
+        <a:bodyPr spcFirstLastPara="0" vert="horz" wrap="square" lIns="68009" tIns="45339" rIns="22670" bIns="45339" numCol="1" spcCol="1270" anchor="ctr" anchorCtr="0">
+          <a:noAutofit/>
+        </a:bodyPr>
+        <a:lstStyle/>
+        <a:p>
+          <a:pPr marL="0" lvl="0" indent="0" algn="ctr" defTabSz="755650">
+            <a:lnSpc>
+              <a:spcPct val="90000"/>
+            </a:lnSpc>
+            <a:spcBef>
+              <a:spcPct val="0"/>
+            </a:spcBef>
+            <a:spcAft>
+              <a:spcPct val="35000"/>
+            </a:spcAft>
+            <a:buNone/>
+          </a:pPr>
+          <a:r>
+            <a:rPr lang="en-US" sz="1700" kern="1200" dirty="0"/>
             <a:t>Use in AI</a:t>
           </a:r>
         </a:p>
       </dsp:txBody>
       <dsp:txXfrm>
-        <a:off x="8511834" y="1251979"/>
-        <a:ext cx="1501862" cy="1001241"/>
+        <a:off x="8832230" y="1332078"/>
+        <a:ext cx="1261564" cy="841042"/>
       </dsp:txXfrm>
     </dsp:sp>
   </dsp:spTree>
@@ -12221,7 +12355,9 @@
         </p:nvSpPr>
         <p:spPr/>
         <p:txBody>
-          <a:bodyPr/>
+          <a:bodyPr>
+            <a:normAutofit/>
+          </a:bodyPr>
           <a:lstStyle/>
           <a:p>
             <a:endParaRPr lang="en-US" dirty="0"/>
@@ -12235,7 +12371,7 @@
             <a:spLocks noGrp="1"/>
           </p:cNvSpPr>
           <p:nvPr>
-            <p:ph type="sldNum" sz="quarter" idx="5"/>
+            <p:ph type="sldNum" sz="quarter" idx="10"/>
           </p:nvPr>
         </p:nvSpPr>
         <p:spPr/>
@@ -12243,15 +12379,10 @@
           <a:bodyPr/>
           <a:lstStyle/>
           <a:p>
-            <a:pPr>
-              <a:defRPr/>
-            </a:pPr>
-            <a:fld id="{7BDF81BA-2724-47AE-8C5A-18C6541FAE5A}" type="slidenum">
+            <a:fld id="{2754576A-F041-465B-B05C-90CC0BF4FA50}" type="slidenum">
               <a:rPr lang="en-US" smtClean="0"/>
-              <a:pPr>
-                <a:defRPr/>
-              </a:pPr>
-              <a:t>17</a:t>
+              <a:pPr/>
+              <a:t>4</a:t>
             </a:fld>
             <a:endParaRPr lang="en-US"/>
           </a:p>
@@ -12260,7 +12391,7 @@
     </p:spTree>
     <p:extLst>
       <p:ext uri="{BB962C8B-B14F-4D97-AF65-F5344CB8AC3E}">
-        <p14:creationId xmlns:p14="http://schemas.microsoft.com/office/powerpoint/2010/main" val="2368949173"/>
+        <p14:creationId xmlns:p14="http://schemas.microsoft.com/office/powerpoint/2010/main" val="1237259551"/>
       </p:ext>
     </p:extLst>
   </p:cSld>
@@ -12346,7 +12477,7 @@
               <a:pPr>
                 <a:defRPr/>
               </a:pPr>
-              <a:t>18</a:t>
+              <a:t>19</a:t>
             </a:fld>
             <a:endParaRPr lang="en-US"/>
           </a:p>
@@ -12355,7 +12486,7 @@
     </p:spTree>
     <p:extLst>
       <p:ext uri="{BB962C8B-B14F-4D97-AF65-F5344CB8AC3E}">
-        <p14:creationId xmlns:p14="http://schemas.microsoft.com/office/powerpoint/2010/main" val="3093969682"/>
+        <p14:creationId xmlns:p14="http://schemas.microsoft.com/office/powerpoint/2010/main" val="2368949173"/>
       </p:ext>
     </p:extLst>
   </p:cSld>
@@ -12441,7 +12572,7 @@
               <a:pPr>
                 <a:defRPr/>
               </a:pPr>
-              <a:t>19</a:t>
+              <a:t>20</a:t>
             </a:fld>
             <a:endParaRPr lang="en-US"/>
           </a:p>
@@ -12450,7 +12581,7 @@
     </p:spTree>
     <p:extLst>
       <p:ext uri="{BB962C8B-B14F-4D97-AF65-F5344CB8AC3E}">
-        <p14:creationId xmlns:p14="http://schemas.microsoft.com/office/powerpoint/2010/main" val="2745900200"/>
+        <p14:creationId xmlns:p14="http://schemas.microsoft.com/office/powerpoint/2010/main" val="3093969682"/>
       </p:ext>
     </p:extLst>
   </p:cSld>
@@ -12536,7 +12667,102 @@
               <a:pPr>
                 <a:defRPr/>
               </a:pPr>
-              <a:t>20</a:t>
+              <a:t>21</a:t>
+            </a:fld>
+            <a:endParaRPr lang="en-US"/>
+          </a:p>
+        </p:txBody>
+      </p:sp>
+    </p:spTree>
+    <p:extLst>
+      <p:ext uri="{BB962C8B-B14F-4D97-AF65-F5344CB8AC3E}">
+        <p14:creationId xmlns:p14="http://schemas.microsoft.com/office/powerpoint/2010/main" val="2745900200"/>
+      </p:ext>
+    </p:extLst>
+  </p:cSld>
+  <p:clrMapOvr>
+    <a:masterClrMapping/>
+  </p:clrMapOvr>
+</p:notes>
+</file>
+
+<file path=ppt/notesSlides/notesSlide6.xml><?xml version="1.0" encoding="utf-8"?>
+<p:notes xmlns:a="http://schemas.openxmlformats.org/drawingml/2006/main" xmlns:r="http://schemas.openxmlformats.org/officeDocument/2006/relationships" xmlns:p="http://schemas.openxmlformats.org/presentationml/2006/main">
+  <p:cSld>
+    <p:spTree>
+      <p:nvGrpSpPr>
+        <p:cNvPr id="1" name=""/>
+        <p:cNvGrpSpPr/>
+        <p:nvPr/>
+      </p:nvGrpSpPr>
+      <p:grpSpPr>
+        <a:xfrm>
+          <a:off x="0" y="0"/>
+          <a:ext cx="0" cy="0"/>
+          <a:chOff x="0" y="0"/>
+          <a:chExt cx="0" cy="0"/>
+        </a:xfrm>
+      </p:grpSpPr>
+      <p:sp>
+        <p:nvSpPr>
+          <p:cNvPr id="2" name="Slide Image Placeholder 1"/>
+          <p:cNvSpPr>
+            <a:spLocks noGrp="1" noRot="1" noChangeAspect="1"/>
+          </p:cNvSpPr>
+          <p:nvPr>
+            <p:ph type="sldImg"/>
+          </p:nvPr>
+        </p:nvSpPr>
+        <p:spPr>
+          <a:xfrm>
+            <a:off x="138113" y="768350"/>
+            <a:ext cx="6823075" cy="3838575"/>
+          </a:xfrm>
+        </p:spPr>
+      </p:sp>
+      <p:sp>
+        <p:nvSpPr>
+          <p:cNvPr id="3" name="Notes Placeholder 2"/>
+          <p:cNvSpPr>
+            <a:spLocks noGrp="1"/>
+          </p:cNvSpPr>
+          <p:nvPr>
+            <p:ph type="body" idx="1"/>
+          </p:nvPr>
+        </p:nvSpPr>
+        <p:spPr/>
+        <p:txBody>
+          <a:bodyPr/>
+          <a:lstStyle/>
+          <a:p>
+            <a:endParaRPr lang="en-US" dirty="0"/>
+          </a:p>
+        </p:txBody>
+      </p:sp>
+      <p:sp>
+        <p:nvSpPr>
+          <p:cNvPr id="4" name="Slide Number Placeholder 3"/>
+          <p:cNvSpPr>
+            <a:spLocks noGrp="1"/>
+          </p:cNvSpPr>
+          <p:nvPr>
+            <p:ph type="sldNum" sz="quarter" idx="5"/>
+          </p:nvPr>
+        </p:nvSpPr>
+        <p:spPr/>
+        <p:txBody>
+          <a:bodyPr/>
+          <a:lstStyle/>
+          <a:p>
+            <a:pPr>
+              <a:defRPr/>
+            </a:pPr>
+            <a:fld id="{7BDF81BA-2724-47AE-8C5A-18C6541FAE5A}" type="slidenum">
+              <a:rPr lang="en-US" smtClean="0"/>
+              <a:pPr>
+                <a:defRPr/>
+              </a:pPr>
+              <a:t>22</a:t>
             </a:fld>
             <a:endParaRPr lang="en-US"/>
           </a:p>
@@ -17517,6 +17743,2391 @@
           <a:chExt cx="0" cy="0"/>
         </a:xfrm>
       </p:grpSpPr>
+      <mc:AlternateContent xmlns:mc="http://schemas.openxmlformats.org/markup-compatibility/2006" xmlns:a14="http://schemas.microsoft.com/office/drawing/2010/main">
+        <mc:Choice Requires="a14">
+          <p:sp>
+            <p:nvSpPr>
+              <p:cNvPr id="2" name="Title 1">
+                <a:extLst>
+                  <a:ext uri="{FF2B5EF4-FFF2-40B4-BE49-F238E27FC236}">
+                    <a16:creationId xmlns:a16="http://schemas.microsoft.com/office/drawing/2014/main" id="{71935EFA-B760-4599-A4AE-897C90016681}"/>
+                  </a:ext>
+                </a:extLst>
+              </p:cNvPr>
+              <p:cNvSpPr>
+                <a:spLocks noGrp="1"/>
+              </p:cNvSpPr>
+              <p:nvPr>
+                <p:ph type="title"/>
+              </p:nvPr>
+            </p:nvSpPr>
+            <p:spPr/>
+            <p:txBody>
+              <a:bodyPr/>
+              <a:lstStyle/>
+              <a:p>
+                <a:r>
+                  <a:rPr lang="en-US" dirty="0"/>
+                  <a:t>Learning Consistent </a:t>
+                </a:r>
+                <a14:m>
+                  <m:oMath xmlns:m="http://schemas.openxmlformats.org/officeDocument/2006/math">
+                    <m:r>
+                      <a:rPr lang="en-US" i="1" dirty="0" smtClean="0">
+                        <a:latin typeface="Cambria Math" panose="02040503050406030204" pitchFamily="18" charset="0"/>
+                      </a:rPr>
+                      <m:t>h</m:t>
+                    </m:r>
+                  </m:oMath>
+                </a14:m>
+                <a:r>
+                  <a:rPr lang="en-US" dirty="0"/>
+                  <a:t> by Minimizing the Loss</a:t>
+                </a:r>
+              </a:p>
+            </p:txBody>
+          </p:sp>
+        </mc:Choice>
+        <mc:Fallback xmlns="">
+          <p:sp>
+            <p:nvSpPr>
+              <p:cNvPr id="2" name="Title 1">
+                <a:extLst>
+                  <a:ext uri="{FF2B5EF4-FFF2-40B4-BE49-F238E27FC236}">
+                    <a16:creationId xmlns:a16="http://schemas.microsoft.com/office/drawing/2014/main" id="{71935EFA-B760-4599-A4AE-897C90016681}"/>
+                  </a:ext>
+                </a:extLst>
+              </p:cNvPr>
+              <p:cNvSpPr>
+                <a:spLocks noGrp="1" noRot="1" noChangeAspect="1" noMove="1" noResize="1" noEditPoints="1" noAdjustHandles="1" noChangeArrowheads="1" noChangeShapeType="1" noTextEdit="1"/>
+              </p:cNvSpPr>
+              <p:nvPr>
+                <p:ph type="title"/>
+              </p:nvPr>
+            </p:nvSpPr>
+            <p:spPr>
+              <a:blipFill>
+                <a:blip r:embed="rId3"/>
+                <a:stretch>
+                  <a:fillRect l="-2377"/>
+                </a:stretch>
+              </a:blipFill>
+            </p:spPr>
+            <p:txBody>
+              <a:bodyPr/>
+              <a:lstStyle/>
+              <a:p>
+                <a:r>
+                  <a:rPr lang="en-US">
+                    <a:noFill/>
+                  </a:rPr>
+                  <a:t> </a:t>
+                </a:r>
+              </a:p>
+            </p:txBody>
+          </p:sp>
+        </mc:Fallback>
+      </mc:AlternateContent>
+      <mc:AlternateContent xmlns:mc="http://schemas.openxmlformats.org/markup-compatibility/2006" xmlns:a14="http://schemas.microsoft.com/office/drawing/2010/main">
+        <mc:Choice Requires="a14">
+          <p:sp>
+            <p:nvSpPr>
+              <p:cNvPr id="3" name="Content Placeholder 2">
+                <a:extLst>
+                  <a:ext uri="{FF2B5EF4-FFF2-40B4-BE49-F238E27FC236}">
+                    <a16:creationId xmlns:a16="http://schemas.microsoft.com/office/drawing/2014/main" id="{9BE1CDDD-17A2-49AA-878D-47EFE49513D8}"/>
+                  </a:ext>
+                </a:extLst>
+              </p:cNvPr>
+              <p:cNvSpPr>
+                <a:spLocks noGrp="1"/>
+              </p:cNvSpPr>
+              <p:nvPr>
+                <p:ph idx="1"/>
+              </p:nvPr>
+            </p:nvSpPr>
+            <p:spPr/>
+            <p:txBody>
+              <a:bodyPr>
+                <a:normAutofit fontScale="92500" lnSpcReduction="20000"/>
+              </a:bodyPr>
+              <a:lstStyle/>
+              <a:p>
+                <a:r>
+                  <a:rPr lang="en-US" dirty="0"/>
+                  <a:t>Empirical loss</a:t>
+                </a:r>
+                <a:br>
+                  <a:rPr lang="en-US" dirty="0"/>
+                </a:br>
+                <a14:m>
+                  <m:oMath xmlns:m="http://schemas.openxmlformats.org/officeDocument/2006/math">
+                    <m:r>
+                      <a:rPr lang="en-US" b="0" i="1" smtClean="0">
+                        <a:latin typeface="Cambria Math" panose="02040503050406030204" pitchFamily="18" charset="0"/>
+                      </a:rPr>
+                      <m:t>𝐸𝑚𝑝𝐿𝑜𝑠</m:t>
+                    </m:r>
+                    <m:sSub>
+                      <m:sSubPr>
+                        <m:ctrlPr>
+                          <a:rPr lang="en-US" b="0" i="1" smtClean="0">
+                            <a:latin typeface="Cambria Math" panose="02040503050406030204" pitchFamily="18" charset="0"/>
+                          </a:rPr>
+                        </m:ctrlPr>
+                      </m:sSubPr>
+                      <m:e>
+                        <m:r>
+                          <a:rPr lang="en-US" b="0" i="1" smtClean="0">
+                            <a:latin typeface="Cambria Math" panose="02040503050406030204" pitchFamily="18" charset="0"/>
+                          </a:rPr>
+                          <m:t>𝑠</m:t>
+                        </m:r>
+                      </m:e>
+                      <m:sub>
+                        <m:r>
+                          <a:rPr lang="en-US" b="0" i="1" smtClean="0">
+                            <a:latin typeface="Cambria Math" panose="02040503050406030204" pitchFamily="18" charset="0"/>
+                          </a:rPr>
+                          <m:t>𝐿</m:t>
+                        </m:r>
+                        <m:r>
+                          <a:rPr lang="en-US" b="0" i="1" smtClean="0">
+                            <a:latin typeface="Cambria Math" panose="02040503050406030204" pitchFamily="18" charset="0"/>
+                          </a:rPr>
+                          <m:t>,</m:t>
+                        </m:r>
+                        <m:r>
+                          <a:rPr lang="en-US" b="0" i="1" smtClean="0">
+                            <a:latin typeface="Cambria Math" panose="02040503050406030204" pitchFamily="18" charset="0"/>
+                          </a:rPr>
+                          <m:t>𝐸</m:t>
+                        </m:r>
+                      </m:sub>
+                    </m:sSub>
+                    <m:r>
+                      <a:rPr lang="en-US" b="0" i="1" smtClean="0">
+                        <a:latin typeface="Cambria Math" panose="02040503050406030204" pitchFamily="18" charset="0"/>
+                      </a:rPr>
+                      <m:t>(</m:t>
+                    </m:r>
+                    <m:r>
+                      <a:rPr lang="en-US" b="0" i="1" smtClean="0">
+                        <a:latin typeface="Cambria Math" panose="02040503050406030204" pitchFamily="18" charset="0"/>
+                      </a:rPr>
+                      <m:t>h</m:t>
+                    </m:r>
+                    <m:r>
+                      <a:rPr lang="en-US" b="0" i="1" smtClean="0">
+                        <a:latin typeface="Cambria Math" panose="02040503050406030204" pitchFamily="18" charset="0"/>
+                      </a:rPr>
+                      <m:t>)=</m:t>
+                    </m:r>
+                    <m:f>
+                      <m:fPr>
+                        <m:ctrlPr>
+                          <a:rPr lang="en-US" b="0" i="1" smtClean="0">
+                            <a:latin typeface="Cambria Math" panose="02040503050406030204" pitchFamily="18" charset="0"/>
+                          </a:rPr>
+                        </m:ctrlPr>
+                      </m:fPr>
+                      <m:num>
+                        <m:r>
+                          <a:rPr lang="en-US" b="0" i="1" smtClean="0">
+                            <a:latin typeface="Cambria Math" panose="02040503050406030204" pitchFamily="18" charset="0"/>
+                          </a:rPr>
+                          <m:t>1</m:t>
+                        </m:r>
+                      </m:num>
+                      <m:den>
+                        <m:r>
+                          <a:rPr lang="en-US" b="0" i="1" smtClean="0">
+                            <a:latin typeface="Cambria Math" panose="02040503050406030204" pitchFamily="18" charset="0"/>
+                          </a:rPr>
+                          <m:t>|</m:t>
+                        </m:r>
+                        <m:r>
+                          <a:rPr lang="en-US" b="0" i="1" smtClean="0">
+                            <a:latin typeface="Cambria Math" panose="02040503050406030204" pitchFamily="18" charset="0"/>
+                          </a:rPr>
+                          <m:t>𝐸</m:t>
+                        </m:r>
+                        <m:r>
+                          <a:rPr lang="en-US" b="0" i="1" smtClean="0">
+                            <a:latin typeface="Cambria Math" panose="02040503050406030204" pitchFamily="18" charset="0"/>
+                          </a:rPr>
+                          <m:t>|</m:t>
+                        </m:r>
+                      </m:den>
+                    </m:f>
+                    <m:nary>
+                      <m:naryPr>
+                        <m:chr m:val="∑"/>
+                        <m:supHide m:val="on"/>
+                        <m:ctrlPr>
+                          <a:rPr lang="en-US" b="0" i="1" smtClean="0">
+                            <a:latin typeface="Cambria Math" panose="02040503050406030204" pitchFamily="18" charset="0"/>
+                          </a:rPr>
+                        </m:ctrlPr>
+                      </m:naryPr>
+                      <m:sub>
+                        <m:d>
+                          <m:dPr>
+                            <m:ctrlPr>
+                              <a:rPr lang="en-US" b="0" i="1" smtClean="0">
+                                <a:latin typeface="Cambria Math" panose="02040503050406030204" pitchFamily="18" charset="0"/>
+                              </a:rPr>
+                            </m:ctrlPr>
+                          </m:dPr>
+                          <m:e>
+                            <m:r>
+                              <m:rPr>
+                                <m:brk m:alnAt="7"/>
+                              </m:rPr>
+                              <a:rPr lang="en-US" b="0" i="1" smtClean="0">
+                                <a:latin typeface="Cambria Math" panose="02040503050406030204" pitchFamily="18" charset="0"/>
+                              </a:rPr>
+                              <m:t>𝑥</m:t>
+                            </m:r>
+                            <m:r>
+                              <a:rPr lang="en-US" b="0" i="1" smtClean="0">
+                                <a:latin typeface="Cambria Math" panose="02040503050406030204" pitchFamily="18" charset="0"/>
+                              </a:rPr>
+                              <m:t>,</m:t>
+                            </m:r>
+                            <m:r>
+                              <a:rPr lang="en-US" b="0" i="1" smtClean="0">
+                                <a:latin typeface="Cambria Math" panose="02040503050406030204" pitchFamily="18" charset="0"/>
+                              </a:rPr>
+                              <m:t>𝑦</m:t>
+                            </m:r>
+                          </m:e>
+                        </m:d>
+                        <m:r>
+                          <a:rPr lang="en-US" b="0" i="1" smtClean="0">
+                            <a:latin typeface="Cambria Math" panose="02040503050406030204" pitchFamily="18" charset="0"/>
+                          </a:rPr>
+                          <m:t>∈</m:t>
+                        </m:r>
+                        <m:r>
+                          <a:rPr lang="en-US" b="0" i="1" smtClean="0">
+                            <a:latin typeface="Cambria Math" panose="02040503050406030204" pitchFamily="18" charset="0"/>
+                          </a:rPr>
+                          <m:t>𝐸</m:t>
+                        </m:r>
+                      </m:sub>
+                      <m:sup/>
+                      <m:e>
+                        <m:r>
+                          <a:rPr lang="en-US" b="0" i="1" smtClean="0">
+                            <a:latin typeface="Cambria Math" panose="02040503050406030204" pitchFamily="18" charset="0"/>
+                          </a:rPr>
+                          <m:t>𝐿</m:t>
+                        </m:r>
+                        <m:r>
+                          <a:rPr lang="en-US" b="0" i="1" smtClean="0">
+                            <a:latin typeface="Cambria Math" panose="02040503050406030204" pitchFamily="18" charset="0"/>
+                          </a:rPr>
+                          <m:t>(</m:t>
+                        </m:r>
+                        <m:r>
+                          <a:rPr lang="en-US" b="0" i="1" smtClean="0">
+                            <a:latin typeface="Cambria Math" panose="02040503050406030204" pitchFamily="18" charset="0"/>
+                          </a:rPr>
+                          <m:t>𝑦</m:t>
+                        </m:r>
+                        <m:r>
+                          <a:rPr lang="en-US" b="0" i="1" smtClean="0">
+                            <a:latin typeface="Cambria Math" panose="02040503050406030204" pitchFamily="18" charset="0"/>
+                          </a:rPr>
+                          <m:t>, </m:t>
+                        </m:r>
+                        <m:r>
+                          <a:rPr lang="en-US" b="0" i="1" smtClean="0">
+                            <a:latin typeface="Cambria Math" panose="02040503050406030204" pitchFamily="18" charset="0"/>
+                          </a:rPr>
+                          <m:t>h</m:t>
+                        </m:r>
+                        <m:d>
+                          <m:dPr>
+                            <m:ctrlPr>
+                              <a:rPr lang="en-US" b="0" i="1" smtClean="0">
+                                <a:latin typeface="Cambria Math" panose="02040503050406030204" pitchFamily="18" charset="0"/>
+                              </a:rPr>
+                            </m:ctrlPr>
+                          </m:dPr>
+                          <m:e>
+                            <m:r>
+                              <a:rPr lang="en-US" b="0" i="1" smtClean="0">
+                                <a:latin typeface="Cambria Math" panose="02040503050406030204" pitchFamily="18" charset="0"/>
+                              </a:rPr>
+                              <m:t>𝑥</m:t>
+                            </m:r>
+                          </m:e>
+                        </m:d>
+                        <m:r>
+                          <a:rPr lang="en-US" b="0" i="1" smtClean="0">
+                            <a:latin typeface="Cambria Math" panose="02040503050406030204" pitchFamily="18" charset="0"/>
+                          </a:rPr>
+                          <m:t>)</m:t>
+                        </m:r>
+                      </m:e>
+                    </m:nary>
+                  </m:oMath>
+                </a14:m>
+                <a:endParaRPr lang="en-US" dirty="0"/>
+              </a:p>
+              <a:p>
+                <a:endParaRPr lang="en-US" dirty="0"/>
+              </a:p>
+              <a:p>
+                <a:r>
+                  <a:rPr lang="en-US" dirty="0"/>
+                  <a:t>Find the best hypothesis that minimizes the loss</a:t>
+                </a:r>
+              </a:p>
+              <a:p>
+                <a:pPr marL="0" indent="0">
+                  <a:buNone/>
+                </a:pPr>
+                <a14:m>
+                  <m:oMathPara xmlns:m="http://schemas.openxmlformats.org/officeDocument/2006/math">
+                    <m:oMathParaPr>
+                      <m:jc m:val="center"/>
+                    </m:oMathParaPr>
+                    <m:oMath xmlns:m="http://schemas.openxmlformats.org/officeDocument/2006/math">
+                      <m:sSup>
+                        <m:sSupPr>
+                          <m:ctrlPr>
+                            <a:rPr lang="en-US" b="0" i="1" dirty="0" smtClean="0">
+                              <a:latin typeface="Cambria Math" panose="02040503050406030204" pitchFamily="18" charset="0"/>
+                            </a:rPr>
+                          </m:ctrlPr>
+                        </m:sSupPr>
+                        <m:e>
+                          <m:r>
+                            <a:rPr lang="en-US" b="0" i="1" smtClean="0">
+                              <a:latin typeface="Cambria Math" panose="02040503050406030204" pitchFamily="18" charset="0"/>
+                            </a:rPr>
+                            <m:t>h</m:t>
+                          </m:r>
+                        </m:e>
+                        <m:sup>
+                          <m:r>
+                            <a:rPr lang="en-US" b="0" i="1" dirty="0" smtClean="0">
+                              <a:latin typeface="Cambria Math" panose="02040503050406030204" pitchFamily="18" charset="0"/>
+                            </a:rPr>
+                            <m:t>∗</m:t>
+                          </m:r>
+                        </m:sup>
+                      </m:sSup>
+                      <m:r>
+                        <a:rPr lang="en-US" b="0" i="1" dirty="0" smtClean="0">
+                          <a:latin typeface="Cambria Math" panose="02040503050406030204" pitchFamily="18" charset="0"/>
+                        </a:rPr>
+                        <m:t>=</m:t>
+                      </m:r>
+                      <m:func>
+                        <m:funcPr>
+                          <m:ctrlPr>
+                            <a:rPr lang="en-US" b="0" i="1" dirty="0" smtClean="0">
+                              <a:latin typeface="Cambria Math" panose="02040503050406030204" pitchFamily="18" charset="0"/>
+                            </a:rPr>
+                          </m:ctrlPr>
+                        </m:funcPr>
+                        <m:fName>
+                          <m:limLow>
+                            <m:limLowPr>
+                              <m:ctrlPr>
+                                <a:rPr lang="en-US" b="0" i="1" dirty="0" smtClean="0">
+                                  <a:latin typeface="Cambria Math" panose="02040503050406030204" pitchFamily="18" charset="0"/>
+                                </a:rPr>
+                              </m:ctrlPr>
+                            </m:limLowPr>
+                            <m:e>
+                              <m:r>
+                                <m:rPr>
+                                  <m:sty m:val="p"/>
+                                </m:rPr>
+                                <a:rPr lang="en-US" b="0" i="0" dirty="0" smtClean="0">
+                                  <a:latin typeface="Cambria Math" panose="02040503050406030204" pitchFamily="18" charset="0"/>
+                                </a:rPr>
+                                <m:t>argmin</m:t>
+                              </m:r>
+                            </m:e>
+                            <m:lim>
+                              <m:r>
+                                <a:rPr lang="en-US" b="0" i="1" dirty="0" smtClean="0">
+                                  <a:latin typeface="Cambria Math" panose="02040503050406030204" pitchFamily="18" charset="0"/>
+                                </a:rPr>
+                                <m:t>h</m:t>
+                              </m:r>
+                              <m:r>
+                                <a:rPr lang="en-US" b="0" i="1" dirty="0" smtClean="0">
+                                  <a:latin typeface="Cambria Math" panose="02040503050406030204" pitchFamily="18" charset="0"/>
+                                </a:rPr>
+                                <m:t>∈ </m:t>
+                              </m:r>
+                              <m:r>
+                                <a:rPr lang="en-US" b="0" i="1" dirty="0" smtClean="0">
+                                  <a:latin typeface="Cambria Math" panose="02040503050406030204" pitchFamily="18" charset="0"/>
+                                </a:rPr>
+                                <m:t>𝐻</m:t>
+                              </m:r>
+                            </m:lim>
+                          </m:limLow>
+                        </m:fName>
+                        <m:e>
+                          <m:r>
+                            <a:rPr lang="en-US" b="0" i="1" smtClean="0">
+                              <a:latin typeface="Cambria Math" panose="02040503050406030204" pitchFamily="18" charset="0"/>
+                            </a:rPr>
+                            <m:t>𝐸𝑚𝑝𝐿𝑜𝑠</m:t>
+                          </m:r>
+                          <m:sSub>
+                            <m:sSubPr>
+                              <m:ctrlPr>
+                                <a:rPr lang="en-US" b="0" i="1" smtClean="0">
+                                  <a:latin typeface="Cambria Math" panose="02040503050406030204" pitchFamily="18" charset="0"/>
+                                </a:rPr>
+                              </m:ctrlPr>
+                            </m:sSubPr>
+                            <m:e>
+                              <m:r>
+                                <a:rPr lang="en-US" b="0" i="1" smtClean="0">
+                                  <a:latin typeface="Cambria Math" panose="02040503050406030204" pitchFamily="18" charset="0"/>
+                                </a:rPr>
+                                <m:t>𝑠</m:t>
+                              </m:r>
+                            </m:e>
+                            <m:sub>
+                              <m:r>
+                                <a:rPr lang="en-US" b="0" i="1" smtClean="0">
+                                  <a:latin typeface="Cambria Math" panose="02040503050406030204" pitchFamily="18" charset="0"/>
+                                </a:rPr>
+                                <m:t>𝐿</m:t>
+                              </m:r>
+                              <m:r>
+                                <a:rPr lang="en-US" b="0" i="1" smtClean="0">
+                                  <a:latin typeface="Cambria Math" panose="02040503050406030204" pitchFamily="18" charset="0"/>
+                                </a:rPr>
+                                <m:t>,</m:t>
+                              </m:r>
+                              <m:r>
+                                <a:rPr lang="en-US" b="0" i="1" smtClean="0">
+                                  <a:latin typeface="Cambria Math" panose="02040503050406030204" pitchFamily="18" charset="0"/>
+                                </a:rPr>
+                                <m:t>𝐸</m:t>
+                              </m:r>
+                            </m:sub>
+                          </m:sSub>
+                          <m:r>
+                            <a:rPr lang="en-US" b="0" i="1" smtClean="0">
+                              <a:latin typeface="Cambria Math" panose="02040503050406030204" pitchFamily="18" charset="0"/>
+                            </a:rPr>
+                            <m:t>(</m:t>
+                          </m:r>
+                          <m:r>
+                            <a:rPr lang="en-US" b="0" i="1" smtClean="0">
+                              <a:latin typeface="Cambria Math" panose="02040503050406030204" pitchFamily="18" charset="0"/>
+                            </a:rPr>
+                            <m:t>h</m:t>
+                          </m:r>
+                          <m:r>
+                            <a:rPr lang="en-US" b="0" i="1" smtClean="0">
+                              <a:latin typeface="Cambria Math" panose="02040503050406030204" pitchFamily="18" charset="0"/>
+                            </a:rPr>
+                            <m:t>)</m:t>
+                          </m:r>
+                        </m:e>
+                      </m:func>
+                    </m:oMath>
+                  </m:oMathPara>
+                </a14:m>
+                <a:endParaRPr lang="en-US" dirty="0"/>
+              </a:p>
+              <a:p>
+                <a:pPr marL="0" indent="0">
+                  <a:buNone/>
+                </a:pPr>
+                <a:endParaRPr lang="en-US" dirty="0"/>
+              </a:p>
+              <a:p>
+                <a:r>
+                  <a:rPr lang="en-US" dirty="0"/>
+                  <a:t>Reasons for </a:t>
+                </a:r>
+                <a14:m>
+                  <m:oMath xmlns:m="http://schemas.openxmlformats.org/officeDocument/2006/math">
+                    <m:sSup>
+                      <m:sSupPr>
+                        <m:ctrlPr>
+                          <a:rPr lang="en-US" b="0" i="1" dirty="0" smtClean="0">
+                            <a:latin typeface="Cambria Math" panose="02040503050406030204" pitchFamily="18" charset="0"/>
+                          </a:rPr>
+                        </m:ctrlPr>
+                      </m:sSupPr>
+                      <m:e>
+                        <m:r>
+                          <a:rPr lang="en-US" b="0" i="1" smtClean="0">
+                            <a:latin typeface="Cambria Math" panose="02040503050406030204" pitchFamily="18" charset="0"/>
+                          </a:rPr>
+                          <m:t>h</m:t>
+                        </m:r>
+                      </m:e>
+                      <m:sup>
+                        <m:r>
+                          <a:rPr lang="en-US" b="0" i="1" dirty="0" smtClean="0">
+                            <a:latin typeface="Cambria Math" panose="02040503050406030204" pitchFamily="18" charset="0"/>
+                          </a:rPr>
+                          <m:t>∗</m:t>
+                        </m:r>
+                      </m:sup>
+                    </m:sSup>
+                    <m:r>
+                      <a:rPr lang="en-US" b="0" i="1" dirty="0" smtClean="0">
+                        <a:latin typeface="Cambria Math" panose="02040503050406030204" pitchFamily="18" charset="0"/>
+                        <a:ea typeface="Cambria Math" panose="02040503050406030204" pitchFamily="18" charset="0"/>
+                      </a:rPr>
+                      <m:t>≠</m:t>
+                    </m:r>
+                    <m:r>
+                      <a:rPr lang="en-US" b="0" i="1" dirty="0" smtClean="0">
+                        <a:latin typeface="Cambria Math" panose="02040503050406030204" pitchFamily="18" charset="0"/>
+                        <a:ea typeface="Cambria Math" panose="02040503050406030204" pitchFamily="18" charset="0"/>
+                      </a:rPr>
+                      <m:t>𝑓</m:t>
+                    </m:r>
+                  </m:oMath>
+                </a14:m>
+                <a:endParaRPr lang="en-US" b="0" dirty="0">
+                  <a:ea typeface="Cambria Math" panose="02040503050406030204" pitchFamily="18" charset="0"/>
+                </a:endParaRPr>
+              </a:p>
+              <a:p>
+                <a:pPr marL="914400" lvl="1" indent="-457200">
+                  <a:buFont typeface="+mj-lt"/>
+                  <a:buAutoNum type="alphaLcParenR"/>
+                </a:pPr>
+                <a:r>
+                  <a:rPr lang="en-US" dirty="0"/>
+                  <a:t>Realizability: </a:t>
+                </a:r>
+                <a14:m>
+                  <m:oMath xmlns:m="http://schemas.openxmlformats.org/officeDocument/2006/math">
+                    <m:r>
+                      <a:rPr lang="en-US" b="0" i="1" dirty="0" smtClean="0">
+                        <a:latin typeface="Cambria Math" panose="02040503050406030204" pitchFamily="18" charset="0"/>
+                      </a:rPr>
+                      <m:t>𝑓</m:t>
+                    </m:r>
+                    <m:r>
+                      <a:rPr lang="en-US" b="0" i="1" dirty="0" smtClean="0">
+                        <a:latin typeface="Cambria Math" panose="02040503050406030204" pitchFamily="18" charset="0"/>
+                        <a:ea typeface="Cambria Math" panose="02040503050406030204" pitchFamily="18" charset="0"/>
+                      </a:rPr>
+                      <m:t>∉</m:t>
+                    </m:r>
+                    <m:r>
+                      <a:rPr lang="en-US" b="0" i="1" dirty="0" smtClean="0">
+                        <a:latin typeface="Cambria Math" panose="02040503050406030204" pitchFamily="18" charset="0"/>
+                        <a:ea typeface="Cambria Math" panose="02040503050406030204" pitchFamily="18" charset="0"/>
+                      </a:rPr>
+                      <m:t>𝐻</m:t>
+                    </m:r>
+                  </m:oMath>
+                </a14:m>
+                <a:endParaRPr lang="en-US" b="0" dirty="0">
+                  <a:ea typeface="Cambria Math" panose="02040503050406030204" pitchFamily="18" charset="0"/>
+                </a:endParaRPr>
+              </a:p>
+              <a:p>
+                <a:pPr marL="914400" lvl="1" indent="-457200">
+                  <a:buFont typeface="+mj-lt"/>
+                  <a:buAutoNum type="alphaLcParenR"/>
+                </a:pPr>
+                <a:r>
+                  <a:rPr lang="en-US" dirty="0">
+                    <a:ea typeface="Cambria Math" panose="02040503050406030204" pitchFamily="18" charset="0"/>
+                  </a:rPr>
+                  <a:t> </a:t>
+                </a:r>
+                <a14:m>
+                  <m:oMath xmlns:m="http://schemas.openxmlformats.org/officeDocument/2006/math">
+                    <m:r>
+                      <a:rPr lang="en-US" b="0" i="1" dirty="0" smtClean="0">
+                        <a:latin typeface="Cambria Math" panose="02040503050406030204" pitchFamily="18" charset="0"/>
+                        <a:ea typeface="Cambria Math" panose="02040503050406030204" pitchFamily="18" charset="0"/>
+                      </a:rPr>
+                      <m:t>𝑓</m:t>
+                    </m:r>
+                  </m:oMath>
+                </a14:m>
+                <a:r>
+                  <a:rPr lang="en-US" dirty="0"/>
+                  <a:t> is nondeterministic or examples are noisy.</a:t>
+                </a:r>
+              </a:p>
+              <a:p>
+                <a:pPr marL="914400" lvl="1" indent="-457200">
+                  <a:buFont typeface="+mj-lt"/>
+                  <a:buAutoNum type="alphaLcParenR"/>
+                </a:pPr>
+                <a:r>
+                  <a:rPr lang="en-US" dirty="0"/>
+                  <a:t>It is computationally intractable to search all </a:t>
+                </a:r>
+                <a14:m>
+                  <m:oMath xmlns:m="http://schemas.openxmlformats.org/officeDocument/2006/math">
+                    <m:r>
+                      <a:rPr lang="en-US" b="0" i="1" dirty="0" smtClean="0">
+                        <a:latin typeface="Cambria Math" panose="02040503050406030204" pitchFamily="18" charset="0"/>
+                        <a:ea typeface="Cambria Math" panose="02040503050406030204" pitchFamily="18" charset="0"/>
+                      </a:rPr>
+                      <m:t>𝐻</m:t>
+                    </m:r>
+                  </m:oMath>
+                </a14:m>
+                <a:r>
+                  <a:rPr lang="en-US" dirty="0"/>
+                  <a:t>, </a:t>
+                </a:r>
+                <a:br>
+                  <a:rPr lang="en-US" dirty="0"/>
+                </a:br>
+                <a:r>
+                  <a:rPr lang="en-US" dirty="0"/>
+                  <a:t>so we use a non-optimal heuristic. </a:t>
+                </a:r>
+              </a:p>
+              <a:p>
+                <a:endParaRPr lang="en-US" dirty="0"/>
+              </a:p>
+            </p:txBody>
+          </p:sp>
+        </mc:Choice>
+        <mc:Fallback xmlns="">
+          <p:sp>
+            <p:nvSpPr>
+              <p:cNvPr id="3" name="Content Placeholder 2">
+                <a:extLst>
+                  <a:ext uri="{FF2B5EF4-FFF2-40B4-BE49-F238E27FC236}">
+                    <a16:creationId xmlns:a16="http://schemas.microsoft.com/office/drawing/2014/main" id="{9BE1CDDD-17A2-49AA-878D-47EFE49513D8}"/>
+                  </a:ext>
+                </a:extLst>
+              </p:cNvPr>
+              <p:cNvSpPr>
+                <a:spLocks noGrp="1" noRot="1" noChangeAspect="1" noMove="1" noResize="1" noEditPoints="1" noAdjustHandles="1" noChangeArrowheads="1" noChangeShapeType="1" noTextEdit="1"/>
+              </p:cNvSpPr>
+              <p:nvPr>
+                <p:ph idx="1"/>
+              </p:nvPr>
+            </p:nvSpPr>
+            <p:spPr>
+              <a:blipFill>
+                <a:blip r:embed="rId4"/>
+                <a:stretch>
+                  <a:fillRect l="-928" t="-30812" b="-3221"/>
+                </a:stretch>
+              </a:blipFill>
+            </p:spPr>
+            <p:txBody>
+              <a:bodyPr/>
+              <a:lstStyle/>
+              <a:p>
+                <a:r>
+                  <a:rPr lang="en-US">
+                    <a:noFill/>
+                  </a:rPr>
+                  <a:t> </a:t>
+                </a:r>
+              </a:p>
+            </p:txBody>
+          </p:sp>
+        </mc:Fallback>
+      </mc:AlternateContent>
+      <p:grpSp>
+        <p:nvGrpSpPr>
+          <p:cNvPr id="22" name="Group 21">
+            <a:extLst>
+              <a:ext uri="{FF2B5EF4-FFF2-40B4-BE49-F238E27FC236}">
+                <a16:creationId xmlns:a16="http://schemas.microsoft.com/office/drawing/2014/main" id="{69B2F9E5-A1AA-477E-A7A5-38ECCBCEE21B}"/>
+              </a:ext>
+            </a:extLst>
+          </p:cNvPr>
+          <p:cNvGrpSpPr/>
+          <p:nvPr/>
+        </p:nvGrpSpPr>
+        <p:grpSpPr>
+          <a:xfrm>
+            <a:off x="8795657" y="4085927"/>
+            <a:ext cx="3352800" cy="2671988"/>
+            <a:chOff x="8795657" y="4085927"/>
+            <a:chExt cx="3352800" cy="2671988"/>
+          </a:xfrm>
+        </p:grpSpPr>
+        <p:sp>
+          <p:nvSpPr>
+            <p:cNvPr id="23" name="Oval 22">
+              <a:extLst>
+                <a:ext uri="{FF2B5EF4-FFF2-40B4-BE49-F238E27FC236}">
+                  <a16:creationId xmlns:a16="http://schemas.microsoft.com/office/drawing/2014/main" id="{22116AE6-B46E-4695-A894-0CCFD699B218}"/>
+                </a:ext>
+              </a:extLst>
+            </p:cNvPr>
+            <p:cNvSpPr/>
+            <p:nvPr/>
+          </p:nvSpPr>
+          <p:spPr>
+            <a:xfrm>
+              <a:off x="8795657" y="4243315"/>
+              <a:ext cx="3352800" cy="2514600"/>
+            </a:xfrm>
+            <a:prstGeom prst="ellipse">
+              <a:avLst/>
+            </a:prstGeom>
+          </p:spPr>
+          <p:style>
+            <a:lnRef idx="1">
+              <a:schemeClr val="accent3"/>
+            </a:lnRef>
+            <a:fillRef idx="2">
+              <a:schemeClr val="accent3"/>
+            </a:fillRef>
+            <a:effectRef idx="1">
+              <a:schemeClr val="accent3"/>
+            </a:effectRef>
+            <a:fontRef idx="minor">
+              <a:schemeClr val="dk1"/>
+            </a:fontRef>
+          </p:style>
+          <p:txBody>
+            <a:bodyPr rtlCol="0" anchor="ctr"/>
+            <a:lstStyle/>
+            <a:p>
+              <a:pPr algn="ctr"/>
+              <a:endParaRPr lang="en-US"/>
+            </a:p>
+          </p:txBody>
+        </p:sp>
+        <p:sp>
+          <p:nvSpPr>
+            <p:cNvPr id="24" name="Freeform 5">
+              <a:extLst>
+                <a:ext uri="{FF2B5EF4-FFF2-40B4-BE49-F238E27FC236}">
+                  <a16:creationId xmlns:a16="http://schemas.microsoft.com/office/drawing/2014/main" id="{B94E2309-F337-45D4-BF03-7E28296EC949}"/>
+                </a:ext>
+              </a:extLst>
+            </p:cNvPr>
+            <p:cNvSpPr>
+              <a:spLocks/>
+            </p:cNvSpPr>
+            <p:nvPr/>
+          </p:nvSpPr>
+          <p:spPr bwMode="auto">
+            <a:xfrm>
+              <a:off x="9090422" y="4914900"/>
+              <a:ext cx="2947987" cy="1409700"/>
+            </a:xfrm>
+            <a:custGeom>
+              <a:avLst/>
+              <a:gdLst>
+                <a:gd name="T0" fmla="*/ 213 w 1857"/>
+                <a:gd name="T1" fmla="*/ 128 h 888"/>
+                <a:gd name="T2" fmla="*/ 80 w 1857"/>
+                <a:gd name="T3" fmla="*/ 475 h 888"/>
+                <a:gd name="T4" fmla="*/ 692 w 1857"/>
+                <a:gd name="T5" fmla="*/ 852 h 888"/>
+                <a:gd name="T6" fmla="*/ 1013 w 1857"/>
+                <a:gd name="T7" fmla="*/ 689 h 888"/>
+                <a:gd name="T8" fmla="*/ 1451 w 1857"/>
+                <a:gd name="T9" fmla="*/ 638 h 888"/>
+                <a:gd name="T10" fmla="*/ 1752 w 1857"/>
+                <a:gd name="T11" fmla="*/ 592 h 888"/>
+                <a:gd name="T12" fmla="*/ 1818 w 1857"/>
+                <a:gd name="T13" fmla="*/ 306 h 888"/>
+                <a:gd name="T14" fmla="*/ 1517 w 1857"/>
+                <a:gd name="T15" fmla="*/ 92 h 888"/>
+                <a:gd name="T16" fmla="*/ 998 w 1857"/>
+                <a:gd name="T17" fmla="*/ 6 h 888"/>
+                <a:gd name="T18" fmla="*/ 213 w 1857"/>
+                <a:gd name="T19" fmla="*/ 128 h 888"/>
+              </a:gdLst>
+              <a:ahLst/>
+              <a:cxnLst>
+                <a:cxn ang="0">
+                  <a:pos x="T0" y="T1"/>
+                </a:cxn>
+                <a:cxn ang="0">
+                  <a:pos x="T2" y="T3"/>
+                </a:cxn>
+                <a:cxn ang="0">
+                  <a:pos x="T4" y="T5"/>
+                </a:cxn>
+                <a:cxn ang="0">
+                  <a:pos x="T6" y="T7"/>
+                </a:cxn>
+                <a:cxn ang="0">
+                  <a:pos x="T8" y="T9"/>
+                </a:cxn>
+                <a:cxn ang="0">
+                  <a:pos x="T10" y="T11"/>
+                </a:cxn>
+                <a:cxn ang="0">
+                  <a:pos x="T12" y="T13"/>
+                </a:cxn>
+                <a:cxn ang="0">
+                  <a:pos x="T14" y="T15"/>
+                </a:cxn>
+                <a:cxn ang="0">
+                  <a:pos x="T16" y="T17"/>
+                </a:cxn>
+                <a:cxn ang="0">
+                  <a:pos x="T18" y="T19"/>
+                </a:cxn>
+              </a:cxnLst>
+              <a:rect l="0" t="0" r="r" b="b"/>
+              <a:pathLst>
+                <a:path w="1857" h="888">
+                  <a:moveTo>
+                    <a:pt x="213" y="128"/>
+                  </a:moveTo>
+                  <a:cubicBezTo>
+                    <a:pt x="60" y="206"/>
+                    <a:pt x="0" y="354"/>
+                    <a:pt x="80" y="475"/>
+                  </a:cubicBezTo>
+                  <a:cubicBezTo>
+                    <a:pt x="160" y="596"/>
+                    <a:pt x="537" y="816"/>
+                    <a:pt x="692" y="852"/>
+                  </a:cubicBezTo>
+                  <a:cubicBezTo>
+                    <a:pt x="847" y="888"/>
+                    <a:pt x="887" y="725"/>
+                    <a:pt x="1013" y="689"/>
+                  </a:cubicBezTo>
+                  <a:cubicBezTo>
+                    <a:pt x="1139" y="653"/>
+                    <a:pt x="1328" y="654"/>
+                    <a:pt x="1451" y="638"/>
+                  </a:cubicBezTo>
+                  <a:cubicBezTo>
+                    <a:pt x="1574" y="622"/>
+                    <a:pt x="1691" y="647"/>
+                    <a:pt x="1752" y="592"/>
+                  </a:cubicBezTo>
+                  <a:cubicBezTo>
+                    <a:pt x="1813" y="537"/>
+                    <a:pt x="1857" y="389"/>
+                    <a:pt x="1818" y="306"/>
+                  </a:cubicBezTo>
+                  <a:cubicBezTo>
+                    <a:pt x="1779" y="223"/>
+                    <a:pt x="1654" y="142"/>
+                    <a:pt x="1517" y="92"/>
+                  </a:cubicBezTo>
+                  <a:cubicBezTo>
+                    <a:pt x="1380" y="42"/>
+                    <a:pt x="1215" y="0"/>
+                    <a:pt x="998" y="6"/>
+                  </a:cubicBezTo>
+                  <a:cubicBezTo>
+                    <a:pt x="781" y="12"/>
+                    <a:pt x="366" y="50"/>
+                    <a:pt x="213" y="128"/>
+                  </a:cubicBezTo>
+                  <a:close/>
+                </a:path>
+              </a:pathLst>
+            </a:custGeom>
+            <a:ln>
+              <a:headEnd/>
+              <a:tailEnd/>
+            </a:ln>
+            <a:extLst>
+              <a:ext uri="{AF507438-7753-43e0-B8FC-AC1667EBCBE1}">
+                <a14:hiddenEffects xmlns="" xmlns:a14="http://schemas.microsoft.com/office/drawing/2010/main">
+                  <a:effectLst>
+                    <a:outerShdw dist="35921" dir="2700000" algn="ctr" rotWithShape="0">
+                      <a:schemeClr val="bg2"/>
+                    </a:outerShdw>
+                  </a:effectLst>
+                </a14:hiddenEffects>
+              </a:ext>
+            </a:extLst>
+          </p:spPr>
+          <p:style>
+            <a:lnRef idx="2">
+              <a:schemeClr val="accent5">
+                <a:shade val="50000"/>
+              </a:schemeClr>
+            </a:lnRef>
+            <a:fillRef idx="1">
+              <a:schemeClr val="accent5"/>
+            </a:fillRef>
+            <a:effectRef idx="0">
+              <a:schemeClr val="accent5"/>
+            </a:effectRef>
+            <a:fontRef idx="minor">
+              <a:schemeClr val="lt1"/>
+            </a:fontRef>
+          </p:style>
+          <p:txBody>
+            <a:bodyPr/>
+            <a:lstStyle/>
+            <a:p>
+              <a:endParaRPr lang="en-US"/>
+            </a:p>
+          </p:txBody>
+        </p:sp>
+        <p:sp>
+          <p:nvSpPr>
+            <p:cNvPr id="25" name="Oval 24">
+              <a:extLst>
+                <a:ext uri="{FF2B5EF4-FFF2-40B4-BE49-F238E27FC236}">
+                  <a16:creationId xmlns:a16="http://schemas.microsoft.com/office/drawing/2014/main" id="{94BAF3D2-D446-46FB-98F1-0B8EBE3E3F3B}"/>
+                </a:ext>
+              </a:extLst>
+            </p:cNvPr>
+            <p:cNvSpPr>
+              <a:spLocks noChangeArrowheads="1"/>
+            </p:cNvSpPr>
+            <p:nvPr/>
+          </p:nvSpPr>
+          <p:spPr bwMode="auto">
+            <a:xfrm>
+              <a:off x="10479484" y="4875213"/>
+              <a:ext cx="112713" cy="112712"/>
+            </a:xfrm>
+            <a:prstGeom prst="ellipse">
+              <a:avLst/>
+            </a:prstGeom>
+            <a:solidFill>
+              <a:srgbClr val="000000"/>
+            </a:solidFill>
+            <a:ln w="9525">
+              <a:solidFill>
+                <a:schemeClr val="tx1"/>
+              </a:solidFill>
+              <a:round/>
+              <a:headEnd/>
+              <a:tailEnd/>
+            </a:ln>
+            <a:effectLst/>
+            <a:extLst>
+              <a:ext uri="{AF507438-7753-43e0-B8FC-AC1667EBCBE1}">
+                <a14:hiddenEffects xmlns="" xmlns:a14="http://schemas.microsoft.com/office/drawing/2010/main">
+                  <a:effectLst>
+                    <a:outerShdw dist="35921" dir="2700000" algn="ctr" rotWithShape="0">
+                      <a:schemeClr val="bg2"/>
+                    </a:outerShdw>
+                  </a:effectLst>
+                </a14:hiddenEffects>
+              </a:ext>
+            </a:extLst>
+          </p:spPr>
+          <p:txBody>
+            <a:bodyPr wrap="none" anchor="ctr"/>
+            <a:lstStyle/>
+            <a:p>
+              <a:endParaRPr lang="en-US"/>
+            </a:p>
+          </p:txBody>
+        </p:sp>
+        <p:sp>
+          <p:nvSpPr>
+            <p:cNvPr id="26" name="Oval 25">
+              <a:extLst>
+                <a:ext uri="{FF2B5EF4-FFF2-40B4-BE49-F238E27FC236}">
+                  <a16:creationId xmlns:a16="http://schemas.microsoft.com/office/drawing/2014/main" id="{43C5540B-019A-4893-B64E-2EF3BC98C1EE}"/>
+                </a:ext>
+              </a:extLst>
+            </p:cNvPr>
+            <p:cNvSpPr>
+              <a:spLocks noChangeArrowheads="1"/>
+            </p:cNvSpPr>
+            <p:nvPr/>
+          </p:nvSpPr>
+          <p:spPr bwMode="auto">
+            <a:xfrm>
+              <a:off x="10479484" y="4421188"/>
+              <a:ext cx="112713" cy="112712"/>
+            </a:xfrm>
+            <a:prstGeom prst="ellipse">
+              <a:avLst/>
+            </a:prstGeom>
+            <a:solidFill>
+              <a:srgbClr val="000000"/>
+            </a:solidFill>
+            <a:ln w="9525">
+              <a:solidFill>
+                <a:schemeClr val="tx1"/>
+              </a:solidFill>
+              <a:round/>
+              <a:headEnd/>
+              <a:tailEnd/>
+            </a:ln>
+            <a:effectLst/>
+            <a:extLst>
+              <a:ext uri="{AF507438-7753-43e0-B8FC-AC1667EBCBE1}">
+                <a14:hiddenEffects xmlns="" xmlns:a14="http://schemas.microsoft.com/office/drawing/2010/main">
+                  <a:effectLst>
+                    <a:outerShdw dist="35921" dir="2700000" algn="ctr" rotWithShape="0">
+                      <a:schemeClr val="bg2"/>
+                    </a:outerShdw>
+                  </a:effectLst>
+                </a14:hiddenEffects>
+              </a:ext>
+            </a:extLst>
+          </p:spPr>
+          <p:txBody>
+            <a:bodyPr wrap="none" anchor="ctr"/>
+            <a:lstStyle/>
+            <a:p>
+              <a:endParaRPr lang="en-US"/>
+            </a:p>
+          </p:txBody>
+        </p:sp>
+        <p:sp>
+          <p:nvSpPr>
+            <p:cNvPr id="27" name="Line 11">
+              <a:extLst>
+                <a:ext uri="{FF2B5EF4-FFF2-40B4-BE49-F238E27FC236}">
+                  <a16:creationId xmlns:a16="http://schemas.microsoft.com/office/drawing/2014/main" id="{3F391002-205A-452C-865F-05E7F96E4587}"/>
+                </a:ext>
+              </a:extLst>
+            </p:cNvPr>
+            <p:cNvSpPr>
+              <a:spLocks noChangeShapeType="1"/>
+            </p:cNvSpPr>
+            <p:nvPr/>
+          </p:nvSpPr>
+          <p:spPr bwMode="auto">
+            <a:xfrm>
+              <a:off x="10536634" y="4470400"/>
+              <a:ext cx="0" cy="428625"/>
+            </a:xfrm>
+            <a:prstGeom prst="line">
+              <a:avLst/>
+            </a:prstGeom>
+            <a:noFill/>
+            <a:ln w="25400">
+              <a:solidFill>
+                <a:schemeClr val="tx1"/>
+              </a:solidFill>
+              <a:prstDash val="dash"/>
+              <a:round/>
+              <a:headEnd/>
+              <a:tailEnd/>
+            </a:ln>
+            <a:effectLst/>
+            <a:extLst>
+              <a:ext uri="{909E8E84-426E-40dd-AFC4-6F175D3DCCD1}">
+                <a14:hiddenFill xmlns="" xmlns:a14="http://schemas.microsoft.com/office/drawing/2010/main">
+                  <a:noFill/>
+                </a14:hiddenFill>
+              </a:ext>
+              <a:ext uri="{AF507438-7753-43e0-B8FC-AC1667EBCBE1}">
+                <a14:hiddenEffects xmlns="" xmlns:a14="http://schemas.microsoft.com/office/drawing/2010/main">
+                  <a:effectLst>
+                    <a:outerShdw dist="35921" dir="2700000" algn="ctr" rotWithShape="0">
+                      <a:schemeClr val="bg2"/>
+                    </a:outerShdw>
+                  </a:effectLst>
+                </a14:hiddenEffects>
+              </a:ext>
+            </a:extLst>
+          </p:spPr>
+          <p:txBody>
+            <a:bodyPr/>
+            <a:lstStyle/>
+            <a:p>
+              <a:endParaRPr lang="en-US"/>
+            </a:p>
+          </p:txBody>
+        </p:sp>
+        <p:pic>
+          <p:nvPicPr>
+            <p:cNvPr id="28" name="Picture 13" descr="txp_fig">
+              <a:extLst>
+                <a:ext uri="{FF2B5EF4-FFF2-40B4-BE49-F238E27FC236}">
+                  <a16:creationId xmlns:a16="http://schemas.microsoft.com/office/drawing/2014/main" id="{8D571DFA-268A-42D3-9919-C561BF51B851}"/>
+                </a:ext>
+              </a:extLst>
+            </p:cNvPr>
+            <p:cNvPicPr>
+              <a:picLocks noChangeAspect="1" noChangeArrowheads="1"/>
+            </p:cNvPicPr>
+            <p:nvPr>
+              <p:custDataLst>
+                <p:tags r:id="rId1"/>
+              </p:custDataLst>
+            </p:nvPr>
+          </p:nvPicPr>
+          <p:blipFill>
+            <a:blip r:embed="rId5" cstate="print">
+              <a:clrChange>
+                <a:clrFrom>
+                  <a:srgbClr val="FFFFFF"/>
+                </a:clrFrom>
+                <a:clrTo>
+                  <a:srgbClr val="FFFFFF">
+                    <a:alpha val="0"/>
+                  </a:srgbClr>
+                </a:clrTo>
+              </a:clrChange>
+              <a:extLst>
+                <a:ext uri="{28A0092B-C50C-407E-A947-70E740481C1C}">
+                  <a14:useLocalDpi xmlns:a14="http://schemas.microsoft.com/office/drawing/2010/main" val="0"/>
+                </a:ext>
+              </a:extLst>
+            </a:blip>
+            <a:srcRect/>
+            <a:stretch>
+              <a:fillRect/>
+            </a:stretch>
+          </p:blipFill>
+          <p:spPr bwMode="auto">
+            <a:xfrm>
+              <a:off x="9895284" y="5681663"/>
+              <a:ext cx="303213" cy="236537"/>
+            </a:xfrm>
+            <a:prstGeom prst="rect">
+              <a:avLst/>
+            </a:prstGeom>
+            <a:noFill/>
+            <a:ln>
+              <a:noFill/>
+            </a:ln>
+            <a:effectLst/>
+            <a:extLst>
+              <a:ext uri="{909E8E84-426E-40dd-AFC4-6F175D3DCCD1}">
+                <a14:hiddenFill xmlns="" xmlns:a14="http://schemas.microsoft.com/office/drawing/2010/main">
+                  <a:solidFill>
+                    <a:schemeClr val="accent1"/>
+                  </a:solidFill>
+                </a14:hiddenFill>
+              </a:ext>
+              <a:ext uri="{91240B29-F687-4f45-9708-019B960494DF}">
+                <a14:hiddenLine xmlns="" xmlns:a14="http://schemas.microsoft.com/office/drawing/2010/main" w="9525">
+                  <a:solidFill>
+                    <a:schemeClr val="tx1"/>
+                  </a:solidFill>
+                  <a:miter lim="800000"/>
+                  <a:headEnd/>
+                  <a:tailEnd/>
+                </a14:hiddenLine>
+              </a:ext>
+              <a:ext uri="{AF507438-7753-43e0-B8FC-AC1667EBCBE1}">
+                <a14:hiddenEffects xmlns="" xmlns:a14="http://schemas.microsoft.com/office/drawing/2010/main">
+                  <a:effectLst>
+                    <a:outerShdw dist="35921" dir="2700000" algn="ctr" rotWithShape="0">
+                      <a:schemeClr val="bg2"/>
+                    </a:outerShdw>
+                  </a:effectLst>
+                </a14:hiddenEffects>
+              </a:ext>
+            </a:extLst>
+          </p:spPr>
+        </p:pic>
+        <mc:AlternateContent xmlns:mc="http://schemas.openxmlformats.org/markup-compatibility/2006" xmlns:a14="http://schemas.microsoft.com/office/drawing/2010/main">
+          <mc:Choice Requires="a14">
+            <p:sp>
+              <p:nvSpPr>
+                <p:cNvPr id="29" name="TextBox 28">
+                  <a:extLst>
+                    <a:ext uri="{FF2B5EF4-FFF2-40B4-BE49-F238E27FC236}">
+                      <a16:creationId xmlns:a16="http://schemas.microsoft.com/office/drawing/2014/main" id="{DC806DC7-7620-4939-A62F-E35D53161F97}"/>
+                    </a:ext>
+                  </a:extLst>
+                </p:cNvPr>
+                <p:cNvSpPr txBox="1"/>
+                <p:nvPr/>
+              </p:nvSpPr>
+              <p:spPr>
+                <a:xfrm>
+                  <a:off x="10211991" y="4243315"/>
+                  <a:ext cx="279400" cy="461665"/>
+                </a:xfrm>
+                <a:prstGeom prst="rect">
+                  <a:avLst/>
+                </a:prstGeom>
+                <a:noFill/>
+              </p:spPr>
+              <p:txBody>
+                <a:bodyPr wrap="square" rtlCol="0">
+                  <a:spAutoFit/>
+                </a:bodyPr>
+                <a:lstStyle/>
+                <a:p>
+                  <a:pPr/>
+                  <a14:m>
+                    <m:oMathPara xmlns:m="http://schemas.openxmlformats.org/officeDocument/2006/math">
+                      <m:oMathParaPr>
+                        <m:jc m:val="centerGroup"/>
+                      </m:oMathParaPr>
+                      <m:oMath xmlns:m="http://schemas.openxmlformats.org/officeDocument/2006/math">
+                        <m:r>
+                          <a:rPr lang="en-US" sz="2400" b="0" i="1" dirty="0" smtClean="0">
+                            <a:latin typeface="Cambria Math" panose="02040503050406030204" pitchFamily="18" charset="0"/>
+                          </a:rPr>
+                          <m:t>𝑓</m:t>
+                        </m:r>
+                      </m:oMath>
+                    </m:oMathPara>
+                  </a14:m>
+                  <a:endParaRPr lang="en-US" sz="2400" i="1" dirty="0"/>
+                </a:p>
+              </p:txBody>
+            </p:sp>
+          </mc:Choice>
+          <mc:Fallback xmlns="">
+            <p:sp>
+              <p:nvSpPr>
+                <p:cNvPr id="29" name="TextBox 28">
+                  <a:extLst>
+                    <a:ext uri="{FF2B5EF4-FFF2-40B4-BE49-F238E27FC236}">
+                      <a16:creationId xmlns:a16="http://schemas.microsoft.com/office/drawing/2014/main" id="{DC806DC7-7620-4939-A62F-E35D53161F97}"/>
+                    </a:ext>
+                  </a:extLst>
+                </p:cNvPr>
+                <p:cNvSpPr txBox="1">
+                  <a:spLocks noRot="1" noChangeAspect="1" noMove="1" noResize="1" noEditPoints="1" noAdjustHandles="1" noChangeArrowheads="1" noChangeShapeType="1" noTextEdit="1"/>
+                </p:cNvSpPr>
+                <p:nvPr/>
+              </p:nvSpPr>
+              <p:spPr>
+                <a:xfrm>
+                  <a:off x="10211991" y="4243315"/>
+                  <a:ext cx="279400" cy="461665"/>
+                </a:xfrm>
+                <a:prstGeom prst="rect">
+                  <a:avLst/>
+                </a:prstGeom>
+                <a:blipFill>
+                  <a:blip r:embed="rId6"/>
+                  <a:stretch>
+                    <a:fillRect l="-17391" r="-43478" b="-17105"/>
+                  </a:stretch>
+                </a:blipFill>
+              </p:spPr>
+              <p:txBody>
+                <a:bodyPr/>
+                <a:lstStyle/>
+                <a:p>
+                  <a:r>
+                    <a:rPr lang="en-US">
+                      <a:noFill/>
+                    </a:rPr>
+                    <a:t> </a:t>
+                  </a:r>
+                </a:p>
+              </p:txBody>
+            </p:sp>
+          </mc:Fallback>
+        </mc:AlternateContent>
+        <mc:AlternateContent xmlns:mc="http://schemas.openxmlformats.org/markup-compatibility/2006" xmlns:a14="http://schemas.microsoft.com/office/drawing/2010/main">
+          <mc:Choice Requires="a14">
+            <p:sp>
+              <p:nvSpPr>
+                <p:cNvPr id="30" name="TextBox 29">
+                  <a:extLst>
+                    <a:ext uri="{FF2B5EF4-FFF2-40B4-BE49-F238E27FC236}">
+                      <a16:creationId xmlns:a16="http://schemas.microsoft.com/office/drawing/2014/main" id="{ABBA70E4-203C-4ED3-B804-8F77A1C6E3DA}"/>
+                    </a:ext>
+                  </a:extLst>
+                </p:cNvPr>
+                <p:cNvSpPr txBox="1"/>
+                <p:nvPr/>
+              </p:nvSpPr>
+              <p:spPr>
+                <a:xfrm>
+                  <a:off x="10237390" y="4938712"/>
+                  <a:ext cx="709613" cy="584775"/>
+                </a:xfrm>
+                <a:prstGeom prst="rect">
+                  <a:avLst/>
+                </a:prstGeom>
+                <a:noFill/>
+              </p:spPr>
+              <p:txBody>
+                <a:bodyPr wrap="square" rtlCol="0">
+                  <a:spAutoFit/>
+                </a:bodyPr>
+                <a:lstStyle/>
+                <a:p>
+                  <a:pPr/>
+                  <a14:m>
+                    <m:oMathPara xmlns:m="http://schemas.openxmlformats.org/officeDocument/2006/math">
+                      <m:oMathParaPr>
+                        <m:jc m:val="centerGroup"/>
+                      </m:oMathParaPr>
+                      <m:oMath xmlns:m="http://schemas.openxmlformats.org/officeDocument/2006/math">
+                        <m:sSup>
+                          <m:sSupPr>
+                            <m:ctrlPr>
+                              <a:rPr lang="en-US" sz="3200" b="0" i="1" smtClean="0">
+                                <a:latin typeface="Cambria Math" panose="02040503050406030204" pitchFamily="18" charset="0"/>
+                              </a:rPr>
+                            </m:ctrlPr>
+                          </m:sSupPr>
+                          <m:e>
+                            <m:r>
+                              <a:rPr lang="en-US" sz="3200" b="0" i="1" smtClean="0">
+                                <a:latin typeface="Cambria Math" panose="02040503050406030204" pitchFamily="18" charset="0"/>
+                              </a:rPr>
+                              <m:t>h</m:t>
+                            </m:r>
+                          </m:e>
+                          <m:sup>
+                            <m:r>
+                              <a:rPr lang="en-US" sz="3200" b="0" i="1" smtClean="0">
+                                <a:latin typeface="Cambria Math" panose="02040503050406030204" pitchFamily="18" charset="0"/>
+                              </a:rPr>
+                              <m:t>∗</m:t>
+                            </m:r>
+                          </m:sup>
+                        </m:sSup>
+                      </m:oMath>
+                    </m:oMathPara>
+                  </a14:m>
+                  <a:endParaRPr lang="en-US" sz="3200" i="1" dirty="0"/>
+                </a:p>
+              </p:txBody>
+            </p:sp>
+          </mc:Choice>
+          <mc:Fallback xmlns="">
+            <p:sp>
+              <p:nvSpPr>
+                <p:cNvPr id="30" name="TextBox 29">
+                  <a:extLst>
+                    <a:ext uri="{FF2B5EF4-FFF2-40B4-BE49-F238E27FC236}">
+                      <a16:creationId xmlns:a16="http://schemas.microsoft.com/office/drawing/2014/main" id="{ABBA70E4-203C-4ED3-B804-8F77A1C6E3DA}"/>
+                    </a:ext>
+                  </a:extLst>
+                </p:cNvPr>
+                <p:cNvSpPr txBox="1">
+                  <a:spLocks noRot="1" noChangeAspect="1" noMove="1" noResize="1" noEditPoints="1" noAdjustHandles="1" noChangeArrowheads="1" noChangeShapeType="1" noTextEdit="1"/>
+                </p:cNvSpPr>
+                <p:nvPr/>
+              </p:nvSpPr>
+              <p:spPr>
+                <a:xfrm>
+                  <a:off x="10237390" y="4938712"/>
+                  <a:ext cx="709613" cy="584775"/>
+                </a:xfrm>
+                <a:prstGeom prst="rect">
+                  <a:avLst/>
+                </a:prstGeom>
+                <a:blipFill>
+                  <a:blip r:embed="rId7"/>
+                  <a:stretch>
+                    <a:fillRect/>
+                  </a:stretch>
+                </a:blipFill>
+              </p:spPr>
+              <p:txBody>
+                <a:bodyPr/>
+                <a:lstStyle/>
+                <a:p>
+                  <a:r>
+                    <a:rPr lang="en-US">
+                      <a:noFill/>
+                    </a:rPr>
+                    <a:t> </a:t>
+                  </a:r>
+                </a:p>
+              </p:txBody>
+            </p:sp>
+          </mc:Fallback>
+        </mc:AlternateContent>
+        <p:sp>
+          <p:nvSpPr>
+            <p:cNvPr id="31" name="Speech Bubble: Rectangle 30">
+              <a:extLst>
+                <a:ext uri="{FF2B5EF4-FFF2-40B4-BE49-F238E27FC236}">
+                  <a16:creationId xmlns:a16="http://schemas.microsoft.com/office/drawing/2014/main" id="{FD87FC05-37F8-4864-ABEA-86C4EAAA7AAD}"/>
+                </a:ext>
+              </a:extLst>
+            </p:cNvPr>
+            <p:cNvSpPr/>
+            <p:nvPr/>
+          </p:nvSpPr>
+          <p:spPr>
+            <a:xfrm>
+              <a:off x="10896600" y="4085927"/>
+              <a:ext cx="1091406" cy="287635"/>
+            </a:xfrm>
+            <a:prstGeom prst="wedgeRectCallout">
+              <a:avLst>
+                <a:gd name="adj1" fmla="val -77851"/>
+                <a:gd name="adj2" fmla="val 157777"/>
+              </a:avLst>
+            </a:prstGeom>
+          </p:spPr>
+          <p:style>
+            <a:lnRef idx="2">
+              <a:schemeClr val="accent6">
+                <a:shade val="50000"/>
+              </a:schemeClr>
+            </a:lnRef>
+            <a:fillRef idx="1">
+              <a:schemeClr val="accent6"/>
+            </a:fillRef>
+            <a:effectRef idx="0">
+              <a:schemeClr val="accent6"/>
+            </a:effectRef>
+            <a:fontRef idx="minor">
+              <a:schemeClr val="lt1"/>
+            </a:fontRef>
+          </p:style>
+          <p:txBody>
+            <a:bodyPr rtlCol="0" anchor="ctr"/>
+            <a:lstStyle/>
+            <a:p>
+              <a:pPr algn="ctr"/>
+              <a:r>
+                <a:rPr lang="en-US" dirty="0"/>
+                <a:t>Loss</a:t>
+              </a:r>
+            </a:p>
+          </p:txBody>
+        </p:sp>
+      </p:grpSp>
+    </p:spTree>
+    <p:extLst>
+      <p:ext uri="{BB962C8B-B14F-4D97-AF65-F5344CB8AC3E}">
+        <p14:creationId xmlns:p14="http://schemas.microsoft.com/office/powerpoint/2010/main" val="3455679427"/>
+      </p:ext>
+    </p:extLst>
+  </p:cSld>
+  <p:clrMapOvr>
+    <a:masterClrMapping/>
+  </p:clrMapOvr>
+</p:sld>
+</file>
+
+<file path=ppt/slides/slide11.xml><?xml version="1.0" encoding="utf-8"?>
+<p:sld xmlns:a="http://schemas.openxmlformats.org/drawingml/2006/main" xmlns:r="http://schemas.openxmlformats.org/officeDocument/2006/relationships" xmlns:p="http://schemas.openxmlformats.org/presentationml/2006/main">
+  <p:cSld>
+    <p:spTree>
+      <p:nvGrpSpPr>
+        <p:cNvPr id="1" name=""/>
+        <p:cNvGrpSpPr/>
+        <p:nvPr/>
+      </p:nvGrpSpPr>
+      <p:grpSpPr>
+        <a:xfrm>
+          <a:off x="0" y="0"/>
+          <a:ext cx="0" cy="0"/>
+          <a:chOff x="0" y="0"/>
+          <a:chExt cx="0" cy="0"/>
+        </a:xfrm>
+      </p:grpSpPr>
+      <p:sp>
+        <p:nvSpPr>
+          <p:cNvPr id="2" name="Title 1">
+            <a:extLst>
+              <a:ext uri="{FF2B5EF4-FFF2-40B4-BE49-F238E27FC236}">
+                <a16:creationId xmlns:a16="http://schemas.microsoft.com/office/drawing/2014/main" id="{6BC68DAF-B65C-4B08-8613-534FAEAD9337}"/>
+              </a:ext>
+            </a:extLst>
+          </p:cNvPr>
+          <p:cNvSpPr>
+            <a:spLocks noGrp="1"/>
+          </p:cNvSpPr>
+          <p:nvPr>
+            <p:ph type="title"/>
+          </p:nvPr>
+        </p:nvSpPr>
+        <p:spPr>
+          <a:xfrm>
+            <a:off x="838200" y="365125"/>
+            <a:ext cx="10515600" cy="1325563"/>
+          </a:xfrm>
+        </p:spPr>
+        <p:txBody>
+          <a:bodyPr/>
+          <a:lstStyle/>
+          <a:p>
+            <a:r>
+              <a:rPr lang="en-US" dirty="0"/>
+              <a:t>The Bayes Classifier</a:t>
+            </a:r>
+          </a:p>
+        </p:txBody>
+      </p:sp>
+      <mc:AlternateContent xmlns:mc="http://schemas.openxmlformats.org/markup-compatibility/2006" xmlns:a14="http://schemas.microsoft.com/office/drawing/2010/main">
+        <mc:Choice Requires="a14">
+          <p:sp>
+            <p:nvSpPr>
+              <p:cNvPr id="3" name="Content Placeholder 2">
+                <a:extLst>
+                  <a:ext uri="{FF2B5EF4-FFF2-40B4-BE49-F238E27FC236}">
+                    <a16:creationId xmlns:a16="http://schemas.microsoft.com/office/drawing/2014/main" id="{0C4E7412-75D7-4C7D-A4D5-05DDF77126E3}"/>
+                  </a:ext>
+                </a:extLst>
+              </p:cNvPr>
+              <p:cNvSpPr>
+                <a:spLocks noGrp="1"/>
+              </p:cNvSpPr>
+              <p:nvPr>
+                <p:ph idx="1"/>
+              </p:nvPr>
+            </p:nvSpPr>
+            <p:spPr>
+              <a:xfrm>
+                <a:off x="838200" y="1524000"/>
+                <a:ext cx="10744200" cy="4968875"/>
+              </a:xfrm>
+            </p:spPr>
+            <p:txBody>
+              <a:bodyPr>
+                <a:normAutofit fontScale="62500" lnSpcReduction="20000"/>
+              </a:bodyPr>
+              <a:lstStyle/>
+              <a:p>
+                <a:pPr marL="0" indent="0">
+                  <a:lnSpc>
+                    <a:spcPct val="120000"/>
+                  </a:lnSpc>
+                  <a:buNone/>
+                </a:pPr>
+                <a:r>
+                  <a:rPr lang="en-US" b="1" dirty="0"/>
+                  <a:t>For 0/1 loss</a:t>
+                </a:r>
+                <a:r>
+                  <a:rPr lang="en-US" dirty="0"/>
+                  <a:t>, the empirical loss is minimized by the model that predicts for each </a:t>
+                </a:r>
+                <a14:m>
+                  <m:oMath xmlns:m="http://schemas.openxmlformats.org/officeDocument/2006/math">
+                    <m:r>
+                      <a:rPr lang="en-US" b="0" i="1" smtClean="0">
+                        <a:latin typeface="Cambria Math" panose="02040503050406030204" pitchFamily="18" charset="0"/>
+                      </a:rPr>
+                      <m:t>𝑥</m:t>
+                    </m:r>
+                  </m:oMath>
+                </a14:m>
+                <a:r>
+                  <a:rPr lang="en-US" dirty="0"/>
+                  <a:t> the most likely class </a:t>
+                </a:r>
+                <a14:m>
+                  <m:oMath xmlns:m="http://schemas.openxmlformats.org/officeDocument/2006/math">
+                    <m:r>
+                      <a:rPr lang="en-US" b="0" i="1" smtClean="0">
+                        <a:latin typeface="Cambria Math" panose="02040503050406030204" pitchFamily="18" charset="0"/>
+                      </a:rPr>
+                      <m:t>𝑦</m:t>
+                    </m:r>
+                  </m:oMath>
+                </a14:m>
+                <a:r>
+                  <a:rPr lang="en-US" dirty="0"/>
+                  <a:t> using MAP (Maximum a posteriori) estimates.  This is called the Bayes classifier.</a:t>
+                </a:r>
+              </a:p>
+              <a:p>
+                <a:pPr marL="0" indent="0">
+                  <a:lnSpc>
+                    <a:spcPct val="120000"/>
+                  </a:lnSpc>
+                  <a:buNone/>
+                </a:pPr>
+                <a:br>
+                  <a:rPr lang="en-US" dirty="0"/>
+                </a:br>
+                <a14:m>
+                  <m:oMathPara xmlns:m="http://schemas.openxmlformats.org/officeDocument/2006/math">
+                    <m:oMathParaPr>
+                      <m:jc m:val="centerGroup"/>
+                    </m:oMathParaPr>
+                    <m:oMath xmlns:m="http://schemas.openxmlformats.org/officeDocument/2006/math">
+                      <m:sSup>
+                        <m:sSupPr>
+                          <m:ctrlPr>
+                            <a:rPr lang="en-US" b="0" i="1" smtClean="0">
+                              <a:latin typeface="Cambria Math" panose="02040503050406030204" pitchFamily="18" charset="0"/>
+                            </a:rPr>
+                          </m:ctrlPr>
+                        </m:sSupPr>
+                        <m:e>
+                          <m:r>
+                            <m:rPr>
+                              <m:sty m:val="p"/>
+                            </m:rPr>
+                            <a:rPr lang="en-US" b="0" i="0" smtClean="0">
+                              <a:latin typeface="Cambria Math" panose="02040503050406030204" pitchFamily="18" charset="0"/>
+                            </a:rPr>
+                            <m:t>h</m:t>
+                          </m:r>
+                        </m:e>
+                        <m:sup>
+                          <m:r>
+                            <a:rPr lang="en-US" b="0" i="0" smtClean="0">
+                              <a:latin typeface="Cambria Math" panose="02040503050406030204" pitchFamily="18" charset="0"/>
+                            </a:rPr>
+                            <m:t>∗</m:t>
+                          </m:r>
+                        </m:sup>
+                      </m:sSup>
+                      <m:d>
+                        <m:dPr>
+                          <m:ctrlPr>
+                            <a:rPr lang="en-US" b="0" i="1" smtClean="0">
+                              <a:latin typeface="Cambria Math" panose="02040503050406030204" pitchFamily="18" charset="0"/>
+                            </a:rPr>
+                          </m:ctrlPr>
+                        </m:dPr>
+                        <m:e>
+                          <m:r>
+                            <m:rPr>
+                              <m:sty m:val="p"/>
+                            </m:rPr>
+                            <a:rPr lang="en-US" b="0" i="0" smtClean="0">
+                              <a:latin typeface="Cambria Math" panose="02040503050406030204" pitchFamily="18" charset="0"/>
+                            </a:rPr>
+                            <m:t>x</m:t>
+                          </m:r>
+                        </m:e>
+                      </m:d>
+                      <m:r>
+                        <a:rPr lang="en-US" b="0" i="1" smtClean="0">
+                          <a:latin typeface="Cambria Math" panose="02040503050406030204" pitchFamily="18" charset="0"/>
+                        </a:rPr>
+                        <m:t>=</m:t>
+                      </m:r>
+                      <m:limLow>
+                        <m:limLowPr>
+                          <m:ctrlPr>
+                            <a:rPr lang="en-US" i="1">
+                              <a:latin typeface="Cambria Math" panose="02040503050406030204" pitchFamily="18" charset="0"/>
+                            </a:rPr>
+                          </m:ctrlPr>
+                        </m:limLowPr>
+                        <m:e>
+                          <m:r>
+                            <m:rPr>
+                              <m:sty m:val="p"/>
+                            </m:rPr>
+                            <a:rPr lang="en-US">
+                              <a:latin typeface="Cambria Math" panose="02040503050406030204" pitchFamily="18" charset="0"/>
+                            </a:rPr>
+                            <m:t>argmax</m:t>
+                          </m:r>
+                        </m:e>
+                        <m:lim>
+                          <m:r>
+                            <a:rPr lang="en-US" i="1">
+                              <a:latin typeface="Cambria Math" panose="02040503050406030204" pitchFamily="18" charset="0"/>
+                            </a:rPr>
+                            <m:t>𝑦</m:t>
+                          </m:r>
+                        </m:lim>
+                      </m:limLow>
+                      <m:r>
+                        <a:rPr lang="en-US" b="0" i="1" smtClean="0">
+                          <a:latin typeface="Cambria Math" panose="02040503050406030204" pitchFamily="18" charset="0"/>
+                        </a:rPr>
+                        <m:t> </m:t>
+                      </m:r>
+                      <m:r>
+                        <a:rPr lang="en-US" b="0" i="1" smtClean="0">
+                          <a:latin typeface="Cambria Math" panose="02040503050406030204" pitchFamily="18" charset="0"/>
+                        </a:rPr>
+                        <m:t>𝑃</m:t>
+                      </m:r>
+                      <m:d>
+                        <m:dPr>
+                          <m:endChr m:val="|"/>
+                          <m:ctrlPr>
+                            <a:rPr lang="en-US" b="0" i="1" smtClean="0">
+                              <a:latin typeface="Cambria Math" panose="02040503050406030204" pitchFamily="18" charset="0"/>
+                            </a:rPr>
+                          </m:ctrlPr>
+                        </m:dPr>
+                        <m:e>
+                          <m:r>
+                            <a:rPr lang="en-US" b="0" i="1" smtClean="0">
+                              <a:latin typeface="Cambria Math" panose="02040503050406030204" pitchFamily="18" charset="0"/>
+                            </a:rPr>
+                            <m:t>𝑌</m:t>
+                          </m:r>
+                          <m:r>
+                            <a:rPr lang="en-US" b="0" i="1" smtClean="0">
+                              <a:latin typeface="Cambria Math" panose="02040503050406030204" pitchFamily="18" charset="0"/>
+                            </a:rPr>
+                            <m:t>=</m:t>
+                          </m:r>
+                          <m:r>
+                            <a:rPr lang="en-US" b="0" i="1" smtClean="0">
+                              <a:latin typeface="Cambria Math" panose="02040503050406030204" pitchFamily="18" charset="0"/>
+                            </a:rPr>
+                            <m:t>𝑦</m:t>
+                          </m:r>
+                          <m:r>
+                            <a:rPr lang="en-US" b="0" i="1" smtClean="0">
+                              <a:latin typeface="Cambria Math" panose="02040503050406030204" pitchFamily="18" charset="0"/>
+                            </a:rPr>
+                            <m:t> </m:t>
+                          </m:r>
+                        </m:e>
+                      </m:d>
+                      <m:r>
+                        <a:rPr lang="en-US" b="0" i="1" smtClean="0">
+                          <a:latin typeface="Cambria Math" panose="02040503050406030204" pitchFamily="18" charset="0"/>
+                        </a:rPr>
+                        <m:t> </m:t>
+                      </m:r>
+                      <m:r>
+                        <a:rPr lang="en-US" b="0" i="1" smtClean="0">
+                          <a:latin typeface="Cambria Math" panose="02040503050406030204" pitchFamily="18" charset="0"/>
+                        </a:rPr>
+                        <m:t>𝑋</m:t>
+                      </m:r>
+                      <m:r>
+                        <a:rPr lang="en-US" b="0" i="1" smtClean="0">
+                          <a:latin typeface="Cambria Math" panose="02040503050406030204" pitchFamily="18" charset="0"/>
+                        </a:rPr>
+                        <m:t>=</m:t>
+                      </m:r>
+                      <m:r>
+                        <a:rPr lang="en-US" b="0" i="1" smtClean="0">
+                          <a:latin typeface="Cambria Math" panose="02040503050406030204" pitchFamily="18" charset="0"/>
+                        </a:rPr>
+                        <m:t>𝑥</m:t>
+                      </m:r>
+                      <m:r>
+                        <a:rPr lang="en-US" b="0" i="1" smtClean="0">
+                          <a:latin typeface="Cambria Math" panose="02040503050406030204" pitchFamily="18" charset="0"/>
+                        </a:rPr>
+                        <m:t>)= </m:t>
+                      </m:r>
+                      <m:limLow>
+                        <m:limLowPr>
+                          <m:ctrlPr>
+                            <a:rPr lang="en-US" i="1">
+                              <a:latin typeface="Cambria Math" panose="02040503050406030204" pitchFamily="18" charset="0"/>
+                            </a:rPr>
+                          </m:ctrlPr>
+                        </m:limLowPr>
+                        <m:e>
+                          <m:r>
+                            <m:rPr>
+                              <m:sty m:val="p"/>
+                            </m:rPr>
+                            <a:rPr lang="en-US">
+                              <a:latin typeface="Cambria Math" panose="02040503050406030204" pitchFamily="18" charset="0"/>
+                            </a:rPr>
+                            <m:t>argmax</m:t>
+                          </m:r>
+                        </m:e>
+                        <m:lim>
+                          <m:r>
+                            <a:rPr lang="en-US" i="1">
+                              <a:latin typeface="Cambria Math" panose="02040503050406030204" pitchFamily="18" charset="0"/>
+                            </a:rPr>
+                            <m:t>𝑦</m:t>
+                          </m:r>
+                        </m:lim>
+                      </m:limLow>
+                      <m:r>
+                        <a:rPr lang="en-US" b="0" i="1" smtClean="0">
+                          <a:latin typeface="Cambria Math" panose="02040503050406030204" pitchFamily="18" charset="0"/>
+                        </a:rPr>
+                        <m:t> </m:t>
+                      </m:r>
+                      <m:f>
+                        <m:fPr>
+                          <m:ctrlPr>
+                            <a:rPr lang="en-US" b="0" i="1" smtClean="0">
+                              <a:latin typeface="Cambria Math" panose="02040503050406030204" pitchFamily="18" charset="0"/>
+                            </a:rPr>
+                          </m:ctrlPr>
+                        </m:fPr>
+                        <m:num>
+                          <m:r>
+                            <a:rPr lang="en-US" i="1">
+                              <a:latin typeface="Cambria Math" panose="02040503050406030204" pitchFamily="18" charset="0"/>
+                            </a:rPr>
+                            <m:t>𝑃</m:t>
+                          </m:r>
+                          <m:d>
+                            <m:dPr>
+                              <m:endChr m:val="|"/>
+                              <m:ctrlPr>
+                                <a:rPr lang="en-US" i="1">
+                                  <a:latin typeface="Cambria Math" panose="02040503050406030204" pitchFamily="18" charset="0"/>
+                                </a:rPr>
+                              </m:ctrlPr>
+                            </m:dPr>
+                            <m:e>
+                              <m:r>
+                                <a:rPr lang="en-US" b="0" i="1" smtClean="0">
+                                  <a:latin typeface="Cambria Math" panose="02040503050406030204" pitchFamily="18" charset="0"/>
+                                </a:rPr>
+                                <m:t>𝑥</m:t>
+                              </m:r>
+                              <m:r>
+                                <a:rPr lang="en-US" i="1">
+                                  <a:latin typeface="Cambria Math" panose="02040503050406030204" pitchFamily="18" charset="0"/>
+                                </a:rPr>
+                                <m:t> </m:t>
+                              </m:r>
+                            </m:e>
+                          </m:d>
+                          <m:r>
+                            <a:rPr lang="en-US" b="0" i="1" smtClean="0">
+                              <a:latin typeface="Cambria Math" panose="02040503050406030204" pitchFamily="18" charset="0"/>
+                            </a:rPr>
+                            <m:t> </m:t>
+                          </m:r>
+                          <m:r>
+                            <a:rPr lang="en-US" b="0" i="1" smtClean="0">
+                              <a:latin typeface="Cambria Math" panose="02040503050406030204" pitchFamily="18" charset="0"/>
+                            </a:rPr>
+                            <m:t>𝑦</m:t>
+                          </m:r>
+                          <m:r>
+                            <a:rPr lang="en-US" i="1">
+                              <a:latin typeface="Cambria Math" panose="02040503050406030204" pitchFamily="18" charset="0"/>
+                            </a:rPr>
+                            <m:t>)</m:t>
+                          </m:r>
+                          <m:r>
+                            <m:rPr>
+                              <m:nor/>
+                            </m:rPr>
+                            <a:rPr lang="en-US" dirty="0"/>
+                            <m:t> </m:t>
+                          </m:r>
+                          <m:r>
+                            <a:rPr lang="en-US" i="1" dirty="0">
+                              <a:latin typeface="Cambria Math" panose="02040503050406030204" pitchFamily="18" charset="0"/>
+                            </a:rPr>
+                            <m:t>𝑃</m:t>
+                          </m:r>
+                          <m:r>
+                            <a:rPr lang="en-US" i="1" dirty="0">
+                              <a:latin typeface="Cambria Math" panose="02040503050406030204" pitchFamily="18" charset="0"/>
+                            </a:rPr>
+                            <m:t>(</m:t>
+                          </m:r>
+                          <m:r>
+                            <a:rPr lang="en-US" b="0" i="1" dirty="0" smtClean="0">
+                              <a:latin typeface="Cambria Math" panose="02040503050406030204" pitchFamily="18" charset="0"/>
+                            </a:rPr>
+                            <m:t>𝑦</m:t>
+                          </m:r>
+                          <m:r>
+                            <a:rPr lang="en-US" b="0" i="1" dirty="0" smtClean="0">
+                              <a:latin typeface="Cambria Math" panose="02040503050406030204" pitchFamily="18" charset="0"/>
+                            </a:rPr>
+                            <m:t>)</m:t>
+                          </m:r>
+                        </m:num>
+                        <m:den>
+                          <m:r>
+                            <a:rPr lang="en-US" b="0" i="1" smtClean="0">
+                              <a:latin typeface="Cambria Math" panose="02040503050406030204" pitchFamily="18" charset="0"/>
+                            </a:rPr>
+                            <m:t>𝑃</m:t>
+                          </m:r>
+                          <m:r>
+                            <a:rPr lang="en-US" b="0" i="1" smtClean="0">
+                              <a:latin typeface="Cambria Math" panose="02040503050406030204" pitchFamily="18" charset="0"/>
+                            </a:rPr>
+                            <m:t>(</m:t>
+                          </m:r>
+                          <m:r>
+                            <a:rPr lang="en-US" b="0" i="1" smtClean="0">
+                              <a:latin typeface="Cambria Math" panose="02040503050406030204" pitchFamily="18" charset="0"/>
+                            </a:rPr>
+                            <m:t>𝑥</m:t>
+                          </m:r>
+                          <m:r>
+                            <a:rPr lang="en-US" b="0" i="1" smtClean="0">
+                              <a:latin typeface="Cambria Math" panose="02040503050406030204" pitchFamily="18" charset="0"/>
+                            </a:rPr>
+                            <m:t>)</m:t>
+                          </m:r>
+                        </m:den>
+                      </m:f>
+                      <m:r>
+                        <a:rPr lang="en-US" b="0" i="1" dirty="0" smtClean="0">
+                          <a:latin typeface="Cambria Math" panose="02040503050406030204" pitchFamily="18" charset="0"/>
+                        </a:rPr>
+                        <m:t>=</m:t>
+                      </m:r>
+                      <m:func>
+                        <m:funcPr>
+                          <m:ctrlPr>
+                            <a:rPr lang="en-US" i="1">
+                              <a:latin typeface="Cambria Math" panose="02040503050406030204" pitchFamily="18" charset="0"/>
+                            </a:rPr>
+                          </m:ctrlPr>
+                        </m:funcPr>
+                        <m:fName>
+                          <m:limLow>
+                            <m:limLowPr>
+                              <m:ctrlPr>
+                                <a:rPr lang="en-US" i="1">
+                                  <a:latin typeface="Cambria Math" panose="02040503050406030204" pitchFamily="18" charset="0"/>
+                                </a:rPr>
+                              </m:ctrlPr>
+                            </m:limLowPr>
+                            <m:e>
+                              <m:r>
+                                <m:rPr>
+                                  <m:sty m:val="p"/>
+                                </m:rPr>
+                                <a:rPr lang="en-US">
+                                  <a:latin typeface="Cambria Math" panose="02040503050406030204" pitchFamily="18" charset="0"/>
+                                </a:rPr>
+                                <m:t>argmax</m:t>
+                              </m:r>
+                            </m:e>
+                            <m:lim>
+                              <m:r>
+                                <a:rPr lang="en-US" i="1">
+                                  <a:latin typeface="Cambria Math" panose="02040503050406030204" pitchFamily="18" charset="0"/>
+                                </a:rPr>
+                                <m:t>𝑦</m:t>
+                              </m:r>
+                            </m:lim>
+                          </m:limLow>
+                        </m:fName>
+                        <m:e>
+                          <m:r>
+                            <a:rPr lang="en-US" i="1">
+                              <a:latin typeface="Cambria Math" panose="02040503050406030204" pitchFamily="18" charset="0"/>
+                            </a:rPr>
+                            <m:t>𝑃</m:t>
+                          </m:r>
+                          <m:d>
+                            <m:dPr>
+                              <m:endChr m:val="|"/>
+                              <m:ctrlPr>
+                                <a:rPr lang="en-US" i="1">
+                                  <a:latin typeface="Cambria Math" panose="02040503050406030204" pitchFamily="18" charset="0"/>
+                                </a:rPr>
+                              </m:ctrlPr>
+                            </m:dPr>
+                            <m:e>
+                              <m:r>
+                                <a:rPr lang="en-US" b="0" i="1" smtClean="0">
+                                  <a:latin typeface="Cambria Math" panose="02040503050406030204" pitchFamily="18" charset="0"/>
+                                </a:rPr>
+                                <m:t>𝑥</m:t>
+                              </m:r>
+                              <m:r>
+                                <a:rPr lang="en-US" i="1">
+                                  <a:latin typeface="Cambria Math" panose="02040503050406030204" pitchFamily="18" charset="0"/>
+                                </a:rPr>
+                                <m:t> </m:t>
+                              </m:r>
+                            </m:e>
+                          </m:d>
+                          <m:r>
+                            <a:rPr lang="en-US" b="0" i="1" smtClean="0">
+                              <a:latin typeface="Cambria Math" panose="02040503050406030204" pitchFamily="18" charset="0"/>
+                            </a:rPr>
+                            <m:t> </m:t>
+                          </m:r>
+                          <m:r>
+                            <a:rPr lang="en-US" b="0" i="1" smtClean="0">
+                              <a:latin typeface="Cambria Math" panose="02040503050406030204" pitchFamily="18" charset="0"/>
+                            </a:rPr>
+                            <m:t>𝑦</m:t>
+                          </m:r>
+                          <m:r>
+                            <a:rPr lang="en-US" i="1">
+                              <a:latin typeface="Cambria Math" panose="02040503050406030204" pitchFamily="18" charset="0"/>
+                            </a:rPr>
+                            <m:t>)</m:t>
+                          </m:r>
+                          <m:r>
+                            <m:rPr>
+                              <m:nor/>
+                            </m:rPr>
+                            <a:rPr lang="en-US" dirty="0"/>
+                            <m:t> </m:t>
+                          </m:r>
+                          <m:r>
+                            <a:rPr lang="en-US" i="1" dirty="0">
+                              <a:latin typeface="Cambria Math" panose="02040503050406030204" pitchFamily="18" charset="0"/>
+                            </a:rPr>
+                            <m:t>𝑃</m:t>
+                          </m:r>
+                          <m:r>
+                            <a:rPr lang="en-US" i="1" dirty="0">
+                              <a:latin typeface="Cambria Math" panose="02040503050406030204" pitchFamily="18" charset="0"/>
+                            </a:rPr>
+                            <m:t>(</m:t>
+                          </m:r>
+                          <m:r>
+                            <a:rPr lang="en-US" b="0" i="1" dirty="0" smtClean="0">
+                              <a:latin typeface="Cambria Math" panose="02040503050406030204" pitchFamily="18" charset="0"/>
+                            </a:rPr>
+                            <m:t>𝑦</m:t>
+                          </m:r>
+                          <m:r>
+                            <a:rPr lang="en-US" i="1" dirty="0">
+                              <a:latin typeface="Cambria Math" panose="02040503050406030204" pitchFamily="18" charset="0"/>
+                            </a:rPr>
+                            <m:t>)</m:t>
+                          </m:r>
+                        </m:e>
+                      </m:func>
+                    </m:oMath>
+                  </m:oMathPara>
+                </a14:m>
+                <a:endParaRPr lang="en-US" dirty="0"/>
+              </a:p>
+              <a:p>
+                <a:pPr marL="0" indent="0">
+                  <a:lnSpc>
+                    <a:spcPct val="120000"/>
+                  </a:lnSpc>
+                  <a:buNone/>
+                </a:pPr>
+                <a:endParaRPr lang="en-US" dirty="0"/>
+              </a:p>
+              <a:p>
+                <a:pPr marL="0" indent="0">
+                  <a:lnSpc>
+                    <a:spcPct val="120000"/>
+                  </a:lnSpc>
+                  <a:buNone/>
+                </a:pPr>
+                <a:r>
+                  <a:rPr lang="en-US" b="1" dirty="0"/>
+                  <a:t>Optimality</a:t>
+                </a:r>
+                <a:r>
+                  <a:rPr lang="en-US" dirty="0"/>
+                  <a:t>: The </a:t>
+                </a:r>
+                <a:r>
+                  <a:rPr lang="en-US" b="1" dirty="0">
+                    <a:solidFill>
+                      <a:srgbClr val="FF0000"/>
+                    </a:solidFill>
+                  </a:rPr>
+                  <a:t>Bayes classifier is optimal for 0/1 loss.</a:t>
+                </a:r>
+                <a:r>
+                  <a:rPr lang="en-US" dirty="0"/>
+                  <a:t> It is the most consistent classifier possible with the lowest possible error called the </a:t>
+                </a:r>
+                <a:r>
+                  <a:rPr lang="en-US" b="1" dirty="0">
+                    <a:solidFill>
+                      <a:srgbClr val="FF0000"/>
+                    </a:solidFill>
+                  </a:rPr>
+                  <a:t>Bayes error rate</a:t>
+                </a:r>
+                <a:r>
+                  <a:rPr lang="en-US" dirty="0"/>
+                  <a:t>. No better classifier is possible!</a:t>
+                </a:r>
+              </a:p>
+              <a:p>
+                <a:pPr marL="0" indent="0">
+                  <a:lnSpc>
+                    <a:spcPct val="120000"/>
+                  </a:lnSpc>
+                  <a:buNone/>
+                </a:pPr>
+                <a:endParaRPr lang="en-US" b="1" dirty="0"/>
+              </a:p>
+              <a:p>
+                <a:pPr marL="0" indent="0">
+                  <a:lnSpc>
+                    <a:spcPct val="120000"/>
+                  </a:lnSpc>
+                  <a:buNone/>
+                </a:pPr>
+                <a:r>
+                  <a:rPr lang="en-US" b="1" dirty="0"/>
+                  <a:t>Issue</a:t>
+                </a:r>
+                <a:r>
+                  <a:rPr lang="en-US" dirty="0"/>
+                  <a:t>: The classifier requires to learn </a:t>
+                </a:r>
+                <a14:m>
+                  <m:oMath xmlns:m="http://schemas.openxmlformats.org/officeDocument/2006/math">
+                    <m:r>
+                      <a:rPr lang="en-US" i="1" smtClean="0">
+                        <a:latin typeface="Cambria Math" panose="02040503050406030204" pitchFamily="18" charset="0"/>
+                      </a:rPr>
+                      <m:t>𝑃</m:t>
+                    </m:r>
+                    <m:d>
+                      <m:dPr>
+                        <m:endChr m:val="|"/>
+                        <m:ctrlPr>
+                          <a:rPr lang="en-US" i="1">
+                            <a:latin typeface="Cambria Math" panose="02040503050406030204" pitchFamily="18" charset="0"/>
+                          </a:rPr>
+                        </m:ctrlPr>
+                      </m:dPr>
+                      <m:e>
+                        <m:r>
+                          <a:rPr lang="en-US" b="0" i="1" smtClean="0">
+                            <a:latin typeface="Cambria Math" panose="02040503050406030204" pitchFamily="18" charset="0"/>
+                          </a:rPr>
+                          <m:t>𝑥</m:t>
+                        </m:r>
+                        <m:r>
+                          <a:rPr lang="en-US" i="1">
+                            <a:latin typeface="Cambria Math" panose="02040503050406030204" pitchFamily="18" charset="0"/>
+                          </a:rPr>
+                          <m:t> </m:t>
+                        </m:r>
+                      </m:e>
+                    </m:d>
+                    <m:r>
+                      <a:rPr lang="en-US" i="1">
+                        <a:latin typeface="Cambria Math" panose="02040503050406030204" pitchFamily="18" charset="0"/>
+                      </a:rPr>
+                      <m:t> </m:t>
+                    </m:r>
+                    <m:r>
+                      <a:rPr lang="en-US" b="0" i="1" smtClean="0">
+                        <a:latin typeface="Cambria Math" panose="02040503050406030204" pitchFamily="18" charset="0"/>
+                      </a:rPr>
+                      <m:t>𝑦</m:t>
+                    </m:r>
+                    <m:r>
+                      <a:rPr lang="en-US" i="1">
+                        <a:latin typeface="Cambria Math" panose="02040503050406030204" pitchFamily="18" charset="0"/>
+                      </a:rPr>
+                      <m:t>)</m:t>
+                    </m:r>
+                    <m:r>
+                      <m:rPr>
+                        <m:nor/>
+                      </m:rPr>
+                      <a:rPr lang="en-US" dirty="0"/>
+                      <m:t> </m:t>
+                    </m:r>
+                    <m:r>
+                      <a:rPr lang="en-US" i="1" dirty="0">
+                        <a:latin typeface="Cambria Math" panose="02040503050406030204" pitchFamily="18" charset="0"/>
+                      </a:rPr>
+                      <m:t>𝑃</m:t>
+                    </m:r>
+                    <m:d>
+                      <m:dPr>
+                        <m:ctrlPr>
+                          <a:rPr lang="en-US" i="1" dirty="0">
+                            <a:latin typeface="Cambria Math" panose="02040503050406030204" pitchFamily="18" charset="0"/>
+                          </a:rPr>
+                        </m:ctrlPr>
+                      </m:dPr>
+                      <m:e>
+                        <m:r>
+                          <a:rPr lang="en-US" b="0" i="1" dirty="0" smtClean="0">
+                            <a:latin typeface="Cambria Math" panose="02040503050406030204" pitchFamily="18" charset="0"/>
+                          </a:rPr>
+                          <m:t>𝑦</m:t>
+                        </m:r>
+                      </m:e>
+                    </m:d>
+                    <m:r>
+                      <a:rPr lang="en-US" b="0" i="1" dirty="0" smtClean="0">
+                        <a:latin typeface="Cambria Math" panose="02040503050406030204" pitchFamily="18" charset="0"/>
+                      </a:rPr>
+                      <m:t>=</m:t>
+                    </m:r>
+                    <m:r>
+                      <a:rPr lang="en-US" b="0" i="1" dirty="0" smtClean="0">
+                        <a:latin typeface="Cambria Math" panose="02040503050406030204" pitchFamily="18" charset="0"/>
+                      </a:rPr>
+                      <m:t>𝑃</m:t>
+                    </m:r>
+                    <m:r>
+                      <a:rPr lang="en-US" b="0" i="1" dirty="0" smtClean="0">
+                        <a:latin typeface="Cambria Math" panose="02040503050406030204" pitchFamily="18" charset="0"/>
+                      </a:rPr>
+                      <m:t>(</m:t>
+                    </m:r>
+                    <m:r>
+                      <a:rPr lang="en-US" b="0" i="1" dirty="0" smtClean="0">
+                        <a:latin typeface="Cambria Math" panose="02040503050406030204" pitchFamily="18" charset="0"/>
+                      </a:rPr>
+                      <m:t>𝑥</m:t>
+                    </m:r>
+                    <m:r>
+                      <a:rPr lang="en-US" b="0" i="1" dirty="0" smtClean="0">
+                        <a:latin typeface="Cambria Math" panose="02040503050406030204" pitchFamily="18" charset="0"/>
+                      </a:rPr>
+                      <m:t>,</m:t>
+                    </m:r>
+                    <m:r>
+                      <a:rPr lang="en-US" b="0" i="1" dirty="0" smtClean="0">
+                        <a:latin typeface="Cambria Math" panose="02040503050406030204" pitchFamily="18" charset="0"/>
+                      </a:rPr>
+                      <m:t>𝑦</m:t>
+                    </m:r>
+                    <m:r>
+                      <a:rPr lang="en-US" b="0" i="1" dirty="0" smtClean="0">
+                        <a:latin typeface="Cambria Math" panose="02040503050406030204" pitchFamily="18" charset="0"/>
+                      </a:rPr>
+                      <m:t>)</m:t>
+                    </m:r>
+                  </m:oMath>
+                </a14:m>
+                <a:r>
+                  <a:rPr lang="en-US" dirty="0"/>
+                  <a:t> from the examples.</a:t>
+                </a:r>
+              </a:p>
+              <a:p>
+                <a:pPr>
+                  <a:lnSpc>
+                    <a:spcPct val="120000"/>
+                  </a:lnSpc>
+                </a:pPr>
+                <a:r>
+                  <a:rPr lang="en-US" dirty="0"/>
+                  <a:t>It </a:t>
+                </a:r>
+                <a:r>
+                  <a:rPr lang="en-US" b="1" dirty="0">
+                    <a:solidFill>
+                      <a:srgbClr val="FF0000"/>
+                    </a:solidFill>
+                  </a:rPr>
+                  <a:t>needs the complete joint probability </a:t>
+                </a:r>
+                <a:r>
+                  <a:rPr lang="en-US" dirty="0"/>
+                  <a:t>which requires in the general case a probability table with one entry for each possible value for the feature vector </a:t>
+                </a:r>
+                <a14:m>
+                  <m:oMath xmlns:m="http://schemas.openxmlformats.org/officeDocument/2006/math">
+                    <m:r>
+                      <a:rPr lang="en-US" b="0" i="1" smtClean="0">
+                        <a:latin typeface="Cambria Math" panose="02040503050406030204" pitchFamily="18" charset="0"/>
+                      </a:rPr>
+                      <m:t>𝑥</m:t>
+                    </m:r>
+                  </m:oMath>
+                </a14:m>
+                <a:r>
+                  <a:rPr lang="en-US" i="1" dirty="0"/>
+                  <a:t>. </a:t>
+                </a:r>
+              </a:p>
+              <a:p>
+                <a:pPr>
+                  <a:lnSpc>
+                    <a:spcPct val="120000"/>
+                  </a:lnSpc>
+                </a:pPr>
+                <a:r>
+                  <a:rPr lang="en-US" dirty="0"/>
+                  <a:t>This is impractical (unless a simple Bayes network exists) and most classifiers try to approximate the Bayes classifier using a </a:t>
+                </a:r>
+                <a:r>
+                  <a:rPr lang="en-US" b="1" dirty="0">
+                    <a:solidFill>
+                      <a:srgbClr val="FF0000"/>
+                    </a:solidFill>
+                  </a:rPr>
+                  <a:t>simpler model </a:t>
+                </a:r>
+                <a:r>
+                  <a:rPr lang="en-US" dirty="0"/>
+                  <a:t>with fewer parameters.</a:t>
+                </a:r>
+                <a:endParaRPr lang="en-US" i="1" dirty="0"/>
+              </a:p>
+            </p:txBody>
+          </p:sp>
+        </mc:Choice>
+        <mc:Fallback xmlns="">
+          <p:sp>
+            <p:nvSpPr>
+              <p:cNvPr id="3" name="Content Placeholder 2">
+                <a:extLst>
+                  <a:ext uri="{FF2B5EF4-FFF2-40B4-BE49-F238E27FC236}">
+                    <a16:creationId xmlns:a16="http://schemas.microsoft.com/office/drawing/2014/main" id="{0C4E7412-75D7-4C7D-A4D5-05DDF77126E3}"/>
+                  </a:ext>
+                </a:extLst>
+              </p:cNvPr>
+              <p:cNvSpPr>
+                <a:spLocks noGrp="1" noRot="1" noChangeAspect="1" noMove="1" noResize="1" noEditPoints="1" noAdjustHandles="1" noChangeArrowheads="1" noChangeShapeType="1" noTextEdit="1"/>
+              </p:cNvSpPr>
+              <p:nvPr>
+                <p:ph idx="1"/>
+              </p:nvPr>
+            </p:nvSpPr>
+            <p:spPr>
+              <a:xfrm>
+                <a:off x="838200" y="1524000"/>
+                <a:ext cx="10744200" cy="4968875"/>
+              </a:xfrm>
+              <a:blipFill>
+                <a:blip r:embed="rId2"/>
+                <a:stretch>
+                  <a:fillRect l="-511" t="-613" r="-908"/>
+                </a:stretch>
+              </a:blipFill>
+            </p:spPr>
+            <p:txBody>
+              <a:bodyPr/>
+              <a:lstStyle/>
+              <a:p>
+                <a:r>
+                  <a:rPr lang="en-US">
+                    <a:noFill/>
+                  </a:rPr>
+                  <a:t> </a:t>
+                </a:r>
+              </a:p>
+            </p:txBody>
+          </p:sp>
+        </mc:Fallback>
+      </mc:AlternateContent>
+    </p:spTree>
+    <p:extLst>
+      <p:ext uri="{BB962C8B-B14F-4D97-AF65-F5344CB8AC3E}">
+        <p14:creationId xmlns:p14="http://schemas.microsoft.com/office/powerpoint/2010/main" val="4136607872"/>
+      </p:ext>
+    </p:extLst>
+  </p:cSld>
+  <p:clrMapOvr>
+    <a:masterClrMapping/>
+  </p:clrMapOvr>
+</p:sld>
+</file>
+
+<file path=ppt/slides/slide12.xml><?xml version="1.0" encoding="utf-8"?>
+<p:sld xmlns:a="http://schemas.openxmlformats.org/drawingml/2006/main" xmlns:r="http://schemas.openxmlformats.org/officeDocument/2006/relationships" xmlns:p="http://schemas.openxmlformats.org/presentationml/2006/main">
+  <p:cSld>
+    <p:spTree>
+      <p:nvGrpSpPr>
+        <p:cNvPr id="1" name=""/>
+        <p:cNvGrpSpPr/>
+        <p:nvPr/>
+      </p:nvGrpSpPr>
+      <p:grpSpPr>
+        <a:xfrm>
+          <a:off x="0" y="0"/>
+          <a:ext cx="0" cy="0"/>
+          <a:chOff x="0" y="0"/>
+          <a:chExt cx="0" cy="0"/>
+        </a:xfrm>
+      </p:grpSpPr>
       <p:sp>
         <p:nvSpPr>
           <p:cNvPr id="2" name="Title 1">
@@ -18090,7 +20701,7 @@
 </p:sld>
 </file>
 
-<file path=ppt/slides/slide11.xml><?xml version="1.0" encoding="utf-8"?>
+<file path=ppt/slides/slide13.xml><?xml version="1.0" encoding="utf-8"?>
 <p:sld xmlns:a="http://schemas.openxmlformats.org/drawingml/2006/main" xmlns:r="http://schemas.openxmlformats.org/officeDocument/2006/relationships" xmlns:p="http://schemas.openxmlformats.org/presentationml/2006/main">
   <p:cSld>
     <p:spTree>
@@ -18767,7 +21378,7 @@
 </p:sld>
 </file>
 
-<file path=ppt/slides/slide12.xml><?xml version="1.0" encoding="utf-8"?>
+<file path=ppt/slides/slide14.xml><?xml version="1.0" encoding="utf-8"?>
 <p:sld xmlns:a="http://schemas.openxmlformats.org/drawingml/2006/main" xmlns:r="http://schemas.openxmlformats.org/officeDocument/2006/relationships" xmlns:p="http://schemas.openxmlformats.org/presentationml/2006/main">
   <p:cSld>
     <p:bg>
@@ -19228,7 +21839,7 @@
 </p:sld>
 </file>
 
-<file path=ppt/slides/slide13.xml><?xml version="1.0" encoding="utf-8"?>
+<file path=ppt/slides/slide15.xml><?xml version="1.0" encoding="utf-8"?>
 <p:sld xmlns:a="http://schemas.openxmlformats.org/drawingml/2006/main" xmlns:r="http://schemas.openxmlformats.org/officeDocument/2006/relationships" xmlns:p="http://schemas.openxmlformats.org/presentationml/2006/main">
   <p:cSld>
     <p:spTree>
@@ -19953,7 +22564,7 @@
 </p:sld>
 </file>
 
-<file path=ppt/slides/slide14.xml><?xml version="1.0" encoding="utf-8"?>
+<file path=ppt/slides/slide16.xml><?xml version="1.0" encoding="utf-8"?>
 <p:sld xmlns:a="http://schemas.openxmlformats.org/drawingml/2006/main" xmlns:r="http://schemas.openxmlformats.org/officeDocument/2006/relationships" xmlns:p="http://schemas.openxmlformats.org/presentationml/2006/main">
   <p:cSld>
     <p:spTree>
@@ -20424,7 +23035,7 @@
 </p:sld>
 </file>
 
-<file path=ppt/slides/slide15.xml><?xml version="1.0" encoding="utf-8"?>
+<file path=ppt/slides/slide17.xml><?xml version="1.0" encoding="utf-8"?>
 <p:sld xmlns:a="http://schemas.openxmlformats.org/drawingml/2006/main" xmlns:r="http://schemas.openxmlformats.org/officeDocument/2006/relationships" xmlns:p="http://schemas.openxmlformats.org/presentationml/2006/main">
   <p:cSld>
     <p:bg>
@@ -21037,7 +23648,7 @@
 </p:sld>
 </file>
 
-<file path=ppt/slides/slide16.xml><?xml version="1.0" encoding="utf-8"?>
+<file path=ppt/slides/slide18.xml><?xml version="1.0" encoding="utf-8"?>
 <p:sld xmlns:a="http://schemas.openxmlformats.org/drawingml/2006/main" xmlns:r="http://schemas.openxmlformats.org/officeDocument/2006/relationships" xmlns:p="http://schemas.openxmlformats.org/presentationml/2006/main">
   <p:cSld>
     <p:spTree>
@@ -21925,7 +24536,7 @@
 </p:sld>
 </file>
 
-<file path=ppt/slides/slide17.xml><?xml version="1.0" encoding="utf-8"?>
+<file path=ppt/slides/slide19.xml><?xml version="1.0" encoding="utf-8"?>
 <p:sld xmlns:a="http://schemas.openxmlformats.org/drawingml/2006/main" xmlns:r="http://schemas.openxmlformats.org/officeDocument/2006/relationships" xmlns:p="http://schemas.openxmlformats.org/presentationml/2006/main">
   <p:cSld>
     <p:spTree>
@@ -22580,7 +25191,96 @@
 </p:sld>
 </file>
 
-<file path=ppt/slides/slide18.xml><?xml version="1.0" encoding="utf-8"?>
+<file path=ppt/slides/slide2.xml><?xml version="1.0" encoding="utf-8"?>
+<p:sld xmlns:a="http://schemas.openxmlformats.org/drawingml/2006/main" xmlns:r="http://schemas.openxmlformats.org/officeDocument/2006/relationships" xmlns:p="http://schemas.openxmlformats.org/presentationml/2006/main">
+  <p:cSld>
+    <p:spTree>
+      <p:nvGrpSpPr>
+        <p:cNvPr id="1" name=""/>
+        <p:cNvGrpSpPr/>
+        <p:nvPr/>
+      </p:nvGrpSpPr>
+      <p:grpSpPr>
+        <a:xfrm>
+          <a:off x="0" y="0"/>
+          <a:ext cx="0" cy="0"/>
+          <a:chOff x="0" y="0"/>
+          <a:chExt cx="0" cy="0"/>
+        </a:xfrm>
+      </p:grpSpPr>
+      <p:sp>
+        <p:nvSpPr>
+          <p:cNvPr id="2" name="Title 1">
+            <a:extLst>
+              <a:ext uri="{FF2B5EF4-FFF2-40B4-BE49-F238E27FC236}">
+                <a16:creationId xmlns:a16="http://schemas.microsoft.com/office/drawing/2014/main" id="{1315A484-066C-54DA-847A-5C586438DB12}"/>
+              </a:ext>
+            </a:extLst>
+          </p:cNvPr>
+          <p:cNvSpPr>
+            <a:spLocks noGrp="1"/>
+          </p:cNvSpPr>
+          <p:nvPr>
+            <p:ph type="title"/>
+          </p:nvPr>
+        </p:nvSpPr>
+        <p:spPr/>
+        <p:txBody>
+          <a:bodyPr/>
+          <a:lstStyle/>
+          <a:p>
+            <a:r>
+              <a:rPr lang="en-US" dirty="0"/>
+              <a:t>Topics</a:t>
+            </a:r>
+          </a:p>
+        </p:txBody>
+      </p:sp>
+      <p:graphicFrame>
+        <p:nvGraphicFramePr>
+          <p:cNvPr id="4" name="Content Placeholder 3">
+            <a:extLst>
+              <a:ext uri="{FF2B5EF4-FFF2-40B4-BE49-F238E27FC236}">
+                <a16:creationId xmlns:a16="http://schemas.microsoft.com/office/drawing/2014/main" id="{73D23D68-F6E6-53E0-60DB-00A39CD0D4DA}"/>
+              </a:ext>
+            </a:extLst>
+          </p:cNvPr>
+          <p:cNvGraphicFramePr>
+            <a:graphicFrameLocks noGrp="1"/>
+          </p:cNvGraphicFramePr>
+          <p:nvPr>
+            <p:ph idx="1"/>
+            <p:extLst>
+              <p:ext uri="{D42A27DB-BD31-4B8C-83A1-F6EECF244321}">
+                <p14:modId xmlns:p14="http://schemas.microsoft.com/office/powerpoint/2010/main" val="641610058"/>
+              </p:ext>
+            </p:extLst>
+          </p:nvPr>
+        </p:nvGraphicFramePr>
+        <p:xfrm>
+          <a:off x="838200" y="1295400"/>
+          <a:ext cx="10515600" cy="3505200"/>
+        </p:xfrm>
+        <a:graphic>
+          <a:graphicData uri="http://schemas.openxmlformats.org/drawingml/2006/diagram">
+            <dgm:relIds xmlns:dgm="http://schemas.openxmlformats.org/drawingml/2006/diagram" xmlns:r="http://schemas.openxmlformats.org/officeDocument/2006/relationships" r:dm="rId2" r:lo="rId3" r:qs="rId4" r:cs="rId5"/>
+          </a:graphicData>
+        </a:graphic>
+      </p:graphicFrame>
+    </p:spTree>
+    <p:extLst>
+      <p:ext uri="{BB962C8B-B14F-4D97-AF65-F5344CB8AC3E}">
+        <p14:creationId xmlns:p14="http://schemas.microsoft.com/office/powerpoint/2010/main" val="2351817684"/>
+      </p:ext>
+    </p:extLst>
+  </p:cSld>
+  <p:clrMapOvr>
+    <a:masterClrMapping/>
+  </p:clrMapOvr>
+</p:sld>
+</file>
+
+<file path=ppt/slides/slide20.xml><?xml version="1.0" encoding="utf-8"?>
 <p:sld xmlns:a="http://schemas.openxmlformats.org/drawingml/2006/main" xmlns:r="http://schemas.openxmlformats.org/officeDocument/2006/relationships" xmlns:p="http://schemas.openxmlformats.org/presentationml/2006/main">
   <p:cSld>
     <p:spTree>
@@ -23288,7 +25988,7 @@
 </p:sld>
 </file>
 
-<file path=ppt/slides/slide19.xml><?xml version="1.0" encoding="utf-8"?>
+<file path=ppt/slides/slide21.xml><?xml version="1.0" encoding="utf-8"?>
 <p:sld xmlns:a="http://schemas.openxmlformats.org/drawingml/2006/main" xmlns:r="http://schemas.openxmlformats.org/officeDocument/2006/relationships" xmlns:p="http://schemas.openxmlformats.org/presentationml/2006/main">
   <p:cSld>
     <p:spTree>
@@ -23726,96 +26426,7 @@
 </p:sld>
 </file>
 
-<file path=ppt/slides/slide2.xml><?xml version="1.0" encoding="utf-8"?>
-<p:sld xmlns:a="http://schemas.openxmlformats.org/drawingml/2006/main" xmlns:r="http://schemas.openxmlformats.org/officeDocument/2006/relationships" xmlns:p="http://schemas.openxmlformats.org/presentationml/2006/main">
-  <p:cSld>
-    <p:spTree>
-      <p:nvGrpSpPr>
-        <p:cNvPr id="1" name=""/>
-        <p:cNvGrpSpPr/>
-        <p:nvPr/>
-      </p:nvGrpSpPr>
-      <p:grpSpPr>
-        <a:xfrm>
-          <a:off x="0" y="0"/>
-          <a:ext cx="0" cy="0"/>
-          <a:chOff x="0" y="0"/>
-          <a:chExt cx="0" cy="0"/>
-        </a:xfrm>
-      </p:grpSpPr>
-      <p:sp>
-        <p:nvSpPr>
-          <p:cNvPr id="2" name="Title 1">
-            <a:extLst>
-              <a:ext uri="{FF2B5EF4-FFF2-40B4-BE49-F238E27FC236}">
-                <a16:creationId xmlns:a16="http://schemas.microsoft.com/office/drawing/2014/main" id="{1315A484-066C-54DA-847A-5C586438DB12}"/>
-              </a:ext>
-            </a:extLst>
-          </p:cNvPr>
-          <p:cNvSpPr>
-            <a:spLocks noGrp="1"/>
-          </p:cNvSpPr>
-          <p:nvPr>
-            <p:ph type="title"/>
-          </p:nvPr>
-        </p:nvSpPr>
-        <p:spPr/>
-        <p:txBody>
-          <a:bodyPr/>
-          <a:lstStyle/>
-          <a:p>
-            <a:r>
-              <a:rPr lang="en-US" dirty="0"/>
-              <a:t>Topics</a:t>
-            </a:r>
-          </a:p>
-        </p:txBody>
-      </p:sp>
-      <p:graphicFrame>
-        <p:nvGraphicFramePr>
-          <p:cNvPr id="4" name="Content Placeholder 3">
-            <a:extLst>
-              <a:ext uri="{FF2B5EF4-FFF2-40B4-BE49-F238E27FC236}">
-                <a16:creationId xmlns:a16="http://schemas.microsoft.com/office/drawing/2014/main" id="{73D23D68-F6E6-53E0-60DB-00A39CD0D4DA}"/>
-              </a:ext>
-            </a:extLst>
-          </p:cNvPr>
-          <p:cNvGraphicFramePr>
-            <a:graphicFrameLocks noGrp="1"/>
-          </p:cNvGraphicFramePr>
-          <p:nvPr>
-            <p:ph idx="1"/>
-            <p:extLst>
-              <p:ext uri="{D42A27DB-BD31-4B8C-83A1-F6EECF244321}">
-                <p14:modId xmlns:p14="http://schemas.microsoft.com/office/powerpoint/2010/main" val="4167780745"/>
-              </p:ext>
-            </p:extLst>
-          </p:nvPr>
-        </p:nvGraphicFramePr>
-        <p:xfrm>
-          <a:off x="838200" y="1295400"/>
-          <a:ext cx="10515600" cy="3505200"/>
-        </p:xfrm>
-        <a:graphic>
-          <a:graphicData uri="http://schemas.openxmlformats.org/drawingml/2006/diagram">
-            <dgm:relIds xmlns:dgm="http://schemas.openxmlformats.org/drawingml/2006/diagram" xmlns:r="http://schemas.openxmlformats.org/officeDocument/2006/relationships" r:dm="rId2" r:lo="rId3" r:qs="rId4" r:cs="rId5"/>
-          </a:graphicData>
-        </a:graphic>
-      </p:graphicFrame>
-    </p:spTree>
-    <p:extLst>
-      <p:ext uri="{BB962C8B-B14F-4D97-AF65-F5344CB8AC3E}">
-        <p14:creationId xmlns:p14="http://schemas.microsoft.com/office/powerpoint/2010/main" val="2351817684"/>
-      </p:ext>
-    </p:extLst>
-  </p:cSld>
-  <p:clrMapOvr>
-    <a:masterClrMapping/>
-  </p:clrMapOvr>
-</p:sld>
-</file>
-
-<file path=ppt/slides/slide20.xml><?xml version="1.0" encoding="utf-8"?>
+<file path=ppt/slides/slide22.xml><?xml version="1.0" encoding="utf-8"?>
 <p:sld xmlns:a="http://schemas.openxmlformats.org/drawingml/2006/main" xmlns:r="http://schemas.openxmlformats.org/officeDocument/2006/relationships" xmlns:p="http://schemas.openxmlformats.org/presentationml/2006/main">
   <p:cSld>
     <p:spTree>
@@ -24337,7 +26948,7 @@
 </p:sld>
 </file>
 
-<file path=ppt/slides/slide21.xml><?xml version="1.0" encoding="utf-8"?>
+<file path=ppt/slides/slide23.xml><?xml version="1.0" encoding="utf-8"?>
 <p:sld xmlns:a="http://schemas.openxmlformats.org/drawingml/2006/main" xmlns:r="http://schemas.openxmlformats.org/officeDocument/2006/relationships" xmlns:p="http://schemas.openxmlformats.org/presentationml/2006/main">
   <p:cSld>
     <p:spTree>
@@ -24522,7 +27133,7 @@
 </p:sld>
 </file>
 
-<file path=ppt/slides/slide22.xml><?xml version="1.0" encoding="utf-8"?>
+<file path=ppt/slides/slide24.xml><?xml version="1.0" encoding="utf-8"?>
 <p:sld xmlns:a="http://schemas.openxmlformats.org/drawingml/2006/main" xmlns:r="http://schemas.openxmlformats.org/officeDocument/2006/relationships" xmlns:p="http://schemas.openxmlformats.org/presentationml/2006/main">
   <p:cSld>
     <p:spTree>
@@ -25025,7 +27636,7 @@
 </p:sld>
 </file>
 
-<file path=ppt/slides/slide23.xml><?xml version="1.0" encoding="utf-8"?>
+<file path=ppt/slides/slide25.xml><?xml version="1.0" encoding="utf-8"?>
 <p:sld xmlns:a="http://schemas.openxmlformats.org/drawingml/2006/main" xmlns:r="http://schemas.openxmlformats.org/officeDocument/2006/relationships" xmlns:p="http://schemas.openxmlformats.org/presentationml/2006/main">
   <p:cSld>
     <p:bg>
@@ -25621,7 +28232,7 @@
 </p:sld>
 </file>
 
-<file path=ppt/slides/slide24.xml><?xml version="1.0" encoding="utf-8"?>
+<file path=ppt/slides/slide26.xml><?xml version="1.0" encoding="utf-8"?>
 <p:sld xmlns:a="http://schemas.openxmlformats.org/drawingml/2006/main" xmlns:r="http://schemas.openxmlformats.org/officeDocument/2006/relationships" xmlns:p="http://schemas.openxmlformats.org/presentationml/2006/main">
   <p:cSld>
     <p:spTree>
@@ -27899,7 +30510,7 @@
 </p:sld>
 </file>
 
-<file path=ppt/slides/slide25.xml><?xml version="1.0" encoding="utf-8"?>
+<file path=ppt/slides/slide27.xml><?xml version="1.0" encoding="utf-8"?>
 <p:sld xmlns:a="http://schemas.openxmlformats.org/drawingml/2006/main" xmlns:r="http://schemas.openxmlformats.org/officeDocument/2006/relationships" xmlns:p="http://schemas.openxmlformats.org/presentationml/2006/main">
   <p:cSld>
     <p:spTree>
@@ -28650,7 +31261,7 @@
 </p:sld>
 </file>
 
-<file path=ppt/slides/slide26.xml><?xml version="1.0" encoding="utf-8"?>
+<file path=ppt/slides/slide28.xml><?xml version="1.0" encoding="utf-8"?>
 <p:sld xmlns:a="http://schemas.openxmlformats.org/drawingml/2006/main" xmlns:r="http://schemas.openxmlformats.org/officeDocument/2006/relationships" xmlns:p="http://schemas.openxmlformats.org/presentationml/2006/main">
   <p:cSld>
     <p:spTree>
@@ -29065,7 +31676,7 @@
 </p:sld>
 </file>
 
-<file path=ppt/slides/slide27.xml><?xml version="1.0" encoding="utf-8"?>
+<file path=ppt/slides/slide29.xml><?xml version="1.0" encoding="utf-8"?>
 <p:sld xmlns:a="http://schemas.openxmlformats.org/drawingml/2006/main" xmlns:r="http://schemas.openxmlformats.org/officeDocument/2006/relationships" xmlns:p="http://schemas.openxmlformats.org/presentationml/2006/main">
   <p:cSld>
     <p:spTree>
@@ -29441,7 +32052,207 @@
 </p:sld>
 </file>
 
-<file path=ppt/slides/slide28.xml><?xml version="1.0" encoding="utf-8"?>
+<file path=ppt/slides/slide3.xml><?xml version="1.0" encoding="utf-8"?>
+<p:sld xmlns:a="http://schemas.openxmlformats.org/drawingml/2006/main" xmlns:r="http://schemas.openxmlformats.org/officeDocument/2006/relationships" xmlns:p="http://schemas.openxmlformats.org/presentationml/2006/main">
+  <p:cSld>
+    <p:spTree>
+      <p:nvGrpSpPr>
+        <p:cNvPr id="1" name=""/>
+        <p:cNvGrpSpPr/>
+        <p:nvPr/>
+      </p:nvGrpSpPr>
+      <p:grpSpPr>
+        <a:xfrm>
+          <a:off x="0" y="0"/>
+          <a:ext cx="0" cy="0"/>
+          <a:chOff x="0" y="0"/>
+          <a:chExt cx="0" cy="0"/>
+        </a:xfrm>
+      </p:grpSpPr>
+      <p:sp>
+        <p:nvSpPr>
+          <p:cNvPr id="26626" name="Rectangle 2"/>
+          <p:cNvSpPr>
+            <a:spLocks noGrp="1" noChangeArrowheads="1"/>
+          </p:cNvSpPr>
+          <p:nvPr>
+            <p:ph type="title"/>
+          </p:nvPr>
+        </p:nvSpPr>
+        <p:spPr/>
+        <p:txBody>
+          <a:bodyPr/>
+          <a:lstStyle/>
+          <a:p>
+            <a:pPr eaLnBrk="1" hangingPunct="1"/>
+            <a:r>
+              <a:rPr lang="en-US" dirty="0"/>
+              <a:t>Learning from Examples: Machine Learning</a:t>
+            </a:r>
+          </a:p>
+        </p:txBody>
+      </p:sp>
+      <p:sp>
+        <p:nvSpPr>
+          <p:cNvPr id="26627" name="Rectangle 3"/>
+          <p:cNvSpPr>
+            <a:spLocks noGrp="1" noChangeArrowheads="1"/>
+          </p:cNvSpPr>
+          <p:nvPr>
+            <p:ph idx="1"/>
+          </p:nvPr>
+        </p:nvSpPr>
+        <p:spPr>
+          <a:xfrm>
+            <a:off x="838200" y="4191000"/>
+            <a:ext cx="10363200" cy="2073275"/>
+          </a:xfrm>
+        </p:spPr>
+        <p:txBody>
+          <a:bodyPr>
+            <a:normAutofit fontScale="85000" lnSpcReduction="20000"/>
+          </a:bodyPr>
+          <a:lstStyle/>
+          <a:p>
+            <a:pPr marL="0" indent="0" eaLnBrk="1" hangingPunct="1">
+              <a:buNone/>
+            </a:pPr>
+            <a:r>
+              <a:rPr lang="en-US" sz="2800" b="1" dirty="0"/>
+              <a:t>Machine Learning</a:t>
+            </a:r>
+            <a:endParaRPr lang="en-US" dirty="0"/>
+          </a:p>
+          <a:p>
+            <a:r>
+              <a:rPr lang="en-US" dirty="0"/>
+              <a:t>Learning = Improve performance after making observations about the world. That is, learn what works and what doesn’t. </a:t>
+            </a:r>
+          </a:p>
+          <a:p>
+            <a:r>
+              <a:rPr lang="en-US" dirty="0"/>
+              <a:t>We learn a model that decides on the actions to take. This is called the “performance element.”</a:t>
+            </a:r>
+          </a:p>
+          <a:p>
+            <a:r>
+              <a:rPr lang="en-US" dirty="0"/>
+              <a:t>The goal is to get closer to optimal decisions. I.e., it is an optimization problem.</a:t>
+            </a:r>
+          </a:p>
+        </p:txBody>
+      </p:sp>
+      <p:sp>
+        <p:nvSpPr>
+          <p:cNvPr id="2" name="Rectangle 1">
+            <a:extLst>
+              <a:ext uri="{FF2B5EF4-FFF2-40B4-BE49-F238E27FC236}">
+                <a16:creationId xmlns:a16="http://schemas.microsoft.com/office/drawing/2014/main" id="{3FCA6592-0F81-C186-5953-75C015A330F3}"/>
+              </a:ext>
+            </a:extLst>
+          </p:cNvPr>
+          <p:cNvSpPr/>
+          <p:nvPr/>
+        </p:nvSpPr>
+        <p:spPr>
+          <a:xfrm>
+            <a:off x="838200" y="1524000"/>
+            <a:ext cx="9982200" cy="2514600"/>
+          </a:xfrm>
+          <a:prstGeom prst="rect">
+            <a:avLst/>
+          </a:prstGeom>
+        </p:spPr>
+        <p:style>
+          <a:lnRef idx="3">
+            <a:schemeClr val="lt1"/>
+          </a:lnRef>
+          <a:fillRef idx="1">
+            <a:schemeClr val="accent6"/>
+          </a:fillRef>
+          <a:effectRef idx="1">
+            <a:schemeClr val="accent6"/>
+          </a:effectRef>
+          <a:fontRef idx="minor">
+            <a:schemeClr val="lt1"/>
+          </a:fontRef>
+        </p:style>
+        <p:txBody>
+          <a:bodyPr rtlCol="0" anchor="ctr"/>
+          <a:lstStyle/>
+          <a:p>
+            <a:pPr marL="0" indent="0" eaLnBrk="1" hangingPunct="1">
+              <a:buNone/>
+            </a:pPr>
+            <a:r>
+              <a:rPr lang="en-US" sz="2000" b="1" dirty="0"/>
+              <a:t>Up until now in this course:</a:t>
+            </a:r>
+          </a:p>
+          <a:p>
+            <a:pPr marL="742950" lvl="1" indent="-285750">
+              <a:buFont typeface="Arial" panose="020B0604020202020204" pitchFamily="34" charset="0"/>
+              <a:buChar char="•"/>
+            </a:pPr>
+            <a:r>
+              <a:rPr lang="en-US" sz="2000" b="1" dirty="0"/>
+              <a:t>Hand-craft algorithms </a:t>
+            </a:r>
+            <a:r>
+              <a:rPr lang="en-US" sz="2000" dirty="0"/>
+              <a:t>to make rational/optimal or at least good decisions. </a:t>
+            </a:r>
+            <a:br>
+              <a:rPr lang="en-US" sz="2000" dirty="0"/>
+            </a:br>
+            <a:r>
+              <a:rPr lang="en-US" sz="2000" dirty="0"/>
+              <a:t>Examples: Search strategies, heuristics.</a:t>
+            </a:r>
+          </a:p>
+          <a:p>
+            <a:pPr eaLnBrk="1" hangingPunct="1"/>
+            <a:endParaRPr lang="en-US" sz="2000" dirty="0"/>
+          </a:p>
+          <a:p>
+            <a:pPr eaLnBrk="1" hangingPunct="1"/>
+            <a:r>
+              <a:rPr lang="en-US" sz="2000" b="1" dirty="0"/>
+              <a:t>Issues</a:t>
+            </a:r>
+          </a:p>
+          <a:p>
+            <a:pPr marL="742950" lvl="1" indent="-285750">
+              <a:buFont typeface="Arial" panose="020B0604020202020204" pitchFamily="34" charset="0"/>
+              <a:buChar char="•"/>
+            </a:pPr>
+            <a:r>
+              <a:rPr lang="en-US" sz="2000" dirty="0"/>
+              <a:t>Designer cannot anticipate all possible future situations.</a:t>
+            </a:r>
+          </a:p>
+          <a:p>
+            <a:pPr marL="742950" lvl="1" indent="-285750">
+              <a:buFont typeface="Arial" panose="020B0604020202020204" pitchFamily="34" charset="0"/>
+              <a:buChar char="•"/>
+            </a:pPr>
+            <a:r>
+              <a:rPr lang="en-US" sz="2000" dirty="0"/>
+              <a:t>Designer may have examples but does not know how to program a solution.</a:t>
+            </a:r>
+          </a:p>
+        </p:txBody>
+      </p:sp>
+    </p:spTree>
+  </p:cSld>
+  <p:clrMapOvr>
+    <a:masterClrMapping/>
+  </p:clrMapOvr>
+</p:sld>
+</file>
+
+<file path=ppt/slides/slide30.xml><?xml version="1.0" encoding="utf-8"?>
 <p:sld xmlns:a="http://schemas.openxmlformats.org/drawingml/2006/main" xmlns:r="http://schemas.openxmlformats.org/officeDocument/2006/relationships" xmlns:p="http://schemas.openxmlformats.org/presentationml/2006/main">
   <p:cSld>
     <p:spTree>
@@ -29766,7 +32577,7 @@
 </p:sld>
 </file>
 
-<file path=ppt/slides/slide29.xml><?xml version="1.0" encoding="utf-8"?>
+<file path=ppt/slides/slide31.xml><?xml version="1.0" encoding="utf-8"?>
 <p:sld xmlns:a="http://schemas.openxmlformats.org/drawingml/2006/main" xmlns:r="http://schemas.openxmlformats.org/officeDocument/2006/relationships" xmlns:p="http://schemas.openxmlformats.org/presentationml/2006/main">
   <p:cSld>
     <p:spTree>
@@ -29811,8 +32622,8 @@
           </a:p>
         </p:txBody>
       </p:sp>
-      <mc:AlternateContent xmlns:mc="http://schemas.openxmlformats.org/markup-compatibility/2006">
-        <mc:Choice xmlns:a14="http://schemas.microsoft.com/office/drawing/2010/main" Requires="a14">
+      <mc:AlternateContent xmlns:mc="http://schemas.openxmlformats.org/markup-compatibility/2006" xmlns:a14="http://schemas.microsoft.com/office/drawing/2010/main">
+        <mc:Choice Requires="a14">
           <p:sp>
             <p:nvSpPr>
               <p:cNvPr id="3" name="Content Placeholder 2">
@@ -30039,7 +32850,7 @@
             </p:txBody>
           </p:sp>
         </mc:Choice>
-        <mc:Fallback>
+        <mc:Fallback xmlns="">
           <p:sp>
             <p:nvSpPr>
               <p:cNvPr id="3" name="Content Placeholder 2">
@@ -30730,358 +33541,7 @@
 </p:sld>
 </file>
 
-<file path=ppt/slides/slide3.xml><?xml version="1.0" encoding="utf-8"?>
-<p:sld xmlns:a="http://schemas.openxmlformats.org/drawingml/2006/main" xmlns:r="http://schemas.openxmlformats.org/officeDocument/2006/relationships" xmlns:p="http://schemas.openxmlformats.org/presentationml/2006/main">
-  <p:cSld>
-    <p:spTree>
-      <p:nvGrpSpPr>
-        <p:cNvPr id="1" name=""/>
-        <p:cNvGrpSpPr/>
-        <p:nvPr/>
-      </p:nvGrpSpPr>
-      <p:grpSpPr>
-        <a:xfrm>
-          <a:off x="0" y="0"/>
-          <a:ext cx="0" cy="0"/>
-          <a:chOff x="0" y="0"/>
-          <a:chExt cx="0" cy="0"/>
-        </a:xfrm>
-      </p:grpSpPr>
-      <p:sp>
-        <p:nvSpPr>
-          <p:cNvPr id="26626" name="Rectangle 2"/>
-          <p:cNvSpPr>
-            <a:spLocks noGrp="1" noChangeArrowheads="1"/>
-          </p:cNvSpPr>
-          <p:nvPr>
-            <p:ph type="title"/>
-          </p:nvPr>
-        </p:nvSpPr>
-        <p:spPr/>
-        <p:txBody>
-          <a:bodyPr/>
-          <a:lstStyle/>
-          <a:p>
-            <a:pPr eaLnBrk="1" hangingPunct="1"/>
-            <a:r>
-              <a:rPr lang="en-US" dirty="0"/>
-              <a:t>Learning from Examples: Machine Learning</a:t>
-            </a:r>
-          </a:p>
-        </p:txBody>
-      </p:sp>
-      <p:sp>
-        <p:nvSpPr>
-          <p:cNvPr id="26627" name="Rectangle 3"/>
-          <p:cNvSpPr>
-            <a:spLocks noGrp="1" noChangeArrowheads="1"/>
-          </p:cNvSpPr>
-          <p:nvPr>
-            <p:ph idx="1"/>
-          </p:nvPr>
-        </p:nvSpPr>
-        <p:spPr>
-          <a:xfrm>
-            <a:off x="838200" y="3429000"/>
-            <a:ext cx="10363200" cy="2835275"/>
-          </a:xfrm>
-        </p:spPr>
-        <p:txBody>
-          <a:bodyPr>
-            <a:normAutofit fontScale="70000" lnSpcReduction="20000"/>
-          </a:bodyPr>
-          <a:lstStyle/>
-          <a:p>
-            <a:pPr marL="0" indent="0" eaLnBrk="1" hangingPunct="1">
-              <a:buNone/>
-            </a:pPr>
-            <a:r>
-              <a:rPr lang="en-US" sz="2800" b="1" dirty="0"/>
-              <a:t>Machine Learning</a:t>
-            </a:r>
-          </a:p>
-          <a:p>
-            <a:r>
-              <a:rPr lang="en-US" b="1" dirty="0"/>
-              <a:t>Learning</a:t>
-            </a:r>
-            <a:r>
-              <a:rPr lang="en-US" dirty="0"/>
-              <a:t>: Improve performance after making observations about the world. That is, learn what works and what doesn’t to get closer to optimal decisions.</a:t>
-            </a:r>
-            <a:endParaRPr lang="en-US" b="1" dirty="0"/>
-          </a:p>
-          <a:p>
-            <a:r>
-              <a:rPr lang="en-US" b="1" dirty="0"/>
-              <a:t>How to learn a model to make better decisions from data/experience?</a:t>
-            </a:r>
-          </a:p>
-          <a:p>
-            <a:pPr lvl="1" eaLnBrk="1" hangingPunct="1"/>
-            <a:r>
-              <a:rPr lang="en-US" sz="2400" b="1" dirty="0"/>
-              <a:t>Supervised Learning</a:t>
-            </a:r>
-            <a:r>
-              <a:rPr lang="en-US" sz="2400" dirty="0"/>
-              <a:t>: Learn a function (model) to map input to output from a training set. </a:t>
-            </a:r>
-            <a:br>
-              <a:rPr lang="en-US" sz="2400" dirty="0"/>
-            </a:br>
-            <a:r>
-              <a:rPr lang="en-US" sz="2400" dirty="0"/>
-              <a:t>Examples:</a:t>
-            </a:r>
-          </a:p>
-          <a:p>
-            <a:pPr lvl="2">
-              <a:buFont typeface="Wingdings" panose="05000000000000000000" pitchFamily="2" charset="2"/>
-              <a:buChar char="§"/>
-            </a:pPr>
-            <a:r>
-              <a:rPr lang="en-US" dirty="0"/>
-              <a:t>Use a naïve Bayesian classifier to distinguish between spam/no spam</a:t>
-            </a:r>
-          </a:p>
-          <a:p>
-            <a:pPr lvl="2">
-              <a:buFont typeface="Wingdings" panose="05000000000000000000" pitchFamily="2" charset="2"/>
-              <a:buChar char="§"/>
-            </a:pPr>
-            <a:r>
-              <a:rPr lang="en-US" dirty="0"/>
-              <a:t>Learn a playout policy to simulate games (current board -&gt; good move)</a:t>
-            </a:r>
-          </a:p>
-          <a:p>
-            <a:pPr lvl="1"/>
-            <a:r>
-              <a:rPr lang="en-US" b="1" dirty="0"/>
-              <a:t>Unsupervised Learning</a:t>
-            </a:r>
-            <a:r>
-              <a:rPr lang="en-US" dirty="0"/>
-              <a:t>: Organize data (e.g., clustering, embedding)</a:t>
-            </a:r>
-          </a:p>
-          <a:p>
-            <a:pPr lvl="1" eaLnBrk="1" hangingPunct="1"/>
-            <a:r>
-              <a:rPr lang="en-US" sz="2400" b="1" dirty="0"/>
-              <a:t>Reinforcement Learning</a:t>
-            </a:r>
-            <a:r>
-              <a:rPr lang="en-US" sz="2400" dirty="0"/>
-              <a:t>: Learn from rewards/punishment (e.g., winning a game) obtained via interaction with the environment over time.</a:t>
-            </a:r>
-          </a:p>
-        </p:txBody>
-      </p:sp>
-      <p:sp>
-        <p:nvSpPr>
-          <p:cNvPr id="2" name="Rectangle 1">
-            <a:extLst>
-              <a:ext uri="{FF2B5EF4-FFF2-40B4-BE49-F238E27FC236}">
-                <a16:creationId xmlns:a16="http://schemas.microsoft.com/office/drawing/2014/main" id="{3FCA6592-0F81-C186-5953-75C015A330F3}"/>
-              </a:ext>
-            </a:extLst>
-          </p:cNvPr>
-          <p:cNvSpPr/>
-          <p:nvPr/>
-        </p:nvSpPr>
-        <p:spPr>
-          <a:xfrm>
-            <a:off x="838200" y="1371600"/>
-            <a:ext cx="9982200" cy="1858963"/>
-          </a:xfrm>
-          <a:prstGeom prst="rect">
-            <a:avLst/>
-          </a:prstGeom>
-        </p:spPr>
-        <p:style>
-          <a:lnRef idx="3">
-            <a:schemeClr val="lt1"/>
-          </a:lnRef>
-          <a:fillRef idx="1">
-            <a:schemeClr val="accent6"/>
-          </a:fillRef>
-          <a:effectRef idx="1">
-            <a:schemeClr val="accent6"/>
-          </a:effectRef>
-          <a:fontRef idx="minor">
-            <a:schemeClr val="lt1"/>
-          </a:fontRef>
-        </p:style>
-        <p:txBody>
-          <a:bodyPr rtlCol="0" anchor="ctr"/>
-          <a:lstStyle/>
-          <a:p>
-            <a:pPr marL="0" indent="0" eaLnBrk="1" hangingPunct="1">
-              <a:buNone/>
-            </a:pPr>
-            <a:r>
-              <a:rPr lang="en-US" sz="1600" b="1" dirty="0"/>
-              <a:t>Up until now in this course:</a:t>
-            </a:r>
-          </a:p>
-          <a:p>
-            <a:pPr marL="742950" lvl="1" indent="-285750">
-              <a:buFont typeface="Arial" panose="020B0604020202020204" pitchFamily="34" charset="0"/>
-              <a:buChar char="•"/>
-            </a:pPr>
-            <a:r>
-              <a:rPr lang="en-US" sz="1600" b="1" dirty="0"/>
-              <a:t>Hand-craft algorithms </a:t>
-            </a:r>
-            <a:r>
-              <a:rPr lang="en-US" sz="1600" dirty="0"/>
-              <a:t>to make rational/optimal or at least good decisions. </a:t>
-            </a:r>
-            <a:br>
-              <a:rPr lang="en-US" sz="1600" dirty="0"/>
-            </a:br>
-            <a:r>
-              <a:rPr lang="en-US" sz="1600" dirty="0"/>
-              <a:t>Examples: Search strategies, heuristics.</a:t>
-            </a:r>
-          </a:p>
-          <a:p>
-            <a:pPr eaLnBrk="1" hangingPunct="1"/>
-            <a:endParaRPr lang="en-US" sz="1600" dirty="0"/>
-          </a:p>
-          <a:p>
-            <a:pPr eaLnBrk="1" hangingPunct="1"/>
-            <a:r>
-              <a:rPr lang="en-US" sz="1600" b="1" dirty="0"/>
-              <a:t>Issues</a:t>
-            </a:r>
-          </a:p>
-          <a:p>
-            <a:pPr marL="742950" lvl="1" indent="-285750">
-              <a:buFont typeface="Arial" panose="020B0604020202020204" pitchFamily="34" charset="0"/>
-              <a:buChar char="•"/>
-            </a:pPr>
-            <a:r>
-              <a:rPr lang="en-US" sz="1600" dirty="0"/>
-              <a:t>Designer cannot anticipate all possible future situations.</a:t>
-            </a:r>
-          </a:p>
-          <a:p>
-            <a:pPr marL="742950" lvl="1" indent="-285750">
-              <a:buFont typeface="Arial" panose="020B0604020202020204" pitchFamily="34" charset="0"/>
-              <a:buChar char="•"/>
-            </a:pPr>
-            <a:r>
-              <a:rPr lang="en-US" sz="1600" dirty="0"/>
-              <a:t>Designer may have examples but does not know how to program a solution.</a:t>
-            </a:r>
-          </a:p>
-        </p:txBody>
-      </p:sp>
-      <p:sp>
-        <p:nvSpPr>
-          <p:cNvPr id="3" name="Right Brace 2">
-            <a:extLst>
-              <a:ext uri="{FF2B5EF4-FFF2-40B4-BE49-F238E27FC236}">
-                <a16:creationId xmlns:a16="http://schemas.microsoft.com/office/drawing/2014/main" id="{DDB91D51-C76A-B472-A3EE-6E088C0D9CF6}"/>
-              </a:ext>
-            </a:extLst>
-          </p:cNvPr>
-          <p:cNvSpPr/>
-          <p:nvPr/>
-        </p:nvSpPr>
-        <p:spPr>
-          <a:xfrm>
-            <a:off x="9525000" y="4571999"/>
-            <a:ext cx="152400" cy="762000"/>
-          </a:xfrm>
-          <a:prstGeom prst="rightBrace">
-            <a:avLst/>
-          </a:prstGeom>
-        </p:spPr>
-        <p:style>
-          <a:lnRef idx="3">
-            <a:schemeClr val="accent4"/>
-          </a:lnRef>
-          <a:fillRef idx="0">
-            <a:schemeClr val="accent4"/>
-          </a:fillRef>
-          <a:effectRef idx="2">
-            <a:schemeClr val="accent4"/>
-          </a:effectRef>
-          <a:fontRef idx="minor">
-            <a:schemeClr val="tx1"/>
-          </a:fontRef>
-        </p:style>
-        <p:txBody>
-          <a:bodyPr rtlCol="0" anchor="ctr"/>
-          <a:lstStyle/>
-          <a:p>
-            <a:pPr algn="ctr"/>
-            <a:endParaRPr lang="en-US"/>
-          </a:p>
-        </p:txBody>
-      </p:sp>
-      <p:sp>
-        <p:nvSpPr>
-          <p:cNvPr id="4" name="TextBox 3">
-            <a:extLst>
-              <a:ext uri="{FF2B5EF4-FFF2-40B4-BE49-F238E27FC236}">
-                <a16:creationId xmlns:a16="http://schemas.microsoft.com/office/drawing/2014/main" id="{BA522442-E2FA-A8D0-A650-497A30CFAD94}"/>
-              </a:ext>
-            </a:extLst>
-          </p:cNvPr>
-          <p:cNvSpPr txBox="1"/>
-          <p:nvPr/>
-        </p:nvSpPr>
-        <p:spPr>
-          <a:xfrm>
-            <a:off x="9791700" y="4629833"/>
-            <a:ext cx="2057400" cy="646331"/>
-          </a:xfrm>
-          <a:prstGeom prst="rect">
-            <a:avLst/>
-          </a:prstGeom>
-        </p:spPr>
-        <p:style>
-          <a:lnRef idx="3">
-            <a:schemeClr val="lt1"/>
-          </a:lnRef>
-          <a:fillRef idx="1">
-            <a:schemeClr val="accent4"/>
-          </a:fillRef>
-          <a:effectRef idx="1">
-            <a:schemeClr val="accent4"/>
-          </a:effectRef>
-          <a:fontRef idx="minor">
-            <a:schemeClr val="lt1"/>
-          </a:fontRef>
-        </p:style>
-        <p:txBody>
-          <a:bodyPr wrap="square" rtlCol="0">
-            <a:spAutoFit/>
-          </a:bodyPr>
-          <a:lstStyle/>
-          <a:p>
-            <a:pPr algn="ctr"/>
-            <a:r>
-              <a:rPr lang="en-US" dirty="0"/>
-              <a:t>We focus on supervised learning</a:t>
-            </a:r>
-          </a:p>
-        </p:txBody>
-      </p:sp>
-    </p:spTree>
-  </p:cSld>
-  <p:clrMapOvr>
-    <a:masterClrMapping/>
-  </p:clrMapOvr>
-</p:sld>
-</file>
-
-<file path=ppt/slides/slide30.xml><?xml version="1.0" encoding="utf-8"?>
+<file path=ppt/slides/slide32.xml><?xml version="1.0" encoding="utf-8"?>
 <p:sld xmlns:a="http://schemas.openxmlformats.org/drawingml/2006/main" xmlns:r="http://schemas.openxmlformats.org/officeDocument/2006/relationships" xmlns:p="http://schemas.openxmlformats.org/presentationml/2006/main">
   <p:cSld>
     <p:bg>
@@ -31252,7 +33712,7 @@
 </p:sld>
 </file>
 
-<file path=ppt/slides/slide31.xml><?xml version="1.0" encoding="utf-8"?>
+<file path=ppt/slides/slide33.xml><?xml version="1.0" encoding="utf-8"?>
 <p:sld xmlns:a="http://schemas.openxmlformats.org/drawingml/2006/main" xmlns:r="http://schemas.openxmlformats.org/officeDocument/2006/relationships" xmlns:p="http://schemas.openxmlformats.org/presentationml/2006/main">
   <p:cSld>
     <p:spTree>
@@ -31346,8 +33806,8 @@
           </a:p>
         </p:txBody>
       </p:sp>
-      <mc:AlternateContent xmlns:mc="http://schemas.openxmlformats.org/markup-compatibility/2006">
-        <mc:Choice xmlns:a14="http://schemas.microsoft.com/office/drawing/2010/main" Requires="a14">
+      <mc:AlternateContent xmlns:mc="http://schemas.openxmlformats.org/markup-compatibility/2006" xmlns:a14="http://schemas.microsoft.com/office/drawing/2010/main">
+        <mc:Choice Requires="a14">
           <p:graphicFrame>
             <p:nvGraphicFramePr>
               <p:cNvPr id="6" name="Content Placeholder 2">
@@ -31379,7 +33839,7 @@
             </a:graphic>
           </p:graphicFrame>
         </mc:Choice>
-        <mc:Fallback>
+        <mc:Fallback xmlns="">
           <p:graphicFrame>
             <p:nvGraphicFramePr>
               <p:cNvPr id="6" name="Content Placeholder 2">
@@ -31406,7 +33866,7 @@
             </p:xfrm>
             <a:graphic>
               <a:graphicData uri="http://schemas.openxmlformats.org/drawingml/2006/diagram">
-                <dgm:relIds xmlns:dgm="http://schemas.openxmlformats.org/drawingml/2006/diagram" xmlns:r="http://schemas.openxmlformats.org/officeDocument/2006/relationships" r:dm="rId7" r:lo="rId3" r:qs="rId4" r:cs="rId5"/>
+                <dgm:relIds xmlns:dgm="http://schemas.openxmlformats.org/drawingml/2006/diagram" xmlns:r="http://schemas.openxmlformats.org/officeDocument/2006/relationships" r:dm="rId7" r:lo="rId8" r:qs="rId9" r:cs="rId10"/>
               </a:graphicData>
             </a:graphic>
           </p:graphicFrame>
@@ -31426,6 +33886,617 @@
 </file>
 
 <file path=ppt/slides/slide4.xml><?xml version="1.0" encoding="utf-8"?>
+<p:sld xmlns:a="http://schemas.openxmlformats.org/drawingml/2006/main" xmlns:r="http://schemas.openxmlformats.org/officeDocument/2006/relationships" xmlns:p="http://schemas.openxmlformats.org/presentationml/2006/main">
+  <p:cSld>
+    <p:spTree>
+      <p:nvGrpSpPr>
+        <p:cNvPr id="1" name=""/>
+        <p:cNvGrpSpPr/>
+        <p:nvPr/>
+      </p:nvGrpSpPr>
+      <p:grpSpPr>
+        <a:xfrm>
+          <a:off x="0" y="0"/>
+          <a:ext cx="0" cy="0"/>
+          <a:chOff x="0" y="0"/>
+          <a:chExt cx="0" cy="0"/>
+        </a:xfrm>
+      </p:grpSpPr>
+      <p:sp>
+        <p:nvSpPr>
+          <p:cNvPr id="29698" name="Rectangle 2"/>
+          <p:cNvSpPr>
+            <a:spLocks noGrp="1" noChangeArrowheads="1"/>
+          </p:cNvSpPr>
+          <p:nvPr>
+            <p:ph type="title"/>
+          </p:nvPr>
+        </p:nvSpPr>
+        <p:spPr/>
+        <p:txBody>
+          <a:bodyPr/>
+          <a:lstStyle/>
+          <a:p>
+            <a:r>
+              <a:rPr lang="en-US" dirty="0"/>
+              <a:t>From Chapter 2: Agents that Learn</a:t>
+            </a:r>
+          </a:p>
+        </p:txBody>
+      </p:sp>
+      <p:sp>
+        <p:nvSpPr>
+          <p:cNvPr id="6" name="Content Placeholder 5"/>
+          <p:cNvSpPr>
+            <a:spLocks noGrp="1"/>
+          </p:cNvSpPr>
+          <p:nvPr>
+            <p:ph idx="1"/>
+          </p:nvPr>
+        </p:nvSpPr>
+        <p:spPr>
+          <a:xfrm>
+            <a:off x="838200" y="1600200"/>
+            <a:ext cx="10515600" cy="4351338"/>
+          </a:xfrm>
+        </p:spPr>
+        <p:txBody>
+          <a:bodyPr>
+            <a:normAutofit/>
+          </a:bodyPr>
+          <a:lstStyle/>
+          <a:p>
+            <a:pPr marL="0" indent="0">
+              <a:buNone/>
+            </a:pPr>
+            <a:r>
+              <a:rPr lang="en-US" sz="2400" dirty="0"/>
+              <a:t>The </a:t>
+            </a:r>
+            <a:r>
+              <a:rPr lang="en-US" sz="2400" b="1" dirty="0">
+                <a:solidFill>
+                  <a:srgbClr val="FF0000"/>
+                </a:solidFill>
+              </a:rPr>
+              <a:t>learning element </a:t>
+            </a:r>
+            <a:r>
+              <a:rPr lang="en-US" sz="2400" dirty="0"/>
+              <a:t>modifies the performance element to improve its performance.</a:t>
+            </a:r>
+          </a:p>
+          <a:p>
+            <a:endParaRPr lang="en-US" sz="2400" dirty="0"/>
+          </a:p>
+        </p:txBody>
+      </p:sp>
+      <p:pic>
+        <p:nvPicPr>
+          <p:cNvPr id="5" name="Picture 4">
+            <a:extLst>
+              <a:ext uri="{FF2B5EF4-FFF2-40B4-BE49-F238E27FC236}">
+                <a16:creationId xmlns:a16="http://schemas.microsoft.com/office/drawing/2014/main" id="{3FAB11E6-8A7F-4883-91BB-E3D4CAF1979E}"/>
+              </a:ext>
+            </a:extLst>
+          </p:cNvPr>
+          <p:cNvPicPr>
+            <a:picLocks noChangeAspect="1"/>
+          </p:cNvPicPr>
+          <p:nvPr/>
+        </p:nvPicPr>
+        <p:blipFill>
+          <a:blip r:embed="rId3"/>
+          <a:stretch>
+            <a:fillRect/>
+          </a:stretch>
+        </p:blipFill>
+        <p:spPr>
+          <a:xfrm>
+            <a:off x="5035315" y="2801776"/>
+            <a:ext cx="4565885" cy="3149762"/>
+          </a:xfrm>
+          <a:prstGeom prst="rect">
+            <a:avLst/>
+          </a:prstGeom>
+        </p:spPr>
+      </p:pic>
+      <p:sp>
+        <p:nvSpPr>
+          <p:cNvPr id="2" name="Callout: Line 1">
+            <a:extLst>
+              <a:ext uri="{FF2B5EF4-FFF2-40B4-BE49-F238E27FC236}">
+                <a16:creationId xmlns:a16="http://schemas.microsoft.com/office/drawing/2014/main" id="{EC43F13B-70AE-4A79-BEC3-FD5269489949}"/>
+              </a:ext>
+            </a:extLst>
+          </p:cNvPr>
+          <p:cNvSpPr/>
+          <p:nvPr/>
+        </p:nvSpPr>
+        <p:spPr>
+          <a:xfrm>
+            <a:off x="2057400" y="2606603"/>
+            <a:ext cx="2630150" cy="711362"/>
+          </a:xfrm>
+          <a:prstGeom prst="borderCallout1">
+            <a:avLst>
+              <a:gd name="adj1" fmla="val 50597"/>
+              <a:gd name="adj2" fmla="val 102591"/>
+              <a:gd name="adj3" fmla="val 114698"/>
+              <a:gd name="adj4" fmla="val 145426"/>
+            </a:avLst>
+          </a:prstGeom>
+        </p:spPr>
+        <p:style>
+          <a:lnRef idx="2">
+            <a:schemeClr val="accent2">
+              <a:shade val="50000"/>
+            </a:schemeClr>
+          </a:lnRef>
+          <a:fillRef idx="1">
+            <a:schemeClr val="accent2"/>
+          </a:fillRef>
+          <a:effectRef idx="0">
+            <a:schemeClr val="accent2"/>
+          </a:effectRef>
+          <a:fontRef idx="minor">
+            <a:schemeClr val="lt1"/>
+          </a:fontRef>
+        </p:style>
+        <p:txBody>
+          <a:bodyPr rtlCol="0" anchor="ctr"/>
+          <a:lstStyle/>
+          <a:p>
+            <a:pPr algn="ctr"/>
+            <a:r>
+              <a:rPr lang="en-US" dirty="0"/>
+              <a:t>How is the agent currently performing?</a:t>
+            </a:r>
+          </a:p>
+        </p:txBody>
+      </p:sp>
+      <p:sp>
+        <p:nvSpPr>
+          <p:cNvPr id="8" name="Callout: Line 7">
+            <a:extLst>
+              <a:ext uri="{FF2B5EF4-FFF2-40B4-BE49-F238E27FC236}">
+                <a16:creationId xmlns:a16="http://schemas.microsoft.com/office/drawing/2014/main" id="{4E3F4BEC-90AE-4251-9F62-1458F9DFAFAE}"/>
+              </a:ext>
+            </a:extLst>
+          </p:cNvPr>
+          <p:cNvSpPr/>
+          <p:nvPr/>
+        </p:nvSpPr>
+        <p:spPr>
+          <a:xfrm>
+            <a:off x="2057399" y="5172974"/>
+            <a:ext cx="2630150" cy="1094476"/>
+          </a:xfrm>
+          <a:prstGeom prst="borderCallout1">
+            <a:avLst>
+              <a:gd name="adj1" fmla="val 20790"/>
+              <a:gd name="adj2" fmla="val 104328"/>
+              <a:gd name="adj3" fmla="val 14209"/>
+              <a:gd name="adj4" fmla="val 142608"/>
+            </a:avLst>
+          </a:prstGeom>
+        </p:spPr>
+        <p:style>
+          <a:lnRef idx="2">
+            <a:schemeClr val="accent2">
+              <a:shade val="50000"/>
+            </a:schemeClr>
+          </a:lnRef>
+          <a:fillRef idx="1">
+            <a:schemeClr val="accent2"/>
+          </a:fillRef>
+          <a:effectRef idx="0">
+            <a:schemeClr val="accent2"/>
+          </a:effectRef>
+          <a:fontRef idx="minor">
+            <a:schemeClr val="lt1"/>
+          </a:fontRef>
+        </p:style>
+        <p:txBody>
+          <a:bodyPr rtlCol="0" anchor="ctr"/>
+          <a:lstStyle/>
+          <a:p>
+            <a:pPr algn="ctr"/>
+            <a:r>
+              <a:rPr lang="en-US" dirty="0"/>
+              <a:t>Exploration: select actions that lead to better information</a:t>
+            </a:r>
+          </a:p>
+        </p:txBody>
+      </p:sp>
+      <p:sp>
+        <p:nvSpPr>
+          <p:cNvPr id="3" name="Callout: Line 2">
+            <a:extLst>
+              <a:ext uri="{FF2B5EF4-FFF2-40B4-BE49-F238E27FC236}">
+                <a16:creationId xmlns:a16="http://schemas.microsoft.com/office/drawing/2014/main" id="{1DFCA2A8-129A-7DD8-4F14-4280C6829F08}"/>
+              </a:ext>
+            </a:extLst>
+          </p:cNvPr>
+          <p:cNvSpPr/>
+          <p:nvPr/>
+        </p:nvSpPr>
+        <p:spPr>
+          <a:xfrm>
+            <a:off x="2057400" y="3503752"/>
+            <a:ext cx="2630150" cy="1503273"/>
+          </a:xfrm>
+          <a:prstGeom prst="borderCallout1">
+            <a:avLst>
+              <a:gd name="adj1" fmla="val 45008"/>
+              <a:gd name="adj2" fmla="val 104907"/>
+              <a:gd name="adj3" fmla="val 64209"/>
+              <a:gd name="adj4" fmla="val 145539"/>
+            </a:avLst>
+          </a:prstGeom>
+        </p:spPr>
+        <p:style>
+          <a:lnRef idx="2">
+            <a:schemeClr val="accent2">
+              <a:shade val="50000"/>
+            </a:schemeClr>
+          </a:lnRef>
+          <a:fillRef idx="1">
+            <a:schemeClr val="accent2"/>
+          </a:fillRef>
+          <a:effectRef idx="0">
+            <a:schemeClr val="accent2"/>
+          </a:effectRef>
+          <a:fontRef idx="minor">
+            <a:schemeClr val="lt1"/>
+          </a:fontRef>
+        </p:style>
+        <p:txBody>
+          <a:bodyPr rtlCol="0" anchor="ctr"/>
+          <a:lstStyle/>
+          <a:p>
+            <a:pPr algn="ctr"/>
+            <a:r>
+              <a:rPr lang="en-US" dirty="0"/>
+              <a:t>Update the performance element and changes how it selects actions.</a:t>
+            </a:r>
+          </a:p>
+          <a:p>
+            <a:pPr algn="ctr"/>
+            <a:r>
+              <a:rPr lang="en-US" dirty="0"/>
+              <a:t>E.g., adding rules, changing weights</a:t>
+            </a:r>
+          </a:p>
+        </p:txBody>
+      </p:sp>
+    </p:spTree>
+    <p:extLst>
+      <p:ext uri="{BB962C8B-B14F-4D97-AF65-F5344CB8AC3E}">
+        <p14:creationId xmlns:p14="http://schemas.microsoft.com/office/powerpoint/2010/main" val="1473659243"/>
+      </p:ext>
+    </p:extLst>
+  </p:cSld>
+  <p:clrMapOvr>
+    <a:masterClrMapping/>
+  </p:clrMapOvr>
+</p:sld>
+</file>
+
+<file path=ppt/slides/slide5.xml><?xml version="1.0" encoding="utf-8"?>
+<p:sld xmlns:a="http://schemas.openxmlformats.org/drawingml/2006/main" xmlns:r="http://schemas.openxmlformats.org/officeDocument/2006/relationships" xmlns:p="http://schemas.openxmlformats.org/presentationml/2006/main">
+  <p:cSld>
+    <p:spTree>
+      <p:nvGrpSpPr>
+        <p:cNvPr id="1" name=""/>
+        <p:cNvGrpSpPr/>
+        <p:nvPr/>
+      </p:nvGrpSpPr>
+      <p:grpSpPr>
+        <a:xfrm>
+          <a:off x="0" y="0"/>
+          <a:ext cx="0" cy="0"/>
+          <a:chOff x="0" y="0"/>
+          <a:chExt cx="0" cy="0"/>
+        </a:xfrm>
+      </p:grpSpPr>
+      <p:sp>
+        <p:nvSpPr>
+          <p:cNvPr id="26626" name="Rectangle 2"/>
+          <p:cNvSpPr>
+            <a:spLocks noGrp="1" noChangeArrowheads="1"/>
+          </p:cNvSpPr>
+          <p:nvPr>
+            <p:ph type="title"/>
+          </p:nvPr>
+        </p:nvSpPr>
+        <p:spPr/>
+        <p:txBody>
+          <a:bodyPr/>
+          <a:lstStyle/>
+          <a:p>
+            <a:pPr eaLnBrk="1" hangingPunct="1"/>
+            <a:r>
+              <a:rPr lang="en-US" dirty="0"/>
+              <a:t>Types of Using Machine Learning</a:t>
+            </a:r>
+          </a:p>
+        </p:txBody>
+      </p:sp>
+      <p:sp>
+        <p:nvSpPr>
+          <p:cNvPr id="26627" name="Rectangle 3"/>
+          <p:cNvSpPr>
+            <a:spLocks noGrp="1" noChangeArrowheads="1"/>
+          </p:cNvSpPr>
+          <p:nvPr>
+            <p:ph idx="1"/>
+          </p:nvPr>
+        </p:nvSpPr>
+        <p:spPr>
+          <a:xfrm>
+            <a:off x="838200" y="1825625"/>
+            <a:ext cx="9296400" cy="4351338"/>
+          </a:xfrm>
+        </p:spPr>
+        <p:txBody>
+          <a:bodyPr>
+            <a:normAutofit fontScale="85000" lnSpcReduction="20000"/>
+          </a:bodyPr>
+          <a:lstStyle/>
+          <a:p>
+            <a:pPr lvl="1" eaLnBrk="1" hangingPunct="1"/>
+            <a:r>
+              <a:rPr lang="en-US" sz="2400" dirty="0"/>
+              <a:t>What </a:t>
+            </a:r>
+            <a:r>
+              <a:rPr lang="en-US" sz="2400" b="1" dirty="0"/>
+              <a:t>component</a:t>
+            </a:r>
+            <a:r>
+              <a:rPr lang="en-US" sz="2400" dirty="0"/>
+              <a:t> of the performance element is learned? </a:t>
+            </a:r>
+            <a:br>
+              <a:rPr lang="en-US" sz="2400" dirty="0"/>
+            </a:br>
+            <a:r>
+              <a:rPr lang="en-US" sz="2400" dirty="0"/>
+              <a:t>	E.g., how to select action, estimate the utility of a state, …</a:t>
+            </a:r>
+          </a:p>
+          <a:p>
+            <a:pPr lvl="1" eaLnBrk="1" hangingPunct="1"/>
+            <a:endParaRPr lang="en-US" sz="2400" dirty="0"/>
+          </a:p>
+          <a:p>
+            <a:pPr lvl="1" eaLnBrk="1" hangingPunct="1"/>
+            <a:r>
+              <a:rPr lang="en-US" sz="2400" dirty="0"/>
+              <a:t>What </a:t>
+            </a:r>
+            <a:r>
+              <a:rPr lang="en-US" sz="2400" b="1" dirty="0"/>
+              <a:t>representation</a:t>
+            </a:r>
+            <a:r>
+              <a:rPr lang="en-US" sz="2400" dirty="0"/>
+              <a:t> (model) is </a:t>
+            </a:r>
+            <a:r>
+              <a:rPr lang="en-US" dirty="0"/>
+              <a:t>used in the component? </a:t>
+            </a:r>
+            <a:br>
+              <a:rPr lang="en-US" dirty="0"/>
+            </a:br>
+            <a:r>
+              <a:rPr lang="en-US" dirty="0"/>
+              <a:t>	Linear regression, rules, trees, neural nets,…</a:t>
+            </a:r>
+          </a:p>
+          <a:p>
+            <a:pPr lvl="1" eaLnBrk="1" hangingPunct="1"/>
+            <a:endParaRPr lang="en-US" sz="2400" dirty="0"/>
+          </a:p>
+          <a:p>
+            <a:pPr lvl="1" eaLnBrk="1" hangingPunct="1"/>
+            <a:r>
+              <a:rPr lang="en-US" sz="2400" dirty="0"/>
+              <a:t>What </a:t>
+            </a:r>
+            <a:r>
+              <a:rPr lang="en-US" sz="2400" b="1" dirty="0"/>
+              <a:t>feedback</a:t>
+            </a:r>
+            <a:r>
+              <a:rPr lang="en-US" sz="2400" dirty="0"/>
+              <a:t> is available for learning?</a:t>
+            </a:r>
+            <a:endParaRPr lang="en-US" sz="2400" b="1" dirty="0"/>
+          </a:p>
+          <a:p>
+            <a:pPr lvl="2"/>
+            <a:r>
+              <a:rPr lang="en-US" b="1" dirty="0"/>
+              <a:t>Unsupervised Learning</a:t>
+            </a:r>
+            <a:r>
+              <a:rPr lang="en-US" dirty="0"/>
+              <a:t>: No feedback, just organize data (e.g., clustering, embedding)</a:t>
+            </a:r>
+          </a:p>
+          <a:p>
+            <a:pPr marL="914400" lvl="2" indent="0">
+              <a:buNone/>
+            </a:pPr>
+            <a:endParaRPr lang="en-US" b="1" dirty="0"/>
+          </a:p>
+          <a:p>
+            <a:pPr lvl="2"/>
+            <a:r>
+              <a:rPr lang="en-US" b="1" dirty="0"/>
+              <a:t>Supervised Learning</a:t>
+            </a:r>
+            <a:r>
+              <a:rPr lang="en-US" dirty="0"/>
+              <a:t>: Uses a data set with correct answers. Learn a function (model) to map an input (e.g., state) to an output (e.g., action or utility). </a:t>
+            </a:r>
+            <a:br>
+              <a:rPr lang="en-US" dirty="0"/>
+            </a:br>
+            <a:r>
+              <a:rPr lang="en-US" dirty="0"/>
+              <a:t>Examples:</a:t>
+            </a:r>
+          </a:p>
+          <a:p>
+            <a:pPr lvl="3">
+              <a:buFont typeface="Wingdings" panose="05000000000000000000" pitchFamily="2" charset="2"/>
+              <a:buChar char="§"/>
+            </a:pPr>
+            <a:r>
+              <a:rPr lang="en-US" dirty="0"/>
+              <a:t>Use a naïve Bayesian classifier to distinguish between spam/no spam</a:t>
+            </a:r>
+          </a:p>
+          <a:p>
+            <a:pPr lvl="3">
+              <a:buFont typeface="Wingdings" panose="05000000000000000000" pitchFamily="2" charset="2"/>
+              <a:buChar char="§"/>
+            </a:pPr>
+            <a:r>
+              <a:rPr lang="en-US" dirty="0"/>
+              <a:t>Learn a playout policy to simulate games (current board -&gt; good move)</a:t>
+            </a:r>
+          </a:p>
+          <a:p>
+            <a:pPr marL="914400" lvl="2" indent="0">
+              <a:buNone/>
+            </a:pPr>
+            <a:endParaRPr lang="en-US" b="1" dirty="0"/>
+          </a:p>
+          <a:p>
+            <a:pPr lvl="2"/>
+            <a:r>
+              <a:rPr lang="en-US" b="1" dirty="0"/>
+              <a:t>Reinforcement Learning</a:t>
+            </a:r>
+            <a:r>
+              <a:rPr lang="en-US" dirty="0"/>
+              <a:t>: Learn from rewards/punishment (e.g., winning a game) obtained via interaction with the environment over time.</a:t>
+            </a:r>
+          </a:p>
+        </p:txBody>
+      </p:sp>
+      <p:sp>
+        <p:nvSpPr>
+          <p:cNvPr id="3" name="Right Brace 2">
+            <a:extLst>
+              <a:ext uri="{FF2B5EF4-FFF2-40B4-BE49-F238E27FC236}">
+                <a16:creationId xmlns:a16="http://schemas.microsoft.com/office/drawing/2014/main" id="{DDB91D51-C76A-B472-A3EE-6E088C0D9CF6}"/>
+              </a:ext>
+            </a:extLst>
+          </p:cNvPr>
+          <p:cNvSpPr/>
+          <p:nvPr/>
+        </p:nvSpPr>
+        <p:spPr>
+          <a:xfrm>
+            <a:off x="9982200" y="4191000"/>
+            <a:ext cx="152400" cy="990600"/>
+          </a:xfrm>
+          <a:prstGeom prst="rightBrace">
+            <a:avLst/>
+          </a:prstGeom>
+        </p:spPr>
+        <p:style>
+          <a:lnRef idx="3">
+            <a:schemeClr val="accent4"/>
+          </a:lnRef>
+          <a:fillRef idx="0">
+            <a:schemeClr val="accent4"/>
+          </a:fillRef>
+          <a:effectRef idx="2">
+            <a:schemeClr val="accent4"/>
+          </a:effectRef>
+          <a:fontRef idx="minor">
+            <a:schemeClr val="tx1"/>
+          </a:fontRef>
+        </p:style>
+        <p:txBody>
+          <a:bodyPr rtlCol="0" anchor="ctr"/>
+          <a:lstStyle/>
+          <a:p>
+            <a:pPr algn="ctr"/>
+            <a:endParaRPr lang="en-US"/>
+          </a:p>
+        </p:txBody>
+      </p:sp>
+      <p:sp>
+        <p:nvSpPr>
+          <p:cNvPr id="4" name="TextBox 3">
+            <a:extLst>
+              <a:ext uri="{FF2B5EF4-FFF2-40B4-BE49-F238E27FC236}">
+                <a16:creationId xmlns:a16="http://schemas.microsoft.com/office/drawing/2014/main" id="{BA522442-E2FA-A8D0-A650-497A30CFAD94}"/>
+              </a:ext>
+            </a:extLst>
+          </p:cNvPr>
+          <p:cNvSpPr txBox="1"/>
+          <p:nvPr/>
+        </p:nvSpPr>
+        <p:spPr>
+          <a:xfrm>
+            <a:off x="10363200" y="4086135"/>
+            <a:ext cx="1346522" cy="1200329"/>
+          </a:xfrm>
+          <a:prstGeom prst="rect">
+            <a:avLst/>
+          </a:prstGeom>
+        </p:spPr>
+        <p:style>
+          <a:lnRef idx="3">
+            <a:schemeClr val="lt1"/>
+          </a:lnRef>
+          <a:fillRef idx="1">
+            <a:schemeClr val="accent4"/>
+          </a:fillRef>
+          <a:effectRef idx="1">
+            <a:schemeClr val="accent4"/>
+          </a:effectRef>
+          <a:fontRef idx="minor">
+            <a:schemeClr val="lt1"/>
+          </a:fontRef>
+        </p:style>
+        <p:txBody>
+          <a:bodyPr wrap="square" rtlCol="0">
+            <a:spAutoFit/>
+          </a:bodyPr>
+          <a:lstStyle/>
+          <a:p>
+            <a:pPr algn="ctr"/>
+            <a:r>
+              <a:rPr lang="en-US" dirty="0"/>
+              <a:t>We focus here on supervised learning</a:t>
+            </a:r>
+          </a:p>
+        </p:txBody>
+      </p:sp>
+    </p:spTree>
+    <p:extLst>
+      <p:ext uri="{BB962C8B-B14F-4D97-AF65-F5344CB8AC3E}">
+        <p14:creationId xmlns:p14="http://schemas.microsoft.com/office/powerpoint/2010/main" val="603166172"/>
+      </p:ext>
+    </p:extLst>
+  </p:cSld>
+  <p:clrMapOvr>
+    <a:masterClrMapping/>
+  </p:clrMapOvr>
+</p:sld>
+</file>
+
+<file path=ppt/slides/slide6.xml><?xml version="1.0" encoding="utf-8"?>
 <p:sld xmlns:a="http://schemas.openxmlformats.org/drawingml/2006/main" xmlns:r="http://schemas.openxmlformats.org/officeDocument/2006/relationships" xmlns:p="http://schemas.openxmlformats.org/presentationml/2006/main">
   <p:cSld>
     <p:bg>
@@ -31872,7 +34943,7 @@
 </p:sld>
 </file>
 
-<file path=ppt/slides/slide5.xml><?xml version="1.0" encoding="utf-8"?>
+<file path=ppt/slides/slide7.xml><?xml version="1.0" encoding="utf-8"?>
 <p:sld xmlns:a="http://schemas.openxmlformats.org/drawingml/2006/main" xmlns:r="http://schemas.openxmlformats.org/officeDocument/2006/relationships" xmlns:p="http://schemas.openxmlformats.org/presentationml/2006/main">
   <p:cSld>
     <p:spTree>
@@ -32927,7 +35998,7 @@
             </a:ln>
             <a:extLst>
               <a:ext uri="{AF507438-7753-43e0-B8FC-AC1667EBCBE1}">
-                <a14:hiddenEffects xmlns:a14="http://schemas.microsoft.com/office/drawing/2010/main" xmlns="">
+                <a14:hiddenEffects xmlns="" xmlns:a14="http://schemas.microsoft.com/office/drawing/2010/main">
                   <a:effectLst>
                     <a:outerShdw dist="35921" dir="2700000" algn="ctr" rotWithShape="0">
                       <a:schemeClr val="bg2"/>
@@ -33011,14 +36082,14 @@
             <a:effectLst/>
             <a:extLst>
               <a:ext uri="{909E8E84-426E-40dd-AFC4-6F175D3DCCD1}">
-                <a14:hiddenFill xmlns:a14="http://schemas.microsoft.com/office/drawing/2010/main" xmlns="">
+                <a14:hiddenFill xmlns="" xmlns:a14="http://schemas.microsoft.com/office/drawing/2010/main">
                   <a:solidFill>
                     <a:schemeClr val="accent1"/>
                   </a:solidFill>
                 </a14:hiddenFill>
               </a:ext>
               <a:ext uri="{91240B29-F687-4f45-9708-019B960494DF}">
-                <a14:hiddenLine xmlns:a14="http://schemas.microsoft.com/office/drawing/2010/main" xmlns="" w="9525">
+                <a14:hiddenLine xmlns="" xmlns:a14="http://schemas.microsoft.com/office/drawing/2010/main" w="9525">
                   <a:solidFill>
                     <a:schemeClr val="tx1"/>
                   </a:solidFill>
@@ -33028,7 +36099,7 @@
                 </a14:hiddenLine>
               </a:ext>
               <a:ext uri="{AF507438-7753-43e0-B8FC-AC1667EBCBE1}">
-                <a14:hiddenEffects xmlns:a14="http://schemas.microsoft.com/office/drawing/2010/main" xmlns="">
+                <a14:hiddenEffects xmlns="" xmlns:a14="http://schemas.microsoft.com/office/drawing/2010/main">
                   <a:effectLst>
                     <a:outerShdw dist="35921" dir="2700000" algn="ctr" rotWithShape="0">
                       <a:schemeClr val="bg2"/>
@@ -33069,7 +36140,7 @@
             <a:effectLst/>
             <a:extLst>
               <a:ext uri="{AF507438-7753-43e0-B8FC-AC1667EBCBE1}">
-                <a14:hiddenEffects xmlns:a14="http://schemas.microsoft.com/office/drawing/2010/main" xmlns="">
+                <a14:hiddenEffects xmlns="" xmlns:a14="http://schemas.microsoft.com/office/drawing/2010/main">
                   <a:effectLst>
                     <a:outerShdw dist="35921" dir="2700000" algn="ctr" rotWithShape="0">
                       <a:schemeClr val="bg2"/>
@@ -33117,7 +36188,7 @@
             <a:effectLst/>
             <a:extLst>
               <a:ext uri="{AF507438-7753-43e0-B8FC-AC1667EBCBE1}">
-                <a14:hiddenEffects xmlns:a14="http://schemas.microsoft.com/office/drawing/2010/main" xmlns="">
+                <a14:hiddenEffects xmlns="" xmlns:a14="http://schemas.microsoft.com/office/drawing/2010/main">
                   <a:effectLst>
                     <a:outerShdw dist="35921" dir="2700000" algn="ctr" rotWithShape="0">
                       <a:schemeClr val="bg2"/>
@@ -33185,14 +36256,14 @@
             <a:effectLst/>
             <a:extLst>
               <a:ext uri="{909E8E84-426E-40dd-AFC4-6F175D3DCCD1}">
-                <a14:hiddenFill xmlns:a14="http://schemas.microsoft.com/office/drawing/2010/main" xmlns="">
+                <a14:hiddenFill xmlns="" xmlns:a14="http://schemas.microsoft.com/office/drawing/2010/main">
                   <a:solidFill>
                     <a:schemeClr val="accent1"/>
                   </a:solidFill>
                 </a14:hiddenFill>
               </a:ext>
               <a:ext uri="{91240B29-F687-4f45-9708-019B960494DF}">
-                <a14:hiddenLine xmlns:a14="http://schemas.microsoft.com/office/drawing/2010/main" xmlns="" w="9525">
+                <a14:hiddenLine xmlns="" xmlns:a14="http://schemas.microsoft.com/office/drawing/2010/main" w="9525">
                   <a:solidFill>
                     <a:schemeClr val="tx1"/>
                   </a:solidFill>
@@ -33202,7 +36273,7 @@
                 </a14:hiddenLine>
               </a:ext>
               <a:ext uri="{AF507438-7753-43e0-B8FC-AC1667EBCBE1}">
-                <a14:hiddenEffects xmlns:a14="http://schemas.microsoft.com/office/drawing/2010/main" xmlns="">
+                <a14:hiddenEffects xmlns="" xmlns:a14="http://schemas.microsoft.com/office/drawing/2010/main">
                   <a:effectLst>
                     <a:outerShdw dist="35921" dir="2700000" algn="ctr" rotWithShape="0">
                       <a:schemeClr val="bg2"/>
@@ -33363,7 +36434,7 @@
 </p:sld>
 </file>
 
-<file path=ppt/slides/slide6.xml><?xml version="1.0" encoding="utf-8"?>
+<file path=ppt/slides/slide8.xml><?xml version="1.0" encoding="utf-8"?>
 <p:sld xmlns:a="http://schemas.openxmlformats.org/drawingml/2006/main" xmlns:r="http://schemas.openxmlformats.org/officeDocument/2006/relationships" xmlns:p="http://schemas.openxmlformats.org/presentationml/2006/main">
   <p:cSld>
     <p:spTree>
@@ -33739,14 +36810,14 @@
           <a:effectLst/>
           <a:extLst>
             <a:ext uri="{909E8E84-426E-40dd-AFC4-6F175D3DCCD1}">
-              <a14:hiddenFill xmlns:a14="http://schemas.microsoft.com/office/drawing/2010/main" xmlns="">
+              <a14:hiddenFill xmlns="" xmlns:a14="http://schemas.microsoft.com/office/drawing/2010/main">
                 <a:solidFill>
                   <a:schemeClr val="accent1"/>
                 </a:solidFill>
               </a14:hiddenFill>
             </a:ext>
             <a:ext uri="{91240B29-F687-4f45-9708-019B960494DF}">
-              <a14:hiddenLine xmlns:a14="http://schemas.microsoft.com/office/drawing/2010/main" xmlns="" w="9525">
+              <a14:hiddenLine xmlns="" xmlns:a14="http://schemas.microsoft.com/office/drawing/2010/main" w="9525">
                 <a:solidFill>
                   <a:schemeClr val="tx1"/>
                 </a:solidFill>
@@ -33756,7 +36827,7 @@
               </a14:hiddenLine>
             </a:ext>
             <a:ext uri="{AF507438-7753-43e0-B8FC-AC1667EBCBE1}">
-              <a14:hiddenEffects xmlns:a14="http://schemas.microsoft.com/office/drawing/2010/main" xmlns="">
+              <a14:hiddenEffects xmlns="" xmlns:a14="http://schemas.microsoft.com/office/drawing/2010/main">
                 <a:effectLst>
                   <a:outerShdw dist="35921" dir="2700000" algn="ctr" rotWithShape="0">
                     <a:schemeClr val="bg2"/>
@@ -33803,14 +36874,14 @@
           <a:effectLst/>
           <a:extLst>
             <a:ext uri="{909E8E84-426E-40dd-AFC4-6F175D3DCCD1}">
-              <a14:hiddenFill xmlns:a14="http://schemas.microsoft.com/office/drawing/2010/main" xmlns="">
+              <a14:hiddenFill xmlns="" xmlns:a14="http://schemas.microsoft.com/office/drawing/2010/main">
                 <a:solidFill>
                   <a:schemeClr val="accent1"/>
                 </a:solidFill>
               </a14:hiddenFill>
             </a:ext>
             <a:ext uri="{91240B29-F687-4f45-9708-019B960494DF}">
-              <a14:hiddenLine xmlns:a14="http://schemas.microsoft.com/office/drawing/2010/main" xmlns="" w="9525">
+              <a14:hiddenLine xmlns="" xmlns:a14="http://schemas.microsoft.com/office/drawing/2010/main" w="9525">
                 <a:solidFill>
                   <a:schemeClr val="tx1"/>
                 </a:solidFill>
@@ -33820,7 +36891,7 @@
               </a14:hiddenLine>
             </a:ext>
             <a:ext uri="{AF507438-7753-43e0-B8FC-AC1667EBCBE1}">
-              <a14:hiddenEffects xmlns:a14="http://schemas.microsoft.com/office/drawing/2010/main" xmlns="">
+              <a14:hiddenEffects xmlns="" xmlns:a14="http://schemas.microsoft.com/office/drawing/2010/main">
                 <a:effectLst>
                   <a:outerShdw dist="35921" dir="2700000" algn="ctr" rotWithShape="0">
                     <a:schemeClr val="bg2"/>
@@ -34271,7 +37342,7 @@
 </p:sld>
 </file>
 
-<file path=ppt/slides/slide7.xml><?xml version="1.0" encoding="utf-8"?>
+<file path=ppt/slides/slide9.xml><?xml version="1.0" encoding="utf-8"?>
 <p:sld xmlns:a="http://schemas.openxmlformats.org/drawingml/2006/main" xmlns:r="http://schemas.openxmlformats.org/officeDocument/2006/relationships" xmlns:p="http://schemas.openxmlformats.org/presentationml/2006/main">
   <p:cSld>
     <p:spTree>
@@ -35819,7 +38890,7 @@
             </a:ln>
             <a:extLst>
               <a:ext uri="{AF507438-7753-43e0-B8FC-AC1667EBCBE1}">
-                <a14:hiddenEffects xmlns:a14="http://schemas.microsoft.com/office/drawing/2010/main" xmlns="">
+                <a14:hiddenEffects xmlns="" xmlns:a14="http://schemas.microsoft.com/office/drawing/2010/main">
                   <a:effectLst>
                     <a:outerShdw dist="35921" dir="2700000" algn="ctr" rotWithShape="0">
                       <a:schemeClr val="bg2"/>
@@ -35889,7 +38960,7 @@
             <a:effectLst/>
             <a:extLst>
               <a:ext uri="{AF507438-7753-43e0-B8FC-AC1667EBCBE1}">
-                <a14:hiddenEffects xmlns:a14="http://schemas.microsoft.com/office/drawing/2010/main" xmlns="">
+                <a14:hiddenEffects xmlns="" xmlns:a14="http://schemas.microsoft.com/office/drawing/2010/main">
                   <a:effectLst>
                     <a:outerShdw dist="35921" dir="2700000" algn="ctr" rotWithShape="0">
                       <a:schemeClr val="bg2"/>
@@ -35943,7 +39014,7 @@
             <a:effectLst/>
             <a:extLst>
               <a:ext uri="{AF507438-7753-43e0-B8FC-AC1667EBCBE1}">
-                <a14:hiddenEffects xmlns:a14="http://schemas.microsoft.com/office/drawing/2010/main" xmlns="">
+                <a14:hiddenEffects xmlns="" xmlns:a14="http://schemas.microsoft.com/office/drawing/2010/main">
                   <a:effectLst>
                     <a:outerShdw dist="35921" dir="2700000" algn="ctr" rotWithShape="0">
                       <a:schemeClr val="bg2"/>
@@ -35996,12 +39067,12 @@
             <a:effectLst/>
             <a:extLst>
               <a:ext uri="{909E8E84-426E-40dd-AFC4-6F175D3DCCD1}">
-                <a14:hiddenFill xmlns:a14="http://schemas.microsoft.com/office/drawing/2010/main" xmlns="">
+                <a14:hiddenFill xmlns="" xmlns:a14="http://schemas.microsoft.com/office/drawing/2010/main">
                   <a:noFill/>
                 </a14:hiddenFill>
               </a:ext>
               <a:ext uri="{AF507438-7753-43e0-B8FC-AC1667EBCBE1}">
-                <a14:hiddenEffects xmlns:a14="http://schemas.microsoft.com/office/drawing/2010/main" xmlns="">
+                <a14:hiddenEffects xmlns="" xmlns:a14="http://schemas.microsoft.com/office/drawing/2010/main">
                   <a:effectLst>
                     <a:outerShdw dist="35921" dir="2700000" algn="ctr" rotWithShape="0">
                       <a:schemeClr val="bg2"/>
@@ -36075,14 +39146,14 @@
             <a:effectLst/>
             <a:extLst>
               <a:ext uri="{909E8E84-426E-40dd-AFC4-6F175D3DCCD1}">
-                <a14:hiddenFill xmlns:a14="http://schemas.microsoft.com/office/drawing/2010/main" xmlns="">
+                <a14:hiddenFill xmlns="" xmlns:a14="http://schemas.microsoft.com/office/drawing/2010/main">
                   <a:solidFill>
                     <a:schemeClr val="accent1"/>
                   </a:solidFill>
                 </a14:hiddenFill>
               </a:ext>
               <a:ext uri="{91240B29-F687-4f45-9708-019B960494DF}">
-                <a14:hiddenLine xmlns:a14="http://schemas.microsoft.com/office/drawing/2010/main" xmlns="" w="9525">
+                <a14:hiddenLine xmlns="" xmlns:a14="http://schemas.microsoft.com/office/drawing/2010/main" w="9525">
                   <a:solidFill>
                     <a:schemeClr val="tx1"/>
                   </a:solidFill>
@@ -36092,7 +39163,7 @@
                 </a14:hiddenLine>
               </a:ext>
               <a:ext uri="{AF507438-7753-43e0-B8FC-AC1667EBCBE1}">
-                <a14:hiddenEffects xmlns:a14="http://schemas.microsoft.com/office/drawing/2010/main" xmlns="">
+                <a14:hiddenEffects xmlns="" xmlns:a14="http://schemas.microsoft.com/office/drawing/2010/main">
                   <a:effectLst>
                     <a:outerShdw dist="35921" dir="2700000" algn="ctr" rotWithShape="0">
                       <a:schemeClr val="bg2"/>
@@ -36371,2391 +39442,6 @@
     <p:extLst>
       <p:ext uri="{BB962C8B-B14F-4D97-AF65-F5344CB8AC3E}">
         <p14:creationId xmlns:p14="http://schemas.microsoft.com/office/powerpoint/2010/main" val="3323998658"/>
-      </p:ext>
-    </p:extLst>
-  </p:cSld>
-  <p:clrMapOvr>
-    <a:masterClrMapping/>
-  </p:clrMapOvr>
-</p:sld>
-</file>
-
-<file path=ppt/slides/slide8.xml><?xml version="1.0" encoding="utf-8"?>
-<p:sld xmlns:a="http://schemas.openxmlformats.org/drawingml/2006/main" xmlns:r="http://schemas.openxmlformats.org/officeDocument/2006/relationships" xmlns:p="http://schemas.openxmlformats.org/presentationml/2006/main">
-  <p:cSld>
-    <p:spTree>
-      <p:nvGrpSpPr>
-        <p:cNvPr id="1" name=""/>
-        <p:cNvGrpSpPr/>
-        <p:nvPr/>
-      </p:nvGrpSpPr>
-      <p:grpSpPr>
-        <a:xfrm>
-          <a:off x="0" y="0"/>
-          <a:ext cx="0" cy="0"/>
-          <a:chOff x="0" y="0"/>
-          <a:chExt cx="0" cy="0"/>
-        </a:xfrm>
-      </p:grpSpPr>
-      <mc:AlternateContent xmlns:mc="http://schemas.openxmlformats.org/markup-compatibility/2006" xmlns:a14="http://schemas.microsoft.com/office/drawing/2010/main">
-        <mc:Choice Requires="a14">
-          <p:sp>
-            <p:nvSpPr>
-              <p:cNvPr id="2" name="Title 1">
-                <a:extLst>
-                  <a:ext uri="{FF2B5EF4-FFF2-40B4-BE49-F238E27FC236}">
-                    <a16:creationId xmlns:a16="http://schemas.microsoft.com/office/drawing/2014/main" id="{71935EFA-B760-4599-A4AE-897C90016681}"/>
-                  </a:ext>
-                </a:extLst>
-              </p:cNvPr>
-              <p:cNvSpPr>
-                <a:spLocks noGrp="1"/>
-              </p:cNvSpPr>
-              <p:nvPr>
-                <p:ph type="title"/>
-              </p:nvPr>
-            </p:nvSpPr>
-            <p:spPr/>
-            <p:txBody>
-              <a:bodyPr/>
-              <a:lstStyle/>
-              <a:p>
-                <a:r>
-                  <a:rPr lang="en-US" dirty="0"/>
-                  <a:t>Learning Consistent </a:t>
-                </a:r>
-                <a14:m>
-                  <m:oMath xmlns:m="http://schemas.openxmlformats.org/officeDocument/2006/math">
-                    <m:r>
-                      <a:rPr lang="en-US" i="1" dirty="0" smtClean="0">
-                        <a:latin typeface="Cambria Math" panose="02040503050406030204" pitchFamily="18" charset="0"/>
-                      </a:rPr>
-                      <m:t>h</m:t>
-                    </m:r>
-                  </m:oMath>
-                </a14:m>
-                <a:r>
-                  <a:rPr lang="en-US" dirty="0"/>
-                  <a:t> by Minimizing the Loss</a:t>
-                </a:r>
-              </a:p>
-            </p:txBody>
-          </p:sp>
-        </mc:Choice>
-        <mc:Fallback xmlns="">
-          <p:sp>
-            <p:nvSpPr>
-              <p:cNvPr id="2" name="Title 1">
-                <a:extLst>
-                  <a:ext uri="{FF2B5EF4-FFF2-40B4-BE49-F238E27FC236}">
-                    <a16:creationId xmlns:a16="http://schemas.microsoft.com/office/drawing/2014/main" id="{71935EFA-B760-4599-A4AE-897C90016681}"/>
-                  </a:ext>
-                </a:extLst>
-              </p:cNvPr>
-              <p:cNvSpPr>
-                <a:spLocks noGrp="1" noRot="1" noChangeAspect="1" noMove="1" noResize="1" noEditPoints="1" noAdjustHandles="1" noChangeArrowheads="1" noChangeShapeType="1" noTextEdit="1"/>
-              </p:cNvSpPr>
-              <p:nvPr>
-                <p:ph type="title"/>
-              </p:nvPr>
-            </p:nvSpPr>
-            <p:spPr>
-              <a:blipFill>
-                <a:blip r:embed="rId3"/>
-                <a:stretch>
-                  <a:fillRect l="-2377"/>
-                </a:stretch>
-              </a:blipFill>
-            </p:spPr>
-            <p:txBody>
-              <a:bodyPr/>
-              <a:lstStyle/>
-              <a:p>
-                <a:r>
-                  <a:rPr lang="en-US">
-                    <a:noFill/>
-                  </a:rPr>
-                  <a:t> </a:t>
-                </a:r>
-              </a:p>
-            </p:txBody>
-          </p:sp>
-        </mc:Fallback>
-      </mc:AlternateContent>
-      <mc:AlternateContent xmlns:mc="http://schemas.openxmlformats.org/markup-compatibility/2006" xmlns:a14="http://schemas.microsoft.com/office/drawing/2010/main">
-        <mc:Choice Requires="a14">
-          <p:sp>
-            <p:nvSpPr>
-              <p:cNvPr id="3" name="Content Placeholder 2">
-                <a:extLst>
-                  <a:ext uri="{FF2B5EF4-FFF2-40B4-BE49-F238E27FC236}">
-                    <a16:creationId xmlns:a16="http://schemas.microsoft.com/office/drawing/2014/main" id="{9BE1CDDD-17A2-49AA-878D-47EFE49513D8}"/>
-                  </a:ext>
-                </a:extLst>
-              </p:cNvPr>
-              <p:cNvSpPr>
-                <a:spLocks noGrp="1"/>
-              </p:cNvSpPr>
-              <p:nvPr>
-                <p:ph idx="1"/>
-              </p:nvPr>
-            </p:nvSpPr>
-            <p:spPr/>
-            <p:txBody>
-              <a:bodyPr>
-                <a:normAutofit fontScale="92500" lnSpcReduction="20000"/>
-              </a:bodyPr>
-              <a:lstStyle/>
-              <a:p>
-                <a:r>
-                  <a:rPr lang="en-US" dirty="0"/>
-                  <a:t>Empirical loss</a:t>
-                </a:r>
-                <a:br>
-                  <a:rPr lang="en-US" dirty="0"/>
-                </a:br>
-                <a14:m>
-                  <m:oMath xmlns:m="http://schemas.openxmlformats.org/officeDocument/2006/math">
-                    <m:r>
-                      <a:rPr lang="en-US" b="0" i="1" smtClean="0">
-                        <a:latin typeface="Cambria Math" panose="02040503050406030204" pitchFamily="18" charset="0"/>
-                      </a:rPr>
-                      <m:t>𝐸𝑚𝑝𝐿𝑜𝑠</m:t>
-                    </m:r>
-                    <m:sSub>
-                      <m:sSubPr>
-                        <m:ctrlPr>
-                          <a:rPr lang="en-US" b="0" i="1" smtClean="0">
-                            <a:latin typeface="Cambria Math" panose="02040503050406030204" pitchFamily="18" charset="0"/>
-                          </a:rPr>
-                        </m:ctrlPr>
-                      </m:sSubPr>
-                      <m:e>
-                        <m:r>
-                          <a:rPr lang="en-US" b="0" i="1" smtClean="0">
-                            <a:latin typeface="Cambria Math" panose="02040503050406030204" pitchFamily="18" charset="0"/>
-                          </a:rPr>
-                          <m:t>𝑠</m:t>
-                        </m:r>
-                      </m:e>
-                      <m:sub>
-                        <m:r>
-                          <a:rPr lang="en-US" b="0" i="1" smtClean="0">
-                            <a:latin typeface="Cambria Math" panose="02040503050406030204" pitchFamily="18" charset="0"/>
-                          </a:rPr>
-                          <m:t>𝐿</m:t>
-                        </m:r>
-                        <m:r>
-                          <a:rPr lang="en-US" b="0" i="1" smtClean="0">
-                            <a:latin typeface="Cambria Math" panose="02040503050406030204" pitchFamily="18" charset="0"/>
-                          </a:rPr>
-                          <m:t>,</m:t>
-                        </m:r>
-                        <m:r>
-                          <a:rPr lang="en-US" b="0" i="1" smtClean="0">
-                            <a:latin typeface="Cambria Math" panose="02040503050406030204" pitchFamily="18" charset="0"/>
-                          </a:rPr>
-                          <m:t>𝐸</m:t>
-                        </m:r>
-                      </m:sub>
-                    </m:sSub>
-                    <m:r>
-                      <a:rPr lang="en-US" b="0" i="1" smtClean="0">
-                        <a:latin typeface="Cambria Math" panose="02040503050406030204" pitchFamily="18" charset="0"/>
-                      </a:rPr>
-                      <m:t>(</m:t>
-                    </m:r>
-                    <m:r>
-                      <a:rPr lang="en-US" b="0" i="1" smtClean="0">
-                        <a:latin typeface="Cambria Math" panose="02040503050406030204" pitchFamily="18" charset="0"/>
-                      </a:rPr>
-                      <m:t>h</m:t>
-                    </m:r>
-                    <m:r>
-                      <a:rPr lang="en-US" b="0" i="1" smtClean="0">
-                        <a:latin typeface="Cambria Math" panose="02040503050406030204" pitchFamily="18" charset="0"/>
-                      </a:rPr>
-                      <m:t>)=</m:t>
-                    </m:r>
-                    <m:f>
-                      <m:fPr>
-                        <m:ctrlPr>
-                          <a:rPr lang="en-US" b="0" i="1" smtClean="0">
-                            <a:latin typeface="Cambria Math" panose="02040503050406030204" pitchFamily="18" charset="0"/>
-                          </a:rPr>
-                        </m:ctrlPr>
-                      </m:fPr>
-                      <m:num>
-                        <m:r>
-                          <a:rPr lang="en-US" b="0" i="1" smtClean="0">
-                            <a:latin typeface="Cambria Math" panose="02040503050406030204" pitchFamily="18" charset="0"/>
-                          </a:rPr>
-                          <m:t>1</m:t>
-                        </m:r>
-                      </m:num>
-                      <m:den>
-                        <m:r>
-                          <a:rPr lang="en-US" b="0" i="1" smtClean="0">
-                            <a:latin typeface="Cambria Math" panose="02040503050406030204" pitchFamily="18" charset="0"/>
-                          </a:rPr>
-                          <m:t>|</m:t>
-                        </m:r>
-                        <m:r>
-                          <a:rPr lang="en-US" b="0" i="1" smtClean="0">
-                            <a:latin typeface="Cambria Math" panose="02040503050406030204" pitchFamily="18" charset="0"/>
-                          </a:rPr>
-                          <m:t>𝐸</m:t>
-                        </m:r>
-                        <m:r>
-                          <a:rPr lang="en-US" b="0" i="1" smtClean="0">
-                            <a:latin typeface="Cambria Math" panose="02040503050406030204" pitchFamily="18" charset="0"/>
-                          </a:rPr>
-                          <m:t>|</m:t>
-                        </m:r>
-                      </m:den>
-                    </m:f>
-                    <m:nary>
-                      <m:naryPr>
-                        <m:chr m:val="∑"/>
-                        <m:supHide m:val="on"/>
-                        <m:ctrlPr>
-                          <a:rPr lang="en-US" b="0" i="1" smtClean="0">
-                            <a:latin typeface="Cambria Math" panose="02040503050406030204" pitchFamily="18" charset="0"/>
-                          </a:rPr>
-                        </m:ctrlPr>
-                      </m:naryPr>
-                      <m:sub>
-                        <m:d>
-                          <m:dPr>
-                            <m:ctrlPr>
-                              <a:rPr lang="en-US" b="0" i="1" smtClean="0">
-                                <a:latin typeface="Cambria Math" panose="02040503050406030204" pitchFamily="18" charset="0"/>
-                              </a:rPr>
-                            </m:ctrlPr>
-                          </m:dPr>
-                          <m:e>
-                            <m:r>
-                              <m:rPr>
-                                <m:brk m:alnAt="7"/>
-                              </m:rPr>
-                              <a:rPr lang="en-US" b="0" i="1" smtClean="0">
-                                <a:latin typeface="Cambria Math" panose="02040503050406030204" pitchFamily="18" charset="0"/>
-                              </a:rPr>
-                              <m:t>𝑥</m:t>
-                            </m:r>
-                            <m:r>
-                              <a:rPr lang="en-US" b="0" i="1" smtClean="0">
-                                <a:latin typeface="Cambria Math" panose="02040503050406030204" pitchFamily="18" charset="0"/>
-                              </a:rPr>
-                              <m:t>,</m:t>
-                            </m:r>
-                            <m:r>
-                              <a:rPr lang="en-US" b="0" i="1" smtClean="0">
-                                <a:latin typeface="Cambria Math" panose="02040503050406030204" pitchFamily="18" charset="0"/>
-                              </a:rPr>
-                              <m:t>𝑦</m:t>
-                            </m:r>
-                          </m:e>
-                        </m:d>
-                        <m:r>
-                          <a:rPr lang="en-US" b="0" i="1" smtClean="0">
-                            <a:latin typeface="Cambria Math" panose="02040503050406030204" pitchFamily="18" charset="0"/>
-                          </a:rPr>
-                          <m:t>∈</m:t>
-                        </m:r>
-                        <m:r>
-                          <a:rPr lang="en-US" b="0" i="1" smtClean="0">
-                            <a:latin typeface="Cambria Math" panose="02040503050406030204" pitchFamily="18" charset="0"/>
-                          </a:rPr>
-                          <m:t>𝐸</m:t>
-                        </m:r>
-                      </m:sub>
-                      <m:sup/>
-                      <m:e>
-                        <m:r>
-                          <a:rPr lang="en-US" b="0" i="1" smtClean="0">
-                            <a:latin typeface="Cambria Math" panose="02040503050406030204" pitchFamily="18" charset="0"/>
-                          </a:rPr>
-                          <m:t>𝐿</m:t>
-                        </m:r>
-                        <m:r>
-                          <a:rPr lang="en-US" b="0" i="1" smtClean="0">
-                            <a:latin typeface="Cambria Math" panose="02040503050406030204" pitchFamily="18" charset="0"/>
-                          </a:rPr>
-                          <m:t>(</m:t>
-                        </m:r>
-                        <m:r>
-                          <a:rPr lang="en-US" b="0" i="1" smtClean="0">
-                            <a:latin typeface="Cambria Math" panose="02040503050406030204" pitchFamily="18" charset="0"/>
-                          </a:rPr>
-                          <m:t>𝑦</m:t>
-                        </m:r>
-                        <m:r>
-                          <a:rPr lang="en-US" b="0" i="1" smtClean="0">
-                            <a:latin typeface="Cambria Math" panose="02040503050406030204" pitchFamily="18" charset="0"/>
-                          </a:rPr>
-                          <m:t>, </m:t>
-                        </m:r>
-                        <m:r>
-                          <a:rPr lang="en-US" b="0" i="1" smtClean="0">
-                            <a:latin typeface="Cambria Math" panose="02040503050406030204" pitchFamily="18" charset="0"/>
-                          </a:rPr>
-                          <m:t>h</m:t>
-                        </m:r>
-                        <m:d>
-                          <m:dPr>
-                            <m:ctrlPr>
-                              <a:rPr lang="en-US" b="0" i="1" smtClean="0">
-                                <a:latin typeface="Cambria Math" panose="02040503050406030204" pitchFamily="18" charset="0"/>
-                              </a:rPr>
-                            </m:ctrlPr>
-                          </m:dPr>
-                          <m:e>
-                            <m:r>
-                              <a:rPr lang="en-US" b="0" i="1" smtClean="0">
-                                <a:latin typeface="Cambria Math" panose="02040503050406030204" pitchFamily="18" charset="0"/>
-                              </a:rPr>
-                              <m:t>𝑥</m:t>
-                            </m:r>
-                          </m:e>
-                        </m:d>
-                        <m:r>
-                          <a:rPr lang="en-US" b="0" i="1" smtClean="0">
-                            <a:latin typeface="Cambria Math" panose="02040503050406030204" pitchFamily="18" charset="0"/>
-                          </a:rPr>
-                          <m:t>)</m:t>
-                        </m:r>
-                      </m:e>
-                    </m:nary>
-                  </m:oMath>
-                </a14:m>
-                <a:endParaRPr lang="en-US" dirty="0"/>
-              </a:p>
-              <a:p>
-                <a:endParaRPr lang="en-US" dirty="0"/>
-              </a:p>
-              <a:p>
-                <a:r>
-                  <a:rPr lang="en-US" dirty="0"/>
-                  <a:t>Find the best hypothesis that minimizes the loss</a:t>
-                </a:r>
-              </a:p>
-              <a:p>
-                <a:pPr marL="0" indent="0">
-                  <a:buNone/>
-                </a:pPr>
-                <a14:m>
-                  <m:oMathPara xmlns:m="http://schemas.openxmlformats.org/officeDocument/2006/math">
-                    <m:oMathParaPr>
-                      <m:jc m:val="center"/>
-                    </m:oMathParaPr>
-                    <m:oMath xmlns:m="http://schemas.openxmlformats.org/officeDocument/2006/math">
-                      <m:sSup>
-                        <m:sSupPr>
-                          <m:ctrlPr>
-                            <a:rPr lang="en-US" b="0" i="1" dirty="0" smtClean="0">
-                              <a:latin typeface="Cambria Math" panose="02040503050406030204" pitchFamily="18" charset="0"/>
-                            </a:rPr>
-                          </m:ctrlPr>
-                        </m:sSupPr>
-                        <m:e>
-                          <m:r>
-                            <a:rPr lang="en-US" b="0" i="1" smtClean="0">
-                              <a:latin typeface="Cambria Math" panose="02040503050406030204" pitchFamily="18" charset="0"/>
-                            </a:rPr>
-                            <m:t>h</m:t>
-                          </m:r>
-                        </m:e>
-                        <m:sup>
-                          <m:r>
-                            <a:rPr lang="en-US" b="0" i="1" dirty="0" smtClean="0">
-                              <a:latin typeface="Cambria Math" panose="02040503050406030204" pitchFamily="18" charset="0"/>
-                            </a:rPr>
-                            <m:t>∗</m:t>
-                          </m:r>
-                        </m:sup>
-                      </m:sSup>
-                      <m:r>
-                        <a:rPr lang="en-US" b="0" i="1" dirty="0" smtClean="0">
-                          <a:latin typeface="Cambria Math" panose="02040503050406030204" pitchFamily="18" charset="0"/>
-                        </a:rPr>
-                        <m:t>=</m:t>
-                      </m:r>
-                      <m:func>
-                        <m:funcPr>
-                          <m:ctrlPr>
-                            <a:rPr lang="en-US" b="0" i="1" dirty="0" smtClean="0">
-                              <a:latin typeface="Cambria Math" panose="02040503050406030204" pitchFamily="18" charset="0"/>
-                            </a:rPr>
-                          </m:ctrlPr>
-                        </m:funcPr>
-                        <m:fName>
-                          <m:limLow>
-                            <m:limLowPr>
-                              <m:ctrlPr>
-                                <a:rPr lang="en-US" b="0" i="1" dirty="0" smtClean="0">
-                                  <a:latin typeface="Cambria Math" panose="02040503050406030204" pitchFamily="18" charset="0"/>
-                                </a:rPr>
-                              </m:ctrlPr>
-                            </m:limLowPr>
-                            <m:e>
-                              <m:r>
-                                <m:rPr>
-                                  <m:sty m:val="p"/>
-                                </m:rPr>
-                                <a:rPr lang="en-US" b="0" i="0" dirty="0" smtClean="0">
-                                  <a:latin typeface="Cambria Math" panose="02040503050406030204" pitchFamily="18" charset="0"/>
-                                </a:rPr>
-                                <m:t>argmin</m:t>
-                              </m:r>
-                            </m:e>
-                            <m:lim>
-                              <m:r>
-                                <a:rPr lang="en-US" b="0" i="1" dirty="0" smtClean="0">
-                                  <a:latin typeface="Cambria Math" panose="02040503050406030204" pitchFamily="18" charset="0"/>
-                                </a:rPr>
-                                <m:t>h</m:t>
-                              </m:r>
-                              <m:r>
-                                <a:rPr lang="en-US" b="0" i="1" dirty="0" smtClean="0">
-                                  <a:latin typeface="Cambria Math" panose="02040503050406030204" pitchFamily="18" charset="0"/>
-                                </a:rPr>
-                                <m:t>∈ </m:t>
-                              </m:r>
-                              <m:r>
-                                <a:rPr lang="en-US" b="0" i="1" dirty="0" smtClean="0">
-                                  <a:latin typeface="Cambria Math" panose="02040503050406030204" pitchFamily="18" charset="0"/>
-                                </a:rPr>
-                                <m:t>𝐻</m:t>
-                              </m:r>
-                            </m:lim>
-                          </m:limLow>
-                        </m:fName>
-                        <m:e>
-                          <m:r>
-                            <a:rPr lang="en-US" b="0" i="1" smtClean="0">
-                              <a:latin typeface="Cambria Math" panose="02040503050406030204" pitchFamily="18" charset="0"/>
-                            </a:rPr>
-                            <m:t>𝐸𝑚𝑝𝐿𝑜𝑠</m:t>
-                          </m:r>
-                          <m:sSub>
-                            <m:sSubPr>
-                              <m:ctrlPr>
-                                <a:rPr lang="en-US" b="0" i="1" smtClean="0">
-                                  <a:latin typeface="Cambria Math" panose="02040503050406030204" pitchFamily="18" charset="0"/>
-                                </a:rPr>
-                              </m:ctrlPr>
-                            </m:sSubPr>
-                            <m:e>
-                              <m:r>
-                                <a:rPr lang="en-US" b="0" i="1" smtClean="0">
-                                  <a:latin typeface="Cambria Math" panose="02040503050406030204" pitchFamily="18" charset="0"/>
-                                </a:rPr>
-                                <m:t>𝑠</m:t>
-                              </m:r>
-                            </m:e>
-                            <m:sub>
-                              <m:r>
-                                <a:rPr lang="en-US" b="0" i="1" smtClean="0">
-                                  <a:latin typeface="Cambria Math" panose="02040503050406030204" pitchFamily="18" charset="0"/>
-                                </a:rPr>
-                                <m:t>𝐿</m:t>
-                              </m:r>
-                              <m:r>
-                                <a:rPr lang="en-US" b="0" i="1" smtClean="0">
-                                  <a:latin typeface="Cambria Math" panose="02040503050406030204" pitchFamily="18" charset="0"/>
-                                </a:rPr>
-                                <m:t>,</m:t>
-                              </m:r>
-                              <m:r>
-                                <a:rPr lang="en-US" b="0" i="1" smtClean="0">
-                                  <a:latin typeface="Cambria Math" panose="02040503050406030204" pitchFamily="18" charset="0"/>
-                                </a:rPr>
-                                <m:t>𝐸</m:t>
-                              </m:r>
-                            </m:sub>
-                          </m:sSub>
-                          <m:r>
-                            <a:rPr lang="en-US" b="0" i="1" smtClean="0">
-                              <a:latin typeface="Cambria Math" panose="02040503050406030204" pitchFamily="18" charset="0"/>
-                            </a:rPr>
-                            <m:t>(</m:t>
-                          </m:r>
-                          <m:r>
-                            <a:rPr lang="en-US" b="0" i="1" smtClean="0">
-                              <a:latin typeface="Cambria Math" panose="02040503050406030204" pitchFamily="18" charset="0"/>
-                            </a:rPr>
-                            <m:t>h</m:t>
-                          </m:r>
-                          <m:r>
-                            <a:rPr lang="en-US" b="0" i="1" smtClean="0">
-                              <a:latin typeface="Cambria Math" panose="02040503050406030204" pitchFamily="18" charset="0"/>
-                            </a:rPr>
-                            <m:t>)</m:t>
-                          </m:r>
-                        </m:e>
-                      </m:func>
-                    </m:oMath>
-                  </m:oMathPara>
-                </a14:m>
-                <a:endParaRPr lang="en-US" dirty="0"/>
-              </a:p>
-              <a:p>
-                <a:pPr marL="0" indent="0">
-                  <a:buNone/>
-                </a:pPr>
-                <a:endParaRPr lang="en-US" dirty="0"/>
-              </a:p>
-              <a:p>
-                <a:r>
-                  <a:rPr lang="en-US" dirty="0"/>
-                  <a:t>Reasons for </a:t>
-                </a:r>
-                <a14:m>
-                  <m:oMath xmlns:m="http://schemas.openxmlformats.org/officeDocument/2006/math">
-                    <m:sSup>
-                      <m:sSupPr>
-                        <m:ctrlPr>
-                          <a:rPr lang="en-US" b="0" i="1" dirty="0" smtClean="0">
-                            <a:latin typeface="Cambria Math" panose="02040503050406030204" pitchFamily="18" charset="0"/>
-                          </a:rPr>
-                        </m:ctrlPr>
-                      </m:sSupPr>
-                      <m:e>
-                        <m:r>
-                          <a:rPr lang="en-US" b="0" i="1" smtClean="0">
-                            <a:latin typeface="Cambria Math" panose="02040503050406030204" pitchFamily="18" charset="0"/>
-                          </a:rPr>
-                          <m:t>h</m:t>
-                        </m:r>
-                      </m:e>
-                      <m:sup>
-                        <m:r>
-                          <a:rPr lang="en-US" b="0" i="1" dirty="0" smtClean="0">
-                            <a:latin typeface="Cambria Math" panose="02040503050406030204" pitchFamily="18" charset="0"/>
-                          </a:rPr>
-                          <m:t>∗</m:t>
-                        </m:r>
-                      </m:sup>
-                    </m:sSup>
-                    <m:r>
-                      <a:rPr lang="en-US" b="0" i="1" dirty="0" smtClean="0">
-                        <a:latin typeface="Cambria Math" panose="02040503050406030204" pitchFamily="18" charset="0"/>
-                        <a:ea typeface="Cambria Math" panose="02040503050406030204" pitchFamily="18" charset="0"/>
-                      </a:rPr>
-                      <m:t>≠</m:t>
-                    </m:r>
-                    <m:r>
-                      <a:rPr lang="en-US" b="0" i="1" dirty="0" smtClean="0">
-                        <a:latin typeface="Cambria Math" panose="02040503050406030204" pitchFamily="18" charset="0"/>
-                        <a:ea typeface="Cambria Math" panose="02040503050406030204" pitchFamily="18" charset="0"/>
-                      </a:rPr>
-                      <m:t>𝑓</m:t>
-                    </m:r>
-                  </m:oMath>
-                </a14:m>
-                <a:endParaRPr lang="en-US" b="0" dirty="0">
-                  <a:ea typeface="Cambria Math" panose="02040503050406030204" pitchFamily="18" charset="0"/>
-                </a:endParaRPr>
-              </a:p>
-              <a:p>
-                <a:pPr marL="914400" lvl="1" indent="-457200">
-                  <a:buFont typeface="+mj-lt"/>
-                  <a:buAutoNum type="alphaLcParenR"/>
-                </a:pPr>
-                <a:r>
-                  <a:rPr lang="en-US" dirty="0"/>
-                  <a:t>Realizability: </a:t>
-                </a:r>
-                <a14:m>
-                  <m:oMath xmlns:m="http://schemas.openxmlformats.org/officeDocument/2006/math">
-                    <m:r>
-                      <a:rPr lang="en-US" b="0" i="1" dirty="0" smtClean="0">
-                        <a:latin typeface="Cambria Math" panose="02040503050406030204" pitchFamily="18" charset="0"/>
-                      </a:rPr>
-                      <m:t>𝑓</m:t>
-                    </m:r>
-                    <m:r>
-                      <a:rPr lang="en-US" b="0" i="1" dirty="0" smtClean="0">
-                        <a:latin typeface="Cambria Math" panose="02040503050406030204" pitchFamily="18" charset="0"/>
-                        <a:ea typeface="Cambria Math" panose="02040503050406030204" pitchFamily="18" charset="0"/>
-                      </a:rPr>
-                      <m:t>∉</m:t>
-                    </m:r>
-                    <m:r>
-                      <a:rPr lang="en-US" b="0" i="1" dirty="0" smtClean="0">
-                        <a:latin typeface="Cambria Math" panose="02040503050406030204" pitchFamily="18" charset="0"/>
-                        <a:ea typeface="Cambria Math" panose="02040503050406030204" pitchFamily="18" charset="0"/>
-                      </a:rPr>
-                      <m:t>𝐻</m:t>
-                    </m:r>
-                  </m:oMath>
-                </a14:m>
-                <a:endParaRPr lang="en-US" b="0" dirty="0">
-                  <a:ea typeface="Cambria Math" panose="02040503050406030204" pitchFamily="18" charset="0"/>
-                </a:endParaRPr>
-              </a:p>
-              <a:p>
-                <a:pPr marL="914400" lvl="1" indent="-457200">
-                  <a:buFont typeface="+mj-lt"/>
-                  <a:buAutoNum type="alphaLcParenR"/>
-                </a:pPr>
-                <a:r>
-                  <a:rPr lang="en-US" dirty="0">
-                    <a:ea typeface="Cambria Math" panose="02040503050406030204" pitchFamily="18" charset="0"/>
-                  </a:rPr>
-                  <a:t> </a:t>
-                </a:r>
-                <a14:m>
-                  <m:oMath xmlns:m="http://schemas.openxmlformats.org/officeDocument/2006/math">
-                    <m:r>
-                      <a:rPr lang="en-US" b="0" i="1" dirty="0" smtClean="0">
-                        <a:latin typeface="Cambria Math" panose="02040503050406030204" pitchFamily="18" charset="0"/>
-                        <a:ea typeface="Cambria Math" panose="02040503050406030204" pitchFamily="18" charset="0"/>
-                      </a:rPr>
-                      <m:t>𝑓</m:t>
-                    </m:r>
-                  </m:oMath>
-                </a14:m>
-                <a:r>
-                  <a:rPr lang="en-US" dirty="0"/>
-                  <a:t> is nondeterministic or examples are noisy.</a:t>
-                </a:r>
-              </a:p>
-              <a:p>
-                <a:pPr marL="914400" lvl="1" indent="-457200">
-                  <a:buFont typeface="+mj-lt"/>
-                  <a:buAutoNum type="alphaLcParenR"/>
-                </a:pPr>
-                <a:r>
-                  <a:rPr lang="en-US" dirty="0"/>
-                  <a:t>It is computationally intractable to search all </a:t>
-                </a:r>
-                <a14:m>
-                  <m:oMath xmlns:m="http://schemas.openxmlformats.org/officeDocument/2006/math">
-                    <m:r>
-                      <a:rPr lang="en-US" b="0" i="1" dirty="0" smtClean="0">
-                        <a:latin typeface="Cambria Math" panose="02040503050406030204" pitchFamily="18" charset="0"/>
-                        <a:ea typeface="Cambria Math" panose="02040503050406030204" pitchFamily="18" charset="0"/>
-                      </a:rPr>
-                      <m:t>𝐻</m:t>
-                    </m:r>
-                  </m:oMath>
-                </a14:m>
-                <a:r>
-                  <a:rPr lang="en-US" dirty="0"/>
-                  <a:t>, </a:t>
-                </a:r>
-                <a:br>
-                  <a:rPr lang="en-US" dirty="0"/>
-                </a:br>
-                <a:r>
-                  <a:rPr lang="en-US" dirty="0"/>
-                  <a:t>so we use a non-optimal heuristic. </a:t>
-                </a:r>
-              </a:p>
-              <a:p>
-                <a:endParaRPr lang="en-US" dirty="0"/>
-              </a:p>
-            </p:txBody>
-          </p:sp>
-        </mc:Choice>
-        <mc:Fallback xmlns="">
-          <p:sp>
-            <p:nvSpPr>
-              <p:cNvPr id="3" name="Content Placeholder 2">
-                <a:extLst>
-                  <a:ext uri="{FF2B5EF4-FFF2-40B4-BE49-F238E27FC236}">
-                    <a16:creationId xmlns:a16="http://schemas.microsoft.com/office/drawing/2014/main" id="{9BE1CDDD-17A2-49AA-878D-47EFE49513D8}"/>
-                  </a:ext>
-                </a:extLst>
-              </p:cNvPr>
-              <p:cNvSpPr>
-                <a:spLocks noGrp="1" noRot="1" noChangeAspect="1" noMove="1" noResize="1" noEditPoints="1" noAdjustHandles="1" noChangeArrowheads="1" noChangeShapeType="1" noTextEdit="1"/>
-              </p:cNvSpPr>
-              <p:nvPr>
-                <p:ph idx="1"/>
-              </p:nvPr>
-            </p:nvSpPr>
-            <p:spPr>
-              <a:blipFill>
-                <a:blip r:embed="rId4"/>
-                <a:stretch>
-                  <a:fillRect l="-928" t="-30812" b="-3221"/>
-                </a:stretch>
-              </a:blipFill>
-            </p:spPr>
-            <p:txBody>
-              <a:bodyPr/>
-              <a:lstStyle/>
-              <a:p>
-                <a:r>
-                  <a:rPr lang="en-US">
-                    <a:noFill/>
-                  </a:rPr>
-                  <a:t> </a:t>
-                </a:r>
-              </a:p>
-            </p:txBody>
-          </p:sp>
-        </mc:Fallback>
-      </mc:AlternateContent>
-      <p:grpSp>
-        <p:nvGrpSpPr>
-          <p:cNvPr id="22" name="Group 21">
-            <a:extLst>
-              <a:ext uri="{FF2B5EF4-FFF2-40B4-BE49-F238E27FC236}">
-                <a16:creationId xmlns:a16="http://schemas.microsoft.com/office/drawing/2014/main" id="{69B2F9E5-A1AA-477E-A7A5-38ECCBCEE21B}"/>
-              </a:ext>
-            </a:extLst>
-          </p:cNvPr>
-          <p:cNvGrpSpPr/>
-          <p:nvPr/>
-        </p:nvGrpSpPr>
-        <p:grpSpPr>
-          <a:xfrm>
-            <a:off x="8795657" y="4085927"/>
-            <a:ext cx="3352800" cy="2671988"/>
-            <a:chOff x="8795657" y="4085927"/>
-            <a:chExt cx="3352800" cy="2671988"/>
-          </a:xfrm>
-        </p:grpSpPr>
-        <p:sp>
-          <p:nvSpPr>
-            <p:cNvPr id="23" name="Oval 22">
-              <a:extLst>
-                <a:ext uri="{FF2B5EF4-FFF2-40B4-BE49-F238E27FC236}">
-                  <a16:creationId xmlns:a16="http://schemas.microsoft.com/office/drawing/2014/main" id="{22116AE6-B46E-4695-A894-0CCFD699B218}"/>
-                </a:ext>
-              </a:extLst>
-            </p:cNvPr>
-            <p:cNvSpPr/>
-            <p:nvPr/>
-          </p:nvSpPr>
-          <p:spPr>
-            <a:xfrm>
-              <a:off x="8795657" y="4243315"/>
-              <a:ext cx="3352800" cy="2514600"/>
-            </a:xfrm>
-            <a:prstGeom prst="ellipse">
-              <a:avLst/>
-            </a:prstGeom>
-          </p:spPr>
-          <p:style>
-            <a:lnRef idx="1">
-              <a:schemeClr val="accent3"/>
-            </a:lnRef>
-            <a:fillRef idx="2">
-              <a:schemeClr val="accent3"/>
-            </a:fillRef>
-            <a:effectRef idx="1">
-              <a:schemeClr val="accent3"/>
-            </a:effectRef>
-            <a:fontRef idx="minor">
-              <a:schemeClr val="dk1"/>
-            </a:fontRef>
-          </p:style>
-          <p:txBody>
-            <a:bodyPr rtlCol="0" anchor="ctr"/>
-            <a:lstStyle/>
-            <a:p>
-              <a:pPr algn="ctr"/>
-              <a:endParaRPr lang="en-US"/>
-            </a:p>
-          </p:txBody>
-        </p:sp>
-        <p:sp>
-          <p:nvSpPr>
-            <p:cNvPr id="24" name="Freeform 5">
-              <a:extLst>
-                <a:ext uri="{FF2B5EF4-FFF2-40B4-BE49-F238E27FC236}">
-                  <a16:creationId xmlns:a16="http://schemas.microsoft.com/office/drawing/2014/main" id="{B94E2309-F337-45D4-BF03-7E28296EC949}"/>
-                </a:ext>
-              </a:extLst>
-            </p:cNvPr>
-            <p:cNvSpPr>
-              <a:spLocks/>
-            </p:cNvSpPr>
-            <p:nvPr/>
-          </p:nvSpPr>
-          <p:spPr bwMode="auto">
-            <a:xfrm>
-              <a:off x="9090422" y="4914900"/>
-              <a:ext cx="2947987" cy="1409700"/>
-            </a:xfrm>
-            <a:custGeom>
-              <a:avLst/>
-              <a:gdLst>
-                <a:gd name="T0" fmla="*/ 213 w 1857"/>
-                <a:gd name="T1" fmla="*/ 128 h 888"/>
-                <a:gd name="T2" fmla="*/ 80 w 1857"/>
-                <a:gd name="T3" fmla="*/ 475 h 888"/>
-                <a:gd name="T4" fmla="*/ 692 w 1857"/>
-                <a:gd name="T5" fmla="*/ 852 h 888"/>
-                <a:gd name="T6" fmla="*/ 1013 w 1857"/>
-                <a:gd name="T7" fmla="*/ 689 h 888"/>
-                <a:gd name="T8" fmla="*/ 1451 w 1857"/>
-                <a:gd name="T9" fmla="*/ 638 h 888"/>
-                <a:gd name="T10" fmla="*/ 1752 w 1857"/>
-                <a:gd name="T11" fmla="*/ 592 h 888"/>
-                <a:gd name="T12" fmla="*/ 1818 w 1857"/>
-                <a:gd name="T13" fmla="*/ 306 h 888"/>
-                <a:gd name="T14" fmla="*/ 1517 w 1857"/>
-                <a:gd name="T15" fmla="*/ 92 h 888"/>
-                <a:gd name="T16" fmla="*/ 998 w 1857"/>
-                <a:gd name="T17" fmla="*/ 6 h 888"/>
-                <a:gd name="T18" fmla="*/ 213 w 1857"/>
-                <a:gd name="T19" fmla="*/ 128 h 888"/>
-              </a:gdLst>
-              <a:ahLst/>
-              <a:cxnLst>
-                <a:cxn ang="0">
-                  <a:pos x="T0" y="T1"/>
-                </a:cxn>
-                <a:cxn ang="0">
-                  <a:pos x="T2" y="T3"/>
-                </a:cxn>
-                <a:cxn ang="0">
-                  <a:pos x="T4" y="T5"/>
-                </a:cxn>
-                <a:cxn ang="0">
-                  <a:pos x="T6" y="T7"/>
-                </a:cxn>
-                <a:cxn ang="0">
-                  <a:pos x="T8" y="T9"/>
-                </a:cxn>
-                <a:cxn ang="0">
-                  <a:pos x="T10" y="T11"/>
-                </a:cxn>
-                <a:cxn ang="0">
-                  <a:pos x="T12" y="T13"/>
-                </a:cxn>
-                <a:cxn ang="0">
-                  <a:pos x="T14" y="T15"/>
-                </a:cxn>
-                <a:cxn ang="0">
-                  <a:pos x="T16" y="T17"/>
-                </a:cxn>
-                <a:cxn ang="0">
-                  <a:pos x="T18" y="T19"/>
-                </a:cxn>
-              </a:cxnLst>
-              <a:rect l="0" t="0" r="r" b="b"/>
-              <a:pathLst>
-                <a:path w="1857" h="888">
-                  <a:moveTo>
-                    <a:pt x="213" y="128"/>
-                  </a:moveTo>
-                  <a:cubicBezTo>
-                    <a:pt x="60" y="206"/>
-                    <a:pt x="0" y="354"/>
-                    <a:pt x="80" y="475"/>
-                  </a:cubicBezTo>
-                  <a:cubicBezTo>
-                    <a:pt x="160" y="596"/>
-                    <a:pt x="537" y="816"/>
-                    <a:pt x="692" y="852"/>
-                  </a:cubicBezTo>
-                  <a:cubicBezTo>
-                    <a:pt x="847" y="888"/>
-                    <a:pt x="887" y="725"/>
-                    <a:pt x="1013" y="689"/>
-                  </a:cubicBezTo>
-                  <a:cubicBezTo>
-                    <a:pt x="1139" y="653"/>
-                    <a:pt x="1328" y="654"/>
-                    <a:pt x="1451" y="638"/>
-                  </a:cubicBezTo>
-                  <a:cubicBezTo>
-                    <a:pt x="1574" y="622"/>
-                    <a:pt x="1691" y="647"/>
-                    <a:pt x="1752" y="592"/>
-                  </a:cubicBezTo>
-                  <a:cubicBezTo>
-                    <a:pt x="1813" y="537"/>
-                    <a:pt x="1857" y="389"/>
-                    <a:pt x="1818" y="306"/>
-                  </a:cubicBezTo>
-                  <a:cubicBezTo>
-                    <a:pt x="1779" y="223"/>
-                    <a:pt x="1654" y="142"/>
-                    <a:pt x="1517" y="92"/>
-                  </a:cubicBezTo>
-                  <a:cubicBezTo>
-                    <a:pt x="1380" y="42"/>
-                    <a:pt x="1215" y="0"/>
-                    <a:pt x="998" y="6"/>
-                  </a:cubicBezTo>
-                  <a:cubicBezTo>
-                    <a:pt x="781" y="12"/>
-                    <a:pt x="366" y="50"/>
-                    <a:pt x="213" y="128"/>
-                  </a:cubicBezTo>
-                  <a:close/>
-                </a:path>
-              </a:pathLst>
-            </a:custGeom>
-            <a:ln>
-              <a:headEnd/>
-              <a:tailEnd/>
-            </a:ln>
-            <a:extLst>
-              <a:ext uri="{AF507438-7753-43e0-B8FC-AC1667EBCBE1}">
-                <a14:hiddenEffects xmlns:a14="http://schemas.microsoft.com/office/drawing/2010/main" xmlns="">
-                  <a:effectLst>
-                    <a:outerShdw dist="35921" dir="2700000" algn="ctr" rotWithShape="0">
-                      <a:schemeClr val="bg2"/>
-                    </a:outerShdw>
-                  </a:effectLst>
-                </a14:hiddenEffects>
-              </a:ext>
-            </a:extLst>
-          </p:spPr>
-          <p:style>
-            <a:lnRef idx="2">
-              <a:schemeClr val="accent5">
-                <a:shade val="50000"/>
-              </a:schemeClr>
-            </a:lnRef>
-            <a:fillRef idx="1">
-              <a:schemeClr val="accent5"/>
-            </a:fillRef>
-            <a:effectRef idx="0">
-              <a:schemeClr val="accent5"/>
-            </a:effectRef>
-            <a:fontRef idx="minor">
-              <a:schemeClr val="lt1"/>
-            </a:fontRef>
-          </p:style>
-          <p:txBody>
-            <a:bodyPr/>
-            <a:lstStyle/>
-            <a:p>
-              <a:endParaRPr lang="en-US"/>
-            </a:p>
-          </p:txBody>
-        </p:sp>
-        <p:sp>
-          <p:nvSpPr>
-            <p:cNvPr id="25" name="Oval 24">
-              <a:extLst>
-                <a:ext uri="{FF2B5EF4-FFF2-40B4-BE49-F238E27FC236}">
-                  <a16:creationId xmlns:a16="http://schemas.microsoft.com/office/drawing/2014/main" id="{94BAF3D2-D446-46FB-98F1-0B8EBE3E3F3B}"/>
-                </a:ext>
-              </a:extLst>
-            </p:cNvPr>
-            <p:cNvSpPr>
-              <a:spLocks noChangeArrowheads="1"/>
-            </p:cNvSpPr>
-            <p:nvPr/>
-          </p:nvSpPr>
-          <p:spPr bwMode="auto">
-            <a:xfrm>
-              <a:off x="10479484" y="4875213"/>
-              <a:ext cx="112713" cy="112712"/>
-            </a:xfrm>
-            <a:prstGeom prst="ellipse">
-              <a:avLst/>
-            </a:prstGeom>
-            <a:solidFill>
-              <a:srgbClr val="000000"/>
-            </a:solidFill>
-            <a:ln w="9525">
-              <a:solidFill>
-                <a:schemeClr val="tx1"/>
-              </a:solidFill>
-              <a:round/>
-              <a:headEnd/>
-              <a:tailEnd/>
-            </a:ln>
-            <a:effectLst/>
-            <a:extLst>
-              <a:ext uri="{AF507438-7753-43e0-B8FC-AC1667EBCBE1}">
-                <a14:hiddenEffects xmlns:a14="http://schemas.microsoft.com/office/drawing/2010/main" xmlns="">
-                  <a:effectLst>
-                    <a:outerShdw dist="35921" dir="2700000" algn="ctr" rotWithShape="0">
-                      <a:schemeClr val="bg2"/>
-                    </a:outerShdw>
-                  </a:effectLst>
-                </a14:hiddenEffects>
-              </a:ext>
-            </a:extLst>
-          </p:spPr>
-          <p:txBody>
-            <a:bodyPr wrap="none" anchor="ctr"/>
-            <a:lstStyle/>
-            <a:p>
-              <a:endParaRPr lang="en-US"/>
-            </a:p>
-          </p:txBody>
-        </p:sp>
-        <p:sp>
-          <p:nvSpPr>
-            <p:cNvPr id="26" name="Oval 25">
-              <a:extLst>
-                <a:ext uri="{FF2B5EF4-FFF2-40B4-BE49-F238E27FC236}">
-                  <a16:creationId xmlns:a16="http://schemas.microsoft.com/office/drawing/2014/main" id="{43C5540B-019A-4893-B64E-2EF3BC98C1EE}"/>
-                </a:ext>
-              </a:extLst>
-            </p:cNvPr>
-            <p:cNvSpPr>
-              <a:spLocks noChangeArrowheads="1"/>
-            </p:cNvSpPr>
-            <p:nvPr/>
-          </p:nvSpPr>
-          <p:spPr bwMode="auto">
-            <a:xfrm>
-              <a:off x="10479484" y="4421188"/>
-              <a:ext cx="112713" cy="112712"/>
-            </a:xfrm>
-            <a:prstGeom prst="ellipse">
-              <a:avLst/>
-            </a:prstGeom>
-            <a:solidFill>
-              <a:srgbClr val="000000"/>
-            </a:solidFill>
-            <a:ln w="9525">
-              <a:solidFill>
-                <a:schemeClr val="tx1"/>
-              </a:solidFill>
-              <a:round/>
-              <a:headEnd/>
-              <a:tailEnd/>
-            </a:ln>
-            <a:effectLst/>
-            <a:extLst>
-              <a:ext uri="{AF507438-7753-43e0-B8FC-AC1667EBCBE1}">
-                <a14:hiddenEffects xmlns:a14="http://schemas.microsoft.com/office/drawing/2010/main" xmlns="">
-                  <a:effectLst>
-                    <a:outerShdw dist="35921" dir="2700000" algn="ctr" rotWithShape="0">
-                      <a:schemeClr val="bg2"/>
-                    </a:outerShdw>
-                  </a:effectLst>
-                </a14:hiddenEffects>
-              </a:ext>
-            </a:extLst>
-          </p:spPr>
-          <p:txBody>
-            <a:bodyPr wrap="none" anchor="ctr"/>
-            <a:lstStyle/>
-            <a:p>
-              <a:endParaRPr lang="en-US"/>
-            </a:p>
-          </p:txBody>
-        </p:sp>
-        <p:sp>
-          <p:nvSpPr>
-            <p:cNvPr id="27" name="Line 11">
-              <a:extLst>
-                <a:ext uri="{FF2B5EF4-FFF2-40B4-BE49-F238E27FC236}">
-                  <a16:creationId xmlns:a16="http://schemas.microsoft.com/office/drawing/2014/main" id="{3F391002-205A-452C-865F-05E7F96E4587}"/>
-                </a:ext>
-              </a:extLst>
-            </p:cNvPr>
-            <p:cNvSpPr>
-              <a:spLocks noChangeShapeType="1"/>
-            </p:cNvSpPr>
-            <p:nvPr/>
-          </p:nvSpPr>
-          <p:spPr bwMode="auto">
-            <a:xfrm>
-              <a:off x="10536634" y="4470400"/>
-              <a:ext cx="0" cy="428625"/>
-            </a:xfrm>
-            <a:prstGeom prst="line">
-              <a:avLst/>
-            </a:prstGeom>
-            <a:noFill/>
-            <a:ln w="25400">
-              <a:solidFill>
-                <a:schemeClr val="tx1"/>
-              </a:solidFill>
-              <a:prstDash val="dash"/>
-              <a:round/>
-              <a:headEnd/>
-              <a:tailEnd/>
-            </a:ln>
-            <a:effectLst/>
-            <a:extLst>
-              <a:ext uri="{909E8E84-426E-40dd-AFC4-6F175D3DCCD1}">
-                <a14:hiddenFill xmlns:a14="http://schemas.microsoft.com/office/drawing/2010/main" xmlns="">
-                  <a:noFill/>
-                </a14:hiddenFill>
-              </a:ext>
-              <a:ext uri="{AF507438-7753-43e0-B8FC-AC1667EBCBE1}">
-                <a14:hiddenEffects xmlns:a14="http://schemas.microsoft.com/office/drawing/2010/main" xmlns="">
-                  <a:effectLst>
-                    <a:outerShdw dist="35921" dir="2700000" algn="ctr" rotWithShape="0">
-                      <a:schemeClr val="bg2"/>
-                    </a:outerShdw>
-                  </a:effectLst>
-                </a14:hiddenEffects>
-              </a:ext>
-            </a:extLst>
-          </p:spPr>
-          <p:txBody>
-            <a:bodyPr/>
-            <a:lstStyle/>
-            <a:p>
-              <a:endParaRPr lang="en-US"/>
-            </a:p>
-          </p:txBody>
-        </p:sp>
-        <p:pic>
-          <p:nvPicPr>
-            <p:cNvPr id="28" name="Picture 13" descr="txp_fig">
-              <a:extLst>
-                <a:ext uri="{FF2B5EF4-FFF2-40B4-BE49-F238E27FC236}">
-                  <a16:creationId xmlns:a16="http://schemas.microsoft.com/office/drawing/2014/main" id="{8D571DFA-268A-42D3-9919-C561BF51B851}"/>
-                </a:ext>
-              </a:extLst>
-            </p:cNvPr>
-            <p:cNvPicPr>
-              <a:picLocks noChangeAspect="1" noChangeArrowheads="1"/>
-            </p:cNvPicPr>
-            <p:nvPr>
-              <p:custDataLst>
-                <p:tags r:id="rId1"/>
-              </p:custDataLst>
-            </p:nvPr>
-          </p:nvPicPr>
-          <p:blipFill>
-            <a:blip r:embed="rId5" cstate="print">
-              <a:clrChange>
-                <a:clrFrom>
-                  <a:srgbClr val="FFFFFF"/>
-                </a:clrFrom>
-                <a:clrTo>
-                  <a:srgbClr val="FFFFFF">
-                    <a:alpha val="0"/>
-                  </a:srgbClr>
-                </a:clrTo>
-              </a:clrChange>
-              <a:extLst>
-                <a:ext uri="{28A0092B-C50C-407E-A947-70E740481C1C}">
-                  <a14:useLocalDpi xmlns:a14="http://schemas.microsoft.com/office/drawing/2010/main" val="0"/>
-                </a:ext>
-              </a:extLst>
-            </a:blip>
-            <a:srcRect/>
-            <a:stretch>
-              <a:fillRect/>
-            </a:stretch>
-          </p:blipFill>
-          <p:spPr bwMode="auto">
-            <a:xfrm>
-              <a:off x="9895284" y="5681663"/>
-              <a:ext cx="303213" cy="236537"/>
-            </a:xfrm>
-            <a:prstGeom prst="rect">
-              <a:avLst/>
-            </a:prstGeom>
-            <a:noFill/>
-            <a:ln>
-              <a:noFill/>
-            </a:ln>
-            <a:effectLst/>
-            <a:extLst>
-              <a:ext uri="{909E8E84-426E-40dd-AFC4-6F175D3DCCD1}">
-                <a14:hiddenFill xmlns:a14="http://schemas.microsoft.com/office/drawing/2010/main" xmlns="">
-                  <a:solidFill>
-                    <a:schemeClr val="accent1"/>
-                  </a:solidFill>
-                </a14:hiddenFill>
-              </a:ext>
-              <a:ext uri="{91240B29-F687-4f45-9708-019B960494DF}">
-                <a14:hiddenLine xmlns:a14="http://schemas.microsoft.com/office/drawing/2010/main" xmlns="" w="9525">
-                  <a:solidFill>
-                    <a:schemeClr val="tx1"/>
-                  </a:solidFill>
-                  <a:miter lim="800000"/>
-                  <a:headEnd/>
-                  <a:tailEnd/>
-                </a14:hiddenLine>
-              </a:ext>
-              <a:ext uri="{AF507438-7753-43e0-B8FC-AC1667EBCBE1}">
-                <a14:hiddenEffects xmlns:a14="http://schemas.microsoft.com/office/drawing/2010/main" xmlns="">
-                  <a:effectLst>
-                    <a:outerShdw dist="35921" dir="2700000" algn="ctr" rotWithShape="0">
-                      <a:schemeClr val="bg2"/>
-                    </a:outerShdw>
-                  </a:effectLst>
-                </a14:hiddenEffects>
-              </a:ext>
-            </a:extLst>
-          </p:spPr>
-        </p:pic>
-        <mc:AlternateContent xmlns:mc="http://schemas.openxmlformats.org/markup-compatibility/2006" xmlns:a14="http://schemas.microsoft.com/office/drawing/2010/main">
-          <mc:Choice Requires="a14">
-            <p:sp>
-              <p:nvSpPr>
-                <p:cNvPr id="29" name="TextBox 28">
-                  <a:extLst>
-                    <a:ext uri="{FF2B5EF4-FFF2-40B4-BE49-F238E27FC236}">
-                      <a16:creationId xmlns:a16="http://schemas.microsoft.com/office/drawing/2014/main" id="{DC806DC7-7620-4939-A62F-E35D53161F97}"/>
-                    </a:ext>
-                  </a:extLst>
-                </p:cNvPr>
-                <p:cNvSpPr txBox="1"/>
-                <p:nvPr/>
-              </p:nvSpPr>
-              <p:spPr>
-                <a:xfrm>
-                  <a:off x="10211991" y="4243315"/>
-                  <a:ext cx="279400" cy="461665"/>
-                </a:xfrm>
-                <a:prstGeom prst="rect">
-                  <a:avLst/>
-                </a:prstGeom>
-                <a:noFill/>
-              </p:spPr>
-              <p:txBody>
-                <a:bodyPr wrap="square" rtlCol="0">
-                  <a:spAutoFit/>
-                </a:bodyPr>
-                <a:lstStyle/>
-                <a:p>
-                  <a:pPr/>
-                  <a14:m>
-                    <m:oMathPara xmlns:m="http://schemas.openxmlformats.org/officeDocument/2006/math">
-                      <m:oMathParaPr>
-                        <m:jc m:val="centerGroup"/>
-                      </m:oMathParaPr>
-                      <m:oMath xmlns:m="http://schemas.openxmlformats.org/officeDocument/2006/math">
-                        <m:r>
-                          <a:rPr lang="en-US" sz="2400" b="0" i="1" dirty="0" smtClean="0">
-                            <a:latin typeface="Cambria Math" panose="02040503050406030204" pitchFamily="18" charset="0"/>
-                          </a:rPr>
-                          <m:t>𝑓</m:t>
-                        </m:r>
-                      </m:oMath>
-                    </m:oMathPara>
-                  </a14:m>
-                  <a:endParaRPr lang="en-US" sz="2400" i="1" dirty="0"/>
-                </a:p>
-              </p:txBody>
-            </p:sp>
-          </mc:Choice>
-          <mc:Fallback xmlns="">
-            <p:sp>
-              <p:nvSpPr>
-                <p:cNvPr id="29" name="TextBox 28">
-                  <a:extLst>
-                    <a:ext uri="{FF2B5EF4-FFF2-40B4-BE49-F238E27FC236}">
-                      <a16:creationId xmlns:a16="http://schemas.microsoft.com/office/drawing/2014/main" id="{DC806DC7-7620-4939-A62F-E35D53161F97}"/>
-                    </a:ext>
-                  </a:extLst>
-                </p:cNvPr>
-                <p:cNvSpPr txBox="1">
-                  <a:spLocks noRot="1" noChangeAspect="1" noMove="1" noResize="1" noEditPoints="1" noAdjustHandles="1" noChangeArrowheads="1" noChangeShapeType="1" noTextEdit="1"/>
-                </p:cNvSpPr>
-                <p:nvPr/>
-              </p:nvSpPr>
-              <p:spPr>
-                <a:xfrm>
-                  <a:off x="10211991" y="4243315"/>
-                  <a:ext cx="279400" cy="461665"/>
-                </a:xfrm>
-                <a:prstGeom prst="rect">
-                  <a:avLst/>
-                </a:prstGeom>
-                <a:blipFill>
-                  <a:blip r:embed="rId6"/>
-                  <a:stretch>
-                    <a:fillRect l="-17391" r="-43478" b="-17105"/>
-                  </a:stretch>
-                </a:blipFill>
-              </p:spPr>
-              <p:txBody>
-                <a:bodyPr/>
-                <a:lstStyle/>
-                <a:p>
-                  <a:r>
-                    <a:rPr lang="en-US">
-                      <a:noFill/>
-                    </a:rPr>
-                    <a:t> </a:t>
-                  </a:r>
-                </a:p>
-              </p:txBody>
-            </p:sp>
-          </mc:Fallback>
-        </mc:AlternateContent>
-        <mc:AlternateContent xmlns:mc="http://schemas.openxmlformats.org/markup-compatibility/2006" xmlns:a14="http://schemas.microsoft.com/office/drawing/2010/main">
-          <mc:Choice Requires="a14">
-            <p:sp>
-              <p:nvSpPr>
-                <p:cNvPr id="30" name="TextBox 29">
-                  <a:extLst>
-                    <a:ext uri="{FF2B5EF4-FFF2-40B4-BE49-F238E27FC236}">
-                      <a16:creationId xmlns:a16="http://schemas.microsoft.com/office/drawing/2014/main" id="{ABBA70E4-203C-4ED3-B804-8F77A1C6E3DA}"/>
-                    </a:ext>
-                  </a:extLst>
-                </p:cNvPr>
-                <p:cNvSpPr txBox="1"/>
-                <p:nvPr/>
-              </p:nvSpPr>
-              <p:spPr>
-                <a:xfrm>
-                  <a:off x="10237390" y="4938712"/>
-                  <a:ext cx="709613" cy="584775"/>
-                </a:xfrm>
-                <a:prstGeom prst="rect">
-                  <a:avLst/>
-                </a:prstGeom>
-                <a:noFill/>
-              </p:spPr>
-              <p:txBody>
-                <a:bodyPr wrap="square" rtlCol="0">
-                  <a:spAutoFit/>
-                </a:bodyPr>
-                <a:lstStyle/>
-                <a:p>
-                  <a:pPr/>
-                  <a14:m>
-                    <m:oMathPara xmlns:m="http://schemas.openxmlformats.org/officeDocument/2006/math">
-                      <m:oMathParaPr>
-                        <m:jc m:val="centerGroup"/>
-                      </m:oMathParaPr>
-                      <m:oMath xmlns:m="http://schemas.openxmlformats.org/officeDocument/2006/math">
-                        <m:sSup>
-                          <m:sSupPr>
-                            <m:ctrlPr>
-                              <a:rPr lang="en-US" sz="3200" b="0" i="1" smtClean="0">
-                                <a:latin typeface="Cambria Math" panose="02040503050406030204" pitchFamily="18" charset="0"/>
-                              </a:rPr>
-                            </m:ctrlPr>
-                          </m:sSupPr>
-                          <m:e>
-                            <m:r>
-                              <a:rPr lang="en-US" sz="3200" b="0" i="1" smtClean="0">
-                                <a:latin typeface="Cambria Math" panose="02040503050406030204" pitchFamily="18" charset="0"/>
-                              </a:rPr>
-                              <m:t>h</m:t>
-                            </m:r>
-                          </m:e>
-                          <m:sup>
-                            <m:r>
-                              <a:rPr lang="en-US" sz="3200" b="0" i="1" smtClean="0">
-                                <a:latin typeface="Cambria Math" panose="02040503050406030204" pitchFamily="18" charset="0"/>
-                              </a:rPr>
-                              <m:t>∗</m:t>
-                            </m:r>
-                          </m:sup>
-                        </m:sSup>
-                      </m:oMath>
-                    </m:oMathPara>
-                  </a14:m>
-                  <a:endParaRPr lang="en-US" sz="3200" i="1" dirty="0"/>
-                </a:p>
-              </p:txBody>
-            </p:sp>
-          </mc:Choice>
-          <mc:Fallback xmlns="">
-            <p:sp>
-              <p:nvSpPr>
-                <p:cNvPr id="30" name="TextBox 29">
-                  <a:extLst>
-                    <a:ext uri="{FF2B5EF4-FFF2-40B4-BE49-F238E27FC236}">
-                      <a16:creationId xmlns:a16="http://schemas.microsoft.com/office/drawing/2014/main" id="{ABBA70E4-203C-4ED3-B804-8F77A1C6E3DA}"/>
-                    </a:ext>
-                  </a:extLst>
-                </p:cNvPr>
-                <p:cNvSpPr txBox="1">
-                  <a:spLocks noRot="1" noChangeAspect="1" noMove="1" noResize="1" noEditPoints="1" noAdjustHandles="1" noChangeArrowheads="1" noChangeShapeType="1" noTextEdit="1"/>
-                </p:cNvSpPr>
-                <p:nvPr/>
-              </p:nvSpPr>
-              <p:spPr>
-                <a:xfrm>
-                  <a:off x="10237390" y="4938712"/>
-                  <a:ext cx="709613" cy="584775"/>
-                </a:xfrm>
-                <a:prstGeom prst="rect">
-                  <a:avLst/>
-                </a:prstGeom>
-                <a:blipFill>
-                  <a:blip r:embed="rId7"/>
-                  <a:stretch>
-                    <a:fillRect/>
-                  </a:stretch>
-                </a:blipFill>
-              </p:spPr>
-              <p:txBody>
-                <a:bodyPr/>
-                <a:lstStyle/>
-                <a:p>
-                  <a:r>
-                    <a:rPr lang="en-US">
-                      <a:noFill/>
-                    </a:rPr>
-                    <a:t> </a:t>
-                  </a:r>
-                </a:p>
-              </p:txBody>
-            </p:sp>
-          </mc:Fallback>
-        </mc:AlternateContent>
-        <p:sp>
-          <p:nvSpPr>
-            <p:cNvPr id="31" name="Speech Bubble: Rectangle 30">
-              <a:extLst>
-                <a:ext uri="{FF2B5EF4-FFF2-40B4-BE49-F238E27FC236}">
-                  <a16:creationId xmlns:a16="http://schemas.microsoft.com/office/drawing/2014/main" id="{FD87FC05-37F8-4864-ABEA-86C4EAAA7AAD}"/>
-                </a:ext>
-              </a:extLst>
-            </p:cNvPr>
-            <p:cNvSpPr/>
-            <p:nvPr/>
-          </p:nvSpPr>
-          <p:spPr>
-            <a:xfrm>
-              <a:off x="10896600" y="4085927"/>
-              <a:ext cx="1091406" cy="287635"/>
-            </a:xfrm>
-            <a:prstGeom prst="wedgeRectCallout">
-              <a:avLst>
-                <a:gd name="adj1" fmla="val -77851"/>
-                <a:gd name="adj2" fmla="val 157777"/>
-              </a:avLst>
-            </a:prstGeom>
-          </p:spPr>
-          <p:style>
-            <a:lnRef idx="2">
-              <a:schemeClr val="accent6">
-                <a:shade val="50000"/>
-              </a:schemeClr>
-            </a:lnRef>
-            <a:fillRef idx="1">
-              <a:schemeClr val="accent6"/>
-            </a:fillRef>
-            <a:effectRef idx="0">
-              <a:schemeClr val="accent6"/>
-            </a:effectRef>
-            <a:fontRef idx="minor">
-              <a:schemeClr val="lt1"/>
-            </a:fontRef>
-          </p:style>
-          <p:txBody>
-            <a:bodyPr rtlCol="0" anchor="ctr"/>
-            <a:lstStyle/>
-            <a:p>
-              <a:pPr algn="ctr"/>
-              <a:r>
-                <a:rPr lang="en-US" dirty="0"/>
-                <a:t>Loss</a:t>
-              </a:r>
-            </a:p>
-          </p:txBody>
-        </p:sp>
-      </p:grpSp>
-    </p:spTree>
-    <p:extLst>
-      <p:ext uri="{BB962C8B-B14F-4D97-AF65-F5344CB8AC3E}">
-        <p14:creationId xmlns:p14="http://schemas.microsoft.com/office/powerpoint/2010/main" val="3455679427"/>
-      </p:ext>
-    </p:extLst>
-  </p:cSld>
-  <p:clrMapOvr>
-    <a:masterClrMapping/>
-  </p:clrMapOvr>
-</p:sld>
-</file>
-
-<file path=ppt/slides/slide9.xml><?xml version="1.0" encoding="utf-8"?>
-<p:sld xmlns:a="http://schemas.openxmlformats.org/drawingml/2006/main" xmlns:r="http://schemas.openxmlformats.org/officeDocument/2006/relationships" xmlns:p="http://schemas.openxmlformats.org/presentationml/2006/main">
-  <p:cSld>
-    <p:spTree>
-      <p:nvGrpSpPr>
-        <p:cNvPr id="1" name=""/>
-        <p:cNvGrpSpPr/>
-        <p:nvPr/>
-      </p:nvGrpSpPr>
-      <p:grpSpPr>
-        <a:xfrm>
-          <a:off x="0" y="0"/>
-          <a:ext cx="0" cy="0"/>
-          <a:chOff x="0" y="0"/>
-          <a:chExt cx="0" cy="0"/>
-        </a:xfrm>
-      </p:grpSpPr>
-      <p:sp>
-        <p:nvSpPr>
-          <p:cNvPr id="2" name="Title 1">
-            <a:extLst>
-              <a:ext uri="{FF2B5EF4-FFF2-40B4-BE49-F238E27FC236}">
-                <a16:creationId xmlns:a16="http://schemas.microsoft.com/office/drawing/2014/main" id="{6BC68DAF-B65C-4B08-8613-534FAEAD9337}"/>
-              </a:ext>
-            </a:extLst>
-          </p:cNvPr>
-          <p:cNvSpPr>
-            <a:spLocks noGrp="1"/>
-          </p:cNvSpPr>
-          <p:nvPr>
-            <p:ph type="title"/>
-          </p:nvPr>
-        </p:nvSpPr>
-        <p:spPr>
-          <a:xfrm>
-            <a:off x="838200" y="365125"/>
-            <a:ext cx="10515600" cy="1325563"/>
-          </a:xfrm>
-        </p:spPr>
-        <p:txBody>
-          <a:bodyPr/>
-          <a:lstStyle/>
-          <a:p>
-            <a:r>
-              <a:rPr lang="en-US" dirty="0"/>
-              <a:t>The Bayes Classifier</a:t>
-            </a:r>
-          </a:p>
-        </p:txBody>
-      </p:sp>
-      <mc:AlternateContent xmlns:mc="http://schemas.openxmlformats.org/markup-compatibility/2006" xmlns:a14="http://schemas.microsoft.com/office/drawing/2010/main">
-        <mc:Choice Requires="a14">
-          <p:sp>
-            <p:nvSpPr>
-              <p:cNvPr id="3" name="Content Placeholder 2">
-                <a:extLst>
-                  <a:ext uri="{FF2B5EF4-FFF2-40B4-BE49-F238E27FC236}">
-                    <a16:creationId xmlns:a16="http://schemas.microsoft.com/office/drawing/2014/main" id="{0C4E7412-75D7-4C7D-A4D5-05DDF77126E3}"/>
-                  </a:ext>
-                </a:extLst>
-              </p:cNvPr>
-              <p:cNvSpPr>
-                <a:spLocks noGrp="1"/>
-              </p:cNvSpPr>
-              <p:nvPr>
-                <p:ph idx="1"/>
-              </p:nvPr>
-            </p:nvSpPr>
-            <p:spPr>
-              <a:xfrm>
-                <a:off x="838200" y="1524000"/>
-                <a:ext cx="10744200" cy="4968875"/>
-              </a:xfrm>
-            </p:spPr>
-            <p:txBody>
-              <a:bodyPr>
-                <a:normAutofit fontScale="62500" lnSpcReduction="20000"/>
-              </a:bodyPr>
-              <a:lstStyle/>
-              <a:p>
-                <a:pPr marL="0" indent="0">
-                  <a:lnSpc>
-                    <a:spcPct val="120000"/>
-                  </a:lnSpc>
-                  <a:buNone/>
-                </a:pPr>
-                <a:r>
-                  <a:rPr lang="en-US" b="1" dirty="0"/>
-                  <a:t>For 0/1 loss</a:t>
-                </a:r>
-                <a:r>
-                  <a:rPr lang="en-US" dirty="0"/>
-                  <a:t>, the empirical loss is minimized by the model that predicts for each </a:t>
-                </a:r>
-                <a14:m>
-                  <m:oMath xmlns:m="http://schemas.openxmlformats.org/officeDocument/2006/math">
-                    <m:r>
-                      <a:rPr lang="en-US" b="0" i="1" smtClean="0">
-                        <a:latin typeface="Cambria Math" panose="02040503050406030204" pitchFamily="18" charset="0"/>
-                      </a:rPr>
-                      <m:t>𝑥</m:t>
-                    </m:r>
-                  </m:oMath>
-                </a14:m>
-                <a:r>
-                  <a:rPr lang="en-US" dirty="0"/>
-                  <a:t> the most likely class </a:t>
-                </a:r>
-                <a14:m>
-                  <m:oMath xmlns:m="http://schemas.openxmlformats.org/officeDocument/2006/math">
-                    <m:r>
-                      <a:rPr lang="en-US" b="0" i="1" smtClean="0">
-                        <a:latin typeface="Cambria Math" panose="02040503050406030204" pitchFamily="18" charset="0"/>
-                      </a:rPr>
-                      <m:t>𝑦</m:t>
-                    </m:r>
-                  </m:oMath>
-                </a14:m>
-                <a:r>
-                  <a:rPr lang="en-US" dirty="0"/>
-                  <a:t> using MAP (Maximum a posteriori) estimates.  This is called the Bayes classifier.</a:t>
-                </a:r>
-              </a:p>
-              <a:p>
-                <a:pPr marL="0" indent="0">
-                  <a:lnSpc>
-                    <a:spcPct val="120000"/>
-                  </a:lnSpc>
-                  <a:buNone/>
-                </a:pPr>
-                <a:br>
-                  <a:rPr lang="en-US" dirty="0"/>
-                </a:br>
-                <a14:m>
-                  <m:oMathPara xmlns:m="http://schemas.openxmlformats.org/officeDocument/2006/math">
-                    <m:oMathParaPr>
-                      <m:jc m:val="centerGroup"/>
-                    </m:oMathParaPr>
-                    <m:oMath xmlns:m="http://schemas.openxmlformats.org/officeDocument/2006/math">
-                      <m:sSup>
-                        <m:sSupPr>
-                          <m:ctrlPr>
-                            <a:rPr lang="en-US" b="0" i="1" smtClean="0">
-                              <a:latin typeface="Cambria Math" panose="02040503050406030204" pitchFamily="18" charset="0"/>
-                            </a:rPr>
-                          </m:ctrlPr>
-                        </m:sSupPr>
-                        <m:e>
-                          <m:r>
-                            <m:rPr>
-                              <m:sty m:val="p"/>
-                            </m:rPr>
-                            <a:rPr lang="en-US" b="0" i="0" smtClean="0">
-                              <a:latin typeface="Cambria Math" panose="02040503050406030204" pitchFamily="18" charset="0"/>
-                            </a:rPr>
-                            <m:t>h</m:t>
-                          </m:r>
-                        </m:e>
-                        <m:sup>
-                          <m:r>
-                            <a:rPr lang="en-US" b="0" i="0" smtClean="0">
-                              <a:latin typeface="Cambria Math" panose="02040503050406030204" pitchFamily="18" charset="0"/>
-                            </a:rPr>
-                            <m:t>∗</m:t>
-                          </m:r>
-                        </m:sup>
-                      </m:sSup>
-                      <m:d>
-                        <m:dPr>
-                          <m:ctrlPr>
-                            <a:rPr lang="en-US" b="0" i="1" smtClean="0">
-                              <a:latin typeface="Cambria Math" panose="02040503050406030204" pitchFamily="18" charset="0"/>
-                            </a:rPr>
-                          </m:ctrlPr>
-                        </m:dPr>
-                        <m:e>
-                          <m:r>
-                            <m:rPr>
-                              <m:sty m:val="p"/>
-                            </m:rPr>
-                            <a:rPr lang="en-US" b="0" i="0" smtClean="0">
-                              <a:latin typeface="Cambria Math" panose="02040503050406030204" pitchFamily="18" charset="0"/>
-                            </a:rPr>
-                            <m:t>x</m:t>
-                          </m:r>
-                        </m:e>
-                      </m:d>
-                      <m:r>
-                        <a:rPr lang="en-US" b="0" i="1" smtClean="0">
-                          <a:latin typeface="Cambria Math" panose="02040503050406030204" pitchFamily="18" charset="0"/>
-                        </a:rPr>
-                        <m:t>=</m:t>
-                      </m:r>
-                      <m:limLow>
-                        <m:limLowPr>
-                          <m:ctrlPr>
-                            <a:rPr lang="en-US" i="1">
-                              <a:latin typeface="Cambria Math" panose="02040503050406030204" pitchFamily="18" charset="0"/>
-                            </a:rPr>
-                          </m:ctrlPr>
-                        </m:limLowPr>
-                        <m:e>
-                          <m:r>
-                            <m:rPr>
-                              <m:sty m:val="p"/>
-                            </m:rPr>
-                            <a:rPr lang="en-US">
-                              <a:latin typeface="Cambria Math" panose="02040503050406030204" pitchFamily="18" charset="0"/>
-                            </a:rPr>
-                            <m:t>argmax</m:t>
-                          </m:r>
-                        </m:e>
-                        <m:lim>
-                          <m:r>
-                            <a:rPr lang="en-US" i="1">
-                              <a:latin typeface="Cambria Math" panose="02040503050406030204" pitchFamily="18" charset="0"/>
-                            </a:rPr>
-                            <m:t>𝑦</m:t>
-                          </m:r>
-                        </m:lim>
-                      </m:limLow>
-                      <m:r>
-                        <a:rPr lang="en-US" b="0" i="1" smtClean="0">
-                          <a:latin typeface="Cambria Math" panose="02040503050406030204" pitchFamily="18" charset="0"/>
-                        </a:rPr>
-                        <m:t> </m:t>
-                      </m:r>
-                      <m:r>
-                        <a:rPr lang="en-US" b="0" i="1" smtClean="0">
-                          <a:latin typeface="Cambria Math" panose="02040503050406030204" pitchFamily="18" charset="0"/>
-                        </a:rPr>
-                        <m:t>𝑃</m:t>
-                      </m:r>
-                      <m:d>
-                        <m:dPr>
-                          <m:endChr m:val="|"/>
-                          <m:ctrlPr>
-                            <a:rPr lang="en-US" b="0" i="1" smtClean="0">
-                              <a:latin typeface="Cambria Math" panose="02040503050406030204" pitchFamily="18" charset="0"/>
-                            </a:rPr>
-                          </m:ctrlPr>
-                        </m:dPr>
-                        <m:e>
-                          <m:r>
-                            <a:rPr lang="en-US" b="0" i="1" smtClean="0">
-                              <a:latin typeface="Cambria Math" panose="02040503050406030204" pitchFamily="18" charset="0"/>
-                            </a:rPr>
-                            <m:t>𝑌</m:t>
-                          </m:r>
-                          <m:r>
-                            <a:rPr lang="en-US" b="0" i="1" smtClean="0">
-                              <a:latin typeface="Cambria Math" panose="02040503050406030204" pitchFamily="18" charset="0"/>
-                            </a:rPr>
-                            <m:t>=</m:t>
-                          </m:r>
-                          <m:r>
-                            <a:rPr lang="en-US" b="0" i="1" smtClean="0">
-                              <a:latin typeface="Cambria Math" panose="02040503050406030204" pitchFamily="18" charset="0"/>
-                            </a:rPr>
-                            <m:t>𝑦</m:t>
-                          </m:r>
-                          <m:r>
-                            <a:rPr lang="en-US" b="0" i="1" smtClean="0">
-                              <a:latin typeface="Cambria Math" panose="02040503050406030204" pitchFamily="18" charset="0"/>
-                            </a:rPr>
-                            <m:t> </m:t>
-                          </m:r>
-                        </m:e>
-                      </m:d>
-                      <m:r>
-                        <a:rPr lang="en-US" b="0" i="1" smtClean="0">
-                          <a:latin typeface="Cambria Math" panose="02040503050406030204" pitchFamily="18" charset="0"/>
-                        </a:rPr>
-                        <m:t> </m:t>
-                      </m:r>
-                      <m:r>
-                        <a:rPr lang="en-US" b="0" i="1" smtClean="0">
-                          <a:latin typeface="Cambria Math" panose="02040503050406030204" pitchFamily="18" charset="0"/>
-                        </a:rPr>
-                        <m:t>𝑋</m:t>
-                      </m:r>
-                      <m:r>
-                        <a:rPr lang="en-US" b="0" i="1" smtClean="0">
-                          <a:latin typeface="Cambria Math" panose="02040503050406030204" pitchFamily="18" charset="0"/>
-                        </a:rPr>
-                        <m:t>=</m:t>
-                      </m:r>
-                      <m:r>
-                        <a:rPr lang="en-US" b="0" i="1" smtClean="0">
-                          <a:latin typeface="Cambria Math" panose="02040503050406030204" pitchFamily="18" charset="0"/>
-                        </a:rPr>
-                        <m:t>𝑥</m:t>
-                      </m:r>
-                      <m:r>
-                        <a:rPr lang="en-US" b="0" i="1" smtClean="0">
-                          <a:latin typeface="Cambria Math" panose="02040503050406030204" pitchFamily="18" charset="0"/>
-                        </a:rPr>
-                        <m:t>)= </m:t>
-                      </m:r>
-                      <m:limLow>
-                        <m:limLowPr>
-                          <m:ctrlPr>
-                            <a:rPr lang="en-US" i="1">
-                              <a:latin typeface="Cambria Math" panose="02040503050406030204" pitchFamily="18" charset="0"/>
-                            </a:rPr>
-                          </m:ctrlPr>
-                        </m:limLowPr>
-                        <m:e>
-                          <m:r>
-                            <m:rPr>
-                              <m:sty m:val="p"/>
-                            </m:rPr>
-                            <a:rPr lang="en-US">
-                              <a:latin typeface="Cambria Math" panose="02040503050406030204" pitchFamily="18" charset="0"/>
-                            </a:rPr>
-                            <m:t>argmax</m:t>
-                          </m:r>
-                        </m:e>
-                        <m:lim>
-                          <m:r>
-                            <a:rPr lang="en-US" i="1">
-                              <a:latin typeface="Cambria Math" panose="02040503050406030204" pitchFamily="18" charset="0"/>
-                            </a:rPr>
-                            <m:t>𝑦</m:t>
-                          </m:r>
-                        </m:lim>
-                      </m:limLow>
-                      <m:r>
-                        <a:rPr lang="en-US" b="0" i="1" smtClean="0">
-                          <a:latin typeface="Cambria Math" panose="02040503050406030204" pitchFamily="18" charset="0"/>
-                        </a:rPr>
-                        <m:t> </m:t>
-                      </m:r>
-                      <m:f>
-                        <m:fPr>
-                          <m:ctrlPr>
-                            <a:rPr lang="en-US" b="0" i="1" smtClean="0">
-                              <a:latin typeface="Cambria Math" panose="02040503050406030204" pitchFamily="18" charset="0"/>
-                            </a:rPr>
-                          </m:ctrlPr>
-                        </m:fPr>
-                        <m:num>
-                          <m:r>
-                            <a:rPr lang="en-US" i="1">
-                              <a:latin typeface="Cambria Math" panose="02040503050406030204" pitchFamily="18" charset="0"/>
-                            </a:rPr>
-                            <m:t>𝑃</m:t>
-                          </m:r>
-                          <m:d>
-                            <m:dPr>
-                              <m:endChr m:val="|"/>
-                              <m:ctrlPr>
-                                <a:rPr lang="en-US" i="1">
-                                  <a:latin typeface="Cambria Math" panose="02040503050406030204" pitchFamily="18" charset="0"/>
-                                </a:rPr>
-                              </m:ctrlPr>
-                            </m:dPr>
-                            <m:e>
-                              <m:r>
-                                <a:rPr lang="en-US" b="0" i="1" smtClean="0">
-                                  <a:latin typeface="Cambria Math" panose="02040503050406030204" pitchFamily="18" charset="0"/>
-                                </a:rPr>
-                                <m:t>𝑥</m:t>
-                              </m:r>
-                              <m:r>
-                                <a:rPr lang="en-US" i="1">
-                                  <a:latin typeface="Cambria Math" panose="02040503050406030204" pitchFamily="18" charset="0"/>
-                                </a:rPr>
-                                <m:t> </m:t>
-                              </m:r>
-                            </m:e>
-                          </m:d>
-                          <m:r>
-                            <a:rPr lang="en-US" b="0" i="1" smtClean="0">
-                              <a:latin typeface="Cambria Math" panose="02040503050406030204" pitchFamily="18" charset="0"/>
-                            </a:rPr>
-                            <m:t> </m:t>
-                          </m:r>
-                          <m:r>
-                            <a:rPr lang="en-US" b="0" i="1" smtClean="0">
-                              <a:latin typeface="Cambria Math" panose="02040503050406030204" pitchFamily="18" charset="0"/>
-                            </a:rPr>
-                            <m:t>𝑦</m:t>
-                          </m:r>
-                          <m:r>
-                            <a:rPr lang="en-US" i="1">
-                              <a:latin typeface="Cambria Math" panose="02040503050406030204" pitchFamily="18" charset="0"/>
-                            </a:rPr>
-                            <m:t>)</m:t>
-                          </m:r>
-                          <m:r>
-                            <m:rPr>
-                              <m:nor/>
-                            </m:rPr>
-                            <a:rPr lang="en-US" dirty="0"/>
-                            <m:t> </m:t>
-                          </m:r>
-                          <m:r>
-                            <a:rPr lang="en-US" i="1" dirty="0">
-                              <a:latin typeface="Cambria Math" panose="02040503050406030204" pitchFamily="18" charset="0"/>
-                            </a:rPr>
-                            <m:t>𝑃</m:t>
-                          </m:r>
-                          <m:r>
-                            <a:rPr lang="en-US" i="1" dirty="0">
-                              <a:latin typeface="Cambria Math" panose="02040503050406030204" pitchFamily="18" charset="0"/>
-                            </a:rPr>
-                            <m:t>(</m:t>
-                          </m:r>
-                          <m:r>
-                            <a:rPr lang="en-US" b="0" i="1" dirty="0" smtClean="0">
-                              <a:latin typeface="Cambria Math" panose="02040503050406030204" pitchFamily="18" charset="0"/>
-                            </a:rPr>
-                            <m:t>𝑦</m:t>
-                          </m:r>
-                          <m:r>
-                            <a:rPr lang="en-US" b="0" i="1" dirty="0" smtClean="0">
-                              <a:latin typeface="Cambria Math" panose="02040503050406030204" pitchFamily="18" charset="0"/>
-                            </a:rPr>
-                            <m:t>)</m:t>
-                          </m:r>
-                        </m:num>
-                        <m:den>
-                          <m:r>
-                            <a:rPr lang="en-US" b="0" i="1" smtClean="0">
-                              <a:latin typeface="Cambria Math" panose="02040503050406030204" pitchFamily="18" charset="0"/>
-                            </a:rPr>
-                            <m:t>𝑃</m:t>
-                          </m:r>
-                          <m:r>
-                            <a:rPr lang="en-US" b="0" i="1" smtClean="0">
-                              <a:latin typeface="Cambria Math" panose="02040503050406030204" pitchFamily="18" charset="0"/>
-                            </a:rPr>
-                            <m:t>(</m:t>
-                          </m:r>
-                          <m:r>
-                            <a:rPr lang="en-US" b="0" i="1" smtClean="0">
-                              <a:latin typeface="Cambria Math" panose="02040503050406030204" pitchFamily="18" charset="0"/>
-                            </a:rPr>
-                            <m:t>𝑥</m:t>
-                          </m:r>
-                          <m:r>
-                            <a:rPr lang="en-US" b="0" i="1" smtClean="0">
-                              <a:latin typeface="Cambria Math" panose="02040503050406030204" pitchFamily="18" charset="0"/>
-                            </a:rPr>
-                            <m:t>)</m:t>
-                          </m:r>
-                        </m:den>
-                      </m:f>
-                      <m:r>
-                        <a:rPr lang="en-US" b="0" i="1" dirty="0" smtClean="0">
-                          <a:latin typeface="Cambria Math" panose="02040503050406030204" pitchFamily="18" charset="0"/>
-                        </a:rPr>
-                        <m:t>=</m:t>
-                      </m:r>
-                      <m:func>
-                        <m:funcPr>
-                          <m:ctrlPr>
-                            <a:rPr lang="en-US" i="1">
-                              <a:latin typeface="Cambria Math" panose="02040503050406030204" pitchFamily="18" charset="0"/>
-                            </a:rPr>
-                          </m:ctrlPr>
-                        </m:funcPr>
-                        <m:fName>
-                          <m:limLow>
-                            <m:limLowPr>
-                              <m:ctrlPr>
-                                <a:rPr lang="en-US" i="1">
-                                  <a:latin typeface="Cambria Math" panose="02040503050406030204" pitchFamily="18" charset="0"/>
-                                </a:rPr>
-                              </m:ctrlPr>
-                            </m:limLowPr>
-                            <m:e>
-                              <m:r>
-                                <m:rPr>
-                                  <m:sty m:val="p"/>
-                                </m:rPr>
-                                <a:rPr lang="en-US">
-                                  <a:latin typeface="Cambria Math" panose="02040503050406030204" pitchFamily="18" charset="0"/>
-                                </a:rPr>
-                                <m:t>argmax</m:t>
-                              </m:r>
-                            </m:e>
-                            <m:lim>
-                              <m:r>
-                                <a:rPr lang="en-US" i="1">
-                                  <a:latin typeface="Cambria Math" panose="02040503050406030204" pitchFamily="18" charset="0"/>
-                                </a:rPr>
-                                <m:t>𝑦</m:t>
-                              </m:r>
-                            </m:lim>
-                          </m:limLow>
-                        </m:fName>
-                        <m:e>
-                          <m:r>
-                            <a:rPr lang="en-US" i="1">
-                              <a:latin typeface="Cambria Math" panose="02040503050406030204" pitchFamily="18" charset="0"/>
-                            </a:rPr>
-                            <m:t>𝑃</m:t>
-                          </m:r>
-                          <m:d>
-                            <m:dPr>
-                              <m:endChr m:val="|"/>
-                              <m:ctrlPr>
-                                <a:rPr lang="en-US" i="1">
-                                  <a:latin typeface="Cambria Math" panose="02040503050406030204" pitchFamily="18" charset="0"/>
-                                </a:rPr>
-                              </m:ctrlPr>
-                            </m:dPr>
-                            <m:e>
-                              <m:r>
-                                <a:rPr lang="en-US" b="0" i="1" smtClean="0">
-                                  <a:latin typeface="Cambria Math" panose="02040503050406030204" pitchFamily="18" charset="0"/>
-                                </a:rPr>
-                                <m:t>𝑥</m:t>
-                              </m:r>
-                              <m:r>
-                                <a:rPr lang="en-US" i="1">
-                                  <a:latin typeface="Cambria Math" panose="02040503050406030204" pitchFamily="18" charset="0"/>
-                                </a:rPr>
-                                <m:t> </m:t>
-                              </m:r>
-                            </m:e>
-                          </m:d>
-                          <m:r>
-                            <a:rPr lang="en-US" b="0" i="1" smtClean="0">
-                              <a:latin typeface="Cambria Math" panose="02040503050406030204" pitchFamily="18" charset="0"/>
-                            </a:rPr>
-                            <m:t> </m:t>
-                          </m:r>
-                          <m:r>
-                            <a:rPr lang="en-US" b="0" i="1" smtClean="0">
-                              <a:latin typeface="Cambria Math" panose="02040503050406030204" pitchFamily="18" charset="0"/>
-                            </a:rPr>
-                            <m:t>𝑦</m:t>
-                          </m:r>
-                          <m:r>
-                            <a:rPr lang="en-US" i="1">
-                              <a:latin typeface="Cambria Math" panose="02040503050406030204" pitchFamily="18" charset="0"/>
-                            </a:rPr>
-                            <m:t>)</m:t>
-                          </m:r>
-                          <m:r>
-                            <m:rPr>
-                              <m:nor/>
-                            </m:rPr>
-                            <a:rPr lang="en-US" dirty="0"/>
-                            <m:t> </m:t>
-                          </m:r>
-                          <m:r>
-                            <a:rPr lang="en-US" i="1" dirty="0">
-                              <a:latin typeface="Cambria Math" panose="02040503050406030204" pitchFamily="18" charset="0"/>
-                            </a:rPr>
-                            <m:t>𝑃</m:t>
-                          </m:r>
-                          <m:r>
-                            <a:rPr lang="en-US" i="1" dirty="0">
-                              <a:latin typeface="Cambria Math" panose="02040503050406030204" pitchFamily="18" charset="0"/>
-                            </a:rPr>
-                            <m:t>(</m:t>
-                          </m:r>
-                          <m:r>
-                            <a:rPr lang="en-US" b="0" i="1" dirty="0" smtClean="0">
-                              <a:latin typeface="Cambria Math" panose="02040503050406030204" pitchFamily="18" charset="0"/>
-                            </a:rPr>
-                            <m:t>𝑦</m:t>
-                          </m:r>
-                          <m:r>
-                            <a:rPr lang="en-US" i="1" dirty="0">
-                              <a:latin typeface="Cambria Math" panose="02040503050406030204" pitchFamily="18" charset="0"/>
-                            </a:rPr>
-                            <m:t>)</m:t>
-                          </m:r>
-                        </m:e>
-                      </m:func>
-                    </m:oMath>
-                  </m:oMathPara>
-                </a14:m>
-                <a:endParaRPr lang="en-US" dirty="0"/>
-              </a:p>
-              <a:p>
-                <a:pPr marL="0" indent="0">
-                  <a:lnSpc>
-                    <a:spcPct val="120000"/>
-                  </a:lnSpc>
-                  <a:buNone/>
-                </a:pPr>
-                <a:endParaRPr lang="en-US" dirty="0"/>
-              </a:p>
-              <a:p>
-                <a:pPr marL="0" indent="0">
-                  <a:lnSpc>
-                    <a:spcPct val="120000"/>
-                  </a:lnSpc>
-                  <a:buNone/>
-                </a:pPr>
-                <a:r>
-                  <a:rPr lang="en-US" b="1" dirty="0"/>
-                  <a:t>Optimality</a:t>
-                </a:r>
-                <a:r>
-                  <a:rPr lang="en-US" dirty="0"/>
-                  <a:t>: The </a:t>
-                </a:r>
-                <a:r>
-                  <a:rPr lang="en-US" b="1" dirty="0">
-                    <a:solidFill>
-                      <a:srgbClr val="FF0000"/>
-                    </a:solidFill>
-                  </a:rPr>
-                  <a:t>Bayes classifier is optimal for 0/1 loss.</a:t>
-                </a:r>
-                <a:r>
-                  <a:rPr lang="en-US" dirty="0"/>
-                  <a:t> It is the most consistent classifier possible with the lowest possible error called the </a:t>
-                </a:r>
-                <a:r>
-                  <a:rPr lang="en-US" b="1" dirty="0">
-                    <a:solidFill>
-                      <a:srgbClr val="FF0000"/>
-                    </a:solidFill>
-                  </a:rPr>
-                  <a:t>Bayes error rate</a:t>
-                </a:r>
-                <a:r>
-                  <a:rPr lang="en-US" dirty="0"/>
-                  <a:t>. No better classifier is possible!</a:t>
-                </a:r>
-              </a:p>
-              <a:p>
-                <a:pPr marL="0" indent="0">
-                  <a:lnSpc>
-                    <a:spcPct val="120000"/>
-                  </a:lnSpc>
-                  <a:buNone/>
-                </a:pPr>
-                <a:endParaRPr lang="en-US" b="1" dirty="0"/>
-              </a:p>
-              <a:p>
-                <a:pPr marL="0" indent="0">
-                  <a:lnSpc>
-                    <a:spcPct val="120000"/>
-                  </a:lnSpc>
-                  <a:buNone/>
-                </a:pPr>
-                <a:r>
-                  <a:rPr lang="en-US" b="1" dirty="0"/>
-                  <a:t>Issue</a:t>
-                </a:r>
-                <a:r>
-                  <a:rPr lang="en-US" dirty="0"/>
-                  <a:t>: The classifier requires to learn </a:t>
-                </a:r>
-                <a14:m>
-                  <m:oMath xmlns:m="http://schemas.openxmlformats.org/officeDocument/2006/math">
-                    <m:r>
-                      <a:rPr lang="en-US" i="1" smtClean="0">
-                        <a:latin typeface="Cambria Math" panose="02040503050406030204" pitchFamily="18" charset="0"/>
-                      </a:rPr>
-                      <m:t>𝑃</m:t>
-                    </m:r>
-                    <m:d>
-                      <m:dPr>
-                        <m:endChr m:val="|"/>
-                        <m:ctrlPr>
-                          <a:rPr lang="en-US" i="1">
-                            <a:latin typeface="Cambria Math" panose="02040503050406030204" pitchFamily="18" charset="0"/>
-                          </a:rPr>
-                        </m:ctrlPr>
-                      </m:dPr>
-                      <m:e>
-                        <m:r>
-                          <a:rPr lang="en-US" b="0" i="1" smtClean="0">
-                            <a:latin typeface="Cambria Math" panose="02040503050406030204" pitchFamily="18" charset="0"/>
-                          </a:rPr>
-                          <m:t>𝑥</m:t>
-                        </m:r>
-                        <m:r>
-                          <a:rPr lang="en-US" i="1">
-                            <a:latin typeface="Cambria Math" panose="02040503050406030204" pitchFamily="18" charset="0"/>
-                          </a:rPr>
-                          <m:t> </m:t>
-                        </m:r>
-                      </m:e>
-                    </m:d>
-                    <m:r>
-                      <a:rPr lang="en-US" i="1">
-                        <a:latin typeface="Cambria Math" panose="02040503050406030204" pitchFamily="18" charset="0"/>
-                      </a:rPr>
-                      <m:t> </m:t>
-                    </m:r>
-                    <m:r>
-                      <a:rPr lang="en-US" b="0" i="1" smtClean="0">
-                        <a:latin typeface="Cambria Math" panose="02040503050406030204" pitchFamily="18" charset="0"/>
-                      </a:rPr>
-                      <m:t>𝑦</m:t>
-                    </m:r>
-                    <m:r>
-                      <a:rPr lang="en-US" i="1">
-                        <a:latin typeface="Cambria Math" panose="02040503050406030204" pitchFamily="18" charset="0"/>
-                      </a:rPr>
-                      <m:t>)</m:t>
-                    </m:r>
-                    <m:r>
-                      <m:rPr>
-                        <m:nor/>
-                      </m:rPr>
-                      <a:rPr lang="en-US" dirty="0"/>
-                      <m:t> </m:t>
-                    </m:r>
-                    <m:r>
-                      <a:rPr lang="en-US" i="1" dirty="0">
-                        <a:latin typeface="Cambria Math" panose="02040503050406030204" pitchFamily="18" charset="0"/>
-                      </a:rPr>
-                      <m:t>𝑃</m:t>
-                    </m:r>
-                    <m:d>
-                      <m:dPr>
-                        <m:ctrlPr>
-                          <a:rPr lang="en-US" i="1" dirty="0">
-                            <a:latin typeface="Cambria Math" panose="02040503050406030204" pitchFamily="18" charset="0"/>
-                          </a:rPr>
-                        </m:ctrlPr>
-                      </m:dPr>
-                      <m:e>
-                        <m:r>
-                          <a:rPr lang="en-US" b="0" i="1" dirty="0" smtClean="0">
-                            <a:latin typeface="Cambria Math" panose="02040503050406030204" pitchFamily="18" charset="0"/>
-                          </a:rPr>
-                          <m:t>𝑦</m:t>
-                        </m:r>
-                      </m:e>
-                    </m:d>
-                    <m:r>
-                      <a:rPr lang="en-US" b="0" i="1" dirty="0" smtClean="0">
-                        <a:latin typeface="Cambria Math" panose="02040503050406030204" pitchFamily="18" charset="0"/>
-                      </a:rPr>
-                      <m:t>=</m:t>
-                    </m:r>
-                    <m:r>
-                      <a:rPr lang="en-US" b="0" i="1" dirty="0" smtClean="0">
-                        <a:latin typeface="Cambria Math" panose="02040503050406030204" pitchFamily="18" charset="0"/>
-                      </a:rPr>
-                      <m:t>𝑃</m:t>
-                    </m:r>
-                    <m:r>
-                      <a:rPr lang="en-US" b="0" i="1" dirty="0" smtClean="0">
-                        <a:latin typeface="Cambria Math" panose="02040503050406030204" pitchFamily="18" charset="0"/>
-                      </a:rPr>
-                      <m:t>(</m:t>
-                    </m:r>
-                    <m:r>
-                      <a:rPr lang="en-US" b="0" i="1" dirty="0" smtClean="0">
-                        <a:latin typeface="Cambria Math" panose="02040503050406030204" pitchFamily="18" charset="0"/>
-                      </a:rPr>
-                      <m:t>𝑥</m:t>
-                    </m:r>
-                    <m:r>
-                      <a:rPr lang="en-US" b="0" i="1" dirty="0" smtClean="0">
-                        <a:latin typeface="Cambria Math" panose="02040503050406030204" pitchFamily="18" charset="0"/>
-                      </a:rPr>
-                      <m:t>,</m:t>
-                    </m:r>
-                    <m:r>
-                      <a:rPr lang="en-US" b="0" i="1" dirty="0" smtClean="0">
-                        <a:latin typeface="Cambria Math" panose="02040503050406030204" pitchFamily="18" charset="0"/>
-                      </a:rPr>
-                      <m:t>𝑦</m:t>
-                    </m:r>
-                    <m:r>
-                      <a:rPr lang="en-US" b="0" i="1" dirty="0" smtClean="0">
-                        <a:latin typeface="Cambria Math" panose="02040503050406030204" pitchFamily="18" charset="0"/>
-                      </a:rPr>
-                      <m:t>)</m:t>
-                    </m:r>
-                  </m:oMath>
-                </a14:m>
-                <a:r>
-                  <a:rPr lang="en-US" dirty="0"/>
-                  <a:t> from the examples.</a:t>
-                </a:r>
-              </a:p>
-              <a:p>
-                <a:pPr>
-                  <a:lnSpc>
-                    <a:spcPct val="120000"/>
-                  </a:lnSpc>
-                </a:pPr>
-                <a:r>
-                  <a:rPr lang="en-US" dirty="0"/>
-                  <a:t>It </a:t>
-                </a:r>
-                <a:r>
-                  <a:rPr lang="en-US" b="1" dirty="0">
-                    <a:solidFill>
-                      <a:srgbClr val="FF0000"/>
-                    </a:solidFill>
-                  </a:rPr>
-                  <a:t>needs the complete joint probability </a:t>
-                </a:r>
-                <a:r>
-                  <a:rPr lang="en-US" dirty="0"/>
-                  <a:t>which requires in the general case a probability table with one entry for each possible value for the feature vector </a:t>
-                </a:r>
-                <a14:m>
-                  <m:oMath xmlns:m="http://schemas.openxmlformats.org/officeDocument/2006/math">
-                    <m:r>
-                      <a:rPr lang="en-US" b="0" i="1" smtClean="0">
-                        <a:latin typeface="Cambria Math" panose="02040503050406030204" pitchFamily="18" charset="0"/>
-                      </a:rPr>
-                      <m:t>𝑥</m:t>
-                    </m:r>
-                  </m:oMath>
-                </a14:m>
-                <a:r>
-                  <a:rPr lang="en-US" i="1" dirty="0"/>
-                  <a:t>. </a:t>
-                </a:r>
-              </a:p>
-              <a:p>
-                <a:pPr>
-                  <a:lnSpc>
-                    <a:spcPct val="120000"/>
-                  </a:lnSpc>
-                </a:pPr>
-                <a:r>
-                  <a:rPr lang="en-US" dirty="0"/>
-                  <a:t>This is impractical (unless a simple Bayes network exists) and most classifiers try to approximate the Bayes classifier using a </a:t>
-                </a:r>
-                <a:r>
-                  <a:rPr lang="en-US" b="1" dirty="0">
-                    <a:solidFill>
-                      <a:srgbClr val="FF0000"/>
-                    </a:solidFill>
-                  </a:rPr>
-                  <a:t>simpler model </a:t>
-                </a:r>
-                <a:r>
-                  <a:rPr lang="en-US" dirty="0"/>
-                  <a:t>with fewer parameters.</a:t>
-                </a:r>
-                <a:endParaRPr lang="en-US" i="1" dirty="0"/>
-              </a:p>
-            </p:txBody>
-          </p:sp>
-        </mc:Choice>
-        <mc:Fallback xmlns="">
-          <p:sp>
-            <p:nvSpPr>
-              <p:cNvPr id="3" name="Content Placeholder 2">
-                <a:extLst>
-                  <a:ext uri="{FF2B5EF4-FFF2-40B4-BE49-F238E27FC236}">
-                    <a16:creationId xmlns:a16="http://schemas.microsoft.com/office/drawing/2014/main" id="{0C4E7412-75D7-4C7D-A4D5-05DDF77126E3}"/>
-                  </a:ext>
-                </a:extLst>
-              </p:cNvPr>
-              <p:cNvSpPr>
-                <a:spLocks noGrp="1" noRot="1" noChangeAspect="1" noMove="1" noResize="1" noEditPoints="1" noAdjustHandles="1" noChangeArrowheads="1" noChangeShapeType="1" noTextEdit="1"/>
-              </p:cNvSpPr>
-              <p:nvPr>
-                <p:ph idx="1"/>
-              </p:nvPr>
-            </p:nvSpPr>
-            <p:spPr>
-              <a:xfrm>
-                <a:off x="838200" y="1524000"/>
-                <a:ext cx="10744200" cy="4968875"/>
-              </a:xfrm>
-              <a:blipFill>
-                <a:blip r:embed="rId2"/>
-                <a:stretch>
-                  <a:fillRect l="-511" t="-613" r="-908"/>
-                </a:stretch>
-              </a:blipFill>
-            </p:spPr>
-            <p:txBody>
-              <a:bodyPr/>
-              <a:lstStyle/>
-              <a:p>
-                <a:r>
-                  <a:rPr lang="en-US">
-                    <a:noFill/>
-                  </a:rPr>
-                  <a:t> </a:t>
-                </a:r>
-              </a:p>
-            </p:txBody>
-          </p:sp>
-        </mc:Fallback>
-      </mc:AlternateContent>
-    </p:spTree>
-    <p:extLst>
-      <p:ext uri="{BB962C8B-B14F-4D97-AF65-F5344CB8AC3E}">
-        <p14:creationId xmlns:p14="http://schemas.microsoft.com/office/powerpoint/2010/main" val="4136607872"/>
       </p:ext>
     </p:extLst>
   </p:cSld>

--- a/slides/19_ML_intro.pptx
+++ b/slides/19_ML_intro.pptx
@@ -5,10 +5,10 @@
     <p:sldMasterId id="2147483769" r:id="rId1"/>
   </p:sldMasterIdLst>
   <p:notesMasterIdLst>
-    <p:notesMasterId r:id="rId36"/>
+    <p:notesMasterId r:id="rId37"/>
   </p:notesMasterIdLst>
   <p:handoutMasterIdLst>
-    <p:handoutMasterId r:id="rId37"/>
+    <p:handoutMasterId r:id="rId38"/>
   </p:handoutMasterIdLst>
   <p:sldIdLst>
     <p:sldId id="455" r:id="rId2"/>
@@ -28,28 +28,29 @@
     <p:sldId id="498" r:id="rId16"/>
     <p:sldId id="486" r:id="rId17"/>
     <p:sldId id="432" r:id="rId18"/>
-    <p:sldId id="499" r:id="rId19"/>
-    <p:sldId id="487" r:id="rId20"/>
-    <p:sldId id="501" r:id="rId21"/>
-    <p:sldId id="500" r:id="rId22"/>
-    <p:sldId id="502" r:id="rId23"/>
-    <p:sldId id="504" r:id="rId24"/>
-    <p:sldId id="454" r:id="rId25"/>
-    <p:sldId id="413" r:id="rId26"/>
-    <p:sldId id="505" r:id="rId27"/>
-    <p:sldId id="493" r:id="rId28"/>
-    <p:sldId id="495" r:id="rId29"/>
-    <p:sldId id="489" r:id="rId30"/>
-    <p:sldId id="490" r:id="rId31"/>
-    <p:sldId id="491" r:id="rId32"/>
-    <p:sldId id="506" r:id="rId33"/>
-    <p:sldId id="494" r:id="rId34"/>
-    <p:sldId id="508" r:id="rId35"/>
+    <p:sldId id="512" r:id="rId19"/>
+    <p:sldId id="499" r:id="rId20"/>
+    <p:sldId id="487" r:id="rId21"/>
+    <p:sldId id="501" r:id="rId22"/>
+    <p:sldId id="500" r:id="rId23"/>
+    <p:sldId id="502" r:id="rId24"/>
+    <p:sldId id="504" r:id="rId25"/>
+    <p:sldId id="454" r:id="rId26"/>
+    <p:sldId id="413" r:id="rId27"/>
+    <p:sldId id="505" r:id="rId28"/>
+    <p:sldId id="493" r:id="rId29"/>
+    <p:sldId id="495" r:id="rId30"/>
+    <p:sldId id="489" r:id="rId31"/>
+    <p:sldId id="490" r:id="rId32"/>
+    <p:sldId id="491" r:id="rId33"/>
+    <p:sldId id="506" r:id="rId34"/>
+    <p:sldId id="494" r:id="rId35"/>
+    <p:sldId id="508" r:id="rId36"/>
   </p:sldIdLst>
   <p:sldSz cx="12192000" cy="6858000"/>
   <p:notesSz cx="7099300" cy="10234613"/>
   <p:custDataLst>
-    <p:tags r:id="rId38"/>
+    <p:tags r:id="rId39"/>
   </p:custDataLst>
   <p:defaultTextStyle>
     <a:defPPr>
@@ -149,7 +150,7 @@
   <p:extLst>
     <p:ext uri="{521415D9-36F7-43E2-AB2F-B90AF26B5E84}">
       <p14:sectionLst xmlns:p14="http://schemas.microsoft.com/office/powerpoint/2010/main">
-        <p14:section name="Default Section" id="{B71BB79B-38E9-4662-8ED5-3F2F225203CE}">
+        <p14:section name="Introduction" id="{B71BB79B-38E9-4662-8ED5-3F2F225203CE}">
           <p14:sldIdLst>
             <p14:sldId id="455"/>
             <p14:sldId id="509"/>
@@ -157,6 +158,10 @@
             <p14:sldId id="457"/>
             <p14:sldId id="306"/>
             <p14:sldId id="510"/>
+          </p14:sldIdLst>
+        </p14:section>
+        <p14:section name="Supervised Learning" id="{87DBC323-8EDA-4738-AF7F-5929ADB374DA}">
+          <p14:sldIdLst>
             <p14:sldId id="497"/>
             <p14:sldId id="346"/>
             <p14:sldId id="347"/>
@@ -165,9 +170,18 @@
             <p14:sldId id="480"/>
             <p14:sldId id="485"/>
             <p14:sldId id="479"/>
+          </p14:sldIdLst>
+        </p14:section>
+        <p14:section name="Data" id="{16F72C8D-4EB9-41F6-B741-77F6A0986143}">
+          <p14:sldIdLst>
             <p14:sldId id="498"/>
             <p14:sldId id="486"/>
             <p14:sldId id="432"/>
+            <p14:sldId id="512"/>
+          </p14:sldIdLst>
+        </p14:section>
+        <p14:section name="Training and Testing" id="{C04CA568-4756-4F1A-A0CF-F0BB46D2F97A}">
+          <p14:sldIdLst>
             <p14:sldId id="499"/>
             <p14:sldId id="487"/>
             <p14:sldId id="501"/>
@@ -176,6 +190,10 @@
             <p14:sldId id="504"/>
             <p14:sldId id="454"/>
             <p14:sldId id="413"/>
+          </p14:sldIdLst>
+        </p14:section>
+        <p14:section name="Types of ML Models" id="{17B4E910-6E8A-4FEE-A43D-B13D3E343326}">
+          <p14:sldIdLst>
             <p14:sldId id="505"/>
             <p14:sldId id="493"/>
             <p14:sldId id="495"/>
@@ -184,6 +202,10 @@
             <p14:sldId id="491"/>
             <p14:sldId id="506"/>
             <p14:sldId id="494"/>
+          </p14:sldIdLst>
+        </p14:section>
+        <p14:section name="How are models used in AI" id="{C564B212-4CB4-4076-B86F-55C18B0F30DD}">
+          <p14:sldIdLst>
             <p14:sldId id="508"/>
           </p14:sldIdLst>
         </p14:section>
@@ -4186,6 +4208,11 @@
           </a:r>
         </a:p>
       </dgm:t>
+      <dgm:extLst>
+        <a:ext uri="{E40237B7-FDA0-4F09-8148-C483321AD2D9}">
+          <dgm14:cNvPr xmlns:dgm14="http://schemas.microsoft.com/office/drawing/2010/diagram" id="0" name="" descr="ML models can be used to learn actions or an evaluation function from state descriptions. ML is also used in preprocessing percepts (natural language processing, object detection) or to compress large tables like joint probability tables."/>
+        </a:ext>
+      </dgm:extLst>
     </dgm:pt>
     <dgm:pt modelId="{C3CE518E-68F8-4825-9AA4-0AFE0BB3E644}" type="parTrans" cxnId="{01205396-4586-4514-8DC8-38890847DA28}">
       <dgm:prSet/>
@@ -4218,7 +4245,7 @@
         <a:p>
           <a:r>
             <a:rPr lang="en-US" dirty="0"/>
-            <a:t>Joint probability table</a:t>
+            <a:t>Joint and conditional probability tables</a:t>
           </a:r>
         </a:p>
       </dgm:t>
@@ -4254,7 +4281,7 @@
         <a:p>
           <a:r>
             <a:rPr lang="en-US" dirty="0"/>
-            <a:t>State utility table</a:t>
+            <a:t>State utility tables</a:t>
           </a:r>
         </a:p>
       </dgm:t>
@@ -5174,6 +5201,11 @@
           </a:r>
         </a:p>
       </dgm:t>
+      <dgm:extLst>
+        <a:ext uri="{E40237B7-FDA0-4F09-8148-C483321AD2D9}">
+          <dgm14:cNvPr xmlns:dgm14="http://schemas.microsoft.com/office/drawing/2010/diagram" id="0" name="" descr="ML models can be used to learn actions or an evaluation function from state descriptions. ML is also used in preprocessing percepts (natural language processing, object detection) or to compress large tables like joint probability tables."/>
+        </a:ext>
+      </dgm:extLst>
     </dgm:pt>
     <dgm:pt modelId="{C3CE518E-68F8-4825-9AA4-0AFE0BB3E644}" type="parTrans" cxnId="{01205396-4586-4514-8DC8-38890847DA28}">
       <dgm:prSet/>
@@ -5206,7 +5238,7 @@
         <a:p>
           <a:r>
             <a:rPr lang="en-US" dirty="0"/>
-            <a:t>Joint probability table</a:t>
+            <a:t>Joint and conditional probability tables</a:t>
           </a:r>
         </a:p>
       </dgm:t>
@@ -5242,7 +5274,7 @@
         <a:p>
           <a:r>
             <a:rPr lang="en-US" dirty="0"/>
-            <a:t>State utility table</a:t>
+            <a:t>State utility tables</a:t>
           </a:r>
         </a:p>
       </dgm:t>
@@ -6244,9 +6276,9 @@
         <a:ln w="12700" cap="flat" cmpd="sng" algn="ctr">
           <a:solidFill>
             <a:schemeClr val="accent5">
-              <a:hueOff val="-6758543"/>
-              <a:satOff val="-17419"/>
-              <a:lumOff val="-11765"/>
+              <a:hueOff val="-12162821"/>
+              <a:satOff val="-296"/>
+              <a:lumOff val="-10393"/>
               <a:alphaOff val="0"/>
             </a:schemeClr>
           </a:solidFill>
@@ -6381,9 +6413,9 @@
         </a:prstGeom>
         <a:solidFill>
           <a:schemeClr val="accent5">
-            <a:hueOff val="-6758543"/>
-            <a:satOff val="-17419"/>
-            <a:lumOff val="-11765"/>
+            <a:hueOff val="-12162821"/>
+            <a:satOff val="-296"/>
+            <a:lumOff val="-10393"/>
             <a:alphaOff val="0"/>
           </a:schemeClr>
         </a:solidFill>
@@ -7483,7 +7515,7 @@
           </a:pPr>
           <a:r>
             <a:rPr lang="en-US" sz="1600" kern="1200" dirty="0"/>
-            <a:t>Joint probability table</a:t>
+            <a:t>Joint and conditional probability tables</a:t>
           </a:r>
         </a:p>
         <a:p>
@@ -7501,7 +7533,7 @@
           </a:pPr>
           <a:r>
             <a:rPr lang="en-US" sz="1600" kern="1200" dirty="0"/>
-            <a:t>State utility table</a:t>
+            <a:t>State utility tables</a:t>
           </a:r>
         </a:p>
         <a:p>
@@ -12334,7 +12366,7 @@
               <a:pPr>
                 <a:defRPr/>
               </a:pPr>
-              <a:t>20</a:t>
+              <a:t>21</a:t>
             </a:fld>
             <a:endParaRPr lang="en-US"/>
           </a:p>
@@ -12429,7 +12461,7 @@
               <a:pPr>
                 <a:defRPr/>
               </a:pPr>
-              <a:t>21</a:t>
+              <a:t>22</a:t>
             </a:fld>
             <a:endParaRPr lang="en-US"/>
           </a:p>
@@ -12524,7 +12556,7 @@
               <a:pPr>
                 <a:defRPr/>
               </a:pPr>
-              <a:t>22</a:t>
+              <a:t>23</a:t>
             </a:fld>
             <a:endParaRPr lang="en-US"/>
           </a:p>
@@ -12619,7 +12651,7 @@
               <a:pPr>
                 <a:defRPr/>
               </a:pPr>
-              <a:t>23</a:t>
+              <a:t>24</a:t>
             </a:fld>
             <a:endParaRPr lang="en-US"/>
           </a:p>
@@ -17363,183 +17395,210 @@
           </a:p>
         </p:txBody>
       </p:sp>
-      <p:pic>
-        <p:nvPicPr>
-          <p:cNvPr id="18" name="Picture 4" descr="Creative Commons License">
+      <p:grpSp>
+        <p:nvGrpSpPr>
+          <p:cNvPr id="6" name="Group 5">
             <a:extLst>
               <a:ext uri="{FF2B5EF4-FFF2-40B4-BE49-F238E27FC236}">
-                <a16:creationId xmlns:a16="http://schemas.microsoft.com/office/drawing/2014/main" id="{67259A3D-DFAB-4657-8C93-F2F7ED3F5852}"/>
+                <a16:creationId xmlns:a16="http://schemas.microsoft.com/office/drawing/2014/main" id="{1E0D0D5D-35B7-C2D7-19AB-19035AAD48BA}"/>
+              </a:ext>
+              <a:ext uri="{C183D7F6-B498-43B3-948B-1728B52AA6E4}">
+                <adec:decorative xmlns:adec="http://schemas.microsoft.com/office/drawing/2017/decorative" val="1"/>
               </a:ext>
             </a:extLst>
           </p:cNvPr>
-          <p:cNvPicPr>
-            <a:picLocks noChangeAspect="1" noChangeArrowheads="1"/>
-          </p:cNvPicPr>
+          <p:cNvGrpSpPr/>
           <p:nvPr/>
-        </p:nvPicPr>
-        <p:blipFill>
-          <a:blip r:embed="rId4">
+        </p:nvGrpSpPr>
+        <p:grpSpPr>
+          <a:xfrm>
+            <a:off x="838199" y="5901269"/>
+            <a:ext cx="3017521" cy="794028"/>
+            <a:chOff x="838199" y="5901269"/>
+            <a:chExt cx="3017521" cy="794028"/>
+          </a:xfrm>
+        </p:grpSpPr>
+        <p:pic>
+          <p:nvPicPr>
+            <p:cNvPr id="18" name="Picture 4" descr="Creative Commons License">
+              <a:extLst>
+                <a:ext uri="{FF2B5EF4-FFF2-40B4-BE49-F238E27FC236}">
+                  <a16:creationId xmlns:a16="http://schemas.microsoft.com/office/drawing/2014/main" id="{67259A3D-DFAB-4657-8C93-F2F7ED3F5852}"/>
+                </a:ext>
+              </a:extLst>
+            </p:cNvPr>
+            <p:cNvPicPr>
+              <a:picLocks noChangeAspect="1" noChangeArrowheads="1"/>
+            </p:cNvPicPr>
+            <p:nvPr/>
+          </p:nvPicPr>
+          <p:blipFill>
+            <a:blip r:embed="rId4">
+              <a:extLst>
+                <a:ext uri="{28A0092B-C50C-407E-A947-70E740481C1C}">
+                  <a14:useLocalDpi xmlns:a14="http://schemas.microsoft.com/office/drawing/2010/main" val="0"/>
+                </a:ext>
+              </a:extLst>
+            </a:blip>
+            <a:srcRect/>
+            <a:stretch>
+              <a:fillRect/>
+            </a:stretch>
+          </p:blipFill>
+          <p:spPr bwMode="auto">
+            <a:xfrm>
+              <a:off x="914400" y="5901269"/>
+              <a:ext cx="838200" cy="295275"/>
+            </a:xfrm>
+            <a:prstGeom prst="rect">
+              <a:avLst/>
+            </a:prstGeom>
+            <a:noFill/>
             <a:extLst>
-              <a:ext uri="{28A0092B-C50C-407E-A947-70E740481C1C}">
-                <a14:useLocalDpi xmlns:a14="http://schemas.microsoft.com/office/drawing/2010/main" val="0"/>
+              <a:ext uri="{909E8E84-426E-40DD-AFC4-6F175D3DCCD1}">
+                <a14:hiddenFill xmlns:a14="http://schemas.microsoft.com/office/drawing/2010/main">
+                  <a:solidFill>
+                    <a:srgbClr val="FFFFFF"/>
+                  </a:solidFill>
+                </a14:hiddenFill>
               </a:ext>
             </a:extLst>
-          </a:blip>
-          <a:srcRect/>
-          <a:stretch>
-            <a:fillRect/>
-          </a:stretch>
-        </p:blipFill>
-        <p:spPr bwMode="auto">
-          <a:xfrm>
-            <a:off x="914400" y="5901269"/>
-            <a:ext cx="838200" cy="295275"/>
-          </a:xfrm>
-          <a:prstGeom prst="rect">
-            <a:avLst/>
-          </a:prstGeom>
-          <a:noFill/>
-          <a:extLst>
-            <a:ext uri="{909E8E84-426E-40DD-AFC4-6F175D3DCCD1}">
-              <a14:hiddenFill xmlns:a14="http://schemas.microsoft.com/office/drawing/2010/main">
-                <a:solidFill>
-                  <a:srgbClr val="FFFFFF"/>
-                </a:solidFill>
-              </a14:hiddenFill>
-            </a:ext>
-          </a:extLst>
-        </p:spPr>
-      </p:pic>
-      <p:sp>
-        <p:nvSpPr>
-          <p:cNvPr id="19" name="TextBox 18">
-            <a:extLst>
-              <a:ext uri="{FF2B5EF4-FFF2-40B4-BE49-F238E27FC236}">
-                <a16:creationId xmlns:a16="http://schemas.microsoft.com/office/drawing/2014/main" id="{84322797-EFC0-4BD6-A554-1C7992D224D7}"/>
-              </a:ext>
-            </a:extLst>
-          </p:cNvPr>
-          <p:cNvSpPr txBox="1"/>
-          <p:nvPr/>
-        </p:nvSpPr>
-        <p:spPr>
-          <a:xfrm>
-            <a:off x="838199" y="6264410"/>
-            <a:ext cx="3017521" cy="430887"/>
-          </a:xfrm>
-          <a:prstGeom prst="rect">
-            <a:avLst/>
-          </a:prstGeom>
-          <a:noFill/>
-        </p:spPr>
-        <p:txBody>
-          <a:bodyPr wrap="square">
-            <a:spAutoFit/>
-          </a:bodyPr>
-          <a:lstStyle/>
-          <a:p>
-            <a:pPr>
-              <a:spcAft>
-                <a:spcPts val="600"/>
-              </a:spcAft>
-            </a:pPr>
-            <a:r>
-              <a:rPr lang="en-US" sz="1100" b="0" i="0" dirty="0">
+          </p:spPr>
+        </p:pic>
+        <p:sp>
+          <p:nvSpPr>
+            <p:cNvPr id="19" name="TextBox 18">
+              <a:extLst>
+                <a:ext uri="{FF2B5EF4-FFF2-40B4-BE49-F238E27FC236}">
+                  <a16:creationId xmlns:a16="http://schemas.microsoft.com/office/drawing/2014/main" id="{84322797-EFC0-4BD6-A554-1C7992D224D7}"/>
+                </a:ext>
+              </a:extLst>
+            </p:cNvPr>
+            <p:cNvSpPr txBox="1"/>
+            <p:nvPr/>
+          </p:nvSpPr>
+          <p:spPr>
+            <a:xfrm>
+              <a:off x="838199" y="6264410"/>
+              <a:ext cx="3017521" cy="430887"/>
+            </a:xfrm>
+            <a:prstGeom prst="rect">
+              <a:avLst/>
+            </a:prstGeom>
+            <a:noFill/>
+          </p:spPr>
+          <p:txBody>
+            <a:bodyPr wrap="square">
+              <a:spAutoFit/>
+            </a:bodyPr>
+            <a:lstStyle/>
+            <a:p>
+              <a:pPr>
+                <a:spcAft>
+                  <a:spcPts val="600"/>
+                </a:spcAft>
+              </a:pPr>
+              <a:r>
+                <a:rPr lang="en-US" sz="1100" b="0" i="0" dirty="0">
+                  <a:solidFill>
+                    <a:schemeClr val="tx1">
+                      <a:lumMod val="50000"/>
+                    </a:schemeClr>
+                  </a:solidFill>
+                  <a:effectLst/>
+                  <a:latin typeface="source sans pro" panose="020B0503030403020204" pitchFamily="34" charset="0"/>
+                </a:rPr>
+                <a:t>This work is licensed under a </a:t>
+              </a:r>
+              <a:r>
+                <a:rPr lang="en-US" sz="1100" b="0" i="0" strike="noStrike" dirty="0">
+                  <a:solidFill>
+                    <a:schemeClr val="tx1">
+                      <a:lumMod val="50000"/>
+                    </a:schemeClr>
+                  </a:solidFill>
+                  <a:effectLst/>
+                  <a:latin typeface="source sans pro" panose="020B0503030403020204" pitchFamily="34" charset="0"/>
+                  <a:hlinkClick r:id="rId5">
+                    <a:extLst>
+                      <a:ext uri="{A12FA001-AC4F-418D-AE19-62706E023703}">
+                        <ahyp:hlinkClr xmlns:ahyp="http://schemas.microsoft.com/office/drawing/2018/hyperlinkcolor" val="tx"/>
+                      </a:ext>
+                    </a:extLst>
+                  </a:hlinkClick>
+                </a:rPr>
+                <a:t>Creative Commons Attribution-</a:t>
+              </a:r>
+              <a:r>
+                <a:rPr lang="en-US" sz="1100" b="0" i="0" strike="noStrike" dirty="0" err="1">
+                  <a:solidFill>
+                    <a:schemeClr val="tx1">
+                      <a:lumMod val="50000"/>
+                    </a:schemeClr>
+                  </a:solidFill>
+                  <a:effectLst/>
+                  <a:latin typeface="source sans pro" panose="020B0503030403020204" pitchFamily="34" charset="0"/>
+                  <a:hlinkClick r:id="rId5">
+                    <a:extLst>
+                      <a:ext uri="{A12FA001-AC4F-418D-AE19-62706E023703}">
+                        <ahyp:hlinkClr xmlns:ahyp="http://schemas.microsoft.com/office/drawing/2018/hyperlinkcolor" val="tx"/>
+                      </a:ext>
+                    </a:extLst>
+                  </a:hlinkClick>
+                </a:rPr>
+                <a:t>ShareAlike</a:t>
+              </a:r>
+              <a:r>
+                <a:rPr lang="en-US" sz="1100" b="0" i="0" strike="noStrike" dirty="0">
+                  <a:solidFill>
+                    <a:schemeClr val="tx1">
+                      <a:lumMod val="50000"/>
+                    </a:schemeClr>
+                  </a:solidFill>
+                  <a:effectLst/>
+                  <a:latin typeface="source sans pro" panose="020B0503030403020204" pitchFamily="34" charset="0"/>
+                  <a:hlinkClick r:id="rId5">
+                    <a:extLst>
+                      <a:ext uri="{A12FA001-AC4F-418D-AE19-62706E023703}">
+                        <ahyp:hlinkClr xmlns:ahyp="http://schemas.microsoft.com/office/drawing/2018/hyperlinkcolor" val="tx"/>
+                      </a:ext>
+                    </a:extLst>
+                  </a:hlinkClick>
+                </a:rPr>
+                <a:t> 4.0 International License</a:t>
+              </a:r>
+              <a:r>
+                <a:rPr lang="en-US" sz="1100" b="0" i="0" dirty="0">
+                  <a:solidFill>
+                    <a:schemeClr val="tx1">
+                      <a:lumMod val="50000"/>
+                    </a:schemeClr>
+                  </a:solidFill>
+                  <a:effectLst/>
+                  <a:latin typeface="source sans pro" panose="020B0503030403020204" pitchFamily="34" charset="0"/>
+                </a:rPr>
+                <a:t>.</a:t>
+              </a:r>
+              <a:endParaRPr lang="en-US" sz="1100" dirty="0">
                 <a:solidFill>
                   <a:schemeClr val="tx1">
                     <a:lumMod val="50000"/>
                   </a:schemeClr>
                 </a:solidFill>
-                <a:effectLst/>
-                <a:latin typeface="source sans pro" panose="020B0503030403020204" pitchFamily="34" charset="0"/>
-              </a:rPr>
-              <a:t>This work is licensed under a </a:t>
-            </a:r>
-            <a:r>
-              <a:rPr lang="en-US" sz="1100" b="0" i="0" strike="noStrike" dirty="0">
-                <a:solidFill>
-                  <a:schemeClr val="tx1">
-                    <a:lumMod val="50000"/>
-                  </a:schemeClr>
-                </a:solidFill>
-                <a:effectLst/>
-                <a:latin typeface="source sans pro" panose="020B0503030403020204" pitchFamily="34" charset="0"/>
-                <a:hlinkClick r:id="rId5">
-                  <a:extLst>
-                    <a:ext uri="{A12FA001-AC4F-418D-AE19-62706E023703}">
-                      <ahyp:hlinkClr xmlns:ahyp="http://schemas.microsoft.com/office/drawing/2018/hyperlinkcolor" val="tx"/>
-                    </a:ext>
-                  </a:extLst>
-                </a:hlinkClick>
-              </a:rPr>
-              <a:t>Creative Commons Attribution-</a:t>
-            </a:r>
-            <a:r>
-              <a:rPr lang="en-US" sz="1100" b="0" i="0" strike="noStrike" dirty="0" err="1">
-                <a:solidFill>
-                  <a:schemeClr val="tx1">
-                    <a:lumMod val="50000"/>
-                  </a:schemeClr>
-                </a:solidFill>
-                <a:effectLst/>
-                <a:latin typeface="source sans pro" panose="020B0503030403020204" pitchFamily="34" charset="0"/>
-                <a:hlinkClick r:id="rId5">
-                  <a:extLst>
-                    <a:ext uri="{A12FA001-AC4F-418D-AE19-62706E023703}">
-                      <ahyp:hlinkClr xmlns:ahyp="http://schemas.microsoft.com/office/drawing/2018/hyperlinkcolor" val="tx"/>
-                    </a:ext>
-                  </a:extLst>
-                </a:hlinkClick>
-              </a:rPr>
-              <a:t>ShareAlike</a:t>
-            </a:r>
-            <a:r>
-              <a:rPr lang="en-US" sz="1100" b="0" i="0" strike="noStrike" dirty="0">
-                <a:solidFill>
-                  <a:schemeClr val="tx1">
-                    <a:lumMod val="50000"/>
-                  </a:schemeClr>
-                </a:solidFill>
-                <a:effectLst/>
-                <a:latin typeface="source sans pro" panose="020B0503030403020204" pitchFamily="34" charset="0"/>
-                <a:hlinkClick r:id="rId5">
-                  <a:extLst>
-                    <a:ext uri="{A12FA001-AC4F-418D-AE19-62706E023703}">
-                      <ahyp:hlinkClr xmlns:ahyp="http://schemas.microsoft.com/office/drawing/2018/hyperlinkcolor" val="tx"/>
-                    </a:ext>
-                  </a:extLst>
-                </a:hlinkClick>
-              </a:rPr>
-              <a:t> 4.0 International License</a:t>
-            </a:r>
-            <a:r>
-              <a:rPr lang="en-US" sz="1100" b="0" i="0" dirty="0">
-                <a:solidFill>
-                  <a:schemeClr val="tx1">
-                    <a:lumMod val="50000"/>
-                  </a:schemeClr>
-                </a:solidFill>
-                <a:effectLst/>
-                <a:latin typeface="source sans pro" panose="020B0503030403020204" pitchFamily="34" charset="0"/>
-              </a:rPr>
-              <a:t>.</a:t>
-            </a:r>
-            <a:endParaRPr lang="en-US" sz="1100" dirty="0">
-              <a:solidFill>
-                <a:schemeClr val="tx1">
-                  <a:lumMod val="50000"/>
-                </a:schemeClr>
-              </a:solidFill>
-            </a:endParaRPr>
-          </a:p>
-        </p:txBody>
-      </p:sp>
+              </a:endParaRPr>
+            </a:p>
+          </p:txBody>
+        </p:sp>
+      </p:grpSp>
       <p:pic>
         <p:nvPicPr>
           <p:cNvPr id="1030" name="Picture 6">
             <a:extLst>
               <a:ext uri="{FF2B5EF4-FFF2-40B4-BE49-F238E27FC236}">
                 <a16:creationId xmlns:a16="http://schemas.microsoft.com/office/drawing/2014/main" id="{F730448B-7C7B-B1D7-2745-591D0BFC2701}"/>
+              </a:ext>
+              <a:ext uri="{C183D7F6-B498-43B3-948B-1728B52AA6E4}">
+                <adec:decorative xmlns:adec="http://schemas.microsoft.com/office/drawing/2017/decorative" val="1"/>
               </a:ext>
             </a:extLst>
           </p:cNvPr>
@@ -17563,7 +17622,7 @@
         </p:blipFill>
         <p:spPr bwMode="auto">
           <a:xfrm>
-            <a:off x="5372304" y="1259943"/>
+            <a:off x="5260846" y="473726"/>
             <a:ext cx="6816648" cy="4869034"/>
           </a:xfrm>
           <a:prstGeom prst="rect">
@@ -17581,6 +17640,160 @@
           </a:extLst>
         </p:spPr>
       </p:pic>
+      <p:grpSp>
+        <p:nvGrpSpPr>
+          <p:cNvPr id="2" name="Group 1">
+            <a:extLst>
+              <a:ext uri="{FF2B5EF4-FFF2-40B4-BE49-F238E27FC236}">
+                <a16:creationId xmlns:a16="http://schemas.microsoft.com/office/drawing/2014/main" id="{669F715E-A19D-1F15-1CC4-5B6991C32D15}"/>
+              </a:ext>
+              <a:ext uri="{C183D7F6-B498-43B3-948B-1728B52AA6E4}">
+                <adec:decorative xmlns:adec="http://schemas.microsoft.com/office/drawing/2017/decorative" val="1"/>
+              </a:ext>
+            </a:extLst>
+          </p:cNvPr>
+          <p:cNvGrpSpPr/>
+          <p:nvPr/>
+        </p:nvGrpSpPr>
+        <p:grpSpPr>
+          <a:xfrm>
+            <a:off x="10668527" y="5181124"/>
+            <a:ext cx="1218146" cy="1440289"/>
+            <a:chOff x="7151029" y="4191000"/>
+            <a:chExt cx="1688171" cy="1981200"/>
+          </a:xfrm>
+        </p:grpSpPr>
+        <p:sp>
+          <p:nvSpPr>
+            <p:cNvPr id="3" name="Rectangle 2">
+              <a:extLst>
+                <a:ext uri="{FF2B5EF4-FFF2-40B4-BE49-F238E27FC236}">
+                  <a16:creationId xmlns:a16="http://schemas.microsoft.com/office/drawing/2014/main" id="{9B0FE7C1-13AA-157F-0C36-B983BB601F40}"/>
+                </a:ext>
+              </a:extLst>
+            </p:cNvPr>
+            <p:cNvSpPr/>
+            <p:nvPr/>
+          </p:nvSpPr>
+          <p:spPr>
+            <a:xfrm>
+              <a:off x="7162800" y="4191000"/>
+              <a:ext cx="1676400" cy="1981200"/>
+            </a:xfrm>
+            <a:prstGeom prst="rect">
+              <a:avLst/>
+            </a:prstGeom>
+            <a:ln/>
+          </p:spPr>
+          <p:style>
+            <a:lnRef idx="2">
+              <a:schemeClr val="dk1"/>
+            </a:lnRef>
+            <a:fillRef idx="1">
+              <a:schemeClr val="lt1"/>
+            </a:fillRef>
+            <a:effectRef idx="0">
+              <a:schemeClr val="dk1"/>
+            </a:effectRef>
+            <a:fontRef idx="minor">
+              <a:schemeClr val="dk1"/>
+            </a:fontRef>
+          </p:style>
+          <p:txBody>
+            <a:bodyPr rtlCol="0" anchor="ctr"/>
+            <a:lstStyle/>
+            <a:p>
+              <a:pPr algn="ctr"/>
+              <a:endParaRPr lang="en-US"/>
+            </a:p>
+          </p:txBody>
+        </p:sp>
+        <p:pic>
+          <p:nvPicPr>
+            <p:cNvPr id="4" name="Picture 3" descr="A qr code with black dots&#10;&#10;Description automatically generated">
+              <a:extLst>
+                <a:ext uri="{FF2B5EF4-FFF2-40B4-BE49-F238E27FC236}">
+                  <a16:creationId xmlns:a16="http://schemas.microsoft.com/office/drawing/2014/main" id="{CDAA75C3-76C6-338F-4D9B-D4F1DF20B73E}"/>
+                </a:ext>
+              </a:extLst>
+            </p:cNvPr>
+            <p:cNvPicPr>
+              <a:picLocks noChangeAspect="1"/>
+            </p:cNvPicPr>
+            <p:nvPr/>
+          </p:nvPicPr>
+          <p:blipFill>
+            <a:blip r:embed="rId7">
+              <a:extLst>
+                <a:ext uri="{28A0092B-C50C-407E-A947-70E740481C1C}">
+                  <a14:useLocalDpi xmlns:a14="http://schemas.microsoft.com/office/drawing/2010/main" val="0"/>
+                </a:ext>
+              </a:extLst>
+            </a:blip>
+            <a:stretch>
+              <a:fillRect/>
+            </a:stretch>
+          </p:blipFill>
+          <p:spPr>
+            <a:xfrm>
+              <a:off x="7184684" y="4213372"/>
+              <a:ext cx="1632631" cy="1632630"/>
+            </a:xfrm>
+            <a:prstGeom prst="rect">
+              <a:avLst/>
+            </a:prstGeom>
+          </p:spPr>
+        </p:pic>
+        <p:sp>
+          <p:nvSpPr>
+            <p:cNvPr id="5" name="Rectangle 4">
+              <a:extLst>
+                <a:ext uri="{FF2B5EF4-FFF2-40B4-BE49-F238E27FC236}">
+                  <a16:creationId xmlns:a16="http://schemas.microsoft.com/office/drawing/2014/main" id="{926BF8BC-E191-90C8-F0C5-EAC7F6AD6D37}"/>
+                </a:ext>
+              </a:extLst>
+            </p:cNvPr>
+            <p:cNvSpPr/>
+            <p:nvPr/>
+          </p:nvSpPr>
+          <p:spPr>
+            <a:xfrm>
+              <a:off x="7151029" y="5812970"/>
+              <a:ext cx="1676400" cy="359230"/>
+            </a:xfrm>
+            <a:prstGeom prst="rect">
+              <a:avLst/>
+            </a:prstGeom>
+          </p:spPr>
+          <p:style>
+            <a:lnRef idx="2">
+              <a:schemeClr val="dk1">
+                <a:shade val="15000"/>
+              </a:schemeClr>
+            </a:lnRef>
+            <a:fillRef idx="1">
+              <a:schemeClr val="dk1"/>
+            </a:fillRef>
+            <a:effectRef idx="0">
+              <a:schemeClr val="dk1"/>
+            </a:effectRef>
+            <a:fontRef idx="minor">
+              <a:schemeClr val="lt1"/>
+            </a:fontRef>
+          </p:style>
+          <p:txBody>
+            <a:bodyPr rtlCol="0" anchor="ctr"/>
+            <a:lstStyle/>
+            <a:p>
+              <a:pPr algn="ctr"/>
+              <a:r>
+                <a:rPr lang="en-US" sz="1200" dirty="0"/>
+                <a:t>Online Material</a:t>
+              </a:r>
+            </a:p>
+          </p:txBody>
+        </p:sp>
+      </p:grpSp>
     </p:spTree>
   </p:cSld>
   <p:clrMapOvr>
@@ -18607,6 +18820,9 @@
               <a:ext uri="{FF2B5EF4-FFF2-40B4-BE49-F238E27FC236}">
                 <a16:creationId xmlns:a16="http://schemas.microsoft.com/office/drawing/2014/main" id="{E0D52B33-9224-4EC5-B7DB-3A04C235E02F}"/>
               </a:ext>
+              <a:ext uri="{C183D7F6-B498-43B3-948B-1728B52AA6E4}">
+                <adec:decorative xmlns:adec="http://schemas.microsoft.com/office/drawing/2017/decorative" val="1"/>
+              </a:ext>
             </a:extLst>
           </p:cNvPr>
           <p:cNvSpPr/>
@@ -18721,6 +18937,9 @@
               <a:ext uri="{FF2B5EF4-FFF2-40B4-BE49-F238E27FC236}">
                 <a16:creationId xmlns:a16="http://schemas.microsoft.com/office/drawing/2014/main" id="{0C115D7C-B830-4B0D-9A5B-1A84AC3255E4}"/>
               </a:ext>
+              <a:ext uri="{C183D7F6-B498-43B3-948B-1728B52AA6E4}">
+                <adec:decorative xmlns:adec="http://schemas.microsoft.com/office/drawing/2017/decorative" val="1"/>
+              </a:ext>
             </a:extLst>
           </p:cNvPr>
           <p:cNvCxnSpPr>
@@ -18761,6 +18980,9 @@
             <a:extLst>
               <a:ext uri="{FF2B5EF4-FFF2-40B4-BE49-F238E27FC236}">
                 <a16:creationId xmlns:a16="http://schemas.microsoft.com/office/drawing/2014/main" id="{29573D55-D5D4-4241-8344-90D913550C6B}"/>
+              </a:ext>
+              <a:ext uri="{C183D7F6-B498-43B3-948B-1728B52AA6E4}">
+                <adec:decorative xmlns:adec="http://schemas.microsoft.com/office/drawing/2017/decorative" val="1"/>
               </a:ext>
             </a:extLst>
           </p:cNvPr>
@@ -18956,7 +19178,7 @@
             </a:ln>
             <a:extLst>
               <a:ext uri="{AF507438-7753-43e0-B8FC-AC1667EBCBE1}">
-                <a14:hiddenEffects xmlns="" xmlns:a14="http://schemas.microsoft.com/office/drawing/2010/main">
+                <a14:hiddenEffects xmlns:a14="http://schemas.microsoft.com/office/drawing/2010/main" xmlns="">
                   <a:effectLst>
                     <a:outerShdw dist="35921" dir="2700000" algn="ctr" rotWithShape="0">
                       <a:schemeClr val="bg2"/>
@@ -18967,19 +19189,17 @@
             </a:extLst>
           </p:spPr>
           <p:style>
-            <a:lnRef idx="2">
-              <a:schemeClr val="accent5">
-                <a:shade val="50000"/>
-              </a:schemeClr>
+            <a:lnRef idx="1">
+              <a:schemeClr val="accent5"/>
             </a:lnRef>
-            <a:fillRef idx="1">
+            <a:fillRef idx="2">
               <a:schemeClr val="accent5"/>
             </a:fillRef>
-            <a:effectRef idx="0">
+            <a:effectRef idx="1">
               <a:schemeClr val="accent5"/>
             </a:effectRef>
             <a:fontRef idx="minor">
-              <a:schemeClr val="lt1"/>
+              <a:schemeClr val="dk1"/>
             </a:fontRef>
           </p:style>
           <p:txBody>
@@ -19026,7 +19246,7 @@
             <a:effectLst/>
             <a:extLst>
               <a:ext uri="{AF507438-7753-43e0-B8FC-AC1667EBCBE1}">
-                <a14:hiddenEffects xmlns="" xmlns:a14="http://schemas.microsoft.com/office/drawing/2010/main">
+                <a14:hiddenEffects xmlns:a14="http://schemas.microsoft.com/office/drawing/2010/main" xmlns="">
                   <a:effectLst>
                     <a:outerShdw dist="35921" dir="2700000" algn="ctr" rotWithShape="0">
                       <a:schemeClr val="bg2"/>
@@ -19080,7 +19300,7 @@
             <a:effectLst/>
             <a:extLst>
               <a:ext uri="{AF507438-7753-43e0-B8FC-AC1667EBCBE1}">
-                <a14:hiddenEffects xmlns="" xmlns:a14="http://schemas.microsoft.com/office/drawing/2010/main">
+                <a14:hiddenEffects xmlns:a14="http://schemas.microsoft.com/office/drawing/2010/main" xmlns="">
                   <a:effectLst>
                     <a:outerShdw dist="35921" dir="2700000" algn="ctr" rotWithShape="0">
                       <a:schemeClr val="bg2"/>
@@ -19133,12 +19353,12 @@
             <a:effectLst/>
             <a:extLst>
               <a:ext uri="{909E8E84-426E-40dd-AFC4-6F175D3DCCD1}">
-                <a14:hiddenFill xmlns="" xmlns:a14="http://schemas.microsoft.com/office/drawing/2010/main">
+                <a14:hiddenFill xmlns:a14="http://schemas.microsoft.com/office/drawing/2010/main" xmlns="">
                   <a:noFill/>
                 </a14:hiddenFill>
               </a:ext>
               <a:ext uri="{AF507438-7753-43e0-B8FC-AC1667EBCBE1}">
-                <a14:hiddenEffects xmlns="" xmlns:a14="http://schemas.microsoft.com/office/drawing/2010/main">
+                <a14:hiddenEffects xmlns:a14="http://schemas.microsoft.com/office/drawing/2010/main" xmlns="">
                   <a:effectLst>
                     <a:outerShdw dist="35921" dir="2700000" algn="ctr" rotWithShape="0">
                       <a:schemeClr val="bg2"/>
@@ -19212,14 +19432,14 @@
             <a:effectLst/>
             <a:extLst>
               <a:ext uri="{909E8E84-426E-40dd-AFC4-6F175D3DCCD1}">
-                <a14:hiddenFill xmlns="" xmlns:a14="http://schemas.microsoft.com/office/drawing/2010/main">
+                <a14:hiddenFill xmlns:a14="http://schemas.microsoft.com/office/drawing/2010/main" xmlns="">
                   <a:solidFill>
                     <a:schemeClr val="accent1"/>
                   </a:solidFill>
                 </a14:hiddenFill>
               </a:ext>
               <a:ext uri="{91240B29-F687-4f45-9708-019B960494DF}">
-                <a14:hiddenLine xmlns="" xmlns:a14="http://schemas.microsoft.com/office/drawing/2010/main" w="9525">
+                <a14:hiddenLine xmlns:a14="http://schemas.microsoft.com/office/drawing/2010/main" xmlns="" w="9525">
                   <a:solidFill>
                     <a:schemeClr val="tx1"/>
                   </a:solidFill>
@@ -19229,7 +19449,7 @@
                 </a14:hiddenLine>
               </a:ext>
               <a:ext uri="{AF507438-7753-43e0-B8FC-AC1667EBCBE1}">
-                <a14:hiddenEffects xmlns="" xmlns:a14="http://schemas.microsoft.com/office/drawing/2010/main">
+                <a14:hiddenEffects xmlns:a14="http://schemas.microsoft.com/office/drawing/2010/main" xmlns="">
                   <a:effectLst>
                     <a:outerShdw dist="35921" dir="2700000" algn="ctr" rotWithShape="0">
                       <a:schemeClr val="bg2"/>
@@ -20587,6 +20807,9 @@
               <a:ext uri="{FF2B5EF4-FFF2-40B4-BE49-F238E27FC236}">
                 <a16:creationId xmlns:a16="http://schemas.microsoft.com/office/drawing/2014/main" id="{69B2F9E5-A1AA-477E-A7A5-38ECCBCEE21B}"/>
               </a:ext>
+              <a:ext uri="{C183D7F6-B498-43B3-948B-1728B52AA6E4}">
+                <adec:decorative xmlns:adec="http://schemas.microsoft.com/office/drawing/2017/decorative" val="1"/>
+              </a:ext>
             </a:extLst>
           </p:cNvPr>
           <p:cNvGrpSpPr/>
@@ -20781,7 +21004,7 @@
             </a:ln>
             <a:extLst>
               <a:ext uri="{AF507438-7753-43e0-B8FC-AC1667EBCBE1}">
-                <a14:hiddenEffects xmlns="" xmlns:a14="http://schemas.microsoft.com/office/drawing/2010/main">
+                <a14:hiddenEffects xmlns:a14="http://schemas.microsoft.com/office/drawing/2010/main" xmlns="">
                   <a:effectLst>
                     <a:outerShdw dist="35921" dir="2700000" algn="ctr" rotWithShape="0">
                       <a:schemeClr val="bg2"/>
@@ -20792,19 +21015,17 @@
             </a:extLst>
           </p:spPr>
           <p:style>
-            <a:lnRef idx="2">
-              <a:schemeClr val="accent5">
-                <a:shade val="50000"/>
-              </a:schemeClr>
+            <a:lnRef idx="1">
+              <a:schemeClr val="accent5"/>
             </a:lnRef>
-            <a:fillRef idx="1">
+            <a:fillRef idx="2">
               <a:schemeClr val="accent5"/>
             </a:fillRef>
-            <a:effectRef idx="0">
+            <a:effectRef idx="1">
               <a:schemeClr val="accent5"/>
             </a:effectRef>
             <a:fontRef idx="minor">
-              <a:schemeClr val="lt1"/>
+              <a:schemeClr val="dk1"/>
             </a:fontRef>
           </p:style>
           <p:txBody>
@@ -20851,7 +21072,7 @@
             <a:effectLst/>
             <a:extLst>
               <a:ext uri="{AF507438-7753-43e0-B8FC-AC1667EBCBE1}">
-                <a14:hiddenEffects xmlns="" xmlns:a14="http://schemas.microsoft.com/office/drawing/2010/main">
+                <a14:hiddenEffects xmlns:a14="http://schemas.microsoft.com/office/drawing/2010/main" xmlns="">
                   <a:effectLst>
                     <a:outerShdw dist="35921" dir="2700000" algn="ctr" rotWithShape="0">
                       <a:schemeClr val="bg2"/>
@@ -20905,7 +21126,7 @@
             <a:effectLst/>
             <a:extLst>
               <a:ext uri="{AF507438-7753-43e0-B8FC-AC1667EBCBE1}">
-                <a14:hiddenEffects xmlns="" xmlns:a14="http://schemas.microsoft.com/office/drawing/2010/main">
+                <a14:hiddenEffects xmlns:a14="http://schemas.microsoft.com/office/drawing/2010/main" xmlns="">
                   <a:effectLst>
                     <a:outerShdw dist="35921" dir="2700000" algn="ctr" rotWithShape="0">
                       <a:schemeClr val="bg2"/>
@@ -20958,12 +21179,12 @@
             <a:effectLst/>
             <a:extLst>
               <a:ext uri="{909E8E84-426E-40dd-AFC4-6F175D3DCCD1}">
-                <a14:hiddenFill xmlns="" xmlns:a14="http://schemas.microsoft.com/office/drawing/2010/main">
+                <a14:hiddenFill xmlns:a14="http://schemas.microsoft.com/office/drawing/2010/main" xmlns="">
                   <a:noFill/>
                 </a14:hiddenFill>
               </a:ext>
               <a:ext uri="{AF507438-7753-43e0-B8FC-AC1667EBCBE1}">
-                <a14:hiddenEffects xmlns="" xmlns:a14="http://schemas.microsoft.com/office/drawing/2010/main">
+                <a14:hiddenEffects xmlns:a14="http://schemas.microsoft.com/office/drawing/2010/main" xmlns="">
                   <a:effectLst>
                     <a:outerShdw dist="35921" dir="2700000" algn="ctr" rotWithShape="0">
                       <a:schemeClr val="bg2"/>
@@ -21037,14 +21258,14 @@
             <a:effectLst/>
             <a:extLst>
               <a:ext uri="{909E8E84-426E-40dd-AFC4-6F175D3DCCD1}">
-                <a14:hiddenFill xmlns="" xmlns:a14="http://schemas.microsoft.com/office/drawing/2010/main">
+                <a14:hiddenFill xmlns:a14="http://schemas.microsoft.com/office/drawing/2010/main" xmlns="">
                   <a:solidFill>
                     <a:schemeClr val="accent1"/>
                   </a:solidFill>
                 </a14:hiddenFill>
               </a:ext>
               <a:ext uri="{91240B29-F687-4f45-9708-019B960494DF}">
-                <a14:hiddenLine xmlns="" xmlns:a14="http://schemas.microsoft.com/office/drawing/2010/main" w="9525">
+                <a14:hiddenLine xmlns:a14="http://schemas.microsoft.com/office/drawing/2010/main" xmlns="" w="9525">
                   <a:solidFill>
                     <a:schemeClr val="tx1"/>
                   </a:solidFill>
@@ -21054,7 +21275,7 @@
                 </a14:hiddenLine>
               </a:ext>
               <a:ext uri="{AF507438-7753-43e0-B8FC-AC1667EBCBE1}">
-                <a14:hiddenEffects xmlns="" xmlns:a14="http://schemas.microsoft.com/office/drawing/2010/main">
+                <a14:hiddenEffects xmlns:a14="http://schemas.microsoft.com/office/drawing/2010/main" xmlns="">
                   <a:effectLst>
                     <a:outerShdw dist="35921" dir="2700000" algn="ctr" rotWithShape="0">
                       <a:schemeClr val="bg2"/>
@@ -23113,6 +23334,9 @@
               <a:ext uri="{FF2B5EF4-FFF2-40B4-BE49-F238E27FC236}">
                 <a16:creationId xmlns:a16="http://schemas.microsoft.com/office/drawing/2014/main" id="{8FEE3F7E-F368-4C1C-B955-0B273B4BAE77}"/>
               </a:ext>
+              <a:ext uri="{C183D7F6-B498-43B3-948B-1728B52AA6E4}">
+                <adec:decorative xmlns:adec="http://schemas.microsoft.com/office/drawing/2017/decorative" val="1"/>
+              </a:ext>
             </a:extLst>
           </p:cNvPr>
           <p:cNvSpPr/>
@@ -23251,7 +23475,7 @@
       </p:sp>
       <p:pic>
         <p:nvPicPr>
-          <p:cNvPr id="4" name="Content Placeholder 3">
+          <p:cNvPr id="4" name="Content Placeholder 3" descr="A figure with semveral models fitted to two sets of data points sampled from the same generating process. The models gor from simple with high bias and loe variance to more consistent with low bias and high variance.">
             <a:extLst>
               <a:ext uri="{FF2B5EF4-FFF2-40B4-BE49-F238E27FC236}">
                 <a16:creationId xmlns:a16="http://schemas.microsoft.com/office/drawing/2014/main" id="{440669D3-C76F-4860-919B-1C91EB0687A7}"/>
@@ -23286,6 +23510,9 @@
             <a:extLst>
               <a:ext uri="{FF2B5EF4-FFF2-40B4-BE49-F238E27FC236}">
                 <a16:creationId xmlns:a16="http://schemas.microsoft.com/office/drawing/2014/main" id="{48F71785-A232-4094-8F22-F6A37EA274B4}"/>
+              </a:ext>
+              <a:ext uri="{C183D7F6-B498-43B3-948B-1728B52AA6E4}">
+                <adec:decorative xmlns:adec="http://schemas.microsoft.com/office/drawing/2017/decorative" val="1"/>
               </a:ext>
             </a:extLst>
           </p:cNvPr>
@@ -23342,6 +23569,9 @@
               <a:ext uri="{FF2B5EF4-FFF2-40B4-BE49-F238E27FC236}">
                 <a16:creationId xmlns:a16="http://schemas.microsoft.com/office/drawing/2014/main" id="{27137B17-72F3-4A79-AFD5-FED3B56484F5}"/>
               </a:ext>
+              <a:ext uri="{C183D7F6-B498-43B3-948B-1728B52AA6E4}">
+                <adec:decorative xmlns:adec="http://schemas.microsoft.com/office/drawing/2017/decorative" val="1"/>
+              </a:ext>
             </a:extLst>
           </p:cNvPr>
           <p:cNvSpPr/>
@@ -23390,14 +23620,17 @@
           </a:p>
         </p:txBody>
       </p:sp>
-      <mc:AlternateContent xmlns:mc="http://schemas.openxmlformats.org/markup-compatibility/2006" xmlns:a14="http://schemas.microsoft.com/office/drawing/2010/main">
-        <mc:Choice Requires="a14">
+      <mc:AlternateContent xmlns:mc="http://schemas.openxmlformats.org/markup-compatibility/2006">
+        <mc:Choice xmlns:a14="http://schemas.microsoft.com/office/drawing/2010/main" Requires="a14">
           <p:sp>
             <p:nvSpPr>
               <p:cNvPr id="15" name="TextBox 14">
                 <a:extLst>
                   <a:ext uri="{FF2B5EF4-FFF2-40B4-BE49-F238E27FC236}">
                     <a16:creationId xmlns:a16="http://schemas.microsoft.com/office/drawing/2014/main" id="{252EF071-26BC-4AA4-88BA-1079C43A0085}"/>
+                  </a:ext>
+                  <a:ext uri="{C183D7F6-B498-43B3-948B-1728B52AA6E4}">
+                    <adec:decorative xmlns:adec="http://schemas.microsoft.com/office/drawing/2017/decorative" val="1"/>
                   </a:ext>
                 </a:extLst>
               </p:cNvPr>
@@ -23498,13 +23731,16 @@
             </p:txBody>
           </p:sp>
         </mc:Choice>
-        <mc:Fallback xmlns="">
+        <mc:Fallback>
           <p:sp>
             <p:nvSpPr>
               <p:cNvPr id="15" name="TextBox 14">
                 <a:extLst>
                   <a:ext uri="{FF2B5EF4-FFF2-40B4-BE49-F238E27FC236}">
                     <a16:creationId xmlns:a16="http://schemas.microsoft.com/office/drawing/2014/main" id="{252EF071-26BC-4AA4-88BA-1079C43A0085}"/>
+                  </a:ext>
+                  <a:ext uri="{C183D7F6-B498-43B3-948B-1728B52AA6E4}">
+                    <adec:decorative xmlns:adec="http://schemas.microsoft.com/office/drawing/2017/decorative" val="1"/>
                   </a:ext>
                 </a:extLst>
               </p:cNvPr>
@@ -23550,6 +23786,9 @@
               <a:ext uri="{FF2B5EF4-FFF2-40B4-BE49-F238E27FC236}">
                 <a16:creationId xmlns:a16="http://schemas.microsoft.com/office/drawing/2014/main" id="{EE30E26D-136D-4B2C-A7FC-940D927BB765}"/>
               </a:ext>
+              <a:ext uri="{C183D7F6-B498-43B3-948B-1728B52AA6E4}">
+                <adec:decorative xmlns:adec="http://schemas.microsoft.com/office/drawing/2017/decorative" val="1"/>
+              </a:ext>
             </a:extLst>
           </p:cNvPr>
           <p:cNvCxnSpPr/>
@@ -23588,6 +23827,9 @@
             <a:extLst>
               <a:ext uri="{FF2B5EF4-FFF2-40B4-BE49-F238E27FC236}">
                 <a16:creationId xmlns:a16="http://schemas.microsoft.com/office/drawing/2014/main" id="{0A877BD8-590A-4BD1-87B0-76CC1440E03B}"/>
+              </a:ext>
+              <a:ext uri="{C183D7F6-B498-43B3-948B-1728B52AA6E4}">
+                <adec:decorative xmlns:adec="http://schemas.microsoft.com/office/drawing/2017/decorative" val="1"/>
               </a:ext>
             </a:extLst>
           </p:cNvPr>
@@ -23629,6 +23871,9 @@
             <a:extLst>
               <a:ext uri="{FF2B5EF4-FFF2-40B4-BE49-F238E27FC236}">
                 <a16:creationId xmlns:a16="http://schemas.microsoft.com/office/drawing/2014/main" id="{2EA726A7-CAEF-4BA5-9F79-EDE918FF2949}"/>
+              </a:ext>
+              <a:ext uri="{C183D7F6-B498-43B3-948B-1728B52AA6E4}">
+                <adec:decorative xmlns:adec="http://schemas.microsoft.com/office/drawing/2017/decorative" val="1"/>
               </a:ext>
             </a:extLst>
           </p:cNvPr>
@@ -23677,6 +23922,9 @@
               <a:ext uri="{FF2B5EF4-FFF2-40B4-BE49-F238E27FC236}">
                 <a16:creationId xmlns:a16="http://schemas.microsoft.com/office/drawing/2014/main" id="{2E70ADEB-6869-4A05-B975-69B8828E9EEF}"/>
               </a:ext>
+              <a:ext uri="{C183D7F6-B498-43B3-948B-1728B52AA6E4}">
+                <adec:decorative xmlns:adec="http://schemas.microsoft.com/office/drawing/2017/decorative" val="1"/>
+              </a:ext>
             </a:extLst>
           </p:cNvPr>
           <p:cNvSpPr/>
@@ -23724,6 +23972,9 @@
               <a:ext uri="{FF2B5EF4-FFF2-40B4-BE49-F238E27FC236}">
                 <a16:creationId xmlns:a16="http://schemas.microsoft.com/office/drawing/2014/main" id="{3838B87B-FD8F-4D40-9442-C6D2BF9E9732}"/>
               </a:ext>
+              <a:ext uri="{C183D7F6-B498-43B3-948B-1728B52AA6E4}">
+                <adec:decorative xmlns:adec="http://schemas.microsoft.com/office/drawing/2017/decorative" val="1"/>
+              </a:ext>
             </a:extLst>
           </p:cNvPr>
           <p:cNvCxnSpPr>
@@ -23764,6 +24015,9 @@
             <a:extLst>
               <a:ext uri="{FF2B5EF4-FFF2-40B4-BE49-F238E27FC236}">
                 <a16:creationId xmlns:a16="http://schemas.microsoft.com/office/drawing/2014/main" id="{7DDB9680-B52C-4396-9715-604840BFAA82}"/>
+              </a:ext>
+              <a:ext uri="{C183D7F6-B498-43B3-948B-1728B52AA6E4}">
+                <adec:decorative xmlns:adec="http://schemas.microsoft.com/office/drawing/2017/decorative" val="1"/>
               </a:ext>
             </a:extLst>
           </p:cNvPr>
@@ -23815,6 +24069,9 @@
               <a:ext uri="{FF2B5EF4-FFF2-40B4-BE49-F238E27FC236}">
                 <a16:creationId xmlns:a16="http://schemas.microsoft.com/office/drawing/2014/main" id="{32500030-7835-4CC6-A0B9-86E7FD32D4AB}"/>
               </a:ext>
+              <a:ext uri="{C183D7F6-B498-43B3-948B-1728B52AA6E4}">
+                <adec:decorative xmlns:adec="http://schemas.microsoft.com/office/drawing/2017/decorative" val="1"/>
+              </a:ext>
             </a:extLst>
           </p:cNvPr>
           <p:cNvSpPr/>
@@ -23859,6 +24116,9 @@
               <a:ext uri="{FF2B5EF4-FFF2-40B4-BE49-F238E27FC236}">
                 <a16:creationId xmlns:a16="http://schemas.microsoft.com/office/drawing/2014/main" id="{3CD755E4-BCB2-4D99-9A3B-B42494B33ECD}"/>
               </a:ext>
+              <a:ext uri="{C183D7F6-B498-43B3-948B-1728B52AA6E4}">
+                <adec:decorative xmlns:adec="http://schemas.microsoft.com/office/drawing/2017/decorative" val="1"/>
+              </a:ext>
             </a:extLst>
           </p:cNvPr>
           <p:cNvSpPr txBox="1"/>
@@ -23893,6 +24153,9 @@
             <a:extLst>
               <a:ext uri="{FF2B5EF4-FFF2-40B4-BE49-F238E27FC236}">
                 <a16:creationId xmlns:a16="http://schemas.microsoft.com/office/drawing/2014/main" id="{951F0CE0-2BFD-3D6B-D38D-3FBE798CD0B5}"/>
+              </a:ext>
+              <a:ext uri="{C183D7F6-B498-43B3-948B-1728B52AA6E4}">
+                <adec:decorative xmlns:adec="http://schemas.microsoft.com/office/drawing/2017/decorative" val="1"/>
               </a:ext>
             </a:extLst>
           </p:cNvPr>
@@ -24760,630 +25023,651 @@
           </a:p>
         </p:txBody>
       </p:sp>
-      <p:pic>
-        <p:nvPicPr>
-          <p:cNvPr id="4" name="Picture 3">
+      <p:grpSp>
+        <p:nvGrpSpPr>
+          <p:cNvPr id="5" name="Group 4" descr="Data sets are tables with examples as rows and features as columns. One colum contains the class label.">
             <a:extLst>
               <a:ext uri="{FF2B5EF4-FFF2-40B4-BE49-F238E27FC236}">
-                <a16:creationId xmlns:a16="http://schemas.microsoft.com/office/drawing/2014/main" id="{F63B35E1-0C03-453F-939A-D44091257FBD}"/>
+                <a16:creationId xmlns:a16="http://schemas.microsoft.com/office/drawing/2014/main" id="{ED419B29-0F27-89BE-DAF3-568E7E306965}"/>
               </a:ext>
             </a:extLst>
           </p:cNvPr>
-          <p:cNvPicPr>
-            <a:picLocks noChangeAspect="1"/>
-          </p:cNvPicPr>
+          <p:cNvGrpSpPr/>
           <p:nvPr/>
-        </p:nvPicPr>
-        <p:blipFill>
-          <a:blip r:embed="rId2"/>
-          <a:stretch>
-            <a:fillRect/>
-          </a:stretch>
-        </p:blipFill>
-        <p:spPr>
+        </p:nvGrpSpPr>
+        <p:grpSpPr>
           <a:xfrm>
-            <a:off x="3429000" y="1295400"/>
-            <a:ext cx="7819492" cy="3838659"/>
+            <a:off x="918108" y="400398"/>
+            <a:ext cx="10435692" cy="5730963"/>
+            <a:chOff x="918108" y="400398"/>
+            <a:chExt cx="10435692" cy="5730963"/>
           </a:xfrm>
-          <a:prstGeom prst="rect">
-            <a:avLst/>
-          </a:prstGeom>
-        </p:spPr>
-      </p:pic>
-      <p:cxnSp>
-        <p:nvCxnSpPr>
-          <p:cNvPr id="6" name="Straight Arrow Connector 5">
-            <a:extLst>
-              <a:ext uri="{FF2B5EF4-FFF2-40B4-BE49-F238E27FC236}">
-                <a16:creationId xmlns:a16="http://schemas.microsoft.com/office/drawing/2014/main" id="{65C3DF64-1305-4C5C-AF35-4F6B961BAE79}"/>
-              </a:ext>
-            </a:extLst>
-          </p:cNvPr>
-          <p:cNvCxnSpPr/>
-          <p:nvPr/>
-        </p:nvCxnSpPr>
-        <p:spPr>
-          <a:xfrm>
-            <a:off x="2133600" y="2819400"/>
-            <a:ext cx="1143000" cy="0"/>
-          </a:xfrm>
-          <a:prstGeom prst="straightConnector1">
-            <a:avLst/>
-          </a:prstGeom>
-          <a:ln>
-            <a:tailEnd type="triangle"/>
-          </a:ln>
-        </p:spPr>
-        <p:style>
-          <a:lnRef idx="3">
-            <a:schemeClr val="accent2"/>
-          </a:lnRef>
-          <a:fillRef idx="0">
-            <a:schemeClr val="accent2"/>
-          </a:fillRef>
-          <a:effectRef idx="2">
-            <a:schemeClr val="accent2"/>
-          </a:effectRef>
-          <a:fontRef idx="minor">
-            <a:schemeClr val="tx1"/>
-          </a:fontRef>
-        </p:style>
-      </p:cxnSp>
-      <p:sp>
-        <p:nvSpPr>
-          <p:cNvPr id="7" name="TextBox 6">
-            <a:extLst>
-              <a:ext uri="{FF2B5EF4-FFF2-40B4-BE49-F238E27FC236}">
-                <a16:creationId xmlns:a16="http://schemas.microsoft.com/office/drawing/2014/main" id="{2327ECBC-D330-423A-A98F-A6C0659CB714}"/>
-              </a:ext>
-            </a:extLst>
-          </p:cNvPr>
-          <p:cNvSpPr txBox="1"/>
-          <p:nvPr/>
-        </p:nvSpPr>
-        <p:spPr>
-          <a:xfrm>
-            <a:off x="918108" y="2357735"/>
-            <a:ext cx="1447800" cy="923330"/>
-          </a:xfrm>
-          <a:prstGeom prst="rect">
-            <a:avLst/>
-          </a:prstGeom>
-        </p:spPr>
-        <p:style>
-          <a:lnRef idx="2">
-            <a:schemeClr val="accent2">
-              <a:shade val="50000"/>
-            </a:schemeClr>
-          </a:lnRef>
-          <a:fillRef idx="1">
-            <a:schemeClr val="accent2"/>
-          </a:fillRef>
-          <a:effectRef idx="0">
-            <a:schemeClr val="accent2"/>
-          </a:effectRef>
-          <a:fontRef idx="minor">
-            <a:schemeClr val="lt1"/>
-          </a:fontRef>
-        </p:style>
-        <p:txBody>
-          <a:bodyPr wrap="square" rtlCol="0">
-            <a:spAutoFit/>
-          </a:bodyPr>
-          <a:lstStyle/>
-          <a:p>
-            <a:pPr algn="ctr"/>
-            <a:r>
-              <a:rPr lang="en-US" dirty="0"/>
-              <a:t>Examples</a:t>
-            </a:r>
-          </a:p>
-          <a:p>
-            <a:pPr algn="ctr"/>
-            <a:r>
-              <a:rPr lang="en-US" dirty="0"/>
-              <a:t>(Instances,</a:t>
-            </a:r>
-          </a:p>
-          <a:p>
-            <a:pPr algn="ctr"/>
-            <a:r>
-              <a:rPr lang="en-US" dirty="0"/>
-              <a:t>Observation)</a:t>
-            </a:r>
-          </a:p>
-        </p:txBody>
-      </p:sp>
-      <mc:AlternateContent xmlns:mc="http://schemas.openxmlformats.org/markup-compatibility/2006" xmlns:a14="http://schemas.microsoft.com/office/drawing/2010/main">
-        <mc:Choice Requires="a14">
-          <p:sp>
-            <p:nvSpPr>
-              <p:cNvPr id="8" name="TextBox 7">
-                <a:extLst>
-                  <a:ext uri="{FF2B5EF4-FFF2-40B4-BE49-F238E27FC236}">
-                    <a16:creationId xmlns:a16="http://schemas.microsoft.com/office/drawing/2014/main" id="{25010D10-2FFE-43DA-BCE5-1174B149FD98}"/>
-                  </a:ext>
-                </a:extLst>
-              </p:cNvPr>
-              <p:cNvSpPr txBox="1"/>
-              <p:nvPr/>
-            </p:nvSpPr>
-            <p:spPr>
-              <a:xfrm>
-                <a:off x="5257800" y="400398"/>
-                <a:ext cx="3200399" cy="646331"/>
-              </a:xfrm>
-              <a:prstGeom prst="rect">
-                <a:avLst/>
-              </a:prstGeom>
-            </p:spPr>
-            <p:style>
-              <a:lnRef idx="2">
-                <a:schemeClr val="accent2">
-                  <a:shade val="50000"/>
-                </a:schemeClr>
-              </a:lnRef>
-              <a:fillRef idx="1">
-                <a:schemeClr val="accent2"/>
-              </a:fillRef>
-              <a:effectRef idx="0">
-                <a:schemeClr val="accent2"/>
-              </a:effectRef>
-              <a:fontRef idx="minor">
-                <a:schemeClr val="lt1"/>
-              </a:fontRef>
-            </p:style>
-            <p:txBody>
-              <a:bodyPr wrap="square" rtlCol="0">
-                <a:spAutoFit/>
-              </a:bodyPr>
-              <a:lstStyle/>
-              <a:p>
-                <a:pPr algn="ctr"/>
-                <a:r>
-                  <a:rPr lang="en-US" dirty="0"/>
-                  <a:t>Feature vector </a:t>
-                </a:r>
-                <a14:m>
-                  <m:oMath xmlns:m="http://schemas.openxmlformats.org/officeDocument/2006/math">
-                    <m:r>
-                      <a:rPr lang="en-US" i="1" dirty="0" smtClean="0">
-                        <a:latin typeface="Cambria Math" panose="02040503050406030204" pitchFamily="18" charset="0"/>
-                      </a:rPr>
-                      <m:t>𝑥</m:t>
-                    </m:r>
-                  </m:oMath>
-                </a14:m>
-                <a:r>
-                  <a:rPr lang="en-US" dirty="0"/>
-                  <a:t> </a:t>
-                </a:r>
-              </a:p>
-              <a:p>
-                <a:pPr algn="ctr"/>
-                <a:r>
-                  <a:rPr lang="en-US" dirty="0"/>
-                  <a:t>(Features, Variables, Attributes)</a:t>
-                </a:r>
-              </a:p>
-            </p:txBody>
-          </p:sp>
-        </mc:Choice>
-        <mc:Fallback xmlns="">
-          <p:sp>
-            <p:nvSpPr>
-              <p:cNvPr id="8" name="TextBox 7">
-                <a:extLst>
-                  <a:ext uri="{FF2B5EF4-FFF2-40B4-BE49-F238E27FC236}">
-                    <a16:creationId xmlns:a16="http://schemas.microsoft.com/office/drawing/2014/main" id="{25010D10-2FFE-43DA-BCE5-1174B149FD98}"/>
-                  </a:ext>
-                </a:extLst>
-              </p:cNvPr>
-              <p:cNvSpPr txBox="1">
-                <a:spLocks noRot="1" noChangeAspect="1" noMove="1" noResize="1" noEditPoints="1" noAdjustHandles="1" noChangeArrowheads="1" noChangeShapeType="1" noTextEdit="1"/>
-              </p:cNvSpPr>
-              <p:nvPr/>
-            </p:nvSpPr>
-            <p:spPr>
-              <a:xfrm>
-                <a:off x="5257800" y="400398"/>
-                <a:ext cx="3200399" cy="646331"/>
-              </a:xfrm>
-              <a:prstGeom prst="rect">
-                <a:avLst/>
-              </a:prstGeom>
-              <a:blipFill>
-                <a:blip r:embed="rId3"/>
-                <a:stretch>
-                  <a:fillRect l="-380" t="-4630" r="-380" b="-12963"/>
-                </a:stretch>
-              </a:blipFill>
-            </p:spPr>
-            <p:txBody>
-              <a:bodyPr/>
-              <a:lstStyle/>
-              <a:p>
-                <a:r>
-                  <a:rPr lang="en-US">
-                    <a:noFill/>
-                  </a:rPr>
-                  <a:t> </a:t>
-                </a:r>
-              </a:p>
-            </p:txBody>
-          </p:sp>
-        </mc:Fallback>
-      </mc:AlternateContent>
-      <p:cxnSp>
-        <p:nvCxnSpPr>
-          <p:cNvPr id="10" name="Straight Arrow Connector 9">
-            <a:extLst>
-              <a:ext uri="{FF2B5EF4-FFF2-40B4-BE49-F238E27FC236}">
-                <a16:creationId xmlns:a16="http://schemas.microsoft.com/office/drawing/2014/main" id="{AAFA4C1F-E498-49F8-93A7-AB399CC561B5}"/>
-              </a:ext>
-            </a:extLst>
-          </p:cNvPr>
-          <p:cNvCxnSpPr/>
-          <p:nvPr/>
-        </p:nvCxnSpPr>
-        <p:spPr>
-          <a:xfrm>
-            <a:off x="6858000" y="1110159"/>
-            <a:ext cx="0" cy="366712"/>
-          </a:xfrm>
-          <a:prstGeom prst="straightConnector1">
-            <a:avLst/>
-          </a:prstGeom>
-          <a:ln>
-            <a:tailEnd type="triangle"/>
-          </a:ln>
-        </p:spPr>
-        <p:style>
-          <a:lnRef idx="3">
-            <a:schemeClr val="accent2"/>
-          </a:lnRef>
-          <a:fillRef idx="0">
-            <a:schemeClr val="accent2"/>
-          </a:fillRef>
-          <a:effectRef idx="2">
-            <a:schemeClr val="accent2"/>
-          </a:effectRef>
-          <a:fontRef idx="minor">
-            <a:schemeClr val="tx1"/>
-          </a:fontRef>
-        </p:style>
-      </p:cxnSp>
-      <mc:AlternateContent xmlns:mc="http://schemas.openxmlformats.org/markup-compatibility/2006" xmlns:a14="http://schemas.microsoft.com/office/drawing/2010/main">
-        <mc:Choice Requires="a14">
-          <p:sp>
-            <p:nvSpPr>
-              <p:cNvPr id="11" name="TextBox 10">
-                <a:extLst>
-                  <a:ext uri="{FF2B5EF4-FFF2-40B4-BE49-F238E27FC236}">
-                    <a16:creationId xmlns:a16="http://schemas.microsoft.com/office/drawing/2014/main" id="{C67D6135-CCFC-443A-A8C9-2246FE099512}"/>
-                  </a:ext>
-                </a:extLst>
-              </p:cNvPr>
-              <p:cNvSpPr txBox="1"/>
-              <p:nvPr/>
-            </p:nvSpPr>
-            <p:spPr>
-              <a:xfrm>
-                <a:off x="9906000" y="424359"/>
-                <a:ext cx="1447800" cy="646331"/>
-              </a:xfrm>
-              <a:prstGeom prst="rect">
-                <a:avLst/>
-              </a:prstGeom>
-            </p:spPr>
-            <p:style>
-              <a:lnRef idx="2">
-                <a:schemeClr val="accent2">
-                  <a:shade val="50000"/>
-                </a:schemeClr>
-              </a:lnRef>
-              <a:fillRef idx="1">
-                <a:schemeClr val="accent2"/>
-              </a:fillRef>
-              <a:effectRef idx="0">
-                <a:schemeClr val="accent2"/>
-              </a:effectRef>
-              <a:fontRef idx="minor">
-                <a:schemeClr val="lt1"/>
-              </a:fontRef>
-            </p:style>
-            <p:txBody>
-              <a:bodyPr wrap="square" rtlCol="0">
-                <a:spAutoFit/>
-              </a:bodyPr>
-              <a:lstStyle/>
-              <a:p>
-                <a:pPr algn="ctr"/>
-                <a:r>
-                  <a:rPr lang="en-US" dirty="0"/>
-                  <a:t>Class</a:t>
-                </a:r>
-              </a:p>
-              <a:p>
-                <a:pPr algn="ctr"/>
-                <a:r>
-                  <a:rPr lang="en-US" dirty="0"/>
-                  <a:t>Label </a:t>
-                </a:r>
-                <a14:m>
-                  <m:oMath xmlns:m="http://schemas.openxmlformats.org/officeDocument/2006/math">
-                    <m:r>
-                      <a:rPr lang="en-US" i="1" dirty="0" smtClean="0">
-                        <a:latin typeface="Cambria Math" panose="02040503050406030204" pitchFamily="18" charset="0"/>
-                      </a:rPr>
-                      <m:t>𝑦</m:t>
-                    </m:r>
-                  </m:oMath>
-                </a14:m>
-                <a:endParaRPr lang="en-US" dirty="0"/>
-              </a:p>
-            </p:txBody>
-          </p:sp>
-        </mc:Choice>
-        <mc:Fallback xmlns="">
-          <p:sp>
-            <p:nvSpPr>
-              <p:cNvPr id="11" name="TextBox 10">
-                <a:extLst>
-                  <a:ext uri="{FF2B5EF4-FFF2-40B4-BE49-F238E27FC236}">
-                    <a16:creationId xmlns:a16="http://schemas.microsoft.com/office/drawing/2014/main" id="{C67D6135-CCFC-443A-A8C9-2246FE099512}"/>
-                  </a:ext>
-                </a:extLst>
-              </p:cNvPr>
-              <p:cNvSpPr txBox="1">
-                <a:spLocks noRot="1" noChangeAspect="1" noMove="1" noResize="1" noEditPoints="1" noAdjustHandles="1" noChangeArrowheads="1" noChangeShapeType="1" noTextEdit="1"/>
-              </p:cNvSpPr>
-              <p:nvPr/>
-            </p:nvSpPr>
-            <p:spPr>
-              <a:xfrm>
-                <a:off x="9906000" y="424359"/>
-                <a:ext cx="1447800" cy="646331"/>
-              </a:xfrm>
-              <a:prstGeom prst="rect">
-                <a:avLst/>
-              </a:prstGeom>
-              <a:blipFill>
-                <a:blip r:embed="rId4"/>
-                <a:stretch>
-                  <a:fillRect t="-4630" b="-12963"/>
-                </a:stretch>
-              </a:blipFill>
-            </p:spPr>
-            <p:txBody>
-              <a:bodyPr/>
-              <a:lstStyle/>
-              <a:p>
-                <a:r>
-                  <a:rPr lang="en-US">
-                    <a:noFill/>
-                  </a:rPr>
-                  <a:t> </a:t>
-                </a:r>
-              </a:p>
-            </p:txBody>
-          </p:sp>
-        </mc:Fallback>
-      </mc:AlternateContent>
-      <p:cxnSp>
-        <p:nvCxnSpPr>
-          <p:cNvPr id="12" name="Straight Arrow Connector 11">
-            <a:extLst>
-              <a:ext uri="{FF2B5EF4-FFF2-40B4-BE49-F238E27FC236}">
-                <a16:creationId xmlns:a16="http://schemas.microsoft.com/office/drawing/2014/main" id="{8B20A9DD-D7AB-4D1F-8931-77413EBF7385}"/>
-              </a:ext>
-            </a:extLst>
-          </p:cNvPr>
-          <p:cNvCxnSpPr/>
-          <p:nvPr/>
-        </p:nvCxnSpPr>
-        <p:spPr>
-          <a:xfrm>
-            <a:off x="10591800" y="1110159"/>
-            <a:ext cx="0" cy="366712"/>
-          </a:xfrm>
-          <a:prstGeom prst="straightConnector1">
-            <a:avLst/>
-          </a:prstGeom>
-          <a:ln>
-            <a:tailEnd type="triangle"/>
-          </a:ln>
-        </p:spPr>
-        <p:style>
-          <a:lnRef idx="3">
-            <a:schemeClr val="accent2"/>
-          </a:lnRef>
-          <a:fillRef idx="0">
-            <a:schemeClr val="accent2"/>
-          </a:fillRef>
-          <a:effectRef idx="2">
-            <a:schemeClr val="accent2"/>
-          </a:effectRef>
-          <a:fontRef idx="minor">
-            <a:schemeClr val="tx1"/>
-          </a:fontRef>
-        </p:style>
-      </p:cxnSp>
-      <p:sp>
-        <p:nvSpPr>
-          <p:cNvPr id="13" name="TextBox 12">
-            <a:extLst>
-              <a:ext uri="{FF2B5EF4-FFF2-40B4-BE49-F238E27FC236}">
-                <a16:creationId xmlns:a16="http://schemas.microsoft.com/office/drawing/2014/main" id="{E68E3471-CB09-4270-B769-EBFDC5C259F3}"/>
-              </a:ext>
-            </a:extLst>
-          </p:cNvPr>
-          <p:cNvSpPr txBox="1"/>
-          <p:nvPr/>
-        </p:nvSpPr>
-        <p:spPr>
-          <a:xfrm rot="18654352">
-            <a:off x="5662451" y="5259682"/>
-            <a:ext cx="867097" cy="369332"/>
-          </a:xfrm>
-          <a:prstGeom prst="rect">
-            <a:avLst/>
-          </a:prstGeom>
-          <a:noFill/>
-        </p:spPr>
-        <p:txBody>
-          <a:bodyPr wrap="none" rtlCol="0">
-            <a:spAutoFit/>
-          </a:bodyPr>
-          <a:lstStyle/>
-          <a:p>
-            <a:r>
-              <a:rPr lang="en-US" dirty="0"/>
-              <a:t>Hungry</a:t>
-            </a:r>
-          </a:p>
-        </p:txBody>
-      </p:sp>
-      <p:sp>
-        <p:nvSpPr>
-          <p:cNvPr id="14" name="TextBox 13">
-            <a:extLst>
-              <a:ext uri="{FF2B5EF4-FFF2-40B4-BE49-F238E27FC236}">
-                <a16:creationId xmlns:a16="http://schemas.microsoft.com/office/drawing/2014/main" id="{C6AA29AF-5904-46C2-9C9E-640C8E478D34}"/>
-              </a:ext>
-            </a:extLst>
-          </p:cNvPr>
-          <p:cNvSpPr txBox="1"/>
-          <p:nvPr/>
-        </p:nvSpPr>
-        <p:spPr>
-          <a:xfrm rot="18654352">
-            <a:off x="3929189" y="5311069"/>
-            <a:ext cx="1218154" cy="369332"/>
-          </a:xfrm>
-          <a:prstGeom prst="rect">
-            <a:avLst/>
-          </a:prstGeom>
-          <a:noFill/>
-        </p:spPr>
-        <p:txBody>
-          <a:bodyPr wrap="none" rtlCol="0">
-            <a:spAutoFit/>
-          </a:bodyPr>
-          <a:lstStyle/>
-          <a:p>
-            <a:r>
-              <a:rPr lang="en-US" dirty="0"/>
-              <a:t>Alternative</a:t>
-            </a:r>
-          </a:p>
-        </p:txBody>
-      </p:sp>
-      <p:sp>
-        <p:nvSpPr>
-          <p:cNvPr id="15" name="TextBox 14">
-            <a:extLst>
-              <a:ext uri="{FF2B5EF4-FFF2-40B4-BE49-F238E27FC236}">
-                <a16:creationId xmlns:a16="http://schemas.microsoft.com/office/drawing/2014/main" id="{95622870-7496-484C-BC16-47B7AEB46DAF}"/>
-              </a:ext>
-            </a:extLst>
-          </p:cNvPr>
-          <p:cNvSpPr txBox="1"/>
-          <p:nvPr/>
-        </p:nvSpPr>
-        <p:spPr>
-          <a:xfrm rot="18654352">
-            <a:off x="6101377" y="5274117"/>
-            <a:ext cx="893643" cy="369332"/>
-          </a:xfrm>
-          <a:prstGeom prst="rect">
-            <a:avLst/>
-          </a:prstGeom>
-          <a:noFill/>
-        </p:spPr>
-        <p:txBody>
-          <a:bodyPr wrap="none" rtlCol="0">
-            <a:spAutoFit/>
-          </a:bodyPr>
-          <a:lstStyle/>
-          <a:p>
-            <a:r>
-              <a:rPr lang="en-US" dirty="0"/>
-              <a:t>Patrons</a:t>
-            </a:r>
-          </a:p>
-        </p:txBody>
-      </p:sp>
-      <p:sp>
-        <p:nvSpPr>
-          <p:cNvPr id="16" name="TextBox 15">
-            <a:extLst>
-              <a:ext uri="{FF2B5EF4-FFF2-40B4-BE49-F238E27FC236}">
-                <a16:creationId xmlns:a16="http://schemas.microsoft.com/office/drawing/2014/main" id="{3DFF64F8-111F-4F1C-9784-E787E31763DE}"/>
-              </a:ext>
-            </a:extLst>
-          </p:cNvPr>
-          <p:cNvSpPr txBox="1"/>
-          <p:nvPr/>
-        </p:nvSpPr>
-        <p:spPr>
-          <a:xfrm rot="18654352">
-            <a:off x="7558900" y="5301037"/>
-            <a:ext cx="1291316" cy="369332"/>
-          </a:xfrm>
-          <a:prstGeom prst="rect">
-            <a:avLst/>
-          </a:prstGeom>
-          <a:noFill/>
-        </p:spPr>
-        <p:txBody>
-          <a:bodyPr wrap="none" rtlCol="0">
-            <a:spAutoFit/>
-          </a:bodyPr>
-          <a:lstStyle/>
-          <a:p>
-            <a:r>
-              <a:rPr lang="en-US" dirty="0"/>
-              <a:t>Reservation</a:t>
-            </a:r>
-          </a:p>
-        </p:txBody>
-      </p:sp>
-      <p:sp>
-        <p:nvSpPr>
-          <p:cNvPr id="17" name="TextBox 16">
-            <a:extLst>
-              <a:ext uri="{FF2B5EF4-FFF2-40B4-BE49-F238E27FC236}">
-                <a16:creationId xmlns:a16="http://schemas.microsoft.com/office/drawing/2014/main" id="{F14C8EE0-0051-4095-96B9-246143DC9C20}"/>
-              </a:ext>
-            </a:extLst>
-          </p:cNvPr>
-          <p:cNvSpPr txBox="1"/>
-          <p:nvPr/>
-        </p:nvSpPr>
-        <p:spPr>
-          <a:xfrm rot="18654352">
-            <a:off x="9021807" y="5338717"/>
-            <a:ext cx="1104790" cy="369332"/>
-          </a:xfrm>
-          <a:prstGeom prst="rect">
-            <a:avLst/>
-          </a:prstGeom>
-          <a:noFill/>
-        </p:spPr>
-        <p:txBody>
-          <a:bodyPr wrap="none" rtlCol="0">
-            <a:spAutoFit/>
-          </a:bodyPr>
-          <a:lstStyle/>
-          <a:p>
-            <a:r>
-              <a:rPr lang="en-US" dirty="0"/>
-              <a:t>Wait time</a:t>
-            </a:r>
-          </a:p>
-        </p:txBody>
-      </p:sp>
+        </p:grpSpPr>
+        <p:pic>
+          <p:nvPicPr>
+            <p:cNvPr id="4" name="Picture 3" descr="Data sets are tables with examples as rows and features describing the examples as columns">
+              <a:extLst>
+                <a:ext uri="{FF2B5EF4-FFF2-40B4-BE49-F238E27FC236}">
+                  <a16:creationId xmlns:a16="http://schemas.microsoft.com/office/drawing/2014/main" id="{F63B35E1-0C03-453F-939A-D44091257FBD}"/>
+                </a:ext>
+              </a:extLst>
+            </p:cNvPr>
+            <p:cNvPicPr>
+              <a:picLocks noChangeAspect="1"/>
+            </p:cNvPicPr>
+            <p:nvPr/>
+          </p:nvPicPr>
+          <p:blipFill>
+            <a:blip r:embed="rId2"/>
+            <a:stretch>
+              <a:fillRect/>
+            </a:stretch>
+          </p:blipFill>
+          <p:spPr>
+            <a:xfrm>
+              <a:off x="3429000" y="1295400"/>
+              <a:ext cx="7819492" cy="3838659"/>
+            </a:xfrm>
+            <a:prstGeom prst="rect">
+              <a:avLst/>
+            </a:prstGeom>
+          </p:spPr>
+        </p:pic>
+        <p:cxnSp>
+          <p:nvCxnSpPr>
+            <p:cNvPr id="6" name="Straight Arrow Connector 5">
+              <a:extLst>
+                <a:ext uri="{FF2B5EF4-FFF2-40B4-BE49-F238E27FC236}">
+                  <a16:creationId xmlns:a16="http://schemas.microsoft.com/office/drawing/2014/main" id="{65C3DF64-1305-4C5C-AF35-4F6B961BAE79}"/>
+                </a:ext>
+              </a:extLst>
+            </p:cNvPr>
+            <p:cNvCxnSpPr/>
+            <p:nvPr/>
+          </p:nvCxnSpPr>
+          <p:spPr>
+            <a:xfrm>
+              <a:off x="2133600" y="2819400"/>
+              <a:ext cx="1143000" cy="0"/>
+            </a:xfrm>
+            <a:prstGeom prst="straightConnector1">
+              <a:avLst/>
+            </a:prstGeom>
+            <a:ln>
+              <a:tailEnd type="triangle"/>
+            </a:ln>
+          </p:spPr>
+          <p:style>
+            <a:lnRef idx="3">
+              <a:schemeClr val="accent2"/>
+            </a:lnRef>
+            <a:fillRef idx="0">
+              <a:schemeClr val="accent2"/>
+            </a:fillRef>
+            <a:effectRef idx="2">
+              <a:schemeClr val="accent2"/>
+            </a:effectRef>
+            <a:fontRef idx="minor">
+              <a:schemeClr val="tx1"/>
+            </a:fontRef>
+          </p:style>
+        </p:cxnSp>
+        <p:sp>
+          <p:nvSpPr>
+            <p:cNvPr id="7" name="TextBox 6">
+              <a:extLst>
+                <a:ext uri="{FF2B5EF4-FFF2-40B4-BE49-F238E27FC236}">
+                  <a16:creationId xmlns:a16="http://schemas.microsoft.com/office/drawing/2014/main" id="{2327ECBC-D330-423A-A98F-A6C0659CB714}"/>
+                </a:ext>
+              </a:extLst>
+            </p:cNvPr>
+            <p:cNvSpPr txBox="1"/>
+            <p:nvPr/>
+          </p:nvSpPr>
+          <p:spPr>
+            <a:xfrm>
+              <a:off x="918108" y="2357735"/>
+              <a:ext cx="1447800" cy="923330"/>
+            </a:xfrm>
+            <a:prstGeom prst="rect">
+              <a:avLst/>
+            </a:prstGeom>
+          </p:spPr>
+          <p:style>
+            <a:lnRef idx="2">
+              <a:schemeClr val="accent2">
+                <a:shade val="50000"/>
+              </a:schemeClr>
+            </a:lnRef>
+            <a:fillRef idx="1">
+              <a:schemeClr val="accent2"/>
+            </a:fillRef>
+            <a:effectRef idx="0">
+              <a:schemeClr val="accent2"/>
+            </a:effectRef>
+            <a:fontRef idx="minor">
+              <a:schemeClr val="lt1"/>
+            </a:fontRef>
+          </p:style>
+          <p:txBody>
+            <a:bodyPr wrap="square" rtlCol="0">
+              <a:spAutoFit/>
+            </a:bodyPr>
+            <a:lstStyle/>
+            <a:p>
+              <a:pPr algn="ctr"/>
+              <a:r>
+                <a:rPr lang="en-US" dirty="0"/>
+                <a:t>Examples</a:t>
+              </a:r>
+            </a:p>
+            <a:p>
+              <a:pPr algn="ctr"/>
+              <a:r>
+                <a:rPr lang="en-US" dirty="0"/>
+                <a:t>(Instances,</a:t>
+              </a:r>
+            </a:p>
+            <a:p>
+              <a:pPr algn="ctr"/>
+              <a:r>
+                <a:rPr lang="en-US" dirty="0"/>
+                <a:t>Observation)</a:t>
+              </a:r>
+            </a:p>
+          </p:txBody>
+        </p:sp>
+        <mc:AlternateContent xmlns:mc="http://schemas.openxmlformats.org/markup-compatibility/2006">
+          <mc:Choice xmlns:a14="http://schemas.microsoft.com/office/drawing/2010/main" Requires="a14">
+            <p:sp>
+              <p:nvSpPr>
+                <p:cNvPr id="8" name="TextBox 7">
+                  <a:extLst>
+                    <a:ext uri="{FF2B5EF4-FFF2-40B4-BE49-F238E27FC236}">
+                      <a16:creationId xmlns:a16="http://schemas.microsoft.com/office/drawing/2014/main" id="{25010D10-2FFE-43DA-BCE5-1174B149FD98}"/>
+                    </a:ext>
+                  </a:extLst>
+                </p:cNvPr>
+                <p:cNvSpPr txBox="1"/>
+                <p:nvPr/>
+              </p:nvSpPr>
+              <p:spPr>
+                <a:xfrm>
+                  <a:off x="5257800" y="400398"/>
+                  <a:ext cx="3200399" cy="646331"/>
+                </a:xfrm>
+                <a:prstGeom prst="rect">
+                  <a:avLst/>
+                </a:prstGeom>
+              </p:spPr>
+              <p:style>
+                <a:lnRef idx="2">
+                  <a:schemeClr val="accent2">
+                    <a:shade val="50000"/>
+                  </a:schemeClr>
+                </a:lnRef>
+                <a:fillRef idx="1">
+                  <a:schemeClr val="accent2"/>
+                </a:fillRef>
+                <a:effectRef idx="0">
+                  <a:schemeClr val="accent2"/>
+                </a:effectRef>
+                <a:fontRef idx="minor">
+                  <a:schemeClr val="lt1"/>
+                </a:fontRef>
+              </p:style>
+              <p:txBody>
+                <a:bodyPr wrap="square" rtlCol="0">
+                  <a:spAutoFit/>
+                </a:bodyPr>
+                <a:lstStyle/>
+                <a:p>
+                  <a:pPr algn="ctr"/>
+                  <a:r>
+                    <a:rPr lang="en-US" dirty="0"/>
+                    <a:t>Feature vector </a:t>
+                  </a:r>
+                  <a14:m>
+                    <m:oMath xmlns:m="http://schemas.openxmlformats.org/officeDocument/2006/math">
+                      <m:r>
+                        <a:rPr lang="en-US" i="1" dirty="0" smtClean="0">
+                          <a:latin typeface="Cambria Math" panose="02040503050406030204" pitchFamily="18" charset="0"/>
+                        </a:rPr>
+                        <m:t>𝑥</m:t>
+                      </m:r>
+                    </m:oMath>
+                  </a14:m>
+                  <a:r>
+                    <a:rPr lang="en-US" dirty="0"/>
+                    <a:t> </a:t>
+                  </a:r>
+                </a:p>
+                <a:p>
+                  <a:pPr algn="ctr"/>
+                  <a:r>
+                    <a:rPr lang="en-US" dirty="0"/>
+                    <a:t>(Features, Variables, Attributes)</a:t>
+                  </a:r>
+                </a:p>
+              </p:txBody>
+            </p:sp>
+          </mc:Choice>
+          <mc:Fallback>
+            <p:sp>
+              <p:nvSpPr>
+                <p:cNvPr id="8" name="TextBox 7">
+                  <a:extLst>
+                    <a:ext uri="{FF2B5EF4-FFF2-40B4-BE49-F238E27FC236}">
+                      <a16:creationId xmlns:a16="http://schemas.microsoft.com/office/drawing/2014/main" id="{25010D10-2FFE-43DA-BCE5-1174B149FD98}"/>
+                    </a:ext>
+                  </a:extLst>
+                </p:cNvPr>
+                <p:cNvSpPr txBox="1">
+                  <a:spLocks noRot="1" noChangeAspect="1" noMove="1" noResize="1" noEditPoints="1" noAdjustHandles="1" noChangeArrowheads="1" noChangeShapeType="1" noTextEdit="1"/>
+                </p:cNvSpPr>
+                <p:nvPr/>
+              </p:nvSpPr>
+              <p:spPr>
+                <a:xfrm>
+                  <a:off x="5257800" y="400398"/>
+                  <a:ext cx="3200399" cy="646331"/>
+                </a:xfrm>
+                <a:prstGeom prst="rect">
+                  <a:avLst/>
+                </a:prstGeom>
+                <a:blipFill>
+                  <a:blip r:embed="rId3"/>
+                  <a:stretch>
+                    <a:fillRect l="-380" t="-4630" r="-380" b="-12963"/>
+                  </a:stretch>
+                </a:blipFill>
+              </p:spPr>
+              <p:txBody>
+                <a:bodyPr/>
+                <a:lstStyle/>
+                <a:p>
+                  <a:r>
+                    <a:rPr lang="en-US">
+                      <a:noFill/>
+                    </a:rPr>
+                    <a:t> </a:t>
+                  </a:r>
+                </a:p>
+              </p:txBody>
+            </p:sp>
+          </mc:Fallback>
+        </mc:AlternateContent>
+        <p:cxnSp>
+          <p:nvCxnSpPr>
+            <p:cNvPr id="10" name="Straight Arrow Connector 9">
+              <a:extLst>
+                <a:ext uri="{FF2B5EF4-FFF2-40B4-BE49-F238E27FC236}">
+                  <a16:creationId xmlns:a16="http://schemas.microsoft.com/office/drawing/2014/main" id="{AAFA4C1F-E498-49F8-93A7-AB399CC561B5}"/>
+                </a:ext>
+              </a:extLst>
+            </p:cNvPr>
+            <p:cNvCxnSpPr/>
+            <p:nvPr/>
+          </p:nvCxnSpPr>
+          <p:spPr>
+            <a:xfrm>
+              <a:off x="6858000" y="1110159"/>
+              <a:ext cx="0" cy="366712"/>
+            </a:xfrm>
+            <a:prstGeom prst="straightConnector1">
+              <a:avLst/>
+            </a:prstGeom>
+            <a:ln>
+              <a:tailEnd type="triangle"/>
+            </a:ln>
+          </p:spPr>
+          <p:style>
+            <a:lnRef idx="3">
+              <a:schemeClr val="accent2"/>
+            </a:lnRef>
+            <a:fillRef idx="0">
+              <a:schemeClr val="accent2"/>
+            </a:fillRef>
+            <a:effectRef idx="2">
+              <a:schemeClr val="accent2"/>
+            </a:effectRef>
+            <a:fontRef idx="minor">
+              <a:schemeClr val="tx1"/>
+            </a:fontRef>
+          </p:style>
+        </p:cxnSp>
+        <mc:AlternateContent xmlns:mc="http://schemas.openxmlformats.org/markup-compatibility/2006">
+          <mc:Choice xmlns:a14="http://schemas.microsoft.com/office/drawing/2010/main" Requires="a14">
+            <p:sp>
+              <p:nvSpPr>
+                <p:cNvPr id="11" name="TextBox 10">
+                  <a:extLst>
+                    <a:ext uri="{FF2B5EF4-FFF2-40B4-BE49-F238E27FC236}">
+                      <a16:creationId xmlns:a16="http://schemas.microsoft.com/office/drawing/2014/main" id="{C67D6135-CCFC-443A-A8C9-2246FE099512}"/>
+                    </a:ext>
+                  </a:extLst>
+                </p:cNvPr>
+                <p:cNvSpPr txBox="1"/>
+                <p:nvPr/>
+              </p:nvSpPr>
+              <p:spPr>
+                <a:xfrm>
+                  <a:off x="9906000" y="424359"/>
+                  <a:ext cx="1447800" cy="646331"/>
+                </a:xfrm>
+                <a:prstGeom prst="rect">
+                  <a:avLst/>
+                </a:prstGeom>
+              </p:spPr>
+              <p:style>
+                <a:lnRef idx="2">
+                  <a:schemeClr val="accent2">
+                    <a:shade val="50000"/>
+                  </a:schemeClr>
+                </a:lnRef>
+                <a:fillRef idx="1">
+                  <a:schemeClr val="accent2"/>
+                </a:fillRef>
+                <a:effectRef idx="0">
+                  <a:schemeClr val="accent2"/>
+                </a:effectRef>
+                <a:fontRef idx="minor">
+                  <a:schemeClr val="lt1"/>
+                </a:fontRef>
+              </p:style>
+              <p:txBody>
+                <a:bodyPr wrap="square" rtlCol="0">
+                  <a:spAutoFit/>
+                </a:bodyPr>
+                <a:lstStyle/>
+                <a:p>
+                  <a:pPr algn="ctr"/>
+                  <a:r>
+                    <a:rPr lang="en-US" dirty="0"/>
+                    <a:t>Class</a:t>
+                  </a:r>
+                </a:p>
+                <a:p>
+                  <a:pPr algn="ctr"/>
+                  <a:r>
+                    <a:rPr lang="en-US" dirty="0"/>
+                    <a:t>Label </a:t>
+                  </a:r>
+                  <a14:m>
+                    <m:oMath xmlns:m="http://schemas.openxmlformats.org/officeDocument/2006/math">
+                      <m:r>
+                        <a:rPr lang="en-US" i="1" dirty="0" smtClean="0">
+                          <a:latin typeface="Cambria Math" panose="02040503050406030204" pitchFamily="18" charset="0"/>
+                        </a:rPr>
+                        <m:t>𝑦</m:t>
+                      </m:r>
+                    </m:oMath>
+                  </a14:m>
+                  <a:endParaRPr lang="en-US" dirty="0"/>
+                </a:p>
+              </p:txBody>
+            </p:sp>
+          </mc:Choice>
+          <mc:Fallback>
+            <p:sp>
+              <p:nvSpPr>
+                <p:cNvPr id="11" name="TextBox 10">
+                  <a:extLst>
+                    <a:ext uri="{FF2B5EF4-FFF2-40B4-BE49-F238E27FC236}">
+                      <a16:creationId xmlns:a16="http://schemas.microsoft.com/office/drawing/2014/main" id="{C67D6135-CCFC-443A-A8C9-2246FE099512}"/>
+                    </a:ext>
+                  </a:extLst>
+                </p:cNvPr>
+                <p:cNvSpPr txBox="1">
+                  <a:spLocks noRot="1" noChangeAspect="1" noMove="1" noResize="1" noEditPoints="1" noAdjustHandles="1" noChangeArrowheads="1" noChangeShapeType="1" noTextEdit="1"/>
+                </p:cNvSpPr>
+                <p:nvPr/>
+              </p:nvSpPr>
+              <p:spPr>
+                <a:xfrm>
+                  <a:off x="9906000" y="424359"/>
+                  <a:ext cx="1447800" cy="646331"/>
+                </a:xfrm>
+                <a:prstGeom prst="rect">
+                  <a:avLst/>
+                </a:prstGeom>
+                <a:blipFill>
+                  <a:blip r:embed="rId4"/>
+                  <a:stretch>
+                    <a:fillRect t="-4630" b="-12963"/>
+                  </a:stretch>
+                </a:blipFill>
+              </p:spPr>
+              <p:txBody>
+                <a:bodyPr/>
+                <a:lstStyle/>
+                <a:p>
+                  <a:r>
+                    <a:rPr lang="en-US">
+                      <a:noFill/>
+                    </a:rPr>
+                    <a:t> </a:t>
+                  </a:r>
+                </a:p>
+              </p:txBody>
+            </p:sp>
+          </mc:Fallback>
+        </mc:AlternateContent>
+        <p:cxnSp>
+          <p:nvCxnSpPr>
+            <p:cNvPr id="12" name="Straight Arrow Connector 11">
+              <a:extLst>
+                <a:ext uri="{FF2B5EF4-FFF2-40B4-BE49-F238E27FC236}">
+                  <a16:creationId xmlns:a16="http://schemas.microsoft.com/office/drawing/2014/main" id="{8B20A9DD-D7AB-4D1F-8931-77413EBF7385}"/>
+                </a:ext>
+              </a:extLst>
+            </p:cNvPr>
+            <p:cNvCxnSpPr/>
+            <p:nvPr/>
+          </p:nvCxnSpPr>
+          <p:spPr>
+            <a:xfrm>
+              <a:off x="10591800" y="1110159"/>
+              <a:ext cx="0" cy="366712"/>
+            </a:xfrm>
+            <a:prstGeom prst="straightConnector1">
+              <a:avLst/>
+            </a:prstGeom>
+            <a:ln>
+              <a:tailEnd type="triangle"/>
+            </a:ln>
+          </p:spPr>
+          <p:style>
+            <a:lnRef idx="3">
+              <a:schemeClr val="accent2"/>
+            </a:lnRef>
+            <a:fillRef idx="0">
+              <a:schemeClr val="accent2"/>
+            </a:fillRef>
+            <a:effectRef idx="2">
+              <a:schemeClr val="accent2"/>
+            </a:effectRef>
+            <a:fontRef idx="minor">
+              <a:schemeClr val="tx1"/>
+            </a:fontRef>
+          </p:style>
+        </p:cxnSp>
+        <p:sp>
+          <p:nvSpPr>
+            <p:cNvPr id="13" name="TextBox 12">
+              <a:extLst>
+                <a:ext uri="{FF2B5EF4-FFF2-40B4-BE49-F238E27FC236}">
+                  <a16:creationId xmlns:a16="http://schemas.microsoft.com/office/drawing/2014/main" id="{E68E3471-CB09-4270-B769-EBFDC5C259F3}"/>
+                </a:ext>
+              </a:extLst>
+            </p:cNvPr>
+            <p:cNvSpPr txBox="1"/>
+            <p:nvPr/>
+          </p:nvSpPr>
+          <p:spPr>
+            <a:xfrm rot="18654352">
+              <a:off x="5662451" y="5259682"/>
+              <a:ext cx="867097" cy="369332"/>
+            </a:xfrm>
+            <a:prstGeom prst="rect">
+              <a:avLst/>
+            </a:prstGeom>
+            <a:noFill/>
+          </p:spPr>
+          <p:txBody>
+            <a:bodyPr wrap="none" rtlCol="0">
+              <a:spAutoFit/>
+            </a:bodyPr>
+            <a:lstStyle/>
+            <a:p>
+              <a:r>
+                <a:rPr lang="en-US" dirty="0"/>
+                <a:t>Hungry</a:t>
+              </a:r>
+            </a:p>
+          </p:txBody>
+        </p:sp>
+        <p:sp>
+          <p:nvSpPr>
+            <p:cNvPr id="14" name="TextBox 13">
+              <a:extLst>
+                <a:ext uri="{FF2B5EF4-FFF2-40B4-BE49-F238E27FC236}">
+                  <a16:creationId xmlns:a16="http://schemas.microsoft.com/office/drawing/2014/main" id="{C6AA29AF-5904-46C2-9C9E-640C8E478D34}"/>
+                </a:ext>
+              </a:extLst>
+            </p:cNvPr>
+            <p:cNvSpPr txBox="1"/>
+            <p:nvPr/>
+          </p:nvSpPr>
+          <p:spPr>
+            <a:xfrm rot="18654352">
+              <a:off x="3929189" y="5311069"/>
+              <a:ext cx="1218154" cy="369332"/>
+            </a:xfrm>
+            <a:prstGeom prst="rect">
+              <a:avLst/>
+            </a:prstGeom>
+            <a:noFill/>
+          </p:spPr>
+          <p:txBody>
+            <a:bodyPr wrap="none" rtlCol="0">
+              <a:spAutoFit/>
+            </a:bodyPr>
+            <a:lstStyle/>
+            <a:p>
+              <a:r>
+                <a:rPr lang="en-US" dirty="0"/>
+                <a:t>Alternative</a:t>
+              </a:r>
+            </a:p>
+          </p:txBody>
+        </p:sp>
+        <p:sp>
+          <p:nvSpPr>
+            <p:cNvPr id="15" name="TextBox 14">
+              <a:extLst>
+                <a:ext uri="{FF2B5EF4-FFF2-40B4-BE49-F238E27FC236}">
+                  <a16:creationId xmlns:a16="http://schemas.microsoft.com/office/drawing/2014/main" id="{95622870-7496-484C-BC16-47B7AEB46DAF}"/>
+                </a:ext>
+              </a:extLst>
+            </p:cNvPr>
+            <p:cNvSpPr txBox="1"/>
+            <p:nvPr/>
+          </p:nvSpPr>
+          <p:spPr>
+            <a:xfrm rot="18654352">
+              <a:off x="6101377" y="5274117"/>
+              <a:ext cx="893643" cy="369332"/>
+            </a:xfrm>
+            <a:prstGeom prst="rect">
+              <a:avLst/>
+            </a:prstGeom>
+            <a:noFill/>
+          </p:spPr>
+          <p:txBody>
+            <a:bodyPr wrap="none" rtlCol="0">
+              <a:spAutoFit/>
+            </a:bodyPr>
+            <a:lstStyle/>
+            <a:p>
+              <a:r>
+                <a:rPr lang="en-US" dirty="0"/>
+                <a:t>Patrons</a:t>
+              </a:r>
+            </a:p>
+          </p:txBody>
+        </p:sp>
+        <p:sp>
+          <p:nvSpPr>
+            <p:cNvPr id="16" name="TextBox 15">
+              <a:extLst>
+                <a:ext uri="{FF2B5EF4-FFF2-40B4-BE49-F238E27FC236}">
+                  <a16:creationId xmlns:a16="http://schemas.microsoft.com/office/drawing/2014/main" id="{3DFF64F8-111F-4F1C-9784-E787E31763DE}"/>
+                </a:ext>
+              </a:extLst>
+            </p:cNvPr>
+            <p:cNvSpPr txBox="1"/>
+            <p:nvPr/>
+          </p:nvSpPr>
+          <p:spPr>
+            <a:xfrm rot="18654352">
+              <a:off x="7558900" y="5301037"/>
+              <a:ext cx="1291316" cy="369332"/>
+            </a:xfrm>
+            <a:prstGeom prst="rect">
+              <a:avLst/>
+            </a:prstGeom>
+            <a:noFill/>
+          </p:spPr>
+          <p:txBody>
+            <a:bodyPr wrap="none" rtlCol="0">
+              <a:spAutoFit/>
+            </a:bodyPr>
+            <a:lstStyle/>
+            <a:p>
+              <a:r>
+                <a:rPr lang="en-US" dirty="0"/>
+                <a:t>Reservation</a:t>
+              </a:r>
+            </a:p>
+          </p:txBody>
+        </p:sp>
+        <p:sp>
+          <p:nvSpPr>
+            <p:cNvPr id="17" name="TextBox 16">
+              <a:extLst>
+                <a:ext uri="{FF2B5EF4-FFF2-40B4-BE49-F238E27FC236}">
+                  <a16:creationId xmlns:a16="http://schemas.microsoft.com/office/drawing/2014/main" id="{F14C8EE0-0051-4095-96B9-246143DC9C20}"/>
+                </a:ext>
+              </a:extLst>
+            </p:cNvPr>
+            <p:cNvSpPr txBox="1"/>
+            <p:nvPr/>
+          </p:nvSpPr>
+          <p:spPr>
+            <a:xfrm rot="18654352">
+              <a:off x="9021807" y="5338717"/>
+              <a:ext cx="1104790" cy="369332"/>
+            </a:xfrm>
+            <a:prstGeom prst="rect">
+              <a:avLst/>
+            </a:prstGeom>
+            <a:noFill/>
+          </p:spPr>
+          <p:txBody>
+            <a:bodyPr wrap="none" rtlCol="0">
+              <a:spAutoFit/>
+            </a:bodyPr>
+            <a:lstStyle/>
+            <a:p>
+              <a:r>
+                <a:rPr lang="en-US" dirty="0"/>
+                <a:t>Wait time</a:t>
+              </a:r>
+            </a:p>
+          </p:txBody>
+        </p:sp>
+      </p:grpSp>
     </p:spTree>
     <p:extLst>
       <p:ext uri="{BB962C8B-B14F-4D97-AF65-F5344CB8AC3E}">
@@ -25400,6 +25684,14 @@
 <file path=ppt/slides/slide17.xml><?xml version="1.0" encoding="utf-8"?>
 <p:sld xmlns:a="http://schemas.openxmlformats.org/drawingml/2006/main" xmlns:r="http://schemas.openxmlformats.org/officeDocument/2006/relationships" xmlns:p="http://schemas.openxmlformats.org/presentationml/2006/main">
   <p:cSld>
+    <p:bg>
+      <p:bgPr>
+        <a:solidFill>
+          <a:schemeClr val="bg1"/>
+        </a:solidFill>
+        <a:effectLst/>
+      </p:bgPr>
+    </p:bg>
     <p:spTree>
       <p:nvGrpSpPr>
         <p:cNvPr id="1" name=""/>
@@ -25414,423 +25706,37 @@
           <a:chExt cx="0" cy="0"/>
         </a:xfrm>
       </p:grpSpPr>
-      <p:sp>
+      <p:sp useBgFill="1">
         <p:nvSpPr>
-          <p:cNvPr id="33794" name="Rectangle 2"/>
+          <p:cNvPr id="33800" name="Rectangle 33799">
+            <a:extLst>
+              <a:ext uri="{FF2B5EF4-FFF2-40B4-BE49-F238E27FC236}">
+                <a16:creationId xmlns:a16="http://schemas.microsoft.com/office/drawing/2014/main" id="{2C61293E-6EBE-43EF-A52C-9BEBFD7679D4}"/>
+              </a:ext>
+              <a:ext uri="{C183D7F6-B498-43B3-948B-1728B52AA6E4}">
+                <adec:decorative xmlns:adec="http://schemas.microsoft.com/office/drawing/2017/decorative" val="1"/>
+              </a:ext>
+            </a:extLst>
+          </p:cNvPr>
           <p:cNvSpPr>
-            <a:spLocks noGrp="1" noChangeArrowheads="1"/>
+            <a:spLocks noGrp="1" noRot="1" noChangeAspect="1" noMove="1" noResize="1" noEditPoints="1" noAdjustHandles="1" noChangeArrowheads="1" noChangeShapeType="1" noTextEdit="1"/>
           </p:cNvSpPr>
           <p:nvPr>
-            <p:ph type="title"/>
+            <p:extLst>
+              <p:ext uri="{386F3935-93C4-4BCD-93E2-E3B085C9AB24}">
+                <p16:designElem xmlns:p16="http://schemas.microsoft.com/office/powerpoint/2015/main" val="1"/>
+              </p:ext>
+            </p:extLst>
           </p:nvPr>
         </p:nvSpPr>
-        <p:spPr/>
-        <p:txBody>
-          <a:bodyPr/>
-          <a:lstStyle/>
-          <a:p>
-            <a:pPr eaLnBrk="1" hangingPunct="1"/>
-            <a:r>
-              <a:rPr lang="en-US" dirty="0"/>
-              <a:t>Feature Engineering</a:t>
-            </a:r>
-          </a:p>
-        </p:txBody>
-      </p:sp>
-      <mc:AlternateContent xmlns:mc="http://schemas.openxmlformats.org/markup-compatibility/2006" xmlns:a14="http://schemas.microsoft.com/office/drawing/2010/main">
-        <mc:Choice Requires="a14">
-          <p:sp>
-            <p:nvSpPr>
-              <p:cNvPr id="33795" name="Rectangle 3"/>
-              <p:cNvSpPr>
-                <a:spLocks noGrp="1" noChangeArrowheads="1"/>
-              </p:cNvSpPr>
-              <p:nvPr>
-                <p:ph idx="1"/>
-              </p:nvPr>
-            </p:nvSpPr>
-            <p:spPr>
-              <a:xfrm>
-                <a:off x="830263" y="1595436"/>
-                <a:ext cx="7246937" cy="4729164"/>
-              </a:xfrm>
-            </p:spPr>
-            <p:txBody>
-              <a:bodyPr>
-                <a:normAutofit fontScale="92500" lnSpcReduction="20000"/>
-              </a:bodyPr>
-              <a:lstStyle/>
-              <a:p>
-                <a:pPr>
-                  <a:lnSpc>
-                    <a:spcPct val="80000"/>
-                  </a:lnSpc>
-                </a:pPr>
-                <a:r>
-                  <a:rPr lang="en-US" sz="2400" dirty="0"/>
-                  <a:t>Add information sources as new variables to the model.</a:t>
-                </a:r>
-              </a:p>
-              <a:p>
-                <a:pPr>
-                  <a:lnSpc>
-                    <a:spcPct val="80000"/>
-                  </a:lnSpc>
-                </a:pPr>
-                <a:r>
-                  <a:rPr lang="en-US" sz="2400" dirty="0"/>
-                  <a:t>Add derived features that help the classifier (e.g., </a:t>
-                </a:r>
-                <a14:m>
-                  <m:oMath xmlns:m="http://schemas.openxmlformats.org/officeDocument/2006/math">
-                    <m:sSub>
-                      <m:sSubPr>
-                        <m:ctrlPr>
-                          <a:rPr lang="en-US" sz="2400" b="0" i="1" smtClean="0">
-                            <a:latin typeface="Cambria Math" panose="02040503050406030204" pitchFamily="18" charset="0"/>
-                          </a:rPr>
-                        </m:ctrlPr>
-                      </m:sSubPr>
-                      <m:e>
-                        <m:r>
-                          <a:rPr lang="en-US" sz="2400" b="0" i="1" smtClean="0">
-                            <a:latin typeface="Cambria Math" panose="02040503050406030204" pitchFamily="18" charset="0"/>
-                          </a:rPr>
-                          <m:t>𝑥</m:t>
-                        </m:r>
-                      </m:e>
-                      <m:sub>
-                        <m:r>
-                          <a:rPr lang="en-US" sz="2400" b="0" i="1" smtClean="0">
-                            <a:latin typeface="Cambria Math" panose="02040503050406030204" pitchFamily="18" charset="0"/>
-                          </a:rPr>
-                          <m:t>1</m:t>
-                        </m:r>
-                      </m:sub>
-                    </m:sSub>
-                    <m:sSub>
-                      <m:sSubPr>
-                        <m:ctrlPr>
-                          <a:rPr lang="en-US" sz="2400" b="0" i="1" smtClean="0">
-                            <a:latin typeface="Cambria Math" panose="02040503050406030204" pitchFamily="18" charset="0"/>
-                          </a:rPr>
-                        </m:ctrlPr>
-                      </m:sSubPr>
-                      <m:e>
-                        <m:r>
-                          <a:rPr lang="en-US" sz="2400" b="0" i="1" smtClean="0">
-                            <a:latin typeface="Cambria Math" panose="02040503050406030204" pitchFamily="18" charset="0"/>
-                          </a:rPr>
-                          <m:t>𝑥</m:t>
-                        </m:r>
-                      </m:e>
-                      <m:sub>
-                        <m:r>
-                          <a:rPr lang="en-US" sz="2400" b="0" i="1" smtClean="0">
-                            <a:latin typeface="Cambria Math" panose="02040503050406030204" pitchFamily="18" charset="0"/>
-                          </a:rPr>
-                          <m:t>2</m:t>
-                        </m:r>
-                      </m:sub>
-                    </m:sSub>
-                  </m:oMath>
-                </a14:m>
-                <a:r>
-                  <a:rPr lang="en-US" sz="2400" dirty="0"/>
-                  <a:t>, </a:t>
-                </a:r>
-                <a14:m>
-                  <m:oMath xmlns:m="http://schemas.openxmlformats.org/officeDocument/2006/math">
-                    <m:sSubSup>
-                      <m:sSubSupPr>
-                        <m:ctrlPr>
-                          <a:rPr lang="en-US" sz="2400" b="0" i="1" smtClean="0">
-                            <a:latin typeface="Cambria Math" panose="02040503050406030204" pitchFamily="18" charset="0"/>
-                          </a:rPr>
-                        </m:ctrlPr>
-                      </m:sSubSupPr>
-                      <m:e>
-                        <m:r>
-                          <a:rPr lang="en-US" sz="2400" b="0" i="1" smtClean="0">
-                            <a:latin typeface="Cambria Math" panose="02040503050406030204" pitchFamily="18" charset="0"/>
-                          </a:rPr>
-                          <m:t>𝑥</m:t>
-                        </m:r>
-                      </m:e>
-                      <m:sub>
-                        <m:r>
-                          <a:rPr lang="en-US" sz="2400" b="0" i="1" smtClean="0">
-                            <a:latin typeface="Cambria Math" panose="02040503050406030204" pitchFamily="18" charset="0"/>
-                          </a:rPr>
-                          <m:t>1</m:t>
-                        </m:r>
-                      </m:sub>
-                      <m:sup>
-                        <m:r>
-                          <a:rPr lang="en-US" sz="2400" b="0" i="1" smtClean="0">
-                            <a:latin typeface="Cambria Math" panose="02040503050406030204" pitchFamily="18" charset="0"/>
-                          </a:rPr>
-                          <m:t>2</m:t>
-                        </m:r>
-                      </m:sup>
-                    </m:sSubSup>
-                  </m:oMath>
-                </a14:m>
-                <a:r>
-                  <a:rPr lang="en-US" sz="2400" dirty="0"/>
-                  <a:t>).</a:t>
-                </a:r>
-              </a:p>
-              <a:p>
-                <a:pPr>
-                  <a:lnSpc>
-                    <a:spcPct val="80000"/>
-                  </a:lnSpc>
-                </a:pPr>
-                <a:r>
-                  <a:rPr lang="en-US" sz="2400" dirty="0"/>
-                  <a:t>Embedding: E.g., convert words to vectors where vector similarity between vectors reflects semantic similarity. </a:t>
-                </a:r>
-              </a:p>
-              <a:p>
-                <a:pPr marL="0" indent="0">
-                  <a:lnSpc>
-                    <a:spcPct val="80000"/>
-                  </a:lnSpc>
-                  <a:buNone/>
-                </a:pPr>
-                <a:endParaRPr lang="en-US" sz="2400" dirty="0"/>
-              </a:p>
-              <a:p>
-                <a:pPr>
-                  <a:lnSpc>
-                    <a:spcPct val="80000"/>
-                  </a:lnSpc>
-                </a:pPr>
-                <a:r>
-                  <a:rPr lang="en-US" sz="2400" dirty="0"/>
-                  <a:t>Example for Spam detection: In addition to words</a:t>
-                </a:r>
-              </a:p>
-              <a:p>
-                <a:pPr lvl="1" eaLnBrk="1" hangingPunct="1">
-                  <a:lnSpc>
-                    <a:spcPct val="80000"/>
-                  </a:lnSpc>
-                </a:pPr>
-                <a:r>
-                  <a:rPr lang="en-US" sz="2000" dirty="0"/>
-                  <a:t>Have you emailed the sender before?</a:t>
-                </a:r>
-              </a:p>
-              <a:p>
-                <a:pPr lvl="1" eaLnBrk="1" hangingPunct="1">
-                  <a:lnSpc>
-                    <a:spcPct val="80000"/>
-                  </a:lnSpc>
-                </a:pPr>
-                <a:r>
-                  <a:rPr lang="en-US" sz="2000" dirty="0"/>
-                  <a:t>Have 1000+ other people just gotten the same email?</a:t>
-                </a:r>
-              </a:p>
-              <a:p>
-                <a:pPr lvl="1" eaLnBrk="1" hangingPunct="1">
-                  <a:lnSpc>
-                    <a:spcPct val="80000"/>
-                  </a:lnSpc>
-                </a:pPr>
-                <a:r>
-                  <a:rPr lang="en-US" sz="2000" dirty="0"/>
-                  <a:t>Is the header information consistent? </a:t>
-                </a:r>
-              </a:p>
-              <a:p>
-                <a:pPr lvl="1" eaLnBrk="1" hangingPunct="1">
-                  <a:lnSpc>
-                    <a:spcPct val="80000"/>
-                  </a:lnSpc>
-                </a:pPr>
-                <a:r>
-                  <a:rPr lang="en-US" sz="2000" dirty="0"/>
-                  <a:t>Is the email in ALL CAPS?</a:t>
-                </a:r>
-              </a:p>
-              <a:p>
-                <a:pPr lvl="1" eaLnBrk="1" hangingPunct="1">
-                  <a:lnSpc>
-                    <a:spcPct val="80000"/>
-                  </a:lnSpc>
-                </a:pPr>
-                <a:r>
-                  <a:rPr lang="en-US" sz="2000" dirty="0"/>
-                  <a:t>Do inline URLs point where they say they point?</a:t>
-                </a:r>
-              </a:p>
-              <a:p>
-                <a:pPr lvl="1" eaLnBrk="1" hangingPunct="1">
-                  <a:lnSpc>
-                    <a:spcPct val="80000"/>
-                  </a:lnSpc>
-                </a:pPr>
-                <a:r>
-                  <a:rPr lang="en-US" sz="2000" dirty="0"/>
-                  <a:t>Does the email address you by (your) name?</a:t>
-                </a:r>
-              </a:p>
-              <a:p>
-                <a:pPr marL="0" indent="0" eaLnBrk="1" hangingPunct="1">
-                  <a:lnSpc>
-                    <a:spcPct val="80000"/>
-                  </a:lnSpc>
-                  <a:buNone/>
-                </a:pPr>
-                <a:endParaRPr lang="en-US" sz="2400" dirty="0"/>
-              </a:p>
-              <a:p>
-                <a:pPr eaLnBrk="1" hangingPunct="1">
-                  <a:lnSpc>
-                    <a:spcPct val="80000"/>
-                  </a:lnSpc>
-                </a:pPr>
-                <a:r>
-                  <a:rPr lang="en-US" sz="2400" b="1" dirty="0"/>
-                  <a:t>Feature Selection</a:t>
-                </a:r>
-                <a:r>
-                  <a:rPr lang="en-US" sz="2400" dirty="0"/>
-                  <a:t>: Which features should be used in the model is a </a:t>
-                </a:r>
-                <a:r>
-                  <a:rPr lang="en-US" sz="2400" b="1" dirty="0"/>
-                  <a:t>model selection problem </a:t>
-                </a:r>
-                <a:r>
-                  <a:rPr lang="en-US" sz="2400" dirty="0"/>
-                  <a:t>(choose between models with different features).</a:t>
-                </a:r>
-              </a:p>
-              <a:p>
-                <a:pPr eaLnBrk="1" hangingPunct="1">
-                  <a:lnSpc>
-                    <a:spcPct val="80000"/>
-                  </a:lnSpc>
-                </a:pPr>
-                <a:endParaRPr lang="en-US" sz="2400" dirty="0"/>
-              </a:p>
-              <a:p>
-                <a:pPr eaLnBrk="1" hangingPunct="1">
-                  <a:lnSpc>
-                    <a:spcPct val="80000"/>
-                  </a:lnSpc>
-                </a:pPr>
-                <a:endParaRPr lang="en-US" sz="2400" dirty="0"/>
-              </a:p>
-            </p:txBody>
-          </p:sp>
-        </mc:Choice>
-        <mc:Fallback xmlns="">
-          <p:sp>
-            <p:nvSpPr>
-              <p:cNvPr id="33795" name="Rectangle 3"/>
-              <p:cNvSpPr>
-                <a:spLocks noGrp="1" noRot="1" noChangeAspect="1" noMove="1" noResize="1" noEditPoints="1" noAdjustHandles="1" noChangeArrowheads="1" noChangeShapeType="1" noTextEdit="1"/>
-              </p:cNvSpPr>
-              <p:nvPr>
-                <p:ph idx="1"/>
-              </p:nvPr>
-            </p:nvSpPr>
-            <p:spPr>
-              <a:xfrm>
-                <a:off x="830263" y="1595436"/>
-                <a:ext cx="7246937" cy="4729164"/>
-              </a:xfrm>
-              <a:blipFill>
-                <a:blip r:embed="rId2"/>
-                <a:stretch>
-                  <a:fillRect l="-925" t="-3222" r="-168"/>
-                </a:stretch>
-              </a:blipFill>
-            </p:spPr>
-            <p:txBody>
-              <a:bodyPr/>
-              <a:lstStyle/>
-              <a:p>
-                <a:r>
-                  <a:rPr lang="en-US">
-                    <a:noFill/>
-                  </a:rPr>
-                  <a:t> </a:t>
-                </a:r>
-              </a:p>
-            </p:txBody>
-          </p:sp>
-        </mc:Fallback>
-      </mc:AlternateContent>
-      <p:pic>
-        <p:nvPicPr>
-          <p:cNvPr id="4" name="Picture 2"/>
-          <p:cNvPicPr>
-            <a:picLocks noChangeAspect="1" noChangeArrowheads="1"/>
-          </p:cNvPicPr>
-          <p:nvPr/>
-        </p:nvPicPr>
-        <p:blipFill>
-          <a:blip r:embed="rId3">
-            <a:extLst>
-              <a:ext uri="{28A0092B-C50C-407E-A947-70E740481C1C}">
-                <a14:useLocalDpi xmlns:a14="http://schemas.microsoft.com/office/drawing/2010/main" val="0"/>
-              </a:ext>
-            </a:extLst>
-          </a:blip>
-          <a:stretch>
-            <a:fillRect/>
-          </a:stretch>
-        </p:blipFill>
-        <p:spPr bwMode="auto">
+        <p:spPr>
           <a:xfrm>
-            <a:off x="8729663" y="1371722"/>
-            <a:ext cx="3233737" cy="4585694"/>
+            <a:off x="0" y="0"/>
+            <a:ext cx="12188952" cy="6858000"/>
           </a:xfrm>
           <a:prstGeom prst="rect">
             <a:avLst/>
           </a:prstGeom>
-          <a:noFill/>
-        </p:spPr>
-      </p:pic>
-      <p:sp>
-        <p:nvSpPr>
-          <p:cNvPr id="5" name="Rectangle 4"/>
-          <p:cNvSpPr/>
-          <p:nvPr/>
-        </p:nvSpPr>
-        <p:spPr>
-          <a:xfrm>
-            <a:off x="7848600" y="1447800"/>
-            <a:ext cx="304800" cy="4648200"/>
-          </a:xfrm>
-          <a:prstGeom prst="rect">
-            <a:avLst/>
-          </a:prstGeom>
-          <a:gradFill flip="none" rotWithShape="1">
-            <a:gsLst>
-              <a:gs pos="0">
-                <a:schemeClr val="bg1"/>
-              </a:gs>
-              <a:gs pos="47000">
-                <a:schemeClr val="bg1">
-                  <a:alpha val="50000"/>
-                </a:schemeClr>
-              </a:gs>
-              <a:gs pos="100000">
-                <a:schemeClr val="bg1">
-                  <a:alpha val="0"/>
-                </a:schemeClr>
-              </a:gs>
-            </a:gsLst>
-            <a:lin ang="0" scaled="1"/>
-            <a:tileRect/>
-          </a:gradFill>
           <a:ln>
             <a:noFill/>
           </a:ln>
@@ -25860,6 +25766,824 @@
           </a:p>
         </p:txBody>
       </p:sp>
+      <p:sp>
+        <p:nvSpPr>
+          <p:cNvPr id="33794" name="Rectangle 2"/>
+          <p:cNvSpPr>
+            <a:spLocks noGrp="1" noChangeArrowheads="1"/>
+          </p:cNvSpPr>
+          <p:nvPr>
+            <p:ph type="title"/>
+          </p:nvPr>
+        </p:nvSpPr>
+        <p:spPr>
+          <a:xfrm>
+            <a:off x="4654296" y="329184"/>
+            <a:ext cx="6894576" cy="1783080"/>
+          </a:xfrm>
+        </p:spPr>
+        <p:txBody>
+          <a:bodyPr anchor="b">
+            <a:normAutofit/>
+          </a:bodyPr>
+          <a:lstStyle/>
+          <a:p>
+            <a:pPr eaLnBrk="1" hangingPunct="1"/>
+            <a:r>
+              <a:rPr lang="en-US" sz="5400" dirty="0"/>
+              <a:t>Feature Engineering</a:t>
+            </a:r>
+          </a:p>
+        </p:txBody>
+      </p:sp>
+      <p:pic>
+        <p:nvPicPr>
+          <p:cNvPr id="4" name="Picture 2">
+            <a:extLst>
+              <a:ext uri="{C183D7F6-B498-43B3-948B-1728B52AA6E4}">
+                <adec:decorative xmlns:adec="http://schemas.microsoft.com/office/drawing/2017/decorative" val="1"/>
+              </a:ext>
+            </a:extLst>
+          </p:cNvPr>
+          <p:cNvPicPr>
+            <a:picLocks noChangeAspect="1" noChangeArrowheads="1"/>
+          </p:cNvPicPr>
+          <p:nvPr/>
+        </p:nvPicPr>
+        <p:blipFill>
+          <a:blip r:embed="rId2">
+            <a:extLst>
+              <a:ext uri="{28A0092B-C50C-407E-A947-70E740481C1C}">
+                <a14:useLocalDpi xmlns:a14="http://schemas.microsoft.com/office/drawing/2010/main" val="0"/>
+              </a:ext>
+            </a:extLst>
+          </a:blip>
+          <a:srcRect l="7714" r="8467"/>
+          <a:stretch/>
+        </p:blipFill>
+        <p:spPr bwMode="auto">
+          <a:xfrm>
+            <a:off x="20" y="1"/>
+            <a:ext cx="4052522" cy="6858000"/>
+          </a:xfrm>
+          <a:custGeom>
+            <a:avLst/>
+            <a:gdLst/>
+            <a:ahLst/>
+            <a:cxnLst/>
+            <a:rect l="l" t="t" r="r" b="b"/>
+            <a:pathLst>
+              <a:path w="4052542" h="6858000">
+                <a:moveTo>
+                  <a:pt x="0" y="0"/>
+                </a:moveTo>
+                <a:lnTo>
+                  <a:pt x="4020923" y="0"/>
+                </a:lnTo>
+                <a:lnTo>
+                  <a:pt x="4022656" y="14697"/>
+                </a:lnTo>
+                <a:cubicBezTo>
+                  <a:pt x="4037606" y="98462"/>
+                  <a:pt x="4035072" y="183369"/>
+                  <a:pt x="4039126" y="267642"/>
+                </a:cubicBezTo>
+                <a:cubicBezTo>
+                  <a:pt x="4043941" y="370699"/>
+                  <a:pt x="4037860" y="474136"/>
+                  <a:pt x="4035579" y="577446"/>
+                </a:cubicBezTo>
+                <a:cubicBezTo>
+                  <a:pt x="4033805" y="665399"/>
+                  <a:pt x="4025063" y="753226"/>
+                  <a:pt x="4027724" y="841306"/>
+                </a:cubicBezTo>
+                <a:cubicBezTo>
+                  <a:pt x="4027914" y="844352"/>
+                  <a:pt x="4027914" y="847398"/>
+                  <a:pt x="4027724" y="850444"/>
+                </a:cubicBezTo>
+                <a:cubicBezTo>
+                  <a:pt x="4019615" y="947281"/>
+                  <a:pt x="4019615" y="1044626"/>
+                  <a:pt x="4027724" y="1141464"/>
+                </a:cubicBezTo>
+                <a:cubicBezTo>
+                  <a:pt x="4030296" y="1181772"/>
+                  <a:pt x="4029574" y="1222221"/>
+                  <a:pt x="4025570" y="1262415"/>
+                </a:cubicBezTo>
+                <a:cubicBezTo>
+                  <a:pt x="4021769" y="1313563"/>
+                  <a:pt x="4009606" y="1365472"/>
+                  <a:pt x="4018348" y="1416238"/>
+                </a:cubicBezTo>
+                <a:cubicBezTo>
+                  <a:pt x="4024037" y="1458058"/>
+                  <a:pt x="4027166" y="1500194"/>
+                  <a:pt x="4027724" y="1542394"/>
+                </a:cubicBezTo>
+                <a:cubicBezTo>
+                  <a:pt x="4032158" y="1636820"/>
+                  <a:pt x="4027977" y="1731753"/>
+                  <a:pt x="4026330" y="1826433"/>
+                </a:cubicBezTo>
+                <a:cubicBezTo>
+                  <a:pt x="4024556" y="1936724"/>
+                  <a:pt x="4027344" y="2047015"/>
+                  <a:pt x="4018475" y="2157432"/>
+                </a:cubicBezTo>
+                <a:cubicBezTo>
+                  <a:pt x="4013597" y="2246629"/>
+                  <a:pt x="4013597" y="2336029"/>
+                  <a:pt x="4018475" y="2425226"/>
+                </a:cubicBezTo>
+                <a:cubicBezTo>
+                  <a:pt x="4020882" y="2506961"/>
+                  <a:pt x="4033172" y="2587934"/>
+                  <a:pt x="4031145" y="2670557"/>
+                </a:cubicBezTo>
+                <a:cubicBezTo>
+                  <a:pt x="4028737" y="2766886"/>
+                  <a:pt x="4017335" y="2862962"/>
+                  <a:pt x="4020882" y="2959546"/>
+                </a:cubicBezTo>
+                <a:cubicBezTo>
+                  <a:pt x="4022529" y="3005617"/>
+                  <a:pt x="4022656" y="3051688"/>
+                  <a:pt x="4023543" y="3097758"/>
+                </a:cubicBezTo>
+                <a:cubicBezTo>
+                  <a:pt x="4024683" y="3153221"/>
+                  <a:pt x="4034692" y="3208556"/>
+                  <a:pt x="4029117" y="3263892"/>
+                </a:cubicBezTo>
+                <a:cubicBezTo>
+                  <a:pt x="4019869" y="3356161"/>
+                  <a:pt x="3995923" y="3446906"/>
+                  <a:pt x="4010873" y="3541459"/>
+                </a:cubicBezTo>
+                <a:cubicBezTo>
+                  <a:pt x="4019108" y="3593495"/>
+                  <a:pt x="4028357" y="3645658"/>
+                  <a:pt x="4033172" y="3698201"/>
+                </a:cubicBezTo>
+                <a:cubicBezTo>
+                  <a:pt x="4037353" y="3745160"/>
+                  <a:pt x="4047868" y="3792881"/>
+                  <a:pt x="4039886" y="3839586"/>
+                </a:cubicBezTo>
+                <a:cubicBezTo>
+                  <a:pt x="4033045" y="3879565"/>
+                  <a:pt x="4036592" y="3919544"/>
+                  <a:pt x="4031271" y="3959523"/>
+                </a:cubicBezTo>
+                <a:cubicBezTo>
+                  <a:pt x="4024303" y="4011939"/>
+                  <a:pt x="4020629" y="4065244"/>
+                  <a:pt x="4015308" y="4118042"/>
+                </a:cubicBezTo>
+                <a:cubicBezTo>
+                  <a:pt x="4010620" y="4165889"/>
+                  <a:pt x="4006946" y="4213610"/>
+                  <a:pt x="4019615" y="4258539"/>
+                </a:cubicBezTo>
+                <a:cubicBezTo>
+                  <a:pt x="4050656" y="4371622"/>
+                  <a:pt x="4033679" y="4484070"/>
+                  <a:pt x="4022023" y="4596391"/>
+                </a:cubicBezTo>
+                <a:cubicBezTo>
+                  <a:pt x="4016321" y="4650965"/>
+                  <a:pt x="4007959" y="4708712"/>
+                  <a:pt x="4020629" y="4758718"/>
+                </a:cubicBezTo>
+                <a:cubicBezTo>
+                  <a:pt x="4043941" y="4847432"/>
+                  <a:pt x="4025697" y="4931705"/>
+                  <a:pt x="4015561" y="5016866"/>
+                </a:cubicBezTo>
+                <a:cubicBezTo>
+                  <a:pt x="4003335" y="5100174"/>
+                  <a:pt x="4005096" y="5184929"/>
+                  <a:pt x="4020756" y="5267654"/>
+                </a:cubicBezTo>
+                <a:cubicBezTo>
+                  <a:pt x="4033172" y="5326035"/>
+                  <a:pt x="4033172" y="5385432"/>
+                  <a:pt x="4034692" y="5444194"/>
+                </a:cubicBezTo>
+                <a:cubicBezTo>
+                  <a:pt x="4035579" y="5481001"/>
+                  <a:pt x="4022023" y="5518441"/>
+                  <a:pt x="4013027" y="5555120"/>
+                </a:cubicBezTo>
+                <a:cubicBezTo>
+                  <a:pt x="3996937" y="5621371"/>
+                  <a:pt x="3991109" y="5688636"/>
+                  <a:pt x="4013027" y="5753237"/>
+                </a:cubicBezTo>
+                <a:cubicBezTo>
+                  <a:pt x="4043561" y="5842713"/>
+                  <a:pt x="4061045" y="5932189"/>
+                  <a:pt x="4048375" y="6026870"/>
+                </a:cubicBezTo>
+                <a:cubicBezTo>
+                  <a:pt x="4041027" y="6085251"/>
+                  <a:pt x="4039380" y="6144902"/>
+                  <a:pt x="4028357" y="6202522"/>
+                </a:cubicBezTo>
+                <a:cubicBezTo>
+                  <a:pt x="4010240" y="6298091"/>
+                  <a:pt x="4016701" y="6393024"/>
+                  <a:pt x="4031145" y="6487196"/>
+                </a:cubicBezTo>
+                <a:cubicBezTo>
+                  <a:pt x="4041293" y="6565885"/>
+                  <a:pt x="4042395" y="6645474"/>
+                  <a:pt x="4034439" y="6724403"/>
+                </a:cubicBezTo>
+                <a:lnTo>
+                  <a:pt x="4025206" y="6858000"/>
+                </a:lnTo>
+                <a:lnTo>
+                  <a:pt x="0" y="6858000"/>
+                </a:lnTo>
+                <a:close/>
+              </a:path>
+            </a:pathLst>
+          </a:custGeom>
+          <a:noFill/>
+        </p:spPr>
+      </p:pic>
+      <p:sp>
+        <p:nvSpPr>
+          <p:cNvPr id="33802" name="sketchy line">
+            <a:extLst>
+              <a:ext uri="{FF2B5EF4-FFF2-40B4-BE49-F238E27FC236}">
+                <a16:creationId xmlns:a16="http://schemas.microsoft.com/office/drawing/2014/main" id="{3FCFB1DE-0B7E-48CC-BA90-B2AB0889F9D6}"/>
+              </a:ext>
+              <a:ext uri="{C183D7F6-B498-43B3-948B-1728B52AA6E4}">
+                <adec:decorative xmlns:adec="http://schemas.microsoft.com/office/drawing/2017/decorative" val="1"/>
+              </a:ext>
+            </a:extLst>
+          </p:cNvPr>
+          <p:cNvSpPr>
+            <a:spLocks noGrp="1" noRot="1" noChangeAspect="1" noMove="1" noResize="1" noEditPoints="1" noAdjustHandles="1" noChangeArrowheads="1" noChangeShapeType="1" noTextEdit="1"/>
+          </p:cNvSpPr>
+          <p:nvPr>
+            <p:extLst>
+              <p:ext uri="{386F3935-93C4-4BCD-93E2-E3B085C9AB24}">
+                <p16:designElem xmlns:p16="http://schemas.microsoft.com/office/powerpoint/2015/main" val="1"/>
+              </p:ext>
+            </p:extLst>
+          </p:nvPr>
+        </p:nvSpPr>
+        <p:spPr>
+          <a:xfrm>
+            <a:off x="4654296" y="2395728"/>
+            <a:ext cx="4243589" cy="18288"/>
+          </a:xfrm>
+          <a:custGeom>
+            <a:avLst/>
+            <a:gdLst>
+              <a:gd name="connsiteX0" fmla="*/ 0 w 4243589"/>
+              <a:gd name="connsiteY0" fmla="*/ 0 h 18288"/>
+              <a:gd name="connsiteX1" fmla="*/ 478919 w 4243589"/>
+              <a:gd name="connsiteY1" fmla="*/ 0 h 18288"/>
+              <a:gd name="connsiteX2" fmla="*/ 957839 w 4243589"/>
+              <a:gd name="connsiteY2" fmla="*/ 0 h 18288"/>
+              <a:gd name="connsiteX3" fmla="*/ 1521630 w 4243589"/>
+              <a:gd name="connsiteY3" fmla="*/ 0 h 18288"/>
+              <a:gd name="connsiteX4" fmla="*/ 2212729 w 4243589"/>
+              <a:gd name="connsiteY4" fmla="*/ 0 h 18288"/>
+              <a:gd name="connsiteX5" fmla="*/ 2734084 w 4243589"/>
+              <a:gd name="connsiteY5" fmla="*/ 0 h 18288"/>
+              <a:gd name="connsiteX6" fmla="*/ 3255439 w 4243589"/>
+              <a:gd name="connsiteY6" fmla="*/ 0 h 18288"/>
+              <a:gd name="connsiteX7" fmla="*/ 4243589 w 4243589"/>
+              <a:gd name="connsiteY7" fmla="*/ 0 h 18288"/>
+              <a:gd name="connsiteX8" fmla="*/ 4243589 w 4243589"/>
+              <a:gd name="connsiteY8" fmla="*/ 18288 h 18288"/>
+              <a:gd name="connsiteX9" fmla="*/ 3594926 w 4243589"/>
+              <a:gd name="connsiteY9" fmla="*/ 18288 h 18288"/>
+              <a:gd name="connsiteX10" fmla="*/ 3073571 w 4243589"/>
+              <a:gd name="connsiteY10" fmla="*/ 18288 h 18288"/>
+              <a:gd name="connsiteX11" fmla="*/ 2552216 w 4243589"/>
+              <a:gd name="connsiteY11" fmla="*/ 18288 h 18288"/>
+              <a:gd name="connsiteX12" fmla="*/ 1903553 w 4243589"/>
+              <a:gd name="connsiteY12" fmla="*/ 18288 h 18288"/>
+              <a:gd name="connsiteX13" fmla="*/ 1212454 w 4243589"/>
+              <a:gd name="connsiteY13" fmla="*/ 18288 h 18288"/>
+              <a:gd name="connsiteX14" fmla="*/ 733535 w 4243589"/>
+              <a:gd name="connsiteY14" fmla="*/ 18288 h 18288"/>
+              <a:gd name="connsiteX15" fmla="*/ 0 w 4243589"/>
+              <a:gd name="connsiteY15" fmla="*/ 18288 h 18288"/>
+              <a:gd name="connsiteX16" fmla="*/ 0 w 4243589"/>
+              <a:gd name="connsiteY16" fmla="*/ 0 h 18288"/>
+            </a:gdLst>
+            <a:ahLst/>
+            <a:cxnLst>
+              <a:cxn ang="0">
+                <a:pos x="connsiteX0" y="connsiteY0"/>
+              </a:cxn>
+              <a:cxn ang="0">
+                <a:pos x="connsiteX1" y="connsiteY1"/>
+              </a:cxn>
+              <a:cxn ang="0">
+                <a:pos x="connsiteX2" y="connsiteY2"/>
+              </a:cxn>
+              <a:cxn ang="0">
+                <a:pos x="connsiteX3" y="connsiteY3"/>
+              </a:cxn>
+              <a:cxn ang="0">
+                <a:pos x="connsiteX4" y="connsiteY4"/>
+              </a:cxn>
+              <a:cxn ang="0">
+                <a:pos x="connsiteX5" y="connsiteY5"/>
+              </a:cxn>
+              <a:cxn ang="0">
+                <a:pos x="connsiteX6" y="connsiteY6"/>
+              </a:cxn>
+              <a:cxn ang="0">
+                <a:pos x="connsiteX7" y="connsiteY7"/>
+              </a:cxn>
+              <a:cxn ang="0">
+                <a:pos x="connsiteX8" y="connsiteY8"/>
+              </a:cxn>
+              <a:cxn ang="0">
+                <a:pos x="connsiteX9" y="connsiteY9"/>
+              </a:cxn>
+              <a:cxn ang="0">
+                <a:pos x="connsiteX10" y="connsiteY10"/>
+              </a:cxn>
+              <a:cxn ang="0">
+                <a:pos x="connsiteX11" y="connsiteY11"/>
+              </a:cxn>
+              <a:cxn ang="0">
+                <a:pos x="connsiteX12" y="connsiteY12"/>
+              </a:cxn>
+              <a:cxn ang="0">
+                <a:pos x="connsiteX13" y="connsiteY13"/>
+              </a:cxn>
+              <a:cxn ang="0">
+                <a:pos x="connsiteX14" y="connsiteY14"/>
+              </a:cxn>
+              <a:cxn ang="0">
+                <a:pos x="connsiteX15" y="connsiteY15"/>
+              </a:cxn>
+              <a:cxn ang="0">
+                <a:pos x="connsiteX16" y="connsiteY16"/>
+              </a:cxn>
+            </a:cxnLst>
+            <a:rect l="l" t="t" r="r" b="b"/>
+            <a:pathLst>
+              <a:path w="4243589" h="18288" fill="none" extrusionOk="0">
+                <a:moveTo>
+                  <a:pt x="0" y="0"/>
+                </a:moveTo>
+                <a:cubicBezTo>
+                  <a:pt x="213395" y="-21006"/>
+                  <a:pt x="307421" y="-18116"/>
+                  <a:pt x="478919" y="0"/>
+                </a:cubicBezTo>
+                <a:cubicBezTo>
+                  <a:pt x="650417" y="18116"/>
+                  <a:pt x="831092" y="-21237"/>
+                  <a:pt x="957839" y="0"/>
+                </a:cubicBezTo>
+                <a:cubicBezTo>
+                  <a:pt x="1084586" y="21237"/>
+                  <a:pt x="1301682" y="25124"/>
+                  <a:pt x="1521630" y="0"/>
+                </a:cubicBezTo>
+                <a:cubicBezTo>
+                  <a:pt x="1741578" y="-25124"/>
+                  <a:pt x="1970269" y="-29139"/>
+                  <a:pt x="2212729" y="0"/>
+                </a:cubicBezTo>
+                <a:cubicBezTo>
+                  <a:pt x="2455189" y="29139"/>
+                  <a:pt x="2558847" y="-4796"/>
+                  <a:pt x="2734084" y="0"/>
+                </a:cubicBezTo>
+                <a:cubicBezTo>
+                  <a:pt x="2909321" y="4796"/>
+                  <a:pt x="3097217" y="-13409"/>
+                  <a:pt x="3255439" y="0"/>
+                </a:cubicBezTo>
+                <a:cubicBezTo>
+                  <a:pt x="3413662" y="13409"/>
+                  <a:pt x="3979999" y="-10121"/>
+                  <a:pt x="4243589" y="0"/>
+                </a:cubicBezTo>
+                <a:cubicBezTo>
+                  <a:pt x="4244484" y="8974"/>
+                  <a:pt x="4243043" y="9359"/>
+                  <a:pt x="4243589" y="18288"/>
+                </a:cubicBezTo>
+                <a:cubicBezTo>
+                  <a:pt x="4058777" y="31246"/>
+                  <a:pt x="3910348" y="3158"/>
+                  <a:pt x="3594926" y="18288"/>
+                </a:cubicBezTo>
+                <a:cubicBezTo>
+                  <a:pt x="3279504" y="33418"/>
+                  <a:pt x="3319955" y="-3977"/>
+                  <a:pt x="3073571" y="18288"/>
+                </a:cubicBezTo>
+                <a:cubicBezTo>
+                  <a:pt x="2827187" y="40553"/>
+                  <a:pt x="2767387" y="1863"/>
+                  <a:pt x="2552216" y="18288"/>
+                </a:cubicBezTo>
+                <a:cubicBezTo>
+                  <a:pt x="2337046" y="34713"/>
+                  <a:pt x="2181871" y="19527"/>
+                  <a:pt x="1903553" y="18288"/>
+                </a:cubicBezTo>
+                <a:cubicBezTo>
+                  <a:pt x="1625235" y="17049"/>
+                  <a:pt x="1557672" y="24174"/>
+                  <a:pt x="1212454" y="18288"/>
+                </a:cubicBezTo>
+                <a:cubicBezTo>
+                  <a:pt x="867236" y="12402"/>
+                  <a:pt x="874382" y="15627"/>
+                  <a:pt x="733535" y="18288"/>
+                </a:cubicBezTo>
+                <a:cubicBezTo>
+                  <a:pt x="592688" y="20949"/>
+                  <a:pt x="183477" y="14753"/>
+                  <a:pt x="0" y="18288"/>
+                </a:cubicBezTo>
+                <a:cubicBezTo>
+                  <a:pt x="-229" y="14222"/>
+                  <a:pt x="509" y="5816"/>
+                  <a:pt x="0" y="0"/>
+                </a:cubicBezTo>
+                <a:close/>
+              </a:path>
+              <a:path w="4243589" h="18288" stroke="0" extrusionOk="0">
+                <a:moveTo>
+                  <a:pt x="0" y="0"/>
+                </a:moveTo>
+                <a:cubicBezTo>
+                  <a:pt x="143690" y="16630"/>
+                  <a:pt x="266667" y="14847"/>
+                  <a:pt x="521355" y="0"/>
+                </a:cubicBezTo>
+                <a:cubicBezTo>
+                  <a:pt x="776043" y="-14847"/>
+                  <a:pt x="814491" y="-17363"/>
+                  <a:pt x="1000275" y="0"/>
+                </a:cubicBezTo>
+                <a:cubicBezTo>
+                  <a:pt x="1186059" y="17363"/>
+                  <a:pt x="1352504" y="-23507"/>
+                  <a:pt x="1521630" y="0"/>
+                </a:cubicBezTo>
+                <a:cubicBezTo>
+                  <a:pt x="1690756" y="23507"/>
+                  <a:pt x="1889525" y="5871"/>
+                  <a:pt x="2127857" y="0"/>
+                </a:cubicBezTo>
+                <a:cubicBezTo>
+                  <a:pt x="2366189" y="-5871"/>
+                  <a:pt x="2620628" y="-27997"/>
+                  <a:pt x="2776520" y="0"/>
+                </a:cubicBezTo>
+                <a:cubicBezTo>
+                  <a:pt x="2932412" y="27997"/>
+                  <a:pt x="3131683" y="-25073"/>
+                  <a:pt x="3467618" y="0"/>
+                </a:cubicBezTo>
+                <a:cubicBezTo>
+                  <a:pt x="3803553" y="25073"/>
+                  <a:pt x="4017371" y="3071"/>
+                  <a:pt x="4243589" y="0"/>
+                </a:cubicBezTo>
+                <a:cubicBezTo>
+                  <a:pt x="4243134" y="6162"/>
+                  <a:pt x="4243492" y="11775"/>
+                  <a:pt x="4243589" y="18288"/>
+                </a:cubicBezTo>
+                <a:cubicBezTo>
+                  <a:pt x="4017834" y="-5779"/>
+                  <a:pt x="3834586" y="13376"/>
+                  <a:pt x="3594926" y="18288"/>
+                </a:cubicBezTo>
+                <a:cubicBezTo>
+                  <a:pt x="3355266" y="23200"/>
+                  <a:pt x="3204179" y="2869"/>
+                  <a:pt x="2903827" y="18288"/>
+                </a:cubicBezTo>
+                <a:cubicBezTo>
+                  <a:pt x="2603475" y="33707"/>
+                  <a:pt x="2526187" y="46187"/>
+                  <a:pt x="2212729" y="18288"/>
+                </a:cubicBezTo>
+                <a:cubicBezTo>
+                  <a:pt x="1899271" y="-9611"/>
+                  <a:pt x="1966289" y="29692"/>
+                  <a:pt x="1733809" y="18288"/>
+                </a:cubicBezTo>
+                <a:cubicBezTo>
+                  <a:pt x="1501329" y="6884"/>
+                  <a:pt x="1343612" y="12492"/>
+                  <a:pt x="1085146" y="18288"/>
+                </a:cubicBezTo>
+                <a:cubicBezTo>
+                  <a:pt x="826680" y="24084"/>
+                  <a:pt x="778184" y="35607"/>
+                  <a:pt x="521355" y="18288"/>
+                </a:cubicBezTo>
+                <a:cubicBezTo>
+                  <a:pt x="264526" y="969"/>
+                  <a:pt x="120277" y="4268"/>
+                  <a:pt x="0" y="18288"/>
+                </a:cubicBezTo>
+                <a:cubicBezTo>
+                  <a:pt x="766" y="10800"/>
+                  <a:pt x="-457" y="8180"/>
+                  <a:pt x="0" y="0"/>
+                </a:cubicBezTo>
+                <a:close/>
+              </a:path>
+            </a:pathLst>
+          </a:custGeom>
+          <a:solidFill>
+            <a:schemeClr val="accent2"/>
+          </a:solidFill>
+          <a:ln w="44450" cap="rnd">
+            <a:solidFill>
+              <a:schemeClr val="accent2"/>
+            </a:solidFill>
+            <a:round/>
+            <a:extLst>
+              <a:ext uri="{C807C97D-BFC1-408E-A445-0C87EB9F89A2}">
+                <ask:lineSketchStyleProps xmlns:ask="http://schemas.microsoft.com/office/drawing/2018/sketchyshapes" sd="2727557108">
+                  <a:prstGeom prst="rect">
+                    <a:avLst/>
+                  </a:prstGeom>
+                  <ask:type>
+                    <ask:lineSketchFreehand/>
+                  </ask:type>
+                </ask:lineSketchStyleProps>
+              </a:ext>
+            </a:extLst>
+          </a:ln>
+        </p:spPr>
+        <p:style>
+          <a:lnRef idx="2">
+            <a:schemeClr val="accent1">
+              <a:shade val="50000"/>
+            </a:schemeClr>
+          </a:lnRef>
+          <a:fillRef idx="1">
+            <a:schemeClr val="accent1"/>
+          </a:fillRef>
+          <a:effectRef idx="0">
+            <a:schemeClr val="accent1"/>
+          </a:effectRef>
+          <a:fontRef idx="minor">
+            <a:schemeClr val="lt1"/>
+          </a:fontRef>
+        </p:style>
+        <p:txBody>
+          <a:bodyPr rtlCol="0" anchor="ctr"/>
+          <a:lstStyle/>
+          <a:p>
+            <a:pPr algn="ctr"/>
+            <a:endParaRPr lang="en-US"/>
+          </a:p>
+        </p:txBody>
+      </p:sp>
+      <mc:AlternateContent xmlns:mc="http://schemas.openxmlformats.org/markup-compatibility/2006">
+        <mc:Choice xmlns:a14="http://schemas.microsoft.com/office/drawing/2010/main" Requires="a14">
+          <p:sp>
+            <p:nvSpPr>
+              <p:cNvPr id="33795" name="Rectangle 3"/>
+              <p:cNvSpPr>
+                <a:spLocks noGrp="1" noChangeArrowheads="1"/>
+              </p:cNvSpPr>
+              <p:nvPr>
+                <p:ph idx="1"/>
+              </p:nvPr>
+            </p:nvSpPr>
+            <p:spPr>
+              <a:xfrm>
+                <a:off x="4654296" y="2532888"/>
+                <a:ext cx="6894576" cy="3959352"/>
+              </a:xfrm>
+            </p:spPr>
+            <p:txBody>
+              <a:bodyPr>
+                <a:normAutofit/>
+              </a:bodyPr>
+              <a:lstStyle/>
+              <a:p>
+                <a:r>
+                  <a:rPr lang="en-US" sz="1800" dirty="0"/>
+                  <a:t>Add information sources as new variables to the model.</a:t>
+                </a:r>
+              </a:p>
+              <a:p>
+                <a:r>
+                  <a:rPr lang="en-US" sz="1800" dirty="0"/>
+                  <a:t>Add derived features that help the classifier (e.g., </a:t>
+                </a:r>
+                <a14:m>
+                  <m:oMath xmlns:m="http://schemas.openxmlformats.org/officeDocument/2006/math">
+                    <m:sSub>
+                      <m:sSubPr>
+                        <m:ctrlPr>
+                          <a:rPr lang="en-US" sz="1800" b="0" i="1">
+                            <a:latin typeface="Cambria Math" panose="02040503050406030204" pitchFamily="18" charset="0"/>
+                          </a:rPr>
+                        </m:ctrlPr>
+                      </m:sSubPr>
+                      <m:e>
+                        <m:r>
+                          <a:rPr lang="en-US" sz="1800" b="0" i="1">
+                            <a:latin typeface="Cambria Math" panose="02040503050406030204" pitchFamily="18" charset="0"/>
+                          </a:rPr>
+                          <m:t>𝑥</m:t>
+                        </m:r>
+                      </m:e>
+                      <m:sub>
+                        <m:r>
+                          <a:rPr lang="en-US" sz="1800" b="0" i="1">
+                            <a:latin typeface="Cambria Math" panose="02040503050406030204" pitchFamily="18" charset="0"/>
+                          </a:rPr>
+                          <m:t>1</m:t>
+                        </m:r>
+                      </m:sub>
+                    </m:sSub>
+                    <m:sSub>
+                      <m:sSubPr>
+                        <m:ctrlPr>
+                          <a:rPr lang="en-US" sz="1800" b="0" i="1">
+                            <a:latin typeface="Cambria Math" panose="02040503050406030204" pitchFamily="18" charset="0"/>
+                          </a:rPr>
+                        </m:ctrlPr>
+                      </m:sSubPr>
+                      <m:e>
+                        <m:r>
+                          <a:rPr lang="en-US" sz="1800" b="0" i="1">
+                            <a:latin typeface="Cambria Math" panose="02040503050406030204" pitchFamily="18" charset="0"/>
+                          </a:rPr>
+                          <m:t>𝑥</m:t>
+                        </m:r>
+                      </m:e>
+                      <m:sub>
+                        <m:r>
+                          <a:rPr lang="en-US" sz="1800" b="0" i="1">
+                            <a:latin typeface="Cambria Math" panose="02040503050406030204" pitchFamily="18" charset="0"/>
+                          </a:rPr>
+                          <m:t>2</m:t>
+                        </m:r>
+                      </m:sub>
+                    </m:sSub>
+                  </m:oMath>
+                </a14:m>
+                <a:r>
+                  <a:rPr lang="en-US" sz="1800" dirty="0"/>
+                  <a:t>, </a:t>
+                </a:r>
+                <a14:m>
+                  <m:oMath xmlns:m="http://schemas.openxmlformats.org/officeDocument/2006/math">
+                    <m:sSubSup>
+                      <m:sSubSupPr>
+                        <m:ctrlPr>
+                          <a:rPr lang="en-US" sz="1800" b="0" i="1">
+                            <a:latin typeface="Cambria Math" panose="02040503050406030204" pitchFamily="18" charset="0"/>
+                          </a:rPr>
+                        </m:ctrlPr>
+                      </m:sSubSupPr>
+                      <m:e>
+                        <m:r>
+                          <a:rPr lang="en-US" sz="1800" b="0" i="1">
+                            <a:latin typeface="Cambria Math" panose="02040503050406030204" pitchFamily="18" charset="0"/>
+                          </a:rPr>
+                          <m:t>𝑥</m:t>
+                        </m:r>
+                      </m:e>
+                      <m:sub>
+                        <m:r>
+                          <a:rPr lang="en-US" sz="1800" b="0" i="1">
+                            <a:latin typeface="Cambria Math" panose="02040503050406030204" pitchFamily="18" charset="0"/>
+                          </a:rPr>
+                          <m:t>1</m:t>
+                        </m:r>
+                      </m:sub>
+                      <m:sup>
+                        <m:r>
+                          <a:rPr lang="en-US" sz="1800" b="0" i="1">
+                            <a:latin typeface="Cambria Math" panose="02040503050406030204" pitchFamily="18" charset="0"/>
+                          </a:rPr>
+                          <m:t>2</m:t>
+                        </m:r>
+                      </m:sup>
+                    </m:sSubSup>
+                  </m:oMath>
+                </a14:m>
+                <a:r>
+                  <a:rPr lang="en-US" sz="1800" dirty="0"/>
+                  <a:t>).</a:t>
+                </a:r>
+              </a:p>
+              <a:p>
+                <a:r>
+                  <a:rPr lang="en-US" sz="1800" dirty="0"/>
+                  <a:t>Embedding: E.g., convert words to vectors where vector similarity between vectors reflects semantic similarity. </a:t>
+                </a:r>
+              </a:p>
+              <a:p>
+                <a:pPr marL="0" indent="0">
+                  <a:buNone/>
+                </a:pPr>
+                <a:endParaRPr lang="en-US" sz="1800" dirty="0"/>
+              </a:p>
+              <a:p>
+                <a:r>
+                  <a:rPr lang="en-US" sz="1800" dirty="0"/>
+                  <a:t>Example for Spam detection: In addition to words</a:t>
+                </a:r>
+              </a:p>
+              <a:p>
+                <a:pPr lvl="1" eaLnBrk="1" hangingPunct="1"/>
+                <a:r>
+                  <a:rPr lang="en-US" sz="1800" dirty="0"/>
+                  <a:t>Have you emailed the sender before?</a:t>
+                </a:r>
+              </a:p>
+              <a:p>
+                <a:pPr lvl="1" eaLnBrk="1" hangingPunct="1"/>
+                <a:r>
+                  <a:rPr lang="en-US" sz="1800" dirty="0"/>
+                  <a:t>Have 1000+ other people just gotten the same email?</a:t>
+                </a:r>
+              </a:p>
+              <a:p>
+                <a:pPr lvl="1" eaLnBrk="1" hangingPunct="1"/>
+                <a:r>
+                  <a:rPr lang="en-US" sz="1800" dirty="0"/>
+                  <a:t>Is the email in ALL CAPS?</a:t>
+                </a:r>
+              </a:p>
+              <a:p>
+                <a:pPr eaLnBrk="1" hangingPunct="1"/>
+                <a:r>
+                  <a:rPr lang="en-US" sz="1800" b="1" dirty="0"/>
+                  <a:t>Feature Selection</a:t>
+                </a:r>
+                <a:r>
+                  <a:rPr lang="en-US" sz="1800" dirty="0"/>
+                  <a:t>: Which features should be used in the model is a model selection problem (choose between models with different features).</a:t>
+                </a:r>
+              </a:p>
+            </p:txBody>
+          </p:sp>
+        </mc:Choice>
+        <mc:Fallback>
+          <p:sp>
+            <p:nvSpPr>
+              <p:cNvPr id="33795" name="Rectangle 3"/>
+              <p:cNvSpPr>
+                <a:spLocks noGrp="1" noRot="1" noChangeAspect="1" noMove="1" noResize="1" noEditPoints="1" noAdjustHandles="1" noChangeArrowheads="1" noChangeShapeType="1" noTextEdit="1"/>
+              </p:cNvSpPr>
+              <p:nvPr>
+                <p:ph idx="1"/>
+              </p:nvPr>
+            </p:nvSpPr>
+            <p:spPr>
+              <a:xfrm>
+                <a:off x="4654296" y="2532888"/>
+                <a:ext cx="6894576" cy="3959352"/>
+              </a:xfrm>
+              <a:blipFill>
+                <a:blip r:embed="rId3"/>
+                <a:stretch>
+                  <a:fillRect l="-619" t="-1541" b="-462"/>
+                </a:stretch>
+              </a:blipFill>
+            </p:spPr>
+            <p:txBody>
+              <a:bodyPr/>
+              <a:lstStyle/>
+              <a:p>
+                <a:r>
+                  <a:rPr lang="en-US">
+                    <a:noFill/>
+                  </a:rPr>
+                  <a:t> </a:t>
+                </a:r>
+              </a:p>
+            </p:txBody>
+          </p:sp>
+        </mc:Fallback>
+      </mc:AlternateContent>
     </p:spTree>
   </p:cSld>
   <p:clrMapOvr>
@@ -25869,6 +26593,708 @@
 </file>
 
 <file path=ppt/slides/slide18.xml><?xml version="1.0" encoding="utf-8"?>
+<p:sld xmlns:a="http://schemas.openxmlformats.org/drawingml/2006/main" xmlns:r="http://schemas.openxmlformats.org/officeDocument/2006/relationships" xmlns:p="http://schemas.openxmlformats.org/presentationml/2006/main">
+  <p:cSld>
+    <p:bg>
+      <p:bgPr>
+        <a:solidFill>
+          <a:schemeClr val="bg1"/>
+        </a:solidFill>
+        <a:effectLst/>
+      </p:bgPr>
+    </p:bg>
+    <p:spTree>
+      <p:nvGrpSpPr>
+        <p:cNvPr id="1" name=""/>
+        <p:cNvGrpSpPr/>
+        <p:nvPr/>
+      </p:nvGrpSpPr>
+      <p:grpSpPr>
+        <a:xfrm>
+          <a:off x="0" y="0"/>
+          <a:ext cx="0" cy="0"/>
+          <a:chOff x="0" y="0"/>
+          <a:chExt cx="0" cy="0"/>
+        </a:xfrm>
+      </p:grpSpPr>
+      <p:sp useBgFill="1">
+        <p:nvSpPr>
+          <p:cNvPr id="9" name="Rectangle 8">
+            <a:extLst>
+              <a:ext uri="{FF2B5EF4-FFF2-40B4-BE49-F238E27FC236}">
+                <a16:creationId xmlns:a16="http://schemas.microsoft.com/office/drawing/2014/main" id="{2C61293E-6EBE-43EF-A52C-9BEBFD7679D4}"/>
+              </a:ext>
+              <a:ext uri="{C183D7F6-B498-43B3-948B-1728B52AA6E4}">
+                <adec:decorative xmlns:adec="http://schemas.microsoft.com/office/drawing/2017/decorative" val="1"/>
+              </a:ext>
+            </a:extLst>
+          </p:cNvPr>
+          <p:cNvSpPr>
+            <a:spLocks noGrp="1" noRot="1" noChangeAspect="1" noMove="1" noResize="1" noEditPoints="1" noAdjustHandles="1" noChangeArrowheads="1" noChangeShapeType="1" noTextEdit="1"/>
+          </p:cNvSpPr>
+          <p:nvPr>
+            <p:extLst>
+              <p:ext uri="{386F3935-93C4-4BCD-93E2-E3B085C9AB24}">
+                <p16:designElem xmlns:p16="http://schemas.microsoft.com/office/powerpoint/2015/main" val="1"/>
+              </p:ext>
+            </p:extLst>
+          </p:nvPr>
+        </p:nvSpPr>
+        <p:spPr>
+          <a:xfrm>
+            <a:off x="0" y="0"/>
+            <a:ext cx="12188952" cy="6858000"/>
+          </a:xfrm>
+          <a:prstGeom prst="rect">
+            <a:avLst/>
+          </a:prstGeom>
+          <a:ln>
+            <a:noFill/>
+          </a:ln>
+        </p:spPr>
+        <p:style>
+          <a:lnRef idx="2">
+            <a:schemeClr val="accent1">
+              <a:shade val="50000"/>
+            </a:schemeClr>
+          </a:lnRef>
+          <a:fillRef idx="1">
+            <a:schemeClr val="accent1"/>
+          </a:fillRef>
+          <a:effectRef idx="0">
+            <a:schemeClr val="accent1"/>
+          </a:effectRef>
+          <a:fontRef idx="minor">
+            <a:schemeClr val="lt1"/>
+          </a:fontRef>
+        </p:style>
+        <p:txBody>
+          <a:bodyPr rtlCol="0" anchor="ctr"/>
+          <a:lstStyle/>
+          <a:p>
+            <a:pPr algn="ctr"/>
+            <a:endParaRPr lang="en-US"/>
+          </a:p>
+        </p:txBody>
+      </p:sp>
+      <p:sp>
+        <p:nvSpPr>
+          <p:cNvPr id="2" name="Title 1">
+            <a:extLst>
+              <a:ext uri="{FF2B5EF4-FFF2-40B4-BE49-F238E27FC236}">
+                <a16:creationId xmlns:a16="http://schemas.microsoft.com/office/drawing/2014/main" id="{B9ECC4B4-B349-0940-ED3F-4F1162E4E4B8}"/>
+              </a:ext>
+            </a:extLst>
+          </p:cNvPr>
+          <p:cNvSpPr>
+            <a:spLocks noGrp="1"/>
+          </p:cNvSpPr>
+          <p:nvPr>
+            <p:ph type="title"/>
+          </p:nvPr>
+        </p:nvSpPr>
+        <p:spPr>
+          <a:xfrm>
+            <a:off x="5297762" y="329184"/>
+            <a:ext cx="6251110" cy="1783080"/>
+          </a:xfrm>
+        </p:spPr>
+        <p:txBody>
+          <a:bodyPr anchor="b">
+            <a:normAutofit/>
+          </a:bodyPr>
+          <a:lstStyle/>
+          <a:p>
+            <a:r>
+              <a:rPr lang="en-US" sz="5400" dirty="0"/>
+              <a:t>Data in AI</a:t>
+            </a:r>
+          </a:p>
+        </p:txBody>
+      </p:sp>
+      <p:pic>
+        <p:nvPicPr>
+          <p:cNvPr id="5" name="Picture 4">
+            <a:extLst>
+              <a:ext uri="{FF2B5EF4-FFF2-40B4-BE49-F238E27FC236}">
+                <a16:creationId xmlns:a16="http://schemas.microsoft.com/office/drawing/2014/main" id="{ABAF83C4-D9A0-8275-81E7-14DF099D6D1E}"/>
+              </a:ext>
+              <a:ext uri="{C183D7F6-B498-43B3-948B-1728B52AA6E4}">
+                <adec:decorative xmlns:adec="http://schemas.microsoft.com/office/drawing/2017/decorative" val="1"/>
+              </a:ext>
+            </a:extLst>
+          </p:cNvPr>
+          <p:cNvPicPr>
+            <a:picLocks noChangeAspect="1"/>
+          </p:cNvPicPr>
+          <p:nvPr/>
+        </p:nvPicPr>
+        <p:blipFill>
+          <a:blip r:embed="rId2"/>
+          <a:srcRect l="14335" r="47465"/>
+          <a:stretch/>
+        </p:blipFill>
+        <p:spPr>
+          <a:xfrm>
+            <a:off x="1" y="10"/>
+            <a:ext cx="4657344" cy="6857990"/>
+          </a:xfrm>
+          <a:custGeom>
+            <a:avLst/>
+            <a:gdLst/>
+            <a:ahLst/>
+            <a:cxnLst/>
+            <a:rect l="l" t="t" r="r" b="b"/>
+            <a:pathLst>
+              <a:path w="4657344" h="6858000">
+                <a:moveTo>
+                  <a:pt x="0" y="0"/>
+                </a:moveTo>
+                <a:lnTo>
+                  <a:pt x="3429755" y="0"/>
+                </a:lnTo>
+                <a:lnTo>
+                  <a:pt x="3526016" y="148742"/>
+                </a:lnTo>
+                <a:cubicBezTo>
+                  <a:pt x="3657740" y="365513"/>
+                  <a:pt x="3777402" y="589569"/>
+                  <a:pt x="3886489" y="819975"/>
+                </a:cubicBezTo>
+                <a:cubicBezTo>
+                  <a:pt x="3891856" y="833492"/>
+                  <a:pt x="3900663" y="845393"/>
+                  <a:pt x="3912049" y="854514"/>
+                </a:cubicBezTo>
+                <a:cubicBezTo>
+                  <a:pt x="3897352" y="819849"/>
+                  <a:pt x="3883037" y="784928"/>
+                  <a:pt x="3868083" y="750263"/>
+                </a:cubicBezTo>
+                <a:cubicBezTo>
+                  <a:pt x="3806989" y="608712"/>
+                  <a:pt x="3742478" y="469145"/>
+                  <a:pt x="3674155" y="331786"/>
+                </a:cubicBezTo>
+                <a:lnTo>
+                  <a:pt x="3496656" y="0"/>
+                </a:lnTo>
+                <a:lnTo>
+                  <a:pt x="3554371" y="0"/>
+                </a:lnTo>
+                <a:lnTo>
+                  <a:pt x="3661621" y="196614"/>
+                </a:lnTo>
+                <a:cubicBezTo>
+                  <a:pt x="3856899" y="573253"/>
+                  <a:pt x="4021071" y="966066"/>
+                  <a:pt x="4161279" y="1371196"/>
+                </a:cubicBezTo>
+                <a:cubicBezTo>
+                  <a:pt x="4379525" y="2007265"/>
+                  <a:pt x="4530141" y="2664286"/>
+                  <a:pt x="4610660" y="3331516"/>
+                </a:cubicBezTo>
+                <a:cubicBezTo>
+                  <a:pt x="4652837" y="3672965"/>
+                  <a:pt x="4671625" y="4013908"/>
+                  <a:pt x="4645040" y="4357388"/>
+                </a:cubicBezTo>
+                <a:cubicBezTo>
+                  <a:pt x="4613599" y="4758899"/>
+                  <a:pt x="4566181" y="5157998"/>
+                  <a:pt x="4485789" y="5552906"/>
+                </a:cubicBezTo>
+                <a:cubicBezTo>
+                  <a:pt x="4397121" y="5988893"/>
+                  <a:pt x="4276748" y="6414594"/>
+                  <a:pt x="4117769" y="6828295"/>
+                </a:cubicBezTo>
+                <a:lnTo>
+                  <a:pt x="4105288" y="6858000"/>
+                </a:lnTo>
+                <a:lnTo>
+                  <a:pt x="4052520" y="6858000"/>
+                </a:lnTo>
+                <a:lnTo>
+                  <a:pt x="4059369" y="6841549"/>
+                </a:lnTo>
+                <a:cubicBezTo>
+                  <a:pt x="4147276" y="6614016"/>
+                  <a:pt x="4224193" y="6380817"/>
+                  <a:pt x="4291518" y="6142729"/>
+                </a:cubicBezTo>
+                <a:cubicBezTo>
+                  <a:pt x="4350055" y="5935370"/>
+                  <a:pt x="4393256" y="5723695"/>
+                  <a:pt x="4443357" y="5513923"/>
+                </a:cubicBezTo>
+                <a:cubicBezTo>
+                  <a:pt x="4444541" y="5502788"/>
+                  <a:pt x="4445137" y="5491601"/>
+                  <a:pt x="4445146" y="5480401"/>
+                </a:cubicBezTo>
+                <a:cubicBezTo>
+                  <a:pt x="4408465" y="5607635"/>
+                  <a:pt x="4379196" y="5719759"/>
+                  <a:pt x="4344559" y="5830359"/>
+                </a:cubicBezTo>
+                <a:cubicBezTo>
+                  <a:pt x="4254261" y="6118381"/>
+                  <a:pt x="4150112" y="6398531"/>
+                  <a:pt x="4031702" y="6670527"/>
+                </a:cubicBezTo>
+                <a:lnTo>
+                  <a:pt x="3943824" y="6858000"/>
+                </a:lnTo>
+                <a:lnTo>
+                  <a:pt x="0" y="6858000"/>
+                </a:lnTo>
+                <a:close/>
+              </a:path>
+            </a:pathLst>
+          </a:custGeom>
+        </p:spPr>
+      </p:pic>
+      <p:sp>
+        <p:nvSpPr>
+          <p:cNvPr id="11" name="sketchy line">
+            <a:extLst>
+              <a:ext uri="{FF2B5EF4-FFF2-40B4-BE49-F238E27FC236}">
+                <a16:creationId xmlns:a16="http://schemas.microsoft.com/office/drawing/2014/main" id="{21540236-BFD5-4A9D-8840-4703E7F76825}"/>
+              </a:ext>
+              <a:ext uri="{C183D7F6-B498-43B3-948B-1728B52AA6E4}">
+                <adec:decorative xmlns:adec="http://schemas.microsoft.com/office/drawing/2017/decorative" val="1"/>
+              </a:ext>
+            </a:extLst>
+          </p:cNvPr>
+          <p:cNvSpPr>
+            <a:spLocks noGrp="1" noRot="1" noChangeAspect="1" noMove="1" noResize="1" noEditPoints="1" noAdjustHandles="1" noChangeArrowheads="1" noChangeShapeType="1" noTextEdit="1"/>
+          </p:cNvSpPr>
+          <p:nvPr>
+            <p:extLst>
+              <p:ext uri="{386F3935-93C4-4BCD-93E2-E3B085C9AB24}">
+                <p16:designElem xmlns:p16="http://schemas.microsoft.com/office/powerpoint/2015/main" val="1"/>
+              </p:ext>
+            </p:extLst>
+          </p:nvPr>
+        </p:nvSpPr>
+        <p:spPr>
+          <a:xfrm>
+            <a:off x="5297762" y="2374947"/>
+            <a:ext cx="4243589" cy="18288"/>
+          </a:xfrm>
+          <a:custGeom>
+            <a:avLst/>
+            <a:gdLst>
+              <a:gd name="connsiteX0" fmla="*/ 0 w 4243589"/>
+              <a:gd name="connsiteY0" fmla="*/ 0 h 18288"/>
+              <a:gd name="connsiteX1" fmla="*/ 478919 w 4243589"/>
+              <a:gd name="connsiteY1" fmla="*/ 0 h 18288"/>
+              <a:gd name="connsiteX2" fmla="*/ 957839 w 4243589"/>
+              <a:gd name="connsiteY2" fmla="*/ 0 h 18288"/>
+              <a:gd name="connsiteX3" fmla="*/ 1521630 w 4243589"/>
+              <a:gd name="connsiteY3" fmla="*/ 0 h 18288"/>
+              <a:gd name="connsiteX4" fmla="*/ 2212729 w 4243589"/>
+              <a:gd name="connsiteY4" fmla="*/ 0 h 18288"/>
+              <a:gd name="connsiteX5" fmla="*/ 2734084 w 4243589"/>
+              <a:gd name="connsiteY5" fmla="*/ 0 h 18288"/>
+              <a:gd name="connsiteX6" fmla="*/ 3255439 w 4243589"/>
+              <a:gd name="connsiteY6" fmla="*/ 0 h 18288"/>
+              <a:gd name="connsiteX7" fmla="*/ 4243589 w 4243589"/>
+              <a:gd name="connsiteY7" fmla="*/ 0 h 18288"/>
+              <a:gd name="connsiteX8" fmla="*/ 4243589 w 4243589"/>
+              <a:gd name="connsiteY8" fmla="*/ 18288 h 18288"/>
+              <a:gd name="connsiteX9" fmla="*/ 3594926 w 4243589"/>
+              <a:gd name="connsiteY9" fmla="*/ 18288 h 18288"/>
+              <a:gd name="connsiteX10" fmla="*/ 3073571 w 4243589"/>
+              <a:gd name="connsiteY10" fmla="*/ 18288 h 18288"/>
+              <a:gd name="connsiteX11" fmla="*/ 2552216 w 4243589"/>
+              <a:gd name="connsiteY11" fmla="*/ 18288 h 18288"/>
+              <a:gd name="connsiteX12" fmla="*/ 1903553 w 4243589"/>
+              <a:gd name="connsiteY12" fmla="*/ 18288 h 18288"/>
+              <a:gd name="connsiteX13" fmla="*/ 1212454 w 4243589"/>
+              <a:gd name="connsiteY13" fmla="*/ 18288 h 18288"/>
+              <a:gd name="connsiteX14" fmla="*/ 733535 w 4243589"/>
+              <a:gd name="connsiteY14" fmla="*/ 18288 h 18288"/>
+              <a:gd name="connsiteX15" fmla="*/ 0 w 4243589"/>
+              <a:gd name="connsiteY15" fmla="*/ 18288 h 18288"/>
+              <a:gd name="connsiteX16" fmla="*/ 0 w 4243589"/>
+              <a:gd name="connsiteY16" fmla="*/ 0 h 18288"/>
+            </a:gdLst>
+            <a:ahLst/>
+            <a:cxnLst>
+              <a:cxn ang="0">
+                <a:pos x="connsiteX0" y="connsiteY0"/>
+              </a:cxn>
+              <a:cxn ang="0">
+                <a:pos x="connsiteX1" y="connsiteY1"/>
+              </a:cxn>
+              <a:cxn ang="0">
+                <a:pos x="connsiteX2" y="connsiteY2"/>
+              </a:cxn>
+              <a:cxn ang="0">
+                <a:pos x="connsiteX3" y="connsiteY3"/>
+              </a:cxn>
+              <a:cxn ang="0">
+                <a:pos x="connsiteX4" y="connsiteY4"/>
+              </a:cxn>
+              <a:cxn ang="0">
+                <a:pos x="connsiteX5" y="connsiteY5"/>
+              </a:cxn>
+              <a:cxn ang="0">
+                <a:pos x="connsiteX6" y="connsiteY6"/>
+              </a:cxn>
+              <a:cxn ang="0">
+                <a:pos x="connsiteX7" y="connsiteY7"/>
+              </a:cxn>
+              <a:cxn ang="0">
+                <a:pos x="connsiteX8" y="connsiteY8"/>
+              </a:cxn>
+              <a:cxn ang="0">
+                <a:pos x="connsiteX9" y="connsiteY9"/>
+              </a:cxn>
+              <a:cxn ang="0">
+                <a:pos x="connsiteX10" y="connsiteY10"/>
+              </a:cxn>
+              <a:cxn ang="0">
+                <a:pos x="connsiteX11" y="connsiteY11"/>
+              </a:cxn>
+              <a:cxn ang="0">
+                <a:pos x="connsiteX12" y="connsiteY12"/>
+              </a:cxn>
+              <a:cxn ang="0">
+                <a:pos x="connsiteX13" y="connsiteY13"/>
+              </a:cxn>
+              <a:cxn ang="0">
+                <a:pos x="connsiteX14" y="connsiteY14"/>
+              </a:cxn>
+              <a:cxn ang="0">
+                <a:pos x="connsiteX15" y="connsiteY15"/>
+              </a:cxn>
+              <a:cxn ang="0">
+                <a:pos x="connsiteX16" y="connsiteY16"/>
+              </a:cxn>
+            </a:cxnLst>
+            <a:rect l="l" t="t" r="r" b="b"/>
+            <a:pathLst>
+              <a:path w="4243589" h="18288" fill="none" extrusionOk="0">
+                <a:moveTo>
+                  <a:pt x="0" y="0"/>
+                </a:moveTo>
+                <a:cubicBezTo>
+                  <a:pt x="213395" y="-21006"/>
+                  <a:pt x="307421" y="-18116"/>
+                  <a:pt x="478919" y="0"/>
+                </a:cubicBezTo>
+                <a:cubicBezTo>
+                  <a:pt x="650417" y="18116"/>
+                  <a:pt x="831092" y="-21237"/>
+                  <a:pt x="957839" y="0"/>
+                </a:cubicBezTo>
+                <a:cubicBezTo>
+                  <a:pt x="1084586" y="21237"/>
+                  <a:pt x="1301682" y="25124"/>
+                  <a:pt x="1521630" y="0"/>
+                </a:cubicBezTo>
+                <a:cubicBezTo>
+                  <a:pt x="1741578" y="-25124"/>
+                  <a:pt x="1970269" y="-29139"/>
+                  <a:pt x="2212729" y="0"/>
+                </a:cubicBezTo>
+                <a:cubicBezTo>
+                  <a:pt x="2455189" y="29139"/>
+                  <a:pt x="2558847" y="-4796"/>
+                  <a:pt x="2734084" y="0"/>
+                </a:cubicBezTo>
+                <a:cubicBezTo>
+                  <a:pt x="2909321" y="4796"/>
+                  <a:pt x="3097217" y="-13409"/>
+                  <a:pt x="3255439" y="0"/>
+                </a:cubicBezTo>
+                <a:cubicBezTo>
+                  <a:pt x="3413662" y="13409"/>
+                  <a:pt x="3979999" y="-10121"/>
+                  <a:pt x="4243589" y="0"/>
+                </a:cubicBezTo>
+                <a:cubicBezTo>
+                  <a:pt x="4244484" y="8974"/>
+                  <a:pt x="4243043" y="9359"/>
+                  <a:pt x="4243589" y="18288"/>
+                </a:cubicBezTo>
+                <a:cubicBezTo>
+                  <a:pt x="4058777" y="31246"/>
+                  <a:pt x="3910348" y="3158"/>
+                  <a:pt x="3594926" y="18288"/>
+                </a:cubicBezTo>
+                <a:cubicBezTo>
+                  <a:pt x="3279504" y="33418"/>
+                  <a:pt x="3319955" y="-3977"/>
+                  <a:pt x="3073571" y="18288"/>
+                </a:cubicBezTo>
+                <a:cubicBezTo>
+                  <a:pt x="2827187" y="40553"/>
+                  <a:pt x="2767387" y="1863"/>
+                  <a:pt x="2552216" y="18288"/>
+                </a:cubicBezTo>
+                <a:cubicBezTo>
+                  <a:pt x="2337046" y="34713"/>
+                  <a:pt x="2181871" y="19527"/>
+                  <a:pt x="1903553" y="18288"/>
+                </a:cubicBezTo>
+                <a:cubicBezTo>
+                  <a:pt x="1625235" y="17049"/>
+                  <a:pt x="1557672" y="24174"/>
+                  <a:pt x="1212454" y="18288"/>
+                </a:cubicBezTo>
+                <a:cubicBezTo>
+                  <a:pt x="867236" y="12402"/>
+                  <a:pt x="874382" y="15627"/>
+                  <a:pt x="733535" y="18288"/>
+                </a:cubicBezTo>
+                <a:cubicBezTo>
+                  <a:pt x="592688" y="20949"/>
+                  <a:pt x="183477" y="14753"/>
+                  <a:pt x="0" y="18288"/>
+                </a:cubicBezTo>
+                <a:cubicBezTo>
+                  <a:pt x="-229" y="14222"/>
+                  <a:pt x="509" y="5816"/>
+                  <a:pt x="0" y="0"/>
+                </a:cubicBezTo>
+                <a:close/>
+              </a:path>
+              <a:path w="4243589" h="18288" stroke="0" extrusionOk="0">
+                <a:moveTo>
+                  <a:pt x="0" y="0"/>
+                </a:moveTo>
+                <a:cubicBezTo>
+                  <a:pt x="143690" y="16630"/>
+                  <a:pt x="266667" y="14847"/>
+                  <a:pt x="521355" y="0"/>
+                </a:cubicBezTo>
+                <a:cubicBezTo>
+                  <a:pt x="776043" y="-14847"/>
+                  <a:pt x="814491" y="-17363"/>
+                  <a:pt x="1000275" y="0"/>
+                </a:cubicBezTo>
+                <a:cubicBezTo>
+                  <a:pt x="1186059" y="17363"/>
+                  <a:pt x="1352504" y="-23507"/>
+                  <a:pt x="1521630" y="0"/>
+                </a:cubicBezTo>
+                <a:cubicBezTo>
+                  <a:pt x="1690756" y="23507"/>
+                  <a:pt x="1889525" y="5871"/>
+                  <a:pt x="2127857" y="0"/>
+                </a:cubicBezTo>
+                <a:cubicBezTo>
+                  <a:pt x="2366189" y="-5871"/>
+                  <a:pt x="2620628" y="-27997"/>
+                  <a:pt x="2776520" y="0"/>
+                </a:cubicBezTo>
+                <a:cubicBezTo>
+                  <a:pt x="2932412" y="27997"/>
+                  <a:pt x="3131683" y="-25073"/>
+                  <a:pt x="3467618" y="0"/>
+                </a:cubicBezTo>
+                <a:cubicBezTo>
+                  <a:pt x="3803553" y="25073"/>
+                  <a:pt x="4017371" y="3071"/>
+                  <a:pt x="4243589" y="0"/>
+                </a:cubicBezTo>
+                <a:cubicBezTo>
+                  <a:pt x="4243134" y="6162"/>
+                  <a:pt x="4243492" y="11775"/>
+                  <a:pt x="4243589" y="18288"/>
+                </a:cubicBezTo>
+                <a:cubicBezTo>
+                  <a:pt x="4017834" y="-5779"/>
+                  <a:pt x="3834586" y="13376"/>
+                  <a:pt x="3594926" y="18288"/>
+                </a:cubicBezTo>
+                <a:cubicBezTo>
+                  <a:pt x="3355266" y="23200"/>
+                  <a:pt x="3204179" y="2869"/>
+                  <a:pt x="2903827" y="18288"/>
+                </a:cubicBezTo>
+                <a:cubicBezTo>
+                  <a:pt x="2603475" y="33707"/>
+                  <a:pt x="2526187" y="46187"/>
+                  <a:pt x="2212729" y="18288"/>
+                </a:cubicBezTo>
+                <a:cubicBezTo>
+                  <a:pt x="1899271" y="-9611"/>
+                  <a:pt x="1966289" y="29692"/>
+                  <a:pt x="1733809" y="18288"/>
+                </a:cubicBezTo>
+                <a:cubicBezTo>
+                  <a:pt x="1501329" y="6884"/>
+                  <a:pt x="1343612" y="12492"/>
+                  <a:pt x="1085146" y="18288"/>
+                </a:cubicBezTo>
+                <a:cubicBezTo>
+                  <a:pt x="826680" y="24084"/>
+                  <a:pt x="778184" y="35607"/>
+                  <a:pt x="521355" y="18288"/>
+                </a:cubicBezTo>
+                <a:cubicBezTo>
+                  <a:pt x="264526" y="969"/>
+                  <a:pt x="120277" y="4268"/>
+                  <a:pt x="0" y="18288"/>
+                </a:cubicBezTo>
+                <a:cubicBezTo>
+                  <a:pt x="766" y="10800"/>
+                  <a:pt x="-457" y="8180"/>
+                  <a:pt x="0" y="0"/>
+                </a:cubicBezTo>
+                <a:close/>
+              </a:path>
+            </a:pathLst>
+          </a:custGeom>
+          <a:solidFill>
+            <a:schemeClr val="accent2"/>
+          </a:solidFill>
+          <a:ln w="44450" cap="rnd">
+            <a:solidFill>
+              <a:schemeClr val="accent2"/>
+            </a:solidFill>
+            <a:round/>
+            <a:extLst>
+              <a:ext uri="{C807C97D-BFC1-408E-A445-0C87EB9F89A2}">
+                <ask:lineSketchStyleProps xmlns:ask="http://schemas.microsoft.com/office/drawing/2018/sketchyshapes" sd="2727557108">
+                  <a:prstGeom prst="rect">
+                    <a:avLst/>
+                  </a:prstGeom>
+                  <ask:type>
+                    <ask:lineSketchFreehand/>
+                  </ask:type>
+                </ask:lineSketchStyleProps>
+              </a:ext>
+            </a:extLst>
+          </a:ln>
+        </p:spPr>
+        <p:style>
+          <a:lnRef idx="2">
+            <a:schemeClr val="accent1">
+              <a:shade val="50000"/>
+            </a:schemeClr>
+          </a:lnRef>
+          <a:fillRef idx="1">
+            <a:schemeClr val="accent1"/>
+          </a:fillRef>
+          <a:effectRef idx="0">
+            <a:schemeClr val="accent1"/>
+          </a:effectRef>
+          <a:fontRef idx="minor">
+            <a:schemeClr val="lt1"/>
+          </a:fontRef>
+        </p:style>
+        <p:txBody>
+          <a:bodyPr rtlCol="0" anchor="ctr"/>
+          <a:lstStyle/>
+          <a:p>
+            <a:pPr algn="ctr"/>
+            <a:endParaRPr lang="en-US"/>
+          </a:p>
+        </p:txBody>
+      </p:sp>
+      <p:sp>
+        <p:nvSpPr>
+          <p:cNvPr id="3" name="Content Placeholder 2">
+            <a:extLst>
+              <a:ext uri="{FF2B5EF4-FFF2-40B4-BE49-F238E27FC236}">
+                <a16:creationId xmlns:a16="http://schemas.microsoft.com/office/drawing/2014/main" id="{21627FF9-F1F5-F20E-2166-F2493FEEC0D0}"/>
+              </a:ext>
+            </a:extLst>
+          </p:cNvPr>
+          <p:cNvSpPr>
+            <a:spLocks noGrp="1"/>
+          </p:cNvSpPr>
+          <p:nvPr>
+            <p:ph idx="1"/>
+          </p:nvPr>
+        </p:nvSpPr>
+        <p:spPr>
+          <a:xfrm>
+            <a:off x="5297762" y="2706624"/>
+            <a:ext cx="6251110" cy="3483864"/>
+          </a:xfrm>
+        </p:spPr>
+        <p:txBody>
+          <a:bodyPr>
+            <a:normAutofit lnSpcReduction="10000"/>
+          </a:bodyPr>
+          <a:lstStyle/>
+          <a:p>
+            <a:r>
+              <a:rPr lang="en-US" sz="2200" dirty="0"/>
+              <a:t>Data in AI can come from many sources</a:t>
+            </a:r>
+          </a:p>
+          <a:p>
+            <a:endParaRPr lang="en-US" sz="2200" dirty="0"/>
+          </a:p>
+          <a:p>
+            <a:pPr lvl="1"/>
+            <a:r>
+              <a:rPr lang="en-US" sz="2200" b="1" dirty="0"/>
+              <a:t>Observation</a:t>
+            </a:r>
+            <a:r>
+              <a:rPr lang="en-US" sz="2200" dirty="0"/>
+              <a:t>: Record video of a task being performed.</a:t>
+            </a:r>
+          </a:p>
+          <a:p>
+            <a:pPr lvl="1"/>
+            <a:r>
+              <a:rPr lang="en-US" sz="2200" b="1" dirty="0"/>
+              <a:t>Existing Data</a:t>
+            </a:r>
+            <a:r>
+              <a:rPr lang="en-US" sz="2200" dirty="0"/>
+              <a:t>: Download documents from the internet to train Large Language Models.</a:t>
+            </a:r>
+          </a:p>
+          <a:p>
+            <a:pPr lvl="1"/>
+            <a:r>
+              <a:rPr lang="en-US" sz="2200" b="1" dirty="0"/>
+              <a:t>Simulation</a:t>
+            </a:r>
+            <a:r>
+              <a:rPr lang="en-US" sz="2200" dirty="0"/>
+              <a:t>: E.g., simulated games using a playout strategy.</a:t>
+            </a:r>
+          </a:p>
+          <a:p>
+            <a:pPr lvl="1"/>
+            <a:r>
+              <a:rPr lang="en-US" sz="2200" b="1" dirty="0"/>
+              <a:t>Expert feedback </a:t>
+            </a:r>
+            <a:r>
+              <a:rPr lang="en-US" sz="2200" dirty="0"/>
+              <a:t>on how well a task was performed.</a:t>
+            </a:r>
+          </a:p>
+        </p:txBody>
+      </p:sp>
+    </p:spTree>
+    <p:extLst>
+      <p:ext uri="{BB962C8B-B14F-4D97-AF65-F5344CB8AC3E}">
+        <p14:creationId xmlns:p14="http://schemas.microsoft.com/office/powerpoint/2010/main" val="971790270"/>
+      </p:ext>
+    </p:extLst>
+  </p:cSld>
+  <p:clrMapOvr>
+    <a:masterClrMapping/>
+  </p:clrMapOvr>
+</p:sld>
+</file>
+
+<file path=ppt/slides/slide19.xml><?xml version="1.0" encoding="utf-8"?>
 <p:sld xmlns:a="http://schemas.openxmlformats.org/drawingml/2006/main" xmlns:r="http://schemas.openxmlformats.org/officeDocument/2006/relationships" xmlns:p="http://schemas.openxmlformats.org/presentationml/2006/main">
   <p:cSld>
     <p:bg>
@@ -26481,7 +27907,99 @@
 </p:sld>
 </file>
 
-<file path=ppt/slides/slide19.xml><?xml version="1.0" encoding="utf-8"?>
+<file path=ppt/slides/slide2.xml><?xml version="1.0" encoding="utf-8"?>
+<p:sld xmlns:a="http://schemas.openxmlformats.org/drawingml/2006/main" xmlns:r="http://schemas.openxmlformats.org/officeDocument/2006/relationships" xmlns:p="http://schemas.openxmlformats.org/presentationml/2006/main">
+  <p:cSld>
+    <p:spTree>
+      <p:nvGrpSpPr>
+        <p:cNvPr id="1" name=""/>
+        <p:cNvGrpSpPr/>
+        <p:nvPr/>
+      </p:nvGrpSpPr>
+      <p:grpSpPr>
+        <a:xfrm>
+          <a:off x="0" y="0"/>
+          <a:ext cx="0" cy="0"/>
+          <a:chOff x="0" y="0"/>
+          <a:chExt cx="0" cy="0"/>
+        </a:xfrm>
+      </p:grpSpPr>
+      <p:sp>
+        <p:nvSpPr>
+          <p:cNvPr id="2" name="Title 1">
+            <a:extLst>
+              <a:ext uri="{FF2B5EF4-FFF2-40B4-BE49-F238E27FC236}">
+                <a16:creationId xmlns:a16="http://schemas.microsoft.com/office/drawing/2014/main" id="{1315A484-066C-54DA-847A-5C586438DB12}"/>
+              </a:ext>
+            </a:extLst>
+          </p:cNvPr>
+          <p:cNvSpPr>
+            <a:spLocks noGrp="1"/>
+          </p:cNvSpPr>
+          <p:nvPr>
+            <p:ph type="title"/>
+          </p:nvPr>
+        </p:nvSpPr>
+        <p:spPr/>
+        <p:txBody>
+          <a:bodyPr/>
+          <a:lstStyle/>
+          <a:p>
+            <a:r>
+              <a:rPr lang="en-US" dirty="0"/>
+              <a:t>Topics</a:t>
+            </a:r>
+          </a:p>
+        </p:txBody>
+      </p:sp>
+      <p:graphicFrame>
+        <p:nvGraphicFramePr>
+          <p:cNvPr id="4" name="Content Placeholder 3">
+            <a:extLst>
+              <a:ext uri="{FF2B5EF4-FFF2-40B4-BE49-F238E27FC236}">
+                <a16:creationId xmlns:a16="http://schemas.microsoft.com/office/drawing/2014/main" id="{73D23D68-F6E6-53E0-60DB-00A39CD0D4DA}"/>
+              </a:ext>
+              <a:ext uri="{C183D7F6-B498-43B3-948B-1728B52AA6E4}">
+                <adec:decorative xmlns:adec="http://schemas.microsoft.com/office/drawing/2017/decorative" val="1"/>
+              </a:ext>
+            </a:extLst>
+          </p:cNvPr>
+          <p:cNvGraphicFramePr>
+            <a:graphicFrameLocks noGrp="1"/>
+          </p:cNvGraphicFramePr>
+          <p:nvPr>
+            <p:ph idx="1"/>
+            <p:extLst>
+              <p:ext uri="{D42A27DB-BD31-4B8C-83A1-F6EECF244321}">
+                <p14:modId xmlns:p14="http://schemas.microsoft.com/office/powerpoint/2010/main" val="1810570737"/>
+              </p:ext>
+            </p:extLst>
+          </p:nvPr>
+        </p:nvGraphicFramePr>
+        <p:xfrm>
+          <a:off x="838200" y="1295400"/>
+          <a:ext cx="10515600" cy="3505200"/>
+        </p:xfrm>
+        <a:graphic>
+          <a:graphicData uri="http://schemas.openxmlformats.org/drawingml/2006/diagram">
+            <dgm:relIds xmlns:dgm="http://schemas.openxmlformats.org/drawingml/2006/diagram" xmlns:r="http://schemas.openxmlformats.org/officeDocument/2006/relationships" r:dm="rId2" r:lo="rId3" r:qs="rId4" r:cs="rId5"/>
+          </a:graphicData>
+        </a:graphic>
+      </p:graphicFrame>
+    </p:spTree>
+    <p:extLst>
+      <p:ext uri="{BB962C8B-B14F-4D97-AF65-F5344CB8AC3E}">
+        <p14:creationId xmlns:p14="http://schemas.microsoft.com/office/powerpoint/2010/main" val="2351817684"/>
+      </p:ext>
+    </p:extLst>
+  </p:cSld>
+  <p:clrMapOvr>
+    <a:masterClrMapping/>
+  </p:clrMapOvr>
+</p:sld>
+</file>
+
+<file path=ppt/slides/slide20.xml><?xml version="1.0" encoding="utf-8"?>
 <p:sld xmlns:a="http://schemas.openxmlformats.org/drawingml/2006/main" xmlns:r="http://schemas.openxmlformats.org/officeDocument/2006/relationships" xmlns:p="http://schemas.openxmlformats.org/presentationml/2006/main">
   <p:cSld>
     <p:spTree>
@@ -27369,96 +28887,7 @@
 </p:sld>
 </file>
 
-<file path=ppt/slides/slide2.xml><?xml version="1.0" encoding="utf-8"?>
-<p:sld xmlns:a="http://schemas.openxmlformats.org/drawingml/2006/main" xmlns:r="http://schemas.openxmlformats.org/officeDocument/2006/relationships" xmlns:p="http://schemas.openxmlformats.org/presentationml/2006/main">
-  <p:cSld>
-    <p:spTree>
-      <p:nvGrpSpPr>
-        <p:cNvPr id="1" name=""/>
-        <p:cNvGrpSpPr/>
-        <p:nvPr/>
-      </p:nvGrpSpPr>
-      <p:grpSpPr>
-        <a:xfrm>
-          <a:off x="0" y="0"/>
-          <a:ext cx="0" cy="0"/>
-          <a:chOff x="0" y="0"/>
-          <a:chExt cx="0" cy="0"/>
-        </a:xfrm>
-      </p:grpSpPr>
-      <p:sp>
-        <p:nvSpPr>
-          <p:cNvPr id="2" name="Title 1">
-            <a:extLst>
-              <a:ext uri="{FF2B5EF4-FFF2-40B4-BE49-F238E27FC236}">
-                <a16:creationId xmlns:a16="http://schemas.microsoft.com/office/drawing/2014/main" id="{1315A484-066C-54DA-847A-5C586438DB12}"/>
-              </a:ext>
-            </a:extLst>
-          </p:cNvPr>
-          <p:cNvSpPr>
-            <a:spLocks noGrp="1"/>
-          </p:cNvSpPr>
-          <p:nvPr>
-            <p:ph type="title"/>
-          </p:nvPr>
-        </p:nvSpPr>
-        <p:spPr/>
-        <p:txBody>
-          <a:bodyPr/>
-          <a:lstStyle/>
-          <a:p>
-            <a:r>
-              <a:rPr lang="en-US" dirty="0"/>
-              <a:t>Topics</a:t>
-            </a:r>
-          </a:p>
-        </p:txBody>
-      </p:sp>
-      <p:graphicFrame>
-        <p:nvGraphicFramePr>
-          <p:cNvPr id="4" name="Content Placeholder 3">
-            <a:extLst>
-              <a:ext uri="{FF2B5EF4-FFF2-40B4-BE49-F238E27FC236}">
-                <a16:creationId xmlns:a16="http://schemas.microsoft.com/office/drawing/2014/main" id="{73D23D68-F6E6-53E0-60DB-00A39CD0D4DA}"/>
-              </a:ext>
-            </a:extLst>
-          </p:cNvPr>
-          <p:cNvGraphicFramePr>
-            <a:graphicFrameLocks noGrp="1"/>
-          </p:cNvGraphicFramePr>
-          <p:nvPr>
-            <p:ph idx="1"/>
-            <p:extLst>
-              <p:ext uri="{D42A27DB-BD31-4B8C-83A1-F6EECF244321}">
-                <p14:modId xmlns:p14="http://schemas.microsoft.com/office/powerpoint/2010/main" val="301864855"/>
-              </p:ext>
-            </p:extLst>
-          </p:nvPr>
-        </p:nvGraphicFramePr>
-        <p:xfrm>
-          <a:off x="838200" y="1295400"/>
-          <a:ext cx="10515600" cy="3505200"/>
-        </p:xfrm>
-        <a:graphic>
-          <a:graphicData uri="http://schemas.openxmlformats.org/drawingml/2006/diagram">
-            <dgm:relIds xmlns:dgm="http://schemas.openxmlformats.org/drawingml/2006/diagram" xmlns:r="http://schemas.openxmlformats.org/officeDocument/2006/relationships" r:dm="rId2" r:lo="rId3" r:qs="rId4" r:cs="rId5"/>
-          </a:graphicData>
-        </a:graphic>
-      </p:graphicFrame>
-    </p:spTree>
-    <p:extLst>
-      <p:ext uri="{BB962C8B-B14F-4D97-AF65-F5344CB8AC3E}">
-        <p14:creationId xmlns:p14="http://schemas.microsoft.com/office/powerpoint/2010/main" val="2351817684"/>
-      </p:ext>
-    </p:extLst>
-  </p:cSld>
-  <p:clrMapOvr>
-    <a:masterClrMapping/>
-  </p:clrMapOvr>
-</p:sld>
-</file>
-
-<file path=ppt/slides/slide20.xml><?xml version="1.0" encoding="utf-8"?>
+<file path=ppt/slides/slide21.xml><?xml version="1.0" encoding="utf-8"?>
 <p:sld xmlns:a="http://schemas.openxmlformats.org/drawingml/2006/main" xmlns:r="http://schemas.openxmlformats.org/officeDocument/2006/relationships" xmlns:p="http://schemas.openxmlformats.org/presentationml/2006/main">
   <p:cSld>
     <p:spTree>
@@ -27799,6 +29228,9 @@
               <a:ext uri="{FF2B5EF4-FFF2-40B4-BE49-F238E27FC236}">
                 <a16:creationId xmlns:a16="http://schemas.microsoft.com/office/drawing/2014/main" id="{AC7EC834-138C-41AE-87CB-FE5BD6F87D5E}"/>
               </a:ext>
+              <a:ext uri="{C183D7F6-B498-43B3-948B-1728B52AA6E4}">
+                <adec:decorative xmlns:adec="http://schemas.microsoft.com/office/drawing/2017/decorative" val="1"/>
+              </a:ext>
             </a:extLst>
           </p:cNvPr>
           <p:cNvSpPr/>
@@ -27851,6 +29283,9 @@
             <a:extLst>
               <a:ext uri="{FF2B5EF4-FFF2-40B4-BE49-F238E27FC236}">
                 <a16:creationId xmlns:a16="http://schemas.microsoft.com/office/drawing/2014/main" id="{6D230E18-6AA0-4E78-83A4-ED8E9758A1CC}"/>
+              </a:ext>
+              <a:ext uri="{C183D7F6-B498-43B3-948B-1728B52AA6E4}">
+                <adec:decorative xmlns:adec="http://schemas.microsoft.com/office/drawing/2017/decorative" val="1"/>
               </a:ext>
             </a:extLst>
           </p:cNvPr>
@@ -27945,7 +29380,7 @@
 </p:sld>
 </file>
 
-<file path=ppt/slides/slide21.xml><?xml version="1.0" encoding="utf-8"?>
+<file path=ppt/slides/slide22.xml><?xml version="1.0" encoding="utf-8"?>
 <p:sld xmlns:a="http://schemas.openxmlformats.org/drawingml/2006/main" xmlns:r="http://schemas.openxmlformats.org/officeDocument/2006/relationships" xmlns:p="http://schemas.openxmlformats.org/presentationml/2006/main">
   <p:cSld>
     <p:spTree>
@@ -28126,7 +29561,13 @@
       </p:sp>
       <p:sp>
         <p:nvSpPr>
-          <p:cNvPr id="17412" name="Rectangle 4"/>
+          <p:cNvPr id="17412" name="Rectangle 4">
+            <a:extLst>
+              <a:ext uri="{C183D7F6-B498-43B3-948B-1728B52AA6E4}">
+                <adec:decorative xmlns:adec="http://schemas.microsoft.com/office/drawing/2017/decorative" val="1"/>
+              </a:ext>
+            </a:extLst>
+          </p:cNvPr>
           <p:cNvSpPr>
             <a:spLocks noChangeArrowheads="1"/>
           </p:cNvSpPr>
@@ -28186,7 +29627,13 @@
       </p:sp>
       <p:sp>
         <p:nvSpPr>
-          <p:cNvPr id="17414" name="Rectangle 6"/>
+          <p:cNvPr id="17414" name="Rectangle 6">
+            <a:extLst>
+              <a:ext uri="{C183D7F6-B498-43B3-948B-1728B52AA6E4}">
+                <adec:decorative xmlns:adec="http://schemas.microsoft.com/office/drawing/2017/decorative" val="1"/>
+              </a:ext>
+            </a:extLst>
+          </p:cNvPr>
           <p:cNvSpPr>
             <a:spLocks noChangeArrowheads="1"/>
           </p:cNvSpPr>
@@ -28251,6 +29698,9 @@
               <a:ext uri="{FF2B5EF4-FFF2-40B4-BE49-F238E27FC236}">
                 <a16:creationId xmlns:a16="http://schemas.microsoft.com/office/drawing/2014/main" id="{AC7EC834-138C-41AE-87CB-FE5BD6F87D5E}"/>
               </a:ext>
+              <a:ext uri="{C183D7F6-B498-43B3-948B-1728B52AA6E4}">
+                <adec:decorative xmlns:adec="http://schemas.microsoft.com/office/drawing/2017/decorative" val="1"/>
+              </a:ext>
             </a:extLst>
           </p:cNvPr>
           <p:cNvSpPr/>
@@ -28304,6 +29754,9 @@
               <a:ext uri="{FF2B5EF4-FFF2-40B4-BE49-F238E27FC236}">
                 <a16:creationId xmlns:a16="http://schemas.microsoft.com/office/drawing/2014/main" id="{98CBF153-BF1F-4D8A-B050-FDFB306AD585}"/>
               </a:ext>
+              <a:ext uri="{C183D7F6-B498-43B3-948B-1728B52AA6E4}">
+                <adec:decorative xmlns:adec="http://schemas.microsoft.com/office/drawing/2017/decorative" val="1"/>
+              </a:ext>
             </a:extLst>
           </p:cNvPr>
           <p:cNvSpPr/>
@@ -28348,6 +29801,9 @@
               <a:ext uri="{FF2B5EF4-FFF2-40B4-BE49-F238E27FC236}">
                 <a16:creationId xmlns:a16="http://schemas.microsoft.com/office/drawing/2014/main" id="{3872D09B-33B6-45E7-8770-58F7B005DDBE}"/>
               </a:ext>
+              <a:ext uri="{C183D7F6-B498-43B3-948B-1728B52AA6E4}">
+                <adec:decorative xmlns:adec="http://schemas.microsoft.com/office/drawing/2017/decorative" val="1"/>
+              </a:ext>
             </a:extLst>
           </p:cNvPr>
           <p:cNvCxnSpPr>
@@ -28389,6 +29845,9 @@
             <a:extLst>
               <a:ext uri="{FF2B5EF4-FFF2-40B4-BE49-F238E27FC236}">
                 <a16:creationId xmlns:a16="http://schemas.microsoft.com/office/drawing/2014/main" id="{A25EF86C-DB82-4BE3-A64E-0A220C3C5580}"/>
+              </a:ext>
+              <a:ext uri="{C183D7F6-B498-43B3-948B-1728B52AA6E4}">
+                <adec:decorative xmlns:adec="http://schemas.microsoft.com/office/drawing/2017/decorative" val="1"/>
               </a:ext>
             </a:extLst>
           </p:cNvPr>
@@ -28453,7 +29912,13 @@
       </p:sp>
       <p:sp>
         <p:nvSpPr>
-          <p:cNvPr id="17413" name="Rectangle 5"/>
+          <p:cNvPr id="17413" name="Rectangle 5">
+            <a:extLst>
+              <a:ext uri="{C183D7F6-B498-43B3-948B-1728B52AA6E4}">
+                <adec:decorative xmlns:adec="http://schemas.microsoft.com/office/drawing/2017/decorative" val="1"/>
+              </a:ext>
+            </a:extLst>
+          </p:cNvPr>
           <p:cNvSpPr>
             <a:spLocks noChangeArrowheads="1"/>
           </p:cNvSpPr>
@@ -28518,6 +29983,9 @@
               <a:ext uri="{FF2B5EF4-FFF2-40B4-BE49-F238E27FC236}">
                 <a16:creationId xmlns:a16="http://schemas.microsoft.com/office/drawing/2014/main" id="{BC8D0187-0D4F-45F7-9081-BFE29C15E1D6}"/>
               </a:ext>
+              <a:ext uri="{C183D7F6-B498-43B3-948B-1728B52AA6E4}">
+                <adec:decorative xmlns:adec="http://schemas.microsoft.com/office/drawing/2017/decorative" val="1"/>
+              </a:ext>
             </a:extLst>
           </p:cNvPr>
           <p:cNvSpPr/>
@@ -28565,6 +30033,9 @@
               <a:ext uri="{FF2B5EF4-FFF2-40B4-BE49-F238E27FC236}">
                 <a16:creationId xmlns:a16="http://schemas.microsoft.com/office/drawing/2014/main" id="{42EFDE35-E271-4784-A2B7-52A2A8E91394}"/>
               </a:ext>
+              <a:ext uri="{C183D7F6-B498-43B3-948B-1728B52AA6E4}">
+                <adec:decorative xmlns:adec="http://schemas.microsoft.com/office/drawing/2017/decorative" val="1"/>
+              </a:ext>
             </a:extLst>
           </p:cNvPr>
           <p:cNvCxnSpPr>
@@ -28602,10 +30073,13 @@
       </p:cxnSp>
       <p:pic>
         <p:nvPicPr>
-          <p:cNvPr id="3" name="Graphic 2" descr="Lock with solid fill">
+          <p:cNvPr id="3" name="Graphic 2">
             <a:extLst>
               <a:ext uri="{FF2B5EF4-FFF2-40B4-BE49-F238E27FC236}">
                 <a16:creationId xmlns:a16="http://schemas.microsoft.com/office/drawing/2014/main" id="{E42E714F-C096-F70B-B437-032F326007C4}"/>
+              </a:ext>
+              <a:ext uri="{C183D7F6-B498-43B3-948B-1728B52AA6E4}">
+                <adec:decorative xmlns:adec="http://schemas.microsoft.com/office/drawing/2017/decorative" val="1"/>
               </a:ext>
             </a:extLst>
           </p:cNvPr>
@@ -28653,7 +30127,7 @@
 </p:sld>
 </file>
 
-<file path=ppt/slides/slide22.xml><?xml version="1.0" encoding="utf-8"?>
+<file path=ppt/slides/slide23.xml><?xml version="1.0" encoding="utf-8"?>
 <p:sld xmlns:a="http://schemas.openxmlformats.org/drawingml/2006/main" xmlns:r="http://schemas.openxmlformats.org/officeDocument/2006/relationships" xmlns:p="http://schemas.openxmlformats.org/presentationml/2006/main">
   <p:cSld>
     <p:spTree>
@@ -28908,6 +30382,9 @@
               <a:ext uri="{FF2B5EF4-FFF2-40B4-BE49-F238E27FC236}">
                 <a16:creationId xmlns:a16="http://schemas.microsoft.com/office/drawing/2014/main" id="{AC7EC834-138C-41AE-87CB-FE5BD6F87D5E}"/>
               </a:ext>
+              <a:ext uri="{C183D7F6-B498-43B3-948B-1728B52AA6E4}">
+                <adec:decorative xmlns:adec="http://schemas.microsoft.com/office/drawing/2017/decorative" val="1"/>
+              </a:ext>
             </a:extLst>
           </p:cNvPr>
           <p:cNvSpPr/>
@@ -28964,6 +30441,9 @@
               <a:ext uri="{FF2B5EF4-FFF2-40B4-BE49-F238E27FC236}">
                 <a16:creationId xmlns:a16="http://schemas.microsoft.com/office/drawing/2014/main" id="{301B99BB-B020-43F8-9CFD-9293399FB657}"/>
               </a:ext>
+              <a:ext uri="{C183D7F6-B498-43B3-948B-1728B52AA6E4}">
+                <adec:decorative xmlns:adec="http://schemas.microsoft.com/office/drawing/2017/decorative" val="1"/>
+              </a:ext>
             </a:extLst>
           </p:cNvPr>
           <p:cNvSpPr/>
@@ -29007,6 +30487,9 @@
             <a:extLst>
               <a:ext uri="{FF2B5EF4-FFF2-40B4-BE49-F238E27FC236}">
                 <a16:creationId xmlns:a16="http://schemas.microsoft.com/office/drawing/2014/main" id="{8CD00634-942B-41CB-B538-20DFE58A6CB5}"/>
+              </a:ext>
+              <a:ext uri="{C183D7F6-B498-43B3-948B-1728B52AA6E4}">
+                <adec:decorative xmlns:adec="http://schemas.microsoft.com/office/drawing/2017/decorative" val="1"/>
               </a:ext>
             </a:extLst>
           </p:cNvPr>
@@ -29096,7 +30579,7 @@
 </p:sld>
 </file>
 
-<file path=ppt/slides/slide23.xml><?xml version="1.0" encoding="utf-8"?>
+<file path=ppt/slides/slide24.xml><?xml version="1.0" encoding="utf-8"?>
 <p:sld xmlns:a="http://schemas.openxmlformats.org/drawingml/2006/main" xmlns:r="http://schemas.openxmlformats.org/officeDocument/2006/relationships" xmlns:p="http://schemas.openxmlformats.org/presentationml/2006/main">
   <p:cSld>
     <p:spTree>
@@ -29618,7 +31101,7 @@
 </p:sld>
 </file>
 
-<file path=ppt/slides/slide24.xml><?xml version="1.0" encoding="utf-8"?>
+<file path=ppt/slides/slide25.xml><?xml version="1.0" encoding="utf-8"?>
 <p:sld xmlns:a="http://schemas.openxmlformats.org/drawingml/2006/main" xmlns:r="http://schemas.openxmlformats.org/officeDocument/2006/relationships" xmlns:p="http://schemas.openxmlformats.org/presentationml/2006/main">
   <p:cSld>
     <p:spTree>
@@ -29664,36 +31147,95 @@
           </a:p>
         </p:txBody>
       </p:sp>
-      <p:pic>
-        <p:nvPicPr>
-          <p:cNvPr id="4" name="Picture 3">
+      <p:grpSp>
+        <p:nvGrpSpPr>
+          <p:cNvPr id="6" name="Group 5" descr="A line chart showing how the accuracy increases when the training set size increases.">
             <a:extLst>
               <a:ext uri="{FF2B5EF4-FFF2-40B4-BE49-F238E27FC236}">
-                <a16:creationId xmlns:a16="http://schemas.microsoft.com/office/drawing/2014/main" id="{FCC41F1E-A882-4090-9BBF-C2012DFBB54D}"/>
+                <a16:creationId xmlns:a16="http://schemas.microsoft.com/office/drawing/2014/main" id="{EDE81B4A-876C-0019-74DE-F09196F7152E}"/>
               </a:ext>
             </a:extLst>
           </p:cNvPr>
-          <p:cNvPicPr>
-            <a:picLocks noChangeAspect="1"/>
-          </p:cNvPicPr>
+          <p:cNvGrpSpPr/>
           <p:nvPr/>
-        </p:nvPicPr>
-        <p:blipFill>
-          <a:blip r:embed="rId2"/>
-          <a:stretch>
-            <a:fillRect/>
-          </a:stretch>
-        </p:blipFill>
-        <p:spPr>
+        </p:nvGrpSpPr>
+        <p:grpSpPr>
           <a:xfrm>
             <a:off x="685800" y="1774744"/>
             <a:ext cx="6886011" cy="4473656"/>
+            <a:chOff x="685800" y="1774744"/>
+            <a:chExt cx="6886011" cy="4473656"/>
           </a:xfrm>
-          <a:prstGeom prst="rect">
-            <a:avLst/>
-          </a:prstGeom>
-        </p:spPr>
-      </p:pic>
+        </p:grpSpPr>
+        <p:pic>
+          <p:nvPicPr>
+            <p:cNvPr id="4" name="Picture 3" descr="A line chart showing how the accuracy increases when the training set size increases.">
+              <a:extLst>
+                <a:ext uri="{FF2B5EF4-FFF2-40B4-BE49-F238E27FC236}">
+                  <a16:creationId xmlns:a16="http://schemas.microsoft.com/office/drawing/2014/main" id="{FCC41F1E-A882-4090-9BBF-C2012DFBB54D}"/>
+                </a:ext>
+              </a:extLst>
+            </p:cNvPr>
+            <p:cNvPicPr>
+              <a:picLocks noChangeAspect="1"/>
+            </p:cNvPicPr>
+            <p:nvPr/>
+          </p:nvPicPr>
+          <p:blipFill>
+            <a:blip r:embed="rId2"/>
+            <a:stretch>
+              <a:fillRect/>
+            </a:stretch>
+          </p:blipFill>
+          <p:spPr>
+            <a:xfrm>
+              <a:off x="685800" y="1774744"/>
+              <a:ext cx="6886011" cy="4473656"/>
+            </a:xfrm>
+            <a:prstGeom prst="rect">
+              <a:avLst/>
+            </a:prstGeom>
+          </p:spPr>
+        </p:pic>
+        <p:sp>
+          <p:nvSpPr>
+            <p:cNvPr id="3" name="TextBox 2">
+              <a:extLst>
+                <a:ext uri="{FF2B5EF4-FFF2-40B4-BE49-F238E27FC236}">
+                  <a16:creationId xmlns:a16="http://schemas.microsoft.com/office/drawing/2014/main" id="{6976109A-3269-41BF-A9E5-CF03732F4016}"/>
+                </a:ext>
+                <a:ext uri="{C183D7F6-B498-43B3-948B-1728B52AA6E4}">
+                  <adec:decorative xmlns:adec="http://schemas.microsoft.com/office/drawing/2017/decorative" val="1"/>
+                </a:ext>
+              </a:extLst>
+            </p:cNvPr>
+            <p:cNvSpPr txBox="1"/>
+            <p:nvPr/>
+          </p:nvSpPr>
+          <p:spPr>
+            <a:xfrm rot="16200000">
+              <a:off x="675383" y="3603485"/>
+              <a:ext cx="1023101" cy="369332"/>
+            </a:xfrm>
+            <a:prstGeom prst="rect">
+              <a:avLst/>
+            </a:prstGeom>
+            <a:noFill/>
+          </p:spPr>
+          <p:txBody>
+            <a:bodyPr wrap="none" rtlCol="0">
+              <a:spAutoFit/>
+            </a:bodyPr>
+            <a:lstStyle/>
+            <a:p>
+              <a:r>
+                <a:rPr lang="en-US" dirty="0"/>
+                <a:t>Accuracy</a:t>
+              </a:r>
+            </a:p>
+          </p:txBody>
+        </p:sp>
+      </p:grpSp>
       <p:sp>
         <p:nvSpPr>
           <p:cNvPr id="5" name="TextBox 4">
@@ -29755,41 +31297,6 @@
           </a:p>
         </p:txBody>
       </p:sp>
-      <p:sp>
-        <p:nvSpPr>
-          <p:cNvPr id="3" name="TextBox 2">
-            <a:extLst>
-              <a:ext uri="{FF2B5EF4-FFF2-40B4-BE49-F238E27FC236}">
-                <a16:creationId xmlns:a16="http://schemas.microsoft.com/office/drawing/2014/main" id="{6976109A-3269-41BF-A9E5-CF03732F4016}"/>
-              </a:ext>
-            </a:extLst>
-          </p:cNvPr>
-          <p:cNvSpPr txBox="1"/>
-          <p:nvPr/>
-        </p:nvSpPr>
-        <p:spPr>
-          <a:xfrm rot="16200000">
-            <a:off x="675383" y="3603485"/>
-            <a:ext cx="1023101" cy="369332"/>
-          </a:xfrm>
-          <a:prstGeom prst="rect">
-            <a:avLst/>
-          </a:prstGeom>
-          <a:noFill/>
-        </p:spPr>
-        <p:txBody>
-          <a:bodyPr wrap="none" rtlCol="0">
-            <a:spAutoFit/>
-          </a:bodyPr>
-          <a:lstStyle/>
-          <a:p>
-            <a:r>
-              <a:rPr lang="en-US" dirty="0"/>
-              <a:t>Accuracy</a:t>
-            </a:r>
-          </a:p>
-        </p:txBody>
-      </p:sp>
     </p:spTree>
     <p:extLst>
       <p:ext uri="{BB962C8B-B14F-4D97-AF65-F5344CB8AC3E}">
@@ -29803,7 +31310,7 @@
 </p:sld>
 </file>
 
-<file path=ppt/slides/slide25.xml><?xml version="1.0" encoding="utf-8"?>
+<file path=ppt/slides/slide26.xml><?xml version="1.0" encoding="utf-8"?>
 <p:sld xmlns:a="http://schemas.openxmlformats.org/drawingml/2006/main" xmlns:r="http://schemas.openxmlformats.org/officeDocument/2006/relationships" xmlns:p="http://schemas.openxmlformats.org/presentationml/2006/main">
   <p:cSld>
     <p:spTree>
@@ -30306,7 +31813,7 @@
 </p:sld>
 </file>
 
-<file path=ppt/slides/slide26.xml><?xml version="1.0" encoding="utf-8"?>
+<file path=ppt/slides/slide27.xml><?xml version="1.0" encoding="utf-8"?>
 <p:sld xmlns:a="http://schemas.openxmlformats.org/drawingml/2006/main" xmlns:r="http://schemas.openxmlformats.org/officeDocument/2006/relationships" xmlns:p="http://schemas.openxmlformats.org/presentationml/2006/main">
   <p:cSld>
     <p:bg>
@@ -30428,7 +31935,28 @@
                 <a:ea typeface="+mj-ea"/>
                 <a:cs typeface="+mj-cs"/>
               </a:rPr>
-              <a:t>Types of Models</a:t>
+              <a:t>Types of </a:t>
+            </a:r>
+            <a:br>
+              <a:rPr lang="en-US" sz="5400" kern="1200" dirty="0">
+                <a:solidFill>
+                  <a:schemeClr val="tx1"/>
+                </a:solidFill>
+                <a:latin typeface="+mj-lt"/>
+                <a:ea typeface="+mj-ea"/>
+                <a:cs typeface="+mj-cs"/>
+              </a:rPr>
+            </a:br>
+            <a:r>
+              <a:rPr lang="en-US" sz="5400" kern="1200" dirty="0">
+                <a:solidFill>
+                  <a:schemeClr val="tx1"/>
+                </a:solidFill>
+                <a:latin typeface="+mj-lt"/>
+                <a:ea typeface="+mj-ea"/>
+                <a:cs typeface="+mj-cs"/>
+              </a:rPr>
+              <a:t>ML Models</a:t>
             </a:r>
           </a:p>
         </p:txBody>
@@ -30633,10 +32161,13 @@
       </p:sp>
       <p:pic>
         <p:nvPicPr>
-          <p:cNvPr id="4098" name="Picture 2" descr="Machine learning - Free technology icons">
+          <p:cNvPr id="4098" name="Picture 2">
             <a:extLst>
               <a:ext uri="{FF2B5EF4-FFF2-40B4-BE49-F238E27FC236}">
                 <a16:creationId xmlns:a16="http://schemas.microsoft.com/office/drawing/2014/main" id="{3B9EF21E-AB9E-45F4-96D1-5505071AABDE}"/>
+              </a:ext>
+              <a:ext uri="{C183D7F6-B498-43B3-948B-1728B52AA6E4}">
+                <adec:decorative xmlns:adec="http://schemas.microsoft.com/office/drawing/2017/decorative" val="1"/>
               </a:ext>
             </a:extLst>
           </p:cNvPr>
@@ -30902,7 +32433,7 @@
 </p:sld>
 </file>
 
-<file path=ppt/slides/slide27.xml><?xml version="1.0" encoding="utf-8"?>
+<file path=ppt/slides/slide28.xml><?xml version="1.0" encoding="utf-8"?>
 <p:sld xmlns:a="http://schemas.openxmlformats.org/drawingml/2006/main" xmlns:r="http://schemas.openxmlformats.org/officeDocument/2006/relationships" xmlns:p="http://schemas.openxmlformats.org/presentationml/2006/main">
   <p:cSld>
     <p:spTree>
@@ -30919,36 +32450,6 @@
           <a:chExt cx="0" cy="0"/>
         </a:xfrm>
       </p:grpSpPr>
-      <p:pic>
-        <p:nvPicPr>
-          <p:cNvPr id="12" name="Picture 11">
-            <a:extLst>
-              <a:ext uri="{FF2B5EF4-FFF2-40B4-BE49-F238E27FC236}">
-                <a16:creationId xmlns:a16="http://schemas.microsoft.com/office/drawing/2014/main" id="{ED8E7DF2-9E31-4110-B801-E0645520AC46}"/>
-              </a:ext>
-            </a:extLst>
-          </p:cNvPr>
-          <p:cNvPicPr>
-            <a:picLocks noChangeAspect="1"/>
-          </p:cNvPicPr>
-          <p:nvPr/>
-        </p:nvPicPr>
-        <p:blipFill>
-          <a:blip r:embed="rId2"/>
-          <a:stretch>
-            <a:fillRect/>
-          </a:stretch>
-        </p:blipFill>
-        <p:spPr>
-          <a:xfrm>
-            <a:off x="5029201" y="4007464"/>
-            <a:ext cx="7101460" cy="2850536"/>
-          </a:xfrm>
-          <a:prstGeom prst="rect">
-            <a:avLst/>
-          </a:prstGeom>
-        </p:spPr>
-      </p:pic>
       <p:sp>
         <p:nvSpPr>
           <p:cNvPr id="2" name="Title 1">
@@ -31613,325 +33114,63 @@
         <mc:Choice Requires="a14">
           <p:sp>
             <p:nvSpPr>
-              <p:cNvPr id="6" name="TextBox 5">
+              <p:cNvPr id="16" name="Speech Bubble: Rectangle 15">
                 <a:extLst>
                   <a:ext uri="{FF2B5EF4-FFF2-40B4-BE49-F238E27FC236}">
-                    <a16:creationId xmlns:a16="http://schemas.microsoft.com/office/drawing/2014/main" id="{506895E5-3A0B-4052-AAAA-4208B6955DB2}"/>
+                    <a16:creationId xmlns:a16="http://schemas.microsoft.com/office/drawing/2014/main" id="{DFB638AC-1DFC-E43D-0210-4F06FB7832AB}"/>
                   </a:ext>
                 </a:extLst>
               </p:cNvPr>
-              <p:cNvSpPr txBox="1"/>
+              <p:cNvSpPr/>
               <p:nvPr/>
             </p:nvSpPr>
             <p:spPr>
               <a:xfrm>
-                <a:off x="990601" y="3828820"/>
-                <a:ext cx="2980431" cy="2154436"/>
+                <a:off x="6538028" y="2228552"/>
+                <a:ext cx="4800600" cy="369332"/>
               </a:xfrm>
-              <a:prstGeom prst="rect">
-                <a:avLst/>
+              <a:prstGeom prst="wedgeRectCallout">
+                <a:avLst>
+                  <a:gd name="adj1" fmla="val -83039"/>
+                  <a:gd name="adj2" fmla="val 71903"/>
+                </a:avLst>
               </a:prstGeom>
-              <a:noFill/>
             </p:spPr>
+            <p:style>
+              <a:lnRef idx="2">
+                <a:schemeClr val="accent6">
+                  <a:shade val="15000"/>
+                </a:schemeClr>
+              </a:lnRef>
+              <a:fillRef idx="1">
+                <a:schemeClr val="accent6"/>
+              </a:fillRef>
+              <a:effectRef idx="0">
+                <a:schemeClr val="accent6"/>
+              </a:effectRef>
+              <a:fontRef idx="minor">
+                <a:schemeClr val="lt1"/>
+              </a:fontRef>
+            </p:style>
             <p:txBody>
-              <a:bodyPr wrap="none" lIns="0" tIns="0" rIns="0" bIns="0" rtlCol="0">
-                <a:spAutoFit/>
-              </a:bodyPr>
+              <a:bodyPr rtlCol="0" anchor="ctr"/>
               <a:lstStyle/>
               <a:p>
                 <a:r>
-                  <a:rPr lang="en-US" sz="2000" dirty="0"/>
-                  <a:t>Find</a:t>
-                </a:r>
-                <a:r>
-                  <a:rPr lang="en-US" sz="2000" b="0" dirty="0"/>
-                  <a:t>: 	</a:t>
+                  <a:rPr lang="en-US" dirty="0"/>
+                  <a:t>Squared error loss over the whole data matrix </a:t>
                 </a:r>
                 <a14:m>
                   <m:oMath xmlns:m="http://schemas.openxmlformats.org/officeDocument/2006/math">
                     <m:r>
-                      <m:rPr>
-                        <m:sty m:val="p"/>
-                      </m:rPr>
-                      <a:rPr lang="en-US" sz="2000" i="1">
-                        <a:latin typeface="Cambria Math" panose="02040503050406030204" pitchFamily="18" charset="0"/>
-                        <a:ea typeface="Cambria Math" panose="02040503050406030204" pitchFamily="18" charset="0"/>
-                      </a:rPr>
-                      <m:t>∇</m:t>
-                    </m:r>
-                    <m:r>
-                      <a:rPr lang="en-US" sz="2000" i="1">
+                      <a:rPr lang="en-US" b="1" i="1" dirty="0" smtClean="0">
                         <a:latin typeface="Cambria Math" panose="02040503050406030204" pitchFamily="18" charset="0"/>
                       </a:rPr>
-                      <m:t>𝐿</m:t>
-                    </m:r>
-                    <m:d>
-                      <m:dPr>
-                        <m:ctrlPr>
-                          <a:rPr lang="en-US" sz="2000" b="1" i="1">
-                            <a:latin typeface="Cambria Math" panose="02040503050406030204" pitchFamily="18" charset="0"/>
-                          </a:rPr>
-                        </m:ctrlPr>
-                      </m:dPr>
-                      <m:e>
-                        <m:r>
-                          <a:rPr lang="en-US" sz="2000" b="1" i="1">
-                            <a:latin typeface="Cambria Math" panose="02040503050406030204" pitchFamily="18" charset="0"/>
-                          </a:rPr>
-                          <m:t>𝒘</m:t>
-                        </m:r>
-                      </m:e>
-                    </m:d>
-                    <m:r>
-                      <a:rPr lang="en-US" sz="2000" i="1">
-                        <a:latin typeface="Cambria Math" panose="02040503050406030204" pitchFamily="18" charset="0"/>
-                      </a:rPr>
-                      <m:t>=</m:t>
+                      <m:t>𝑿</m:t>
                     </m:r>
                   </m:oMath>
                 </a14:m>
-                <a:r>
-                  <a:rPr lang="en-US" sz="2000" b="0" dirty="0"/>
-                  <a:t> 0</a:t>
-                </a:r>
-                <a:br>
-                  <a:rPr lang="en-US" sz="2000" b="0" dirty="0"/>
-                </a:br>
-                <a:r>
-                  <a:rPr lang="en-US" sz="2000" b="0" dirty="0"/>
-                  <a:t>	</a:t>
-                </a:r>
-              </a:p>
-              <a:p>
-                <a:r>
-                  <a:rPr lang="en-US" sz="2000" dirty="0"/>
-                  <a:t>Gradient descend:</a:t>
-                </a:r>
-              </a:p>
-              <a:p>
-                <a:r>
-                  <a:rPr lang="en-US" sz="2000" i="1" dirty="0">
-                    <a:latin typeface="Cambria Math" panose="02040503050406030204" pitchFamily="18" charset="0"/>
-                  </a:rPr>
-                  <a:t>	</a:t>
-                </a:r>
-                <a:r>
-                  <a:rPr lang="en-US" sz="2000" dirty="0"/>
-                  <a:t> </a:t>
-                </a:r>
-                <a14:m>
-                  <m:oMath xmlns:m="http://schemas.openxmlformats.org/officeDocument/2006/math">
-                    <m:r>
-                      <a:rPr lang="en-US" sz="2000" b="1" i="1" smtClean="0">
-                        <a:latin typeface="Cambria Math" panose="02040503050406030204" pitchFamily="18" charset="0"/>
-                      </a:rPr>
-                      <m:t>𝒘</m:t>
-                    </m:r>
-                    <m:r>
-                      <a:rPr lang="en-US" sz="2000" b="0" i="1" smtClean="0">
-                        <a:latin typeface="Cambria Math" panose="02040503050406030204" pitchFamily="18" charset="0"/>
-                      </a:rPr>
-                      <m:t>=</m:t>
-                    </m:r>
-                    <m:r>
-                      <a:rPr lang="en-US" sz="2000" b="1" i="1">
-                        <a:latin typeface="Cambria Math" panose="02040503050406030204" pitchFamily="18" charset="0"/>
-                      </a:rPr>
-                      <m:t>𝒘</m:t>
-                    </m:r>
-                    <m:r>
-                      <a:rPr lang="en-US" sz="2000" b="0" i="1" smtClean="0">
-                        <a:latin typeface="Cambria Math" panose="02040503050406030204" pitchFamily="18" charset="0"/>
-                      </a:rPr>
-                      <m:t>−</m:t>
-                    </m:r>
-                    <m:r>
-                      <a:rPr lang="en-US" sz="2000" b="0" i="1" smtClean="0">
-                        <a:latin typeface="Cambria Math" panose="02040503050406030204" pitchFamily="18" charset="0"/>
-                      </a:rPr>
-                      <m:t>𝛼</m:t>
-                    </m:r>
-                    <m:r>
-                      <m:rPr>
-                        <m:sty m:val="p"/>
-                      </m:rPr>
-                      <a:rPr lang="en-US" sz="2000" b="0" i="1" smtClean="0">
-                        <a:latin typeface="Cambria Math" panose="02040503050406030204" pitchFamily="18" charset="0"/>
-                        <a:ea typeface="Cambria Math" panose="02040503050406030204" pitchFamily="18" charset="0"/>
-                      </a:rPr>
-                      <m:t>∇</m:t>
-                    </m:r>
-                    <m:r>
-                      <a:rPr lang="en-US" sz="2000" i="1">
-                        <a:latin typeface="Cambria Math" panose="02040503050406030204" pitchFamily="18" charset="0"/>
-                      </a:rPr>
-                      <m:t>𝐿</m:t>
-                    </m:r>
-                    <m:d>
-                      <m:dPr>
-                        <m:ctrlPr>
-                          <a:rPr lang="en-US" sz="2000" b="1" i="1">
-                            <a:latin typeface="Cambria Math" panose="02040503050406030204" pitchFamily="18" charset="0"/>
-                          </a:rPr>
-                        </m:ctrlPr>
-                      </m:dPr>
-                      <m:e>
-                        <m:r>
-                          <a:rPr lang="en-US" sz="2000" b="1" i="1">
-                            <a:latin typeface="Cambria Math" panose="02040503050406030204" pitchFamily="18" charset="0"/>
-                          </a:rPr>
-                          <m:t>𝒘</m:t>
-                        </m:r>
-                      </m:e>
-                    </m:d>
-                  </m:oMath>
-                </a14:m>
-                <a:endParaRPr lang="en-US" sz="2000" i="1" dirty="0">
-                  <a:latin typeface="Cambria Math" panose="02040503050406030204" pitchFamily="18" charset="0"/>
-                </a:endParaRPr>
-              </a:p>
-              <a:p>
-                <a:endParaRPr lang="en-US" sz="2000" dirty="0"/>
-              </a:p>
-              <a:p>
-                <a:r>
-                  <a:rPr lang="en-US" sz="2000" dirty="0"/>
-                  <a:t>Analytical solution:</a:t>
-                </a:r>
-              </a:p>
-              <a:p>
-                <a:r>
-                  <a:rPr lang="en-US" sz="2000" b="0" dirty="0"/>
-                  <a:t>	</a:t>
-                </a:r>
-                <a14:m>
-                  <m:oMath xmlns:m="http://schemas.openxmlformats.org/officeDocument/2006/math">
-                    <m:sSup>
-                      <m:sSupPr>
-                        <m:ctrlPr>
-                          <a:rPr lang="en-US" sz="2000" b="0" i="1" smtClean="0">
-                            <a:latin typeface="Cambria Math" panose="02040503050406030204" pitchFamily="18" charset="0"/>
-                          </a:rPr>
-                        </m:ctrlPr>
-                      </m:sSupPr>
-                      <m:e>
-                        <m:r>
-                          <a:rPr lang="en-US" sz="2000" b="1" i="1" smtClean="0">
-                            <a:latin typeface="Cambria Math" panose="02040503050406030204" pitchFamily="18" charset="0"/>
-                          </a:rPr>
-                          <m:t>𝒘</m:t>
-                        </m:r>
-                      </m:e>
-                      <m:sup>
-                        <m:r>
-                          <a:rPr lang="en-US" sz="2000" b="0" i="1" smtClean="0">
-                            <a:latin typeface="Cambria Math" panose="02040503050406030204" pitchFamily="18" charset="0"/>
-                          </a:rPr>
-                          <m:t>∗</m:t>
-                        </m:r>
-                      </m:sup>
-                    </m:sSup>
-                    <m:r>
-                      <a:rPr lang="en-US" sz="2000" b="0" i="1" smtClean="0">
-                        <a:latin typeface="Cambria Math" panose="02040503050406030204" pitchFamily="18" charset="0"/>
-                      </a:rPr>
-                      <m:t>=</m:t>
-                    </m:r>
-                    <m:sSup>
-                      <m:sSupPr>
-                        <m:ctrlPr>
-                          <a:rPr lang="en-US" sz="2000" b="1" i="1" smtClean="0">
-                            <a:latin typeface="Cambria Math" panose="02040503050406030204" pitchFamily="18" charset="0"/>
-                          </a:rPr>
-                        </m:ctrlPr>
-                      </m:sSupPr>
-                      <m:e>
-                        <m:d>
-                          <m:dPr>
-                            <m:ctrlPr>
-                              <a:rPr lang="en-US" sz="2000" b="1" i="1" smtClean="0">
-                                <a:latin typeface="Cambria Math" panose="02040503050406030204" pitchFamily="18" charset="0"/>
-                              </a:rPr>
-                            </m:ctrlPr>
-                          </m:dPr>
-                          <m:e>
-                            <m:sSup>
-                              <m:sSupPr>
-                                <m:ctrlPr>
-                                  <a:rPr lang="en-US" sz="2000" b="1" i="1" smtClean="0">
-                                    <a:latin typeface="Cambria Math" panose="02040503050406030204" pitchFamily="18" charset="0"/>
-                                  </a:rPr>
-                                </m:ctrlPr>
-                              </m:sSupPr>
-                              <m:e>
-                                <m:r>
-                                  <a:rPr lang="en-US" sz="2000" b="1" i="1">
-                                    <a:latin typeface="Cambria Math" panose="02040503050406030204" pitchFamily="18" charset="0"/>
-                                  </a:rPr>
-                                  <m:t>𝑿</m:t>
-                                </m:r>
-                              </m:e>
-                              <m:sup>
-                                <m:r>
-                                  <a:rPr lang="en-US" sz="2000" b="0" i="1" smtClean="0">
-                                    <a:latin typeface="Cambria Math" panose="02040503050406030204" pitchFamily="18" charset="0"/>
-                                  </a:rPr>
-                                  <m:t>𝑇</m:t>
-                                </m:r>
-                              </m:sup>
-                            </m:sSup>
-                            <m:r>
-                              <a:rPr lang="en-US" sz="2000" b="1" i="1">
-                                <a:latin typeface="Cambria Math" panose="02040503050406030204" pitchFamily="18" charset="0"/>
-                              </a:rPr>
-                              <m:t>𝑿</m:t>
-                            </m:r>
-                          </m:e>
-                        </m:d>
-                      </m:e>
-                      <m:sup>
-                        <m:r>
-                          <a:rPr lang="en-US" sz="2000" b="0" i="1" smtClean="0">
-                            <a:latin typeface="Cambria Math" panose="02040503050406030204" pitchFamily="18" charset="0"/>
-                          </a:rPr>
-                          <m:t>−1</m:t>
-                        </m:r>
-                      </m:sup>
-                    </m:sSup>
-                    <m:sSup>
-                      <m:sSupPr>
-                        <m:ctrlPr>
-                          <a:rPr lang="en-US" sz="2000" b="1" i="1" smtClean="0">
-                            <a:latin typeface="Cambria Math" panose="02040503050406030204" pitchFamily="18" charset="0"/>
-                          </a:rPr>
-                        </m:ctrlPr>
-                      </m:sSupPr>
-                      <m:e>
-                        <m:r>
-                          <a:rPr lang="en-US" sz="2000" b="1" i="1">
-                            <a:latin typeface="Cambria Math" panose="02040503050406030204" pitchFamily="18" charset="0"/>
-                          </a:rPr>
-                          <m:t>𝑿</m:t>
-                        </m:r>
-                      </m:e>
-                      <m:sup>
-                        <m:r>
-                          <a:rPr lang="en-US" sz="2000" b="0" i="1" smtClean="0">
-                            <a:latin typeface="Cambria Math" panose="02040503050406030204" pitchFamily="18" charset="0"/>
-                          </a:rPr>
-                          <m:t>𝑇</m:t>
-                        </m:r>
-                      </m:sup>
-                    </m:sSup>
-                    <m:r>
-                      <a:rPr lang="en-US" sz="2000" b="1" i="1" smtClean="0">
-                        <a:latin typeface="Cambria Math" panose="02040503050406030204" pitchFamily="18" charset="0"/>
-                      </a:rPr>
-                      <m:t>𝒚</m:t>
-                    </m:r>
-                  </m:oMath>
-                </a14:m>
-                <a:endParaRPr lang="en-US" sz="2000" b="1" dirty="0"/>
+                <a:endParaRPr lang="en-US" b="1" dirty="0"/>
               </a:p>
             </p:txBody>
           </p:sp>
@@ -31939,30 +33178,33 @@
         <mc:Fallback xmlns="">
           <p:sp>
             <p:nvSpPr>
-              <p:cNvPr id="6" name="TextBox 5">
+              <p:cNvPr id="16" name="Speech Bubble: Rectangle 15">
                 <a:extLst>
                   <a:ext uri="{FF2B5EF4-FFF2-40B4-BE49-F238E27FC236}">
-                    <a16:creationId xmlns:a16="http://schemas.microsoft.com/office/drawing/2014/main" id="{506895E5-3A0B-4052-AAAA-4208B6955DB2}"/>
+                    <a16:creationId xmlns:a16="http://schemas.microsoft.com/office/drawing/2014/main" id="{DFB638AC-1DFC-E43D-0210-4F06FB7832AB}"/>
                   </a:ext>
                 </a:extLst>
               </p:cNvPr>
-              <p:cNvSpPr txBox="1">
+              <p:cNvSpPr>
                 <a:spLocks noRot="1" noChangeAspect="1" noMove="1" noResize="1" noEditPoints="1" noAdjustHandles="1" noChangeArrowheads="1" noChangeShapeType="1" noTextEdit="1"/>
               </p:cNvSpPr>
               <p:nvPr/>
             </p:nvSpPr>
             <p:spPr>
               <a:xfrm>
-                <a:off x="990601" y="3828820"/>
-                <a:ext cx="2980431" cy="2154436"/>
+                <a:off x="6538028" y="2228552"/>
+                <a:ext cx="4800600" cy="369332"/>
               </a:xfrm>
-              <a:prstGeom prst="rect">
-                <a:avLst/>
+              <a:prstGeom prst="wedgeRectCallout">
+                <a:avLst>
+                  <a:gd name="adj1" fmla="val -83039"/>
+                  <a:gd name="adj2" fmla="val 71903"/>
+                </a:avLst>
               </a:prstGeom>
               <a:blipFill>
-                <a:blip r:embed="rId5"/>
+                <a:blip r:embed="rId11"/>
                 <a:stretch>
-                  <a:fillRect l="-5328" t="-3672" r="-2459" b="-2825"/>
+                  <a:fillRect t="-6579" b="-1316"/>
                 </a:stretch>
               </a:blipFill>
             </p:spPr>
@@ -31981,85 +33223,6 @@
           </p:sp>
         </mc:Fallback>
       </mc:AlternateContent>
-      <p:sp>
-        <p:nvSpPr>
-          <p:cNvPr id="7" name="Right Brace 6">
-            <a:extLst>
-              <a:ext uri="{FF2B5EF4-FFF2-40B4-BE49-F238E27FC236}">
-                <a16:creationId xmlns:a16="http://schemas.microsoft.com/office/drawing/2014/main" id="{26028FCA-75D7-48F0-984B-627053B948B7}"/>
-              </a:ext>
-            </a:extLst>
-          </p:cNvPr>
-          <p:cNvSpPr/>
-          <p:nvPr/>
-        </p:nvSpPr>
-        <p:spPr>
-          <a:xfrm rot="5400000">
-            <a:off x="2831503" y="5632571"/>
-            <a:ext cx="170610" cy="871984"/>
-          </a:xfrm>
-          <a:prstGeom prst="rightBrace">
-            <a:avLst/>
-          </a:prstGeom>
-        </p:spPr>
-        <p:style>
-          <a:lnRef idx="1">
-            <a:schemeClr val="accent1"/>
-          </a:lnRef>
-          <a:fillRef idx="0">
-            <a:schemeClr val="accent1"/>
-          </a:fillRef>
-          <a:effectRef idx="0">
-            <a:schemeClr val="accent1"/>
-          </a:effectRef>
-          <a:fontRef idx="minor">
-            <a:schemeClr val="tx1"/>
-          </a:fontRef>
-        </p:style>
-        <p:txBody>
-          <a:bodyPr rtlCol="0" anchor="ctr"/>
-          <a:lstStyle/>
-          <a:p>
-            <a:pPr algn="ctr"/>
-            <a:endParaRPr lang="en-US" sz="1600"/>
-          </a:p>
-        </p:txBody>
-      </p:sp>
-      <p:sp>
-        <p:nvSpPr>
-          <p:cNvPr id="8" name="TextBox 7">
-            <a:extLst>
-              <a:ext uri="{FF2B5EF4-FFF2-40B4-BE49-F238E27FC236}">
-                <a16:creationId xmlns:a16="http://schemas.microsoft.com/office/drawing/2014/main" id="{70B36EB7-6DC1-4754-A830-80502B5D3AEC}"/>
-              </a:ext>
-            </a:extLst>
-          </p:cNvPr>
-          <p:cNvSpPr txBox="1"/>
-          <p:nvPr/>
-        </p:nvSpPr>
-        <p:spPr>
-          <a:xfrm>
-            <a:off x="2378160" y="6133265"/>
-            <a:ext cx="1592872" cy="369332"/>
-          </a:xfrm>
-          <a:prstGeom prst="rect">
-            <a:avLst/>
-          </a:prstGeom>
-          <a:noFill/>
-        </p:spPr>
-        <p:txBody>
-          <a:bodyPr wrap="none" rtlCol="0">
-            <a:spAutoFit/>
-          </a:bodyPr>
-          <a:lstStyle/>
-          <a:p>
-            <a:r>
-              <a:rPr lang="en-US" dirty="0"/>
-              <a:t>Pseudo inverse</a:t>
-            </a:r>
-          </a:p>
-        </p:txBody>
-      </p:sp>
       <mc:AlternateContent xmlns:mc="http://schemas.openxmlformats.org/markup-compatibility/2006" xmlns:a14="http://schemas.microsoft.com/office/drawing/2010/main">
         <mc:Choice Requires="a14">
           <p:sp>
@@ -32233,463 +33396,6 @@
                 <a:blip r:embed="rId7"/>
                 <a:stretch>
                   <a:fillRect l="-3606" t="-26000" b="-50000"/>
-                </a:stretch>
-              </a:blipFill>
-            </p:spPr>
-            <p:txBody>
-              <a:bodyPr/>
-              <a:lstStyle/>
-              <a:p>
-                <a:r>
-                  <a:rPr lang="en-US">
-                    <a:noFill/>
-                  </a:rPr>
-                  <a:t> </a:t>
-                </a:r>
-              </a:p>
-            </p:txBody>
-          </p:sp>
-        </mc:Fallback>
-      </mc:AlternateContent>
-      <mc:AlternateContent xmlns:mc="http://schemas.openxmlformats.org/markup-compatibility/2006" xmlns:a14="http://schemas.microsoft.com/office/drawing/2010/main">
-        <mc:Choice Requires="a14">
-          <p:sp>
-            <p:nvSpPr>
-              <p:cNvPr id="14" name="TextBox 13">
-                <a:extLst>
-                  <a:ext uri="{FF2B5EF4-FFF2-40B4-BE49-F238E27FC236}">
-                    <a16:creationId xmlns:a16="http://schemas.microsoft.com/office/drawing/2014/main" id="{674510E1-A93D-4A3A-94C9-F1A0DD6A0845}"/>
-                  </a:ext>
-                </a:extLst>
-              </p:cNvPr>
-              <p:cNvSpPr txBox="1"/>
-              <p:nvPr/>
-            </p:nvSpPr>
-            <p:spPr>
-              <a:xfrm>
-                <a:off x="9969500" y="4380954"/>
-                <a:ext cx="1231900" cy="369332"/>
-              </a:xfrm>
-              <a:prstGeom prst="rect">
-                <a:avLst/>
-              </a:prstGeom>
-              <a:noFill/>
-            </p:spPr>
-            <p:txBody>
-              <a:bodyPr wrap="square">
-                <a:spAutoFit/>
-              </a:bodyPr>
-              <a:lstStyle/>
-              <a:p>
-                <a:pPr/>
-                <a14:m>
-                  <m:oMathPara xmlns:m="http://schemas.openxmlformats.org/officeDocument/2006/math">
-                    <m:oMathParaPr>
-                      <m:jc m:val="centerGroup"/>
-                    </m:oMathParaPr>
-                    <m:oMath xmlns:m="http://schemas.openxmlformats.org/officeDocument/2006/math">
-                      <m:r>
-                        <m:rPr>
-                          <m:sty m:val="p"/>
-                        </m:rPr>
-                        <a:rPr lang="en-US" i="1" smtClean="0">
-                          <a:latin typeface="Cambria Math" panose="02040503050406030204" pitchFamily="18" charset="0"/>
-                          <a:ea typeface="Cambria Math" panose="02040503050406030204" pitchFamily="18" charset="0"/>
-                        </a:rPr>
-                        <m:t>∇</m:t>
-                      </m:r>
-                      <m:r>
-                        <a:rPr lang="en-US" i="1">
-                          <a:latin typeface="Cambria Math" panose="02040503050406030204" pitchFamily="18" charset="0"/>
-                        </a:rPr>
-                        <m:t>𝐿</m:t>
-                      </m:r>
-                      <m:d>
-                        <m:dPr>
-                          <m:ctrlPr>
-                            <a:rPr lang="en-US" b="1" i="1">
-                              <a:latin typeface="Cambria Math" panose="02040503050406030204" pitchFamily="18" charset="0"/>
-                            </a:rPr>
-                          </m:ctrlPr>
-                        </m:dPr>
-                        <m:e>
-                          <m:r>
-                            <a:rPr lang="en-US" b="1" i="1">
-                              <a:latin typeface="Cambria Math" panose="02040503050406030204" pitchFamily="18" charset="0"/>
-                            </a:rPr>
-                            <m:t>𝒘</m:t>
-                          </m:r>
-                        </m:e>
-                      </m:d>
-                    </m:oMath>
-                  </m:oMathPara>
-                </a14:m>
-                <a:endParaRPr lang="en-US" dirty="0"/>
-              </a:p>
-            </p:txBody>
-          </p:sp>
-        </mc:Choice>
-        <mc:Fallback xmlns="">
-          <p:sp>
-            <p:nvSpPr>
-              <p:cNvPr id="14" name="TextBox 13">
-                <a:extLst>
-                  <a:ext uri="{FF2B5EF4-FFF2-40B4-BE49-F238E27FC236}">
-                    <a16:creationId xmlns:a16="http://schemas.microsoft.com/office/drawing/2014/main" id="{674510E1-A93D-4A3A-94C9-F1A0DD6A0845}"/>
-                  </a:ext>
-                </a:extLst>
-              </p:cNvPr>
-              <p:cNvSpPr txBox="1">
-                <a:spLocks noRot="1" noChangeAspect="1" noMove="1" noResize="1" noEditPoints="1" noAdjustHandles="1" noChangeArrowheads="1" noChangeShapeType="1" noTextEdit="1"/>
-              </p:cNvSpPr>
-              <p:nvPr/>
-            </p:nvSpPr>
-            <p:spPr>
-              <a:xfrm>
-                <a:off x="9969500" y="4380954"/>
-                <a:ext cx="1231900" cy="369332"/>
-              </a:xfrm>
-              <a:prstGeom prst="rect">
-                <a:avLst/>
-              </a:prstGeom>
-              <a:blipFill>
-                <a:blip r:embed="rId9"/>
-                <a:stretch>
-                  <a:fillRect/>
-                </a:stretch>
-              </a:blipFill>
-            </p:spPr>
-            <p:txBody>
-              <a:bodyPr/>
-              <a:lstStyle/>
-              <a:p>
-                <a:r>
-                  <a:rPr lang="en-US">
-                    <a:noFill/>
-                  </a:rPr>
-                  <a:t> </a:t>
-                </a:r>
-              </a:p>
-            </p:txBody>
-          </p:sp>
-        </mc:Fallback>
-      </mc:AlternateContent>
-      <p:cxnSp>
-        <p:nvCxnSpPr>
-          <p:cNvPr id="15" name="Straight Arrow Connector 14">
-            <a:extLst>
-              <a:ext uri="{FF2B5EF4-FFF2-40B4-BE49-F238E27FC236}">
-                <a16:creationId xmlns:a16="http://schemas.microsoft.com/office/drawing/2014/main" id="{43E9140F-8A35-41C8-BAA3-86891CBF5B38}"/>
-              </a:ext>
-            </a:extLst>
-          </p:cNvPr>
-          <p:cNvCxnSpPr>
-            <a:cxnSpLocks/>
-          </p:cNvCxnSpPr>
-          <p:nvPr/>
-        </p:nvCxnSpPr>
-        <p:spPr>
-          <a:xfrm>
-            <a:off x="9753600" y="4876800"/>
-            <a:ext cx="121284" cy="382730"/>
-          </a:xfrm>
-          <a:prstGeom prst="straightConnector1">
-            <a:avLst/>
-          </a:prstGeom>
-          <a:ln>
-            <a:tailEnd type="triangle" w="lg" len="lg"/>
-          </a:ln>
-        </p:spPr>
-        <p:style>
-          <a:lnRef idx="3">
-            <a:schemeClr val="accent2"/>
-          </a:lnRef>
-          <a:fillRef idx="0">
-            <a:schemeClr val="accent2"/>
-          </a:fillRef>
-          <a:effectRef idx="2">
-            <a:schemeClr val="accent2"/>
-          </a:effectRef>
-          <a:fontRef idx="minor">
-            <a:schemeClr val="tx1"/>
-          </a:fontRef>
-        </p:style>
-      </p:cxnSp>
-      <mc:AlternateContent xmlns:mc="http://schemas.openxmlformats.org/markup-compatibility/2006" xmlns:a14="http://schemas.microsoft.com/office/drawing/2010/main">
-        <mc:Choice Requires="a14">
-          <p:sp>
-            <p:nvSpPr>
-              <p:cNvPr id="18" name="TextBox 17">
-                <a:extLst>
-                  <a:ext uri="{FF2B5EF4-FFF2-40B4-BE49-F238E27FC236}">
-                    <a16:creationId xmlns:a16="http://schemas.microsoft.com/office/drawing/2014/main" id="{A4845CDE-4E80-4AFF-96A8-82E8D266E357}"/>
-                  </a:ext>
-                </a:extLst>
-              </p:cNvPr>
-              <p:cNvSpPr txBox="1"/>
-              <p:nvPr/>
-            </p:nvSpPr>
-            <p:spPr>
-              <a:xfrm>
-                <a:off x="9296400" y="4586221"/>
-                <a:ext cx="609600" cy="369332"/>
-              </a:xfrm>
-              <a:prstGeom prst="rect">
-                <a:avLst/>
-              </a:prstGeom>
-              <a:noFill/>
-            </p:spPr>
-            <p:txBody>
-              <a:bodyPr wrap="square">
-                <a:spAutoFit/>
-              </a:bodyPr>
-              <a:lstStyle/>
-              <a:p>
-                <a:pPr/>
-                <a14:m>
-                  <m:oMathPara xmlns:m="http://schemas.openxmlformats.org/officeDocument/2006/math">
-                    <m:oMathParaPr>
-                      <m:jc m:val="centerGroup"/>
-                    </m:oMathParaPr>
-                    <m:oMath xmlns:m="http://schemas.openxmlformats.org/officeDocument/2006/math">
-                      <m:r>
-                        <a:rPr lang="en-US" b="1" i="1" smtClean="0">
-                          <a:latin typeface="Cambria Math" panose="02040503050406030204" pitchFamily="18" charset="0"/>
-                        </a:rPr>
-                        <m:t>𝒘</m:t>
-                      </m:r>
-                    </m:oMath>
-                  </m:oMathPara>
-                </a14:m>
-                <a:endParaRPr lang="en-US" dirty="0"/>
-              </a:p>
-            </p:txBody>
-          </p:sp>
-        </mc:Choice>
-        <mc:Fallback xmlns="">
-          <p:sp>
-            <p:nvSpPr>
-              <p:cNvPr id="18" name="TextBox 17">
-                <a:extLst>
-                  <a:ext uri="{FF2B5EF4-FFF2-40B4-BE49-F238E27FC236}">
-                    <a16:creationId xmlns:a16="http://schemas.microsoft.com/office/drawing/2014/main" id="{A4845CDE-4E80-4AFF-96A8-82E8D266E357}"/>
-                  </a:ext>
-                </a:extLst>
-              </p:cNvPr>
-              <p:cNvSpPr txBox="1">
-                <a:spLocks noRot="1" noChangeAspect="1" noMove="1" noResize="1" noEditPoints="1" noAdjustHandles="1" noChangeArrowheads="1" noChangeShapeType="1" noTextEdit="1"/>
-              </p:cNvSpPr>
-              <p:nvPr/>
-            </p:nvSpPr>
-            <p:spPr>
-              <a:xfrm>
-                <a:off x="9296400" y="4586221"/>
-                <a:ext cx="609600" cy="369332"/>
-              </a:xfrm>
-              <a:prstGeom prst="rect">
-                <a:avLst/>
-              </a:prstGeom>
-              <a:blipFill>
-                <a:blip r:embed="rId10"/>
-                <a:stretch>
-                  <a:fillRect/>
-                </a:stretch>
-              </a:blipFill>
-            </p:spPr>
-            <p:txBody>
-              <a:bodyPr/>
-              <a:lstStyle/>
-              <a:p>
-                <a:r>
-                  <a:rPr lang="en-US">
-                    <a:noFill/>
-                  </a:rPr>
-                  <a:t> </a:t>
-                </a:r>
-              </a:p>
-            </p:txBody>
-          </p:sp>
-        </mc:Fallback>
-      </mc:AlternateContent>
-      <p:sp>
-        <p:nvSpPr>
-          <p:cNvPr id="19" name="Oval 18">
-            <a:extLst>
-              <a:ext uri="{FF2B5EF4-FFF2-40B4-BE49-F238E27FC236}">
-                <a16:creationId xmlns:a16="http://schemas.microsoft.com/office/drawing/2014/main" id="{C2A8E63D-95B9-4405-A60E-26D6C5A48857}"/>
-              </a:ext>
-            </a:extLst>
-          </p:cNvPr>
-          <p:cNvSpPr/>
-          <p:nvPr/>
-        </p:nvSpPr>
-        <p:spPr>
-          <a:xfrm>
-            <a:off x="9730740" y="4820279"/>
-            <a:ext cx="45719" cy="53787"/>
-          </a:xfrm>
-          <a:prstGeom prst="ellipse">
-            <a:avLst/>
-          </a:prstGeom>
-        </p:spPr>
-        <p:style>
-          <a:lnRef idx="2">
-            <a:schemeClr val="dk1">
-              <a:shade val="50000"/>
-            </a:schemeClr>
-          </a:lnRef>
-          <a:fillRef idx="1">
-            <a:schemeClr val="dk1"/>
-          </a:fillRef>
-          <a:effectRef idx="0">
-            <a:schemeClr val="dk1"/>
-          </a:effectRef>
-          <a:fontRef idx="minor">
-            <a:schemeClr val="lt1"/>
-          </a:fontRef>
-        </p:style>
-        <p:txBody>
-          <a:bodyPr rtlCol="0" anchor="ctr"/>
-          <a:lstStyle/>
-          <a:p>
-            <a:pPr algn="ctr"/>
-            <a:endParaRPr lang="en-US"/>
-          </a:p>
-        </p:txBody>
-      </p:sp>
-      <p:cxnSp>
-        <p:nvCxnSpPr>
-          <p:cNvPr id="21" name="Straight Connector 20">
-            <a:extLst>
-              <a:ext uri="{FF2B5EF4-FFF2-40B4-BE49-F238E27FC236}">
-                <a16:creationId xmlns:a16="http://schemas.microsoft.com/office/drawing/2014/main" id="{EB15E0E4-DDA3-48B5-A02F-888000E1036E}"/>
-              </a:ext>
-            </a:extLst>
-          </p:cNvPr>
-          <p:cNvCxnSpPr>
-            <a:cxnSpLocks/>
-          </p:cNvCxnSpPr>
-          <p:nvPr/>
-        </p:nvCxnSpPr>
-        <p:spPr>
-          <a:xfrm flipH="1">
-            <a:off x="9906000" y="4692134"/>
-            <a:ext cx="304800" cy="263419"/>
-          </a:xfrm>
-          <a:prstGeom prst="line">
-            <a:avLst/>
-          </a:prstGeom>
-        </p:spPr>
-        <p:style>
-          <a:lnRef idx="3">
-            <a:schemeClr val="accent6"/>
-          </a:lnRef>
-          <a:fillRef idx="0">
-            <a:schemeClr val="accent6"/>
-          </a:fillRef>
-          <a:effectRef idx="2">
-            <a:schemeClr val="accent6"/>
-          </a:effectRef>
-          <a:fontRef idx="minor">
-            <a:schemeClr val="tx1"/>
-          </a:fontRef>
-        </p:style>
-      </p:cxnSp>
-      <mc:AlternateContent xmlns:mc="http://schemas.openxmlformats.org/markup-compatibility/2006" xmlns:a14="http://schemas.microsoft.com/office/drawing/2010/main">
-        <mc:Choice Requires="a14">
-          <p:sp>
-            <p:nvSpPr>
-              <p:cNvPr id="16" name="Speech Bubble: Rectangle 15">
-                <a:extLst>
-                  <a:ext uri="{FF2B5EF4-FFF2-40B4-BE49-F238E27FC236}">
-                    <a16:creationId xmlns:a16="http://schemas.microsoft.com/office/drawing/2014/main" id="{DFB638AC-1DFC-E43D-0210-4F06FB7832AB}"/>
-                  </a:ext>
-                </a:extLst>
-              </p:cNvPr>
-              <p:cNvSpPr/>
-              <p:nvPr/>
-            </p:nvSpPr>
-            <p:spPr>
-              <a:xfrm>
-                <a:off x="6538028" y="2228552"/>
-                <a:ext cx="4800600" cy="369332"/>
-              </a:xfrm>
-              <a:prstGeom prst="wedgeRectCallout">
-                <a:avLst>
-                  <a:gd name="adj1" fmla="val -83039"/>
-                  <a:gd name="adj2" fmla="val 71903"/>
-                </a:avLst>
-              </a:prstGeom>
-            </p:spPr>
-            <p:style>
-              <a:lnRef idx="2">
-                <a:schemeClr val="accent6">
-                  <a:shade val="15000"/>
-                </a:schemeClr>
-              </a:lnRef>
-              <a:fillRef idx="1">
-                <a:schemeClr val="accent6"/>
-              </a:fillRef>
-              <a:effectRef idx="0">
-                <a:schemeClr val="accent6"/>
-              </a:effectRef>
-              <a:fontRef idx="minor">
-                <a:schemeClr val="lt1"/>
-              </a:fontRef>
-            </p:style>
-            <p:txBody>
-              <a:bodyPr rtlCol="0" anchor="ctr"/>
-              <a:lstStyle/>
-              <a:p>
-                <a:r>
-                  <a:rPr lang="en-US" dirty="0"/>
-                  <a:t>Squared error loss over the whole data matrix </a:t>
-                </a:r>
-                <a14:m>
-                  <m:oMath xmlns:m="http://schemas.openxmlformats.org/officeDocument/2006/math">
-                    <m:r>
-                      <a:rPr lang="en-US" b="1" i="1" dirty="0" smtClean="0">
-                        <a:latin typeface="Cambria Math" panose="02040503050406030204" pitchFamily="18" charset="0"/>
-                      </a:rPr>
-                      <m:t>𝑿</m:t>
-                    </m:r>
-                  </m:oMath>
-                </a14:m>
-                <a:endParaRPr lang="en-US" b="1" dirty="0"/>
-              </a:p>
-            </p:txBody>
-          </p:sp>
-        </mc:Choice>
-        <mc:Fallback xmlns="">
-          <p:sp>
-            <p:nvSpPr>
-              <p:cNvPr id="16" name="Speech Bubble: Rectangle 15">
-                <a:extLst>
-                  <a:ext uri="{FF2B5EF4-FFF2-40B4-BE49-F238E27FC236}">
-                    <a16:creationId xmlns:a16="http://schemas.microsoft.com/office/drawing/2014/main" id="{DFB638AC-1DFC-E43D-0210-4F06FB7832AB}"/>
-                  </a:ext>
-                </a:extLst>
-              </p:cNvPr>
-              <p:cNvSpPr>
-                <a:spLocks noRot="1" noChangeAspect="1" noMove="1" noResize="1" noEditPoints="1" noAdjustHandles="1" noChangeArrowheads="1" noChangeShapeType="1" noTextEdit="1"/>
-              </p:cNvSpPr>
-              <p:nvPr/>
-            </p:nvSpPr>
-            <p:spPr>
-              <a:xfrm>
-                <a:off x="6538028" y="2228552"/>
-                <a:ext cx="4800600" cy="369332"/>
-              </a:xfrm>
-              <a:prstGeom prst="wedgeRectCallout">
-                <a:avLst>
-                  <a:gd name="adj1" fmla="val -83039"/>
-                  <a:gd name="adj2" fmla="val 71903"/>
-                </a:avLst>
-              </a:prstGeom>
-              <a:blipFill>
-                <a:blip r:embed="rId11"/>
-                <a:stretch>
-                  <a:fillRect t="-6579" b="-1316"/>
                 </a:stretch>
               </a:blipFill>
             </p:spPr>
@@ -33167,6 +33873,867 @@
           </p:sp>
         </mc:Fallback>
       </mc:AlternateContent>
+      <mc:AlternateContent xmlns:mc="http://schemas.openxmlformats.org/markup-compatibility/2006" xmlns:a14="http://schemas.microsoft.com/office/drawing/2010/main">
+        <mc:Choice Requires="a14">
+          <p:sp>
+            <p:nvSpPr>
+              <p:cNvPr id="6" name="TextBox 5">
+                <a:extLst>
+                  <a:ext uri="{FF2B5EF4-FFF2-40B4-BE49-F238E27FC236}">
+                    <a16:creationId xmlns:a16="http://schemas.microsoft.com/office/drawing/2014/main" id="{506895E5-3A0B-4052-AAAA-4208B6955DB2}"/>
+                  </a:ext>
+                </a:extLst>
+              </p:cNvPr>
+              <p:cNvSpPr txBox="1"/>
+              <p:nvPr/>
+            </p:nvSpPr>
+            <p:spPr>
+              <a:xfrm>
+                <a:off x="990601" y="3828820"/>
+                <a:ext cx="2980431" cy="2154436"/>
+              </a:xfrm>
+              <a:prstGeom prst="rect">
+                <a:avLst/>
+              </a:prstGeom>
+              <a:noFill/>
+            </p:spPr>
+            <p:txBody>
+              <a:bodyPr wrap="none" lIns="0" tIns="0" rIns="0" bIns="0" rtlCol="0">
+                <a:spAutoFit/>
+              </a:bodyPr>
+              <a:lstStyle/>
+              <a:p>
+                <a:r>
+                  <a:rPr lang="en-US" sz="2000" dirty="0"/>
+                  <a:t>Find</a:t>
+                </a:r>
+                <a:r>
+                  <a:rPr lang="en-US" sz="2000" b="0" dirty="0"/>
+                  <a:t>: 	</a:t>
+                </a:r>
+                <a14:m>
+                  <m:oMath xmlns:m="http://schemas.openxmlformats.org/officeDocument/2006/math">
+                    <m:r>
+                      <m:rPr>
+                        <m:sty m:val="p"/>
+                      </m:rPr>
+                      <a:rPr lang="en-US" sz="2000" i="1">
+                        <a:latin typeface="Cambria Math" panose="02040503050406030204" pitchFamily="18" charset="0"/>
+                        <a:ea typeface="Cambria Math" panose="02040503050406030204" pitchFamily="18" charset="0"/>
+                      </a:rPr>
+                      <m:t>∇</m:t>
+                    </m:r>
+                    <m:r>
+                      <a:rPr lang="en-US" sz="2000" i="1">
+                        <a:latin typeface="Cambria Math" panose="02040503050406030204" pitchFamily="18" charset="0"/>
+                      </a:rPr>
+                      <m:t>𝐿</m:t>
+                    </m:r>
+                    <m:d>
+                      <m:dPr>
+                        <m:ctrlPr>
+                          <a:rPr lang="en-US" sz="2000" b="1" i="1">
+                            <a:latin typeface="Cambria Math" panose="02040503050406030204" pitchFamily="18" charset="0"/>
+                          </a:rPr>
+                        </m:ctrlPr>
+                      </m:dPr>
+                      <m:e>
+                        <m:r>
+                          <a:rPr lang="en-US" sz="2000" b="1" i="1">
+                            <a:latin typeface="Cambria Math" panose="02040503050406030204" pitchFamily="18" charset="0"/>
+                          </a:rPr>
+                          <m:t>𝒘</m:t>
+                        </m:r>
+                      </m:e>
+                    </m:d>
+                    <m:r>
+                      <a:rPr lang="en-US" sz="2000" i="1">
+                        <a:latin typeface="Cambria Math" panose="02040503050406030204" pitchFamily="18" charset="0"/>
+                      </a:rPr>
+                      <m:t>=</m:t>
+                    </m:r>
+                  </m:oMath>
+                </a14:m>
+                <a:r>
+                  <a:rPr lang="en-US" sz="2000" b="0" dirty="0"/>
+                  <a:t> 0</a:t>
+                </a:r>
+                <a:br>
+                  <a:rPr lang="en-US" sz="2000" b="0" dirty="0"/>
+                </a:br>
+                <a:r>
+                  <a:rPr lang="en-US" sz="2000" b="0" dirty="0"/>
+                  <a:t>	</a:t>
+                </a:r>
+              </a:p>
+              <a:p>
+                <a:r>
+                  <a:rPr lang="en-US" sz="2000" dirty="0"/>
+                  <a:t>Gradient descend:</a:t>
+                </a:r>
+              </a:p>
+              <a:p>
+                <a:r>
+                  <a:rPr lang="en-US" sz="2000" i="1" dirty="0">
+                    <a:latin typeface="Cambria Math" panose="02040503050406030204" pitchFamily="18" charset="0"/>
+                  </a:rPr>
+                  <a:t>	</a:t>
+                </a:r>
+                <a:r>
+                  <a:rPr lang="en-US" sz="2000" dirty="0"/>
+                  <a:t> </a:t>
+                </a:r>
+                <a14:m>
+                  <m:oMath xmlns:m="http://schemas.openxmlformats.org/officeDocument/2006/math">
+                    <m:r>
+                      <a:rPr lang="en-US" sz="2000" b="1" i="1" smtClean="0">
+                        <a:latin typeface="Cambria Math" panose="02040503050406030204" pitchFamily="18" charset="0"/>
+                      </a:rPr>
+                      <m:t>𝒘</m:t>
+                    </m:r>
+                    <m:r>
+                      <a:rPr lang="en-US" sz="2000" b="0" i="1" smtClean="0">
+                        <a:latin typeface="Cambria Math" panose="02040503050406030204" pitchFamily="18" charset="0"/>
+                      </a:rPr>
+                      <m:t>=</m:t>
+                    </m:r>
+                    <m:r>
+                      <a:rPr lang="en-US" sz="2000" b="1" i="1">
+                        <a:latin typeface="Cambria Math" panose="02040503050406030204" pitchFamily="18" charset="0"/>
+                      </a:rPr>
+                      <m:t>𝒘</m:t>
+                    </m:r>
+                    <m:r>
+                      <a:rPr lang="en-US" sz="2000" b="0" i="1" smtClean="0">
+                        <a:latin typeface="Cambria Math" panose="02040503050406030204" pitchFamily="18" charset="0"/>
+                      </a:rPr>
+                      <m:t>−</m:t>
+                    </m:r>
+                    <m:r>
+                      <a:rPr lang="en-US" sz="2000" b="0" i="1" smtClean="0">
+                        <a:latin typeface="Cambria Math" panose="02040503050406030204" pitchFamily="18" charset="0"/>
+                      </a:rPr>
+                      <m:t>𝛼</m:t>
+                    </m:r>
+                    <m:r>
+                      <m:rPr>
+                        <m:sty m:val="p"/>
+                      </m:rPr>
+                      <a:rPr lang="en-US" sz="2000" b="0" i="1" smtClean="0">
+                        <a:latin typeface="Cambria Math" panose="02040503050406030204" pitchFamily="18" charset="0"/>
+                        <a:ea typeface="Cambria Math" panose="02040503050406030204" pitchFamily="18" charset="0"/>
+                      </a:rPr>
+                      <m:t>∇</m:t>
+                    </m:r>
+                    <m:r>
+                      <a:rPr lang="en-US" sz="2000" i="1">
+                        <a:latin typeface="Cambria Math" panose="02040503050406030204" pitchFamily="18" charset="0"/>
+                      </a:rPr>
+                      <m:t>𝐿</m:t>
+                    </m:r>
+                    <m:d>
+                      <m:dPr>
+                        <m:ctrlPr>
+                          <a:rPr lang="en-US" sz="2000" b="1" i="1">
+                            <a:latin typeface="Cambria Math" panose="02040503050406030204" pitchFamily="18" charset="0"/>
+                          </a:rPr>
+                        </m:ctrlPr>
+                      </m:dPr>
+                      <m:e>
+                        <m:r>
+                          <a:rPr lang="en-US" sz="2000" b="1" i="1">
+                            <a:latin typeface="Cambria Math" panose="02040503050406030204" pitchFamily="18" charset="0"/>
+                          </a:rPr>
+                          <m:t>𝒘</m:t>
+                        </m:r>
+                      </m:e>
+                    </m:d>
+                  </m:oMath>
+                </a14:m>
+                <a:endParaRPr lang="en-US" sz="2000" i="1" dirty="0">
+                  <a:latin typeface="Cambria Math" panose="02040503050406030204" pitchFamily="18" charset="0"/>
+                </a:endParaRPr>
+              </a:p>
+              <a:p>
+                <a:endParaRPr lang="en-US" sz="2000" dirty="0"/>
+              </a:p>
+              <a:p>
+                <a:r>
+                  <a:rPr lang="en-US" sz="2000" dirty="0"/>
+                  <a:t>Analytical solution:</a:t>
+                </a:r>
+              </a:p>
+              <a:p>
+                <a:r>
+                  <a:rPr lang="en-US" sz="2000" b="0" dirty="0"/>
+                  <a:t>	</a:t>
+                </a:r>
+                <a14:m>
+                  <m:oMath xmlns:m="http://schemas.openxmlformats.org/officeDocument/2006/math">
+                    <m:sSup>
+                      <m:sSupPr>
+                        <m:ctrlPr>
+                          <a:rPr lang="en-US" sz="2000" b="0" i="1" smtClean="0">
+                            <a:latin typeface="Cambria Math" panose="02040503050406030204" pitchFamily="18" charset="0"/>
+                          </a:rPr>
+                        </m:ctrlPr>
+                      </m:sSupPr>
+                      <m:e>
+                        <m:r>
+                          <a:rPr lang="en-US" sz="2000" b="1" i="1" smtClean="0">
+                            <a:latin typeface="Cambria Math" panose="02040503050406030204" pitchFamily="18" charset="0"/>
+                          </a:rPr>
+                          <m:t>𝒘</m:t>
+                        </m:r>
+                      </m:e>
+                      <m:sup>
+                        <m:r>
+                          <a:rPr lang="en-US" sz="2000" b="0" i="1" smtClean="0">
+                            <a:latin typeface="Cambria Math" panose="02040503050406030204" pitchFamily="18" charset="0"/>
+                          </a:rPr>
+                          <m:t>∗</m:t>
+                        </m:r>
+                      </m:sup>
+                    </m:sSup>
+                    <m:r>
+                      <a:rPr lang="en-US" sz="2000" b="0" i="1" smtClean="0">
+                        <a:latin typeface="Cambria Math" panose="02040503050406030204" pitchFamily="18" charset="0"/>
+                      </a:rPr>
+                      <m:t>=</m:t>
+                    </m:r>
+                    <m:sSup>
+                      <m:sSupPr>
+                        <m:ctrlPr>
+                          <a:rPr lang="en-US" sz="2000" b="1" i="1" smtClean="0">
+                            <a:latin typeface="Cambria Math" panose="02040503050406030204" pitchFamily="18" charset="0"/>
+                          </a:rPr>
+                        </m:ctrlPr>
+                      </m:sSupPr>
+                      <m:e>
+                        <m:d>
+                          <m:dPr>
+                            <m:ctrlPr>
+                              <a:rPr lang="en-US" sz="2000" b="1" i="1" smtClean="0">
+                                <a:latin typeface="Cambria Math" panose="02040503050406030204" pitchFamily="18" charset="0"/>
+                              </a:rPr>
+                            </m:ctrlPr>
+                          </m:dPr>
+                          <m:e>
+                            <m:sSup>
+                              <m:sSupPr>
+                                <m:ctrlPr>
+                                  <a:rPr lang="en-US" sz="2000" b="1" i="1" smtClean="0">
+                                    <a:latin typeface="Cambria Math" panose="02040503050406030204" pitchFamily="18" charset="0"/>
+                                  </a:rPr>
+                                </m:ctrlPr>
+                              </m:sSupPr>
+                              <m:e>
+                                <m:r>
+                                  <a:rPr lang="en-US" sz="2000" b="1" i="1">
+                                    <a:latin typeface="Cambria Math" panose="02040503050406030204" pitchFamily="18" charset="0"/>
+                                  </a:rPr>
+                                  <m:t>𝑿</m:t>
+                                </m:r>
+                              </m:e>
+                              <m:sup>
+                                <m:r>
+                                  <a:rPr lang="en-US" sz="2000" b="0" i="1" smtClean="0">
+                                    <a:latin typeface="Cambria Math" panose="02040503050406030204" pitchFamily="18" charset="0"/>
+                                  </a:rPr>
+                                  <m:t>𝑇</m:t>
+                                </m:r>
+                              </m:sup>
+                            </m:sSup>
+                            <m:r>
+                              <a:rPr lang="en-US" sz="2000" b="1" i="1">
+                                <a:latin typeface="Cambria Math" panose="02040503050406030204" pitchFamily="18" charset="0"/>
+                              </a:rPr>
+                              <m:t>𝑿</m:t>
+                            </m:r>
+                          </m:e>
+                        </m:d>
+                      </m:e>
+                      <m:sup>
+                        <m:r>
+                          <a:rPr lang="en-US" sz="2000" b="0" i="1" smtClean="0">
+                            <a:latin typeface="Cambria Math" panose="02040503050406030204" pitchFamily="18" charset="0"/>
+                          </a:rPr>
+                          <m:t>−1</m:t>
+                        </m:r>
+                      </m:sup>
+                    </m:sSup>
+                    <m:sSup>
+                      <m:sSupPr>
+                        <m:ctrlPr>
+                          <a:rPr lang="en-US" sz="2000" b="1" i="1" smtClean="0">
+                            <a:latin typeface="Cambria Math" panose="02040503050406030204" pitchFamily="18" charset="0"/>
+                          </a:rPr>
+                        </m:ctrlPr>
+                      </m:sSupPr>
+                      <m:e>
+                        <m:r>
+                          <a:rPr lang="en-US" sz="2000" b="1" i="1">
+                            <a:latin typeface="Cambria Math" panose="02040503050406030204" pitchFamily="18" charset="0"/>
+                          </a:rPr>
+                          <m:t>𝑿</m:t>
+                        </m:r>
+                      </m:e>
+                      <m:sup>
+                        <m:r>
+                          <a:rPr lang="en-US" sz="2000" b="0" i="1" smtClean="0">
+                            <a:latin typeface="Cambria Math" panose="02040503050406030204" pitchFamily="18" charset="0"/>
+                          </a:rPr>
+                          <m:t>𝑇</m:t>
+                        </m:r>
+                      </m:sup>
+                    </m:sSup>
+                    <m:r>
+                      <a:rPr lang="en-US" sz="2000" b="1" i="1" smtClean="0">
+                        <a:latin typeface="Cambria Math" panose="02040503050406030204" pitchFamily="18" charset="0"/>
+                      </a:rPr>
+                      <m:t>𝒚</m:t>
+                    </m:r>
+                  </m:oMath>
+                </a14:m>
+                <a:endParaRPr lang="en-US" sz="2000" b="1" dirty="0"/>
+              </a:p>
+            </p:txBody>
+          </p:sp>
+        </mc:Choice>
+        <mc:Fallback xmlns="">
+          <p:sp>
+            <p:nvSpPr>
+              <p:cNvPr id="6" name="TextBox 5">
+                <a:extLst>
+                  <a:ext uri="{FF2B5EF4-FFF2-40B4-BE49-F238E27FC236}">
+                    <a16:creationId xmlns:a16="http://schemas.microsoft.com/office/drawing/2014/main" id="{506895E5-3A0B-4052-AAAA-4208B6955DB2}"/>
+                  </a:ext>
+                </a:extLst>
+              </p:cNvPr>
+              <p:cNvSpPr txBox="1">
+                <a:spLocks noRot="1" noChangeAspect="1" noMove="1" noResize="1" noEditPoints="1" noAdjustHandles="1" noChangeArrowheads="1" noChangeShapeType="1" noTextEdit="1"/>
+              </p:cNvSpPr>
+              <p:nvPr/>
+            </p:nvSpPr>
+            <p:spPr>
+              <a:xfrm>
+                <a:off x="990601" y="3828820"/>
+                <a:ext cx="2980431" cy="2154436"/>
+              </a:xfrm>
+              <a:prstGeom prst="rect">
+                <a:avLst/>
+              </a:prstGeom>
+              <a:blipFill>
+                <a:blip r:embed="rId5"/>
+                <a:stretch>
+                  <a:fillRect l="-5328" t="-3672" r="-2459" b="-2825"/>
+                </a:stretch>
+              </a:blipFill>
+            </p:spPr>
+            <p:txBody>
+              <a:bodyPr/>
+              <a:lstStyle/>
+              <a:p>
+                <a:r>
+                  <a:rPr lang="en-US">
+                    <a:noFill/>
+                  </a:rPr>
+                  <a:t> </a:t>
+                </a:r>
+              </a:p>
+            </p:txBody>
+          </p:sp>
+        </mc:Fallback>
+      </mc:AlternateContent>
+      <p:sp>
+        <p:nvSpPr>
+          <p:cNvPr id="7" name="Right Brace 6">
+            <a:extLst>
+              <a:ext uri="{FF2B5EF4-FFF2-40B4-BE49-F238E27FC236}">
+                <a16:creationId xmlns:a16="http://schemas.microsoft.com/office/drawing/2014/main" id="{26028FCA-75D7-48F0-984B-627053B948B7}"/>
+              </a:ext>
+              <a:ext uri="{C183D7F6-B498-43B3-948B-1728B52AA6E4}">
+                <adec:decorative xmlns:adec="http://schemas.microsoft.com/office/drawing/2017/decorative" val="1"/>
+              </a:ext>
+            </a:extLst>
+          </p:cNvPr>
+          <p:cNvSpPr/>
+          <p:nvPr/>
+        </p:nvSpPr>
+        <p:spPr>
+          <a:xfrm rot="5400000">
+            <a:off x="2831503" y="5632571"/>
+            <a:ext cx="170610" cy="871984"/>
+          </a:xfrm>
+          <a:prstGeom prst="rightBrace">
+            <a:avLst/>
+          </a:prstGeom>
+        </p:spPr>
+        <p:style>
+          <a:lnRef idx="1">
+            <a:schemeClr val="accent1"/>
+          </a:lnRef>
+          <a:fillRef idx="0">
+            <a:schemeClr val="accent1"/>
+          </a:fillRef>
+          <a:effectRef idx="0">
+            <a:schemeClr val="accent1"/>
+          </a:effectRef>
+          <a:fontRef idx="minor">
+            <a:schemeClr val="tx1"/>
+          </a:fontRef>
+        </p:style>
+        <p:txBody>
+          <a:bodyPr rtlCol="0" anchor="ctr"/>
+          <a:lstStyle/>
+          <a:p>
+            <a:pPr algn="ctr"/>
+            <a:endParaRPr lang="en-US" sz="1600"/>
+          </a:p>
+        </p:txBody>
+      </p:sp>
+      <p:sp>
+        <p:nvSpPr>
+          <p:cNvPr id="8" name="TextBox 7">
+            <a:extLst>
+              <a:ext uri="{FF2B5EF4-FFF2-40B4-BE49-F238E27FC236}">
+                <a16:creationId xmlns:a16="http://schemas.microsoft.com/office/drawing/2014/main" id="{70B36EB7-6DC1-4754-A830-80502B5D3AEC}"/>
+              </a:ext>
+              <a:ext uri="{C183D7F6-B498-43B3-948B-1728B52AA6E4}">
+                <adec:decorative xmlns:adec="http://schemas.microsoft.com/office/drawing/2017/decorative" val="1"/>
+              </a:ext>
+            </a:extLst>
+          </p:cNvPr>
+          <p:cNvSpPr txBox="1"/>
+          <p:nvPr/>
+        </p:nvSpPr>
+        <p:spPr>
+          <a:xfrm>
+            <a:off x="2378160" y="6133265"/>
+            <a:ext cx="1592872" cy="369332"/>
+          </a:xfrm>
+          <a:prstGeom prst="rect">
+            <a:avLst/>
+          </a:prstGeom>
+          <a:noFill/>
+        </p:spPr>
+        <p:txBody>
+          <a:bodyPr wrap="none" rtlCol="0">
+            <a:spAutoFit/>
+          </a:bodyPr>
+          <a:lstStyle/>
+          <a:p>
+            <a:r>
+              <a:rPr lang="en-US" dirty="0"/>
+              <a:t>Pseudo inverse</a:t>
+            </a:r>
+          </a:p>
+        </p:txBody>
+      </p:sp>
+      <p:grpSp>
+        <p:nvGrpSpPr>
+          <p:cNvPr id="3" name="Group 2">
+            <a:extLst>
+              <a:ext uri="{FF2B5EF4-FFF2-40B4-BE49-F238E27FC236}">
+                <a16:creationId xmlns:a16="http://schemas.microsoft.com/office/drawing/2014/main" id="{07BAFE9A-7DE7-43F0-B02D-CABFBE418C0C}"/>
+              </a:ext>
+              <a:ext uri="{C183D7F6-B498-43B3-948B-1728B52AA6E4}">
+                <adec:decorative xmlns:adec="http://schemas.microsoft.com/office/drawing/2017/decorative" val="1"/>
+              </a:ext>
+            </a:extLst>
+          </p:cNvPr>
+          <p:cNvGrpSpPr/>
+          <p:nvPr/>
+        </p:nvGrpSpPr>
+        <p:grpSpPr>
+          <a:xfrm>
+            <a:off x="5029201" y="4007464"/>
+            <a:ext cx="7101460" cy="2850536"/>
+            <a:chOff x="5029201" y="4007464"/>
+            <a:chExt cx="7101460" cy="2850536"/>
+          </a:xfrm>
+        </p:grpSpPr>
+        <p:pic>
+          <p:nvPicPr>
+            <p:cNvPr id="12" name="Picture 11">
+              <a:extLst>
+                <a:ext uri="{FF2B5EF4-FFF2-40B4-BE49-F238E27FC236}">
+                  <a16:creationId xmlns:a16="http://schemas.microsoft.com/office/drawing/2014/main" id="{ED8E7DF2-9E31-4110-B801-E0645520AC46}"/>
+                </a:ext>
+                <a:ext uri="{C183D7F6-B498-43B3-948B-1728B52AA6E4}">
+                  <adec:decorative xmlns:adec="http://schemas.microsoft.com/office/drawing/2017/decorative" val="1"/>
+                </a:ext>
+              </a:extLst>
+            </p:cNvPr>
+            <p:cNvPicPr>
+              <a:picLocks noChangeAspect="1"/>
+            </p:cNvPicPr>
+            <p:nvPr/>
+          </p:nvPicPr>
+          <p:blipFill>
+            <a:blip r:embed="rId13"/>
+            <a:stretch>
+              <a:fillRect/>
+            </a:stretch>
+          </p:blipFill>
+          <p:spPr>
+            <a:xfrm>
+              <a:off x="5029201" y="4007464"/>
+              <a:ext cx="7101460" cy="2850536"/>
+            </a:xfrm>
+            <a:prstGeom prst="rect">
+              <a:avLst/>
+            </a:prstGeom>
+          </p:spPr>
+        </p:pic>
+        <mc:AlternateContent xmlns:mc="http://schemas.openxmlformats.org/markup-compatibility/2006">
+          <mc:Choice xmlns:a14="http://schemas.microsoft.com/office/drawing/2010/main" Requires="a14">
+            <p:sp>
+              <p:nvSpPr>
+                <p:cNvPr id="14" name="TextBox 13">
+                  <a:extLst>
+                    <a:ext uri="{FF2B5EF4-FFF2-40B4-BE49-F238E27FC236}">
+                      <a16:creationId xmlns:a16="http://schemas.microsoft.com/office/drawing/2014/main" id="{674510E1-A93D-4A3A-94C9-F1A0DD6A0845}"/>
+                    </a:ext>
+                  </a:extLst>
+                </p:cNvPr>
+                <p:cNvSpPr txBox="1"/>
+                <p:nvPr/>
+              </p:nvSpPr>
+              <p:spPr>
+                <a:xfrm>
+                  <a:off x="9969500" y="4380954"/>
+                  <a:ext cx="1231900" cy="369332"/>
+                </a:xfrm>
+                <a:prstGeom prst="rect">
+                  <a:avLst/>
+                </a:prstGeom>
+                <a:noFill/>
+              </p:spPr>
+              <p:txBody>
+                <a:bodyPr wrap="square">
+                  <a:spAutoFit/>
+                </a:bodyPr>
+                <a:lstStyle/>
+                <a:p>
+                  <a:pPr/>
+                  <a14:m>
+                    <m:oMathPara xmlns:m="http://schemas.openxmlformats.org/officeDocument/2006/math">
+                      <m:oMathParaPr>
+                        <m:jc m:val="centerGroup"/>
+                      </m:oMathParaPr>
+                      <m:oMath xmlns:m="http://schemas.openxmlformats.org/officeDocument/2006/math">
+                        <m:r>
+                          <m:rPr>
+                            <m:sty m:val="p"/>
+                          </m:rPr>
+                          <a:rPr lang="en-US" i="1" smtClean="0">
+                            <a:latin typeface="Cambria Math" panose="02040503050406030204" pitchFamily="18" charset="0"/>
+                            <a:ea typeface="Cambria Math" panose="02040503050406030204" pitchFamily="18" charset="0"/>
+                          </a:rPr>
+                          <m:t>∇</m:t>
+                        </m:r>
+                        <m:r>
+                          <a:rPr lang="en-US" i="1">
+                            <a:latin typeface="Cambria Math" panose="02040503050406030204" pitchFamily="18" charset="0"/>
+                          </a:rPr>
+                          <m:t>𝐿</m:t>
+                        </m:r>
+                        <m:d>
+                          <m:dPr>
+                            <m:ctrlPr>
+                              <a:rPr lang="en-US" b="1" i="1">
+                                <a:latin typeface="Cambria Math" panose="02040503050406030204" pitchFamily="18" charset="0"/>
+                              </a:rPr>
+                            </m:ctrlPr>
+                          </m:dPr>
+                          <m:e>
+                            <m:r>
+                              <a:rPr lang="en-US" b="1" i="1">
+                                <a:latin typeface="Cambria Math" panose="02040503050406030204" pitchFamily="18" charset="0"/>
+                              </a:rPr>
+                              <m:t>𝒘</m:t>
+                            </m:r>
+                          </m:e>
+                        </m:d>
+                      </m:oMath>
+                    </m:oMathPara>
+                  </a14:m>
+                  <a:endParaRPr lang="en-US" dirty="0"/>
+                </a:p>
+              </p:txBody>
+            </p:sp>
+          </mc:Choice>
+          <mc:Fallback>
+            <p:sp>
+              <p:nvSpPr>
+                <p:cNvPr id="14" name="TextBox 13">
+                  <a:extLst>
+                    <a:ext uri="{FF2B5EF4-FFF2-40B4-BE49-F238E27FC236}">
+                      <a16:creationId xmlns:a16="http://schemas.microsoft.com/office/drawing/2014/main" id="{674510E1-A93D-4A3A-94C9-F1A0DD6A0845}"/>
+                    </a:ext>
+                  </a:extLst>
+                </p:cNvPr>
+                <p:cNvSpPr txBox="1">
+                  <a:spLocks noRot="1" noChangeAspect="1" noMove="1" noResize="1" noEditPoints="1" noAdjustHandles="1" noChangeArrowheads="1" noChangeShapeType="1" noTextEdit="1"/>
+                </p:cNvSpPr>
+                <p:nvPr/>
+              </p:nvSpPr>
+              <p:spPr>
+                <a:xfrm>
+                  <a:off x="9969500" y="4380954"/>
+                  <a:ext cx="1231900" cy="369332"/>
+                </a:xfrm>
+                <a:prstGeom prst="rect">
+                  <a:avLst/>
+                </a:prstGeom>
+                <a:blipFill>
+                  <a:blip r:embed="rId14"/>
+                  <a:stretch>
+                    <a:fillRect/>
+                  </a:stretch>
+                </a:blipFill>
+              </p:spPr>
+              <p:txBody>
+                <a:bodyPr/>
+                <a:lstStyle/>
+                <a:p>
+                  <a:r>
+                    <a:rPr lang="en-US">
+                      <a:noFill/>
+                    </a:rPr>
+                    <a:t> </a:t>
+                  </a:r>
+                </a:p>
+              </p:txBody>
+            </p:sp>
+          </mc:Fallback>
+        </mc:AlternateContent>
+        <p:cxnSp>
+          <p:nvCxnSpPr>
+            <p:cNvPr id="15" name="Straight Arrow Connector 14">
+              <a:extLst>
+                <a:ext uri="{FF2B5EF4-FFF2-40B4-BE49-F238E27FC236}">
+                  <a16:creationId xmlns:a16="http://schemas.microsoft.com/office/drawing/2014/main" id="{43E9140F-8A35-41C8-BAA3-86891CBF5B38}"/>
+                </a:ext>
+                <a:ext uri="{C183D7F6-B498-43B3-948B-1728B52AA6E4}">
+                  <adec:decorative xmlns:adec="http://schemas.microsoft.com/office/drawing/2017/decorative" val="1"/>
+                </a:ext>
+              </a:extLst>
+            </p:cNvPr>
+            <p:cNvCxnSpPr>
+              <a:cxnSpLocks/>
+            </p:cNvCxnSpPr>
+            <p:nvPr/>
+          </p:nvCxnSpPr>
+          <p:spPr>
+            <a:xfrm>
+              <a:off x="9753600" y="4876800"/>
+              <a:ext cx="121284" cy="382730"/>
+            </a:xfrm>
+            <a:prstGeom prst="straightConnector1">
+              <a:avLst/>
+            </a:prstGeom>
+            <a:ln>
+              <a:tailEnd type="triangle" w="lg" len="lg"/>
+            </a:ln>
+          </p:spPr>
+          <p:style>
+            <a:lnRef idx="3">
+              <a:schemeClr val="accent2"/>
+            </a:lnRef>
+            <a:fillRef idx="0">
+              <a:schemeClr val="accent2"/>
+            </a:fillRef>
+            <a:effectRef idx="2">
+              <a:schemeClr val="accent2"/>
+            </a:effectRef>
+            <a:fontRef idx="minor">
+              <a:schemeClr val="tx1"/>
+            </a:fontRef>
+          </p:style>
+        </p:cxnSp>
+        <mc:AlternateContent xmlns:mc="http://schemas.openxmlformats.org/markup-compatibility/2006">
+          <mc:Choice xmlns:a14="http://schemas.microsoft.com/office/drawing/2010/main" Requires="a14">
+            <p:sp>
+              <p:nvSpPr>
+                <p:cNvPr id="18" name="TextBox 17">
+                  <a:extLst>
+                    <a:ext uri="{FF2B5EF4-FFF2-40B4-BE49-F238E27FC236}">
+                      <a16:creationId xmlns:a16="http://schemas.microsoft.com/office/drawing/2014/main" id="{A4845CDE-4E80-4AFF-96A8-82E8D266E357}"/>
+                    </a:ext>
+                  </a:extLst>
+                </p:cNvPr>
+                <p:cNvSpPr txBox="1"/>
+                <p:nvPr/>
+              </p:nvSpPr>
+              <p:spPr>
+                <a:xfrm>
+                  <a:off x="9296400" y="4586221"/>
+                  <a:ext cx="609600" cy="369332"/>
+                </a:xfrm>
+                <a:prstGeom prst="rect">
+                  <a:avLst/>
+                </a:prstGeom>
+                <a:noFill/>
+              </p:spPr>
+              <p:txBody>
+                <a:bodyPr wrap="square">
+                  <a:spAutoFit/>
+                </a:bodyPr>
+                <a:lstStyle/>
+                <a:p>
+                  <a:pPr/>
+                  <a14:m>
+                    <m:oMathPara xmlns:m="http://schemas.openxmlformats.org/officeDocument/2006/math">
+                      <m:oMathParaPr>
+                        <m:jc m:val="centerGroup"/>
+                      </m:oMathParaPr>
+                      <m:oMath xmlns:m="http://schemas.openxmlformats.org/officeDocument/2006/math">
+                        <m:r>
+                          <a:rPr lang="en-US" b="1" i="1" smtClean="0">
+                            <a:latin typeface="Cambria Math" panose="02040503050406030204" pitchFamily="18" charset="0"/>
+                          </a:rPr>
+                          <m:t>𝒘</m:t>
+                        </m:r>
+                      </m:oMath>
+                    </m:oMathPara>
+                  </a14:m>
+                  <a:endParaRPr lang="en-US" dirty="0"/>
+                </a:p>
+              </p:txBody>
+            </p:sp>
+          </mc:Choice>
+          <mc:Fallback>
+            <p:sp>
+              <p:nvSpPr>
+                <p:cNvPr id="18" name="TextBox 17">
+                  <a:extLst>
+                    <a:ext uri="{FF2B5EF4-FFF2-40B4-BE49-F238E27FC236}">
+                      <a16:creationId xmlns:a16="http://schemas.microsoft.com/office/drawing/2014/main" id="{A4845CDE-4E80-4AFF-96A8-82E8D266E357}"/>
+                    </a:ext>
+                  </a:extLst>
+                </p:cNvPr>
+                <p:cNvSpPr txBox="1">
+                  <a:spLocks noRot="1" noChangeAspect="1" noMove="1" noResize="1" noEditPoints="1" noAdjustHandles="1" noChangeArrowheads="1" noChangeShapeType="1" noTextEdit="1"/>
+                </p:cNvSpPr>
+                <p:nvPr/>
+              </p:nvSpPr>
+              <p:spPr>
+                <a:xfrm>
+                  <a:off x="9296400" y="4586221"/>
+                  <a:ext cx="609600" cy="369332"/>
+                </a:xfrm>
+                <a:prstGeom prst="rect">
+                  <a:avLst/>
+                </a:prstGeom>
+                <a:blipFill>
+                  <a:blip r:embed="rId15"/>
+                  <a:stretch>
+                    <a:fillRect/>
+                  </a:stretch>
+                </a:blipFill>
+              </p:spPr>
+              <p:txBody>
+                <a:bodyPr/>
+                <a:lstStyle/>
+                <a:p>
+                  <a:r>
+                    <a:rPr lang="en-US">
+                      <a:noFill/>
+                    </a:rPr>
+                    <a:t> </a:t>
+                  </a:r>
+                </a:p>
+              </p:txBody>
+            </p:sp>
+          </mc:Fallback>
+        </mc:AlternateContent>
+        <p:sp>
+          <p:nvSpPr>
+            <p:cNvPr id="19" name="Oval 18">
+              <a:extLst>
+                <a:ext uri="{FF2B5EF4-FFF2-40B4-BE49-F238E27FC236}">
+                  <a16:creationId xmlns:a16="http://schemas.microsoft.com/office/drawing/2014/main" id="{C2A8E63D-95B9-4405-A60E-26D6C5A48857}"/>
+                </a:ext>
+              </a:extLst>
+            </p:cNvPr>
+            <p:cNvSpPr/>
+            <p:nvPr/>
+          </p:nvSpPr>
+          <p:spPr>
+            <a:xfrm>
+              <a:off x="9730740" y="4820279"/>
+              <a:ext cx="45719" cy="53787"/>
+            </a:xfrm>
+            <a:prstGeom prst="ellipse">
+              <a:avLst/>
+            </a:prstGeom>
+          </p:spPr>
+          <p:style>
+            <a:lnRef idx="2">
+              <a:schemeClr val="dk1">
+                <a:shade val="50000"/>
+              </a:schemeClr>
+            </a:lnRef>
+            <a:fillRef idx="1">
+              <a:schemeClr val="dk1"/>
+            </a:fillRef>
+            <a:effectRef idx="0">
+              <a:schemeClr val="dk1"/>
+            </a:effectRef>
+            <a:fontRef idx="minor">
+              <a:schemeClr val="lt1"/>
+            </a:fontRef>
+          </p:style>
+          <p:txBody>
+            <a:bodyPr rtlCol="0" anchor="ctr"/>
+            <a:lstStyle/>
+            <a:p>
+              <a:pPr algn="ctr"/>
+              <a:endParaRPr lang="en-US"/>
+            </a:p>
+          </p:txBody>
+        </p:sp>
+        <p:cxnSp>
+          <p:nvCxnSpPr>
+            <p:cNvPr id="21" name="Straight Connector 20">
+              <a:extLst>
+                <a:ext uri="{FF2B5EF4-FFF2-40B4-BE49-F238E27FC236}">
+                  <a16:creationId xmlns:a16="http://schemas.microsoft.com/office/drawing/2014/main" id="{EB15E0E4-DDA3-48B5-A02F-888000E1036E}"/>
+                </a:ext>
+              </a:extLst>
+            </p:cNvPr>
+            <p:cNvCxnSpPr>
+              <a:cxnSpLocks/>
+            </p:cNvCxnSpPr>
+            <p:nvPr/>
+          </p:nvCxnSpPr>
+          <p:spPr>
+            <a:xfrm flipH="1">
+              <a:off x="9906000" y="4692134"/>
+              <a:ext cx="304800" cy="263419"/>
+            </a:xfrm>
+            <a:prstGeom prst="line">
+              <a:avLst/>
+            </a:prstGeom>
+          </p:spPr>
+          <p:style>
+            <a:lnRef idx="3">
+              <a:schemeClr val="accent6"/>
+            </a:lnRef>
+            <a:fillRef idx="0">
+              <a:schemeClr val="accent6"/>
+            </a:fillRef>
+            <a:effectRef idx="2">
+              <a:schemeClr val="accent6"/>
+            </a:effectRef>
+            <a:fontRef idx="minor">
+              <a:schemeClr val="tx1"/>
+            </a:fontRef>
+          </p:style>
+        </p:cxnSp>
+      </p:grpSp>
     </p:spTree>
     <p:extLst>
       <p:ext uri="{BB962C8B-B14F-4D97-AF65-F5344CB8AC3E}">
@@ -33180,7 +34747,7 @@
 </p:sld>
 </file>
 
-<file path=ppt/slides/slide28.xml><?xml version="1.0" encoding="utf-8"?>
+<file path=ppt/slides/slide29.xml><?xml version="1.0" encoding="utf-8"?>
 <p:sld xmlns:a="http://schemas.openxmlformats.org/drawingml/2006/main" xmlns:r="http://schemas.openxmlformats.org/officeDocument/2006/relationships" xmlns:p="http://schemas.openxmlformats.org/presentationml/2006/main">
   <p:cSld>
     <p:spTree>
@@ -34344,7 +35911,222 @@
 </p:sld>
 </file>
 
-<file path=ppt/slides/slide29.xml><?xml version="1.0" encoding="utf-8"?>
+<file path=ppt/slides/slide3.xml><?xml version="1.0" encoding="utf-8"?>
+<p:sld xmlns:a="http://schemas.openxmlformats.org/drawingml/2006/main" xmlns:r="http://schemas.openxmlformats.org/officeDocument/2006/relationships" xmlns:p="http://schemas.openxmlformats.org/presentationml/2006/main">
+  <p:cSld>
+    <p:spTree>
+      <p:nvGrpSpPr>
+        <p:cNvPr id="1" name="">
+          <a:extLst>
+            <a:ext uri="{FF2B5EF4-FFF2-40B4-BE49-F238E27FC236}">
+              <a16:creationId xmlns:a16="http://schemas.microsoft.com/office/drawing/2014/main" id="{BB24A43D-93C1-ABD3-A2E5-40B73B6ECC06}"/>
+            </a:ext>
+          </a:extLst>
+        </p:cNvPr>
+        <p:cNvGrpSpPr/>
+        <p:nvPr/>
+      </p:nvGrpSpPr>
+      <p:grpSpPr>
+        <a:xfrm>
+          <a:off x="0" y="0"/>
+          <a:ext cx="0" cy="0"/>
+          <a:chOff x="0" y="0"/>
+          <a:chExt cx="0" cy="0"/>
+        </a:xfrm>
+      </p:grpSpPr>
+      <p:sp>
+        <p:nvSpPr>
+          <p:cNvPr id="2" name="Title 1">
+            <a:extLst>
+              <a:ext uri="{FF2B5EF4-FFF2-40B4-BE49-F238E27FC236}">
+                <a16:creationId xmlns:a16="http://schemas.microsoft.com/office/drawing/2014/main" id="{EB85A4B6-D7DC-5913-84F9-79DC02BD043E}"/>
+              </a:ext>
+            </a:extLst>
+          </p:cNvPr>
+          <p:cNvSpPr>
+            <a:spLocks noGrp="1"/>
+          </p:cNvSpPr>
+          <p:nvPr>
+            <p:ph type="title"/>
+          </p:nvPr>
+        </p:nvSpPr>
+        <p:spPr>
+          <a:xfrm>
+            <a:off x="477981" y="1122363"/>
+            <a:ext cx="4023360" cy="3204134"/>
+          </a:xfrm>
+        </p:spPr>
+        <p:txBody>
+          <a:bodyPr vert="horz" lIns="91440" tIns="45720" rIns="91440" bIns="45720" rtlCol="0" anchor="b">
+            <a:normAutofit/>
+          </a:bodyPr>
+          <a:lstStyle/>
+          <a:p>
+            <a:r>
+              <a:rPr lang="en-US" sz="4800"/>
+              <a:t>ML</a:t>
+            </a:r>
+            <a:r>
+              <a:rPr lang="en-US" sz="4800" kern="1200">
+                <a:solidFill>
+                  <a:schemeClr val="tx1"/>
+                </a:solidFill>
+                <a:latin typeface="+mj-lt"/>
+                <a:ea typeface="+mj-ea"/>
+                <a:cs typeface="+mj-cs"/>
+              </a:rPr>
+              <a:t> and Agents</a:t>
+            </a:r>
+            <a:endParaRPr lang="en-US" sz="4800" kern="1200" dirty="0">
+              <a:solidFill>
+                <a:schemeClr val="tx1"/>
+              </a:solidFill>
+              <a:latin typeface="+mj-lt"/>
+              <a:ea typeface="+mj-ea"/>
+              <a:cs typeface="+mj-cs"/>
+            </a:endParaRPr>
+          </a:p>
+        </p:txBody>
+      </p:sp>
+      <p:sp>
+        <p:nvSpPr>
+          <p:cNvPr id="3" name="Text Placeholder 2">
+            <a:extLst>
+              <a:ext uri="{FF2B5EF4-FFF2-40B4-BE49-F238E27FC236}">
+                <a16:creationId xmlns:a16="http://schemas.microsoft.com/office/drawing/2014/main" id="{AC2AF3E4-DA27-99F4-6A0C-36ED5861B6FE}"/>
+              </a:ext>
+            </a:extLst>
+          </p:cNvPr>
+          <p:cNvSpPr>
+            <a:spLocks noGrp="1"/>
+          </p:cNvSpPr>
+          <p:nvPr>
+            <p:ph type="body" idx="1"/>
+          </p:nvPr>
+        </p:nvSpPr>
+        <p:spPr>
+          <a:xfrm>
+            <a:off x="477981" y="4872922"/>
+            <a:ext cx="3933306" cy="1208141"/>
+          </a:xfrm>
+        </p:spPr>
+        <p:txBody>
+          <a:bodyPr vert="horz" lIns="91440" tIns="45720" rIns="91440" bIns="45720" rtlCol="0">
+            <a:normAutofit/>
+          </a:bodyPr>
+          <a:lstStyle/>
+          <a:p>
+            <a:endParaRPr lang="en-US" sz="2000" kern="1200">
+              <a:solidFill>
+                <a:schemeClr val="tx1"/>
+              </a:solidFill>
+              <a:latin typeface="+mn-lt"/>
+              <a:ea typeface="+mn-ea"/>
+              <a:cs typeface="+mn-cs"/>
+            </a:endParaRPr>
+          </a:p>
+        </p:txBody>
+      </p:sp>
+      <p:sp>
+        <p:nvSpPr>
+          <p:cNvPr id="7" name="TextBox 6">
+            <a:extLst>
+              <a:ext uri="{FF2B5EF4-FFF2-40B4-BE49-F238E27FC236}">
+                <a16:creationId xmlns:a16="http://schemas.microsoft.com/office/drawing/2014/main" id="{192FDFC1-1E91-863C-60E8-089AC78538B5}"/>
+              </a:ext>
+            </a:extLst>
+          </p:cNvPr>
+          <p:cNvSpPr txBox="1"/>
+          <p:nvPr/>
+        </p:nvSpPr>
+        <p:spPr>
+          <a:xfrm>
+            <a:off x="5715000" y="6081063"/>
+            <a:ext cx="5562600" cy="523220"/>
+          </a:xfrm>
+          <a:prstGeom prst="rect">
+            <a:avLst/>
+          </a:prstGeom>
+          <a:noFill/>
+        </p:spPr>
+        <p:txBody>
+          <a:bodyPr wrap="square" rtlCol="0">
+            <a:spAutoFit/>
+          </a:bodyPr>
+          <a:lstStyle/>
+          <a:p>
+            <a:pPr algn="ctr"/>
+            <a:r>
+              <a:rPr lang="en-US" sz="1400" dirty="0"/>
+              <a:t>DeepAi.org with prompt: “A happy cartoon robot with an artificial neural network for a brain on white background learning to play chess”</a:t>
+            </a:r>
+          </a:p>
+        </p:txBody>
+      </p:sp>
+      <p:pic>
+        <p:nvPicPr>
+          <p:cNvPr id="1034" name="Picture 10">
+            <a:extLst>
+              <a:ext uri="{FF2B5EF4-FFF2-40B4-BE49-F238E27FC236}">
+                <a16:creationId xmlns:a16="http://schemas.microsoft.com/office/drawing/2014/main" id="{0B3B5D91-7A9D-DC31-1696-410760A5AF47}"/>
+              </a:ext>
+              <a:ext uri="{C183D7F6-B498-43B3-948B-1728B52AA6E4}">
+                <adec:decorative xmlns:adec="http://schemas.microsoft.com/office/drawing/2017/decorative" val="1"/>
+              </a:ext>
+            </a:extLst>
+          </p:cNvPr>
+          <p:cNvPicPr>
+            <a:picLocks noChangeAspect="1" noChangeArrowheads="1"/>
+          </p:cNvPicPr>
+          <p:nvPr/>
+        </p:nvPicPr>
+        <p:blipFill>
+          <a:blip r:embed="rId2">
+            <a:extLst>
+              <a:ext uri="{28A0092B-C50C-407E-A947-70E740481C1C}">
+                <a14:useLocalDpi xmlns:a14="http://schemas.microsoft.com/office/drawing/2010/main" val="0"/>
+              </a:ext>
+            </a:extLst>
+          </a:blip>
+          <a:srcRect/>
+          <a:stretch>
+            <a:fillRect/>
+          </a:stretch>
+        </p:blipFill>
+        <p:spPr bwMode="auto">
+          <a:xfrm>
+            <a:off x="5524500" y="172099"/>
+            <a:ext cx="5943600" cy="5943600"/>
+          </a:xfrm>
+          <a:prstGeom prst="rect">
+            <a:avLst/>
+          </a:prstGeom>
+          <a:noFill/>
+          <a:extLst>
+            <a:ext uri="{909E8E84-426E-40DD-AFC4-6F175D3DCCD1}">
+              <a14:hiddenFill xmlns:a14="http://schemas.microsoft.com/office/drawing/2010/main">
+                <a:solidFill>
+                  <a:srgbClr val="FFFFFF"/>
+                </a:solidFill>
+              </a14:hiddenFill>
+            </a:ext>
+          </a:extLst>
+        </p:spPr>
+      </p:pic>
+    </p:spTree>
+    <p:extLst>
+      <p:ext uri="{BB962C8B-B14F-4D97-AF65-F5344CB8AC3E}">
+        <p14:creationId xmlns:p14="http://schemas.microsoft.com/office/powerpoint/2010/main" val="2256691729"/>
+      </p:ext>
+    </p:extLst>
+  </p:cSld>
+  <p:clrMapOvr>
+    <a:masterClrMapping/>
+  </p:clrMapOvr>
+</p:sld>
+</file>
+
+<file path=ppt/slides/slide30.xml><?xml version="1.0" encoding="utf-8"?>
 <p:sld xmlns:a="http://schemas.openxmlformats.org/drawingml/2006/main" xmlns:r="http://schemas.openxmlformats.org/officeDocument/2006/relationships" xmlns:p="http://schemas.openxmlformats.org/presentationml/2006/main">
   <p:cSld>
     <p:spTree>
@@ -34688,7 +36470,7 @@
       </mc:AlternateContent>
       <p:pic>
         <p:nvPicPr>
-          <p:cNvPr id="4" name="Picture 3">
+          <p:cNvPr id="4" name="Picture 3" descr="A figure of a decision tree that uses features to make decisions.">
             <a:extLst>
               <a:ext uri="{FF2B5EF4-FFF2-40B4-BE49-F238E27FC236}">
                 <a16:creationId xmlns:a16="http://schemas.microsoft.com/office/drawing/2014/main" id="{8D583EB2-DC15-4FC7-A937-BB763C202858}"/>
@@ -34722,6 +36504,9 @@
             <a:extLst>
               <a:ext uri="{FF2B5EF4-FFF2-40B4-BE49-F238E27FC236}">
                 <a16:creationId xmlns:a16="http://schemas.microsoft.com/office/drawing/2014/main" id="{5712887C-9340-49EA-9D3A-B6C32689071C}"/>
+              </a:ext>
+              <a:ext uri="{C183D7F6-B498-43B3-948B-1728B52AA6E4}">
+                <adec:decorative xmlns:adec="http://schemas.microsoft.com/office/drawing/2017/decorative" val="1"/>
               </a:ext>
             </a:extLst>
           </p:cNvPr>
@@ -35031,219 +36816,7 @@
 </p:sld>
 </file>
 
-<file path=ppt/slides/slide3.xml><?xml version="1.0" encoding="utf-8"?>
-<p:sld xmlns:a="http://schemas.openxmlformats.org/drawingml/2006/main" xmlns:r="http://schemas.openxmlformats.org/officeDocument/2006/relationships" xmlns:p="http://schemas.openxmlformats.org/presentationml/2006/main">
-  <p:cSld>
-    <p:spTree>
-      <p:nvGrpSpPr>
-        <p:cNvPr id="1" name="">
-          <a:extLst>
-            <a:ext uri="{FF2B5EF4-FFF2-40B4-BE49-F238E27FC236}">
-              <a16:creationId xmlns:a16="http://schemas.microsoft.com/office/drawing/2014/main" id="{BB24A43D-93C1-ABD3-A2E5-40B73B6ECC06}"/>
-            </a:ext>
-          </a:extLst>
-        </p:cNvPr>
-        <p:cNvGrpSpPr/>
-        <p:nvPr/>
-      </p:nvGrpSpPr>
-      <p:grpSpPr>
-        <a:xfrm>
-          <a:off x="0" y="0"/>
-          <a:ext cx="0" cy="0"/>
-          <a:chOff x="0" y="0"/>
-          <a:chExt cx="0" cy="0"/>
-        </a:xfrm>
-      </p:grpSpPr>
-      <p:sp>
-        <p:nvSpPr>
-          <p:cNvPr id="2" name="Title 1">
-            <a:extLst>
-              <a:ext uri="{FF2B5EF4-FFF2-40B4-BE49-F238E27FC236}">
-                <a16:creationId xmlns:a16="http://schemas.microsoft.com/office/drawing/2014/main" id="{EB85A4B6-D7DC-5913-84F9-79DC02BD043E}"/>
-              </a:ext>
-            </a:extLst>
-          </p:cNvPr>
-          <p:cNvSpPr>
-            <a:spLocks noGrp="1"/>
-          </p:cNvSpPr>
-          <p:nvPr>
-            <p:ph type="title"/>
-          </p:nvPr>
-        </p:nvSpPr>
-        <p:spPr>
-          <a:xfrm>
-            <a:off x="477981" y="1122363"/>
-            <a:ext cx="4023360" cy="3204134"/>
-          </a:xfrm>
-        </p:spPr>
-        <p:txBody>
-          <a:bodyPr vert="horz" lIns="91440" tIns="45720" rIns="91440" bIns="45720" rtlCol="0" anchor="b">
-            <a:normAutofit/>
-          </a:bodyPr>
-          <a:lstStyle/>
-          <a:p>
-            <a:r>
-              <a:rPr lang="en-US" sz="4800"/>
-              <a:t>ML</a:t>
-            </a:r>
-            <a:r>
-              <a:rPr lang="en-US" sz="4800" kern="1200">
-                <a:solidFill>
-                  <a:schemeClr val="tx1"/>
-                </a:solidFill>
-                <a:latin typeface="+mj-lt"/>
-                <a:ea typeface="+mj-ea"/>
-                <a:cs typeface="+mj-cs"/>
-              </a:rPr>
-              <a:t> and Agents</a:t>
-            </a:r>
-            <a:endParaRPr lang="en-US" sz="4800" kern="1200" dirty="0">
-              <a:solidFill>
-                <a:schemeClr val="tx1"/>
-              </a:solidFill>
-              <a:latin typeface="+mj-lt"/>
-              <a:ea typeface="+mj-ea"/>
-              <a:cs typeface="+mj-cs"/>
-            </a:endParaRPr>
-          </a:p>
-        </p:txBody>
-      </p:sp>
-      <p:sp>
-        <p:nvSpPr>
-          <p:cNvPr id="3" name="Text Placeholder 2">
-            <a:extLst>
-              <a:ext uri="{FF2B5EF4-FFF2-40B4-BE49-F238E27FC236}">
-                <a16:creationId xmlns:a16="http://schemas.microsoft.com/office/drawing/2014/main" id="{AC2AF3E4-DA27-99F4-6A0C-36ED5861B6FE}"/>
-              </a:ext>
-            </a:extLst>
-          </p:cNvPr>
-          <p:cNvSpPr>
-            <a:spLocks noGrp="1"/>
-          </p:cNvSpPr>
-          <p:nvPr>
-            <p:ph type="body" idx="1"/>
-          </p:nvPr>
-        </p:nvSpPr>
-        <p:spPr>
-          <a:xfrm>
-            <a:off x="477981" y="4872922"/>
-            <a:ext cx="3933306" cy="1208141"/>
-          </a:xfrm>
-        </p:spPr>
-        <p:txBody>
-          <a:bodyPr vert="horz" lIns="91440" tIns="45720" rIns="91440" bIns="45720" rtlCol="0">
-            <a:normAutofit/>
-          </a:bodyPr>
-          <a:lstStyle/>
-          <a:p>
-            <a:endParaRPr lang="en-US" sz="2000" kern="1200">
-              <a:solidFill>
-                <a:schemeClr val="tx1"/>
-              </a:solidFill>
-              <a:latin typeface="+mn-lt"/>
-              <a:ea typeface="+mn-ea"/>
-              <a:cs typeface="+mn-cs"/>
-            </a:endParaRPr>
-          </a:p>
-        </p:txBody>
-      </p:sp>
-      <p:sp>
-        <p:nvSpPr>
-          <p:cNvPr id="7" name="TextBox 6">
-            <a:extLst>
-              <a:ext uri="{FF2B5EF4-FFF2-40B4-BE49-F238E27FC236}">
-                <a16:creationId xmlns:a16="http://schemas.microsoft.com/office/drawing/2014/main" id="{192FDFC1-1E91-863C-60E8-089AC78538B5}"/>
-              </a:ext>
-            </a:extLst>
-          </p:cNvPr>
-          <p:cNvSpPr txBox="1"/>
-          <p:nvPr/>
-        </p:nvSpPr>
-        <p:spPr>
-          <a:xfrm>
-            <a:off x="5715000" y="6081063"/>
-            <a:ext cx="5562600" cy="523220"/>
-          </a:xfrm>
-          <a:prstGeom prst="rect">
-            <a:avLst/>
-          </a:prstGeom>
-          <a:noFill/>
-        </p:spPr>
-        <p:txBody>
-          <a:bodyPr wrap="square" rtlCol="0">
-            <a:spAutoFit/>
-          </a:bodyPr>
-          <a:lstStyle/>
-          <a:p>
-            <a:pPr algn="ctr"/>
-            <a:r>
-              <a:rPr lang="en-US" sz="1400" dirty="0"/>
-              <a:t>DeepAi.org with prompt: “A happy cartoon robot with an artificial neural network for a brain on white background learning to play chess”</a:t>
-            </a:r>
-          </a:p>
-        </p:txBody>
-      </p:sp>
-      <p:pic>
-        <p:nvPicPr>
-          <p:cNvPr id="1034" name="Picture 10">
-            <a:extLst>
-              <a:ext uri="{FF2B5EF4-FFF2-40B4-BE49-F238E27FC236}">
-                <a16:creationId xmlns:a16="http://schemas.microsoft.com/office/drawing/2014/main" id="{0B3B5D91-7A9D-DC31-1696-410760A5AF47}"/>
-              </a:ext>
-            </a:extLst>
-          </p:cNvPr>
-          <p:cNvPicPr>
-            <a:picLocks noChangeAspect="1" noChangeArrowheads="1"/>
-          </p:cNvPicPr>
-          <p:nvPr/>
-        </p:nvPicPr>
-        <p:blipFill>
-          <a:blip r:embed="rId2">
-            <a:extLst>
-              <a:ext uri="{28A0092B-C50C-407E-A947-70E740481C1C}">
-                <a14:useLocalDpi xmlns:a14="http://schemas.microsoft.com/office/drawing/2010/main" val="0"/>
-              </a:ext>
-            </a:extLst>
-          </a:blip>
-          <a:srcRect/>
-          <a:stretch>
-            <a:fillRect/>
-          </a:stretch>
-        </p:blipFill>
-        <p:spPr bwMode="auto">
-          <a:xfrm>
-            <a:off x="5524500" y="172099"/>
-            <a:ext cx="5943600" cy="5943600"/>
-          </a:xfrm>
-          <a:prstGeom prst="rect">
-            <a:avLst/>
-          </a:prstGeom>
-          <a:noFill/>
-          <a:extLst>
-            <a:ext uri="{909E8E84-426E-40DD-AFC4-6F175D3DCCD1}">
-              <a14:hiddenFill xmlns:a14="http://schemas.microsoft.com/office/drawing/2010/main">
-                <a:solidFill>
-                  <a:srgbClr val="FFFFFF"/>
-                </a:solidFill>
-              </a14:hiddenFill>
-            </a:ext>
-          </a:extLst>
-        </p:spPr>
-      </p:pic>
-    </p:spTree>
-    <p:extLst>
-      <p:ext uri="{BB962C8B-B14F-4D97-AF65-F5344CB8AC3E}">
-        <p14:creationId xmlns:p14="http://schemas.microsoft.com/office/powerpoint/2010/main" val="2256691729"/>
-      </p:ext>
-    </p:extLst>
-  </p:cSld>
-  <p:clrMapOvr>
-    <a:masterClrMapping/>
-  </p:clrMapOvr>
-</p:sld>
-</file>
-
-<file path=ppt/slides/slide30.xml><?xml version="1.0" encoding="utf-8"?>
+<file path=ppt/slides/slide31.xml><?xml version="1.0" encoding="utf-8"?>
 <p:sld xmlns:a="http://schemas.openxmlformats.org/drawingml/2006/main" xmlns:r="http://schemas.openxmlformats.org/officeDocument/2006/relationships" xmlns:p="http://schemas.openxmlformats.org/presentationml/2006/main">
   <p:cSld>
     <p:spTree>
@@ -35583,6 +37156,9 @@
               <a:ext uri="{FF2B5EF4-FFF2-40B4-BE49-F238E27FC236}">
                 <a16:creationId xmlns:a16="http://schemas.microsoft.com/office/drawing/2014/main" id="{6C44BE1D-B926-4089-8E89-446CBA16D027}"/>
               </a:ext>
+              <a:ext uri="{C183D7F6-B498-43B3-948B-1728B52AA6E4}">
+                <adec:decorative xmlns:adec="http://schemas.microsoft.com/office/drawing/2017/decorative" val="1"/>
+              </a:ext>
             </a:extLst>
           </p:cNvPr>
           <p:cNvPicPr>
@@ -35891,7 +37467,7 @@
 </p:sld>
 </file>
 
-<file path=ppt/slides/slide31.xml><?xml version="1.0" encoding="utf-8"?>
+<file path=ppt/slides/slide32.xml><?xml version="1.0" encoding="utf-8"?>
 <p:sld xmlns:a="http://schemas.openxmlformats.org/drawingml/2006/main" xmlns:r="http://schemas.openxmlformats.org/officeDocument/2006/relationships" xmlns:p="http://schemas.openxmlformats.org/presentationml/2006/main">
   <p:cSld>
     <p:spTree>
@@ -35985,224 +37561,251 @@
           </a:p>
         </p:txBody>
       </p:sp>
-      <p:pic>
-        <p:nvPicPr>
-          <p:cNvPr id="4" name="Picture 3">
+      <p:grpSp>
+        <p:nvGrpSpPr>
+          <p:cNvPr id="5" name="Group 4">
             <a:extLst>
               <a:ext uri="{FF2B5EF4-FFF2-40B4-BE49-F238E27FC236}">
-                <a16:creationId xmlns:a16="http://schemas.microsoft.com/office/drawing/2014/main" id="{989E3C8D-26ED-4587-9061-8225A32F4613}"/>
+                <a16:creationId xmlns:a16="http://schemas.microsoft.com/office/drawing/2014/main" id="{589EE94F-62F4-0910-6F3B-7FDCD9500AEE}"/>
+              </a:ext>
+              <a:ext uri="{C183D7F6-B498-43B3-948B-1728B52AA6E4}">
+                <adec:decorative xmlns:adec="http://schemas.microsoft.com/office/drawing/2017/decorative" val="1"/>
               </a:ext>
             </a:extLst>
           </p:cNvPr>
-          <p:cNvPicPr>
-            <a:picLocks noChangeAspect="1"/>
-          </p:cNvPicPr>
+          <p:cNvGrpSpPr/>
           <p:nvPr/>
-        </p:nvPicPr>
-        <p:blipFill>
-          <a:blip r:embed="rId2"/>
-          <a:stretch>
-            <a:fillRect/>
-          </a:stretch>
-        </p:blipFill>
-        <p:spPr>
+        </p:nvGrpSpPr>
+        <p:grpSpPr>
           <a:xfrm>
             <a:off x="2822407" y="1524000"/>
-            <a:ext cx="6547186" cy="3092609"/>
+            <a:ext cx="7159793" cy="3389531"/>
+            <a:chOff x="2822407" y="1524000"/>
+            <a:chExt cx="7159793" cy="3389531"/>
           </a:xfrm>
-          <a:prstGeom prst="rect">
-            <a:avLst/>
-          </a:prstGeom>
-        </p:spPr>
-      </p:pic>
-      <p:cxnSp>
-        <p:nvCxnSpPr>
-          <p:cNvPr id="6" name="Straight Connector 5">
-            <a:extLst>
-              <a:ext uri="{FF2B5EF4-FFF2-40B4-BE49-F238E27FC236}">
-                <a16:creationId xmlns:a16="http://schemas.microsoft.com/office/drawing/2014/main" id="{BEC63F72-A75D-4C51-8E01-0780A7509E7B}"/>
-              </a:ext>
-            </a:extLst>
-          </p:cNvPr>
-          <p:cNvCxnSpPr/>
-          <p:nvPr/>
-        </p:nvCxnSpPr>
-        <p:spPr>
-          <a:xfrm flipV="1">
-            <a:off x="7543800" y="3276600"/>
-            <a:ext cx="228600" cy="228600"/>
-          </a:xfrm>
-          <a:prstGeom prst="line">
-            <a:avLst/>
-          </a:prstGeom>
-          <a:ln w="28575">
-            <a:headEnd type="arrow" w="med" len="med"/>
-            <a:tailEnd type="arrow" w="med" len="med"/>
-          </a:ln>
-        </p:spPr>
-        <p:style>
-          <a:lnRef idx="2">
-            <a:schemeClr val="accent6">
-              <a:shade val="50000"/>
-            </a:schemeClr>
-          </a:lnRef>
-          <a:fillRef idx="1">
-            <a:schemeClr val="accent6"/>
-          </a:fillRef>
-          <a:effectRef idx="0">
-            <a:schemeClr val="accent6"/>
-          </a:effectRef>
-          <a:fontRef idx="minor">
-            <a:schemeClr val="lt1"/>
-          </a:fontRef>
-        </p:style>
-      </p:cxnSp>
-      <p:sp>
-        <p:nvSpPr>
-          <p:cNvPr id="7" name="TextBox 6">
-            <a:extLst>
-              <a:ext uri="{FF2B5EF4-FFF2-40B4-BE49-F238E27FC236}">
-                <a16:creationId xmlns:a16="http://schemas.microsoft.com/office/drawing/2014/main" id="{5F65893B-1871-46E0-9FC6-B0AB3182650A}"/>
-              </a:ext>
-            </a:extLst>
-          </p:cNvPr>
-          <p:cNvSpPr txBox="1"/>
-          <p:nvPr/>
-        </p:nvSpPr>
-        <p:spPr>
-          <a:xfrm>
-            <a:off x="7848600" y="2963148"/>
-            <a:ext cx="914400" cy="381000"/>
-          </a:xfrm>
-          <a:prstGeom prst="rect">
-            <a:avLst/>
-          </a:prstGeom>
-        </p:spPr>
-        <p:style>
-          <a:lnRef idx="2">
-            <a:schemeClr val="accent6">
-              <a:shade val="50000"/>
-            </a:schemeClr>
-          </a:lnRef>
-          <a:fillRef idx="1">
-            <a:schemeClr val="accent6"/>
-          </a:fillRef>
-          <a:effectRef idx="0">
-            <a:schemeClr val="accent6"/>
-          </a:effectRef>
-          <a:fontRef idx="minor">
-            <a:schemeClr val="lt1"/>
-          </a:fontRef>
-        </p:style>
-        <p:txBody>
-          <a:bodyPr wrap="square" rtlCol="0">
-            <a:spAutoFit/>
-          </a:bodyPr>
-          <a:lstStyle/>
-          <a:p>
-            <a:pPr algn="ctr"/>
-            <a:r>
-              <a:rPr lang="en-US" dirty="0"/>
-              <a:t>Margin</a:t>
-            </a:r>
-          </a:p>
-        </p:txBody>
-      </p:sp>
-      <p:cxnSp>
-        <p:nvCxnSpPr>
-          <p:cNvPr id="9" name="Straight Arrow Connector 8">
-            <a:extLst>
-              <a:ext uri="{FF2B5EF4-FFF2-40B4-BE49-F238E27FC236}">
-                <a16:creationId xmlns:a16="http://schemas.microsoft.com/office/drawing/2014/main" id="{37357CC0-8EE6-4829-A5F8-8807046ADF94}"/>
-              </a:ext>
-            </a:extLst>
-          </p:cNvPr>
-          <p:cNvCxnSpPr>
-            <a:cxnSpLocks/>
-          </p:cNvCxnSpPr>
-          <p:nvPr/>
-        </p:nvCxnSpPr>
-        <p:spPr>
-          <a:xfrm flipH="1" flipV="1">
-            <a:off x="8305800" y="4024311"/>
-            <a:ext cx="612607" cy="381001"/>
-          </a:xfrm>
-          <a:prstGeom prst="straightConnector1">
-            <a:avLst/>
-          </a:prstGeom>
-          <a:ln w="28575">
-            <a:headEnd type="none" w="med" len="med"/>
-            <a:tailEnd type="arrow" w="med" len="med"/>
-          </a:ln>
-        </p:spPr>
-        <p:style>
-          <a:lnRef idx="2">
-            <a:schemeClr val="accent6">
-              <a:shade val="50000"/>
-            </a:schemeClr>
-          </a:lnRef>
-          <a:fillRef idx="1">
-            <a:schemeClr val="accent6"/>
-          </a:fillRef>
-          <a:effectRef idx="0">
-            <a:schemeClr val="accent6"/>
-          </a:effectRef>
-          <a:fontRef idx="minor">
-            <a:schemeClr val="lt1"/>
-          </a:fontRef>
-        </p:style>
-      </p:cxnSp>
-      <p:sp>
-        <p:nvSpPr>
-          <p:cNvPr id="10" name="TextBox 9">
-            <a:extLst>
-              <a:ext uri="{FF2B5EF4-FFF2-40B4-BE49-F238E27FC236}">
-                <a16:creationId xmlns:a16="http://schemas.microsoft.com/office/drawing/2014/main" id="{93C6BB77-7931-493F-A79F-DEBFF6D21390}"/>
-              </a:ext>
-            </a:extLst>
-          </p:cNvPr>
-          <p:cNvSpPr txBox="1"/>
-          <p:nvPr/>
-        </p:nvSpPr>
-        <p:spPr>
-          <a:xfrm>
-            <a:off x="8855580" y="4267200"/>
-            <a:ext cx="1126620" cy="646331"/>
-          </a:xfrm>
-          <a:prstGeom prst="rect">
-            <a:avLst/>
-          </a:prstGeom>
-        </p:spPr>
-        <p:style>
-          <a:lnRef idx="2">
-            <a:schemeClr val="accent6">
-              <a:shade val="50000"/>
-            </a:schemeClr>
-          </a:lnRef>
-          <a:fillRef idx="1">
-            <a:schemeClr val="accent6"/>
-          </a:fillRef>
-          <a:effectRef idx="0">
-            <a:schemeClr val="accent6"/>
-          </a:effectRef>
-          <a:fontRef idx="minor">
-            <a:schemeClr val="lt1"/>
-          </a:fontRef>
-        </p:style>
-        <p:txBody>
-          <a:bodyPr wrap="square" rtlCol="0">
-            <a:spAutoFit/>
-          </a:bodyPr>
-          <a:lstStyle/>
-          <a:p>
-            <a:pPr algn="ctr"/>
-            <a:r>
-              <a:rPr lang="en-US" dirty="0"/>
-              <a:t>Decision boundary </a:t>
-            </a:r>
-          </a:p>
-        </p:txBody>
-      </p:sp>
+        </p:grpSpPr>
+        <p:pic>
+          <p:nvPicPr>
+            <p:cNvPr id="4" name="Picture 3">
+              <a:extLst>
+                <a:ext uri="{FF2B5EF4-FFF2-40B4-BE49-F238E27FC236}">
+                  <a16:creationId xmlns:a16="http://schemas.microsoft.com/office/drawing/2014/main" id="{989E3C8D-26ED-4587-9061-8225A32F4613}"/>
+                </a:ext>
+                <a:ext uri="{C183D7F6-B498-43B3-948B-1728B52AA6E4}">
+                  <adec:decorative xmlns:adec="http://schemas.microsoft.com/office/drawing/2017/decorative" val="1"/>
+                </a:ext>
+              </a:extLst>
+            </p:cNvPr>
+            <p:cNvPicPr>
+              <a:picLocks noChangeAspect="1"/>
+            </p:cNvPicPr>
+            <p:nvPr/>
+          </p:nvPicPr>
+          <p:blipFill>
+            <a:blip r:embed="rId2"/>
+            <a:stretch>
+              <a:fillRect/>
+            </a:stretch>
+          </p:blipFill>
+          <p:spPr>
+            <a:xfrm>
+              <a:off x="2822407" y="1524000"/>
+              <a:ext cx="6547186" cy="3092609"/>
+            </a:xfrm>
+            <a:prstGeom prst="rect">
+              <a:avLst/>
+            </a:prstGeom>
+          </p:spPr>
+        </p:pic>
+        <p:cxnSp>
+          <p:nvCxnSpPr>
+            <p:cNvPr id="6" name="Straight Connector 5">
+              <a:extLst>
+                <a:ext uri="{FF2B5EF4-FFF2-40B4-BE49-F238E27FC236}">
+                  <a16:creationId xmlns:a16="http://schemas.microsoft.com/office/drawing/2014/main" id="{BEC63F72-A75D-4C51-8E01-0780A7509E7B}"/>
+                </a:ext>
+              </a:extLst>
+            </p:cNvPr>
+            <p:cNvCxnSpPr/>
+            <p:nvPr/>
+          </p:nvCxnSpPr>
+          <p:spPr>
+            <a:xfrm flipV="1">
+              <a:off x="7543800" y="3276600"/>
+              <a:ext cx="228600" cy="228600"/>
+            </a:xfrm>
+            <a:prstGeom prst="line">
+              <a:avLst/>
+            </a:prstGeom>
+            <a:ln w="28575">
+              <a:headEnd type="arrow" w="med" len="med"/>
+              <a:tailEnd type="arrow" w="med" len="med"/>
+            </a:ln>
+          </p:spPr>
+          <p:style>
+            <a:lnRef idx="2">
+              <a:schemeClr val="accent6">
+                <a:shade val="50000"/>
+              </a:schemeClr>
+            </a:lnRef>
+            <a:fillRef idx="1">
+              <a:schemeClr val="accent6"/>
+            </a:fillRef>
+            <a:effectRef idx="0">
+              <a:schemeClr val="accent6"/>
+            </a:effectRef>
+            <a:fontRef idx="minor">
+              <a:schemeClr val="lt1"/>
+            </a:fontRef>
+          </p:style>
+        </p:cxnSp>
+        <p:sp>
+          <p:nvSpPr>
+            <p:cNvPr id="7" name="TextBox 6">
+              <a:extLst>
+                <a:ext uri="{FF2B5EF4-FFF2-40B4-BE49-F238E27FC236}">
+                  <a16:creationId xmlns:a16="http://schemas.microsoft.com/office/drawing/2014/main" id="{5F65893B-1871-46E0-9FC6-B0AB3182650A}"/>
+                </a:ext>
+              </a:extLst>
+            </p:cNvPr>
+            <p:cNvSpPr txBox="1"/>
+            <p:nvPr/>
+          </p:nvSpPr>
+          <p:spPr>
+            <a:xfrm>
+              <a:off x="7848600" y="2963148"/>
+              <a:ext cx="914400" cy="381000"/>
+            </a:xfrm>
+            <a:prstGeom prst="rect">
+              <a:avLst/>
+            </a:prstGeom>
+          </p:spPr>
+          <p:style>
+            <a:lnRef idx="2">
+              <a:schemeClr val="accent6">
+                <a:shade val="50000"/>
+              </a:schemeClr>
+            </a:lnRef>
+            <a:fillRef idx="1">
+              <a:schemeClr val="accent6"/>
+            </a:fillRef>
+            <a:effectRef idx="0">
+              <a:schemeClr val="accent6"/>
+            </a:effectRef>
+            <a:fontRef idx="minor">
+              <a:schemeClr val="lt1"/>
+            </a:fontRef>
+          </p:style>
+          <p:txBody>
+            <a:bodyPr wrap="square" rtlCol="0">
+              <a:spAutoFit/>
+            </a:bodyPr>
+            <a:lstStyle/>
+            <a:p>
+              <a:pPr algn="ctr"/>
+              <a:r>
+                <a:rPr lang="en-US" dirty="0"/>
+                <a:t>Margin</a:t>
+              </a:r>
+            </a:p>
+          </p:txBody>
+        </p:sp>
+        <p:cxnSp>
+          <p:nvCxnSpPr>
+            <p:cNvPr id="9" name="Straight Arrow Connector 8">
+              <a:extLst>
+                <a:ext uri="{FF2B5EF4-FFF2-40B4-BE49-F238E27FC236}">
+                  <a16:creationId xmlns:a16="http://schemas.microsoft.com/office/drawing/2014/main" id="{37357CC0-8EE6-4829-A5F8-8807046ADF94}"/>
+                </a:ext>
+              </a:extLst>
+            </p:cNvPr>
+            <p:cNvCxnSpPr>
+              <a:cxnSpLocks/>
+            </p:cNvCxnSpPr>
+            <p:nvPr/>
+          </p:nvCxnSpPr>
+          <p:spPr>
+            <a:xfrm flipH="1" flipV="1">
+              <a:off x="8305800" y="4024311"/>
+              <a:ext cx="612607" cy="381001"/>
+            </a:xfrm>
+            <a:prstGeom prst="straightConnector1">
+              <a:avLst/>
+            </a:prstGeom>
+            <a:ln w="28575">
+              <a:headEnd type="none" w="med" len="med"/>
+              <a:tailEnd type="arrow" w="med" len="med"/>
+            </a:ln>
+          </p:spPr>
+          <p:style>
+            <a:lnRef idx="2">
+              <a:schemeClr val="accent6">
+                <a:shade val="50000"/>
+              </a:schemeClr>
+            </a:lnRef>
+            <a:fillRef idx="1">
+              <a:schemeClr val="accent6"/>
+            </a:fillRef>
+            <a:effectRef idx="0">
+              <a:schemeClr val="accent6"/>
+            </a:effectRef>
+            <a:fontRef idx="minor">
+              <a:schemeClr val="lt1"/>
+            </a:fontRef>
+          </p:style>
+        </p:cxnSp>
+        <p:sp>
+          <p:nvSpPr>
+            <p:cNvPr id="10" name="TextBox 9">
+              <a:extLst>
+                <a:ext uri="{FF2B5EF4-FFF2-40B4-BE49-F238E27FC236}">
+                  <a16:creationId xmlns:a16="http://schemas.microsoft.com/office/drawing/2014/main" id="{93C6BB77-7931-493F-A79F-DEBFF6D21390}"/>
+                </a:ext>
+              </a:extLst>
+            </p:cNvPr>
+            <p:cNvSpPr txBox="1"/>
+            <p:nvPr/>
+          </p:nvSpPr>
+          <p:spPr>
+            <a:xfrm>
+              <a:off x="8855580" y="4267200"/>
+              <a:ext cx="1126620" cy="646331"/>
+            </a:xfrm>
+            <a:prstGeom prst="rect">
+              <a:avLst/>
+            </a:prstGeom>
+          </p:spPr>
+          <p:style>
+            <a:lnRef idx="2">
+              <a:schemeClr val="accent6">
+                <a:shade val="50000"/>
+              </a:schemeClr>
+            </a:lnRef>
+            <a:fillRef idx="1">
+              <a:schemeClr val="accent6"/>
+            </a:fillRef>
+            <a:effectRef idx="0">
+              <a:schemeClr val="accent6"/>
+            </a:effectRef>
+            <a:fontRef idx="minor">
+              <a:schemeClr val="lt1"/>
+            </a:fontRef>
+          </p:style>
+          <p:txBody>
+            <a:bodyPr wrap="square" rtlCol="0">
+              <a:spAutoFit/>
+            </a:bodyPr>
+            <a:lstStyle/>
+            <a:p>
+              <a:pPr algn="ctr"/>
+              <a:r>
+                <a:rPr lang="en-US" dirty="0"/>
+                <a:t>Decision boundary </a:t>
+              </a:r>
+            </a:p>
+          </p:txBody>
+        </p:sp>
+      </p:grpSp>
     </p:spTree>
     <p:extLst>
       <p:ext uri="{BB962C8B-B14F-4D97-AF65-F5344CB8AC3E}">
@@ -36216,7 +37819,7 @@
 </p:sld>
 </file>
 
-<file path=ppt/slides/slide32.xml><?xml version="1.0" encoding="utf-8"?>
+<file path=ppt/slides/slide33.xml><?xml version="1.0" encoding="utf-8"?>
 <p:sld xmlns:a="http://schemas.openxmlformats.org/drawingml/2006/main" xmlns:r="http://schemas.openxmlformats.org/officeDocument/2006/relationships" xmlns:p="http://schemas.openxmlformats.org/presentationml/2006/main">
   <p:cSld>
     <p:spTree>
@@ -36261,6 +37864,661 @@
           </a:p>
         </p:txBody>
       </p:sp>
+      <p:grpSp>
+        <p:nvGrpSpPr>
+          <p:cNvPr id="13" name="Group 12" descr="A figure showing the topology of a neural network with a single hidden layer.">
+            <a:extLst>
+              <a:ext uri="{FF2B5EF4-FFF2-40B4-BE49-F238E27FC236}">
+                <a16:creationId xmlns:a16="http://schemas.microsoft.com/office/drawing/2014/main" id="{75037A14-3AFB-5878-CDC0-BD0486D59593}"/>
+              </a:ext>
+            </a:extLst>
+          </p:cNvPr>
+          <p:cNvGrpSpPr/>
+          <p:nvPr/>
+        </p:nvGrpSpPr>
+        <p:grpSpPr>
+          <a:xfrm>
+            <a:off x="45672" y="1217096"/>
+            <a:ext cx="7802930" cy="5513904"/>
+            <a:chOff x="45672" y="1217096"/>
+            <a:chExt cx="7802930" cy="5513904"/>
+          </a:xfrm>
+        </p:grpSpPr>
+        <p:pic>
+          <p:nvPicPr>
+            <p:cNvPr id="5" name="Picture 4">
+              <a:extLst>
+                <a:ext uri="{FF2B5EF4-FFF2-40B4-BE49-F238E27FC236}">
+                  <a16:creationId xmlns:a16="http://schemas.microsoft.com/office/drawing/2014/main" id="{59C505E5-264D-4512-B738-64315008EC14}"/>
+                </a:ext>
+              </a:extLst>
+            </p:cNvPr>
+            <p:cNvPicPr>
+              <a:picLocks noChangeAspect="1"/>
+            </p:cNvPicPr>
+            <p:nvPr/>
+          </p:nvPicPr>
+          <p:blipFill rotWithShape="1">
+            <a:blip r:embed="rId2"/>
+            <a:srcRect l="-2123" r="-1"/>
+            <a:stretch/>
+          </p:blipFill>
+          <p:spPr>
+            <a:xfrm>
+              <a:off x="45672" y="1778000"/>
+              <a:ext cx="7802930" cy="4576762"/>
+            </a:xfrm>
+            <a:prstGeom prst="rect">
+              <a:avLst/>
+            </a:prstGeom>
+          </p:spPr>
+        </p:pic>
+        <p:sp>
+          <p:nvSpPr>
+            <p:cNvPr id="8" name="Speech Bubble: Rectangle 7">
+              <a:extLst>
+                <a:ext uri="{FF2B5EF4-FFF2-40B4-BE49-F238E27FC236}">
+                  <a16:creationId xmlns:a16="http://schemas.microsoft.com/office/drawing/2014/main" id="{23257D05-D4F7-429A-8BEC-42DD062F3215}"/>
+                </a:ext>
+              </a:extLst>
+            </p:cNvPr>
+            <p:cNvSpPr/>
+            <p:nvPr/>
+          </p:nvSpPr>
+          <p:spPr>
+            <a:xfrm>
+              <a:off x="2986312" y="6293644"/>
+              <a:ext cx="976088" cy="381000"/>
+            </a:xfrm>
+            <a:prstGeom prst="wedgeRectCallout">
+              <a:avLst>
+                <a:gd name="adj1" fmla="val 58333"/>
+                <a:gd name="adj2" fmla="val -124167"/>
+              </a:avLst>
+            </a:prstGeom>
+          </p:spPr>
+          <p:style>
+            <a:lnRef idx="2">
+              <a:schemeClr val="accent6">
+                <a:shade val="50000"/>
+              </a:schemeClr>
+            </a:lnRef>
+            <a:fillRef idx="1">
+              <a:schemeClr val="accent6"/>
+            </a:fillRef>
+            <a:effectRef idx="0">
+              <a:schemeClr val="accent6"/>
+            </a:effectRef>
+            <a:fontRef idx="minor">
+              <a:schemeClr val="lt1"/>
+            </a:fontRef>
+          </p:style>
+          <p:txBody>
+            <a:bodyPr rtlCol="0" anchor="ctr"/>
+            <a:lstStyle/>
+            <a:p>
+              <a:pPr algn="ctr"/>
+              <a:r>
+                <a:rPr lang="en-US" sz="1400" dirty="0"/>
+                <a:t>Bias term</a:t>
+              </a:r>
+            </a:p>
+          </p:txBody>
+        </p:sp>
+        <p:sp>
+          <p:nvSpPr>
+            <p:cNvPr id="9" name="Speech Bubble: Rectangle 8">
+              <a:extLst>
+                <a:ext uri="{FF2B5EF4-FFF2-40B4-BE49-F238E27FC236}">
+                  <a16:creationId xmlns:a16="http://schemas.microsoft.com/office/drawing/2014/main" id="{8CE8AF8D-75D9-4426-918B-179C915BDA88}"/>
+                </a:ext>
+              </a:extLst>
+            </p:cNvPr>
+            <p:cNvSpPr/>
+            <p:nvPr/>
+          </p:nvSpPr>
+          <p:spPr>
+            <a:xfrm>
+              <a:off x="4279900" y="6248400"/>
+              <a:ext cx="2425700" cy="482600"/>
+            </a:xfrm>
+            <a:prstGeom prst="wedgeRectCallout">
+              <a:avLst>
+                <a:gd name="adj1" fmla="val -10212"/>
+                <a:gd name="adj2" fmla="val -294760"/>
+              </a:avLst>
+            </a:prstGeom>
+          </p:spPr>
+          <p:style>
+            <a:lnRef idx="2">
+              <a:schemeClr val="accent6">
+                <a:shade val="50000"/>
+              </a:schemeClr>
+            </a:lnRef>
+            <a:fillRef idx="1">
+              <a:schemeClr val="accent6"/>
+            </a:fillRef>
+            <a:effectRef idx="0">
+              <a:schemeClr val="accent6"/>
+            </a:effectRef>
+            <a:fontRef idx="minor">
+              <a:schemeClr val="lt1"/>
+            </a:fontRef>
+          </p:style>
+          <p:txBody>
+            <a:bodyPr rtlCol="0" anchor="ctr"/>
+            <a:lstStyle/>
+            <a:p>
+              <a:pPr algn="ctr"/>
+              <a:r>
+                <a:rPr lang="en-US" sz="1400" dirty="0"/>
+                <a:t>Non-linear activation function</a:t>
+              </a:r>
+            </a:p>
+          </p:txBody>
+        </p:sp>
+        <p:sp>
+          <p:nvSpPr>
+            <p:cNvPr id="10" name="Speech Bubble: Rectangle 9">
+              <a:extLst>
+                <a:ext uri="{FF2B5EF4-FFF2-40B4-BE49-F238E27FC236}">
+                  <a16:creationId xmlns:a16="http://schemas.microsoft.com/office/drawing/2014/main" id="{CB86ED20-CC1D-4B11-BD63-F18FD50791F0}"/>
+                </a:ext>
+              </a:extLst>
+            </p:cNvPr>
+            <p:cNvSpPr/>
+            <p:nvPr/>
+          </p:nvSpPr>
+          <p:spPr>
+            <a:xfrm>
+              <a:off x="1143000" y="1524000"/>
+              <a:ext cx="1600200" cy="461962"/>
+            </a:xfrm>
+            <a:prstGeom prst="wedgeRectCallout">
+              <a:avLst>
+                <a:gd name="adj1" fmla="val -19445"/>
+                <a:gd name="adj2" fmla="val 170713"/>
+              </a:avLst>
+            </a:prstGeom>
+          </p:spPr>
+          <p:style>
+            <a:lnRef idx="2">
+              <a:schemeClr val="accent6">
+                <a:shade val="50000"/>
+              </a:schemeClr>
+            </a:lnRef>
+            <a:fillRef idx="1">
+              <a:schemeClr val="accent6"/>
+            </a:fillRef>
+            <a:effectRef idx="0">
+              <a:schemeClr val="accent6"/>
+            </a:effectRef>
+            <a:fontRef idx="minor">
+              <a:schemeClr val="lt1"/>
+            </a:fontRef>
+          </p:style>
+          <p:txBody>
+            <a:bodyPr rtlCol="0" anchor="ctr"/>
+            <a:lstStyle/>
+            <a:p>
+              <a:pPr algn="ctr"/>
+              <a:r>
+                <a:rPr lang="en-US" sz="1400" dirty="0"/>
+                <a:t>Hidden Layer</a:t>
+              </a:r>
+            </a:p>
+          </p:txBody>
+        </p:sp>
+        <p:sp>
+          <p:nvSpPr>
+            <p:cNvPr id="11" name="Rectangle 10">
+              <a:extLst>
+                <a:ext uri="{FF2B5EF4-FFF2-40B4-BE49-F238E27FC236}">
+                  <a16:creationId xmlns:a16="http://schemas.microsoft.com/office/drawing/2014/main" id="{AC5C019B-45E1-4EAF-A424-7EF300F014B2}"/>
+                </a:ext>
+              </a:extLst>
+            </p:cNvPr>
+            <p:cNvSpPr/>
+            <p:nvPr/>
+          </p:nvSpPr>
+          <p:spPr>
+            <a:xfrm>
+              <a:off x="1143000" y="2316162"/>
+              <a:ext cx="838200" cy="3128962"/>
+            </a:xfrm>
+            <a:prstGeom prst="rect">
+              <a:avLst/>
+            </a:prstGeom>
+            <a:solidFill>
+              <a:srgbClr val="70AD47">
+                <a:alpha val="20000"/>
+              </a:srgbClr>
+            </a:solidFill>
+            <a:ln>
+              <a:solidFill>
+                <a:schemeClr val="accent6">
+                  <a:lumMod val="75000"/>
+                </a:schemeClr>
+              </a:solidFill>
+            </a:ln>
+          </p:spPr>
+          <p:style>
+            <a:lnRef idx="0">
+              <a:scrgbClr r="0" g="0" b="0"/>
+            </a:lnRef>
+            <a:fillRef idx="0">
+              <a:scrgbClr r="0" g="0" b="0"/>
+            </a:fillRef>
+            <a:effectRef idx="0">
+              <a:scrgbClr r="0" g="0" b="0"/>
+            </a:effectRef>
+            <a:fontRef idx="minor">
+              <a:schemeClr val="lt1"/>
+            </a:fontRef>
+          </p:style>
+          <p:txBody>
+            <a:bodyPr rtlCol="0" anchor="ctr"/>
+            <a:lstStyle/>
+            <a:p>
+              <a:pPr algn="ctr"/>
+              <a:endParaRPr lang="en-US"/>
+            </a:p>
+          </p:txBody>
+        </p:sp>
+        <p:sp>
+          <p:nvSpPr>
+            <p:cNvPr id="12" name="TextBox 11">
+              <a:extLst>
+                <a:ext uri="{FF2B5EF4-FFF2-40B4-BE49-F238E27FC236}">
+                  <a16:creationId xmlns:a16="http://schemas.microsoft.com/office/drawing/2014/main" id="{578A9B84-D447-4F07-A7BF-15162A2BC21C}"/>
+                </a:ext>
+              </a:extLst>
+            </p:cNvPr>
+            <p:cNvSpPr txBox="1"/>
+            <p:nvPr/>
+          </p:nvSpPr>
+          <p:spPr>
+            <a:xfrm>
+              <a:off x="4240470" y="1217096"/>
+              <a:ext cx="2590800" cy="369332"/>
+            </a:xfrm>
+            <a:prstGeom prst="rect">
+              <a:avLst/>
+            </a:prstGeom>
+            <a:noFill/>
+          </p:spPr>
+          <p:txBody>
+            <a:bodyPr wrap="square" rtlCol="0">
+              <a:spAutoFit/>
+            </a:bodyPr>
+            <a:lstStyle/>
+            <a:p>
+              <a:r>
+                <a:rPr lang="en-US" b="1" dirty="0"/>
+                <a:t>Computational graph</a:t>
+              </a:r>
+            </a:p>
+          </p:txBody>
+        </p:sp>
+        <mc:AlternateContent xmlns:mc="http://schemas.openxmlformats.org/markup-compatibility/2006">
+          <mc:Choice xmlns:a14="http://schemas.microsoft.com/office/drawing/2010/main" Requires="a14">
+            <p:sp>
+              <p:nvSpPr>
+                <p:cNvPr id="4" name="Speech Bubble: Rectangle 3">
+                  <a:extLst>
+                    <a:ext uri="{FF2B5EF4-FFF2-40B4-BE49-F238E27FC236}">
+                      <a16:creationId xmlns:a16="http://schemas.microsoft.com/office/drawing/2014/main" id="{A750B6A0-2002-5342-C717-6C7D75640BF4}"/>
+                    </a:ext>
+                  </a:extLst>
+                </p:cNvPr>
+                <p:cNvSpPr/>
+                <p:nvPr/>
+              </p:nvSpPr>
+              <p:spPr>
+                <a:xfrm>
+                  <a:off x="6144988" y="1524000"/>
+                  <a:ext cx="1703613" cy="1090108"/>
+                </a:xfrm>
+                <a:prstGeom prst="wedgeRectCallout">
+                  <a:avLst>
+                    <a:gd name="adj1" fmla="val 12589"/>
+                    <a:gd name="adj2" fmla="val 157912"/>
+                  </a:avLst>
+                </a:prstGeom>
+              </p:spPr>
+              <p:style>
+                <a:lnRef idx="2">
+                  <a:schemeClr val="accent6">
+                    <a:shade val="50000"/>
+                  </a:schemeClr>
+                </a:lnRef>
+                <a:fillRef idx="1">
+                  <a:schemeClr val="accent6"/>
+                </a:fillRef>
+                <a:effectRef idx="0">
+                  <a:schemeClr val="accent6"/>
+                </a:effectRef>
+                <a:fontRef idx="minor">
+                  <a:schemeClr val="lt1"/>
+                </a:fontRef>
+              </p:style>
+              <p:txBody>
+                <a:bodyPr rtlCol="0" anchor="ctr"/>
+                <a:lstStyle/>
+                <a:p>
+                  <a:pPr algn="ctr"/>
+                  <a:r>
+                    <a:rPr lang="en-US" sz="1400" dirty="0"/>
+                    <a:t>For classification typically a </a:t>
+                  </a:r>
+                  <a:r>
+                    <a:rPr lang="en-US" sz="1400" dirty="0" err="1"/>
+                    <a:t>softmax</a:t>
+                  </a:r>
+                  <a:r>
+                    <a:rPr lang="en-US" sz="1400" dirty="0"/>
+                    <a:t> activation function returning </a:t>
+                  </a:r>
+                  <a14:m>
+                    <m:oMath xmlns:m="http://schemas.openxmlformats.org/officeDocument/2006/math">
+                      <m:r>
+                        <a:rPr lang="en-US" sz="1400" b="1" i="1" smtClean="0">
+                          <a:latin typeface="Cambria Math" panose="02040503050406030204" pitchFamily="18" charset="0"/>
+                        </a:rPr>
+                        <m:t>𝑷</m:t>
+                      </m:r>
+                      <m:r>
+                        <a:rPr lang="en-US" sz="1400" b="0" i="1" smtClean="0">
+                          <a:latin typeface="Cambria Math" panose="02040503050406030204" pitchFamily="18" charset="0"/>
+                        </a:rPr>
+                        <m:t>(</m:t>
+                      </m:r>
+                      <m:r>
+                        <a:rPr lang="en-US" sz="1400" b="0" i="1" smtClean="0">
+                          <a:latin typeface="Cambria Math" panose="02040503050406030204" pitchFamily="18" charset="0"/>
+                        </a:rPr>
+                        <m:t>𝑦</m:t>
+                      </m:r>
+                      <m:r>
+                        <a:rPr lang="en-US" sz="1400" b="0" i="1" smtClean="0">
+                          <a:latin typeface="Cambria Math" panose="02040503050406030204" pitchFamily="18" charset="0"/>
+                        </a:rPr>
+                        <m:t>|</m:t>
+                      </m:r>
+                      <m:r>
+                        <a:rPr lang="en-US" sz="1400" b="0" i="1" smtClean="0">
+                          <a:latin typeface="Cambria Math" panose="02040503050406030204" pitchFamily="18" charset="0"/>
+                        </a:rPr>
+                        <m:t>𝑥</m:t>
+                      </m:r>
+                      <m:r>
+                        <a:rPr lang="en-US" sz="1400" b="0" i="1" smtClean="0">
+                          <a:latin typeface="Cambria Math" panose="02040503050406030204" pitchFamily="18" charset="0"/>
+                        </a:rPr>
+                        <m:t>)</m:t>
+                      </m:r>
+                    </m:oMath>
+                  </a14:m>
+                  <a:endParaRPr lang="en-US" sz="1400" dirty="0"/>
+                </a:p>
+              </p:txBody>
+            </p:sp>
+          </mc:Choice>
+          <mc:Fallback>
+            <p:sp>
+              <p:nvSpPr>
+                <p:cNvPr id="4" name="Speech Bubble: Rectangle 3">
+                  <a:extLst>
+                    <a:ext uri="{FF2B5EF4-FFF2-40B4-BE49-F238E27FC236}">
+                      <a16:creationId xmlns:a16="http://schemas.microsoft.com/office/drawing/2014/main" id="{A750B6A0-2002-5342-C717-6C7D75640BF4}"/>
+                    </a:ext>
+                  </a:extLst>
+                </p:cNvPr>
+                <p:cNvSpPr>
+                  <a:spLocks noRot="1" noChangeAspect="1" noMove="1" noResize="1" noEditPoints="1" noAdjustHandles="1" noChangeArrowheads="1" noChangeShapeType="1" noTextEdit="1"/>
+                </p:cNvSpPr>
+                <p:nvPr/>
+              </p:nvSpPr>
+              <p:spPr>
+                <a:xfrm>
+                  <a:off x="6144988" y="1524000"/>
+                  <a:ext cx="1703613" cy="1090108"/>
+                </a:xfrm>
+                <a:prstGeom prst="wedgeRectCallout">
+                  <a:avLst>
+                    <a:gd name="adj1" fmla="val 12589"/>
+                    <a:gd name="adj2" fmla="val 157912"/>
+                  </a:avLst>
+                </a:prstGeom>
+                <a:blipFill>
+                  <a:blip r:embed="rId3"/>
+                  <a:stretch>
+                    <a:fillRect/>
+                  </a:stretch>
+                </a:blipFill>
+              </p:spPr>
+              <p:txBody>
+                <a:bodyPr/>
+                <a:lstStyle/>
+                <a:p>
+                  <a:r>
+                    <a:rPr lang="en-US">
+                      <a:noFill/>
+                    </a:rPr>
+                    <a:t> </a:t>
+                  </a:r>
+                </a:p>
+              </p:txBody>
+            </p:sp>
+          </mc:Fallback>
+        </mc:AlternateContent>
+        <p:sp>
+          <p:nvSpPr>
+            <p:cNvPr id="6" name="Speech Bubble: Rectangle 5">
+              <a:extLst>
+                <a:ext uri="{FF2B5EF4-FFF2-40B4-BE49-F238E27FC236}">
+                  <a16:creationId xmlns:a16="http://schemas.microsoft.com/office/drawing/2014/main" id="{1D9991D3-82B3-3064-C52C-A229F1BFF3D7}"/>
+                </a:ext>
+              </a:extLst>
+            </p:cNvPr>
+            <p:cNvSpPr/>
+            <p:nvPr/>
+          </p:nvSpPr>
+          <p:spPr>
+            <a:xfrm>
+              <a:off x="838200" y="6059145"/>
+              <a:ext cx="1104900" cy="381000"/>
+            </a:xfrm>
+            <a:prstGeom prst="wedgeRectCallout">
+              <a:avLst>
+                <a:gd name="adj1" fmla="val 25551"/>
+                <a:gd name="adj2" fmla="val -280756"/>
+              </a:avLst>
+            </a:prstGeom>
+          </p:spPr>
+          <p:style>
+            <a:lnRef idx="2">
+              <a:schemeClr val="accent6">
+                <a:shade val="50000"/>
+              </a:schemeClr>
+            </a:lnRef>
+            <a:fillRef idx="1">
+              <a:schemeClr val="accent6"/>
+            </a:fillRef>
+            <a:effectRef idx="0">
+              <a:schemeClr val="accent6"/>
+            </a:effectRef>
+            <a:fontRef idx="minor">
+              <a:schemeClr val="lt1"/>
+            </a:fontRef>
+          </p:style>
+          <p:txBody>
+            <a:bodyPr rtlCol="0" anchor="ctr"/>
+            <a:lstStyle/>
+            <a:p>
+              <a:pPr algn="ctr"/>
+              <a:r>
+                <a:rPr lang="en-US" sz="1400" dirty="0"/>
+                <a:t>Perceptron</a:t>
+              </a:r>
+            </a:p>
+          </p:txBody>
+        </p:sp>
+        <p:sp>
+          <p:nvSpPr>
+            <p:cNvPr id="7" name="Oval 6">
+              <a:extLst>
+                <a:ext uri="{FF2B5EF4-FFF2-40B4-BE49-F238E27FC236}">
+                  <a16:creationId xmlns:a16="http://schemas.microsoft.com/office/drawing/2014/main" id="{617CB4B8-E50C-D9E2-1583-8D9F96D417B5}"/>
+                </a:ext>
+              </a:extLst>
+            </p:cNvPr>
+            <p:cNvSpPr/>
+            <p:nvPr/>
+          </p:nvSpPr>
+          <p:spPr>
+            <a:xfrm>
+              <a:off x="3516088" y="1503391"/>
+              <a:ext cx="1943100" cy="2590800"/>
+            </a:xfrm>
+            <a:prstGeom prst="ellipse">
+              <a:avLst/>
+            </a:prstGeom>
+            <a:solidFill>
+              <a:srgbClr val="70AD47">
+                <a:alpha val="20000"/>
+              </a:srgbClr>
+            </a:solidFill>
+            <a:ln>
+              <a:solidFill>
+                <a:schemeClr val="accent6">
+                  <a:lumMod val="75000"/>
+                </a:schemeClr>
+              </a:solidFill>
+            </a:ln>
+          </p:spPr>
+          <p:style>
+            <a:lnRef idx="0">
+              <a:scrgbClr r="0" g="0" b="0"/>
+            </a:lnRef>
+            <a:fillRef idx="0">
+              <a:scrgbClr r="0" g="0" b="0"/>
+            </a:fillRef>
+            <a:effectRef idx="0">
+              <a:scrgbClr r="0" g="0" b="0"/>
+            </a:effectRef>
+            <a:fontRef idx="minor">
+              <a:schemeClr val="lt1"/>
+            </a:fontRef>
+          </p:style>
+          <p:txBody>
+            <a:bodyPr rtlCol="0" anchor="ctr"/>
+            <a:lstStyle/>
+            <a:p>
+              <a:pPr algn="ctr"/>
+              <a:endParaRPr lang="en-US">
+                <a:solidFill>
+                  <a:schemeClr val="lt1"/>
+                </a:solidFill>
+              </a:endParaRPr>
+            </a:p>
+          </p:txBody>
+        </p:sp>
+        <p:cxnSp>
+          <p:nvCxnSpPr>
+            <p:cNvPr id="15" name="Straight Connector 14">
+              <a:extLst>
+                <a:ext uri="{FF2B5EF4-FFF2-40B4-BE49-F238E27FC236}">
+                  <a16:creationId xmlns:a16="http://schemas.microsoft.com/office/drawing/2014/main" id="{B6AA2D06-82E0-6A3D-BC59-0D301E7633E2}"/>
+                </a:ext>
+              </a:extLst>
+            </p:cNvPr>
+            <p:cNvCxnSpPr>
+              <a:cxnSpLocks/>
+            </p:cNvCxnSpPr>
+            <p:nvPr/>
+          </p:nvCxnSpPr>
+          <p:spPr>
+            <a:xfrm flipV="1">
+              <a:off x="1611488" y="1586428"/>
+              <a:ext cx="2409626" cy="1138266"/>
+            </a:xfrm>
+            <a:prstGeom prst="line">
+              <a:avLst/>
+            </a:prstGeom>
+            <a:ln w="9525" cap="flat" cmpd="sng" algn="ctr">
+              <a:solidFill>
+                <a:schemeClr val="accent6"/>
+              </a:solidFill>
+              <a:prstDash val="dash"/>
+              <a:round/>
+              <a:headEnd type="none" w="med" len="med"/>
+              <a:tailEnd type="none" w="med" len="med"/>
+            </a:ln>
+          </p:spPr>
+          <p:style>
+            <a:lnRef idx="0">
+              <a:scrgbClr r="0" g="0" b="0"/>
+            </a:lnRef>
+            <a:fillRef idx="0">
+              <a:scrgbClr r="0" g="0" b="0"/>
+            </a:fillRef>
+            <a:effectRef idx="0">
+              <a:scrgbClr r="0" g="0" b="0"/>
+            </a:effectRef>
+            <a:fontRef idx="minor">
+              <a:schemeClr val="tx1"/>
+            </a:fontRef>
+          </p:style>
+        </p:cxnSp>
+        <p:cxnSp>
+          <p:nvCxnSpPr>
+            <p:cNvPr id="18" name="Straight Connector 17">
+              <a:extLst>
+                <a:ext uri="{FF2B5EF4-FFF2-40B4-BE49-F238E27FC236}">
+                  <a16:creationId xmlns:a16="http://schemas.microsoft.com/office/drawing/2014/main" id="{89DDE38B-5A06-6C92-402E-28D279A27AE6}"/>
+                </a:ext>
+              </a:extLst>
+            </p:cNvPr>
+            <p:cNvCxnSpPr>
+              <a:cxnSpLocks/>
+            </p:cNvCxnSpPr>
+            <p:nvPr/>
+          </p:nvCxnSpPr>
+          <p:spPr>
+            <a:xfrm>
+              <a:off x="1611487" y="3054894"/>
+              <a:ext cx="2323321" cy="891103"/>
+            </a:xfrm>
+            <a:prstGeom prst="line">
+              <a:avLst/>
+            </a:prstGeom>
+            <a:ln w="9525" cap="flat" cmpd="sng" algn="ctr">
+              <a:solidFill>
+                <a:schemeClr val="accent6"/>
+              </a:solidFill>
+              <a:prstDash val="dash"/>
+              <a:round/>
+              <a:headEnd type="none" w="med" len="med"/>
+              <a:tailEnd type="none" w="med" len="med"/>
+            </a:ln>
+          </p:spPr>
+          <p:style>
+            <a:lnRef idx="0">
+              <a:scrgbClr r="0" g="0" b="0"/>
+            </a:lnRef>
+            <a:fillRef idx="0">
+              <a:scrgbClr r="0" g="0" b="0"/>
+            </a:fillRef>
+            <a:effectRef idx="0">
+              <a:scrgbClr r="0" g="0" b="0"/>
+            </a:effectRef>
+            <a:fontRef idx="minor">
+              <a:schemeClr val="tx1"/>
+            </a:fontRef>
+          </p:style>
+        </p:cxnSp>
+      </p:grpSp>
       <mc:AlternateContent xmlns:mc="http://schemas.openxmlformats.org/markup-compatibility/2006" xmlns:a14="http://schemas.microsoft.com/office/drawing/2010/main">
         <mc:Choice Requires="a14">
           <p:sp>
@@ -36512,7 +38770,7 @@
                 <a:ext cx="3657600" cy="4688960"/>
               </a:xfrm>
               <a:blipFill>
-                <a:blip r:embed="rId2"/>
+                <a:blip r:embed="rId4"/>
                 <a:stretch>
                   <a:fillRect l="-1000" t="-1300" r="-1000" b="-1691"/>
                 </a:stretch>
@@ -36533,640 +38791,6 @@
           </p:sp>
         </mc:Fallback>
       </mc:AlternateContent>
-      <p:pic>
-        <p:nvPicPr>
-          <p:cNvPr id="5" name="Picture 4">
-            <a:extLst>
-              <a:ext uri="{FF2B5EF4-FFF2-40B4-BE49-F238E27FC236}">
-                <a16:creationId xmlns:a16="http://schemas.microsoft.com/office/drawing/2014/main" id="{59C505E5-264D-4512-B738-64315008EC14}"/>
-              </a:ext>
-            </a:extLst>
-          </p:cNvPr>
-          <p:cNvPicPr>
-            <a:picLocks noChangeAspect="1"/>
-          </p:cNvPicPr>
-          <p:nvPr/>
-        </p:nvPicPr>
-        <p:blipFill rotWithShape="1">
-          <a:blip r:embed="rId3"/>
-          <a:srcRect l="-2123" r="-1"/>
-          <a:stretch/>
-        </p:blipFill>
-        <p:spPr>
-          <a:xfrm>
-            <a:off x="45672" y="1778000"/>
-            <a:ext cx="7802930" cy="4576762"/>
-          </a:xfrm>
-          <a:prstGeom prst="rect">
-            <a:avLst/>
-          </a:prstGeom>
-        </p:spPr>
-      </p:pic>
-      <p:sp>
-        <p:nvSpPr>
-          <p:cNvPr id="8" name="Speech Bubble: Rectangle 7">
-            <a:extLst>
-              <a:ext uri="{FF2B5EF4-FFF2-40B4-BE49-F238E27FC236}">
-                <a16:creationId xmlns:a16="http://schemas.microsoft.com/office/drawing/2014/main" id="{23257D05-D4F7-429A-8BEC-42DD062F3215}"/>
-              </a:ext>
-            </a:extLst>
-          </p:cNvPr>
-          <p:cNvSpPr/>
-          <p:nvPr/>
-        </p:nvSpPr>
-        <p:spPr>
-          <a:xfrm>
-            <a:off x="2986312" y="6293644"/>
-            <a:ext cx="976088" cy="381000"/>
-          </a:xfrm>
-          <a:prstGeom prst="wedgeRectCallout">
-            <a:avLst>
-              <a:gd name="adj1" fmla="val 58333"/>
-              <a:gd name="adj2" fmla="val -124167"/>
-            </a:avLst>
-          </a:prstGeom>
-        </p:spPr>
-        <p:style>
-          <a:lnRef idx="2">
-            <a:schemeClr val="accent6">
-              <a:shade val="50000"/>
-            </a:schemeClr>
-          </a:lnRef>
-          <a:fillRef idx="1">
-            <a:schemeClr val="accent6"/>
-          </a:fillRef>
-          <a:effectRef idx="0">
-            <a:schemeClr val="accent6"/>
-          </a:effectRef>
-          <a:fontRef idx="minor">
-            <a:schemeClr val="lt1"/>
-          </a:fontRef>
-        </p:style>
-        <p:txBody>
-          <a:bodyPr rtlCol="0" anchor="ctr"/>
-          <a:lstStyle/>
-          <a:p>
-            <a:pPr algn="ctr"/>
-            <a:r>
-              <a:rPr lang="en-US" sz="1400" dirty="0"/>
-              <a:t>Bias term</a:t>
-            </a:r>
-          </a:p>
-        </p:txBody>
-      </p:sp>
-      <p:sp>
-        <p:nvSpPr>
-          <p:cNvPr id="9" name="Speech Bubble: Rectangle 8">
-            <a:extLst>
-              <a:ext uri="{FF2B5EF4-FFF2-40B4-BE49-F238E27FC236}">
-                <a16:creationId xmlns:a16="http://schemas.microsoft.com/office/drawing/2014/main" id="{8CE8AF8D-75D9-4426-918B-179C915BDA88}"/>
-              </a:ext>
-            </a:extLst>
-          </p:cNvPr>
-          <p:cNvSpPr/>
-          <p:nvPr/>
-        </p:nvSpPr>
-        <p:spPr>
-          <a:xfrm>
-            <a:off x="4279900" y="6248400"/>
-            <a:ext cx="2425700" cy="482600"/>
-          </a:xfrm>
-          <a:prstGeom prst="wedgeRectCallout">
-            <a:avLst>
-              <a:gd name="adj1" fmla="val -10212"/>
-              <a:gd name="adj2" fmla="val -294760"/>
-            </a:avLst>
-          </a:prstGeom>
-        </p:spPr>
-        <p:style>
-          <a:lnRef idx="2">
-            <a:schemeClr val="accent6">
-              <a:shade val="50000"/>
-            </a:schemeClr>
-          </a:lnRef>
-          <a:fillRef idx="1">
-            <a:schemeClr val="accent6"/>
-          </a:fillRef>
-          <a:effectRef idx="0">
-            <a:schemeClr val="accent6"/>
-          </a:effectRef>
-          <a:fontRef idx="minor">
-            <a:schemeClr val="lt1"/>
-          </a:fontRef>
-        </p:style>
-        <p:txBody>
-          <a:bodyPr rtlCol="0" anchor="ctr"/>
-          <a:lstStyle/>
-          <a:p>
-            <a:pPr algn="ctr"/>
-            <a:r>
-              <a:rPr lang="en-US" sz="1400" dirty="0"/>
-              <a:t>Non-linear activation function</a:t>
-            </a:r>
-          </a:p>
-        </p:txBody>
-      </p:sp>
-      <p:sp>
-        <p:nvSpPr>
-          <p:cNvPr id="10" name="Speech Bubble: Rectangle 9">
-            <a:extLst>
-              <a:ext uri="{FF2B5EF4-FFF2-40B4-BE49-F238E27FC236}">
-                <a16:creationId xmlns:a16="http://schemas.microsoft.com/office/drawing/2014/main" id="{CB86ED20-CC1D-4B11-BD63-F18FD50791F0}"/>
-              </a:ext>
-            </a:extLst>
-          </p:cNvPr>
-          <p:cNvSpPr/>
-          <p:nvPr/>
-        </p:nvSpPr>
-        <p:spPr>
-          <a:xfrm>
-            <a:off x="1143000" y="1524000"/>
-            <a:ext cx="1600200" cy="461962"/>
-          </a:xfrm>
-          <a:prstGeom prst="wedgeRectCallout">
-            <a:avLst>
-              <a:gd name="adj1" fmla="val -19445"/>
-              <a:gd name="adj2" fmla="val 170713"/>
-            </a:avLst>
-          </a:prstGeom>
-        </p:spPr>
-        <p:style>
-          <a:lnRef idx="2">
-            <a:schemeClr val="accent6">
-              <a:shade val="50000"/>
-            </a:schemeClr>
-          </a:lnRef>
-          <a:fillRef idx="1">
-            <a:schemeClr val="accent6"/>
-          </a:fillRef>
-          <a:effectRef idx="0">
-            <a:schemeClr val="accent6"/>
-          </a:effectRef>
-          <a:fontRef idx="minor">
-            <a:schemeClr val="lt1"/>
-          </a:fontRef>
-        </p:style>
-        <p:txBody>
-          <a:bodyPr rtlCol="0" anchor="ctr"/>
-          <a:lstStyle/>
-          <a:p>
-            <a:pPr algn="ctr"/>
-            <a:r>
-              <a:rPr lang="en-US" sz="1400" dirty="0"/>
-              <a:t>Hidden Layer</a:t>
-            </a:r>
-          </a:p>
-        </p:txBody>
-      </p:sp>
-      <p:sp>
-        <p:nvSpPr>
-          <p:cNvPr id="11" name="Rectangle 10">
-            <a:extLst>
-              <a:ext uri="{FF2B5EF4-FFF2-40B4-BE49-F238E27FC236}">
-                <a16:creationId xmlns:a16="http://schemas.microsoft.com/office/drawing/2014/main" id="{AC5C019B-45E1-4EAF-A424-7EF300F014B2}"/>
-              </a:ext>
-            </a:extLst>
-          </p:cNvPr>
-          <p:cNvSpPr/>
-          <p:nvPr/>
-        </p:nvSpPr>
-        <p:spPr>
-          <a:xfrm>
-            <a:off x="1143000" y="2316162"/>
-            <a:ext cx="838200" cy="3128962"/>
-          </a:xfrm>
-          <a:prstGeom prst="rect">
-            <a:avLst/>
-          </a:prstGeom>
-          <a:solidFill>
-            <a:srgbClr val="70AD47">
-              <a:alpha val="20000"/>
-            </a:srgbClr>
-          </a:solidFill>
-          <a:ln>
-            <a:solidFill>
-              <a:schemeClr val="accent6">
-                <a:lumMod val="75000"/>
-              </a:schemeClr>
-            </a:solidFill>
-          </a:ln>
-        </p:spPr>
-        <p:style>
-          <a:lnRef idx="0">
-            <a:scrgbClr r="0" g="0" b="0"/>
-          </a:lnRef>
-          <a:fillRef idx="0">
-            <a:scrgbClr r="0" g="0" b="0"/>
-          </a:fillRef>
-          <a:effectRef idx="0">
-            <a:scrgbClr r="0" g="0" b="0"/>
-          </a:effectRef>
-          <a:fontRef idx="minor">
-            <a:schemeClr val="lt1"/>
-          </a:fontRef>
-        </p:style>
-        <p:txBody>
-          <a:bodyPr rtlCol="0" anchor="ctr"/>
-          <a:lstStyle/>
-          <a:p>
-            <a:pPr algn="ctr"/>
-            <a:endParaRPr lang="en-US"/>
-          </a:p>
-        </p:txBody>
-      </p:sp>
-      <p:sp>
-        <p:nvSpPr>
-          <p:cNvPr id="12" name="TextBox 11">
-            <a:extLst>
-              <a:ext uri="{FF2B5EF4-FFF2-40B4-BE49-F238E27FC236}">
-                <a16:creationId xmlns:a16="http://schemas.microsoft.com/office/drawing/2014/main" id="{578A9B84-D447-4F07-A7BF-15162A2BC21C}"/>
-              </a:ext>
-            </a:extLst>
-          </p:cNvPr>
-          <p:cNvSpPr txBox="1"/>
-          <p:nvPr/>
-        </p:nvSpPr>
-        <p:spPr>
-          <a:xfrm>
-            <a:off x="4240470" y="1217096"/>
-            <a:ext cx="2590800" cy="369332"/>
-          </a:xfrm>
-          <a:prstGeom prst="rect">
-            <a:avLst/>
-          </a:prstGeom>
-          <a:noFill/>
-        </p:spPr>
-        <p:txBody>
-          <a:bodyPr wrap="square" rtlCol="0">
-            <a:spAutoFit/>
-          </a:bodyPr>
-          <a:lstStyle/>
-          <a:p>
-            <a:r>
-              <a:rPr lang="en-US" b="1" dirty="0"/>
-              <a:t>Computational graph</a:t>
-            </a:r>
-          </a:p>
-        </p:txBody>
-      </p:sp>
-      <mc:AlternateContent xmlns:mc="http://schemas.openxmlformats.org/markup-compatibility/2006" xmlns:a14="http://schemas.microsoft.com/office/drawing/2010/main">
-        <mc:Choice Requires="a14">
-          <p:sp>
-            <p:nvSpPr>
-              <p:cNvPr id="4" name="Speech Bubble: Rectangle 3">
-                <a:extLst>
-                  <a:ext uri="{FF2B5EF4-FFF2-40B4-BE49-F238E27FC236}">
-                    <a16:creationId xmlns:a16="http://schemas.microsoft.com/office/drawing/2014/main" id="{A750B6A0-2002-5342-C717-6C7D75640BF4}"/>
-                  </a:ext>
-                </a:extLst>
-              </p:cNvPr>
-              <p:cNvSpPr/>
-              <p:nvPr/>
-            </p:nvSpPr>
-            <p:spPr>
-              <a:xfrm>
-                <a:off x="6144988" y="1524000"/>
-                <a:ext cx="1703613" cy="1090108"/>
-              </a:xfrm>
-              <a:prstGeom prst="wedgeRectCallout">
-                <a:avLst>
-                  <a:gd name="adj1" fmla="val 12589"/>
-                  <a:gd name="adj2" fmla="val 157912"/>
-                </a:avLst>
-              </a:prstGeom>
-            </p:spPr>
-            <p:style>
-              <a:lnRef idx="2">
-                <a:schemeClr val="accent6">
-                  <a:shade val="50000"/>
-                </a:schemeClr>
-              </a:lnRef>
-              <a:fillRef idx="1">
-                <a:schemeClr val="accent6"/>
-              </a:fillRef>
-              <a:effectRef idx="0">
-                <a:schemeClr val="accent6"/>
-              </a:effectRef>
-              <a:fontRef idx="minor">
-                <a:schemeClr val="lt1"/>
-              </a:fontRef>
-            </p:style>
-            <p:txBody>
-              <a:bodyPr rtlCol="0" anchor="ctr"/>
-              <a:lstStyle/>
-              <a:p>
-                <a:pPr algn="ctr"/>
-                <a:r>
-                  <a:rPr lang="en-US" sz="1400" dirty="0"/>
-                  <a:t>For classification typically a </a:t>
-                </a:r>
-                <a:r>
-                  <a:rPr lang="en-US" sz="1400" dirty="0" err="1"/>
-                  <a:t>softmax</a:t>
-                </a:r>
-                <a:r>
-                  <a:rPr lang="en-US" sz="1400" dirty="0"/>
-                  <a:t> activation function returning </a:t>
-                </a:r>
-                <a14:m>
-                  <m:oMath xmlns:m="http://schemas.openxmlformats.org/officeDocument/2006/math">
-                    <m:r>
-                      <a:rPr lang="en-US" sz="1400" b="1" i="1" smtClean="0">
-                        <a:latin typeface="Cambria Math" panose="02040503050406030204" pitchFamily="18" charset="0"/>
-                      </a:rPr>
-                      <m:t>𝑷</m:t>
-                    </m:r>
-                    <m:r>
-                      <a:rPr lang="en-US" sz="1400" b="0" i="1" smtClean="0">
-                        <a:latin typeface="Cambria Math" panose="02040503050406030204" pitchFamily="18" charset="0"/>
-                      </a:rPr>
-                      <m:t>(</m:t>
-                    </m:r>
-                    <m:r>
-                      <a:rPr lang="en-US" sz="1400" b="0" i="1" smtClean="0">
-                        <a:latin typeface="Cambria Math" panose="02040503050406030204" pitchFamily="18" charset="0"/>
-                      </a:rPr>
-                      <m:t>𝑦</m:t>
-                    </m:r>
-                    <m:r>
-                      <a:rPr lang="en-US" sz="1400" b="0" i="1" smtClean="0">
-                        <a:latin typeface="Cambria Math" panose="02040503050406030204" pitchFamily="18" charset="0"/>
-                      </a:rPr>
-                      <m:t>|</m:t>
-                    </m:r>
-                    <m:r>
-                      <a:rPr lang="en-US" sz="1400" b="0" i="1" smtClean="0">
-                        <a:latin typeface="Cambria Math" panose="02040503050406030204" pitchFamily="18" charset="0"/>
-                      </a:rPr>
-                      <m:t>𝑥</m:t>
-                    </m:r>
-                    <m:r>
-                      <a:rPr lang="en-US" sz="1400" b="0" i="1" smtClean="0">
-                        <a:latin typeface="Cambria Math" panose="02040503050406030204" pitchFamily="18" charset="0"/>
-                      </a:rPr>
-                      <m:t>)</m:t>
-                    </m:r>
-                  </m:oMath>
-                </a14:m>
-                <a:endParaRPr lang="en-US" sz="1400" dirty="0"/>
-              </a:p>
-            </p:txBody>
-          </p:sp>
-        </mc:Choice>
-        <mc:Fallback xmlns="">
-          <p:sp>
-            <p:nvSpPr>
-              <p:cNvPr id="4" name="Speech Bubble: Rectangle 3">
-                <a:extLst>
-                  <a:ext uri="{FF2B5EF4-FFF2-40B4-BE49-F238E27FC236}">
-                    <a16:creationId xmlns:a16="http://schemas.microsoft.com/office/drawing/2014/main" id="{A750B6A0-2002-5342-C717-6C7D75640BF4}"/>
-                  </a:ext>
-                </a:extLst>
-              </p:cNvPr>
-              <p:cNvSpPr>
-                <a:spLocks noRot="1" noChangeAspect="1" noMove="1" noResize="1" noEditPoints="1" noAdjustHandles="1" noChangeArrowheads="1" noChangeShapeType="1" noTextEdit="1"/>
-              </p:cNvSpPr>
-              <p:nvPr/>
-            </p:nvSpPr>
-            <p:spPr>
-              <a:xfrm>
-                <a:off x="6144988" y="1524000"/>
-                <a:ext cx="1703613" cy="1090108"/>
-              </a:xfrm>
-              <a:prstGeom prst="wedgeRectCallout">
-                <a:avLst>
-                  <a:gd name="adj1" fmla="val 12589"/>
-                  <a:gd name="adj2" fmla="val 157912"/>
-                </a:avLst>
-              </a:prstGeom>
-              <a:blipFill>
-                <a:blip r:embed="rId4"/>
-                <a:stretch>
-                  <a:fillRect/>
-                </a:stretch>
-              </a:blipFill>
-            </p:spPr>
-            <p:txBody>
-              <a:bodyPr/>
-              <a:lstStyle/>
-              <a:p>
-                <a:r>
-                  <a:rPr lang="en-US">
-                    <a:noFill/>
-                  </a:rPr>
-                  <a:t> </a:t>
-                </a:r>
-              </a:p>
-            </p:txBody>
-          </p:sp>
-        </mc:Fallback>
-      </mc:AlternateContent>
-      <p:sp>
-        <p:nvSpPr>
-          <p:cNvPr id="6" name="Speech Bubble: Rectangle 5">
-            <a:extLst>
-              <a:ext uri="{FF2B5EF4-FFF2-40B4-BE49-F238E27FC236}">
-                <a16:creationId xmlns:a16="http://schemas.microsoft.com/office/drawing/2014/main" id="{1D9991D3-82B3-3064-C52C-A229F1BFF3D7}"/>
-              </a:ext>
-            </a:extLst>
-          </p:cNvPr>
-          <p:cNvSpPr/>
-          <p:nvPr/>
-        </p:nvSpPr>
-        <p:spPr>
-          <a:xfrm>
-            <a:off x="838200" y="6059145"/>
-            <a:ext cx="1104900" cy="381000"/>
-          </a:xfrm>
-          <a:prstGeom prst="wedgeRectCallout">
-            <a:avLst>
-              <a:gd name="adj1" fmla="val 25551"/>
-              <a:gd name="adj2" fmla="val -280756"/>
-            </a:avLst>
-          </a:prstGeom>
-        </p:spPr>
-        <p:style>
-          <a:lnRef idx="2">
-            <a:schemeClr val="accent6">
-              <a:shade val="50000"/>
-            </a:schemeClr>
-          </a:lnRef>
-          <a:fillRef idx="1">
-            <a:schemeClr val="accent6"/>
-          </a:fillRef>
-          <a:effectRef idx="0">
-            <a:schemeClr val="accent6"/>
-          </a:effectRef>
-          <a:fontRef idx="minor">
-            <a:schemeClr val="lt1"/>
-          </a:fontRef>
-        </p:style>
-        <p:txBody>
-          <a:bodyPr rtlCol="0" anchor="ctr"/>
-          <a:lstStyle/>
-          <a:p>
-            <a:pPr algn="ctr"/>
-            <a:r>
-              <a:rPr lang="en-US" sz="1400" dirty="0"/>
-              <a:t>Perceptron</a:t>
-            </a:r>
-          </a:p>
-        </p:txBody>
-      </p:sp>
-      <p:sp>
-        <p:nvSpPr>
-          <p:cNvPr id="7" name="Oval 6">
-            <a:extLst>
-              <a:ext uri="{FF2B5EF4-FFF2-40B4-BE49-F238E27FC236}">
-                <a16:creationId xmlns:a16="http://schemas.microsoft.com/office/drawing/2014/main" id="{617CB4B8-E50C-D9E2-1583-8D9F96D417B5}"/>
-              </a:ext>
-            </a:extLst>
-          </p:cNvPr>
-          <p:cNvSpPr/>
-          <p:nvPr/>
-        </p:nvSpPr>
-        <p:spPr>
-          <a:xfrm>
-            <a:off x="3516088" y="1503391"/>
-            <a:ext cx="1943100" cy="2590800"/>
-          </a:xfrm>
-          <a:prstGeom prst="ellipse">
-            <a:avLst/>
-          </a:prstGeom>
-          <a:solidFill>
-            <a:srgbClr val="70AD47">
-              <a:alpha val="20000"/>
-            </a:srgbClr>
-          </a:solidFill>
-          <a:ln>
-            <a:solidFill>
-              <a:schemeClr val="accent6">
-                <a:lumMod val="75000"/>
-              </a:schemeClr>
-            </a:solidFill>
-          </a:ln>
-        </p:spPr>
-        <p:style>
-          <a:lnRef idx="0">
-            <a:scrgbClr r="0" g="0" b="0"/>
-          </a:lnRef>
-          <a:fillRef idx="0">
-            <a:scrgbClr r="0" g="0" b="0"/>
-          </a:fillRef>
-          <a:effectRef idx="0">
-            <a:scrgbClr r="0" g="0" b="0"/>
-          </a:effectRef>
-          <a:fontRef idx="minor">
-            <a:schemeClr val="lt1"/>
-          </a:fontRef>
-        </p:style>
-        <p:txBody>
-          <a:bodyPr rtlCol="0" anchor="ctr"/>
-          <a:lstStyle/>
-          <a:p>
-            <a:pPr algn="ctr"/>
-            <a:endParaRPr lang="en-US">
-              <a:solidFill>
-                <a:schemeClr val="lt1"/>
-              </a:solidFill>
-            </a:endParaRPr>
-          </a:p>
-        </p:txBody>
-      </p:sp>
-      <p:cxnSp>
-        <p:nvCxnSpPr>
-          <p:cNvPr id="15" name="Straight Connector 14">
-            <a:extLst>
-              <a:ext uri="{FF2B5EF4-FFF2-40B4-BE49-F238E27FC236}">
-                <a16:creationId xmlns:a16="http://schemas.microsoft.com/office/drawing/2014/main" id="{B6AA2D06-82E0-6A3D-BC59-0D301E7633E2}"/>
-              </a:ext>
-            </a:extLst>
-          </p:cNvPr>
-          <p:cNvCxnSpPr>
-            <a:cxnSpLocks/>
-          </p:cNvCxnSpPr>
-          <p:nvPr/>
-        </p:nvCxnSpPr>
-        <p:spPr>
-          <a:xfrm flipV="1">
-            <a:off x="1611488" y="1586428"/>
-            <a:ext cx="2409626" cy="1138266"/>
-          </a:xfrm>
-          <a:prstGeom prst="line">
-            <a:avLst/>
-          </a:prstGeom>
-          <a:ln w="9525" cap="flat" cmpd="sng" algn="ctr">
-            <a:solidFill>
-              <a:schemeClr val="accent6"/>
-            </a:solidFill>
-            <a:prstDash val="dash"/>
-            <a:round/>
-            <a:headEnd type="none" w="med" len="med"/>
-            <a:tailEnd type="none" w="med" len="med"/>
-          </a:ln>
-        </p:spPr>
-        <p:style>
-          <a:lnRef idx="0">
-            <a:scrgbClr r="0" g="0" b="0"/>
-          </a:lnRef>
-          <a:fillRef idx="0">
-            <a:scrgbClr r="0" g="0" b="0"/>
-          </a:fillRef>
-          <a:effectRef idx="0">
-            <a:scrgbClr r="0" g="0" b="0"/>
-          </a:effectRef>
-          <a:fontRef idx="minor">
-            <a:schemeClr val="tx1"/>
-          </a:fontRef>
-        </p:style>
-      </p:cxnSp>
-      <p:cxnSp>
-        <p:nvCxnSpPr>
-          <p:cNvPr id="18" name="Straight Connector 17">
-            <a:extLst>
-              <a:ext uri="{FF2B5EF4-FFF2-40B4-BE49-F238E27FC236}">
-                <a16:creationId xmlns:a16="http://schemas.microsoft.com/office/drawing/2014/main" id="{89DDE38B-5A06-6C92-402E-28D279A27AE6}"/>
-              </a:ext>
-            </a:extLst>
-          </p:cNvPr>
-          <p:cNvCxnSpPr>
-            <a:cxnSpLocks/>
-          </p:cNvCxnSpPr>
-          <p:nvPr/>
-        </p:nvCxnSpPr>
-        <p:spPr>
-          <a:xfrm>
-            <a:off x="1611487" y="3054894"/>
-            <a:ext cx="2323321" cy="891103"/>
-          </a:xfrm>
-          <a:prstGeom prst="line">
-            <a:avLst/>
-          </a:prstGeom>
-          <a:ln w="9525" cap="flat" cmpd="sng" algn="ctr">
-            <a:solidFill>
-              <a:schemeClr val="accent6"/>
-            </a:solidFill>
-            <a:prstDash val="dash"/>
-            <a:round/>
-            <a:headEnd type="none" w="med" len="med"/>
-            <a:tailEnd type="none" w="med" len="med"/>
-          </a:ln>
-        </p:spPr>
-        <p:style>
-          <a:lnRef idx="0">
-            <a:scrgbClr r="0" g="0" b="0"/>
-          </a:lnRef>
-          <a:fillRef idx="0">
-            <a:scrgbClr r="0" g="0" b="0"/>
-          </a:fillRef>
-          <a:effectRef idx="0">
-            <a:scrgbClr r="0" g="0" b="0"/>
-          </a:effectRef>
-          <a:fontRef idx="minor">
-            <a:schemeClr val="tx1"/>
-          </a:fontRef>
-        </p:style>
-      </p:cxnSp>
     </p:spTree>
     <p:extLst>
       <p:ext uri="{BB962C8B-B14F-4D97-AF65-F5344CB8AC3E}">
@@ -37180,7 +38804,7 @@
 </p:sld>
 </file>
 
-<file path=ppt/slides/slide33.xml><?xml version="1.0" encoding="utf-8"?>
+<file path=ppt/slides/slide34.xml><?xml version="1.0" encoding="utf-8"?>
 <p:sld xmlns:a="http://schemas.openxmlformats.org/drawingml/2006/main" xmlns:r="http://schemas.openxmlformats.org/officeDocument/2006/relationships" xmlns:p="http://schemas.openxmlformats.org/presentationml/2006/main">
   <p:cSld>
     <p:bg>
@@ -37309,7 +38933,7 @@
       </p:sp>
       <p:graphicFrame>
         <p:nvGraphicFramePr>
-          <p:cNvPr id="5" name="Content Placeholder 2">
+          <p:cNvPr id="5" name="Content Placeholder 2" descr="A popular class of models is called generalized linear models. This class includes linear and logistic regression. Other methods often used are regularization, the kernel trick, ensemble learning and embedding of data.">
             <a:extLst>
               <a:ext uri="{FF2B5EF4-FFF2-40B4-BE49-F238E27FC236}">
                 <a16:creationId xmlns:a16="http://schemas.microsoft.com/office/drawing/2014/main" id="{0E17A239-0BAB-C414-09F4-BB525FA255C3}"/>
@@ -37323,7 +38947,7 @@
             <p:ph idx="1"/>
             <p:extLst>
               <p:ext uri="{D42A27DB-BD31-4B8C-83A1-F6EECF244321}">
-                <p14:modId xmlns:p14="http://schemas.microsoft.com/office/powerpoint/2010/main" val="3464278785"/>
+                <p14:modId xmlns:p14="http://schemas.microsoft.com/office/powerpoint/2010/main" val="3648780644"/>
               </p:ext>
             </p:extLst>
           </p:nvPr>
@@ -37351,7 +38975,7 @@
 </p:sld>
 </file>
 
-<file path=ppt/slides/slide34.xml><?xml version="1.0" encoding="utf-8"?>
+<file path=ppt/slides/slide35.xml><?xml version="1.0" encoding="utf-8"?>
 <p:sld xmlns:a="http://schemas.openxmlformats.org/drawingml/2006/main" xmlns:r="http://schemas.openxmlformats.org/officeDocument/2006/relationships" xmlns:p="http://schemas.openxmlformats.org/presentationml/2006/main">
   <p:cSld>
     <p:spTree>
@@ -37445,11 +39069,11 @@
           </a:p>
         </p:txBody>
       </p:sp>
-      <mc:AlternateContent xmlns:mc="http://schemas.openxmlformats.org/markup-compatibility/2006" xmlns:a14="http://schemas.microsoft.com/office/drawing/2010/main">
-        <mc:Choice Requires="a14">
+      <mc:AlternateContent xmlns:mc="http://schemas.openxmlformats.org/markup-compatibility/2006">
+        <mc:Choice xmlns:a14="http://schemas.microsoft.com/office/drawing/2010/main" Requires="a14">
           <p:graphicFrame>
             <p:nvGraphicFramePr>
-              <p:cNvPr id="6" name="Content Placeholder 2">
+              <p:cNvPr id="6" name="Content Placeholder 2" descr="ML models can be used to learn actions or an evaluation function from state descriptions. ML is also used in preprocessing percepts (natural language processing, object detection) or to compress large tables like joint probability tables.">
                 <a:extLst>
                   <a:ext uri="{FF2B5EF4-FFF2-40B4-BE49-F238E27FC236}">
                     <a16:creationId xmlns:a16="http://schemas.microsoft.com/office/drawing/2014/main" id="{EED8E7DC-935B-9A5E-BB4B-1EAC7123C689}"/>
@@ -37462,7 +39086,7 @@
               <p:nvPr>
                 <p:extLst>
                   <p:ext uri="{D42A27DB-BD31-4B8C-83A1-F6EECF244321}">
-                    <p14:modId xmlns:p14="http://schemas.microsoft.com/office/powerpoint/2010/main" val="2490384619"/>
+                    <p14:modId xmlns:p14="http://schemas.microsoft.com/office/powerpoint/2010/main" val="3221102969"/>
                   </p:ext>
                 </p:extLst>
               </p:nvPr>
@@ -37478,10 +39102,10 @@
             </a:graphic>
           </p:graphicFrame>
         </mc:Choice>
-        <mc:Fallback xmlns="">
+        <mc:Fallback>
           <p:graphicFrame>
             <p:nvGraphicFramePr>
-              <p:cNvPr id="6" name="Content Placeholder 2">
+              <p:cNvPr id="6" name="Content Placeholder 2" descr="ML models can be used to learn actions or an evaluation function from state descriptions. ML is also used in preprocessing percepts (natural language processing, object detection) or to compress large tables like joint probability tables.">
                 <a:extLst>
                   <a:ext uri="{FF2B5EF4-FFF2-40B4-BE49-F238E27FC236}">
                     <a16:creationId xmlns:a16="http://schemas.microsoft.com/office/drawing/2014/main" id="{EED8E7DC-935B-9A5E-BB4B-1EAC7123C689}"/>
@@ -37494,7 +39118,7 @@
               <p:nvPr>
                 <p:extLst>
                   <p:ext uri="{D42A27DB-BD31-4B8C-83A1-F6EECF244321}">
-                    <p14:modId xmlns:p14="http://schemas.microsoft.com/office/powerpoint/2010/main" val="2490384619"/>
+                    <p14:modId xmlns:p14="http://schemas.microsoft.com/office/powerpoint/2010/main" val="3221102969"/>
                   </p:ext>
                 </p:extLst>
               </p:nvPr>
@@ -37505,7 +39129,7 @@
             </p:xfrm>
             <a:graphic>
               <a:graphicData uri="http://schemas.openxmlformats.org/drawingml/2006/diagram">
-                <dgm:relIds xmlns:dgm="http://schemas.openxmlformats.org/drawingml/2006/diagram" xmlns:r="http://schemas.openxmlformats.org/officeDocument/2006/relationships" r:dm="rId7" r:lo="rId8" r:qs="rId9" r:cs="rId10"/>
+                <dgm:relIds xmlns:dgm="http://schemas.openxmlformats.org/drawingml/2006/diagram" xmlns:r="http://schemas.openxmlformats.org/officeDocument/2006/relationships" r:dm="rId7" r:lo="rId3" r:qs="rId4" r:cs="rId5"/>
               </a:graphicData>
             </a:graphic>
           </p:graphicFrame>
@@ -38031,7 +39655,7 @@
         <p:spPr>
           <a:xfrm>
             <a:off x="838200" y="1600200"/>
-            <a:ext cx="10515600" cy="4351338"/>
+            <a:ext cx="10515600" cy="838200"/>
           </a:xfrm>
         </p:spPr>
         <p:txBody>
@@ -38067,7 +39691,7 @@
       </p:sp>
       <p:pic>
         <p:nvPicPr>
-          <p:cNvPr id="5" name="Picture 4">
+          <p:cNvPr id="5" name="Picture 4" descr="A diagram showing the design of a learning agent where the learning element changes the performance element to improve performance.">
             <a:extLst>
               <a:ext uri="{FF2B5EF4-FFF2-40B4-BE49-F238E27FC236}">
                 <a16:creationId xmlns:a16="http://schemas.microsoft.com/office/drawing/2014/main" id="{3FAB11E6-8A7F-4883-91BB-E3D4CAF1979E}"/>
@@ -38101,6 +39725,9 @@
             <a:extLst>
               <a:ext uri="{FF2B5EF4-FFF2-40B4-BE49-F238E27FC236}">
                 <a16:creationId xmlns:a16="http://schemas.microsoft.com/office/drawing/2014/main" id="{EC43F13B-70AE-4A79-BEC3-FD5269489949}"/>
+              </a:ext>
+              <a:ext uri="{C183D7F6-B498-43B3-948B-1728B52AA6E4}">
+                <adec:decorative xmlns:adec="http://schemas.microsoft.com/office/drawing/2017/decorative" val="1"/>
               </a:ext>
             </a:extLst>
           </p:cNvPr>
@@ -38144,7 +39771,71 @@
             <a:pPr algn="ctr"/>
             <a:r>
               <a:rPr lang="en-US" dirty="0"/>
-              <a:t>How is the agent currently performing?</a:t>
+              <a:t>Critic: How is the agent currently performing?</a:t>
+            </a:r>
+          </a:p>
+        </p:txBody>
+      </p:sp>
+      <p:sp>
+        <p:nvSpPr>
+          <p:cNvPr id="3" name="Callout: Line 2">
+            <a:extLst>
+              <a:ext uri="{FF2B5EF4-FFF2-40B4-BE49-F238E27FC236}">
+                <a16:creationId xmlns:a16="http://schemas.microsoft.com/office/drawing/2014/main" id="{1DFCA2A8-129A-7DD8-4F14-4280C6829F08}"/>
+              </a:ext>
+              <a:ext uri="{C183D7F6-B498-43B3-948B-1728B52AA6E4}">
+                <adec:decorative xmlns:adec="http://schemas.microsoft.com/office/drawing/2017/decorative" val="1"/>
+              </a:ext>
+            </a:extLst>
+          </p:cNvPr>
+          <p:cNvSpPr/>
+          <p:nvPr/>
+        </p:nvSpPr>
+        <p:spPr>
+          <a:xfrm>
+            <a:off x="2057400" y="3429000"/>
+            <a:ext cx="2630150" cy="1676400"/>
+          </a:xfrm>
+          <a:prstGeom prst="borderCallout1">
+            <a:avLst>
+              <a:gd name="adj1" fmla="val 45008"/>
+              <a:gd name="adj2" fmla="val 104907"/>
+              <a:gd name="adj3" fmla="val 64209"/>
+              <a:gd name="adj4" fmla="val 145539"/>
+            </a:avLst>
+          </a:prstGeom>
+        </p:spPr>
+        <p:style>
+          <a:lnRef idx="2">
+            <a:schemeClr val="accent2">
+              <a:shade val="50000"/>
+            </a:schemeClr>
+          </a:lnRef>
+          <a:fillRef idx="1">
+            <a:schemeClr val="accent2"/>
+          </a:fillRef>
+          <a:effectRef idx="0">
+            <a:schemeClr val="accent2"/>
+          </a:effectRef>
+          <a:fontRef idx="minor">
+            <a:schemeClr val="lt1"/>
+          </a:fontRef>
+        </p:style>
+        <p:txBody>
+          <a:bodyPr rtlCol="0" anchor="ctr"/>
+          <a:lstStyle/>
+          <a:p>
+            <a:pPr algn="ctr"/>
+            <a:r>
+              <a:rPr lang="en-US" dirty="0"/>
+              <a:t>Learning Element: Update the performance element and changes how it selects actions.</a:t>
+            </a:r>
+          </a:p>
+          <a:p>
+            <a:pPr algn="ctr"/>
+            <a:r>
+              <a:rPr lang="en-US" dirty="0"/>
+              <a:t>E.g., adding rules, changing weights</a:t>
             </a:r>
           </a:p>
         </p:txBody>
@@ -38155,6 +39846,9 @@
             <a:extLst>
               <a:ext uri="{FF2B5EF4-FFF2-40B4-BE49-F238E27FC236}">
                 <a16:creationId xmlns:a16="http://schemas.microsoft.com/office/drawing/2014/main" id="{4E3F4BEC-90AE-4251-9F62-1458F9DFAFAE}"/>
+              </a:ext>
+              <a:ext uri="{C183D7F6-B498-43B3-948B-1728B52AA6E4}">
+                <adec:decorative xmlns:adec="http://schemas.microsoft.com/office/drawing/2017/decorative" val="1"/>
               </a:ext>
             </a:extLst>
           </p:cNvPr>
@@ -38198,68 +39892,7 @@
             <a:pPr algn="ctr"/>
             <a:r>
               <a:rPr lang="en-US" dirty="0"/>
-              <a:t>Exploration: select actions that lead to better information</a:t>
-            </a:r>
-          </a:p>
-        </p:txBody>
-      </p:sp>
-      <p:sp>
-        <p:nvSpPr>
-          <p:cNvPr id="3" name="Callout: Line 2">
-            <a:extLst>
-              <a:ext uri="{FF2B5EF4-FFF2-40B4-BE49-F238E27FC236}">
-                <a16:creationId xmlns:a16="http://schemas.microsoft.com/office/drawing/2014/main" id="{1DFCA2A8-129A-7DD8-4F14-4280C6829F08}"/>
-              </a:ext>
-            </a:extLst>
-          </p:cNvPr>
-          <p:cNvSpPr/>
-          <p:nvPr/>
-        </p:nvSpPr>
-        <p:spPr>
-          <a:xfrm>
-            <a:off x="2057400" y="3503752"/>
-            <a:ext cx="2630150" cy="1503273"/>
-          </a:xfrm>
-          <a:prstGeom prst="borderCallout1">
-            <a:avLst>
-              <a:gd name="adj1" fmla="val 45008"/>
-              <a:gd name="adj2" fmla="val 104907"/>
-              <a:gd name="adj3" fmla="val 64209"/>
-              <a:gd name="adj4" fmla="val 145539"/>
-            </a:avLst>
-          </a:prstGeom>
-        </p:spPr>
-        <p:style>
-          <a:lnRef idx="2">
-            <a:schemeClr val="accent2">
-              <a:shade val="50000"/>
-            </a:schemeClr>
-          </a:lnRef>
-          <a:fillRef idx="1">
-            <a:schemeClr val="accent2"/>
-          </a:fillRef>
-          <a:effectRef idx="0">
-            <a:schemeClr val="accent2"/>
-          </a:effectRef>
-          <a:fontRef idx="minor">
-            <a:schemeClr val="lt1"/>
-          </a:fontRef>
-        </p:style>
-        <p:txBody>
-          <a:bodyPr rtlCol="0" anchor="ctr"/>
-          <a:lstStyle/>
-          <a:p>
-            <a:pPr algn="ctr"/>
-            <a:r>
-              <a:rPr lang="en-US" dirty="0"/>
-              <a:t>Update the performance element and changes how it selects actions.</a:t>
-            </a:r>
-          </a:p>
-          <a:p>
-            <a:pPr algn="ctr"/>
-            <a:r>
-              <a:rPr lang="en-US" dirty="0"/>
-              <a:t>E.g., adding rules, changing weights</a:t>
+              <a:t>Problem generators: Explore actions that lead to better information</a:t>
             </a:r>
           </a:p>
         </p:txBody>
@@ -38505,6 +40138,9 @@
             <a:extLst>
               <a:ext uri="{FF2B5EF4-FFF2-40B4-BE49-F238E27FC236}">
                 <a16:creationId xmlns:a16="http://schemas.microsoft.com/office/drawing/2014/main" id="{DDB91D51-C76A-B472-A3EE-6E088C0D9CF6}"/>
+              </a:ext>
+              <a:ext uri="{C183D7F6-B498-43B3-948B-1728B52AA6E4}">
+                <adec:decorative xmlns:adec="http://schemas.microsoft.com/office/drawing/2017/decorative" val="1"/>
               </a:ext>
             </a:extLst>
           </p:cNvPr>
@@ -38939,6 +40575,9 @@
               <a:ext uri="{FF2B5EF4-FFF2-40B4-BE49-F238E27FC236}">
                 <a16:creationId xmlns:a16="http://schemas.microsoft.com/office/drawing/2014/main" id="{BFAFFAD1-E36F-4190-8830-CD2F701B1EF0}"/>
               </a:ext>
+              <a:ext uri="{C183D7F6-B498-43B3-948B-1728B52AA6E4}">
+                <adec:decorative xmlns:adec="http://schemas.microsoft.com/office/drawing/2017/decorative" val="1"/>
+              </a:ext>
             </a:extLst>
           </p:cNvPr>
           <p:cNvGrpSpPr/>
@@ -39079,20 +40718,27 @@
             <p:ph type="title"/>
           </p:nvPr>
         </p:nvSpPr>
-        <p:spPr/>
+        <p:spPr>
+          <a:xfrm>
+            <a:off x="838200" y="365126"/>
+            <a:ext cx="10515600" cy="912832"/>
+          </a:xfrm>
+        </p:spPr>
         <p:txBody>
-          <a:bodyPr/>
+          <a:bodyPr>
+            <a:normAutofit fontScale="90000"/>
+          </a:bodyPr>
           <a:lstStyle/>
           <a:p>
             <a:r>
               <a:rPr lang="en-US" dirty="0"/>
-              <a:t>Supervised Learning</a:t>
+              <a:t>Supervised Learning As Function Approximation</a:t>
             </a:r>
           </a:p>
         </p:txBody>
       </p:sp>
-      <mc:AlternateContent xmlns:mc="http://schemas.openxmlformats.org/markup-compatibility/2006" xmlns:a14="http://schemas.microsoft.com/office/drawing/2010/main">
-        <mc:Choice Requires="a14">
+      <mc:AlternateContent xmlns:mc="http://schemas.openxmlformats.org/markup-compatibility/2006">
+        <mc:Choice xmlns:a14="http://schemas.microsoft.com/office/drawing/2010/main" Requires="a14">
           <p:sp>
             <p:nvSpPr>
               <p:cNvPr id="1104899" name="Rectangle 3"/>
@@ -39105,7 +40751,7 @@
             </p:nvSpPr>
             <p:spPr>
               <a:xfrm>
-                <a:off x="1066800" y="1447800"/>
+                <a:off x="1066800" y="1403053"/>
                 <a:ext cx="10439400" cy="4724400"/>
               </a:xfrm>
             </p:spPr>
@@ -39874,7 +41520,7 @@
             </p:txBody>
           </p:sp>
         </mc:Choice>
-        <mc:Fallback xmlns="">
+        <mc:Fallback>
           <p:sp>
             <p:nvSpPr>
               <p:cNvPr id="1104899" name="Rectangle 3"/>
@@ -39887,13 +41533,13 @@
             </p:nvSpPr>
             <p:spPr>
               <a:xfrm>
-                <a:off x="1066800" y="1447800"/>
+                <a:off x="1066800" y="1403053"/>
                 <a:ext cx="10439400" cy="4724400"/>
               </a:xfrm>
               <a:blipFill>
                 <a:blip r:embed="rId4"/>
                 <a:stretch>
-                  <a:fillRect l="-876" t="-3355"/>
+                  <a:fillRect l="-876" t="-3226"/>
                 </a:stretch>
               </a:blipFill>
             </p:spPr>
@@ -39918,6 +41564,9 @@
             <a:extLst>
               <a:ext uri="{FF2B5EF4-FFF2-40B4-BE49-F238E27FC236}">
                 <a16:creationId xmlns:a16="http://schemas.microsoft.com/office/drawing/2014/main" id="{BE27B559-43A9-46D3-A531-CDA612A73009}"/>
+              </a:ext>
+              <a:ext uri="{C183D7F6-B498-43B3-948B-1728B52AA6E4}">
+                <adec:decorative xmlns:adec="http://schemas.microsoft.com/office/drawing/2017/decorative" val="1"/>
               </a:ext>
             </a:extLst>
           </p:cNvPr>
@@ -40107,7 +41756,7 @@
             </a:ln>
             <a:extLst>
               <a:ext uri="{AF507438-7753-43e0-B8FC-AC1667EBCBE1}">
-                <a14:hiddenEffects xmlns="" xmlns:a14="http://schemas.microsoft.com/office/drawing/2010/main">
+                <a14:hiddenEffects xmlns:a14="http://schemas.microsoft.com/office/drawing/2010/main" xmlns="">
                   <a:effectLst>
                     <a:outerShdw dist="35921" dir="2700000" algn="ctr" rotWithShape="0">
                       <a:schemeClr val="bg2"/>
@@ -40118,19 +41767,17 @@
             </a:extLst>
           </p:spPr>
           <p:style>
-            <a:lnRef idx="2">
-              <a:schemeClr val="accent5">
-                <a:shade val="50000"/>
-              </a:schemeClr>
+            <a:lnRef idx="1">
+              <a:schemeClr val="accent5"/>
             </a:lnRef>
-            <a:fillRef idx="1">
+            <a:fillRef idx="2">
               <a:schemeClr val="accent5"/>
             </a:fillRef>
-            <a:effectRef idx="0">
+            <a:effectRef idx="1">
               <a:schemeClr val="accent5"/>
             </a:effectRef>
             <a:fontRef idx="minor">
-              <a:schemeClr val="lt1"/>
+              <a:schemeClr val="dk1"/>
             </a:fontRef>
           </p:style>
           <p:txBody>
@@ -40191,14 +41838,14 @@
             <a:effectLst/>
             <a:extLst>
               <a:ext uri="{909E8E84-426E-40dd-AFC4-6F175D3DCCD1}">
-                <a14:hiddenFill xmlns="" xmlns:a14="http://schemas.microsoft.com/office/drawing/2010/main">
+                <a14:hiddenFill xmlns:a14="http://schemas.microsoft.com/office/drawing/2010/main" xmlns="">
                   <a:solidFill>
                     <a:schemeClr val="accent1"/>
                   </a:solidFill>
                 </a14:hiddenFill>
               </a:ext>
               <a:ext uri="{91240B29-F687-4f45-9708-019B960494DF}">
-                <a14:hiddenLine xmlns="" xmlns:a14="http://schemas.microsoft.com/office/drawing/2010/main" w="9525">
+                <a14:hiddenLine xmlns:a14="http://schemas.microsoft.com/office/drawing/2010/main" xmlns="" w="9525">
                   <a:solidFill>
                     <a:schemeClr val="tx1"/>
                   </a:solidFill>
@@ -40208,7 +41855,7 @@
                 </a14:hiddenLine>
               </a:ext>
               <a:ext uri="{AF507438-7753-43e0-B8FC-AC1667EBCBE1}">
-                <a14:hiddenEffects xmlns="" xmlns:a14="http://schemas.microsoft.com/office/drawing/2010/main">
+                <a14:hiddenEffects xmlns:a14="http://schemas.microsoft.com/office/drawing/2010/main" xmlns="">
                   <a:effectLst>
                     <a:outerShdw dist="35921" dir="2700000" algn="ctr" rotWithShape="0">
                       <a:schemeClr val="bg2"/>
@@ -40249,7 +41896,7 @@
             <a:effectLst/>
             <a:extLst>
               <a:ext uri="{AF507438-7753-43e0-B8FC-AC1667EBCBE1}">
-                <a14:hiddenEffects xmlns="" xmlns:a14="http://schemas.microsoft.com/office/drawing/2010/main">
+                <a14:hiddenEffects xmlns:a14="http://schemas.microsoft.com/office/drawing/2010/main" xmlns="">
                   <a:effectLst>
                     <a:outerShdw dist="35921" dir="2700000" algn="ctr" rotWithShape="0">
                       <a:schemeClr val="bg2"/>
@@ -40297,7 +41944,7 @@
             <a:effectLst/>
             <a:extLst>
               <a:ext uri="{AF507438-7753-43e0-B8FC-AC1667EBCBE1}">
-                <a14:hiddenEffects xmlns="" xmlns:a14="http://schemas.microsoft.com/office/drawing/2010/main">
+                <a14:hiddenEffects xmlns:a14="http://schemas.microsoft.com/office/drawing/2010/main" xmlns="">
                   <a:effectLst>
                     <a:outerShdw dist="35921" dir="2700000" algn="ctr" rotWithShape="0">
                       <a:schemeClr val="bg2"/>
@@ -40365,14 +42012,14 @@
             <a:effectLst/>
             <a:extLst>
               <a:ext uri="{909E8E84-426E-40dd-AFC4-6F175D3DCCD1}">
-                <a14:hiddenFill xmlns="" xmlns:a14="http://schemas.microsoft.com/office/drawing/2010/main">
+                <a14:hiddenFill xmlns:a14="http://schemas.microsoft.com/office/drawing/2010/main" xmlns="">
                   <a:solidFill>
                     <a:schemeClr val="accent1"/>
                   </a:solidFill>
                 </a14:hiddenFill>
               </a:ext>
               <a:ext uri="{91240B29-F687-4f45-9708-019B960494DF}">
-                <a14:hiddenLine xmlns="" xmlns:a14="http://schemas.microsoft.com/office/drawing/2010/main" w="9525">
+                <a14:hiddenLine xmlns:a14="http://schemas.microsoft.com/office/drawing/2010/main" xmlns="" w="9525">
                   <a:solidFill>
                     <a:schemeClr val="tx1"/>
                   </a:solidFill>
@@ -40382,7 +42029,7 @@
                 </a14:hiddenLine>
               </a:ext>
               <a:ext uri="{AF507438-7753-43e0-B8FC-AC1667EBCBE1}">
-                <a14:hiddenEffects xmlns="" xmlns:a14="http://schemas.microsoft.com/office/drawing/2010/main">
+                <a14:hiddenEffects xmlns:a14="http://schemas.microsoft.com/office/drawing/2010/main" xmlns="">
                   <a:effectLst>
                     <a:outerShdw dist="35921" dir="2700000" algn="ctr" rotWithShape="0">
                       <a:schemeClr val="bg2"/>
@@ -40885,7 +42532,7 @@
       </mc:AlternateContent>
       <p:pic>
         <p:nvPicPr>
-          <p:cNvPr id="1105924" name="Picture 4"/>
+          <p:cNvPr id="1105924" name="Picture 4" descr="A scatter plot with some example points."/>
           <p:cNvPicPr>
             <a:picLocks noChangeAspect="1" noChangeArrowheads="1"/>
           </p:cNvPicPr>
@@ -40919,14 +42566,14 @@
           <a:effectLst/>
           <a:extLst>
             <a:ext uri="{909E8E84-426E-40dd-AFC4-6F175D3DCCD1}">
-              <a14:hiddenFill xmlns="" xmlns:a14="http://schemas.microsoft.com/office/drawing/2010/main">
+              <a14:hiddenFill xmlns:a14="http://schemas.microsoft.com/office/drawing/2010/main" xmlns="">
                 <a:solidFill>
                   <a:schemeClr val="accent1"/>
                 </a:solidFill>
               </a14:hiddenFill>
             </a:ext>
             <a:ext uri="{91240B29-F687-4f45-9708-019B960494DF}">
-              <a14:hiddenLine xmlns="" xmlns:a14="http://schemas.microsoft.com/office/drawing/2010/main" w="9525">
+              <a14:hiddenLine xmlns:a14="http://schemas.microsoft.com/office/drawing/2010/main" xmlns="" w="9525">
                 <a:solidFill>
                   <a:schemeClr val="tx1"/>
                 </a:solidFill>
@@ -40936,7 +42583,7 @@
               </a14:hiddenLine>
             </a:ext>
             <a:ext uri="{AF507438-7753-43e0-B8FC-AC1667EBCBE1}">
-              <a14:hiddenEffects xmlns="" xmlns:a14="http://schemas.microsoft.com/office/drawing/2010/main">
+              <a14:hiddenEffects xmlns:a14="http://schemas.microsoft.com/office/drawing/2010/main" xmlns="">
                 <a:effectLst>
                   <a:outerShdw dist="35921" dir="2700000" algn="ctr" rotWithShape="0">
                     <a:schemeClr val="bg2"/>
@@ -40949,7 +42596,7 @@
       </p:pic>
       <p:pic>
         <p:nvPicPr>
-          <p:cNvPr id="1105928" name="Picture 8"/>
+          <p:cNvPr id="1105928" name="Picture 8" descr="Several models fitted to the data."/>
           <p:cNvPicPr>
             <a:picLocks noChangeAspect="1" noChangeArrowheads="1"/>
           </p:cNvPicPr>
@@ -40983,14 +42630,14 @@
           <a:effectLst/>
           <a:extLst>
             <a:ext uri="{909E8E84-426E-40dd-AFC4-6F175D3DCCD1}">
-              <a14:hiddenFill xmlns="" xmlns:a14="http://schemas.microsoft.com/office/drawing/2010/main">
+              <a14:hiddenFill xmlns:a14="http://schemas.microsoft.com/office/drawing/2010/main" xmlns="">
                 <a:solidFill>
                   <a:schemeClr val="accent1"/>
                 </a:solidFill>
               </a14:hiddenFill>
             </a:ext>
             <a:ext uri="{91240B29-F687-4f45-9708-019B960494DF}">
-              <a14:hiddenLine xmlns="" xmlns:a14="http://schemas.microsoft.com/office/drawing/2010/main" w="9525">
+              <a14:hiddenLine xmlns:a14="http://schemas.microsoft.com/office/drawing/2010/main" xmlns="" w="9525">
                 <a:solidFill>
                   <a:schemeClr val="tx1"/>
                 </a:solidFill>
@@ -41000,7 +42647,7 @@
               </a14:hiddenLine>
             </a:ext>
             <a:ext uri="{AF507438-7753-43e0-B8FC-AC1667EBCBE1}">
-              <a14:hiddenEffects xmlns="" xmlns:a14="http://schemas.microsoft.com/office/drawing/2010/main">
+              <a14:hiddenEffects xmlns:a14="http://schemas.microsoft.com/office/drawing/2010/main" xmlns="">
                 <a:effectLst>
                   <a:outerShdw dist="35921" dir="2700000" algn="ctr" rotWithShape="0">
                     <a:schemeClr val="bg2"/>
@@ -41011,14 +42658,17 @@
           </a:extLst>
         </p:spPr>
       </p:pic>
-      <mc:AlternateContent xmlns:mc="http://schemas.openxmlformats.org/markup-compatibility/2006" xmlns:a14="http://schemas.microsoft.com/office/drawing/2010/main">
-        <mc:Choice Requires="a14">
+      <mc:AlternateContent xmlns:mc="http://schemas.openxmlformats.org/markup-compatibility/2006">
+        <mc:Choice xmlns:a14="http://schemas.microsoft.com/office/drawing/2010/main" Requires="a14">
           <p:sp>
             <p:nvSpPr>
               <p:cNvPr id="2" name="TextBox 1">
                 <a:extLst>
                   <a:ext uri="{FF2B5EF4-FFF2-40B4-BE49-F238E27FC236}">
                     <a16:creationId xmlns:a16="http://schemas.microsoft.com/office/drawing/2014/main" id="{34A8B0EF-7E3F-4858-B638-A30543CE2C9F}"/>
+                  </a:ext>
+                  <a:ext uri="{C183D7F6-B498-43B3-948B-1728B52AA6E4}">
+                    <adec:decorative xmlns:adec="http://schemas.microsoft.com/office/drawing/2017/decorative" val="1"/>
                   </a:ext>
                 </a:extLst>
               </p:cNvPr>
@@ -41116,13 +42766,16 @@
             </p:txBody>
           </p:sp>
         </mc:Choice>
-        <mc:Fallback xmlns="">
+        <mc:Fallback>
           <p:sp>
             <p:nvSpPr>
               <p:cNvPr id="2" name="TextBox 1">
                 <a:extLst>
                   <a:ext uri="{FF2B5EF4-FFF2-40B4-BE49-F238E27FC236}">
                     <a16:creationId xmlns:a16="http://schemas.microsoft.com/office/drawing/2014/main" id="{34A8B0EF-7E3F-4858-B638-A30543CE2C9F}"/>
+                  </a:ext>
+                  <a:ext uri="{C183D7F6-B498-43B3-948B-1728B52AA6E4}">
+                    <adec:decorative xmlns:adec="http://schemas.microsoft.com/office/drawing/2017/decorative" val="1"/>
                   </a:ext>
                 </a:extLst>
               </p:cNvPr>
@@ -41167,6 +42820,9 @@
             <a:extLst>
               <a:ext uri="{FF2B5EF4-FFF2-40B4-BE49-F238E27FC236}">
                 <a16:creationId xmlns:a16="http://schemas.microsoft.com/office/drawing/2014/main" id="{B5203AB2-BDEF-45F7-B0BE-A4C90185CB08}"/>
+              </a:ext>
+              <a:ext uri="{C183D7F6-B498-43B3-948B-1728B52AA6E4}">
+                <adec:decorative xmlns:adec="http://schemas.microsoft.com/office/drawing/2017/decorative" val="1"/>
               </a:ext>
             </a:extLst>
           </p:cNvPr>
@@ -41219,6 +42875,9 @@
               <a:ext uri="{FF2B5EF4-FFF2-40B4-BE49-F238E27FC236}">
                 <a16:creationId xmlns:a16="http://schemas.microsoft.com/office/drawing/2014/main" id="{E130ECF7-23D8-4A71-A799-489D48208E66}"/>
               </a:ext>
+              <a:ext uri="{C183D7F6-B498-43B3-948B-1728B52AA6E4}">
+                <adec:decorative xmlns:adec="http://schemas.microsoft.com/office/drawing/2017/decorative" val="1"/>
+              </a:ext>
             </a:extLst>
           </p:cNvPr>
           <p:cNvSpPr txBox="1"/>
@@ -41270,6 +42929,9 @@
               <a:ext uri="{FF2B5EF4-FFF2-40B4-BE49-F238E27FC236}">
                 <a16:creationId xmlns:a16="http://schemas.microsoft.com/office/drawing/2014/main" id="{F79AFB5E-CD13-468E-8363-2A23CE0FB180}"/>
               </a:ext>
+              <a:ext uri="{C183D7F6-B498-43B3-948B-1728B52AA6E4}">
+                <adec:decorative xmlns:adec="http://schemas.microsoft.com/office/drawing/2017/decorative" val="1"/>
+              </a:ext>
             </a:extLst>
           </p:cNvPr>
           <p:cNvSpPr txBox="1"/>
@@ -41305,6 +42967,9 @@
             <a:extLst>
               <a:ext uri="{FF2B5EF4-FFF2-40B4-BE49-F238E27FC236}">
                 <a16:creationId xmlns:a16="http://schemas.microsoft.com/office/drawing/2014/main" id="{722AC3BA-4053-46E2-B0B9-60CA5CF0EBBB}"/>
+              </a:ext>
+              <a:ext uri="{C183D7F6-B498-43B3-948B-1728B52AA6E4}">
+                <adec:decorative xmlns:adec="http://schemas.microsoft.com/office/drawing/2017/decorative" val="1"/>
               </a:ext>
             </a:extLst>
           </p:cNvPr>
@@ -41348,6 +43013,9 @@
             <a:extLst>
               <a:ext uri="{FF2B5EF4-FFF2-40B4-BE49-F238E27FC236}">
                 <a16:creationId xmlns:a16="http://schemas.microsoft.com/office/drawing/2014/main" id="{2E815FAA-BAF2-41E9-BEFE-7EE94BCF9E03}"/>
+              </a:ext>
+              <a:ext uri="{C183D7F6-B498-43B3-948B-1728B52AA6E4}">
+                <adec:decorative xmlns:adec="http://schemas.microsoft.com/office/drawing/2017/decorative" val="1"/>
               </a:ext>
             </a:extLst>
           </p:cNvPr>
@@ -41400,6 +43068,9 @@
             <a:extLst>
               <a:ext uri="{FF2B5EF4-FFF2-40B4-BE49-F238E27FC236}">
                 <a16:creationId xmlns:a16="http://schemas.microsoft.com/office/drawing/2014/main" id="{FE19FE2A-1DB0-4405-63A3-E2082B4EBAC0}"/>
+              </a:ext>
+              <a:ext uri="{C183D7F6-B498-43B3-948B-1728B52AA6E4}">
+                <adec:decorative xmlns:adec="http://schemas.microsoft.com/office/drawing/2017/decorative" val="1"/>
               </a:ext>
             </a:extLst>
           </p:cNvPr>
@@ -41550,7 +43221,7 @@
 <file path=ppt/theme/theme1.xml><?xml version="1.0" encoding="utf-8"?>
 <a:theme xmlns:a="http://schemas.openxmlformats.org/drawingml/2006/main" name="Office Theme">
   <a:themeElements>
-    <a:clrScheme name="Office">
+    <a:clrScheme name="Custom 3">
       <a:dk1>
         <a:sysClr val="windowText" lastClr="000000"/>
       </a:dk1>
@@ -41558,34 +43229,34 @@
         <a:sysClr val="window" lastClr="FFFFFF"/>
       </a:lt1>
       <a:dk2>
-        <a:srgbClr val="44546A"/>
+        <a:srgbClr val="0E2841"/>
       </a:dk2>
       <a:lt2>
-        <a:srgbClr val="E7E6E6"/>
+        <a:srgbClr val="E8E8E8"/>
       </a:lt2>
       <a:accent1>
-        <a:srgbClr val="4472C4"/>
+        <a:srgbClr val="156082"/>
       </a:accent1>
       <a:accent2>
-        <a:srgbClr val="ED7D31"/>
+        <a:srgbClr val="BE4D14"/>
       </a:accent2>
       <a:accent3>
-        <a:srgbClr val="A5A5A5"/>
+        <a:srgbClr val="196B24"/>
       </a:accent3>
       <a:accent4>
-        <a:srgbClr val="FFC000"/>
+        <a:srgbClr val="0B769F"/>
       </a:accent4>
       <a:accent5>
-        <a:srgbClr val="5B9BD5"/>
+        <a:srgbClr val="A02B93"/>
       </a:accent5>
       <a:accent6>
-        <a:srgbClr val="70AD47"/>
+        <a:srgbClr val="377620"/>
       </a:accent6>
       <a:hlink>
-        <a:srgbClr val="0563C1"/>
+        <a:srgbClr val="467886"/>
       </a:hlink>
       <a:folHlink>
-        <a:srgbClr val="954F72"/>
+        <a:srgbClr val="96607D"/>
       </a:folHlink>
     </a:clrScheme>
     <a:fontScheme name="Office">

--- a/slides/19_ML_intro.pptx
+++ b/slides/19_ML_intro.pptx
@@ -5,10 +5,10 @@
     <p:sldMasterId id="2147483769" r:id="rId1"/>
   </p:sldMasterIdLst>
   <p:notesMasterIdLst>
-    <p:notesMasterId r:id="rId37"/>
+    <p:notesMasterId r:id="rId36"/>
   </p:notesMasterIdLst>
   <p:handoutMasterIdLst>
-    <p:handoutMasterId r:id="rId38"/>
+    <p:handoutMasterId r:id="rId37"/>
   </p:handoutMasterIdLst>
   <p:sldIdLst>
     <p:sldId id="455" r:id="rId2"/>
@@ -30,27 +30,26 @@
     <p:sldId id="432" r:id="rId18"/>
     <p:sldId id="512" r:id="rId19"/>
     <p:sldId id="499" r:id="rId20"/>
-    <p:sldId id="487" r:id="rId21"/>
-    <p:sldId id="501" r:id="rId22"/>
-    <p:sldId id="500" r:id="rId23"/>
-    <p:sldId id="502" r:id="rId24"/>
-    <p:sldId id="504" r:id="rId25"/>
-    <p:sldId id="454" r:id="rId26"/>
-    <p:sldId id="413" r:id="rId27"/>
-    <p:sldId id="505" r:id="rId28"/>
-    <p:sldId id="493" r:id="rId29"/>
-    <p:sldId id="495" r:id="rId30"/>
-    <p:sldId id="489" r:id="rId31"/>
-    <p:sldId id="490" r:id="rId32"/>
-    <p:sldId id="491" r:id="rId33"/>
-    <p:sldId id="506" r:id="rId34"/>
-    <p:sldId id="494" r:id="rId35"/>
-    <p:sldId id="508" r:id="rId36"/>
+    <p:sldId id="501" r:id="rId21"/>
+    <p:sldId id="500" r:id="rId22"/>
+    <p:sldId id="487" r:id="rId23"/>
+    <p:sldId id="504" r:id="rId24"/>
+    <p:sldId id="454" r:id="rId25"/>
+    <p:sldId id="413" r:id="rId26"/>
+    <p:sldId id="505" r:id="rId27"/>
+    <p:sldId id="493" r:id="rId28"/>
+    <p:sldId id="495" r:id="rId29"/>
+    <p:sldId id="489" r:id="rId30"/>
+    <p:sldId id="490" r:id="rId31"/>
+    <p:sldId id="491" r:id="rId32"/>
+    <p:sldId id="506" r:id="rId33"/>
+    <p:sldId id="494" r:id="rId34"/>
+    <p:sldId id="508" r:id="rId35"/>
   </p:sldIdLst>
   <p:sldSz cx="12192000" cy="6858000"/>
   <p:notesSz cx="7099300" cy="10234613"/>
   <p:custDataLst>
-    <p:tags r:id="rId39"/>
+    <p:tags r:id="rId38"/>
   </p:custDataLst>
   <p:defaultTextStyle>
     <a:defPPr>
@@ -183,10 +182,9 @@
         <p14:section name="Training and Testing" id="{C04CA568-4756-4F1A-A0CF-F0BB46D2F97A}">
           <p14:sldIdLst>
             <p14:sldId id="499"/>
-            <p14:sldId id="487"/>
             <p14:sldId id="501"/>
             <p14:sldId id="500"/>
-            <p14:sldId id="502"/>
+            <p14:sldId id="487"/>
             <p14:sldId id="504"/>
             <p14:sldId id="454"/>
             <p14:sldId id="413"/>
@@ -12366,7 +12364,7 @@
               <a:pPr>
                 <a:defRPr/>
               </a:pPr>
-              <a:t>21</a:t>
+              <a:t>20</a:t>
             </a:fld>
             <a:endParaRPr lang="en-US"/>
           </a:p>
@@ -12461,7 +12459,7 @@
               <a:pPr>
                 <a:defRPr/>
               </a:pPr>
-              <a:t>22</a:t>
+              <a:t>21</a:t>
             </a:fld>
             <a:endParaRPr lang="en-US"/>
           </a:p>
@@ -12557,101 +12555,6 @@
                 <a:defRPr/>
               </a:pPr>
               <a:t>23</a:t>
-            </a:fld>
-            <a:endParaRPr lang="en-US"/>
-          </a:p>
-        </p:txBody>
-      </p:sp>
-    </p:spTree>
-    <p:extLst>
-      <p:ext uri="{BB962C8B-B14F-4D97-AF65-F5344CB8AC3E}">
-        <p14:creationId xmlns:p14="http://schemas.microsoft.com/office/powerpoint/2010/main" val="2745900200"/>
-      </p:ext>
-    </p:extLst>
-  </p:cSld>
-  <p:clrMapOvr>
-    <a:masterClrMapping/>
-  </p:clrMapOvr>
-</p:notes>
-</file>
-
-<file path=ppt/notesSlides/notesSlide7.xml><?xml version="1.0" encoding="utf-8"?>
-<p:notes xmlns:a="http://schemas.openxmlformats.org/drawingml/2006/main" xmlns:r="http://schemas.openxmlformats.org/officeDocument/2006/relationships" xmlns:p="http://schemas.openxmlformats.org/presentationml/2006/main">
-  <p:cSld>
-    <p:spTree>
-      <p:nvGrpSpPr>
-        <p:cNvPr id="1" name=""/>
-        <p:cNvGrpSpPr/>
-        <p:nvPr/>
-      </p:nvGrpSpPr>
-      <p:grpSpPr>
-        <a:xfrm>
-          <a:off x="0" y="0"/>
-          <a:ext cx="0" cy="0"/>
-          <a:chOff x="0" y="0"/>
-          <a:chExt cx="0" cy="0"/>
-        </a:xfrm>
-      </p:grpSpPr>
-      <p:sp>
-        <p:nvSpPr>
-          <p:cNvPr id="2" name="Slide Image Placeholder 1"/>
-          <p:cNvSpPr>
-            <a:spLocks noGrp="1" noRot="1" noChangeAspect="1"/>
-          </p:cNvSpPr>
-          <p:nvPr>
-            <p:ph type="sldImg"/>
-          </p:nvPr>
-        </p:nvSpPr>
-        <p:spPr>
-          <a:xfrm>
-            <a:off x="138113" y="768350"/>
-            <a:ext cx="6823075" cy="3838575"/>
-          </a:xfrm>
-        </p:spPr>
-      </p:sp>
-      <p:sp>
-        <p:nvSpPr>
-          <p:cNvPr id="3" name="Notes Placeholder 2"/>
-          <p:cNvSpPr>
-            <a:spLocks noGrp="1"/>
-          </p:cNvSpPr>
-          <p:nvPr>
-            <p:ph type="body" idx="1"/>
-          </p:nvPr>
-        </p:nvSpPr>
-        <p:spPr/>
-        <p:txBody>
-          <a:bodyPr/>
-          <a:lstStyle/>
-          <a:p>
-            <a:endParaRPr lang="en-US" dirty="0"/>
-          </a:p>
-        </p:txBody>
-      </p:sp>
-      <p:sp>
-        <p:nvSpPr>
-          <p:cNvPr id="4" name="Slide Number Placeholder 3"/>
-          <p:cNvSpPr>
-            <a:spLocks noGrp="1"/>
-          </p:cNvSpPr>
-          <p:nvPr>
-            <p:ph type="sldNum" sz="quarter" idx="5"/>
-          </p:nvPr>
-        </p:nvSpPr>
-        <p:spPr/>
-        <p:txBody>
-          <a:bodyPr/>
-          <a:lstStyle/>
-          <a:p>
-            <a:pPr>
-              <a:defRPr/>
-            </a:pPr>
-            <a:fld id="{7BDF81BA-2724-47AE-8C5A-18C6541FAE5A}" type="slidenum">
-              <a:rPr lang="en-US" smtClean="0"/>
-              <a:pPr>
-                <a:defRPr/>
-              </a:pPr>
-              <a:t>24</a:t>
             </a:fld>
             <a:endParaRPr lang="en-US"/>
           </a:p>
@@ -19178,7 +19081,7 @@
             </a:ln>
             <a:extLst>
               <a:ext uri="{AF507438-7753-43e0-B8FC-AC1667EBCBE1}">
-                <a14:hiddenEffects xmlns:a14="http://schemas.microsoft.com/office/drawing/2010/main" xmlns="">
+                <a14:hiddenEffects xmlns="" xmlns:a14="http://schemas.microsoft.com/office/drawing/2010/main">
                   <a:effectLst>
                     <a:outerShdw dist="35921" dir="2700000" algn="ctr" rotWithShape="0">
                       <a:schemeClr val="bg2"/>
@@ -19246,7 +19149,7 @@
             <a:effectLst/>
             <a:extLst>
               <a:ext uri="{AF507438-7753-43e0-B8FC-AC1667EBCBE1}">
-                <a14:hiddenEffects xmlns:a14="http://schemas.microsoft.com/office/drawing/2010/main" xmlns="">
+                <a14:hiddenEffects xmlns="" xmlns:a14="http://schemas.microsoft.com/office/drawing/2010/main">
                   <a:effectLst>
                     <a:outerShdw dist="35921" dir="2700000" algn="ctr" rotWithShape="0">
                       <a:schemeClr val="bg2"/>
@@ -19300,7 +19203,7 @@
             <a:effectLst/>
             <a:extLst>
               <a:ext uri="{AF507438-7753-43e0-B8FC-AC1667EBCBE1}">
-                <a14:hiddenEffects xmlns:a14="http://schemas.microsoft.com/office/drawing/2010/main" xmlns="">
+                <a14:hiddenEffects xmlns="" xmlns:a14="http://schemas.microsoft.com/office/drawing/2010/main">
                   <a:effectLst>
                     <a:outerShdw dist="35921" dir="2700000" algn="ctr" rotWithShape="0">
                       <a:schemeClr val="bg2"/>
@@ -19353,12 +19256,12 @@
             <a:effectLst/>
             <a:extLst>
               <a:ext uri="{909E8E84-426E-40dd-AFC4-6F175D3DCCD1}">
-                <a14:hiddenFill xmlns:a14="http://schemas.microsoft.com/office/drawing/2010/main" xmlns="">
+                <a14:hiddenFill xmlns="" xmlns:a14="http://schemas.microsoft.com/office/drawing/2010/main">
                   <a:noFill/>
                 </a14:hiddenFill>
               </a:ext>
               <a:ext uri="{AF507438-7753-43e0-B8FC-AC1667EBCBE1}">
-                <a14:hiddenEffects xmlns:a14="http://schemas.microsoft.com/office/drawing/2010/main" xmlns="">
+                <a14:hiddenEffects xmlns="" xmlns:a14="http://schemas.microsoft.com/office/drawing/2010/main">
                   <a:effectLst>
                     <a:outerShdw dist="35921" dir="2700000" algn="ctr" rotWithShape="0">
                       <a:schemeClr val="bg2"/>
@@ -19432,14 +19335,14 @@
             <a:effectLst/>
             <a:extLst>
               <a:ext uri="{909E8E84-426E-40dd-AFC4-6F175D3DCCD1}">
-                <a14:hiddenFill xmlns:a14="http://schemas.microsoft.com/office/drawing/2010/main" xmlns="">
+                <a14:hiddenFill xmlns="" xmlns:a14="http://schemas.microsoft.com/office/drawing/2010/main">
                   <a:solidFill>
                     <a:schemeClr val="accent1"/>
                   </a:solidFill>
                 </a14:hiddenFill>
               </a:ext>
               <a:ext uri="{91240B29-F687-4f45-9708-019B960494DF}">
-                <a14:hiddenLine xmlns:a14="http://schemas.microsoft.com/office/drawing/2010/main" xmlns="" w="9525">
+                <a14:hiddenLine xmlns="" xmlns:a14="http://schemas.microsoft.com/office/drawing/2010/main" w="9525">
                   <a:solidFill>
                     <a:schemeClr val="tx1"/>
                   </a:solidFill>
@@ -19449,7 +19352,7 @@
                 </a14:hiddenLine>
               </a:ext>
               <a:ext uri="{AF507438-7753-43e0-B8FC-AC1667EBCBE1}">
-                <a14:hiddenEffects xmlns:a14="http://schemas.microsoft.com/office/drawing/2010/main" xmlns="">
+                <a14:hiddenEffects xmlns="" xmlns:a14="http://schemas.microsoft.com/office/drawing/2010/main">
                   <a:effectLst>
                     <a:outerShdw dist="35921" dir="2700000" algn="ctr" rotWithShape="0">
                       <a:schemeClr val="bg2"/>
@@ -21004,7 +20907,7 @@
             </a:ln>
             <a:extLst>
               <a:ext uri="{AF507438-7753-43e0-B8FC-AC1667EBCBE1}">
-                <a14:hiddenEffects xmlns:a14="http://schemas.microsoft.com/office/drawing/2010/main" xmlns="">
+                <a14:hiddenEffects xmlns="" xmlns:a14="http://schemas.microsoft.com/office/drawing/2010/main">
                   <a:effectLst>
                     <a:outerShdw dist="35921" dir="2700000" algn="ctr" rotWithShape="0">
                       <a:schemeClr val="bg2"/>
@@ -21072,7 +20975,7 @@
             <a:effectLst/>
             <a:extLst>
               <a:ext uri="{AF507438-7753-43e0-B8FC-AC1667EBCBE1}">
-                <a14:hiddenEffects xmlns:a14="http://schemas.microsoft.com/office/drawing/2010/main" xmlns="">
+                <a14:hiddenEffects xmlns="" xmlns:a14="http://schemas.microsoft.com/office/drawing/2010/main">
                   <a:effectLst>
                     <a:outerShdw dist="35921" dir="2700000" algn="ctr" rotWithShape="0">
                       <a:schemeClr val="bg2"/>
@@ -21126,7 +21029,7 @@
             <a:effectLst/>
             <a:extLst>
               <a:ext uri="{AF507438-7753-43e0-B8FC-AC1667EBCBE1}">
-                <a14:hiddenEffects xmlns:a14="http://schemas.microsoft.com/office/drawing/2010/main" xmlns="">
+                <a14:hiddenEffects xmlns="" xmlns:a14="http://schemas.microsoft.com/office/drawing/2010/main">
                   <a:effectLst>
                     <a:outerShdw dist="35921" dir="2700000" algn="ctr" rotWithShape="0">
                       <a:schemeClr val="bg2"/>
@@ -21179,12 +21082,12 @@
             <a:effectLst/>
             <a:extLst>
               <a:ext uri="{909E8E84-426E-40dd-AFC4-6F175D3DCCD1}">
-                <a14:hiddenFill xmlns:a14="http://schemas.microsoft.com/office/drawing/2010/main" xmlns="">
+                <a14:hiddenFill xmlns="" xmlns:a14="http://schemas.microsoft.com/office/drawing/2010/main">
                   <a:noFill/>
                 </a14:hiddenFill>
               </a:ext>
               <a:ext uri="{AF507438-7753-43e0-B8FC-AC1667EBCBE1}">
-                <a14:hiddenEffects xmlns:a14="http://schemas.microsoft.com/office/drawing/2010/main" xmlns="">
+                <a14:hiddenEffects xmlns="" xmlns:a14="http://schemas.microsoft.com/office/drawing/2010/main">
                   <a:effectLst>
                     <a:outerShdw dist="35921" dir="2700000" algn="ctr" rotWithShape="0">
                       <a:schemeClr val="bg2"/>
@@ -21258,14 +21161,14 @@
             <a:effectLst/>
             <a:extLst>
               <a:ext uri="{909E8E84-426E-40dd-AFC4-6F175D3DCCD1}">
-                <a14:hiddenFill xmlns:a14="http://schemas.microsoft.com/office/drawing/2010/main" xmlns="">
+                <a14:hiddenFill xmlns="" xmlns:a14="http://schemas.microsoft.com/office/drawing/2010/main">
                   <a:solidFill>
                     <a:schemeClr val="accent1"/>
                   </a:solidFill>
                 </a14:hiddenFill>
               </a:ext>
               <a:ext uri="{91240B29-F687-4f45-9708-019B960494DF}">
-                <a14:hiddenLine xmlns:a14="http://schemas.microsoft.com/office/drawing/2010/main" xmlns="" w="9525">
+                <a14:hiddenLine xmlns="" xmlns:a14="http://schemas.microsoft.com/office/drawing/2010/main" w="9525">
                   <a:solidFill>
                     <a:schemeClr val="tx1"/>
                   </a:solidFill>
@@ -21275,7 +21178,7 @@
                 </a14:hiddenLine>
               </a:ext>
               <a:ext uri="{AF507438-7753-43e0-B8FC-AC1667EBCBE1}">
-                <a14:hiddenEffects xmlns:a14="http://schemas.microsoft.com/office/drawing/2010/main" xmlns="">
+                <a14:hiddenEffects xmlns="" xmlns:a14="http://schemas.microsoft.com/office/drawing/2010/main">
                   <a:effectLst>
                     <a:outerShdw dist="35921" dir="2700000" algn="ctr" rotWithShape="0">
                       <a:schemeClr val="bg2"/>
@@ -23620,8 +23523,8 @@
           </a:p>
         </p:txBody>
       </p:sp>
-      <mc:AlternateContent xmlns:mc="http://schemas.openxmlformats.org/markup-compatibility/2006">
-        <mc:Choice xmlns:a14="http://schemas.microsoft.com/office/drawing/2010/main" Requires="a14">
+      <mc:AlternateContent xmlns:mc="http://schemas.openxmlformats.org/markup-compatibility/2006" xmlns:a14="http://schemas.microsoft.com/office/drawing/2010/main">
+        <mc:Choice Requires="a14">
           <p:sp>
             <p:nvSpPr>
               <p:cNvPr id="15" name="TextBox 14">
@@ -23731,7 +23634,7 @@
             </p:txBody>
           </p:sp>
         </mc:Choice>
-        <mc:Fallback>
+        <mc:Fallback xmlns="">
           <p:sp>
             <p:nvSpPr>
               <p:cNvPr id="15" name="TextBox 14">
@@ -25177,8 +25080,8 @@
             </a:p>
           </p:txBody>
         </p:sp>
-        <mc:AlternateContent xmlns:mc="http://schemas.openxmlformats.org/markup-compatibility/2006">
-          <mc:Choice xmlns:a14="http://schemas.microsoft.com/office/drawing/2010/main" Requires="a14">
+        <mc:AlternateContent xmlns:mc="http://schemas.openxmlformats.org/markup-compatibility/2006" xmlns:a14="http://schemas.microsoft.com/office/drawing/2010/main">
+          <mc:Choice Requires="a14">
             <p:sp>
               <p:nvSpPr>
                 <p:cNvPr id="8" name="TextBox 7">
@@ -25252,7 +25155,7 @@
               </p:txBody>
             </p:sp>
           </mc:Choice>
-          <mc:Fallback>
+          <mc:Fallback xmlns="">
             <p:sp>
               <p:nvSpPr>
                 <p:cNvPr id="8" name="TextBox 7">
@@ -25336,8 +25239,8 @@
             </a:fontRef>
           </p:style>
         </p:cxnSp>
-        <mc:AlternateContent xmlns:mc="http://schemas.openxmlformats.org/markup-compatibility/2006">
-          <mc:Choice xmlns:a14="http://schemas.microsoft.com/office/drawing/2010/main" Requires="a14">
+        <mc:AlternateContent xmlns:mc="http://schemas.openxmlformats.org/markup-compatibility/2006" xmlns:a14="http://schemas.microsoft.com/office/drawing/2010/main">
+          <mc:Choice Requires="a14">
             <p:sp>
               <p:nvSpPr>
                 <p:cNvPr id="11" name="TextBox 10">
@@ -25408,7 +25311,7 @@
               </p:txBody>
             </p:sp>
           </mc:Choice>
-          <mc:Fallback>
+          <mc:Fallback xmlns="">
             <p:sp>
               <p:nvSpPr>
                 <p:cNvPr id="11" name="TextBox 10">
@@ -26359,8 +26262,8 @@
           </a:p>
         </p:txBody>
       </p:sp>
-      <mc:AlternateContent xmlns:mc="http://schemas.openxmlformats.org/markup-compatibility/2006">
-        <mc:Choice xmlns:a14="http://schemas.microsoft.com/office/drawing/2010/main" Requires="a14">
+      <mc:AlternateContent xmlns:mc="http://schemas.openxmlformats.org/markup-compatibility/2006" xmlns:a14="http://schemas.microsoft.com/office/drawing/2010/main">
+        <mc:Choice Requires="a14">
           <p:sp>
             <p:nvSpPr>
               <p:cNvPr id="33795" name="Rectangle 3"/>
@@ -26546,7 +26449,7 @@
             </p:txBody>
           </p:sp>
         </mc:Choice>
-        <mc:Fallback>
+        <mc:Fallback xmlns="">
           <p:sp>
             <p:nvSpPr>
               <p:cNvPr id="33795" name="Rectangle 3"/>
@@ -28018,6 +27921,1246 @@
       </p:grpSpPr>
       <p:sp>
         <p:nvSpPr>
+          <p:cNvPr id="17410" name="Rectangle 2"/>
+          <p:cNvSpPr>
+            <a:spLocks noGrp="1" noChangeArrowheads="1"/>
+          </p:cNvSpPr>
+          <p:nvPr>
+            <p:ph type="title"/>
+          </p:nvPr>
+        </p:nvSpPr>
+        <p:spPr>
+          <a:xfrm>
+            <a:off x="457200" y="240684"/>
+            <a:ext cx="10515600" cy="1325563"/>
+          </a:xfrm>
+        </p:spPr>
+        <p:txBody>
+          <a:bodyPr>
+            <a:normAutofit/>
+          </a:bodyPr>
+          <a:lstStyle/>
+          <a:p>
+            <a:pPr eaLnBrk="1" hangingPunct="1"/>
+            <a:r>
+              <a:rPr lang="en-US" dirty="0"/>
+              <a:t>Training a Model</a:t>
+            </a:r>
+          </a:p>
+        </p:txBody>
+      </p:sp>
+      <mc:AlternateContent xmlns:mc="http://schemas.openxmlformats.org/markup-compatibility/2006" xmlns:a14="http://schemas.microsoft.com/office/drawing/2010/main">
+        <mc:Choice Requires="a14">
+          <p:sp>
+            <p:nvSpPr>
+              <p:cNvPr id="1283075" name="Rectangle 3"/>
+              <p:cNvSpPr>
+                <a:spLocks noGrp="1" noChangeArrowheads="1"/>
+              </p:cNvSpPr>
+              <p:nvPr>
+                <p:ph idx="1"/>
+              </p:nvPr>
+            </p:nvSpPr>
+            <p:spPr>
+              <a:xfrm>
+                <a:off x="457200" y="1828800"/>
+                <a:ext cx="8915400" cy="4648200"/>
+              </a:xfrm>
+            </p:spPr>
+            <p:txBody>
+              <a:bodyPr>
+                <a:normAutofit/>
+              </a:bodyPr>
+              <a:lstStyle/>
+              <a:p>
+                <a:pPr>
+                  <a:lnSpc>
+                    <a:spcPct val="80000"/>
+                  </a:lnSpc>
+                </a:pPr>
+                <a:r>
+                  <a:rPr lang="en-US" dirty="0"/>
+                  <a:t>Models are “trained” (learned) on </a:t>
+                </a:r>
+                <a:r>
+                  <a:rPr lang="en-US" b="1" dirty="0"/>
+                  <a:t>the training data. </a:t>
+                </a:r>
+                <a:r>
+                  <a:rPr lang="en-US" dirty="0"/>
+                  <a:t>This involved estimating:</a:t>
+                </a:r>
+              </a:p>
+              <a:p>
+                <a:pPr>
+                  <a:lnSpc>
+                    <a:spcPct val="80000"/>
+                  </a:lnSpc>
+                </a:pPr>
+                <a:endParaRPr lang="en-US" dirty="0"/>
+              </a:p>
+              <a:p>
+                <a:pPr marL="971550" lvl="1" indent="-514350">
+                  <a:lnSpc>
+                    <a:spcPct val="80000"/>
+                  </a:lnSpc>
+                  <a:buFont typeface="+mj-lt"/>
+                  <a:buAutoNum type="arabicPeriod"/>
+                </a:pPr>
+                <a:r>
+                  <a:rPr lang="en-US" b="1" dirty="0"/>
+                  <a:t>Model parameters </a:t>
+                </a:r>
+                <a:r>
+                  <a:rPr lang="en-US" dirty="0"/>
+                  <a:t>(the model): E.g., probabilities, weights, factors.</a:t>
+                </a:r>
+              </a:p>
+              <a:p>
+                <a:pPr marL="971550" lvl="1" indent="-514350">
+                  <a:lnSpc>
+                    <a:spcPct val="80000"/>
+                  </a:lnSpc>
+                  <a:buFont typeface="+mj-lt"/>
+                  <a:buAutoNum type="arabicPeriod"/>
+                </a:pPr>
+                <a:r>
+                  <a:rPr lang="en-US" b="1" dirty="0"/>
+                  <a:t>Hyperparameters</a:t>
+                </a:r>
+                <a:r>
+                  <a:rPr lang="en-US" dirty="0"/>
+                  <a:t>: Many learning algorithms have choices for learning rate, regularization </a:t>
+                </a:r>
+                <a14:m>
+                  <m:oMath xmlns:m="http://schemas.openxmlformats.org/officeDocument/2006/math">
+                    <m:r>
+                      <a:rPr lang="en-US" b="0" i="1" smtClean="0">
+                        <a:latin typeface="Cambria Math" panose="02040503050406030204" pitchFamily="18" charset="0"/>
+                      </a:rPr>
+                      <m:t>𝜆</m:t>
+                    </m:r>
+                  </m:oMath>
+                </a14:m>
+                <a:r>
+                  <a:rPr lang="en-US" dirty="0"/>
+                  <a:t>, maximal decision tree depth, selected features,... The algorithm tries to optimizes the model parameters given user-specified hyperparameters.</a:t>
+                </a:r>
+              </a:p>
+              <a:p>
+                <a:pPr>
+                  <a:lnSpc>
+                    <a:spcPct val="80000"/>
+                  </a:lnSpc>
+                </a:pPr>
+                <a:endParaRPr lang="en-US" dirty="0"/>
+              </a:p>
+              <a:p>
+                <a:pPr>
+                  <a:lnSpc>
+                    <a:spcPct val="80000"/>
+                  </a:lnSpc>
+                </a:pPr>
+                <a:r>
+                  <a:rPr lang="en-US" dirty="0"/>
+                  <a:t>We need to tune the hyperparameters! </a:t>
+                </a:r>
+                <a:br>
+                  <a:rPr lang="en-US" dirty="0"/>
+                </a:br>
+                <a:r>
+                  <a:rPr lang="en-US" dirty="0"/>
+                  <a:t>This is a type of model selection.</a:t>
+                </a:r>
+              </a:p>
+            </p:txBody>
+          </p:sp>
+        </mc:Choice>
+        <mc:Fallback xmlns="">
+          <p:sp>
+            <p:nvSpPr>
+              <p:cNvPr id="1283075" name="Rectangle 3"/>
+              <p:cNvSpPr>
+                <a:spLocks noGrp="1" noRot="1" noChangeAspect="1" noMove="1" noResize="1" noEditPoints="1" noAdjustHandles="1" noChangeArrowheads="1" noChangeShapeType="1" noTextEdit="1"/>
+              </p:cNvSpPr>
+              <p:nvPr>
+                <p:ph idx="1"/>
+              </p:nvPr>
+            </p:nvSpPr>
+            <p:spPr>
+              <a:xfrm>
+                <a:off x="457200" y="1828800"/>
+                <a:ext cx="8915400" cy="4648200"/>
+              </a:xfrm>
+              <a:blipFill>
+                <a:blip r:embed="rId3"/>
+                <a:stretch>
+                  <a:fillRect l="-1230" t="-2883" r="-1709"/>
+                </a:stretch>
+              </a:blipFill>
+            </p:spPr>
+            <p:txBody>
+              <a:bodyPr/>
+              <a:lstStyle/>
+              <a:p>
+                <a:r>
+                  <a:rPr lang="en-US">
+                    <a:noFill/>
+                  </a:rPr>
+                  <a:t> </a:t>
+                </a:r>
+              </a:p>
+            </p:txBody>
+          </p:sp>
+        </mc:Fallback>
+      </mc:AlternateContent>
+      <p:sp>
+        <p:nvSpPr>
+          <p:cNvPr id="17412" name="Rectangle 4"/>
+          <p:cNvSpPr>
+            <a:spLocks noChangeArrowheads="1"/>
+          </p:cNvSpPr>
+          <p:nvPr/>
+        </p:nvSpPr>
+        <p:spPr bwMode="auto">
+          <a:xfrm>
+            <a:off x="9753600" y="1676400"/>
+            <a:ext cx="1676400" cy="3505200"/>
+          </a:xfrm>
+          <a:prstGeom prst="rect">
+            <a:avLst/>
+          </a:prstGeom>
+          <a:ln>
+            <a:headEnd/>
+            <a:tailEnd/>
+          </a:ln>
+        </p:spPr>
+        <p:style>
+          <a:lnRef idx="2">
+            <a:schemeClr val="accent1">
+              <a:shade val="50000"/>
+            </a:schemeClr>
+          </a:lnRef>
+          <a:fillRef idx="1">
+            <a:schemeClr val="accent1"/>
+          </a:fillRef>
+          <a:effectRef idx="0">
+            <a:schemeClr val="accent1"/>
+          </a:effectRef>
+          <a:fontRef idx="minor">
+            <a:schemeClr val="lt1"/>
+          </a:fontRef>
+        </p:style>
+        <p:txBody>
+          <a:bodyPr wrap="none" anchor="ctr"/>
+          <a:lstStyle/>
+          <a:p>
+            <a:pPr algn="ctr"/>
+            <a:r>
+              <a:rPr lang="en-US">
+                <a:latin typeface="Calibri"/>
+                <a:cs typeface="Calibri"/>
+              </a:rPr>
+              <a:t>Training</a:t>
+            </a:r>
+          </a:p>
+          <a:p>
+            <a:pPr algn="ctr"/>
+            <a:r>
+              <a:rPr lang="en-US">
+                <a:latin typeface="Calibri"/>
+                <a:cs typeface="Calibri"/>
+              </a:rPr>
+              <a:t>Data</a:t>
+            </a:r>
+          </a:p>
+        </p:txBody>
+      </p:sp>
+      <p:sp>
+        <p:nvSpPr>
+          <p:cNvPr id="17414" name="Rectangle 6"/>
+          <p:cNvSpPr>
+            <a:spLocks noChangeArrowheads="1"/>
+          </p:cNvSpPr>
+          <p:nvPr/>
+        </p:nvSpPr>
+        <p:spPr bwMode="auto">
+          <a:xfrm>
+            <a:off x="9753600" y="5410200"/>
+            <a:ext cx="1676400" cy="914400"/>
+          </a:xfrm>
+          <a:prstGeom prst="rect">
+            <a:avLst/>
+          </a:prstGeom>
+          <a:ln>
+            <a:headEnd/>
+            <a:tailEnd/>
+          </a:ln>
+        </p:spPr>
+        <p:style>
+          <a:lnRef idx="3">
+            <a:schemeClr val="lt1"/>
+          </a:lnRef>
+          <a:fillRef idx="1">
+            <a:schemeClr val="accent2"/>
+          </a:fillRef>
+          <a:effectRef idx="1">
+            <a:schemeClr val="accent2"/>
+          </a:effectRef>
+          <a:fontRef idx="minor">
+            <a:schemeClr val="lt1"/>
+          </a:fontRef>
+        </p:style>
+        <p:txBody>
+          <a:bodyPr wrap="none" anchor="ctr"/>
+          <a:lstStyle/>
+          <a:p>
+            <a:pPr algn="ctr"/>
+            <a:r>
+              <a:rPr lang="en-US" dirty="0">
+                <a:latin typeface="Calibri"/>
+                <a:cs typeface="Calibri"/>
+              </a:rPr>
+              <a:t>Test     </a:t>
+            </a:r>
+          </a:p>
+          <a:p>
+            <a:pPr algn="ctr"/>
+            <a:r>
+              <a:rPr lang="en-US" dirty="0">
+                <a:latin typeface="Calibri"/>
+                <a:cs typeface="Calibri"/>
+              </a:rPr>
+              <a:t>Data    </a:t>
+            </a:r>
+          </a:p>
+        </p:txBody>
+      </p:sp>
+      <p:sp>
+        <p:nvSpPr>
+          <p:cNvPr id="4" name="Rectangle 3">
+            <a:extLst>
+              <a:ext uri="{FF2B5EF4-FFF2-40B4-BE49-F238E27FC236}">
+                <a16:creationId xmlns:a16="http://schemas.microsoft.com/office/drawing/2014/main" id="{AC7EC834-138C-41AE-87CB-FE5BD6F87D5E}"/>
+              </a:ext>
+              <a:ext uri="{C183D7F6-B498-43B3-948B-1728B52AA6E4}">
+                <adec:decorative xmlns:adec="http://schemas.microsoft.com/office/drawing/2017/decorative" val="1"/>
+              </a:ext>
+            </a:extLst>
+          </p:cNvPr>
+          <p:cNvSpPr/>
+          <p:nvPr/>
+        </p:nvSpPr>
+        <p:spPr>
+          <a:xfrm>
+            <a:off x="9677400" y="5340350"/>
+            <a:ext cx="1828800" cy="1054100"/>
+          </a:xfrm>
+          <a:prstGeom prst="rect">
+            <a:avLst/>
+          </a:prstGeom>
+          <a:noFill/>
+          <a:ln w="38100">
+            <a:solidFill>
+              <a:schemeClr val="tx1"/>
+            </a:solidFill>
+            <a:prstDash val="dash"/>
+          </a:ln>
+        </p:spPr>
+        <p:style>
+          <a:lnRef idx="2">
+            <a:schemeClr val="accent1">
+              <a:shade val="50000"/>
+            </a:schemeClr>
+          </a:lnRef>
+          <a:fillRef idx="1">
+            <a:schemeClr val="accent1"/>
+          </a:fillRef>
+          <a:effectRef idx="0">
+            <a:schemeClr val="accent1"/>
+          </a:effectRef>
+          <a:fontRef idx="minor">
+            <a:schemeClr val="lt1"/>
+          </a:fontRef>
+        </p:style>
+        <p:txBody>
+          <a:bodyPr rtlCol="0" anchor="ctr"/>
+          <a:lstStyle/>
+          <a:p>
+            <a:pPr algn="ctr"/>
+            <a:endParaRPr lang="en-US"/>
+          </a:p>
+        </p:txBody>
+      </p:sp>
+      <p:sp>
+        <p:nvSpPr>
+          <p:cNvPr id="2" name="Left Brace 1">
+            <a:extLst>
+              <a:ext uri="{FF2B5EF4-FFF2-40B4-BE49-F238E27FC236}">
+                <a16:creationId xmlns:a16="http://schemas.microsoft.com/office/drawing/2014/main" id="{6D230E18-6AA0-4E78-83A4-ED8E9758A1CC}"/>
+              </a:ext>
+              <a:ext uri="{C183D7F6-B498-43B3-948B-1728B52AA6E4}">
+                <adec:decorative xmlns:adec="http://schemas.microsoft.com/office/drawing/2017/decorative" val="1"/>
+              </a:ext>
+            </a:extLst>
+          </p:cNvPr>
+          <p:cNvSpPr/>
+          <p:nvPr/>
+        </p:nvSpPr>
+        <p:spPr>
+          <a:xfrm>
+            <a:off x="9220200" y="1676400"/>
+            <a:ext cx="381000" cy="3505200"/>
+          </a:xfrm>
+          <a:prstGeom prst="leftBrace">
+            <a:avLst>
+              <a:gd name="adj1" fmla="val 8333"/>
+              <a:gd name="adj2" fmla="val 10784"/>
+            </a:avLst>
+          </a:prstGeom>
+        </p:spPr>
+        <p:style>
+          <a:lnRef idx="3">
+            <a:schemeClr val="accent1"/>
+          </a:lnRef>
+          <a:fillRef idx="0">
+            <a:schemeClr val="accent1"/>
+          </a:fillRef>
+          <a:effectRef idx="2">
+            <a:schemeClr val="accent1"/>
+          </a:effectRef>
+          <a:fontRef idx="minor">
+            <a:schemeClr val="tx1"/>
+          </a:fontRef>
+        </p:style>
+        <p:txBody>
+          <a:bodyPr rtlCol="0" anchor="ctr"/>
+          <a:lstStyle/>
+          <a:p>
+            <a:pPr algn="ctr"/>
+            <a:endParaRPr lang="en-US"/>
+          </a:p>
+        </p:txBody>
+      </p:sp>
+      <p:pic>
+        <p:nvPicPr>
+          <p:cNvPr id="5" name="Graphic 4" descr="Lock with solid fill">
+            <a:extLst>
+              <a:ext uri="{FF2B5EF4-FFF2-40B4-BE49-F238E27FC236}">
+                <a16:creationId xmlns:a16="http://schemas.microsoft.com/office/drawing/2014/main" id="{A5F0F676-E5C7-C500-566A-7D4781CC87CB}"/>
+              </a:ext>
+            </a:extLst>
+          </p:cNvPr>
+          <p:cNvPicPr>
+            <a:picLocks noChangeAspect="1"/>
+          </p:cNvPicPr>
+          <p:nvPr/>
+        </p:nvPicPr>
+        <p:blipFill>
+          <a:blip r:embed="rId4">
+            <a:extLst>
+              <a:ext uri="{28A0092B-C50C-407E-A947-70E740481C1C}">
+                <a14:useLocalDpi xmlns:a14="http://schemas.microsoft.com/office/drawing/2010/main" val="0"/>
+              </a:ext>
+              <a:ext uri="{96DAC541-7B7A-43D3-8B79-37D633B846F1}">
+                <asvg:svgBlip xmlns:asvg="http://schemas.microsoft.com/office/drawing/2016/SVG/main" r:embed="rId5"/>
+              </a:ext>
+            </a:extLst>
+          </a:blip>
+          <a:stretch>
+            <a:fillRect/>
+          </a:stretch>
+        </p:blipFill>
+        <p:spPr>
+          <a:xfrm>
+            <a:off x="10591800" y="5410200"/>
+            <a:ext cx="914400" cy="914400"/>
+          </a:xfrm>
+          <a:prstGeom prst="rect">
+            <a:avLst/>
+          </a:prstGeom>
+        </p:spPr>
+      </p:pic>
+    </p:spTree>
+    <p:extLst>
+      <p:ext uri="{BB962C8B-B14F-4D97-AF65-F5344CB8AC3E}">
+        <p14:creationId xmlns:p14="http://schemas.microsoft.com/office/powerpoint/2010/main" val="75564204"/>
+      </p:ext>
+    </p:extLst>
+  </p:cSld>
+  <p:clrMapOvr>
+    <a:masterClrMapping/>
+  </p:clrMapOvr>
+  <p:transition/>
+</p:sld>
+</file>
+
+<file path=ppt/slides/slide21.xml><?xml version="1.0" encoding="utf-8"?>
+<p:sld xmlns:a="http://schemas.openxmlformats.org/drawingml/2006/main" xmlns:r="http://schemas.openxmlformats.org/officeDocument/2006/relationships" xmlns:p="http://schemas.openxmlformats.org/presentationml/2006/main">
+  <p:cSld>
+    <p:spTree>
+      <p:nvGrpSpPr>
+        <p:cNvPr id="1" name=""/>
+        <p:cNvGrpSpPr/>
+        <p:nvPr/>
+      </p:nvGrpSpPr>
+      <p:grpSpPr>
+        <a:xfrm>
+          <a:off x="0" y="0"/>
+          <a:ext cx="0" cy="0"/>
+          <a:chOff x="0" y="0"/>
+          <a:chExt cx="0" cy="0"/>
+        </a:xfrm>
+      </p:grpSpPr>
+      <p:sp>
+        <p:nvSpPr>
+          <p:cNvPr id="17410" name="Rectangle 2"/>
+          <p:cNvSpPr>
+            <a:spLocks noGrp="1" noChangeArrowheads="1"/>
+          </p:cNvSpPr>
+          <p:nvPr>
+            <p:ph type="title"/>
+          </p:nvPr>
+        </p:nvSpPr>
+        <p:spPr>
+          <a:xfrm>
+            <a:off x="457200" y="240684"/>
+            <a:ext cx="10515600" cy="1325563"/>
+          </a:xfrm>
+        </p:spPr>
+        <p:txBody>
+          <a:bodyPr>
+            <a:normAutofit/>
+          </a:bodyPr>
+          <a:lstStyle/>
+          <a:p>
+            <a:pPr eaLnBrk="1" hangingPunct="1"/>
+            <a:r>
+              <a:rPr lang="en-US" dirty="0"/>
+              <a:t>Hyperparameter Tuning/Model Selection</a:t>
+            </a:r>
+          </a:p>
+        </p:txBody>
+      </p:sp>
+      <p:sp>
+        <p:nvSpPr>
+          <p:cNvPr id="1283075" name="Rectangle 3"/>
+          <p:cNvSpPr>
+            <a:spLocks noGrp="1" noChangeArrowheads="1"/>
+          </p:cNvSpPr>
+          <p:nvPr>
+            <p:ph idx="1"/>
+          </p:nvPr>
+        </p:nvSpPr>
+        <p:spPr>
+          <a:xfrm>
+            <a:off x="457200" y="1524000"/>
+            <a:ext cx="8915400" cy="4953000"/>
+          </a:xfrm>
+        </p:spPr>
+        <p:txBody>
+          <a:bodyPr>
+            <a:normAutofit fontScale="92500" lnSpcReduction="20000"/>
+          </a:bodyPr>
+          <a:lstStyle/>
+          <a:p>
+            <a:pPr marL="514350" indent="-514350">
+              <a:lnSpc>
+                <a:spcPct val="80000"/>
+              </a:lnSpc>
+              <a:buFont typeface="+mj-lt"/>
+              <a:buAutoNum type="arabicPeriod"/>
+            </a:pPr>
+            <a:r>
+              <a:rPr lang="en-US" dirty="0"/>
+              <a:t>Hold a validation data set back from the training data.</a:t>
+            </a:r>
+          </a:p>
+          <a:p>
+            <a:pPr marL="514350" indent="-514350">
+              <a:lnSpc>
+                <a:spcPct val="80000"/>
+              </a:lnSpc>
+              <a:buFont typeface="+mj-lt"/>
+              <a:buAutoNum type="arabicPeriod"/>
+            </a:pPr>
+            <a:r>
+              <a:rPr lang="en-US" b="1" dirty="0"/>
+              <a:t>Learn models </a:t>
+            </a:r>
+            <a:r>
+              <a:rPr lang="en-US" dirty="0"/>
+              <a:t>using the training set with different hyperparameters. Often a grid of possible hyperparameter combinations or some greedy search is used.</a:t>
+            </a:r>
+          </a:p>
+          <a:p>
+            <a:pPr marL="514350" indent="-514350">
+              <a:lnSpc>
+                <a:spcPct val="80000"/>
+              </a:lnSpc>
+              <a:buFont typeface="+mj-lt"/>
+              <a:buAutoNum type="arabicPeriod"/>
+            </a:pPr>
+            <a:r>
+              <a:rPr lang="en-US" b="1" dirty="0"/>
+              <a:t>Evaluate the models </a:t>
+            </a:r>
+            <a:r>
+              <a:rPr lang="en-US" dirty="0"/>
+              <a:t>using the validation data and choose the model with the best accuracy. Selecting the right type of model, hyperparameters and features is called </a:t>
+            </a:r>
+            <a:r>
+              <a:rPr lang="en-US" b="1" dirty="0"/>
+              <a:t>model selection</a:t>
+            </a:r>
+            <a:r>
+              <a:rPr lang="en-US" dirty="0"/>
+              <a:t>.</a:t>
+            </a:r>
+          </a:p>
+          <a:p>
+            <a:pPr marL="514350" indent="-514350">
+              <a:lnSpc>
+                <a:spcPct val="80000"/>
+              </a:lnSpc>
+              <a:buFont typeface="+mj-lt"/>
+              <a:buAutoNum type="arabicPeriod"/>
+            </a:pPr>
+            <a:r>
+              <a:rPr lang="en-US" dirty="0"/>
+              <a:t>Learn the final model with the chosen hyperparameters using all training (including validation data).</a:t>
+            </a:r>
+          </a:p>
+          <a:p>
+            <a:pPr>
+              <a:lnSpc>
+                <a:spcPct val="80000"/>
+              </a:lnSpc>
+            </a:pPr>
+            <a:endParaRPr lang="en-US" dirty="0"/>
+          </a:p>
+          <a:p>
+            <a:pPr>
+              <a:lnSpc>
+                <a:spcPct val="80000"/>
+              </a:lnSpc>
+            </a:pPr>
+            <a:r>
+              <a:rPr lang="en-US" dirty="0"/>
+              <a:t>Notes: </a:t>
+            </a:r>
+          </a:p>
+          <a:p>
+            <a:pPr lvl="1">
+              <a:lnSpc>
+                <a:spcPct val="80000"/>
+              </a:lnSpc>
+            </a:pPr>
+            <a:r>
+              <a:rPr lang="en-US" dirty="0"/>
+              <a:t>The validation set was not used for training with different hyperparameters, so we get generalization accuracy for comparing different hyperparameter settings.</a:t>
+            </a:r>
+          </a:p>
+          <a:p>
+            <a:pPr lvl="1">
+              <a:lnSpc>
+                <a:spcPct val="80000"/>
+              </a:lnSpc>
+            </a:pPr>
+            <a:r>
+              <a:rPr lang="en-US" dirty="0"/>
+              <a:t>If no model selection is necessary, then no validation set is used.</a:t>
+            </a:r>
+          </a:p>
+        </p:txBody>
+      </p:sp>
+      <p:sp>
+        <p:nvSpPr>
+          <p:cNvPr id="17412" name="Rectangle 4">
+            <a:extLst>
+              <a:ext uri="{C183D7F6-B498-43B3-948B-1728B52AA6E4}">
+                <adec:decorative xmlns:adec="http://schemas.microsoft.com/office/drawing/2017/decorative" val="1"/>
+              </a:ext>
+            </a:extLst>
+          </p:cNvPr>
+          <p:cNvSpPr>
+            <a:spLocks noChangeArrowheads="1"/>
+          </p:cNvSpPr>
+          <p:nvPr/>
+        </p:nvSpPr>
+        <p:spPr bwMode="auto">
+          <a:xfrm>
+            <a:off x="9753600" y="1676400"/>
+            <a:ext cx="1676400" cy="2590800"/>
+          </a:xfrm>
+          <a:prstGeom prst="rect">
+            <a:avLst/>
+          </a:prstGeom>
+          <a:ln>
+            <a:headEnd/>
+            <a:tailEnd/>
+          </a:ln>
+        </p:spPr>
+        <p:style>
+          <a:lnRef idx="3">
+            <a:schemeClr val="lt1"/>
+          </a:lnRef>
+          <a:fillRef idx="1">
+            <a:schemeClr val="accent3"/>
+          </a:fillRef>
+          <a:effectRef idx="1">
+            <a:schemeClr val="accent3"/>
+          </a:effectRef>
+          <a:fontRef idx="minor">
+            <a:schemeClr val="lt1"/>
+          </a:fontRef>
+        </p:style>
+        <p:txBody>
+          <a:bodyPr wrap="none" anchor="ctr"/>
+          <a:lstStyle/>
+          <a:p>
+            <a:pPr algn="ctr"/>
+            <a:r>
+              <a:rPr lang="en-US">
+                <a:latin typeface="Calibri"/>
+                <a:cs typeface="Calibri"/>
+              </a:rPr>
+              <a:t>Training</a:t>
+            </a:r>
+          </a:p>
+          <a:p>
+            <a:pPr algn="ctr"/>
+            <a:r>
+              <a:rPr lang="en-US">
+                <a:latin typeface="Calibri"/>
+                <a:cs typeface="Calibri"/>
+              </a:rPr>
+              <a:t>Data</a:t>
+            </a:r>
+          </a:p>
+        </p:txBody>
+      </p:sp>
+      <p:sp>
+        <p:nvSpPr>
+          <p:cNvPr id="17414" name="Rectangle 6">
+            <a:extLst>
+              <a:ext uri="{C183D7F6-B498-43B3-948B-1728B52AA6E4}">
+                <adec:decorative xmlns:adec="http://schemas.microsoft.com/office/drawing/2017/decorative" val="1"/>
+              </a:ext>
+            </a:extLst>
+          </p:cNvPr>
+          <p:cNvSpPr>
+            <a:spLocks noChangeArrowheads="1"/>
+          </p:cNvSpPr>
+          <p:nvPr/>
+        </p:nvSpPr>
+        <p:spPr bwMode="auto">
+          <a:xfrm>
+            <a:off x="9753600" y="5410200"/>
+            <a:ext cx="1676400" cy="914400"/>
+          </a:xfrm>
+          <a:prstGeom prst="rect">
+            <a:avLst/>
+          </a:prstGeom>
+          <a:ln>
+            <a:headEnd/>
+            <a:tailEnd/>
+          </a:ln>
+        </p:spPr>
+        <p:style>
+          <a:lnRef idx="3">
+            <a:schemeClr val="lt1"/>
+          </a:lnRef>
+          <a:fillRef idx="1">
+            <a:schemeClr val="accent2"/>
+          </a:fillRef>
+          <a:effectRef idx="1">
+            <a:schemeClr val="accent2"/>
+          </a:effectRef>
+          <a:fontRef idx="minor">
+            <a:schemeClr val="lt1"/>
+          </a:fontRef>
+        </p:style>
+        <p:txBody>
+          <a:bodyPr wrap="none" anchor="ctr"/>
+          <a:lstStyle/>
+          <a:p>
+            <a:pPr algn="ctr"/>
+            <a:r>
+              <a:rPr lang="en-US" dirty="0">
+                <a:latin typeface="Calibri"/>
+                <a:cs typeface="Calibri"/>
+              </a:rPr>
+              <a:t>Test     </a:t>
+            </a:r>
+          </a:p>
+          <a:p>
+            <a:pPr algn="ctr"/>
+            <a:r>
+              <a:rPr lang="en-US" dirty="0">
+                <a:latin typeface="Calibri"/>
+                <a:cs typeface="Calibri"/>
+              </a:rPr>
+              <a:t>Data    </a:t>
+            </a:r>
+          </a:p>
+        </p:txBody>
+      </p:sp>
+      <p:sp>
+        <p:nvSpPr>
+          <p:cNvPr id="4" name="Rectangle 3">
+            <a:extLst>
+              <a:ext uri="{FF2B5EF4-FFF2-40B4-BE49-F238E27FC236}">
+                <a16:creationId xmlns:a16="http://schemas.microsoft.com/office/drawing/2014/main" id="{AC7EC834-138C-41AE-87CB-FE5BD6F87D5E}"/>
+              </a:ext>
+              <a:ext uri="{C183D7F6-B498-43B3-948B-1728B52AA6E4}">
+                <adec:decorative xmlns:adec="http://schemas.microsoft.com/office/drawing/2017/decorative" val="1"/>
+              </a:ext>
+            </a:extLst>
+          </p:cNvPr>
+          <p:cNvSpPr/>
+          <p:nvPr/>
+        </p:nvSpPr>
+        <p:spPr>
+          <a:xfrm>
+            <a:off x="9677400" y="5340350"/>
+            <a:ext cx="1828800" cy="1054100"/>
+          </a:xfrm>
+          <a:prstGeom prst="rect">
+            <a:avLst/>
+          </a:prstGeom>
+          <a:noFill/>
+          <a:ln w="38100">
+            <a:solidFill>
+              <a:schemeClr val="tx1"/>
+            </a:solidFill>
+            <a:prstDash val="dash"/>
+          </a:ln>
+        </p:spPr>
+        <p:style>
+          <a:lnRef idx="2">
+            <a:schemeClr val="accent1">
+              <a:shade val="50000"/>
+            </a:schemeClr>
+          </a:lnRef>
+          <a:fillRef idx="1">
+            <a:schemeClr val="accent1"/>
+          </a:fillRef>
+          <a:effectRef idx="0">
+            <a:schemeClr val="accent1"/>
+          </a:effectRef>
+          <a:fontRef idx="minor">
+            <a:schemeClr val="lt1"/>
+          </a:fontRef>
+        </p:style>
+        <p:txBody>
+          <a:bodyPr rtlCol="0" anchor="ctr"/>
+          <a:lstStyle/>
+          <a:p>
+            <a:pPr algn="ctr"/>
+            <a:endParaRPr lang="en-US"/>
+          </a:p>
+        </p:txBody>
+      </p:sp>
+      <p:sp>
+        <p:nvSpPr>
+          <p:cNvPr id="2" name="Left Brace 1">
+            <a:extLst>
+              <a:ext uri="{FF2B5EF4-FFF2-40B4-BE49-F238E27FC236}">
+                <a16:creationId xmlns:a16="http://schemas.microsoft.com/office/drawing/2014/main" id="{98CBF153-BF1F-4D8A-B050-FDFB306AD585}"/>
+              </a:ext>
+              <a:ext uri="{C183D7F6-B498-43B3-948B-1728B52AA6E4}">
+                <adec:decorative xmlns:adec="http://schemas.microsoft.com/office/drawing/2017/decorative" val="1"/>
+              </a:ext>
+            </a:extLst>
+          </p:cNvPr>
+          <p:cNvSpPr/>
+          <p:nvPr/>
+        </p:nvSpPr>
+        <p:spPr>
+          <a:xfrm>
+            <a:off x="9448800" y="4060371"/>
+            <a:ext cx="228600" cy="990600"/>
+          </a:xfrm>
+          <a:prstGeom prst="leftBrace">
+            <a:avLst/>
+          </a:prstGeom>
+        </p:spPr>
+        <p:style>
+          <a:lnRef idx="3">
+            <a:schemeClr val="accent6"/>
+          </a:lnRef>
+          <a:fillRef idx="0">
+            <a:schemeClr val="accent6"/>
+          </a:fillRef>
+          <a:effectRef idx="2">
+            <a:schemeClr val="accent6"/>
+          </a:effectRef>
+          <a:fontRef idx="minor">
+            <a:schemeClr val="tx1"/>
+          </a:fontRef>
+        </p:style>
+        <p:txBody>
+          <a:bodyPr rtlCol="0" anchor="ctr"/>
+          <a:lstStyle/>
+          <a:p>
+            <a:pPr algn="ctr"/>
+            <a:endParaRPr lang="en-US" dirty="0"/>
+          </a:p>
+        </p:txBody>
+      </p:sp>
+      <p:cxnSp>
+        <p:nvCxnSpPr>
+          <p:cNvPr id="5" name="Straight Arrow Connector 4">
+            <a:extLst>
+              <a:ext uri="{FF2B5EF4-FFF2-40B4-BE49-F238E27FC236}">
+                <a16:creationId xmlns:a16="http://schemas.microsoft.com/office/drawing/2014/main" id="{3872D09B-33B6-45E7-8770-58F7B005DDBE}"/>
+              </a:ext>
+              <a:ext uri="{C183D7F6-B498-43B3-948B-1728B52AA6E4}">
+                <adec:decorative xmlns:adec="http://schemas.microsoft.com/office/drawing/2017/decorative" val="1"/>
+              </a:ext>
+            </a:extLst>
+          </p:cNvPr>
+          <p:cNvCxnSpPr>
+            <a:cxnSpLocks/>
+            <a:stCxn id="2" idx="1"/>
+          </p:cNvCxnSpPr>
+          <p:nvPr/>
+        </p:nvCxnSpPr>
+        <p:spPr>
+          <a:xfrm flipH="1" flipV="1">
+            <a:off x="8382000" y="3581400"/>
+            <a:ext cx="1066800" cy="974271"/>
+          </a:xfrm>
+          <a:prstGeom prst="straightConnector1">
+            <a:avLst/>
+          </a:prstGeom>
+          <a:ln>
+            <a:tailEnd type="triangle"/>
+          </a:ln>
+        </p:spPr>
+        <p:style>
+          <a:lnRef idx="3">
+            <a:schemeClr val="accent6"/>
+          </a:lnRef>
+          <a:fillRef idx="0">
+            <a:schemeClr val="accent6"/>
+          </a:fillRef>
+          <a:effectRef idx="2">
+            <a:schemeClr val="accent6"/>
+          </a:effectRef>
+          <a:fontRef idx="minor">
+            <a:schemeClr val="tx1"/>
+          </a:fontRef>
+        </p:style>
+      </p:cxnSp>
+      <p:sp>
+        <p:nvSpPr>
+          <p:cNvPr id="10" name="Rectangle 4">
+            <a:extLst>
+              <a:ext uri="{FF2B5EF4-FFF2-40B4-BE49-F238E27FC236}">
+                <a16:creationId xmlns:a16="http://schemas.microsoft.com/office/drawing/2014/main" id="{A25EF86C-DB82-4BE3-A64E-0A220C3C5580}"/>
+              </a:ext>
+              <a:ext uri="{C183D7F6-B498-43B3-948B-1728B52AA6E4}">
+                <adec:decorative xmlns:adec="http://schemas.microsoft.com/office/drawing/2017/decorative" val="1"/>
+              </a:ext>
+            </a:extLst>
+          </p:cNvPr>
+          <p:cNvSpPr>
+            <a:spLocks noChangeArrowheads="1"/>
+          </p:cNvSpPr>
+          <p:nvPr/>
+        </p:nvSpPr>
+        <p:spPr bwMode="auto">
+          <a:xfrm>
+            <a:off x="9753600" y="1676400"/>
+            <a:ext cx="1676400" cy="3505200"/>
+          </a:xfrm>
+          <a:prstGeom prst="rect">
+            <a:avLst/>
+          </a:prstGeom>
+          <a:ln>
+            <a:headEnd/>
+            <a:tailEnd/>
+          </a:ln>
+        </p:spPr>
+        <p:style>
+          <a:lnRef idx="2">
+            <a:schemeClr val="accent1">
+              <a:shade val="50000"/>
+            </a:schemeClr>
+          </a:lnRef>
+          <a:fillRef idx="1">
+            <a:schemeClr val="accent1"/>
+          </a:fillRef>
+          <a:effectRef idx="0">
+            <a:schemeClr val="accent1"/>
+          </a:effectRef>
+          <a:fontRef idx="minor">
+            <a:schemeClr val="lt1"/>
+          </a:fontRef>
+        </p:style>
+        <p:txBody>
+          <a:bodyPr wrap="none" anchor="ctr"/>
+          <a:lstStyle/>
+          <a:p>
+            <a:pPr algn="ctr"/>
+            <a:r>
+              <a:rPr lang="en-US">
+                <a:latin typeface="Calibri"/>
+                <a:cs typeface="Calibri"/>
+              </a:rPr>
+              <a:t>Training</a:t>
+            </a:r>
+          </a:p>
+          <a:p>
+            <a:pPr algn="ctr"/>
+            <a:r>
+              <a:rPr lang="en-US">
+                <a:latin typeface="Calibri"/>
+                <a:cs typeface="Calibri"/>
+              </a:rPr>
+              <a:t>Data</a:t>
+            </a:r>
+          </a:p>
+        </p:txBody>
+      </p:sp>
+      <p:sp>
+        <p:nvSpPr>
+          <p:cNvPr id="17413" name="Rectangle 5">
+            <a:extLst>
+              <a:ext uri="{C183D7F6-B498-43B3-948B-1728B52AA6E4}">
+                <adec:decorative xmlns:adec="http://schemas.microsoft.com/office/drawing/2017/decorative" val="1"/>
+              </a:ext>
+            </a:extLst>
+          </p:cNvPr>
+          <p:cNvSpPr>
+            <a:spLocks noChangeArrowheads="1"/>
+          </p:cNvSpPr>
+          <p:nvPr/>
+        </p:nvSpPr>
+        <p:spPr bwMode="auto">
+          <a:xfrm>
+            <a:off x="9829800" y="4038600"/>
+            <a:ext cx="1524000" cy="1066800"/>
+          </a:xfrm>
+          <a:prstGeom prst="rect">
+            <a:avLst/>
+          </a:prstGeom>
+          <a:ln>
+            <a:headEnd/>
+            <a:tailEnd/>
+          </a:ln>
+        </p:spPr>
+        <p:style>
+          <a:lnRef idx="3">
+            <a:schemeClr val="lt1"/>
+          </a:lnRef>
+          <a:fillRef idx="1">
+            <a:schemeClr val="accent6"/>
+          </a:fillRef>
+          <a:effectRef idx="1">
+            <a:schemeClr val="accent6"/>
+          </a:effectRef>
+          <a:fontRef idx="minor">
+            <a:schemeClr val="lt1"/>
+          </a:fontRef>
+        </p:style>
+        <p:txBody>
+          <a:bodyPr wrap="none" anchor="ctr"/>
+          <a:lstStyle/>
+          <a:p>
+            <a:pPr algn="ctr"/>
+            <a:r>
+              <a:rPr lang="en-US" dirty="0">
+                <a:latin typeface="Calibri"/>
+                <a:cs typeface="Calibri"/>
+              </a:rPr>
+              <a:t>Validation</a:t>
+            </a:r>
+          </a:p>
+          <a:p>
+            <a:pPr algn="ctr"/>
+            <a:r>
+              <a:rPr lang="en-US" dirty="0">
+                <a:latin typeface="Calibri"/>
+                <a:cs typeface="Calibri"/>
+              </a:rPr>
+              <a:t>Data</a:t>
+            </a:r>
+          </a:p>
+        </p:txBody>
+      </p:sp>
+      <p:sp>
+        <p:nvSpPr>
+          <p:cNvPr id="12" name="Left Brace 11">
+            <a:extLst>
+              <a:ext uri="{FF2B5EF4-FFF2-40B4-BE49-F238E27FC236}">
+                <a16:creationId xmlns:a16="http://schemas.microsoft.com/office/drawing/2014/main" id="{BC8D0187-0D4F-45F7-9081-BFE29C15E1D6}"/>
+              </a:ext>
+              <a:ext uri="{C183D7F6-B498-43B3-948B-1728B52AA6E4}">
+                <adec:decorative xmlns:adec="http://schemas.microsoft.com/office/drawing/2017/decorative" val="1"/>
+              </a:ext>
+            </a:extLst>
+          </p:cNvPr>
+          <p:cNvSpPr/>
+          <p:nvPr/>
+        </p:nvSpPr>
+        <p:spPr>
+          <a:xfrm>
+            <a:off x="9372600" y="1724997"/>
+            <a:ext cx="304800" cy="2161203"/>
+          </a:xfrm>
+          <a:prstGeom prst="leftBrace">
+            <a:avLst>
+              <a:gd name="adj1" fmla="val 8333"/>
+              <a:gd name="adj2" fmla="val 17548"/>
+            </a:avLst>
+          </a:prstGeom>
+        </p:spPr>
+        <p:style>
+          <a:lnRef idx="3">
+            <a:schemeClr val="accent1"/>
+          </a:lnRef>
+          <a:fillRef idx="0">
+            <a:schemeClr val="accent1"/>
+          </a:fillRef>
+          <a:effectRef idx="2">
+            <a:schemeClr val="accent1"/>
+          </a:effectRef>
+          <a:fontRef idx="minor">
+            <a:schemeClr val="tx1"/>
+          </a:fontRef>
+        </p:style>
+        <p:txBody>
+          <a:bodyPr rtlCol="0" anchor="ctr"/>
+          <a:lstStyle/>
+          <a:p>
+            <a:pPr algn="ctr"/>
+            <a:endParaRPr lang="en-US" dirty="0"/>
+          </a:p>
+        </p:txBody>
+      </p:sp>
+      <p:cxnSp>
+        <p:nvCxnSpPr>
+          <p:cNvPr id="13" name="Straight Arrow Connector 12">
+            <a:extLst>
+              <a:ext uri="{FF2B5EF4-FFF2-40B4-BE49-F238E27FC236}">
+                <a16:creationId xmlns:a16="http://schemas.microsoft.com/office/drawing/2014/main" id="{42EFDE35-E271-4784-A2B7-52A2A8E91394}"/>
+              </a:ext>
+              <a:ext uri="{C183D7F6-B498-43B3-948B-1728B52AA6E4}">
+                <adec:decorative xmlns:adec="http://schemas.microsoft.com/office/drawing/2017/decorative" val="1"/>
+              </a:ext>
+            </a:extLst>
+          </p:cNvPr>
+          <p:cNvCxnSpPr>
+            <a:cxnSpLocks/>
+            <a:stCxn id="12" idx="1"/>
+          </p:cNvCxnSpPr>
+          <p:nvPr/>
+        </p:nvCxnSpPr>
+        <p:spPr>
+          <a:xfrm flipH="1" flipV="1">
+            <a:off x="7924800" y="2039776"/>
+            <a:ext cx="1447800" cy="64469"/>
+          </a:xfrm>
+          <a:prstGeom prst="straightConnector1">
+            <a:avLst/>
+          </a:prstGeom>
+          <a:ln>
+            <a:tailEnd type="triangle"/>
+          </a:ln>
+        </p:spPr>
+        <p:style>
+          <a:lnRef idx="3">
+            <a:schemeClr val="accent1"/>
+          </a:lnRef>
+          <a:fillRef idx="0">
+            <a:schemeClr val="accent1"/>
+          </a:fillRef>
+          <a:effectRef idx="2">
+            <a:schemeClr val="accent1"/>
+          </a:effectRef>
+          <a:fontRef idx="minor">
+            <a:schemeClr val="tx1"/>
+          </a:fontRef>
+        </p:style>
+      </p:cxnSp>
+      <p:pic>
+        <p:nvPicPr>
+          <p:cNvPr id="3" name="Graphic 2">
+            <a:extLst>
+              <a:ext uri="{FF2B5EF4-FFF2-40B4-BE49-F238E27FC236}">
+                <a16:creationId xmlns:a16="http://schemas.microsoft.com/office/drawing/2014/main" id="{E42E714F-C096-F70B-B437-032F326007C4}"/>
+              </a:ext>
+              <a:ext uri="{C183D7F6-B498-43B3-948B-1728B52AA6E4}">
+                <adec:decorative xmlns:adec="http://schemas.microsoft.com/office/drawing/2017/decorative" val="1"/>
+              </a:ext>
+            </a:extLst>
+          </p:cNvPr>
+          <p:cNvPicPr>
+            <a:picLocks noChangeAspect="1"/>
+          </p:cNvPicPr>
+          <p:nvPr/>
+        </p:nvPicPr>
+        <p:blipFill>
+          <a:blip r:embed="rId3">
+            <a:extLst>
+              <a:ext uri="{28A0092B-C50C-407E-A947-70E740481C1C}">
+                <a14:useLocalDpi xmlns:a14="http://schemas.microsoft.com/office/drawing/2010/main" val="0"/>
+              </a:ext>
+              <a:ext uri="{96DAC541-7B7A-43D3-8B79-37D633B846F1}">
+                <asvg:svgBlip xmlns:asvg="http://schemas.microsoft.com/office/drawing/2016/SVG/main" r:embed="rId4"/>
+              </a:ext>
+            </a:extLst>
+          </a:blip>
+          <a:stretch>
+            <a:fillRect/>
+          </a:stretch>
+        </p:blipFill>
+        <p:spPr>
+          <a:xfrm>
+            <a:off x="10591800" y="5410200"/>
+            <a:ext cx="914400" cy="914400"/>
+          </a:xfrm>
+          <a:prstGeom prst="rect">
+            <a:avLst/>
+          </a:prstGeom>
+        </p:spPr>
+      </p:pic>
+    </p:spTree>
+    <p:extLst>
+      <p:ext uri="{BB962C8B-B14F-4D97-AF65-F5344CB8AC3E}">
+        <p14:creationId xmlns:p14="http://schemas.microsoft.com/office/powerpoint/2010/main" val="995349260"/>
+      </p:ext>
+    </p:extLst>
+  </p:cSld>
+  <p:clrMapOvr>
+    <a:masterClrMapping/>
+  </p:clrMapOvr>
+  <p:transition/>
+</p:sld>
+</file>
+
+<file path=ppt/slides/slide22.xml><?xml version="1.0" encoding="utf-8"?>
+<p:sld xmlns:a="http://schemas.openxmlformats.org/drawingml/2006/main" xmlns:r="http://schemas.openxmlformats.org/officeDocument/2006/relationships" xmlns:p="http://schemas.openxmlformats.org/presentationml/2006/main">
+  <p:cSld>
+    <p:spTree>
+      <p:nvGrpSpPr>
+        <p:cNvPr id="1" name=""/>
+        <p:cNvGrpSpPr/>
+        <p:nvPr/>
+      </p:nvGrpSpPr>
+      <p:grpSpPr>
+        <a:xfrm>
+          <a:off x="0" y="0"/>
+          <a:ext cx="0" cy="0"/>
+          <a:chOff x="0" y="0"/>
+          <a:chExt cx="0" cy="0"/>
+        </a:xfrm>
+      </p:grpSpPr>
+      <p:sp>
+        <p:nvSpPr>
           <p:cNvPr id="2" name="Title 1">
             <a:extLst>
               <a:ext uri="{FF2B5EF4-FFF2-40B4-BE49-F238E27FC236}">
@@ -28044,8 +29187,8 @@
           </a:p>
         </p:txBody>
       </p:sp>
-      <mc:AlternateContent xmlns:mc="http://schemas.openxmlformats.org/markup-compatibility/2006" xmlns:a14="http://schemas.microsoft.com/office/drawing/2010/main">
-        <mc:Choice Requires="a14">
+      <mc:AlternateContent xmlns:mc="http://schemas.openxmlformats.org/markup-compatibility/2006">
+        <mc:Choice xmlns:a14="http://schemas.microsoft.com/office/drawing/2010/main" Requires="a14">
           <p:sp>
             <p:nvSpPr>
               <p:cNvPr id="3" name="Content Placeholder 2">
@@ -28062,7 +29205,12 @@
                 <p:ph idx="1"/>
               </p:nvPr>
             </p:nvSpPr>
-            <p:spPr/>
+            <p:spPr>
+              <a:xfrm>
+                <a:off x="838200" y="1825625"/>
+                <a:ext cx="8229600" cy="4351338"/>
+              </a:xfrm>
+            </p:spPr>
             <p:txBody>
               <a:bodyPr>
                 <a:normAutofit fontScale="77500" lnSpcReduction="20000"/>
@@ -28114,7 +29262,7 @@
                 </a:r>
                 <a:r>
                   <a:rPr lang="en-US" dirty="0"/>
-                  <a:t>).</a:t>
+                  <a:t>). We use held back test data.</a:t>
                 </a:r>
               </a:p>
               <a:p>
@@ -28696,7 +29844,7 @@
             </p:txBody>
           </p:sp>
         </mc:Choice>
-        <mc:Fallback xmlns="">
+        <mc:Fallback>
           <p:sp>
             <p:nvSpPr>
               <p:cNvPr id="3" name="Content Placeholder 2">
@@ -28714,10 +29862,14 @@
               </p:nvPr>
             </p:nvSpPr>
             <p:spPr>
+              <a:xfrm>
+                <a:off x="838200" y="1825625"/>
+                <a:ext cx="8229600" cy="4351338"/>
+              </a:xfrm>
               <a:blipFill>
                 <a:blip r:embed="rId2"/>
                 <a:stretch>
-                  <a:fillRect l="-754" t="-2801" b="-27451"/>
+                  <a:fillRect l="-963" t="-2801" r="-1111" b="-32773"/>
                 </a:stretch>
               </a:blipFill>
             </p:spPr>
@@ -28736,8 +29888,8 @@
           </p:sp>
         </mc:Fallback>
       </mc:AlternateContent>
-      <mc:AlternateContent xmlns:mc="http://schemas.openxmlformats.org/markup-compatibility/2006" xmlns:a14="http://schemas.microsoft.com/office/drawing/2010/main">
-        <mc:Choice Requires="a14">
+      <mc:AlternateContent xmlns:mc="http://schemas.openxmlformats.org/markup-compatibility/2006">
+        <mc:Choice xmlns:a14="http://schemas.microsoft.com/office/drawing/2010/main" Requires="a14">
           <p:sp>
             <p:nvSpPr>
               <p:cNvPr id="6" name="TextBox 5">
@@ -28752,8 +29904,8 @@
             </p:nvSpPr>
             <p:spPr>
               <a:xfrm>
-                <a:off x="5486400" y="6354375"/>
-                <a:ext cx="6442918" cy="276999"/>
+                <a:off x="3590730" y="6486525"/>
+                <a:ext cx="5010539" cy="215444"/>
               </a:xfrm>
               <a:prstGeom prst="rect">
                 <a:avLst/>
@@ -28773,14 +29925,14 @@
                         <m:begChr m:val="["/>
                         <m:endChr m:val="]"/>
                         <m:ctrlPr>
-                          <a:rPr lang="en-US" b="0" i="1" smtClean="0">
+                          <a:rPr lang="en-US" sz="1400" b="0" i="1" smtClean="0">
                             <a:latin typeface="Cambria Math" panose="02040503050406030204" pitchFamily="18" charset="0"/>
                           </a:rPr>
                         </m:ctrlPr>
                       </m:dPr>
                       <m:e>
                         <m:r>
-                          <a:rPr lang="en-US" b="0" i="1" smtClean="0">
+                          <a:rPr lang="en-US" sz="1400" b="0" i="1" smtClean="0">
                             <a:latin typeface="Cambria Math" panose="02040503050406030204" pitchFamily="18" charset="0"/>
                           </a:rPr>
                           <m:t>𝑐</m:t>
@@ -28790,31 +29942,31 @@
                   </m:oMath>
                 </a14:m>
                 <a:r>
-                  <a:rPr lang="en-US" dirty="0"/>
+                  <a:rPr lang="en-US" sz="1400" dirty="0"/>
                   <a:t> is an indicator function returning 1 if </a:t>
                 </a:r>
                 <a14:m>
                   <m:oMath xmlns:m="http://schemas.openxmlformats.org/officeDocument/2006/math">
                     <m:r>
-                      <a:rPr lang="en-US" i="1" dirty="0" smtClean="0">
+                      <a:rPr lang="en-US" sz="1400" i="1" dirty="0" smtClean="0">
                         <a:latin typeface="Cambria Math" panose="02040503050406030204" pitchFamily="18" charset="0"/>
                       </a:rPr>
                       <m:t>𝑐</m:t>
                     </m:r>
                     <m:r>
-                      <a:rPr lang="en-US" i="1" dirty="0" smtClean="0">
+                      <a:rPr lang="en-US" sz="1400" i="1" dirty="0" smtClean="0">
                         <a:latin typeface="Cambria Math" panose="02040503050406030204" pitchFamily="18" charset="0"/>
                       </a:rPr>
                       <m:t> = </m:t>
                     </m:r>
                     <m:r>
-                      <a:rPr lang="en-US" i="1" dirty="0" smtClean="0">
+                      <a:rPr lang="en-US" sz="1400" i="1" dirty="0" smtClean="0">
                         <a:latin typeface="Cambria Math" panose="02040503050406030204" pitchFamily="18" charset="0"/>
                       </a:rPr>
                       <m:t>𝑇𝑟𝑢𝑒</m:t>
                     </m:r>
                     <m:r>
-                      <a:rPr lang="en-US" i="1" dirty="0" smtClean="0">
+                      <a:rPr lang="en-US" sz="1400" i="1" dirty="0" smtClean="0">
                         <a:latin typeface="Cambria Math" panose="02040503050406030204" pitchFamily="18" charset="0"/>
                       </a:rPr>
                       <m:t> </m:t>
@@ -28822,14 +29974,14 @@
                   </m:oMath>
                 </a14:m>
                 <a:r>
-                  <a:rPr lang="en-US" dirty="0"/>
+                  <a:rPr lang="en-US" sz="1400" dirty="0"/>
                   <a:t>and otherwise 0 </a:t>
                 </a:r>
               </a:p>
             </p:txBody>
           </p:sp>
         </mc:Choice>
-        <mc:Fallback xmlns="">
+        <mc:Fallback>
           <p:sp>
             <p:nvSpPr>
               <p:cNvPr id="6" name="TextBox 5">
@@ -28846,8 +29998,8 @@
             </p:nvSpPr>
             <p:spPr>
               <a:xfrm>
-                <a:off x="5486400" y="6354375"/>
-                <a:ext cx="6442918" cy="276999"/>
+                <a:off x="3590730" y="6486525"/>
+                <a:ext cx="5010539" cy="215444"/>
               </a:xfrm>
               <a:prstGeom prst="rect">
                 <a:avLst/>
@@ -28855,7 +30007,7 @@
               <a:blipFill>
                 <a:blip r:embed="rId3"/>
                 <a:stretch>
-                  <a:fillRect t="-28261" r="-1230" b="-50000"/>
+                  <a:fillRect t="-25714" r="-1217" b="-51429"/>
                 </a:stretch>
               </a:blipFill>
             </p:spPr>
@@ -28874,215 +30026,136 @@
           </p:sp>
         </mc:Fallback>
       </mc:AlternateContent>
-    </p:spTree>
-    <p:extLst>
-      <p:ext uri="{BB962C8B-B14F-4D97-AF65-F5344CB8AC3E}">
-        <p14:creationId xmlns:p14="http://schemas.microsoft.com/office/powerpoint/2010/main" val="2260336672"/>
-      </p:ext>
-    </p:extLst>
-  </p:cSld>
-  <p:clrMapOvr>
-    <a:masterClrMapping/>
-  </p:clrMapOvr>
-</p:sld>
-</file>
-
-<file path=ppt/slides/slide21.xml><?xml version="1.0" encoding="utf-8"?>
-<p:sld xmlns:a="http://schemas.openxmlformats.org/drawingml/2006/main" xmlns:r="http://schemas.openxmlformats.org/officeDocument/2006/relationships" xmlns:p="http://schemas.openxmlformats.org/presentationml/2006/main">
-  <p:cSld>
-    <p:spTree>
-      <p:nvGrpSpPr>
-        <p:cNvPr id="1" name=""/>
-        <p:cNvGrpSpPr/>
-        <p:nvPr/>
-      </p:nvGrpSpPr>
-      <p:grpSpPr>
-        <a:xfrm>
-          <a:off x="0" y="0"/>
-          <a:ext cx="0" cy="0"/>
-          <a:chOff x="0" y="0"/>
-          <a:chExt cx="0" cy="0"/>
-        </a:xfrm>
-      </p:grpSpPr>
-      <p:sp>
-        <p:nvSpPr>
-          <p:cNvPr id="17410" name="Rectangle 2"/>
-          <p:cNvSpPr>
-            <a:spLocks noGrp="1" noChangeArrowheads="1"/>
-          </p:cNvSpPr>
-          <p:nvPr>
-            <p:ph type="title"/>
-          </p:nvPr>
-        </p:nvSpPr>
-        <p:spPr>
-          <a:xfrm>
-            <a:off x="457200" y="240684"/>
-            <a:ext cx="10515600" cy="1325563"/>
-          </a:xfrm>
-        </p:spPr>
-        <p:txBody>
-          <a:bodyPr>
-            <a:normAutofit/>
-          </a:bodyPr>
-          <a:lstStyle/>
-          <a:p>
-            <a:pPr eaLnBrk="1" hangingPunct="1"/>
-            <a:r>
-              <a:rPr lang="en-US" dirty="0"/>
-              <a:t>Training a Model</a:t>
-            </a:r>
-          </a:p>
-        </p:txBody>
-      </p:sp>
-      <mc:AlternateContent xmlns:mc="http://schemas.openxmlformats.org/markup-compatibility/2006" xmlns:a14="http://schemas.microsoft.com/office/drawing/2010/main">
-        <mc:Choice Requires="a14">
+      <mc:AlternateContent xmlns:mc="http://schemas.openxmlformats.org/markup-compatibility/2006">
+        <mc:Choice xmlns:a14="http://schemas.microsoft.com/office/drawing/2010/main" Requires="a14">
           <p:sp>
             <p:nvSpPr>
-              <p:cNvPr id="1283075" name="Rectangle 3"/>
+              <p:cNvPr id="4" name="Rectangle 4">
+                <a:extLst>
+                  <a:ext uri="{FF2B5EF4-FFF2-40B4-BE49-F238E27FC236}">
+                    <a16:creationId xmlns:a16="http://schemas.microsoft.com/office/drawing/2014/main" id="{2CFE8C07-2A24-C975-43FB-99D39641346B}"/>
+                  </a:ext>
+                </a:extLst>
+              </p:cNvPr>
               <p:cNvSpPr>
-                <a:spLocks noGrp="1" noChangeArrowheads="1"/>
+                <a:spLocks noChangeArrowheads="1"/>
               </p:cNvSpPr>
-              <p:nvPr>
-                <p:ph idx="1"/>
-              </p:nvPr>
+              <p:nvPr/>
             </p:nvSpPr>
-            <p:spPr>
+            <p:spPr bwMode="auto">
               <a:xfrm>
-                <a:off x="457200" y="1828800"/>
-                <a:ext cx="8915400" cy="4648200"/>
+                <a:off x="9753600" y="1676400"/>
+                <a:ext cx="1676400" cy="3594100"/>
               </a:xfrm>
+              <a:prstGeom prst="rect">
+                <a:avLst/>
+              </a:prstGeom>
+              <a:solidFill>
+                <a:schemeClr val="dk1">
+                  <a:alpha val="50000"/>
+                </a:schemeClr>
+              </a:solidFill>
+              <a:ln>
+                <a:noFill/>
+              </a:ln>
             </p:spPr>
+            <p:style>
+              <a:lnRef idx="0">
+                <a:scrgbClr r="0" g="0" b="0"/>
+              </a:lnRef>
+              <a:fillRef idx="0">
+                <a:scrgbClr r="0" g="0" b="0"/>
+              </a:fillRef>
+              <a:effectRef idx="0">
+                <a:scrgbClr r="0" g="0" b="0"/>
+              </a:effectRef>
+              <a:fontRef idx="minor">
+                <a:schemeClr val="lt1"/>
+              </a:fontRef>
+            </p:style>
             <p:txBody>
-              <a:bodyPr>
-                <a:normAutofit/>
-              </a:bodyPr>
+              <a:bodyPr wrap="none" anchor="ctr"/>
               <a:lstStyle/>
               <a:p>
-                <a:pPr>
-                  <a:lnSpc>
-                    <a:spcPct val="80000"/>
-                  </a:lnSpc>
-                </a:pPr>
+                <a:pPr algn="ctr"/>
                 <a:r>
-                  <a:rPr lang="en-US" dirty="0"/>
-                  <a:t>Models are “trained” (learned) on </a:t>
-                </a:r>
-                <a:r>
-                  <a:rPr lang="en-US" b="1" dirty="0"/>
-                  <a:t>the training data. </a:t>
-                </a:r>
-                <a:r>
-                  <a:rPr lang="en-US" dirty="0"/>
-                  <a:t>This involved estimating:</a:t>
+                  <a:rPr lang="en-US" dirty="0">
+                    <a:latin typeface="Calibri"/>
+                    <a:cs typeface="Calibri"/>
+                  </a:rPr>
+                  <a:t>Training</a:t>
                 </a:r>
               </a:p>
               <a:p>
-                <a:pPr>
-                  <a:lnSpc>
-                    <a:spcPct val="80000"/>
-                  </a:lnSpc>
-                </a:pPr>
-                <a:endParaRPr lang="en-US" dirty="0"/>
-              </a:p>
-              <a:p>
-                <a:pPr marL="971550" lvl="1" indent="-514350">
-                  <a:lnSpc>
-                    <a:spcPct val="80000"/>
-                  </a:lnSpc>
-                  <a:buFont typeface="+mj-lt"/>
-                  <a:buAutoNum type="arabicPeriod"/>
-                </a:pPr>
+                <a:pPr algn="ctr"/>
                 <a:r>
-                  <a:rPr lang="en-US" b="1" dirty="0"/>
-                  <a:t>Model parameters </a:t>
-                </a:r>
-                <a:r>
-                  <a:rPr lang="en-US" dirty="0"/>
-                  <a:t>(the model): E.g., probabilities, weights, factors.</a:t>
-                </a:r>
-              </a:p>
-              <a:p>
-                <a:pPr marL="971550" lvl="1" indent="-514350">
-                  <a:lnSpc>
-                    <a:spcPct val="80000"/>
-                  </a:lnSpc>
-                  <a:buFont typeface="+mj-lt"/>
-                  <a:buAutoNum type="arabicPeriod"/>
-                </a:pPr>
-                <a:r>
-                  <a:rPr lang="en-US" b="1" dirty="0"/>
-                  <a:t>Hyperparameters</a:t>
-                </a:r>
-                <a:r>
-                  <a:rPr lang="en-US" dirty="0"/>
-                  <a:t>: Many learning algorithms have choices for learning rate, regularization </a:t>
-                </a:r>
-                <a14:m>
-                  <m:oMath xmlns:m="http://schemas.openxmlformats.org/officeDocument/2006/math">
-                    <m:r>
-                      <a:rPr lang="en-US" b="0" i="1" smtClean="0">
-                        <a:latin typeface="Cambria Math" panose="02040503050406030204" pitchFamily="18" charset="0"/>
-                      </a:rPr>
-                      <m:t>𝜆</m:t>
-                    </m:r>
-                  </m:oMath>
-                </a14:m>
-                <a:r>
-                  <a:rPr lang="en-US" dirty="0"/>
-                  <a:t>, maximal decision tree depth, selected features,... The algorithm tries to optimizes the model parameters given user-specified hyperparameters.</a:t>
-                </a:r>
-              </a:p>
-              <a:p>
-                <a:pPr>
-                  <a:lnSpc>
-                    <a:spcPct val="80000"/>
-                  </a:lnSpc>
-                </a:pPr>
-                <a:endParaRPr lang="en-US" dirty="0"/>
-              </a:p>
-              <a:p>
-                <a:pPr>
-                  <a:lnSpc>
-                    <a:spcPct val="80000"/>
-                  </a:lnSpc>
-                </a:pPr>
-                <a:r>
-                  <a:rPr lang="en-US" dirty="0"/>
-                  <a:t>We need to tune the hyperparameters! </a:t>
+                  <a:rPr lang="en-US" dirty="0">
+                    <a:latin typeface="Calibri"/>
+                    <a:cs typeface="Calibri"/>
+                  </a:rPr>
+                  <a:t>Data</a:t>
                 </a:r>
                 <a:br>
-                  <a:rPr lang="en-US" dirty="0"/>
+                  <a:rPr lang="en-US" dirty="0">
+                    <a:latin typeface="Calibri"/>
+                    <a:cs typeface="Calibri"/>
+                  </a:rPr>
                 </a:br>
-                <a:r>
-                  <a:rPr lang="en-US" dirty="0"/>
-                  <a:t>This is a type of model selection.</a:t>
-                </a:r>
+                <a14:m>
+                  <m:oMathPara xmlns:m="http://schemas.openxmlformats.org/officeDocument/2006/math">
+                    <m:oMathParaPr>
+                      <m:jc m:val="centerGroup"/>
+                    </m:oMathParaPr>
+                    <m:oMath xmlns:m="http://schemas.openxmlformats.org/officeDocument/2006/math">
+                      <m:r>
+                        <a:rPr lang="en-US" b="0" i="1" smtClean="0">
+                          <a:latin typeface="Cambria Math" panose="02040503050406030204" pitchFamily="18" charset="0"/>
+                        </a:rPr>
+                        <m:t>𝐸</m:t>
+                      </m:r>
+                    </m:oMath>
+                  </m:oMathPara>
+                </a14:m>
+                <a:endParaRPr lang="en-US" dirty="0">
+                  <a:latin typeface="Calibri"/>
+                  <a:cs typeface="Calibri"/>
+                </a:endParaRPr>
               </a:p>
             </p:txBody>
           </p:sp>
         </mc:Choice>
-        <mc:Fallback xmlns="">
+        <mc:Fallback>
           <p:sp>
             <p:nvSpPr>
-              <p:cNvPr id="1283075" name="Rectangle 3"/>
+              <p:cNvPr id="4" name="Rectangle 4">
+                <a:extLst>
+                  <a:ext uri="{FF2B5EF4-FFF2-40B4-BE49-F238E27FC236}">
+                    <a16:creationId xmlns:a16="http://schemas.microsoft.com/office/drawing/2014/main" id="{2CFE8C07-2A24-C975-43FB-99D39641346B}"/>
+                  </a:ext>
+                </a:extLst>
+              </p:cNvPr>
               <p:cNvSpPr>
-                <a:spLocks noGrp="1" noRot="1" noChangeAspect="1" noMove="1" noResize="1" noEditPoints="1" noAdjustHandles="1" noChangeArrowheads="1" noChangeShapeType="1" noTextEdit="1"/>
+                <a:spLocks noRot="1" noChangeAspect="1" noMove="1" noResize="1" noEditPoints="1" noAdjustHandles="1" noChangeArrowheads="1" noChangeShapeType="1" noTextEdit="1"/>
               </p:cNvSpPr>
-              <p:nvPr>
-                <p:ph idx="1"/>
-              </p:nvPr>
+              <p:nvPr/>
             </p:nvSpPr>
-            <p:spPr>
+            <p:spPr bwMode="auto">
               <a:xfrm>
-                <a:off x="457200" y="1828800"/>
-                <a:ext cx="8915400" cy="4648200"/>
+                <a:off x="9753600" y="1676400"/>
+                <a:ext cx="1676400" cy="3594100"/>
               </a:xfrm>
+              <a:prstGeom prst="rect">
+                <a:avLst/>
+              </a:prstGeom>
               <a:blipFill>
-                <a:blip r:embed="rId3"/>
+                <a:blip r:embed="rId4"/>
                 <a:stretch>
-                  <a:fillRect l="-1230" t="-2883" r="-1709"/>
+                  <a:fillRect/>
                 </a:stretch>
               </a:blipFill>
+              <a:ln>
+                <a:noFill/>
+              </a:ln>
             </p:spPr>
             <p:txBody>
               <a:bodyPr/>
@@ -29099,240 +30172,155 @@
           </p:sp>
         </mc:Fallback>
       </mc:AlternateContent>
-      <p:sp>
-        <p:nvSpPr>
-          <p:cNvPr id="17412" name="Rectangle 4"/>
-          <p:cNvSpPr>
-            <a:spLocks noChangeArrowheads="1"/>
-          </p:cNvSpPr>
-          <p:nvPr/>
-        </p:nvSpPr>
-        <p:spPr bwMode="auto">
-          <a:xfrm>
-            <a:off x="9753600" y="1676400"/>
-            <a:ext cx="1676400" cy="3505200"/>
-          </a:xfrm>
-          <a:prstGeom prst="rect">
-            <a:avLst/>
-          </a:prstGeom>
-          <a:ln>
-            <a:headEnd/>
-            <a:tailEnd/>
-          </a:ln>
-        </p:spPr>
-        <p:style>
-          <a:lnRef idx="2">
-            <a:schemeClr val="accent1">
-              <a:shade val="50000"/>
-            </a:schemeClr>
-          </a:lnRef>
-          <a:fillRef idx="1">
-            <a:schemeClr val="accent1"/>
-          </a:fillRef>
-          <a:effectRef idx="0">
-            <a:schemeClr val="accent1"/>
-          </a:effectRef>
-          <a:fontRef idx="minor">
-            <a:schemeClr val="lt1"/>
-          </a:fontRef>
-        </p:style>
-        <p:txBody>
-          <a:bodyPr wrap="none" anchor="ctr"/>
-          <a:lstStyle/>
-          <a:p>
-            <a:pPr algn="ctr"/>
-            <a:r>
-              <a:rPr lang="en-US">
-                <a:latin typeface="Calibri"/>
-                <a:cs typeface="Calibri"/>
-              </a:rPr>
-              <a:t>Training</a:t>
-            </a:r>
-          </a:p>
-          <a:p>
-            <a:pPr algn="ctr"/>
-            <a:r>
-              <a:rPr lang="en-US">
-                <a:latin typeface="Calibri"/>
-                <a:cs typeface="Calibri"/>
-              </a:rPr>
-              <a:t>Data</a:t>
-            </a:r>
-          </a:p>
-        </p:txBody>
-      </p:sp>
-      <p:sp>
-        <p:nvSpPr>
-          <p:cNvPr id="17414" name="Rectangle 6"/>
-          <p:cNvSpPr>
-            <a:spLocks noChangeArrowheads="1"/>
-          </p:cNvSpPr>
-          <p:nvPr/>
-        </p:nvSpPr>
-        <p:spPr bwMode="auto">
-          <a:xfrm>
-            <a:off x="9753600" y="5410200"/>
-            <a:ext cx="1676400" cy="914400"/>
-          </a:xfrm>
-          <a:prstGeom prst="rect">
-            <a:avLst/>
-          </a:prstGeom>
-          <a:ln>
-            <a:headEnd/>
-            <a:tailEnd/>
-          </a:ln>
-        </p:spPr>
-        <p:style>
-          <a:lnRef idx="3">
-            <a:schemeClr val="lt1"/>
-          </a:lnRef>
-          <a:fillRef idx="1">
-            <a:schemeClr val="accent3"/>
-          </a:fillRef>
-          <a:effectRef idx="1">
-            <a:schemeClr val="accent3"/>
-          </a:effectRef>
-          <a:fontRef idx="minor">
-            <a:schemeClr val="lt1"/>
-          </a:fontRef>
-        </p:style>
-        <p:txBody>
-          <a:bodyPr wrap="none" anchor="ctr"/>
-          <a:lstStyle/>
-          <a:p>
-            <a:pPr algn="ctr"/>
-            <a:r>
-              <a:rPr lang="en-US" dirty="0">
-                <a:latin typeface="Calibri"/>
-                <a:cs typeface="Calibri"/>
-              </a:rPr>
-              <a:t>Test     </a:t>
-            </a:r>
-          </a:p>
-          <a:p>
-            <a:pPr algn="ctr"/>
-            <a:r>
-              <a:rPr lang="en-US" dirty="0">
-                <a:latin typeface="Calibri"/>
-                <a:cs typeface="Calibri"/>
-              </a:rPr>
-              <a:t>Data    </a:t>
-            </a:r>
-          </a:p>
-        </p:txBody>
-      </p:sp>
-      <p:sp>
-        <p:nvSpPr>
-          <p:cNvPr id="4" name="Rectangle 3">
+      <mc:AlternateContent xmlns:mc="http://schemas.openxmlformats.org/markup-compatibility/2006">
+        <mc:Choice xmlns:a14="http://schemas.microsoft.com/office/drawing/2010/main" Requires="a14">
+          <p:sp>
+            <p:nvSpPr>
+              <p:cNvPr id="5" name="Rectangle 6">
+                <a:extLst>
+                  <a:ext uri="{FF2B5EF4-FFF2-40B4-BE49-F238E27FC236}">
+                    <a16:creationId xmlns:a16="http://schemas.microsoft.com/office/drawing/2014/main" id="{9537EEEA-4B43-7A4F-00EC-E7412EDC1627}"/>
+                  </a:ext>
+                </a:extLst>
+              </p:cNvPr>
+              <p:cNvSpPr>
+                <a:spLocks noChangeArrowheads="1"/>
+              </p:cNvSpPr>
+              <p:nvPr/>
+            </p:nvSpPr>
+            <p:spPr bwMode="auto">
+              <a:xfrm>
+                <a:off x="9753600" y="5410200"/>
+                <a:ext cx="1676400" cy="914400"/>
+              </a:xfrm>
+              <a:prstGeom prst="rect">
+                <a:avLst/>
+              </a:prstGeom>
+              <a:ln>
+                <a:headEnd/>
+                <a:tailEnd/>
+              </a:ln>
+            </p:spPr>
+            <p:style>
+              <a:lnRef idx="3">
+                <a:schemeClr val="lt1"/>
+              </a:lnRef>
+              <a:fillRef idx="1">
+                <a:schemeClr val="accent2"/>
+              </a:fillRef>
+              <a:effectRef idx="1">
+                <a:schemeClr val="accent2"/>
+              </a:effectRef>
+              <a:fontRef idx="minor">
+                <a:schemeClr val="lt1"/>
+              </a:fontRef>
+            </p:style>
+            <p:txBody>
+              <a:bodyPr wrap="none" anchor="ctr"/>
+              <a:lstStyle/>
+              <a:p>
+                <a:pPr algn="ctr"/>
+                <a:r>
+                  <a:rPr lang="en-US" dirty="0">
+                    <a:latin typeface="Calibri"/>
+                    <a:cs typeface="Calibri"/>
+                  </a:rPr>
+                  <a:t>Test   </a:t>
+                </a:r>
+              </a:p>
+              <a:p>
+                <a:pPr algn="ctr"/>
+                <a:r>
+                  <a:rPr lang="en-US" dirty="0">
+                    <a:latin typeface="Calibri"/>
+                    <a:cs typeface="Calibri"/>
+                  </a:rPr>
+                  <a:t>Data </a:t>
+                </a:r>
+                <a14:m>
+                  <m:oMath xmlns:m="http://schemas.openxmlformats.org/officeDocument/2006/math">
+                    <m:r>
+                      <a:rPr lang="en-US" b="0" i="1" smtClean="0">
+                        <a:latin typeface="Cambria Math" panose="02040503050406030204" pitchFamily="18" charset="0"/>
+                        <a:cs typeface="Calibri"/>
+                      </a:rPr>
+                      <m:t>𝑇</m:t>
+                    </m:r>
+                    <m:r>
+                      <a:rPr lang="en-US" b="0" i="1" smtClean="0">
+                        <a:latin typeface="Cambria Math" panose="02040503050406030204" pitchFamily="18" charset="0"/>
+                        <a:cs typeface="Calibri"/>
+                      </a:rPr>
+                      <m:t>    </m:t>
+                    </m:r>
+                  </m:oMath>
+                </a14:m>
+                <a:r>
+                  <a:rPr lang="en-US" dirty="0">
+                    <a:latin typeface="Calibri"/>
+                    <a:cs typeface="Calibri"/>
+                  </a:rPr>
+                  <a:t>   </a:t>
+                </a:r>
+              </a:p>
+            </p:txBody>
+          </p:sp>
+        </mc:Choice>
+        <mc:Fallback>
+          <p:sp>
+            <p:nvSpPr>
+              <p:cNvPr id="5" name="Rectangle 6">
+                <a:extLst>
+                  <a:ext uri="{FF2B5EF4-FFF2-40B4-BE49-F238E27FC236}">
+                    <a16:creationId xmlns:a16="http://schemas.microsoft.com/office/drawing/2014/main" id="{9537EEEA-4B43-7A4F-00EC-E7412EDC1627}"/>
+                  </a:ext>
+                </a:extLst>
+              </p:cNvPr>
+              <p:cNvSpPr>
+                <a:spLocks noRot="1" noChangeAspect="1" noMove="1" noResize="1" noEditPoints="1" noAdjustHandles="1" noChangeArrowheads="1" noChangeShapeType="1" noTextEdit="1"/>
+              </p:cNvSpPr>
+              <p:nvPr/>
+            </p:nvSpPr>
+            <p:spPr bwMode="auto">
+              <a:xfrm>
+                <a:off x="9753600" y="5410200"/>
+                <a:ext cx="1676400" cy="914400"/>
+              </a:xfrm>
+              <a:prstGeom prst="rect">
+                <a:avLst/>
+              </a:prstGeom>
+              <a:blipFill>
+                <a:blip r:embed="rId5"/>
+                <a:stretch>
+                  <a:fillRect/>
+                </a:stretch>
+              </a:blipFill>
+              <a:ln>
+                <a:headEnd/>
+                <a:tailEnd/>
+              </a:ln>
+            </p:spPr>
+            <p:txBody>
+              <a:bodyPr/>
+              <a:lstStyle/>
+              <a:p>
+                <a:r>
+                  <a:rPr lang="en-US">
+                    <a:noFill/>
+                  </a:rPr>
+                  <a:t> </a:t>
+                </a:r>
+              </a:p>
+            </p:txBody>
+          </p:sp>
+        </mc:Fallback>
+      </mc:AlternateContent>
+      <p:pic>
+        <p:nvPicPr>
+          <p:cNvPr id="8" name="Graphic 7" descr="Unlock with solid fill">
             <a:extLst>
               <a:ext uri="{FF2B5EF4-FFF2-40B4-BE49-F238E27FC236}">
-                <a16:creationId xmlns:a16="http://schemas.microsoft.com/office/drawing/2014/main" id="{AC7EC834-138C-41AE-87CB-FE5BD6F87D5E}"/>
-              </a:ext>
-              <a:ext uri="{C183D7F6-B498-43B3-948B-1728B52AA6E4}">
-                <adec:decorative xmlns:adec="http://schemas.microsoft.com/office/drawing/2017/decorative" val="1"/>
-              </a:ext>
-            </a:extLst>
-          </p:cNvPr>
-          <p:cNvSpPr/>
-          <p:nvPr/>
-        </p:nvSpPr>
-        <p:spPr>
-          <a:xfrm>
-            <a:off x="9677400" y="5340350"/>
-            <a:ext cx="1828800" cy="1054100"/>
-          </a:xfrm>
-          <a:prstGeom prst="rect">
-            <a:avLst/>
-          </a:prstGeom>
-          <a:noFill/>
-          <a:ln w="38100">
-            <a:solidFill>
-              <a:schemeClr val="tx1"/>
-            </a:solidFill>
-            <a:prstDash val="dash"/>
-          </a:ln>
-        </p:spPr>
-        <p:style>
-          <a:lnRef idx="2">
-            <a:schemeClr val="accent1">
-              <a:shade val="50000"/>
-            </a:schemeClr>
-          </a:lnRef>
-          <a:fillRef idx="1">
-            <a:schemeClr val="accent1"/>
-          </a:fillRef>
-          <a:effectRef idx="0">
-            <a:schemeClr val="accent1"/>
-          </a:effectRef>
-          <a:fontRef idx="minor">
-            <a:schemeClr val="lt1"/>
-          </a:fontRef>
-        </p:style>
-        <p:txBody>
-          <a:bodyPr rtlCol="0" anchor="ctr"/>
-          <a:lstStyle/>
-          <a:p>
-            <a:pPr algn="ctr"/>
-            <a:endParaRPr lang="en-US"/>
-          </a:p>
-        </p:txBody>
-      </p:sp>
-      <p:sp>
-        <p:nvSpPr>
-          <p:cNvPr id="2" name="Left Brace 1">
-            <a:extLst>
-              <a:ext uri="{FF2B5EF4-FFF2-40B4-BE49-F238E27FC236}">
-                <a16:creationId xmlns:a16="http://schemas.microsoft.com/office/drawing/2014/main" id="{6D230E18-6AA0-4E78-83A4-ED8E9758A1CC}"/>
-              </a:ext>
-              <a:ext uri="{C183D7F6-B498-43B3-948B-1728B52AA6E4}">
-                <adec:decorative xmlns:adec="http://schemas.microsoft.com/office/drawing/2017/decorative" val="1"/>
-              </a:ext>
-            </a:extLst>
-          </p:cNvPr>
-          <p:cNvSpPr/>
-          <p:nvPr/>
-        </p:nvSpPr>
-        <p:spPr>
-          <a:xfrm>
-            <a:off x="9220200" y="1676400"/>
-            <a:ext cx="381000" cy="3505200"/>
-          </a:xfrm>
-          <a:prstGeom prst="leftBrace">
-            <a:avLst>
-              <a:gd name="adj1" fmla="val 8333"/>
-              <a:gd name="adj2" fmla="val 10784"/>
-            </a:avLst>
-          </a:prstGeom>
-        </p:spPr>
-        <p:style>
-          <a:lnRef idx="3">
-            <a:schemeClr val="accent1"/>
-          </a:lnRef>
-          <a:fillRef idx="0">
-            <a:schemeClr val="accent1"/>
-          </a:fillRef>
-          <a:effectRef idx="2">
-            <a:schemeClr val="accent1"/>
-          </a:effectRef>
-          <a:fontRef idx="minor">
-            <a:schemeClr val="tx1"/>
-          </a:fontRef>
-        </p:style>
-        <p:txBody>
-          <a:bodyPr rtlCol="0" anchor="ctr"/>
-          <a:lstStyle/>
-          <a:p>
-            <a:pPr algn="ctr"/>
-            <a:endParaRPr lang="en-US"/>
-          </a:p>
-        </p:txBody>
-      </p:sp>
-      <p:pic>
-        <p:nvPicPr>
-          <p:cNvPr id="5" name="Graphic 4" descr="Lock with solid fill">
-            <a:extLst>
-              <a:ext uri="{FF2B5EF4-FFF2-40B4-BE49-F238E27FC236}">
-                <a16:creationId xmlns:a16="http://schemas.microsoft.com/office/drawing/2014/main" id="{A5F0F676-E5C7-C500-566A-7D4781CC87CB}"/>
+                <a16:creationId xmlns:a16="http://schemas.microsoft.com/office/drawing/2014/main" id="{F8BF9C43-12F8-7B12-0540-81AAFB0F1E7C}"/>
               </a:ext>
             </a:extLst>
           </p:cNvPr>
@@ -29342,1212 +30330,13 @@
           <p:nvPr/>
         </p:nvPicPr>
         <p:blipFill>
-          <a:blip r:embed="rId4">
+          <a:blip r:embed="rId6">
             <a:extLst>
               <a:ext uri="{28A0092B-C50C-407E-A947-70E740481C1C}">
                 <a14:useLocalDpi xmlns:a14="http://schemas.microsoft.com/office/drawing/2010/main" val="0"/>
               </a:ext>
               <a:ext uri="{96DAC541-7B7A-43D3-8B79-37D633B846F1}">
-                <asvg:svgBlip xmlns:asvg="http://schemas.microsoft.com/office/drawing/2016/SVG/main" r:embed="rId5"/>
-              </a:ext>
-            </a:extLst>
-          </a:blip>
-          <a:stretch>
-            <a:fillRect/>
-          </a:stretch>
-        </p:blipFill>
-        <p:spPr>
-          <a:xfrm>
-            <a:off x="10591800" y="5410200"/>
-            <a:ext cx="914400" cy="914400"/>
-          </a:xfrm>
-          <a:prstGeom prst="rect">
-            <a:avLst/>
-          </a:prstGeom>
-        </p:spPr>
-      </p:pic>
-    </p:spTree>
-    <p:extLst>
-      <p:ext uri="{BB962C8B-B14F-4D97-AF65-F5344CB8AC3E}">
-        <p14:creationId xmlns:p14="http://schemas.microsoft.com/office/powerpoint/2010/main" val="75564204"/>
-      </p:ext>
-    </p:extLst>
-  </p:cSld>
-  <p:clrMapOvr>
-    <a:masterClrMapping/>
-  </p:clrMapOvr>
-  <p:transition/>
-</p:sld>
-</file>
-
-<file path=ppt/slides/slide22.xml><?xml version="1.0" encoding="utf-8"?>
-<p:sld xmlns:a="http://schemas.openxmlformats.org/drawingml/2006/main" xmlns:r="http://schemas.openxmlformats.org/officeDocument/2006/relationships" xmlns:p="http://schemas.openxmlformats.org/presentationml/2006/main">
-  <p:cSld>
-    <p:spTree>
-      <p:nvGrpSpPr>
-        <p:cNvPr id="1" name=""/>
-        <p:cNvGrpSpPr/>
-        <p:nvPr/>
-      </p:nvGrpSpPr>
-      <p:grpSpPr>
-        <a:xfrm>
-          <a:off x="0" y="0"/>
-          <a:ext cx="0" cy="0"/>
-          <a:chOff x="0" y="0"/>
-          <a:chExt cx="0" cy="0"/>
-        </a:xfrm>
-      </p:grpSpPr>
-      <p:sp>
-        <p:nvSpPr>
-          <p:cNvPr id="17410" name="Rectangle 2"/>
-          <p:cNvSpPr>
-            <a:spLocks noGrp="1" noChangeArrowheads="1"/>
-          </p:cNvSpPr>
-          <p:nvPr>
-            <p:ph type="title"/>
-          </p:nvPr>
-        </p:nvSpPr>
-        <p:spPr>
-          <a:xfrm>
-            <a:off x="457200" y="240684"/>
-            <a:ext cx="10515600" cy="1325563"/>
-          </a:xfrm>
-        </p:spPr>
-        <p:txBody>
-          <a:bodyPr>
-            <a:normAutofit/>
-          </a:bodyPr>
-          <a:lstStyle/>
-          <a:p>
-            <a:pPr eaLnBrk="1" hangingPunct="1"/>
-            <a:r>
-              <a:rPr lang="en-US" dirty="0"/>
-              <a:t>Hyperparameter Tuning/Model Selection</a:t>
-            </a:r>
-          </a:p>
-        </p:txBody>
-      </p:sp>
-      <p:sp>
-        <p:nvSpPr>
-          <p:cNvPr id="1283075" name="Rectangle 3"/>
-          <p:cNvSpPr>
-            <a:spLocks noGrp="1" noChangeArrowheads="1"/>
-          </p:cNvSpPr>
-          <p:nvPr>
-            <p:ph idx="1"/>
-          </p:nvPr>
-        </p:nvSpPr>
-        <p:spPr>
-          <a:xfrm>
-            <a:off x="457200" y="1524000"/>
-            <a:ext cx="8915400" cy="4953000"/>
-          </a:xfrm>
-        </p:spPr>
-        <p:txBody>
-          <a:bodyPr>
-            <a:normAutofit fontScale="92500" lnSpcReduction="20000"/>
-          </a:bodyPr>
-          <a:lstStyle/>
-          <a:p>
-            <a:pPr marL="514350" indent="-514350">
-              <a:lnSpc>
-                <a:spcPct val="80000"/>
-              </a:lnSpc>
-              <a:buFont typeface="+mj-lt"/>
-              <a:buAutoNum type="arabicPeriod"/>
-            </a:pPr>
-            <a:r>
-              <a:rPr lang="en-US" dirty="0"/>
-              <a:t>Hold a validation data set back from the training data.</a:t>
-            </a:r>
-          </a:p>
-          <a:p>
-            <a:pPr marL="514350" indent="-514350">
-              <a:lnSpc>
-                <a:spcPct val="80000"/>
-              </a:lnSpc>
-              <a:buFont typeface="+mj-lt"/>
-              <a:buAutoNum type="arabicPeriod"/>
-            </a:pPr>
-            <a:r>
-              <a:rPr lang="en-US" b="1" dirty="0"/>
-              <a:t>Learn models </a:t>
-            </a:r>
-            <a:r>
-              <a:rPr lang="en-US" dirty="0"/>
-              <a:t>using the training set with different hyperparameters. Often a grid of possible hyperparameter combinations or some greedy search is used.</a:t>
-            </a:r>
-          </a:p>
-          <a:p>
-            <a:pPr marL="514350" indent="-514350">
-              <a:lnSpc>
-                <a:spcPct val="80000"/>
-              </a:lnSpc>
-              <a:buFont typeface="+mj-lt"/>
-              <a:buAutoNum type="arabicPeriod"/>
-            </a:pPr>
-            <a:r>
-              <a:rPr lang="en-US" b="1" dirty="0"/>
-              <a:t>Evaluate the models </a:t>
-            </a:r>
-            <a:r>
-              <a:rPr lang="en-US" dirty="0"/>
-              <a:t>using the validation data and choose the model with the best accuracy. Selecting the right type of model, hyperparameters and features is called </a:t>
-            </a:r>
-            <a:r>
-              <a:rPr lang="en-US" b="1" dirty="0"/>
-              <a:t>model selection</a:t>
-            </a:r>
-            <a:r>
-              <a:rPr lang="en-US" dirty="0"/>
-              <a:t>.</a:t>
-            </a:r>
-          </a:p>
-          <a:p>
-            <a:pPr marL="514350" indent="-514350">
-              <a:lnSpc>
-                <a:spcPct val="80000"/>
-              </a:lnSpc>
-              <a:buFont typeface="+mj-lt"/>
-              <a:buAutoNum type="arabicPeriod"/>
-            </a:pPr>
-            <a:r>
-              <a:rPr lang="en-US" dirty="0"/>
-              <a:t>Learn the final model with the chosen hyperparameters using all training (including validation data).</a:t>
-            </a:r>
-          </a:p>
-          <a:p>
-            <a:pPr>
-              <a:lnSpc>
-                <a:spcPct val="80000"/>
-              </a:lnSpc>
-            </a:pPr>
-            <a:endParaRPr lang="en-US" dirty="0"/>
-          </a:p>
-          <a:p>
-            <a:pPr>
-              <a:lnSpc>
-                <a:spcPct val="80000"/>
-              </a:lnSpc>
-            </a:pPr>
-            <a:r>
-              <a:rPr lang="en-US" dirty="0"/>
-              <a:t>Notes: </a:t>
-            </a:r>
-          </a:p>
-          <a:p>
-            <a:pPr lvl="1">
-              <a:lnSpc>
-                <a:spcPct val="80000"/>
-              </a:lnSpc>
-            </a:pPr>
-            <a:r>
-              <a:rPr lang="en-US" dirty="0"/>
-              <a:t>The validation set was not used for training with different hyperparameters, so we get generalization accuracy for comparing different hyperparameter settings.</a:t>
-            </a:r>
-          </a:p>
-          <a:p>
-            <a:pPr lvl="1">
-              <a:lnSpc>
-                <a:spcPct val="80000"/>
-              </a:lnSpc>
-            </a:pPr>
-            <a:r>
-              <a:rPr lang="en-US" dirty="0"/>
-              <a:t>If no model selection is necessary, then no validation set is used.</a:t>
-            </a:r>
-          </a:p>
-        </p:txBody>
-      </p:sp>
-      <p:sp>
-        <p:nvSpPr>
-          <p:cNvPr id="17412" name="Rectangle 4">
-            <a:extLst>
-              <a:ext uri="{C183D7F6-B498-43B3-948B-1728B52AA6E4}">
-                <adec:decorative xmlns:adec="http://schemas.microsoft.com/office/drawing/2017/decorative" val="1"/>
-              </a:ext>
-            </a:extLst>
-          </p:cNvPr>
-          <p:cNvSpPr>
-            <a:spLocks noChangeArrowheads="1"/>
-          </p:cNvSpPr>
-          <p:nvPr/>
-        </p:nvSpPr>
-        <p:spPr bwMode="auto">
-          <a:xfrm>
-            <a:off x="9753600" y="1676400"/>
-            <a:ext cx="1676400" cy="2590800"/>
-          </a:xfrm>
-          <a:prstGeom prst="rect">
-            <a:avLst/>
-          </a:prstGeom>
-          <a:ln>
-            <a:headEnd/>
-            <a:tailEnd/>
-          </a:ln>
-        </p:spPr>
-        <p:style>
-          <a:lnRef idx="3">
-            <a:schemeClr val="lt1"/>
-          </a:lnRef>
-          <a:fillRef idx="1">
-            <a:schemeClr val="accent3"/>
-          </a:fillRef>
-          <a:effectRef idx="1">
-            <a:schemeClr val="accent3"/>
-          </a:effectRef>
-          <a:fontRef idx="minor">
-            <a:schemeClr val="lt1"/>
-          </a:fontRef>
-        </p:style>
-        <p:txBody>
-          <a:bodyPr wrap="none" anchor="ctr"/>
-          <a:lstStyle/>
-          <a:p>
-            <a:pPr algn="ctr"/>
-            <a:r>
-              <a:rPr lang="en-US">
-                <a:latin typeface="Calibri"/>
-                <a:cs typeface="Calibri"/>
-              </a:rPr>
-              <a:t>Training</a:t>
-            </a:r>
-          </a:p>
-          <a:p>
-            <a:pPr algn="ctr"/>
-            <a:r>
-              <a:rPr lang="en-US">
-                <a:latin typeface="Calibri"/>
-                <a:cs typeface="Calibri"/>
-              </a:rPr>
-              <a:t>Data</a:t>
-            </a:r>
-          </a:p>
-        </p:txBody>
-      </p:sp>
-      <p:sp>
-        <p:nvSpPr>
-          <p:cNvPr id="17414" name="Rectangle 6">
-            <a:extLst>
-              <a:ext uri="{C183D7F6-B498-43B3-948B-1728B52AA6E4}">
-                <adec:decorative xmlns:adec="http://schemas.microsoft.com/office/drawing/2017/decorative" val="1"/>
-              </a:ext>
-            </a:extLst>
-          </p:cNvPr>
-          <p:cNvSpPr>
-            <a:spLocks noChangeArrowheads="1"/>
-          </p:cNvSpPr>
-          <p:nvPr/>
-        </p:nvSpPr>
-        <p:spPr bwMode="auto">
-          <a:xfrm>
-            <a:off x="9753600" y="5410200"/>
-            <a:ext cx="1676400" cy="914400"/>
-          </a:xfrm>
-          <a:prstGeom prst="rect">
-            <a:avLst/>
-          </a:prstGeom>
-          <a:ln>
-            <a:headEnd/>
-            <a:tailEnd/>
-          </a:ln>
-        </p:spPr>
-        <p:style>
-          <a:lnRef idx="3">
-            <a:schemeClr val="lt1"/>
-          </a:lnRef>
-          <a:fillRef idx="1">
-            <a:schemeClr val="accent3"/>
-          </a:fillRef>
-          <a:effectRef idx="1">
-            <a:schemeClr val="accent3"/>
-          </a:effectRef>
-          <a:fontRef idx="minor">
-            <a:schemeClr val="lt1"/>
-          </a:fontRef>
-        </p:style>
-        <p:txBody>
-          <a:bodyPr wrap="none" anchor="ctr"/>
-          <a:lstStyle/>
-          <a:p>
-            <a:pPr algn="ctr"/>
-            <a:r>
-              <a:rPr lang="en-US" dirty="0">
-                <a:latin typeface="Calibri"/>
-                <a:cs typeface="Calibri"/>
-              </a:rPr>
-              <a:t>Test     </a:t>
-            </a:r>
-          </a:p>
-          <a:p>
-            <a:pPr algn="ctr"/>
-            <a:r>
-              <a:rPr lang="en-US" dirty="0">
-                <a:latin typeface="Calibri"/>
-                <a:cs typeface="Calibri"/>
-              </a:rPr>
-              <a:t>Data    </a:t>
-            </a:r>
-          </a:p>
-        </p:txBody>
-      </p:sp>
-      <p:sp>
-        <p:nvSpPr>
-          <p:cNvPr id="4" name="Rectangle 3">
-            <a:extLst>
-              <a:ext uri="{FF2B5EF4-FFF2-40B4-BE49-F238E27FC236}">
-                <a16:creationId xmlns:a16="http://schemas.microsoft.com/office/drawing/2014/main" id="{AC7EC834-138C-41AE-87CB-FE5BD6F87D5E}"/>
-              </a:ext>
-              <a:ext uri="{C183D7F6-B498-43B3-948B-1728B52AA6E4}">
-                <adec:decorative xmlns:adec="http://schemas.microsoft.com/office/drawing/2017/decorative" val="1"/>
-              </a:ext>
-            </a:extLst>
-          </p:cNvPr>
-          <p:cNvSpPr/>
-          <p:nvPr/>
-        </p:nvSpPr>
-        <p:spPr>
-          <a:xfrm>
-            <a:off x="9677400" y="5340350"/>
-            <a:ext cx="1828800" cy="1054100"/>
-          </a:xfrm>
-          <a:prstGeom prst="rect">
-            <a:avLst/>
-          </a:prstGeom>
-          <a:noFill/>
-          <a:ln w="38100">
-            <a:solidFill>
-              <a:schemeClr val="tx1"/>
-            </a:solidFill>
-            <a:prstDash val="dash"/>
-          </a:ln>
-        </p:spPr>
-        <p:style>
-          <a:lnRef idx="2">
-            <a:schemeClr val="accent1">
-              <a:shade val="50000"/>
-            </a:schemeClr>
-          </a:lnRef>
-          <a:fillRef idx="1">
-            <a:schemeClr val="accent1"/>
-          </a:fillRef>
-          <a:effectRef idx="0">
-            <a:schemeClr val="accent1"/>
-          </a:effectRef>
-          <a:fontRef idx="minor">
-            <a:schemeClr val="lt1"/>
-          </a:fontRef>
-        </p:style>
-        <p:txBody>
-          <a:bodyPr rtlCol="0" anchor="ctr"/>
-          <a:lstStyle/>
-          <a:p>
-            <a:pPr algn="ctr"/>
-            <a:endParaRPr lang="en-US"/>
-          </a:p>
-        </p:txBody>
-      </p:sp>
-      <p:sp>
-        <p:nvSpPr>
-          <p:cNvPr id="2" name="Left Brace 1">
-            <a:extLst>
-              <a:ext uri="{FF2B5EF4-FFF2-40B4-BE49-F238E27FC236}">
-                <a16:creationId xmlns:a16="http://schemas.microsoft.com/office/drawing/2014/main" id="{98CBF153-BF1F-4D8A-B050-FDFB306AD585}"/>
-              </a:ext>
-              <a:ext uri="{C183D7F6-B498-43B3-948B-1728B52AA6E4}">
-                <adec:decorative xmlns:adec="http://schemas.microsoft.com/office/drawing/2017/decorative" val="1"/>
-              </a:ext>
-            </a:extLst>
-          </p:cNvPr>
-          <p:cNvSpPr/>
-          <p:nvPr/>
-        </p:nvSpPr>
-        <p:spPr>
-          <a:xfrm>
-            <a:off x="9448800" y="4060371"/>
-            <a:ext cx="228600" cy="990600"/>
-          </a:xfrm>
-          <a:prstGeom prst="leftBrace">
-            <a:avLst/>
-          </a:prstGeom>
-        </p:spPr>
-        <p:style>
-          <a:lnRef idx="3">
-            <a:schemeClr val="accent6"/>
-          </a:lnRef>
-          <a:fillRef idx="0">
-            <a:schemeClr val="accent6"/>
-          </a:fillRef>
-          <a:effectRef idx="2">
-            <a:schemeClr val="accent6"/>
-          </a:effectRef>
-          <a:fontRef idx="minor">
-            <a:schemeClr val="tx1"/>
-          </a:fontRef>
-        </p:style>
-        <p:txBody>
-          <a:bodyPr rtlCol="0" anchor="ctr"/>
-          <a:lstStyle/>
-          <a:p>
-            <a:pPr algn="ctr"/>
-            <a:endParaRPr lang="en-US" dirty="0"/>
-          </a:p>
-        </p:txBody>
-      </p:sp>
-      <p:cxnSp>
-        <p:nvCxnSpPr>
-          <p:cNvPr id="5" name="Straight Arrow Connector 4">
-            <a:extLst>
-              <a:ext uri="{FF2B5EF4-FFF2-40B4-BE49-F238E27FC236}">
-                <a16:creationId xmlns:a16="http://schemas.microsoft.com/office/drawing/2014/main" id="{3872D09B-33B6-45E7-8770-58F7B005DDBE}"/>
-              </a:ext>
-              <a:ext uri="{C183D7F6-B498-43B3-948B-1728B52AA6E4}">
-                <adec:decorative xmlns:adec="http://schemas.microsoft.com/office/drawing/2017/decorative" val="1"/>
-              </a:ext>
-            </a:extLst>
-          </p:cNvPr>
-          <p:cNvCxnSpPr>
-            <a:cxnSpLocks/>
-            <a:stCxn id="2" idx="1"/>
-          </p:cNvCxnSpPr>
-          <p:nvPr/>
-        </p:nvCxnSpPr>
-        <p:spPr>
-          <a:xfrm flipH="1" flipV="1">
-            <a:off x="8382000" y="3581400"/>
-            <a:ext cx="1066800" cy="974271"/>
-          </a:xfrm>
-          <a:prstGeom prst="straightConnector1">
-            <a:avLst/>
-          </a:prstGeom>
-          <a:ln>
-            <a:tailEnd type="triangle"/>
-          </a:ln>
-        </p:spPr>
-        <p:style>
-          <a:lnRef idx="3">
-            <a:schemeClr val="accent6"/>
-          </a:lnRef>
-          <a:fillRef idx="0">
-            <a:schemeClr val="accent6"/>
-          </a:fillRef>
-          <a:effectRef idx="2">
-            <a:schemeClr val="accent6"/>
-          </a:effectRef>
-          <a:fontRef idx="minor">
-            <a:schemeClr val="tx1"/>
-          </a:fontRef>
-        </p:style>
-      </p:cxnSp>
-      <p:sp>
-        <p:nvSpPr>
-          <p:cNvPr id="10" name="Rectangle 4">
-            <a:extLst>
-              <a:ext uri="{FF2B5EF4-FFF2-40B4-BE49-F238E27FC236}">
-                <a16:creationId xmlns:a16="http://schemas.microsoft.com/office/drawing/2014/main" id="{A25EF86C-DB82-4BE3-A64E-0A220C3C5580}"/>
-              </a:ext>
-              <a:ext uri="{C183D7F6-B498-43B3-948B-1728B52AA6E4}">
-                <adec:decorative xmlns:adec="http://schemas.microsoft.com/office/drawing/2017/decorative" val="1"/>
-              </a:ext>
-            </a:extLst>
-          </p:cNvPr>
-          <p:cNvSpPr>
-            <a:spLocks noChangeArrowheads="1"/>
-          </p:cNvSpPr>
-          <p:nvPr/>
-        </p:nvSpPr>
-        <p:spPr bwMode="auto">
-          <a:xfrm>
-            <a:off x="9753600" y="1676400"/>
-            <a:ext cx="1676400" cy="3505200"/>
-          </a:xfrm>
-          <a:prstGeom prst="rect">
-            <a:avLst/>
-          </a:prstGeom>
-          <a:ln>
-            <a:headEnd/>
-            <a:tailEnd/>
-          </a:ln>
-        </p:spPr>
-        <p:style>
-          <a:lnRef idx="2">
-            <a:schemeClr val="accent1">
-              <a:shade val="50000"/>
-            </a:schemeClr>
-          </a:lnRef>
-          <a:fillRef idx="1">
-            <a:schemeClr val="accent1"/>
-          </a:fillRef>
-          <a:effectRef idx="0">
-            <a:schemeClr val="accent1"/>
-          </a:effectRef>
-          <a:fontRef idx="minor">
-            <a:schemeClr val="lt1"/>
-          </a:fontRef>
-        </p:style>
-        <p:txBody>
-          <a:bodyPr wrap="none" anchor="ctr"/>
-          <a:lstStyle/>
-          <a:p>
-            <a:pPr algn="ctr"/>
-            <a:r>
-              <a:rPr lang="en-US">
-                <a:latin typeface="Calibri"/>
-                <a:cs typeface="Calibri"/>
-              </a:rPr>
-              <a:t>Training</a:t>
-            </a:r>
-          </a:p>
-          <a:p>
-            <a:pPr algn="ctr"/>
-            <a:r>
-              <a:rPr lang="en-US">
-                <a:latin typeface="Calibri"/>
-                <a:cs typeface="Calibri"/>
-              </a:rPr>
-              <a:t>Data</a:t>
-            </a:r>
-          </a:p>
-        </p:txBody>
-      </p:sp>
-      <p:sp>
-        <p:nvSpPr>
-          <p:cNvPr id="17413" name="Rectangle 5">
-            <a:extLst>
-              <a:ext uri="{C183D7F6-B498-43B3-948B-1728B52AA6E4}">
-                <adec:decorative xmlns:adec="http://schemas.microsoft.com/office/drawing/2017/decorative" val="1"/>
-              </a:ext>
-            </a:extLst>
-          </p:cNvPr>
-          <p:cNvSpPr>
-            <a:spLocks noChangeArrowheads="1"/>
-          </p:cNvSpPr>
-          <p:nvPr/>
-        </p:nvSpPr>
-        <p:spPr bwMode="auto">
-          <a:xfrm>
-            <a:off x="9829800" y="4038600"/>
-            <a:ext cx="1524000" cy="1066800"/>
-          </a:xfrm>
-          <a:prstGeom prst="rect">
-            <a:avLst/>
-          </a:prstGeom>
-          <a:ln>
-            <a:headEnd/>
-            <a:tailEnd/>
-          </a:ln>
-        </p:spPr>
-        <p:style>
-          <a:lnRef idx="3">
-            <a:schemeClr val="lt1"/>
-          </a:lnRef>
-          <a:fillRef idx="1">
-            <a:schemeClr val="accent6"/>
-          </a:fillRef>
-          <a:effectRef idx="1">
-            <a:schemeClr val="accent6"/>
-          </a:effectRef>
-          <a:fontRef idx="minor">
-            <a:schemeClr val="lt1"/>
-          </a:fontRef>
-        </p:style>
-        <p:txBody>
-          <a:bodyPr wrap="none" anchor="ctr"/>
-          <a:lstStyle/>
-          <a:p>
-            <a:pPr algn="ctr"/>
-            <a:r>
-              <a:rPr lang="en-US" dirty="0">
-                <a:latin typeface="Calibri"/>
-                <a:cs typeface="Calibri"/>
-              </a:rPr>
-              <a:t>Validation</a:t>
-            </a:r>
-          </a:p>
-          <a:p>
-            <a:pPr algn="ctr"/>
-            <a:r>
-              <a:rPr lang="en-US" dirty="0">
-                <a:latin typeface="Calibri"/>
-                <a:cs typeface="Calibri"/>
-              </a:rPr>
-              <a:t>Data</a:t>
-            </a:r>
-          </a:p>
-        </p:txBody>
-      </p:sp>
-      <p:sp>
-        <p:nvSpPr>
-          <p:cNvPr id="12" name="Left Brace 11">
-            <a:extLst>
-              <a:ext uri="{FF2B5EF4-FFF2-40B4-BE49-F238E27FC236}">
-                <a16:creationId xmlns:a16="http://schemas.microsoft.com/office/drawing/2014/main" id="{BC8D0187-0D4F-45F7-9081-BFE29C15E1D6}"/>
-              </a:ext>
-              <a:ext uri="{C183D7F6-B498-43B3-948B-1728B52AA6E4}">
-                <adec:decorative xmlns:adec="http://schemas.microsoft.com/office/drawing/2017/decorative" val="1"/>
-              </a:ext>
-            </a:extLst>
-          </p:cNvPr>
-          <p:cNvSpPr/>
-          <p:nvPr/>
-        </p:nvSpPr>
-        <p:spPr>
-          <a:xfrm>
-            <a:off x="9372600" y="1724997"/>
-            <a:ext cx="304800" cy="2161203"/>
-          </a:xfrm>
-          <a:prstGeom prst="leftBrace">
-            <a:avLst>
-              <a:gd name="adj1" fmla="val 8333"/>
-              <a:gd name="adj2" fmla="val 17548"/>
-            </a:avLst>
-          </a:prstGeom>
-        </p:spPr>
-        <p:style>
-          <a:lnRef idx="3">
-            <a:schemeClr val="accent1"/>
-          </a:lnRef>
-          <a:fillRef idx="0">
-            <a:schemeClr val="accent1"/>
-          </a:fillRef>
-          <a:effectRef idx="2">
-            <a:schemeClr val="accent1"/>
-          </a:effectRef>
-          <a:fontRef idx="minor">
-            <a:schemeClr val="tx1"/>
-          </a:fontRef>
-        </p:style>
-        <p:txBody>
-          <a:bodyPr rtlCol="0" anchor="ctr"/>
-          <a:lstStyle/>
-          <a:p>
-            <a:pPr algn="ctr"/>
-            <a:endParaRPr lang="en-US" dirty="0"/>
-          </a:p>
-        </p:txBody>
-      </p:sp>
-      <p:cxnSp>
-        <p:nvCxnSpPr>
-          <p:cNvPr id="13" name="Straight Arrow Connector 12">
-            <a:extLst>
-              <a:ext uri="{FF2B5EF4-FFF2-40B4-BE49-F238E27FC236}">
-                <a16:creationId xmlns:a16="http://schemas.microsoft.com/office/drawing/2014/main" id="{42EFDE35-E271-4784-A2B7-52A2A8E91394}"/>
-              </a:ext>
-              <a:ext uri="{C183D7F6-B498-43B3-948B-1728B52AA6E4}">
-                <adec:decorative xmlns:adec="http://schemas.microsoft.com/office/drawing/2017/decorative" val="1"/>
-              </a:ext>
-            </a:extLst>
-          </p:cNvPr>
-          <p:cNvCxnSpPr>
-            <a:cxnSpLocks/>
-            <a:stCxn id="12" idx="1"/>
-          </p:cNvCxnSpPr>
-          <p:nvPr/>
-        </p:nvCxnSpPr>
-        <p:spPr>
-          <a:xfrm flipH="1" flipV="1">
-            <a:off x="7924800" y="2039776"/>
-            <a:ext cx="1447800" cy="64469"/>
-          </a:xfrm>
-          <a:prstGeom prst="straightConnector1">
-            <a:avLst/>
-          </a:prstGeom>
-          <a:ln>
-            <a:tailEnd type="triangle"/>
-          </a:ln>
-        </p:spPr>
-        <p:style>
-          <a:lnRef idx="3">
-            <a:schemeClr val="accent1"/>
-          </a:lnRef>
-          <a:fillRef idx="0">
-            <a:schemeClr val="accent1"/>
-          </a:fillRef>
-          <a:effectRef idx="2">
-            <a:schemeClr val="accent1"/>
-          </a:effectRef>
-          <a:fontRef idx="minor">
-            <a:schemeClr val="tx1"/>
-          </a:fontRef>
-        </p:style>
-      </p:cxnSp>
-      <p:pic>
-        <p:nvPicPr>
-          <p:cNvPr id="3" name="Graphic 2">
-            <a:extLst>
-              <a:ext uri="{FF2B5EF4-FFF2-40B4-BE49-F238E27FC236}">
-                <a16:creationId xmlns:a16="http://schemas.microsoft.com/office/drawing/2014/main" id="{E42E714F-C096-F70B-B437-032F326007C4}"/>
-              </a:ext>
-              <a:ext uri="{C183D7F6-B498-43B3-948B-1728B52AA6E4}">
-                <adec:decorative xmlns:adec="http://schemas.microsoft.com/office/drawing/2017/decorative" val="1"/>
-              </a:ext>
-            </a:extLst>
-          </p:cNvPr>
-          <p:cNvPicPr>
-            <a:picLocks noChangeAspect="1"/>
-          </p:cNvPicPr>
-          <p:nvPr/>
-        </p:nvPicPr>
-        <p:blipFill>
-          <a:blip r:embed="rId3">
-            <a:extLst>
-              <a:ext uri="{28A0092B-C50C-407E-A947-70E740481C1C}">
-                <a14:useLocalDpi xmlns:a14="http://schemas.microsoft.com/office/drawing/2010/main" val="0"/>
-              </a:ext>
-              <a:ext uri="{96DAC541-7B7A-43D3-8B79-37D633B846F1}">
-                <asvg:svgBlip xmlns:asvg="http://schemas.microsoft.com/office/drawing/2016/SVG/main" r:embed="rId4"/>
-              </a:ext>
-            </a:extLst>
-          </a:blip>
-          <a:stretch>
-            <a:fillRect/>
-          </a:stretch>
-        </p:blipFill>
-        <p:spPr>
-          <a:xfrm>
-            <a:off x="10591800" y="5410200"/>
-            <a:ext cx="914400" cy="914400"/>
-          </a:xfrm>
-          <a:prstGeom prst="rect">
-            <a:avLst/>
-          </a:prstGeom>
-        </p:spPr>
-      </p:pic>
-    </p:spTree>
-    <p:extLst>
-      <p:ext uri="{BB962C8B-B14F-4D97-AF65-F5344CB8AC3E}">
-        <p14:creationId xmlns:p14="http://schemas.microsoft.com/office/powerpoint/2010/main" val="995349260"/>
-      </p:ext>
-    </p:extLst>
-  </p:cSld>
-  <p:clrMapOvr>
-    <a:masterClrMapping/>
-  </p:clrMapOvr>
-  <p:transition/>
-</p:sld>
-</file>
-
-<file path=ppt/slides/slide23.xml><?xml version="1.0" encoding="utf-8"?>
-<p:sld xmlns:a="http://schemas.openxmlformats.org/drawingml/2006/main" xmlns:r="http://schemas.openxmlformats.org/officeDocument/2006/relationships" xmlns:p="http://schemas.openxmlformats.org/presentationml/2006/main">
-  <p:cSld>
-    <p:spTree>
-      <p:nvGrpSpPr>
-        <p:cNvPr id="1" name=""/>
-        <p:cNvGrpSpPr/>
-        <p:nvPr/>
-      </p:nvGrpSpPr>
-      <p:grpSpPr>
-        <a:xfrm>
-          <a:off x="0" y="0"/>
-          <a:ext cx="0" cy="0"/>
-          <a:chOff x="0" y="0"/>
-          <a:chExt cx="0" cy="0"/>
-        </a:xfrm>
-      </p:grpSpPr>
-      <p:sp>
-        <p:nvSpPr>
-          <p:cNvPr id="17410" name="Rectangle 2"/>
-          <p:cNvSpPr>
-            <a:spLocks noGrp="1" noChangeArrowheads="1"/>
-          </p:cNvSpPr>
-          <p:nvPr>
-            <p:ph type="title"/>
-          </p:nvPr>
-        </p:nvSpPr>
-        <p:spPr>
-          <a:xfrm>
-            <a:off x="457200" y="240684"/>
-            <a:ext cx="10515600" cy="1325563"/>
-          </a:xfrm>
-        </p:spPr>
-        <p:txBody>
-          <a:bodyPr>
-            <a:normAutofit/>
-          </a:bodyPr>
-          <a:lstStyle/>
-          <a:p>
-            <a:pPr eaLnBrk="1" hangingPunct="1"/>
-            <a:r>
-              <a:rPr lang="en-US" dirty="0"/>
-              <a:t>Testing a Model</a:t>
-            </a:r>
-          </a:p>
-        </p:txBody>
-      </p:sp>
-      <p:sp>
-        <p:nvSpPr>
-          <p:cNvPr id="1283075" name="Rectangle 3"/>
-          <p:cNvSpPr>
-            <a:spLocks noGrp="1" noChangeArrowheads="1"/>
-          </p:cNvSpPr>
-          <p:nvPr>
-            <p:ph idx="1"/>
-          </p:nvPr>
-        </p:nvSpPr>
-        <p:spPr>
-          <a:xfrm>
-            <a:off x="419100" y="3657600"/>
-            <a:ext cx="8115300" cy="2362200"/>
-          </a:xfrm>
-        </p:spPr>
-        <p:txBody>
-          <a:bodyPr>
-            <a:normAutofit/>
-          </a:bodyPr>
-          <a:lstStyle/>
-          <a:p>
-            <a:pPr eaLnBrk="1" hangingPunct="1">
-              <a:lnSpc>
-                <a:spcPct val="80000"/>
-              </a:lnSpc>
-            </a:pPr>
-            <a:r>
-              <a:rPr lang="en-US" sz="2400" dirty="0">
-                <a:latin typeface="Calibri"/>
-                <a:cs typeface="Calibri"/>
-              </a:rPr>
-              <a:t>After the model is selected, the final model is evaluated against the test set to </a:t>
-            </a:r>
-            <a:r>
-              <a:rPr lang="en-US" sz="2400" b="1" dirty="0">
-                <a:latin typeface="Calibri"/>
-                <a:cs typeface="Calibri"/>
-              </a:rPr>
-              <a:t>estimate the final model accuracy </a:t>
-            </a:r>
-            <a:r>
-              <a:rPr lang="en-US" sz="2400" dirty="0">
-                <a:latin typeface="Calibri"/>
-                <a:cs typeface="Calibri"/>
-              </a:rPr>
-              <a:t>and see how well it generalizes.</a:t>
-            </a:r>
-          </a:p>
-          <a:p>
-            <a:pPr eaLnBrk="1" hangingPunct="1">
-              <a:lnSpc>
-                <a:spcPct val="80000"/>
-              </a:lnSpc>
-            </a:pPr>
-            <a:endParaRPr lang="en-US" sz="2400" dirty="0">
-              <a:latin typeface="Calibri"/>
-              <a:cs typeface="Calibri"/>
-            </a:endParaRPr>
-          </a:p>
-          <a:p>
-            <a:pPr>
-              <a:lnSpc>
-                <a:spcPct val="80000"/>
-              </a:lnSpc>
-            </a:pPr>
-            <a:r>
-              <a:rPr lang="en-US" sz="2400" b="1" dirty="0"/>
-              <a:t>Very important: </a:t>
-            </a:r>
-            <a:r>
-              <a:rPr lang="en-US" sz="2400" dirty="0"/>
-              <a:t>never contaminate your training set with test data or “peek” at the test set during training!</a:t>
-            </a:r>
-            <a:endParaRPr lang="en-US" sz="2400" dirty="0">
-              <a:latin typeface="Calibri"/>
-              <a:cs typeface="Calibri"/>
-            </a:endParaRPr>
-          </a:p>
-        </p:txBody>
-      </p:sp>
-      <p:sp>
-        <p:nvSpPr>
-          <p:cNvPr id="17412" name="Rectangle 4"/>
-          <p:cNvSpPr>
-            <a:spLocks noChangeArrowheads="1"/>
-          </p:cNvSpPr>
-          <p:nvPr/>
-        </p:nvSpPr>
-        <p:spPr bwMode="auto">
-          <a:xfrm>
-            <a:off x="9753600" y="1676400"/>
-            <a:ext cx="1676400" cy="3594100"/>
-          </a:xfrm>
-          <a:prstGeom prst="rect">
-            <a:avLst/>
-          </a:prstGeom>
-          <a:ln>
-            <a:headEnd/>
-            <a:tailEnd/>
-          </a:ln>
-        </p:spPr>
-        <p:style>
-          <a:lnRef idx="3">
-            <a:schemeClr val="lt1"/>
-          </a:lnRef>
-          <a:fillRef idx="1">
-            <a:schemeClr val="accent3"/>
-          </a:fillRef>
-          <a:effectRef idx="1">
-            <a:schemeClr val="accent3"/>
-          </a:effectRef>
-          <a:fontRef idx="minor">
-            <a:schemeClr val="lt1"/>
-          </a:fontRef>
-        </p:style>
-        <p:txBody>
-          <a:bodyPr wrap="none" anchor="ctr"/>
-          <a:lstStyle/>
-          <a:p>
-            <a:pPr algn="ctr"/>
-            <a:r>
-              <a:rPr lang="en-US">
-                <a:latin typeface="Calibri"/>
-                <a:cs typeface="Calibri"/>
-              </a:rPr>
-              <a:t>Training</a:t>
-            </a:r>
-          </a:p>
-          <a:p>
-            <a:pPr algn="ctr"/>
-            <a:r>
-              <a:rPr lang="en-US">
-                <a:latin typeface="Calibri"/>
-                <a:cs typeface="Calibri"/>
-              </a:rPr>
-              <a:t>Data</a:t>
-            </a:r>
-          </a:p>
-        </p:txBody>
-      </p:sp>
-      <p:sp>
-        <p:nvSpPr>
-          <p:cNvPr id="17414" name="Rectangle 6"/>
-          <p:cNvSpPr>
-            <a:spLocks noChangeArrowheads="1"/>
-          </p:cNvSpPr>
-          <p:nvPr/>
-        </p:nvSpPr>
-        <p:spPr bwMode="auto">
-          <a:xfrm>
-            <a:off x="9753600" y="5410200"/>
-            <a:ext cx="1676400" cy="914400"/>
-          </a:xfrm>
-          <a:prstGeom prst="rect">
-            <a:avLst/>
-          </a:prstGeom>
-          <a:ln>
-            <a:headEnd/>
-            <a:tailEnd/>
-          </a:ln>
-        </p:spPr>
-        <p:style>
-          <a:lnRef idx="3">
-            <a:schemeClr val="lt1"/>
-          </a:lnRef>
-          <a:fillRef idx="1">
-            <a:schemeClr val="accent2"/>
-          </a:fillRef>
-          <a:effectRef idx="1">
-            <a:schemeClr val="accent2"/>
-          </a:effectRef>
-          <a:fontRef idx="minor">
-            <a:schemeClr val="lt1"/>
-          </a:fontRef>
-        </p:style>
-        <p:txBody>
-          <a:bodyPr wrap="none" anchor="ctr"/>
-          <a:lstStyle/>
-          <a:p>
-            <a:pPr algn="ctr"/>
-            <a:r>
-              <a:rPr lang="en-US" dirty="0">
-                <a:latin typeface="Calibri"/>
-                <a:cs typeface="Calibri"/>
-              </a:rPr>
-              <a:t>Test   </a:t>
-            </a:r>
-          </a:p>
-          <a:p>
-            <a:pPr algn="ctr"/>
-            <a:r>
-              <a:rPr lang="en-US" dirty="0">
-                <a:latin typeface="Calibri"/>
-                <a:cs typeface="Calibri"/>
-              </a:rPr>
-              <a:t>Data   </a:t>
-            </a:r>
-          </a:p>
-        </p:txBody>
-      </p:sp>
-      <p:sp>
-        <p:nvSpPr>
-          <p:cNvPr id="4" name="Rectangle 3">
-            <a:extLst>
-              <a:ext uri="{FF2B5EF4-FFF2-40B4-BE49-F238E27FC236}">
-                <a16:creationId xmlns:a16="http://schemas.microsoft.com/office/drawing/2014/main" id="{AC7EC834-138C-41AE-87CB-FE5BD6F87D5E}"/>
-              </a:ext>
-              <a:ext uri="{C183D7F6-B498-43B3-948B-1728B52AA6E4}">
-                <adec:decorative xmlns:adec="http://schemas.microsoft.com/office/drawing/2017/decorative" val="1"/>
-              </a:ext>
-            </a:extLst>
-          </p:cNvPr>
-          <p:cNvSpPr/>
-          <p:nvPr/>
-        </p:nvSpPr>
-        <p:spPr>
-          <a:xfrm>
-            <a:off x="9677400" y="5340350"/>
-            <a:ext cx="1828800" cy="1054100"/>
-          </a:xfrm>
-          <a:prstGeom prst="rect">
-            <a:avLst/>
-          </a:prstGeom>
-          <a:noFill/>
-          <a:ln w="38100">
-            <a:solidFill>
-              <a:schemeClr val="accent3">
-                <a:lumMod val="60000"/>
-                <a:lumOff val="40000"/>
-              </a:schemeClr>
-            </a:solidFill>
-            <a:prstDash val="dash"/>
-          </a:ln>
-        </p:spPr>
-        <p:style>
-          <a:lnRef idx="2">
-            <a:schemeClr val="accent1">
-              <a:shade val="50000"/>
-            </a:schemeClr>
-          </a:lnRef>
-          <a:fillRef idx="1">
-            <a:schemeClr val="accent1"/>
-          </a:fillRef>
-          <a:effectRef idx="0">
-            <a:schemeClr val="accent1"/>
-          </a:effectRef>
-          <a:fontRef idx="minor">
-            <a:schemeClr val="lt1"/>
-          </a:fontRef>
-        </p:style>
-        <p:txBody>
-          <a:bodyPr rtlCol="0" anchor="ctr"/>
-          <a:lstStyle/>
-          <a:p>
-            <a:pPr algn="ctr"/>
-            <a:endParaRPr lang="en-US"/>
-          </a:p>
-        </p:txBody>
-      </p:sp>
-      <p:sp>
-        <p:nvSpPr>
-          <p:cNvPr id="2" name="Left Brace 1">
-            <a:extLst>
-              <a:ext uri="{FF2B5EF4-FFF2-40B4-BE49-F238E27FC236}">
-                <a16:creationId xmlns:a16="http://schemas.microsoft.com/office/drawing/2014/main" id="{301B99BB-B020-43F8-9CFD-9293399FB657}"/>
-              </a:ext>
-              <a:ext uri="{C183D7F6-B498-43B3-948B-1728B52AA6E4}">
-                <adec:decorative xmlns:adec="http://schemas.microsoft.com/office/drawing/2017/decorative" val="1"/>
-              </a:ext>
-            </a:extLst>
-          </p:cNvPr>
-          <p:cNvSpPr/>
-          <p:nvPr/>
-        </p:nvSpPr>
-        <p:spPr>
-          <a:xfrm>
-            <a:off x="9372600" y="5410200"/>
-            <a:ext cx="228600" cy="984250"/>
-          </a:xfrm>
-          <a:prstGeom prst="leftBrace">
-            <a:avLst/>
-          </a:prstGeom>
-        </p:spPr>
-        <p:style>
-          <a:lnRef idx="3">
-            <a:schemeClr val="accent2"/>
-          </a:lnRef>
-          <a:fillRef idx="0">
-            <a:schemeClr val="accent2"/>
-          </a:fillRef>
-          <a:effectRef idx="2">
-            <a:schemeClr val="accent2"/>
-          </a:effectRef>
-          <a:fontRef idx="minor">
-            <a:schemeClr val="tx1"/>
-          </a:fontRef>
-        </p:style>
-        <p:txBody>
-          <a:bodyPr rtlCol="0" anchor="ctr"/>
-          <a:lstStyle/>
-          <a:p>
-            <a:pPr algn="ctr"/>
-            <a:endParaRPr lang="en-US"/>
-          </a:p>
-        </p:txBody>
-      </p:sp>
-      <p:cxnSp>
-        <p:nvCxnSpPr>
-          <p:cNvPr id="5" name="Straight Arrow Connector 4">
-            <a:extLst>
-              <a:ext uri="{FF2B5EF4-FFF2-40B4-BE49-F238E27FC236}">
-                <a16:creationId xmlns:a16="http://schemas.microsoft.com/office/drawing/2014/main" id="{8CD00634-942B-41CB-B538-20DFE58A6CB5}"/>
-              </a:ext>
-              <a:ext uri="{C183D7F6-B498-43B3-948B-1728B52AA6E4}">
-                <adec:decorative xmlns:adec="http://schemas.microsoft.com/office/drawing/2017/decorative" val="1"/>
-              </a:ext>
-            </a:extLst>
-          </p:cNvPr>
-          <p:cNvCxnSpPr>
-            <a:cxnSpLocks/>
-            <a:stCxn id="2" idx="1"/>
-          </p:cNvCxnSpPr>
-          <p:nvPr/>
-        </p:nvCxnSpPr>
-        <p:spPr>
-          <a:xfrm flipH="1" flipV="1">
-            <a:off x="8382000" y="4343400"/>
-            <a:ext cx="990600" cy="1558925"/>
-          </a:xfrm>
-          <a:prstGeom prst="straightConnector1">
-            <a:avLst/>
-          </a:prstGeom>
-          <a:ln>
-            <a:tailEnd type="triangle"/>
-          </a:ln>
-        </p:spPr>
-        <p:style>
-          <a:lnRef idx="3">
-            <a:schemeClr val="accent2"/>
-          </a:lnRef>
-          <a:fillRef idx="0">
-            <a:schemeClr val="accent2"/>
-          </a:fillRef>
-          <a:effectRef idx="2">
-            <a:schemeClr val="accent2"/>
-          </a:effectRef>
-          <a:fontRef idx="minor">
-            <a:schemeClr val="tx1"/>
-          </a:fontRef>
-        </p:style>
-      </p:cxnSp>
-      <p:pic>
-        <p:nvPicPr>
-          <p:cNvPr id="6" name="Graphic 5" descr="Unlock with solid fill">
-            <a:extLst>
-              <a:ext uri="{FF2B5EF4-FFF2-40B4-BE49-F238E27FC236}">
-                <a16:creationId xmlns:a16="http://schemas.microsoft.com/office/drawing/2014/main" id="{B1EAD544-8074-E914-D0BC-88B8725BC996}"/>
-              </a:ext>
-            </a:extLst>
-          </p:cNvPr>
-          <p:cNvPicPr>
-            <a:picLocks noChangeAspect="1"/>
-          </p:cNvPicPr>
-          <p:nvPr/>
-        </p:nvPicPr>
-        <p:blipFill>
-          <a:blip r:embed="rId3">
-            <a:extLst>
-              <a:ext uri="{28A0092B-C50C-407E-A947-70E740481C1C}">
-                <a14:useLocalDpi xmlns:a14="http://schemas.microsoft.com/office/drawing/2010/main" val="0"/>
-              </a:ext>
-              <a:ext uri="{96DAC541-7B7A-43D3-8B79-37D633B846F1}">
-                <asvg:svgBlip xmlns:asvg="http://schemas.microsoft.com/office/drawing/2016/SVG/main" r:embed="rId4"/>
+                <asvg:svgBlip xmlns:asvg="http://schemas.microsoft.com/office/drawing/2016/SVG/main" r:embed="rId7"/>
               </a:ext>
             </a:extLst>
           </a:blip>
@@ -30568,18 +30357,17 @@
     </p:spTree>
     <p:extLst>
       <p:ext uri="{BB962C8B-B14F-4D97-AF65-F5344CB8AC3E}">
-        <p14:creationId xmlns:p14="http://schemas.microsoft.com/office/powerpoint/2010/main" val="1867134195"/>
+        <p14:creationId xmlns:p14="http://schemas.microsoft.com/office/powerpoint/2010/main" val="2260336672"/>
       </p:ext>
     </p:extLst>
   </p:cSld>
   <p:clrMapOvr>
     <a:masterClrMapping/>
   </p:clrMapOvr>
-  <p:transition/>
 </p:sld>
 </file>
 
-<file path=ppt/slides/slide24.xml><?xml version="1.0" encoding="utf-8"?>
+<file path=ppt/slides/slide23.xml><?xml version="1.0" encoding="utf-8"?>
 <p:sld xmlns:a="http://schemas.openxmlformats.org/drawingml/2006/main" xmlns:r="http://schemas.openxmlformats.org/officeDocument/2006/relationships" xmlns:p="http://schemas.openxmlformats.org/presentationml/2006/main">
   <p:cSld>
     <p:spTree>
@@ -30625,8 +30413,8 @@
           </a:p>
         </p:txBody>
       </p:sp>
-      <mc:AlternateContent xmlns:mc="http://schemas.openxmlformats.org/markup-compatibility/2006" xmlns:a14="http://schemas.microsoft.com/office/drawing/2010/main">
-        <mc:Choice Requires="a14">
+      <mc:AlternateContent xmlns:mc="http://schemas.openxmlformats.org/markup-compatibility/2006">
+        <mc:Choice xmlns:a14="http://schemas.microsoft.com/office/drawing/2010/main" Requires="a14">
           <p:sp>
             <p:nvSpPr>
               <p:cNvPr id="1283075" name="Rectangle 3"/>
@@ -30645,7 +30433,7 @@
             </p:spPr>
             <p:txBody>
               <a:bodyPr>
-                <a:normAutofit fontScale="85000" lnSpcReduction="20000"/>
+                <a:normAutofit fontScale="92500" lnSpcReduction="10000"/>
               </a:bodyPr>
               <a:lstStyle/>
               <a:p>
@@ -30740,56 +30528,10 @@
                   <a:t>Some algorithms/tools do this internally.</a:t>
                 </a:r>
               </a:p>
-              <a:p>
-                <a:pPr lvl="1"/>
-                <a:endParaRPr lang="en-US" dirty="0"/>
-              </a:p>
-              <a:p>
-                <a:r>
-                  <a:rPr lang="en-US" b="1" dirty="0"/>
-                  <a:t>LOOCV</a:t>
-                </a:r>
-                <a:r>
-                  <a:rPr lang="en-US" dirty="0"/>
-                  <a:t> (leave-one-out cross validation): </a:t>
-                </a:r>
-                <a14:m>
-                  <m:oMath xmlns:m="http://schemas.openxmlformats.org/officeDocument/2006/math">
-                    <m:r>
-                      <a:rPr lang="en-US" i="1" dirty="0" smtClean="0">
-                        <a:latin typeface="Cambria Math" panose="02040503050406030204" pitchFamily="18" charset="0"/>
-                      </a:rPr>
-                      <m:t>𝑘</m:t>
-                    </m:r>
-                    <m:r>
-                      <a:rPr lang="en-US" i="1" dirty="0" smtClean="0">
-                        <a:latin typeface="Cambria Math" panose="02040503050406030204" pitchFamily="18" charset="0"/>
-                      </a:rPr>
-                      <m:t> = </m:t>
-                    </m:r>
-                    <m:r>
-                      <a:rPr lang="en-US" i="1" dirty="0" smtClean="0">
-                        <a:latin typeface="Cambria Math" panose="02040503050406030204" pitchFamily="18" charset="0"/>
-                      </a:rPr>
-                      <m:t>𝑛</m:t>
-                    </m:r>
-                    <m:r>
-                      <a:rPr lang="en-US" i="1" dirty="0" smtClean="0">
-                        <a:latin typeface="Cambria Math" panose="02040503050406030204" pitchFamily="18" charset="0"/>
-                      </a:rPr>
-                      <m:t> </m:t>
-                    </m:r>
-                  </m:oMath>
-                </a14:m>
-                <a:r>
-                  <a:rPr lang="en-US" dirty="0"/>
-                  <a:t>used if very little data is available. </a:t>
-                </a:r>
-              </a:p>
             </p:txBody>
           </p:sp>
         </mc:Choice>
-        <mc:Fallback xmlns="">
+        <mc:Fallback>
           <p:sp>
             <p:nvSpPr>
               <p:cNvPr id="1283075" name="Rectangle 3"/>
@@ -30808,7 +30550,7 @@
               <a:blipFill>
                 <a:blip r:embed="rId3"/>
                 <a:stretch>
-                  <a:fillRect l="-889" t="-2919"/>
+                  <a:fillRect l="-1025" t="-2538"/>
                 </a:stretch>
               </a:blipFill>
             </p:spPr>
@@ -31101,7 +30843,7 @@
 </p:sld>
 </file>
 
-<file path=ppt/slides/slide25.xml><?xml version="1.0" encoding="utf-8"?>
+<file path=ppt/slides/slide24.xml><?xml version="1.0" encoding="utf-8"?>
 <p:sld xmlns:a="http://schemas.openxmlformats.org/drawingml/2006/main" xmlns:r="http://schemas.openxmlformats.org/officeDocument/2006/relationships" xmlns:p="http://schemas.openxmlformats.org/presentationml/2006/main">
   <p:cSld>
     <p:spTree>
@@ -31250,7 +30992,7 @@
         </p:nvSpPr>
         <p:spPr>
           <a:xfrm>
-            <a:off x="7989333" y="1679881"/>
+            <a:off x="8153400" y="1679881"/>
             <a:ext cx="3200400" cy="4216539"/>
           </a:xfrm>
           <a:prstGeom prst="rect">
@@ -31266,7 +31008,7 @@
           <a:p>
             <a:r>
               <a:rPr lang="en-US" sz="2400" dirty="0"/>
-              <a:t>Accuracy of a classifier when the amount of available training data increases.</a:t>
+              <a:t>Accuracy increases when the amount of available training data increases.</a:t>
             </a:r>
           </a:p>
           <a:p>
@@ -31297,6 +31039,93 @@
           </a:p>
         </p:txBody>
       </p:sp>
+      <p:cxnSp>
+        <p:nvCxnSpPr>
+          <p:cNvPr id="8" name="Straight Connector 7">
+            <a:extLst>
+              <a:ext uri="{FF2B5EF4-FFF2-40B4-BE49-F238E27FC236}">
+                <a16:creationId xmlns:a16="http://schemas.microsoft.com/office/drawing/2014/main" id="{756F0791-53D0-2340-C98D-6EFE1BE2E569}"/>
+              </a:ext>
+            </a:extLst>
+          </p:cNvPr>
+          <p:cNvCxnSpPr>
+            <a:cxnSpLocks/>
+          </p:cNvCxnSpPr>
+          <p:nvPr/>
+        </p:nvCxnSpPr>
+        <p:spPr>
+          <a:xfrm>
+            <a:off x="2286000" y="2209800"/>
+            <a:ext cx="4648200" cy="0"/>
+          </a:xfrm>
+          <a:prstGeom prst="line">
+            <a:avLst/>
+          </a:prstGeom>
+        </p:spPr>
+        <p:style>
+          <a:lnRef idx="3">
+            <a:schemeClr val="accent1"/>
+          </a:lnRef>
+          <a:fillRef idx="0">
+            <a:schemeClr val="accent1"/>
+          </a:fillRef>
+          <a:effectRef idx="2">
+            <a:schemeClr val="accent1"/>
+          </a:effectRef>
+          <a:fontRef idx="minor">
+            <a:schemeClr val="tx1"/>
+          </a:fontRef>
+        </p:style>
+      </p:cxnSp>
+      <p:sp>
+        <p:nvSpPr>
+          <p:cNvPr id="10" name="Speech Bubble: Oval 9">
+            <a:extLst>
+              <a:ext uri="{FF2B5EF4-FFF2-40B4-BE49-F238E27FC236}">
+                <a16:creationId xmlns:a16="http://schemas.microsoft.com/office/drawing/2014/main" id="{950477E8-3A99-82B3-DE3B-3B1F1FBE1FB7}"/>
+              </a:ext>
+            </a:extLst>
+          </p:cNvPr>
+          <p:cNvSpPr/>
+          <p:nvPr/>
+        </p:nvSpPr>
+        <p:spPr>
+          <a:xfrm>
+            <a:off x="6400800" y="1657383"/>
+            <a:ext cx="1752600" cy="442912"/>
+          </a:xfrm>
+          <a:prstGeom prst="wedgeEllipseCallout">
+            <a:avLst/>
+          </a:prstGeom>
+        </p:spPr>
+        <p:style>
+          <a:lnRef idx="2">
+            <a:schemeClr val="accent1">
+              <a:shade val="15000"/>
+            </a:schemeClr>
+          </a:lnRef>
+          <a:fillRef idx="1">
+            <a:schemeClr val="accent1"/>
+          </a:fillRef>
+          <a:effectRef idx="0">
+            <a:schemeClr val="accent1"/>
+          </a:effectRef>
+          <a:fontRef idx="minor">
+            <a:schemeClr val="lt1"/>
+          </a:fontRef>
+        </p:style>
+        <p:txBody>
+          <a:bodyPr rtlCol="0" anchor="ctr"/>
+          <a:lstStyle/>
+          <a:p>
+            <a:pPr algn="ctr"/>
+            <a:r>
+              <a:rPr lang="en-US" sz="1200" dirty="0"/>
+              <a:t>Bayesian error rate</a:t>
+            </a:r>
+          </a:p>
+        </p:txBody>
+      </p:sp>
     </p:spTree>
     <p:extLst>
       <p:ext uri="{BB962C8B-B14F-4D97-AF65-F5344CB8AC3E}">
@@ -31310,7 +31139,7 @@
 </p:sld>
 </file>
 
-<file path=ppt/slides/slide26.xml><?xml version="1.0" encoding="utf-8"?>
+<file path=ppt/slides/slide25.xml><?xml version="1.0" encoding="utf-8"?>
 <p:sld xmlns:a="http://schemas.openxmlformats.org/drawingml/2006/main" xmlns:r="http://schemas.openxmlformats.org/officeDocument/2006/relationships" xmlns:p="http://schemas.openxmlformats.org/presentationml/2006/main">
   <p:cSld>
     <p:spTree>
@@ -31813,7 +31642,7 @@
 </p:sld>
 </file>
 
-<file path=ppt/slides/slide27.xml><?xml version="1.0" encoding="utf-8"?>
+<file path=ppt/slides/slide26.xml><?xml version="1.0" encoding="utf-8"?>
 <p:sld xmlns:a="http://schemas.openxmlformats.org/drawingml/2006/main" xmlns:r="http://schemas.openxmlformats.org/officeDocument/2006/relationships" xmlns:p="http://schemas.openxmlformats.org/presentationml/2006/main">
   <p:cSld>
     <p:bg>
@@ -32433,7 +32262,7 @@
 </p:sld>
 </file>
 
-<file path=ppt/slides/slide28.xml><?xml version="1.0" encoding="utf-8"?>
+<file path=ppt/slides/slide27.xml><?xml version="1.0" encoding="utf-8"?>
 <p:sld xmlns:a="http://schemas.openxmlformats.org/drawingml/2006/main" xmlns:r="http://schemas.openxmlformats.org/officeDocument/2006/relationships" xmlns:p="http://schemas.openxmlformats.org/presentationml/2006/main">
   <p:cSld>
     <p:spTree>
@@ -34386,8 +34215,8 @@
             </a:prstGeom>
           </p:spPr>
         </p:pic>
-        <mc:AlternateContent xmlns:mc="http://schemas.openxmlformats.org/markup-compatibility/2006">
-          <mc:Choice xmlns:a14="http://schemas.microsoft.com/office/drawing/2010/main" Requires="a14">
+        <mc:AlternateContent xmlns:mc="http://schemas.openxmlformats.org/markup-compatibility/2006" xmlns:a14="http://schemas.microsoft.com/office/drawing/2010/main">
+          <mc:Choice Requires="a14">
             <p:sp>
               <p:nvSpPr>
                 <p:cNvPr id="14" name="TextBox 13">
@@ -34464,7 +34293,7 @@
               </p:txBody>
             </p:sp>
           </mc:Choice>
-          <mc:Fallback>
+          <mc:Fallback xmlns="">
             <p:sp>
               <p:nvSpPr>
                 <p:cNvPr id="14" name="TextBox 13">
@@ -34553,8 +34382,8 @@
             </a:fontRef>
           </p:style>
         </p:cxnSp>
-        <mc:AlternateContent xmlns:mc="http://schemas.openxmlformats.org/markup-compatibility/2006">
-          <mc:Choice xmlns:a14="http://schemas.microsoft.com/office/drawing/2010/main" Requires="a14">
+        <mc:AlternateContent xmlns:mc="http://schemas.openxmlformats.org/markup-compatibility/2006" xmlns:a14="http://schemas.microsoft.com/office/drawing/2010/main">
+          <mc:Choice Requires="a14">
             <p:sp>
               <p:nvSpPr>
                 <p:cNvPr id="18" name="TextBox 17">
@@ -34604,7 +34433,7 @@
               </p:txBody>
             </p:sp>
           </mc:Choice>
-          <mc:Fallback>
+          <mc:Fallback xmlns="">
             <p:sp>
               <p:nvSpPr>
                 <p:cNvPr id="18" name="TextBox 17">
@@ -34747,7 +34576,7 @@
 </p:sld>
 </file>
 
-<file path=ppt/slides/slide29.xml><?xml version="1.0" encoding="utf-8"?>
+<file path=ppt/slides/slide28.xml><?xml version="1.0" encoding="utf-8"?>
 <p:sld xmlns:a="http://schemas.openxmlformats.org/drawingml/2006/main" xmlns:r="http://schemas.openxmlformats.org/officeDocument/2006/relationships" xmlns:p="http://schemas.openxmlformats.org/presentationml/2006/main">
   <p:cSld>
     <p:spTree>
@@ -35911,222 +35740,7 @@
 </p:sld>
 </file>
 
-<file path=ppt/slides/slide3.xml><?xml version="1.0" encoding="utf-8"?>
-<p:sld xmlns:a="http://schemas.openxmlformats.org/drawingml/2006/main" xmlns:r="http://schemas.openxmlformats.org/officeDocument/2006/relationships" xmlns:p="http://schemas.openxmlformats.org/presentationml/2006/main">
-  <p:cSld>
-    <p:spTree>
-      <p:nvGrpSpPr>
-        <p:cNvPr id="1" name="">
-          <a:extLst>
-            <a:ext uri="{FF2B5EF4-FFF2-40B4-BE49-F238E27FC236}">
-              <a16:creationId xmlns:a16="http://schemas.microsoft.com/office/drawing/2014/main" id="{BB24A43D-93C1-ABD3-A2E5-40B73B6ECC06}"/>
-            </a:ext>
-          </a:extLst>
-        </p:cNvPr>
-        <p:cNvGrpSpPr/>
-        <p:nvPr/>
-      </p:nvGrpSpPr>
-      <p:grpSpPr>
-        <a:xfrm>
-          <a:off x="0" y="0"/>
-          <a:ext cx="0" cy="0"/>
-          <a:chOff x="0" y="0"/>
-          <a:chExt cx="0" cy="0"/>
-        </a:xfrm>
-      </p:grpSpPr>
-      <p:sp>
-        <p:nvSpPr>
-          <p:cNvPr id="2" name="Title 1">
-            <a:extLst>
-              <a:ext uri="{FF2B5EF4-FFF2-40B4-BE49-F238E27FC236}">
-                <a16:creationId xmlns:a16="http://schemas.microsoft.com/office/drawing/2014/main" id="{EB85A4B6-D7DC-5913-84F9-79DC02BD043E}"/>
-              </a:ext>
-            </a:extLst>
-          </p:cNvPr>
-          <p:cNvSpPr>
-            <a:spLocks noGrp="1"/>
-          </p:cNvSpPr>
-          <p:nvPr>
-            <p:ph type="title"/>
-          </p:nvPr>
-        </p:nvSpPr>
-        <p:spPr>
-          <a:xfrm>
-            <a:off x="477981" y="1122363"/>
-            <a:ext cx="4023360" cy="3204134"/>
-          </a:xfrm>
-        </p:spPr>
-        <p:txBody>
-          <a:bodyPr vert="horz" lIns="91440" tIns="45720" rIns="91440" bIns="45720" rtlCol="0" anchor="b">
-            <a:normAutofit/>
-          </a:bodyPr>
-          <a:lstStyle/>
-          <a:p>
-            <a:r>
-              <a:rPr lang="en-US" sz="4800"/>
-              <a:t>ML</a:t>
-            </a:r>
-            <a:r>
-              <a:rPr lang="en-US" sz="4800" kern="1200">
-                <a:solidFill>
-                  <a:schemeClr val="tx1"/>
-                </a:solidFill>
-                <a:latin typeface="+mj-lt"/>
-                <a:ea typeface="+mj-ea"/>
-                <a:cs typeface="+mj-cs"/>
-              </a:rPr>
-              <a:t> and Agents</a:t>
-            </a:r>
-            <a:endParaRPr lang="en-US" sz="4800" kern="1200" dirty="0">
-              <a:solidFill>
-                <a:schemeClr val="tx1"/>
-              </a:solidFill>
-              <a:latin typeface="+mj-lt"/>
-              <a:ea typeface="+mj-ea"/>
-              <a:cs typeface="+mj-cs"/>
-            </a:endParaRPr>
-          </a:p>
-        </p:txBody>
-      </p:sp>
-      <p:sp>
-        <p:nvSpPr>
-          <p:cNvPr id="3" name="Text Placeholder 2">
-            <a:extLst>
-              <a:ext uri="{FF2B5EF4-FFF2-40B4-BE49-F238E27FC236}">
-                <a16:creationId xmlns:a16="http://schemas.microsoft.com/office/drawing/2014/main" id="{AC2AF3E4-DA27-99F4-6A0C-36ED5861B6FE}"/>
-              </a:ext>
-            </a:extLst>
-          </p:cNvPr>
-          <p:cNvSpPr>
-            <a:spLocks noGrp="1"/>
-          </p:cNvSpPr>
-          <p:nvPr>
-            <p:ph type="body" idx="1"/>
-          </p:nvPr>
-        </p:nvSpPr>
-        <p:spPr>
-          <a:xfrm>
-            <a:off x="477981" y="4872922"/>
-            <a:ext cx="3933306" cy="1208141"/>
-          </a:xfrm>
-        </p:spPr>
-        <p:txBody>
-          <a:bodyPr vert="horz" lIns="91440" tIns="45720" rIns="91440" bIns="45720" rtlCol="0">
-            <a:normAutofit/>
-          </a:bodyPr>
-          <a:lstStyle/>
-          <a:p>
-            <a:endParaRPr lang="en-US" sz="2000" kern="1200">
-              <a:solidFill>
-                <a:schemeClr val="tx1"/>
-              </a:solidFill>
-              <a:latin typeface="+mn-lt"/>
-              <a:ea typeface="+mn-ea"/>
-              <a:cs typeface="+mn-cs"/>
-            </a:endParaRPr>
-          </a:p>
-        </p:txBody>
-      </p:sp>
-      <p:sp>
-        <p:nvSpPr>
-          <p:cNvPr id="7" name="TextBox 6">
-            <a:extLst>
-              <a:ext uri="{FF2B5EF4-FFF2-40B4-BE49-F238E27FC236}">
-                <a16:creationId xmlns:a16="http://schemas.microsoft.com/office/drawing/2014/main" id="{192FDFC1-1E91-863C-60E8-089AC78538B5}"/>
-              </a:ext>
-            </a:extLst>
-          </p:cNvPr>
-          <p:cNvSpPr txBox="1"/>
-          <p:nvPr/>
-        </p:nvSpPr>
-        <p:spPr>
-          <a:xfrm>
-            <a:off x="5715000" y="6081063"/>
-            <a:ext cx="5562600" cy="523220"/>
-          </a:xfrm>
-          <a:prstGeom prst="rect">
-            <a:avLst/>
-          </a:prstGeom>
-          <a:noFill/>
-        </p:spPr>
-        <p:txBody>
-          <a:bodyPr wrap="square" rtlCol="0">
-            <a:spAutoFit/>
-          </a:bodyPr>
-          <a:lstStyle/>
-          <a:p>
-            <a:pPr algn="ctr"/>
-            <a:r>
-              <a:rPr lang="en-US" sz="1400" dirty="0"/>
-              <a:t>DeepAi.org with prompt: “A happy cartoon robot with an artificial neural network for a brain on white background learning to play chess”</a:t>
-            </a:r>
-          </a:p>
-        </p:txBody>
-      </p:sp>
-      <p:pic>
-        <p:nvPicPr>
-          <p:cNvPr id="1034" name="Picture 10">
-            <a:extLst>
-              <a:ext uri="{FF2B5EF4-FFF2-40B4-BE49-F238E27FC236}">
-                <a16:creationId xmlns:a16="http://schemas.microsoft.com/office/drawing/2014/main" id="{0B3B5D91-7A9D-DC31-1696-410760A5AF47}"/>
-              </a:ext>
-              <a:ext uri="{C183D7F6-B498-43B3-948B-1728B52AA6E4}">
-                <adec:decorative xmlns:adec="http://schemas.microsoft.com/office/drawing/2017/decorative" val="1"/>
-              </a:ext>
-            </a:extLst>
-          </p:cNvPr>
-          <p:cNvPicPr>
-            <a:picLocks noChangeAspect="1" noChangeArrowheads="1"/>
-          </p:cNvPicPr>
-          <p:nvPr/>
-        </p:nvPicPr>
-        <p:blipFill>
-          <a:blip r:embed="rId2">
-            <a:extLst>
-              <a:ext uri="{28A0092B-C50C-407E-A947-70E740481C1C}">
-                <a14:useLocalDpi xmlns:a14="http://schemas.microsoft.com/office/drawing/2010/main" val="0"/>
-              </a:ext>
-            </a:extLst>
-          </a:blip>
-          <a:srcRect/>
-          <a:stretch>
-            <a:fillRect/>
-          </a:stretch>
-        </p:blipFill>
-        <p:spPr bwMode="auto">
-          <a:xfrm>
-            <a:off x="5524500" y="172099"/>
-            <a:ext cx="5943600" cy="5943600"/>
-          </a:xfrm>
-          <a:prstGeom prst="rect">
-            <a:avLst/>
-          </a:prstGeom>
-          <a:noFill/>
-          <a:extLst>
-            <a:ext uri="{909E8E84-426E-40DD-AFC4-6F175D3DCCD1}">
-              <a14:hiddenFill xmlns:a14="http://schemas.microsoft.com/office/drawing/2010/main">
-                <a:solidFill>
-                  <a:srgbClr val="FFFFFF"/>
-                </a:solidFill>
-              </a14:hiddenFill>
-            </a:ext>
-          </a:extLst>
-        </p:spPr>
-      </p:pic>
-    </p:spTree>
-    <p:extLst>
-      <p:ext uri="{BB962C8B-B14F-4D97-AF65-F5344CB8AC3E}">
-        <p14:creationId xmlns:p14="http://schemas.microsoft.com/office/powerpoint/2010/main" val="2256691729"/>
-      </p:ext>
-    </p:extLst>
-  </p:cSld>
-  <p:clrMapOvr>
-    <a:masterClrMapping/>
-  </p:clrMapOvr>
-</p:sld>
-</file>
-
-<file path=ppt/slides/slide30.xml><?xml version="1.0" encoding="utf-8"?>
+<file path=ppt/slides/slide29.xml><?xml version="1.0" encoding="utf-8"?>
 <p:sld xmlns:a="http://schemas.openxmlformats.org/drawingml/2006/main" xmlns:r="http://schemas.openxmlformats.org/officeDocument/2006/relationships" xmlns:p="http://schemas.openxmlformats.org/presentationml/2006/main">
   <p:cSld>
     <p:spTree>
@@ -36816,7 +36430,222 @@
 </p:sld>
 </file>
 
-<file path=ppt/slides/slide31.xml><?xml version="1.0" encoding="utf-8"?>
+<file path=ppt/slides/slide3.xml><?xml version="1.0" encoding="utf-8"?>
+<p:sld xmlns:a="http://schemas.openxmlformats.org/drawingml/2006/main" xmlns:r="http://schemas.openxmlformats.org/officeDocument/2006/relationships" xmlns:p="http://schemas.openxmlformats.org/presentationml/2006/main">
+  <p:cSld>
+    <p:spTree>
+      <p:nvGrpSpPr>
+        <p:cNvPr id="1" name="">
+          <a:extLst>
+            <a:ext uri="{FF2B5EF4-FFF2-40B4-BE49-F238E27FC236}">
+              <a16:creationId xmlns:a16="http://schemas.microsoft.com/office/drawing/2014/main" id="{BB24A43D-93C1-ABD3-A2E5-40B73B6ECC06}"/>
+            </a:ext>
+          </a:extLst>
+        </p:cNvPr>
+        <p:cNvGrpSpPr/>
+        <p:nvPr/>
+      </p:nvGrpSpPr>
+      <p:grpSpPr>
+        <a:xfrm>
+          <a:off x="0" y="0"/>
+          <a:ext cx="0" cy="0"/>
+          <a:chOff x="0" y="0"/>
+          <a:chExt cx="0" cy="0"/>
+        </a:xfrm>
+      </p:grpSpPr>
+      <p:sp>
+        <p:nvSpPr>
+          <p:cNvPr id="2" name="Title 1">
+            <a:extLst>
+              <a:ext uri="{FF2B5EF4-FFF2-40B4-BE49-F238E27FC236}">
+                <a16:creationId xmlns:a16="http://schemas.microsoft.com/office/drawing/2014/main" id="{EB85A4B6-D7DC-5913-84F9-79DC02BD043E}"/>
+              </a:ext>
+            </a:extLst>
+          </p:cNvPr>
+          <p:cNvSpPr>
+            <a:spLocks noGrp="1"/>
+          </p:cNvSpPr>
+          <p:nvPr>
+            <p:ph type="title"/>
+          </p:nvPr>
+        </p:nvSpPr>
+        <p:spPr>
+          <a:xfrm>
+            <a:off x="477981" y="1122363"/>
+            <a:ext cx="4023360" cy="3204134"/>
+          </a:xfrm>
+        </p:spPr>
+        <p:txBody>
+          <a:bodyPr vert="horz" lIns="91440" tIns="45720" rIns="91440" bIns="45720" rtlCol="0" anchor="b">
+            <a:normAutofit/>
+          </a:bodyPr>
+          <a:lstStyle/>
+          <a:p>
+            <a:r>
+              <a:rPr lang="en-US" sz="4800"/>
+              <a:t>ML</a:t>
+            </a:r>
+            <a:r>
+              <a:rPr lang="en-US" sz="4800" kern="1200">
+                <a:solidFill>
+                  <a:schemeClr val="tx1"/>
+                </a:solidFill>
+                <a:latin typeface="+mj-lt"/>
+                <a:ea typeface="+mj-ea"/>
+                <a:cs typeface="+mj-cs"/>
+              </a:rPr>
+              <a:t> and Agents</a:t>
+            </a:r>
+            <a:endParaRPr lang="en-US" sz="4800" kern="1200" dirty="0">
+              <a:solidFill>
+                <a:schemeClr val="tx1"/>
+              </a:solidFill>
+              <a:latin typeface="+mj-lt"/>
+              <a:ea typeface="+mj-ea"/>
+              <a:cs typeface="+mj-cs"/>
+            </a:endParaRPr>
+          </a:p>
+        </p:txBody>
+      </p:sp>
+      <p:sp>
+        <p:nvSpPr>
+          <p:cNvPr id="3" name="Text Placeholder 2">
+            <a:extLst>
+              <a:ext uri="{FF2B5EF4-FFF2-40B4-BE49-F238E27FC236}">
+                <a16:creationId xmlns:a16="http://schemas.microsoft.com/office/drawing/2014/main" id="{AC2AF3E4-DA27-99F4-6A0C-36ED5861B6FE}"/>
+              </a:ext>
+            </a:extLst>
+          </p:cNvPr>
+          <p:cNvSpPr>
+            <a:spLocks noGrp="1"/>
+          </p:cNvSpPr>
+          <p:nvPr>
+            <p:ph type="body" idx="1"/>
+          </p:nvPr>
+        </p:nvSpPr>
+        <p:spPr>
+          <a:xfrm>
+            <a:off x="477981" y="4872922"/>
+            <a:ext cx="3933306" cy="1208141"/>
+          </a:xfrm>
+        </p:spPr>
+        <p:txBody>
+          <a:bodyPr vert="horz" lIns="91440" tIns="45720" rIns="91440" bIns="45720" rtlCol="0">
+            <a:normAutofit/>
+          </a:bodyPr>
+          <a:lstStyle/>
+          <a:p>
+            <a:endParaRPr lang="en-US" sz="2000" kern="1200">
+              <a:solidFill>
+                <a:schemeClr val="tx1"/>
+              </a:solidFill>
+              <a:latin typeface="+mn-lt"/>
+              <a:ea typeface="+mn-ea"/>
+              <a:cs typeface="+mn-cs"/>
+            </a:endParaRPr>
+          </a:p>
+        </p:txBody>
+      </p:sp>
+      <p:sp>
+        <p:nvSpPr>
+          <p:cNvPr id="7" name="TextBox 6">
+            <a:extLst>
+              <a:ext uri="{FF2B5EF4-FFF2-40B4-BE49-F238E27FC236}">
+                <a16:creationId xmlns:a16="http://schemas.microsoft.com/office/drawing/2014/main" id="{192FDFC1-1E91-863C-60E8-089AC78538B5}"/>
+              </a:ext>
+            </a:extLst>
+          </p:cNvPr>
+          <p:cNvSpPr txBox="1"/>
+          <p:nvPr/>
+        </p:nvSpPr>
+        <p:spPr>
+          <a:xfrm>
+            <a:off x="5715000" y="6081063"/>
+            <a:ext cx="5562600" cy="523220"/>
+          </a:xfrm>
+          <a:prstGeom prst="rect">
+            <a:avLst/>
+          </a:prstGeom>
+          <a:noFill/>
+        </p:spPr>
+        <p:txBody>
+          <a:bodyPr wrap="square" rtlCol="0">
+            <a:spAutoFit/>
+          </a:bodyPr>
+          <a:lstStyle/>
+          <a:p>
+            <a:pPr algn="ctr"/>
+            <a:r>
+              <a:rPr lang="en-US" sz="1400" dirty="0"/>
+              <a:t>DeepAi.org with prompt: “A happy cartoon robot with an artificial neural network for a brain on white background learning to play chess”</a:t>
+            </a:r>
+          </a:p>
+        </p:txBody>
+      </p:sp>
+      <p:pic>
+        <p:nvPicPr>
+          <p:cNvPr id="1034" name="Picture 10">
+            <a:extLst>
+              <a:ext uri="{FF2B5EF4-FFF2-40B4-BE49-F238E27FC236}">
+                <a16:creationId xmlns:a16="http://schemas.microsoft.com/office/drawing/2014/main" id="{0B3B5D91-7A9D-DC31-1696-410760A5AF47}"/>
+              </a:ext>
+              <a:ext uri="{C183D7F6-B498-43B3-948B-1728B52AA6E4}">
+                <adec:decorative xmlns:adec="http://schemas.microsoft.com/office/drawing/2017/decorative" val="1"/>
+              </a:ext>
+            </a:extLst>
+          </p:cNvPr>
+          <p:cNvPicPr>
+            <a:picLocks noChangeAspect="1" noChangeArrowheads="1"/>
+          </p:cNvPicPr>
+          <p:nvPr/>
+        </p:nvPicPr>
+        <p:blipFill>
+          <a:blip r:embed="rId2">
+            <a:extLst>
+              <a:ext uri="{28A0092B-C50C-407E-A947-70E740481C1C}">
+                <a14:useLocalDpi xmlns:a14="http://schemas.microsoft.com/office/drawing/2010/main" val="0"/>
+              </a:ext>
+            </a:extLst>
+          </a:blip>
+          <a:srcRect/>
+          <a:stretch>
+            <a:fillRect/>
+          </a:stretch>
+        </p:blipFill>
+        <p:spPr bwMode="auto">
+          <a:xfrm>
+            <a:off x="5524500" y="172099"/>
+            <a:ext cx="5943600" cy="5943600"/>
+          </a:xfrm>
+          <a:prstGeom prst="rect">
+            <a:avLst/>
+          </a:prstGeom>
+          <a:noFill/>
+          <a:extLst>
+            <a:ext uri="{909E8E84-426E-40DD-AFC4-6F175D3DCCD1}">
+              <a14:hiddenFill xmlns:a14="http://schemas.microsoft.com/office/drawing/2010/main">
+                <a:solidFill>
+                  <a:srgbClr val="FFFFFF"/>
+                </a:solidFill>
+              </a14:hiddenFill>
+            </a:ext>
+          </a:extLst>
+        </p:spPr>
+      </p:pic>
+    </p:spTree>
+    <p:extLst>
+      <p:ext uri="{BB962C8B-B14F-4D97-AF65-F5344CB8AC3E}">
+        <p14:creationId xmlns:p14="http://schemas.microsoft.com/office/powerpoint/2010/main" val="2256691729"/>
+      </p:ext>
+    </p:extLst>
+  </p:cSld>
+  <p:clrMapOvr>
+    <a:masterClrMapping/>
+  </p:clrMapOvr>
+</p:sld>
+</file>
+
+<file path=ppt/slides/slide30.xml><?xml version="1.0" encoding="utf-8"?>
 <p:sld xmlns:a="http://schemas.openxmlformats.org/drawingml/2006/main" xmlns:r="http://schemas.openxmlformats.org/officeDocument/2006/relationships" xmlns:p="http://schemas.openxmlformats.org/presentationml/2006/main">
   <p:cSld>
     <p:spTree>
@@ -37467,8 +37296,8 @@
 </p:sld>
 </file>
 
-<file path=ppt/slides/slide32.xml><?xml version="1.0" encoding="utf-8"?>
-<p:sld xmlns:a="http://schemas.openxmlformats.org/drawingml/2006/main" xmlns:r="http://schemas.openxmlformats.org/officeDocument/2006/relationships" xmlns:p="http://schemas.openxmlformats.org/presentationml/2006/main">
+<file path=ppt/slides/slide31.xml><?xml version="1.0" encoding="utf-8"?>
+<p:sld xmlns:a="http://schemas.openxmlformats.org/drawingml/2006/main" xmlns:r="http://schemas.openxmlformats.org/officeDocument/2006/relationships" xmlns:p="http://schemas.openxmlformats.org/presentationml/2006/main" show="0">
   <p:cSld>
     <p:spTree>
       <p:nvGrpSpPr>
@@ -37819,7 +37648,7 @@
 </p:sld>
 </file>
 
-<file path=ppt/slides/slide33.xml><?xml version="1.0" encoding="utf-8"?>
+<file path=ppt/slides/slide32.xml><?xml version="1.0" encoding="utf-8"?>
 <p:sld xmlns:a="http://schemas.openxmlformats.org/drawingml/2006/main" xmlns:r="http://schemas.openxmlformats.org/officeDocument/2006/relationships" xmlns:p="http://schemas.openxmlformats.org/presentationml/2006/main">
   <p:cSld>
     <p:spTree>
@@ -37852,7 +37681,12 @@
             <p:ph type="title"/>
           </p:nvPr>
         </p:nvSpPr>
-        <p:spPr/>
+        <p:spPr>
+          <a:xfrm>
+            <a:off x="838200" y="365126"/>
+            <a:ext cx="10515600" cy="818384"/>
+          </a:xfrm>
+        </p:spPr>
         <p:txBody>
           <a:bodyPr/>
           <a:lstStyle/>
@@ -37878,10 +37712,10 @@
         </p:nvGrpSpPr>
         <p:grpSpPr>
           <a:xfrm>
-            <a:off x="45672" y="1217096"/>
-            <a:ext cx="7802930" cy="5513904"/>
-            <a:chOff x="45672" y="1217096"/>
-            <a:chExt cx="7802930" cy="5513904"/>
+            <a:off x="45672" y="1164852"/>
+            <a:ext cx="7802930" cy="5509792"/>
+            <a:chOff x="45672" y="1164852"/>
+            <a:chExt cx="7802930" cy="5509792"/>
           </a:xfrm>
         </p:grpSpPr>
         <p:pic>
@@ -37979,13 +37813,13 @@
           </p:nvSpPr>
           <p:spPr>
             <a:xfrm>
-              <a:off x="4279900" y="6248400"/>
+              <a:off x="4405570" y="6113461"/>
               <a:ext cx="2425700" cy="482600"/>
             </a:xfrm>
             <a:prstGeom prst="wedgeRectCallout">
               <a:avLst>
-                <a:gd name="adj1" fmla="val -10212"/>
-                <a:gd name="adj2" fmla="val -294760"/>
+                <a:gd name="adj1" fmla="val -15845"/>
+                <a:gd name="adj2" fmla="val -257736"/>
               </a:avLst>
             </a:prstGeom>
           </p:spPr>
@@ -38139,7 +37973,7 @@
           </p:nvSpPr>
           <p:spPr>
             <a:xfrm>
-              <a:off x="4240470" y="1217096"/>
+              <a:off x="4240470" y="1164852"/>
               <a:ext cx="2590800" cy="369332"/>
             </a:xfrm>
             <a:prstGeom prst="rect">
@@ -38246,10 +38080,10 @@
                         <m:t>|</m:t>
                       </m:r>
                       <m:r>
-                        <a:rPr lang="en-US" sz="1400" b="0" i="1" smtClean="0">
+                        <a:rPr lang="en-US" sz="1400" b="1" i="1" smtClean="0">
                           <a:latin typeface="Cambria Math" panose="02040503050406030204" pitchFamily="18" charset="0"/>
                         </a:rPr>
-                        <m:t>𝑥</m:t>
+                        <m:t>𝒙</m:t>
                       </m:r>
                       <m:r>
                         <a:rPr lang="en-US" sz="1400" b="0" i="1" smtClean="0">
@@ -38326,13 +38160,13 @@
           </p:nvSpPr>
           <p:spPr>
             <a:xfrm>
-              <a:off x="838200" y="6059145"/>
+              <a:off x="838200" y="6004187"/>
               <a:ext cx="1104900" cy="381000"/>
             </a:xfrm>
             <a:prstGeom prst="wedgeRectCallout">
               <a:avLst>
-                <a:gd name="adj1" fmla="val 25551"/>
-                <a:gd name="adj2" fmla="val -280756"/>
+                <a:gd name="adj1" fmla="val 18893"/>
+                <a:gd name="adj2" fmla="val -242135"/>
               </a:avLst>
             </a:prstGeom>
           </p:spPr>
@@ -38519,8 +38353,8 @@
           </p:style>
         </p:cxnSp>
       </p:grpSp>
-      <mc:AlternateContent xmlns:mc="http://schemas.openxmlformats.org/markup-compatibility/2006" xmlns:a14="http://schemas.microsoft.com/office/drawing/2010/main">
-        <mc:Choice Requires="a14">
+      <mc:AlternateContent xmlns:mc="http://schemas.openxmlformats.org/markup-compatibility/2006">
+        <mc:Choice xmlns:a14="http://schemas.microsoft.com/office/drawing/2010/main" Requires="a14">
           <p:sp>
             <p:nvSpPr>
               <p:cNvPr id="3" name="Content Placeholder 2">
@@ -38539,8 +38373,8 @@
             </p:nvSpPr>
             <p:spPr>
               <a:xfrm>
-                <a:off x="7999189" y="1803915"/>
-                <a:ext cx="3657600" cy="4688960"/>
+                <a:off x="8035974" y="1452988"/>
+                <a:ext cx="3657600" cy="4901773"/>
               </a:xfrm>
             </p:spPr>
             <p:txBody>
@@ -38553,6 +38387,9 @@
                   <a:rPr lang="en-US" sz="1800" dirty="0"/>
                   <a:t>Represent </a:t>
                 </a:r>
+                <a:br>
+                  <a:rPr lang="en-US" sz="1800" dirty="0"/>
+                </a:br>
                 <a14:m>
                   <m:oMath xmlns:m="http://schemas.openxmlformats.org/officeDocument/2006/math">
                     <m:acc>
@@ -38606,7 +38443,163 @@
                 </a14:m>
                 <a:r>
                   <a:rPr lang="en-US" sz="1800" dirty="0"/>
-                  <a:t> as a network of weighted sums with non-linear </a:t>
+                  <a:t> </a:t>
+                </a:r>
+                <a14:m>
+                  <m:oMath xmlns:m="http://schemas.openxmlformats.org/officeDocument/2006/math">
+                    <m:r>
+                      <a:rPr lang="en-US" sz="1800" i="1">
+                        <a:latin typeface="Cambria Math" panose="02040503050406030204" pitchFamily="18" charset="0"/>
+                      </a:rPr>
+                      <m:t>=</m:t>
+                    </m:r>
+                    <m:sSub>
+                      <m:sSubPr>
+                        <m:ctrlPr>
+                          <a:rPr lang="en-US" sz="1800" i="1">
+                            <a:latin typeface="Cambria Math" panose="02040503050406030204" pitchFamily="18" charset="0"/>
+                          </a:rPr>
+                        </m:ctrlPr>
+                      </m:sSubPr>
+                      <m:e>
+                        <m:r>
+                          <a:rPr lang="en-US" sz="1800" i="1">
+                            <a:latin typeface="Cambria Math" panose="02040503050406030204" pitchFamily="18" charset="0"/>
+                          </a:rPr>
+                          <m:t>𝑔</m:t>
+                        </m:r>
+                      </m:e>
+                      <m:sub>
+                        <m:r>
+                          <a:rPr lang="en-US" sz="1800" i="1">
+                            <a:latin typeface="Cambria Math" panose="02040503050406030204" pitchFamily="18" charset="0"/>
+                          </a:rPr>
+                          <m:t>2</m:t>
+                        </m:r>
+                      </m:sub>
+                    </m:sSub>
+                    <m:r>
+                      <a:rPr lang="en-US" sz="1800" i="1">
+                        <a:latin typeface="Cambria Math" panose="02040503050406030204" pitchFamily="18" charset="0"/>
+                      </a:rPr>
+                      <m:t>(</m:t>
+                    </m:r>
+                    <m:sSub>
+                      <m:sSubPr>
+                        <m:ctrlPr>
+                          <a:rPr lang="en-US" sz="1800" i="1">
+                            <a:latin typeface="Cambria Math" panose="02040503050406030204" pitchFamily="18" charset="0"/>
+                          </a:rPr>
+                        </m:ctrlPr>
+                      </m:sSubPr>
+                      <m:e>
+                        <m:r>
+                          <a:rPr lang="en-US" sz="1800" b="1" i="1">
+                            <a:latin typeface="Cambria Math" panose="02040503050406030204" pitchFamily="18" charset="0"/>
+                          </a:rPr>
+                          <m:t>𝑾</m:t>
+                        </m:r>
+                      </m:e>
+                      <m:sub>
+                        <m:r>
+                          <a:rPr lang="en-US" sz="1800" i="1">
+                            <a:latin typeface="Cambria Math" panose="02040503050406030204" pitchFamily="18" charset="0"/>
+                          </a:rPr>
+                          <m:t>2</m:t>
+                        </m:r>
+                      </m:sub>
+                    </m:sSub>
+                    <m:r>
+                      <a:rPr lang="en-US" sz="1800" i="1">
+                        <a:latin typeface="Cambria Math" panose="02040503050406030204" pitchFamily="18" charset="0"/>
+                      </a:rPr>
+                      <m:t> </m:t>
+                    </m:r>
+                    <m:sSub>
+                      <m:sSubPr>
+                        <m:ctrlPr>
+                          <a:rPr lang="en-US" sz="1800" i="1">
+                            <a:latin typeface="Cambria Math" panose="02040503050406030204" pitchFamily="18" charset="0"/>
+                          </a:rPr>
+                        </m:ctrlPr>
+                      </m:sSubPr>
+                      <m:e>
+                        <m:r>
+                          <a:rPr lang="en-US" sz="1800" i="1">
+                            <a:latin typeface="Cambria Math" panose="02040503050406030204" pitchFamily="18" charset="0"/>
+                          </a:rPr>
+                          <m:t>𝑔</m:t>
+                        </m:r>
+                      </m:e>
+                      <m:sub>
+                        <m:r>
+                          <a:rPr lang="en-US" sz="1800" i="1">
+                            <a:latin typeface="Cambria Math" panose="02040503050406030204" pitchFamily="18" charset="0"/>
+                          </a:rPr>
+                          <m:t>1</m:t>
+                        </m:r>
+                      </m:sub>
+                    </m:sSub>
+                    <m:d>
+                      <m:dPr>
+                        <m:ctrlPr>
+                          <a:rPr lang="en-US" sz="1800" b="1" i="1">
+                            <a:latin typeface="Cambria Math" panose="02040503050406030204" pitchFamily="18" charset="0"/>
+                          </a:rPr>
+                        </m:ctrlPr>
+                      </m:dPr>
+                      <m:e>
+                        <m:sSub>
+                          <m:sSubPr>
+                            <m:ctrlPr>
+                              <a:rPr lang="en-US" sz="1800" b="1" i="1">
+                                <a:latin typeface="Cambria Math" panose="02040503050406030204" pitchFamily="18" charset="0"/>
+                              </a:rPr>
+                            </m:ctrlPr>
+                          </m:sSubPr>
+                          <m:e>
+                            <m:r>
+                              <a:rPr lang="en-US" sz="1800" b="1" i="1">
+                                <a:latin typeface="Cambria Math" panose="02040503050406030204" pitchFamily="18" charset="0"/>
+                              </a:rPr>
+                              <m:t>𝑾</m:t>
+                            </m:r>
+                          </m:e>
+                          <m:sub>
+                            <m:r>
+                              <a:rPr lang="en-US" sz="1800" i="1">
+                                <a:latin typeface="Cambria Math" panose="02040503050406030204" pitchFamily="18" charset="0"/>
+                              </a:rPr>
+                              <m:t>1</m:t>
+                            </m:r>
+                          </m:sub>
+                        </m:sSub>
+                        <m:r>
+                          <a:rPr lang="en-US" sz="1800" b="1" i="1">
+                            <a:latin typeface="Cambria Math" panose="02040503050406030204" pitchFamily="18" charset="0"/>
+                          </a:rPr>
+                          <m:t>𝒙</m:t>
+                        </m:r>
+                      </m:e>
+                    </m:d>
+                    <m:r>
+                      <a:rPr lang="en-US" sz="1800" i="1">
+                        <a:latin typeface="Cambria Math" panose="02040503050406030204" pitchFamily="18" charset="0"/>
+                      </a:rPr>
+                      <m:t>)</m:t>
+                    </m:r>
+                  </m:oMath>
+                </a14:m>
+                <a:r>
+                  <a:rPr lang="en-US" sz="1800" dirty="0"/>
+                  <a:t> </a:t>
+                </a:r>
+                <a:br>
+                  <a:rPr lang="en-US" sz="1800" dirty="0"/>
+                </a:br>
+                <a:r>
+                  <a:rPr lang="en-US" sz="1800" dirty="0"/>
+                  <a:t>as a network of weighted sums with non-linear </a:t>
                 </a:r>
                 <a:r>
                   <a:rPr lang="en-US" sz="1800" b="1" dirty="0"/>
@@ -38628,15 +38621,15 @@
               <a:p>
                 <a:r>
                   <a:rPr lang="en-US" sz="1800" dirty="0"/>
-                  <a:t>Learn weights </a:t>
+                  <a:t>Learn weight matrices </a:t>
                 </a:r>
                 <a14:m>
                   <m:oMath xmlns:m="http://schemas.openxmlformats.org/officeDocument/2006/math">
                     <m:r>
-                      <a:rPr lang="en-US" sz="1800" b="1" i="0" dirty="0" smtClean="0">
+                      <a:rPr lang="en-US" sz="1800" b="1" i="1" dirty="0" smtClean="0">
                         <a:latin typeface="Cambria Math" panose="02040503050406030204" pitchFamily="18" charset="0"/>
                       </a:rPr>
-                      <m:t>𝐰</m:t>
+                      <m:t>𝑾</m:t>
                     </m:r>
                   </m:oMath>
                 </a14:m>
@@ -38731,7 +38724,7 @@
                 </a:r>
                 <a:r>
                   <a:rPr lang="en-US" sz="1800" dirty="0"/>
-                  <a:t> is typically used to avoid overfitting.</a:t>
+                  <a:t> is typically needed to avoid overfitting.</a:t>
                 </a:r>
               </a:p>
               <a:p>
@@ -38747,7 +38740,7 @@
             </p:txBody>
           </p:sp>
         </mc:Choice>
-        <mc:Fallback xmlns="">
+        <mc:Fallback>
           <p:sp>
             <p:nvSpPr>
               <p:cNvPr id="3" name="Content Placeholder 2">
@@ -38766,13 +38759,13 @@
             </p:nvSpPr>
             <p:spPr>
               <a:xfrm>
-                <a:off x="7999189" y="1803915"/>
-                <a:ext cx="3657600" cy="4688960"/>
+                <a:off x="8035974" y="1452988"/>
+                <a:ext cx="3657600" cy="4901773"/>
               </a:xfrm>
               <a:blipFill>
                 <a:blip r:embed="rId4"/>
                 <a:stretch>
-                  <a:fillRect l="-1000" t="-1300" r="-1000" b="-1691"/>
+                  <a:fillRect l="-1000" t="-1119" b="-2363"/>
                 </a:stretch>
               </a:blipFill>
             </p:spPr>
@@ -38791,6 +38784,42 @@
           </p:sp>
         </mc:Fallback>
       </mc:AlternateContent>
+      <p:sp>
+        <p:nvSpPr>
+          <p:cNvPr id="17" name="TextBox 16">
+            <a:extLst>
+              <a:ext uri="{FF2B5EF4-FFF2-40B4-BE49-F238E27FC236}">
+                <a16:creationId xmlns:a16="http://schemas.microsoft.com/office/drawing/2014/main" id="{29E56341-A356-BD0B-2B28-DCEA6620EAE6}"/>
+              </a:ext>
+            </a:extLst>
+          </p:cNvPr>
+          <p:cNvSpPr txBox="1"/>
+          <p:nvPr/>
+        </p:nvSpPr>
+        <p:spPr>
+          <a:xfrm>
+            <a:off x="511753" y="1104517"/>
+            <a:ext cx="2590800" cy="369332"/>
+          </a:xfrm>
+          <a:prstGeom prst="rect">
+            <a:avLst/>
+          </a:prstGeom>
+          <a:noFill/>
+        </p:spPr>
+        <p:txBody>
+          <a:bodyPr wrap="square" rtlCol="0">
+            <a:spAutoFit/>
+          </a:bodyPr>
+          <a:lstStyle/>
+          <a:p>
+            <a:pPr algn="ctr"/>
+            <a:r>
+              <a:rPr lang="en-US" b="1" dirty="0"/>
+              <a:t>Network Topology</a:t>
+            </a:r>
+          </a:p>
+        </p:txBody>
+      </p:sp>
     </p:spTree>
     <p:extLst>
       <p:ext uri="{BB962C8B-B14F-4D97-AF65-F5344CB8AC3E}">
@@ -38804,7 +38833,7 @@
 </p:sld>
 </file>
 
-<file path=ppt/slides/slide34.xml><?xml version="1.0" encoding="utf-8"?>
+<file path=ppt/slides/slide33.xml><?xml version="1.0" encoding="utf-8"?>
 <p:sld xmlns:a="http://schemas.openxmlformats.org/drawingml/2006/main" xmlns:r="http://schemas.openxmlformats.org/officeDocument/2006/relationships" xmlns:p="http://schemas.openxmlformats.org/presentationml/2006/main">
   <p:cSld>
     <p:bg>
@@ -38975,7 +39004,7 @@
 </p:sld>
 </file>
 
-<file path=ppt/slides/slide35.xml><?xml version="1.0" encoding="utf-8"?>
+<file path=ppt/slides/slide34.xml><?xml version="1.0" encoding="utf-8"?>
 <p:sld xmlns:a="http://schemas.openxmlformats.org/drawingml/2006/main" xmlns:r="http://schemas.openxmlformats.org/officeDocument/2006/relationships" xmlns:p="http://schemas.openxmlformats.org/presentationml/2006/main">
   <p:cSld>
     <p:spTree>
@@ -39069,8 +39098,8 @@
           </a:p>
         </p:txBody>
       </p:sp>
-      <mc:AlternateContent xmlns:mc="http://schemas.openxmlformats.org/markup-compatibility/2006">
-        <mc:Choice xmlns:a14="http://schemas.microsoft.com/office/drawing/2010/main" Requires="a14">
+      <mc:AlternateContent xmlns:mc="http://schemas.openxmlformats.org/markup-compatibility/2006" xmlns:a14="http://schemas.microsoft.com/office/drawing/2010/main">
+        <mc:Choice Requires="a14">
           <p:graphicFrame>
             <p:nvGraphicFramePr>
               <p:cNvPr id="6" name="Content Placeholder 2" descr="ML models can be used to learn actions or an evaluation function from state descriptions. ML is also used in preprocessing percepts (natural language processing, object detection) or to compress large tables like joint probability tables.">
@@ -39102,7 +39131,7 @@
             </a:graphic>
           </p:graphicFrame>
         </mc:Choice>
-        <mc:Fallback>
+        <mc:Fallback xmlns="">
           <p:graphicFrame>
             <p:nvGraphicFramePr>
               <p:cNvPr id="6" name="Content Placeholder 2" descr="ML models can be used to learn actions or an evaluation function from state descriptions. ML is also used in preprocessing percepts (natural language processing, object detection) or to compress large tables like joint probability tables.">
@@ -39129,7 +39158,7 @@
             </p:xfrm>
             <a:graphic>
               <a:graphicData uri="http://schemas.openxmlformats.org/drawingml/2006/diagram">
-                <dgm:relIds xmlns:dgm="http://schemas.openxmlformats.org/drawingml/2006/diagram" xmlns:r="http://schemas.openxmlformats.org/officeDocument/2006/relationships" r:dm="rId7" r:lo="rId3" r:qs="rId4" r:cs="rId5"/>
+                <dgm:relIds xmlns:dgm="http://schemas.openxmlformats.org/drawingml/2006/diagram" xmlns:r="http://schemas.openxmlformats.org/officeDocument/2006/relationships" r:dm="rId7" r:lo="rId8" r:qs="rId9" r:cs="rId10"/>
               </a:graphicData>
             </a:graphic>
           </p:graphicFrame>
@@ -40737,8 +40766,8 @@
           </a:p>
         </p:txBody>
       </p:sp>
-      <mc:AlternateContent xmlns:mc="http://schemas.openxmlformats.org/markup-compatibility/2006">
-        <mc:Choice xmlns:a14="http://schemas.microsoft.com/office/drawing/2010/main" Requires="a14">
+      <mc:AlternateContent xmlns:mc="http://schemas.openxmlformats.org/markup-compatibility/2006" xmlns:a14="http://schemas.microsoft.com/office/drawing/2010/main">
+        <mc:Choice Requires="a14">
           <p:sp>
             <p:nvSpPr>
               <p:cNvPr id="1104899" name="Rectangle 3"/>
@@ -41520,7 +41549,7 @@
             </p:txBody>
           </p:sp>
         </mc:Choice>
-        <mc:Fallback>
+        <mc:Fallback xmlns="">
           <p:sp>
             <p:nvSpPr>
               <p:cNvPr id="1104899" name="Rectangle 3"/>
@@ -41756,7 +41785,7 @@
             </a:ln>
             <a:extLst>
               <a:ext uri="{AF507438-7753-43e0-B8FC-AC1667EBCBE1}">
-                <a14:hiddenEffects xmlns:a14="http://schemas.microsoft.com/office/drawing/2010/main" xmlns="">
+                <a14:hiddenEffects xmlns="" xmlns:a14="http://schemas.microsoft.com/office/drawing/2010/main">
                   <a:effectLst>
                     <a:outerShdw dist="35921" dir="2700000" algn="ctr" rotWithShape="0">
                       <a:schemeClr val="bg2"/>
@@ -41838,14 +41867,14 @@
             <a:effectLst/>
             <a:extLst>
               <a:ext uri="{909E8E84-426E-40dd-AFC4-6F175D3DCCD1}">
-                <a14:hiddenFill xmlns:a14="http://schemas.microsoft.com/office/drawing/2010/main" xmlns="">
+                <a14:hiddenFill xmlns="" xmlns:a14="http://schemas.microsoft.com/office/drawing/2010/main">
                   <a:solidFill>
                     <a:schemeClr val="accent1"/>
                   </a:solidFill>
                 </a14:hiddenFill>
               </a:ext>
               <a:ext uri="{91240B29-F687-4f45-9708-019B960494DF}">
-                <a14:hiddenLine xmlns:a14="http://schemas.microsoft.com/office/drawing/2010/main" xmlns="" w="9525">
+                <a14:hiddenLine xmlns="" xmlns:a14="http://schemas.microsoft.com/office/drawing/2010/main" w="9525">
                   <a:solidFill>
                     <a:schemeClr val="tx1"/>
                   </a:solidFill>
@@ -41855,7 +41884,7 @@
                 </a14:hiddenLine>
               </a:ext>
               <a:ext uri="{AF507438-7753-43e0-B8FC-AC1667EBCBE1}">
-                <a14:hiddenEffects xmlns:a14="http://schemas.microsoft.com/office/drawing/2010/main" xmlns="">
+                <a14:hiddenEffects xmlns="" xmlns:a14="http://schemas.microsoft.com/office/drawing/2010/main">
                   <a:effectLst>
                     <a:outerShdw dist="35921" dir="2700000" algn="ctr" rotWithShape="0">
                       <a:schemeClr val="bg2"/>
@@ -41896,7 +41925,7 @@
             <a:effectLst/>
             <a:extLst>
               <a:ext uri="{AF507438-7753-43e0-B8FC-AC1667EBCBE1}">
-                <a14:hiddenEffects xmlns:a14="http://schemas.microsoft.com/office/drawing/2010/main" xmlns="">
+                <a14:hiddenEffects xmlns="" xmlns:a14="http://schemas.microsoft.com/office/drawing/2010/main">
                   <a:effectLst>
                     <a:outerShdw dist="35921" dir="2700000" algn="ctr" rotWithShape="0">
                       <a:schemeClr val="bg2"/>
@@ -41944,7 +41973,7 @@
             <a:effectLst/>
             <a:extLst>
               <a:ext uri="{AF507438-7753-43e0-B8FC-AC1667EBCBE1}">
-                <a14:hiddenEffects xmlns:a14="http://schemas.microsoft.com/office/drawing/2010/main" xmlns="">
+                <a14:hiddenEffects xmlns="" xmlns:a14="http://schemas.microsoft.com/office/drawing/2010/main">
                   <a:effectLst>
                     <a:outerShdw dist="35921" dir="2700000" algn="ctr" rotWithShape="0">
                       <a:schemeClr val="bg2"/>
@@ -42012,14 +42041,14 @@
             <a:effectLst/>
             <a:extLst>
               <a:ext uri="{909E8E84-426E-40dd-AFC4-6F175D3DCCD1}">
-                <a14:hiddenFill xmlns:a14="http://schemas.microsoft.com/office/drawing/2010/main" xmlns="">
+                <a14:hiddenFill xmlns="" xmlns:a14="http://schemas.microsoft.com/office/drawing/2010/main">
                   <a:solidFill>
                     <a:schemeClr val="accent1"/>
                   </a:solidFill>
                 </a14:hiddenFill>
               </a:ext>
               <a:ext uri="{91240B29-F687-4f45-9708-019B960494DF}">
-                <a14:hiddenLine xmlns:a14="http://schemas.microsoft.com/office/drawing/2010/main" xmlns="" w="9525">
+                <a14:hiddenLine xmlns="" xmlns:a14="http://schemas.microsoft.com/office/drawing/2010/main" w="9525">
                   <a:solidFill>
                     <a:schemeClr val="tx1"/>
                   </a:solidFill>
@@ -42029,7 +42058,7 @@
                 </a14:hiddenLine>
               </a:ext>
               <a:ext uri="{AF507438-7753-43e0-B8FC-AC1667EBCBE1}">
-                <a14:hiddenEffects xmlns:a14="http://schemas.microsoft.com/office/drawing/2010/main" xmlns="">
+                <a14:hiddenEffects xmlns="" xmlns:a14="http://schemas.microsoft.com/office/drawing/2010/main">
                   <a:effectLst>
                     <a:outerShdw dist="35921" dir="2700000" algn="ctr" rotWithShape="0">
                       <a:schemeClr val="bg2"/>
@@ -42566,14 +42595,14 @@
           <a:effectLst/>
           <a:extLst>
             <a:ext uri="{909E8E84-426E-40dd-AFC4-6F175D3DCCD1}">
-              <a14:hiddenFill xmlns:a14="http://schemas.microsoft.com/office/drawing/2010/main" xmlns="">
+              <a14:hiddenFill xmlns="" xmlns:a14="http://schemas.microsoft.com/office/drawing/2010/main">
                 <a:solidFill>
                   <a:schemeClr val="accent1"/>
                 </a:solidFill>
               </a14:hiddenFill>
             </a:ext>
             <a:ext uri="{91240B29-F687-4f45-9708-019B960494DF}">
-              <a14:hiddenLine xmlns:a14="http://schemas.microsoft.com/office/drawing/2010/main" xmlns="" w="9525">
+              <a14:hiddenLine xmlns="" xmlns:a14="http://schemas.microsoft.com/office/drawing/2010/main" w="9525">
                 <a:solidFill>
                   <a:schemeClr val="tx1"/>
                 </a:solidFill>
@@ -42583,7 +42612,7 @@
               </a14:hiddenLine>
             </a:ext>
             <a:ext uri="{AF507438-7753-43e0-B8FC-AC1667EBCBE1}">
-              <a14:hiddenEffects xmlns:a14="http://schemas.microsoft.com/office/drawing/2010/main" xmlns="">
+              <a14:hiddenEffects xmlns="" xmlns:a14="http://schemas.microsoft.com/office/drawing/2010/main">
                 <a:effectLst>
                   <a:outerShdw dist="35921" dir="2700000" algn="ctr" rotWithShape="0">
                     <a:schemeClr val="bg2"/>
@@ -42630,14 +42659,14 @@
           <a:effectLst/>
           <a:extLst>
             <a:ext uri="{909E8E84-426E-40dd-AFC4-6F175D3DCCD1}">
-              <a14:hiddenFill xmlns:a14="http://schemas.microsoft.com/office/drawing/2010/main" xmlns="">
+              <a14:hiddenFill xmlns="" xmlns:a14="http://schemas.microsoft.com/office/drawing/2010/main">
                 <a:solidFill>
                   <a:schemeClr val="accent1"/>
                 </a:solidFill>
               </a14:hiddenFill>
             </a:ext>
             <a:ext uri="{91240B29-F687-4f45-9708-019B960494DF}">
-              <a14:hiddenLine xmlns:a14="http://schemas.microsoft.com/office/drawing/2010/main" xmlns="" w="9525">
+              <a14:hiddenLine xmlns="" xmlns:a14="http://schemas.microsoft.com/office/drawing/2010/main" w="9525">
                 <a:solidFill>
                   <a:schemeClr val="tx1"/>
                 </a:solidFill>
@@ -42647,7 +42676,7 @@
               </a14:hiddenLine>
             </a:ext>
             <a:ext uri="{AF507438-7753-43e0-B8FC-AC1667EBCBE1}">
-              <a14:hiddenEffects xmlns:a14="http://schemas.microsoft.com/office/drawing/2010/main" xmlns="">
+              <a14:hiddenEffects xmlns="" xmlns:a14="http://schemas.microsoft.com/office/drawing/2010/main">
                 <a:effectLst>
                   <a:outerShdw dist="35921" dir="2700000" algn="ctr" rotWithShape="0">
                     <a:schemeClr val="bg2"/>
@@ -42658,8 +42687,8 @@
           </a:extLst>
         </p:spPr>
       </p:pic>
-      <mc:AlternateContent xmlns:mc="http://schemas.openxmlformats.org/markup-compatibility/2006">
-        <mc:Choice xmlns:a14="http://schemas.microsoft.com/office/drawing/2010/main" Requires="a14">
+      <mc:AlternateContent xmlns:mc="http://schemas.openxmlformats.org/markup-compatibility/2006" xmlns:a14="http://schemas.microsoft.com/office/drawing/2010/main">
+        <mc:Choice Requires="a14">
           <p:sp>
             <p:nvSpPr>
               <p:cNvPr id="2" name="TextBox 1">
@@ -42766,7 +42795,7 @@
             </p:txBody>
           </p:sp>
         </mc:Choice>
-        <mc:Fallback>
+        <mc:Fallback xmlns="">
           <p:sp>
             <p:nvSpPr>
               <p:cNvPr id="2" name="TextBox 1">

--- a/slides/19_ML_intro.pptx
+++ b/slides/19_ML_intro.pptx
@@ -17298,201 +17298,6 @@
           </a:p>
         </p:txBody>
       </p:sp>
-      <p:grpSp>
-        <p:nvGrpSpPr>
-          <p:cNvPr id="6" name="Group 5">
-            <a:extLst>
-              <a:ext uri="{FF2B5EF4-FFF2-40B4-BE49-F238E27FC236}">
-                <a16:creationId xmlns:a16="http://schemas.microsoft.com/office/drawing/2014/main" id="{1E0D0D5D-35B7-C2D7-19AB-19035AAD48BA}"/>
-              </a:ext>
-              <a:ext uri="{C183D7F6-B498-43B3-948B-1728B52AA6E4}">
-                <adec:decorative xmlns:adec="http://schemas.microsoft.com/office/drawing/2017/decorative" val="1"/>
-              </a:ext>
-            </a:extLst>
-          </p:cNvPr>
-          <p:cNvGrpSpPr/>
-          <p:nvPr/>
-        </p:nvGrpSpPr>
-        <p:grpSpPr>
-          <a:xfrm>
-            <a:off x="838199" y="5901269"/>
-            <a:ext cx="3017521" cy="794028"/>
-            <a:chOff x="838199" y="5901269"/>
-            <a:chExt cx="3017521" cy="794028"/>
-          </a:xfrm>
-        </p:grpSpPr>
-        <p:pic>
-          <p:nvPicPr>
-            <p:cNvPr id="18" name="Picture 4" descr="Creative Commons License">
-              <a:extLst>
-                <a:ext uri="{FF2B5EF4-FFF2-40B4-BE49-F238E27FC236}">
-                  <a16:creationId xmlns:a16="http://schemas.microsoft.com/office/drawing/2014/main" id="{67259A3D-DFAB-4657-8C93-F2F7ED3F5852}"/>
-                </a:ext>
-              </a:extLst>
-            </p:cNvPr>
-            <p:cNvPicPr>
-              <a:picLocks noChangeAspect="1" noChangeArrowheads="1"/>
-            </p:cNvPicPr>
-            <p:nvPr/>
-          </p:nvPicPr>
-          <p:blipFill>
-            <a:blip r:embed="rId4">
-              <a:extLst>
-                <a:ext uri="{28A0092B-C50C-407E-A947-70E740481C1C}">
-                  <a14:useLocalDpi xmlns:a14="http://schemas.microsoft.com/office/drawing/2010/main" val="0"/>
-                </a:ext>
-              </a:extLst>
-            </a:blip>
-            <a:srcRect/>
-            <a:stretch>
-              <a:fillRect/>
-            </a:stretch>
-          </p:blipFill>
-          <p:spPr bwMode="auto">
-            <a:xfrm>
-              <a:off x="914400" y="5901269"/>
-              <a:ext cx="838200" cy="295275"/>
-            </a:xfrm>
-            <a:prstGeom prst="rect">
-              <a:avLst/>
-            </a:prstGeom>
-            <a:noFill/>
-            <a:extLst>
-              <a:ext uri="{909E8E84-426E-40DD-AFC4-6F175D3DCCD1}">
-                <a14:hiddenFill xmlns:a14="http://schemas.microsoft.com/office/drawing/2010/main">
-                  <a:solidFill>
-                    <a:srgbClr val="FFFFFF"/>
-                  </a:solidFill>
-                </a14:hiddenFill>
-              </a:ext>
-            </a:extLst>
-          </p:spPr>
-        </p:pic>
-        <p:sp>
-          <p:nvSpPr>
-            <p:cNvPr id="19" name="TextBox 18">
-              <a:extLst>
-                <a:ext uri="{FF2B5EF4-FFF2-40B4-BE49-F238E27FC236}">
-                  <a16:creationId xmlns:a16="http://schemas.microsoft.com/office/drawing/2014/main" id="{84322797-EFC0-4BD6-A554-1C7992D224D7}"/>
-                </a:ext>
-              </a:extLst>
-            </p:cNvPr>
-            <p:cNvSpPr txBox="1"/>
-            <p:nvPr/>
-          </p:nvSpPr>
-          <p:spPr>
-            <a:xfrm>
-              <a:off x="838199" y="6264410"/>
-              <a:ext cx="3017521" cy="430887"/>
-            </a:xfrm>
-            <a:prstGeom prst="rect">
-              <a:avLst/>
-            </a:prstGeom>
-            <a:noFill/>
-          </p:spPr>
-          <p:txBody>
-            <a:bodyPr wrap="square">
-              <a:spAutoFit/>
-            </a:bodyPr>
-            <a:lstStyle/>
-            <a:p>
-              <a:pPr>
-                <a:spcAft>
-                  <a:spcPts val="600"/>
-                </a:spcAft>
-              </a:pPr>
-              <a:r>
-                <a:rPr lang="en-US" sz="1100" b="0" i="0" dirty="0">
-                  <a:solidFill>
-                    <a:schemeClr val="tx1">
-                      <a:lumMod val="50000"/>
-                    </a:schemeClr>
-                  </a:solidFill>
-                  <a:effectLst/>
-                  <a:latin typeface="source sans pro" panose="020B0503030403020204" pitchFamily="34" charset="0"/>
-                </a:rPr>
-                <a:t>This work is licensed under a </a:t>
-              </a:r>
-              <a:r>
-                <a:rPr lang="en-US" sz="1100" b="0" i="0" strike="noStrike" dirty="0">
-                  <a:solidFill>
-                    <a:schemeClr val="tx1">
-                      <a:lumMod val="50000"/>
-                    </a:schemeClr>
-                  </a:solidFill>
-                  <a:effectLst/>
-                  <a:latin typeface="source sans pro" panose="020B0503030403020204" pitchFamily="34" charset="0"/>
-                  <a:hlinkClick r:id="rId5">
-                    <a:extLst>
-                      <a:ext uri="{A12FA001-AC4F-418D-AE19-62706E023703}">
-                        <ahyp:hlinkClr xmlns:ahyp="http://schemas.microsoft.com/office/drawing/2018/hyperlinkcolor" val="tx"/>
-                      </a:ext>
-                    </a:extLst>
-                  </a:hlinkClick>
-                </a:rPr>
-                <a:t>Creative Commons Attribution-</a:t>
-              </a:r>
-              <a:r>
-                <a:rPr lang="en-US" sz="1100" b="0" i="0" strike="noStrike" dirty="0" err="1">
-                  <a:solidFill>
-                    <a:schemeClr val="tx1">
-                      <a:lumMod val="50000"/>
-                    </a:schemeClr>
-                  </a:solidFill>
-                  <a:effectLst/>
-                  <a:latin typeface="source sans pro" panose="020B0503030403020204" pitchFamily="34" charset="0"/>
-                  <a:hlinkClick r:id="rId5">
-                    <a:extLst>
-                      <a:ext uri="{A12FA001-AC4F-418D-AE19-62706E023703}">
-                        <ahyp:hlinkClr xmlns:ahyp="http://schemas.microsoft.com/office/drawing/2018/hyperlinkcolor" val="tx"/>
-                      </a:ext>
-                    </a:extLst>
-                  </a:hlinkClick>
-                </a:rPr>
-                <a:t>ShareAlike</a:t>
-              </a:r>
-              <a:r>
-                <a:rPr lang="en-US" sz="1100" b="0" i="0" strike="noStrike" dirty="0">
-                  <a:solidFill>
-                    <a:schemeClr val="tx1">
-                      <a:lumMod val="50000"/>
-                    </a:schemeClr>
-                  </a:solidFill>
-                  <a:effectLst/>
-                  <a:latin typeface="source sans pro" panose="020B0503030403020204" pitchFamily="34" charset="0"/>
-                  <a:hlinkClick r:id="rId5">
-                    <a:extLst>
-                      <a:ext uri="{A12FA001-AC4F-418D-AE19-62706E023703}">
-                        <ahyp:hlinkClr xmlns:ahyp="http://schemas.microsoft.com/office/drawing/2018/hyperlinkcolor" val="tx"/>
-                      </a:ext>
-                    </a:extLst>
-                  </a:hlinkClick>
-                </a:rPr>
-                <a:t> 4.0 International License</a:t>
-              </a:r>
-              <a:r>
-                <a:rPr lang="en-US" sz="1100" b="0" i="0" dirty="0">
-                  <a:solidFill>
-                    <a:schemeClr val="tx1">
-                      <a:lumMod val="50000"/>
-                    </a:schemeClr>
-                  </a:solidFill>
-                  <a:effectLst/>
-                  <a:latin typeface="source sans pro" panose="020B0503030403020204" pitchFamily="34" charset="0"/>
-                </a:rPr>
-                <a:t>.</a:t>
-              </a:r>
-              <a:endParaRPr lang="en-US" sz="1100" dirty="0">
-                <a:solidFill>
-                  <a:schemeClr val="tx1">
-                    <a:lumMod val="50000"/>
-                  </a:schemeClr>
-                </a:solidFill>
-              </a:endParaRPr>
-            </a:p>
-          </p:txBody>
-        </p:sp>
-      </p:grpSp>
       <p:pic>
         <p:nvPicPr>
           <p:cNvPr id="1030" name="Picture 6">
@@ -17511,7 +17316,7 @@
           <p:nvPr/>
         </p:nvPicPr>
         <p:blipFill>
-          <a:blip r:embed="rId6">
+          <a:blip r:embed="rId4">
             <a:extLst>
               <a:ext uri="{28A0092B-C50C-407E-A947-70E740481C1C}">
                 <a14:useLocalDpi xmlns:a14="http://schemas.microsoft.com/office/drawing/2010/main" val="0"/>
@@ -17560,10 +17365,10 @@
         </p:nvGrpSpPr>
         <p:grpSpPr>
           <a:xfrm>
-            <a:off x="10668527" y="5181124"/>
-            <a:ext cx="1218146" cy="1440289"/>
-            <a:chOff x="7151029" y="4191000"/>
-            <a:chExt cx="1688171" cy="1981200"/>
+            <a:off x="10677020" y="5181124"/>
+            <a:ext cx="1209654" cy="1440289"/>
+            <a:chOff x="7162798" y="4191000"/>
+            <a:chExt cx="1676402" cy="1981200"/>
           </a:xfrm>
         </p:grpSpPr>
         <p:sp>
@@ -17626,7 +17431,7 @@
             <p:nvPr/>
           </p:nvPicPr>
           <p:blipFill>
-            <a:blip r:embed="rId7">
+            <a:blip r:embed="rId5">
               <a:extLst>
                 <a:ext uri="{28A0092B-C50C-407E-A947-70E740481C1C}">
                   <a14:useLocalDpi xmlns:a14="http://schemas.microsoft.com/office/drawing/2010/main" val="0"/>
@@ -17661,8 +17466,8 @@
           </p:nvSpPr>
           <p:spPr>
             <a:xfrm>
-              <a:off x="7151029" y="5812970"/>
-              <a:ext cx="1676400" cy="359230"/>
+              <a:off x="7162798" y="5812970"/>
+              <a:ext cx="1664630" cy="359230"/>
             </a:xfrm>
             <a:prstGeom prst="rect">
               <a:avLst/>
@@ -17696,6 +17501,193 @@
             </a:p>
           </p:txBody>
         </p:sp>
+      </p:grpSp>
+      <p:grpSp>
+        <p:nvGrpSpPr>
+          <p:cNvPr id="7" name="Group 6">
+            <a:extLst>
+              <a:ext uri="{FF2B5EF4-FFF2-40B4-BE49-F238E27FC236}">
+                <a16:creationId xmlns:a16="http://schemas.microsoft.com/office/drawing/2014/main" id="{A2C9F29D-ED8D-ED0A-3B12-CB52FE64378F}"/>
+              </a:ext>
+            </a:extLst>
+          </p:cNvPr>
+          <p:cNvGrpSpPr/>
+          <p:nvPr/>
+        </p:nvGrpSpPr>
+        <p:grpSpPr>
+          <a:xfrm>
+            <a:off x="822408" y="5790831"/>
+            <a:ext cx="3017521" cy="787818"/>
+            <a:chOff x="1219200" y="5967669"/>
+            <a:chExt cx="3017521" cy="787818"/>
+          </a:xfrm>
+        </p:grpSpPr>
+        <p:sp>
+          <p:nvSpPr>
+            <p:cNvPr id="8" name="TextBox 7">
+              <a:extLst>
+                <a:ext uri="{FF2B5EF4-FFF2-40B4-BE49-F238E27FC236}">
+                  <a16:creationId xmlns:a16="http://schemas.microsoft.com/office/drawing/2014/main" id="{4D3A12E2-7847-4CB7-20B4-A01735B26DD0}"/>
+                </a:ext>
+              </a:extLst>
+            </p:cNvPr>
+            <p:cNvSpPr txBox="1"/>
+            <p:nvPr/>
+          </p:nvSpPr>
+          <p:spPr>
+            <a:xfrm>
+              <a:off x="1219200" y="6324600"/>
+              <a:ext cx="3017521" cy="430887"/>
+            </a:xfrm>
+            <a:prstGeom prst="rect">
+              <a:avLst/>
+            </a:prstGeom>
+            <a:noFill/>
+          </p:spPr>
+          <p:txBody>
+            <a:bodyPr wrap="square">
+              <a:spAutoFit/>
+            </a:bodyPr>
+            <a:lstStyle/>
+            <a:p>
+              <a:r>
+                <a:rPr lang="en-US" sz="1100" b="0" i="0" dirty="0">
+                  <a:solidFill>
+                    <a:schemeClr val="tx1">
+                      <a:lumMod val="50000"/>
+                    </a:schemeClr>
+                  </a:solidFill>
+                  <a:effectLst/>
+                  <a:latin typeface="source sans pro" panose="020B0503030403020204" pitchFamily="34" charset="0"/>
+                </a:rPr>
+                <a:t>This work is licensed under a </a:t>
+              </a:r>
+              <a:r>
+                <a:rPr lang="en-US" sz="1100" b="0" i="0" strike="noStrike" dirty="0">
+                  <a:solidFill>
+                    <a:schemeClr val="tx1">
+                      <a:lumMod val="50000"/>
+                    </a:schemeClr>
+                  </a:solidFill>
+                  <a:effectLst/>
+                  <a:latin typeface="source sans pro" panose="020B0503030403020204" pitchFamily="34" charset="0"/>
+                  <a:hlinkClick r:id="rId6">
+                    <a:extLst>
+                      <a:ext uri="{A12FA001-AC4F-418D-AE19-62706E023703}">
+                        <ahyp:hlinkClr xmlns:ahyp="http://schemas.microsoft.com/office/drawing/2018/hyperlinkcolor" val="tx"/>
+                      </a:ext>
+                    </a:extLst>
+                  </a:hlinkClick>
+                </a:rPr>
+                <a:t>Creative Commons Attribution-</a:t>
+              </a:r>
+              <a:r>
+                <a:rPr lang="en-US" sz="1100" b="0" i="0" strike="noStrike" dirty="0" err="1">
+                  <a:solidFill>
+                    <a:schemeClr val="tx1">
+                      <a:lumMod val="50000"/>
+                    </a:schemeClr>
+                  </a:solidFill>
+                  <a:effectLst/>
+                  <a:latin typeface="source sans pro" panose="020B0503030403020204" pitchFamily="34" charset="0"/>
+                  <a:hlinkClick r:id="rId6">
+                    <a:extLst>
+                      <a:ext uri="{A12FA001-AC4F-418D-AE19-62706E023703}">
+                        <ahyp:hlinkClr xmlns:ahyp="http://schemas.microsoft.com/office/drawing/2018/hyperlinkcolor" val="tx"/>
+                      </a:ext>
+                    </a:extLst>
+                  </a:hlinkClick>
+                </a:rPr>
+                <a:t>ShareAlike</a:t>
+              </a:r>
+              <a:r>
+                <a:rPr lang="en-US" sz="1100" b="0" i="0" strike="noStrike" dirty="0">
+                  <a:solidFill>
+                    <a:schemeClr val="tx1">
+                      <a:lumMod val="50000"/>
+                    </a:schemeClr>
+                  </a:solidFill>
+                  <a:effectLst/>
+                  <a:latin typeface="source sans pro" panose="020B0503030403020204" pitchFamily="34" charset="0"/>
+                  <a:hlinkClick r:id="rId6">
+                    <a:extLst>
+                      <a:ext uri="{A12FA001-AC4F-418D-AE19-62706E023703}">
+                        <ahyp:hlinkClr xmlns:ahyp="http://schemas.microsoft.com/office/drawing/2018/hyperlinkcolor" val="tx"/>
+                      </a:ext>
+                    </a:extLst>
+                  </a:hlinkClick>
+                </a:rPr>
+                <a:t> 4.0 International License</a:t>
+              </a:r>
+              <a:r>
+                <a:rPr lang="en-US" sz="1100" b="0" i="0" dirty="0">
+                  <a:solidFill>
+                    <a:schemeClr val="tx1">
+                      <a:lumMod val="50000"/>
+                    </a:schemeClr>
+                  </a:solidFill>
+                  <a:effectLst/>
+                  <a:latin typeface="source sans pro" panose="020B0503030403020204" pitchFamily="34" charset="0"/>
+                </a:rPr>
+                <a:t>.</a:t>
+              </a:r>
+              <a:endParaRPr lang="en-US" sz="1100" dirty="0">
+                <a:solidFill>
+                  <a:schemeClr val="tx1">
+                    <a:lumMod val="50000"/>
+                  </a:schemeClr>
+                </a:solidFill>
+              </a:endParaRPr>
+            </a:p>
+          </p:txBody>
+        </p:sp>
+        <p:pic>
+          <p:nvPicPr>
+            <p:cNvPr id="9" name="Picture 2">
+              <a:extLst>
+                <a:ext uri="{FF2B5EF4-FFF2-40B4-BE49-F238E27FC236}">
+                  <a16:creationId xmlns:a16="http://schemas.microsoft.com/office/drawing/2014/main" id="{26638314-905C-9B5A-A73C-26C5211DF66E}"/>
+                </a:ext>
+              </a:extLst>
+            </p:cNvPr>
+            <p:cNvPicPr>
+              <a:picLocks noChangeAspect="1" noChangeArrowheads="1"/>
+            </p:cNvPicPr>
+            <p:nvPr/>
+          </p:nvPicPr>
+          <p:blipFill>
+            <a:blip r:embed="rId7" cstate="print">
+              <a:extLst>
+                <a:ext uri="{28A0092B-C50C-407E-A947-70E740481C1C}">
+                  <a14:useLocalDpi xmlns:a14="http://schemas.microsoft.com/office/drawing/2010/main" val="0"/>
+                </a:ext>
+              </a:extLst>
+            </a:blip>
+            <a:srcRect/>
+            <a:stretch>
+              <a:fillRect/>
+            </a:stretch>
+          </p:blipFill>
+          <p:spPr bwMode="auto">
+            <a:xfrm>
+              <a:off x="1336261" y="5967669"/>
+              <a:ext cx="888838" cy="311093"/>
+            </a:xfrm>
+            <a:prstGeom prst="rect">
+              <a:avLst/>
+            </a:prstGeom>
+            <a:noFill/>
+            <a:extLst>
+              <a:ext uri="{909E8E84-426E-40DD-AFC4-6F175D3DCCD1}">
+                <a14:hiddenFill xmlns:a14="http://schemas.microsoft.com/office/drawing/2010/main">
+                  <a:solidFill>
+                    <a:srgbClr val="FFFFFF"/>
+                  </a:solidFill>
+                </a14:hiddenFill>
+              </a:ext>
+            </a:extLst>
+          </p:spPr>
+        </p:pic>
       </p:grpSp>
     </p:spTree>
   </p:cSld>
@@ -19081,7 +19073,7 @@
             </a:ln>
             <a:extLst>
               <a:ext uri="{AF507438-7753-43e0-B8FC-AC1667EBCBE1}">
-                <a14:hiddenEffects xmlns="" xmlns:a14="http://schemas.microsoft.com/office/drawing/2010/main">
+                <a14:hiddenEffects xmlns:a14="http://schemas.microsoft.com/office/drawing/2010/main" xmlns="">
                   <a:effectLst>
                     <a:outerShdw dist="35921" dir="2700000" algn="ctr" rotWithShape="0">
                       <a:schemeClr val="bg2"/>
@@ -19149,7 +19141,7 @@
             <a:effectLst/>
             <a:extLst>
               <a:ext uri="{AF507438-7753-43e0-B8FC-AC1667EBCBE1}">
-                <a14:hiddenEffects xmlns="" xmlns:a14="http://schemas.microsoft.com/office/drawing/2010/main">
+                <a14:hiddenEffects xmlns:a14="http://schemas.microsoft.com/office/drawing/2010/main" xmlns="">
                   <a:effectLst>
                     <a:outerShdw dist="35921" dir="2700000" algn="ctr" rotWithShape="0">
                       <a:schemeClr val="bg2"/>
@@ -19203,7 +19195,7 @@
             <a:effectLst/>
             <a:extLst>
               <a:ext uri="{AF507438-7753-43e0-B8FC-AC1667EBCBE1}">
-                <a14:hiddenEffects xmlns="" xmlns:a14="http://schemas.microsoft.com/office/drawing/2010/main">
+                <a14:hiddenEffects xmlns:a14="http://schemas.microsoft.com/office/drawing/2010/main" xmlns="">
                   <a:effectLst>
                     <a:outerShdw dist="35921" dir="2700000" algn="ctr" rotWithShape="0">
                       <a:schemeClr val="bg2"/>
@@ -19256,12 +19248,12 @@
             <a:effectLst/>
             <a:extLst>
               <a:ext uri="{909E8E84-426E-40dd-AFC4-6F175D3DCCD1}">
-                <a14:hiddenFill xmlns="" xmlns:a14="http://schemas.microsoft.com/office/drawing/2010/main">
+                <a14:hiddenFill xmlns:a14="http://schemas.microsoft.com/office/drawing/2010/main" xmlns="">
                   <a:noFill/>
                 </a14:hiddenFill>
               </a:ext>
               <a:ext uri="{AF507438-7753-43e0-B8FC-AC1667EBCBE1}">
-                <a14:hiddenEffects xmlns="" xmlns:a14="http://schemas.microsoft.com/office/drawing/2010/main">
+                <a14:hiddenEffects xmlns:a14="http://schemas.microsoft.com/office/drawing/2010/main" xmlns="">
                   <a:effectLst>
                     <a:outerShdw dist="35921" dir="2700000" algn="ctr" rotWithShape="0">
                       <a:schemeClr val="bg2"/>
@@ -19335,14 +19327,14 @@
             <a:effectLst/>
             <a:extLst>
               <a:ext uri="{909E8E84-426E-40dd-AFC4-6F175D3DCCD1}">
-                <a14:hiddenFill xmlns="" xmlns:a14="http://schemas.microsoft.com/office/drawing/2010/main">
+                <a14:hiddenFill xmlns:a14="http://schemas.microsoft.com/office/drawing/2010/main" xmlns="">
                   <a:solidFill>
                     <a:schemeClr val="accent1"/>
                   </a:solidFill>
                 </a14:hiddenFill>
               </a:ext>
               <a:ext uri="{91240B29-F687-4f45-9708-019B960494DF}">
-                <a14:hiddenLine xmlns="" xmlns:a14="http://schemas.microsoft.com/office/drawing/2010/main" w="9525">
+                <a14:hiddenLine xmlns:a14="http://schemas.microsoft.com/office/drawing/2010/main" xmlns="" w="9525">
                   <a:solidFill>
                     <a:schemeClr val="tx1"/>
                   </a:solidFill>
@@ -19352,7 +19344,7 @@
                 </a14:hiddenLine>
               </a:ext>
               <a:ext uri="{AF507438-7753-43e0-B8FC-AC1667EBCBE1}">
-                <a14:hiddenEffects xmlns="" xmlns:a14="http://schemas.microsoft.com/office/drawing/2010/main">
+                <a14:hiddenEffects xmlns:a14="http://schemas.microsoft.com/office/drawing/2010/main" xmlns="">
                   <a:effectLst>
                     <a:outerShdw dist="35921" dir="2700000" algn="ctr" rotWithShape="0">
                       <a:schemeClr val="bg2"/>
@@ -20907,7 +20899,7 @@
             </a:ln>
             <a:extLst>
               <a:ext uri="{AF507438-7753-43e0-B8FC-AC1667EBCBE1}">
-                <a14:hiddenEffects xmlns="" xmlns:a14="http://schemas.microsoft.com/office/drawing/2010/main">
+                <a14:hiddenEffects xmlns:a14="http://schemas.microsoft.com/office/drawing/2010/main" xmlns="">
                   <a:effectLst>
                     <a:outerShdw dist="35921" dir="2700000" algn="ctr" rotWithShape="0">
                       <a:schemeClr val="bg2"/>
@@ -20975,7 +20967,7 @@
             <a:effectLst/>
             <a:extLst>
               <a:ext uri="{AF507438-7753-43e0-B8FC-AC1667EBCBE1}">
-                <a14:hiddenEffects xmlns="" xmlns:a14="http://schemas.microsoft.com/office/drawing/2010/main">
+                <a14:hiddenEffects xmlns:a14="http://schemas.microsoft.com/office/drawing/2010/main" xmlns="">
                   <a:effectLst>
                     <a:outerShdw dist="35921" dir="2700000" algn="ctr" rotWithShape="0">
                       <a:schemeClr val="bg2"/>
@@ -21029,7 +21021,7 @@
             <a:effectLst/>
             <a:extLst>
               <a:ext uri="{AF507438-7753-43e0-B8FC-AC1667EBCBE1}">
-                <a14:hiddenEffects xmlns="" xmlns:a14="http://schemas.microsoft.com/office/drawing/2010/main">
+                <a14:hiddenEffects xmlns:a14="http://schemas.microsoft.com/office/drawing/2010/main" xmlns="">
                   <a:effectLst>
                     <a:outerShdw dist="35921" dir="2700000" algn="ctr" rotWithShape="0">
                       <a:schemeClr val="bg2"/>
@@ -21082,12 +21074,12 @@
             <a:effectLst/>
             <a:extLst>
               <a:ext uri="{909E8E84-426E-40dd-AFC4-6F175D3DCCD1}">
-                <a14:hiddenFill xmlns="" xmlns:a14="http://schemas.microsoft.com/office/drawing/2010/main">
+                <a14:hiddenFill xmlns:a14="http://schemas.microsoft.com/office/drawing/2010/main" xmlns="">
                   <a:noFill/>
                 </a14:hiddenFill>
               </a:ext>
               <a:ext uri="{AF507438-7753-43e0-B8FC-AC1667EBCBE1}">
-                <a14:hiddenEffects xmlns="" xmlns:a14="http://schemas.microsoft.com/office/drawing/2010/main">
+                <a14:hiddenEffects xmlns:a14="http://schemas.microsoft.com/office/drawing/2010/main" xmlns="">
                   <a:effectLst>
                     <a:outerShdw dist="35921" dir="2700000" algn="ctr" rotWithShape="0">
                       <a:schemeClr val="bg2"/>
@@ -21161,14 +21153,14 @@
             <a:effectLst/>
             <a:extLst>
               <a:ext uri="{909E8E84-426E-40dd-AFC4-6F175D3DCCD1}">
-                <a14:hiddenFill xmlns="" xmlns:a14="http://schemas.microsoft.com/office/drawing/2010/main">
+                <a14:hiddenFill xmlns:a14="http://schemas.microsoft.com/office/drawing/2010/main" xmlns="">
                   <a:solidFill>
                     <a:schemeClr val="accent1"/>
                   </a:solidFill>
                 </a14:hiddenFill>
               </a:ext>
               <a:ext uri="{91240B29-F687-4f45-9708-019B960494DF}">
-                <a14:hiddenLine xmlns="" xmlns:a14="http://schemas.microsoft.com/office/drawing/2010/main" w="9525">
+                <a14:hiddenLine xmlns:a14="http://schemas.microsoft.com/office/drawing/2010/main" xmlns="" w="9525">
                   <a:solidFill>
                     <a:schemeClr val="tx1"/>
                   </a:solidFill>
@@ -21178,7 +21170,7 @@
                 </a14:hiddenLine>
               </a:ext>
               <a:ext uri="{AF507438-7753-43e0-B8FC-AC1667EBCBE1}">
-                <a14:hiddenEffects xmlns="" xmlns:a14="http://schemas.microsoft.com/office/drawing/2010/main">
+                <a14:hiddenEffects xmlns:a14="http://schemas.microsoft.com/office/drawing/2010/main" xmlns="">
                   <a:effectLst>
                     <a:outerShdw dist="35921" dir="2700000" algn="ctr" rotWithShape="0">
                       <a:schemeClr val="bg2"/>
@@ -29187,8 +29179,8 @@
           </a:p>
         </p:txBody>
       </p:sp>
-      <mc:AlternateContent xmlns:mc="http://schemas.openxmlformats.org/markup-compatibility/2006">
-        <mc:Choice xmlns:a14="http://schemas.microsoft.com/office/drawing/2010/main" Requires="a14">
+      <mc:AlternateContent xmlns:mc="http://schemas.openxmlformats.org/markup-compatibility/2006" xmlns:a14="http://schemas.microsoft.com/office/drawing/2010/main">
+        <mc:Choice Requires="a14">
           <p:sp>
             <p:nvSpPr>
               <p:cNvPr id="3" name="Content Placeholder 2">
@@ -29844,7 +29836,7 @@
             </p:txBody>
           </p:sp>
         </mc:Choice>
-        <mc:Fallback>
+        <mc:Fallback xmlns="">
           <p:sp>
             <p:nvSpPr>
               <p:cNvPr id="3" name="Content Placeholder 2">
@@ -29888,8 +29880,8 @@
           </p:sp>
         </mc:Fallback>
       </mc:AlternateContent>
-      <mc:AlternateContent xmlns:mc="http://schemas.openxmlformats.org/markup-compatibility/2006">
-        <mc:Choice xmlns:a14="http://schemas.microsoft.com/office/drawing/2010/main" Requires="a14">
+      <mc:AlternateContent xmlns:mc="http://schemas.openxmlformats.org/markup-compatibility/2006" xmlns:a14="http://schemas.microsoft.com/office/drawing/2010/main">
+        <mc:Choice Requires="a14">
           <p:sp>
             <p:nvSpPr>
               <p:cNvPr id="6" name="TextBox 5">
@@ -29981,7 +29973,7 @@
             </p:txBody>
           </p:sp>
         </mc:Choice>
-        <mc:Fallback>
+        <mc:Fallback xmlns="">
           <p:sp>
             <p:nvSpPr>
               <p:cNvPr id="6" name="TextBox 5">
@@ -30026,8 +30018,8 @@
           </p:sp>
         </mc:Fallback>
       </mc:AlternateContent>
-      <mc:AlternateContent xmlns:mc="http://schemas.openxmlformats.org/markup-compatibility/2006">
-        <mc:Choice xmlns:a14="http://schemas.microsoft.com/office/drawing/2010/main" Requires="a14">
+      <mc:AlternateContent xmlns:mc="http://schemas.openxmlformats.org/markup-compatibility/2006" xmlns:a14="http://schemas.microsoft.com/office/drawing/2010/main">
+        <mc:Choice Requires="a14">
           <p:sp>
             <p:nvSpPr>
               <p:cNvPr id="4" name="Rectangle 4">
@@ -30124,7 +30116,7 @@
             </p:txBody>
           </p:sp>
         </mc:Choice>
-        <mc:Fallback>
+        <mc:Fallback xmlns="">
           <p:sp>
             <p:nvSpPr>
               <p:cNvPr id="4" name="Rectangle 4">
@@ -30172,8 +30164,8 @@
           </p:sp>
         </mc:Fallback>
       </mc:AlternateContent>
-      <mc:AlternateContent xmlns:mc="http://schemas.openxmlformats.org/markup-compatibility/2006">
-        <mc:Choice xmlns:a14="http://schemas.microsoft.com/office/drawing/2010/main" Requires="a14">
+      <mc:AlternateContent xmlns:mc="http://schemas.openxmlformats.org/markup-compatibility/2006" xmlns:a14="http://schemas.microsoft.com/office/drawing/2010/main">
+        <mc:Choice Requires="a14">
           <p:sp>
             <p:nvSpPr>
               <p:cNvPr id="5" name="Rectangle 6">
@@ -30266,7 +30258,7 @@
             </p:txBody>
           </p:sp>
         </mc:Choice>
-        <mc:Fallback>
+        <mc:Fallback xmlns="">
           <p:sp>
             <p:nvSpPr>
               <p:cNvPr id="5" name="Rectangle 6">
@@ -30413,8 +30405,8 @@
           </a:p>
         </p:txBody>
       </p:sp>
-      <mc:AlternateContent xmlns:mc="http://schemas.openxmlformats.org/markup-compatibility/2006">
-        <mc:Choice xmlns:a14="http://schemas.microsoft.com/office/drawing/2010/main" Requires="a14">
+      <mc:AlternateContent xmlns:mc="http://schemas.openxmlformats.org/markup-compatibility/2006" xmlns:a14="http://schemas.microsoft.com/office/drawing/2010/main">
+        <mc:Choice Requires="a14">
           <p:sp>
             <p:nvSpPr>
               <p:cNvPr id="1283075" name="Rectangle 3"/>
@@ -30531,7 +30523,7 @@
             </p:txBody>
           </p:sp>
         </mc:Choice>
-        <mc:Fallback>
+        <mc:Fallback xmlns="">
           <p:sp>
             <p:nvSpPr>
               <p:cNvPr id="1283075" name="Rectangle 3"/>
@@ -37994,8 +37986,8 @@
             </a:p>
           </p:txBody>
         </p:sp>
-        <mc:AlternateContent xmlns:mc="http://schemas.openxmlformats.org/markup-compatibility/2006">
-          <mc:Choice xmlns:a14="http://schemas.microsoft.com/office/drawing/2010/main" Requires="a14">
+        <mc:AlternateContent xmlns:mc="http://schemas.openxmlformats.org/markup-compatibility/2006" xmlns:a14="http://schemas.microsoft.com/office/drawing/2010/main">
+          <mc:Choice Requires="a14">
             <p:sp>
               <p:nvSpPr>
                 <p:cNvPr id="4" name="Speech Bubble: Rectangle 3">
@@ -38098,7 +38090,7 @@
               </p:txBody>
             </p:sp>
           </mc:Choice>
-          <mc:Fallback>
+          <mc:Fallback xmlns="">
             <p:sp>
               <p:nvSpPr>
                 <p:cNvPr id="4" name="Speech Bubble: Rectangle 3">
@@ -38353,8 +38345,8 @@
           </p:style>
         </p:cxnSp>
       </p:grpSp>
-      <mc:AlternateContent xmlns:mc="http://schemas.openxmlformats.org/markup-compatibility/2006">
-        <mc:Choice xmlns:a14="http://schemas.microsoft.com/office/drawing/2010/main" Requires="a14">
+      <mc:AlternateContent xmlns:mc="http://schemas.openxmlformats.org/markup-compatibility/2006" xmlns:a14="http://schemas.microsoft.com/office/drawing/2010/main">
+        <mc:Choice Requires="a14">
           <p:sp>
             <p:nvSpPr>
               <p:cNvPr id="3" name="Content Placeholder 2">
@@ -38740,7 +38732,7 @@
             </p:txBody>
           </p:sp>
         </mc:Choice>
-        <mc:Fallback>
+        <mc:Fallback xmlns="">
           <p:sp>
             <p:nvSpPr>
               <p:cNvPr id="3" name="Content Placeholder 2">
@@ -41785,7 +41777,7 @@
             </a:ln>
             <a:extLst>
               <a:ext uri="{AF507438-7753-43e0-B8FC-AC1667EBCBE1}">
-                <a14:hiddenEffects xmlns="" xmlns:a14="http://schemas.microsoft.com/office/drawing/2010/main">
+                <a14:hiddenEffects xmlns:a14="http://schemas.microsoft.com/office/drawing/2010/main" xmlns="">
                   <a:effectLst>
                     <a:outerShdw dist="35921" dir="2700000" algn="ctr" rotWithShape="0">
                       <a:schemeClr val="bg2"/>
@@ -41867,14 +41859,14 @@
             <a:effectLst/>
             <a:extLst>
               <a:ext uri="{909E8E84-426E-40dd-AFC4-6F175D3DCCD1}">
-                <a14:hiddenFill xmlns="" xmlns:a14="http://schemas.microsoft.com/office/drawing/2010/main">
+                <a14:hiddenFill xmlns:a14="http://schemas.microsoft.com/office/drawing/2010/main" xmlns="">
                   <a:solidFill>
                     <a:schemeClr val="accent1"/>
                   </a:solidFill>
                 </a14:hiddenFill>
               </a:ext>
               <a:ext uri="{91240B29-F687-4f45-9708-019B960494DF}">
-                <a14:hiddenLine xmlns="" xmlns:a14="http://schemas.microsoft.com/office/drawing/2010/main" w="9525">
+                <a14:hiddenLine xmlns:a14="http://schemas.microsoft.com/office/drawing/2010/main" xmlns="" w="9525">
                   <a:solidFill>
                     <a:schemeClr val="tx1"/>
                   </a:solidFill>
@@ -41884,7 +41876,7 @@
                 </a14:hiddenLine>
               </a:ext>
               <a:ext uri="{AF507438-7753-43e0-B8FC-AC1667EBCBE1}">
-                <a14:hiddenEffects xmlns="" xmlns:a14="http://schemas.microsoft.com/office/drawing/2010/main">
+                <a14:hiddenEffects xmlns:a14="http://schemas.microsoft.com/office/drawing/2010/main" xmlns="">
                   <a:effectLst>
                     <a:outerShdw dist="35921" dir="2700000" algn="ctr" rotWithShape="0">
                       <a:schemeClr val="bg2"/>
@@ -41925,7 +41917,7 @@
             <a:effectLst/>
             <a:extLst>
               <a:ext uri="{AF507438-7753-43e0-B8FC-AC1667EBCBE1}">
-                <a14:hiddenEffects xmlns="" xmlns:a14="http://schemas.microsoft.com/office/drawing/2010/main">
+                <a14:hiddenEffects xmlns:a14="http://schemas.microsoft.com/office/drawing/2010/main" xmlns="">
                   <a:effectLst>
                     <a:outerShdw dist="35921" dir="2700000" algn="ctr" rotWithShape="0">
                       <a:schemeClr val="bg2"/>
@@ -41973,7 +41965,7 @@
             <a:effectLst/>
             <a:extLst>
               <a:ext uri="{AF507438-7753-43e0-B8FC-AC1667EBCBE1}">
-                <a14:hiddenEffects xmlns="" xmlns:a14="http://schemas.microsoft.com/office/drawing/2010/main">
+                <a14:hiddenEffects xmlns:a14="http://schemas.microsoft.com/office/drawing/2010/main" xmlns="">
                   <a:effectLst>
                     <a:outerShdw dist="35921" dir="2700000" algn="ctr" rotWithShape="0">
                       <a:schemeClr val="bg2"/>
@@ -42041,14 +42033,14 @@
             <a:effectLst/>
             <a:extLst>
               <a:ext uri="{909E8E84-426E-40dd-AFC4-6F175D3DCCD1}">
-                <a14:hiddenFill xmlns="" xmlns:a14="http://schemas.microsoft.com/office/drawing/2010/main">
+                <a14:hiddenFill xmlns:a14="http://schemas.microsoft.com/office/drawing/2010/main" xmlns="">
                   <a:solidFill>
                     <a:schemeClr val="accent1"/>
                   </a:solidFill>
                 </a14:hiddenFill>
               </a:ext>
               <a:ext uri="{91240B29-F687-4f45-9708-019B960494DF}">
-                <a14:hiddenLine xmlns="" xmlns:a14="http://schemas.microsoft.com/office/drawing/2010/main" w="9525">
+                <a14:hiddenLine xmlns:a14="http://schemas.microsoft.com/office/drawing/2010/main" xmlns="" w="9525">
                   <a:solidFill>
                     <a:schemeClr val="tx1"/>
                   </a:solidFill>
@@ -42058,7 +42050,7 @@
                 </a14:hiddenLine>
               </a:ext>
               <a:ext uri="{AF507438-7753-43e0-B8FC-AC1667EBCBE1}">
-                <a14:hiddenEffects xmlns="" xmlns:a14="http://schemas.microsoft.com/office/drawing/2010/main">
+                <a14:hiddenEffects xmlns:a14="http://schemas.microsoft.com/office/drawing/2010/main" xmlns="">
                   <a:effectLst>
                     <a:outerShdw dist="35921" dir="2700000" algn="ctr" rotWithShape="0">
                       <a:schemeClr val="bg2"/>
@@ -42595,14 +42587,14 @@
           <a:effectLst/>
           <a:extLst>
             <a:ext uri="{909E8E84-426E-40dd-AFC4-6F175D3DCCD1}">
-              <a14:hiddenFill xmlns="" xmlns:a14="http://schemas.microsoft.com/office/drawing/2010/main">
+              <a14:hiddenFill xmlns:a14="http://schemas.microsoft.com/office/drawing/2010/main" xmlns="">
                 <a:solidFill>
                   <a:schemeClr val="accent1"/>
                 </a:solidFill>
               </a14:hiddenFill>
             </a:ext>
             <a:ext uri="{91240B29-F687-4f45-9708-019B960494DF}">
-              <a14:hiddenLine xmlns="" xmlns:a14="http://schemas.microsoft.com/office/drawing/2010/main" w="9525">
+              <a14:hiddenLine xmlns:a14="http://schemas.microsoft.com/office/drawing/2010/main" xmlns="" w="9525">
                 <a:solidFill>
                   <a:schemeClr val="tx1"/>
                 </a:solidFill>
@@ -42612,7 +42604,7 @@
               </a14:hiddenLine>
             </a:ext>
             <a:ext uri="{AF507438-7753-43e0-B8FC-AC1667EBCBE1}">
-              <a14:hiddenEffects xmlns="" xmlns:a14="http://schemas.microsoft.com/office/drawing/2010/main">
+              <a14:hiddenEffects xmlns:a14="http://schemas.microsoft.com/office/drawing/2010/main" xmlns="">
                 <a:effectLst>
                   <a:outerShdw dist="35921" dir="2700000" algn="ctr" rotWithShape="0">
                     <a:schemeClr val="bg2"/>
@@ -42659,14 +42651,14 @@
           <a:effectLst/>
           <a:extLst>
             <a:ext uri="{909E8E84-426E-40dd-AFC4-6F175D3DCCD1}">
-              <a14:hiddenFill xmlns="" xmlns:a14="http://schemas.microsoft.com/office/drawing/2010/main">
+              <a14:hiddenFill xmlns:a14="http://schemas.microsoft.com/office/drawing/2010/main" xmlns="">
                 <a:solidFill>
                   <a:schemeClr val="accent1"/>
                 </a:solidFill>
               </a14:hiddenFill>
             </a:ext>
             <a:ext uri="{91240B29-F687-4f45-9708-019B960494DF}">
-              <a14:hiddenLine xmlns="" xmlns:a14="http://schemas.microsoft.com/office/drawing/2010/main" w="9525">
+              <a14:hiddenLine xmlns:a14="http://schemas.microsoft.com/office/drawing/2010/main" xmlns="" w="9525">
                 <a:solidFill>
                   <a:schemeClr val="tx1"/>
                 </a:solidFill>
@@ -42676,7 +42668,7 @@
               </a14:hiddenLine>
             </a:ext>
             <a:ext uri="{AF507438-7753-43e0-B8FC-AC1667EBCBE1}">
-              <a14:hiddenEffects xmlns="" xmlns:a14="http://schemas.microsoft.com/office/drawing/2010/main">
+              <a14:hiddenEffects xmlns:a14="http://schemas.microsoft.com/office/drawing/2010/main" xmlns="">
                 <a:effectLst>
                   <a:outerShdw dist="35921" dir="2700000" algn="ctr" rotWithShape="0">
                     <a:schemeClr val="bg2"/>

--- a/slides/19_ML_intro.pptx
+++ b/slides/19_ML_intro.pptx
@@ -11344,7 +11344,9 @@
             <a:pPr>
               <a:defRPr/>
             </a:pPr>
-            <a:endParaRPr lang="en-US"/>
+            <a:endParaRPr lang="en-US" dirty="0">
+              <a:latin typeface="Calibri" panose="020F0502020204030204" pitchFamily="34" charset="0"/>
+            </a:endParaRPr>
           </a:p>
         </p:txBody>
       </p:sp>
@@ -11392,7 +11394,9 @@
             <a:pPr>
               <a:defRPr/>
             </a:pPr>
-            <a:endParaRPr lang="en-US"/>
+            <a:endParaRPr lang="en-US" dirty="0">
+              <a:latin typeface="Calibri" panose="020F0502020204030204" pitchFamily="34" charset="0"/>
+            </a:endParaRPr>
           </a:p>
         </p:txBody>
       </p:sp>
@@ -11440,7 +11444,9 @@
             <a:pPr>
               <a:defRPr/>
             </a:pPr>
-            <a:endParaRPr lang="en-US"/>
+            <a:endParaRPr lang="en-US" dirty="0">
+              <a:latin typeface="Calibri" panose="020F0502020204030204" pitchFamily="34" charset="0"/>
+            </a:endParaRPr>
           </a:p>
         </p:txBody>
       </p:sp>
@@ -11489,13 +11495,17 @@
               <a:defRPr/>
             </a:pPr>
             <a:fld id="{0FF84380-B695-4AAA-BD6D-02A02864A80C}" type="slidenum">
-              <a:rPr lang="en-US"/>
+              <a:rPr lang="en-US">
+                <a:latin typeface="Calibri" panose="020F0502020204030204" pitchFamily="34" charset="0"/>
+              </a:rPr>
               <a:pPr>
                 <a:defRPr/>
               </a:pPr>
               <a:t>‹#›</a:t>
             </a:fld>
-            <a:endParaRPr lang="en-US"/>
+            <a:endParaRPr lang="en-US" dirty="0">
+              <a:latin typeface="Calibri" panose="020F0502020204030204" pitchFamily="34" charset="0"/>
+            </a:endParaRPr>
           </a:p>
         </p:txBody>
       </p:sp>
@@ -11571,7 +11581,7 @@
           <a:lstStyle>
             <a:lvl1pPr defTabSz="966788">
               <a:defRPr sz="1300">
-                <a:latin typeface="Arial" charset="0"/>
+                <a:latin typeface="Calibri" panose="020F0502020204030204" pitchFamily="34" charset="0"/>
               </a:defRPr>
             </a:lvl1pPr>
           </a:lstStyle>
@@ -11579,7 +11589,7 @@
             <a:pPr>
               <a:defRPr/>
             </a:pPr>
-            <a:endParaRPr lang="en-US"/>
+            <a:endParaRPr lang="en-US" dirty="0"/>
           </a:p>
         </p:txBody>
       </p:sp>
@@ -11619,7 +11629,7 @@
           <a:lstStyle>
             <a:lvl1pPr algn="r" defTabSz="966788">
               <a:defRPr sz="1300">
-                <a:latin typeface="Arial" charset="0"/>
+                <a:latin typeface="Calibri" panose="020F0502020204030204" pitchFamily="34" charset="0"/>
               </a:defRPr>
             </a:lvl1pPr>
           </a:lstStyle>
@@ -11627,7 +11637,7 @@
             <a:pPr>
               <a:defRPr/>
             </a:pPr>
-            <a:endParaRPr lang="en-US"/>
+            <a:endParaRPr lang="en-US" dirty="0"/>
           </a:p>
         </p:txBody>
       </p:sp>
@@ -11697,35 +11707,35 @@
           <a:p>
             <a:pPr lvl="0"/>
             <a:r>
-              <a:rPr lang="en-US" noProof="0"/>
+              <a:rPr lang="en-US" noProof="0" dirty="0"/>
               <a:t>Click to edit Master text styles</a:t>
             </a:r>
           </a:p>
           <a:p>
             <a:pPr lvl="1"/>
             <a:r>
-              <a:rPr lang="en-US" noProof="0"/>
+              <a:rPr lang="en-US" noProof="0" dirty="0"/>
               <a:t>Second level</a:t>
             </a:r>
           </a:p>
           <a:p>
             <a:pPr lvl="2"/>
             <a:r>
-              <a:rPr lang="en-US" noProof="0"/>
+              <a:rPr lang="en-US" noProof="0" dirty="0"/>
               <a:t>Third level</a:t>
             </a:r>
           </a:p>
           <a:p>
             <a:pPr lvl="3"/>
             <a:r>
-              <a:rPr lang="en-US" noProof="0"/>
+              <a:rPr lang="en-US" noProof="0" dirty="0"/>
               <a:t>Fourth level</a:t>
             </a:r>
           </a:p>
           <a:p>
             <a:pPr lvl="4"/>
             <a:r>
-              <a:rPr lang="en-US" noProof="0"/>
+              <a:rPr lang="en-US" noProof="0" dirty="0"/>
               <a:t>Fifth level</a:t>
             </a:r>
           </a:p>
@@ -11767,7 +11777,7 @@
           <a:lstStyle>
             <a:lvl1pPr defTabSz="966788">
               <a:defRPr sz="1300">
-                <a:latin typeface="Arial" charset="0"/>
+                <a:latin typeface="Calibri" panose="020F0502020204030204" pitchFamily="34" charset="0"/>
               </a:defRPr>
             </a:lvl1pPr>
           </a:lstStyle>
@@ -11775,7 +11785,7 @@
             <a:pPr>
               <a:defRPr/>
             </a:pPr>
-            <a:endParaRPr lang="en-US"/>
+            <a:endParaRPr lang="en-US" dirty="0"/>
           </a:p>
         </p:txBody>
       </p:sp>
@@ -11815,7 +11825,7 @@
           <a:lstStyle>
             <a:lvl1pPr algn="r" defTabSz="966788">
               <a:defRPr sz="1300">
-                <a:latin typeface="Arial" charset="0"/>
+                <a:latin typeface="Calibri" panose="020F0502020204030204" pitchFamily="34" charset="0"/>
               </a:defRPr>
             </a:lvl1pPr>
           </a:lstStyle>
@@ -11824,13 +11834,13 @@
               <a:defRPr/>
             </a:pPr>
             <a:fld id="{7BDF81BA-2724-47AE-8C5A-18C6541FAE5A}" type="slidenum">
-              <a:rPr lang="en-US"/>
+              <a:rPr lang="en-US" smtClean="0"/>
               <a:pPr>
                 <a:defRPr/>
               </a:pPr>
               <a:t>‹#›</a:t>
             </a:fld>
-            <a:endParaRPr lang="en-US"/>
+            <a:endParaRPr lang="en-US" dirty="0"/>
           </a:p>
         </p:txBody>
       </p:sp>
@@ -11854,7 +11864,7 @@
         <a:solidFill>
           <a:schemeClr val="tx1"/>
         </a:solidFill>
-        <a:latin typeface="Arial" charset="0"/>
+        <a:latin typeface="Calibri" panose="020F0502020204030204" pitchFamily="34" charset="0"/>
         <a:ea typeface="+mn-ea"/>
         <a:cs typeface="+mn-cs"/>
       </a:defRPr>
@@ -11870,7 +11880,7 @@
         <a:solidFill>
           <a:schemeClr val="tx1"/>
         </a:solidFill>
-        <a:latin typeface="Arial" charset="0"/>
+        <a:latin typeface="Calibri" panose="020F0502020204030204" pitchFamily="34" charset="0"/>
         <a:ea typeface="+mn-ea"/>
         <a:cs typeface="+mn-cs"/>
       </a:defRPr>
@@ -11886,7 +11896,7 @@
         <a:solidFill>
           <a:schemeClr val="tx1"/>
         </a:solidFill>
-        <a:latin typeface="Arial" charset="0"/>
+        <a:latin typeface="Calibri" panose="020F0502020204030204" pitchFamily="34" charset="0"/>
         <a:ea typeface="+mn-ea"/>
         <a:cs typeface="+mn-cs"/>
       </a:defRPr>
@@ -11902,7 +11912,7 @@
         <a:solidFill>
           <a:schemeClr val="tx1"/>
         </a:solidFill>
-        <a:latin typeface="Arial" charset="0"/>
+        <a:latin typeface="Calibri" panose="020F0502020204030204" pitchFamily="34" charset="0"/>
         <a:ea typeface="+mn-ea"/>
         <a:cs typeface="+mn-cs"/>
       </a:defRPr>
@@ -11918,7 +11928,7 @@
         <a:solidFill>
           <a:schemeClr val="tx1"/>
         </a:solidFill>
-        <a:latin typeface="Arial" charset="0"/>
+        <a:latin typeface="Calibri" panose="020F0502020204030204" pitchFamily="34" charset="0"/>
         <a:ea typeface="+mn-ea"/>
         <a:cs typeface="+mn-cs"/>
       </a:defRPr>
@@ -17120,12 +17130,12 @@
         <p:spPr>
           <a:xfrm>
             <a:off x="838199" y="713312"/>
-            <a:ext cx="4422647" cy="5431376"/>
+            <a:ext cx="4311189" cy="4392088"/>
           </a:xfrm>
         </p:spPr>
         <p:txBody>
           <a:bodyPr vert="horz" lIns="91440" tIns="45720" rIns="91440" bIns="45720" rtlCol="0" anchor="ctr">
-            <a:normAutofit/>
+            <a:normAutofit fontScale="90000"/>
           </a:bodyPr>
           <a:lstStyle/>
           <a:p>
@@ -17191,7 +17201,7 @@
                 <a:ea typeface="+mj-ea"/>
                 <a:cs typeface="+mj-cs"/>
               </a:rPr>
-              <a:t>Learning </a:t>
+              <a:t>Learning from Examples:</a:t>
             </a:r>
             <a:br>
               <a:rPr lang="en-US" sz="3200" b="1" kern="1200" dirty="0">
@@ -17212,8 +17222,18 @@
                 <a:ea typeface="+mj-ea"/>
                 <a:cs typeface="+mj-cs"/>
               </a:rPr>
-              <a:t>from Examples</a:t>
+              <a:t>Machine Learning</a:t>
             </a:r>
+            <a:br>
+              <a:rPr lang="en-US" sz="3200" b="1" kern="1200" dirty="0">
+                <a:solidFill>
+                  <a:schemeClr val="tx1"/>
+                </a:solidFill>
+                <a:latin typeface="+mj-lt"/>
+                <a:ea typeface="+mj-ea"/>
+                <a:cs typeface="+mj-cs"/>
+              </a:rPr>
+            </a:br>
             <a:br>
               <a:rPr lang="en-US" sz="3200" b="1" kern="1200" dirty="0">
                 <a:solidFill>
@@ -17255,6 +17275,9 @@
             <a:br>
               <a:rPr lang="en-US" sz="1800" dirty="0"/>
             </a:br>
+            <a:br>
+              <a:rPr lang="en-US" sz="1800" dirty="0"/>
+            </a:br>
             <a:r>
               <a:rPr lang="en-US" sz="1600" dirty="0"/>
               <a:t>Based on slides by Dan Klein, Pieter </a:t>
@@ -17265,7 +17288,7 @@
             </a:r>
             <a:r>
               <a:rPr lang="en-US" sz="1600" dirty="0"/>
-              <a:t>, Sergey Levine and  A. Farhadi (</a:t>
+              <a:t>, Sergey Levine, and  A. Farhadi (</a:t>
             </a:r>
             <a:r>
               <a:rPr lang="en-US" sz="1600" dirty="0">
@@ -17284,9 +17307,6 @@
               <a:rPr lang="en-US" sz="1600" dirty="0"/>
               <a:t>with figures from the AIMA textbook.</a:t>
             </a:r>
-            <a:br>
-              <a:rPr lang="en-US" sz="3200" dirty="0"/>
-            </a:br>
             <a:endParaRPr lang="en-US" sz="3200" kern="1200" dirty="0">
               <a:solidFill>
                 <a:schemeClr val="tx1"/>
@@ -17330,8 +17350,8 @@
         </p:blipFill>
         <p:spPr bwMode="auto">
           <a:xfrm>
-            <a:off x="5260846" y="473726"/>
-            <a:ext cx="6816648" cy="4869034"/>
+            <a:off x="5638800" y="751729"/>
+            <a:ext cx="6176568" cy="4411834"/>
           </a:xfrm>
           <a:prstGeom prst="rect">
             <a:avLst/>
@@ -17504,10 +17524,10 @@
       </p:grpSp>
       <p:grpSp>
         <p:nvGrpSpPr>
-          <p:cNvPr id="7" name="Group 6">
+          <p:cNvPr id="10" name="Group 9">
             <a:extLst>
               <a:ext uri="{FF2B5EF4-FFF2-40B4-BE49-F238E27FC236}">
-                <a16:creationId xmlns:a16="http://schemas.microsoft.com/office/drawing/2014/main" id="{A2C9F29D-ED8D-ED0A-3B12-CB52FE64378F}"/>
+                <a16:creationId xmlns:a16="http://schemas.microsoft.com/office/drawing/2014/main" id="{D4B78441-B04B-BAF7-8DBD-36857FFBB7BB}"/>
               </a:ext>
             </a:extLst>
           </p:cNvPr>
@@ -17516,10 +17536,10 @@
         </p:nvGrpSpPr>
         <p:grpSpPr>
           <a:xfrm>
-            <a:off x="822408" y="5790831"/>
-            <a:ext cx="3017521" cy="787818"/>
-            <a:chOff x="1219200" y="5967669"/>
-            <a:chExt cx="3017521" cy="787818"/>
+            <a:off x="939962" y="6144688"/>
+            <a:ext cx="3906359" cy="430887"/>
+            <a:chOff x="939962" y="6144688"/>
+            <a:chExt cx="3906359" cy="430887"/>
           </a:xfrm>
         </p:grpSpPr>
         <p:sp>
@@ -17536,7 +17556,7 @@
           </p:nvSpPr>
           <p:spPr>
             <a:xfrm>
-              <a:off x="1219200" y="6324600"/>
+              <a:off x="1828800" y="6144688"/>
               <a:ext cx="3017521" cy="430887"/>
             </a:xfrm>
             <a:prstGeom prst="rect">
@@ -17558,7 +17578,7 @@
                     </a:schemeClr>
                   </a:solidFill>
                   <a:effectLst/>
-                  <a:latin typeface="source sans pro" panose="020B0503030403020204" pitchFamily="34" charset="0"/>
+                  <a:latin typeface="Calibri" panose="020F0502020204030204" pitchFamily="34" charset="0"/>
                 </a:rPr>
                 <a:t>This work is licensed under a </a:t>
               </a:r>
@@ -17570,7 +17590,7 @@
                     </a:schemeClr>
                   </a:solidFill>
                   <a:effectLst/>
-                  <a:latin typeface="source sans pro" panose="020B0503030403020204" pitchFamily="34" charset="0"/>
+                  <a:latin typeface="Calibri" panose="020F0502020204030204" pitchFamily="34" charset="0"/>
                   <a:hlinkClick r:id="rId6">
                     <a:extLst>
                       <a:ext uri="{A12FA001-AC4F-418D-AE19-62706E023703}">
@@ -17589,7 +17609,7 @@
                     </a:schemeClr>
                   </a:solidFill>
                   <a:effectLst/>
-                  <a:latin typeface="source sans pro" panose="020B0503030403020204" pitchFamily="34" charset="0"/>
+                  <a:latin typeface="Calibri" panose="020F0502020204030204" pitchFamily="34" charset="0"/>
                   <a:hlinkClick r:id="rId6">
                     <a:extLst>
                       <a:ext uri="{A12FA001-AC4F-418D-AE19-62706E023703}">
@@ -17608,7 +17628,7 @@
                     </a:schemeClr>
                   </a:solidFill>
                   <a:effectLst/>
-                  <a:latin typeface="source sans pro" panose="020B0503030403020204" pitchFamily="34" charset="0"/>
+                  <a:latin typeface="Calibri" panose="020F0502020204030204" pitchFamily="34" charset="0"/>
                   <a:hlinkClick r:id="rId6">
                     <a:extLst>
                       <a:ext uri="{A12FA001-AC4F-418D-AE19-62706E023703}">
@@ -17627,7 +17647,7 @@
                     </a:schemeClr>
                   </a:solidFill>
                   <a:effectLst/>
-                  <a:latin typeface="source sans pro" panose="020B0503030403020204" pitchFamily="34" charset="0"/>
+                  <a:latin typeface="Calibri" panose="020F0502020204030204" pitchFamily="34" charset="0"/>
                 </a:rPr>
                 <a:t>.</a:t>
               </a:r>
@@ -17643,10 +17663,10 @@
         </p:sp>
         <p:pic>
           <p:nvPicPr>
-            <p:cNvPr id="9" name="Picture 2">
+            <p:cNvPr id="6" name="Picture 2">
               <a:extLst>
                 <a:ext uri="{FF2B5EF4-FFF2-40B4-BE49-F238E27FC236}">
-                  <a16:creationId xmlns:a16="http://schemas.microsoft.com/office/drawing/2014/main" id="{26638314-905C-9B5A-A73C-26C5211DF66E}"/>
+                  <a16:creationId xmlns:a16="http://schemas.microsoft.com/office/drawing/2014/main" id="{6F541B74-782B-CAA5-A668-3C59116BF01A}"/>
                 </a:ext>
               </a:extLst>
             </p:cNvPr>
@@ -17670,7 +17690,7 @@
           </p:blipFill>
           <p:spPr bwMode="auto">
             <a:xfrm>
-              <a:off x="1336261" y="5967669"/>
+              <a:off x="939962" y="6206845"/>
               <a:ext cx="888838" cy="311093"/>
             </a:xfrm>
             <a:prstGeom prst="rect">
@@ -17742,8 +17762,8 @@
           </a:p>
         </p:txBody>
       </p:sp>
-      <mc:AlternateContent xmlns:mc="http://schemas.openxmlformats.org/markup-compatibility/2006" xmlns:a14="http://schemas.microsoft.com/office/drawing/2010/main">
-        <mc:Choice Requires="a14">
+      <mc:AlternateContent xmlns:mc="http://schemas.openxmlformats.org/markup-compatibility/2006">
+        <mc:Choice xmlns:a14="http://schemas.microsoft.com/office/drawing/2010/main" Requires="a14">
           <p:sp>
             <p:nvSpPr>
               <p:cNvPr id="3" name="Content Placeholder 2">
@@ -17823,10 +17843,10 @@
                           </m:sSubPr>
                           <m:e>
                             <m:r>
-                              <a:rPr lang="en-US" i="1" dirty="0">
+                              <a:rPr lang="en-US" b="1" i="1" dirty="0">
                                 <a:latin typeface="Cambria Math" panose="02040503050406030204" pitchFamily="18" charset="0"/>
                               </a:rPr>
-                              <m:t>𝑥</m:t>
+                              <m:t>𝒙</m:t>
                             </m:r>
                           </m:e>
                           <m:sub>
@@ -17896,10 +17916,10 @@
                           </m:sSubPr>
                           <m:e>
                             <m:r>
-                              <a:rPr lang="en-US" i="1" dirty="0">
+                              <a:rPr lang="en-US" b="1" i="1" dirty="0">
                                 <a:latin typeface="Cambria Math" panose="02040503050406030204" pitchFamily="18" charset="0"/>
                               </a:rPr>
-                              <m:t>𝑥</m:t>
+                              <m:t>𝒙</m:t>
                             </m:r>
                           </m:e>
                           <m:sub>
@@ -17969,10 +17989,10 @@
                           </m:sSubPr>
                           <m:e>
                             <m:r>
-                              <a:rPr lang="en-US" i="1" dirty="0">
+                              <a:rPr lang="en-US" b="1" i="1" dirty="0">
                                 <a:latin typeface="Cambria Math" panose="02040503050406030204" pitchFamily="18" charset="0"/>
                               </a:rPr>
-                              <m:t>𝑥</m:t>
+                              <m:t>𝒙</m:t>
                             </m:r>
                           </m:e>
                           <m:sub>
@@ -18074,10 +18094,10 @@
                       </m:dPr>
                       <m:e>
                         <m:r>
-                          <a:rPr lang="en-US" b="0" i="1" dirty="0" smtClean="0">
+                          <a:rPr lang="en-US" b="1" i="1" dirty="0" smtClean="0">
                             <a:latin typeface="Cambria Math" panose="02040503050406030204" pitchFamily="18" charset="0"/>
                           </a:rPr>
-                          <m:t>𝑥</m:t>
+                          <m:t>𝒙</m:t>
                         </m:r>
                       </m:e>
                     </m:d>
@@ -18189,23 +18209,24 @@
                       </a:rPr>
                       <m:t>𝑓</m:t>
                     </m:r>
-                    <m:d>
-                      <m:dPr>
-                        <m:ctrlPr>
-                          <a:rPr lang="en-US" b="0" i="1" smtClean="0">
-                            <a:latin typeface="Cambria Math" panose="02040503050406030204" pitchFamily="18" charset="0"/>
-                          </a:rPr>
-                        </m:ctrlPr>
-                      </m:dPr>
-                      <m:e>
-                        <m:r>
-                          <a:rPr lang="en-US" b="0" i="1" smtClean="0">
-                            <a:latin typeface="Cambria Math" panose="02040503050406030204" pitchFamily="18" charset="0"/>
-                          </a:rPr>
-                          <m:t>𝑥</m:t>
-                        </m:r>
-                      </m:e>
-                    </m:d>
+                    <m:r>
+                      <a:rPr lang="en-US" b="0" i="1" smtClean="0">
+                        <a:latin typeface="Cambria Math" panose="02040503050406030204" pitchFamily="18" charset="0"/>
+                      </a:rPr>
+                      <m:t>(</m:t>
+                    </m:r>
+                    <m:r>
+                      <a:rPr lang="en-US" b="1" i="1" smtClean="0">
+                        <a:latin typeface="Cambria Math" panose="02040503050406030204" pitchFamily="18" charset="0"/>
+                      </a:rPr>
+                      <m:t>𝒙</m:t>
+                    </m:r>
+                    <m:r>
+                      <a:rPr lang="en-US" b="0" i="1" smtClean="0">
+                        <a:latin typeface="Cambria Math" panose="02040503050406030204" pitchFamily="18" charset="0"/>
+                      </a:rPr>
+                      <m:t>)</m:t>
+                    </m:r>
                     <m:r>
                       <a:rPr lang="en-US" b="0" i="1" smtClean="0">
                         <a:latin typeface="Cambria Math" panose="02040503050406030204" pitchFamily="18" charset="0"/>
@@ -18225,10 +18246,10 @@
                       <m:t>(</m:t>
                     </m:r>
                     <m:r>
-                      <a:rPr lang="en-US" b="0" i="1" smtClean="0">
+                      <a:rPr lang="en-US" b="1" i="1" smtClean="0">
                         <a:latin typeface="Cambria Math" panose="02040503050406030204" pitchFamily="18" charset="0"/>
                       </a:rPr>
-                      <m:t>𝑥</m:t>
+                      <m:t>𝒙</m:t>
                     </m:r>
                     <m:r>
                       <a:rPr lang="en-US" b="0" i="1" smtClean="0">
@@ -18244,7 +18265,7 @@
                 <a:pPr lvl="1"/>
                 <a:r>
                   <a:rPr lang="en-US" dirty="0"/>
-                  <a:t>Absolute-value loss 		</a:t>
+                  <a:t>Absolute-value loss 	</a:t>
                 </a:r>
                 <a14:m>
                   <m:oMath xmlns:m="http://schemas.openxmlformats.org/officeDocument/2006/math">
@@ -18364,7 +18385,7 @@
                 <a:pPr lvl="1"/>
                 <a:r>
                   <a:rPr lang="en-US" dirty="0"/>
-                  <a:t>Squared-error loss 		</a:t>
+                  <a:t>Squared-error loss 	</a:t>
                 </a:r>
                 <a14:m>
                   <m:oMath xmlns:m="http://schemas.openxmlformats.org/officeDocument/2006/math">
@@ -18664,7 +18685,7 @@
             </p:txBody>
           </p:sp>
         </mc:Choice>
-        <mc:Fallback xmlns="">
+        <mc:Fallback>
           <p:sp>
             <p:nvSpPr>
               <p:cNvPr id="3" name="Content Placeholder 2">
@@ -18708,167 +18729,209 @@
           </p:sp>
         </mc:Fallback>
       </mc:AlternateContent>
-      <p:sp>
-        <p:nvSpPr>
-          <p:cNvPr id="4" name="Right Brace 3">
+      <p:grpSp>
+        <p:nvGrpSpPr>
+          <p:cNvPr id="18" name="Group 17">
             <a:extLst>
               <a:ext uri="{FF2B5EF4-FFF2-40B4-BE49-F238E27FC236}">
-                <a16:creationId xmlns:a16="http://schemas.microsoft.com/office/drawing/2014/main" id="{E0D52B33-9224-4EC5-B7DB-3A04C235E02F}"/>
-              </a:ext>
-              <a:ext uri="{C183D7F6-B498-43B3-948B-1728B52AA6E4}">
-                <adec:decorative xmlns:adec="http://schemas.microsoft.com/office/drawing/2017/decorative" val="1"/>
+                <a16:creationId xmlns:a16="http://schemas.microsoft.com/office/drawing/2014/main" id="{74E6BA6B-A1C4-CCB8-DDF4-2762DFBDCC96}"/>
               </a:ext>
             </a:extLst>
           </p:cNvPr>
-          <p:cNvSpPr/>
+          <p:cNvGrpSpPr/>
           <p:nvPr/>
-        </p:nvSpPr>
-        <p:spPr>
+        </p:nvGrpSpPr>
+        <p:grpSpPr>
           <a:xfrm>
-            <a:off x="8073674" y="3497305"/>
-            <a:ext cx="228600" cy="539234"/>
+            <a:off x="6934200" y="3553791"/>
+            <a:ext cx="1898119" cy="539234"/>
+            <a:chOff x="8073674" y="3497305"/>
+            <a:chExt cx="1898119" cy="539234"/>
           </a:xfrm>
-          <a:prstGeom prst="rightBrace">
-            <a:avLst/>
-          </a:prstGeom>
-        </p:spPr>
-        <p:style>
-          <a:lnRef idx="1">
-            <a:schemeClr val="accent1"/>
-          </a:lnRef>
-          <a:fillRef idx="0">
-            <a:schemeClr val="accent1"/>
-          </a:fillRef>
-          <a:effectRef idx="0">
-            <a:schemeClr val="accent1"/>
-          </a:effectRef>
-          <a:fontRef idx="minor">
-            <a:schemeClr val="tx1"/>
-          </a:fontRef>
-        </p:style>
-        <p:txBody>
-          <a:bodyPr rtlCol="0" anchor="ctr"/>
-          <a:lstStyle/>
-          <a:p>
-            <a:pPr algn="ctr"/>
-            <a:endParaRPr lang="en-US"/>
-          </a:p>
-        </p:txBody>
-      </p:sp>
-      <p:sp>
-        <p:nvSpPr>
-          <p:cNvPr id="5" name="TextBox 4">
+        </p:grpSpPr>
+        <p:sp>
+          <p:nvSpPr>
+            <p:cNvPr id="4" name="Right Brace 3">
+              <a:extLst>
+                <a:ext uri="{FF2B5EF4-FFF2-40B4-BE49-F238E27FC236}">
+                  <a16:creationId xmlns:a16="http://schemas.microsoft.com/office/drawing/2014/main" id="{E0D52B33-9224-4EC5-B7DB-3A04C235E02F}"/>
+                </a:ext>
+                <a:ext uri="{C183D7F6-B498-43B3-948B-1728B52AA6E4}">
+                  <adec:decorative xmlns:adec="http://schemas.microsoft.com/office/drawing/2017/decorative" val="1"/>
+                </a:ext>
+              </a:extLst>
+            </p:cNvPr>
+            <p:cNvSpPr/>
+            <p:nvPr/>
+          </p:nvSpPr>
+          <p:spPr>
+            <a:xfrm>
+              <a:off x="8073674" y="3497305"/>
+              <a:ext cx="228600" cy="539234"/>
+            </a:xfrm>
+            <a:prstGeom prst="rightBrace">
+              <a:avLst/>
+            </a:prstGeom>
+          </p:spPr>
+          <p:style>
+            <a:lnRef idx="1">
+              <a:schemeClr val="accent1"/>
+            </a:lnRef>
+            <a:fillRef idx="0">
+              <a:schemeClr val="accent1"/>
+            </a:fillRef>
+            <a:effectRef idx="0">
+              <a:schemeClr val="accent1"/>
+            </a:effectRef>
+            <a:fontRef idx="minor">
+              <a:schemeClr val="tx1"/>
+            </a:fontRef>
+          </p:style>
+          <p:txBody>
+            <a:bodyPr rtlCol="0" anchor="ctr"/>
+            <a:lstStyle/>
+            <a:p>
+              <a:pPr algn="ctr"/>
+              <a:endParaRPr lang="en-US"/>
+            </a:p>
+          </p:txBody>
+        </p:sp>
+        <p:sp>
+          <p:nvSpPr>
+            <p:cNvPr id="5" name="TextBox 4">
+              <a:extLst>
+                <a:ext uri="{FF2B5EF4-FFF2-40B4-BE49-F238E27FC236}">
+                  <a16:creationId xmlns:a16="http://schemas.microsoft.com/office/drawing/2014/main" id="{59B19F70-3FB9-4505-8B33-07D185D2B5D2}"/>
+                </a:ext>
+              </a:extLst>
+            </p:cNvPr>
+            <p:cNvSpPr txBox="1"/>
+            <p:nvPr/>
+          </p:nvSpPr>
+          <p:spPr>
+            <a:xfrm>
+              <a:off x="8295393" y="3584317"/>
+              <a:ext cx="1676400" cy="369332"/>
+            </a:xfrm>
+            <a:prstGeom prst="rect">
+              <a:avLst/>
+            </a:prstGeom>
+            <a:noFill/>
+          </p:spPr>
+          <p:txBody>
+            <a:bodyPr wrap="square" rtlCol="0">
+              <a:spAutoFit/>
+            </a:bodyPr>
+            <a:lstStyle/>
+            <a:p>
+              <a:r>
+                <a:rPr lang="en-US" dirty="0"/>
+                <a:t>For Regression</a:t>
+              </a:r>
+            </a:p>
+          </p:txBody>
+        </p:sp>
+      </p:grpSp>
+      <p:grpSp>
+        <p:nvGrpSpPr>
+          <p:cNvPr id="19" name="Group 18">
             <a:extLst>
               <a:ext uri="{FF2B5EF4-FFF2-40B4-BE49-F238E27FC236}">
-                <a16:creationId xmlns:a16="http://schemas.microsoft.com/office/drawing/2014/main" id="{59B19F70-3FB9-4505-8B33-07D185D2B5D2}"/>
+                <a16:creationId xmlns:a16="http://schemas.microsoft.com/office/drawing/2014/main" id="{23789CF1-77C0-665C-5D92-E972E89F1748}"/>
               </a:ext>
             </a:extLst>
           </p:cNvPr>
-          <p:cNvSpPr txBox="1"/>
+          <p:cNvGrpSpPr/>
           <p:nvPr/>
-        </p:nvSpPr>
-        <p:spPr>
+        </p:nvGrpSpPr>
+        <p:grpSpPr>
           <a:xfrm>
-            <a:off x="8295393" y="3584317"/>
-            <a:ext cx="1676400" cy="369332"/>
+            <a:off x="8077200" y="3934763"/>
+            <a:ext cx="2493787" cy="369332"/>
+            <a:chOff x="8077200" y="3934763"/>
+            <a:chExt cx="2493787" cy="369332"/>
           </a:xfrm>
-          <a:prstGeom prst="rect">
-            <a:avLst/>
-          </a:prstGeom>
-          <a:noFill/>
-        </p:spPr>
-        <p:txBody>
-          <a:bodyPr wrap="square" rtlCol="0">
-            <a:spAutoFit/>
-          </a:bodyPr>
-          <a:lstStyle/>
-          <a:p>
-            <a:r>
-              <a:rPr lang="en-US" dirty="0"/>
-              <a:t>For Regression</a:t>
-            </a:r>
-          </a:p>
-        </p:txBody>
-      </p:sp>
-      <p:sp>
-        <p:nvSpPr>
-          <p:cNvPr id="6" name="TextBox 5">
-            <a:extLst>
-              <a:ext uri="{FF2B5EF4-FFF2-40B4-BE49-F238E27FC236}">
-                <a16:creationId xmlns:a16="http://schemas.microsoft.com/office/drawing/2014/main" id="{64D860C8-808B-41E1-AA5D-D2F08698D5FB}"/>
-              </a:ext>
-            </a:extLst>
-          </p:cNvPr>
-          <p:cNvSpPr txBox="1"/>
-          <p:nvPr/>
-        </p:nvSpPr>
-        <p:spPr>
-          <a:xfrm>
-            <a:off x="8513587" y="3934763"/>
-            <a:ext cx="2057400" cy="369332"/>
-          </a:xfrm>
-          <a:prstGeom prst="rect">
-            <a:avLst/>
-          </a:prstGeom>
-          <a:noFill/>
-        </p:spPr>
-        <p:txBody>
-          <a:bodyPr wrap="square" rtlCol="0">
-            <a:spAutoFit/>
-          </a:bodyPr>
-          <a:lstStyle/>
-          <a:p>
-            <a:r>
-              <a:rPr lang="en-US" dirty="0"/>
-              <a:t>For Classification</a:t>
-            </a:r>
-          </a:p>
-        </p:txBody>
-      </p:sp>
-      <p:cxnSp>
-        <p:nvCxnSpPr>
-          <p:cNvPr id="8" name="Straight Arrow Connector 7">
-            <a:extLst>
-              <a:ext uri="{FF2B5EF4-FFF2-40B4-BE49-F238E27FC236}">
-                <a16:creationId xmlns:a16="http://schemas.microsoft.com/office/drawing/2014/main" id="{0C115D7C-B830-4B0D-9A5B-1A84AC3255E4}"/>
-              </a:ext>
-              <a:ext uri="{C183D7F6-B498-43B3-948B-1728B52AA6E4}">
-                <adec:decorative xmlns:adec="http://schemas.microsoft.com/office/drawing/2017/decorative" val="1"/>
-              </a:ext>
-            </a:extLst>
-          </p:cNvPr>
-          <p:cNvCxnSpPr>
-            <a:cxnSpLocks/>
-          </p:cNvCxnSpPr>
-          <p:nvPr/>
-        </p:nvCxnSpPr>
-        <p:spPr>
-          <a:xfrm flipH="1">
-            <a:off x="8077200" y="4119429"/>
-            <a:ext cx="436387" cy="123886"/>
-          </a:xfrm>
-          <a:prstGeom prst="straightConnector1">
-            <a:avLst/>
-          </a:prstGeom>
-          <a:ln>
-            <a:tailEnd type="triangle"/>
-          </a:ln>
-        </p:spPr>
-        <p:style>
-          <a:lnRef idx="1">
-            <a:schemeClr val="accent1"/>
-          </a:lnRef>
-          <a:fillRef idx="0">
-            <a:schemeClr val="accent1"/>
-          </a:fillRef>
-          <a:effectRef idx="0">
-            <a:schemeClr val="accent1"/>
-          </a:effectRef>
-          <a:fontRef idx="minor">
-            <a:schemeClr val="tx1"/>
-          </a:fontRef>
-        </p:style>
-      </p:cxnSp>
+        </p:grpSpPr>
+        <p:sp>
+          <p:nvSpPr>
+            <p:cNvPr id="6" name="TextBox 5">
+              <a:extLst>
+                <a:ext uri="{FF2B5EF4-FFF2-40B4-BE49-F238E27FC236}">
+                  <a16:creationId xmlns:a16="http://schemas.microsoft.com/office/drawing/2014/main" id="{64D860C8-808B-41E1-AA5D-D2F08698D5FB}"/>
+                </a:ext>
+              </a:extLst>
+            </p:cNvPr>
+            <p:cNvSpPr txBox="1"/>
+            <p:nvPr/>
+          </p:nvSpPr>
+          <p:spPr>
+            <a:xfrm>
+              <a:off x="8513587" y="3934763"/>
+              <a:ext cx="2057400" cy="369332"/>
+            </a:xfrm>
+            <a:prstGeom prst="rect">
+              <a:avLst/>
+            </a:prstGeom>
+            <a:noFill/>
+          </p:spPr>
+          <p:txBody>
+            <a:bodyPr wrap="square" rtlCol="0">
+              <a:spAutoFit/>
+            </a:bodyPr>
+            <a:lstStyle/>
+            <a:p>
+              <a:r>
+                <a:rPr lang="en-US" dirty="0"/>
+                <a:t>For Classification</a:t>
+              </a:r>
+            </a:p>
+          </p:txBody>
+        </p:sp>
+        <p:cxnSp>
+          <p:nvCxnSpPr>
+            <p:cNvPr id="8" name="Straight Arrow Connector 7">
+              <a:extLst>
+                <a:ext uri="{FF2B5EF4-FFF2-40B4-BE49-F238E27FC236}">
+                  <a16:creationId xmlns:a16="http://schemas.microsoft.com/office/drawing/2014/main" id="{0C115D7C-B830-4B0D-9A5B-1A84AC3255E4}"/>
+                </a:ext>
+                <a:ext uri="{C183D7F6-B498-43B3-948B-1728B52AA6E4}">
+                  <adec:decorative xmlns:adec="http://schemas.microsoft.com/office/drawing/2017/decorative" val="1"/>
+                </a:ext>
+              </a:extLst>
+            </p:cNvPr>
+            <p:cNvCxnSpPr>
+              <a:cxnSpLocks/>
+            </p:cNvCxnSpPr>
+            <p:nvPr/>
+          </p:nvCxnSpPr>
+          <p:spPr>
+            <a:xfrm flipH="1">
+              <a:off x="8077200" y="4119429"/>
+              <a:ext cx="436387" cy="123886"/>
+            </a:xfrm>
+            <a:prstGeom prst="straightConnector1">
+              <a:avLst/>
+            </a:prstGeom>
+            <a:ln>
+              <a:tailEnd type="triangle"/>
+            </a:ln>
+          </p:spPr>
+          <p:style>
+            <a:lnRef idx="1">
+              <a:schemeClr val="accent1"/>
+            </a:lnRef>
+            <a:fillRef idx="0">
+              <a:schemeClr val="accent1"/>
+            </a:fillRef>
+            <a:effectRef idx="0">
+              <a:schemeClr val="accent1"/>
+            </a:effectRef>
+            <a:fontRef idx="minor">
+              <a:schemeClr val="tx1"/>
+            </a:fontRef>
+          </p:style>
+        </p:cxnSp>
+      </p:grpSp>
       <p:grpSp>
         <p:nvGrpSpPr>
           <p:cNvPr id="7" name="Group 6">
@@ -19629,349 +19692,6 @@
   <p:clrMapOvr>
     <a:masterClrMapping/>
   </p:clrMapOvr>
-  <p:timing>
-    <p:tnLst>
-      <p:par>
-        <p:cTn id="1" dur="indefinite" restart="never" nodeType="tmRoot">
-          <p:childTnLst>
-            <p:seq concurrent="1" nextAc="seek">
-              <p:cTn id="2" dur="indefinite" nodeType="mainSeq">
-                <p:childTnLst>
-                  <p:par>
-                    <p:cTn id="3" fill="hold">
-                      <p:stCondLst>
-                        <p:cond delay="indefinite"/>
-                      </p:stCondLst>
-                      <p:childTnLst>
-                        <p:par>
-                          <p:cTn id="4" fill="hold">
-                            <p:stCondLst>
-                              <p:cond delay="0"/>
-                            </p:stCondLst>
-                            <p:childTnLst>
-                              <p:par>
-                                <p:cTn id="5" presetID="1" presetClass="entr" presetSubtype="0" fill="hold" grpId="0" nodeType="clickEffect">
-                                  <p:stCondLst>
-                                    <p:cond delay="0"/>
-                                  </p:stCondLst>
-                                  <p:childTnLst>
-                                    <p:set>
-                                      <p:cBhvr>
-                                        <p:cTn id="6" dur="1" fill="hold">
-                                          <p:stCondLst>
-                                            <p:cond delay="0"/>
-                                          </p:stCondLst>
-                                        </p:cTn>
-                                        <p:tgtEl>
-                                          <p:spTgt spid="4"/>
-                                        </p:tgtEl>
-                                        <p:attrNameLst>
-                                          <p:attrName>style.visibility</p:attrName>
-                                        </p:attrNameLst>
-                                      </p:cBhvr>
-                                      <p:to>
-                                        <p:strVal val="visible"/>
-                                      </p:to>
-                                    </p:set>
-                                  </p:childTnLst>
-                                </p:cTn>
-                              </p:par>
-                              <p:par>
-                                <p:cTn id="7" presetID="1" presetClass="entr" presetSubtype="0" fill="hold" grpId="0" nodeType="withEffect">
-                                  <p:stCondLst>
-                                    <p:cond delay="0"/>
-                                  </p:stCondLst>
-                                  <p:childTnLst>
-                                    <p:set>
-                                      <p:cBhvr>
-                                        <p:cTn id="8" dur="1" fill="hold">
-                                          <p:stCondLst>
-                                            <p:cond delay="0"/>
-                                          </p:stCondLst>
-                                        </p:cTn>
-                                        <p:tgtEl>
-                                          <p:spTgt spid="5"/>
-                                        </p:tgtEl>
-                                        <p:attrNameLst>
-                                          <p:attrName>style.visibility</p:attrName>
-                                        </p:attrNameLst>
-                                      </p:cBhvr>
-                                      <p:to>
-                                        <p:strVal val="visible"/>
-                                      </p:to>
-                                    </p:set>
-                                  </p:childTnLst>
-                                </p:cTn>
-                              </p:par>
-                              <p:par>
-                                <p:cTn id="9" presetID="1" presetClass="entr" presetSubtype="0" fill="hold" grpId="0" nodeType="withEffect">
-                                  <p:stCondLst>
-                                    <p:cond delay="0"/>
-                                  </p:stCondLst>
-                                  <p:childTnLst>
-                                    <p:set>
-                                      <p:cBhvr>
-                                        <p:cTn id="10" dur="1" fill="hold">
-                                          <p:stCondLst>
-                                            <p:cond delay="0"/>
-                                          </p:stCondLst>
-                                        </p:cTn>
-                                        <p:tgtEl>
-                                          <p:spTgt spid="6"/>
-                                        </p:tgtEl>
-                                        <p:attrNameLst>
-                                          <p:attrName>style.visibility</p:attrName>
-                                        </p:attrNameLst>
-                                      </p:cBhvr>
-                                      <p:to>
-                                        <p:strVal val="visible"/>
-                                      </p:to>
-                                    </p:set>
-                                  </p:childTnLst>
-                                </p:cTn>
-                              </p:par>
-                              <p:par>
-                                <p:cTn id="11" presetID="1" presetClass="entr" presetSubtype="0" fill="hold" nodeType="withEffect">
-                                  <p:stCondLst>
-                                    <p:cond delay="0"/>
-                                  </p:stCondLst>
-                                  <p:childTnLst>
-                                    <p:set>
-                                      <p:cBhvr>
-                                        <p:cTn id="12" dur="1" fill="hold">
-                                          <p:stCondLst>
-                                            <p:cond delay="0"/>
-                                          </p:stCondLst>
-                                        </p:cTn>
-                                        <p:tgtEl>
-                                          <p:spTgt spid="8"/>
-                                        </p:tgtEl>
-                                        <p:attrNameLst>
-                                          <p:attrName>style.visibility</p:attrName>
-                                        </p:attrNameLst>
-                                      </p:cBhvr>
-                                      <p:to>
-                                        <p:strVal val="visible"/>
-                                      </p:to>
-                                    </p:set>
-                                  </p:childTnLst>
-                                </p:cTn>
-                              </p:par>
-                              <p:par>
-                                <p:cTn id="13" presetID="1" presetClass="entr" presetSubtype="0" fill="hold" nodeType="withEffect">
-                                  <p:stCondLst>
-                                    <p:cond delay="0"/>
-                                  </p:stCondLst>
-                                  <p:childTnLst>
-                                    <p:set>
-                                      <p:cBhvr>
-                                        <p:cTn id="14" dur="1" fill="hold">
-                                          <p:stCondLst>
-                                            <p:cond delay="0"/>
-                                          </p:stCondLst>
-                                        </p:cTn>
-                                        <p:tgtEl>
-                                          <p:spTgt spid="7"/>
-                                        </p:tgtEl>
-                                        <p:attrNameLst>
-                                          <p:attrName>style.visibility</p:attrName>
-                                        </p:attrNameLst>
-                                      </p:cBhvr>
-                                      <p:to>
-                                        <p:strVal val="visible"/>
-                                      </p:to>
-                                    </p:set>
-                                  </p:childTnLst>
-                                </p:cTn>
-                              </p:par>
-                              <p:par>
-                                <p:cTn id="15" presetID="1" presetClass="entr" presetSubtype="0" fill="hold" nodeType="withEffect">
-                                  <p:stCondLst>
-                                    <p:cond delay="0"/>
-                                  </p:stCondLst>
-        